--- a/docker/02_Members_of_docker_universe.pptx
+++ b/docker/02_Members_of_docker_universe.pptx
@@ -5,10 +5,10 @@
     <p:sldMasterId id="2147483733" r:id="rId1"/>
   </p:sldMasterIdLst>
   <p:notesMasterIdLst>
-    <p:notesMasterId r:id="rId14"/>
+    <p:notesMasterId r:id="rId15"/>
   </p:notesMasterIdLst>
   <p:handoutMasterIdLst>
-    <p:handoutMasterId r:id="rId15"/>
+    <p:handoutMasterId r:id="rId16"/>
   </p:handoutMasterIdLst>
   <p:sldIdLst>
     <p:sldId id="435" r:id="rId2"/>
@@ -22,7 +22,8 @@
     <p:sldId id="447" r:id="rId10"/>
     <p:sldId id="440" r:id="rId11"/>
     <p:sldId id="442" r:id="rId12"/>
-    <p:sldId id="265" r:id="rId13"/>
+    <p:sldId id="448" r:id="rId13"/>
+    <p:sldId id="265" r:id="rId14"/>
   </p:sldIdLst>
   <p:sldSz cx="12195175" cy="6858000"/>
   <p:notesSz cx="6858000" cy="9144000"/>
@@ -656,27 +657,21 @@
           <a:lstStyle/>
           <a:p>
             <a:r>
+              <a:rPr lang="en-US" sz="1400" noProof="0" dirty="0" err="1"/>
+              <a:t>unshare</a:t>
+            </a:r>
+            <a:r>
               <a:rPr lang="en-US" sz="1400" noProof="0" dirty="0"/>
-              <a:t>Docker extensively uses features of</a:t>
-            </a:r>
-            <a:r>
-              <a:rPr lang="en-US" sz="1400" baseline="0" noProof="0" dirty="0"/>
-              <a:t> the Linux kernel which are listed above. But Docker exists for Windows and Mac, how is that possible?</a:t>
-            </a:r>
-          </a:p>
-          <a:p>
-            <a:r>
-              <a:rPr lang="en-US" sz="1400" baseline="0" noProof="0" dirty="0"/>
-              <a:t>On Windows, Docker uses Hyper-V to silently start a minimalistic Linux VM in the background to run containers. This has some limitations on where you can run Docker for Windows. If your Windows runs within a VM and Docker wants to silently start its minimal Linux VM, you would end up with a VM inside a VM, i.e. nested virtualization. This is only supported on Windows 10 and Windows 2016. This limitation does not exist for bare-metal setups.</a:t>
-            </a:r>
-          </a:p>
-          <a:p>
-            <a:r>
-              <a:rPr lang="en-US" sz="1400" baseline="0" noProof="0" dirty="0"/>
-              <a:t>Macs use a Virtual Box VM to run a minimal Linux VM that provides the kernel features needed for Docker.</a:t>
-            </a:r>
-          </a:p>
-          <a:p>
+              <a:t> --</a:t>
+            </a:r>
+            <a:r>
+              <a:rPr lang="en-US" sz="1400" noProof="0" dirty="0" err="1"/>
+              <a:t>pid</a:t>
+            </a:r>
+            <a:r>
+              <a:rPr lang="en-US" sz="1400" noProof="0" dirty="0"/>
+              <a:t> --fork --mount-proc /bin/bash</a:t>
+            </a:r>
             <a:endParaRPr lang="en-US" sz="1400" baseline="0" noProof="0" dirty="0"/>
           </a:p>
         </p:txBody>
@@ -762,6 +757,22 @@
           <a:bodyPr/>
           <a:lstStyle/>
           <a:p>
+            <a:r>
+              <a:rPr lang="en-US" dirty="0" err="1"/>
+              <a:t>unshare</a:t>
+            </a:r>
+            <a:r>
+              <a:rPr lang="en-US" dirty="0"/>
+              <a:t> --</a:t>
+            </a:r>
+            <a:r>
+              <a:rPr lang="en-US" dirty="0" err="1"/>
+              <a:t>pid</a:t>
+            </a:r>
+            <a:r>
+              <a:rPr lang="en-US"/>
+              <a:t> --fork --mount-proc /bin/bash</a:t>
+            </a:r>
             <a:endParaRPr lang="de-DE" dirty="0"/>
           </a:p>
         </p:txBody>
@@ -1262,7 +1273,7 @@
             <a:fld id="{7D8C2C35-2B8A-446E-BEC0-FD36716C29AC}" type="slidenum">
               <a:rPr lang="de-DE" smtClean="0"/>
               <a:pPr/>
-              <a:t>12</a:t>
+              <a:t>13</a:t>
             </a:fld>
             <a:endParaRPr lang="de-DE" dirty="0"/>
           </a:p>
@@ -11295,6 +11306,1361 @@
 </file>
 
 <file path=ppt/slides/slide12.xml><?xml version="1.0" encoding="utf-8"?>
+<p:sld xmlns:a="http://schemas.openxmlformats.org/drawingml/2006/main" xmlns:r="http://schemas.openxmlformats.org/officeDocument/2006/relationships" xmlns:p="http://schemas.openxmlformats.org/presentationml/2006/main">
+  <p:cSld>
+    <p:spTree>
+      <p:nvGrpSpPr>
+        <p:cNvPr id="1" name=""/>
+        <p:cNvGrpSpPr/>
+        <p:nvPr/>
+      </p:nvGrpSpPr>
+      <p:grpSpPr>
+        <a:xfrm>
+          <a:off x="0" y="0"/>
+          <a:ext cx="0" cy="0"/>
+          <a:chOff x="0" y="0"/>
+          <a:chExt cx="0" cy="0"/>
+        </a:xfrm>
+      </p:grpSpPr>
+      <p:sp>
+        <p:nvSpPr>
+          <p:cNvPr id="11" name="Text Placeholder 10"/>
+          <p:cNvSpPr>
+            <a:spLocks noGrp="1"/>
+          </p:cNvSpPr>
+          <p:nvPr>
+            <p:ph type="body" sz="quarter" idx="10"/>
+          </p:nvPr>
+        </p:nvSpPr>
+        <p:spPr>
+          <a:xfrm>
+            <a:off x="503999" y="1620000"/>
+            <a:ext cx="5749567" cy="1749733"/>
+          </a:xfrm>
+        </p:spPr>
+        <p:txBody>
+          <a:bodyPr/>
+          <a:lstStyle/>
+          <a:p>
+            <a:pPr lvl="0"/>
+            <a:r>
+              <a:rPr lang="en-US" dirty="0"/>
+              <a:t>Different places to configure the Docker daemon</a:t>
+            </a:r>
+          </a:p>
+          <a:p>
+            <a:pPr lvl="1"/>
+            <a:r>
+              <a:rPr lang="en-US" dirty="0" err="1"/>
+              <a:t>systemd</a:t>
+            </a:r>
+            <a:r>
+              <a:rPr lang="en-US" dirty="0"/>
+              <a:t> unit drop-in : environment settings</a:t>
+            </a:r>
+          </a:p>
+          <a:p>
+            <a:pPr lvl="1"/>
+            <a:r>
+              <a:rPr lang="en-US" dirty="0"/>
+              <a:t>/</a:t>
+            </a:r>
+            <a:r>
+              <a:rPr lang="en-US" dirty="0" err="1"/>
+              <a:t>etc</a:t>
+            </a:r>
+            <a:r>
+              <a:rPr lang="en-US" dirty="0"/>
+              <a:t>/</a:t>
+            </a:r>
+            <a:r>
+              <a:rPr lang="en-US" dirty="0" err="1"/>
+              <a:t>sysconfig</a:t>
+            </a:r>
+            <a:r>
+              <a:rPr lang="en-US" dirty="0"/>
+              <a:t>/</a:t>
+            </a:r>
+            <a:r>
+              <a:rPr lang="en-US" dirty="0" err="1"/>
+              <a:t>docker</a:t>
+            </a:r>
+            <a:r>
+              <a:rPr lang="en-US" dirty="0"/>
+              <a:t> : command options for </a:t>
+            </a:r>
+            <a:r>
+              <a:rPr lang="en-US" dirty="0" err="1"/>
+              <a:t>dockerd</a:t>
+            </a:r>
+            <a:endParaRPr lang="en-US" dirty="0"/>
+          </a:p>
+          <a:p>
+            <a:pPr lvl="1"/>
+            <a:r>
+              <a:rPr lang="en-US" dirty="0"/>
+              <a:t>/</a:t>
+            </a:r>
+            <a:r>
+              <a:rPr lang="en-US" dirty="0" err="1"/>
+              <a:t>etc</a:t>
+            </a:r>
+            <a:r>
+              <a:rPr lang="en-US" dirty="0"/>
+              <a:t>/</a:t>
+            </a:r>
+            <a:r>
+              <a:rPr lang="en-US" dirty="0" err="1"/>
+              <a:t>docker</a:t>
+            </a:r>
+            <a:r>
+              <a:rPr lang="en-US" dirty="0"/>
+              <a:t>/</a:t>
+            </a:r>
+            <a:r>
+              <a:rPr lang="en-US" dirty="0" err="1"/>
+              <a:t>config.json</a:t>
+            </a:r>
+            <a:r>
+              <a:rPr lang="en-US" dirty="0"/>
+              <a:t> : general config options for drivers, </a:t>
+            </a:r>
+            <a:r>
+              <a:rPr lang="en-US" dirty="0" err="1"/>
+              <a:t>etc</a:t>
+            </a:r>
+            <a:r>
+              <a:rPr lang="en-US" dirty="0"/>
+              <a:t>…</a:t>
+            </a:r>
+          </a:p>
+        </p:txBody>
+      </p:sp>
+      <p:sp>
+        <p:nvSpPr>
+          <p:cNvPr id="4" name="Title 3"/>
+          <p:cNvSpPr>
+            <a:spLocks noGrp="1"/>
+          </p:cNvSpPr>
+          <p:nvPr>
+            <p:ph type="title"/>
+          </p:nvPr>
+        </p:nvSpPr>
+        <p:spPr/>
+        <p:txBody>
+          <a:bodyPr/>
+          <a:lstStyle/>
+          <a:p>
+            <a:r>
+              <a:rPr lang="en-US" dirty="0"/>
+              <a:t>Configuration of the Docker daemon</a:t>
+            </a:r>
+          </a:p>
+        </p:txBody>
+      </p:sp>
+      <p:sp>
+        <p:nvSpPr>
+          <p:cNvPr id="2" name="Rectangle 1"/>
+          <p:cNvSpPr/>
+          <p:nvPr/>
+        </p:nvSpPr>
+        <p:spPr bwMode="gray">
+          <a:xfrm>
+            <a:off x="9949392" y="2097617"/>
+            <a:ext cx="1108272" cy="2870200"/>
+          </a:xfrm>
+          <a:prstGeom prst="rect">
+            <a:avLst/>
+          </a:prstGeom>
+          <a:solidFill>
+            <a:schemeClr val="accent3">
+              <a:lumMod val="50000"/>
+            </a:schemeClr>
+          </a:solidFill>
+          <a:ln w="6350" algn="ctr">
+            <a:solidFill>
+              <a:schemeClr val="tx1"/>
+            </a:solidFill>
+            <a:miter lim="800000"/>
+            <a:headEnd/>
+            <a:tailEnd/>
+          </a:ln>
+        </p:spPr>
+        <p:txBody>
+          <a:bodyPr vert="vert270" lIns="90000" tIns="72000" rIns="90000" bIns="72000" rtlCol="0" anchor="ctr"/>
+          <a:lstStyle/>
+          <a:p>
+            <a:pPr marR="0" algn="ctr" defTabSz="914400" eaLnBrk="1" fontAlgn="base" latinLnBrk="0" hangingPunct="1">
+              <a:lnSpc>
+                <a:spcPct val="100000"/>
+              </a:lnSpc>
+              <a:spcBef>
+                <a:spcPct val="50000"/>
+              </a:spcBef>
+              <a:spcAft>
+                <a:spcPct val="0"/>
+              </a:spcAft>
+              <a:buClr>
+                <a:srgbClr val="F0AB00"/>
+              </a:buClr>
+              <a:buSzPct val="80000"/>
+              <a:tabLst/>
+            </a:pPr>
+            <a:r>
+              <a:rPr kumimoji="0" lang="de-DE" sz="1800" b="0" i="0" u="none" strike="noStrike" kern="0" cap="none" spc="0" normalizeH="0" baseline="0" noProof="0" dirty="0" err="1">
+                <a:ln>
+                  <a:noFill/>
+                </a:ln>
+                <a:solidFill>
+                  <a:schemeClr val="bg1"/>
+                </a:solidFill>
+                <a:effectLst/>
+                <a:uLnTx/>
+                <a:uFillTx/>
+                <a:ea typeface="Arial Unicode MS" pitchFamily="34" charset="-128"/>
+                <a:cs typeface="Arial Unicode MS" pitchFamily="34" charset="-128"/>
+              </a:rPr>
+              <a:t>dockerd</a:t>
+            </a:r>
+            <a:endParaRPr kumimoji="0" lang="de-DE" sz="1800" b="0" i="0" u="none" strike="noStrike" kern="0" cap="none" spc="0" normalizeH="0" baseline="0" noProof="0" dirty="0">
+              <a:ln>
+                <a:noFill/>
+              </a:ln>
+              <a:solidFill>
+                <a:schemeClr val="bg1"/>
+              </a:solidFill>
+              <a:effectLst/>
+              <a:uLnTx/>
+              <a:uFillTx/>
+              <a:ea typeface="Arial Unicode MS" pitchFamily="34" charset="-128"/>
+              <a:cs typeface="Arial Unicode MS" pitchFamily="34" charset="-128"/>
+            </a:endParaRPr>
+          </a:p>
+        </p:txBody>
+      </p:sp>
+      <p:sp>
+        <p:nvSpPr>
+          <p:cNvPr id="3" name="Rectangle: Folded Corner 2"/>
+          <p:cNvSpPr/>
+          <p:nvPr/>
+        </p:nvSpPr>
+        <p:spPr bwMode="gray">
+          <a:xfrm>
+            <a:off x="7693850" y="1998885"/>
+            <a:ext cx="1498600" cy="784533"/>
+          </a:xfrm>
+          <a:prstGeom prst="foldedCorner">
+            <a:avLst/>
+          </a:prstGeom>
+          <a:solidFill>
+            <a:schemeClr val="accent5">
+              <a:lumMod val="75000"/>
+            </a:schemeClr>
+          </a:solidFill>
+          <a:ln w="6350" algn="ctr">
+            <a:noFill/>
+            <a:miter lim="800000"/>
+            <a:headEnd/>
+            <a:tailEnd/>
+          </a:ln>
+        </p:spPr>
+        <p:txBody>
+          <a:bodyPr lIns="90000" tIns="72000" rIns="90000" bIns="72000" rtlCol="0" anchor="ctr"/>
+          <a:lstStyle/>
+          <a:p>
+            <a:pPr marR="0" algn="ctr" defTabSz="914400" eaLnBrk="1" fontAlgn="base" latinLnBrk="0" hangingPunct="1">
+              <a:lnSpc>
+                <a:spcPct val="100000"/>
+              </a:lnSpc>
+              <a:spcBef>
+                <a:spcPct val="50000"/>
+              </a:spcBef>
+              <a:spcAft>
+                <a:spcPct val="0"/>
+              </a:spcAft>
+              <a:buClr>
+                <a:srgbClr val="F0AB00"/>
+              </a:buClr>
+              <a:buSzPct val="80000"/>
+              <a:tabLst/>
+            </a:pPr>
+            <a:r>
+              <a:rPr lang="de-DE" sz="1400" kern="0" dirty="0">
+                <a:solidFill>
+                  <a:schemeClr val="bg1"/>
+                </a:solidFill>
+                <a:ea typeface="Arial Unicode MS" pitchFamily="34" charset="-128"/>
+                <a:cs typeface="Arial Unicode MS" pitchFamily="34" charset="-128"/>
+              </a:rPr>
+              <a:t>s</a:t>
+            </a:r>
+            <a:r>
+              <a:rPr kumimoji="0" lang="de-DE" sz="1400" b="0" i="0" u="none" strike="noStrike" kern="0" cap="none" spc="0" normalizeH="0" baseline="0" noProof="0" dirty="0" err="1">
+                <a:ln>
+                  <a:noFill/>
+                </a:ln>
+                <a:solidFill>
+                  <a:schemeClr val="bg1"/>
+                </a:solidFill>
+                <a:effectLst/>
+                <a:uLnTx/>
+                <a:uFillTx/>
+                <a:ea typeface="Arial Unicode MS" pitchFamily="34" charset="-128"/>
+                <a:cs typeface="Arial Unicode MS" pitchFamily="34" charset="-128"/>
+              </a:rPr>
+              <a:t>ystemd</a:t>
+            </a:r>
+            <a:r>
+              <a:rPr kumimoji="0" lang="de-DE" sz="1400" b="0" i="0" u="none" strike="noStrike" kern="0" cap="none" spc="0" normalizeH="0" baseline="0" noProof="0" dirty="0">
+                <a:ln>
+                  <a:noFill/>
+                </a:ln>
+                <a:solidFill>
+                  <a:schemeClr val="bg1"/>
+                </a:solidFill>
+                <a:effectLst/>
+                <a:uLnTx/>
+                <a:uFillTx/>
+                <a:ea typeface="Arial Unicode MS" pitchFamily="34" charset="-128"/>
+                <a:cs typeface="Arial Unicode MS" pitchFamily="34" charset="-128"/>
+              </a:rPr>
+              <a:t> </a:t>
+            </a:r>
+            <a:r>
+              <a:rPr kumimoji="0" lang="de-DE" sz="1400" b="0" i="0" u="none" strike="noStrike" kern="0" cap="none" spc="0" normalizeH="0" baseline="0" noProof="0" dirty="0" err="1">
+                <a:ln>
+                  <a:noFill/>
+                </a:ln>
+                <a:solidFill>
+                  <a:schemeClr val="bg1"/>
+                </a:solidFill>
+                <a:effectLst/>
+                <a:uLnTx/>
+                <a:uFillTx/>
+                <a:ea typeface="Arial Unicode MS" pitchFamily="34" charset="-128"/>
+                <a:cs typeface="Arial Unicode MS" pitchFamily="34" charset="-128"/>
+              </a:rPr>
+              <a:t>unit</a:t>
+            </a:r>
+            <a:r>
+              <a:rPr kumimoji="0" lang="de-DE" sz="1400" b="0" i="0" u="none" strike="noStrike" kern="0" cap="none" spc="0" normalizeH="0" noProof="0" dirty="0">
+                <a:ln>
+                  <a:noFill/>
+                </a:ln>
+                <a:solidFill>
+                  <a:schemeClr val="bg1"/>
+                </a:solidFill>
+                <a:effectLst/>
+                <a:uLnTx/>
+                <a:uFillTx/>
+                <a:ea typeface="Arial Unicode MS" pitchFamily="34" charset="-128"/>
+                <a:cs typeface="Arial Unicode MS" pitchFamily="34" charset="-128"/>
+              </a:rPr>
+              <a:t> </a:t>
+            </a:r>
+            <a:r>
+              <a:rPr kumimoji="0" lang="de-DE" sz="1400" b="0" i="0" u="none" strike="noStrike" kern="0" cap="none" spc="0" normalizeH="0" noProof="0" dirty="0" err="1">
+                <a:ln>
+                  <a:noFill/>
+                </a:ln>
+                <a:solidFill>
+                  <a:schemeClr val="bg1"/>
+                </a:solidFill>
+                <a:effectLst/>
+                <a:uLnTx/>
+                <a:uFillTx/>
+                <a:ea typeface="Arial Unicode MS" pitchFamily="34" charset="-128"/>
+                <a:cs typeface="Arial Unicode MS" pitchFamily="34" charset="-128"/>
+              </a:rPr>
+              <a:t>drop</a:t>
+            </a:r>
+            <a:r>
+              <a:rPr kumimoji="0" lang="de-DE" sz="1400" b="0" i="0" u="none" strike="noStrike" kern="0" cap="none" spc="0" normalizeH="0" noProof="0" dirty="0">
+                <a:ln>
+                  <a:noFill/>
+                </a:ln>
+                <a:solidFill>
+                  <a:schemeClr val="bg1"/>
+                </a:solidFill>
+                <a:effectLst/>
+                <a:uLnTx/>
+                <a:uFillTx/>
+                <a:ea typeface="Arial Unicode MS" pitchFamily="34" charset="-128"/>
+                <a:cs typeface="Arial Unicode MS" pitchFamily="34" charset="-128"/>
+              </a:rPr>
+              <a:t>-in</a:t>
+            </a:r>
+            <a:endParaRPr kumimoji="0" lang="de-DE" sz="1400" b="0" i="0" u="none" strike="noStrike" kern="0" cap="none" spc="0" normalizeH="0" baseline="0" noProof="0" dirty="0">
+              <a:ln>
+                <a:noFill/>
+              </a:ln>
+              <a:solidFill>
+                <a:schemeClr val="bg1"/>
+              </a:solidFill>
+              <a:effectLst/>
+              <a:uLnTx/>
+              <a:uFillTx/>
+              <a:ea typeface="Arial Unicode MS" pitchFamily="34" charset="-128"/>
+              <a:cs typeface="Arial Unicode MS" pitchFamily="34" charset="-128"/>
+            </a:endParaRPr>
+          </a:p>
+        </p:txBody>
+      </p:sp>
+      <p:sp>
+        <p:nvSpPr>
+          <p:cNvPr id="6" name="Rectangle: Folded Corner 5"/>
+          <p:cNvSpPr/>
+          <p:nvPr/>
+        </p:nvSpPr>
+        <p:spPr bwMode="gray">
+          <a:xfrm>
+            <a:off x="7090242" y="3265334"/>
+            <a:ext cx="1830450" cy="534766"/>
+          </a:xfrm>
+          <a:prstGeom prst="foldedCorner">
+            <a:avLst/>
+          </a:prstGeom>
+          <a:solidFill>
+            <a:schemeClr val="accent5">
+              <a:lumMod val="75000"/>
+            </a:schemeClr>
+          </a:solidFill>
+          <a:ln w="6350" algn="ctr">
+            <a:noFill/>
+            <a:miter lim="800000"/>
+            <a:headEnd/>
+            <a:tailEnd/>
+          </a:ln>
+        </p:spPr>
+        <p:txBody>
+          <a:bodyPr lIns="90000" tIns="72000" rIns="90000" bIns="72000" rtlCol="0" anchor="ctr"/>
+          <a:lstStyle/>
+          <a:p>
+            <a:pPr marR="0" algn="ctr" defTabSz="914400" eaLnBrk="1" fontAlgn="base" latinLnBrk="0" hangingPunct="1">
+              <a:lnSpc>
+                <a:spcPct val="100000"/>
+              </a:lnSpc>
+              <a:spcBef>
+                <a:spcPct val="50000"/>
+              </a:spcBef>
+              <a:spcAft>
+                <a:spcPct val="0"/>
+              </a:spcAft>
+              <a:buClr>
+                <a:srgbClr val="F0AB00"/>
+              </a:buClr>
+              <a:buSzPct val="80000"/>
+              <a:tabLst/>
+            </a:pPr>
+            <a:r>
+              <a:rPr lang="de-DE" sz="1400" kern="0" dirty="0">
+                <a:solidFill>
+                  <a:schemeClr val="bg1"/>
+                </a:solidFill>
+                <a:latin typeface="Arial Narrow" panose="020B0606020202030204" pitchFamily="34" charset="0"/>
+                <a:ea typeface="Arial Unicode MS" pitchFamily="34" charset="-128"/>
+                <a:cs typeface="Arial Unicode MS" pitchFamily="34" charset="-128"/>
+              </a:rPr>
+              <a:t>/</a:t>
+            </a:r>
+            <a:r>
+              <a:rPr lang="de-DE" sz="1400" kern="0" dirty="0" err="1">
+                <a:solidFill>
+                  <a:schemeClr val="bg1"/>
+                </a:solidFill>
+                <a:latin typeface="Arial Narrow" panose="020B0606020202030204" pitchFamily="34" charset="0"/>
+                <a:ea typeface="Arial Unicode MS" pitchFamily="34" charset="-128"/>
+                <a:cs typeface="Arial Unicode MS" pitchFamily="34" charset="-128"/>
+              </a:rPr>
+              <a:t>etc</a:t>
+            </a:r>
+            <a:r>
+              <a:rPr lang="de-DE" sz="1400" kern="0" dirty="0">
+                <a:solidFill>
+                  <a:schemeClr val="bg1"/>
+                </a:solidFill>
+                <a:latin typeface="Arial Narrow" panose="020B0606020202030204" pitchFamily="34" charset="0"/>
+                <a:ea typeface="Arial Unicode MS" pitchFamily="34" charset="-128"/>
+                <a:cs typeface="Arial Unicode MS" pitchFamily="34" charset="-128"/>
+              </a:rPr>
+              <a:t>/</a:t>
+            </a:r>
+            <a:r>
+              <a:rPr lang="de-DE" sz="1400" kern="0" dirty="0" err="1">
+                <a:solidFill>
+                  <a:schemeClr val="bg1"/>
+                </a:solidFill>
+                <a:latin typeface="Arial Narrow" panose="020B0606020202030204" pitchFamily="34" charset="0"/>
+                <a:ea typeface="Arial Unicode MS" pitchFamily="34" charset="-128"/>
+                <a:cs typeface="Arial Unicode MS" pitchFamily="34" charset="-128"/>
+              </a:rPr>
+              <a:t>docker</a:t>
+            </a:r>
+            <a:r>
+              <a:rPr lang="de-DE" sz="1400" kern="0" dirty="0">
+                <a:solidFill>
+                  <a:schemeClr val="bg1"/>
+                </a:solidFill>
+                <a:latin typeface="Arial Narrow" panose="020B0606020202030204" pitchFamily="34" charset="0"/>
+                <a:ea typeface="Arial Unicode MS" pitchFamily="34" charset="-128"/>
+                <a:cs typeface="Arial Unicode MS" pitchFamily="34" charset="-128"/>
+              </a:rPr>
+              <a:t>/</a:t>
+            </a:r>
+            <a:r>
+              <a:rPr lang="de-DE" sz="1400" kern="0" dirty="0" err="1">
+                <a:solidFill>
+                  <a:schemeClr val="bg1"/>
+                </a:solidFill>
+                <a:latin typeface="Arial Narrow" panose="020B0606020202030204" pitchFamily="34" charset="0"/>
+                <a:ea typeface="Arial Unicode MS" pitchFamily="34" charset="-128"/>
+                <a:cs typeface="Arial Unicode MS" pitchFamily="34" charset="-128"/>
+              </a:rPr>
+              <a:t>config.json</a:t>
+            </a:r>
+            <a:endParaRPr kumimoji="0" lang="de-DE" sz="1400" b="0" i="0" u="none" strike="noStrike" kern="0" cap="none" spc="0" normalizeH="0" baseline="0" noProof="0" dirty="0">
+              <a:ln>
+                <a:noFill/>
+              </a:ln>
+              <a:solidFill>
+                <a:schemeClr val="bg1"/>
+              </a:solidFill>
+              <a:effectLst/>
+              <a:uLnTx/>
+              <a:uFillTx/>
+              <a:latin typeface="Arial Narrow" panose="020B0606020202030204" pitchFamily="34" charset="0"/>
+              <a:ea typeface="Arial Unicode MS" pitchFamily="34" charset="-128"/>
+              <a:cs typeface="Arial Unicode MS" pitchFamily="34" charset="-128"/>
+            </a:endParaRPr>
+          </a:p>
+        </p:txBody>
+      </p:sp>
+      <p:sp>
+        <p:nvSpPr>
+          <p:cNvPr id="7" name="Rectangle: Folded Corner 6"/>
+          <p:cNvSpPr/>
+          <p:nvPr/>
+        </p:nvSpPr>
+        <p:spPr bwMode="gray">
+          <a:xfrm>
+            <a:off x="7441608" y="4352035"/>
+            <a:ext cx="1830450" cy="534766"/>
+          </a:xfrm>
+          <a:prstGeom prst="foldedCorner">
+            <a:avLst/>
+          </a:prstGeom>
+          <a:solidFill>
+            <a:schemeClr val="accent5">
+              <a:lumMod val="75000"/>
+            </a:schemeClr>
+          </a:solidFill>
+          <a:ln w="6350" algn="ctr">
+            <a:noFill/>
+            <a:miter lim="800000"/>
+            <a:headEnd/>
+            <a:tailEnd/>
+          </a:ln>
+        </p:spPr>
+        <p:txBody>
+          <a:bodyPr lIns="90000" tIns="72000" rIns="90000" bIns="72000" rtlCol="0" anchor="ctr"/>
+          <a:lstStyle/>
+          <a:p>
+            <a:pPr marR="0" algn="ctr" defTabSz="914400" eaLnBrk="1" fontAlgn="base" latinLnBrk="0" hangingPunct="1">
+              <a:lnSpc>
+                <a:spcPct val="100000"/>
+              </a:lnSpc>
+              <a:spcBef>
+                <a:spcPct val="50000"/>
+              </a:spcBef>
+              <a:spcAft>
+                <a:spcPct val="0"/>
+              </a:spcAft>
+              <a:buClr>
+                <a:srgbClr val="F0AB00"/>
+              </a:buClr>
+              <a:buSzPct val="80000"/>
+              <a:tabLst/>
+            </a:pPr>
+            <a:r>
+              <a:rPr lang="de-DE" sz="1400" kern="0" dirty="0">
+                <a:solidFill>
+                  <a:schemeClr val="bg1"/>
+                </a:solidFill>
+                <a:latin typeface="Arial Narrow" panose="020B0606020202030204" pitchFamily="34" charset="0"/>
+                <a:ea typeface="Arial Unicode MS" pitchFamily="34" charset="-128"/>
+                <a:cs typeface="Arial Unicode MS" pitchFamily="34" charset="-128"/>
+              </a:rPr>
+              <a:t>/</a:t>
+            </a:r>
+            <a:r>
+              <a:rPr lang="de-DE" sz="1400" kern="0" dirty="0" err="1">
+                <a:solidFill>
+                  <a:schemeClr val="bg1"/>
+                </a:solidFill>
+                <a:latin typeface="Arial Narrow" panose="020B0606020202030204" pitchFamily="34" charset="0"/>
+                <a:ea typeface="Arial Unicode MS" pitchFamily="34" charset="-128"/>
+                <a:cs typeface="Arial Unicode MS" pitchFamily="34" charset="-128"/>
+              </a:rPr>
+              <a:t>etc</a:t>
+            </a:r>
+            <a:r>
+              <a:rPr lang="de-DE" sz="1400" kern="0" dirty="0">
+                <a:solidFill>
+                  <a:schemeClr val="bg1"/>
+                </a:solidFill>
+                <a:latin typeface="Arial Narrow" panose="020B0606020202030204" pitchFamily="34" charset="0"/>
+                <a:ea typeface="Arial Unicode MS" pitchFamily="34" charset="-128"/>
+                <a:cs typeface="Arial Unicode MS" pitchFamily="34" charset="-128"/>
+              </a:rPr>
+              <a:t>/</a:t>
+            </a:r>
+            <a:r>
+              <a:rPr lang="de-DE" sz="1400" kern="0" dirty="0" err="1">
+                <a:solidFill>
+                  <a:schemeClr val="bg1"/>
+                </a:solidFill>
+                <a:latin typeface="Arial Narrow" panose="020B0606020202030204" pitchFamily="34" charset="0"/>
+                <a:ea typeface="Arial Unicode MS" pitchFamily="34" charset="-128"/>
+                <a:cs typeface="Arial Unicode MS" pitchFamily="34" charset="-128"/>
+              </a:rPr>
+              <a:t>sysconfig</a:t>
+            </a:r>
+            <a:r>
+              <a:rPr lang="de-DE" sz="1400" kern="0" dirty="0">
+                <a:solidFill>
+                  <a:schemeClr val="bg1"/>
+                </a:solidFill>
+                <a:latin typeface="Arial Narrow" panose="020B0606020202030204" pitchFamily="34" charset="0"/>
+                <a:ea typeface="Arial Unicode MS" pitchFamily="34" charset="-128"/>
+                <a:cs typeface="Arial Unicode MS" pitchFamily="34" charset="-128"/>
+              </a:rPr>
+              <a:t>/</a:t>
+            </a:r>
+            <a:r>
+              <a:rPr lang="de-DE" sz="1400" kern="0" dirty="0" err="1">
+                <a:solidFill>
+                  <a:schemeClr val="bg1"/>
+                </a:solidFill>
+                <a:latin typeface="Arial Narrow" panose="020B0606020202030204" pitchFamily="34" charset="0"/>
+                <a:ea typeface="Arial Unicode MS" pitchFamily="34" charset="-128"/>
+                <a:cs typeface="Arial Unicode MS" pitchFamily="34" charset="-128"/>
+              </a:rPr>
+              <a:t>docker</a:t>
+            </a:r>
+            <a:endParaRPr kumimoji="0" lang="de-DE" sz="1400" b="0" i="0" u="none" strike="noStrike" kern="0" cap="none" spc="0" normalizeH="0" baseline="0" noProof="0" dirty="0">
+              <a:ln>
+                <a:noFill/>
+              </a:ln>
+              <a:solidFill>
+                <a:schemeClr val="bg1"/>
+              </a:solidFill>
+              <a:effectLst/>
+              <a:uLnTx/>
+              <a:uFillTx/>
+              <a:latin typeface="Arial Narrow" panose="020B0606020202030204" pitchFamily="34" charset="0"/>
+              <a:ea typeface="Arial Unicode MS" pitchFamily="34" charset="-128"/>
+              <a:cs typeface="Arial Unicode MS" pitchFamily="34" charset="-128"/>
+            </a:endParaRPr>
+          </a:p>
+        </p:txBody>
+      </p:sp>
+      <p:cxnSp>
+        <p:nvCxnSpPr>
+          <p:cNvPr id="9" name="Straight Arrow Connector 8"/>
+          <p:cNvCxnSpPr>
+            <a:stCxn id="3" idx="3"/>
+          </p:cNvCxnSpPr>
+          <p:nvPr/>
+        </p:nvCxnSpPr>
+        <p:spPr>
+          <a:xfrm>
+            <a:off x="9192450" y="2391152"/>
+            <a:ext cx="655342" cy="730931"/>
+          </a:xfrm>
+          <a:prstGeom prst="straightConnector1">
+            <a:avLst/>
+          </a:prstGeom>
+          <a:ln w="12700">
+            <a:solidFill>
+              <a:schemeClr val="tx1"/>
+            </a:solidFill>
+            <a:headEnd type="none" w="med" len="med"/>
+            <a:tailEnd type="triangle" w="lg" len="lg"/>
+          </a:ln>
+        </p:spPr>
+        <p:style>
+          <a:lnRef idx="1">
+            <a:schemeClr val="accent1"/>
+          </a:lnRef>
+          <a:fillRef idx="0">
+            <a:schemeClr val="accent1"/>
+          </a:fillRef>
+          <a:effectRef idx="0">
+            <a:schemeClr val="accent1"/>
+          </a:effectRef>
+          <a:fontRef idx="minor">
+            <a:schemeClr val="tx1"/>
+          </a:fontRef>
+        </p:style>
+      </p:cxnSp>
+      <p:cxnSp>
+        <p:nvCxnSpPr>
+          <p:cNvPr id="12" name="Straight Arrow Connector 11"/>
+          <p:cNvCxnSpPr>
+            <a:stCxn id="6" idx="3"/>
+          </p:cNvCxnSpPr>
+          <p:nvPr/>
+        </p:nvCxnSpPr>
+        <p:spPr>
+          <a:xfrm>
+            <a:off x="8920692" y="3532717"/>
+            <a:ext cx="927100" cy="115901"/>
+          </a:xfrm>
+          <a:prstGeom prst="straightConnector1">
+            <a:avLst/>
+          </a:prstGeom>
+          <a:ln w="12700">
+            <a:solidFill>
+              <a:schemeClr val="tx1"/>
+            </a:solidFill>
+            <a:headEnd type="none" w="med" len="med"/>
+            <a:tailEnd type="triangle" w="lg" len="lg"/>
+          </a:ln>
+        </p:spPr>
+        <p:style>
+          <a:lnRef idx="1">
+            <a:schemeClr val="accent1"/>
+          </a:lnRef>
+          <a:fillRef idx="0">
+            <a:schemeClr val="accent1"/>
+          </a:fillRef>
+          <a:effectRef idx="0">
+            <a:schemeClr val="accent1"/>
+          </a:effectRef>
+          <a:fontRef idx="minor">
+            <a:schemeClr val="tx1"/>
+          </a:fontRef>
+        </p:style>
+      </p:cxnSp>
+      <p:cxnSp>
+        <p:nvCxnSpPr>
+          <p:cNvPr id="14" name="Straight Arrow Connector 13"/>
+          <p:cNvCxnSpPr>
+            <a:stCxn id="7" idx="3"/>
+          </p:cNvCxnSpPr>
+          <p:nvPr/>
+        </p:nvCxnSpPr>
+        <p:spPr>
+          <a:xfrm flipV="1">
+            <a:off x="9272058" y="4167716"/>
+            <a:ext cx="575734" cy="451702"/>
+          </a:xfrm>
+          <a:prstGeom prst="straightConnector1">
+            <a:avLst/>
+          </a:prstGeom>
+          <a:ln w="12700">
+            <a:solidFill>
+              <a:schemeClr val="tx1"/>
+            </a:solidFill>
+            <a:headEnd type="none" w="med" len="med"/>
+            <a:tailEnd type="triangle" w="lg" len="lg"/>
+          </a:ln>
+        </p:spPr>
+        <p:style>
+          <a:lnRef idx="1">
+            <a:schemeClr val="accent1"/>
+          </a:lnRef>
+          <a:fillRef idx="0">
+            <a:schemeClr val="accent1"/>
+          </a:fillRef>
+          <a:effectRef idx="0">
+            <a:schemeClr val="accent1"/>
+          </a:effectRef>
+          <a:fontRef idx="minor">
+            <a:schemeClr val="tx1"/>
+          </a:fontRef>
+        </p:style>
+      </p:cxnSp>
+      <p:sp>
+        <p:nvSpPr>
+          <p:cNvPr id="22" name="Text Placeholder 10"/>
+          <p:cNvSpPr txBox="1">
+            <a:spLocks/>
+          </p:cNvSpPr>
+          <p:nvPr/>
+        </p:nvSpPr>
+        <p:spPr bwMode="gray">
+          <a:xfrm>
+            <a:off x="498484" y="3814675"/>
+            <a:ext cx="5749567" cy="747593"/>
+          </a:xfrm>
+          <a:prstGeom prst="rect">
+            <a:avLst/>
+          </a:prstGeom>
+          <a:noFill/>
+        </p:spPr>
+        <p:txBody>
+          <a:bodyPr vert="horz" lIns="0" tIns="0" rIns="0" bIns="0" rtlCol="0">
+            <a:noAutofit/>
+          </a:bodyPr>
+          <a:lstStyle>
+            <a:lvl1pPr marL="0" indent="0" algn="l" defTabSz="1088558" rtl="0" eaLnBrk="1" latinLnBrk="0" hangingPunct="1">
+              <a:spcBef>
+                <a:spcPts val="1800"/>
+              </a:spcBef>
+              <a:buClr>
+                <a:schemeClr val="accent1"/>
+              </a:buClr>
+              <a:buSzPct val="80000"/>
+              <a:buFontTx/>
+              <a:buNone/>
+              <a:defRPr sz="2000" b="0" kern="1200">
+                <a:solidFill>
+                  <a:schemeClr val="tx1"/>
+                </a:solidFill>
+                <a:latin typeface="+mn-lt"/>
+                <a:ea typeface="+mn-ea"/>
+                <a:cs typeface="+mn-cs"/>
+              </a:defRPr>
+            </a:lvl1pPr>
+            <a:lvl2pPr marL="179964" indent="-179964" algn="l" defTabSz="1088558" rtl="0" eaLnBrk="1" latinLnBrk="0" hangingPunct="1">
+              <a:spcBef>
+                <a:spcPts val="600"/>
+              </a:spcBef>
+              <a:buClr>
+                <a:schemeClr val="accent1"/>
+              </a:buClr>
+              <a:buSzPct val="100000"/>
+              <a:buFont typeface="Wingdings" pitchFamily="2" charset="2"/>
+              <a:buChar char="§"/>
+              <a:defRPr sz="1800" kern="1200">
+                <a:solidFill>
+                  <a:schemeClr val="tx1"/>
+                </a:solidFill>
+                <a:latin typeface="+mn-lt"/>
+                <a:ea typeface="+mn-ea"/>
+                <a:cs typeface="+mn-cs"/>
+              </a:defRPr>
+            </a:lvl2pPr>
+            <a:lvl3pPr marL="358775" indent="-179388" algn="l" defTabSz="1088558" rtl="0" eaLnBrk="1" latinLnBrk="0" hangingPunct="1">
+              <a:spcBef>
+                <a:spcPts val="300"/>
+              </a:spcBef>
+              <a:buClr>
+                <a:schemeClr val="tx1"/>
+              </a:buClr>
+              <a:buSzPct val="100000"/>
+              <a:buFont typeface="Arial" panose="020B0604020202020204" pitchFamily="34" charset="0"/>
+              <a:buChar char="–"/>
+              <a:defRPr lang="en-US" sz="1800" kern="1200" noProof="0" dirty="0" smtClean="0">
+                <a:solidFill>
+                  <a:schemeClr val="tx1"/>
+                </a:solidFill>
+                <a:latin typeface="+mn-lt"/>
+                <a:ea typeface="+mn-ea"/>
+                <a:cs typeface="+mn-cs"/>
+              </a:defRPr>
+            </a:lvl3pPr>
+            <a:lvl4pPr marL="539892" indent="-179964" algn="l" defTabSz="1088558" rtl="0" eaLnBrk="1" latinLnBrk="0" hangingPunct="1">
+              <a:spcBef>
+                <a:spcPts val="300"/>
+              </a:spcBef>
+              <a:buClr>
+                <a:schemeClr val="tx1"/>
+              </a:buClr>
+              <a:buSzPct val="120000"/>
+              <a:buFont typeface="Arial" pitchFamily="34" charset="0"/>
+              <a:buChar char="▫"/>
+              <a:defRPr sz="1600" kern="1200">
+                <a:solidFill>
+                  <a:schemeClr val="tx1"/>
+                </a:solidFill>
+                <a:latin typeface="+mn-lt"/>
+                <a:ea typeface="+mn-ea"/>
+                <a:cs typeface="+mn-cs"/>
+              </a:defRPr>
+            </a:lvl4pPr>
+            <a:lvl5pPr marL="719856" indent="-179964" algn="l" defTabSz="1088558" rtl="0" eaLnBrk="1" latinLnBrk="0" hangingPunct="1">
+              <a:spcBef>
+                <a:spcPts val="100"/>
+              </a:spcBef>
+              <a:buClr>
+                <a:schemeClr val="tx1"/>
+              </a:buClr>
+              <a:buSzPct val="100000"/>
+              <a:buFont typeface="Symbol" panose="05050102010706020507" pitchFamily="18" charset="2"/>
+              <a:buChar char="-"/>
+              <a:defRPr sz="1400" kern="1200" baseline="0">
+                <a:solidFill>
+                  <a:schemeClr val="tx1"/>
+                </a:solidFill>
+                <a:latin typeface="+mn-lt"/>
+                <a:ea typeface="+mn-ea"/>
+                <a:cs typeface="+mn-cs"/>
+              </a:defRPr>
+            </a:lvl5pPr>
+            <a:lvl6pPr marL="2993535" indent="-272140" algn="l" defTabSz="1088558" rtl="0" eaLnBrk="1" latinLnBrk="0" hangingPunct="1">
+              <a:spcBef>
+                <a:spcPct val="20000"/>
+              </a:spcBef>
+              <a:buFont typeface="Arial" pitchFamily="34" charset="0"/>
+              <a:buChar char="•"/>
+              <a:defRPr sz="2400" kern="1200">
+                <a:solidFill>
+                  <a:schemeClr val="tx1"/>
+                </a:solidFill>
+                <a:latin typeface="+mn-lt"/>
+                <a:ea typeface="+mn-ea"/>
+                <a:cs typeface="+mn-cs"/>
+              </a:defRPr>
+            </a:lvl6pPr>
+            <a:lvl7pPr marL="3537814" indent="-272140" algn="l" defTabSz="1088558" rtl="0" eaLnBrk="1" latinLnBrk="0" hangingPunct="1">
+              <a:spcBef>
+                <a:spcPct val="20000"/>
+              </a:spcBef>
+              <a:buFont typeface="Arial" pitchFamily="34" charset="0"/>
+              <a:buChar char="•"/>
+              <a:defRPr sz="2400" kern="1200">
+                <a:solidFill>
+                  <a:schemeClr val="tx1"/>
+                </a:solidFill>
+                <a:latin typeface="+mn-lt"/>
+                <a:ea typeface="+mn-ea"/>
+                <a:cs typeface="+mn-cs"/>
+              </a:defRPr>
+            </a:lvl7pPr>
+            <a:lvl8pPr marL="4082093" indent="-272140" algn="l" defTabSz="1088558" rtl="0" eaLnBrk="1" latinLnBrk="0" hangingPunct="1">
+              <a:spcBef>
+                <a:spcPct val="20000"/>
+              </a:spcBef>
+              <a:buFont typeface="Arial" pitchFamily="34" charset="0"/>
+              <a:buChar char="•"/>
+              <a:defRPr sz="2400" kern="1200">
+                <a:solidFill>
+                  <a:schemeClr val="tx1"/>
+                </a:solidFill>
+                <a:latin typeface="+mn-lt"/>
+                <a:ea typeface="+mn-ea"/>
+                <a:cs typeface="+mn-cs"/>
+              </a:defRPr>
+            </a:lvl8pPr>
+            <a:lvl9pPr marL="4626373" indent="-272140" algn="l" defTabSz="1088558" rtl="0" eaLnBrk="1" latinLnBrk="0" hangingPunct="1">
+              <a:spcBef>
+                <a:spcPct val="20000"/>
+              </a:spcBef>
+              <a:buFont typeface="Arial" pitchFamily="34" charset="0"/>
+              <a:buChar char="•"/>
+              <a:defRPr sz="2400" kern="1200">
+                <a:solidFill>
+                  <a:schemeClr val="tx1"/>
+                </a:solidFill>
+                <a:latin typeface="+mn-lt"/>
+                <a:ea typeface="+mn-ea"/>
+                <a:cs typeface="+mn-cs"/>
+              </a:defRPr>
+            </a:lvl9pPr>
+          </a:lstStyle>
+          <a:p>
+            <a:r>
+              <a:rPr lang="en-US" u="sng" dirty="0"/>
+              <a:t>Example:</a:t>
+            </a:r>
+            <a:r>
+              <a:rPr lang="en-US" dirty="0"/>
+              <a:t> Setting up the proxy server</a:t>
+            </a:r>
+          </a:p>
+          <a:p>
+            <a:pPr lvl="1"/>
+            <a:r>
+              <a:rPr lang="en-US" dirty="0"/>
+              <a:t>Proxy is an environment setting</a:t>
+            </a:r>
+          </a:p>
+        </p:txBody>
+      </p:sp>
+      <p:grpSp>
+        <p:nvGrpSpPr>
+          <p:cNvPr id="25" name="Group 24"/>
+          <p:cNvGrpSpPr/>
+          <p:nvPr/>
+        </p:nvGrpSpPr>
+        <p:grpSpPr>
+          <a:xfrm>
+            <a:off x="691090" y="4562268"/>
+            <a:ext cx="5556961" cy="961513"/>
+            <a:chOff x="498484" y="4294885"/>
+            <a:chExt cx="5749568" cy="961513"/>
+          </a:xfrm>
+        </p:grpSpPr>
+        <p:sp>
+          <p:nvSpPr>
+            <p:cNvPr id="23" name="Rectangle: Rounded Corners 22"/>
+            <p:cNvSpPr/>
+            <p:nvPr/>
+          </p:nvSpPr>
+          <p:spPr bwMode="gray">
+            <a:xfrm>
+              <a:off x="498484" y="4294885"/>
+              <a:ext cx="5749568" cy="961513"/>
+            </a:xfrm>
+            <a:prstGeom prst="roundRect">
+              <a:avLst>
+                <a:gd name="adj" fmla="val 5680"/>
+              </a:avLst>
+            </a:prstGeom>
+            <a:solidFill>
+              <a:schemeClr val="accent1"/>
+            </a:solidFill>
+            <a:ln w="6350" algn="ctr">
+              <a:solidFill>
+                <a:schemeClr val="tx1"/>
+              </a:solidFill>
+              <a:miter lim="800000"/>
+              <a:headEnd/>
+              <a:tailEnd/>
+            </a:ln>
+          </p:spPr>
+          <p:txBody>
+            <a:bodyPr lIns="90000" tIns="72000" rIns="90000" bIns="72000" rtlCol="0" anchor="b"/>
+            <a:lstStyle/>
+            <a:p>
+              <a:pPr defTabSz="914400" fontAlgn="base">
+                <a:spcAft>
+                  <a:spcPct val="0"/>
+                </a:spcAft>
+                <a:buClr>
+                  <a:srgbClr val="F0AB00"/>
+                </a:buClr>
+                <a:buSzPct val="80000"/>
+              </a:pPr>
+              <a:r>
+                <a:rPr lang="de-DE" sz="1200" b="1" kern="0" dirty="0">
+                  <a:latin typeface="Courier New" panose="02070309020205020404" pitchFamily="49" charset="0"/>
+                  <a:ea typeface="Arial Unicode MS" pitchFamily="34" charset="-128"/>
+                  <a:cs typeface="Courier New" panose="02070309020205020404" pitchFamily="49" charset="0"/>
+                </a:rPr>
+                <a:t>[Service]</a:t>
+              </a:r>
+            </a:p>
+            <a:p>
+              <a:pPr defTabSz="914400" fontAlgn="base">
+                <a:spcAft>
+                  <a:spcPct val="0"/>
+                </a:spcAft>
+                <a:buClr>
+                  <a:srgbClr val="F0AB00"/>
+                </a:buClr>
+                <a:buSzPct val="80000"/>
+              </a:pPr>
+              <a:r>
+                <a:rPr lang="de-DE" sz="1200" b="1" kern="0" dirty="0">
+                  <a:latin typeface="Courier New" panose="02070309020205020404" pitchFamily="49" charset="0"/>
+                  <a:ea typeface="Arial Unicode MS" pitchFamily="34" charset="-128"/>
+                  <a:cs typeface="Courier New" panose="02070309020205020404" pitchFamily="49" charset="0"/>
+                </a:rPr>
+                <a:t>Environment="</a:t>
+              </a:r>
+              <a:r>
+                <a:rPr lang="de-DE" sz="1200" b="1" kern="0" dirty="0" err="1">
+                  <a:latin typeface="Courier New" panose="02070309020205020404" pitchFamily="49" charset="0"/>
+                  <a:ea typeface="Arial Unicode MS" pitchFamily="34" charset="-128"/>
+                  <a:cs typeface="Courier New" panose="02070309020205020404" pitchFamily="49" charset="0"/>
+                </a:rPr>
+                <a:t>http_proxy</a:t>
+              </a:r>
+              <a:r>
+                <a:rPr lang="de-DE" sz="1200" b="1" kern="0" dirty="0">
+                  <a:latin typeface="Courier New" panose="02070309020205020404" pitchFamily="49" charset="0"/>
+                  <a:ea typeface="Arial Unicode MS" pitchFamily="34" charset="-128"/>
+                  <a:cs typeface="Courier New" panose="02070309020205020404" pitchFamily="49" charset="0"/>
+                </a:rPr>
+                <a:t>=http://proxy.wdf.sap.corp:8080"</a:t>
+              </a:r>
+            </a:p>
+            <a:p>
+              <a:pPr defTabSz="914400" fontAlgn="base">
+                <a:spcAft>
+                  <a:spcPct val="0"/>
+                </a:spcAft>
+                <a:buClr>
+                  <a:srgbClr val="F0AB00"/>
+                </a:buClr>
+                <a:buSzPct val="80000"/>
+              </a:pPr>
+              <a:r>
+                <a:rPr lang="de-DE" sz="1200" b="1" kern="0" dirty="0">
+                  <a:latin typeface="Courier New" panose="02070309020205020404" pitchFamily="49" charset="0"/>
+                  <a:ea typeface="Arial Unicode MS" pitchFamily="34" charset="-128"/>
+                  <a:cs typeface="Courier New" panose="02070309020205020404" pitchFamily="49" charset="0"/>
+                </a:rPr>
+                <a:t>Environment="</a:t>
+              </a:r>
+              <a:r>
+                <a:rPr lang="de-DE" sz="1200" b="1" kern="0" dirty="0" err="1">
+                  <a:latin typeface="Courier New" panose="02070309020205020404" pitchFamily="49" charset="0"/>
+                  <a:ea typeface="Arial Unicode MS" pitchFamily="34" charset="-128"/>
+                  <a:cs typeface="Courier New" panose="02070309020205020404" pitchFamily="49" charset="0"/>
+                </a:rPr>
+                <a:t>https_proxy</a:t>
+              </a:r>
+              <a:r>
+                <a:rPr lang="de-DE" sz="1200" b="1" kern="0" dirty="0">
+                  <a:latin typeface="Courier New" panose="02070309020205020404" pitchFamily="49" charset="0"/>
+                  <a:ea typeface="Arial Unicode MS" pitchFamily="34" charset="-128"/>
+                  <a:cs typeface="Courier New" panose="02070309020205020404" pitchFamily="49" charset="0"/>
+                </a:rPr>
+                <a:t>=http://proxy.wdf.sap.corp:8080"</a:t>
+              </a:r>
+            </a:p>
+          </p:txBody>
+        </p:sp>
+        <p:sp>
+          <p:nvSpPr>
+            <p:cNvPr id="24" name="Rectangle: Rounded Corners 23"/>
+            <p:cNvSpPr/>
+            <p:nvPr/>
+          </p:nvSpPr>
+          <p:spPr bwMode="gray">
+            <a:xfrm>
+              <a:off x="498484" y="4294885"/>
+              <a:ext cx="5749567" cy="267383"/>
+            </a:xfrm>
+            <a:prstGeom prst="roundRect">
+              <a:avLst/>
+            </a:prstGeom>
+            <a:solidFill>
+              <a:schemeClr val="tx1"/>
+            </a:solidFill>
+            <a:ln w="6350" algn="ctr">
+              <a:noFill/>
+              <a:miter lim="800000"/>
+              <a:headEnd/>
+              <a:tailEnd/>
+            </a:ln>
+          </p:spPr>
+          <p:txBody>
+            <a:bodyPr lIns="90000" tIns="72000" rIns="90000" bIns="72000" rtlCol="0" anchor="ctr"/>
+            <a:lstStyle/>
+            <a:p>
+              <a:pPr marR="0" defTabSz="914400" eaLnBrk="1" fontAlgn="base" latinLnBrk="0" hangingPunct="1">
+                <a:lnSpc>
+                  <a:spcPct val="100000"/>
+                </a:lnSpc>
+                <a:spcBef>
+                  <a:spcPct val="50000"/>
+                </a:spcBef>
+                <a:spcAft>
+                  <a:spcPct val="0"/>
+                </a:spcAft>
+                <a:buClr>
+                  <a:srgbClr val="F0AB00"/>
+                </a:buClr>
+                <a:buSzPct val="80000"/>
+                <a:tabLst/>
+              </a:pPr>
+              <a:r>
+                <a:rPr kumimoji="0" lang="de-DE" sz="1200" b="1" i="0" u="none" strike="noStrike" kern="0" cap="none" spc="0" normalizeH="0" baseline="0" noProof="0" dirty="0">
+                  <a:ln>
+                    <a:noFill/>
+                  </a:ln>
+                  <a:solidFill>
+                    <a:schemeClr val="bg1"/>
+                  </a:solidFill>
+                  <a:effectLst/>
+                  <a:uLnTx/>
+                  <a:uFillTx/>
+                  <a:latin typeface="Courier New" panose="02070309020205020404" pitchFamily="49" charset="0"/>
+                  <a:ea typeface="Arial Unicode MS" pitchFamily="34" charset="-128"/>
+                  <a:cs typeface="Courier New" panose="02070309020205020404" pitchFamily="49" charset="0"/>
+                </a:rPr>
+                <a:t>/</a:t>
+              </a:r>
+              <a:r>
+                <a:rPr kumimoji="0" lang="de-DE" sz="1200" b="1" i="0" u="none" strike="noStrike" kern="0" cap="none" spc="0" normalizeH="0" baseline="0" noProof="0" dirty="0" err="1">
+                  <a:ln>
+                    <a:noFill/>
+                  </a:ln>
+                  <a:solidFill>
+                    <a:schemeClr val="bg1"/>
+                  </a:solidFill>
+                  <a:effectLst/>
+                  <a:uLnTx/>
+                  <a:uFillTx/>
+                  <a:latin typeface="Courier New" panose="02070309020205020404" pitchFamily="49" charset="0"/>
+                  <a:ea typeface="Arial Unicode MS" pitchFamily="34" charset="-128"/>
+                  <a:cs typeface="Courier New" panose="02070309020205020404" pitchFamily="49" charset="0"/>
+                </a:rPr>
+                <a:t>etc</a:t>
+              </a:r>
+              <a:r>
+                <a:rPr kumimoji="0" lang="de-DE" sz="1200" b="1" i="0" u="none" strike="noStrike" kern="0" cap="none" spc="0" normalizeH="0" baseline="0" noProof="0" dirty="0">
+                  <a:ln>
+                    <a:noFill/>
+                  </a:ln>
+                  <a:solidFill>
+                    <a:schemeClr val="bg1"/>
+                  </a:solidFill>
+                  <a:effectLst/>
+                  <a:uLnTx/>
+                  <a:uFillTx/>
+                  <a:latin typeface="Courier New" panose="02070309020205020404" pitchFamily="49" charset="0"/>
+                  <a:ea typeface="Arial Unicode MS" pitchFamily="34" charset="-128"/>
+                  <a:cs typeface="Courier New" panose="02070309020205020404" pitchFamily="49" charset="0"/>
+                </a:rPr>
+                <a:t>/</a:t>
+              </a:r>
+              <a:r>
+                <a:rPr kumimoji="0" lang="de-DE" sz="1200" b="1" i="0" u="none" strike="noStrike" kern="0" cap="none" spc="0" normalizeH="0" baseline="0" noProof="0" dirty="0" err="1">
+                  <a:ln>
+                    <a:noFill/>
+                  </a:ln>
+                  <a:solidFill>
+                    <a:schemeClr val="bg1"/>
+                  </a:solidFill>
+                  <a:effectLst/>
+                  <a:uLnTx/>
+                  <a:uFillTx/>
+                  <a:latin typeface="Courier New" panose="02070309020205020404" pitchFamily="49" charset="0"/>
+                  <a:ea typeface="Arial Unicode MS" pitchFamily="34" charset="-128"/>
+                  <a:cs typeface="Courier New" panose="02070309020205020404" pitchFamily="49" charset="0"/>
+                </a:rPr>
+                <a:t>systemd</a:t>
+              </a:r>
+              <a:r>
+                <a:rPr kumimoji="0" lang="de-DE" sz="1200" b="1" i="0" u="none" strike="noStrike" kern="0" cap="none" spc="0" normalizeH="0" baseline="0" noProof="0" dirty="0">
+                  <a:ln>
+                    <a:noFill/>
+                  </a:ln>
+                  <a:solidFill>
+                    <a:schemeClr val="bg1"/>
+                  </a:solidFill>
+                  <a:effectLst/>
+                  <a:uLnTx/>
+                  <a:uFillTx/>
+                  <a:latin typeface="Courier New" panose="02070309020205020404" pitchFamily="49" charset="0"/>
+                  <a:ea typeface="Arial Unicode MS" pitchFamily="34" charset="-128"/>
+                  <a:cs typeface="Courier New" panose="02070309020205020404" pitchFamily="49" charset="0"/>
+                </a:rPr>
+                <a:t>/</a:t>
+              </a:r>
+              <a:r>
+                <a:rPr kumimoji="0" lang="de-DE" sz="1200" b="1" i="0" u="none" strike="noStrike" kern="0" cap="none" spc="0" normalizeH="0" baseline="0" noProof="0" dirty="0" err="1">
+                  <a:ln>
+                    <a:noFill/>
+                  </a:ln>
+                  <a:solidFill>
+                    <a:schemeClr val="bg1"/>
+                  </a:solidFill>
+                  <a:effectLst/>
+                  <a:uLnTx/>
+                  <a:uFillTx/>
+                  <a:latin typeface="Courier New" panose="02070309020205020404" pitchFamily="49" charset="0"/>
+                  <a:ea typeface="Arial Unicode MS" pitchFamily="34" charset="-128"/>
+                  <a:cs typeface="Courier New" panose="02070309020205020404" pitchFamily="49" charset="0"/>
+                </a:rPr>
+                <a:t>system</a:t>
+              </a:r>
+              <a:r>
+                <a:rPr kumimoji="0" lang="de-DE" sz="1200" b="1" i="0" u="none" strike="noStrike" kern="0" cap="none" spc="0" normalizeH="0" baseline="0" noProof="0" dirty="0">
+                  <a:ln>
+                    <a:noFill/>
+                  </a:ln>
+                  <a:solidFill>
+                    <a:schemeClr val="bg1"/>
+                  </a:solidFill>
+                  <a:effectLst/>
+                  <a:uLnTx/>
+                  <a:uFillTx/>
+                  <a:latin typeface="Courier New" panose="02070309020205020404" pitchFamily="49" charset="0"/>
+                  <a:ea typeface="Arial Unicode MS" pitchFamily="34" charset="-128"/>
+                  <a:cs typeface="Courier New" panose="02070309020205020404" pitchFamily="49" charset="0"/>
+                </a:rPr>
+                <a:t>/</a:t>
+              </a:r>
+              <a:r>
+                <a:rPr kumimoji="0" lang="de-DE" sz="1200" b="1" i="0" u="none" strike="noStrike" kern="0" cap="none" spc="0" normalizeH="0" baseline="0" noProof="0" dirty="0" err="1">
+                  <a:ln>
+                    <a:noFill/>
+                  </a:ln>
+                  <a:solidFill>
+                    <a:schemeClr val="bg1"/>
+                  </a:solidFill>
+                  <a:effectLst/>
+                  <a:uLnTx/>
+                  <a:uFillTx/>
+                  <a:latin typeface="Courier New" panose="02070309020205020404" pitchFamily="49" charset="0"/>
+                  <a:ea typeface="Arial Unicode MS" pitchFamily="34" charset="-128"/>
+                  <a:cs typeface="Courier New" panose="02070309020205020404" pitchFamily="49" charset="0"/>
+                </a:rPr>
+                <a:t>docker.service.d</a:t>
+              </a:r>
+              <a:r>
+                <a:rPr kumimoji="0" lang="de-DE" sz="1200" b="1" i="0" u="none" strike="noStrike" kern="0" cap="none" spc="0" normalizeH="0" baseline="0" noProof="0" dirty="0">
+                  <a:ln>
+                    <a:noFill/>
+                  </a:ln>
+                  <a:solidFill>
+                    <a:schemeClr val="bg1"/>
+                  </a:solidFill>
+                  <a:effectLst/>
+                  <a:uLnTx/>
+                  <a:uFillTx/>
+                  <a:latin typeface="Courier New" panose="02070309020205020404" pitchFamily="49" charset="0"/>
+                  <a:ea typeface="Arial Unicode MS" pitchFamily="34" charset="-128"/>
+                  <a:cs typeface="Courier New" panose="02070309020205020404" pitchFamily="49" charset="0"/>
+                </a:rPr>
+                <a:t>/</a:t>
+              </a:r>
+              <a:r>
+                <a:rPr kumimoji="0" lang="de-DE" sz="1200" b="1" i="0" u="none" strike="noStrike" kern="0" cap="none" spc="0" normalizeH="0" baseline="0" noProof="0" dirty="0" err="1">
+                  <a:ln>
+                    <a:noFill/>
+                  </a:ln>
+                  <a:solidFill>
+                    <a:schemeClr val="bg1"/>
+                  </a:solidFill>
+                  <a:effectLst/>
+                  <a:uLnTx/>
+                  <a:uFillTx/>
+                  <a:latin typeface="Courier New" panose="02070309020205020404" pitchFamily="49" charset="0"/>
+                  <a:ea typeface="Arial Unicode MS" pitchFamily="34" charset="-128"/>
+                  <a:cs typeface="Courier New" panose="02070309020205020404" pitchFamily="49" charset="0"/>
+                </a:rPr>
+                <a:t>proxy</a:t>
+              </a:r>
+              <a:endParaRPr kumimoji="0" lang="de-DE" sz="1200" b="1" i="0" u="none" strike="noStrike" kern="0" cap="none" spc="0" normalizeH="0" baseline="0" noProof="0" dirty="0">
+                <a:ln>
+                  <a:noFill/>
+                </a:ln>
+                <a:solidFill>
+                  <a:schemeClr val="bg1"/>
+                </a:solidFill>
+                <a:effectLst/>
+                <a:uLnTx/>
+                <a:uFillTx/>
+                <a:latin typeface="Courier New" panose="02070309020205020404" pitchFamily="49" charset="0"/>
+                <a:ea typeface="Arial Unicode MS" pitchFamily="34" charset="-128"/>
+                <a:cs typeface="Courier New" panose="02070309020205020404" pitchFamily="49" charset="0"/>
+              </a:endParaRPr>
+            </a:p>
+          </p:txBody>
+        </p:sp>
+      </p:grpSp>
+    </p:spTree>
+    <p:extLst>
+      <p:ext uri="{BB962C8B-B14F-4D97-AF65-F5344CB8AC3E}">
+        <p14:creationId xmlns:p14="http://schemas.microsoft.com/office/powerpoint/2010/main" val="3555722437"/>
+      </p:ext>
+    </p:extLst>
+  </p:cSld>
+  <p:clrMapOvr>
+    <a:masterClrMapping/>
+  </p:clrMapOvr>
+</p:sld>
+</file>
+
+<file path=ppt/slides/slide13.xml><?xml version="1.0" encoding="utf-8"?>
 <p:sld xmlns:a="http://schemas.openxmlformats.org/drawingml/2006/main" xmlns:r="http://schemas.openxmlformats.org/officeDocument/2006/relationships" xmlns:p="http://schemas.openxmlformats.org/presentationml/2006/main" show="0">
   <p:cSld>
     <p:spTree>

--- a/docker/02_Members_of_docker_universe.pptx
+++ b/docker/02_Members_of_docker_universe.pptx
@@ -1006,6 +1006,30 @@
           <a:bodyPr/>
           <a:lstStyle/>
           <a:p>
+            <a:r>
+              <a:rPr lang="en-US" dirty="0"/>
+              <a:t>Containers consist of several filesystem layers. In order to get the idea, remember your school time when you certainly had to deal with that device on the left.</a:t>
+            </a:r>
+          </a:p>
+          <a:p>
+            <a:r>
+              <a:rPr lang="en-US" dirty="0"/>
+              <a:t>On an overhead slide projector, you put on a slide, you write on it and everybody can see what you wrote. You put up another slide on top and write on it - now everybody can see what is written on both slides but all you write goes to the topmost slide, you can no longer write on the lowest slide. You can put yet another slide on top of the stack, you can write on that… and so on.</a:t>
+            </a:r>
+          </a:p>
+          <a:p>
+            <a:r>
+              <a:rPr lang="en-US" dirty="0"/>
+              <a:t>With an overlay filesystem, it is exactly like that. Several different filesystem layers will be stacked on top of each other and the contents will merge - when you read files, you will not even notice which layer they are from. Writing however will always go to the topmost filesystem layer, all underlaying layers will be read-only.</a:t>
+            </a:r>
+          </a:p>
+          <a:p>
+            <a:r>
+              <a:rPr lang="en-US" dirty="0"/>
+              <a:t>Docker uses these layers to enable stacking of images. Container images can extend existing images which is facilitated by these layers. They will be discussed in more depth in the chapter about images.</a:t>
+            </a:r>
+          </a:p>
+          <a:p>
             <a:endParaRPr lang="en-US" dirty="0"/>
           </a:p>
         </p:txBody>
@@ -1091,7 +1115,38 @@
           <a:bodyPr/>
           <a:lstStyle/>
           <a:p>
-            <a:endParaRPr lang="en-US" dirty="0"/>
+            <a:r>
+              <a:rPr lang="en-US" dirty="0"/>
+              <a:t>Docker images can be made available by means of registries. The most common registry is the Docker Hub. Many images are made available here and a simple “docker pull </a:t>
+            </a:r>
+            <a:r>
+              <a:rPr lang="en-US" dirty="0" err="1"/>
+              <a:t>xyz</a:t>
+            </a:r>
+            <a:r>
+              <a:rPr lang="en-US" dirty="0"/>
+              <a:t>” will download image </a:t>
+            </a:r>
+            <a:r>
+              <a:rPr lang="en-US" dirty="0" err="1"/>
+              <a:t>xyz</a:t>
+            </a:r>
+            <a:r>
+              <a:rPr lang="en-US" dirty="0"/>
+              <a:t> from Docker Hub. Docker Hub is a public registry meaning that everybody can use it.</a:t>
+            </a:r>
+          </a:p>
+          <a:p>
+            <a:r>
+              <a:rPr lang="en-US" dirty="0"/>
+              <a:t>If you want to offer your images to only a limited group of peers, private registries come in handy. These require authentication before images can be pulled from or pushed to it. Docker Hub also offers private registries.</a:t>
+            </a:r>
+          </a:p>
+          <a:p>
+            <a:r>
+              <a:rPr lang="en-US" dirty="0"/>
+              <a:t>If you chose not to use a hosted registry (Docker Hub is a cloud registry), you can set up a local private registry yourself which is fairly straightforward. After all, a registry is just another docker image, cf. https://hub.docker.com/r/_/registry.</a:t>
+            </a:r>
           </a:p>
         </p:txBody>
       </p:sp>
@@ -1178,6 +1233,45 @@
           <a:p>
             <a:r>
               <a:rPr lang="en-US" noProof="0" dirty="0"/>
+              <a:t>Docker is a client-server architecture. The docker command you use to interact with Docker nothing but talk to the Docker daemon. All the magic of pinning up containers, downloading images and even building images is done inside the Docker daemon. Communication between the Docker client and the Docker daemon happens through a </a:t>
+            </a:r>
+            <a:r>
+              <a:rPr lang="en-US" noProof="0" dirty="0" err="1"/>
+              <a:t>ReST</a:t>
+            </a:r>
+            <a:r>
+              <a:rPr lang="en-US" noProof="0" dirty="0"/>
+              <a:t> API over http/https.</a:t>
+            </a:r>
+          </a:p>
+          <a:p>
+            <a:r>
+              <a:rPr lang="en-US" noProof="0" dirty="0"/>
+              <a:t>If both, docker client and docker daemon, run on the same host, communication will take place through a socket file (/</a:t>
+            </a:r>
+            <a:r>
+              <a:rPr lang="en-US" noProof="0" dirty="0" err="1"/>
+              <a:t>var</a:t>
+            </a:r>
+            <a:r>
+              <a:rPr lang="en-US" noProof="0" dirty="0"/>
+              <a:t>/run/</a:t>
+            </a:r>
+            <a:r>
+              <a:rPr lang="en-US" noProof="0" dirty="0" err="1"/>
+              <a:t>docker.sock</a:t>
+            </a:r>
+            <a:r>
+              <a:rPr lang="en-US" noProof="0" dirty="0"/>
+              <a:t>). It is however also possible to have the Docker client on your local laptop and the Docker daemon on a computer somewhere totally different. In that case, communication goes through TCP, the target port on the Docker daemon will be 2375 for unencrypted HTTP and 2376 for TLS secured HTTPS.</a:t>
+            </a:r>
+          </a:p>
+          <a:p>
+            <a:endParaRPr lang="en-US" noProof="0" dirty="0"/>
+          </a:p>
+          <a:p>
+            <a:r>
+              <a:rPr lang="en-US" noProof="0" dirty="0"/>
               <a:t>If you want to talk to</a:t>
             </a:r>
             <a:r>
@@ -1345,7 +1439,62 @@
           <a:bodyPr/>
           <a:lstStyle/>
           <a:p>
-            <a:endParaRPr lang="en-US" dirty="0"/>
+            <a:r>
+              <a:rPr lang="en-US" dirty="0"/>
+              <a:t>Remember all the stuff we did some slides back? Setting up namespaces, putting processes into </a:t>
+            </a:r>
+            <a:r>
+              <a:rPr lang="en-US" dirty="0" err="1"/>
+              <a:t>cgroups</a:t>
+            </a:r>
+            <a:r>
+              <a:rPr lang="en-US" dirty="0"/>
+              <a:t>, chrooting into directories, applying </a:t>
+            </a:r>
+            <a:r>
+              <a:rPr lang="en-US" dirty="0" err="1"/>
+              <a:t>seccomp</a:t>
+            </a:r>
+            <a:r>
+              <a:rPr lang="en-US" dirty="0"/>
+              <a:t> profiles?</a:t>
+            </a:r>
+          </a:p>
+          <a:p>
+            <a:r>
+              <a:rPr lang="en-US" dirty="0"/>
+              <a:t>In former times, this was </a:t>
+            </a:r>
+            <a:r>
+              <a:rPr lang="en-US"/>
+              <a:t>all managed </a:t>
+            </a:r>
+            <a:r>
+              <a:rPr lang="en-US" dirty="0"/>
+              <a:t>by the Docker daemon but starting with Docker 1.11 it was decided to spin out all of that “infrastructure plumbing” into a separate piece of software that follows the OCI reference specification. That piece of software is </a:t>
+            </a:r>
+            <a:r>
+              <a:rPr lang="en-US" dirty="0" err="1"/>
+              <a:t>runC</a:t>
+            </a:r>
+            <a:r>
+              <a:rPr lang="en-US" dirty="0"/>
+              <a:t>.</a:t>
+            </a:r>
+          </a:p>
+          <a:p>
+            <a:r>
+              <a:rPr lang="en-US" dirty="0"/>
+              <a:t>If your want to know more about </a:t>
+            </a:r>
+            <a:r>
+              <a:rPr lang="en-US" dirty="0" err="1"/>
+              <a:t>runC</a:t>
+            </a:r>
+            <a:r>
+              <a:rPr lang="en-US" dirty="0"/>
+              <a:t>, visit https://blog.docker.com/2015/06/runc/.</a:t>
+            </a:r>
           </a:p>
         </p:txBody>
       </p:sp>
@@ -1972,6 +2121,9 @@
             </a:r>
           </a:p>
           <a:p>
+            <a:endParaRPr lang="en-US" dirty="0"/>
+          </a:p>
+          <a:p>
             <a:r>
               <a:rPr lang="en-US" dirty="0"/>
               <a:t>Linux offers namespaces for seven different resources: PID table, mount table, user mapping table, IPC, network stack, UTS (host and domain name) and </a:t>
@@ -2242,7 +2394,7 @@
             </a:r>
             <a:r>
               <a:rPr lang="en-US" dirty="0"/>
-              <a:t>, individual system calls can be blocked to reduce the security risk which is commonly done in container environments (Docker for instance blocks around 40 system calls).</a:t>
+              <a:t>, individual system calls can be blocked to reduce the security risk which is commonly done in container environments (Docker for instance blocks around 40 system calls by default).</a:t>
             </a:r>
           </a:p>
         </p:txBody>
@@ -15811,6 +15963,66 @@
           </a:prstGeom>
         </p:spPr>
       </p:pic>
+      <p:pic>
+        <p:nvPicPr>
+          <p:cNvPr id="1026" name="Picture 1" descr="cid:image003.png@01D31CC6.A08B1C50">
+            <a:extLst>
+              <a:ext uri="{FF2B5EF4-FFF2-40B4-BE49-F238E27FC236}">
+                <a16:creationId xmlns:a16="http://schemas.microsoft.com/office/drawing/2014/main" id="{C5778249-5CC5-4E31-8F43-F227A6AAAF03}"/>
+              </a:ext>
+            </a:extLst>
+          </p:cNvPr>
+          <p:cNvPicPr>
+            <a:picLocks noChangeAspect="1" noChangeArrowheads="1"/>
+          </p:cNvPicPr>
+          <p:nvPr/>
+        </p:nvPicPr>
+        <p:blipFill>
+          <a:blip r:embed="rId4">
+            <a:extLst>
+              <a:ext uri="{28A0092B-C50C-407E-A947-70E740481C1C}">
+                <a14:useLocalDpi xmlns:a14="http://schemas.microsoft.com/office/drawing/2010/main" val="0"/>
+              </a:ext>
+            </a:extLst>
+          </a:blip>
+          <a:srcRect/>
+          <a:stretch>
+            <a:fillRect/>
+          </a:stretch>
+        </p:blipFill>
+        <p:spPr bwMode="auto">
+          <a:xfrm>
+            <a:off x="10780713" y="5721975"/>
+            <a:ext cx="1414463" cy="1136025"/>
+          </a:xfrm>
+          <a:prstGeom prst="rect">
+            <a:avLst/>
+          </a:prstGeom>
+          <a:noFill/>
+          <a:ln>
+            <a:noFill/>
+          </a:ln>
+          <a:extLst>
+            <a:ext uri="{909E8E84-426E-40DD-AFC4-6F175D3DCCD1}">
+              <a14:hiddenFill xmlns:a14="http://schemas.microsoft.com/office/drawing/2010/main">
+                <a:solidFill>
+                  <a:srgbClr val="FFFFFF"/>
+                </a:solidFill>
+              </a14:hiddenFill>
+            </a:ext>
+            <a:ext uri="{91240B29-F687-4F45-9708-019B960494DF}">
+              <a14:hiddenLine xmlns:a14="http://schemas.microsoft.com/office/drawing/2010/main" w="9525">
+                <a:solidFill>
+                  <a:srgbClr val="000000"/>
+                </a:solidFill>
+                <a:miter lim="800000"/>
+                <a:headEnd/>
+                <a:tailEnd/>
+              </a14:hiddenLine>
+            </a:ext>
+          </a:extLst>
+        </p:spPr>
+      </p:pic>
     </p:spTree>
     <p:extLst>
       <p:ext uri="{BB962C8B-B14F-4D97-AF65-F5344CB8AC3E}">
@@ -15841,12 +16053,42 @@
           <a:chExt cx="0" cy="0"/>
         </a:xfrm>
       </p:grpSpPr>
+      <p:sp>
+        <p:nvSpPr>
+          <p:cNvPr id="17" name="Text Placeholder 16"/>
+          <p:cNvSpPr>
+            <a:spLocks noGrp="1"/>
+          </p:cNvSpPr>
+          <p:nvPr>
+            <p:ph type="body" sz="quarter" idx="14"/>
+          </p:nvPr>
+        </p:nvSpPr>
+        <p:spPr/>
+        <p:txBody>
+          <a:bodyPr anchor="ctr"/>
+          <a:lstStyle/>
+          <a:p>
+            <a:r>
+              <a:rPr lang="en-US" dirty="0"/>
+              <a:t>Containers </a:t>
+            </a:r>
+            <a:r>
+              <a:rPr lang="en-US" dirty="0">
+                <a:solidFill>
+                  <a:schemeClr val="accent1"/>
+                </a:solidFill>
+              </a:rPr>
+              <a:t>made easy</a:t>
+            </a:r>
+          </a:p>
+        </p:txBody>
+      </p:sp>
       <p:pic>
         <p:nvPicPr>
-          <p:cNvPr id="10" name="Picture 9">
+          <p:cNvPr id="4" name="Picture 3">
             <a:extLst>
               <a:ext uri="{FF2B5EF4-FFF2-40B4-BE49-F238E27FC236}">
-                <a16:creationId xmlns:a16="http://schemas.microsoft.com/office/drawing/2014/main" id="{3929F6D7-36D5-443A-9E4F-CA93D8736627}"/>
+                <a16:creationId xmlns:a16="http://schemas.microsoft.com/office/drawing/2014/main" id="{2E8C9C42-BC03-468E-B04E-6BE203085308}"/>
               </a:ext>
             </a:extLst>
           </p:cNvPr>
@@ -15863,46 +16105,14 @@
         </p:blipFill>
         <p:spPr>
           <a:xfrm>
-            <a:off x="7270045" y="1219590"/>
-            <a:ext cx="3970650" cy="3970650"/>
+            <a:off x="6978451" y="1609832"/>
+            <a:ext cx="4262244" cy="3190166"/>
           </a:xfrm>
           <a:prstGeom prst="rect">
             <a:avLst/>
           </a:prstGeom>
         </p:spPr>
       </p:pic>
-      <p:sp>
-        <p:nvSpPr>
-          <p:cNvPr id="17" name="Text Placeholder 16"/>
-          <p:cNvSpPr>
-            <a:spLocks noGrp="1"/>
-          </p:cNvSpPr>
-          <p:nvPr>
-            <p:ph type="body" sz="quarter" idx="14"/>
-          </p:nvPr>
-        </p:nvSpPr>
-        <p:spPr/>
-        <p:txBody>
-          <a:bodyPr/>
-          <a:lstStyle/>
-          <a:p>
-            <a:r>
-              <a:rPr lang="en-US" dirty="0"/>
-              <a:t>Containers</a:t>
-            </a:r>
-          </a:p>
-          <a:p>
-            <a:r>
-              <a:rPr lang="en-US" dirty="0">
-                <a:solidFill>
-                  <a:schemeClr val="accent1"/>
-                </a:solidFill>
-              </a:rPr>
-              <a:t>made easy</a:t>
-            </a:r>
-          </a:p>
-        </p:txBody>
-      </p:sp>
     </p:spTree>
     <p:extLst>
       <p:ext uri="{BB962C8B-B14F-4D97-AF65-F5344CB8AC3E}">
@@ -16823,26 +17033,35 @@
                                   </p:childTnLst>
                                 </p:cTn>
                               </p:par>
-                            </p:childTnLst>
-                          </p:cTn>
-                        </p:par>
-                      </p:childTnLst>
-                    </p:cTn>
-                  </p:par>
-                  <p:par>
-                    <p:cTn id="15" fill="hold">
-                      <p:stCondLst>
-                        <p:cond delay="indefinite"/>
-                      </p:stCondLst>
-                      <p:childTnLst>
-                        <p:par>
-                          <p:cTn id="16" fill="hold">
-                            <p:stCondLst>
-                              <p:cond delay="0"/>
-                            </p:stCondLst>
-                            <p:childTnLst>
                               <p:par>
-                                <p:cTn id="17" presetID="1" presetClass="entr" presetSubtype="0" fill="hold" grpId="0" nodeType="clickEffect">
+                                <p:cTn id="15" presetID="1" presetClass="entr" presetSubtype="0" fill="hold" grpId="0" nodeType="withEffect">
+                                  <p:stCondLst>
+                                    <p:cond delay="0"/>
+                                  </p:stCondLst>
+                                  <p:childTnLst>
+                                    <p:set>
+                                      <p:cBhvr>
+                                        <p:cTn id="16" dur="1" fill="hold">
+                                          <p:stCondLst>
+                                            <p:cond delay="0"/>
+                                          </p:stCondLst>
+                                        </p:cTn>
+                                        <p:tgtEl>
+                                          <p:spTgt spid="11"/>
+                                        </p:tgtEl>
+                                        <p:attrNameLst>
+                                          <p:attrName>style.visibility</p:attrName>
+                                        </p:attrNameLst>
+                                      </p:cBhvr>
+                                      <p:to>
+                                        <p:strVal val="visible"/>
+                                      </p:to>
+                                    </p:set>
+                                  </p:childTnLst>
+                                </p:cTn>
+                              </p:par>
+                              <p:par>
+                                <p:cTn id="17" presetID="1" presetClass="entr" presetSubtype="0" fill="hold" grpId="0" nodeType="withEffect">
                                   <p:stCondLst>
                                     <p:cond delay="0"/>
                                   </p:stCondLst>
@@ -16855,7 +17074,7 @@
                                           </p:stCondLst>
                                         </p:cTn>
                                         <p:tgtEl>
-                                          <p:spTgt spid="11"/>
+                                          <p:spTgt spid="13"/>
                                         </p:tgtEl>
                                         <p:attrNameLst>
                                           <p:attrName>style.visibility</p:attrName>
@@ -16887,7 +17106,7 @@
                             </p:stCondLst>
                             <p:childTnLst>
                               <p:par>
-                                <p:cTn id="21" presetID="1" presetClass="entr" presetSubtype="0" fill="hold" grpId="0" nodeType="clickEffect">
+                                <p:cTn id="21" presetID="10" presetClass="entr" presetSubtype="0" fill="hold" nodeType="clickEffect">
                                   <p:stCondLst>
                                     <p:cond delay="0"/>
                                   </p:stCondLst>
@@ -16895,51 +17114,6 @@
                                     <p:set>
                                       <p:cBhvr>
                                         <p:cTn id="22" dur="1" fill="hold">
-                                          <p:stCondLst>
-                                            <p:cond delay="0"/>
-                                          </p:stCondLst>
-                                        </p:cTn>
-                                        <p:tgtEl>
-                                          <p:spTgt spid="13"/>
-                                        </p:tgtEl>
-                                        <p:attrNameLst>
-                                          <p:attrName>style.visibility</p:attrName>
-                                        </p:attrNameLst>
-                                      </p:cBhvr>
-                                      <p:to>
-                                        <p:strVal val="visible"/>
-                                      </p:to>
-                                    </p:set>
-                                  </p:childTnLst>
-                                </p:cTn>
-                              </p:par>
-                            </p:childTnLst>
-                          </p:cTn>
-                        </p:par>
-                      </p:childTnLst>
-                    </p:cTn>
-                  </p:par>
-                  <p:par>
-                    <p:cTn id="23" fill="hold">
-                      <p:stCondLst>
-                        <p:cond delay="indefinite"/>
-                      </p:stCondLst>
-                      <p:childTnLst>
-                        <p:par>
-                          <p:cTn id="24" fill="hold">
-                            <p:stCondLst>
-                              <p:cond delay="0"/>
-                            </p:stCondLst>
-                            <p:childTnLst>
-                              <p:par>
-                                <p:cTn id="25" presetID="10" presetClass="entr" presetSubtype="0" fill="hold" nodeType="clickEffect">
-                                  <p:stCondLst>
-                                    <p:cond delay="0"/>
-                                  </p:stCondLst>
-                                  <p:childTnLst>
-                                    <p:set>
-                                      <p:cBhvr>
-                                        <p:cTn id="26" dur="1" fill="hold">
                                           <p:stCondLst>
                                             <p:cond delay="0"/>
                                           </p:stCondLst>
@@ -16957,7 +17131,7 @@
                                     </p:set>
                                     <p:animEffect transition="in" filter="fade">
                                       <p:cBhvr>
-                                        <p:cTn id="27" dur="500"/>
+                                        <p:cTn id="23" dur="500"/>
                                         <p:tgtEl>
                                           <p:spTgt spid="7"/>
                                         </p:tgtEl>

--- a/docker/02_Members_of_docker_universe.pptx
+++ b/docker/02_Members_of_docker_universe.pptx
@@ -751,6 +751,142 @@
           <a:bodyPr/>
           <a:lstStyle/>
           <a:p>
+            <a:r>
+              <a:rPr lang="de-DE" dirty="0" err="1"/>
+              <a:t>You</a:t>
+            </a:r>
+            <a:r>
+              <a:rPr lang="de-DE" dirty="0"/>
+              <a:t> </a:t>
+            </a:r>
+            <a:r>
+              <a:rPr lang="de-DE" dirty="0" err="1"/>
+              <a:t>actually</a:t>
+            </a:r>
+            <a:r>
+              <a:rPr lang="de-DE" dirty="0"/>
+              <a:t> </a:t>
+            </a:r>
+            <a:r>
+              <a:rPr lang="de-DE" dirty="0" err="1"/>
+              <a:t>specify</a:t>
+            </a:r>
+            <a:r>
+              <a:rPr lang="de-DE" dirty="0"/>
+              <a:t> an </a:t>
+            </a:r>
+            <a:r>
+              <a:rPr lang="de-DE" dirty="0" err="1"/>
+              <a:t>image</a:t>
+            </a:r>
+            <a:r>
+              <a:rPr lang="de-DE" dirty="0"/>
+              <a:t> </a:t>
+            </a:r>
+            <a:r>
+              <a:rPr lang="de-DE" dirty="0" err="1"/>
+              <a:t>name</a:t>
+            </a:r>
+            <a:r>
+              <a:rPr lang="de-DE" dirty="0"/>
+              <a:t> </a:t>
+            </a:r>
+            <a:r>
+              <a:rPr lang="de-DE" dirty="0" err="1"/>
+              <a:t>as</a:t>
+            </a:r>
+            <a:r>
+              <a:rPr lang="de-DE" dirty="0"/>
+              <a:t> </a:t>
+            </a:r>
+            <a:r>
+              <a:rPr lang="de-DE" dirty="0" err="1"/>
+              <a:t>argument</a:t>
+            </a:r>
+            <a:r>
+              <a:rPr lang="de-DE" dirty="0"/>
+              <a:t> </a:t>
+            </a:r>
+            <a:r>
+              <a:rPr lang="de-DE" dirty="0" err="1"/>
+              <a:t>of</a:t>
+            </a:r>
+            <a:r>
+              <a:rPr lang="de-DE" dirty="0"/>
+              <a:t> </a:t>
+            </a:r>
+            <a:r>
+              <a:rPr lang="de-DE" dirty="0" err="1"/>
+              <a:t>the</a:t>
+            </a:r>
+            <a:r>
+              <a:rPr lang="de-DE" dirty="0"/>
+              <a:t> docker </a:t>
+            </a:r>
+            <a:r>
+              <a:rPr lang="de-DE" dirty="0" err="1"/>
+              <a:t>run</a:t>
+            </a:r>
+            <a:r>
+              <a:rPr lang="de-DE" dirty="0"/>
+              <a:t> but </a:t>
+            </a:r>
+            <a:r>
+              <a:rPr lang="de-DE" dirty="0" err="1"/>
+              <a:t>that</a:t>
+            </a:r>
+            <a:r>
+              <a:rPr lang="de-DE" dirty="0"/>
+              <a:t> will </a:t>
+            </a:r>
+            <a:r>
+              <a:rPr lang="de-DE" dirty="0" err="1"/>
+              <a:t>be</a:t>
+            </a:r>
+            <a:r>
+              <a:rPr lang="de-DE" dirty="0"/>
+              <a:t> </a:t>
+            </a:r>
+            <a:r>
+              <a:rPr lang="de-DE" dirty="0" err="1"/>
+              <a:t>explained</a:t>
+            </a:r>
+            <a:r>
+              <a:rPr lang="de-DE" dirty="0"/>
+              <a:t> in </a:t>
+            </a:r>
+            <a:r>
+              <a:rPr lang="de-DE" dirty="0" err="1"/>
+              <a:t>the</a:t>
+            </a:r>
+            <a:r>
+              <a:rPr lang="de-DE" dirty="0"/>
+              <a:t> </a:t>
+            </a:r>
+            <a:r>
+              <a:rPr lang="de-DE" dirty="0" err="1"/>
+              <a:t>next</a:t>
+            </a:r>
+            <a:r>
+              <a:rPr lang="de-DE" dirty="0"/>
+              <a:t> </a:t>
+            </a:r>
+            <a:r>
+              <a:rPr lang="de-DE" dirty="0" err="1"/>
+              <a:t>few</a:t>
+            </a:r>
+            <a:r>
+              <a:rPr lang="de-DE" dirty="0"/>
+              <a:t> </a:t>
+            </a:r>
+            <a:r>
+              <a:rPr lang="de-DE" dirty="0" err="1"/>
+              <a:t>slides</a:t>
+            </a:r>
+            <a:r>
+              <a:rPr lang="de-DE" dirty="0"/>
+              <a:t>.</a:t>
+            </a:r>
             <a:endParaRPr lang="en-US" dirty="0"/>
           </a:p>
         </p:txBody>
@@ -771,11 +907,11 @@
           <a:lstStyle/>
           <a:p>
             <a:fld id="{7D8C2C35-2B8A-446E-BEC0-FD36716C29AC}" type="slidenum">
-              <a:rPr lang="de-DE" smtClean="0"/>
+              <a:rPr lang="en-US" smtClean="0"/>
               <a:pPr/>
               <a:t>11</a:t>
             </a:fld>
-            <a:endParaRPr lang="de-DE" dirty="0"/>
+            <a:endParaRPr lang="en-US" dirty="0"/>
           </a:p>
         </p:txBody>
       </p:sp>
@@ -1018,10 +1154,20 @@
             </a:r>
           </a:p>
           <a:p>
+            <a:endParaRPr lang="en-US" dirty="0"/>
+          </a:p>
+          <a:p>
             <a:r>
               <a:rPr lang="en-US" dirty="0"/>
-              <a:t>With an overlay filesystem, it is exactly like that. Several different filesystem layers will be stacked on top of each other and the contents will merge - when you read files, you will not even notice which layer they are from. Writing however will always go to the topmost filesystem layer, all underlaying layers will be read-only.</a:t>
-            </a:r>
+              <a:t>With an overlay filesystem, it is exactly like that. Several different filesystem layers will be stacked on top of each other and the contents will merge - when you read files, you will not even notice which layer they are from. </a:t>
+            </a:r>
+            <a:r>
+              <a:rPr lang="en-US" b="1" i="1" dirty="0"/>
+              <a:t>Writing however will always go to the topmost filesystem layer, all underlaying layers will be read-only.</a:t>
+            </a:r>
+          </a:p>
+          <a:p>
+            <a:endParaRPr lang="en-US" b="1" i="1" dirty="0"/>
           </a:p>
           <a:p>
             <a:r>
@@ -1143,9 +1289,37 @@
             </a:r>
           </a:p>
           <a:p>
+            <a:endParaRPr lang="en-US" dirty="0"/>
+          </a:p>
+          <a:p>
             <a:r>
               <a:rPr lang="en-US" dirty="0"/>
-              <a:t>If you chose not to use a hosted registry (Docker Hub is a cloud registry), you can set up a local private registry yourself which is fairly straightforward. After all, a registry is just another docker image, cf. https://hub.docker.com/r/_/registry.</a:t>
+              <a:t>If you do not want to use a public hosted registry (Docker Hub is a public cloud registry), you can set up a local private registry yourself which is fairly straightforward. After all, a registry is just another docker image, cf. https://hub.docker.com/r/_/registry.</a:t>
+            </a:r>
+          </a:p>
+          <a:p>
+            <a:endParaRPr lang="de-DE" dirty="0"/>
+          </a:p>
+          <a:p>
+            <a:r>
+              <a:rPr lang="de-DE" dirty="0"/>
+              <a:t>N</a:t>
+            </a:r>
+            <a:r>
+              <a:rPr lang="en-US" dirty="0" err="1"/>
+              <a:t>ote</a:t>
+            </a:r>
+            <a:r>
+              <a:rPr lang="en-US" dirty="0"/>
+              <a:t>: There is no control of what people put into images. You can only trust official images of official 'providers' (e.g. of nginx). Check the </a:t>
+            </a:r>
+            <a:r>
+              <a:rPr lang="en-US" dirty="0" err="1"/>
+              <a:t>Dockerfile</a:t>
+            </a:r>
+            <a:r>
+              <a:rPr lang="en-US" dirty="0"/>
+              <a:t> to be clear on what is inside an image. </a:t>
             </a:r>
           </a:p>
         </p:txBody>
@@ -1233,7 +1407,7 @@
           <a:p>
             <a:r>
               <a:rPr lang="en-US" noProof="0" dirty="0"/>
-              <a:t>Docker is a client-server architecture. The docker command you use to interact with Docker nothing but talk to the Docker daemon. All the magic of pinning up containers, downloading images and even building images is done inside the Docker daemon. Communication between the Docker client and the Docker daemon happens through a </a:t>
+              <a:t>Docker is a client-server architecture. The docker command you use to interact with Docker does nothing but talk to the Docker daemon. All the magic of pinning up containers, downloading images and even building images is done inside the Docker daemon. Communication between the Docker client and the Docker daemon happens through a </a:t>
             </a:r>
             <a:r>
               <a:rPr lang="en-US" noProof="0" dirty="0" err="1"/>
@@ -1267,32 +1441,31 @@
             </a:r>
           </a:p>
           <a:p>
-            <a:endParaRPr lang="en-US" noProof="0" dirty="0"/>
-          </a:p>
-          <a:p>
+            <a:endParaRPr lang="de-DE" noProof="0" dirty="0"/>
+          </a:p>
+          <a:p>
+            <a:r>
+              <a:rPr lang="de-DE" noProof="0" dirty="0"/>
+              <a:t>N</a:t>
+            </a:r>
+            <a:r>
+              <a:rPr lang="en-US" noProof="0" dirty="0" err="1"/>
+              <a:t>ote</a:t>
+            </a:r>
+            <a:r>
+              <a:rPr lang="en-US" noProof="0" dirty="0"/>
+              <a:t>:</a:t>
+            </a:r>
+          </a:p>
+          <a:p>
+            <a:pPr lvl="1"/>
             <a:r>
               <a:rPr lang="en-US" noProof="0" dirty="0"/>
               <a:t>If you want to talk to</a:t>
             </a:r>
             <a:r>
               <a:rPr lang="en-US" baseline="0" noProof="0" dirty="0"/>
-              <a:t> dockerd directly, you can do so using </a:t>
-            </a:r>
-            <a:r>
-              <a:rPr lang="en-US" baseline="0" noProof="0" dirty="0" err="1"/>
-              <a:t>cUrl</a:t>
-            </a:r>
-            <a:r>
-              <a:rPr lang="en-US" baseline="0" noProof="0" dirty="0"/>
-              <a:t> (you will need </a:t>
-            </a:r>
-            <a:r>
-              <a:rPr lang="en-US" baseline="0" noProof="0" dirty="0" err="1"/>
-              <a:t>cUrl</a:t>
-            </a:r>
-            <a:r>
-              <a:rPr lang="en-US" baseline="0" noProof="0" dirty="0"/>
-              <a:t> and </a:t>
+              <a:t> dockerd directly, you can do so using curl (you will need curl and </a:t>
             </a:r>
             <a:r>
               <a:rPr lang="en-US" baseline="0" noProof="0" dirty="0" err="1"/>
@@ -1300,13 +1473,14 @@
             </a:r>
             <a:r>
               <a:rPr lang="en-US" baseline="0" noProof="0" dirty="0"/>
-              <a:t> &gt;= 7.40):</a:t>
-            </a:r>
-          </a:p>
-          <a:p>
-            <a:r>
+              <a:t> &gt;= 7.40): </a:t>
+            </a:r>
+            <a:br>
               <a:rPr lang="en-US" baseline="0" noProof="0" dirty="0"/>
-              <a:t>curl --</a:t>
+            </a:br>
+            <a:r>
+              <a:rPr lang="en-US" baseline="0" noProof="0" dirty="0"/>
+              <a:t>   curl --</a:t>
             </a:r>
             <a:r>
               <a:rPr lang="en-US" baseline="0" noProof="0" dirty="0" err="1"/>
@@ -1334,6 +1508,7 @@
             </a:r>
           </a:p>
           <a:p>
+            <a:pPr lvl="1"/>
             <a:r>
               <a:rPr lang="en-US" baseline="0" noProof="0" dirty="0"/>
               <a:t>Or use your web browser if you enabled </a:t>
@@ -1344,10 +1519,19 @@
             </a:r>
             <a:r>
               <a:rPr lang="en-US" baseline="0" noProof="0" dirty="0"/>
-              <a:t> TCP socket:</a:t>
-            </a:r>
-          </a:p>
-          <a:p>
+              <a:t> TCP socket</a:t>
+            </a:r>
+            <a:r>
+              <a:rPr lang="en-US" baseline="0" noProof="0"/>
+              <a:t>: </a:t>
+            </a:r>
+            <a:br>
+              <a:rPr lang="en-US" baseline="0" noProof="0"/>
+            </a:br>
+            <a:r>
+              <a:rPr lang="en-US" baseline="0" noProof="0"/>
+              <a:t>   </a:t>
+            </a:r>
             <a:r>
               <a:rPr lang="en-US" baseline="0" noProof="0" dirty="0"/>
               <a:t>http://&lt;hostname&gt;:2375/containers/json</a:t>
@@ -1463,15 +1647,7 @@
           <a:p>
             <a:r>
               <a:rPr lang="en-US" dirty="0"/>
-              <a:t>In former times, this was </a:t>
-            </a:r>
-            <a:r>
-              <a:rPr lang="en-US"/>
-              <a:t>all managed </a:t>
-            </a:r>
-            <a:r>
-              <a:rPr lang="en-US" dirty="0"/>
-              <a:t>by the Docker daemon but starting with Docker 1.11 it was decided to spin out all of that “infrastructure plumbing” into a separate piece of software that follows the OCI reference specification. That piece of software is </a:t>
+              <a:t>In former times, this was all managed by the Docker daemon but starting with Docker 1.11 it was decided to spin out all of that “infrastructure plumbing” into a separate piece of software that follows the OCI reference specification. That piece of software is </a:t>
             </a:r>
             <a:r>
               <a:rPr lang="en-US" dirty="0" err="1"/>
@@ -2017,8 +2193,11 @@
           <a:p>
             <a:r>
               <a:rPr lang="en-US" dirty="0"/>
-              <a:t>With chroot we can start a new process making a specified directory that processes topmost directory. Processes running in that chroot can only see those parts of the filesystem which are subdirectories of it.</a:t>
-            </a:r>
+              <a:t>With chroot we can start a new process making a specified directory the new processes' topmost directory. Processes running in that chroot can only see those parts of the filesystem which are subdirectories of it.</a:t>
+            </a:r>
+          </a:p>
+          <a:p>
+            <a:endParaRPr lang="en-US" dirty="0"/>
           </a:p>
           <a:p>
             <a:r>
@@ -2027,9 +2206,12 @@
             </a:r>
           </a:p>
           <a:p>
+            <a:endParaRPr lang="en-US" dirty="0"/>
+          </a:p>
+          <a:p>
             <a:r>
               <a:rPr lang="en-US" dirty="0"/>
-              <a:t>Once problem with chroot is: since the process that gets started inside the chroot can no longer see the full filesystem, all files required to load and run that process must be copied to the chroot directory (and subdirectories) first - a tedious task that can take some time, trial and error.</a:t>
+              <a:t>One problem with chroot is: since the process that gets started inside the chroot can no longer see the full filesystem, all files required to load and run that process must be copied to the chroot directory (and subdirectories) first - a tedious task that can take some time, and is trial and error.</a:t>
             </a:r>
           </a:p>
         </p:txBody>
@@ -2117,7 +2299,7 @@
           <a:p>
             <a:r>
               <a:rPr lang="en-US" dirty="0"/>
-              <a:t>Man-page definition: A namespace wraps a global system resource in an abstraction that makes it appear to the processes        within the namespace that they have their own isolated instance of the global resource. Changes to the global resource are visible to other processes that are members of the namespace, but are invisible to other processes [outside of that namespace]. One use of namespaces is to implement containers.</a:t>
+              <a:t>Man-page definition: A namespace wraps a global system resource in an abstraction that makes it appear to the processes within the namespace that they have their own isolated instance of the global resource. Changes to the global resource are visible to other processes that are members of the namespace, but are invisible to other processes [outside of that namespace]. One use of namespaces is to implement containers.</a:t>
             </a:r>
           </a:p>
           <a:p>
@@ -2244,6 +2426,10 @@
           </a:p>
           <a:p>
             <a:pPr algn="l"/>
+            <a:endParaRPr lang="en-US" dirty="0"/>
+          </a:p>
+          <a:p>
+            <a:pPr algn="l"/>
             <a:r>
               <a:rPr lang="en-US" dirty="0"/>
               <a:t>With </a:t>
@@ -2283,11 +2469,11 @@
           <a:lstStyle/>
           <a:p>
             <a:fld id="{7D8C2C35-2B8A-446E-BEC0-FD36716C29AC}" type="slidenum">
-              <a:rPr lang="de-DE" smtClean="0"/>
+              <a:rPr lang="en-US" smtClean="0"/>
               <a:pPr/>
               <a:t>7</a:t>
             </a:fld>
-            <a:endParaRPr lang="de-DE" dirty="0"/>
+            <a:endParaRPr lang="en-US" dirty="0"/>
           </a:p>
         </p:txBody>
       </p:sp>
@@ -2366,7 +2552,15 @@
             </a:r>
             <a:r>
               <a:rPr lang="en-US" dirty="0"/>
-              <a:t> are the interface between userland (where your application runs in) and kernel space (where the operating system does its job) and there are around 340 of them.</a:t>
+              <a:t> are the interface between user space (where your application runs in) and kernel space (where the operating system does its job) and there are around 340 of them (</a:t>
+            </a:r>
+            <a:r>
+              <a:rPr lang="en-US" dirty="0" err="1"/>
+              <a:t>syscalls</a:t>
+            </a:r>
+            <a:r>
+              <a:rPr lang="en-US" dirty="0"/>
+              <a:t>).</a:t>
             </a:r>
           </a:p>
           <a:p>
@@ -2415,11 +2609,11 @@
           <a:lstStyle/>
           <a:p>
             <a:fld id="{7D8C2C35-2B8A-446E-BEC0-FD36716C29AC}" type="slidenum">
-              <a:rPr lang="de-DE" smtClean="0"/>
+              <a:rPr lang="en-US" smtClean="0"/>
               <a:pPr/>
               <a:t>8</a:t>
             </a:fld>
-            <a:endParaRPr lang="de-DE" dirty="0"/>
+            <a:endParaRPr lang="en-US" dirty="0"/>
           </a:p>
         </p:txBody>
       </p:sp>
@@ -2500,11 +2694,11 @@
           <a:lstStyle/>
           <a:p>
             <a:fld id="{7D8C2C35-2B8A-446E-BEC0-FD36716C29AC}" type="slidenum">
-              <a:rPr lang="de-DE" smtClean="0"/>
+              <a:rPr lang="en-US" smtClean="0"/>
               <a:pPr/>
               <a:t>9</a:t>
             </a:fld>
-            <a:endParaRPr lang="de-DE" dirty="0"/>
+            <a:endParaRPr lang="en-US" dirty="0"/>
           </a:p>
         </p:txBody>
       </p:sp>
@@ -3717,13 +3911,8 @@
           <a:p>
             <a:r>
               <a:rPr lang="en-US" dirty="0"/>
-              <a:t>Click icon to </a:t>
-            </a:r>
-            <a:r>
-              <a:rPr lang="en-US"/>
-              <a:t>add image</a:t>
-            </a:r>
-            <a:endParaRPr lang="en-US" dirty="0"/>
+              <a:t>Click icon to add image</a:t>
+            </a:r>
           </a:p>
         </p:txBody>
       </p:sp>
@@ -3831,13 +4020,8 @@
           <a:p>
             <a:r>
               <a:rPr lang="en-US" dirty="0"/>
-              <a:t>Click icon to </a:t>
-            </a:r>
-            <a:r>
-              <a:rPr lang="en-US"/>
-              <a:t>add image</a:t>
-            </a:r>
-            <a:endParaRPr lang="en-US" dirty="0"/>
+              <a:t>Click icon to add image</a:t>
+            </a:r>
           </a:p>
         </p:txBody>
       </p:sp>
@@ -4003,13 +4187,8 @@
           <a:p>
             <a:r>
               <a:rPr lang="en-US" dirty="0"/>
-              <a:t>Click icon to </a:t>
-            </a:r>
-            <a:r>
-              <a:rPr lang="en-US"/>
-              <a:t>add image</a:t>
-            </a:r>
-            <a:endParaRPr lang="en-US" dirty="0"/>
+              <a:t>Click icon to add image</a:t>
+            </a:r>
           </a:p>
         </p:txBody>
       </p:sp>
@@ -4117,13 +4296,8 @@
           <a:p>
             <a:r>
               <a:rPr lang="en-US" dirty="0"/>
-              <a:t>Click icon to </a:t>
-            </a:r>
-            <a:r>
-              <a:rPr lang="en-US"/>
-              <a:t>add image</a:t>
-            </a:r>
-            <a:endParaRPr lang="en-US" dirty="0"/>
+              <a:t>Click icon to add image</a:t>
+            </a:r>
           </a:p>
         </p:txBody>
       </p:sp>
@@ -4231,13 +4405,8 @@
           <a:p>
             <a:r>
               <a:rPr lang="en-US" dirty="0"/>
-              <a:t>Click icon to </a:t>
-            </a:r>
-            <a:r>
-              <a:rPr lang="en-US"/>
-              <a:t>add image</a:t>
-            </a:r>
-            <a:endParaRPr lang="en-US" dirty="0"/>
+              <a:t>Click icon to add image</a:t>
+            </a:r>
           </a:p>
         </p:txBody>
       </p:sp>
@@ -4403,13 +4572,8 @@
           <a:p>
             <a:r>
               <a:rPr lang="en-US" dirty="0"/>
-              <a:t>Click icon to </a:t>
-            </a:r>
-            <a:r>
-              <a:rPr lang="en-US"/>
-              <a:t>add image</a:t>
-            </a:r>
-            <a:endParaRPr lang="en-US" dirty="0"/>
+              <a:t>Click icon to add image</a:t>
+            </a:r>
           </a:p>
         </p:txBody>
       </p:sp>
@@ -4517,13 +4681,8 @@
           <a:p>
             <a:r>
               <a:rPr lang="en-US" dirty="0"/>
-              <a:t>Click icon to </a:t>
-            </a:r>
-            <a:r>
-              <a:rPr lang="en-US"/>
-              <a:t>add image</a:t>
-            </a:r>
-            <a:endParaRPr lang="en-US" dirty="0"/>
+              <a:t>Click icon to add image</a:t>
+            </a:r>
           </a:p>
         </p:txBody>
       </p:sp>
@@ -4631,13 +4790,8 @@
           <a:p>
             <a:r>
               <a:rPr lang="en-US" dirty="0"/>
-              <a:t>Click icon to </a:t>
-            </a:r>
-            <a:r>
-              <a:rPr lang="en-US"/>
-              <a:t>add image</a:t>
-            </a:r>
-            <a:endParaRPr lang="en-US" dirty="0"/>
+              <a:t>Click icon to add image</a:t>
+            </a:r>
           </a:p>
         </p:txBody>
       </p:sp>
@@ -4745,13 +4899,8 @@
           <a:p>
             <a:r>
               <a:rPr lang="en-US" dirty="0"/>
-              <a:t>Click icon to </a:t>
-            </a:r>
-            <a:r>
-              <a:rPr lang="en-US"/>
-              <a:t>add image</a:t>
-            </a:r>
-            <a:endParaRPr lang="en-US" dirty="0"/>
+              <a:t>Click icon to add image</a:t>
+            </a:r>
           </a:p>
         </p:txBody>
       </p:sp>
@@ -4967,13 +5116,8 @@
           <a:p>
             <a:r>
               <a:rPr lang="en-US" dirty="0"/>
-              <a:t>Click icon to </a:t>
-            </a:r>
-            <a:r>
-              <a:rPr lang="en-US"/>
-              <a:t>add image</a:t>
-            </a:r>
-            <a:endParaRPr lang="en-US" dirty="0"/>
+              <a:t>Click icon to add image</a:t>
+            </a:r>
           </a:p>
         </p:txBody>
       </p:sp>
@@ -5144,13 +5288,8 @@
           <a:p>
             <a:r>
               <a:rPr lang="en-US" dirty="0"/>
-              <a:t>Click icon to </a:t>
-            </a:r>
-            <a:r>
-              <a:rPr lang="en-US"/>
-              <a:t>add image</a:t>
-            </a:r>
-            <a:endParaRPr lang="en-US" dirty="0"/>
+              <a:t>Click icon to add image</a:t>
+            </a:r>
           </a:p>
         </p:txBody>
       </p:sp>
@@ -5321,13 +5460,8 @@
           <a:p>
             <a:r>
               <a:rPr lang="en-US" dirty="0"/>
-              <a:t>Click icon to </a:t>
-            </a:r>
-            <a:r>
-              <a:rPr lang="en-US"/>
-              <a:t>add image</a:t>
-            </a:r>
-            <a:endParaRPr lang="en-US" dirty="0"/>
+              <a:t>Click icon to add image</a:t>
+            </a:r>
           </a:p>
         </p:txBody>
       </p:sp>
@@ -5410,13 +5544,8 @@
           <a:p>
             <a:r>
               <a:rPr lang="en-US" dirty="0"/>
-              <a:t>Click icon to </a:t>
-            </a:r>
-            <a:r>
-              <a:rPr lang="en-US"/>
-              <a:t>add image</a:t>
-            </a:r>
-            <a:endParaRPr lang="en-US" dirty="0"/>
+              <a:t>Click icon to add image</a:t>
+            </a:r>
           </a:p>
         </p:txBody>
       </p:sp>
@@ -5936,13 +6065,8 @@
           <a:p>
             <a:r>
               <a:rPr lang="en-US" dirty="0"/>
-              <a:t>Click icon to </a:t>
-            </a:r>
-            <a:r>
-              <a:rPr lang="en-US"/>
-              <a:t>add screenshot</a:t>
-            </a:r>
-            <a:endParaRPr lang="en-US" dirty="0"/>
+              <a:t>Click icon to add screenshot</a:t>
+            </a:r>
           </a:p>
         </p:txBody>
       </p:sp>
@@ -6383,13 +6507,8 @@
           <a:p>
             <a:r>
               <a:rPr lang="en-US" dirty="0"/>
-              <a:t>Thank </a:t>
-            </a:r>
-            <a:r>
-              <a:rPr lang="en-US"/>
-              <a:t>you.</a:t>
-            </a:r>
-            <a:endParaRPr lang="en-US" dirty="0"/>
+              <a:t>Thank you.</a:t>
+            </a:r>
           </a:p>
         </p:txBody>
       </p:sp>
@@ -14650,10 +14769,9 @@
           </a:lstStyle>
           <a:p>
             <a:r>
-              <a:rPr lang="en-US"/>
+              <a:rPr lang="en-US" dirty="0"/>
               <a:t>Divider page</a:t>
             </a:r>
-            <a:endParaRPr lang="en-US" dirty="0"/>
           </a:p>
         </p:txBody>
       </p:sp>
@@ -14791,10 +14909,9 @@
           </a:lstStyle>
           <a:p>
             <a:r>
-              <a:rPr lang="en-US"/>
+              <a:rPr lang="en-US" dirty="0"/>
               <a:t>Divider page</a:t>
             </a:r>
-            <a:endParaRPr lang="en-US" dirty="0"/>
           </a:p>
         </p:txBody>
       </p:sp>
@@ -17641,7 +17758,7 @@
             <a:pPr lvl="1"/>
             <a:r>
               <a:rPr lang="en-US" sz="1600" dirty="0"/>
-              <a:t>each container has one main process with PID 1</a:t>
+              <a:t>Each container has one main process with PID 1</a:t>
             </a:r>
           </a:p>
           <a:p>
@@ -18126,46 +18243,64 @@
           <a:bodyPr/>
           <a:lstStyle/>
           <a:p>
+            <a:pPr marL="0" lvl="1" indent="0">
+              <a:buNone/>
+            </a:pPr>
+            <a:r>
+              <a:rPr lang="de-DE" dirty="0"/>
+              <a:t>Images </a:t>
+            </a:r>
+            <a:r>
+              <a:rPr lang="de-DE" dirty="0" err="1"/>
+              <a:t>are</a:t>
+            </a:r>
+            <a:r>
+              <a:rPr lang="de-DE" dirty="0"/>
+              <a:t> … </a:t>
+            </a:r>
+            <a:endParaRPr lang="en-US" dirty="0"/>
+          </a:p>
+          <a:p>
             <a:pPr lvl="1"/>
             <a:r>
-              <a:rPr lang="en-US" sz="2000" dirty="0"/>
-              <a:t>Templates that containers are created from</a:t>
+              <a:rPr lang="en-US" dirty="0"/>
+              <a:t>templates that containers are created from</a:t>
             </a:r>
           </a:p>
           <a:p>
             <a:pPr lvl="1"/>
             <a:r>
-              <a:rPr lang="en-US" sz="2000" dirty="0"/>
-              <a:t>Pulled from a registry</a:t>
+              <a:rPr lang="en-US" dirty="0"/>
+              <a:t>pulled from a registry</a:t>
             </a:r>
           </a:p>
           <a:p>
             <a:pPr lvl="1"/>
             <a:r>
-              <a:rPr lang="en-US" sz="2000" dirty="0"/>
-              <a:t>Created from a </a:t>
-            </a:r>
-            <a:r>
-              <a:rPr lang="en-US" sz="2000" dirty="0" err="1"/>
+              <a:rPr lang="en-US" dirty="0"/>
+              <a:t>created from a </a:t>
+            </a:r>
+            <a:r>
+              <a:rPr lang="en-US" dirty="0" err="1"/>
               <a:t>Dockerfile</a:t>
             </a:r>
             <a:r>
-              <a:rPr lang="en-US" sz="2000" dirty="0"/>
+              <a:rPr lang="en-US" dirty="0"/>
               <a:t> or by committing changes</a:t>
             </a:r>
           </a:p>
           <a:p>
             <a:pPr lvl="1"/>
             <a:r>
-              <a:rPr lang="en-US" sz="2000" dirty="0"/>
-              <a:t>Consist of several layers</a:t>
+              <a:rPr lang="en-US" dirty="0"/>
+              <a:t>consist of several layers</a:t>
             </a:r>
           </a:p>
           <a:p>
             <a:pPr lvl="1"/>
             <a:r>
-              <a:rPr lang="en-US" sz="2000" dirty="0"/>
-              <a:t>Can be and actually are stacked upon each other</a:t>
+              <a:rPr lang="en-US" dirty="0"/>
+              <a:t>can be and actually are stacked upon each other</a:t>
             </a:r>
           </a:p>
         </p:txBody>
@@ -18186,10 +18321,9 @@
           <a:lstStyle/>
           <a:p>
             <a:r>
-              <a:rPr lang="en-US"/>
+              <a:rPr lang="en-US" dirty="0"/>
               <a:t>Images</a:t>
             </a:r>
-            <a:endParaRPr lang="en-US" dirty="0"/>
           </a:p>
         </p:txBody>
       </p:sp>
@@ -19642,7 +19776,7 @@
             <a:pPr lvl="1"/>
             <a:r>
               <a:rPr lang="en-US" sz="1600" dirty="0"/>
-              <a:t>Insecure registries must be explicitly enabled in dockerd configuration</a:t>
+              <a:t>Local / insecure registries must be explicitly enabled in dockerd configuration</a:t>
             </a:r>
           </a:p>
           <a:p>
@@ -20797,7 +20931,7 @@
         <p:spPr>
           <a:xfrm>
             <a:off x="4439460" y="3029219"/>
-            <a:ext cx="6587128" cy="2919727"/>
+            <a:ext cx="7063692" cy="2919727"/>
           </a:xfrm>
         </p:spPr>
         <p:txBody>
@@ -20807,7 +20941,7 @@
             <a:pPr lvl="1"/>
             <a:r>
               <a:rPr lang="en-US" dirty="0"/>
-              <a:t>Docker daemon is control entity of everything</a:t>
+              <a:t>Docker daemon is the control entity of everything (docker runtime)</a:t>
             </a:r>
           </a:p>
           <a:p>
@@ -20883,7 +21017,7 @@
             <a:pPr lvl="2"/>
             <a:r>
               <a:rPr lang="en-US" dirty="0"/>
-              <a:t>when on different hosts: TCP, port 2375 or 2376</a:t>
+              <a:t>when on different hosts: TCP, via port 2375 or 2376</a:t>
             </a:r>
           </a:p>
           <a:p>
@@ -20915,7 +21049,7 @@
         </p:blipFill>
         <p:spPr>
           <a:xfrm>
-            <a:off x="10289570" y="5246054"/>
+            <a:off x="10527314" y="5494893"/>
             <a:ext cx="737018" cy="737018"/>
           </a:xfrm>
           <a:prstGeom prst="rect">
@@ -21052,7 +21186,7 @@
           <a:lstStyle/>
           <a:p>
             <a:r>
-              <a:rPr lang="en-US"/>
+              <a:rPr lang="en-US" dirty="0" err="1"/>
               <a:t>runC</a:t>
             </a:r>
             <a:endParaRPr lang="en-US" dirty="0"/>
@@ -24883,123 +25017,191 @@
             </a:lvl9pPr>
           </a:lstStyle>
           <a:p>
+            <a:pPr>
+              <a:spcBef>
+                <a:spcPts val="1200"/>
+              </a:spcBef>
+            </a:pPr>
+            <a:r>
+              <a:rPr lang="en-US" sz="1400" dirty="0"/>
+              <a:t>Namespaces</a:t>
+            </a:r>
+          </a:p>
+          <a:p>
+            <a:pPr lvl="1">
+              <a:spcBef>
+                <a:spcPts val="300"/>
+              </a:spcBef>
+            </a:pPr>
             <a:r>
               <a:rPr lang="en-US" sz="1200" dirty="0"/>
-              <a:t>Namespaces</a:t>
-            </a:r>
-          </a:p>
-          <a:p>
-            <a:pPr lvl="1"/>
-            <a:r>
-              <a:rPr lang="en-US" sz="1100" dirty="0"/>
               <a:t>Isolation of resources per process</a:t>
             </a:r>
           </a:p>
           <a:p>
-            <a:pPr lvl="1"/>
-            <a:r>
-              <a:rPr lang="en-US" sz="1100" dirty="0"/>
+            <a:pPr lvl="1">
+              <a:spcBef>
+                <a:spcPts val="300"/>
+              </a:spcBef>
+            </a:pPr>
+            <a:r>
+              <a:rPr lang="en-US" sz="1200" dirty="0"/>
               <a:t>7 different namespaces</a:t>
             </a:r>
           </a:p>
           <a:p>
+            <a:pPr>
+              <a:spcBef>
+                <a:spcPts val="1200"/>
+              </a:spcBef>
+            </a:pPr>
+            <a:r>
+              <a:rPr lang="en-US" sz="1400" dirty="0" err="1"/>
+              <a:t>netfilter</a:t>
+            </a:r>
+            <a:endParaRPr lang="en-US" sz="1400" dirty="0"/>
+          </a:p>
+          <a:p>
+            <a:pPr lvl="1">
+              <a:spcBef>
+                <a:spcPts val="300"/>
+              </a:spcBef>
+            </a:pPr>
+            <a:r>
+              <a:rPr lang="en-US" sz="1200" dirty="0"/>
+              <a:t>Firewall and packet manipulation</a:t>
+            </a:r>
+          </a:p>
+          <a:p>
+            <a:pPr>
+              <a:spcBef>
+                <a:spcPts val="1200"/>
+              </a:spcBef>
+            </a:pPr>
+            <a:r>
+              <a:rPr lang="en-US" sz="1400" dirty="0"/>
+              <a:t>cgroups</a:t>
+            </a:r>
+          </a:p>
+          <a:p>
+            <a:pPr lvl="1">
+              <a:spcBef>
+                <a:spcPts val="300"/>
+              </a:spcBef>
+            </a:pPr>
+            <a:r>
+              <a:rPr lang="en-US" sz="1200" dirty="0"/>
+              <a:t>Manage resource allocation</a:t>
+            </a:r>
+          </a:p>
+          <a:p>
+            <a:pPr>
+              <a:spcBef>
+                <a:spcPts val="1200"/>
+              </a:spcBef>
+            </a:pPr>
+            <a:r>
+              <a:rPr lang="en-US" sz="1400" dirty="0" err="1"/>
+              <a:t>Netlink</a:t>
+            </a:r>
+            <a:endParaRPr lang="en-US" sz="1400" dirty="0"/>
+          </a:p>
+          <a:p>
+            <a:pPr lvl="1">
+              <a:spcBef>
+                <a:spcPts val="300"/>
+              </a:spcBef>
+            </a:pPr>
             <a:r>
               <a:rPr lang="en-US" sz="1200" dirty="0" err="1"/>
-              <a:t>netfilter</a:t>
-            </a:r>
-            <a:endParaRPr lang="en-US" sz="1200" dirty="0"/>
-          </a:p>
-          <a:p>
-            <a:pPr lvl="1"/>
-            <a:r>
-              <a:rPr lang="en-US" sz="1100" dirty="0"/>
-              <a:t>Firewall and packet manipulation</a:t>
-            </a:r>
-          </a:p>
-          <a:p>
+              <a:t>Interprocess</a:t>
+            </a:r>
             <a:r>
               <a:rPr lang="en-US" sz="1200" dirty="0"/>
-              <a:t>cgroups</a:t>
-            </a:r>
-          </a:p>
-          <a:p>
-            <a:pPr lvl="1"/>
-            <a:r>
-              <a:rPr lang="en-US" sz="1100" dirty="0"/>
-              <a:t>Manage resource allocation</a:t>
-            </a:r>
-          </a:p>
-          <a:p>
+              <a:t> communication between containers</a:t>
+            </a:r>
+          </a:p>
+          <a:p>
+            <a:pPr>
+              <a:spcBef>
+                <a:spcPts val="1200"/>
+              </a:spcBef>
+            </a:pPr>
+            <a:r>
+              <a:rPr lang="en-US" sz="1400" dirty="0" err="1"/>
+              <a:t>SELinux</a:t>
+            </a:r>
+            <a:r>
+              <a:rPr lang="en-US" sz="1400" dirty="0"/>
+              <a:t>/</a:t>
+            </a:r>
+            <a:r>
+              <a:rPr lang="en-US" sz="1400" dirty="0" err="1"/>
+              <a:t>AppArmor</a:t>
+            </a:r>
+            <a:endParaRPr lang="en-US" sz="1400" dirty="0"/>
+          </a:p>
+          <a:p>
+            <a:pPr lvl="1">
+              <a:spcBef>
+                <a:spcPts val="300"/>
+              </a:spcBef>
+            </a:pPr>
+            <a:r>
+              <a:rPr lang="en-US" sz="1200" dirty="0"/>
+              <a:t>Security profiles to govern access to resources</a:t>
+            </a:r>
+          </a:p>
+          <a:p>
+            <a:pPr>
+              <a:spcBef>
+                <a:spcPts val="1200"/>
+              </a:spcBef>
+            </a:pPr>
+            <a:r>
+              <a:rPr lang="en-US" sz="1400" dirty="0"/>
+              <a:t>capabilities</a:t>
+            </a:r>
+          </a:p>
+          <a:p>
+            <a:pPr lvl="1">
+              <a:spcBef>
+                <a:spcPts val="300"/>
+              </a:spcBef>
+            </a:pPr>
+            <a:r>
+              <a:rPr lang="en-US" sz="1200" dirty="0"/>
+              <a:t>Granular control of privileges</a:t>
+            </a:r>
+          </a:p>
+          <a:p>
+            <a:pPr>
+              <a:spcBef>
+                <a:spcPts val="1200"/>
+              </a:spcBef>
+            </a:pPr>
+            <a:r>
+              <a:rPr lang="en-US" sz="1400" dirty="0" err="1"/>
+              <a:t>seccomp</a:t>
+            </a:r>
+            <a:endParaRPr lang="en-US" sz="1400" dirty="0"/>
+          </a:p>
+          <a:p>
+            <a:pPr lvl="1">
+              <a:spcBef>
+                <a:spcPts val="300"/>
+              </a:spcBef>
+            </a:pPr>
+            <a:r>
+              <a:rPr lang="en-US" sz="1200" dirty="0"/>
+              <a:t>Limitation of </a:t>
+            </a:r>
             <a:r>
               <a:rPr lang="en-US" sz="1200" dirty="0" err="1"/>
-              <a:t>Netlink</a:t>
-            </a:r>
-            <a:endParaRPr lang="en-US" sz="1200" dirty="0"/>
-          </a:p>
-          <a:p>
-            <a:pPr lvl="1"/>
-            <a:r>
-              <a:rPr lang="en-US" sz="1100" dirty="0" err="1"/>
-              <a:t>Interprocess</a:t>
-            </a:r>
-            <a:r>
-              <a:rPr lang="en-US" sz="1100" dirty="0"/>
-              <a:t> communication between containers</a:t>
-            </a:r>
-          </a:p>
-          <a:p>
-            <a:r>
-              <a:rPr lang="en-US" sz="1200" dirty="0" err="1"/>
-              <a:t>SELinux</a:t>
+              <a:t>syscalls</a:t>
             </a:r>
             <a:r>
               <a:rPr lang="en-US" sz="1200" dirty="0"/>
-              <a:t>/</a:t>
-            </a:r>
-            <a:r>
-              <a:rPr lang="en-US" sz="1200" dirty="0" err="1"/>
-              <a:t>AppArmor</a:t>
-            </a:r>
-            <a:endParaRPr lang="en-US" sz="1200" dirty="0"/>
-          </a:p>
-          <a:p>
-            <a:pPr lvl="1"/>
-            <a:r>
-              <a:rPr lang="en-US" sz="1100" dirty="0"/>
-              <a:t>Security profiles to govern access to resources</a:t>
-            </a:r>
-          </a:p>
-          <a:p>
-            <a:r>
-              <a:rPr lang="en-US" sz="1200" dirty="0"/>
-              <a:t>capabilities</a:t>
-            </a:r>
-          </a:p>
-          <a:p>
-            <a:pPr lvl="1"/>
-            <a:r>
-              <a:rPr lang="en-US" sz="1100" dirty="0"/>
-              <a:t>Granular control of privileges</a:t>
-            </a:r>
-          </a:p>
-          <a:p>
-            <a:r>
-              <a:rPr lang="en-US" sz="1200" dirty="0"/>
-              <a:t>seccomp</a:t>
-            </a:r>
-          </a:p>
-          <a:p>
-            <a:pPr lvl="1"/>
-            <a:r>
-              <a:rPr lang="en-US" sz="1100" dirty="0"/>
-              <a:t>Limitation of </a:t>
-            </a:r>
-            <a:r>
-              <a:rPr lang="en-US" sz="1100" dirty="0" err="1"/>
-              <a:t>syscalls</a:t>
-            </a:r>
-            <a:r>
-              <a:rPr lang="en-US" sz="1100" dirty="0"/>
               <a:t> to processes</a:t>
             </a:r>
           </a:p>
@@ -25145,20 +25347,24 @@
             <a:pPr lvl="1"/>
             <a:r>
               <a:rPr lang="en-US" sz="1200" dirty="0"/>
-              <a:t>seven different namespaces for</a:t>
+              <a:t>Seven different namespaces for</a:t>
             </a:r>
           </a:p>
           <a:p>
             <a:pPr lvl="2"/>
             <a:r>
+              <a:rPr lang="en-US" sz="1200" b="1" dirty="0"/>
+              <a:t>PID</a:t>
+            </a:r>
+            <a:r>
               <a:rPr lang="en-US" sz="1200" dirty="0"/>
-              <a:t>PID (process tree)</a:t>
+              <a:t> (process tree)</a:t>
             </a:r>
           </a:p>
           <a:p>
             <a:pPr lvl="2"/>
             <a:r>
-              <a:rPr lang="en-US" sz="1200" dirty="0" err="1"/>
+              <a:rPr lang="en-US" sz="1200" b="1" dirty="0" err="1"/>
               <a:t>mnt</a:t>
             </a:r>
             <a:r>
@@ -25169,15 +25375,23 @@
           <a:p>
             <a:pPr lvl="2"/>
             <a:r>
+              <a:rPr lang="en-US" sz="1200" b="1" dirty="0"/>
+              <a:t>Net</a:t>
+            </a:r>
+            <a:r>
               <a:rPr lang="en-US" sz="1200" dirty="0"/>
-              <a:t>Net (network interfaces and connectivity)</a:t>
+              <a:t> (network interfaces and connectivity)</a:t>
             </a:r>
           </a:p>
           <a:p>
             <a:pPr lvl="2"/>
             <a:r>
+              <a:rPr lang="en-US" sz="1200" b="1" dirty="0"/>
+              <a:t>IPC</a:t>
+            </a:r>
+            <a:r>
               <a:rPr lang="en-US" sz="1200" dirty="0"/>
-              <a:t>IPC (</a:t>
+              <a:t> (</a:t>
             </a:r>
             <a:r>
               <a:rPr lang="en-US" sz="1200" dirty="0" err="1"/>
@@ -25191,22 +25405,34 @@
           <a:p>
             <a:pPr lvl="2"/>
             <a:r>
+              <a:rPr lang="en-US" sz="1200" b="1" dirty="0"/>
+              <a:t>UTS</a:t>
+            </a:r>
+            <a:r>
               <a:rPr lang="en-US" sz="1200" dirty="0"/>
-              <a:t>UTS (hostnames, date &amp; time, etc.)</a:t>
+              <a:t> (hostnames, date &amp; time, etc.)</a:t>
             </a:r>
           </a:p>
           <a:p>
             <a:pPr lvl="2"/>
             <a:r>
+              <a:rPr lang="en-US" sz="1200" b="1" dirty="0"/>
+              <a:t>UID</a:t>
+            </a:r>
+            <a:r>
               <a:rPr lang="en-US" sz="1200" dirty="0"/>
-              <a:t>UID (user IDs and mappings)</a:t>
+              <a:t> (user IDs and mappings)</a:t>
             </a:r>
           </a:p>
           <a:p>
             <a:pPr lvl="2"/>
             <a:r>
+              <a:rPr lang="en-US" sz="1200" b="1" dirty="0"/>
+              <a:t>cgroup</a:t>
+            </a:r>
+            <a:r>
               <a:rPr lang="en-US" sz="1200" dirty="0"/>
-              <a:t>cgroup (control groups for resource allocation)</a:t>
+              <a:t> (control groups for resource allocation)</a:t>
             </a:r>
           </a:p>
           <a:p>
@@ -25226,7 +25452,7 @@
             <a:pPr lvl="1"/>
             <a:r>
               <a:rPr lang="en-US" sz="1200" dirty="0"/>
-              <a:t>Prioritization (nice for a set of processes and not just one)</a:t>
+              <a:t>Prioritization ('nice' for a set of processes and not just one)</a:t>
             </a:r>
             <a:endParaRPr lang="en-US" sz="1600" dirty="0"/>
           </a:p>
@@ -25410,10 +25636,9 @@
           <a:lstStyle/>
           <a:p>
             <a:r>
-              <a:rPr lang="en-US"/>
+              <a:rPr lang="en-US" dirty="0"/>
               <a:t>Linux Features</a:t>
             </a:r>
-            <a:endParaRPr lang="en-US" dirty="0"/>
           </a:p>
         </p:txBody>
       </p:sp>
@@ -27357,7 +27582,7 @@
         <p:spPr>
           <a:xfrm>
             <a:off x="6362477" y="1620000"/>
-            <a:ext cx="5328000" cy="4230000"/>
+            <a:ext cx="5232115" cy="4230000"/>
           </a:xfrm>
         </p:spPr>
         <p:txBody>
@@ -27612,7 +27837,7 @@
             <a:pPr lvl="1"/>
             <a:r>
               <a:rPr lang="en-US" sz="1600" dirty="0"/>
-              <a:t>namespaces give a process a limited view on the process table</a:t>
+              <a:t>Namespaces give a process a limited view on the process table</a:t>
             </a:r>
           </a:p>
           <a:p>
@@ -27623,7 +27848,7 @@
             <a:pPr lvl="1"/>
             <a:r>
               <a:rPr lang="en-US" sz="1600" dirty="0"/>
-              <a:t>only processes in the same namespace can see each other</a:t>
+              <a:t>Only processes in the same namespace can see each other</a:t>
             </a:r>
           </a:p>
           <a:p>
@@ -27634,7 +27859,7 @@
             <a:pPr lvl="1"/>
             <a:r>
               <a:rPr lang="en-US" sz="1600" dirty="0"/>
-              <a:t>processes get new PIDs in namespace</a:t>
+              <a:t>Processes get new PIDs in namespace</a:t>
             </a:r>
           </a:p>
           <a:p>
@@ -27645,7 +27870,7 @@
             <a:pPr lvl="1"/>
             <a:r>
               <a:rPr lang="en-US" sz="1600" dirty="0"/>
-              <a:t>still visible with their original PID outside of namespace</a:t>
+              <a:t>Still visible with their original PID outside of namespace</a:t>
             </a:r>
           </a:p>
           <a:p>
@@ -27656,7 +27881,7 @@
             <a:pPr lvl="1"/>
             <a:r>
               <a:rPr lang="en-US" sz="1600" dirty="0"/>
-              <a:t>same principle applies to mount, </a:t>
+              <a:t>Same principle applies to mount, </a:t>
             </a:r>
             <a:r>
               <a:rPr lang="en-US" sz="1600" dirty="0" err="1"/>
@@ -29985,7 +30210,7 @@
             <a:pPr lvl="1"/>
             <a:r>
               <a:rPr lang="en-US" sz="1600" dirty="0"/>
-              <a:t>several processes can be in the same cgroup they all share the resource limit</a:t>
+              <a:t>Several processes can be in the same cgroup they all share the resource limit</a:t>
             </a:r>
           </a:p>
           <a:p>
@@ -30564,7 +30789,7 @@
             <a:pPr lvl="1"/>
             <a:r>
               <a:rPr lang="en-US" sz="1600" dirty="0"/>
-              <a:t>every program uses system calls to interact with the operating system</a:t>
+              <a:t>Every program uses system calls to interact with the operating system</a:t>
             </a:r>
           </a:p>
           <a:p>

--- a/docker/02_Members_of_docker_universe.pptx
+++ b/docker/02_Members_of_docker_universe.pptx
@@ -5,31 +5,29 @@
     <p:sldMasterId id="2147483733" r:id="rId1"/>
   </p:sldMasterIdLst>
   <p:notesMasterIdLst>
-    <p:notesMasterId r:id="rId21"/>
+    <p:notesMasterId r:id="rId19"/>
   </p:notesMasterIdLst>
   <p:handoutMasterIdLst>
-    <p:handoutMasterId r:id="rId22"/>
+    <p:handoutMasterId r:id="rId20"/>
   </p:handoutMasterIdLst>
   <p:sldIdLst>
-    <p:sldId id="435" r:id="rId2"/>
-    <p:sldId id="434" r:id="rId3"/>
-    <p:sldId id="437" r:id="rId4"/>
-    <p:sldId id="444" r:id="rId5"/>
-    <p:sldId id="449" r:id="rId6"/>
-    <p:sldId id="450" r:id="rId7"/>
-    <p:sldId id="451" r:id="rId8"/>
-    <p:sldId id="455" r:id="rId9"/>
-    <p:sldId id="452" r:id="rId10"/>
-    <p:sldId id="454" r:id="rId11"/>
-    <p:sldId id="453" r:id="rId12"/>
-    <p:sldId id="382" r:id="rId13"/>
-    <p:sldId id="438" r:id="rId14"/>
-    <p:sldId id="443" r:id="rId15"/>
-    <p:sldId id="447" r:id="rId16"/>
-    <p:sldId id="440" r:id="rId17"/>
-    <p:sldId id="442" r:id="rId18"/>
-    <p:sldId id="448" r:id="rId19"/>
-    <p:sldId id="265" r:id="rId20"/>
+    <p:sldId id="434" r:id="rId2"/>
+    <p:sldId id="437" r:id="rId3"/>
+    <p:sldId id="444" r:id="rId4"/>
+    <p:sldId id="449" r:id="rId5"/>
+    <p:sldId id="450" r:id="rId6"/>
+    <p:sldId id="451" r:id="rId7"/>
+    <p:sldId id="455" r:id="rId8"/>
+    <p:sldId id="452" r:id="rId9"/>
+    <p:sldId id="454" r:id="rId10"/>
+    <p:sldId id="453" r:id="rId11"/>
+    <p:sldId id="382" r:id="rId12"/>
+    <p:sldId id="438" r:id="rId13"/>
+    <p:sldId id="440" r:id="rId14"/>
+    <p:sldId id="456" r:id="rId15"/>
+    <p:sldId id="457" r:id="rId16"/>
+    <p:sldId id="448" r:id="rId17"/>
+    <p:sldId id="265" r:id="rId18"/>
   </p:sldIdLst>
   <p:sldSz cx="12195175" cy="6858000"/>
   <p:notesSz cx="6858000" cy="9144000"/>
@@ -612,7 +610,7 @@
     </p:spTree>
     <p:extLst>
       <p:ext uri="{BB962C8B-B14F-4D97-AF65-F5344CB8AC3E}">
-        <p14:creationId xmlns:p14="http://schemas.microsoft.com/office/powerpoint/2010/main" val="4013145725"/>
+        <p14:creationId xmlns:p14="http://schemas.microsoft.com/office/powerpoint/2010/main" val="2139511009"/>
       </p:ext>
     </p:extLst>
   </p:cSld>
@@ -666,6 +664,142 @@
           <a:bodyPr/>
           <a:lstStyle/>
           <a:p>
+            <a:r>
+              <a:rPr lang="de-DE" dirty="0" err="1"/>
+              <a:t>You</a:t>
+            </a:r>
+            <a:r>
+              <a:rPr lang="de-DE" dirty="0"/>
+              <a:t> </a:t>
+            </a:r>
+            <a:r>
+              <a:rPr lang="de-DE" dirty="0" err="1"/>
+              <a:t>actually</a:t>
+            </a:r>
+            <a:r>
+              <a:rPr lang="de-DE" dirty="0"/>
+              <a:t> </a:t>
+            </a:r>
+            <a:r>
+              <a:rPr lang="de-DE" dirty="0" err="1"/>
+              <a:t>specify</a:t>
+            </a:r>
+            <a:r>
+              <a:rPr lang="de-DE" dirty="0"/>
+              <a:t> an </a:t>
+            </a:r>
+            <a:r>
+              <a:rPr lang="de-DE" dirty="0" err="1"/>
+              <a:t>image</a:t>
+            </a:r>
+            <a:r>
+              <a:rPr lang="de-DE" dirty="0"/>
+              <a:t> </a:t>
+            </a:r>
+            <a:r>
+              <a:rPr lang="de-DE" dirty="0" err="1"/>
+              <a:t>name</a:t>
+            </a:r>
+            <a:r>
+              <a:rPr lang="de-DE" dirty="0"/>
+              <a:t> </a:t>
+            </a:r>
+            <a:r>
+              <a:rPr lang="de-DE" dirty="0" err="1"/>
+              <a:t>as</a:t>
+            </a:r>
+            <a:r>
+              <a:rPr lang="de-DE" dirty="0"/>
+              <a:t> </a:t>
+            </a:r>
+            <a:r>
+              <a:rPr lang="de-DE" dirty="0" err="1"/>
+              <a:t>argument</a:t>
+            </a:r>
+            <a:r>
+              <a:rPr lang="de-DE" dirty="0"/>
+              <a:t> </a:t>
+            </a:r>
+            <a:r>
+              <a:rPr lang="de-DE" dirty="0" err="1"/>
+              <a:t>of</a:t>
+            </a:r>
+            <a:r>
+              <a:rPr lang="de-DE" dirty="0"/>
+              <a:t> </a:t>
+            </a:r>
+            <a:r>
+              <a:rPr lang="de-DE" dirty="0" err="1"/>
+              <a:t>the</a:t>
+            </a:r>
+            <a:r>
+              <a:rPr lang="de-DE" dirty="0"/>
+              <a:t> docker </a:t>
+            </a:r>
+            <a:r>
+              <a:rPr lang="de-DE" dirty="0" err="1"/>
+              <a:t>run</a:t>
+            </a:r>
+            <a:r>
+              <a:rPr lang="de-DE" dirty="0"/>
+              <a:t> but </a:t>
+            </a:r>
+            <a:r>
+              <a:rPr lang="de-DE" dirty="0" err="1"/>
+              <a:t>that</a:t>
+            </a:r>
+            <a:r>
+              <a:rPr lang="de-DE" dirty="0"/>
+              <a:t> will </a:t>
+            </a:r>
+            <a:r>
+              <a:rPr lang="de-DE" dirty="0" err="1"/>
+              <a:t>be</a:t>
+            </a:r>
+            <a:r>
+              <a:rPr lang="de-DE" dirty="0"/>
+              <a:t> </a:t>
+            </a:r>
+            <a:r>
+              <a:rPr lang="de-DE" dirty="0" err="1"/>
+              <a:t>explained</a:t>
+            </a:r>
+            <a:r>
+              <a:rPr lang="de-DE" dirty="0"/>
+              <a:t> in </a:t>
+            </a:r>
+            <a:r>
+              <a:rPr lang="de-DE" dirty="0" err="1"/>
+              <a:t>the</a:t>
+            </a:r>
+            <a:r>
+              <a:rPr lang="de-DE" dirty="0"/>
+              <a:t> </a:t>
+            </a:r>
+            <a:r>
+              <a:rPr lang="de-DE" dirty="0" err="1"/>
+              <a:t>next</a:t>
+            </a:r>
+            <a:r>
+              <a:rPr lang="de-DE" dirty="0"/>
+              <a:t> </a:t>
+            </a:r>
+            <a:r>
+              <a:rPr lang="de-DE" dirty="0" err="1"/>
+              <a:t>few</a:t>
+            </a:r>
+            <a:r>
+              <a:rPr lang="de-DE" dirty="0"/>
+              <a:t> </a:t>
+            </a:r>
+            <a:r>
+              <a:rPr lang="de-DE" dirty="0" err="1"/>
+              <a:t>slides</a:t>
+            </a:r>
+            <a:r>
+              <a:rPr lang="de-DE" dirty="0"/>
+              <a:t>.</a:t>
+            </a:r>
             <a:endParaRPr lang="en-US" dirty="0"/>
           </a:p>
         </p:txBody>
@@ -697,7 +831,7 @@
     </p:spTree>
     <p:extLst>
       <p:ext uri="{BB962C8B-B14F-4D97-AF65-F5344CB8AC3E}">
-        <p14:creationId xmlns:p14="http://schemas.microsoft.com/office/powerpoint/2010/main" val="2415921286"/>
+        <p14:creationId xmlns:p14="http://schemas.microsoft.com/office/powerpoint/2010/main" val="638968625"/>
       </p:ext>
     </p:extLst>
   </p:cSld>
@@ -752,142 +886,18 @@
           <a:lstStyle/>
           <a:p>
             <a:r>
-              <a:rPr lang="de-DE" dirty="0" err="1"/>
-              <a:t>You</a:t>
-            </a:r>
-            <a:r>
-              <a:rPr lang="de-DE" dirty="0"/>
-              <a:t> </a:t>
-            </a:r>
-            <a:r>
-              <a:rPr lang="de-DE" dirty="0" err="1"/>
-              <a:t>actually</a:t>
-            </a:r>
-            <a:r>
-              <a:rPr lang="de-DE" dirty="0"/>
-              <a:t> </a:t>
-            </a:r>
-            <a:r>
-              <a:rPr lang="de-DE" dirty="0" err="1"/>
-              <a:t>specify</a:t>
-            </a:r>
-            <a:r>
-              <a:rPr lang="de-DE" dirty="0"/>
-              <a:t> an </a:t>
-            </a:r>
-            <a:r>
-              <a:rPr lang="de-DE" dirty="0" err="1"/>
-              <a:t>image</a:t>
-            </a:r>
-            <a:r>
-              <a:rPr lang="de-DE" dirty="0"/>
-              <a:t> </a:t>
-            </a:r>
-            <a:r>
-              <a:rPr lang="de-DE" dirty="0" err="1"/>
-              <a:t>name</a:t>
-            </a:r>
-            <a:r>
-              <a:rPr lang="de-DE" dirty="0"/>
-              <a:t> </a:t>
-            </a:r>
-            <a:r>
-              <a:rPr lang="de-DE" dirty="0" err="1"/>
-              <a:t>as</a:t>
-            </a:r>
-            <a:r>
-              <a:rPr lang="de-DE" dirty="0"/>
-              <a:t> </a:t>
-            </a:r>
-            <a:r>
-              <a:rPr lang="de-DE" dirty="0" err="1"/>
-              <a:t>argument</a:t>
-            </a:r>
-            <a:r>
-              <a:rPr lang="de-DE" dirty="0"/>
-              <a:t> </a:t>
-            </a:r>
-            <a:r>
-              <a:rPr lang="de-DE" dirty="0" err="1"/>
-              <a:t>of</a:t>
-            </a:r>
-            <a:r>
-              <a:rPr lang="de-DE" dirty="0"/>
-              <a:t> </a:t>
-            </a:r>
-            <a:r>
-              <a:rPr lang="de-DE" dirty="0" err="1"/>
-              <a:t>the</a:t>
-            </a:r>
-            <a:r>
-              <a:rPr lang="de-DE" dirty="0"/>
-              <a:t> docker </a:t>
-            </a:r>
-            <a:r>
-              <a:rPr lang="de-DE" dirty="0" err="1"/>
-              <a:t>run</a:t>
-            </a:r>
-            <a:r>
-              <a:rPr lang="de-DE" dirty="0"/>
-              <a:t> but </a:t>
-            </a:r>
-            <a:r>
-              <a:rPr lang="de-DE" dirty="0" err="1"/>
-              <a:t>that</a:t>
-            </a:r>
-            <a:r>
-              <a:rPr lang="de-DE" dirty="0"/>
-              <a:t> will </a:t>
-            </a:r>
-            <a:r>
-              <a:rPr lang="de-DE" dirty="0" err="1"/>
-              <a:t>be</a:t>
-            </a:r>
-            <a:r>
-              <a:rPr lang="de-DE" dirty="0"/>
-              <a:t> </a:t>
-            </a:r>
-            <a:r>
-              <a:rPr lang="de-DE" dirty="0" err="1"/>
-              <a:t>explained</a:t>
-            </a:r>
-            <a:r>
-              <a:rPr lang="de-DE" dirty="0"/>
-              <a:t> in </a:t>
-            </a:r>
-            <a:r>
-              <a:rPr lang="de-DE" dirty="0" err="1"/>
-              <a:t>the</a:t>
-            </a:r>
-            <a:r>
-              <a:rPr lang="de-DE" dirty="0"/>
-              <a:t> </a:t>
-            </a:r>
-            <a:r>
-              <a:rPr lang="de-DE" dirty="0" err="1"/>
-              <a:t>next</a:t>
-            </a:r>
-            <a:r>
-              <a:rPr lang="de-DE" dirty="0"/>
-              <a:t> </a:t>
-            </a:r>
-            <a:r>
-              <a:rPr lang="de-DE" dirty="0" err="1"/>
-              <a:t>few</a:t>
-            </a:r>
-            <a:r>
-              <a:rPr lang="de-DE" dirty="0"/>
-              <a:t> </a:t>
-            </a:r>
-            <a:r>
-              <a:rPr lang="de-DE" dirty="0" err="1"/>
-              <a:t>slides</a:t>
-            </a:r>
-            <a:r>
-              <a:rPr lang="de-DE" dirty="0"/>
-              <a:t>.</a:t>
-            </a:r>
+              <a:rPr lang="en-US" dirty="0"/>
+              <a:t>Docker offers more than “just” running containers. It brings a complete eco-system of building, persisting and sharing containers. </a:t>
+            </a:r>
+          </a:p>
+          <a:p>
             <a:endParaRPr lang="en-US" dirty="0"/>
+          </a:p>
+          <a:p>
+            <a:r>
+              <a:rPr lang="en-US" dirty="0"/>
+              <a:t>The client triggers the docker host to execute actions related to container lifecycle, but also building, downloading &amp; sharing images. The Docker Registry concepts allows to store images permanently. The most famous registry is the docker hub. </a:t>
+            </a:r>
           </a:p>
         </p:txBody>
       </p:sp>
@@ -918,7 +928,7 @@
     </p:spTree>
     <p:extLst>
       <p:ext uri="{BB962C8B-B14F-4D97-AF65-F5344CB8AC3E}">
-        <p14:creationId xmlns:p14="http://schemas.microsoft.com/office/powerpoint/2010/main" val="638968625"/>
+        <p14:creationId xmlns:p14="http://schemas.microsoft.com/office/powerpoint/2010/main" val="460007210"/>
       </p:ext>
     </p:extLst>
   </p:cSld>
@@ -1003,7 +1013,7 @@
     </p:spTree>
     <p:extLst>
       <p:ext uri="{BB962C8B-B14F-4D97-AF65-F5344CB8AC3E}">
-        <p14:creationId xmlns:p14="http://schemas.microsoft.com/office/powerpoint/2010/main" val="460007210"/>
+        <p14:creationId xmlns:p14="http://schemas.microsoft.com/office/powerpoint/2010/main" val="2984866983"/>
       </p:ext>
     </p:extLst>
   </p:cSld>
@@ -1057,7 +1067,140 @@
           <a:bodyPr/>
           <a:lstStyle/>
           <a:p>
-            <a:endParaRPr lang="en-US" dirty="0"/>
+            <a:r>
+              <a:rPr lang="en-US" noProof="0" dirty="0"/>
+              <a:t>Docker is a client-server architecture. The docker command you use to interact with Docker does nothing but talk to the Docker daemon. All the magic of pinning up containers, downloading images and even building images is done inside the Docker daemon. Communication between the Docker client and the Docker daemon happens through a </a:t>
+            </a:r>
+            <a:r>
+              <a:rPr lang="en-US" noProof="0" dirty="0" err="1"/>
+              <a:t>ReST</a:t>
+            </a:r>
+            <a:r>
+              <a:rPr lang="en-US" noProof="0" dirty="0"/>
+              <a:t> API over http/https.</a:t>
+            </a:r>
+          </a:p>
+          <a:p>
+            <a:r>
+              <a:rPr lang="en-US" noProof="0" dirty="0"/>
+              <a:t>If both, docker client and docker daemon, run on the same host, communication will take place through a socket file (/</a:t>
+            </a:r>
+            <a:r>
+              <a:rPr lang="en-US" noProof="0" dirty="0" err="1"/>
+              <a:t>var</a:t>
+            </a:r>
+            <a:r>
+              <a:rPr lang="en-US" noProof="0" dirty="0"/>
+              <a:t>/run/</a:t>
+            </a:r>
+            <a:r>
+              <a:rPr lang="en-US" noProof="0" dirty="0" err="1"/>
+              <a:t>docker.sock</a:t>
+            </a:r>
+            <a:r>
+              <a:rPr lang="en-US" noProof="0" dirty="0"/>
+              <a:t>). It is however also possible to have the Docker client on your local laptop and the Docker daemon on a computer somewhere totally different. In that case, communication goes through TCP, the target port on the Docker daemon will be 2375 for unencrypted HTTP and 2376 for TLS secured HTTPS.</a:t>
+            </a:r>
+          </a:p>
+          <a:p>
+            <a:endParaRPr lang="de-DE" noProof="0" dirty="0"/>
+          </a:p>
+          <a:p>
+            <a:r>
+              <a:rPr lang="de-DE" noProof="0" dirty="0"/>
+              <a:t>N</a:t>
+            </a:r>
+            <a:r>
+              <a:rPr lang="en-US" noProof="0" dirty="0" err="1"/>
+              <a:t>ote</a:t>
+            </a:r>
+            <a:r>
+              <a:rPr lang="en-US" noProof="0" dirty="0"/>
+              <a:t>:</a:t>
+            </a:r>
+          </a:p>
+          <a:p>
+            <a:pPr lvl="1"/>
+            <a:r>
+              <a:rPr lang="en-US" noProof="0" dirty="0"/>
+              <a:t>If you want to talk to</a:t>
+            </a:r>
+            <a:r>
+              <a:rPr lang="en-US" baseline="0" noProof="0" dirty="0"/>
+              <a:t> dockerd directly, you can do so using curl (you will need curl and </a:t>
+            </a:r>
+            <a:r>
+              <a:rPr lang="en-US" baseline="0" noProof="0" dirty="0" err="1"/>
+              <a:t>libcurl</a:t>
+            </a:r>
+            <a:r>
+              <a:rPr lang="en-US" baseline="0" noProof="0" dirty="0"/>
+              <a:t> &gt;= 7.40): </a:t>
+            </a:r>
+            <a:br>
+              <a:rPr lang="en-US" baseline="0" noProof="0" dirty="0"/>
+            </a:br>
+            <a:r>
+              <a:rPr lang="en-US" baseline="0" noProof="0" dirty="0"/>
+              <a:t>   curl --</a:t>
+            </a:r>
+            <a:r>
+              <a:rPr lang="en-US" baseline="0" noProof="0" dirty="0" err="1"/>
+              <a:t>unix</a:t>
+            </a:r>
+            <a:r>
+              <a:rPr lang="en-US" baseline="0" noProof="0" dirty="0"/>
+              <a:t>-socket /</a:t>
+            </a:r>
+            <a:r>
+              <a:rPr lang="en-US" baseline="0" noProof="0" dirty="0" err="1"/>
+              <a:t>var</a:t>
+            </a:r>
+            <a:r>
+              <a:rPr lang="en-US" baseline="0" noProof="0" dirty="0"/>
+              <a:t>/run/</a:t>
+            </a:r>
+            <a:r>
+              <a:rPr lang="en-US" baseline="0" noProof="0" dirty="0" err="1"/>
+              <a:t>docker.sock</a:t>
+            </a:r>
+            <a:r>
+              <a:rPr lang="en-US" baseline="0" noProof="0" dirty="0"/>
+              <a:t> http://localhost/containers/json</a:t>
+            </a:r>
+          </a:p>
+          <a:p>
+            <a:pPr lvl="1"/>
+            <a:r>
+              <a:rPr lang="en-US" baseline="0" noProof="0" dirty="0"/>
+              <a:t>Or use your web browser if you enabled </a:t>
+            </a:r>
+            <a:r>
+              <a:rPr lang="en-US" baseline="0" noProof="0" dirty="0" err="1"/>
+              <a:t>dockerd‘s</a:t>
+            </a:r>
+            <a:r>
+              <a:rPr lang="en-US" baseline="0" noProof="0" dirty="0"/>
+              <a:t> TCP socket</a:t>
+            </a:r>
+            <a:r>
+              <a:rPr lang="en-US" baseline="0" noProof="0"/>
+              <a:t>: </a:t>
+            </a:r>
+            <a:br>
+              <a:rPr lang="en-US" baseline="0" noProof="0"/>
+            </a:br>
+            <a:r>
+              <a:rPr lang="en-US" baseline="0" noProof="0"/>
+              <a:t>   </a:t>
+            </a:r>
+            <a:r>
+              <a:rPr lang="en-US" baseline="0" noProof="0" dirty="0"/>
+              <a:t>http://&lt;hostname&gt;:2375/containers/json</a:t>
+            </a:r>
+          </a:p>
+          <a:p>
+            <a:endParaRPr lang="en-US" noProof="0" dirty="0"/>
           </a:p>
         </p:txBody>
       </p:sp>
@@ -1088,7 +1231,7 @@
     </p:spTree>
     <p:extLst>
       <p:ext uri="{BB962C8B-B14F-4D97-AF65-F5344CB8AC3E}">
-        <p14:creationId xmlns:p14="http://schemas.microsoft.com/office/powerpoint/2010/main" val="2984866983"/>
+        <p14:creationId xmlns:p14="http://schemas.microsoft.com/office/powerpoint/2010/main" val="1009079960"/>
       </p:ext>
     </p:extLst>
   </p:cSld>
@@ -1144,13 +1287,36 @@
           <a:p>
             <a:r>
               <a:rPr lang="en-US" dirty="0"/>
-              <a:t>Containers consist of several filesystem layers. In order to get the idea, remember your school time when you certainly had to deal with that device on the left.</a:t>
-            </a:r>
-          </a:p>
-          <a:p>
+              <a:t>The docker daemon works as central entry point. It receives API requests and is home of docker specific features.</a:t>
+            </a:r>
+          </a:p>
+          <a:p>
+            <a:endParaRPr lang="en-US" dirty="0"/>
+          </a:p>
+          <a:p>
+            <a:r>
+              <a:rPr lang="en-US" dirty="0" err="1"/>
+              <a:t>Containerd</a:t>
+            </a:r>
             <a:r>
               <a:rPr lang="en-US" dirty="0"/>
-              <a:t>On an overhead slide projector, you put on a slide, you write on it and everybody can see what you wrote. You put up another slide on top and write on it - now everybody can see what is written on both slides but all you write goes to the topmost slide, you can no longer write on the lowest slide. You can put yet another slide on top of the stack, you can write on that… and so on.</a:t>
+              <a:t> actually is the container runtime. It is a refactored part of the former docker engine and handles the complete lifecycle of a container. It works on the basis of the open container initiative (OCI) specifications for container runtimes. </a:t>
+            </a:r>
+            <a:r>
+              <a:rPr lang="en-US" dirty="0" err="1"/>
+              <a:t>Containerd</a:t>
+            </a:r>
+            <a:r>
+              <a:rPr lang="en-US" dirty="0"/>
+              <a:t> also depends on OCI compatible images (root file system + </a:t>
+            </a:r>
+            <a:r>
+              <a:rPr lang="en-US" dirty="0" err="1"/>
+              <a:t>container.json</a:t>
+            </a:r>
+            <a:r>
+              <a:rPr lang="en-US" dirty="0"/>
+              <a:t>)</a:t>
             </a:r>
           </a:p>
           <a:p>
@@ -1158,25 +1324,88 @@
           </a:p>
           <a:p>
             <a:r>
+              <a:rPr lang="en-US" dirty="0" err="1"/>
+              <a:t>Containerd</a:t>
+            </a:r>
+            <a:r>
               <a:rPr lang="en-US" dirty="0"/>
-              <a:t>With an overlay filesystem, it is exactly like that. Several different filesystem layers will be stacked on top of each other and the contents will merge - when you read files, you will not even notice which layer they are from. </a:t>
-            </a:r>
-            <a:r>
-              <a:rPr lang="en-US" b="1" i="1" dirty="0"/>
-              <a:t>Writing however will always go to the topmost filesystem layer, all underlaying layers will be read-only.</a:t>
-            </a:r>
-          </a:p>
-          <a:p>
-            <a:endParaRPr lang="en-US" b="1" i="1" dirty="0"/>
-          </a:p>
-          <a:p>
+              <a:t> instructs </a:t>
+            </a:r>
+            <a:r>
+              <a:rPr lang="en-US" dirty="0" err="1"/>
+              <a:t>runc</a:t>
+            </a:r>
             <a:r>
               <a:rPr lang="en-US" dirty="0"/>
-              <a:t>Docker uses these layers to enable stacking of images. Container images can extend existing images which is facilitated by these layers. They will be discussed in more depth in the chapter about images.</a:t>
+              <a:t> to start a container. </a:t>
+            </a:r>
+            <a:r>
+              <a:rPr lang="en-US" dirty="0" err="1"/>
+              <a:t>Runc</a:t>
+            </a:r>
+            <a:r>
+              <a:rPr lang="en-US" dirty="0"/>
+              <a:t> sets up all the </a:t>
+            </a:r>
+            <a:r>
+              <a:rPr lang="en-US" dirty="0" err="1"/>
+              <a:t>linux</a:t>
+            </a:r>
+            <a:r>
+              <a:rPr lang="en-US" dirty="0"/>
+              <a:t> magic with </a:t>
+            </a:r>
+            <a:r>
+              <a:rPr lang="en-US" dirty="0" err="1"/>
+              <a:t>cgroups</a:t>
+            </a:r>
+            <a:r>
+              <a:rPr lang="en-US" dirty="0"/>
+              <a:t> </a:t>
+            </a:r>
+            <a:r>
+              <a:rPr lang="en-US" dirty="0" err="1"/>
+              <a:t>etc</a:t>
+            </a:r>
+            <a:r>
+              <a:rPr lang="en-US" dirty="0"/>
+              <a:t> and forks the container’s PID #1. Afterwards it will exit(0) and handover parent ownership of the container to </a:t>
+            </a:r>
+            <a:r>
+              <a:rPr lang="en-US" dirty="0" err="1"/>
+              <a:t>containerd</a:t>
+            </a:r>
+            <a:r>
+              <a:rPr lang="en-US" dirty="0"/>
+              <a:t>-shim. The shim module is there to decouple the daemon and container processes.</a:t>
             </a:r>
           </a:p>
           <a:p>
             <a:endParaRPr lang="en-US" dirty="0"/>
+          </a:p>
+          <a:p>
+            <a:r>
+              <a:rPr lang="en-US" dirty="0"/>
+              <a:t>Details can be found here:</a:t>
+            </a:r>
+          </a:p>
+          <a:p>
+            <a:r>
+              <a:rPr lang="en-US" dirty="0"/>
+              <a:t>https://containerd.io/</a:t>
+            </a:r>
+          </a:p>
+          <a:p>
+            <a:r>
+              <a:rPr lang="en-US" dirty="0"/>
+              <a:t>https://www.slideshare.net/PhilEstes/diving-through-the-layers-investigating-runc-containerd-and-the-docker-engine-architecture</a:t>
+            </a:r>
+          </a:p>
+          <a:p>
+            <a:r>
+              <a:rPr lang="en-US" dirty="0"/>
+              <a:t>https://hackernoon.com/docker-containerd-standalone-runtimes-heres-what-you-should-know-b834ef155426?gi=c8140ae48de2</a:t>
+            </a:r>
           </a:p>
         </p:txBody>
       </p:sp>
@@ -1196,18 +1425,18 @@
           <a:lstStyle/>
           <a:p>
             <a:fld id="{7D8C2C35-2B8A-446E-BEC0-FD36716C29AC}" type="slidenum">
-              <a:rPr lang="en-US" smtClean="0"/>
+              <a:rPr lang="de-DE" smtClean="0"/>
               <a:pPr/>
-              <a:t>14</a:t>
+              <a:t>15</a:t>
             </a:fld>
-            <a:endParaRPr lang="en-US" dirty="0"/>
+            <a:endParaRPr lang="de-DE" dirty="0"/>
           </a:p>
         </p:txBody>
       </p:sp>
     </p:spTree>
     <p:extLst>
       <p:ext uri="{BB962C8B-B14F-4D97-AF65-F5344CB8AC3E}">
-        <p14:creationId xmlns:p14="http://schemas.microsoft.com/office/powerpoint/2010/main" val="1494396432"/>
+        <p14:creationId xmlns:p14="http://schemas.microsoft.com/office/powerpoint/2010/main" val="3483686948"/>
       </p:ext>
     </p:extLst>
   </p:cSld>
@@ -1261,66 +1490,7 @@
           <a:bodyPr/>
           <a:lstStyle/>
           <a:p>
-            <a:r>
-              <a:rPr lang="en-US" dirty="0"/>
-              <a:t>Docker images can be made available by means of registries. The most common registry is the Docker Hub. Many images are made available here and a simple “docker pull </a:t>
-            </a:r>
-            <a:r>
-              <a:rPr lang="en-US" dirty="0" err="1"/>
-              <a:t>xyz</a:t>
-            </a:r>
-            <a:r>
-              <a:rPr lang="en-US" dirty="0"/>
-              <a:t>” will download image </a:t>
-            </a:r>
-            <a:r>
-              <a:rPr lang="en-US" dirty="0" err="1"/>
-              <a:t>xyz</a:t>
-            </a:r>
-            <a:r>
-              <a:rPr lang="en-US" dirty="0"/>
-              <a:t> from Docker Hub. Docker Hub is a public registry meaning that everybody can use it.</a:t>
-            </a:r>
-          </a:p>
-          <a:p>
-            <a:r>
-              <a:rPr lang="en-US" dirty="0"/>
-              <a:t>If you want to offer your images to only a limited group of peers, private registries come in handy. These require authentication before images can be pulled from or pushed to it. Docker Hub also offers private registries.</a:t>
-            </a:r>
-          </a:p>
-          <a:p>
             <a:endParaRPr lang="en-US" dirty="0"/>
-          </a:p>
-          <a:p>
-            <a:r>
-              <a:rPr lang="en-US" dirty="0"/>
-              <a:t>If you do not want to use a public hosted registry (Docker Hub is a public cloud registry), you can set up a local private registry yourself which is fairly straightforward. After all, a registry is just another docker image, cf. https://hub.docker.com/r/_/registry.</a:t>
-            </a:r>
-          </a:p>
-          <a:p>
-            <a:endParaRPr lang="de-DE" dirty="0"/>
-          </a:p>
-          <a:p>
-            <a:r>
-              <a:rPr lang="de-DE" dirty="0"/>
-              <a:t>N</a:t>
-            </a:r>
-            <a:r>
-              <a:rPr lang="en-US" dirty="0" err="1"/>
-              <a:t>ote</a:t>
-            </a:r>
-            <a:r>
-              <a:rPr lang="en-US" dirty="0"/>
-              <a:t>: There is no control of what people put into images. You can only trust official images of official 'providers' (e.g. of nginx). Check the </a:t>
-            </a:r>
-            <a:r>
-              <a:rPr lang="en-US" dirty="0" err="1"/>
-              <a:t>Dockerfile</a:t>
-            </a:r>
-            <a:r>
-              <a:rPr lang="en-US" dirty="0"/>
-              <a:t> to be clear on what is inside an image. </a:t>
-            </a:r>
           </a:p>
         </p:txBody>
       </p:sp>
@@ -1342,442 +1512,7 @@
             <a:fld id="{7D8C2C35-2B8A-446E-BEC0-FD36716C29AC}" type="slidenum">
               <a:rPr lang="en-US" smtClean="0"/>
               <a:pPr/>
-              <a:t>15</a:t>
-            </a:fld>
-            <a:endParaRPr lang="en-US" dirty="0"/>
-          </a:p>
-        </p:txBody>
-      </p:sp>
-    </p:spTree>
-    <p:extLst>
-      <p:ext uri="{BB962C8B-B14F-4D97-AF65-F5344CB8AC3E}">
-        <p14:creationId xmlns:p14="http://schemas.microsoft.com/office/powerpoint/2010/main" val="3941591494"/>
-      </p:ext>
-    </p:extLst>
-  </p:cSld>
-  <p:clrMapOvr>
-    <a:masterClrMapping/>
-  </p:clrMapOvr>
-</p:notes>
-</file>
-
-<file path=ppt/notesSlides/notesSlide16.xml><?xml version="1.0" encoding="utf-8"?>
-<p:notes xmlns:a="http://schemas.openxmlformats.org/drawingml/2006/main" xmlns:r="http://schemas.openxmlformats.org/officeDocument/2006/relationships" xmlns:p="http://schemas.openxmlformats.org/presentationml/2006/main">
-  <p:cSld>
-    <p:spTree>
-      <p:nvGrpSpPr>
-        <p:cNvPr id="1" name=""/>
-        <p:cNvGrpSpPr/>
-        <p:nvPr/>
-      </p:nvGrpSpPr>
-      <p:grpSpPr>
-        <a:xfrm>
-          <a:off x="0" y="0"/>
-          <a:ext cx="0" cy="0"/>
-          <a:chOff x="0" y="0"/>
-          <a:chExt cx="0" cy="0"/>
-        </a:xfrm>
-      </p:grpSpPr>
-      <p:sp>
-        <p:nvSpPr>
-          <p:cNvPr id="2" name="Slide Image Placeholder 1"/>
-          <p:cNvSpPr>
-            <a:spLocks noGrp="1" noRot="1" noChangeAspect="1"/>
-          </p:cNvSpPr>
-          <p:nvPr>
-            <p:ph type="sldImg"/>
-          </p:nvPr>
-        </p:nvSpPr>
-        <p:spPr/>
-      </p:sp>
-      <p:sp>
-        <p:nvSpPr>
-          <p:cNvPr id="3" name="Notes Placeholder 2"/>
-          <p:cNvSpPr>
-            <a:spLocks noGrp="1"/>
-          </p:cNvSpPr>
-          <p:nvPr>
-            <p:ph type="body" idx="1"/>
-          </p:nvPr>
-        </p:nvSpPr>
-        <p:spPr/>
-        <p:txBody>
-          <a:bodyPr/>
-          <a:lstStyle/>
-          <a:p>
-            <a:r>
-              <a:rPr lang="en-US" noProof="0" dirty="0"/>
-              <a:t>Docker is a client-server architecture. The docker command you use to interact with Docker does nothing but talk to the Docker daemon. All the magic of pinning up containers, downloading images and even building images is done inside the Docker daemon. Communication between the Docker client and the Docker daemon happens through a </a:t>
-            </a:r>
-            <a:r>
-              <a:rPr lang="en-US" noProof="0" dirty="0" err="1"/>
-              <a:t>ReST</a:t>
-            </a:r>
-            <a:r>
-              <a:rPr lang="en-US" noProof="0" dirty="0"/>
-              <a:t> API over http/https.</a:t>
-            </a:r>
-          </a:p>
-          <a:p>
-            <a:r>
-              <a:rPr lang="en-US" noProof="0" dirty="0"/>
-              <a:t>If both, docker client and docker daemon, run on the same host, communication will take place through a socket file (/</a:t>
-            </a:r>
-            <a:r>
-              <a:rPr lang="en-US" noProof="0" dirty="0" err="1"/>
-              <a:t>var</a:t>
-            </a:r>
-            <a:r>
-              <a:rPr lang="en-US" noProof="0" dirty="0"/>
-              <a:t>/run/</a:t>
-            </a:r>
-            <a:r>
-              <a:rPr lang="en-US" noProof="0" dirty="0" err="1"/>
-              <a:t>docker.sock</a:t>
-            </a:r>
-            <a:r>
-              <a:rPr lang="en-US" noProof="0" dirty="0"/>
-              <a:t>). It is however also possible to have the Docker client on your local laptop and the Docker daemon on a computer somewhere totally different. In that case, communication goes through TCP, the target port on the Docker daemon will be 2375 for unencrypted HTTP and 2376 for TLS secured HTTPS.</a:t>
-            </a:r>
-          </a:p>
-          <a:p>
-            <a:endParaRPr lang="de-DE" noProof="0" dirty="0"/>
-          </a:p>
-          <a:p>
-            <a:r>
-              <a:rPr lang="de-DE" noProof="0" dirty="0"/>
-              <a:t>N</a:t>
-            </a:r>
-            <a:r>
-              <a:rPr lang="en-US" noProof="0" dirty="0" err="1"/>
-              <a:t>ote</a:t>
-            </a:r>
-            <a:r>
-              <a:rPr lang="en-US" noProof="0" dirty="0"/>
-              <a:t>:</a:t>
-            </a:r>
-          </a:p>
-          <a:p>
-            <a:pPr lvl="1"/>
-            <a:r>
-              <a:rPr lang="en-US" noProof="0" dirty="0"/>
-              <a:t>If you want to talk to</a:t>
-            </a:r>
-            <a:r>
-              <a:rPr lang="en-US" baseline="0" noProof="0" dirty="0"/>
-              <a:t> dockerd directly, you can do so using curl (you will need curl and </a:t>
-            </a:r>
-            <a:r>
-              <a:rPr lang="en-US" baseline="0" noProof="0" dirty="0" err="1"/>
-              <a:t>libcurl</a:t>
-            </a:r>
-            <a:r>
-              <a:rPr lang="en-US" baseline="0" noProof="0" dirty="0"/>
-              <a:t> &gt;= 7.40): </a:t>
-            </a:r>
-            <a:br>
-              <a:rPr lang="en-US" baseline="0" noProof="0" dirty="0"/>
-            </a:br>
-            <a:r>
-              <a:rPr lang="en-US" baseline="0" noProof="0" dirty="0"/>
-              <a:t>   curl --</a:t>
-            </a:r>
-            <a:r>
-              <a:rPr lang="en-US" baseline="0" noProof="0" dirty="0" err="1"/>
-              <a:t>unix</a:t>
-            </a:r>
-            <a:r>
-              <a:rPr lang="en-US" baseline="0" noProof="0" dirty="0"/>
-              <a:t>-socket /</a:t>
-            </a:r>
-            <a:r>
-              <a:rPr lang="en-US" baseline="0" noProof="0" dirty="0" err="1"/>
-              <a:t>var</a:t>
-            </a:r>
-            <a:r>
-              <a:rPr lang="en-US" baseline="0" noProof="0" dirty="0"/>
-              <a:t>/run/</a:t>
-            </a:r>
-            <a:r>
-              <a:rPr lang="en-US" baseline="0" noProof="0" dirty="0" err="1"/>
-              <a:t>docker.sock</a:t>
-            </a:r>
-            <a:r>
-              <a:rPr lang="en-US" baseline="0" noProof="0" dirty="0"/>
-              <a:t> http://localhost/containers/json</a:t>
-            </a:r>
-          </a:p>
-          <a:p>
-            <a:pPr lvl="1"/>
-            <a:r>
-              <a:rPr lang="en-US" baseline="0" noProof="0" dirty="0"/>
-              <a:t>Or use your web browser if you enabled </a:t>
-            </a:r>
-            <a:r>
-              <a:rPr lang="en-US" baseline="0" noProof="0" dirty="0" err="1"/>
-              <a:t>dockerd‘s</a:t>
-            </a:r>
-            <a:r>
-              <a:rPr lang="en-US" baseline="0" noProof="0" dirty="0"/>
-              <a:t> TCP socket</a:t>
-            </a:r>
-            <a:r>
-              <a:rPr lang="en-US" baseline="0" noProof="0"/>
-              <a:t>: </a:t>
-            </a:r>
-            <a:br>
-              <a:rPr lang="en-US" baseline="0" noProof="0"/>
-            </a:br>
-            <a:r>
-              <a:rPr lang="en-US" baseline="0" noProof="0"/>
-              <a:t>   </a:t>
-            </a:r>
-            <a:r>
-              <a:rPr lang="en-US" baseline="0" noProof="0" dirty="0"/>
-              <a:t>http://&lt;hostname&gt;:2375/containers/json</a:t>
-            </a:r>
-          </a:p>
-          <a:p>
-            <a:endParaRPr lang="en-US" noProof="0" dirty="0"/>
-          </a:p>
-        </p:txBody>
-      </p:sp>
-      <p:sp>
-        <p:nvSpPr>
-          <p:cNvPr id="4" name="Slide Number Placeholder 3"/>
-          <p:cNvSpPr>
-            <a:spLocks noGrp="1"/>
-          </p:cNvSpPr>
-          <p:nvPr>
-            <p:ph type="sldNum" sz="quarter" idx="10"/>
-          </p:nvPr>
-        </p:nvSpPr>
-        <p:spPr/>
-        <p:txBody>
-          <a:bodyPr/>
-          <a:lstStyle/>
-          <a:p>
-            <a:fld id="{7D8C2C35-2B8A-446E-BEC0-FD36716C29AC}" type="slidenum">
-              <a:rPr lang="en-US" smtClean="0"/>
-              <a:pPr/>
               <a:t>16</a:t>
-            </a:fld>
-            <a:endParaRPr lang="en-US" dirty="0"/>
-          </a:p>
-        </p:txBody>
-      </p:sp>
-    </p:spTree>
-    <p:extLst>
-      <p:ext uri="{BB962C8B-B14F-4D97-AF65-F5344CB8AC3E}">
-        <p14:creationId xmlns:p14="http://schemas.microsoft.com/office/powerpoint/2010/main" val="1009079960"/>
-      </p:ext>
-    </p:extLst>
-  </p:cSld>
-  <p:clrMapOvr>
-    <a:masterClrMapping/>
-  </p:clrMapOvr>
-</p:notes>
-</file>
-
-<file path=ppt/notesSlides/notesSlide17.xml><?xml version="1.0" encoding="utf-8"?>
-<p:notes xmlns:a="http://schemas.openxmlformats.org/drawingml/2006/main" xmlns:r="http://schemas.openxmlformats.org/officeDocument/2006/relationships" xmlns:p="http://schemas.openxmlformats.org/presentationml/2006/main">
-  <p:cSld>
-    <p:spTree>
-      <p:nvGrpSpPr>
-        <p:cNvPr id="1" name=""/>
-        <p:cNvGrpSpPr/>
-        <p:nvPr/>
-      </p:nvGrpSpPr>
-      <p:grpSpPr>
-        <a:xfrm>
-          <a:off x="0" y="0"/>
-          <a:ext cx="0" cy="0"/>
-          <a:chOff x="0" y="0"/>
-          <a:chExt cx="0" cy="0"/>
-        </a:xfrm>
-      </p:grpSpPr>
-      <p:sp>
-        <p:nvSpPr>
-          <p:cNvPr id="2" name="Slide Image Placeholder 1"/>
-          <p:cNvSpPr>
-            <a:spLocks noGrp="1" noRot="1" noChangeAspect="1"/>
-          </p:cNvSpPr>
-          <p:nvPr>
-            <p:ph type="sldImg"/>
-          </p:nvPr>
-        </p:nvSpPr>
-        <p:spPr/>
-      </p:sp>
-      <p:sp>
-        <p:nvSpPr>
-          <p:cNvPr id="3" name="Notes Placeholder 2"/>
-          <p:cNvSpPr>
-            <a:spLocks noGrp="1"/>
-          </p:cNvSpPr>
-          <p:nvPr>
-            <p:ph type="body" idx="1"/>
-          </p:nvPr>
-        </p:nvSpPr>
-        <p:spPr/>
-        <p:txBody>
-          <a:bodyPr/>
-          <a:lstStyle/>
-          <a:p>
-            <a:r>
-              <a:rPr lang="en-US" dirty="0"/>
-              <a:t>Remember all the stuff we did some slides back? Setting up namespaces, putting processes into </a:t>
-            </a:r>
-            <a:r>
-              <a:rPr lang="en-US" dirty="0" err="1"/>
-              <a:t>cgroups</a:t>
-            </a:r>
-            <a:r>
-              <a:rPr lang="en-US" dirty="0"/>
-              <a:t>, chrooting into directories, applying </a:t>
-            </a:r>
-            <a:r>
-              <a:rPr lang="en-US" dirty="0" err="1"/>
-              <a:t>seccomp</a:t>
-            </a:r>
-            <a:r>
-              <a:rPr lang="en-US" dirty="0"/>
-              <a:t> profiles?</a:t>
-            </a:r>
-          </a:p>
-          <a:p>
-            <a:r>
-              <a:rPr lang="en-US" dirty="0"/>
-              <a:t>In former times, this was all managed by the Docker daemon but starting with Docker 1.11 it was decided to spin out all of that “infrastructure plumbing” into a separate piece of software that follows the OCI reference specification. That piece of software is </a:t>
-            </a:r>
-            <a:r>
-              <a:rPr lang="en-US" dirty="0" err="1"/>
-              <a:t>runC</a:t>
-            </a:r>
-            <a:r>
-              <a:rPr lang="en-US" dirty="0"/>
-              <a:t>.</a:t>
-            </a:r>
-          </a:p>
-          <a:p>
-            <a:r>
-              <a:rPr lang="en-US" dirty="0"/>
-              <a:t>If your want to know more about </a:t>
-            </a:r>
-            <a:r>
-              <a:rPr lang="en-US" dirty="0" err="1"/>
-              <a:t>runC</a:t>
-            </a:r>
-            <a:r>
-              <a:rPr lang="en-US" dirty="0"/>
-              <a:t>, visit https://blog.docker.com/2015/06/runc/.</a:t>
-            </a:r>
-          </a:p>
-        </p:txBody>
-      </p:sp>
-      <p:sp>
-        <p:nvSpPr>
-          <p:cNvPr id="4" name="Slide Number Placeholder 3"/>
-          <p:cNvSpPr>
-            <a:spLocks noGrp="1"/>
-          </p:cNvSpPr>
-          <p:nvPr>
-            <p:ph type="sldNum" sz="quarter" idx="10"/>
-          </p:nvPr>
-        </p:nvSpPr>
-        <p:spPr/>
-        <p:txBody>
-          <a:bodyPr/>
-          <a:lstStyle/>
-          <a:p>
-            <a:fld id="{7D8C2C35-2B8A-446E-BEC0-FD36716C29AC}" type="slidenum">
-              <a:rPr lang="en-US" smtClean="0"/>
-              <a:pPr/>
-              <a:t>17</a:t>
-            </a:fld>
-            <a:endParaRPr lang="en-US" dirty="0"/>
-          </a:p>
-        </p:txBody>
-      </p:sp>
-    </p:spTree>
-    <p:extLst>
-      <p:ext uri="{BB962C8B-B14F-4D97-AF65-F5344CB8AC3E}">
-        <p14:creationId xmlns:p14="http://schemas.microsoft.com/office/powerpoint/2010/main" val="3592765275"/>
-      </p:ext>
-    </p:extLst>
-  </p:cSld>
-  <p:clrMapOvr>
-    <a:masterClrMapping/>
-  </p:clrMapOvr>
-</p:notes>
-</file>
-
-<file path=ppt/notesSlides/notesSlide18.xml><?xml version="1.0" encoding="utf-8"?>
-<p:notes xmlns:a="http://schemas.openxmlformats.org/drawingml/2006/main" xmlns:r="http://schemas.openxmlformats.org/officeDocument/2006/relationships" xmlns:p="http://schemas.openxmlformats.org/presentationml/2006/main">
-  <p:cSld>
-    <p:spTree>
-      <p:nvGrpSpPr>
-        <p:cNvPr id="1" name=""/>
-        <p:cNvGrpSpPr/>
-        <p:nvPr/>
-      </p:nvGrpSpPr>
-      <p:grpSpPr>
-        <a:xfrm>
-          <a:off x="0" y="0"/>
-          <a:ext cx="0" cy="0"/>
-          <a:chOff x="0" y="0"/>
-          <a:chExt cx="0" cy="0"/>
-        </a:xfrm>
-      </p:grpSpPr>
-      <p:sp>
-        <p:nvSpPr>
-          <p:cNvPr id="2" name="Slide Image Placeholder 1"/>
-          <p:cNvSpPr>
-            <a:spLocks noGrp="1" noRot="1" noChangeAspect="1"/>
-          </p:cNvSpPr>
-          <p:nvPr>
-            <p:ph type="sldImg"/>
-          </p:nvPr>
-        </p:nvSpPr>
-        <p:spPr/>
-      </p:sp>
-      <p:sp>
-        <p:nvSpPr>
-          <p:cNvPr id="3" name="Notes Placeholder 2"/>
-          <p:cNvSpPr>
-            <a:spLocks noGrp="1"/>
-          </p:cNvSpPr>
-          <p:nvPr>
-            <p:ph type="body" idx="1"/>
-          </p:nvPr>
-        </p:nvSpPr>
-        <p:spPr/>
-        <p:txBody>
-          <a:bodyPr/>
-          <a:lstStyle/>
-          <a:p>
-            <a:endParaRPr lang="en-US" dirty="0"/>
-          </a:p>
-        </p:txBody>
-      </p:sp>
-      <p:sp>
-        <p:nvSpPr>
-          <p:cNvPr id="4" name="Slide Number Placeholder 3"/>
-          <p:cNvSpPr>
-            <a:spLocks noGrp="1"/>
-          </p:cNvSpPr>
-          <p:nvPr>
-            <p:ph type="sldNum" sz="quarter" idx="10"/>
-          </p:nvPr>
-        </p:nvSpPr>
-        <p:spPr/>
-        <p:txBody>
-          <a:bodyPr/>
-          <a:lstStyle/>
-          <a:p>
-            <a:fld id="{7D8C2C35-2B8A-446E-BEC0-FD36716C29AC}" type="slidenum">
-              <a:rPr lang="en-US" smtClean="0"/>
-              <a:pPr/>
-              <a:t>18</a:t>
             </a:fld>
             <a:endParaRPr lang="en-US" dirty="0"/>
           </a:p>
@@ -1796,7 +1531,7 @@
 </p:notes>
 </file>
 
-<file path=ppt/notesSlides/notesSlide19.xml><?xml version="1.0" encoding="utf-8"?>
+<file path=ppt/notesSlides/notesSlide16.xml><?xml version="1.0" encoding="utf-8"?>
 <p:notes xmlns:a="http://schemas.openxmlformats.org/drawingml/2006/main" xmlns:r="http://schemas.openxmlformats.org/officeDocument/2006/relationships" xmlns:p="http://schemas.openxmlformats.org/presentationml/2006/main">
   <p:cSld>
     <p:spTree>
@@ -1831,7 +1566,7 @@
             <a:fld id="{7D8C2C35-2B8A-446E-BEC0-FD36716C29AC}" type="slidenum">
               <a:rPr lang="en-US" smtClean="0"/>
               <a:pPr/>
-              <a:t>19</a:t>
+              <a:t>17</a:t>
             </a:fld>
             <a:endParaRPr lang="en-US" dirty="0"/>
           </a:p>
@@ -1932,7 +1667,11 @@
           <a:bodyPr/>
           <a:lstStyle/>
           <a:p>
-            <a:endParaRPr lang="en-US" dirty="0"/>
+            <a:r>
+              <a:rPr lang="en-US" sz="1400" noProof="0" dirty="0"/>
+              <a:t>Containers make heavy use of features that are offered by the Linux kernel. These features are going to be described in detail on the following slides.</a:t>
+            </a:r>
+            <a:endParaRPr lang="en-US" sz="1400" baseline="0" noProof="0" dirty="0"/>
           </a:p>
         </p:txBody>
       </p:sp>
@@ -1963,7 +1702,7 @@
     </p:spTree>
     <p:extLst>
       <p:ext uri="{BB962C8B-B14F-4D97-AF65-F5344CB8AC3E}">
-        <p14:creationId xmlns:p14="http://schemas.microsoft.com/office/powerpoint/2010/main" val="2139511009"/>
+        <p14:creationId xmlns:p14="http://schemas.microsoft.com/office/powerpoint/2010/main" val="945922821"/>
       </p:ext>
     </p:extLst>
   </p:cSld>
@@ -2017,11 +1756,7 @@
           <a:bodyPr/>
           <a:lstStyle/>
           <a:p>
-            <a:r>
-              <a:rPr lang="en-US" sz="1400" noProof="0" dirty="0"/>
-              <a:t>Containers make heavy use of features that are offered by the Linux kernel. These features are going to be described in detail on the following slides.</a:t>
-            </a:r>
-            <a:endParaRPr lang="en-US" sz="1400" baseline="0" noProof="0" dirty="0"/>
+            <a:endParaRPr lang="en-US" dirty="0"/>
           </a:p>
         </p:txBody>
       </p:sp>
@@ -2052,7 +1787,7 @@
     </p:spTree>
     <p:extLst>
       <p:ext uri="{BB962C8B-B14F-4D97-AF65-F5344CB8AC3E}">
-        <p14:creationId xmlns:p14="http://schemas.microsoft.com/office/powerpoint/2010/main" val="945922821"/>
+        <p14:creationId xmlns:p14="http://schemas.microsoft.com/office/powerpoint/2010/main" val="1387839925"/>
       </p:ext>
     </p:extLst>
   </p:cSld>
@@ -2106,7 +1841,28 @@
           <a:bodyPr/>
           <a:lstStyle/>
           <a:p>
+            <a:r>
+              <a:rPr lang="en-US" dirty="0"/>
+              <a:t>With chroot we can start a new process making a specified directory the new processes' topmost directory. Processes running in that chroot can only see those parts of the filesystem which are subdirectories of it.</a:t>
+            </a:r>
+          </a:p>
+          <a:p>
             <a:endParaRPr lang="en-US" dirty="0"/>
+          </a:p>
+          <a:p>
+            <a:r>
+              <a:rPr lang="en-US" dirty="0"/>
+              <a:t>Chroot is part of Unix and was initially integrated to test Unix installation routines. It is still very often used for bootstrapping a system during installation.</a:t>
+            </a:r>
+          </a:p>
+          <a:p>
+            <a:endParaRPr lang="en-US" dirty="0"/>
+          </a:p>
+          <a:p>
+            <a:r>
+              <a:rPr lang="en-US" dirty="0"/>
+              <a:t>One problem with chroot is: since the process that gets started inside the chroot can no longer see the full filesystem, all files required to load and run that process must be copied to the chroot directory (and subdirectories) first - a tedious task that can take some time, and is trial and error.</a:t>
+            </a:r>
           </a:p>
         </p:txBody>
       </p:sp>
@@ -2137,7 +1893,7 @@
     </p:spTree>
     <p:extLst>
       <p:ext uri="{BB962C8B-B14F-4D97-AF65-F5344CB8AC3E}">
-        <p14:creationId xmlns:p14="http://schemas.microsoft.com/office/powerpoint/2010/main" val="1387839925"/>
+        <p14:creationId xmlns:p14="http://schemas.microsoft.com/office/powerpoint/2010/main" val="2286821144"/>
       </p:ext>
     </p:extLst>
   </p:cSld>
@@ -2193,7 +1949,7 @@
           <a:p>
             <a:r>
               <a:rPr lang="en-US" dirty="0"/>
-              <a:t>With chroot we can start a new process making a specified directory the new processes' topmost directory. Processes running in that chroot can only see those parts of the filesystem which are subdirectories of it.</a:t>
+              <a:t>Man-page definition: A namespace wraps a global system resource in an abstraction that makes it appear to the processes within the namespace that they have their own isolated instance of the global resource. Changes to the global resource are visible to other processes that are members of the namespace, but are invisible to other processes [outside of that namespace]. One use of namespaces is to implement containers.</a:t>
             </a:r>
           </a:p>
           <a:p>
@@ -2202,16 +1958,15 @@
           <a:p>
             <a:r>
               <a:rPr lang="en-US" dirty="0"/>
-              <a:t>Chroot is part of Unix and was initially integrated to test Unix installation routines. It is still very often used for bootstrapping a system during installation.</a:t>
-            </a:r>
-          </a:p>
-          <a:p>
-            <a:endParaRPr lang="en-US" dirty="0"/>
-          </a:p>
-          <a:p>
+              <a:t>Linux offers namespaces for seven different resources: PID table, mount table, user mapping table, IPC, network stack, UTS (host and domain name) and </a:t>
+            </a:r>
+            <a:r>
+              <a:rPr lang="en-US" dirty="0" err="1"/>
+              <a:t>cgroups</a:t>
+            </a:r>
             <a:r>
               <a:rPr lang="en-US" dirty="0"/>
-              <a:t>One problem with chroot is: since the process that gets started inside the chroot can no longer see the full filesystem, all files required to load and run that process must be copied to the chroot directory (and subdirectories) first - a tedious task that can take some time, and is trial and error.</a:t>
+              <a:t>.</a:t>
             </a:r>
           </a:p>
         </p:txBody>
@@ -2243,7 +1998,7 @@
     </p:spTree>
     <p:extLst>
       <p:ext uri="{BB962C8B-B14F-4D97-AF65-F5344CB8AC3E}">
-        <p14:creationId xmlns:p14="http://schemas.microsoft.com/office/powerpoint/2010/main" val="2286821144"/>
+        <p14:creationId xmlns:p14="http://schemas.microsoft.com/office/powerpoint/2010/main" val="3915859411"/>
       </p:ext>
     </p:extLst>
   </p:cSld>
@@ -2297,18 +2052,37 @@
           <a:bodyPr/>
           <a:lstStyle/>
           <a:p>
+            <a:pPr algn="l"/>
             <a:r>
               <a:rPr lang="en-US" dirty="0"/>
-              <a:t>Man-page definition: A namespace wraps a global system resource in an abstraction that makes it appear to the processes within the namespace that they have their own isolated instance of the global resource. Changes to the global resource are visible to other processes that are members of the namespace, but are invisible to other processes [outside of that namespace]. One use of namespaces is to implement containers.</a:t>
-            </a:r>
-          </a:p>
-          <a:p>
+              <a:t>Wikipedia definition: </a:t>
+            </a:r>
+            <a:r>
+              <a:rPr lang="en-US" b="1" dirty="0" err="1"/>
+              <a:t>cgroups</a:t>
+            </a:r>
+            <a:r>
+              <a:rPr lang="en-US" dirty="0"/>
+              <a:t> (abbreviated from </a:t>
+            </a:r>
+            <a:r>
+              <a:rPr lang="en-US" b="1" dirty="0"/>
+              <a:t>control groups</a:t>
+            </a:r>
+            <a:r>
+              <a:rPr lang="en-US" dirty="0"/>
+              <a:t>) is a Linux kernel feature that limits, accounts for, and isolates the resource usage (CPU, memory, disk I/O, network, etc.) of a collection of processes.</a:t>
+            </a:r>
+          </a:p>
+          <a:p>
+            <a:pPr algn="l"/>
             <a:endParaRPr lang="en-US" dirty="0"/>
           </a:p>
           <a:p>
+            <a:pPr algn="l"/>
             <a:r>
               <a:rPr lang="en-US" dirty="0"/>
-              <a:t>Linux offers namespaces for seven different resources: PID table, mount table, user mapping table, IPC, network stack, UTS (host and domain name) and </a:t>
+              <a:t>With </a:t>
             </a:r>
             <a:r>
               <a:rPr lang="en-US" dirty="0" err="1"/>
@@ -2316,7 +2090,15 @@
             </a:r>
             <a:r>
               <a:rPr lang="en-US" dirty="0"/>
-              <a:t>.</a:t>
+              <a:t>, processes can be kept from eating up all system resources. Multiple processes can be added to one single </a:t>
+            </a:r>
+            <a:r>
+              <a:rPr lang="en-US" dirty="0" err="1"/>
+              <a:t>cgroup</a:t>
+            </a:r>
+            <a:r>
+              <a:rPr lang="en-US" dirty="0"/>
+              <a:t> - they will then all share the resource limits of it.</a:t>
             </a:r>
           </a:p>
         </p:txBody>
@@ -2348,7 +2130,7 @@
     </p:spTree>
     <p:extLst>
       <p:ext uri="{BB962C8B-B14F-4D97-AF65-F5344CB8AC3E}">
-        <p14:creationId xmlns:p14="http://schemas.microsoft.com/office/powerpoint/2010/main" val="3915859411"/>
+        <p14:creationId xmlns:p14="http://schemas.microsoft.com/office/powerpoint/2010/main" val="3983192458"/>
       </p:ext>
     </p:extLst>
   </p:cSld>
@@ -2402,53 +2184,61 @@
           <a:bodyPr/>
           <a:lstStyle/>
           <a:p>
-            <a:pPr algn="l"/>
             <a:r>
               <a:rPr lang="en-US" dirty="0"/>
-              <a:t>Wikipedia definition: </a:t>
-            </a:r>
-            <a:r>
-              <a:rPr lang="en-US" b="1" dirty="0" err="1"/>
-              <a:t>cgroups</a:t>
+              <a:t>An application will eventually (after doing tons of nested library calls) call the operating system to do things - like reading or writing to files or sending data across the network. Talking to the operating system is done through system calls or </a:t>
+            </a:r>
+            <a:r>
+              <a:rPr lang="en-US" dirty="0" err="1"/>
+              <a:t>syscalls</a:t>
             </a:r>
             <a:r>
               <a:rPr lang="en-US" dirty="0"/>
-              <a:t> (abbreviated from </a:t>
-            </a:r>
-            <a:r>
-              <a:rPr lang="en-US" b="1" dirty="0"/>
-              <a:t>control groups</a:t>
+              <a:t>. </a:t>
+            </a:r>
+            <a:r>
+              <a:rPr lang="en-US" dirty="0" err="1"/>
+              <a:t>Syscalls</a:t>
             </a:r>
             <a:r>
               <a:rPr lang="en-US" dirty="0"/>
-              <a:t>) is a Linux kernel feature that limits, accounts for, and isolates the resource usage (CPU, memory, disk I/O, network, etc.) of a collection of processes.</a:t>
-            </a:r>
-          </a:p>
-          <a:p>
-            <a:pPr algn="l"/>
-            <a:endParaRPr lang="en-US" dirty="0"/>
-          </a:p>
-          <a:p>
-            <a:pPr algn="l"/>
+              <a:t> are the interface between user space (where your application runs in) and kernel space (where the operating system does its job) and there are around 340 of them (</a:t>
+            </a:r>
+            <a:r>
+              <a:rPr lang="en-US" dirty="0" err="1"/>
+              <a:t>syscalls</a:t>
+            </a:r>
+            <a:r>
+              <a:rPr lang="en-US" dirty="0"/>
+              <a:t>).</a:t>
+            </a:r>
+          </a:p>
+          <a:p>
+            <a:r>
+              <a:rPr lang="en-US" dirty="0"/>
+              <a:t>While most system calls are necessary for programs to do their job (e.g. a program cannot even be loaded into memory without the “</a:t>
+            </a:r>
+            <a:r>
+              <a:rPr lang="en-US" dirty="0" err="1"/>
+              <a:t>execve</a:t>
+            </a:r>
+            <a:r>
+              <a:rPr lang="en-US" dirty="0"/>
+              <a:t>” system call) some are potentially dangerous and would allow a process to break free from its container or to cause harm to other containers (such as the reboot system call which would reboot the host terminating all containers on it).</a:t>
+            </a:r>
+          </a:p>
+          <a:p>
             <a:r>
               <a:rPr lang="en-US" dirty="0"/>
               <a:t>With </a:t>
             </a:r>
             <a:r>
               <a:rPr lang="en-US" dirty="0" err="1"/>
-              <a:t>cgroups</a:t>
+              <a:t>seccomp</a:t>
             </a:r>
             <a:r>
               <a:rPr lang="en-US" dirty="0"/>
-              <a:t>, processes can be kept from eating up all system resources. Multiple processes can be added to one single </a:t>
-            </a:r>
-            <a:r>
-              <a:rPr lang="en-US" dirty="0" err="1"/>
-              <a:t>cgroup</a:t>
-            </a:r>
-            <a:r>
-              <a:rPr lang="en-US" dirty="0"/>
-              <a:t> - they will then all share the resource limits of it.</a:t>
+              <a:t>, individual system calls can be blocked to reduce the security risk which is commonly done in container environments (Docker for instance blocks around 40 system calls by default).</a:t>
             </a:r>
           </a:p>
         </p:txBody>
@@ -2480,7 +2270,7 @@
     </p:spTree>
     <p:extLst>
       <p:ext uri="{BB962C8B-B14F-4D97-AF65-F5344CB8AC3E}">
-        <p14:creationId xmlns:p14="http://schemas.microsoft.com/office/powerpoint/2010/main" val="3983192458"/>
+        <p14:creationId xmlns:p14="http://schemas.microsoft.com/office/powerpoint/2010/main" val="1548338189"/>
       </p:ext>
     </p:extLst>
   </p:cSld>
@@ -2534,62 +2324,7 @@
           <a:bodyPr/>
           <a:lstStyle/>
           <a:p>
-            <a:r>
-              <a:rPr lang="en-US" dirty="0"/>
-              <a:t>An application will eventually (after doing tons of nested library calls) call the operating system to do things - like reading or writing to files or sending data across the network. Talking to the operating system is done through system calls or </a:t>
-            </a:r>
-            <a:r>
-              <a:rPr lang="en-US" dirty="0" err="1"/>
-              <a:t>syscalls</a:t>
-            </a:r>
-            <a:r>
-              <a:rPr lang="en-US" dirty="0"/>
-              <a:t>. </a:t>
-            </a:r>
-            <a:r>
-              <a:rPr lang="en-US" dirty="0" err="1"/>
-              <a:t>Syscalls</a:t>
-            </a:r>
-            <a:r>
-              <a:rPr lang="en-US" dirty="0"/>
-              <a:t> are the interface between user space (where your application runs in) and kernel space (where the operating system does its job) and there are around 340 of them (</a:t>
-            </a:r>
-            <a:r>
-              <a:rPr lang="en-US" dirty="0" err="1"/>
-              <a:t>syscalls</a:t>
-            </a:r>
-            <a:r>
-              <a:rPr lang="en-US" dirty="0"/>
-              <a:t>).</a:t>
-            </a:r>
-          </a:p>
-          <a:p>
-            <a:r>
-              <a:rPr lang="en-US" dirty="0"/>
-              <a:t>While most system calls are necessary for programs to do their job (e.g. a program cannot even be loaded into memory without the “</a:t>
-            </a:r>
-            <a:r>
-              <a:rPr lang="en-US" dirty="0" err="1"/>
-              <a:t>execve</a:t>
-            </a:r>
-            <a:r>
-              <a:rPr lang="en-US" dirty="0"/>
-              <a:t>” system call) some are potentially dangerous and would allow a process to break free from its container or to cause harm to other containers (such as the reboot system call which would reboot the host terminating all containers on it).</a:t>
-            </a:r>
-          </a:p>
-          <a:p>
-            <a:r>
-              <a:rPr lang="en-US" dirty="0"/>
-              <a:t>With </a:t>
-            </a:r>
-            <a:r>
-              <a:rPr lang="en-US" dirty="0" err="1"/>
-              <a:t>seccomp</a:t>
-            </a:r>
-            <a:r>
-              <a:rPr lang="en-US" dirty="0"/>
-              <a:t>, individual system calls can be blocked to reduce the security risk which is commonly done in container environments (Docker for instance blocks around 40 system calls by default).</a:t>
-            </a:r>
+            <a:endParaRPr lang="en-US" dirty="0"/>
           </a:p>
         </p:txBody>
       </p:sp>
@@ -2620,7 +2355,7 @@
     </p:spTree>
     <p:extLst>
       <p:ext uri="{BB962C8B-B14F-4D97-AF65-F5344CB8AC3E}">
-        <p14:creationId xmlns:p14="http://schemas.microsoft.com/office/powerpoint/2010/main" val="1548338189"/>
+        <p14:creationId xmlns:p14="http://schemas.microsoft.com/office/powerpoint/2010/main" val="2834622086"/>
       </p:ext>
     </p:extLst>
   </p:cSld>
@@ -2705,7 +2440,7 @@
     </p:spTree>
     <p:extLst>
       <p:ext uri="{BB962C8B-B14F-4D97-AF65-F5344CB8AC3E}">
-        <p14:creationId xmlns:p14="http://schemas.microsoft.com/office/powerpoint/2010/main" val="2834622086"/>
+        <p14:creationId xmlns:p14="http://schemas.microsoft.com/office/powerpoint/2010/main" val="2415921286"/>
       </p:ext>
     </p:extLst>
   </p:cSld>
@@ -15989,189 +15724,6 @@
       </p:grpSpPr>
       <p:sp>
         <p:nvSpPr>
-          <p:cNvPr id="3" name="Subtitle 2"/>
-          <p:cNvSpPr>
-            <a:spLocks noGrp="1"/>
-          </p:cNvSpPr>
-          <p:nvPr>
-            <p:ph type="subTitle" idx="1"/>
-          </p:nvPr>
-        </p:nvSpPr>
-        <p:spPr/>
-        <p:txBody>
-          <a:bodyPr/>
-          <a:lstStyle/>
-          <a:p>
-            <a:r>
-              <a:rPr lang="en-US" dirty="0"/>
-              <a:t>Thomas Buchner, STS Infrastructure</a:t>
-            </a:r>
-          </a:p>
-          <a:p>
-            <a:r>
-              <a:rPr lang="en-US" dirty="0"/>
-              <a:t>Hendrik Kahl, SLV ABAP Component Validation</a:t>
-            </a:r>
-          </a:p>
-        </p:txBody>
-      </p:sp>
-      <p:sp>
-        <p:nvSpPr>
-          <p:cNvPr id="4" name="Text Placeholder 3"/>
-          <p:cNvSpPr>
-            <a:spLocks noGrp="1"/>
-          </p:cNvSpPr>
-          <p:nvPr>
-            <p:ph type="body" sz="quarter" idx="14"/>
-          </p:nvPr>
-        </p:nvSpPr>
-        <p:spPr>
-          <a:xfrm>
-            <a:off x="288000" y="4024430"/>
-            <a:ext cx="10899174" cy="997196"/>
-          </a:xfrm>
-        </p:spPr>
-        <p:txBody>
-          <a:bodyPr/>
-          <a:lstStyle/>
-          <a:p>
-            <a:r>
-              <a:rPr lang="en-US" dirty="0"/>
-              <a:t>Docker and Kubernetes</a:t>
-            </a:r>
-          </a:p>
-          <a:p>
-            <a:r>
-              <a:rPr lang="en-US" dirty="0">
-                <a:solidFill>
-                  <a:schemeClr val="accent1"/>
-                </a:solidFill>
-              </a:rPr>
-              <a:t>Hands-On Training</a:t>
-            </a:r>
-            <a:endParaRPr lang="en-US" dirty="0">
-              <a:solidFill>
-                <a:srgbClr val="FFC000"/>
-              </a:solidFill>
-            </a:endParaRPr>
-          </a:p>
-        </p:txBody>
-      </p:sp>
-      <p:pic>
-        <p:nvPicPr>
-          <p:cNvPr id="14" name="Picture Placeholder 13"/>
-          <p:cNvPicPr>
-            <a:picLocks noGrp="1" noChangeAspect="1"/>
-          </p:cNvPicPr>
-          <p:nvPr>
-            <p:ph type="pic" sz="quarter" idx="12"/>
-          </p:nvPr>
-        </p:nvPicPr>
-        <p:blipFill>
-          <a:blip r:embed="rId3"/>
-          <a:srcRect l="10" r="10"/>
-          <a:stretch>
-            <a:fillRect/>
-          </a:stretch>
-        </p:blipFill>
-        <p:spPr>
-          <a:prstGeom prst="rect">
-            <a:avLst/>
-          </a:prstGeom>
-        </p:spPr>
-      </p:pic>
-      <p:pic>
-        <p:nvPicPr>
-          <p:cNvPr id="1026" name="Picture 1" descr="cid:image003.png@01D31CC6.A08B1C50">
-            <a:extLst>
-              <a:ext uri="{FF2B5EF4-FFF2-40B4-BE49-F238E27FC236}">
-                <a16:creationId xmlns:a16="http://schemas.microsoft.com/office/drawing/2014/main" id="{C5778249-5CC5-4E31-8F43-F227A6AAAF03}"/>
-              </a:ext>
-            </a:extLst>
-          </p:cNvPr>
-          <p:cNvPicPr>
-            <a:picLocks noChangeAspect="1" noChangeArrowheads="1"/>
-          </p:cNvPicPr>
-          <p:nvPr/>
-        </p:nvPicPr>
-        <p:blipFill>
-          <a:blip r:embed="rId4">
-            <a:extLst>
-              <a:ext uri="{28A0092B-C50C-407E-A947-70E740481C1C}">
-                <a14:useLocalDpi xmlns:a14="http://schemas.microsoft.com/office/drawing/2010/main" val="0"/>
-              </a:ext>
-            </a:extLst>
-          </a:blip>
-          <a:srcRect/>
-          <a:stretch>
-            <a:fillRect/>
-          </a:stretch>
-        </p:blipFill>
-        <p:spPr bwMode="auto">
-          <a:xfrm>
-            <a:off x="10780713" y="5721975"/>
-            <a:ext cx="1414463" cy="1136025"/>
-          </a:xfrm>
-          <a:prstGeom prst="rect">
-            <a:avLst/>
-          </a:prstGeom>
-          <a:noFill/>
-          <a:ln>
-            <a:noFill/>
-          </a:ln>
-          <a:extLst>
-            <a:ext uri="{909E8E84-426E-40DD-AFC4-6F175D3DCCD1}">
-              <a14:hiddenFill xmlns:a14="http://schemas.microsoft.com/office/drawing/2010/main">
-                <a:solidFill>
-                  <a:srgbClr val="FFFFFF"/>
-                </a:solidFill>
-              </a14:hiddenFill>
-            </a:ext>
-            <a:ext uri="{91240B29-F687-4F45-9708-019B960494DF}">
-              <a14:hiddenLine xmlns:a14="http://schemas.microsoft.com/office/drawing/2010/main" w="9525">
-                <a:solidFill>
-                  <a:srgbClr val="000000"/>
-                </a:solidFill>
-                <a:miter lim="800000"/>
-                <a:headEnd/>
-                <a:tailEnd/>
-              </a14:hiddenLine>
-            </a:ext>
-          </a:extLst>
-        </p:spPr>
-      </p:pic>
-    </p:spTree>
-    <p:extLst>
-      <p:ext uri="{BB962C8B-B14F-4D97-AF65-F5344CB8AC3E}">
-        <p14:creationId xmlns:p14="http://schemas.microsoft.com/office/powerpoint/2010/main" val="1386431285"/>
-      </p:ext>
-    </p:extLst>
-  </p:cSld>
-  <p:clrMapOvr>
-    <a:masterClrMapping/>
-  </p:clrMapOvr>
-</p:sld>
-</file>
-
-<file path=ppt/slides/slide10.xml><?xml version="1.0" encoding="utf-8"?>
-<p:sld xmlns:a="http://schemas.openxmlformats.org/drawingml/2006/main" xmlns:r="http://schemas.openxmlformats.org/officeDocument/2006/relationships" xmlns:p="http://schemas.openxmlformats.org/presentationml/2006/main">
-  <p:cSld>
-    <p:spTree>
-      <p:nvGrpSpPr>
-        <p:cNvPr id="1" name=""/>
-        <p:cNvGrpSpPr/>
-        <p:nvPr/>
-      </p:nvGrpSpPr>
-      <p:grpSpPr>
-        <a:xfrm>
-          <a:off x="0" y="0"/>
-          <a:ext cx="0" cy="0"/>
-          <a:chOff x="0" y="0"/>
-          <a:chExt cx="0" cy="0"/>
-        </a:xfrm>
-      </p:grpSpPr>
-      <p:sp>
-        <p:nvSpPr>
           <p:cNvPr id="17" name="Text Placeholder 16"/>
           <p:cNvSpPr>
             <a:spLocks noGrp="1"/>
@@ -16182,30 +15734,32 @@
         </p:nvSpPr>
         <p:spPr/>
         <p:txBody>
-          <a:bodyPr anchor="ctr"/>
+          <a:bodyPr/>
           <a:lstStyle/>
           <a:p>
             <a:r>
               <a:rPr lang="en-US" dirty="0"/>
-              <a:t>Containers </a:t>
-            </a:r>
+              <a:t>Containers</a:t>
+            </a:r>
+          </a:p>
+          <a:p>
             <a:r>
               <a:rPr lang="en-US" dirty="0">
                 <a:solidFill>
                   <a:schemeClr val="accent1"/>
                 </a:solidFill>
               </a:rPr>
-              <a:t>made easy</a:t>
+              <a:t>under the hood</a:t>
             </a:r>
           </a:p>
         </p:txBody>
       </p:sp>
       <p:pic>
         <p:nvPicPr>
-          <p:cNvPr id="4" name="Picture 3">
+          <p:cNvPr id="3" name="Picture 2">
             <a:extLst>
               <a:ext uri="{FF2B5EF4-FFF2-40B4-BE49-F238E27FC236}">
-                <a16:creationId xmlns:a16="http://schemas.microsoft.com/office/drawing/2014/main" id="{2E8C9C42-BC03-468E-B04E-6BE203085308}"/>
+                <a16:creationId xmlns:a16="http://schemas.microsoft.com/office/drawing/2014/main" id="{9A98F7BB-3648-4D49-B4E7-88B0167B80E0}"/>
               </a:ext>
             </a:extLst>
           </p:cNvPr>
@@ -16222,8 +15776,8 @@
         </p:blipFill>
         <p:spPr>
           <a:xfrm>
-            <a:off x="6978451" y="1609832"/>
-            <a:ext cx="4262244" cy="3190166"/>
+            <a:off x="7270045" y="1219590"/>
+            <a:ext cx="3970650" cy="3970650"/>
           </a:xfrm>
           <a:prstGeom prst="rect">
             <a:avLst/>
@@ -16233,7 +15787,7 @@
     </p:spTree>
     <p:extLst>
       <p:ext uri="{BB962C8B-B14F-4D97-AF65-F5344CB8AC3E}">
-        <p14:creationId xmlns:p14="http://schemas.microsoft.com/office/powerpoint/2010/main" val="331263750"/>
+        <p14:creationId xmlns:p14="http://schemas.microsoft.com/office/powerpoint/2010/main" val="1786748081"/>
       </p:ext>
     </p:extLst>
   </p:cSld>
@@ -16243,7 +15797,7 @@
 </p:sld>
 </file>
 
-<file path=ppt/slides/slide11.xml><?xml version="1.0" encoding="utf-8"?>
+<file path=ppt/slides/slide10.xml><?xml version="1.0" encoding="utf-8"?>
 <p:sld xmlns:a="http://schemas.openxmlformats.org/drawingml/2006/main" xmlns:r="http://schemas.openxmlformats.org/officeDocument/2006/relationships" xmlns:p="http://schemas.openxmlformats.org/presentationml/2006/main">
   <p:cSld>
     <p:spTree>
@@ -17296,7 +16850,7 @@
 </p:sld>
 </file>
 
-<file path=ppt/slides/slide12.xml><?xml version="1.0" encoding="utf-8"?>
+<file path=ppt/slides/slide11.xml><?xml version="1.0" encoding="utf-8"?>
 <p:sld xmlns:a="http://schemas.openxmlformats.org/drawingml/2006/main" xmlns:r="http://schemas.openxmlformats.org/officeDocument/2006/relationships" xmlns:p="http://schemas.openxmlformats.org/presentationml/2006/main">
   <p:cSld>
     <p:spTree>
@@ -17330,14 +16884,20 @@
           <a:p>
             <a:r>
               <a:rPr lang="en-US" dirty="0"/>
-              <a:t>Containers and where they come from</a:t>
+              <a:t>Docker eco-system</a:t>
             </a:r>
           </a:p>
         </p:txBody>
       </p:sp>
       <p:pic>
         <p:nvPicPr>
-          <p:cNvPr id="11" name="Picture 10"/>
+          <p:cNvPr id="18" name="Graphic 17">
+            <a:extLst>
+              <a:ext uri="{FF2B5EF4-FFF2-40B4-BE49-F238E27FC236}">
+                <a16:creationId xmlns:a16="http://schemas.microsoft.com/office/drawing/2014/main" id="{B0247922-BBA2-421E-BFF9-EA20F47C8FD3}"/>
+              </a:ext>
+            </a:extLst>
+          </p:cNvPr>
           <p:cNvPicPr>
             <a:picLocks noChangeAspect="1"/>
           </p:cNvPicPr>
@@ -17345,7 +16905,11 @@
         </p:nvPicPr>
         <p:blipFill>
           <a:blip r:embed="rId3">
-            <a:extLst/>
+            <a:extLst>
+              <a:ext uri="{96DAC541-7B7A-43D3-8B79-37D633B846F1}">
+                <asvg:svgBlip xmlns:asvg="http://schemas.microsoft.com/office/drawing/2016/SVG/main" r:embed="rId4"/>
+              </a:ext>
+            </a:extLst>
           </a:blip>
           <a:stretch>
             <a:fillRect/>
@@ -17353,842 +16917,51 @@
         </p:blipFill>
         <p:spPr>
           <a:xfrm>
-            <a:off x="998222" y="1837321"/>
-            <a:ext cx="3235060" cy="1927022"/>
+            <a:off x="1291876" y="1230661"/>
+            <a:ext cx="9610725" cy="5019675"/>
           </a:xfrm>
           <a:prstGeom prst="rect">
             <a:avLst/>
           </a:prstGeom>
         </p:spPr>
       </p:pic>
-      <p:grpSp>
-        <p:nvGrpSpPr>
-          <p:cNvPr id="8" name="Group 7"/>
-          <p:cNvGrpSpPr/>
-          <p:nvPr/>
-        </p:nvGrpSpPr>
-        <p:grpSpPr>
-          <a:xfrm>
-            <a:off x="2290059" y="1258837"/>
-            <a:ext cx="586838" cy="1541995"/>
-            <a:chOff x="7792984" y="2582983"/>
-            <a:chExt cx="750515" cy="2061420"/>
-          </a:xfrm>
-        </p:grpSpPr>
-        <p:sp>
-          <p:nvSpPr>
-            <p:cNvPr id="9" name="Rectangle 8"/>
-            <p:cNvSpPr/>
-            <p:nvPr/>
-          </p:nvSpPr>
-          <p:spPr bwMode="gray">
-            <a:xfrm>
-              <a:off x="7792984" y="2582983"/>
-              <a:ext cx="750515" cy="2061420"/>
-            </a:xfrm>
-            <a:prstGeom prst="rect">
-              <a:avLst/>
-            </a:prstGeom>
-            <a:solidFill>
-              <a:schemeClr val="accent5">
-                <a:lumMod val="75000"/>
-              </a:schemeClr>
-            </a:solidFill>
-            <a:ln w="6350" algn="ctr">
-              <a:solidFill>
-                <a:schemeClr val="tx1"/>
-              </a:solidFill>
-              <a:miter lim="800000"/>
-              <a:headEnd/>
-              <a:tailEnd/>
-            </a:ln>
-          </p:spPr>
-          <p:txBody>
-            <a:bodyPr lIns="90000" tIns="72000" rIns="90000" bIns="72000" rtlCol="0" anchor="ctr"/>
-            <a:lstStyle/>
-            <a:p>
-              <a:pPr marR="0" algn="ctr" defTabSz="914400" eaLnBrk="1" fontAlgn="base" latinLnBrk="0" hangingPunct="1">
-                <a:lnSpc>
-                  <a:spcPct val="100000"/>
-                </a:lnSpc>
-                <a:spcBef>
-                  <a:spcPct val="50000"/>
-                </a:spcBef>
-                <a:spcAft>
-                  <a:spcPct val="0"/>
-                </a:spcAft>
-                <a:buClr>
-                  <a:srgbClr val="F0AB00"/>
-                </a:buClr>
-                <a:buSzPct val="80000"/>
-                <a:tabLst/>
-              </a:pPr>
-              <a:endParaRPr kumimoji="0" lang="en-US" sz="1050" b="0" i="0" u="none" strike="noStrike" kern="0" cap="none" spc="0" normalizeH="0" baseline="0" dirty="0">
-                <a:ln>
-                  <a:noFill/>
-                </a:ln>
-                <a:effectLst/>
-                <a:uLnTx/>
-                <a:uFillTx/>
-                <a:ea typeface="Arial Unicode MS" pitchFamily="34" charset="-128"/>
-                <a:cs typeface="Arial Unicode MS" pitchFamily="34" charset="-128"/>
-              </a:endParaRPr>
-            </a:p>
-          </p:txBody>
-        </p:sp>
-        <p:sp>
-          <p:nvSpPr>
-            <p:cNvPr id="10" name="Rectangle 9"/>
-            <p:cNvSpPr/>
-            <p:nvPr/>
-          </p:nvSpPr>
-          <p:spPr bwMode="gray">
-            <a:xfrm>
-              <a:off x="7846115" y="4247523"/>
-              <a:ext cx="640177" cy="351662"/>
-            </a:xfrm>
-            <a:prstGeom prst="rect">
-              <a:avLst/>
-            </a:prstGeom>
-            <a:solidFill>
-              <a:srgbClr val="4A59A6"/>
-            </a:solidFill>
-            <a:ln w="6350" algn="ctr">
-              <a:solidFill>
-                <a:schemeClr val="tx1"/>
-              </a:solidFill>
-              <a:miter lim="800000"/>
-              <a:headEnd/>
-              <a:tailEnd/>
-            </a:ln>
-          </p:spPr>
-          <p:txBody>
-            <a:bodyPr lIns="90000" tIns="72000" rIns="90000" bIns="72000" rtlCol="0" anchor="ctr"/>
-            <a:lstStyle/>
-            <a:p>
-              <a:pPr marR="0" algn="ctr" defTabSz="914400" eaLnBrk="1" fontAlgn="base" latinLnBrk="0" hangingPunct="1">
-                <a:lnSpc>
-                  <a:spcPct val="100000"/>
-                </a:lnSpc>
-                <a:spcBef>
-                  <a:spcPct val="50000"/>
-                </a:spcBef>
-                <a:spcAft>
-                  <a:spcPct val="0"/>
-                </a:spcAft>
-                <a:buClr>
-                  <a:srgbClr val="F0AB00"/>
-                </a:buClr>
-                <a:buSzPct val="80000"/>
-                <a:tabLst/>
-              </a:pPr>
-              <a:r>
-                <a:rPr kumimoji="0" lang="en-US" sz="1000" b="0" i="0" u="none" strike="noStrike" kern="0" cap="none" spc="0" normalizeH="0" baseline="0" dirty="0">
-                  <a:ln>
-                    <a:noFill/>
-                  </a:ln>
-                  <a:solidFill>
-                    <a:schemeClr val="bg1"/>
-                  </a:solidFill>
-                  <a:effectLst/>
-                  <a:uLnTx/>
-                  <a:uFillTx/>
-                  <a:ea typeface="Arial Unicode MS" pitchFamily="34" charset="-128"/>
-                  <a:cs typeface="Arial Unicode MS" pitchFamily="34" charset="-128"/>
-                </a:rPr>
-                <a:t>Libs</a:t>
-              </a:r>
-            </a:p>
-          </p:txBody>
-        </p:sp>
-        <p:sp>
-          <p:nvSpPr>
-            <p:cNvPr id="12" name="Rectangle 11"/>
-            <p:cNvSpPr/>
-            <p:nvPr/>
-          </p:nvSpPr>
-          <p:spPr bwMode="gray">
-            <a:xfrm>
-              <a:off x="7846115" y="2624510"/>
-              <a:ext cx="640177" cy="1164297"/>
-            </a:xfrm>
-            <a:prstGeom prst="rect">
-              <a:avLst/>
-            </a:prstGeom>
-            <a:solidFill>
-              <a:schemeClr val="accent1">
-                <a:lumMod val="75000"/>
-              </a:schemeClr>
-            </a:solidFill>
-            <a:ln w="6350" algn="ctr">
-              <a:solidFill>
-                <a:schemeClr val="tx1"/>
-              </a:solidFill>
-              <a:miter lim="800000"/>
-              <a:headEnd/>
-              <a:tailEnd/>
-            </a:ln>
-          </p:spPr>
-          <p:txBody>
-            <a:bodyPr lIns="90000" tIns="72000" rIns="90000" bIns="72000" rtlCol="0" anchor="ctr"/>
-            <a:lstStyle/>
-            <a:p>
-              <a:pPr marR="0" algn="ctr" defTabSz="914400" eaLnBrk="1" fontAlgn="base" latinLnBrk="0" hangingPunct="1">
-                <a:lnSpc>
-                  <a:spcPct val="100000"/>
-                </a:lnSpc>
-                <a:spcBef>
-                  <a:spcPct val="50000"/>
-                </a:spcBef>
-                <a:spcAft>
-                  <a:spcPct val="0"/>
-                </a:spcAft>
-                <a:buClr>
-                  <a:srgbClr val="F0AB00"/>
-                </a:buClr>
-                <a:buSzPct val="80000"/>
-                <a:tabLst/>
-              </a:pPr>
-              <a:r>
-                <a:rPr kumimoji="0" lang="en-US" sz="1000" b="0" i="0" u="none" strike="noStrike" kern="0" cap="none" spc="0" normalizeH="0" baseline="0" dirty="0">
-                  <a:ln>
-                    <a:noFill/>
-                  </a:ln>
-                  <a:solidFill>
-                    <a:schemeClr val="bg1"/>
-                  </a:solidFill>
-                  <a:effectLst/>
-                  <a:uLnTx/>
-                  <a:uFillTx/>
-                  <a:ea typeface="Arial Unicode MS" pitchFamily="34" charset="-128"/>
-                  <a:cs typeface="Arial Unicode MS" pitchFamily="34" charset="-128"/>
-                </a:rPr>
-                <a:t>App</a:t>
-              </a:r>
-            </a:p>
-            <a:p>
-              <a:pPr marR="0" algn="ctr" defTabSz="914400" eaLnBrk="1" fontAlgn="base" latinLnBrk="0" hangingPunct="1">
-                <a:lnSpc>
-                  <a:spcPct val="100000"/>
-                </a:lnSpc>
-                <a:spcBef>
-                  <a:spcPct val="50000"/>
-                </a:spcBef>
-                <a:spcAft>
-                  <a:spcPct val="0"/>
-                </a:spcAft>
-                <a:buClr>
-                  <a:srgbClr val="F0AB00"/>
-                </a:buClr>
-                <a:buSzPct val="80000"/>
-                <a:tabLst/>
-              </a:pPr>
-              <a:r>
-                <a:rPr kumimoji="0" lang="en-US" sz="800" b="0" i="0" u="none" strike="noStrike" kern="0" cap="none" spc="0" normalizeH="0" baseline="0" dirty="0">
-                  <a:ln>
-                    <a:noFill/>
-                  </a:ln>
-                  <a:solidFill>
-                    <a:schemeClr val="bg1"/>
-                  </a:solidFill>
-                  <a:effectLst/>
-                  <a:uLnTx/>
-                  <a:uFillTx/>
-                  <a:ea typeface="Arial Unicode MS" pitchFamily="34" charset="-128"/>
-                  <a:cs typeface="Arial Unicode MS" pitchFamily="34" charset="-128"/>
-                </a:rPr>
-                <a:t>(e.g. </a:t>
-              </a:r>
-              <a:r>
-                <a:rPr lang="en-US" sz="800" kern="0" dirty="0">
-                  <a:solidFill>
-                    <a:schemeClr val="bg1"/>
-                  </a:solidFill>
-                  <a:ea typeface="Arial Unicode MS" pitchFamily="34" charset="-128"/>
-                  <a:cs typeface="Arial Unicode MS" pitchFamily="34" charset="-128"/>
-                </a:rPr>
-                <a:t>nginx</a:t>
-              </a:r>
-              <a:r>
-                <a:rPr kumimoji="0" lang="en-US" sz="800" b="0" i="0" u="none" strike="noStrike" kern="0" cap="none" spc="0" normalizeH="0" baseline="0" dirty="0">
-                  <a:ln>
-                    <a:noFill/>
-                  </a:ln>
-                  <a:solidFill>
-                    <a:schemeClr val="bg1"/>
-                  </a:solidFill>
-                  <a:effectLst/>
-                  <a:uLnTx/>
-                  <a:uFillTx/>
-                  <a:ea typeface="Arial Unicode MS" pitchFamily="34" charset="-128"/>
-                  <a:cs typeface="Arial Unicode MS" pitchFamily="34" charset="-128"/>
-                </a:rPr>
-                <a:t>)</a:t>
-              </a:r>
-            </a:p>
-          </p:txBody>
-        </p:sp>
-        <p:sp>
-          <p:nvSpPr>
-            <p:cNvPr id="13" name="Rectangle 12"/>
-            <p:cNvSpPr/>
-            <p:nvPr/>
-          </p:nvSpPr>
-          <p:spPr bwMode="gray">
-            <a:xfrm>
-              <a:off x="7846115" y="3842334"/>
-              <a:ext cx="640177" cy="351662"/>
-            </a:xfrm>
-            <a:prstGeom prst="rect">
-              <a:avLst/>
-            </a:prstGeom>
-            <a:solidFill>
-              <a:schemeClr val="accent4">
-                <a:lumMod val="50000"/>
-              </a:schemeClr>
-            </a:solidFill>
-            <a:ln w="6350" algn="ctr">
-              <a:solidFill>
-                <a:schemeClr val="tx1"/>
-              </a:solidFill>
-              <a:miter lim="800000"/>
-              <a:headEnd/>
-              <a:tailEnd/>
-            </a:ln>
-          </p:spPr>
-          <p:txBody>
-            <a:bodyPr lIns="90000" tIns="72000" rIns="90000" bIns="72000" rtlCol="0" anchor="ctr"/>
-            <a:lstStyle/>
-            <a:p>
-              <a:pPr marR="0" algn="ctr" defTabSz="914400" eaLnBrk="1" fontAlgn="base" latinLnBrk="0" hangingPunct="1">
-                <a:lnSpc>
-                  <a:spcPct val="100000"/>
-                </a:lnSpc>
-                <a:spcBef>
-                  <a:spcPct val="50000"/>
-                </a:spcBef>
-                <a:spcAft>
-                  <a:spcPct val="0"/>
-                </a:spcAft>
-                <a:buClr>
-                  <a:srgbClr val="F0AB00"/>
-                </a:buClr>
-                <a:buSzPct val="80000"/>
-                <a:tabLst/>
-              </a:pPr>
-              <a:r>
-                <a:rPr kumimoji="0" lang="en-US" sz="1000" b="0" i="0" u="none" strike="noStrike" kern="0" cap="none" spc="0" normalizeH="0" baseline="0" dirty="0">
-                  <a:ln>
-                    <a:noFill/>
-                  </a:ln>
-                  <a:solidFill>
-                    <a:schemeClr val="bg1"/>
-                  </a:solidFill>
-                  <a:effectLst/>
-                  <a:uLnTx/>
-                  <a:uFillTx/>
-                  <a:ea typeface="Arial Unicode MS" pitchFamily="34" charset="-128"/>
-                  <a:cs typeface="Arial Unicode MS" pitchFamily="34" charset="-128"/>
-                </a:rPr>
-                <a:t>Tools</a:t>
-              </a:r>
-            </a:p>
-          </p:txBody>
-        </p:sp>
-      </p:grpSp>
       <p:sp>
         <p:nvSpPr>
-          <p:cNvPr id="16" name="Text Placeholder 1"/>
-          <p:cNvSpPr>
-            <a:spLocks noGrp="1"/>
-          </p:cNvSpPr>
-          <p:nvPr>
-            <p:ph type="body" sz="quarter" idx="10"/>
-          </p:nvPr>
+          <p:cNvPr id="19" name="Rectangle 18">
+            <a:extLst>
+              <a:ext uri="{FF2B5EF4-FFF2-40B4-BE49-F238E27FC236}">
+                <a16:creationId xmlns:a16="http://schemas.microsoft.com/office/drawing/2014/main" id="{C018A4B1-3F2A-49EB-B11C-05CA241FD4A5}"/>
+              </a:ext>
+            </a:extLst>
+          </p:cNvPr>
+          <p:cNvSpPr/>
+          <p:nvPr/>
         </p:nvSpPr>
         <p:spPr>
           <a:xfrm>
-            <a:off x="5525118" y="1236277"/>
-            <a:ext cx="6165359" cy="2741254"/>
+            <a:off x="3064406" y="6330666"/>
+            <a:ext cx="6065663" cy="276999"/>
           </a:xfrm>
+          <a:prstGeom prst="rect">
+            <a:avLst/>
+          </a:prstGeom>
         </p:spPr>
         <p:txBody>
-          <a:bodyPr/>
+          <a:bodyPr wrap="square">
+            <a:spAutoFit/>
+          </a:bodyPr>
           <a:lstStyle/>
           <a:p>
-            <a:pPr lvl="1"/>
-            <a:r>
-              <a:rPr lang="en-US" sz="1600" dirty="0"/>
-              <a:t>Isolated environment in which an application </a:t>
-            </a:r>
-            <a:r>
-              <a:rPr lang="en-US" sz="1600" b="1" dirty="0"/>
-              <a:t>runs</a:t>
-            </a:r>
-          </a:p>
-          <a:p>
-            <a:pPr lvl="1"/>
-            <a:r>
-              <a:rPr lang="en-US" sz="1600" dirty="0"/>
-              <a:t>Like a computer in a computer… without the OS overhead</a:t>
-            </a:r>
-          </a:p>
-          <a:p>
-            <a:pPr lvl="1"/>
-            <a:r>
-              <a:rPr lang="en-US" sz="1600" dirty="0"/>
-              <a:t>Containers are created from images…</a:t>
-            </a:r>
-          </a:p>
-          <a:p>
-            <a:pPr lvl="2"/>
-            <a:r>
-              <a:rPr lang="en-US" sz="1600" dirty="0"/>
-              <a:t>… which can be downloaded from a central registry</a:t>
-            </a:r>
-          </a:p>
-          <a:p>
-            <a:pPr lvl="2"/>
-            <a:r>
-              <a:rPr lang="en-US" sz="1600" dirty="0"/>
-              <a:t>… or can be built on the fly</a:t>
-            </a:r>
-          </a:p>
-          <a:p>
-            <a:pPr lvl="1"/>
-            <a:r>
-              <a:rPr lang="en-US" sz="1600" dirty="0"/>
-              <a:t>Each container has one main process with PID 1</a:t>
-            </a:r>
-          </a:p>
-          <a:p>
-            <a:pPr lvl="2"/>
-            <a:r>
-              <a:rPr lang="en-US" sz="1600" dirty="0"/>
-              <a:t>started whenever a container is created</a:t>
-            </a:r>
-          </a:p>
-          <a:p>
-            <a:pPr lvl="2"/>
-            <a:r>
-              <a:rPr lang="en-US" sz="1600" dirty="0"/>
-              <a:t>no </a:t>
-            </a:r>
-            <a:r>
-              <a:rPr lang="en-US" sz="1600" dirty="0" err="1"/>
-              <a:t>init</a:t>
-            </a:r>
-            <a:r>
-              <a:rPr lang="en-US" sz="1600" dirty="0"/>
-              <a:t> system</a:t>
-            </a:r>
-          </a:p>
-          <a:p>
-            <a:pPr lvl="2"/>
-            <a:r>
-              <a:rPr lang="en-US" sz="1600" dirty="0"/>
-              <a:t>processes present in host system with PID ≠ 1</a:t>
-            </a:r>
-          </a:p>
-        </p:txBody>
-      </p:sp>
-      <p:sp>
-        <p:nvSpPr>
-          <p:cNvPr id="14" name="Rectangle: Rounded Corners 13"/>
-          <p:cNvSpPr/>
-          <p:nvPr/>
-        </p:nvSpPr>
-        <p:spPr bwMode="gray">
-          <a:xfrm>
-            <a:off x="596245" y="4208207"/>
-            <a:ext cx="11001988" cy="1740310"/>
-          </a:xfrm>
-          <a:prstGeom prst="roundRect">
-            <a:avLst>
-              <a:gd name="adj" fmla="val 8296"/>
-            </a:avLst>
-          </a:prstGeom>
-          <a:pattFill prst="narHorz">
-            <a:fgClr>
-              <a:schemeClr val="tx1"/>
-            </a:fgClr>
-            <a:bgClr>
-              <a:srgbClr val="112806"/>
-            </a:bgClr>
-          </a:pattFill>
-          <a:ln w="6350" algn="ctr">
-            <a:noFill/>
-            <a:miter lim="800000"/>
-            <a:headEnd/>
-            <a:tailEnd/>
-          </a:ln>
-        </p:spPr>
-        <p:txBody>
-          <a:bodyPr lIns="90000" tIns="72000" rIns="90000" bIns="72000" rtlCol="0" anchor="t"/>
-          <a:lstStyle/>
-          <a:p>
-            <a:pPr marL="179387" lvl="2" indent="0">
-              <a:buNone/>
-            </a:pPr>
-            <a:r>
-              <a:rPr lang="en-US" sz="1200" b="1" dirty="0">
-                <a:solidFill>
-                  <a:schemeClr val="bg1"/>
-                </a:solidFill>
-                <a:latin typeface="Courier New" panose="02070309020205020404" pitchFamily="49" charset="0"/>
-                <a:cs typeface="Courier New" panose="02070309020205020404" pitchFamily="49" charset="0"/>
-              </a:rPr>
-              <a:t>$ </a:t>
-            </a:r>
-            <a:r>
-              <a:rPr lang="en-US" sz="1200" b="1" dirty="0" err="1">
-                <a:solidFill>
-                  <a:schemeClr val="bg1"/>
-                </a:solidFill>
-                <a:latin typeface="Courier New" panose="02070309020205020404" pitchFamily="49" charset="0"/>
-                <a:cs typeface="Courier New" panose="02070309020205020404" pitchFamily="49" charset="0"/>
-              </a:rPr>
-              <a:t>docker</a:t>
-            </a:r>
-            <a:r>
-              <a:rPr lang="en-US" sz="1200" b="1" dirty="0">
-                <a:solidFill>
-                  <a:schemeClr val="bg1"/>
-                </a:solidFill>
-                <a:latin typeface="Courier New" panose="02070309020205020404" pitchFamily="49" charset="0"/>
-                <a:cs typeface="Courier New" panose="02070309020205020404" pitchFamily="49" charset="0"/>
-              </a:rPr>
+            <a:pPr algn="ctr"/>
+            <a:r>
+              <a:rPr lang="en-US" sz="1200" dirty="0">
+                <a:hlinkClick r:id="rId5"/>
+              </a:rPr>
+              <a:t>https://docs.docker.com/engine/docker-overview/</a:t>
+            </a:r>
+            <a:r>
+              <a:rPr lang="en-US" sz="1200" dirty="0"/>
               <a:t> </a:t>
-            </a:r>
-            <a:r>
-              <a:rPr lang="en-US" sz="1200" b="1" dirty="0" err="1">
-                <a:solidFill>
-                  <a:schemeClr val="bg1"/>
-                </a:solidFill>
-                <a:latin typeface="Courier New" panose="02070309020205020404" pitchFamily="49" charset="0"/>
-                <a:cs typeface="Courier New" panose="02070309020205020404" pitchFamily="49" charset="0"/>
-              </a:rPr>
-              <a:t>ps</a:t>
-            </a:r>
-            <a:r>
-              <a:rPr lang="en-US" sz="1200" b="1" dirty="0">
-                <a:solidFill>
-                  <a:schemeClr val="bg1"/>
-                </a:solidFill>
-                <a:latin typeface="Courier New" panose="02070309020205020404" pitchFamily="49" charset="0"/>
-                <a:cs typeface="Courier New" panose="02070309020205020404" pitchFamily="49" charset="0"/>
-              </a:rPr>
-              <a:t> -a</a:t>
-            </a:r>
-          </a:p>
-          <a:p>
-            <a:pPr marL="179387" lvl="2" indent="0">
-              <a:buNone/>
-            </a:pPr>
-            <a:r>
-              <a:rPr lang="en-US" sz="1200" b="1" dirty="0">
-                <a:solidFill>
-                  <a:schemeClr val="bg1"/>
-                </a:solidFill>
-                <a:latin typeface="Arial monospaced for SAP" panose="020B0609020202030204" pitchFamily="49" charset="0"/>
-                <a:cs typeface="Courier New" panose="02070309020205020404" pitchFamily="49" charset="0"/>
-              </a:rPr>
-              <a:t>CONTAINER ID    IMAGE          COMMAND         CREATED           STATUS                    PORTS    NAMES</a:t>
-            </a:r>
-          </a:p>
-          <a:p>
-            <a:pPr marL="179387" lvl="2" indent="0">
-              <a:buNone/>
-            </a:pPr>
-            <a:r>
-              <a:rPr lang="en-US" sz="1200" dirty="0">
-                <a:solidFill>
-                  <a:schemeClr val="bg1"/>
-                </a:solidFill>
-                <a:latin typeface="Arial monospaced for SAP" panose="020B0609020202030204" pitchFamily="49" charset="0"/>
-                <a:cs typeface="Courier New" panose="02070309020205020404" pitchFamily="49" charset="0"/>
-              </a:rPr>
-              <a:t>9682e4fba8b7    </a:t>
-            </a:r>
-            <a:r>
-              <a:rPr lang="en-US" sz="1200" dirty="0" err="1">
-                <a:solidFill>
-                  <a:schemeClr val="bg1"/>
-                </a:solidFill>
-                <a:latin typeface="Arial monospaced for SAP" panose="020B0609020202030204" pitchFamily="49" charset="0"/>
-                <a:cs typeface="Courier New" panose="02070309020205020404" pitchFamily="49" charset="0"/>
-              </a:rPr>
-              <a:t>busybox</a:t>
-            </a:r>
-            <a:r>
-              <a:rPr lang="en-US" sz="1200" dirty="0">
-                <a:solidFill>
-                  <a:schemeClr val="bg1"/>
-                </a:solidFill>
-                <a:latin typeface="Arial monospaced for SAP" panose="020B0609020202030204" pitchFamily="49" charset="0"/>
-                <a:cs typeface="Courier New" panose="02070309020205020404" pitchFamily="49" charset="0"/>
-              </a:rPr>
-              <a:t>        "</a:t>
-            </a:r>
-            <a:r>
-              <a:rPr lang="en-US" sz="1200" dirty="0" err="1">
-                <a:solidFill>
-                  <a:schemeClr val="bg1"/>
-                </a:solidFill>
-                <a:latin typeface="Arial monospaced for SAP" panose="020B0609020202030204" pitchFamily="49" charset="0"/>
-                <a:cs typeface="Courier New" panose="02070309020205020404" pitchFamily="49" charset="0"/>
-              </a:rPr>
-              <a:t>sh</a:t>
-            </a:r>
-            <a:r>
-              <a:rPr lang="en-US" sz="1200" dirty="0">
-                <a:solidFill>
-                  <a:schemeClr val="bg1"/>
-                </a:solidFill>
-                <a:latin typeface="Arial monospaced for SAP" panose="020B0609020202030204" pitchFamily="49" charset="0"/>
-                <a:cs typeface="Courier New" panose="02070309020205020404" pitchFamily="49" charset="0"/>
-              </a:rPr>
-              <a:t>"            27 minutes ago    Up 27 minutes                      </a:t>
-            </a:r>
-            <a:r>
-              <a:rPr lang="en-US" sz="1200" dirty="0" err="1">
-                <a:solidFill>
-                  <a:schemeClr val="bg1"/>
-                </a:solidFill>
-                <a:latin typeface="Arial monospaced for SAP" panose="020B0609020202030204" pitchFamily="49" charset="0"/>
-                <a:cs typeface="Courier New" panose="02070309020205020404" pitchFamily="49" charset="0"/>
-              </a:rPr>
-              <a:t>elated_saha</a:t>
-            </a:r>
-            <a:endParaRPr lang="en-US" sz="1200" dirty="0">
-              <a:solidFill>
-                <a:schemeClr val="bg1"/>
-              </a:solidFill>
-              <a:latin typeface="Arial monospaced for SAP" panose="020B0609020202030204" pitchFamily="49" charset="0"/>
-              <a:cs typeface="Courier New" panose="02070309020205020404" pitchFamily="49" charset="0"/>
-            </a:endParaRPr>
-          </a:p>
-          <a:p>
-            <a:pPr marL="179387" lvl="2" indent="0">
-              <a:buNone/>
-            </a:pPr>
-            <a:r>
-              <a:rPr lang="en-US" sz="1200" dirty="0">
-                <a:solidFill>
-                  <a:schemeClr val="bg1"/>
-                </a:solidFill>
-                <a:latin typeface="Arial monospaced for SAP" panose="020B0609020202030204" pitchFamily="49" charset="0"/>
-                <a:cs typeface="Courier New" panose="02070309020205020404" pitchFamily="49" charset="0"/>
-              </a:rPr>
-              <a:t>eb2e127b9647    </a:t>
-            </a:r>
-            <a:r>
-              <a:rPr lang="en-US" sz="1200" dirty="0" err="1">
-                <a:solidFill>
-                  <a:schemeClr val="bg1"/>
-                </a:solidFill>
-                <a:latin typeface="Arial monospaced for SAP" panose="020B0609020202030204" pitchFamily="49" charset="0"/>
-                <a:cs typeface="Courier New" panose="02070309020205020404" pitchFamily="49" charset="0"/>
-              </a:rPr>
-              <a:t>debian</a:t>
-            </a:r>
-            <a:r>
-              <a:rPr lang="en-US" sz="1200" dirty="0">
-                <a:solidFill>
-                  <a:schemeClr val="bg1"/>
-                </a:solidFill>
-                <a:latin typeface="Arial monospaced for SAP" panose="020B0609020202030204" pitchFamily="49" charset="0"/>
-                <a:cs typeface="Courier New" panose="02070309020205020404" pitchFamily="49" charset="0"/>
-              </a:rPr>
-              <a:t>         "bash"          2 days ago        Exited (0) 25 hours ago            </a:t>
-            </a:r>
-            <a:r>
-              <a:rPr lang="en-US" sz="1200" dirty="0" err="1">
-                <a:solidFill>
-                  <a:schemeClr val="bg1"/>
-                </a:solidFill>
-                <a:latin typeface="Arial monospaced for SAP" panose="020B0609020202030204" pitchFamily="49" charset="0"/>
-                <a:cs typeface="Courier New" panose="02070309020205020404" pitchFamily="49" charset="0"/>
-              </a:rPr>
-              <a:t>goofy_shaw</a:t>
-            </a:r>
-            <a:endParaRPr lang="en-US" sz="1200" dirty="0">
-              <a:solidFill>
-                <a:schemeClr val="bg1"/>
-              </a:solidFill>
-              <a:latin typeface="Arial monospaced for SAP" panose="020B0609020202030204" pitchFamily="49" charset="0"/>
-              <a:cs typeface="Courier New" panose="02070309020205020404" pitchFamily="49" charset="0"/>
-            </a:endParaRPr>
-          </a:p>
-          <a:p>
-            <a:pPr marL="179387" lvl="2" indent="0">
-              <a:buNone/>
-            </a:pPr>
-            <a:r>
-              <a:rPr lang="en-US" sz="1200" dirty="0">
-                <a:solidFill>
-                  <a:schemeClr val="bg1"/>
-                </a:solidFill>
-                <a:latin typeface="Arial monospaced for SAP" panose="020B0609020202030204" pitchFamily="49" charset="0"/>
-                <a:cs typeface="Courier New" panose="02070309020205020404" pitchFamily="49" charset="0"/>
-              </a:rPr>
-              <a:t>e7a7aeca8c41    </a:t>
-            </a:r>
-            <a:r>
-              <a:rPr lang="en-US" sz="1200" dirty="0" err="1">
-                <a:solidFill>
-                  <a:schemeClr val="bg1"/>
-                </a:solidFill>
-                <a:latin typeface="Arial monospaced for SAP" panose="020B0609020202030204" pitchFamily="49" charset="0"/>
-                <a:cs typeface="Courier New" panose="02070309020205020404" pitchFamily="49" charset="0"/>
-              </a:rPr>
-              <a:t>test_nginx</a:t>
-            </a:r>
-            <a:r>
-              <a:rPr lang="en-US" sz="1200" dirty="0">
-                <a:solidFill>
-                  <a:schemeClr val="bg1"/>
-                </a:solidFill>
-                <a:latin typeface="Arial monospaced for SAP" panose="020B0609020202030204" pitchFamily="49" charset="0"/>
-                <a:cs typeface="Courier New" panose="02070309020205020404" pitchFamily="49" charset="0"/>
-              </a:rPr>
-              <a:t>     "</a:t>
-            </a:r>
-            <a:r>
-              <a:rPr lang="en-US" sz="1200" dirty="0" err="1">
-                <a:solidFill>
-                  <a:schemeClr val="bg1"/>
-                </a:solidFill>
-                <a:latin typeface="Arial monospaced for SAP" panose="020B0609020202030204" pitchFamily="49" charset="0"/>
-                <a:cs typeface="Courier New" panose="02070309020205020404" pitchFamily="49" charset="0"/>
-              </a:rPr>
-              <a:t>nginx</a:t>
-            </a:r>
-            <a:r>
-              <a:rPr lang="en-US" sz="1200" dirty="0">
-                <a:solidFill>
-                  <a:schemeClr val="bg1"/>
-                </a:solidFill>
-                <a:latin typeface="Arial monospaced for SAP" panose="020B0609020202030204" pitchFamily="49" charset="0"/>
-                <a:cs typeface="Courier New" panose="02070309020205020404" pitchFamily="49" charset="0"/>
-              </a:rPr>
-              <a:t> –g..."   3 days ago        Exited (1) 7 minutes ago           </a:t>
-            </a:r>
-            <a:r>
-              <a:rPr lang="en-US" sz="1200" dirty="0" err="1">
-                <a:solidFill>
-                  <a:schemeClr val="bg1"/>
-                </a:solidFill>
-                <a:latin typeface="Arial monospaced for SAP" panose="020B0609020202030204" pitchFamily="49" charset="0"/>
-                <a:cs typeface="Courier New" panose="02070309020205020404" pitchFamily="49" charset="0"/>
-              </a:rPr>
-              <a:t>pensive_elion</a:t>
-            </a:r>
-            <a:endParaRPr lang="en-US" sz="1200" dirty="0">
-              <a:solidFill>
-                <a:schemeClr val="bg1"/>
-              </a:solidFill>
-              <a:latin typeface="Arial monospaced for SAP" panose="020B0609020202030204" pitchFamily="49" charset="0"/>
-              <a:cs typeface="Courier New" panose="02070309020205020404" pitchFamily="49" charset="0"/>
-            </a:endParaRPr>
-          </a:p>
-          <a:p>
-            <a:pPr marL="179387" lvl="2" indent="0">
-              <a:buNone/>
-            </a:pPr>
-            <a:r>
-              <a:rPr lang="en-US" sz="1200" dirty="0">
-                <a:solidFill>
-                  <a:schemeClr val="bg1"/>
-                </a:solidFill>
-                <a:latin typeface="Arial monospaced for SAP" panose="020B0609020202030204" pitchFamily="49" charset="0"/>
-                <a:cs typeface="Courier New" panose="02070309020205020404" pitchFamily="49" charset="0"/>
-              </a:rPr>
-              <a:t>7318e13769aa    </a:t>
-            </a:r>
-            <a:r>
-              <a:rPr lang="en-US" sz="1200" dirty="0" err="1">
-                <a:solidFill>
-                  <a:schemeClr val="bg1"/>
-                </a:solidFill>
-                <a:latin typeface="Arial monospaced for SAP" panose="020B0609020202030204" pitchFamily="49" charset="0"/>
-                <a:cs typeface="Courier New" panose="02070309020205020404" pitchFamily="49" charset="0"/>
-              </a:rPr>
-              <a:t>busybox</a:t>
-            </a:r>
-            <a:r>
-              <a:rPr lang="en-US" sz="1200" dirty="0">
-                <a:solidFill>
-                  <a:schemeClr val="bg1"/>
-                </a:solidFill>
-                <a:latin typeface="Arial monospaced for SAP" panose="020B0609020202030204" pitchFamily="49" charset="0"/>
-                <a:cs typeface="Courier New" panose="02070309020205020404" pitchFamily="49" charset="0"/>
-              </a:rPr>
-              <a:t>        "</a:t>
-            </a:r>
-            <a:r>
-              <a:rPr lang="en-US" sz="1200" dirty="0" err="1">
-                <a:solidFill>
-                  <a:schemeClr val="bg1"/>
-                </a:solidFill>
-                <a:latin typeface="Arial monospaced for SAP" panose="020B0609020202030204" pitchFamily="49" charset="0"/>
-                <a:cs typeface="Courier New" panose="02070309020205020404" pitchFamily="49" charset="0"/>
-              </a:rPr>
-              <a:t>sh</a:t>
-            </a:r>
-            <a:r>
-              <a:rPr lang="en-US" sz="1200" dirty="0">
-                <a:solidFill>
-                  <a:schemeClr val="bg1"/>
-                </a:solidFill>
-                <a:latin typeface="Arial monospaced for SAP" panose="020B0609020202030204" pitchFamily="49" charset="0"/>
-                <a:cs typeface="Courier New" panose="02070309020205020404" pitchFamily="49" charset="0"/>
-              </a:rPr>
-              <a:t>"            6 days ago        Exited (0) 6 days ago              </a:t>
-            </a:r>
-            <a:r>
-              <a:rPr lang="en-US" sz="1200" dirty="0" err="1">
-                <a:solidFill>
-                  <a:schemeClr val="bg1"/>
-                </a:solidFill>
-                <a:latin typeface="Arial monospaced for SAP" panose="020B0609020202030204" pitchFamily="49" charset="0"/>
-                <a:cs typeface="Courier New" panose="02070309020205020404" pitchFamily="49" charset="0"/>
-              </a:rPr>
-              <a:t>goofy_saha</a:t>
-            </a:r>
-            <a:endParaRPr lang="en-US" sz="1200" dirty="0">
-              <a:solidFill>
-                <a:schemeClr val="bg1"/>
-              </a:solidFill>
-              <a:latin typeface="Arial monospaced for SAP" panose="020B0609020202030204" pitchFamily="49" charset="0"/>
-              <a:cs typeface="Courier New" panose="02070309020205020404" pitchFamily="49" charset="0"/>
-            </a:endParaRPr>
-          </a:p>
-          <a:p>
-            <a:pPr marL="179387" lvl="2" indent="0">
-              <a:buNone/>
-            </a:pPr>
-            <a:endParaRPr lang="en-US" sz="1200" dirty="0">
-              <a:solidFill>
-                <a:schemeClr val="bg1"/>
-              </a:solidFill>
-              <a:latin typeface="Courier New" panose="02070309020205020404" pitchFamily="49" charset="0"/>
-              <a:cs typeface="Courier New" panose="02070309020205020404" pitchFamily="49" charset="0"/>
-            </a:endParaRPr>
-          </a:p>
-          <a:p>
-            <a:pPr marL="179387" lvl="2" indent="0">
-              <a:buNone/>
-            </a:pPr>
-            <a:r>
-              <a:rPr lang="en-US" sz="1200" b="1" dirty="0">
-                <a:solidFill>
-                  <a:schemeClr val="bg1"/>
-                </a:solidFill>
-                <a:latin typeface="Courier New" panose="02070309020205020404" pitchFamily="49" charset="0"/>
-                <a:cs typeface="Courier New" panose="02070309020205020404" pitchFamily="49" charset="0"/>
-              </a:rPr>
-              <a:t>$</a:t>
             </a:r>
           </a:p>
         </p:txBody>
@@ -18206,7 +16979,7 @@
 </p:sld>
 </file>
 
-<file path=ppt/slides/slide13.xml><?xml version="1.0" encoding="utf-8"?>
+<file path=ppt/slides/slide12.xml><?xml version="1.0" encoding="utf-8"?>
 <p:sld xmlns:a="http://schemas.openxmlformats.org/drawingml/2006/main" xmlns:r="http://schemas.openxmlformats.org/officeDocument/2006/relationships" xmlns:p="http://schemas.openxmlformats.org/presentationml/2006/main">
   <p:cSld>
     <p:spTree>
@@ -18668,1182 +17441,7 @@
 </p:sld>
 </file>
 
-<file path=ppt/slides/slide14.xml><?xml version="1.0" encoding="utf-8"?>
-<p:sld xmlns:a="http://schemas.openxmlformats.org/drawingml/2006/main" xmlns:r="http://schemas.openxmlformats.org/officeDocument/2006/relationships" xmlns:p="http://schemas.openxmlformats.org/presentationml/2006/main">
-  <p:cSld>
-    <p:spTree>
-      <p:nvGrpSpPr>
-        <p:cNvPr id="1" name=""/>
-        <p:cNvGrpSpPr/>
-        <p:nvPr/>
-      </p:nvGrpSpPr>
-      <p:grpSpPr>
-        <a:xfrm>
-          <a:off x="0" y="0"/>
-          <a:ext cx="0" cy="0"/>
-          <a:chOff x="0" y="0"/>
-          <a:chExt cx="0" cy="0"/>
-        </a:xfrm>
-      </p:grpSpPr>
-      <p:sp>
-        <p:nvSpPr>
-          <p:cNvPr id="3" name="Title 2"/>
-          <p:cNvSpPr>
-            <a:spLocks noGrp="1"/>
-          </p:cNvSpPr>
-          <p:nvPr>
-            <p:ph type="title"/>
-          </p:nvPr>
-        </p:nvSpPr>
-        <p:spPr/>
-        <p:txBody>
-          <a:bodyPr/>
-          <a:lstStyle/>
-          <a:p>
-            <a:r>
-              <a:rPr lang="en-US" dirty="0"/>
-              <a:t>Layers of images and containers</a:t>
-            </a:r>
-          </a:p>
-        </p:txBody>
-      </p:sp>
-      <p:grpSp>
-        <p:nvGrpSpPr>
-          <p:cNvPr id="5" name="Group 4"/>
-          <p:cNvGrpSpPr/>
-          <p:nvPr/>
-        </p:nvGrpSpPr>
-        <p:grpSpPr>
-          <a:xfrm>
-            <a:off x="4841966" y="1615987"/>
-            <a:ext cx="5947954" cy="3896539"/>
-            <a:chOff x="4693920" y="1694364"/>
-            <a:chExt cx="5947954" cy="3896539"/>
-          </a:xfrm>
-        </p:grpSpPr>
-        <p:sp>
-          <p:nvSpPr>
-            <p:cNvPr id="6" name="Rectangle 5"/>
-            <p:cNvSpPr/>
-            <p:nvPr/>
-          </p:nvSpPr>
-          <p:spPr bwMode="gray">
-            <a:xfrm>
-              <a:off x="4693920" y="1694364"/>
-              <a:ext cx="5947954" cy="3896539"/>
-            </a:xfrm>
-            <a:prstGeom prst="rect">
-              <a:avLst/>
-            </a:prstGeom>
-            <a:solidFill>
-              <a:schemeClr val="accent3">
-                <a:lumMod val="50000"/>
-              </a:schemeClr>
-            </a:solidFill>
-            <a:ln w="6350" algn="ctr">
-              <a:solidFill>
-                <a:schemeClr val="tx1"/>
-              </a:solidFill>
-              <a:miter lim="800000"/>
-              <a:headEnd/>
-              <a:tailEnd/>
-            </a:ln>
-          </p:spPr>
-          <p:txBody>
-            <a:bodyPr lIns="90000" tIns="72000" rIns="90000" bIns="72000" rtlCol="0" anchor="t" anchorCtr="0"/>
-            <a:lstStyle/>
-            <a:p>
-              <a:pPr marR="0" algn="ctr" defTabSz="914400" eaLnBrk="1" fontAlgn="base" latinLnBrk="0" hangingPunct="1">
-                <a:lnSpc>
-                  <a:spcPct val="100000"/>
-                </a:lnSpc>
-                <a:spcBef>
-                  <a:spcPct val="50000"/>
-                </a:spcBef>
-                <a:spcAft>
-                  <a:spcPct val="0"/>
-                </a:spcAft>
-                <a:buClr>
-                  <a:srgbClr val="F0AB00"/>
-                </a:buClr>
-                <a:buSzPct val="80000"/>
-                <a:tabLst/>
-              </a:pPr>
-              <a:r>
-                <a:rPr kumimoji="0" lang="en-US" sz="1200" b="0" i="1" u="none" strike="noStrike" kern="0" cap="none" spc="0" normalizeH="0" baseline="0" dirty="0">
-                  <a:ln>
-                    <a:noFill/>
-                  </a:ln>
-                  <a:solidFill>
-                    <a:schemeClr val="bg1"/>
-                  </a:solidFill>
-                  <a:effectLst/>
-                  <a:uLnTx/>
-                  <a:uFillTx/>
-                  <a:ea typeface="Arial Unicode MS" pitchFamily="34" charset="-128"/>
-                  <a:cs typeface="Arial Unicode MS" pitchFamily="34" charset="-128"/>
-                </a:rPr>
-                <a:t>Container</a:t>
-              </a:r>
-              <a:endParaRPr kumimoji="0" lang="en-US" sz="1800" b="0" i="1" u="none" strike="noStrike" kern="0" cap="none" spc="0" normalizeH="0" baseline="0" dirty="0">
-                <a:ln>
-                  <a:noFill/>
-                </a:ln>
-                <a:solidFill>
-                  <a:schemeClr val="bg1"/>
-                </a:solidFill>
-                <a:effectLst/>
-                <a:uLnTx/>
-                <a:uFillTx/>
-                <a:ea typeface="Arial Unicode MS" pitchFamily="34" charset="-128"/>
-                <a:cs typeface="Arial Unicode MS" pitchFamily="34" charset="-128"/>
-              </a:endParaRPr>
-            </a:p>
-          </p:txBody>
-        </p:sp>
-        <p:sp>
-          <p:nvSpPr>
-            <p:cNvPr id="7" name="Rectangle 6"/>
-            <p:cNvSpPr/>
-            <p:nvPr/>
-          </p:nvSpPr>
-          <p:spPr bwMode="gray">
-            <a:xfrm>
-              <a:off x="4920343" y="2718929"/>
-              <a:ext cx="5495108" cy="2645551"/>
-            </a:xfrm>
-            <a:prstGeom prst="rect">
-              <a:avLst/>
-            </a:prstGeom>
-            <a:solidFill>
-              <a:schemeClr val="accent2">
-                <a:lumMod val="20000"/>
-                <a:lumOff val="80000"/>
-              </a:schemeClr>
-            </a:solidFill>
-            <a:ln w="6350" algn="ctr">
-              <a:solidFill>
-                <a:schemeClr val="tx1"/>
-              </a:solidFill>
-              <a:miter lim="800000"/>
-              <a:headEnd/>
-              <a:tailEnd/>
-            </a:ln>
-          </p:spPr>
-          <p:txBody>
-            <a:bodyPr vert="vert270" lIns="90000" tIns="72000" rIns="90000" bIns="72000" rtlCol="0" anchor="t" anchorCtr="0"/>
-            <a:lstStyle/>
-            <a:p>
-              <a:pPr marR="0" algn="ctr" defTabSz="914400" eaLnBrk="1" fontAlgn="base" latinLnBrk="0" hangingPunct="1">
-                <a:lnSpc>
-                  <a:spcPct val="100000"/>
-                </a:lnSpc>
-                <a:spcBef>
-                  <a:spcPct val="50000"/>
-                </a:spcBef>
-                <a:spcAft>
-                  <a:spcPct val="0"/>
-                </a:spcAft>
-                <a:buClr>
-                  <a:srgbClr val="F0AB00"/>
-                </a:buClr>
-                <a:buSzPct val="80000"/>
-                <a:tabLst/>
-              </a:pPr>
-              <a:r>
-                <a:rPr kumimoji="0" lang="en-US" sz="1200" b="0" i="1" u="none" strike="noStrike" kern="0" cap="none" spc="0" normalizeH="0" baseline="0" dirty="0">
-                  <a:ln>
-                    <a:noFill/>
-                  </a:ln>
-                  <a:effectLst/>
-                  <a:uLnTx/>
-                  <a:uFillTx/>
-                  <a:ea typeface="Arial Unicode MS" pitchFamily="34" charset="-128"/>
-                  <a:cs typeface="Arial Unicode MS" pitchFamily="34" charset="-128"/>
-                </a:rPr>
-                <a:t>Image</a:t>
-              </a:r>
-              <a:endParaRPr kumimoji="0" lang="en-US" sz="1600" b="0" i="1" u="none" strike="noStrike" kern="0" cap="none" spc="0" normalizeH="0" baseline="0" dirty="0">
-                <a:ln>
-                  <a:noFill/>
-                </a:ln>
-                <a:effectLst/>
-                <a:uLnTx/>
-                <a:uFillTx/>
-                <a:ea typeface="Arial Unicode MS" pitchFamily="34" charset="-128"/>
-                <a:cs typeface="Arial Unicode MS" pitchFamily="34" charset="-128"/>
-              </a:endParaRPr>
-            </a:p>
-          </p:txBody>
-        </p:sp>
-        <p:sp>
-          <p:nvSpPr>
-            <p:cNvPr id="8" name="Rectangle 7"/>
-            <p:cNvSpPr/>
-            <p:nvPr/>
-          </p:nvSpPr>
-          <p:spPr bwMode="gray">
-            <a:xfrm>
-              <a:off x="5329646" y="4730608"/>
-              <a:ext cx="4972594" cy="496389"/>
-            </a:xfrm>
-            <a:prstGeom prst="rect">
-              <a:avLst/>
-            </a:prstGeom>
-            <a:solidFill>
-              <a:schemeClr val="accent2">
-                <a:lumMod val="75000"/>
-              </a:schemeClr>
-            </a:solidFill>
-            <a:ln w="6350" algn="ctr">
-              <a:solidFill>
-                <a:schemeClr val="tx1"/>
-              </a:solidFill>
-              <a:miter lim="800000"/>
-              <a:headEnd/>
-              <a:tailEnd/>
-            </a:ln>
-          </p:spPr>
-          <p:txBody>
-            <a:bodyPr lIns="90000" tIns="72000" rIns="90000" bIns="72000" rtlCol="0" anchor="ctr"/>
-            <a:lstStyle/>
-            <a:p>
-              <a:pPr marR="0" algn="ctr" defTabSz="914400" eaLnBrk="1" fontAlgn="base" latinLnBrk="0" hangingPunct="1">
-                <a:lnSpc>
-                  <a:spcPct val="100000"/>
-                </a:lnSpc>
-                <a:spcBef>
-                  <a:spcPct val="50000"/>
-                </a:spcBef>
-                <a:spcAft>
-                  <a:spcPct val="0"/>
-                </a:spcAft>
-                <a:buClr>
-                  <a:srgbClr val="F0AB00"/>
-                </a:buClr>
-                <a:buSzPct val="80000"/>
-                <a:tabLst/>
-              </a:pPr>
-              <a:r>
-                <a:rPr kumimoji="0" lang="en-US" sz="1800" b="0" i="0" u="none" strike="noStrike" kern="0" cap="none" spc="0" normalizeH="0" baseline="0" dirty="0">
-                  <a:ln>
-                    <a:noFill/>
-                  </a:ln>
-                  <a:solidFill>
-                    <a:schemeClr val="bg1"/>
-                  </a:solidFill>
-                  <a:effectLst/>
-                  <a:uLnTx/>
-                  <a:uFillTx/>
-                  <a:ea typeface="Arial Unicode MS" pitchFamily="34" charset="-128"/>
-                  <a:cs typeface="Arial Unicode MS" pitchFamily="34" charset="-128"/>
-                </a:rPr>
-                <a:t>Base Image</a:t>
-              </a:r>
-              <a:r>
-                <a:rPr kumimoji="0" lang="en-US" sz="1800" b="0" i="0" u="none" strike="noStrike" kern="0" cap="none" spc="0" normalizeH="0" dirty="0">
-                  <a:ln>
-                    <a:noFill/>
-                  </a:ln>
-                  <a:solidFill>
-                    <a:schemeClr val="bg1"/>
-                  </a:solidFill>
-                  <a:effectLst/>
-                  <a:uLnTx/>
-                  <a:uFillTx/>
-                  <a:ea typeface="Arial Unicode MS" pitchFamily="34" charset="-128"/>
-                  <a:cs typeface="Arial Unicode MS" pitchFamily="34" charset="-128"/>
-                </a:rPr>
-                <a:t> (e.g. Debian)</a:t>
-              </a:r>
-              <a:endParaRPr kumimoji="0" lang="en-US" sz="1800" b="0" i="0" u="none" strike="noStrike" kern="0" cap="none" spc="0" normalizeH="0" baseline="0" dirty="0">
-                <a:ln>
-                  <a:noFill/>
-                </a:ln>
-                <a:solidFill>
-                  <a:schemeClr val="bg1"/>
-                </a:solidFill>
-                <a:effectLst/>
-                <a:uLnTx/>
-                <a:uFillTx/>
-                <a:ea typeface="Arial Unicode MS" pitchFamily="34" charset="-128"/>
-                <a:cs typeface="Arial Unicode MS" pitchFamily="34" charset="-128"/>
-              </a:endParaRPr>
-            </a:p>
-          </p:txBody>
-        </p:sp>
-        <p:sp>
-          <p:nvSpPr>
-            <p:cNvPr id="9" name="Rectangle 8"/>
-            <p:cNvSpPr/>
-            <p:nvPr/>
-          </p:nvSpPr>
-          <p:spPr bwMode="gray">
-            <a:xfrm>
-              <a:off x="5329646" y="4103591"/>
-              <a:ext cx="4972594" cy="496389"/>
-            </a:xfrm>
-            <a:prstGeom prst="rect">
-              <a:avLst/>
-            </a:prstGeom>
-            <a:solidFill>
-              <a:schemeClr val="accent6">
-                <a:lumMod val="75000"/>
-              </a:schemeClr>
-            </a:solidFill>
-            <a:ln w="6350" algn="ctr">
-              <a:solidFill>
-                <a:schemeClr val="tx1"/>
-              </a:solidFill>
-              <a:miter lim="800000"/>
-              <a:headEnd/>
-              <a:tailEnd/>
-            </a:ln>
-          </p:spPr>
-          <p:txBody>
-            <a:bodyPr lIns="90000" tIns="72000" rIns="90000" bIns="72000" rtlCol="0" anchor="ctr"/>
-            <a:lstStyle/>
-            <a:p>
-              <a:pPr marR="0" algn="ctr" defTabSz="914400" eaLnBrk="1" fontAlgn="base" latinLnBrk="0" hangingPunct="1">
-                <a:lnSpc>
-                  <a:spcPct val="100000"/>
-                </a:lnSpc>
-                <a:spcBef>
-                  <a:spcPct val="50000"/>
-                </a:spcBef>
-                <a:spcAft>
-                  <a:spcPct val="0"/>
-                </a:spcAft>
-                <a:buClr>
-                  <a:srgbClr val="F0AB00"/>
-                </a:buClr>
-                <a:buSzPct val="80000"/>
-                <a:tabLst/>
-              </a:pPr>
-              <a:r>
-                <a:rPr kumimoji="0" lang="en-US" sz="1800" b="0" i="0" u="none" strike="noStrike" kern="0" cap="none" spc="0" normalizeH="0" baseline="0" dirty="0" err="1">
-                  <a:ln>
-                    <a:noFill/>
-                  </a:ln>
-                  <a:solidFill>
-                    <a:schemeClr val="bg1"/>
-                  </a:solidFill>
-                  <a:effectLst/>
-                  <a:uLnTx/>
-                  <a:uFillTx/>
-                  <a:ea typeface="Arial Unicode MS" pitchFamily="34" charset="-128"/>
-                  <a:cs typeface="Arial Unicode MS" pitchFamily="34" charset="-128"/>
-                </a:rPr>
-                <a:t>Busybox</a:t>
-              </a:r>
-              <a:endParaRPr kumimoji="0" lang="en-US" sz="1800" b="0" i="0" u="none" strike="noStrike" kern="0" cap="none" spc="0" normalizeH="0" baseline="0" dirty="0">
-                <a:ln>
-                  <a:noFill/>
-                </a:ln>
-                <a:solidFill>
-                  <a:schemeClr val="bg1"/>
-                </a:solidFill>
-                <a:effectLst/>
-                <a:uLnTx/>
-                <a:uFillTx/>
-                <a:ea typeface="Arial Unicode MS" pitchFamily="34" charset="-128"/>
-                <a:cs typeface="Arial Unicode MS" pitchFamily="34" charset="-128"/>
-              </a:endParaRPr>
-            </a:p>
-          </p:txBody>
-        </p:sp>
-        <p:sp>
-          <p:nvSpPr>
-            <p:cNvPr id="10" name="Rectangle 9"/>
-            <p:cNvSpPr/>
-            <p:nvPr/>
-          </p:nvSpPr>
-          <p:spPr bwMode="gray">
-            <a:xfrm>
-              <a:off x="5329646" y="3476574"/>
-              <a:ext cx="4972594" cy="496389"/>
-            </a:xfrm>
-            <a:prstGeom prst="rect">
-              <a:avLst/>
-            </a:prstGeom>
-            <a:solidFill>
-              <a:schemeClr val="accent3">
-                <a:lumMod val="50000"/>
-              </a:schemeClr>
-            </a:solidFill>
-            <a:ln w="6350" algn="ctr">
-              <a:solidFill>
-                <a:schemeClr val="tx1"/>
-              </a:solidFill>
-              <a:miter lim="800000"/>
-              <a:headEnd/>
-              <a:tailEnd/>
-            </a:ln>
-          </p:spPr>
-          <p:txBody>
-            <a:bodyPr lIns="90000" tIns="72000" rIns="90000" bIns="72000" rtlCol="0" anchor="ctr"/>
-            <a:lstStyle/>
-            <a:p>
-              <a:pPr marR="0" algn="ctr" defTabSz="914400" eaLnBrk="1" fontAlgn="base" latinLnBrk="0" hangingPunct="1">
-                <a:lnSpc>
-                  <a:spcPct val="100000"/>
-                </a:lnSpc>
-                <a:spcBef>
-                  <a:spcPct val="50000"/>
-                </a:spcBef>
-                <a:spcAft>
-                  <a:spcPct val="0"/>
-                </a:spcAft>
-                <a:buClr>
-                  <a:srgbClr val="F0AB00"/>
-                </a:buClr>
-                <a:buSzPct val="80000"/>
-                <a:tabLst/>
-              </a:pPr>
-              <a:r>
-                <a:rPr kumimoji="0" lang="en-US" sz="1800" b="0" i="0" u="none" strike="noStrike" kern="0" cap="none" spc="0" normalizeH="0" baseline="0" dirty="0">
-                  <a:ln>
-                    <a:noFill/>
-                  </a:ln>
-                  <a:solidFill>
-                    <a:schemeClr val="bg1"/>
-                  </a:solidFill>
-                  <a:effectLst/>
-                  <a:uLnTx/>
-                  <a:uFillTx/>
-                  <a:ea typeface="Arial Unicode MS" pitchFamily="34" charset="-128"/>
-                  <a:cs typeface="Arial Unicode MS" pitchFamily="34" charset="-128"/>
-                </a:rPr>
-                <a:t>Apache</a:t>
-              </a:r>
-            </a:p>
-          </p:txBody>
-        </p:sp>
-        <p:sp>
-          <p:nvSpPr>
-            <p:cNvPr id="11" name="Rectangle 10"/>
-            <p:cNvSpPr/>
-            <p:nvPr/>
-          </p:nvSpPr>
-          <p:spPr bwMode="gray">
-            <a:xfrm>
-              <a:off x="5329646" y="2849557"/>
-              <a:ext cx="4972594" cy="496389"/>
-            </a:xfrm>
-            <a:prstGeom prst="rect">
-              <a:avLst/>
-            </a:prstGeom>
-            <a:solidFill>
-              <a:schemeClr val="accent3">
-                <a:lumMod val="75000"/>
-              </a:schemeClr>
-            </a:solidFill>
-            <a:ln w="6350" algn="ctr">
-              <a:solidFill>
-                <a:schemeClr val="tx1"/>
-              </a:solidFill>
-              <a:miter lim="800000"/>
-              <a:headEnd/>
-              <a:tailEnd/>
-            </a:ln>
-          </p:spPr>
-          <p:txBody>
-            <a:bodyPr lIns="90000" tIns="72000" rIns="90000" bIns="72000" rtlCol="0" anchor="ctr"/>
-            <a:lstStyle/>
-            <a:p>
-              <a:pPr marR="0" algn="ctr" defTabSz="914400" eaLnBrk="1" fontAlgn="base" latinLnBrk="0" hangingPunct="1">
-                <a:lnSpc>
-                  <a:spcPct val="100000"/>
-                </a:lnSpc>
-                <a:spcBef>
-                  <a:spcPct val="50000"/>
-                </a:spcBef>
-                <a:spcAft>
-                  <a:spcPct val="0"/>
-                </a:spcAft>
-                <a:buClr>
-                  <a:srgbClr val="F0AB00"/>
-                </a:buClr>
-                <a:buSzPct val="80000"/>
-                <a:tabLst/>
-              </a:pPr>
-              <a:r>
-                <a:rPr kumimoji="0" lang="en-US" sz="1800" b="0" i="0" u="none" strike="noStrike" kern="0" cap="none" spc="0" normalizeH="0" baseline="0" dirty="0">
-                  <a:ln>
-                    <a:noFill/>
-                  </a:ln>
-                  <a:solidFill>
-                    <a:schemeClr val="bg1"/>
-                  </a:solidFill>
-                  <a:effectLst/>
-                  <a:uLnTx/>
-                  <a:uFillTx/>
-                  <a:ea typeface="Arial Unicode MS" pitchFamily="34" charset="-128"/>
-                  <a:cs typeface="Arial Unicode MS" pitchFamily="34" charset="-128"/>
-                </a:rPr>
-                <a:t>PHP</a:t>
-              </a:r>
-            </a:p>
-          </p:txBody>
-        </p:sp>
-        <p:sp>
-          <p:nvSpPr>
-            <p:cNvPr id="12" name="Rectangle 11"/>
-            <p:cNvSpPr/>
-            <p:nvPr/>
-          </p:nvSpPr>
-          <p:spPr bwMode="gray">
-            <a:xfrm>
-              <a:off x="4920343" y="2091912"/>
-              <a:ext cx="5495108" cy="496389"/>
-            </a:xfrm>
-            <a:prstGeom prst="rect">
-              <a:avLst/>
-            </a:prstGeom>
-            <a:solidFill>
-              <a:schemeClr val="accent1"/>
-            </a:solidFill>
-            <a:ln w="6350" algn="ctr">
-              <a:solidFill>
-                <a:schemeClr val="tx1"/>
-              </a:solidFill>
-              <a:miter lim="800000"/>
-              <a:headEnd/>
-              <a:tailEnd/>
-            </a:ln>
-          </p:spPr>
-          <p:txBody>
-            <a:bodyPr lIns="90000" tIns="72000" rIns="90000" bIns="72000" rtlCol="0" anchor="ctr"/>
-            <a:lstStyle/>
-            <a:p>
-              <a:pPr marR="0" algn="ctr" defTabSz="914400" eaLnBrk="1" fontAlgn="base" latinLnBrk="0" hangingPunct="1">
-                <a:lnSpc>
-                  <a:spcPct val="100000"/>
-                </a:lnSpc>
-                <a:spcBef>
-                  <a:spcPct val="50000"/>
-                </a:spcBef>
-                <a:spcAft>
-                  <a:spcPct val="0"/>
-                </a:spcAft>
-                <a:buClr>
-                  <a:srgbClr val="F0AB00"/>
-                </a:buClr>
-                <a:buSzPct val="80000"/>
-                <a:tabLst/>
-              </a:pPr>
-              <a:r>
-                <a:rPr lang="en-US" sz="1800" b="1" i="1" kern="0" dirty="0">
-                  <a:solidFill>
-                    <a:schemeClr val="accent5">
-                      <a:lumMod val="50000"/>
-                    </a:schemeClr>
-                  </a:solidFill>
-                  <a:ea typeface="Arial Unicode MS" pitchFamily="34" charset="-128"/>
-                  <a:cs typeface="Arial Unicode MS" pitchFamily="34" charset="-128"/>
-                </a:rPr>
-                <a:t>writable layer</a:t>
-              </a:r>
-              <a:endParaRPr kumimoji="0" lang="en-US" sz="1800" b="1" i="1" u="none" strike="noStrike" kern="0" cap="none" spc="0" normalizeH="0" baseline="0" dirty="0">
-                <a:ln>
-                  <a:noFill/>
-                </a:ln>
-                <a:solidFill>
-                  <a:schemeClr val="accent5">
-                    <a:lumMod val="50000"/>
-                  </a:schemeClr>
-                </a:solidFill>
-                <a:effectLst/>
-                <a:uLnTx/>
-                <a:uFillTx/>
-                <a:ea typeface="Arial Unicode MS" pitchFamily="34" charset="-128"/>
-                <a:cs typeface="Arial Unicode MS" pitchFamily="34" charset="-128"/>
-              </a:endParaRPr>
-            </a:p>
-          </p:txBody>
-        </p:sp>
-      </p:grpSp>
-      <p:pic>
-        <p:nvPicPr>
-          <p:cNvPr id="13" name="Picture 12">
-            <a:extLst>
-              <a:ext uri="{FF2B5EF4-FFF2-40B4-BE49-F238E27FC236}">
-                <a16:creationId xmlns:a16="http://schemas.microsoft.com/office/drawing/2014/main" id="{6A465F6D-59EC-4D10-8264-A96FD0F00F9C}"/>
-              </a:ext>
-            </a:extLst>
-          </p:cNvPr>
-          <p:cNvPicPr>
-            <a:picLocks noChangeAspect="1"/>
-          </p:cNvPicPr>
-          <p:nvPr/>
-        </p:nvPicPr>
-        <p:blipFill>
-          <a:blip r:embed="rId3"/>
-          <a:stretch>
-            <a:fillRect/>
-          </a:stretch>
-        </p:blipFill>
-        <p:spPr>
-          <a:xfrm>
-            <a:off x="1061156" y="1622034"/>
-            <a:ext cx="3040795" cy="3896539"/>
-          </a:xfrm>
-          <a:prstGeom prst="rect">
-            <a:avLst/>
-          </a:prstGeom>
-        </p:spPr>
-      </p:pic>
-    </p:spTree>
-    <p:extLst>
-      <p:ext uri="{BB962C8B-B14F-4D97-AF65-F5344CB8AC3E}">
-        <p14:creationId xmlns:p14="http://schemas.microsoft.com/office/powerpoint/2010/main" val="231741727"/>
-      </p:ext>
-    </p:extLst>
-  </p:cSld>
-  <p:clrMapOvr>
-    <a:masterClrMapping/>
-  </p:clrMapOvr>
-</p:sld>
-</file>
-
-<file path=ppt/slides/slide15.xml><?xml version="1.0" encoding="utf-8"?>
-<p:sld xmlns:a="http://schemas.openxmlformats.org/drawingml/2006/main" xmlns:r="http://schemas.openxmlformats.org/officeDocument/2006/relationships" xmlns:p="http://schemas.openxmlformats.org/presentationml/2006/main">
-  <p:cSld>
-    <p:spTree>
-      <p:nvGrpSpPr>
-        <p:cNvPr id="1" name=""/>
-        <p:cNvGrpSpPr/>
-        <p:nvPr/>
-      </p:nvGrpSpPr>
-      <p:grpSpPr>
-        <a:xfrm>
-          <a:off x="0" y="0"/>
-          <a:ext cx="0" cy="0"/>
-          <a:chOff x="0" y="0"/>
-          <a:chExt cx="0" cy="0"/>
-        </a:xfrm>
-      </p:grpSpPr>
-      <p:sp>
-        <p:nvSpPr>
-          <p:cNvPr id="8" name="Rectangle: Rounded Corners 7"/>
-          <p:cNvSpPr/>
-          <p:nvPr/>
-        </p:nvSpPr>
-        <p:spPr bwMode="gray">
-          <a:xfrm>
-            <a:off x="596245" y="4465435"/>
-            <a:ext cx="11001988" cy="1641919"/>
-          </a:xfrm>
-          <a:prstGeom prst="roundRect">
-            <a:avLst>
-              <a:gd name="adj" fmla="val 8296"/>
-            </a:avLst>
-          </a:prstGeom>
-          <a:pattFill prst="narHorz">
-            <a:fgClr>
-              <a:schemeClr val="tx1"/>
-            </a:fgClr>
-            <a:bgClr>
-              <a:srgbClr val="112806"/>
-            </a:bgClr>
-          </a:pattFill>
-          <a:ln w="6350" algn="ctr">
-            <a:noFill/>
-            <a:miter lim="800000"/>
-            <a:headEnd/>
-            <a:tailEnd/>
-          </a:ln>
-        </p:spPr>
-        <p:txBody>
-          <a:bodyPr lIns="90000" tIns="72000" rIns="90000" bIns="72000" rtlCol="0" anchor="t"/>
-          <a:lstStyle/>
-          <a:p>
-            <a:pPr marL="179387" lvl="2" indent="0">
-              <a:buNone/>
-            </a:pPr>
-            <a:r>
-              <a:rPr lang="en-US" sz="1200" b="1" dirty="0">
-                <a:solidFill>
-                  <a:schemeClr val="bg1"/>
-                </a:solidFill>
-                <a:latin typeface="Courier New" panose="02070309020205020404" pitchFamily="49" charset="0"/>
-                <a:cs typeface="Courier New" panose="02070309020205020404" pitchFamily="49" charset="0"/>
-              </a:rPr>
-              <a:t>$ </a:t>
-            </a:r>
-            <a:r>
-              <a:rPr lang="en-US" sz="1200" b="1" dirty="0" err="1">
-                <a:solidFill>
-                  <a:schemeClr val="bg1"/>
-                </a:solidFill>
-                <a:latin typeface="Courier New" panose="02070309020205020404" pitchFamily="49" charset="0"/>
-                <a:cs typeface="Courier New" panose="02070309020205020404" pitchFamily="49" charset="0"/>
-              </a:rPr>
-              <a:t>docker</a:t>
-            </a:r>
-            <a:r>
-              <a:rPr lang="en-US" sz="1200" b="1" dirty="0">
-                <a:solidFill>
-                  <a:schemeClr val="bg1"/>
-                </a:solidFill>
-                <a:latin typeface="Courier New" panose="02070309020205020404" pitchFamily="49" charset="0"/>
-                <a:cs typeface="Courier New" panose="02070309020205020404" pitchFamily="49" charset="0"/>
-              </a:rPr>
-              <a:t> search </a:t>
-            </a:r>
-            <a:r>
-              <a:rPr lang="en-US" sz="1200" b="1" dirty="0" err="1">
-                <a:solidFill>
-                  <a:schemeClr val="bg1"/>
-                </a:solidFill>
-                <a:latin typeface="Courier New" panose="02070309020205020404" pitchFamily="49" charset="0"/>
-                <a:cs typeface="Courier New" panose="02070309020205020404" pitchFamily="49" charset="0"/>
-              </a:rPr>
-              <a:t>busybox</a:t>
-            </a:r>
-            <a:endParaRPr lang="en-US" sz="1200" b="1" dirty="0">
-              <a:solidFill>
-                <a:schemeClr val="bg1"/>
-              </a:solidFill>
-              <a:latin typeface="Courier New" panose="02070309020205020404" pitchFamily="49" charset="0"/>
-              <a:cs typeface="Courier New" panose="02070309020205020404" pitchFamily="49" charset="0"/>
-            </a:endParaRPr>
-          </a:p>
-          <a:p>
-            <a:pPr marL="179387" lvl="2" indent="0">
-              <a:buNone/>
-            </a:pPr>
-            <a:r>
-              <a:rPr lang="en-US" sz="1200" b="1" dirty="0">
-                <a:solidFill>
-                  <a:schemeClr val="bg1"/>
-                </a:solidFill>
-                <a:latin typeface="Arial monospaced for SAP" panose="020B0609020202030204" pitchFamily="49" charset="0"/>
-                <a:cs typeface="Courier New" panose="02070309020205020404" pitchFamily="49" charset="0"/>
-              </a:rPr>
-              <a:t>NAME                        DESCRIPTION                                     STARS     OFFICIAL   AUTOMATED</a:t>
-            </a:r>
-          </a:p>
-          <a:p>
-            <a:pPr marL="179387" lvl="2" indent="0">
-              <a:buNone/>
-            </a:pPr>
-            <a:r>
-              <a:rPr lang="en-US" sz="1200" dirty="0" err="1">
-                <a:solidFill>
-                  <a:schemeClr val="bg1"/>
-                </a:solidFill>
-                <a:latin typeface="Arial monospaced for SAP" panose="020B0609020202030204" pitchFamily="49" charset="0"/>
-                <a:cs typeface="Courier New" panose="02070309020205020404" pitchFamily="49" charset="0"/>
-              </a:rPr>
-              <a:t>busybox</a:t>
-            </a:r>
-            <a:r>
-              <a:rPr lang="en-US" sz="1200" dirty="0">
-                <a:solidFill>
-                  <a:schemeClr val="bg1"/>
-                </a:solidFill>
-                <a:latin typeface="Arial monospaced for SAP" panose="020B0609020202030204" pitchFamily="49" charset="0"/>
-                <a:cs typeface="Courier New" panose="02070309020205020404" pitchFamily="49" charset="0"/>
-              </a:rPr>
-              <a:t>                     </a:t>
-            </a:r>
-            <a:r>
-              <a:rPr lang="en-US" sz="1200" dirty="0" err="1">
-                <a:solidFill>
-                  <a:schemeClr val="bg1"/>
-                </a:solidFill>
-                <a:latin typeface="Arial monospaced for SAP" panose="020B0609020202030204" pitchFamily="49" charset="0"/>
-                <a:cs typeface="Courier New" panose="02070309020205020404" pitchFamily="49" charset="0"/>
-              </a:rPr>
-              <a:t>Busybox</a:t>
-            </a:r>
-            <a:r>
-              <a:rPr lang="en-US" sz="1200" dirty="0">
-                <a:solidFill>
-                  <a:schemeClr val="bg1"/>
-                </a:solidFill>
-                <a:latin typeface="Arial monospaced for SAP" panose="020B0609020202030204" pitchFamily="49" charset="0"/>
-                <a:cs typeface="Courier New" panose="02070309020205020404" pitchFamily="49" charset="0"/>
-              </a:rPr>
-              <a:t> base image.                             1158      [OK]       </a:t>
-            </a:r>
-          </a:p>
-          <a:p>
-            <a:pPr marL="179387" lvl="2" indent="0">
-              <a:buNone/>
-            </a:pPr>
-            <a:r>
-              <a:rPr lang="en-US" sz="1200" dirty="0" err="1">
-                <a:solidFill>
-                  <a:schemeClr val="bg1"/>
-                </a:solidFill>
-                <a:latin typeface="Arial monospaced for SAP" panose="020B0609020202030204" pitchFamily="49" charset="0"/>
-                <a:cs typeface="Courier New" panose="02070309020205020404" pitchFamily="49" charset="0"/>
-              </a:rPr>
-              <a:t>progrium</a:t>
-            </a:r>
-            <a:r>
-              <a:rPr lang="en-US" sz="1200" dirty="0">
-                <a:solidFill>
-                  <a:schemeClr val="bg1"/>
-                </a:solidFill>
-                <a:latin typeface="Arial monospaced for SAP" panose="020B0609020202030204" pitchFamily="49" charset="0"/>
-                <a:cs typeface="Courier New" panose="02070309020205020404" pitchFamily="49" charset="0"/>
-              </a:rPr>
-              <a:t>/</a:t>
-            </a:r>
-            <a:r>
-              <a:rPr lang="en-US" sz="1200" dirty="0" err="1">
-                <a:solidFill>
-                  <a:schemeClr val="bg1"/>
-                </a:solidFill>
-                <a:latin typeface="Arial monospaced for SAP" panose="020B0609020202030204" pitchFamily="49" charset="0"/>
-                <a:cs typeface="Courier New" panose="02070309020205020404" pitchFamily="49" charset="0"/>
-              </a:rPr>
-              <a:t>busybox</a:t>
-            </a:r>
-            <a:r>
-              <a:rPr lang="en-US" sz="1200" dirty="0">
-                <a:solidFill>
-                  <a:schemeClr val="bg1"/>
-                </a:solidFill>
-                <a:latin typeface="Arial monospaced for SAP" panose="020B0609020202030204" pitchFamily="49" charset="0"/>
-                <a:cs typeface="Courier New" panose="02070309020205020404" pitchFamily="49" charset="0"/>
-              </a:rPr>
-              <a:t>                                                            66                   [OK]</a:t>
-            </a:r>
-          </a:p>
-          <a:p>
-            <a:pPr marL="179387" lvl="2" indent="0">
-              <a:buNone/>
-            </a:pPr>
-            <a:r>
-              <a:rPr lang="en-US" sz="1200" dirty="0" err="1">
-                <a:solidFill>
-                  <a:schemeClr val="bg1"/>
-                </a:solidFill>
-                <a:latin typeface="Arial monospaced for SAP" panose="020B0609020202030204" pitchFamily="49" charset="0"/>
-                <a:cs typeface="Courier New" panose="02070309020205020404" pitchFamily="49" charset="0"/>
-              </a:rPr>
-              <a:t>hypriot</a:t>
-            </a:r>
-            <a:r>
-              <a:rPr lang="en-US" sz="1200" dirty="0">
-                <a:solidFill>
-                  <a:schemeClr val="bg1"/>
-                </a:solidFill>
-                <a:latin typeface="Arial monospaced for SAP" panose="020B0609020202030204" pitchFamily="49" charset="0"/>
-                <a:cs typeface="Courier New" panose="02070309020205020404" pitchFamily="49" charset="0"/>
-              </a:rPr>
-              <a:t>/</a:t>
-            </a:r>
-            <a:r>
-              <a:rPr lang="en-US" sz="1200" dirty="0" err="1">
-                <a:solidFill>
-                  <a:schemeClr val="bg1"/>
-                </a:solidFill>
-                <a:latin typeface="Arial monospaced for SAP" panose="020B0609020202030204" pitchFamily="49" charset="0"/>
-                <a:cs typeface="Courier New" panose="02070309020205020404" pitchFamily="49" charset="0"/>
-              </a:rPr>
-              <a:t>rpi-busybox-httpd</a:t>
-            </a:r>
-            <a:r>
-              <a:rPr lang="en-US" sz="1200" dirty="0">
-                <a:solidFill>
-                  <a:schemeClr val="bg1"/>
-                </a:solidFill>
-                <a:latin typeface="Arial monospaced for SAP" panose="020B0609020202030204" pitchFamily="49" charset="0"/>
-                <a:cs typeface="Courier New" panose="02070309020205020404" pitchFamily="49" charset="0"/>
-              </a:rPr>
-              <a:t>   Raspberry Pi compatible Docker Image with ...   39                   </a:t>
-            </a:r>
-          </a:p>
-          <a:p>
-            <a:pPr marL="179387" lvl="2" indent="0">
-              <a:buNone/>
-            </a:pPr>
-            <a:r>
-              <a:rPr lang="en-US" sz="1200" dirty="0">
-                <a:solidFill>
-                  <a:schemeClr val="bg1"/>
-                </a:solidFill>
-                <a:latin typeface="Arial monospaced for SAP" panose="020B0609020202030204" pitchFamily="49" charset="0"/>
-                <a:cs typeface="Courier New" panose="02070309020205020404" pitchFamily="49" charset="0"/>
-              </a:rPr>
-              <a:t>radial/</a:t>
-            </a:r>
-            <a:r>
-              <a:rPr lang="en-US" sz="1200" dirty="0" err="1">
-                <a:solidFill>
-                  <a:schemeClr val="bg1"/>
-                </a:solidFill>
-                <a:latin typeface="Arial monospaced for SAP" panose="020B0609020202030204" pitchFamily="49" charset="0"/>
-                <a:cs typeface="Courier New" panose="02070309020205020404" pitchFamily="49" charset="0"/>
-              </a:rPr>
-              <a:t>busyboxplus</a:t>
-            </a:r>
-            <a:r>
-              <a:rPr lang="en-US" sz="1200" dirty="0">
-                <a:solidFill>
-                  <a:schemeClr val="bg1"/>
-                </a:solidFill>
-                <a:latin typeface="Arial monospaced for SAP" panose="020B0609020202030204" pitchFamily="49" charset="0"/>
-                <a:cs typeface="Courier New" panose="02070309020205020404" pitchFamily="49" charset="0"/>
-              </a:rPr>
-              <a:t>          Full-chain, Internet enabled, </a:t>
-            </a:r>
-            <a:r>
-              <a:rPr lang="en-US" sz="1200" dirty="0" err="1">
-                <a:solidFill>
-                  <a:schemeClr val="bg1"/>
-                </a:solidFill>
-                <a:latin typeface="Arial monospaced for SAP" panose="020B0609020202030204" pitchFamily="49" charset="0"/>
-                <a:cs typeface="Courier New" panose="02070309020205020404" pitchFamily="49" charset="0"/>
-              </a:rPr>
-              <a:t>busybox</a:t>
-            </a:r>
-            <a:r>
-              <a:rPr lang="en-US" sz="1200" dirty="0">
-                <a:solidFill>
-                  <a:schemeClr val="bg1"/>
-                </a:solidFill>
-                <a:latin typeface="Arial monospaced for SAP" panose="020B0609020202030204" pitchFamily="49" charset="0"/>
-                <a:cs typeface="Courier New" panose="02070309020205020404" pitchFamily="49" charset="0"/>
-              </a:rPr>
-              <a:t> made...   17                   [OK]</a:t>
-            </a:r>
-          </a:p>
-          <a:p>
-            <a:pPr marL="179387" lvl="2" indent="0">
-              <a:buNone/>
-            </a:pPr>
-            <a:endParaRPr lang="en-US" sz="1200" dirty="0">
-              <a:solidFill>
-                <a:schemeClr val="bg1"/>
-              </a:solidFill>
-              <a:latin typeface="Arial monospaced for SAP" panose="020B0609020202030204" pitchFamily="49" charset="0"/>
-              <a:cs typeface="Courier New" panose="02070309020205020404" pitchFamily="49" charset="0"/>
-            </a:endParaRPr>
-          </a:p>
-          <a:p>
-            <a:pPr marL="179387" lvl="2" indent="0">
-              <a:buNone/>
-            </a:pPr>
-            <a:r>
-              <a:rPr lang="en-US" sz="1200" b="1" dirty="0">
-                <a:solidFill>
-                  <a:schemeClr val="bg1"/>
-                </a:solidFill>
-                <a:latin typeface="Courier New" panose="02070309020205020404" pitchFamily="49" charset="0"/>
-                <a:cs typeface="Courier New" panose="02070309020205020404" pitchFamily="49" charset="0"/>
-              </a:rPr>
-              <a:t>$</a:t>
-            </a:r>
-          </a:p>
-        </p:txBody>
-      </p:sp>
-      <p:sp>
-        <p:nvSpPr>
-          <p:cNvPr id="2" name="Text Placeholder 1"/>
-          <p:cNvSpPr>
-            <a:spLocks noGrp="1"/>
-          </p:cNvSpPr>
-          <p:nvPr>
-            <p:ph type="body" sz="quarter" idx="10"/>
-          </p:nvPr>
-        </p:nvSpPr>
-        <p:spPr>
-          <a:xfrm>
-            <a:off x="504000" y="1620000"/>
-            <a:ext cx="5328000" cy="2919727"/>
-          </a:xfrm>
-        </p:spPr>
-        <p:txBody>
-          <a:bodyPr/>
-          <a:lstStyle/>
-          <a:p>
-            <a:r>
-              <a:rPr lang="en-US" sz="1800" dirty="0"/>
-              <a:t>Public registries</a:t>
-            </a:r>
-          </a:p>
-          <a:p>
-            <a:pPr lvl="1"/>
-            <a:r>
-              <a:rPr lang="en-US" sz="1600" dirty="0"/>
-              <a:t>Docker Hub </a:t>
-            </a:r>
-            <a:r>
-              <a:rPr lang="en-US" sz="1600" dirty="0">
-                <a:hlinkClick r:id="rId3"/>
-              </a:rPr>
-              <a:t>https://hub.docker.com</a:t>
-            </a:r>
-            <a:endParaRPr lang="en-US" sz="1600" dirty="0"/>
-          </a:p>
-          <a:p>
-            <a:pPr lvl="1"/>
-            <a:r>
-              <a:rPr lang="en-US" sz="1600" dirty="0"/>
-              <a:t>lots of ready-made and official images</a:t>
-            </a:r>
-          </a:p>
-          <a:p>
-            <a:pPr lvl="1"/>
-            <a:r>
-              <a:rPr lang="en-US" sz="1600" dirty="0"/>
-              <a:t>anyone can upload his images </a:t>
-            </a:r>
-          </a:p>
-          <a:p>
-            <a:r>
-              <a:rPr lang="en-US" sz="1800" dirty="0"/>
-              <a:t>Private registries</a:t>
-            </a:r>
-          </a:p>
-          <a:p>
-            <a:pPr lvl="1"/>
-            <a:r>
-              <a:rPr lang="en-US" sz="1600" dirty="0"/>
-              <a:t>Docker Hub </a:t>
-            </a:r>
-            <a:r>
-              <a:rPr lang="en-US" sz="1600" dirty="0">
-                <a:hlinkClick r:id="rId3"/>
-              </a:rPr>
-              <a:t>https://hub.docker.com</a:t>
-            </a:r>
-            <a:endParaRPr lang="en-US" sz="1600" dirty="0"/>
-          </a:p>
-          <a:p>
-            <a:pPr lvl="1"/>
-            <a:r>
-              <a:rPr lang="en-US" sz="1600" dirty="0"/>
-              <a:t>Individual Organizations and projects</a:t>
-            </a:r>
-          </a:p>
-          <a:p>
-            <a:pPr lvl="1"/>
-            <a:r>
-              <a:rPr lang="en-US" sz="1600" dirty="0"/>
-              <a:t>Automated builds</a:t>
-            </a:r>
-            <a:endParaRPr lang="en-US" dirty="0"/>
-          </a:p>
-        </p:txBody>
-      </p:sp>
-      <p:sp>
-        <p:nvSpPr>
-          <p:cNvPr id="3" name="Text Placeholder 2"/>
-          <p:cNvSpPr>
-            <a:spLocks noGrp="1"/>
-          </p:cNvSpPr>
-          <p:nvPr>
-            <p:ph type="body" sz="quarter" idx="11"/>
-          </p:nvPr>
-        </p:nvSpPr>
-        <p:spPr>
-          <a:xfrm>
-            <a:off x="6362477" y="1620000"/>
-            <a:ext cx="5328000" cy="2919727"/>
-          </a:xfrm>
-        </p:spPr>
-        <p:txBody>
-          <a:bodyPr/>
-          <a:lstStyle/>
-          <a:p>
-            <a:r>
-              <a:rPr lang="en-US" sz="1800" dirty="0"/>
-              <a:t>Local private registries</a:t>
-            </a:r>
-          </a:p>
-          <a:p>
-            <a:pPr lvl="1"/>
-            <a:r>
-              <a:rPr lang="en-US" sz="1600" dirty="0"/>
-              <a:t>Runs as a container on any Docker host</a:t>
-            </a:r>
-          </a:p>
-          <a:p>
-            <a:pPr lvl="1"/>
-            <a:r>
-              <a:rPr lang="en-US" sz="1600" dirty="0"/>
-              <a:t>Selected by image tagging</a:t>
-            </a:r>
-          </a:p>
-          <a:p>
-            <a:pPr lvl="1"/>
-            <a:r>
-              <a:rPr lang="en-US" sz="1600" dirty="0"/>
-              <a:t>Local / insecure registries must be explicitly enabled in dockerd configuration</a:t>
-            </a:r>
-          </a:p>
-          <a:p>
-            <a:endParaRPr lang="en-US" dirty="0"/>
-          </a:p>
-        </p:txBody>
-      </p:sp>
-      <p:sp>
-        <p:nvSpPr>
-          <p:cNvPr id="4" name="Title 3"/>
-          <p:cNvSpPr>
-            <a:spLocks noGrp="1"/>
-          </p:cNvSpPr>
-          <p:nvPr>
-            <p:ph type="title"/>
-          </p:nvPr>
-        </p:nvSpPr>
-        <p:spPr/>
-        <p:txBody>
-          <a:bodyPr/>
-          <a:lstStyle/>
-          <a:p>
-            <a:r>
-              <a:rPr lang="en-US" dirty="0"/>
-              <a:t>Registries</a:t>
-            </a:r>
-          </a:p>
-        </p:txBody>
-      </p:sp>
-      <p:pic>
-        <p:nvPicPr>
-          <p:cNvPr id="7" name="Picture 6"/>
-          <p:cNvPicPr>
-            <a:picLocks noChangeAspect="1"/>
-          </p:cNvPicPr>
-          <p:nvPr/>
-        </p:nvPicPr>
-        <p:blipFill>
-          <a:blip r:embed="rId4"/>
-          <a:stretch>
-            <a:fillRect/>
-          </a:stretch>
-        </p:blipFill>
-        <p:spPr>
-          <a:xfrm>
-            <a:off x="4174028" y="1985761"/>
-            <a:ext cx="1032674" cy="1032674"/>
-          </a:xfrm>
-          <a:prstGeom prst="rect">
-            <a:avLst/>
-          </a:prstGeom>
-        </p:spPr>
-      </p:pic>
-    </p:spTree>
-    <p:extLst>
-      <p:ext uri="{BB962C8B-B14F-4D97-AF65-F5344CB8AC3E}">
-        <p14:creationId xmlns:p14="http://schemas.microsoft.com/office/powerpoint/2010/main" val="2561858842"/>
-      </p:ext>
-    </p:extLst>
-  </p:cSld>
-  <p:clrMapOvr>
-    <a:masterClrMapping/>
-  </p:clrMapOvr>
-</p:sld>
-</file>
-
-<file path=ppt/slides/slide16.xml><?xml version="1.0" encoding="utf-8"?>
+<file path=ppt/slides/slide13.xml><?xml version="1.0" encoding="utf-8"?>
 <p:sld xmlns:a="http://schemas.openxmlformats.org/drawingml/2006/main" xmlns:r="http://schemas.openxmlformats.org/officeDocument/2006/relationships" xmlns:p="http://schemas.openxmlformats.org/presentationml/2006/main">
   <p:cSld>
     <p:spTree>
@@ -21153,7 +18751,84 @@
 </p:sld>
 </file>
 
-<file path=ppt/slides/slide17.xml><?xml version="1.0" encoding="utf-8"?>
+<file path=ppt/slides/slide14.xml><?xml version="1.0" encoding="utf-8"?>
+<p:sld xmlns:a="http://schemas.openxmlformats.org/drawingml/2006/main" xmlns:r="http://schemas.openxmlformats.org/officeDocument/2006/relationships" xmlns:p="http://schemas.openxmlformats.org/presentationml/2006/main">
+  <p:cSld>
+    <p:spTree>
+      <p:nvGrpSpPr>
+        <p:cNvPr id="1" name=""/>
+        <p:cNvGrpSpPr/>
+        <p:nvPr/>
+      </p:nvGrpSpPr>
+      <p:grpSpPr>
+        <a:xfrm>
+          <a:off x="0" y="0"/>
+          <a:ext cx="0" cy="0"/>
+          <a:chOff x="0" y="0"/>
+          <a:chExt cx="0" cy="0"/>
+        </a:xfrm>
+      </p:grpSpPr>
+      <p:pic>
+        <p:nvPicPr>
+          <p:cNvPr id="1028" name="Picture 4" descr="Chuck Norris  - I can create a container without docker">
+            <a:extLst>
+              <a:ext uri="{FF2B5EF4-FFF2-40B4-BE49-F238E27FC236}">
+                <a16:creationId xmlns:a16="http://schemas.microsoft.com/office/drawing/2014/main" id="{4EA1C1FA-2576-4192-B1E2-17997F70BDAB}"/>
+              </a:ext>
+            </a:extLst>
+          </p:cNvPr>
+          <p:cNvPicPr>
+            <a:picLocks noChangeAspect="1" noChangeArrowheads="1"/>
+          </p:cNvPicPr>
+          <p:nvPr/>
+        </p:nvPicPr>
+        <p:blipFill>
+          <a:blip r:embed="rId2">
+            <a:extLst>
+              <a:ext uri="{28A0092B-C50C-407E-A947-70E740481C1C}">
+                <a14:useLocalDpi xmlns:a14="http://schemas.microsoft.com/office/drawing/2010/main" val="0"/>
+              </a:ext>
+            </a:extLst>
+          </a:blip>
+          <a:srcRect/>
+          <a:stretch>
+            <a:fillRect/>
+          </a:stretch>
+        </p:blipFill>
+        <p:spPr bwMode="auto">
+          <a:xfrm>
+            <a:off x="2760056" y="688666"/>
+            <a:ext cx="6674365" cy="5704445"/>
+          </a:xfrm>
+          <a:prstGeom prst="rect">
+            <a:avLst/>
+          </a:prstGeom>
+          <a:noFill/>
+          <a:extLst>
+            <a:ext uri="{909E8E84-426E-40DD-AFC4-6F175D3DCCD1}">
+              <a14:hiddenFill xmlns:a14="http://schemas.microsoft.com/office/drawing/2010/main">
+                <a:solidFill>
+                  <a:srgbClr val="FFFFFF"/>
+                </a:solidFill>
+              </a14:hiddenFill>
+            </a:ext>
+          </a:extLst>
+        </p:spPr>
+      </p:pic>
+    </p:spTree>
+    <p:extLst>
+      <p:ext uri="{BB962C8B-B14F-4D97-AF65-F5344CB8AC3E}">
+        <p14:creationId xmlns:p14="http://schemas.microsoft.com/office/powerpoint/2010/main" val="1861928755"/>
+      </p:ext>
+    </p:extLst>
+  </p:cSld>
+  <p:clrMapOvr>
+    <a:masterClrMapping/>
+  </p:clrMapOvr>
+</p:sld>
+</file>
+
+<file path=ppt/slides/slide15.xml><?xml version="1.0" encoding="utf-8"?>
 <p:sld xmlns:a="http://schemas.openxmlformats.org/drawingml/2006/main" xmlns:r="http://schemas.openxmlformats.org/officeDocument/2006/relationships" xmlns:p="http://schemas.openxmlformats.org/presentationml/2006/main">
   <p:cSld>
     <p:spTree>
@@ -21172,7 +18847,13 @@
       </p:grpSpPr>
       <p:sp>
         <p:nvSpPr>
-          <p:cNvPr id="3" name="Title 2"/>
+          <p:cNvPr id="3" name="Title 2">
+            <a:extLst>
+              <a:ext uri="{FF2B5EF4-FFF2-40B4-BE49-F238E27FC236}">
+                <a16:creationId xmlns:a16="http://schemas.microsoft.com/office/drawing/2014/main" id="{8811D6EB-B117-4B54-B408-6A08804E7DC2}"/>
+              </a:ext>
+            </a:extLst>
+          </p:cNvPr>
           <p:cNvSpPr>
             <a:spLocks noGrp="1"/>
           </p:cNvSpPr>
@@ -21186,786 +18867,550 @@
           <a:lstStyle/>
           <a:p>
             <a:r>
-              <a:rPr lang="en-US" dirty="0" err="1"/>
-              <a:t>runC</a:t>
-            </a:r>
-            <a:endParaRPr lang="en-US" dirty="0"/>
+              <a:rPr lang="en-US" dirty="0"/>
+              <a:t>A look into the docker engine</a:t>
+            </a:r>
           </a:p>
         </p:txBody>
       </p:sp>
       <p:sp>
         <p:nvSpPr>
-          <p:cNvPr id="14" name="Text Placeholder 1"/>
-          <p:cNvSpPr txBox="1">
-            <a:spLocks/>
-          </p:cNvSpPr>
+          <p:cNvPr id="4" name="Rectangle: Rounded Corners 3">
+            <a:extLst>
+              <a:ext uri="{FF2B5EF4-FFF2-40B4-BE49-F238E27FC236}">
+                <a16:creationId xmlns:a16="http://schemas.microsoft.com/office/drawing/2014/main" id="{081AAA36-BC08-4696-A7A4-EAFF6279D8F8}"/>
+              </a:ext>
+            </a:extLst>
+          </p:cNvPr>
+          <p:cNvSpPr/>
           <p:nvPr/>
         </p:nvSpPr>
         <p:spPr bwMode="gray">
           <a:xfrm>
-            <a:off x="4641669" y="1670116"/>
-            <a:ext cx="6618514" cy="3938204"/>
+            <a:off x="2414863" y="1351904"/>
+            <a:ext cx="2753248" cy="813917"/>
+          </a:xfrm>
+          <a:prstGeom prst="roundRect">
+            <a:avLst/>
+          </a:prstGeom>
+          <a:solidFill>
+            <a:schemeClr val="accent1"/>
+          </a:solidFill>
+          <a:ln w="6350" algn="ctr">
+            <a:noFill/>
+            <a:miter lim="800000"/>
+            <a:headEnd/>
+            <a:tailEnd/>
+          </a:ln>
+        </p:spPr>
+        <p:txBody>
+          <a:bodyPr lIns="90000" tIns="72000" rIns="90000" bIns="72000" rtlCol="0" anchor="ctr"/>
+          <a:lstStyle/>
+          <a:p>
+            <a:pPr marR="0" algn="ctr" defTabSz="914400" eaLnBrk="1" fontAlgn="base" latinLnBrk="0" hangingPunct="1">
+              <a:lnSpc>
+                <a:spcPct val="100000"/>
+              </a:lnSpc>
+              <a:spcBef>
+                <a:spcPct val="50000"/>
+              </a:spcBef>
+              <a:spcAft>
+                <a:spcPct val="0"/>
+              </a:spcAft>
+              <a:buClr>
+                <a:srgbClr val="F0AB00"/>
+              </a:buClr>
+              <a:buSzPct val="80000"/>
+              <a:tabLst/>
+            </a:pPr>
+            <a:r>
+              <a:rPr kumimoji="0" lang="en-US" sz="1800" b="0" i="0" u="none" strike="noStrike" kern="0" cap="none" spc="0" normalizeH="0" baseline="0" noProof="0" dirty="0" err="1">
+                <a:ln>
+                  <a:noFill/>
+                </a:ln>
+                <a:effectLst/>
+                <a:uLnTx/>
+                <a:uFillTx/>
+                <a:ea typeface="Arial Unicode MS" pitchFamily="34" charset="-128"/>
+                <a:cs typeface="Arial Unicode MS" pitchFamily="34" charset="-128"/>
+              </a:rPr>
+              <a:t>dockerd</a:t>
+            </a:r>
+            <a:r>
+              <a:rPr kumimoji="0" lang="en-US" sz="1800" b="0" i="0" u="none" strike="noStrike" kern="0" cap="none" spc="0" normalizeH="0" baseline="0" noProof="0" dirty="0">
+                <a:ln>
+                  <a:noFill/>
+                </a:ln>
+                <a:effectLst/>
+                <a:uLnTx/>
+                <a:uFillTx/>
+                <a:ea typeface="Arial Unicode MS" pitchFamily="34" charset="-128"/>
+                <a:cs typeface="Arial Unicode MS" pitchFamily="34" charset="-128"/>
+              </a:rPr>
+              <a:t> </a:t>
+            </a:r>
+          </a:p>
+        </p:txBody>
+      </p:sp>
+      <p:sp>
+        <p:nvSpPr>
+          <p:cNvPr id="6" name="Rectangle: Rounded Corners 5">
+            <a:extLst>
+              <a:ext uri="{FF2B5EF4-FFF2-40B4-BE49-F238E27FC236}">
+                <a16:creationId xmlns:a16="http://schemas.microsoft.com/office/drawing/2014/main" id="{4B4B64A7-7586-47C7-AE20-37620FE37E73}"/>
+              </a:ext>
+            </a:extLst>
+          </p:cNvPr>
+          <p:cNvSpPr/>
+          <p:nvPr/>
+        </p:nvSpPr>
+        <p:spPr bwMode="gray">
+          <a:xfrm>
+            <a:off x="2414863" y="2508739"/>
+            <a:ext cx="2753248" cy="813917"/>
+          </a:xfrm>
+          <a:prstGeom prst="roundRect">
+            <a:avLst/>
+          </a:prstGeom>
+          <a:ln>
+            <a:headEnd/>
+            <a:tailEnd/>
+          </a:ln>
+        </p:spPr>
+        <p:style>
+          <a:lnRef idx="2">
+            <a:schemeClr val="accent6">
+              <a:shade val="50000"/>
+            </a:schemeClr>
+          </a:lnRef>
+          <a:fillRef idx="1">
+            <a:schemeClr val="accent6"/>
+          </a:fillRef>
+          <a:effectRef idx="0">
+            <a:schemeClr val="accent6"/>
+          </a:effectRef>
+          <a:fontRef idx="minor">
+            <a:schemeClr val="lt1"/>
+          </a:fontRef>
+        </p:style>
+        <p:txBody>
+          <a:bodyPr lIns="90000" tIns="72000" rIns="90000" bIns="72000" rtlCol="0" anchor="ctr"/>
+          <a:lstStyle/>
+          <a:p>
+            <a:pPr marR="0" algn="ctr" defTabSz="914400" eaLnBrk="1" fontAlgn="base" latinLnBrk="0" hangingPunct="1">
+              <a:lnSpc>
+                <a:spcPct val="100000"/>
+              </a:lnSpc>
+              <a:spcBef>
+                <a:spcPct val="50000"/>
+              </a:spcBef>
+              <a:spcAft>
+                <a:spcPct val="0"/>
+              </a:spcAft>
+              <a:buClr>
+                <a:srgbClr val="F0AB00"/>
+              </a:buClr>
+              <a:buSzPct val="80000"/>
+              <a:tabLst/>
+            </a:pPr>
+            <a:r>
+              <a:rPr kumimoji="0" lang="en-US" sz="1800" b="0" i="0" u="none" strike="noStrike" kern="0" cap="none" spc="0" normalizeH="0" baseline="0" noProof="0" dirty="0" err="1">
+                <a:ln>
+                  <a:noFill/>
+                </a:ln>
+                <a:effectLst/>
+                <a:uLnTx/>
+                <a:uFillTx/>
+                <a:ea typeface="Arial Unicode MS" pitchFamily="34" charset="-128"/>
+                <a:cs typeface="Arial Unicode MS" pitchFamily="34" charset="-128"/>
+              </a:rPr>
+              <a:t>containerd</a:t>
+            </a:r>
+            <a:endParaRPr kumimoji="0" lang="en-US" sz="1800" b="0" i="0" u="none" strike="noStrike" kern="0" cap="none" spc="0" normalizeH="0" baseline="0" noProof="0" dirty="0">
+              <a:ln>
+                <a:noFill/>
+              </a:ln>
+              <a:effectLst/>
+              <a:uLnTx/>
+              <a:uFillTx/>
+              <a:ea typeface="Arial Unicode MS" pitchFamily="34" charset="-128"/>
+              <a:cs typeface="Arial Unicode MS" pitchFamily="34" charset="-128"/>
+            </a:endParaRPr>
+          </a:p>
+        </p:txBody>
+      </p:sp>
+      <p:pic>
+        <p:nvPicPr>
+          <p:cNvPr id="10" name="Graphic 9" descr="Typewriter">
+            <a:extLst>
+              <a:ext uri="{FF2B5EF4-FFF2-40B4-BE49-F238E27FC236}">
+                <a16:creationId xmlns:a16="http://schemas.microsoft.com/office/drawing/2014/main" id="{BE07B35B-E132-4D23-86CB-976CBC3229BF}"/>
+              </a:ext>
+            </a:extLst>
+          </p:cNvPr>
+          <p:cNvPicPr>
+            <a:picLocks noChangeAspect="1"/>
+          </p:cNvPicPr>
+          <p:nvPr/>
+        </p:nvPicPr>
+        <p:blipFill>
+          <a:blip r:embed="rId3">
+            <a:extLst>
+              <a:ext uri="{96DAC541-7B7A-43D3-8B79-37D633B846F1}">
+                <asvg:svgBlip xmlns:asvg="http://schemas.microsoft.com/office/drawing/2016/SVG/main" r:embed="rId4"/>
+              </a:ext>
+            </a:extLst>
+          </a:blip>
+          <a:stretch>
+            <a:fillRect/>
+          </a:stretch>
+        </p:blipFill>
+        <p:spPr>
+          <a:xfrm>
+            <a:off x="492186" y="1301662"/>
+            <a:ext cx="914400" cy="914400"/>
           </a:xfrm>
           <a:prstGeom prst="rect">
             <a:avLst/>
           </a:prstGeom>
         </p:spPr>
+      </p:pic>
+      <p:sp>
+        <p:nvSpPr>
+          <p:cNvPr id="8" name="Rectangle: Rounded Corners 7">
+            <a:extLst>
+              <a:ext uri="{FF2B5EF4-FFF2-40B4-BE49-F238E27FC236}">
+                <a16:creationId xmlns:a16="http://schemas.microsoft.com/office/drawing/2014/main" id="{A229B4D0-5002-4453-AA2A-43C0E68904AA}"/>
+              </a:ext>
+            </a:extLst>
+          </p:cNvPr>
+          <p:cNvSpPr/>
+          <p:nvPr/>
+        </p:nvSpPr>
+        <p:spPr bwMode="gray">
+          <a:xfrm>
+            <a:off x="545869" y="4588748"/>
+            <a:ext cx="1969478" cy="415332"/>
+          </a:xfrm>
+          <a:prstGeom prst="roundRect">
+            <a:avLst/>
+          </a:prstGeom>
+          <a:ln>
+            <a:headEnd/>
+            <a:tailEnd/>
+          </a:ln>
+        </p:spPr>
+        <p:style>
+          <a:lnRef idx="2">
+            <a:schemeClr val="accent5">
+              <a:shade val="50000"/>
+            </a:schemeClr>
+          </a:lnRef>
+          <a:fillRef idx="1">
+            <a:schemeClr val="accent5"/>
+          </a:fillRef>
+          <a:effectRef idx="0">
+            <a:schemeClr val="accent5"/>
+          </a:effectRef>
+          <a:fontRef idx="minor">
+            <a:schemeClr val="lt1"/>
+          </a:fontRef>
+        </p:style>
         <p:txBody>
-          <a:bodyPr vert="horz" lIns="0" tIns="0" rIns="0" bIns="0" rtlCol="0">
-            <a:noAutofit/>
-          </a:bodyPr>
-          <a:lstStyle>
-            <a:lvl1pPr marL="0" indent="0" algn="l" defTabSz="1088558" rtl="0" eaLnBrk="1" latinLnBrk="0" hangingPunct="1">
+          <a:bodyPr lIns="90000" tIns="72000" rIns="90000" bIns="72000" rtlCol="0" anchor="ctr"/>
+          <a:lstStyle/>
+          <a:p>
+            <a:pPr marR="0" algn="ctr" defTabSz="914400" eaLnBrk="1" fontAlgn="base" latinLnBrk="0" hangingPunct="1">
+              <a:lnSpc>
+                <a:spcPct val="100000"/>
+              </a:lnSpc>
               <a:spcBef>
-                <a:spcPts val="1800"/>
+                <a:spcPct val="50000"/>
               </a:spcBef>
+              <a:spcAft>
+                <a:spcPct val="0"/>
+              </a:spcAft>
               <a:buClr>
-                <a:schemeClr val="accent1"/>
+                <a:srgbClr val="F0AB00"/>
               </a:buClr>
               <a:buSzPct val="80000"/>
-              <a:buFontTx/>
-              <a:buNone/>
-              <a:defRPr sz="2000" b="0" kern="1200">
-                <a:solidFill>
-                  <a:schemeClr val="tx1"/>
-                </a:solidFill>
-                <a:latin typeface="+mn-lt"/>
-                <a:ea typeface="+mn-ea"/>
-                <a:cs typeface="+mn-cs"/>
-              </a:defRPr>
-            </a:lvl1pPr>
-            <a:lvl2pPr marL="179964" indent="-179964" algn="l" defTabSz="1088558" rtl="0" eaLnBrk="1" latinLnBrk="0" hangingPunct="1">
-              <a:spcBef>
-                <a:spcPts val="600"/>
-              </a:spcBef>
-              <a:buClr>
-                <a:schemeClr val="accent1"/>
-              </a:buClr>
-              <a:buSzPct val="100000"/>
-              <a:buFont typeface="Wingdings" pitchFamily="2" charset="2"/>
-              <a:buChar char="§"/>
-              <a:defRPr sz="1800" kern="1200">
-                <a:solidFill>
-                  <a:schemeClr val="tx1"/>
-                </a:solidFill>
-                <a:latin typeface="+mn-lt"/>
-                <a:ea typeface="+mn-ea"/>
-                <a:cs typeface="+mn-cs"/>
-              </a:defRPr>
-            </a:lvl2pPr>
-            <a:lvl3pPr marL="358775" indent="-179388" algn="l" defTabSz="1088558" rtl="0" eaLnBrk="1" latinLnBrk="0" hangingPunct="1">
-              <a:spcBef>
-                <a:spcPts val="300"/>
-              </a:spcBef>
-              <a:buClr>
-                <a:schemeClr val="tx1"/>
-              </a:buClr>
-              <a:buSzPct val="100000"/>
-              <a:buFont typeface="Arial" panose="020B0604020202020204" pitchFamily="34" charset="0"/>
-              <a:buChar char="–"/>
-              <a:defRPr lang="en-US" sz="1800" kern="1200" noProof="0" dirty="0" smtClean="0">
-                <a:solidFill>
-                  <a:schemeClr val="tx1"/>
-                </a:solidFill>
-                <a:latin typeface="+mn-lt"/>
-                <a:ea typeface="+mn-ea"/>
-                <a:cs typeface="+mn-cs"/>
-              </a:defRPr>
-            </a:lvl3pPr>
-            <a:lvl4pPr marL="539892" indent="-179964" algn="l" defTabSz="1088558" rtl="0" eaLnBrk="1" latinLnBrk="0" hangingPunct="1">
-              <a:spcBef>
-                <a:spcPts val="300"/>
-              </a:spcBef>
-              <a:buClr>
-                <a:schemeClr val="tx1"/>
-              </a:buClr>
-              <a:buSzPct val="120000"/>
-              <a:buFont typeface="Arial" pitchFamily="34" charset="0"/>
-              <a:buChar char="▫"/>
-              <a:defRPr sz="1600" kern="1200">
-                <a:solidFill>
-                  <a:schemeClr val="tx1"/>
-                </a:solidFill>
-                <a:latin typeface="+mn-lt"/>
-                <a:ea typeface="+mn-ea"/>
-                <a:cs typeface="+mn-cs"/>
-              </a:defRPr>
-            </a:lvl4pPr>
-            <a:lvl5pPr marL="719856" indent="-179964" algn="l" defTabSz="1088558" rtl="0" eaLnBrk="1" latinLnBrk="0" hangingPunct="1">
-              <a:spcBef>
-                <a:spcPts val="100"/>
-              </a:spcBef>
-              <a:buClr>
-                <a:schemeClr val="tx1"/>
-              </a:buClr>
-              <a:buSzPct val="100000"/>
-              <a:buFont typeface="Symbol" panose="05050102010706020507" pitchFamily="18" charset="2"/>
-              <a:buChar char="-"/>
-              <a:defRPr sz="1400" kern="1200" baseline="0">
-                <a:solidFill>
-                  <a:schemeClr val="tx1"/>
-                </a:solidFill>
-                <a:latin typeface="+mn-lt"/>
-                <a:ea typeface="+mn-ea"/>
-                <a:cs typeface="+mn-cs"/>
-              </a:defRPr>
-            </a:lvl5pPr>
-            <a:lvl6pPr marL="2993535" indent="-272140" algn="l" defTabSz="1088558" rtl="0" eaLnBrk="1" latinLnBrk="0" hangingPunct="1">
-              <a:spcBef>
-                <a:spcPct val="20000"/>
-              </a:spcBef>
-              <a:buFont typeface="Arial" pitchFamily="34" charset="0"/>
-              <a:buChar char="•"/>
-              <a:defRPr sz="2400" kern="1200">
-                <a:solidFill>
-                  <a:schemeClr val="tx1"/>
-                </a:solidFill>
-                <a:latin typeface="+mn-lt"/>
-                <a:ea typeface="+mn-ea"/>
-                <a:cs typeface="+mn-cs"/>
-              </a:defRPr>
-            </a:lvl6pPr>
-            <a:lvl7pPr marL="3537814" indent="-272140" algn="l" defTabSz="1088558" rtl="0" eaLnBrk="1" latinLnBrk="0" hangingPunct="1">
-              <a:spcBef>
-                <a:spcPct val="20000"/>
-              </a:spcBef>
-              <a:buFont typeface="Arial" pitchFamily="34" charset="0"/>
-              <a:buChar char="•"/>
-              <a:defRPr sz="2400" kern="1200">
-                <a:solidFill>
-                  <a:schemeClr val="tx1"/>
-                </a:solidFill>
-                <a:latin typeface="+mn-lt"/>
-                <a:ea typeface="+mn-ea"/>
-                <a:cs typeface="+mn-cs"/>
-              </a:defRPr>
-            </a:lvl7pPr>
-            <a:lvl8pPr marL="4082093" indent="-272140" algn="l" defTabSz="1088558" rtl="0" eaLnBrk="1" latinLnBrk="0" hangingPunct="1">
-              <a:spcBef>
-                <a:spcPct val="20000"/>
-              </a:spcBef>
-              <a:buFont typeface="Arial" pitchFamily="34" charset="0"/>
-              <a:buChar char="•"/>
-              <a:defRPr sz="2400" kern="1200">
-                <a:solidFill>
-                  <a:schemeClr val="tx1"/>
-                </a:solidFill>
-                <a:latin typeface="+mn-lt"/>
-                <a:ea typeface="+mn-ea"/>
-                <a:cs typeface="+mn-cs"/>
-              </a:defRPr>
-            </a:lvl8pPr>
-            <a:lvl9pPr marL="4626373" indent="-272140" algn="l" defTabSz="1088558" rtl="0" eaLnBrk="1" latinLnBrk="0" hangingPunct="1">
-              <a:spcBef>
-                <a:spcPct val="20000"/>
-              </a:spcBef>
-              <a:buFont typeface="Arial" pitchFamily="34" charset="0"/>
-              <a:buChar char="•"/>
-              <a:defRPr sz="2400" kern="1200">
-                <a:solidFill>
-                  <a:schemeClr val="tx1"/>
-                </a:solidFill>
-                <a:latin typeface="+mn-lt"/>
-                <a:ea typeface="+mn-ea"/>
-                <a:cs typeface="+mn-cs"/>
-              </a:defRPr>
-            </a:lvl9pPr>
-          </a:lstStyle>
-          <a:p>
-            <a:r>
-              <a:rPr lang="en-US" sz="1800" dirty="0"/>
-              <a:t>runC is the bed on which containers run</a:t>
-            </a:r>
-          </a:p>
-          <a:p>
-            <a:pPr lvl="1"/>
-            <a:r>
-              <a:rPr lang="en-US" sz="1600" dirty="0"/>
-              <a:t>Infrastructure plumbing</a:t>
-            </a:r>
-          </a:p>
-          <a:p>
-            <a:pPr lvl="2"/>
-            <a:r>
-              <a:rPr lang="en-US" sz="1600" dirty="0"/>
-              <a:t>Setup of Linux kernel features (namespaces, cgroups, </a:t>
-            </a:r>
-            <a:r>
-              <a:rPr lang="en-US" sz="1600" dirty="0" err="1"/>
-              <a:t>etc</a:t>
-            </a:r>
-            <a:r>
-              <a:rPr lang="en-US" sz="1600" dirty="0"/>
-              <a:t>…)</a:t>
-            </a:r>
-          </a:p>
-          <a:p>
-            <a:pPr lvl="2"/>
-            <a:r>
-              <a:rPr lang="en-US" sz="1600" dirty="0"/>
-              <a:t>Managing the network routing</a:t>
-            </a:r>
-          </a:p>
-          <a:p>
-            <a:pPr lvl="1"/>
-            <a:r>
-              <a:rPr lang="en-US" sz="1600" dirty="0"/>
-              <a:t>Spun out of dockerd in 2015</a:t>
-            </a:r>
-          </a:p>
-          <a:p>
-            <a:pPr lvl="1"/>
-            <a:r>
-              <a:rPr lang="en-US" sz="1600" dirty="0"/>
-              <a:t>Implements the OCI container standard</a:t>
-            </a:r>
-          </a:p>
-          <a:p>
-            <a:endParaRPr lang="en-US" sz="1800" dirty="0"/>
-          </a:p>
-          <a:p>
-            <a:r>
-              <a:rPr lang="en-US" sz="1800" dirty="0"/>
-              <a:t>runC, Docker… what?</a:t>
-            </a:r>
-          </a:p>
-          <a:p>
-            <a:pPr lvl="1"/>
-            <a:r>
-              <a:rPr lang="en-US" sz="1600" dirty="0"/>
-              <a:t>runC only sets up and runs the containers as instructed by Docker</a:t>
-            </a:r>
-          </a:p>
-          <a:p>
-            <a:pPr lvl="1"/>
-            <a:r>
-              <a:rPr lang="en-US" sz="1600" dirty="0"/>
-              <a:t>runC does not know anything about images, registries, etc.</a:t>
-            </a:r>
-          </a:p>
-          <a:p>
-            <a:pPr lvl="1"/>
-            <a:r>
-              <a:rPr lang="en-US" sz="1600" dirty="0"/>
-              <a:t>runC can be used in different container platforms, not just Docker</a:t>
-            </a:r>
-          </a:p>
-        </p:txBody>
-      </p:sp>
-      <p:grpSp>
-        <p:nvGrpSpPr>
-          <p:cNvPr id="20" name="Group 19"/>
-          <p:cNvGrpSpPr/>
-          <p:nvPr/>
-        </p:nvGrpSpPr>
-        <p:grpSpPr>
-          <a:xfrm>
-            <a:off x="781359" y="1498665"/>
-            <a:ext cx="2828071" cy="3938205"/>
-            <a:chOff x="733734" y="1670115"/>
-            <a:chExt cx="2828071" cy="3938205"/>
-          </a:xfrm>
-        </p:grpSpPr>
-        <p:sp>
-          <p:nvSpPr>
-            <p:cNvPr id="5" name="Rectangle 4"/>
-            <p:cNvSpPr/>
-            <p:nvPr/>
-          </p:nvSpPr>
-          <p:spPr bwMode="gray">
-            <a:xfrm>
-              <a:off x="733734" y="4531917"/>
-              <a:ext cx="2828069" cy="1076403"/>
-            </a:xfrm>
-            <a:prstGeom prst="rect">
-              <a:avLst/>
-            </a:prstGeom>
-            <a:gradFill>
-              <a:gsLst>
-                <a:gs pos="39000">
-                  <a:schemeClr val="tx2">
-                    <a:lumMod val="25000"/>
-                  </a:schemeClr>
-                </a:gs>
-                <a:gs pos="95000">
-                  <a:schemeClr val="bg1"/>
-                </a:gs>
-              </a:gsLst>
-              <a:lin ang="5400000" scaled="1"/>
-            </a:gradFill>
-            <a:ln w="6350" algn="ctr">
-              <a:gradFill flip="none" rotWithShape="1">
-                <a:gsLst>
-                  <a:gs pos="0">
-                    <a:schemeClr val="tx1"/>
-                  </a:gs>
-                  <a:gs pos="76000">
-                    <a:schemeClr val="bg1"/>
-                  </a:gs>
-                </a:gsLst>
-                <a:lin ang="5400000" scaled="1"/>
-                <a:tileRect/>
-              </a:gradFill>
-              <a:miter lim="800000"/>
-              <a:headEnd/>
-              <a:tailEnd/>
-            </a:ln>
-          </p:spPr>
-          <p:txBody>
-            <a:bodyPr lIns="90000" tIns="72000" rIns="90000" bIns="72000" rtlCol="0" anchor="ctr"/>
-            <a:lstStyle/>
-            <a:p>
-              <a:pPr marR="0" algn="ctr" defTabSz="914400" eaLnBrk="1" fontAlgn="base" latinLnBrk="0" hangingPunct="1">
-                <a:lnSpc>
-                  <a:spcPct val="100000"/>
-                </a:lnSpc>
-                <a:spcBef>
-                  <a:spcPct val="50000"/>
-                </a:spcBef>
-                <a:spcAft>
-                  <a:spcPct val="0"/>
-                </a:spcAft>
-                <a:buClr>
-                  <a:srgbClr val="F0AB00"/>
-                </a:buClr>
-                <a:buSzPct val="80000"/>
-                <a:tabLst/>
-              </a:pPr>
-              <a:endParaRPr kumimoji="0" lang="en-US" sz="1800" b="0" i="0" u="none" strike="noStrike" kern="0" cap="none" spc="0" normalizeH="0" baseline="0" dirty="0">
+              <a:tabLst/>
+            </a:pPr>
+            <a:r>
+              <a:rPr kumimoji="0" lang="en-US" sz="1800" b="0" i="0" u="none" strike="noStrike" kern="0" cap="none" spc="0" normalizeH="0" baseline="0" noProof="0" dirty="0" err="1">
                 <a:ln>
                   <a:noFill/>
                 </a:ln>
-                <a:solidFill>
-                  <a:schemeClr val="bg1"/>
-                </a:solidFill>
                 <a:effectLst/>
                 <a:uLnTx/>
                 <a:uFillTx/>
                 <a:ea typeface="Arial Unicode MS" pitchFamily="34" charset="-128"/>
                 <a:cs typeface="Arial Unicode MS" pitchFamily="34" charset="-128"/>
-              </a:endParaRPr>
-            </a:p>
-          </p:txBody>
-        </p:sp>
-        <p:sp>
-          <p:nvSpPr>
-            <p:cNvPr id="6" name="Rectangle 5"/>
-            <p:cNvSpPr/>
-            <p:nvPr/>
-          </p:nvSpPr>
-          <p:spPr bwMode="gray">
-            <a:xfrm>
-              <a:off x="824145" y="4622203"/>
-              <a:ext cx="2641961" cy="689000"/>
-            </a:xfrm>
-            <a:prstGeom prst="rect">
-              <a:avLst/>
-            </a:prstGeom>
-            <a:gradFill>
-              <a:gsLst>
-                <a:gs pos="25000">
-                  <a:schemeClr val="accent6">
-                    <a:lumMod val="75000"/>
-                  </a:schemeClr>
-                </a:gs>
-                <a:gs pos="100000">
-                  <a:srgbClr val="D1B9CC"/>
-                </a:gs>
-              </a:gsLst>
-              <a:lin ang="5400000" scaled="1"/>
-            </a:gradFill>
-            <a:ln w="6350" algn="ctr">
-              <a:gradFill flip="none" rotWithShape="1">
-                <a:gsLst>
-                  <a:gs pos="40000">
-                    <a:schemeClr val="tx1"/>
-                  </a:gs>
-                  <a:gs pos="100000">
-                    <a:schemeClr val="tx2">
-                      <a:lumMod val="90000"/>
-                    </a:schemeClr>
-                  </a:gs>
-                </a:gsLst>
-                <a:lin ang="5400000" scaled="1"/>
-                <a:tileRect/>
-              </a:gradFill>
-              <a:miter lim="800000"/>
-              <a:headEnd/>
-              <a:tailEnd/>
-            </a:ln>
-          </p:spPr>
-          <p:txBody>
-            <a:bodyPr lIns="90000" tIns="72000" rIns="90000" bIns="72000" rtlCol="0" anchor="ctr"/>
-            <a:lstStyle/>
-            <a:p>
-              <a:pPr marR="0" algn="ctr" defTabSz="914400" eaLnBrk="1" fontAlgn="base" latinLnBrk="0" hangingPunct="1">
-                <a:lnSpc>
-                  <a:spcPct val="100000"/>
-                </a:lnSpc>
-                <a:spcBef>
-                  <a:spcPct val="50000"/>
-                </a:spcBef>
-                <a:spcAft>
-                  <a:spcPct val="0"/>
-                </a:spcAft>
-                <a:buClr>
-                  <a:srgbClr val="F0AB00"/>
-                </a:buClr>
-                <a:buSzPct val="80000"/>
-                <a:tabLst/>
-              </a:pPr>
-              <a:r>
-                <a:rPr kumimoji="0" lang="en-US" sz="1800" b="0" i="0" u="none" strike="noStrike" kern="0" cap="none" spc="0" normalizeH="0" baseline="0" dirty="0">
-                  <a:ln>
-                    <a:noFill/>
-                  </a:ln>
-                  <a:solidFill>
-                    <a:schemeClr val="bg1"/>
-                  </a:solidFill>
-                  <a:effectLst/>
-                  <a:uLnTx/>
-                  <a:uFillTx/>
-                  <a:ea typeface="Arial Unicode MS" pitchFamily="34" charset="-128"/>
-                  <a:cs typeface="Arial Unicode MS" pitchFamily="34" charset="-128"/>
-                </a:rPr>
-                <a:t>Host</a:t>
-              </a:r>
-              <a:r>
-                <a:rPr kumimoji="0" lang="en-US" sz="1800" b="0" i="0" u="none" strike="noStrike" kern="0" cap="none" spc="0" normalizeH="0" dirty="0">
-                  <a:ln>
-                    <a:noFill/>
-                  </a:ln>
-                  <a:solidFill>
-                    <a:schemeClr val="bg1"/>
-                  </a:solidFill>
-                  <a:effectLst/>
-                  <a:uLnTx/>
-                  <a:uFillTx/>
-                  <a:ea typeface="Arial Unicode MS" pitchFamily="34" charset="-128"/>
-                  <a:cs typeface="Arial Unicode MS" pitchFamily="34" charset="-128"/>
-                </a:rPr>
-                <a:t> OS</a:t>
-              </a:r>
-              <a:endParaRPr kumimoji="0" lang="en-US" sz="1800" b="0" i="0" u="none" strike="noStrike" kern="0" cap="none" spc="0" normalizeH="0" baseline="0" dirty="0">
+              </a:rPr>
+              <a:t>runc</a:t>
+            </a:r>
+            <a:endParaRPr kumimoji="0" lang="en-US" sz="1800" b="0" i="0" u="none" strike="noStrike" kern="0" cap="none" spc="0" normalizeH="0" baseline="0" noProof="0" dirty="0">
+              <a:ln>
+                <a:noFill/>
+              </a:ln>
+              <a:effectLst/>
+              <a:uLnTx/>
+              <a:uFillTx/>
+              <a:ea typeface="Arial Unicode MS" pitchFamily="34" charset="-128"/>
+              <a:cs typeface="Arial Unicode MS" pitchFamily="34" charset="-128"/>
+            </a:endParaRPr>
+          </a:p>
+        </p:txBody>
+      </p:sp>
+      <p:sp>
+        <p:nvSpPr>
+          <p:cNvPr id="15" name="Rectangle: Rounded Corners 14">
+            <a:extLst>
+              <a:ext uri="{FF2B5EF4-FFF2-40B4-BE49-F238E27FC236}">
+                <a16:creationId xmlns:a16="http://schemas.microsoft.com/office/drawing/2014/main" id="{E5BDF676-B09C-45FD-BC01-C685E50685DF}"/>
+              </a:ext>
+            </a:extLst>
+          </p:cNvPr>
+          <p:cNvSpPr/>
+          <p:nvPr/>
+        </p:nvSpPr>
+        <p:spPr bwMode="gray">
+          <a:xfrm>
+            <a:off x="545869" y="4097652"/>
+            <a:ext cx="1969478" cy="415332"/>
+          </a:xfrm>
+          <a:prstGeom prst="roundRect">
+            <a:avLst/>
+          </a:prstGeom>
+          <a:ln>
+            <a:headEnd/>
+            <a:tailEnd/>
+          </a:ln>
+        </p:spPr>
+        <p:style>
+          <a:lnRef idx="1">
+            <a:schemeClr val="accent6"/>
+          </a:lnRef>
+          <a:fillRef idx="2">
+            <a:schemeClr val="accent6"/>
+          </a:fillRef>
+          <a:effectRef idx="1">
+            <a:schemeClr val="accent6"/>
+          </a:effectRef>
+          <a:fontRef idx="minor">
+            <a:schemeClr val="dk1"/>
+          </a:fontRef>
+        </p:style>
+        <p:txBody>
+          <a:bodyPr lIns="90000" tIns="72000" rIns="90000" bIns="72000" rtlCol="0" anchor="ctr"/>
+          <a:lstStyle/>
+          <a:p>
+            <a:pPr marR="0" algn="ctr" defTabSz="914400" eaLnBrk="1" fontAlgn="base" latinLnBrk="0" hangingPunct="1">
+              <a:lnSpc>
+                <a:spcPct val="100000"/>
+              </a:lnSpc>
+              <a:spcBef>
+                <a:spcPct val="50000"/>
+              </a:spcBef>
+              <a:spcAft>
+                <a:spcPct val="0"/>
+              </a:spcAft>
+              <a:buClr>
+                <a:srgbClr val="F0AB00"/>
+              </a:buClr>
+              <a:buSzPct val="80000"/>
+              <a:tabLst/>
+            </a:pPr>
+            <a:r>
+              <a:rPr kumimoji="0" lang="en-US" sz="1800" b="0" i="0" u="none" strike="noStrike" kern="0" cap="none" spc="0" normalizeH="0" baseline="0" noProof="0" dirty="0" err="1">
                 <a:ln>
                   <a:noFill/>
                 </a:ln>
-                <a:solidFill>
-                  <a:schemeClr val="bg1"/>
-                </a:solidFill>
                 <a:effectLst/>
                 <a:uLnTx/>
                 <a:uFillTx/>
                 <a:ea typeface="Arial Unicode MS" pitchFamily="34" charset="-128"/>
                 <a:cs typeface="Arial Unicode MS" pitchFamily="34" charset="-128"/>
-              </a:endParaRPr>
-            </a:p>
-          </p:txBody>
-        </p:sp>
-        <p:sp>
-          <p:nvSpPr>
-            <p:cNvPr id="9" name="Rectangle 8"/>
-            <p:cNvSpPr/>
-            <p:nvPr/>
-          </p:nvSpPr>
-          <p:spPr bwMode="gray">
-            <a:xfrm>
-              <a:off x="733736" y="1881941"/>
-              <a:ext cx="2828069" cy="2496077"/>
-            </a:xfrm>
-            <a:prstGeom prst="rect">
-              <a:avLst/>
-            </a:prstGeom>
-            <a:gradFill flip="none" rotWithShape="1">
-              <a:gsLst>
-                <a:gs pos="56000">
-                  <a:schemeClr val="accent2">
-                    <a:lumMod val="75000"/>
-                  </a:schemeClr>
-                </a:gs>
-                <a:gs pos="98000">
-                  <a:schemeClr val="bg1"/>
-                </a:gs>
-              </a:gsLst>
-              <a:lin ang="16200000" scaled="1"/>
-              <a:tileRect/>
-            </a:gradFill>
-            <a:ln w="6350" algn="ctr">
-              <a:gradFill flip="none" rotWithShape="1">
-                <a:gsLst>
-                  <a:gs pos="0">
-                    <a:schemeClr val="tx1"/>
-                  </a:gs>
-                  <a:gs pos="100000">
-                    <a:schemeClr val="bg1"/>
-                  </a:gs>
-                </a:gsLst>
-                <a:lin ang="16200000" scaled="1"/>
-                <a:tileRect/>
-              </a:gradFill>
-              <a:miter lim="800000"/>
-              <a:headEnd/>
-              <a:tailEnd/>
-            </a:ln>
-          </p:spPr>
-          <p:txBody>
-            <a:bodyPr lIns="90000" tIns="72000" rIns="90000" bIns="72000" rtlCol="0" anchor="t" anchorCtr="0"/>
-            <a:lstStyle/>
-            <a:p>
-              <a:pPr marR="0" algn="ctr" defTabSz="914400" eaLnBrk="1" fontAlgn="base" latinLnBrk="0" hangingPunct="1">
-                <a:lnSpc>
-                  <a:spcPct val="100000"/>
-                </a:lnSpc>
-                <a:spcBef>
-                  <a:spcPct val="50000"/>
-                </a:spcBef>
-                <a:spcAft>
-                  <a:spcPct val="0"/>
-                </a:spcAft>
-                <a:buClr>
-                  <a:srgbClr val="F0AB00"/>
-                </a:buClr>
-                <a:buSzPct val="80000"/>
-                <a:tabLst/>
-              </a:pPr>
-              <a:endParaRPr kumimoji="0" lang="en-US" sz="1600" b="0" i="0" u="none" strike="noStrike" kern="0" cap="none" spc="0" normalizeH="0" baseline="0" dirty="0">
+              </a:rPr>
+              <a:t>containerd</a:t>
+            </a:r>
+            <a:r>
+              <a:rPr kumimoji="0" lang="en-US" sz="1800" b="0" i="0" u="none" strike="noStrike" kern="0" cap="none" spc="0" normalizeH="0" baseline="0" noProof="0" dirty="0">
                 <a:ln>
                   <a:noFill/>
                 </a:ln>
-                <a:solidFill>
-                  <a:schemeClr val="bg1"/>
-                </a:solidFill>
                 <a:effectLst/>
                 <a:uLnTx/>
                 <a:uFillTx/>
                 <a:ea typeface="Arial Unicode MS" pitchFamily="34" charset="-128"/>
                 <a:cs typeface="Arial Unicode MS" pitchFamily="34" charset="-128"/>
-              </a:endParaRPr>
-            </a:p>
-          </p:txBody>
-        </p:sp>
-        <p:sp>
-          <p:nvSpPr>
-            <p:cNvPr id="10" name="Rectangle 9"/>
-            <p:cNvSpPr/>
-            <p:nvPr/>
-          </p:nvSpPr>
-          <p:spPr bwMode="gray">
-            <a:xfrm>
-              <a:off x="822771" y="1881939"/>
-              <a:ext cx="910236" cy="2420657"/>
-            </a:xfrm>
-            <a:prstGeom prst="rect">
-              <a:avLst/>
-            </a:prstGeom>
-            <a:gradFill>
-              <a:gsLst>
-                <a:gs pos="37000">
-                  <a:schemeClr val="accent3">
-                    <a:lumMod val="50000"/>
-                  </a:schemeClr>
-                </a:gs>
-                <a:gs pos="100000">
-                  <a:schemeClr val="bg1"/>
-                </a:gs>
-              </a:gsLst>
-              <a:lin ang="16200000" scaled="1"/>
-            </a:gradFill>
-            <a:ln w="6350" algn="ctr">
-              <a:gradFill flip="none" rotWithShape="1">
-                <a:gsLst>
-                  <a:gs pos="51000">
-                    <a:schemeClr val="tx1"/>
-                  </a:gs>
-                  <a:gs pos="100000">
-                    <a:schemeClr val="bg1"/>
-                  </a:gs>
-                </a:gsLst>
-                <a:lin ang="16200000" scaled="1"/>
-                <a:tileRect/>
-              </a:gradFill>
-              <a:miter lim="800000"/>
-              <a:headEnd/>
-              <a:tailEnd/>
-            </a:ln>
-          </p:spPr>
-          <p:txBody>
-            <a:bodyPr vert="vert270" lIns="90000" tIns="72000" rIns="90000" bIns="72000" rtlCol="0" anchor="ctr"/>
-            <a:lstStyle/>
-            <a:p>
-              <a:pPr marR="0" algn="r" defTabSz="914400" eaLnBrk="1" fontAlgn="base" latinLnBrk="0" hangingPunct="1">
-                <a:lnSpc>
-                  <a:spcPct val="100000"/>
-                </a:lnSpc>
-                <a:spcBef>
-                  <a:spcPct val="50000"/>
-                </a:spcBef>
-                <a:spcAft>
-                  <a:spcPct val="0"/>
-                </a:spcAft>
-                <a:buClr>
-                  <a:srgbClr val="F0AB00"/>
-                </a:buClr>
-                <a:buSzPct val="80000"/>
-                <a:tabLst/>
-              </a:pPr>
-              <a:r>
-                <a:rPr kumimoji="0" lang="en-US" sz="1400" b="0" i="0" u="none" strike="noStrike" kern="0" cap="none" spc="0" normalizeH="0" baseline="0" dirty="0">
-                  <a:ln>
-                    <a:noFill/>
-                  </a:ln>
-                  <a:solidFill>
-                    <a:schemeClr val="bg1"/>
-                  </a:solidFill>
-                  <a:effectLst/>
-                  <a:uLnTx/>
-                  <a:uFillTx/>
-                  <a:ea typeface="Arial Unicode MS" pitchFamily="34" charset="-128"/>
-                  <a:cs typeface="Arial Unicode MS" pitchFamily="34" charset="-128"/>
-                </a:rPr>
-                <a:t>dock</a:t>
-              </a:r>
-              <a:endParaRPr kumimoji="0" lang="en-US" sz="1600" b="0" i="0" u="none" strike="noStrike" kern="0" cap="none" spc="0" normalizeH="0" baseline="0" dirty="0">
+              </a:rPr>
+              <a:t>-shim</a:t>
+            </a:r>
+          </a:p>
+        </p:txBody>
+      </p:sp>
+      <p:sp>
+        <p:nvSpPr>
+          <p:cNvPr id="16" name="Rectangle: Rounded Corners 15">
+            <a:extLst>
+              <a:ext uri="{FF2B5EF4-FFF2-40B4-BE49-F238E27FC236}">
+                <a16:creationId xmlns:a16="http://schemas.microsoft.com/office/drawing/2014/main" id="{BB011E5D-064B-40C2-BB1F-7BBF8C345CCC}"/>
+              </a:ext>
+            </a:extLst>
+          </p:cNvPr>
+          <p:cNvSpPr/>
+          <p:nvPr/>
+        </p:nvSpPr>
+        <p:spPr bwMode="gray">
+          <a:xfrm>
+            <a:off x="2808422" y="4588748"/>
+            <a:ext cx="1969478" cy="415332"/>
+          </a:xfrm>
+          <a:prstGeom prst="roundRect">
+            <a:avLst/>
+          </a:prstGeom>
+          <a:ln>
+            <a:headEnd/>
+            <a:tailEnd/>
+          </a:ln>
+        </p:spPr>
+        <p:style>
+          <a:lnRef idx="2">
+            <a:schemeClr val="accent5">
+              <a:shade val="50000"/>
+            </a:schemeClr>
+          </a:lnRef>
+          <a:fillRef idx="1">
+            <a:schemeClr val="accent5"/>
+          </a:fillRef>
+          <a:effectRef idx="0">
+            <a:schemeClr val="accent5"/>
+          </a:effectRef>
+          <a:fontRef idx="minor">
+            <a:schemeClr val="lt1"/>
+          </a:fontRef>
+        </p:style>
+        <p:txBody>
+          <a:bodyPr lIns="90000" tIns="72000" rIns="90000" bIns="72000" rtlCol="0" anchor="ctr"/>
+          <a:lstStyle/>
+          <a:p>
+            <a:pPr marR="0" algn="ctr" defTabSz="914400" eaLnBrk="1" fontAlgn="base" latinLnBrk="0" hangingPunct="1">
+              <a:lnSpc>
+                <a:spcPct val="100000"/>
+              </a:lnSpc>
+              <a:spcBef>
+                <a:spcPct val="50000"/>
+              </a:spcBef>
+              <a:spcAft>
+                <a:spcPct val="0"/>
+              </a:spcAft>
+              <a:buClr>
+                <a:srgbClr val="F0AB00"/>
+              </a:buClr>
+              <a:buSzPct val="80000"/>
+              <a:tabLst/>
+            </a:pPr>
+            <a:r>
+              <a:rPr kumimoji="0" lang="en-US" sz="1800" b="0" i="0" u="none" strike="noStrike" kern="0" cap="none" spc="0" normalizeH="0" baseline="0" noProof="0" dirty="0" err="1">
                 <a:ln>
                   <a:noFill/>
                 </a:ln>
-                <a:solidFill>
-                  <a:schemeClr val="bg1"/>
-                </a:solidFill>
                 <a:effectLst/>
                 <a:uLnTx/>
                 <a:uFillTx/>
                 <a:ea typeface="Arial Unicode MS" pitchFamily="34" charset="-128"/>
                 <a:cs typeface="Arial Unicode MS" pitchFamily="34" charset="-128"/>
-              </a:endParaRPr>
-            </a:p>
-          </p:txBody>
-        </p:sp>
-        <p:sp>
-          <p:nvSpPr>
-            <p:cNvPr id="7" name="Arrow: Down 6"/>
-            <p:cNvSpPr/>
-            <p:nvPr/>
-          </p:nvSpPr>
-          <p:spPr bwMode="gray">
-            <a:xfrm>
-              <a:off x="1889761" y="4224236"/>
-              <a:ext cx="1576344" cy="494408"/>
-            </a:xfrm>
-            <a:prstGeom prst="downArrow">
-              <a:avLst>
-                <a:gd name="adj1" fmla="val 50000"/>
-                <a:gd name="adj2" fmla="val 38537"/>
-              </a:avLst>
-            </a:prstGeom>
-            <a:solidFill>
-              <a:srgbClr val="FFFF99"/>
-            </a:solidFill>
-            <a:ln w="6350" algn="ctr">
-              <a:solidFill>
-                <a:schemeClr val="tx1"/>
-              </a:solidFill>
-              <a:miter lim="800000"/>
-              <a:headEnd/>
-              <a:tailEnd/>
-            </a:ln>
-          </p:spPr>
-          <p:txBody>
-            <a:bodyPr lIns="90000" tIns="72000" rIns="90000" bIns="72000" rtlCol="0" anchor="ctr"/>
-            <a:lstStyle/>
-            <a:p>
-              <a:pPr marR="0" algn="ctr" defTabSz="914400" eaLnBrk="1" fontAlgn="base" latinLnBrk="0" hangingPunct="1">
-                <a:lnSpc>
-                  <a:spcPct val="100000"/>
-                </a:lnSpc>
-                <a:spcBef>
-                  <a:spcPct val="50000"/>
-                </a:spcBef>
-                <a:spcAft>
-                  <a:spcPct val="0"/>
-                </a:spcAft>
-                <a:buClr>
-                  <a:srgbClr val="F0AB00"/>
-                </a:buClr>
-                <a:buSzPct val="80000"/>
-                <a:tabLst/>
-              </a:pPr>
-              <a:endParaRPr kumimoji="0" lang="en-US" sz="1800" b="0" i="0" u="none" strike="noStrike" kern="0" cap="none" spc="0" normalizeH="0" baseline="0" dirty="0">
+              </a:rPr>
+              <a:t>runc</a:t>
+            </a:r>
+            <a:endParaRPr kumimoji="0" lang="en-US" sz="1800" b="0" i="0" u="none" strike="noStrike" kern="0" cap="none" spc="0" normalizeH="0" baseline="0" noProof="0" dirty="0">
+              <a:ln>
+                <a:noFill/>
+              </a:ln>
+              <a:effectLst/>
+              <a:uLnTx/>
+              <a:uFillTx/>
+              <a:ea typeface="Arial Unicode MS" pitchFamily="34" charset="-128"/>
+              <a:cs typeface="Arial Unicode MS" pitchFamily="34" charset="-128"/>
+            </a:endParaRPr>
+          </a:p>
+        </p:txBody>
+      </p:sp>
+      <p:sp>
+        <p:nvSpPr>
+          <p:cNvPr id="17" name="Rectangle: Rounded Corners 16">
+            <a:extLst>
+              <a:ext uri="{FF2B5EF4-FFF2-40B4-BE49-F238E27FC236}">
+                <a16:creationId xmlns:a16="http://schemas.microsoft.com/office/drawing/2014/main" id="{04D605F0-A0BE-4A4B-AB1F-B52F7BD470FB}"/>
+              </a:ext>
+            </a:extLst>
+          </p:cNvPr>
+          <p:cNvSpPr/>
+          <p:nvPr/>
+        </p:nvSpPr>
+        <p:spPr bwMode="gray">
+          <a:xfrm>
+            <a:off x="2808422" y="4097652"/>
+            <a:ext cx="1969478" cy="415332"/>
+          </a:xfrm>
+          <a:prstGeom prst="roundRect">
+            <a:avLst/>
+          </a:prstGeom>
+          <a:ln>
+            <a:headEnd/>
+            <a:tailEnd/>
+          </a:ln>
+        </p:spPr>
+        <p:style>
+          <a:lnRef idx="1">
+            <a:schemeClr val="accent6"/>
+          </a:lnRef>
+          <a:fillRef idx="2">
+            <a:schemeClr val="accent6"/>
+          </a:fillRef>
+          <a:effectRef idx="1">
+            <a:schemeClr val="accent6"/>
+          </a:effectRef>
+          <a:fontRef idx="minor">
+            <a:schemeClr val="dk1"/>
+          </a:fontRef>
+        </p:style>
+        <p:txBody>
+          <a:bodyPr lIns="90000" tIns="72000" rIns="90000" bIns="72000" rtlCol="0" anchor="ctr"/>
+          <a:lstStyle/>
+          <a:p>
+            <a:pPr marR="0" algn="ctr" defTabSz="914400" eaLnBrk="1" fontAlgn="base" latinLnBrk="0" hangingPunct="1">
+              <a:lnSpc>
+                <a:spcPct val="100000"/>
+              </a:lnSpc>
+              <a:spcBef>
+                <a:spcPct val="50000"/>
+              </a:spcBef>
+              <a:spcAft>
+                <a:spcPct val="0"/>
+              </a:spcAft>
+              <a:buClr>
+                <a:srgbClr val="F0AB00"/>
+              </a:buClr>
+              <a:buSzPct val="80000"/>
+              <a:tabLst/>
+            </a:pPr>
+            <a:r>
+              <a:rPr kumimoji="0" lang="en-US" sz="1800" b="0" i="0" u="none" strike="noStrike" kern="0" cap="none" spc="0" normalizeH="0" baseline="0" noProof="0" dirty="0" err="1">
                 <a:ln>
                   <a:noFill/>
                 </a:ln>
-                <a:solidFill>
-                  <a:schemeClr val="bg1"/>
-                </a:solidFill>
                 <a:effectLst/>
                 <a:uLnTx/>
                 <a:uFillTx/>
                 <a:ea typeface="Arial Unicode MS" pitchFamily="34" charset="-128"/>
                 <a:cs typeface="Arial Unicode MS" pitchFamily="34" charset="-128"/>
-              </a:endParaRPr>
-            </a:p>
-          </p:txBody>
-        </p:sp>
-        <p:sp>
-          <p:nvSpPr>
-            <p:cNvPr id="11" name="Rectangle 10"/>
-            <p:cNvSpPr/>
-            <p:nvPr/>
-          </p:nvSpPr>
-          <p:spPr bwMode="gray">
-            <a:xfrm>
-              <a:off x="1889761" y="3617812"/>
-              <a:ext cx="1576346" cy="684783"/>
-            </a:xfrm>
-            <a:prstGeom prst="rect">
-              <a:avLst/>
-            </a:prstGeom>
-            <a:solidFill>
-              <a:srgbClr val="FFFF00"/>
-            </a:solidFill>
-            <a:ln w="6350" algn="ctr">
-              <a:solidFill>
-                <a:schemeClr val="tx1"/>
-              </a:solidFill>
-              <a:miter lim="800000"/>
-              <a:headEnd/>
-              <a:tailEnd/>
-            </a:ln>
-          </p:spPr>
-          <p:txBody>
-            <a:bodyPr lIns="90000" tIns="72000" rIns="90000" bIns="72000" rtlCol="0" anchor="ctr"/>
-            <a:lstStyle/>
-            <a:p>
-              <a:pPr marR="0" algn="ctr" defTabSz="914400" eaLnBrk="1" fontAlgn="base" latinLnBrk="0" hangingPunct="1">
-                <a:lnSpc>
-                  <a:spcPct val="100000"/>
-                </a:lnSpc>
-                <a:spcBef>
-                  <a:spcPct val="50000"/>
-                </a:spcBef>
-                <a:spcAft>
-                  <a:spcPct val="0"/>
-                </a:spcAft>
-                <a:buClr>
-                  <a:srgbClr val="F0AB00"/>
-                </a:buClr>
-                <a:buSzPct val="80000"/>
-                <a:tabLst/>
-              </a:pPr>
-              <a:r>
-                <a:rPr kumimoji="0" lang="en-US" sz="1800" b="1" i="0" u="none" strike="noStrike" kern="0" cap="none" spc="0" normalizeH="0" baseline="0" noProof="0" dirty="0" err="1">
-                  <a:ln>
-                    <a:noFill/>
-                  </a:ln>
-                  <a:effectLst/>
-                  <a:uLnTx/>
-                  <a:uFillTx/>
-                  <a:ea typeface="Arial Unicode MS" pitchFamily="34" charset="-128"/>
-                  <a:cs typeface="Arial Unicode MS" pitchFamily="34" charset="-128"/>
-                </a:rPr>
-                <a:t>runC</a:t>
-              </a:r>
-              <a:endParaRPr kumimoji="0" lang="en-US" sz="1800" b="1" i="0" u="none" strike="noStrike" kern="0" cap="none" spc="0" normalizeH="0" baseline="0" noProof="0" dirty="0">
+              </a:rPr>
+              <a:t>containerd</a:t>
+            </a:r>
+            <a:r>
+              <a:rPr kumimoji="0" lang="en-US" sz="1800" b="0" i="0" u="none" strike="noStrike" kern="0" cap="none" spc="0" normalizeH="0" baseline="0" noProof="0" dirty="0">
                 <a:ln>
                   <a:noFill/>
                 </a:ln>
@@ -21974,259 +19419,996 @@
                 <a:uFillTx/>
                 <a:ea typeface="Arial Unicode MS" pitchFamily="34" charset="-128"/>
                 <a:cs typeface="Arial Unicode MS" pitchFamily="34" charset="-128"/>
-              </a:endParaRPr>
-            </a:p>
-          </p:txBody>
-        </p:sp>
-        <p:sp>
-          <p:nvSpPr>
-            <p:cNvPr id="17" name="Rectangle 16"/>
-            <p:cNvSpPr/>
-            <p:nvPr/>
-          </p:nvSpPr>
-          <p:spPr bwMode="gray">
-            <a:xfrm>
-              <a:off x="1889761" y="1670115"/>
-              <a:ext cx="1576344" cy="1889771"/>
-            </a:xfrm>
-            <a:prstGeom prst="rect">
-              <a:avLst/>
-            </a:prstGeom>
-            <a:gradFill>
-              <a:gsLst>
-                <a:gs pos="38000">
-                  <a:schemeClr val="accent5">
-                    <a:lumMod val="75000"/>
-                    <a:alpha val="65000"/>
-                  </a:schemeClr>
-                </a:gs>
-                <a:gs pos="88000">
-                  <a:schemeClr val="bg1"/>
-                </a:gs>
-              </a:gsLst>
-              <a:lin ang="16200000" scaled="1"/>
-            </a:gradFill>
-            <a:ln w="6350" algn="ctr">
-              <a:gradFill flip="none" rotWithShape="1">
-                <a:gsLst>
-                  <a:gs pos="41000">
-                    <a:schemeClr val="tx1"/>
-                  </a:gs>
-                  <a:gs pos="86000">
-                    <a:schemeClr val="bg1"/>
-                  </a:gs>
-                </a:gsLst>
-                <a:lin ang="16200000" scaled="1"/>
-                <a:tileRect/>
-              </a:gradFill>
-              <a:miter lim="800000"/>
-              <a:headEnd/>
-              <a:tailEnd/>
-            </a:ln>
-          </p:spPr>
-          <p:txBody>
-            <a:bodyPr lIns="90000" tIns="72000" rIns="90000" bIns="72000" rtlCol="0" anchor="ctr"/>
-            <a:lstStyle/>
-            <a:p>
-              <a:pPr marR="0" algn="ctr" defTabSz="914400" eaLnBrk="1" fontAlgn="base" latinLnBrk="0" hangingPunct="1">
-                <a:lnSpc>
-                  <a:spcPct val="100000"/>
-                </a:lnSpc>
-                <a:spcBef>
-                  <a:spcPct val="50000"/>
-                </a:spcBef>
-                <a:spcAft>
-                  <a:spcPct val="0"/>
-                </a:spcAft>
-                <a:buClr>
-                  <a:srgbClr val="F0AB00"/>
-                </a:buClr>
-                <a:buSzPct val="80000"/>
-                <a:tabLst/>
-              </a:pPr>
-              <a:endParaRPr kumimoji="0" lang="en-US" sz="1800" b="0" i="0" u="none" strike="noStrike" kern="0" cap="none" spc="0" normalizeH="0" baseline="0" dirty="0">
+              </a:rPr>
+              <a:t>-shim</a:t>
+            </a:r>
+          </a:p>
+        </p:txBody>
+      </p:sp>
+      <p:sp>
+        <p:nvSpPr>
+          <p:cNvPr id="18" name="Rectangle: Rounded Corners 17">
+            <a:extLst>
+              <a:ext uri="{FF2B5EF4-FFF2-40B4-BE49-F238E27FC236}">
+                <a16:creationId xmlns:a16="http://schemas.microsoft.com/office/drawing/2014/main" id="{F8C51FB3-C049-45BB-94CC-23330008AEA3}"/>
+              </a:ext>
+            </a:extLst>
+          </p:cNvPr>
+          <p:cNvSpPr/>
+          <p:nvPr/>
+        </p:nvSpPr>
+        <p:spPr bwMode="gray">
+          <a:xfrm>
+            <a:off x="5070975" y="4588748"/>
+            <a:ext cx="1969478" cy="415332"/>
+          </a:xfrm>
+          <a:prstGeom prst="roundRect">
+            <a:avLst/>
+          </a:prstGeom>
+          <a:ln>
+            <a:headEnd/>
+            <a:tailEnd/>
+          </a:ln>
+        </p:spPr>
+        <p:style>
+          <a:lnRef idx="2">
+            <a:schemeClr val="accent5">
+              <a:shade val="50000"/>
+            </a:schemeClr>
+          </a:lnRef>
+          <a:fillRef idx="1">
+            <a:schemeClr val="accent5"/>
+          </a:fillRef>
+          <a:effectRef idx="0">
+            <a:schemeClr val="accent5"/>
+          </a:effectRef>
+          <a:fontRef idx="minor">
+            <a:schemeClr val="lt1"/>
+          </a:fontRef>
+        </p:style>
+        <p:txBody>
+          <a:bodyPr lIns="90000" tIns="72000" rIns="90000" bIns="72000" rtlCol="0" anchor="ctr"/>
+          <a:lstStyle/>
+          <a:p>
+            <a:pPr marR="0" algn="ctr" defTabSz="914400" eaLnBrk="1" fontAlgn="base" latinLnBrk="0" hangingPunct="1">
+              <a:lnSpc>
+                <a:spcPct val="100000"/>
+              </a:lnSpc>
+              <a:spcBef>
+                <a:spcPct val="50000"/>
+              </a:spcBef>
+              <a:spcAft>
+                <a:spcPct val="0"/>
+              </a:spcAft>
+              <a:buClr>
+                <a:srgbClr val="F0AB00"/>
+              </a:buClr>
+              <a:buSzPct val="80000"/>
+              <a:tabLst/>
+            </a:pPr>
+            <a:r>
+              <a:rPr kumimoji="0" lang="en-US" sz="1800" b="0" i="0" u="none" strike="noStrike" kern="0" cap="none" spc="0" normalizeH="0" baseline="0" noProof="0" dirty="0" err="1">
                 <a:ln>
                   <a:noFill/>
                 </a:ln>
-                <a:solidFill>
-                  <a:schemeClr val="bg1"/>
-                </a:solidFill>
                 <a:effectLst/>
                 <a:uLnTx/>
                 <a:uFillTx/>
                 <a:ea typeface="Arial Unicode MS" pitchFamily="34" charset="-128"/>
                 <a:cs typeface="Arial Unicode MS" pitchFamily="34" charset="-128"/>
-              </a:endParaRPr>
-            </a:p>
-          </p:txBody>
-        </p:sp>
-        <p:sp>
-          <p:nvSpPr>
-            <p:cNvPr id="18" name="Rectangle 17"/>
-            <p:cNvSpPr/>
-            <p:nvPr/>
-          </p:nvSpPr>
-          <p:spPr bwMode="gray">
-            <a:xfrm>
-              <a:off x="1975109" y="2789157"/>
-              <a:ext cx="1416484" cy="675777"/>
-            </a:xfrm>
-            <a:prstGeom prst="rect">
-              <a:avLst/>
-            </a:prstGeom>
-            <a:solidFill>
-              <a:srgbClr val="4A59A6">
-                <a:alpha val="77000"/>
-              </a:srgbClr>
-            </a:solidFill>
-            <a:ln w="6350" algn="ctr">
-              <a:solidFill>
-                <a:schemeClr val="tx1"/>
-              </a:solidFill>
-              <a:miter lim="800000"/>
-              <a:headEnd/>
-              <a:tailEnd/>
-            </a:ln>
-          </p:spPr>
-          <p:txBody>
-            <a:bodyPr lIns="90000" tIns="72000" rIns="90000" bIns="72000" rtlCol="0" anchor="ctr"/>
-            <a:lstStyle/>
-            <a:p>
-              <a:pPr marR="0" algn="ctr" defTabSz="914400" eaLnBrk="1" fontAlgn="base" latinLnBrk="0" hangingPunct="1">
-                <a:lnSpc>
-                  <a:spcPct val="100000"/>
-                </a:lnSpc>
-                <a:spcBef>
-                  <a:spcPct val="50000"/>
-                </a:spcBef>
-                <a:spcAft>
-                  <a:spcPct val="0"/>
-                </a:spcAft>
-                <a:buClr>
-                  <a:srgbClr val="F0AB00"/>
-                </a:buClr>
-                <a:buSzPct val="80000"/>
-                <a:tabLst/>
-              </a:pPr>
-              <a:r>
-                <a:rPr kumimoji="0" lang="en-US" sz="1200" b="0" i="0" u="none" strike="noStrike" kern="0" cap="none" spc="0" normalizeH="0" baseline="0" dirty="0">
-                  <a:ln>
-                    <a:noFill/>
-                  </a:ln>
-                  <a:solidFill>
-                    <a:schemeClr val="bg1"/>
-                  </a:solidFill>
-                  <a:effectLst/>
-                  <a:uLnTx/>
-                  <a:uFillTx/>
-                  <a:ea typeface="Arial Unicode MS" pitchFamily="34" charset="-128"/>
-                  <a:cs typeface="Arial Unicode MS" pitchFamily="34" charset="-128"/>
-                </a:rPr>
-                <a:t>Libs</a:t>
-              </a:r>
-              <a:endParaRPr kumimoji="0" lang="en-US" sz="1400" b="0" i="0" u="none" strike="noStrike" kern="0" cap="none" spc="0" normalizeH="0" baseline="0" dirty="0">
+              </a:rPr>
+              <a:t>runc</a:t>
+            </a:r>
+            <a:endParaRPr kumimoji="0" lang="en-US" sz="1800" b="0" i="0" u="none" strike="noStrike" kern="0" cap="none" spc="0" normalizeH="0" baseline="0" noProof="0" dirty="0">
+              <a:ln>
+                <a:noFill/>
+              </a:ln>
+              <a:effectLst/>
+              <a:uLnTx/>
+              <a:uFillTx/>
+              <a:ea typeface="Arial Unicode MS" pitchFamily="34" charset="-128"/>
+              <a:cs typeface="Arial Unicode MS" pitchFamily="34" charset="-128"/>
+            </a:endParaRPr>
+          </a:p>
+        </p:txBody>
+      </p:sp>
+      <p:sp>
+        <p:nvSpPr>
+          <p:cNvPr id="19" name="Rectangle: Rounded Corners 18">
+            <a:extLst>
+              <a:ext uri="{FF2B5EF4-FFF2-40B4-BE49-F238E27FC236}">
+                <a16:creationId xmlns:a16="http://schemas.microsoft.com/office/drawing/2014/main" id="{0F51D164-0018-45E2-B68D-511CB155680D}"/>
+              </a:ext>
+            </a:extLst>
+          </p:cNvPr>
+          <p:cNvSpPr/>
+          <p:nvPr/>
+        </p:nvSpPr>
+        <p:spPr bwMode="gray">
+          <a:xfrm>
+            <a:off x="5070975" y="4097652"/>
+            <a:ext cx="1969478" cy="415332"/>
+          </a:xfrm>
+          <a:prstGeom prst="roundRect">
+            <a:avLst/>
+          </a:prstGeom>
+          <a:ln>
+            <a:headEnd/>
+            <a:tailEnd/>
+          </a:ln>
+        </p:spPr>
+        <p:style>
+          <a:lnRef idx="1">
+            <a:schemeClr val="accent6"/>
+          </a:lnRef>
+          <a:fillRef idx="2">
+            <a:schemeClr val="accent6"/>
+          </a:fillRef>
+          <a:effectRef idx="1">
+            <a:schemeClr val="accent6"/>
+          </a:effectRef>
+          <a:fontRef idx="minor">
+            <a:schemeClr val="dk1"/>
+          </a:fontRef>
+        </p:style>
+        <p:txBody>
+          <a:bodyPr lIns="90000" tIns="72000" rIns="90000" bIns="72000" rtlCol="0" anchor="ctr"/>
+          <a:lstStyle/>
+          <a:p>
+            <a:pPr marR="0" algn="ctr" defTabSz="914400" eaLnBrk="1" fontAlgn="base" latinLnBrk="0" hangingPunct="1">
+              <a:lnSpc>
+                <a:spcPct val="100000"/>
+              </a:lnSpc>
+              <a:spcBef>
+                <a:spcPct val="50000"/>
+              </a:spcBef>
+              <a:spcAft>
+                <a:spcPct val="0"/>
+              </a:spcAft>
+              <a:buClr>
+                <a:srgbClr val="F0AB00"/>
+              </a:buClr>
+              <a:buSzPct val="80000"/>
+              <a:tabLst/>
+            </a:pPr>
+            <a:r>
+              <a:rPr kumimoji="0" lang="en-US" sz="1800" b="0" i="0" u="none" strike="noStrike" kern="0" cap="none" spc="0" normalizeH="0" baseline="0" noProof="0" dirty="0" err="1">
                 <a:ln>
                   <a:noFill/>
                 </a:ln>
-                <a:solidFill>
-                  <a:schemeClr val="bg1"/>
-                </a:solidFill>
                 <a:effectLst/>
                 <a:uLnTx/>
                 <a:uFillTx/>
                 <a:ea typeface="Arial Unicode MS" pitchFamily="34" charset="-128"/>
                 <a:cs typeface="Arial Unicode MS" pitchFamily="34" charset="-128"/>
-              </a:endParaRPr>
-            </a:p>
-          </p:txBody>
-        </p:sp>
-        <p:sp>
-          <p:nvSpPr>
-            <p:cNvPr id="19" name="Rectangle 18"/>
-            <p:cNvSpPr/>
-            <p:nvPr/>
-          </p:nvSpPr>
-          <p:spPr bwMode="gray">
-            <a:xfrm>
-              <a:off x="1975109" y="1728042"/>
-              <a:ext cx="1416484" cy="980026"/>
-            </a:xfrm>
-            <a:prstGeom prst="rect">
-              <a:avLst/>
-            </a:prstGeom>
-            <a:gradFill>
-              <a:gsLst>
-                <a:gs pos="7000">
-                  <a:schemeClr val="accent1">
-                    <a:lumMod val="75000"/>
-                    <a:alpha val="94000"/>
-                  </a:schemeClr>
-                </a:gs>
-                <a:gs pos="84000">
-                  <a:schemeClr val="bg1"/>
-                </a:gs>
-              </a:gsLst>
-              <a:lin ang="16200000" scaled="1"/>
-            </a:gradFill>
-            <a:ln w="6350" algn="ctr">
-              <a:gradFill flip="none" rotWithShape="1">
-                <a:gsLst>
-                  <a:gs pos="0">
-                    <a:schemeClr val="tx1"/>
-                  </a:gs>
-                  <a:gs pos="84000">
-                    <a:schemeClr val="bg1"/>
-                  </a:gs>
-                </a:gsLst>
-                <a:lin ang="16200000" scaled="1"/>
-                <a:tileRect/>
-              </a:gradFill>
-              <a:miter lim="800000"/>
-              <a:headEnd/>
-              <a:tailEnd/>
-            </a:ln>
-          </p:spPr>
-          <p:txBody>
-            <a:bodyPr lIns="90000" tIns="72000" rIns="90000" bIns="72000" rtlCol="0" anchor="ctr"/>
-            <a:lstStyle/>
-            <a:p>
-              <a:pPr algn="ctr" defTabSz="914400" fontAlgn="base">
-                <a:spcBef>
-                  <a:spcPct val="50000"/>
-                </a:spcBef>
-                <a:spcAft>
-                  <a:spcPct val="0"/>
-                </a:spcAft>
-                <a:buClr>
-                  <a:srgbClr val="F0AB00"/>
-                </a:buClr>
-                <a:buSzPct val="80000"/>
-              </a:pPr>
-              <a:r>
-                <a:rPr lang="en-US" sz="1200" kern="0" dirty="0">
-                  <a:solidFill>
-                    <a:schemeClr val="bg1"/>
-                  </a:solidFill>
-                  <a:ea typeface="Arial Unicode MS" pitchFamily="34" charset="-128"/>
-                  <a:cs typeface="Arial Unicode MS" pitchFamily="34" charset="-128"/>
-                </a:rPr>
-                <a:t>nginx</a:t>
-              </a:r>
-              <a:endParaRPr lang="en-US" sz="1400" kern="0" dirty="0">
-                <a:solidFill>
-                  <a:schemeClr val="bg1"/>
-                </a:solidFill>
+              </a:rPr>
+              <a:t>containerd</a:t>
+            </a:r>
+            <a:r>
+              <a:rPr kumimoji="0" lang="en-US" sz="1800" b="0" i="0" u="none" strike="noStrike" kern="0" cap="none" spc="0" normalizeH="0" baseline="0" noProof="0" dirty="0">
+                <a:ln>
+                  <a:noFill/>
+                </a:ln>
+                <a:effectLst/>
+                <a:uLnTx/>
+                <a:uFillTx/>
                 <a:ea typeface="Arial Unicode MS" pitchFamily="34" charset="-128"/>
                 <a:cs typeface="Arial Unicode MS" pitchFamily="34" charset="-128"/>
-              </a:endParaRPr>
-            </a:p>
-          </p:txBody>
-        </p:sp>
-      </p:grpSp>
+              </a:rPr>
+              <a:t>-shim</a:t>
+            </a:r>
+          </a:p>
+        </p:txBody>
+      </p:sp>
+      <p:pic>
+        <p:nvPicPr>
+          <p:cNvPr id="20" name="Picture 19">
+            <a:extLst>
+              <a:ext uri="{FF2B5EF4-FFF2-40B4-BE49-F238E27FC236}">
+                <a16:creationId xmlns:a16="http://schemas.microsoft.com/office/drawing/2014/main" id="{C2EB80D9-39E5-4F24-B2FD-FC28E4A7A7C9}"/>
+              </a:ext>
+            </a:extLst>
+          </p:cNvPr>
+          <p:cNvPicPr>
+            <a:picLocks noChangeAspect="1"/>
+          </p:cNvPicPr>
+          <p:nvPr/>
+        </p:nvPicPr>
+        <p:blipFill>
+          <a:blip r:embed="rId5"/>
+          <a:stretch>
+            <a:fillRect/>
+          </a:stretch>
+        </p:blipFill>
+        <p:spPr>
+          <a:xfrm>
+            <a:off x="737274" y="5386625"/>
+            <a:ext cx="1586667" cy="947654"/>
+          </a:xfrm>
+          <a:prstGeom prst="rect">
+            <a:avLst/>
+          </a:prstGeom>
+        </p:spPr>
+      </p:pic>
+      <p:pic>
+        <p:nvPicPr>
+          <p:cNvPr id="22" name="Picture 21">
+            <a:extLst>
+              <a:ext uri="{FF2B5EF4-FFF2-40B4-BE49-F238E27FC236}">
+                <a16:creationId xmlns:a16="http://schemas.microsoft.com/office/drawing/2014/main" id="{378CEB34-A694-4201-ADDC-1E8066F339E3}"/>
+              </a:ext>
+            </a:extLst>
+          </p:cNvPr>
+          <p:cNvPicPr>
+            <a:picLocks noChangeAspect="1"/>
+          </p:cNvPicPr>
+          <p:nvPr/>
+        </p:nvPicPr>
+        <p:blipFill>
+          <a:blip r:embed="rId5"/>
+          <a:stretch>
+            <a:fillRect/>
+          </a:stretch>
+        </p:blipFill>
+        <p:spPr>
+          <a:xfrm>
+            <a:off x="2999827" y="5386625"/>
+            <a:ext cx="1586667" cy="947654"/>
+          </a:xfrm>
+          <a:prstGeom prst="rect">
+            <a:avLst/>
+          </a:prstGeom>
+        </p:spPr>
+      </p:pic>
+      <p:pic>
+        <p:nvPicPr>
+          <p:cNvPr id="23" name="Picture 22">
+            <a:extLst>
+              <a:ext uri="{FF2B5EF4-FFF2-40B4-BE49-F238E27FC236}">
+                <a16:creationId xmlns:a16="http://schemas.microsoft.com/office/drawing/2014/main" id="{A62D5E3D-51EA-46CB-93AB-6DBE290403B6}"/>
+              </a:ext>
+            </a:extLst>
+          </p:cNvPr>
+          <p:cNvPicPr>
+            <a:picLocks noChangeAspect="1"/>
+          </p:cNvPicPr>
+          <p:nvPr/>
+        </p:nvPicPr>
+        <p:blipFill>
+          <a:blip r:embed="rId5"/>
+          <a:stretch>
+            <a:fillRect/>
+          </a:stretch>
+        </p:blipFill>
+        <p:spPr>
+          <a:xfrm>
+            <a:off x="5262380" y="5386625"/>
+            <a:ext cx="1586667" cy="947654"/>
+          </a:xfrm>
+          <a:prstGeom prst="rect">
+            <a:avLst/>
+          </a:prstGeom>
+        </p:spPr>
+      </p:pic>
+      <p:cxnSp>
+        <p:nvCxnSpPr>
+          <p:cNvPr id="25" name="Straight Arrow Connector 24">
+            <a:extLst>
+              <a:ext uri="{FF2B5EF4-FFF2-40B4-BE49-F238E27FC236}">
+                <a16:creationId xmlns:a16="http://schemas.microsoft.com/office/drawing/2014/main" id="{FD034A71-C62B-4808-98DF-88B004C23164}"/>
+              </a:ext>
+            </a:extLst>
+          </p:cNvPr>
+          <p:cNvCxnSpPr>
+            <a:cxnSpLocks/>
+            <a:stCxn id="10" idx="3"/>
+            <a:endCxn id="4" idx="1"/>
+          </p:cNvCxnSpPr>
+          <p:nvPr/>
+        </p:nvCxnSpPr>
+        <p:spPr>
+          <a:xfrm>
+            <a:off x="1406586" y="1758862"/>
+            <a:ext cx="1008277" cy="1"/>
+          </a:xfrm>
+          <a:prstGeom prst="straightConnector1">
+            <a:avLst/>
+          </a:prstGeom>
+          <a:ln w="57150">
+            <a:solidFill>
+              <a:schemeClr val="bg2"/>
+            </a:solidFill>
+            <a:headEnd type="none" w="med" len="med"/>
+            <a:tailEnd type="triangle"/>
+          </a:ln>
+        </p:spPr>
+        <p:style>
+          <a:lnRef idx="1">
+            <a:schemeClr val="accent1"/>
+          </a:lnRef>
+          <a:fillRef idx="0">
+            <a:schemeClr val="accent1"/>
+          </a:fillRef>
+          <a:effectRef idx="0">
+            <a:schemeClr val="accent1"/>
+          </a:effectRef>
+          <a:fontRef idx="minor">
+            <a:schemeClr val="tx1"/>
+          </a:fontRef>
+        </p:style>
+      </p:cxnSp>
+      <p:cxnSp>
+        <p:nvCxnSpPr>
+          <p:cNvPr id="29" name="Straight Arrow Connector 28">
+            <a:extLst>
+              <a:ext uri="{FF2B5EF4-FFF2-40B4-BE49-F238E27FC236}">
+                <a16:creationId xmlns:a16="http://schemas.microsoft.com/office/drawing/2014/main" id="{52D68247-A75A-4548-B5F8-1D657A48B771}"/>
+              </a:ext>
+            </a:extLst>
+          </p:cNvPr>
+          <p:cNvCxnSpPr>
+            <a:stCxn id="4" idx="2"/>
+            <a:endCxn id="6" idx="0"/>
+          </p:cNvCxnSpPr>
+          <p:nvPr/>
+        </p:nvCxnSpPr>
+        <p:spPr>
+          <a:xfrm>
+            <a:off x="3791487" y="2165821"/>
+            <a:ext cx="0" cy="342918"/>
+          </a:xfrm>
+          <a:prstGeom prst="straightConnector1">
+            <a:avLst/>
+          </a:prstGeom>
+          <a:ln w="57150">
+            <a:solidFill>
+              <a:schemeClr val="bg2"/>
+            </a:solidFill>
+            <a:headEnd type="none" w="med" len="med"/>
+            <a:tailEnd type="triangle"/>
+          </a:ln>
+        </p:spPr>
+        <p:style>
+          <a:lnRef idx="1">
+            <a:schemeClr val="accent1"/>
+          </a:lnRef>
+          <a:fillRef idx="0">
+            <a:schemeClr val="accent1"/>
+          </a:fillRef>
+          <a:effectRef idx="0">
+            <a:schemeClr val="accent1"/>
+          </a:effectRef>
+          <a:fontRef idx="minor">
+            <a:schemeClr val="tx1"/>
+          </a:fontRef>
+        </p:style>
+      </p:cxnSp>
+      <p:cxnSp>
+        <p:nvCxnSpPr>
+          <p:cNvPr id="31" name="Connector: Elbow 30">
+            <a:extLst>
+              <a:ext uri="{FF2B5EF4-FFF2-40B4-BE49-F238E27FC236}">
+                <a16:creationId xmlns:a16="http://schemas.microsoft.com/office/drawing/2014/main" id="{5EEB6855-20F6-4D66-B565-F98EE00B18B1}"/>
+              </a:ext>
+            </a:extLst>
+          </p:cNvPr>
+          <p:cNvCxnSpPr>
+            <a:stCxn id="6" idx="2"/>
+            <a:endCxn id="15" idx="0"/>
+          </p:cNvCxnSpPr>
+          <p:nvPr/>
+        </p:nvCxnSpPr>
+        <p:spPr>
+          <a:xfrm rot="5400000">
+            <a:off x="2273550" y="2579715"/>
+            <a:ext cx="774996" cy="2260879"/>
+          </a:xfrm>
+          <a:prstGeom prst="bentConnector3">
+            <a:avLst/>
+          </a:prstGeom>
+          <a:ln w="57150">
+            <a:solidFill>
+              <a:schemeClr val="bg2"/>
+            </a:solidFill>
+            <a:headEnd type="none" w="med" len="med"/>
+            <a:tailEnd type="triangle"/>
+          </a:ln>
+        </p:spPr>
+        <p:style>
+          <a:lnRef idx="1">
+            <a:schemeClr val="accent1"/>
+          </a:lnRef>
+          <a:fillRef idx="0">
+            <a:schemeClr val="accent1"/>
+          </a:fillRef>
+          <a:effectRef idx="0">
+            <a:schemeClr val="accent1"/>
+          </a:effectRef>
+          <a:fontRef idx="minor">
+            <a:schemeClr val="tx1"/>
+          </a:fontRef>
+        </p:style>
+      </p:cxnSp>
+      <p:cxnSp>
+        <p:nvCxnSpPr>
+          <p:cNvPr id="2049" name="Connector: Elbow 2048">
+            <a:extLst>
+              <a:ext uri="{FF2B5EF4-FFF2-40B4-BE49-F238E27FC236}">
+                <a16:creationId xmlns:a16="http://schemas.microsoft.com/office/drawing/2014/main" id="{4C9CFF38-CC33-47C1-A676-C8616F16EAD4}"/>
+              </a:ext>
+            </a:extLst>
+          </p:cNvPr>
+          <p:cNvCxnSpPr>
+            <a:stCxn id="6" idx="2"/>
+            <a:endCxn id="19" idx="0"/>
+          </p:cNvCxnSpPr>
+          <p:nvPr/>
+        </p:nvCxnSpPr>
+        <p:spPr>
+          <a:xfrm rot="16200000" flipH="1">
+            <a:off x="4536102" y="2578040"/>
+            <a:ext cx="774996" cy="2264227"/>
+          </a:xfrm>
+          <a:prstGeom prst="bentConnector3">
+            <a:avLst/>
+          </a:prstGeom>
+          <a:ln w="57150">
+            <a:solidFill>
+              <a:schemeClr val="bg2"/>
+            </a:solidFill>
+            <a:headEnd type="none" w="med" len="med"/>
+            <a:tailEnd type="triangle"/>
+          </a:ln>
+        </p:spPr>
+        <p:style>
+          <a:lnRef idx="1">
+            <a:schemeClr val="accent1"/>
+          </a:lnRef>
+          <a:fillRef idx="0">
+            <a:schemeClr val="accent1"/>
+          </a:fillRef>
+          <a:effectRef idx="0">
+            <a:schemeClr val="accent1"/>
+          </a:effectRef>
+          <a:fontRef idx="minor">
+            <a:schemeClr val="tx1"/>
+          </a:fontRef>
+        </p:style>
+      </p:cxnSp>
+      <p:cxnSp>
+        <p:nvCxnSpPr>
+          <p:cNvPr id="2052" name="Straight Arrow Connector 2051">
+            <a:extLst>
+              <a:ext uri="{FF2B5EF4-FFF2-40B4-BE49-F238E27FC236}">
+                <a16:creationId xmlns:a16="http://schemas.microsoft.com/office/drawing/2014/main" id="{62C187FE-5B5B-4A26-97EE-E02D366C5D79}"/>
+              </a:ext>
+            </a:extLst>
+          </p:cNvPr>
+          <p:cNvCxnSpPr>
+            <a:stCxn id="6" idx="2"/>
+            <a:endCxn id="17" idx="0"/>
+          </p:cNvCxnSpPr>
+          <p:nvPr/>
+        </p:nvCxnSpPr>
+        <p:spPr>
+          <a:xfrm>
+            <a:off x="3791487" y="3322656"/>
+            <a:ext cx="1674" cy="774996"/>
+          </a:xfrm>
+          <a:prstGeom prst="straightConnector1">
+            <a:avLst/>
+          </a:prstGeom>
+          <a:ln w="57150">
+            <a:solidFill>
+              <a:schemeClr val="bg2"/>
+            </a:solidFill>
+            <a:headEnd type="none" w="med" len="med"/>
+            <a:tailEnd type="triangle"/>
+          </a:ln>
+        </p:spPr>
+        <p:style>
+          <a:lnRef idx="1">
+            <a:schemeClr val="accent1"/>
+          </a:lnRef>
+          <a:fillRef idx="0">
+            <a:schemeClr val="accent1"/>
+          </a:fillRef>
+          <a:effectRef idx="0">
+            <a:schemeClr val="accent1"/>
+          </a:effectRef>
+          <a:fontRef idx="minor">
+            <a:schemeClr val="tx1"/>
+          </a:fontRef>
+        </p:style>
+      </p:cxnSp>
+      <p:cxnSp>
+        <p:nvCxnSpPr>
+          <p:cNvPr id="2054" name="Straight Arrow Connector 2053">
+            <a:extLst>
+              <a:ext uri="{FF2B5EF4-FFF2-40B4-BE49-F238E27FC236}">
+                <a16:creationId xmlns:a16="http://schemas.microsoft.com/office/drawing/2014/main" id="{2182E10B-C024-479F-AA63-2A87AB24E721}"/>
+              </a:ext>
+            </a:extLst>
+          </p:cNvPr>
+          <p:cNvCxnSpPr>
+            <a:cxnSpLocks/>
+            <a:stCxn id="8" idx="2"/>
+            <a:endCxn id="20" idx="0"/>
+          </p:cNvCxnSpPr>
+          <p:nvPr/>
+        </p:nvCxnSpPr>
+        <p:spPr>
+          <a:xfrm>
+            <a:off x="1530608" y="5004080"/>
+            <a:ext cx="0" cy="382545"/>
+          </a:xfrm>
+          <a:prstGeom prst="straightConnector1">
+            <a:avLst/>
+          </a:prstGeom>
+          <a:ln w="57150">
+            <a:solidFill>
+              <a:schemeClr val="bg2"/>
+            </a:solidFill>
+            <a:headEnd type="none" w="med" len="med"/>
+            <a:tailEnd type="triangle"/>
+          </a:ln>
+        </p:spPr>
+        <p:style>
+          <a:lnRef idx="1">
+            <a:schemeClr val="accent1"/>
+          </a:lnRef>
+          <a:fillRef idx="0">
+            <a:schemeClr val="accent1"/>
+          </a:fillRef>
+          <a:effectRef idx="0">
+            <a:schemeClr val="accent1"/>
+          </a:effectRef>
+          <a:fontRef idx="minor">
+            <a:schemeClr val="tx1"/>
+          </a:fontRef>
+        </p:style>
+      </p:cxnSp>
+      <p:cxnSp>
+        <p:nvCxnSpPr>
+          <p:cNvPr id="2056" name="Straight Arrow Connector 2055">
+            <a:extLst>
+              <a:ext uri="{FF2B5EF4-FFF2-40B4-BE49-F238E27FC236}">
+                <a16:creationId xmlns:a16="http://schemas.microsoft.com/office/drawing/2014/main" id="{11135BE4-28CC-4FF5-8195-AA00C63709A1}"/>
+              </a:ext>
+            </a:extLst>
+          </p:cNvPr>
+          <p:cNvCxnSpPr>
+            <a:cxnSpLocks/>
+            <a:stCxn id="16" idx="2"/>
+            <a:endCxn id="22" idx="0"/>
+          </p:cNvCxnSpPr>
+          <p:nvPr/>
+        </p:nvCxnSpPr>
+        <p:spPr>
+          <a:xfrm>
+            <a:off x="3793161" y="5004080"/>
+            <a:ext cx="0" cy="382545"/>
+          </a:xfrm>
+          <a:prstGeom prst="straightConnector1">
+            <a:avLst/>
+          </a:prstGeom>
+          <a:ln w="57150">
+            <a:solidFill>
+              <a:schemeClr val="bg2"/>
+            </a:solidFill>
+            <a:headEnd type="none" w="med" len="med"/>
+            <a:tailEnd type="triangle"/>
+          </a:ln>
+        </p:spPr>
+        <p:style>
+          <a:lnRef idx="1">
+            <a:schemeClr val="accent1"/>
+          </a:lnRef>
+          <a:fillRef idx="0">
+            <a:schemeClr val="accent1"/>
+          </a:fillRef>
+          <a:effectRef idx="0">
+            <a:schemeClr val="accent1"/>
+          </a:effectRef>
+          <a:fontRef idx="minor">
+            <a:schemeClr val="tx1"/>
+          </a:fontRef>
+        </p:style>
+      </p:cxnSp>
+      <p:cxnSp>
+        <p:nvCxnSpPr>
+          <p:cNvPr id="2058" name="Straight Arrow Connector 2057">
+            <a:extLst>
+              <a:ext uri="{FF2B5EF4-FFF2-40B4-BE49-F238E27FC236}">
+                <a16:creationId xmlns:a16="http://schemas.microsoft.com/office/drawing/2014/main" id="{BDCC3E1B-023D-41D5-96B7-AE2782CBDC95}"/>
+              </a:ext>
+            </a:extLst>
+          </p:cNvPr>
+          <p:cNvCxnSpPr>
+            <a:cxnSpLocks/>
+            <a:stCxn id="18" idx="2"/>
+            <a:endCxn id="23" idx="0"/>
+          </p:cNvCxnSpPr>
+          <p:nvPr/>
+        </p:nvCxnSpPr>
+        <p:spPr>
+          <a:xfrm>
+            <a:off x="6055714" y="5004080"/>
+            <a:ext cx="0" cy="382545"/>
+          </a:xfrm>
+          <a:prstGeom prst="straightConnector1">
+            <a:avLst/>
+          </a:prstGeom>
+          <a:ln w="57150">
+            <a:solidFill>
+              <a:schemeClr val="bg2"/>
+            </a:solidFill>
+            <a:headEnd type="none" w="med" len="med"/>
+            <a:tailEnd type="triangle"/>
+          </a:ln>
+        </p:spPr>
+        <p:style>
+          <a:lnRef idx="1">
+            <a:schemeClr val="accent1"/>
+          </a:lnRef>
+          <a:fillRef idx="0">
+            <a:schemeClr val="accent1"/>
+          </a:fillRef>
+          <a:effectRef idx="0">
+            <a:schemeClr val="accent1"/>
+          </a:effectRef>
+          <a:fontRef idx="minor">
+            <a:schemeClr val="tx1"/>
+          </a:fontRef>
+        </p:style>
+      </p:cxnSp>
+      <p:sp>
+        <p:nvSpPr>
+          <p:cNvPr id="49" name="Speech Bubble: Rectangle 48">
+            <a:extLst>
+              <a:ext uri="{FF2B5EF4-FFF2-40B4-BE49-F238E27FC236}">
+                <a16:creationId xmlns:a16="http://schemas.microsoft.com/office/drawing/2014/main" id="{C1B6FCC7-62DE-4C3E-84BC-733715AF4570}"/>
+              </a:ext>
+            </a:extLst>
+          </p:cNvPr>
+          <p:cNvSpPr/>
+          <p:nvPr/>
+        </p:nvSpPr>
+        <p:spPr bwMode="gray">
+          <a:xfrm>
+            <a:off x="6348448" y="995230"/>
+            <a:ext cx="4101737" cy="641734"/>
+          </a:xfrm>
+          <a:prstGeom prst="wedgeRectCallout">
+            <a:avLst>
+              <a:gd name="adj1" fmla="val -72482"/>
+              <a:gd name="adj2" fmla="val 53921"/>
+            </a:avLst>
+          </a:prstGeom>
+          <a:ln>
+            <a:headEnd/>
+            <a:tailEnd/>
+          </a:ln>
+        </p:spPr>
+        <p:style>
+          <a:lnRef idx="2">
+            <a:schemeClr val="accent5"/>
+          </a:lnRef>
+          <a:fillRef idx="1">
+            <a:schemeClr val="lt1"/>
+          </a:fillRef>
+          <a:effectRef idx="0">
+            <a:schemeClr val="accent5"/>
+          </a:effectRef>
+          <a:fontRef idx="minor">
+            <a:schemeClr val="dk1"/>
+          </a:fontRef>
+        </p:style>
+        <p:txBody>
+          <a:bodyPr lIns="90000" tIns="72000" rIns="90000" bIns="72000" rtlCol="0" anchor="ctr"/>
+          <a:lstStyle/>
+          <a:p>
+            <a:pPr marR="0" algn="ctr" defTabSz="914400" eaLnBrk="1" fontAlgn="base" latinLnBrk="0" hangingPunct="1">
+              <a:lnSpc>
+                <a:spcPct val="100000"/>
+              </a:lnSpc>
+              <a:spcBef>
+                <a:spcPct val="50000"/>
+              </a:spcBef>
+              <a:spcAft>
+                <a:spcPct val="0"/>
+              </a:spcAft>
+              <a:buClr>
+                <a:srgbClr val="F0AB00"/>
+              </a:buClr>
+              <a:buSzPct val="80000"/>
+              <a:tabLst/>
+            </a:pPr>
+            <a:r>
+              <a:rPr lang="en-US" sz="1800" kern="0" noProof="0" dirty="0">
+                <a:ea typeface="Arial Unicode MS" pitchFamily="34" charset="-128"/>
+                <a:cs typeface="Arial Unicode MS" pitchFamily="34" charset="-128"/>
+              </a:rPr>
+              <a:t>Docker daemon is the central entry point for all API requests</a:t>
+            </a:r>
+            <a:endParaRPr kumimoji="0" lang="en-US" sz="1800" b="0" i="0" u="none" strike="noStrike" kern="0" cap="none" spc="0" normalizeH="0" baseline="0" noProof="0" dirty="0">
+              <a:ln>
+                <a:noFill/>
+              </a:ln>
+              <a:effectLst/>
+              <a:uLnTx/>
+              <a:uFillTx/>
+              <a:ea typeface="Arial Unicode MS" pitchFamily="34" charset="-128"/>
+              <a:cs typeface="Arial Unicode MS" pitchFamily="34" charset="-128"/>
+            </a:endParaRPr>
+          </a:p>
+        </p:txBody>
+      </p:sp>
+      <p:sp>
+        <p:nvSpPr>
+          <p:cNvPr id="50" name="Speech Bubble: Rectangle 49">
+            <a:extLst>
+              <a:ext uri="{FF2B5EF4-FFF2-40B4-BE49-F238E27FC236}">
+                <a16:creationId xmlns:a16="http://schemas.microsoft.com/office/drawing/2014/main" id="{A6C68991-E00A-4A3D-B278-E6B1F9ED544D}"/>
+              </a:ext>
+            </a:extLst>
+          </p:cNvPr>
+          <p:cNvSpPr/>
+          <p:nvPr/>
+        </p:nvSpPr>
+        <p:spPr bwMode="gray">
+          <a:xfrm>
+            <a:off x="6348448" y="2216062"/>
+            <a:ext cx="4101737" cy="641734"/>
+          </a:xfrm>
+          <a:prstGeom prst="wedgeRectCallout">
+            <a:avLst>
+              <a:gd name="adj1" fmla="val -72482"/>
+              <a:gd name="adj2" fmla="val 53921"/>
+            </a:avLst>
+          </a:prstGeom>
+          <a:ln>
+            <a:headEnd/>
+            <a:tailEnd/>
+          </a:ln>
+        </p:spPr>
+        <p:style>
+          <a:lnRef idx="2">
+            <a:schemeClr val="accent5"/>
+          </a:lnRef>
+          <a:fillRef idx="1">
+            <a:schemeClr val="lt1"/>
+          </a:fillRef>
+          <a:effectRef idx="0">
+            <a:schemeClr val="accent5"/>
+          </a:effectRef>
+          <a:fontRef idx="minor">
+            <a:schemeClr val="dk1"/>
+          </a:fontRef>
+        </p:style>
+        <p:txBody>
+          <a:bodyPr lIns="90000" tIns="72000" rIns="90000" bIns="72000" rtlCol="0" anchor="ctr"/>
+          <a:lstStyle/>
+          <a:p>
+            <a:pPr marR="0" algn="ctr" defTabSz="914400" eaLnBrk="1" fontAlgn="base" latinLnBrk="0" hangingPunct="1">
+              <a:lnSpc>
+                <a:spcPct val="100000"/>
+              </a:lnSpc>
+              <a:spcBef>
+                <a:spcPct val="50000"/>
+              </a:spcBef>
+              <a:spcAft>
+                <a:spcPct val="0"/>
+              </a:spcAft>
+              <a:buClr>
+                <a:srgbClr val="F0AB00"/>
+              </a:buClr>
+              <a:buSzPct val="80000"/>
+              <a:tabLst/>
+            </a:pPr>
+            <a:r>
+              <a:rPr lang="en-US" sz="1800" kern="0" dirty="0">
+                <a:ea typeface="Arial Unicode MS" pitchFamily="34" charset="-128"/>
+                <a:cs typeface="Arial Unicode MS" pitchFamily="34" charset="-128"/>
+              </a:rPr>
+              <a:t>Container runtime </a:t>
+            </a:r>
+            <a:r>
+              <a:rPr kumimoji="0" lang="en-US" sz="1800" b="0" i="0" u="none" strike="noStrike" kern="0" cap="none" spc="0" normalizeH="0" baseline="0" noProof="0" dirty="0">
+                <a:ln>
+                  <a:noFill/>
+                </a:ln>
+                <a:effectLst/>
+                <a:uLnTx/>
+                <a:uFillTx/>
+                <a:ea typeface="Arial Unicode MS" pitchFamily="34" charset="-128"/>
+                <a:cs typeface="Arial Unicode MS" pitchFamily="34" charset="-128"/>
+              </a:rPr>
+              <a:t>to handle container lifecycle based on OCI specs</a:t>
+            </a:r>
+          </a:p>
+        </p:txBody>
+      </p:sp>
+      <p:sp>
+        <p:nvSpPr>
+          <p:cNvPr id="51" name="Speech Bubble: Rectangle 50">
+            <a:extLst>
+              <a:ext uri="{FF2B5EF4-FFF2-40B4-BE49-F238E27FC236}">
+                <a16:creationId xmlns:a16="http://schemas.microsoft.com/office/drawing/2014/main" id="{9815E1AD-DF89-45E0-8288-DD498EFC09F8}"/>
+              </a:ext>
+            </a:extLst>
+          </p:cNvPr>
+          <p:cNvSpPr/>
+          <p:nvPr/>
+        </p:nvSpPr>
+        <p:spPr bwMode="gray">
+          <a:xfrm>
+            <a:off x="7432337" y="3322655"/>
+            <a:ext cx="4101737" cy="641734"/>
+          </a:xfrm>
+          <a:prstGeom prst="wedgeRectCallout">
+            <a:avLst>
+              <a:gd name="adj1" fmla="val -72482"/>
+              <a:gd name="adj2" fmla="val 53921"/>
+            </a:avLst>
+          </a:prstGeom>
+          <a:ln>
+            <a:headEnd/>
+            <a:tailEnd/>
+          </a:ln>
+        </p:spPr>
+        <p:style>
+          <a:lnRef idx="2">
+            <a:schemeClr val="accent5"/>
+          </a:lnRef>
+          <a:fillRef idx="1">
+            <a:schemeClr val="lt1"/>
+          </a:fillRef>
+          <a:effectRef idx="0">
+            <a:schemeClr val="accent5"/>
+          </a:effectRef>
+          <a:fontRef idx="minor">
+            <a:schemeClr val="dk1"/>
+          </a:fontRef>
+        </p:style>
+        <p:txBody>
+          <a:bodyPr lIns="90000" tIns="72000" rIns="90000" bIns="72000" rtlCol="0" anchor="ctr"/>
+          <a:lstStyle/>
+          <a:p>
+            <a:pPr marR="0" algn="ctr" defTabSz="914400" eaLnBrk="1" fontAlgn="base" latinLnBrk="0" hangingPunct="1">
+              <a:lnSpc>
+                <a:spcPct val="100000"/>
+              </a:lnSpc>
+              <a:spcBef>
+                <a:spcPct val="50000"/>
+              </a:spcBef>
+              <a:spcAft>
+                <a:spcPct val="0"/>
+              </a:spcAft>
+              <a:buClr>
+                <a:srgbClr val="F0AB00"/>
+              </a:buClr>
+              <a:buSzPct val="80000"/>
+              <a:tabLst/>
+            </a:pPr>
+            <a:r>
+              <a:rPr lang="en-US" sz="1800" kern="0" dirty="0">
+                <a:ea typeface="Arial Unicode MS" pitchFamily="34" charset="-128"/>
+                <a:cs typeface="Arial Unicode MS" pitchFamily="34" charset="-128"/>
+              </a:rPr>
+              <a:t>s</a:t>
+            </a:r>
+            <a:r>
+              <a:rPr kumimoji="0" lang="en-US" sz="1800" b="0" i="0" u="none" strike="noStrike" kern="0" cap="none" spc="0" normalizeH="0" baseline="0" noProof="0" dirty="0">
+                <a:ln>
+                  <a:noFill/>
+                </a:ln>
+                <a:effectLst/>
+                <a:uLnTx/>
+                <a:uFillTx/>
+                <a:ea typeface="Arial Unicode MS" pitchFamily="34" charset="-128"/>
+                <a:cs typeface="Arial Unicode MS" pitchFamily="34" charset="-128"/>
+              </a:rPr>
+              <a:t>him process which takes over parent ownership of a running container</a:t>
+            </a:r>
+          </a:p>
+        </p:txBody>
+      </p:sp>
+      <p:sp>
+        <p:nvSpPr>
+          <p:cNvPr id="52" name="Speech Bubble: Rectangle 51">
+            <a:extLst>
+              <a:ext uri="{FF2B5EF4-FFF2-40B4-BE49-F238E27FC236}">
+                <a16:creationId xmlns:a16="http://schemas.microsoft.com/office/drawing/2014/main" id="{6A1CD147-567D-472B-A796-F42D6053B620}"/>
+              </a:ext>
+            </a:extLst>
+          </p:cNvPr>
+          <p:cNvSpPr/>
+          <p:nvPr/>
+        </p:nvSpPr>
+        <p:spPr bwMode="gray">
+          <a:xfrm>
+            <a:off x="8025192" y="4638991"/>
+            <a:ext cx="3130571" cy="837361"/>
+          </a:xfrm>
+          <a:prstGeom prst="wedgeRectCallout">
+            <a:avLst>
+              <a:gd name="adj1" fmla="val -76655"/>
+              <a:gd name="adj2" fmla="val -31469"/>
+            </a:avLst>
+          </a:prstGeom>
+          <a:ln>
+            <a:headEnd/>
+            <a:tailEnd/>
+          </a:ln>
+        </p:spPr>
+        <p:style>
+          <a:lnRef idx="2">
+            <a:schemeClr val="accent5"/>
+          </a:lnRef>
+          <a:fillRef idx="1">
+            <a:schemeClr val="lt1"/>
+          </a:fillRef>
+          <a:effectRef idx="0">
+            <a:schemeClr val="accent5"/>
+          </a:effectRef>
+          <a:fontRef idx="minor">
+            <a:schemeClr val="dk1"/>
+          </a:fontRef>
+        </p:style>
+        <p:txBody>
+          <a:bodyPr lIns="90000" tIns="72000" rIns="90000" bIns="72000" rtlCol="0" anchor="ctr"/>
+          <a:lstStyle/>
+          <a:p>
+            <a:pPr marR="0" algn="ctr" defTabSz="914400" eaLnBrk="1" fontAlgn="base" latinLnBrk="0" hangingPunct="1">
+              <a:lnSpc>
+                <a:spcPct val="100000"/>
+              </a:lnSpc>
+              <a:spcBef>
+                <a:spcPct val="50000"/>
+              </a:spcBef>
+              <a:spcAft>
+                <a:spcPct val="0"/>
+              </a:spcAft>
+              <a:buClr>
+                <a:srgbClr val="F0AB00"/>
+              </a:buClr>
+              <a:buSzPct val="80000"/>
+              <a:tabLst/>
+            </a:pPr>
+            <a:r>
+              <a:rPr kumimoji="0" lang="en-US" sz="1800" b="0" i="0" u="none" strike="noStrike" kern="0" cap="none" spc="0" normalizeH="0" baseline="0" noProof="0" dirty="0" err="1">
+                <a:ln>
+                  <a:noFill/>
+                </a:ln>
+                <a:effectLst/>
+                <a:uLnTx/>
+                <a:uFillTx/>
+                <a:ea typeface="Arial Unicode MS" pitchFamily="34" charset="-128"/>
+                <a:cs typeface="Arial Unicode MS" pitchFamily="34" charset="-128"/>
+              </a:rPr>
+              <a:t>runc</a:t>
+            </a:r>
+            <a:r>
+              <a:rPr kumimoji="0" lang="en-US" sz="1800" b="0" i="0" u="none" strike="noStrike" kern="0" cap="none" spc="0" normalizeH="0" baseline="0" noProof="0" dirty="0">
+                <a:ln>
+                  <a:noFill/>
+                </a:ln>
+                <a:effectLst/>
+                <a:uLnTx/>
+                <a:uFillTx/>
+                <a:ea typeface="Arial Unicode MS" pitchFamily="34" charset="-128"/>
+                <a:cs typeface="Arial Unicode MS" pitchFamily="34" charset="-128"/>
+              </a:rPr>
+              <a:t> actually starts the container</a:t>
+            </a:r>
+          </a:p>
+        </p:txBody>
+      </p:sp>
     </p:spTree>
     <p:extLst>
       <p:ext uri="{BB962C8B-B14F-4D97-AF65-F5344CB8AC3E}">
-        <p14:creationId xmlns:p14="http://schemas.microsoft.com/office/powerpoint/2010/main" val="2744126601"/>
+        <p14:creationId xmlns:p14="http://schemas.microsoft.com/office/powerpoint/2010/main" val="3136926984"/>
       </p:ext>
     </p:extLst>
   </p:cSld>
@@ -22236,7 +20418,7 @@
 </p:sld>
 </file>
 
-<file path=ppt/slides/slide18.xml><?xml version="1.0" encoding="utf-8"?>
+<file path=ppt/slides/slide16.xml><?xml version="1.0" encoding="utf-8"?>
 <p:sld xmlns:a="http://schemas.openxmlformats.org/drawingml/2006/main" xmlns:r="http://schemas.openxmlformats.org/officeDocument/2006/relationships" xmlns:p="http://schemas.openxmlformats.org/presentationml/2006/main">
   <p:cSld>
     <p:spTree>
@@ -23445,7 +21627,7 @@
 </p:sld>
 </file>
 
-<file path=ppt/slides/slide19.xml><?xml version="1.0" encoding="utf-8"?>
+<file path=ppt/slides/slide17.xml><?xml version="1.0" encoding="utf-8"?>
 <p:sld xmlns:a="http://schemas.openxmlformats.org/drawingml/2006/main" xmlns:r="http://schemas.openxmlformats.org/officeDocument/2006/relationships" xmlns:p="http://schemas.openxmlformats.org/presentationml/2006/main" show="0">
   <p:cSld>
     <p:spTree>
@@ -23472,98 +21654,6 @@
 </file>
 
 <file path=ppt/slides/slide2.xml><?xml version="1.0" encoding="utf-8"?>
-<p:sld xmlns:a="http://schemas.openxmlformats.org/drawingml/2006/main" xmlns:r="http://schemas.openxmlformats.org/officeDocument/2006/relationships" xmlns:p="http://schemas.openxmlformats.org/presentationml/2006/main">
-  <p:cSld>
-    <p:spTree>
-      <p:nvGrpSpPr>
-        <p:cNvPr id="1" name=""/>
-        <p:cNvGrpSpPr/>
-        <p:nvPr/>
-      </p:nvGrpSpPr>
-      <p:grpSpPr>
-        <a:xfrm>
-          <a:off x="0" y="0"/>
-          <a:ext cx="0" cy="0"/>
-          <a:chOff x="0" y="0"/>
-          <a:chExt cx="0" cy="0"/>
-        </a:xfrm>
-      </p:grpSpPr>
-      <p:sp>
-        <p:nvSpPr>
-          <p:cNvPr id="17" name="Text Placeholder 16"/>
-          <p:cNvSpPr>
-            <a:spLocks noGrp="1"/>
-          </p:cNvSpPr>
-          <p:nvPr>
-            <p:ph type="body" sz="quarter" idx="14"/>
-          </p:nvPr>
-        </p:nvSpPr>
-        <p:spPr/>
-        <p:txBody>
-          <a:bodyPr/>
-          <a:lstStyle/>
-          <a:p>
-            <a:r>
-              <a:rPr lang="en-US" dirty="0"/>
-              <a:t>Containers</a:t>
-            </a:r>
-          </a:p>
-          <a:p>
-            <a:r>
-              <a:rPr lang="en-US" dirty="0">
-                <a:solidFill>
-                  <a:schemeClr val="accent1"/>
-                </a:solidFill>
-              </a:rPr>
-              <a:t>under the hood</a:t>
-            </a:r>
-          </a:p>
-        </p:txBody>
-      </p:sp>
-      <p:pic>
-        <p:nvPicPr>
-          <p:cNvPr id="3" name="Picture 2">
-            <a:extLst>
-              <a:ext uri="{FF2B5EF4-FFF2-40B4-BE49-F238E27FC236}">
-                <a16:creationId xmlns:a16="http://schemas.microsoft.com/office/drawing/2014/main" id="{9A98F7BB-3648-4D49-B4E7-88B0167B80E0}"/>
-              </a:ext>
-            </a:extLst>
-          </p:cNvPr>
-          <p:cNvPicPr>
-            <a:picLocks noChangeAspect="1"/>
-          </p:cNvPicPr>
-          <p:nvPr/>
-        </p:nvPicPr>
-        <p:blipFill>
-          <a:blip r:embed="rId3"/>
-          <a:stretch>
-            <a:fillRect/>
-          </a:stretch>
-        </p:blipFill>
-        <p:spPr>
-          <a:xfrm>
-            <a:off x="7270045" y="1219590"/>
-            <a:ext cx="3970650" cy="3970650"/>
-          </a:xfrm>
-          <a:prstGeom prst="rect">
-            <a:avLst/>
-          </a:prstGeom>
-        </p:spPr>
-      </p:pic>
-    </p:spTree>
-    <p:extLst>
-      <p:ext uri="{BB962C8B-B14F-4D97-AF65-F5344CB8AC3E}">
-        <p14:creationId xmlns:p14="http://schemas.microsoft.com/office/powerpoint/2010/main" val="1786748081"/>
-      </p:ext>
-    </p:extLst>
-  </p:cSld>
-  <p:clrMapOvr>
-    <a:masterClrMapping/>
-  </p:clrMapOvr>
-</p:sld>
-</file>
-
-<file path=ppt/slides/slide3.xml><?xml version="1.0" encoding="utf-8"?>
 <p:sld xmlns:a="http://schemas.openxmlformats.org/drawingml/2006/main" xmlns:r="http://schemas.openxmlformats.org/officeDocument/2006/relationships" xmlns:p="http://schemas.openxmlformats.org/presentationml/2006/main">
   <p:cSld>
     <p:spTree>
@@ -25285,7 +23375,7 @@
 </p:sld>
 </file>
 
-<file path=ppt/slides/slide4.xml><?xml version="1.0" encoding="utf-8"?>
+<file path=ppt/slides/slide3.xml><?xml version="1.0" encoding="utf-8"?>
 <p:sld xmlns:a="http://schemas.openxmlformats.org/drawingml/2006/main" xmlns:r="http://schemas.openxmlformats.org/officeDocument/2006/relationships" xmlns:p="http://schemas.openxmlformats.org/presentationml/2006/main">
   <p:cSld>
     <p:spTree>
@@ -25655,7 +23745,7 @@
 </p:sld>
 </file>
 
-<file path=ppt/slides/slide5.xml><?xml version="1.0" encoding="utf-8"?>
+<file path=ppt/slides/slide4.xml><?xml version="1.0" encoding="utf-8"?>
 <p:sld xmlns:a="http://schemas.openxmlformats.org/drawingml/2006/main" xmlns:r="http://schemas.openxmlformats.org/officeDocument/2006/relationships" xmlns:p="http://schemas.openxmlformats.org/presentationml/2006/main">
   <p:cSld>
     <p:spTree>
@@ -27636,7 +25726,7 @@
 </p:sld>
 </file>
 
-<file path=ppt/slides/slide6.xml><?xml version="1.0" encoding="utf-8"?>
+<file path=ppt/slides/slide5.xml><?xml version="1.0" encoding="utf-8"?>
 <p:sld xmlns:a="http://schemas.openxmlformats.org/drawingml/2006/main" xmlns:r="http://schemas.openxmlformats.org/officeDocument/2006/relationships" xmlns:p="http://schemas.openxmlformats.org/presentationml/2006/main">
   <p:cSld>
     <p:spTree>
@@ -29465,7 +27555,7 @@
 </p:sld>
 </file>
 
-<file path=ppt/slides/slide7.xml><?xml version="1.0" encoding="utf-8"?>
+<file path=ppt/slides/slide6.xml><?xml version="1.0" encoding="utf-8"?>
 <p:sld xmlns:a="http://schemas.openxmlformats.org/drawingml/2006/main" xmlns:r="http://schemas.openxmlformats.org/officeDocument/2006/relationships" xmlns:p="http://schemas.openxmlformats.org/presentationml/2006/main">
   <p:cSld>
     <p:spTree>
@@ -30267,7 +28357,7 @@
 </p:sld>
 </file>
 
-<file path=ppt/slides/slide8.xml><?xml version="1.0" encoding="utf-8"?>
+<file path=ppt/slides/slide7.xml><?xml version="1.0" encoding="utf-8"?>
 <p:sld xmlns:a="http://schemas.openxmlformats.org/drawingml/2006/main" xmlns:r="http://schemas.openxmlformats.org/officeDocument/2006/relationships" xmlns:p="http://schemas.openxmlformats.org/presentationml/2006/main">
   <p:cSld>
     <p:spTree>
@@ -31076,7 +29166,7 @@
 </p:sld>
 </file>
 
-<file path=ppt/slides/slide9.xml><?xml version="1.0" encoding="utf-8"?>
+<file path=ppt/slides/slide8.xml><?xml version="1.0" encoding="utf-8"?>
 <p:sld xmlns:a="http://schemas.openxmlformats.org/drawingml/2006/main" xmlns:r="http://schemas.openxmlformats.org/officeDocument/2006/relationships" xmlns:p="http://schemas.openxmlformats.org/presentationml/2006/main">
   <p:cSld>
     <p:spTree>
@@ -31635,6 +29725,96 @@
     <p:extLst>
       <p:ext uri="{BB962C8B-B14F-4D97-AF65-F5344CB8AC3E}">
         <p14:creationId xmlns:p14="http://schemas.microsoft.com/office/powerpoint/2010/main" val="2934415875"/>
+      </p:ext>
+    </p:extLst>
+  </p:cSld>
+  <p:clrMapOvr>
+    <a:masterClrMapping/>
+  </p:clrMapOvr>
+</p:sld>
+</file>
+
+<file path=ppt/slides/slide9.xml><?xml version="1.0" encoding="utf-8"?>
+<p:sld xmlns:a="http://schemas.openxmlformats.org/drawingml/2006/main" xmlns:r="http://schemas.openxmlformats.org/officeDocument/2006/relationships" xmlns:p="http://schemas.openxmlformats.org/presentationml/2006/main">
+  <p:cSld>
+    <p:spTree>
+      <p:nvGrpSpPr>
+        <p:cNvPr id="1" name=""/>
+        <p:cNvGrpSpPr/>
+        <p:nvPr/>
+      </p:nvGrpSpPr>
+      <p:grpSpPr>
+        <a:xfrm>
+          <a:off x="0" y="0"/>
+          <a:ext cx="0" cy="0"/>
+          <a:chOff x="0" y="0"/>
+          <a:chExt cx="0" cy="0"/>
+        </a:xfrm>
+      </p:grpSpPr>
+      <p:sp>
+        <p:nvSpPr>
+          <p:cNvPr id="17" name="Text Placeholder 16"/>
+          <p:cNvSpPr>
+            <a:spLocks noGrp="1"/>
+          </p:cNvSpPr>
+          <p:nvPr>
+            <p:ph type="body" sz="quarter" idx="14"/>
+          </p:nvPr>
+        </p:nvSpPr>
+        <p:spPr/>
+        <p:txBody>
+          <a:bodyPr anchor="ctr"/>
+          <a:lstStyle/>
+          <a:p>
+            <a:r>
+              <a:rPr lang="en-US" dirty="0"/>
+              <a:t>Containers </a:t>
+            </a:r>
+            <a:r>
+              <a:rPr lang="en-US" dirty="0">
+                <a:solidFill>
+                  <a:schemeClr val="accent1"/>
+                </a:solidFill>
+              </a:rPr>
+              <a:t>made easy</a:t>
+            </a:r>
+          </a:p>
+        </p:txBody>
+      </p:sp>
+      <p:pic>
+        <p:nvPicPr>
+          <p:cNvPr id="4" name="Picture 3">
+            <a:extLst>
+              <a:ext uri="{FF2B5EF4-FFF2-40B4-BE49-F238E27FC236}">
+                <a16:creationId xmlns:a16="http://schemas.microsoft.com/office/drawing/2014/main" id="{2E8C9C42-BC03-468E-B04E-6BE203085308}"/>
+              </a:ext>
+            </a:extLst>
+          </p:cNvPr>
+          <p:cNvPicPr>
+            <a:picLocks noChangeAspect="1"/>
+          </p:cNvPicPr>
+          <p:nvPr/>
+        </p:nvPicPr>
+        <p:blipFill>
+          <a:blip r:embed="rId3"/>
+          <a:stretch>
+            <a:fillRect/>
+          </a:stretch>
+        </p:blipFill>
+        <p:spPr>
+          <a:xfrm>
+            <a:off x="6978451" y="1609832"/>
+            <a:ext cx="4262244" cy="3190166"/>
+          </a:xfrm>
+          <a:prstGeom prst="rect">
+            <a:avLst/>
+          </a:prstGeom>
+        </p:spPr>
+      </p:pic>
+    </p:spTree>
+    <p:extLst>
+      <p:ext uri="{BB962C8B-B14F-4D97-AF65-F5344CB8AC3E}">
+        <p14:creationId xmlns:p14="http://schemas.microsoft.com/office/powerpoint/2010/main" val="331263750"/>
       </p:ext>
     </p:extLst>
   </p:cSld>

--- a/docker/02_Members_of_docker_universe.pptx
+++ b/docker/02_Members_of_docker_universe.pptx
@@ -20328,13 +20328,13 @@
         </p:nvSpPr>
         <p:spPr bwMode="gray">
           <a:xfrm>
-            <a:off x="8025192" y="4638991"/>
+            <a:off x="8256818" y="5650080"/>
             <a:ext cx="3130571" cy="837361"/>
           </a:xfrm>
           <a:prstGeom prst="wedgeRectCallout">
             <a:avLst>
-              <a:gd name="adj1" fmla="val -76655"/>
-              <a:gd name="adj2" fmla="val -31469"/>
+              <a:gd name="adj1" fmla="val -47446"/>
+              <a:gd name="adj2" fmla="val -79469"/>
             </a:avLst>
           </a:prstGeom>
           <a:ln>
@@ -20405,6 +20405,36 @@
           </a:p>
         </p:txBody>
       </p:sp>
+      <p:pic>
+        <p:nvPicPr>
+          <p:cNvPr id="27" name="Picture 26">
+            <a:extLst>
+              <a:ext uri="{FF2B5EF4-FFF2-40B4-BE49-F238E27FC236}">
+                <a16:creationId xmlns:a16="http://schemas.microsoft.com/office/drawing/2014/main" id="{0BFE9AD0-00E6-4C1C-B5BC-BEF04A8041EA}"/>
+              </a:ext>
+            </a:extLst>
+          </p:cNvPr>
+          <p:cNvPicPr>
+            <a:picLocks noChangeAspect="1"/>
+          </p:cNvPicPr>
+          <p:nvPr/>
+        </p:nvPicPr>
+        <p:blipFill>
+          <a:blip r:embed="rId6"/>
+          <a:stretch>
+            <a:fillRect/>
+          </a:stretch>
+        </p:blipFill>
+        <p:spPr>
+          <a:xfrm>
+            <a:off x="7432337" y="4261819"/>
+            <a:ext cx="1613647" cy="1124806"/>
+          </a:xfrm>
+          <a:prstGeom prst="rect">
+            <a:avLst/>
+          </a:prstGeom>
+        </p:spPr>
+      </p:pic>
     </p:spTree>
     <p:extLst>
       <p:ext uri="{BB962C8B-B14F-4D97-AF65-F5344CB8AC3E}">
@@ -20415,6 +20445,92 @@
   <p:clrMapOvr>
     <a:masterClrMapping/>
   </p:clrMapOvr>
+  <p:timing>
+    <p:tnLst>
+      <p:par>
+        <p:cTn id="1" dur="indefinite" restart="never" nodeType="tmRoot">
+          <p:childTnLst>
+            <p:seq concurrent="1" nextAc="seek">
+              <p:cTn id="2" dur="indefinite" nodeType="mainSeq">
+                <p:childTnLst>
+                  <p:par>
+                    <p:cTn id="3" fill="hold">
+                      <p:stCondLst>
+                        <p:cond delay="indefinite"/>
+                        <p:cond evt="onBegin" delay="0">
+                          <p:tn val="2"/>
+                        </p:cond>
+                      </p:stCondLst>
+                      <p:childTnLst>
+                        <p:par>
+                          <p:cTn id="4" fill="hold">
+                            <p:stCondLst>
+                              <p:cond delay="0"/>
+                            </p:stCondLst>
+                            <p:childTnLst>
+                              <p:par>
+                                <p:cTn id="5" presetID="10" presetClass="entr" presetSubtype="0" fill="hold" nodeType="withEffect">
+                                  <p:stCondLst>
+                                    <p:cond delay="0"/>
+                                  </p:stCondLst>
+                                  <p:childTnLst>
+                                    <p:set>
+                                      <p:cBhvr>
+                                        <p:cTn id="6" dur="1" fill="hold">
+                                          <p:stCondLst>
+                                            <p:cond delay="0"/>
+                                          </p:stCondLst>
+                                        </p:cTn>
+                                        <p:tgtEl>
+                                          <p:spTgt spid="27"/>
+                                        </p:tgtEl>
+                                        <p:attrNameLst>
+                                          <p:attrName>style.visibility</p:attrName>
+                                        </p:attrNameLst>
+                                      </p:cBhvr>
+                                      <p:to>
+                                        <p:strVal val="visible"/>
+                                      </p:to>
+                                    </p:set>
+                                    <p:animEffect transition="in" filter="fade">
+                                      <p:cBhvr>
+                                        <p:cTn id="7" dur="500"/>
+                                        <p:tgtEl>
+                                          <p:spTgt spid="27"/>
+                                        </p:tgtEl>
+                                      </p:cBhvr>
+                                    </p:animEffect>
+                                  </p:childTnLst>
+                                </p:cTn>
+                              </p:par>
+                            </p:childTnLst>
+                          </p:cTn>
+                        </p:par>
+                      </p:childTnLst>
+                    </p:cTn>
+                  </p:par>
+                </p:childTnLst>
+              </p:cTn>
+              <p:prevCondLst>
+                <p:cond evt="onPrev" delay="0">
+                  <p:tgtEl>
+                    <p:sldTgt/>
+                  </p:tgtEl>
+                </p:cond>
+              </p:prevCondLst>
+              <p:nextCondLst>
+                <p:cond evt="onNext" delay="0">
+                  <p:tgtEl>
+                    <p:sldTgt/>
+                  </p:tgtEl>
+                </p:cond>
+              </p:nextCondLst>
+            </p:seq>
+          </p:childTnLst>
+        </p:cTn>
+      </p:par>
+    </p:tnLst>
+  </p:timing>
 </p:sld>
 </file>
 

--- a/docker/02_Members_of_docker_universe.pptx
+++ b/docker/02_Members_of_docker_universe.pptx
@@ -20457,9 +20457,6 @@
                     <p:cTn id="3" fill="hold">
                       <p:stCondLst>
                         <p:cond delay="indefinite"/>
-                        <p:cond evt="onBegin" delay="0">
-                          <p:tn val="2"/>
-                        </p:cond>
                       </p:stCondLst>
                       <p:childTnLst>
                         <p:par>
@@ -20469,7 +20466,7 @@
                             </p:stCondLst>
                             <p:childTnLst>
                               <p:par>
-                                <p:cTn id="5" presetID="10" presetClass="entr" presetSubtype="0" fill="hold" nodeType="withEffect">
+                                <p:cTn id="5" presetID="1" presetClass="entr" presetSubtype="0" fill="hold" grpId="0" nodeType="clickEffect">
                                   <p:stCondLst>
                                     <p:cond delay="0"/>
                                   </p:stCondLst>
@@ -20477,6 +20474,474 @@
                                     <p:set>
                                       <p:cBhvr>
                                         <p:cTn id="6" dur="1" fill="hold">
+                                          <p:stCondLst>
+                                            <p:cond delay="0"/>
+                                          </p:stCondLst>
+                                        </p:cTn>
+                                        <p:tgtEl>
+                                          <p:spTgt spid="4"/>
+                                        </p:tgtEl>
+                                        <p:attrNameLst>
+                                          <p:attrName>style.visibility</p:attrName>
+                                        </p:attrNameLst>
+                                      </p:cBhvr>
+                                      <p:to>
+                                        <p:strVal val="visible"/>
+                                      </p:to>
+                                    </p:set>
+                                  </p:childTnLst>
+                                </p:cTn>
+                              </p:par>
+                              <p:par>
+                                <p:cTn id="7" presetID="1" presetClass="entr" presetSubtype="0" fill="hold" nodeType="withEffect">
+                                  <p:stCondLst>
+                                    <p:cond delay="0"/>
+                                  </p:stCondLst>
+                                  <p:childTnLst>
+                                    <p:set>
+                                      <p:cBhvr>
+                                        <p:cTn id="8" dur="1" fill="hold">
+                                          <p:stCondLst>
+                                            <p:cond delay="0"/>
+                                          </p:stCondLst>
+                                        </p:cTn>
+                                        <p:tgtEl>
+                                          <p:spTgt spid="25"/>
+                                        </p:tgtEl>
+                                        <p:attrNameLst>
+                                          <p:attrName>style.visibility</p:attrName>
+                                        </p:attrNameLst>
+                                      </p:cBhvr>
+                                      <p:to>
+                                        <p:strVal val="visible"/>
+                                      </p:to>
+                                    </p:set>
+                                  </p:childTnLst>
+                                </p:cTn>
+                              </p:par>
+                              <p:par>
+                                <p:cTn id="9" presetID="1" presetClass="entr" presetSubtype="0" fill="hold" grpId="0" nodeType="withEffect">
+                                  <p:stCondLst>
+                                    <p:cond delay="0"/>
+                                  </p:stCondLst>
+                                  <p:childTnLst>
+                                    <p:set>
+                                      <p:cBhvr>
+                                        <p:cTn id="10" dur="1" fill="hold">
+                                          <p:stCondLst>
+                                            <p:cond delay="0"/>
+                                          </p:stCondLst>
+                                        </p:cTn>
+                                        <p:tgtEl>
+                                          <p:spTgt spid="49"/>
+                                        </p:tgtEl>
+                                        <p:attrNameLst>
+                                          <p:attrName>style.visibility</p:attrName>
+                                        </p:attrNameLst>
+                                      </p:cBhvr>
+                                      <p:to>
+                                        <p:strVal val="visible"/>
+                                      </p:to>
+                                    </p:set>
+                                  </p:childTnLst>
+                                </p:cTn>
+                              </p:par>
+                            </p:childTnLst>
+                          </p:cTn>
+                        </p:par>
+                      </p:childTnLst>
+                    </p:cTn>
+                  </p:par>
+                  <p:par>
+                    <p:cTn id="11" fill="hold">
+                      <p:stCondLst>
+                        <p:cond delay="indefinite"/>
+                      </p:stCondLst>
+                      <p:childTnLst>
+                        <p:par>
+                          <p:cTn id="12" fill="hold">
+                            <p:stCondLst>
+                              <p:cond delay="0"/>
+                            </p:stCondLst>
+                            <p:childTnLst>
+                              <p:par>
+                                <p:cTn id="13" presetID="1" presetClass="entr" presetSubtype="0" fill="hold" grpId="0" nodeType="clickEffect">
+                                  <p:stCondLst>
+                                    <p:cond delay="0"/>
+                                  </p:stCondLst>
+                                  <p:childTnLst>
+                                    <p:set>
+                                      <p:cBhvr>
+                                        <p:cTn id="14" dur="1" fill="hold">
+                                          <p:stCondLst>
+                                            <p:cond delay="0"/>
+                                          </p:stCondLst>
+                                        </p:cTn>
+                                        <p:tgtEl>
+                                          <p:spTgt spid="6"/>
+                                        </p:tgtEl>
+                                        <p:attrNameLst>
+                                          <p:attrName>style.visibility</p:attrName>
+                                        </p:attrNameLst>
+                                      </p:cBhvr>
+                                      <p:to>
+                                        <p:strVal val="visible"/>
+                                      </p:to>
+                                    </p:set>
+                                  </p:childTnLst>
+                                </p:cTn>
+                              </p:par>
+                              <p:par>
+                                <p:cTn id="15" presetID="1" presetClass="entr" presetSubtype="0" fill="hold" nodeType="withEffect">
+                                  <p:stCondLst>
+                                    <p:cond delay="0"/>
+                                  </p:stCondLst>
+                                  <p:childTnLst>
+                                    <p:set>
+                                      <p:cBhvr>
+                                        <p:cTn id="16" dur="1" fill="hold">
+                                          <p:stCondLst>
+                                            <p:cond delay="0"/>
+                                          </p:stCondLst>
+                                        </p:cTn>
+                                        <p:tgtEl>
+                                          <p:spTgt spid="29"/>
+                                        </p:tgtEl>
+                                        <p:attrNameLst>
+                                          <p:attrName>style.visibility</p:attrName>
+                                        </p:attrNameLst>
+                                      </p:cBhvr>
+                                      <p:to>
+                                        <p:strVal val="visible"/>
+                                      </p:to>
+                                    </p:set>
+                                  </p:childTnLst>
+                                </p:cTn>
+                              </p:par>
+                              <p:par>
+                                <p:cTn id="17" presetID="1" presetClass="entr" presetSubtype="0" fill="hold" grpId="0" nodeType="withEffect">
+                                  <p:stCondLst>
+                                    <p:cond delay="0"/>
+                                  </p:stCondLst>
+                                  <p:childTnLst>
+                                    <p:set>
+                                      <p:cBhvr>
+                                        <p:cTn id="18" dur="1" fill="hold">
+                                          <p:stCondLst>
+                                            <p:cond delay="0"/>
+                                          </p:stCondLst>
+                                        </p:cTn>
+                                        <p:tgtEl>
+                                          <p:spTgt spid="50"/>
+                                        </p:tgtEl>
+                                        <p:attrNameLst>
+                                          <p:attrName>style.visibility</p:attrName>
+                                        </p:attrNameLst>
+                                      </p:cBhvr>
+                                      <p:to>
+                                        <p:strVal val="visible"/>
+                                      </p:to>
+                                    </p:set>
+                                  </p:childTnLst>
+                                </p:cTn>
+                              </p:par>
+                            </p:childTnLst>
+                          </p:cTn>
+                        </p:par>
+                      </p:childTnLst>
+                    </p:cTn>
+                  </p:par>
+                  <p:par>
+                    <p:cTn id="19" fill="hold">
+                      <p:stCondLst>
+                        <p:cond delay="indefinite"/>
+                      </p:stCondLst>
+                      <p:childTnLst>
+                        <p:par>
+                          <p:cTn id="20" fill="hold">
+                            <p:stCondLst>
+                              <p:cond delay="0"/>
+                            </p:stCondLst>
+                            <p:childTnLst>
+                              <p:par>
+                                <p:cTn id="21" presetID="1" presetClass="entr" presetSubtype="0" fill="hold" nodeType="clickEffect">
+                                  <p:stCondLst>
+                                    <p:cond delay="0"/>
+                                  </p:stCondLst>
+                                  <p:childTnLst>
+                                    <p:set>
+                                      <p:cBhvr>
+                                        <p:cTn id="22" dur="1" fill="hold">
+                                          <p:stCondLst>
+                                            <p:cond delay="0"/>
+                                          </p:stCondLst>
+                                        </p:cTn>
+                                        <p:tgtEl>
+                                          <p:spTgt spid="31"/>
+                                        </p:tgtEl>
+                                        <p:attrNameLst>
+                                          <p:attrName>style.visibility</p:attrName>
+                                        </p:attrNameLst>
+                                      </p:cBhvr>
+                                      <p:to>
+                                        <p:strVal val="visible"/>
+                                      </p:to>
+                                    </p:set>
+                                  </p:childTnLst>
+                                </p:cTn>
+                              </p:par>
+                              <p:par>
+                                <p:cTn id="23" presetID="1" presetClass="entr" presetSubtype="0" fill="hold" nodeType="withEffect">
+                                  <p:stCondLst>
+                                    <p:cond delay="0"/>
+                                  </p:stCondLst>
+                                  <p:childTnLst>
+                                    <p:set>
+                                      <p:cBhvr>
+                                        <p:cTn id="24" dur="1" fill="hold">
+                                          <p:stCondLst>
+                                            <p:cond delay="0"/>
+                                          </p:stCondLst>
+                                        </p:cTn>
+                                        <p:tgtEl>
+                                          <p:spTgt spid="2052"/>
+                                        </p:tgtEl>
+                                        <p:attrNameLst>
+                                          <p:attrName>style.visibility</p:attrName>
+                                        </p:attrNameLst>
+                                      </p:cBhvr>
+                                      <p:to>
+                                        <p:strVal val="visible"/>
+                                      </p:to>
+                                    </p:set>
+                                  </p:childTnLst>
+                                </p:cTn>
+                              </p:par>
+                              <p:par>
+                                <p:cTn id="25" presetID="1" presetClass="entr" presetSubtype="0" fill="hold" nodeType="withEffect">
+                                  <p:stCondLst>
+                                    <p:cond delay="0"/>
+                                  </p:stCondLst>
+                                  <p:childTnLst>
+                                    <p:set>
+                                      <p:cBhvr>
+                                        <p:cTn id="26" dur="1" fill="hold">
+                                          <p:stCondLst>
+                                            <p:cond delay="0"/>
+                                          </p:stCondLst>
+                                        </p:cTn>
+                                        <p:tgtEl>
+                                          <p:spTgt spid="2049"/>
+                                        </p:tgtEl>
+                                        <p:attrNameLst>
+                                          <p:attrName>style.visibility</p:attrName>
+                                        </p:attrNameLst>
+                                      </p:cBhvr>
+                                      <p:to>
+                                        <p:strVal val="visible"/>
+                                      </p:to>
+                                    </p:set>
+                                  </p:childTnLst>
+                                </p:cTn>
+                              </p:par>
+                              <p:par>
+                                <p:cTn id="27" presetID="1" presetClass="entr" presetSubtype="0" fill="hold" grpId="0" nodeType="withEffect">
+                                  <p:stCondLst>
+                                    <p:cond delay="0"/>
+                                  </p:stCondLst>
+                                  <p:childTnLst>
+                                    <p:set>
+                                      <p:cBhvr>
+                                        <p:cTn id="28" dur="1" fill="hold">
+                                          <p:stCondLst>
+                                            <p:cond delay="0"/>
+                                          </p:stCondLst>
+                                        </p:cTn>
+                                        <p:tgtEl>
+                                          <p:spTgt spid="8"/>
+                                        </p:tgtEl>
+                                        <p:attrNameLst>
+                                          <p:attrName>style.visibility</p:attrName>
+                                        </p:attrNameLst>
+                                      </p:cBhvr>
+                                      <p:to>
+                                        <p:strVal val="visible"/>
+                                      </p:to>
+                                    </p:set>
+                                  </p:childTnLst>
+                                </p:cTn>
+                              </p:par>
+                              <p:par>
+                                <p:cTn id="29" presetID="1" presetClass="entr" presetSubtype="0" fill="hold" grpId="0" nodeType="withEffect">
+                                  <p:stCondLst>
+                                    <p:cond delay="0"/>
+                                  </p:stCondLst>
+                                  <p:childTnLst>
+                                    <p:set>
+                                      <p:cBhvr>
+                                        <p:cTn id="30" dur="1" fill="hold">
+                                          <p:stCondLst>
+                                            <p:cond delay="0"/>
+                                          </p:stCondLst>
+                                        </p:cTn>
+                                        <p:tgtEl>
+                                          <p:spTgt spid="16"/>
+                                        </p:tgtEl>
+                                        <p:attrNameLst>
+                                          <p:attrName>style.visibility</p:attrName>
+                                        </p:attrNameLst>
+                                      </p:cBhvr>
+                                      <p:to>
+                                        <p:strVal val="visible"/>
+                                      </p:to>
+                                    </p:set>
+                                  </p:childTnLst>
+                                </p:cTn>
+                              </p:par>
+                              <p:par>
+                                <p:cTn id="31" presetID="1" presetClass="entr" presetSubtype="0" fill="hold" grpId="0" nodeType="withEffect">
+                                  <p:stCondLst>
+                                    <p:cond delay="0"/>
+                                  </p:stCondLst>
+                                  <p:childTnLst>
+                                    <p:set>
+                                      <p:cBhvr>
+                                        <p:cTn id="32" dur="1" fill="hold">
+                                          <p:stCondLst>
+                                            <p:cond delay="0"/>
+                                          </p:stCondLst>
+                                        </p:cTn>
+                                        <p:tgtEl>
+                                          <p:spTgt spid="18"/>
+                                        </p:tgtEl>
+                                        <p:attrNameLst>
+                                          <p:attrName>style.visibility</p:attrName>
+                                        </p:attrNameLst>
+                                      </p:cBhvr>
+                                      <p:to>
+                                        <p:strVal val="visible"/>
+                                      </p:to>
+                                    </p:set>
+                                  </p:childTnLst>
+                                </p:cTn>
+                              </p:par>
+                              <p:par>
+                                <p:cTn id="33" presetID="1" presetClass="entr" presetSubtype="0" fill="hold" nodeType="withEffect">
+                                  <p:stCondLst>
+                                    <p:cond delay="0"/>
+                                  </p:stCondLst>
+                                  <p:childTnLst>
+                                    <p:set>
+                                      <p:cBhvr>
+                                        <p:cTn id="34" dur="1" fill="hold">
+                                          <p:stCondLst>
+                                            <p:cond delay="0"/>
+                                          </p:stCondLst>
+                                        </p:cTn>
+                                        <p:tgtEl>
+                                          <p:spTgt spid="2058"/>
+                                        </p:tgtEl>
+                                        <p:attrNameLst>
+                                          <p:attrName>style.visibility</p:attrName>
+                                        </p:attrNameLst>
+                                      </p:cBhvr>
+                                      <p:to>
+                                        <p:strVal val="visible"/>
+                                      </p:to>
+                                    </p:set>
+                                  </p:childTnLst>
+                                </p:cTn>
+                              </p:par>
+                              <p:par>
+                                <p:cTn id="35" presetID="1" presetClass="entr" presetSubtype="0" fill="hold" nodeType="withEffect">
+                                  <p:stCondLst>
+                                    <p:cond delay="0"/>
+                                  </p:stCondLst>
+                                  <p:childTnLst>
+                                    <p:set>
+                                      <p:cBhvr>
+                                        <p:cTn id="36" dur="1" fill="hold">
+                                          <p:stCondLst>
+                                            <p:cond delay="0"/>
+                                          </p:stCondLst>
+                                        </p:cTn>
+                                        <p:tgtEl>
+                                          <p:spTgt spid="2056"/>
+                                        </p:tgtEl>
+                                        <p:attrNameLst>
+                                          <p:attrName>style.visibility</p:attrName>
+                                        </p:attrNameLst>
+                                      </p:cBhvr>
+                                      <p:to>
+                                        <p:strVal val="visible"/>
+                                      </p:to>
+                                    </p:set>
+                                  </p:childTnLst>
+                                </p:cTn>
+                              </p:par>
+                              <p:par>
+                                <p:cTn id="37" presetID="1" presetClass="entr" presetSubtype="0" fill="hold" nodeType="withEffect">
+                                  <p:stCondLst>
+                                    <p:cond delay="0"/>
+                                  </p:stCondLst>
+                                  <p:childTnLst>
+                                    <p:set>
+                                      <p:cBhvr>
+                                        <p:cTn id="38" dur="1" fill="hold">
+                                          <p:stCondLst>
+                                            <p:cond delay="0"/>
+                                          </p:stCondLst>
+                                        </p:cTn>
+                                        <p:tgtEl>
+                                          <p:spTgt spid="2054"/>
+                                        </p:tgtEl>
+                                        <p:attrNameLst>
+                                          <p:attrName>style.visibility</p:attrName>
+                                        </p:attrNameLst>
+                                      </p:cBhvr>
+                                      <p:to>
+                                        <p:strVal val="visible"/>
+                                      </p:to>
+                                    </p:set>
+                                  </p:childTnLst>
+                                </p:cTn>
+                              </p:par>
+                              <p:par>
+                                <p:cTn id="39" presetID="1" presetClass="entr" presetSubtype="0" fill="hold" grpId="0" nodeType="withEffect">
+                                  <p:stCondLst>
+                                    <p:cond delay="0"/>
+                                  </p:stCondLst>
+                                  <p:childTnLst>
+                                    <p:set>
+                                      <p:cBhvr>
+                                        <p:cTn id="40" dur="1" fill="hold">
+                                          <p:stCondLst>
+                                            <p:cond delay="0"/>
+                                          </p:stCondLst>
+                                        </p:cTn>
+                                        <p:tgtEl>
+                                          <p:spTgt spid="52"/>
+                                        </p:tgtEl>
+                                        <p:attrNameLst>
+                                          <p:attrName>style.visibility</p:attrName>
+                                        </p:attrNameLst>
+                                      </p:cBhvr>
+                                      <p:to>
+                                        <p:strVal val="visible"/>
+                                      </p:to>
+                                    </p:set>
+                                  </p:childTnLst>
+                                </p:cTn>
+                              </p:par>
+                              <p:par>
+                                <p:cTn id="41" presetID="1" presetClass="entr" presetSubtype="0" fill="hold" nodeType="withEffect">
+                                  <p:stCondLst>
+                                    <p:cond delay="0"/>
+                                  </p:stCondLst>
+                                  <p:childTnLst>
+                                    <p:set>
+                                      <p:cBhvr>
+                                        <p:cTn id="42" dur="1" fill="hold">
                                           <p:stCondLst>
                                             <p:cond delay="0"/>
                                           </p:stCondLst>
@@ -20492,14 +20957,132 @@
                                         <p:strVal val="visible"/>
                                       </p:to>
                                     </p:set>
-                                    <p:animEffect transition="in" filter="fade">
+                                  </p:childTnLst>
+                                </p:cTn>
+                              </p:par>
+                            </p:childTnLst>
+                          </p:cTn>
+                        </p:par>
+                      </p:childTnLst>
+                    </p:cTn>
+                  </p:par>
+                  <p:par>
+                    <p:cTn id="43" fill="hold">
+                      <p:stCondLst>
+                        <p:cond delay="indefinite"/>
+                      </p:stCondLst>
+                      <p:childTnLst>
+                        <p:par>
+                          <p:cTn id="44" fill="hold">
+                            <p:stCondLst>
+                              <p:cond delay="0"/>
+                            </p:stCondLst>
+                            <p:childTnLst>
+                              <p:par>
+                                <p:cTn id="45" presetID="1" presetClass="entr" presetSubtype="0" fill="hold" grpId="0" nodeType="clickEffect">
+                                  <p:stCondLst>
+                                    <p:cond delay="0"/>
+                                  </p:stCondLst>
+                                  <p:childTnLst>
+                                    <p:set>
                                       <p:cBhvr>
-                                        <p:cTn id="7" dur="500"/>
+                                        <p:cTn id="46" dur="1" fill="hold">
+                                          <p:stCondLst>
+                                            <p:cond delay="0"/>
+                                          </p:stCondLst>
+                                        </p:cTn>
                                         <p:tgtEl>
-                                          <p:spTgt spid="27"/>
+                                          <p:spTgt spid="15"/>
                                         </p:tgtEl>
+                                        <p:attrNameLst>
+                                          <p:attrName>style.visibility</p:attrName>
+                                        </p:attrNameLst>
                                       </p:cBhvr>
-                                    </p:animEffect>
+                                      <p:to>
+                                        <p:strVal val="visible"/>
+                                      </p:to>
+                                    </p:set>
+                                  </p:childTnLst>
+                                </p:cTn>
+                              </p:par>
+                              <p:par>
+                                <p:cTn id="47" presetID="1" presetClass="entr" presetSubtype="0" fill="hold" grpId="0" nodeType="withEffect">
+                                  <p:stCondLst>
+                                    <p:cond delay="0"/>
+                                  </p:stCondLst>
+                                  <p:childTnLst>
+                                    <p:set>
+                                      <p:cBhvr>
+                                        <p:cTn id="48" dur="1" fill="hold">
+                                          <p:stCondLst>
+                                            <p:cond delay="0"/>
+                                          </p:stCondLst>
+                                        </p:cTn>
+                                        <p:tgtEl>
+                                          <p:spTgt spid="17"/>
+                                        </p:tgtEl>
+                                        <p:attrNameLst>
+                                          <p:attrName>style.visibility</p:attrName>
+                                        </p:attrNameLst>
+                                      </p:cBhvr>
+                                      <p:to>
+                                        <p:strVal val="visible"/>
+                                      </p:to>
+                                    </p:set>
+                                  </p:childTnLst>
+                                </p:cTn>
+                              </p:par>
+                              <p:par>
+                                <p:cTn id="49" presetID="1" presetClass="entr" presetSubtype="0" fill="hold" grpId="0" nodeType="withEffect">
+                                  <p:stCondLst>
+                                    <p:cond delay="0"/>
+                                  </p:stCondLst>
+                                  <p:childTnLst>
+                                    <p:set>
+                                      <p:cBhvr>
+                                        <p:cTn id="50" dur="1" fill="hold">
+                                          <p:stCondLst>
+                                            <p:cond delay="0"/>
+                                          </p:stCondLst>
+                                        </p:cTn>
+                                        <p:tgtEl>
+                                          <p:spTgt spid="19"/>
+                                        </p:tgtEl>
+                                        <p:attrNameLst>
+                                          <p:attrName>style.visibility</p:attrName>
+                                        </p:attrNameLst>
+                                      </p:cBhvr>
+                                      <p:to>
+                                        <p:strVal val="visible"/>
+                                      </p:to>
+                                    </p:set>
+                                  </p:childTnLst>
+                                </p:cTn>
+                              </p:par>
+                              <p:par>
+                                <p:cTn id="51" presetID="1" presetClass="entr" presetSubtype="0" fill="hold" grpId="0" nodeType="withEffect">
+                                  <p:stCondLst>
+                                    <p:cond delay="0"/>
+                                  </p:stCondLst>
+                                  <p:childTnLst>
+                                    <p:set>
+                                      <p:cBhvr>
+                                        <p:cTn id="52" dur="1" fill="hold">
+                                          <p:stCondLst>
+                                            <p:cond delay="0"/>
+                                          </p:stCondLst>
+                                        </p:cTn>
+                                        <p:tgtEl>
+                                          <p:spTgt spid="51"/>
+                                        </p:tgtEl>
+                                        <p:attrNameLst>
+                                          <p:attrName>style.visibility</p:attrName>
+                                        </p:attrNameLst>
+                                      </p:cBhvr>
+                                      <p:to>
+                                        <p:strVal val="visible"/>
+                                      </p:to>
+                                    </p:set>
                                   </p:childTnLst>
                                 </p:cTn>
                               </p:par>
@@ -20530,6 +21113,20 @@
         </p:cTn>
       </p:par>
     </p:tnLst>
+    <p:bldLst>
+      <p:bldP spid="4" grpId="0" animBg="1"/>
+      <p:bldP spid="6" grpId="0" animBg="1"/>
+      <p:bldP spid="8" grpId="0" animBg="1"/>
+      <p:bldP spid="15" grpId="0" animBg="1"/>
+      <p:bldP spid="16" grpId="0" animBg="1"/>
+      <p:bldP spid="17" grpId="0" animBg="1"/>
+      <p:bldP spid="18" grpId="0" animBg="1"/>
+      <p:bldP spid="19" grpId="0" animBg="1"/>
+      <p:bldP spid="49" grpId="0" animBg="1"/>
+      <p:bldP spid="50" grpId="0" animBg="1"/>
+      <p:bldP spid="51" grpId="0" animBg="1"/>
+      <p:bldP spid="52" grpId="0" animBg="1"/>
+    </p:bldLst>
   </p:timing>
 </p:sld>
 </file>

--- a/docker/02_Members_of_docker_universe.pptx
+++ b/docker/02_Members_of_docker_universe.pptx
@@ -5,29 +5,35 @@
     <p:sldMasterId id="2147483733" r:id="rId1"/>
   </p:sldMasterIdLst>
   <p:notesMasterIdLst>
-    <p:notesMasterId r:id="rId19"/>
+    <p:notesMasterId r:id="rId25"/>
   </p:notesMasterIdLst>
   <p:handoutMasterIdLst>
-    <p:handoutMasterId r:id="rId20"/>
+    <p:handoutMasterId r:id="rId26"/>
   </p:handoutMasterIdLst>
   <p:sldIdLst>
     <p:sldId id="434" r:id="rId2"/>
     <p:sldId id="437" r:id="rId3"/>
     <p:sldId id="444" r:id="rId4"/>
     <p:sldId id="449" r:id="rId5"/>
-    <p:sldId id="450" r:id="rId6"/>
-    <p:sldId id="451" r:id="rId7"/>
-    <p:sldId id="455" r:id="rId8"/>
-    <p:sldId id="452" r:id="rId9"/>
-    <p:sldId id="454" r:id="rId10"/>
-    <p:sldId id="453" r:id="rId11"/>
-    <p:sldId id="382" r:id="rId12"/>
-    <p:sldId id="438" r:id="rId13"/>
-    <p:sldId id="440" r:id="rId14"/>
-    <p:sldId id="456" r:id="rId15"/>
-    <p:sldId id="457" r:id="rId16"/>
-    <p:sldId id="448" r:id="rId17"/>
-    <p:sldId id="265" r:id="rId18"/>
+    <p:sldId id="458" r:id="rId6"/>
+    <p:sldId id="450" r:id="rId7"/>
+    <p:sldId id="460" r:id="rId8"/>
+    <p:sldId id="451" r:id="rId9"/>
+    <p:sldId id="461" r:id="rId10"/>
+    <p:sldId id="455" r:id="rId11"/>
+    <p:sldId id="462" r:id="rId12"/>
+    <p:sldId id="452" r:id="rId13"/>
+    <p:sldId id="459" r:id="rId14"/>
+    <p:sldId id="454" r:id="rId15"/>
+    <p:sldId id="453" r:id="rId16"/>
+    <p:sldId id="382" r:id="rId17"/>
+    <p:sldId id="438" r:id="rId18"/>
+    <p:sldId id="440" r:id="rId19"/>
+    <p:sldId id="456" r:id="rId20"/>
+    <p:sldId id="457" r:id="rId21"/>
+    <p:sldId id="448" r:id="rId22"/>
+    <p:sldId id="463" r:id="rId23"/>
+    <p:sldId id="265" r:id="rId24"/>
   </p:sldIdLst>
   <p:sldSz cx="12195175" cy="6858000"/>
   <p:notesSz cx="6858000" cy="9144000"/>
@@ -203,10 +209,6 @@
 </p:presentation>
 </file>
 
-<file path=ppt/revisionInfo.xml><?xml version="1.0" encoding="utf-8"?>
-<p1510:revInfo xmlns:a="http://schemas.openxmlformats.org/drawingml/2006/main" xmlns:r="http://schemas.openxmlformats.org/officeDocument/2006/relationships" xmlns:p1510="http://schemas.microsoft.com/office/powerpoint/2015/10/main"/>
-</file>
-
 <file path=ppt/handoutMasters/handoutMaster1.xml><?xml version="1.0" encoding="utf-8"?>
 <p:handoutMaster xmlns:a="http://schemas.openxmlformats.org/drawingml/2006/main" xmlns:r="http://schemas.openxmlformats.org/officeDocument/2006/relationships" xmlns:p="http://schemas.openxmlformats.org/presentationml/2006/main">
   <p:cSld>
@@ -665,142 +667,61 @@
           <a:lstStyle/>
           <a:p>
             <a:r>
-              <a:rPr lang="de-DE" dirty="0" err="1"/>
-              <a:t>You</a:t>
-            </a:r>
-            <a:r>
-              <a:rPr lang="de-DE" dirty="0"/>
-              <a:t> </a:t>
-            </a:r>
-            <a:r>
-              <a:rPr lang="de-DE" dirty="0" err="1"/>
-              <a:t>actually</a:t>
-            </a:r>
-            <a:r>
-              <a:rPr lang="de-DE" dirty="0"/>
-              <a:t> </a:t>
-            </a:r>
-            <a:r>
-              <a:rPr lang="de-DE" dirty="0" err="1"/>
-              <a:t>specify</a:t>
-            </a:r>
-            <a:r>
-              <a:rPr lang="de-DE" dirty="0"/>
-              <a:t> an </a:t>
-            </a:r>
-            <a:r>
-              <a:rPr lang="de-DE" dirty="0" err="1"/>
-              <a:t>image</a:t>
-            </a:r>
-            <a:r>
-              <a:rPr lang="de-DE" dirty="0"/>
-              <a:t> </a:t>
-            </a:r>
-            <a:r>
-              <a:rPr lang="de-DE" dirty="0" err="1"/>
-              <a:t>name</a:t>
-            </a:r>
-            <a:r>
-              <a:rPr lang="de-DE" dirty="0"/>
-              <a:t> </a:t>
-            </a:r>
-            <a:r>
-              <a:rPr lang="de-DE" dirty="0" err="1"/>
-              <a:t>as</a:t>
-            </a:r>
-            <a:r>
-              <a:rPr lang="de-DE" dirty="0"/>
-              <a:t> </a:t>
-            </a:r>
-            <a:r>
-              <a:rPr lang="de-DE" dirty="0" err="1"/>
-              <a:t>argument</a:t>
-            </a:r>
-            <a:r>
-              <a:rPr lang="de-DE" dirty="0"/>
-              <a:t> </a:t>
-            </a:r>
-            <a:r>
-              <a:rPr lang="de-DE" dirty="0" err="1"/>
-              <a:t>of</a:t>
-            </a:r>
-            <a:r>
-              <a:rPr lang="de-DE" dirty="0"/>
-              <a:t> </a:t>
-            </a:r>
-            <a:r>
-              <a:rPr lang="de-DE" dirty="0" err="1"/>
-              <a:t>the</a:t>
-            </a:r>
-            <a:r>
-              <a:rPr lang="de-DE" dirty="0"/>
-              <a:t> docker </a:t>
-            </a:r>
-            <a:r>
-              <a:rPr lang="de-DE" dirty="0" err="1"/>
-              <a:t>run</a:t>
-            </a:r>
-            <a:r>
-              <a:rPr lang="de-DE" dirty="0"/>
-              <a:t> but </a:t>
-            </a:r>
-            <a:r>
-              <a:rPr lang="de-DE" dirty="0" err="1"/>
-              <a:t>that</a:t>
-            </a:r>
-            <a:r>
-              <a:rPr lang="de-DE" dirty="0"/>
-              <a:t> will </a:t>
-            </a:r>
-            <a:r>
-              <a:rPr lang="de-DE" dirty="0" err="1"/>
-              <a:t>be</a:t>
-            </a:r>
-            <a:r>
-              <a:rPr lang="de-DE" dirty="0"/>
-              <a:t> </a:t>
-            </a:r>
-            <a:r>
-              <a:rPr lang="de-DE" dirty="0" err="1"/>
-              <a:t>explained</a:t>
-            </a:r>
-            <a:r>
-              <a:rPr lang="de-DE" dirty="0"/>
-              <a:t> in </a:t>
-            </a:r>
-            <a:r>
-              <a:rPr lang="de-DE" dirty="0" err="1"/>
-              <a:t>the</a:t>
-            </a:r>
-            <a:r>
-              <a:rPr lang="de-DE" dirty="0"/>
-              <a:t> </a:t>
-            </a:r>
-            <a:r>
-              <a:rPr lang="de-DE" dirty="0" err="1"/>
-              <a:t>next</a:t>
-            </a:r>
-            <a:r>
-              <a:rPr lang="de-DE" dirty="0"/>
-              <a:t> </a:t>
-            </a:r>
-            <a:r>
-              <a:rPr lang="de-DE" dirty="0" err="1"/>
-              <a:t>few</a:t>
-            </a:r>
-            <a:r>
-              <a:rPr lang="de-DE" dirty="0"/>
-              <a:t> </a:t>
-            </a:r>
-            <a:r>
-              <a:rPr lang="de-DE" dirty="0" err="1"/>
-              <a:t>slides</a:t>
-            </a:r>
-            <a:r>
-              <a:rPr lang="de-DE" dirty="0"/>
-              <a:t>.</a:t>
-            </a:r>
-            <a:endParaRPr lang="en-US" dirty="0"/>
+              <a:rPr lang="en-US" dirty="0"/>
+              <a:t>An application will eventually (after doing tons of nested library calls) call the operating system to do things - like reading or writing to files or sending data across the network. Talking to the operating system is done through system calls or </a:t>
+            </a:r>
+            <a:r>
+              <a:rPr lang="en-US" dirty="0" err="1"/>
+              <a:t>syscalls</a:t>
+            </a:r>
+            <a:r>
+              <a:rPr lang="en-US" dirty="0"/>
+              <a:t>. </a:t>
+            </a:r>
+            <a:r>
+              <a:rPr lang="en-US" dirty="0" err="1"/>
+              <a:t>Syscalls</a:t>
+            </a:r>
+            <a:r>
+              <a:rPr lang="en-US" dirty="0"/>
+              <a:t> are the interface between user space (where your application runs in) and kernel space (where the operating system does its job) and there are around 340 of them (</a:t>
+            </a:r>
+            <a:r>
+              <a:rPr lang="en-US" dirty="0" err="1"/>
+              <a:t>syscalls</a:t>
+            </a:r>
+            <a:r>
+              <a:rPr lang="en-US" dirty="0"/>
+              <a:t>).</a:t>
+            </a:r>
+          </a:p>
+          <a:p>
+            <a:r>
+              <a:rPr lang="en-US" dirty="0"/>
+              <a:t>While most system calls are necessary for programs to do their job (e.g. a program cannot even be loaded into memory without the “</a:t>
+            </a:r>
+            <a:r>
+              <a:rPr lang="en-US" dirty="0" err="1"/>
+              <a:t>execve</a:t>
+            </a:r>
+            <a:r>
+              <a:rPr lang="en-US" dirty="0"/>
+              <a:t>” system call) some are potentially dangerous and would allow a process to break free from its container or to cause harm to other containers (such as the reboot system call which would reboot the host terminating all containers on it).</a:t>
+            </a:r>
+          </a:p>
+          <a:p>
+            <a:r>
+              <a:rPr lang="en-US" dirty="0"/>
+              <a:t>With </a:t>
+            </a:r>
+            <a:r>
+              <a:rPr lang="en-US" dirty="0" err="1"/>
+              <a:t>seccomp</a:t>
+            </a:r>
+            <a:r>
+              <a:rPr lang="en-US" dirty="0"/>
+              <a:t>, individual system calls can be blocked to reduce the security risk which is commonly done in container environments (Docker for instance blocks around 40 system calls by default).</a:t>
+            </a:r>
           </a:p>
         </p:txBody>
       </p:sp>
@@ -831,7 +752,7 @@
     </p:spTree>
     <p:extLst>
       <p:ext uri="{BB962C8B-B14F-4D97-AF65-F5344CB8AC3E}">
-        <p14:creationId xmlns:p14="http://schemas.microsoft.com/office/powerpoint/2010/main" val="638968625"/>
+        <p14:creationId xmlns:p14="http://schemas.microsoft.com/office/powerpoint/2010/main" val="1548338189"/>
       </p:ext>
     </p:extLst>
   </p:cSld>
@@ -887,8 +808,25 @@
           <a:p>
             <a:r>
               <a:rPr lang="en-US" dirty="0"/>
-              <a:t>Docker offers more than “just” running containers. It brings a complete eco-system of building, persisting and sharing containers. </a:t>
-            </a:r>
+              <a:t>Demo for </a:t>
+            </a:r>
+            <a:r>
+              <a:rPr lang="en-US" dirty="0" err="1"/>
+              <a:t>seccomp</a:t>
+            </a:r>
+            <a:r>
+              <a:rPr lang="en-US" dirty="0"/>
+              <a:t> </a:t>
+            </a:r>
+            <a:r>
+              <a:rPr lang="en-US" b="1" dirty="0"/>
+              <a:t>based on Docker </a:t>
+            </a:r>
+            <a:r>
+              <a:rPr lang="en-US" b="0" dirty="0"/>
+              <a:t>(for convenience)</a:t>
+            </a:r>
+            <a:endParaRPr lang="en-US" b="1" dirty="0"/>
           </a:p>
           <a:p>
             <a:endParaRPr lang="en-US" dirty="0"/>
@@ -896,8 +834,57 @@
           <a:p>
             <a:r>
               <a:rPr lang="en-US" dirty="0"/>
-              <a:t>The client triggers the docker host to execute actions related to container lifecycle, but also building, downloading &amp; sharing images. The Docker Registry concepts allows to store images permanently. The most famous registry is the docker hub. </a:t>
-            </a:r>
+              <a:t>Within the repo go to the container-demos folder and run </a:t>
+            </a:r>
+            <a:r>
+              <a:rPr lang="en-US" b="1" dirty="0"/>
+              <a:t>demo-05-seccomp.sh</a:t>
+            </a:r>
+          </a:p>
+          <a:p>
+            <a:endParaRPr lang="en-US" b="0" dirty="0"/>
+          </a:p>
+          <a:p>
+            <a:r>
+              <a:rPr lang="en-US" b="0" dirty="0"/>
+              <a:t>The script will demonstrate how </a:t>
+            </a:r>
+            <a:r>
+              <a:rPr lang="en-US" b="0" dirty="0" err="1"/>
+              <a:t>seccomp</a:t>
+            </a:r>
+            <a:r>
+              <a:rPr lang="en-US" b="0" dirty="0"/>
+              <a:t> profiles can be used to control access to the kernel via </a:t>
+            </a:r>
+            <a:r>
+              <a:rPr lang="en-US" b="0" dirty="0" err="1"/>
+              <a:t>syscalls</a:t>
+            </a:r>
+            <a:r>
+              <a:rPr lang="en-US" b="0" dirty="0"/>
+              <a:t>. To make things easier, this demo  is based on Docker so it might give already an impression on how Docker works.</a:t>
+            </a:r>
+          </a:p>
+          <a:p>
+            <a:endParaRPr lang="en-US" b="0" dirty="0"/>
+          </a:p>
+          <a:p>
+            <a:r>
+              <a:rPr lang="en-US" b="0" dirty="0"/>
+              <a:t>While the </a:t>
+            </a:r>
+            <a:r>
+              <a:rPr lang="en-US" b="0" dirty="0" err="1"/>
+              <a:t>syscalls</a:t>
+            </a:r>
+            <a:r>
+              <a:rPr lang="en-US" b="0" dirty="0"/>
+              <a:t> are blocked in this demo, it is worth to mention, that you can also implement trap wires to inform the underlying platform of what’s going on and potentially invoke countermeasures.</a:t>
+            </a:r>
+          </a:p>
+          <a:p>
+            <a:endParaRPr lang="en-US" b="0" dirty="0"/>
           </a:p>
         </p:txBody>
       </p:sp>
@@ -917,18 +904,18 @@
           <a:lstStyle/>
           <a:p>
             <a:fld id="{7D8C2C35-2B8A-446E-BEC0-FD36716C29AC}" type="slidenum">
-              <a:rPr lang="en-US" smtClean="0"/>
+              <a:rPr lang="de-DE" smtClean="0"/>
               <a:pPr/>
               <a:t>11</a:t>
             </a:fld>
-            <a:endParaRPr lang="en-US" dirty="0"/>
+            <a:endParaRPr lang="de-DE" dirty="0"/>
           </a:p>
         </p:txBody>
       </p:sp>
     </p:spTree>
     <p:extLst>
       <p:ext uri="{BB962C8B-B14F-4D97-AF65-F5344CB8AC3E}">
-        <p14:creationId xmlns:p14="http://schemas.microsoft.com/office/powerpoint/2010/main" val="460007210"/>
+        <p14:creationId xmlns:p14="http://schemas.microsoft.com/office/powerpoint/2010/main" val="80651963"/>
       </p:ext>
     </p:extLst>
   </p:cSld>
@@ -982,7 +969,10 @@
           <a:bodyPr/>
           <a:lstStyle/>
           <a:p>
-            <a:endParaRPr lang="en-US" dirty="0"/>
+            <a:r>
+              <a:rPr lang="en-US" dirty="0"/>
+              <a:t>Optionally – run the command above on the container folder created by the chroot demo script</a:t>
+            </a:r>
           </a:p>
         </p:txBody>
       </p:sp>
@@ -1013,7 +1003,7 @@
     </p:spTree>
     <p:extLst>
       <p:ext uri="{BB962C8B-B14F-4D97-AF65-F5344CB8AC3E}">
-        <p14:creationId xmlns:p14="http://schemas.microsoft.com/office/powerpoint/2010/main" val="2984866983"/>
+        <p14:creationId xmlns:p14="http://schemas.microsoft.com/office/powerpoint/2010/main" val="2834622086"/>
       </p:ext>
     </p:extLst>
   </p:cSld>
@@ -1067,140 +1057,7 @@
           <a:bodyPr/>
           <a:lstStyle/>
           <a:p>
-            <a:r>
-              <a:rPr lang="en-US" noProof="0" dirty="0"/>
-              <a:t>Docker is a client-server architecture. The docker command you use to interact with Docker does nothing but talk to the Docker daemon. All the magic of pinning up containers, downloading images and even building images is done inside the Docker daemon. Communication between the Docker client and the Docker daemon happens through a </a:t>
-            </a:r>
-            <a:r>
-              <a:rPr lang="en-US" noProof="0" dirty="0" err="1"/>
-              <a:t>ReST</a:t>
-            </a:r>
-            <a:r>
-              <a:rPr lang="en-US" noProof="0" dirty="0"/>
-              <a:t> API over http/https.</a:t>
-            </a:r>
-          </a:p>
-          <a:p>
-            <a:r>
-              <a:rPr lang="en-US" noProof="0" dirty="0"/>
-              <a:t>If both, docker client and docker daemon, run on the same host, communication will take place through a socket file (/</a:t>
-            </a:r>
-            <a:r>
-              <a:rPr lang="en-US" noProof="0" dirty="0" err="1"/>
-              <a:t>var</a:t>
-            </a:r>
-            <a:r>
-              <a:rPr lang="en-US" noProof="0" dirty="0"/>
-              <a:t>/run/</a:t>
-            </a:r>
-            <a:r>
-              <a:rPr lang="en-US" noProof="0" dirty="0" err="1"/>
-              <a:t>docker.sock</a:t>
-            </a:r>
-            <a:r>
-              <a:rPr lang="en-US" noProof="0" dirty="0"/>
-              <a:t>). It is however also possible to have the Docker client on your local laptop and the Docker daemon on a computer somewhere totally different. In that case, communication goes through TCP, the target port on the Docker daemon will be 2375 for unencrypted HTTP and 2376 for TLS secured HTTPS.</a:t>
-            </a:r>
-          </a:p>
-          <a:p>
-            <a:endParaRPr lang="de-DE" noProof="0" dirty="0"/>
-          </a:p>
-          <a:p>
-            <a:r>
-              <a:rPr lang="de-DE" noProof="0" dirty="0"/>
-              <a:t>N</a:t>
-            </a:r>
-            <a:r>
-              <a:rPr lang="en-US" noProof="0" dirty="0" err="1"/>
-              <a:t>ote</a:t>
-            </a:r>
-            <a:r>
-              <a:rPr lang="en-US" noProof="0" dirty="0"/>
-              <a:t>:</a:t>
-            </a:r>
-          </a:p>
-          <a:p>
-            <a:pPr lvl="1"/>
-            <a:r>
-              <a:rPr lang="en-US" noProof="0" dirty="0"/>
-              <a:t>If you want to talk to</a:t>
-            </a:r>
-            <a:r>
-              <a:rPr lang="en-US" baseline="0" noProof="0" dirty="0"/>
-              <a:t> dockerd directly, you can do so using curl (you will need curl and </a:t>
-            </a:r>
-            <a:r>
-              <a:rPr lang="en-US" baseline="0" noProof="0" dirty="0" err="1"/>
-              <a:t>libcurl</a:t>
-            </a:r>
-            <a:r>
-              <a:rPr lang="en-US" baseline="0" noProof="0" dirty="0"/>
-              <a:t> &gt;= 7.40): </a:t>
-            </a:r>
-            <a:br>
-              <a:rPr lang="en-US" baseline="0" noProof="0" dirty="0"/>
-            </a:br>
-            <a:r>
-              <a:rPr lang="en-US" baseline="0" noProof="0" dirty="0"/>
-              <a:t>   curl --</a:t>
-            </a:r>
-            <a:r>
-              <a:rPr lang="en-US" baseline="0" noProof="0" dirty="0" err="1"/>
-              <a:t>unix</a:t>
-            </a:r>
-            <a:r>
-              <a:rPr lang="en-US" baseline="0" noProof="0" dirty="0"/>
-              <a:t>-socket /</a:t>
-            </a:r>
-            <a:r>
-              <a:rPr lang="en-US" baseline="0" noProof="0" dirty="0" err="1"/>
-              <a:t>var</a:t>
-            </a:r>
-            <a:r>
-              <a:rPr lang="en-US" baseline="0" noProof="0" dirty="0"/>
-              <a:t>/run/</a:t>
-            </a:r>
-            <a:r>
-              <a:rPr lang="en-US" baseline="0" noProof="0" dirty="0" err="1"/>
-              <a:t>docker.sock</a:t>
-            </a:r>
-            <a:r>
-              <a:rPr lang="en-US" baseline="0" noProof="0" dirty="0"/>
-              <a:t> http://localhost/containers/json</a:t>
-            </a:r>
-          </a:p>
-          <a:p>
-            <a:pPr lvl="1"/>
-            <a:r>
-              <a:rPr lang="en-US" baseline="0" noProof="0" dirty="0"/>
-              <a:t>Or use your web browser if you enabled </a:t>
-            </a:r>
-            <a:r>
-              <a:rPr lang="en-US" baseline="0" noProof="0" dirty="0" err="1"/>
-              <a:t>dockerd‘s</a:t>
-            </a:r>
-            <a:r>
-              <a:rPr lang="en-US" baseline="0" noProof="0" dirty="0"/>
-              <a:t> TCP socket</a:t>
-            </a:r>
-            <a:r>
-              <a:rPr lang="en-US" baseline="0" noProof="0"/>
-              <a:t>: </a:t>
-            </a:r>
-            <a:br>
-              <a:rPr lang="en-US" baseline="0" noProof="0"/>
-            </a:br>
-            <a:r>
-              <a:rPr lang="en-US" baseline="0" noProof="0"/>
-              <a:t>   </a:t>
-            </a:r>
-            <a:r>
-              <a:rPr lang="en-US" baseline="0" noProof="0" dirty="0"/>
-              <a:t>http://&lt;hostname&gt;:2375/containers/json</a:t>
-            </a:r>
-          </a:p>
-          <a:p>
-            <a:endParaRPr lang="en-US" noProof="0" dirty="0"/>
+            <a:endParaRPr lang="en-US" dirty="0"/>
           </a:p>
         </p:txBody>
       </p:sp>
@@ -1220,18 +1077,18 @@
           <a:lstStyle/>
           <a:p>
             <a:fld id="{7D8C2C35-2B8A-446E-BEC0-FD36716C29AC}" type="slidenum">
-              <a:rPr lang="en-US" smtClean="0"/>
+              <a:rPr lang="de-DE" smtClean="0"/>
               <a:pPr/>
               <a:t>13</a:t>
             </a:fld>
-            <a:endParaRPr lang="en-US" dirty="0"/>
+            <a:endParaRPr lang="de-DE" dirty="0"/>
           </a:p>
         </p:txBody>
       </p:sp>
     </p:spTree>
     <p:extLst>
       <p:ext uri="{BB962C8B-B14F-4D97-AF65-F5344CB8AC3E}">
-        <p14:creationId xmlns:p14="http://schemas.microsoft.com/office/powerpoint/2010/main" val="1009079960"/>
+        <p14:creationId xmlns:p14="http://schemas.microsoft.com/office/powerpoint/2010/main" val="3078135584"/>
       </p:ext>
     </p:extLst>
   </p:cSld>
@@ -1285,127 +1142,7 @@
           <a:bodyPr/>
           <a:lstStyle/>
           <a:p>
-            <a:r>
-              <a:rPr lang="en-US" dirty="0"/>
-              <a:t>The docker daemon works as central entry point. It receives API requests and is home of docker specific features.</a:t>
-            </a:r>
-          </a:p>
-          <a:p>
             <a:endParaRPr lang="en-US" dirty="0"/>
-          </a:p>
-          <a:p>
-            <a:r>
-              <a:rPr lang="en-US" dirty="0" err="1"/>
-              <a:t>Containerd</a:t>
-            </a:r>
-            <a:r>
-              <a:rPr lang="en-US" dirty="0"/>
-              <a:t> actually is the container runtime. It is a refactored part of the former docker engine and handles the complete lifecycle of a container. It works on the basis of the open container initiative (OCI) specifications for container runtimes. </a:t>
-            </a:r>
-            <a:r>
-              <a:rPr lang="en-US" dirty="0" err="1"/>
-              <a:t>Containerd</a:t>
-            </a:r>
-            <a:r>
-              <a:rPr lang="en-US" dirty="0"/>
-              <a:t> also depends on OCI compatible images (root file system + </a:t>
-            </a:r>
-            <a:r>
-              <a:rPr lang="en-US" dirty="0" err="1"/>
-              <a:t>container.json</a:t>
-            </a:r>
-            <a:r>
-              <a:rPr lang="en-US" dirty="0"/>
-              <a:t>)</a:t>
-            </a:r>
-          </a:p>
-          <a:p>
-            <a:endParaRPr lang="en-US" dirty="0"/>
-          </a:p>
-          <a:p>
-            <a:r>
-              <a:rPr lang="en-US" dirty="0" err="1"/>
-              <a:t>Containerd</a:t>
-            </a:r>
-            <a:r>
-              <a:rPr lang="en-US" dirty="0"/>
-              <a:t> instructs </a:t>
-            </a:r>
-            <a:r>
-              <a:rPr lang="en-US" dirty="0" err="1"/>
-              <a:t>runc</a:t>
-            </a:r>
-            <a:r>
-              <a:rPr lang="en-US" dirty="0"/>
-              <a:t> to start a container. </a:t>
-            </a:r>
-            <a:r>
-              <a:rPr lang="en-US" dirty="0" err="1"/>
-              <a:t>Runc</a:t>
-            </a:r>
-            <a:r>
-              <a:rPr lang="en-US" dirty="0"/>
-              <a:t> sets up all the </a:t>
-            </a:r>
-            <a:r>
-              <a:rPr lang="en-US" dirty="0" err="1"/>
-              <a:t>linux</a:t>
-            </a:r>
-            <a:r>
-              <a:rPr lang="en-US" dirty="0"/>
-              <a:t> magic with </a:t>
-            </a:r>
-            <a:r>
-              <a:rPr lang="en-US" dirty="0" err="1"/>
-              <a:t>cgroups</a:t>
-            </a:r>
-            <a:r>
-              <a:rPr lang="en-US" dirty="0"/>
-              <a:t> </a:t>
-            </a:r>
-            <a:r>
-              <a:rPr lang="en-US" dirty="0" err="1"/>
-              <a:t>etc</a:t>
-            </a:r>
-            <a:r>
-              <a:rPr lang="en-US" dirty="0"/>
-              <a:t> and forks the container’s PID #1. Afterwards it will exit(0) and handover parent ownership of the container to </a:t>
-            </a:r>
-            <a:r>
-              <a:rPr lang="en-US" dirty="0" err="1"/>
-              <a:t>containerd</a:t>
-            </a:r>
-            <a:r>
-              <a:rPr lang="en-US" dirty="0"/>
-              <a:t>-shim. The shim module is there to decouple the daemon and container processes.</a:t>
-            </a:r>
-          </a:p>
-          <a:p>
-            <a:endParaRPr lang="en-US" dirty="0"/>
-          </a:p>
-          <a:p>
-            <a:r>
-              <a:rPr lang="en-US" dirty="0"/>
-              <a:t>Details can be found here:</a:t>
-            </a:r>
-          </a:p>
-          <a:p>
-            <a:r>
-              <a:rPr lang="en-US" dirty="0"/>
-              <a:t>https://containerd.io/</a:t>
-            </a:r>
-          </a:p>
-          <a:p>
-            <a:r>
-              <a:rPr lang="en-US" dirty="0"/>
-              <a:t>https://www.slideshare.net/PhilEstes/diving-through-the-layers-investigating-runc-containerd-and-the-docker-engine-architecture</a:t>
-            </a:r>
-          </a:p>
-          <a:p>
-            <a:r>
-              <a:rPr lang="en-US" dirty="0"/>
-              <a:t>https://hackernoon.com/docker-containerd-standalone-runtimes-heres-what-you-should-know-b834ef155426?gi=c8140ae48de2</a:t>
-            </a:r>
           </a:p>
         </p:txBody>
       </p:sp>
@@ -1425,18 +1162,18 @@
           <a:lstStyle/>
           <a:p>
             <a:fld id="{7D8C2C35-2B8A-446E-BEC0-FD36716C29AC}" type="slidenum">
-              <a:rPr lang="de-DE" smtClean="0"/>
+              <a:rPr lang="en-US" smtClean="0"/>
               <a:pPr/>
-              <a:t>15</a:t>
+              <a:t>14</a:t>
             </a:fld>
-            <a:endParaRPr lang="de-DE" dirty="0"/>
+            <a:endParaRPr lang="en-US" dirty="0"/>
           </a:p>
         </p:txBody>
       </p:sp>
     </p:spTree>
     <p:extLst>
       <p:ext uri="{BB962C8B-B14F-4D97-AF65-F5344CB8AC3E}">
-        <p14:creationId xmlns:p14="http://schemas.microsoft.com/office/powerpoint/2010/main" val="3483686948"/>
+        <p14:creationId xmlns:p14="http://schemas.microsoft.com/office/powerpoint/2010/main" val="2415921286"/>
       </p:ext>
     </p:extLst>
   </p:cSld>
@@ -1490,6 +1227,142 @@
           <a:bodyPr/>
           <a:lstStyle/>
           <a:p>
+            <a:r>
+              <a:rPr lang="de-DE" dirty="0" err="1"/>
+              <a:t>You</a:t>
+            </a:r>
+            <a:r>
+              <a:rPr lang="de-DE" dirty="0"/>
+              <a:t> </a:t>
+            </a:r>
+            <a:r>
+              <a:rPr lang="de-DE" dirty="0" err="1"/>
+              <a:t>actually</a:t>
+            </a:r>
+            <a:r>
+              <a:rPr lang="de-DE" dirty="0"/>
+              <a:t> </a:t>
+            </a:r>
+            <a:r>
+              <a:rPr lang="de-DE" dirty="0" err="1"/>
+              <a:t>specify</a:t>
+            </a:r>
+            <a:r>
+              <a:rPr lang="de-DE" dirty="0"/>
+              <a:t> an </a:t>
+            </a:r>
+            <a:r>
+              <a:rPr lang="de-DE" dirty="0" err="1"/>
+              <a:t>image</a:t>
+            </a:r>
+            <a:r>
+              <a:rPr lang="de-DE" dirty="0"/>
+              <a:t> </a:t>
+            </a:r>
+            <a:r>
+              <a:rPr lang="de-DE" dirty="0" err="1"/>
+              <a:t>name</a:t>
+            </a:r>
+            <a:r>
+              <a:rPr lang="de-DE" dirty="0"/>
+              <a:t> </a:t>
+            </a:r>
+            <a:r>
+              <a:rPr lang="de-DE" dirty="0" err="1"/>
+              <a:t>as</a:t>
+            </a:r>
+            <a:r>
+              <a:rPr lang="de-DE" dirty="0"/>
+              <a:t> </a:t>
+            </a:r>
+            <a:r>
+              <a:rPr lang="de-DE" dirty="0" err="1"/>
+              <a:t>argument</a:t>
+            </a:r>
+            <a:r>
+              <a:rPr lang="de-DE" dirty="0"/>
+              <a:t> </a:t>
+            </a:r>
+            <a:r>
+              <a:rPr lang="de-DE" dirty="0" err="1"/>
+              <a:t>of</a:t>
+            </a:r>
+            <a:r>
+              <a:rPr lang="de-DE" dirty="0"/>
+              <a:t> </a:t>
+            </a:r>
+            <a:r>
+              <a:rPr lang="de-DE" dirty="0" err="1"/>
+              <a:t>the</a:t>
+            </a:r>
+            <a:r>
+              <a:rPr lang="de-DE" dirty="0"/>
+              <a:t> docker </a:t>
+            </a:r>
+            <a:r>
+              <a:rPr lang="de-DE" dirty="0" err="1"/>
+              <a:t>run</a:t>
+            </a:r>
+            <a:r>
+              <a:rPr lang="de-DE" dirty="0"/>
+              <a:t> but </a:t>
+            </a:r>
+            <a:r>
+              <a:rPr lang="de-DE" dirty="0" err="1"/>
+              <a:t>that</a:t>
+            </a:r>
+            <a:r>
+              <a:rPr lang="de-DE" dirty="0"/>
+              <a:t> will </a:t>
+            </a:r>
+            <a:r>
+              <a:rPr lang="de-DE" dirty="0" err="1"/>
+              <a:t>be</a:t>
+            </a:r>
+            <a:r>
+              <a:rPr lang="de-DE" dirty="0"/>
+              <a:t> </a:t>
+            </a:r>
+            <a:r>
+              <a:rPr lang="de-DE" dirty="0" err="1"/>
+              <a:t>explained</a:t>
+            </a:r>
+            <a:r>
+              <a:rPr lang="de-DE" dirty="0"/>
+              <a:t> in </a:t>
+            </a:r>
+            <a:r>
+              <a:rPr lang="de-DE" dirty="0" err="1"/>
+              <a:t>the</a:t>
+            </a:r>
+            <a:r>
+              <a:rPr lang="de-DE" dirty="0"/>
+              <a:t> </a:t>
+            </a:r>
+            <a:r>
+              <a:rPr lang="de-DE" dirty="0" err="1"/>
+              <a:t>next</a:t>
+            </a:r>
+            <a:r>
+              <a:rPr lang="de-DE" dirty="0"/>
+              <a:t> </a:t>
+            </a:r>
+            <a:r>
+              <a:rPr lang="de-DE" dirty="0" err="1"/>
+              <a:t>few</a:t>
+            </a:r>
+            <a:r>
+              <a:rPr lang="de-DE" dirty="0"/>
+              <a:t> </a:t>
+            </a:r>
+            <a:r>
+              <a:rPr lang="de-DE" dirty="0" err="1"/>
+              <a:t>slides</a:t>
+            </a:r>
+            <a:r>
+              <a:rPr lang="de-DE" dirty="0"/>
+              <a:t>.</a:t>
+            </a:r>
             <a:endParaRPr lang="en-US" dirty="0"/>
           </a:p>
         </p:txBody>
@@ -1512,7 +1385,7 @@
             <a:fld id="{7D8C2C35-2B8A-446E-BEC0-FD36716C29AC}" type="slidenum">
               <a:rPr lang="en-US" smtClean="0"/>
               <a:pPr/>
-              <a:t>16</a:t>
+              <a:t>15</a:t>
             </a:fld>
             <a:endParaRPr lang="en-US" dirty="0"/>
           </a:p>
@@ -1521,7 +1394,7 @@
     </p:spTree>
     <p:extLst>
       <p:ext uri="{BB962C8B-B14F-4D97-AF65-F5344CB8AC3E}">
-        <p14:creationId xmlns:p14="http://schemas.microsoft.com/office/powerpoint/2010/main" val="2814901391"/>
+        <p14:creationId xmlns:p14="http://schemas.microsoft.com/office/powerpoint/2010/main" val="638968625"/>
       </p:ext>
     </p:extLst>
   </p:cSld>
@@ -1550,6 +1423,49 @@
       </p:grpSpPr>
       <p:sp>
         <p:nvSpPr>
+          <p:cNvPr id="2" name="Slide Image Placeholder 1"/>
+          <p:cNvSpPr>
+            <a:spLocks noGrp="1" noRot="1" noChangeAspect="1"/>
+          </p:cNvSpPr>
+          <p:nvPr>
+            <p:ph type="sldImg"/>
+          </p:nvPr>
+        </p:nvSpPr>
+        <p:spPr/>
+      </p:sp>
+      <p:sp>
+        <p:nvSpPr>
+          <p:cNvPr id="3" name="Notes Placeholder 2"/>
+          <p:cNvSpPr>
+            <a:spLocks noGrp="1"/>
+          </p:cNvSpPr>
+          <p:nvPr>
+            <p:ph type="body" idx="1"/>
+          </p:nvPr>
+        </p:nvSpPr>
+        <p:spPr/>
+        <p:txBody>
+          <a:bodyPr/>
+          <a:lstStyle/>
+          <a:p>
+            <a:r>
+              <a:rPr lang="en-US" dirty="0"/>
+              <a:t>Docker offers more than “just” running containers. It brings a complete eco-system of building, persisting and sharing containers. </a:t>
+            </a:r>
+          </a:p>
+          <a:p>
+            <a:endParaRPr lang="en-US" dirty="0"/>
+          </a:p>
+          <a:p>
+            <a:r>
+              <a:rPr lang="en-US" dirty="0"/>
+              <a:t>The client triggers the docker host to execute actions related to container lifecycle, but also building, downloading &amp; sharing images. The Docker Registry concepts allows to store images permanently. The most famous registry is the docker hub. </a:t>
+            </a:r>
+          </a:p>
+        </p:txBody>
+      </p:sp>
+      <p:sp>
+        <p:nvSpPr>
           <p:cNvPr id="4" name="Slide Number Placeholder 3"/>
           <p:cNvSpPr>
             <a:spLocks noGrp="1"/>
@@ -1566,15 +1482,45 @@
             <a:fld id="{7D8C2C35-2B8A-446E-BEC0-FD36716C29AC}" type="slidenum">
               <a:rPr lang="en-US" smtClean="0"/>
               <a:pPr/>
-              <a:t>17</a:t>
+              <a:t>16</a:t>
             </a:fld>
             <a:endParaRPr lang="en-US" dirty="0"/>
           </a:p>
         </p:txBody>
       </p:sp>
+    </p:spTree>
+    <p:extLst>
+      <p:ext uri="{BB962C8B-B14F-4D97-AF65-F5344CB8AC3E}">
+        <p14:creationId xmlns:p14="http://schemas.microsoft.com/office/powerpoint/2010/main" val="460007210"/>
+      </p:ext>
+    </p:extLst>
+  </p:cSld>
+  <p:clrMapOvr>
+    <a:masterClrMapping/>
+  </p:clrMapOvr>
+</p:notes>
+</file>
+
+<file path=ppt/notesSlides/notesSlide17.xml><?xml version="1.0" encoding="utf-8"?>
+<p:notes xmlns:a="http://schemas.openxmlformats.org/drawingml/2006/main" xmlns:r="http://schemas.openxmlformats.org/officeDocument/2006/relationships" xmlns:p="http://schemas.openxmlformats.org/presentationml/2006/main">
+  <p:cSld>
+    <p:spTree>
+      <p:nvGrpSpPr>
+        <p:cNvPr id="1" name=""/>
+        <p:cNvGrpSpPr/>
+        <p:nvPr/>
+      </p:nvGrpSpPr>
+      <p:grpSpPr>
+        <a:xfrm>
+          <a:off x="0" y="0"/>
+          <a:ext cx="0" cy="0"/>
+          <a:chOff x="0" y="0"/>
+          <a:chExt cx="0" cy="0"/>
+        </a:xfrm>
+      </p:grpSpPr>
       <p:sp>
         <p:nvSpPr>
-          <p:cNvPr id="6" name="Slide Image Placeholder 5"/>
+          <p:cNvPr id="2" name="Slide Image Placeholder 1"/>
           <p:cNvSpPr>
             <a:spLocks noGrp="1" noRot="1" noChangeAspect="1"/>
           </p:cNvSpPr>
@@ -1582,16 +1528,11 @@
             <p:ph type="sldImg"/>
           </p:nvPr>
         </p:nvSpPr>
-        <p:spPr>
-          <a:xfrm>
-            <a:off x="547688" y="612775"/>
-            <a:ext cx="5762625" cy="3241675"/>
-          </a:xfrm>
-        </p:spPr>
+        <p:spPr/>
       </p:sp>
       <p:sp>
         <p:nvSpPr>
-          <p:cNvPr id="7" name="Notes Placeholder 6"/>
+          <p:cNvPr id="3" name="Notes Placeholder 2"/>
           <p:cNvSpPr>
             <a:spLocks noGrp="1"/>
           </p:cNvSpPr>
@@ -1601,11 +1542,33 @@
         </p:nvSpPr>
         <p:spPr/>
         <p:txBody>
-          <a:bodyPr>
-            <a:normAutofit/>
-          </a:bodyPr>
+          <a:bodyPr/>
           <a:lstStyle/>
           <a:p>
+            <a:endParaRPr lang="en-US" dirty="0"/>
+          </a:p>
+        </p:txBody>
+      </p:sp>
+      <p:sp>
+        <p:nvSpPr>
+          <p:cNvPr id="4" name="Slide Number Placeholder 3"/>
+          <p:cNvSpPr>
+            <a:spLocks noGrp="1"/>
+          </p:cNvSpPr>
+          <p:nvPr>
+            <p:ph type="sldNum" sz="quarter" idx="10"/>
+          </p:nvPr>
+        </p:nvSpPr>
+        <p:spPr/>
+        <p:txBody>
+          <a:bodyPr/>
+          <a:lstStyle/>
+          <a:p>
+            <a:fld id="{7D8C2C35-2B8A-446E-BEC0-FD36716C29AC}" type="slidenum">
+              <a:rPr lang="en-US" smtClean="0"/>
+              <a:pPr/>
+              <a:t>17</a:t>
+            </a:fld>
             <a:endParaRPr lang="en-US" dirty="0"/>
           </a:p>
         </p:txBody>
@@ -1613,7 +1576,430 @@
     </p:spTree>
     <p:extLst>
       <p:ext uri="{BB962C8B-B14F-4D97-AF65-F5344CB8AC3E}">
-        <p14:creationId xmlns:p14="http://schemas.microsoft.com/office/powerpoint/2010/main" val="2544264309"/>
+        <p14:creationId xmlns:p14="http://schemas.microsoft.com/office/powerpoint/2010/main" val="2984866983"/>
+      </p:ext>
+    </p:extLst>
+  </p:cSld>
+  <p:clrMapOvr>
+    <a:masterClrMapping/>
+  </p:clrMapOvr>
+</p:notes>
+</file>
+
+<file path=ppt/notesSlides/notesSlide18.xml><?xml version="1.0" encoding="utf-8"?>
+<p:notes xmlns:a="http://schemas.openxmlformats.org/drawingml/2006/main" xmlns:r="http://schemas.openxmlformats.org/officeDocument/2006/relationships" xmlns:p="http://schemas.openxmlformats.org/presentationml/2006/main">
+  <p:cSld>
+    <p:spTree>
+      <p:nvGrpSpPr>
+        <p:cNvPr id="1" name=""/>
+        <p:cNvGrpSpPr/>
+        <p:nvPr/>
+      </p:nvGrpSpPr>
+      <p:grpSpPr>
+        <a:xfrm>
+          <a:off x="0" y="0"/>
+          <a:ext cx="0" cy="0"/>
+          <a:chOff x="0" y="0"/>
+          <a:chExt cx="0" cy="0"/>
+        </a:xfrm>
+      </p:grpSpPr>
+      <p:sp>
+        <p:nvSpPr>
+          <p:cNvPr id="2" name="Slide Image Placeholder 1"/>
+          <p:cNvSpPr>
+            <a:spLocks noGrp="1" noRot="1" noChangeAspect="1"/>
+          </p:cNvSpPr>
+          <p:nvPr>
+            <p:ph type="sldImg"/>
+          </p:nvPr>
+        </p:nvSpPr>
+        <p:spPr/>
+      </p:sp>
+      <p:sp>
+        <p:nvSpPr>
+          <p:cNvPr id="3" name="Notes Placeholder 2"/>
+          <p:cNvSpPr>
+            <a:spLocks noGrp="1"/>
+          </p:cNvSpPr>
+          <p:nvPr>
+            <p:ph type="body" idx="1"/>
+          </p:nvPr>
+        </p:nvSpPr>
+        <p:spPr/>
+        <p:txBody>
+          <a:bodyPr/>
+          <a:lstStyle/>
+          <a:p>
+            <a:r>
+              <a:rPr lang="en-US" noProof="0" dirty="0"/>
+              <a:t>Docker is a client-server architecture. The docker command you use to interact with Docker does nothing but talk to the Docker daemon. All the magic of pinning up containers, downloading images and even building images is done inside the Docker daemon. Communication between the Docker client and the Docker daemon happens through a </a:t>
+            </a:r>
+            <a:r>
+              <a:rPr lang="en-US" noProof="0" dirty="0" err="1"/>
+              <a:t>ReST</a:t>
+            </a:r>
+            <a:r>
+              <a:rPr lang="en-US" noProof="0" dirty="0"/>
+              <a:t> API over http/https.</a:t>
+            </a:r>
+          </a:p>
+          <a:p>
+            <a:r>
+              <a:rPr lang="en-US" noProof="0" dirty="0"/>
+              <a:t>If both, docker client and docker daemon, run on the same host, communication will take place through a socket file (/</a:t>
+            </a:r>
+            <a:r>
+              <a:rPr lang="en-US" noProof="0" dirty="0" err="1"/>
+              <a:t>var</a:t>
+            </a:r>
+            <a:r>
+              <a:rPr lang="en-US" noProof="0" dirty="0"/>
+              <a:t>/run/</a:t>
+            </a:r>
+            <a:r>
+              <a:rPr lang="en-US" noProof="0" dirty="0" err="1"/>
+              <a:t>docker.sock</a:t>
+            </a:r>
+            <a:r>
+              <a:rPr lang="en-US" noProof="0" dirty="0"/>
+              <a:t>). It is however also possible to have the Docker client on your local laptop and the Docker daemon on a computer somewhere totally different. In that case, communication goes through TCP, the target port on the Docker daemon will be 2375 for unencrypted HTTP and 2376 for TLS secured HTTPS.</a:t>
+            </a:r>
+          </a:p>
+          <a:p>
+            <a:endParaRPr lang="de-DE" noProof="0" dirty="0"/>
+          </a:p>
+          <a:p>
+            <a:r>
+              <a:rPr lang="de-DE" noProof="0" dirty="0"/>
+              <a:t>N</a:t>
+            </a:r>
+            <a:r>
+              <a:rPr lang="en-US" noProof="0" dirty="0" err="1"/>
+              <a:t>ote</a:t>
+            </a:r>
+            <a:r>
+              <a:rPr lang="en-US" noProof="0" dirty="0"/>
+              <a:t>:</a:t>
+            </a:r>
+          </a:p>
+          <a:p>
+            <a:pPr lvl="1"/>
+            <a:r>
+              <a:rPr lang="en-US" noProof="0" dirty="0"/>
+              <a:t>If you want to talk to</a:t>
+            </a:r>
+            <a:r>
+              <a:rPr lang="en-US" baseline="0" noProof="0" dirty="0"/>
+              <a:t> dockerd directly, you can do so using curl (you will need curl and </a:t>
+            </a:r>
+            <a:r>
+              <a:rPr lang="en-US" baseline="0" noProof="0" dirty="0" err="1"/>
+              <a:t>libcurl</a:t>
+            </a:r>
+            <a:r>
+              <a:rPr lang="en-US" baseline="0" noProof="0" dirty="0"/>
+              <a:t> &gt;= 7.40): </a:t>
+            </a:r>
+            <a:br>
+              <a:rPr lang="en-US" baseline="0" noProof="0" dirty="0"/>
+            </a:br>
+            <a:r>
+              <a:rPr lang="en-US" baseline="0" noProof="0" dirty="0"/>
+              <a:t>   curl --</a:t>
+            </a:r>
+            <a:r>
+              <a:rPr lang="en-US" baseline="0" noProof="0" dirty="0" err="1"/>
+              <a:t>unix</a:t>
+            </a:r>
+            <a:r>
+              <a:rPr lang="en-US" baseline="0" noProof="0" dirty="0"/>
+              <a:t>-socket /</a:t>
+            </a:r>
+            <a:r>
+              <a:rPr lang="en-US" baseline="0" noProof="0" dirty="0" err="1"/>
+              <a:t>var</a:t>
+            </a:r>
+            <a:r>
+              <a:rPr lang="en-US" baseline="0" noProof="0" dirty="0"/>
+              <a:t>/run/</a:t>
+            </a:r>
+            <a:r>
+              <a:rPr lang="en-US" baseline="0" noProof="0" dirty="0" err="1"/>
+              <a:t>docker.sock</a:t>
+            </a:r>
+            <a:r>
+              <a:rPr lang="en-US" baseline="0" noProof="0" dirty="0"/>
+              <a:t> http://localhost/containers/json</a:t>
+            </a:r>
+          </a:p>
+          <a:p>
+            <a:pPr lvl="1"/>
+            <a:r>
+              <a:rPr lang="en-US" baseline="0" noProof="0" dirty="0"/>
+              <a:t>Or use your web browser if you enabled </a:t>
+            </a:r>
+            <a:r>
+              <a:rPr lang="en-US" baseline="0" noProof="0" dirty="0" err="1"/>
+              <a:t>dockerd‘s</a:t>
+            </a:r>
+            <a:r>
+              <a:rPr lang="en-US" baseline="0" noProof="0" dirty="0"/>
+              <a:t> TCP socket</a:t>
+            </a:r>
+            <a:r>
+              <a:rPr lang="en-US" baseline="0" noProof="0"/>
+              <a:t>: </a:t>
+            </a:r>
+            <a:br>
+              <a:rPr lang="en-US" baseline="0" noProof="0"/>
+            </a:br>
+            <a:r>
+              <a:rPr lang="en-US" baseline="0" noProof="0"/>
+              <a:t>   </a:t>
+            </a:r>
+            <a:r>
+              <a:rPr lang="en-US" baseline="0" noProof="0" dirty="0"/>
+              <a:t>http://&lt;hostname&gt;:2375/containers/json</a:t>
+            </a:r>
+          </a:p>
+          <a:p>
+            <a:endParaRPr lang="en-US" noProof="0" dirty="0"/>
+          </a:p>
+        </p:txBody>
+      </p:sp>
+      <p:sp>
+        <p:nvSpPr>
+          <p:cNvPr id="4" name="Slide Number Placeholder 3"/>
+          <p:cNvSpPr>
+            <a:spLocks noGrp="1"/>
+          </p:cNvSpPr>
+          <p:nvPr>
+            <p:ph type="sldNum" sz="quarter" idx="10"/>
+          </p:nvPr>
+        </p:nvSpPr>
+        <p:spPr/>
+        <p:txBody>
+          <a:bodyPr/>
+          <a:lstStyle/>
+          <a:p>
+            <a:fld id="{7D8C2C35-2B8A-446E-BEC0-FD36716C29AC}" type="slidenum">
+              <a:rPr lang="en-US" smtClean="0"/>
+              <a:pPr/>
+              <a:t>18</a:t>
+            </a:fld>
+            <a:endParaRPr lang="en-US" dirty="0"/>
+          </a:p>
+        </p:txBody>
+      </p:sp>
+    </p:spTree>
+    <p:extLst>
+      <p:ext uri="{BB962C8B-B14F-4D97-AF65-F5344CB8AC3E}">
+        <p14:creationId xmlns:p14="http://schemas.microsoft.com/office/powerpoint/2010/main" val="1009079960"/>
+      </p:ext>
+    </p:extLst>
+  </p:cSld>
+  <p:clrMapOvr>
+    <a:masterClrMapping/>
+  </p:clrMapOvr>
+</p:notes>
+</file>
+
+<file path=ppt/notesSlides/notesSlide19.xml><?xml version="1.0" encoding="utf-8"?>
+<p:notes xmlns:a="http://schemas.openxmlformats.org/drawingml/2006/main" xmlns:r="http://schemas.openxmlformats.org/officeDocument/2006/relationships" xmlns:p="http://schemas.openxmlformats.org/presentationml/2006/main">
+  <p:cSld>
+    <p:spTree>
+      <p:nvGrpSpPr>
+        <p:cNvPr id="1" name=""/>
+        <p:cNvGrpSpPr/>
+        <p:nvPr/>
+      </p:nvGrpSpPr>
+      <p:grpSpPr>
+        <a:xfrm>
+          <a:off x="0" y="0"/>
+          <a:ext cx="0" cy="0"/>
+          <a:chOff x="0" y="0"/>
+          <a:chExt cx="0" cy="0"/>
+        </a:xfrm>
+      </p:grpSpPr>
+      <p:sp>
+        <p:nvSpPr>
+          <p:cNvPr id="2" name="Slide Image Placeholder 1"/>
+          <p:cNvSpPr>
+            <a:spLocks noGrp="1" noRot="1" noChangeAspect="1"/>
+          </p:cNvSpPr>
+          <p:nvPr>
+            <p:ph type="sldImg"/>
+          </p:nvPr>
+        </p:nvSpPr>
+        <p:spPr/>
+      </p:sp>
+      <p:sp>
+        <p:nvSpPr>
+          <p:cNvPr id="3" name="Notes Placeholder 2"/>
+          <p:cNvSpPr>
+            <a:spLocks noGrp="1"/>
+          </p:cNvSpPr>
+          <p:nvPr>
+            <p:ph type="body" idx="1"/>
+          </p:nvPr>
+        </p:nvSpPr>
+        <p:spPr/>
+        <p:txBody>
+          <a:bodyPr/>
+          <a:lstStyle/>
+          <a:p>
+            <a:r>
+              <a:rPr lang="en-US" dirty="0"/>
+              <a:t>The docker daemon works as central entry point. It receives API requests and is home of docker specific features.</a:t>
+            </a:r>
+          </a:p>
+          <a:p>
+            <a:endParaRPr lang="en-US" dirty="0"/>
+          </a:p>
+          <a:p>
+            <a:r>
+              <a:rPr lang="en-US" dirty="0" err="1"/>
+              <a:t>Containerd</a:t>
+            </a:r>
+            <a:r>
+              <a:rPr lang="en-US" dirty="0"/>
+              <a:t> actually is the container runtime. It is a refactored part of the former docker engine and handles the complete lifecycle of a container. It works on the basis of the open container initiative (OCI) specifications for container runtimes. </a:t>
+            </a:r>
+            <a:r>
+              <a:rPr lang="en-US" dirty="0" err="1"/>
+              <a:t>Containerd</a:t>
+            </a:r>
+            <a:r>
+              <a:rPr lang="en-US" dirty="0"/>
+              <a:t> also depends on OCI compatible images (root file system + </a:t>
+            </a:r>
+            <a:r>
+              <a:rPr lang="en-US" dirty="0" err="1"/>
+              <a:t>container.json</a:t>
+            </a:r>
+            <a:r>
+              <a:rPr lang="en-US" dirty="0"/>
+              <a:t>)</a:t>
+            </a:r>
+          </a:p>
+          <a:p>
+            <a:endParaRPr lang="en-US" dirty="0"/>
+          </a:p>
+          <a:p>
+            <a:r>
+              <a:rPr lang="en-US" dirty="0" err="1"/>
+              <a:t>Containerd</a:t>
+            </a:r>
+            <a:r>
+              <a:rPr lang="en-US" dirty="0"/>
+              <a:t> instructs </a:t>
+            </a:r>
+            <a:r>
+              <a:rPr lang="en-US" dirty="0" err="1"/>
+              <a:t>runc</a:t>
+            </a:r>
+            <a:r>
+              <a:rPr lang="en-US" dirty="0"/>
+              <a:t> to start a container. </a:t>
+            </a:r>
+            <a:r>
+              <a:rPr lang="en-US" dirty="0" err="1"/>
+              <a:t>Runc</a:t>
+            </a:r>
+            <a:r>
+              <a:rPr lang="en-US" dirty="0"/>
+              <a:t> sets up all the </a:t>
+            </a:r>
+            <a:r>
+              <a:rPr lang="en-US" dirty="0" err="1"/>
+              <a:t>linux</a:t>
+            </a:r>
+            <a:r>
+              <a:rPr lang="en-US" dirty="0"/>
+              <a:t> magic with </a:t>
+            </a:r>
+            <a:r>
+              <a:rPr lang="en-US" dirty="0" err="1"/>
+              <a:t>cgroups</a:t>
+            </a:r>
+            <a:r>
+              <a:rPr lang="en-US" dirty="0"/>
+              <a:t> </a:t>
+            </a:r>
+            <a:r>
+              <a:rPr lang="en-US" dirty="0" err="1"/>
+              <a:t>etc</a:t>
+            </a:r>
+            <a:r>
+              <a:rPr lang="en-US" dirty="0"/>
+              <a:t> and forks the container’s PID #1. Afterwards it will exit(0) and handover parent ownership of the container to </a:t>
+            </a:r>
+            <a:r>
+              <a:rPr lang="en-US" dirty="0" err="1"/>
+              <a:t>containerd</a:t>
+            </a:r>
+            <a:r>
+              <a:rPr lang="en-US" dirty="0"/>
+              <a:t>-shim. The shim module is there to decouple the daemon and container processes.</a:t>
+            </a:r>
+          </a:p>
+          <a:p>
+            <a:endParaRPr lang="en-US" dirty="0"/>
+          </a:p>
+          <a:p>
+            <a:r>
+              <a:rPr lang="en-US" dirty="0"/>
+              <a:t>Details can be found here:</a:t>
+            </a:r>
+          </a:p>
+          <a:p>
+            <a:r>
+              <a:rPr lang="en-US" dirty="0"/>
+              <a:t>https://containerd.io/</a:t>
+            </a:r>
+          </a:p>
+          <a:p>
+            <a:r>
+              <a:rPr lang="en-US" dirty="0"/>
+              <a:t>https://www.slideshare.net/PhilEstes/diving-through-the-layers-investigating-runc-containerd-and-the-docker-engine-architecture</a:t>
+            </a:r>
+          </a:p>
+          <a:p>
+            <a:r>
+              <a:rPr lang="en-US" dirty="0"/>
+              <a:t>https://hackernoon.com/docker-containerd-standalone-runtimes-heres-what-you-should-know-b834ef155426?gi=c8140ae48de2</a:t>
+            </a:r>
+          </a:p>
+        </p:txBody>
+      </p:sp>
+      <p:sp>
+        <p:nvSpPr>
+          <p:cNvPr id="4" name="Slide Number Placeholder 3"/>
+          <p:cNvSpPr>
+            <a:spLocks noGrp="1"/>
+          </p:cNvSpPr>
+          <p:nvPr>
+            <p:ph type="sldNum" sz="quarter" idx="10"/>
+          </p:nvPr>
+        </p:nvSpPr>
+        <p:spPr/>
+        <p:txBody>
+          <a:bodyPr/>
+          <a:lstStyle/>
+          <a:p>
+            <a:fld id="{7D8C2C35-2B8A-446E-BEC0-FD36716C29AC}" type="slidenum">
+              <a:rPr lang="de-DE" smtClean="0"/>
+              <a:pPr/>
+              <a:t>20</a:t>
+            </a:fld>
+            <a:endParaRPr lang="de-DE" dirty="0"/>
+          </a:p>
+        </p:txBody>
+      </p:sp>
+    </p:spTree>
+    <p:extLst>
+      <p:ext uri="{BB962C8B-B14F-4D97-AF65-F5344CB8AC3E}">
+        <p14:creationId xmlns:p14="http://schemas.microsoft.com/office/powerpoint/2010/main" val="3483686948"/>
       </p:ext>
     </p:extLst>
   </p:cSld>
@@ -1703,6 +2089,268 @@
     <p:extLst>
       <p:ext uri="{BB962C8B-B14F-4D97-AF65-F5344CB8AC3E}">
         <p14:creationId xmlns:p14="http://schemas.microsoft.com/office/powerpoint/2010/main" val="945922821"/>
+      </p:ext>
+    </p:extLst>
+  </p:cSld>
+  <p:clrMapOvr>
+    <a:masterClrMapping/>
+  </p:clrMapOvr>
+</p:notes>
+</file>
+
+<file path=ppt/notesSlides/notesSlide20.xml><?xml version="1.0" encoding="utf-8"?>
+<p:notes xmlns:a="http://schemas.openxmlformats.org/drawingml/2006/main" xmlns:r="http://schemas.openxmlformats.org/officeDocument/2006/relationships" xmlns:p="http://schemas.openxmlformats.org/presentationml/2006/main">
+  <p:cSld>
+    <p:spTree>
+      <p:nvGrpSpPr>
+        <p:cNvPr id="1" name=""/>
+        <p:cNvGrpSpPr/>
+        <p:nvPr/>
+      </p:nvGrpSpPr>
+      <p:grpSpPr>
+        <a:xfrm>
+          <a:off x="0" y="0"/>
+          <a:ext cx="0" cy="0"/>
+          <a:chOff x="0" y="0"/>
+          <a:chExt cx="0" cy="0"/>
+        </a:xfrm>
+      </p:grpSpPr>
+      <p:sp>
+        <p:nvSpPr>
+          <p:cNvPr id="2" name="Slide Image Placeholder 1"/>
+          <p:cNvSpPr>
+            <a:spLocks noGrp="1" noRot="1" noChangeAspect="1"/>
+          </p:cNvSpPr>
+          <p:nvPr>
+            <p:ph type="sldImg"/>
+          </p:nvPr>
+        </p:nvSpPr>
+        <p:spPr/>
+      </p:sp>
+      <p:sp>
+        <p:nvSpPr>
+          <p:cNvPr id="3" name="Notes Placeholder 2"/>
+          <p:cNvSpPr>
+            <a:spLocks noGrp="1"/>
+          </p:cNvSpPr>
+          <p:nvPr>
+            <p:ph type="body" idx="1"/>
+          </p:nvPr>
+        </p:nvSpPr>
+        <p:spPr/>
+        <p:txBody>
+          <a:bodyPr/>
+          <a:lstStyle/>
+          <a:p>
+            <a:endParaRPr lang="en-US" dirty="0"/>
+          </a:p>
+        </p:txBody>
+      </p:sp>
+      <p:sp>
+        <p:nvSpPr>
+          <p:cNvPr id="4" name="Slide Number Placeholder 3"/>
+          <p:cNvSpPr>
+            <a:spLocks noGrp="1"/>
+          </p:cNvSpPr>
+          <p:nvPr>
+            <p:ph type="sldNum" sz="quarter" idx="10"/>
+          </p:nvPr>
+        </p:nvSpPr>
+        <p:spPr/>
+        <p:txBody>
+          <a:bodyPr/>
+          <a:lstStyle/>
+          <a:p>
+            <a:fld id="{7D8C2C35-2B8A-446E-BEC0-FD36716C29AC}" type="slidenum">
+              <a:rPr lang="en-US" smtClean="0"/>
+              <a:pPr/>
+              <a:t>21</a:t>
+            </a:fld>
+            <a:endParaRPr lang="en-US" dirty="0"/>
+          </a:p>
+        </p:txBody>
+      </p:sp>
+    </p:spTree>
+    <p:extLst>
+      <p:ext uri="{BB962C8B-B14F-4D97-AF65-F5344CB8AC3E}">
+        <p14:creationId xmlns:p14="http://schemas.microsoft.com/office/powerpoint/2010/main" val="2814901391"/>
+      </p:ext>
+    </p:extLst>
+  </p:cSld>
+  <p:clrMapOvr>
+    <a:masterClrMapping/>
+  </p:clrMapOvr>
+</p:notes>
+</file>
+
+<file path=ppt/notesSlides/notesSlide21.xml><?xml version="1.0" encoding="utf-8"?>
+<p:notes xmlns:a="http://schemas.openxmlformats.org/drawingml/2006/main" xmlns:r="http://schemas.openxmlformats.org/officeDocument/2006/relationships" xmlns:p="http://schemas.openxmlformats.org/presentationml/2006/main">
+  <p:cSld>
+    <p:spTree>
+      <p:nvGrpSpPr>
+        <p:cNvPr id="1" name=""/>
+        <p:cNvGrpSpPr/>
+        <p:nvPr/>
+      </p:nvGrpSpPr>
+      <p:grpSpPr>
+        <a:xfrm>
+          <a:off x="0" y="0"/>
+          <a:ext cx="0" cy="0"/>
+          <a:chOff x="0" y="0"/>
+          <a:chExt cx="0" cy="0"/>
+        </a:xfrm>
+      </p:grpSpPr>
+      <p:sp>
+        <p:nvSpPr>
+          <p:cNvPr id="2" name="Slide Image Placeholder 1"/>
+          <p:cNvSpPr>
+            <a:spLocks noGrp="1" noRot="1" noChangeAspect="1"/>
+          </p:cNvSpPr>
+          <p:nvPr>
+            <p:ph type="sldImg"/>
+          </p:nvPr>
+        </p:nvSpPr>
+        <p:spPr/>
+      </p:sp>
+      <p:sp>
+        <p:nvSpPr>
+          <p:cNvPr id="3" name="Notes Placeholder 2"/>
+          <p:cNvSpPr>
+            <a:spLocks noGrp="1"/>
+          </p:cNvSpPr>
+          <p:nvPr>
+            <p:ph type="body" idx="1"/>
+          </p:nvPr>
+        </p:nvSpPr>
+        <p:spPr/>
+        <p:txBody>
+          <a:bodyPr/>
+          <a:lstStyle/>
+          <a:p>
+            <a:endParaRPr lang="en-US" dirty="0"/>
+          </a:p>
+        </p:txBody>
+      </p:sp>
+      <p:sp>
+        <p:nvSpPr>
+          <p:cNvPr id="4" name="Slide Number Placeholder 3"/>
+          <p:cNvSpPr>
+            <a:spLocks noGrp="1"/>
+          </p:cNvSpPr>
+          <p:nvPr>
+            <p:ph type="sldNum" sz="quarter" idx="10"/>
+          </p:nvPr>
+        </p:nvSpPr>
+        <p:spPr/>
+        <p:txBody>
+          <a:bodyPr/>
+          <a:lstStyle/>
+          <a:p>
+            <a:fld id="{7D8C2C35-2B8A-446E-BEC0-FD36716C29AC}" type="slidenum">
+              <a:rPr lang="de-DE" smtClean="0"/>
+              <a:pPr/>
+              <a:t>22</a:t>
+            </a:fld>
+            <a:endParaRPr lang="de-DE" dirty="0"/>
+          </a:p>
+        </p:txBody>
+      </p:sp>
+    </p:spTree>
+    <p:extLst>
+      <p:ext uri="{BB962C8B-B14F-4D97-AF65-F5344CB8AC3E}">
+        <p14:creationId xmlns:p14="http://schemas.microsoft.com/office/powerpoint/2010/main" val="3001578680"/>
+      </p:ext>
+    </p:extLst>
+  </p:cSld>
+  <p:clrMapOvr>
+    <a:masterClrMapping/>
+  </p:clrMapOvr>
+</p:notes>
+</file>
+
+<file path=ppt/notesSlides/notesSlide22.xml><?xml version="1.0" encoding="utf-8"?>
+<p:notes xmlns:a="http://schemas.openxmlformats.org/drawingml/2006/main" xmlns:r="http://schemas.openxmlformats.org/officeDocument/2006/relationships" xmlns:p="http://schemas.openxmlformats.org/presentationml/2006/main">
+  <p:cSld>
+    <p:spTree>
+      <p:nvGrpSpPr>
+        <p:cNvPr id="1" name=""/>
+        <p:cNvGrpSpPr/>
+        <p:nvPr/>
+      </p:nvGrpSpPr>
+      <p:grpSpPr>
+        <a:xfrm>
+          <a:off x="0" y="0"/>
+          <a:ext cx="0" cy="0"/>
+          <a:chOff x="0" y="0"/>
+          <a:chExt cx="0" cy="0"/>
+        </a:xfrm>
+      </p:grpSpPr>
+      <p:sp>
+        <p:nvSpPr>
+          <p:cNvPr id="4" name="Slide Number Placeholder 3"/>
+          <p:cNvSpPr>
+            <a:spLocks noGrp="1"/>
+          </p:cNvSpPr>
+          <p:nvPr>
+            <p:ph type="sldNum" sz="quarter" idx="10"/>
+          </p:nvPr>
+        </p:nvSpPr>
+        <p:spPr/>
+        <p:txBody>
+          <a:bodyPr/>
+          <a:lstStyle/>
+          <a:p>
+            <a:fld id="{7D8C2C35-2B8A-446E-BEC0-FD36716C29AC}" type="slidenum">
+              <a:rPr lang="en-US" smtClean="0"/>
+              <a:pPr/>
+              <a:t>23</a:t>
+            </a:fld>
+            <a:endParaRPr lang="en-US" dirty="0"/>
+          </a:p>
+        </p:txBody>
+      </p:sp>
+      <p:sp>
+        <p:nvSpPr>
+          <p:cNvPr id="6" name="Slide Image Placeholder 5"/>
+          <p:cNvSpPr>
+            <a:spLocks noGrp="1" noRot="1" noChangeAspect="1"/>
+          </p:cNvSpPr>
+          <p:nvPr>
+            <p:ph type="sldImg"/>
+          </p:nvPr>
+        </p:nvSpPr>
+        <p:spPr>
+          <a:xfrm>
+            <a:off x="547688" y="612775"/>
+            <a:ext cx="5762625" cy="3241675"/>
+          </a:xfrm>
+        </p:spPr>
+      </p:sp>
+      <p:sp>
+        <p:nvSpPr>
+          <p:cNvPr id="7" name="Notes Placeholder 6"/>
+          <p:cNvSpPr>
+            <a:spLocks noGrp="1"/>
+          </p:cNvSpPr>
+          <p:nvPr>
+            <p:ph type="body" idx="1"/>
+          </p:nvPr>
+        </p:nvSpPr>
+        <p:spPr/>
+        <p:txBody>
+          <a:bodyPr>
+            <a:normAutofit/>
+          </a:bodyPr>
+          <a:lstStyle/>
+          <a:p>
+            <a:endParaRPr lang="en-US" dirty="0"/>
+          </a:p>
+        </p:txBody>
+      </p:sp>
+    </p:spTree>
+    <p:extLst>
+      <p:ext uri="{BB962C8B-B14F-4D97-AF65-F5344CB8AC3E}">
+        <p14:creationId xmlns:p14="http://schemas.microsoft.com/office/powerpoint/2010/main" val="2544264309"/>
       </p:ext>
     </p:extLst>
   </p:cSld>
@@ -1949,7 +2597,7 @@
           <a:p>
             <a:r>
               <a:rPr lang="en-US" dirty="0"/>
-              <a:t>Man-page definition: A namespace wraps a global system resource in an abstraction that makes it appear to the processes within the namespace that they have their own isolated instance of the global resource. Changes to the global resource are visible to other processes that are members of the namespace, but are invisible to other processes [outside of that namespace]. One use of namespaces is to implement containers.</a:t>
+              <a:t>Demo for chroot</a:t>
             </a:r>
           </a:p>
           <a:p>
@@ -1958,15 +2606,47 @@
           <a:p>
             <a:r>
               <a:rPr lang="en-US" dirty="0"/>
-              <a:t>Linux offers namespaces for seven different resources: PID table, mount table, user mapping table, IPC, network stack, UTS (host and domain name) and </a:t>
-            </a:r>
-            <a:r>
-              <a:rPr lang="en-US" dirty="0" err="1"/>
-              <a:t>cgroups</a:t>
-            </a:r>
+              <a:t>Within the repo go to the container-demos folder and run </a:t>
+            </a:r>
+            <a:r>
+              <a:rPr lang="en-US" b="1" dirty="0"/>
+              <a:t>demo-01-chroot.sh</a:t>
+            </a:r>
+          </a:p>
+          <a:p>
             <a:r>
               <a:rPr lang="en-US" dirty="0"/>
-              <a:t>.</a:t>
+              <a:t>The script will do the setup of a minimal environment (basically only a bash + libs) and chroot into it.</a:t>
+            </a:r>
+          </a:p>
+          <a:p>
+            <a:endParaRPr lang="en-US" dirty="0"/>
+          </a:p>
+          <a:p>
+            <a:r>
+              <a:rPr lang="en-US" dirty="0"/>
+              <a:t>Explain the importance of libraries to binaries. Without the corresponding libs in their respective directories, no binary will work. And after all, (container) processes are based on binaries.</a:t>
+            </a:r>
+          </a:p>
+          <a:p>
+            <a:endParaRPr lang="en-US" dirty="0"/>
+          </a:p>
+          <a:p>
+            <a:r>
+              <a:rPr lang="en-US" dirty="0"/>
+              <a:t>It is also worth to mention, that the file system you chroot into is the foundation of every container. Luckily in most cases you can rely on others building the base images with all binaries and libs. The only thing you have to do as a developer is move your own stuff into it.</a:t>
+            </a:r>
+          </a:p>
+          <a:p>
+            <a:r>
+              <a:rPr lang="en-US" dirty="0"/>
+              <a:t> </a:t>
+            </a:r>
+          </a:p>
+          <a:p>
+            <a:r>
+              <a:rPr lang="en-US" dirty="0"/>
+              <a:t>So if there is something called centos or ubuntu later, remember that this is no full-fledged OS but only a collection of bins/libs making your life a lot easier.</a:t>
             </a:r>
           </a:p>
         </p:txBody>
@@ -1987,18 +2667,18 @@
           <a:lstStyle/>
           <a:p>
             <a:fld id="{7D8C2C35-2B8A-446E-BEC0-FD36716C29AC}" type="slidenum">
-              <a:rPr lang="en-US" smtClean="0"/>
+              <a:rPr lang="de-DE" smtClean="0"/>
               <a:pPr/>
               <a:t>5</a:t>
             </a:fld>
-            <a:endParaRPr lang="en-US" dirty="0"/>
+            <a:endParaRPr lang="de-DE" dirty="0"/>
           </a:p>
         </p:txBody>
       </p:sp>
     </p:spTree>
     <p:extLst>
       <p:ext uri="{BB962C8B-B14F-4D97-AF65-F5344CB8AC3E}">
-        <p14:creationId xmlns:p14="http://schemas.microsoft.com/office/powerpoint/2010/main" val="3915859411"/>
+        <p14:creationId xmlns:p14="http://schemas.microsoft.com/office/powerpoint/2010/main" val="2879912408"/>
       </p:ext>
     </p:extLst>
   </p:cSld>
@@ -2052,37 +2732,18 @@
           <a:bodyPr/>
           <a:lstStyle/>
           <a:p>
-            <a:pPr algn="l"/>
             <a:r>
               <a:rPr lang="en-US" dirty="0"/>
-              <a:t>Wikipedia definition: </a:t>
-            </a:r>
-            <a:r>
-              <a:rPr lang="en-US" b="1" dirty="0" err="1"/>
-              <a:t>cgroups</a:t>
-            </a:r>
+              <a:t>Man-page definition: A namespace wraps a global system resource in an abstraction that makes it appear to the processes within the namespace that they have their own isolated instance of the global resource. Changes to the global resource are visible to other processes that are members of the namespace, but are invisible to other processes [outside of that namespace]. One use of namespaces is to implement containers.</a:t>
+            </a:r>
+          </a:p>
+          <a:p>
+            <a:endParaRPr lang="en-US" dirty="0"/>
+          </a:p>
+          <a:p>
             <a:r>
               <a:rPr lang="en-US" dirty="0"/>
-              <a:t> (abbreviated from </a:t>
-            </a:r>
-            <a:r>
-              <a:rPr lang="en-US" b="1" dirty="0"/>
-              <a:t>control groups</a:t>
-            </a:r>
-            <a:r>
-              <a:rPr lang="en-US" dirty="0"/>
-              <a:t>) is a Linux kernel feature that limits, accounts for, and isolates the resource usage (CPU, memory, disk I/O, network, etc.) of a collection of processes.</a:t>
-            </a:r>
-          </a:p>
-          <a:p>
-            <a:pPr algn="l"/>
-            <a:endParaRPr lang="en-US" dirty="0"/>
-          </a:p>
-          <a:p>
-            <a:pPr algn="l"/>
-            <a:r>
-              <a:rPr lang="en-US" dirty="0"/>
-              <a:t>With </a:t>
+              <a:t>Linux offers namespaces for seven different resources: PID table, mount table, user mapping table, IPC, network stack, UTS (host and domain name) and </a:t>
             </a:r>
             <a:r>
               <a:rPr lang="en-US" dirty="0" err="1"/>
@@ -2090,15 +2751,7 @@
             </a:r>
             <a:r>
               <a:rPr lang="en-US" dirty="0"/>
-              <a:t>, processes can be kept from eating up all system resources. Multiple processes can be added to one single </a:t>
-            </a:r>
-            <a:r>
-              <a:rPr lang="en-US" dirty="0" err="1"/>
-              <a:t>cgroup</a:t>
-            </a:r>
-            <a:r>
-              <a:rPr lang="en-US" dirty="0"/>
-              <a:t> - they will then all share the resource limits of it.</a:t>
+              <a:t>.</a:t>
             </a:r>
           </a:p>
         </p:txBody>
@@ -2130,7 +2783,7 @@
     </p:spTree>
     <p:extLst>
       <p:ext uri="{BB962C8B-B14F-4D97-AF65-F5344CB8AC3E}">
-        <p14:creationId xmlns:p14="http://schemas.microsoft.com/office/powerpoint/2010/main" val="3983192458"/>
+        <p14:creationId xmlns:p14="http://schemas.microsoft.com/office/powerpoint/2010/main" val="3915859411"/>
       </p:ext>
     </p:extLst>
   </p:cSld>
@@ -2186,59 +2839,59 @@
           <a:p>
             <a:r>
               <a:rPr lang="en-US" dirty="0"/>
-              <a:t>An application will eventually (after doing tons of nested library calls) call the operating system to do things - like reading or writing to files or sending data across the network. Talking to the operating system is done through system calls or </a:t>
+              <a:t>Demo for namespaces &amp; </a:t>
             </a:r>
             <a:r>
               <a:rPr lang="en-US" dirty="0" err="1"/>
-              <a:t>syscalls</a:t>
-            </a:r>
+              <a:t>unshare</a:t>
+            </a:r>
+            <a:endParaRPr lang="en-US" dirty="0"/>
+          </a:p>
+          <a:p>
+            <a:endParaRPr lang="en-US" dirty="0"/>
+          </a:p>
+          <a:p>
             <a:r>
               <a:rPr lang="en-US" dirty="0"/>
-              <a:t>. </a:t>
-            </a:r>
-            <a:r>
-              <a:rPr lang="en-US" dirty="0" err="1"/>
-              <a:t>Syscalls</a:t>
-            </a:r>
-            <a:r>
-              <a:rPr lang="en-US" dirty="0"/>
-              <a:t> are the interface between user space (where your application runs in) and kernel space (where the operating system does its job) and there are around 340 of them (</a:t>
-            </a:r>
-            <a:r>
-              <a:rPr lang="en-US" dirty="0" err="1"/>
-              <a:t>syscalls</a:t>
-            </a:r>
-            <a:r>
-              <a:rPr lang="en-US" dirty="0"/>
-              <a:t>).</a:t>
-            </a:r>
-          </a:p>
-          <a:p>
-            <a:r>
-              <a:rPr lang="en-US" dirty="0"/>
-              <a:t>While most system calls are necessary for programs to do their job (e.g. a program cannot even be loaded into memory without the “</a:t>
-            </a:r>
-            <a:r>
-              <a:rPr lang="en-US" dirty="0" err="1"/>
-              <a:t>execve</a:t>
-            </a:r>
-            <a:r>
-              <a:rPr lang="en-US" dirty="0"/>
-              <a:t>” system call) some are potentially dangerous and would allow a process to break free from its container or to cause harm to other containers (such as the reboot system call which would reboot the host terminating all containers on it).</a:t>
-            </a:r>
-          </a:p>
-          <a:p>
-            <a:r>
-              <a:rPr lang="en-US" dirty="0"/>
-              <a:t>With </a:t>
-            </a:r>
-            <a:r>
-              <a:rPr lang="en-US" dirty="0" err="1"/>
-              <a:t>seccomp</a:t>
-            </a:r>
-            <a:r>
-              <a:rPr lang="en-US" dirty="0"/>
-              <a:t>, individual system calls can be blocked to reduce the security risk which is commonly done in container environments (Docker for instance blocks around 40 system calls by default).</a:t>
+              <a:t>Within the repo go to the container-demos folder and run </a:t>
+            </a:r>
+            <a:r>
+              <a:rPr lang="en-US" b="1" dirty="0"/>
+              <a:t>demo-02-unshare.sh</a:t>
+            </a:r>
+          </a:p>
+          <a:p>
+            <a:endParaRPr lang="en-US" b="0" dirty="0"/>
+          </a:p>
+          <a:p>
+            <a:r>
+              <a:rPr lang="en-US" b="0" dirty="0"/>
+              <a:t>The script will fork a new process with a separate PID namespace. It’ll also explore the space of the newly created processes. Please note, the demo does </a:t>
+            </a:r>
+            <a:r>
+              <a:rPr lang="en-US" b="1" dirty="0"/>
+              <a:t>not </a:t>
+            </a:r>
+            <a:r>
+              <a:rPr lang="en-US" b="0" dirty="0"/>
+              <a:t>use </a:t>
+            </a:r>
+            <a:r>
+              <a:rPr lang="en-US" b="1" dirty="0"/>
+              <a:t>chroot</a:t>
+            </a:r>
+            <a:r>
+              <a:rPr lang="en-US" b="0" dirty="0"/>
+              <a:t>.</a:t>
+            </a:r>
+          </a:p>
+          <a:p>
+            <a:endParaRPr lang="en-US" b="0" dirty="0"/>
+          </a:p>
+          <a:p>
+            <a:r>
+              <a:rPr lang="en-US" b="0" dirty="0"/>
+              <a:t>With namespaces you can isolate aspects of a processes or process groups (like the process tree or networking stack). As mentioned on the previous slide, this is another building block for Linux containers to work.</a:t>
             </a:r>
           </a:p>
         </p:txBody>
@@ -2259,18 +2912,18 @@
           <a:lstStyle/>
           <a:p>
             <a:fld id="{7D8C2C35-2B8A-446E-BEC0-FD36716C29AC}" type="slidenum">
-              <a:rPr lang="en-US" smtClean="0"/>
+              <a:rPr lang="de-DE" smtClean="0"/>
               <a:pPr/>
               <a:t>7</a:t>
             </a:fld>
-            <a:endParaRPr lang="en-US" dirty="0"/>
+            <a:endParaRPr lang="de-DE" dirty="0"/>
           </a:p>
         </p:txBody>
       </p:sp>
     </p:spTree>
     <p:extLst>
       <p:ext uri="{BB962C8B-B14F-4D97-AF65-F5344CB8AC3E}">
-        <p14:creationId xmlns:p14="http://schemas.microsoft.com/office/powerpoint/2010/main" val="1548338189"/>
+        <p14:creationId xmlns:p14="http://schemas.microsoft.com/office/powerpoint/2010/main" val="3289413061"/>
       </p:ext>
     </p:extLst>
   </p:cSld>
@@ -2324,7 +2977,54 @@
           <a:bodyPr/>
           <a:lstStyle/>
           <a:p>
+            <a:pPr algn="l"/>
+            <a:r>
+              <a:rPr lang="en-US" dirty="0"/>
+              <a:t>Wikipedia definition: </a:t>
+            </a:r>
+            <a:r>
+              <a:rPr lang="en-US" b="1" dirty="0" err="1"/>
+              <a:t>cgroups</a:t>
+            </a:r>
+            <a:r>
+              <a:rPr lang="en-US" dirty="0"/>
+              <a:t> (abbreviated from </a:t>
+            </a:r>
+            <a:r>
+              <a:rPr lang="en-US" b="1" dirty="0"/>
+              <a:t>control groups</a:t>
+            </a:r>
+            <a:r>
+              <a:rPr lang="en-US" dirty="0"/>
+              <a:t>) is a Linux kernel feature that limits, accounts for, and isolates the resource usage (CPU, memory, disk I/O, network, etc.) of a collection of processes.</a:t>
+            </a:r>
+          </a:p>
+          <a:p>
+            <a:pPr algn="l"/>
             <a:endParaRPr lang="en-US" dirty="0"/>
+          </a:p>
+          <a:p>
+            <a:pPr algn="l"/>
+            <a:r>
+              <a:rPr lang="en-US" dirty="0"/>
+              <a:t>With </a:t>
+            </a:r>
+            <a:r>
+              <a:rPr lang="en-US" dirty="0" err="1"/>
+              <a:t>cgroups</a:t>
+            </a:r>
+            <a:r>
+              <a:rPr lang="en-US" dirty="0"/>
+              <a:t>, processes can be kept from eating up all system resources. Multiple processes can be added to one single </a:t>
+            </a:r>
+            <a:r>
+              <a:rPr lang="en-US" dirty="0" err="1"/>
+              <a:t>cgroup</a:t>
+            </a:r>
+            <a:r>
+              <a:rPr lang="en-US" dirty="0"/>
+              <a:t> - they will then all share the resource limits of it.</a:t>
+            </a:r>
           </a:p>
         </p:txBody>
       </p:sp>
@@ -2355,7 +3055,7 @@
     </p:spTree>
     <p:extLst>
       <p:ext uri="{BB962C8B-B14F-4D97-AF65-F5344CB8AC3E}">
-        <p14:creationId xmlns:p14="http://schemas.microsoft.com/office/powerpoint/2010/main" val="2834622086"/>
+        <p14:creationId xmlns:p14="http://schemas.microsoft.com/office/powerpoint/2010/main" val="3983192458"/>
       </p:ext>
     </p:extLst>
   </p:cSld>
@@ -2409,7 +3109,62 @@
           <a:bodyPr/>
           <a:lstStyle/>
           <a:p>
+            <a:r>
+              <a:rPr lang="en-US" dirty="0"/>
+              <a:t>Demo for </a:t>
+            </a:r>
+            <a:r>
+              <a:rPr lang="en-US" dirty="0" err="1"/>
+              <a:t>cgroups</a:t>
+            </a:r>
             <a:endParaRPr lang="en-US" dirty="0"/>
+          </a:p>
+          <a:p>
+            <a:endParaRPr lang="en-US" dirty="0"/>
+          </a:p>
+          <a:p>
+            <a:r>
+              <a:rPr lang="en-US" dirty="0"/>
+              <a:t>Within the repo go to the container-demos folder and run </a:t>
+            </a:r>
+            <a:r>
+              <a:rPr lang="en-US" b="1" dirty="0"/>
+              <a:t>demo-03-cgroup.sh</a:t>
+            </a:r>
+          </a:p>
+          <a:p>
+            <a:endParaRPr lang="en-US" b="0" dirty="0"/>
+          </a:p>
+          <a:p>
+            <a:r>
+              <a:rPr lang="en-US" b="0" dirty="0"/>
+              <a:t>The script will demonstrate how </a:t>
+            </a:r>
+            <a:r>
+              <a:rPr lang="en-US" b="0" dirty="0" err="1"/>
+              <a:t>cgroups</a:t>
+            </a:r>
+            <a:r>
+              <a:rPr lang="en-US" b="0" dirty="0"/>
+              <a:t> can be used to control processes. The example is focusing on CPU usage.</a:t>
+            </a:r>
+          </a:p>
+          <a:p>
+            <a:endParaRPr lang="en-US" b="0" dirty="0"/>
+          </a:p>
+          <a:p>
+            <a:r>
+              <a:rPr lang="en-US" b="0" dirty="0"/>
+              <a:t>Docker as well as Kubernetes can make use of </a:t>
+            </a:r>
+            <a:r>
+              <a:rPr lang="en-US" b="0" dirty="0" err="1"/>
+              <a:t>cgroups</a:t>
+            </a:r>
+            <a:r>
+              <a:rPr lang="en-US" b="0" dirty="0"/>
+              <a:t> to manage resources in a container environment.</a:t>
+            </a:r>
           </a:p>
         </p:txBody>
       </p:sp>
@@ -2429,18 +3184,18 @@
           <a:lstStyle/>
           <a:p>
             <a:fld id="{7D8C2C35-2B8A-446E-BEC0-FD36716C29AC}" type="slidenum">
-              <a:rPr lang="en-US" smtClean="0"/>
+              <a:rPr lang="de-DE" smtClean="0"/>
               <a:pPr/>
               <a:t>9</a:t>
             </a:fld>
-            <a:endParaRPr lang="en-US" dirty="0"/>
+            <a:endParaRPr lang="de-DE" dirty="0"/>
           </a:p>
         </p:txBody>
       </p:sp>
     </p:spTree>
     <p:extLst>
       <p:ext uri="{BB962C8B-B14F-4D97-AF65-F5344CB8AC3E}">
-        <p14:creationId xmlns:p14="http://schemas.microsoft.com/office/powerpoint/2010/main" val="2415921286"/>
+        <p14:creationId xmlns:p14="http://schemas.microsoft.com/office/powerpoint/2010/main" val="2468481318"/>
       </p:ext>
     </p:extLst>
   </p:cSld>
@@ -15814,6 +16569,1649 @@
           <a:chExt cx="0" cy="0"/>
         </a:xfrm>
       </p:grpSpPr>
+      <p:pic>
+        <p:nvPicPr>
+          <p:cNvPr id="25" name="Picture 24">
+            <a:extLst>
+              <a:ext uri="{FF2B5EF4-FFF2-40B4-BE49-F238E27FC236}">
+                <a16:creationId xmlns:a16="http://schemas.microsoft.com/office/drawing/2014/main" id="{99A87AAD-6E1D-403D-95A3-44EA65D7AC88}"/>
+              </a:ext>
+            </a:extLst>
+          </p:cNvPr>
+          <p:cNvPicPr>
+            <a:picLocks noChangeAspect="1"/>
+          </p:cNvPicPr>
+          <p:nvPr/>
+        </p:nvPicPr>
+        <p:blipFill>
+          <a:blip r:embed="rId3"/>
+          <a:stretch>
+            <a:fillRect/>
+          </a:stretch>
+        </p:blipFill>
+        <p:spPr>
+          <a:xfrm>
+            <a:off x="4403725" y="3161502"/>
+            <a:ext cx="858837" cy="858837"/>
+          </a:xfrm>
+          <a:prstGeom prst="rect">
+            <a:avLst/>
+          </a:prstGeom>
+        </p:spPr>
+      </p:pic>
+      <p:sp>
+        <p:nvSpPr>
+          <p:cNvPr id="18" name="Arrow: Down 17">
+            <a:extLst>
+              <a:ext uri="{FF2B5EF4-FFF2-40B4-BE49-F238E27FC236}">
+                <a16:creationId xmlns:a16="http://schemas.microsoft.com/office/drawing/2014/main" id="{CC11B2ED-3DAC-4BF2-AE25-6BDB2CB265BF}"/>
+              </a:ext>
+            </a:extLst>
+          </p:cNvPr>
+          <p:cNvSpPr/>
+          <p:nvPr/>
+        </p:nvSpPr>
+        <p:spPr bwMode="gray">
+          <a:xfrm>
+            <a:off x="742951" y="2343150"/>
+            <a:ext cx="1543050" cy="2495549"/>
+          </a:xfrm>
+          <a:prstGeom prst="downArrow">
+            <a:avLst/>
+          </a:prstGeom>
+          <a:solidFill>
+            <a:schemeClr val="accent3">
+              <a:lumMod val="50000"/>
+            </a:schemeClr>
+          </a:solidFill>
+          <a:ln w="6350" algn="ctr">
+            <a:noFill/>
+            <a:miter lim="800000"/>
+            <a:headEnd/>
+            <a:tailEnd/>
+          </a:ln>
+        </p:spPr>
+        <p:txBody>
+          <a:bodyPr vert="vert270" lIns="90000" tIns="72000" rIns="90000" bIns="72000" rtlCol="0" anchor="ctr"/>
+          <a:lstStyle/>
+          <a:p>
+            <a:pPr marR="0" algn="ctr" defTabSz="914400" eaLnBrk="1" fontAlgn="base" latinLnBrk="0" hangingPunct="1">
+              <a:lnSpc>
+                <a:spcPct val="100000"/>
+              </a:lnSpc>
+              <a:spcBef>
+                <a:spcPct val="50000"/>
+              </a:spcBef>
+              <a:spcAft>
+                <a:spcPct val="0"/>
+              </a:spcAft>
+              <a:buClr>
+                <a:srgbClr val="F0AB00"/>
+              </a:buClr>
+              <a:buSzPct val="80000"/>
+              <a:tabLst/>
+            </a:pPr>
+            <a:r>
+              <a:rPr kumimoji="0" lang="en-US" sz="1800" b="1" i="1" u="none" strike="noStrike" kern="0" cap="none" spc="0" normalizeH="0" baseline="0" noProof="0" dirty="0">
+                <a:ln>
+                  <a:noFill/>
+                </a:ln>
+                <a:solidFill>
+                  <a:schemeClr val="bg1"/>
+                </a:solidFill>
+                <a:effectLst/>
+                <a:uLnTx/>
+                <a:uFillTx/>
+                <a:ea typeface="Arial Unicode MS" pitchFamily="34" charset="-128"/>
+                <a:cs typeface="Arial Unicode MS" pitchFamily="34" charset="-128"/>
+              </a:rPr>
+              <a:t>system calls</a:t>
+            </a:r>
+          </a:p>
+        </p:txBody>
+      </p:sp>
+      <p:sp>
+        <p:nvSpPr>
+          <p:cNvPr id="4" name="Title 3">
+            <a:extLst>
+              <a:ext uri="{FF2B5EF4-FFF2-40B4-BE49-F238E27FC236}">
+                <a16:creationId xmlns:a16="http://schemas.microsoft.com/office/drawing/2014/main" id="{645B76E8-EDF1-4BBF-A073-4675DBA6C45F}"/>
+              </a:ext>
+            </a:extLst>
+          </p:cNvPr>
+          <p:cNvSpPr>
+            <a:spLocks noGrp="1"/>
+          </p:cNvSpPr>
+          <p:nvPr>
+            <p:ph type="title"/>
+          </p:nvPr>
+        </p:nvSpPr>
+        <p:spPr/>
+        <p:txBody>
+          <a:bodyPr/>
+          <a:lstStyle/>
+          <a:p>
+            <a:r>
+              <a:rPr lang="en-US" dirty="0"/>
+              <a:t>Container security with </a:t>
+            </a:r>
+            <a:r>
+              <a:rPr lang="en-US" i="1" dirty="0"/>
+              <a:t>seccomp</a:t>
+            </a:r>
+          </a:p>
+        </p:txBody>
+      </p:sp>
+      <p:sp>
+        <p:nvSpPr>
+          <p:cNvPr id="2" name="Rectangle 1">
+            <a:extLst>
+              <a:ext uri="{FF2B5EF4-FFF2-40B4-BE49-F238E27FC236}">
+                <a16:creationId xmlns:a16="http://schemas.microsoft.com/office/drawing/2014/main" id="{59BE13B4-5794-4F31-A825-3747FA8625A8}"/>
+              </a:ext>
+            </a:extLst>
+          </p:cNvPr>
+          <p:cNvSpPr/>
+          <p:nvPr/>
+        </p:nvSpPr>
+        <p:spPr bwMode="gray">
+          <a:xfrm>
+            <a:off x="619126" y="4838700"/>
+            <a:ext cx="4572000" cy="647700"/>
+          </a:xfrm>
+          <a:prstGeom prst="rect">
+            <a:avLst/>
+          </a:prstGeom>
+          <a:solidFill>
+            <a:schemeClr val="tx1"/>
+          </a:solidFill>
+          <a:ln w="6350" algn="ctr">
+            <a:noFill/>
+            <a:miter lim="800000"/>
+            <a:headEnd/>
+            <a:tailEnd/>
+          </a:ln>
+        </p:spPr>
+        <p:txBody>
+          <a:bodyPr lIns="90000" tIns="72000" rIns="90000" bIns="72000" rtlCol="0" anchor="ctr"/>
+          <a:lstStyle/>
+          <a:p>
+            <a:pPr marR="0" algn="ctr" defTabSz="914400" eaLnBrk="1" fontAlgn="base" latinLnBrk="0" hangingPunct="1">
+              <a:lnSpc>
+                <a:spcPct val="100000"/>
+              </a:lnSpc>
+              <a:spcBef>
+                <a:spcPct val="50000"/>
+              </a:spcBef>
+              <a:spcAft>
+                <a:spcPct val="0"/>
+              </a:spcAft>
+              <a:buClr>
+                <a:srgbClr val="F0AB00"/>
+              </a:buClr>
+              <a:buSzPct val="80000"/>
+              <a:tabLst/>
+            </a:pPr>
+            <a:r>
+              <a:rPr kumimoji="0" lang="en-US" sz="2800" b="0" i="0" u="none" strike="noStrike" kern="0" cap="none" spc="0" normalizeH="0" baseline="0" noProof="0" dirty="0">
+                <a:ln>
+                  <a:noFill/>
+                </a:ln>
+                <a:solidFill>
+                  <a:schemeClr val="bg1"/>
+                </a:solidFill>
+                <a:effectLst/>
+                <a:uLnTx/>
+                <a:uFillTx/>
+                <a:latin typeface="Arial Black" panose="020B0A04020102020204" pitchFamily="34" charset="0"/>
+                <a:ea typeface="Arial Unicode MS" pitchFamily="34" charset="-128"/>
+                <a:cs typeface="Arial Unicode MS" pitchFamily="34" charset="-128"/>
+              </a:rPr>
+              <a:t>Kernel</a:t>
+            </a:r>
+            <a:endParaRPr kumimoji="0" lang="en-US" sz="1800" b="0" i="0" u="none" strike="noStrike" kern="0" cap="none" spc="0" normalizeH="0" baseline="0" noProof="0" dirty="0">
+              <a:ln>
+                <a:noFill/>
+              </a:ln>
+              <a:solidFill>
+                <a:schemeClr val="bg1"/>
+              </a:solidFill>
+              <a:effectLst/>
+              <a:uLnTx/>
+              <a:uFillTx/>
+              <a:latin typeface="Arial Black" panose="020B0A04020102020204" pitchFamily="34" charset="0"/>
+              <a:ea typeface="Arial Unicode MS" pitchFamily="34" charset="-128"/>
+              <a:cs typeface="Arial Unicode MS" pitchFamily="34" charset="-128"/>
+            </a:endParaRPr>
+          </a:p>
+        </p:txBody>
+      </p:sp>
+      <p:pic>
+        <p:nvPicPr>
+          <p:cNvPr id="16" name="Picture 15">
+            <a:extLst>
+              <a:ext uri="{FF2B5EF4-FFF2-40B4-BE49-F238E27FC236}">
+                <a16:creationId xmlns:a16="http://schemas.microsoft.com/office/drawing/2014/main" id="{12598DB7-6A06-4FF0-BC4E-218B3657467A}"/>
+              </a:ext>
+            </a:extLst>
+          </p:cNvPr>
+          <p:cNvPicPr>
+            <a:picLocks noChangeAspect="1"/>
+          </p:cNvPicPr>
+          <p:nvPr/>
+        </p:nvPicPr>
+        <p:blipFill>
+          <a:blip r:embed="rId4"/>
+          <a:stretch>
+            <a:fillRect/>
+          </a:stretch>
+        </p:blipFill>
+        <p:spPr>
+          <a:xfrm>
+            <a:off x="1392237" y="4868068"/>
+            <a:ext cx="588963" cy="588963"/>
+          </a:xfrm>
+          <a:prstGeom prst="rect">
+            <a:avLst/>
+          </a:prstGeom>
+        </p:spPr>
+      </p:pic>
+      <p:sp>
+        <p:nvSpPr>
+          <p:cNvPr id="17" name="Rectangle: Rounded Corners 16">
+            <a:extLst>
+              <a:ext uri="{FF2B5EF4-FFF2-40B4-BE49-F238E27FC236}">
+                <a16:creationId xmlns:a16="http://schemas.microsoft.com/office/drawing/2014/main" id="{3ABE47BC-35ED-4E9A-8B4E-A9B750CA52F5}"/>
+              </a:ext>
+            </a:extLst>
+          </p:cNvPr>
+          <p:cNvSpPr/>
+          <p:nvPr/>
+        </p:nvSpPr>
+        <p:spPr bwMode="gray">
+          <a:xfrm>
+            <a:off x="619126" y="1724025"/>
+            <a:ext cx="4572000" cy="619125"/>
+          </a:xfrm>
+          <a:prstGeom prst="roundRect">
+            <a:avLst>
+              <a:gd name="adj" fmla="val 50000"/>
+            </a:avLst>
+          </a:prstGeom>
+          <a:solidFill>
+            <a:schemeClr val="accent1"/>
+          </a:solidFill>
+          <a:ln w="6350" algn="ctr">
+            <a:solidFill>
+              <a:schemeClr val="tx1"/>
+            </a:solidFill>
+            <a:miter lim="800000"/>
+            <a:headEnd/>
+            <a:tailEnd/>
+          </a:ln>
+        </p:spPr>
+        <p:txBody>
+          <a:bodyPr lIns="90000" tIns="72000" rIns="90000" bIns="72000" rtlCol="0" anchor="ctr"/>
+          <a:lstStyle/>
+          <a:p>
+            <a:pPr marR="0" algn="ctr" defTabSz="914400" eaLnBrk="1" fontAlgn="base" latinLnBrk="0" hangingPunct="1">
+              <a:lnSpc>
+                <a:spcPct val="100000"/>
+              </a:lnSpc>
+              <a:spcBef>
+                <a:spcPct val="50000"/>
+              </a:spcBef>
+              <a:spcAft>
+                <a:spcPct val="0"/>
+              </a:spcAft>
+              <a:buClr>
+                <a:srgbClr val="F0AB00"/>
+              </a:buClr>
+              <a:buSzPct val="80000"/>
+              <a:tabLst/>
+            </a:pPr>
+            <a:r>
+              <a:rPr kumimoji="0" lang="en-US" sz="1800" b="1" i="0" u="none" strike="noStrike" kern="0" cap="none" spc="0" normalizeH="0" baseline="0" noProof="0" dirty="0">
+                <a:ln>
+                  <a:noFill/>
+                </a:ln>
+                <a:effectLst/>
+                <a:uLnTx/>
+                <a:uFillTx/>
+                <a:ea typeface="Arial Unicode MS" pitchFamily="34" charset="-128"/>
+                <a:cs typeface="Arial Unicode MS" pitchFamily="34" charset="-128"/>
+              </a:rPr>
+              <a:t>Application</a:t>
+            </a:r>
+          </a:p>
+        </p:txBody>
+      </p:sp>
+      <p:sp>
+        <p:nvSpPr>
+          <p:cNvPr id="19" name="Text Placeholder 58">
+            <a:extLst>
+              <a:ext uri="{FF2B5EF4-FFF2-40B4-BE49-F238E27FC236}">
+                <a16:creationId xmlns:a16="http://schemas.microsoft.com/office/drawing/2014/main" id="{AF72BC10-7A25-40C3-928F-41ACE59C030E}"/>
+              </a:ext>
+            </a:extLst>
+          </p:cNvPr>
+          <p:cNvSpPr txBox="1">
+            <a:spLocks/>
+          </p:cNvSpPr>
+          <p:nvPr/>
+        </p:nvSpPr>
+        <p:spPr bwMode="gray">
+          <a:xfrm>
+            <a:off x="6862713" y="1491684"/>
+            <a:ext cx="4827764" cy="4532044"/>
+          </a:xfrm>
+          <a:prstGeom prst="rect">
+            <a:avLst/>
+          </a:prstGeom>
+        </p:spPr>
+        <p:txBody>
+          <a:bodyPr vert="horz" lIns="0" tIns="0" rIns="0" bIns="0" rtlCol="0" anchor="ctr">
+            <a:noAutofit/>
+          </a:bodyPr>
+          <a:lstStyle>
+            <a:lvl1pPr marL="0" indent="0" algn="l" defTabSz="1088558" rtl="0" eaLnBrk="1" latinLnBrk="0" hangingPunct="1">
+              <a:spcBef>
+                <a:spcPts val="1800"/>
+              </a:spcBef>
+              <a:buClr>
+                <a:schemeClr val="accent1"/>
+              </a:buClr>
+              <a:buSzPct val="80000"/>
+              <a:buFontTx/>
+              <a:buNone/>
+              <a:defRPr sz="2000" b="0" kern="1200">
+                <a:solidFill>
+                  <a:schemeClr val="tx1"/>
+                </a:solidFill>
+                <a:latin typeface="+mn-lt"/>
+                <a:ea typeface="+mn-ea"/>
+                <a:cs typeface="+mn-cs"/>
+              </a:defRPr>
+            </a:lvl1pPr>
+            <a:lvl2pPr marL="179964" indent="-179964" algn="l" defTabSz="1088558" rtl="0" eaLnBrk="1" latinLnBrk="0" hangingPunct="1">
+              <a:spcBef>
+                <a:spcPts val="600"/>
+              </a:spcBef>
+              <a:buClr>
+                <a:schemeClr val="accent1"/>
+              </a:buClr>
+              <a:buSzPct val="100000"/>
+              <a:buFont typeface="Wingdings" pitchFamily="2" charset="2"/>
+              <a:buChar char="§"/>
+              <a:defRPr sz="1800" kern="1200">
+                <a:solidFill>
+                  <a:schemeClr val="tx1"/>
+                </a:solidFill>
+                <a:latin typeface="+mn-lt"/>
+                <a:ea typeface="+mn-ea"/>
+                <a:cs typeface="+mn-cs"/>
+              </a:defRPr>
+            </a:lvl2pPr>
+            <a:lvl3pPr marL="358775" indent="-179388" algn="l" defTabSz="1088558" rtl="0" eaLnBrk="1" latinLnBrk="0" hangingPunct="1">
+              <a:spcBef>
+                <a:spcPts val="300"/>
+              </a:spcBef>
+              <a:buClr>
+                <a:schemeClr val="tx1"/>
+              </a:buClr>
+              <a:buSzPct val="100000"/>
+              <a:buFont typeface="Arial" panose="020B0604020202020204" pitchFamily="34" charset="0"/>
+              <a:buChar char="–"/>
+              <a:defRPr lang="en-US" sz="1800" kern="1200" noProof="0" dirty="0" smtClean="0">
+                <a:solidFill>
+                  <a:schemeClr val="tx1"/>
+                </a:solidFill>
+                <a:latin typeface="+mn-lt"/>
+                <a:ea typeface="+mn-ea"/>
+                <a:cs typeface="+mn-cs"/>
+              </a:defRPr>
+            </a:lvl3pPr>
+            <a:lvl4pPr marL="539892" indent="-179964" algn="l" defTabSz="1088558" rtl="0" eaLnBrk="1" latinLnBrk="0" hangingPunct="1">
+              <a:spcBef>
+                <a:spcPts val="300"/>
+              </a:spcBef>
+              <a:buClr>
+                <a:schemeClr val="tx1"/>
+              </a:buClr>
+              <a:buSzPct val="120000"/>
+              <a:buFont typeface="Arial" pitchFamily="34" charset="0"/>
+              <a:buChar char="▫"/>
+              <a:defRPr sz="1600" kern="1200">
+                <a:solidFill>
+                  <a:schemeClr val="tx1"/>
+                </a:solidFill>
+                <a:latin typeface="+mn-lt"/>
+                <a:ea typeface="+mn-ea"/>
+                <a:cs typeface="+mn-cs"/>
+              </a:defRPr>
+            </a:lvl4pPr>
+            <a:lvl5pPr marL="719856" indent="-179964" algn="l" defTabSz="1088558" rtl="0" eaLnBrk="1" latinLnBrk="0" hangingPunct="1">
+              <a:spcBef>
+                <a:spcPts val="100"/>
+              </a:spcBef>
+              <a:buClr>
+                <a:schemeClr val="tx1"/>
+              </a:buClr>
+              <a:buSzPct val="100000"/>
+              <a:buFont typeface="Symbol" panose="05050102010706020507" pitchFamily="18" charset="2"/>
+              <a:buChar char="-"/>
+              <a:defRPr sz="1400" kern="1200" baseline="0">
+                <a:solidFill>
+                  <a:schemeClr val="tx1"/>
+                </a:solidFill>
+                <a:latin typeface="+mn-lt"/>
+                <a:ea typeface="+mn-ea"/>
+                <a:cs typeface="+mn-cs"/>
+              </a:defRPr>
+            </a:lvl5pPr>
+            <a:lvl6pPr marL="2993535" indent="-272140" algn="l" defTabSz="1088558" rtl="0" eaLnBrk="1" latinLnBrk="0" hangingPunct="1">
+              <a:spcBef>
+                <a:spcPct val="20000"/>
+              </a:spcBef>
+              <a:buFont typeface="Arial" pitchFamily="34" charset="0"/>
+              <a:buChar char="•"/>
+              <a:defRPr sz="2400" kern="1200">
+                <a:solidFill>
+                  <a:schemeClr val="tx1"/>
+                </a:solidFill>
+                <a:latin typeface="+mn-lt"/>
+                <a:ea typeface="+mn-ea"/>
+                <a:cs typeface="+mn-cs"/>
+              </a:defRPr>
+            </a:lvl6pPr>
+            <a:lvl7pPr marL="3537814" indent="-272140" algn="l" defTabSz="1088558" rtl="0" eaLnBrk="1" latinLnBrk="0" hangingPunct="1">
+              <a:spcBef>
+                <a:spcPct val="20000"/>
+              </a:spcBef>
+              <a:buFont typeface="Arial" pitchFamily="34" charset="0"/>
+              <a:buChar char="•"/>
+              <a:defRPr sz="2400" kern="1200">
+                <a:solidFill>
+                  <a:schemeClr val="tx1"/>
+                </a:solidFill>
+                <a:latin typeface="+mn-lt"/>
+                <a:ea typeface="+mn-ea"/>
+                <a:cs typeface="+mn-cs"/>
+              </a:defRPr>
+            </a:lvl7pPr>
+            <a:lvl8pPr marL="4082093" indent="-272140" algn="l" defTabSz="1088558" rtl="0" eaLnBrk="1" latinLnBrk="0" hangingPunct="1">
+              <a:spcBef>
+                <a:spcPct val="20000"/>
+              </a:spcBef>
+              <a:buFont typeface="Arial" pitchFamily="34" charset="0"/>
+              <a:buChar char="•"/>
+              <a:defRPr sz="2400" kern="1200">
+                <a:solidFill>
+                  <a:schemeClr val="tx1"/>
+                </a:solidFill>
+                <a:latin typeface="+mn-lt"/>
+                <a:ea typeface="+mn-ea"/>
+                <a:cs typeface="+mn-cs"/>
+              </a:defRPr>
+            </a:lvl8pPr>
+            <a:lvl9pPr marL="4626373" indent="-272140" algn="l" defTabSz="1088558" rtl="0" eaLnBrk="1" latinLnBrk="0" hangingPunct="1">
+              <a:spcBef>
+                <a:spcPct val="20000"/>
+              </a:spcBef>
+              <a:buFont typeface="Arial" pitchFamily="34" charset="0"/>
+              <a:buChar char="•"/>
+              <a:defRPr sz="2400" kern="1200">
+                <a:solidFill>
+                  <a:schemeClr val="tx1"/>
+                </a:solidFill>
+                <a:latin typeface="+mn-lt"/>
+                <a:ea typeface="+mn-ea"/>
+                <a:cs typeface="+mn-cs"/>
+              </a:defRPr>
+            </a:lvl9pPr>
+          </a:lstStyle>
+          <a:p>
+            <a:pPr lvl="1"/>
+            <a:r>
+              <a:rPr lang="en-US" sz="1600" dirty="0"/>
+              <a:t>Every program uses system calls to interact with the operating system</a:t>
+            </a:r>
+          </a:p>
+          <a:p>
+            <a:pPr lvl="1"/>
+            <a:endParaRPr lang="en-US" sz="1600" dirty="0"/>
+          </a:p>
+          <a:p>
+            <a:pPr lvl="1"/>
+            <a:r>
+              <a:rPr lang="en-US" sz="1600" dirty="0" err="1"/>
+              <a:t>seccomp</a:t>
+            </a:r>
+            <a:r>
+              <a:rPr lang="en-US" sz="1600" dirty="0"/>
+              <a:t> can block individual system calls</a:t>
+            </a:r>
+          </a:p>
+          <a:p>
+            <a:pPr lvl="2"/>
+            <a:r>
+              <a:rPr lang="en-US" sz="1600" dirty="0"/>
+              <a:t>whitelisting</a:t>
+            </a:r>
+          </a:p>
+          <a:p>
+            <a:pPr lvl="2"/>
+            <a:r>
+              <a:rPr lang="en-US" sz="1600" dirty="0"/>
+              <a:t>blacklisting</a:t>
+            </a:r>
+          </a:p>
+          <a:p>
+            <a:pPr lvl="2"/>
+            <a:r>
+              <a:rPr lang="en-US" sz="1600" dirty="0" err="1"/>
+              <a:t>systemcall</a:t>
+            </a:r>
+            <a:r>
+              <a:rPr lang="en-US" sz="1600" dirty="0"/>
+              <a:t> trapping</a:t>
+            </a:r>
+          </a:p>
+          <a:p>
+            <a:pPr marL="0" lvl="1" indent="0">
+              <a:buNone/>
+            </a:pPr>
+            <a:endParaRPr lang="en-US" sz="1600" dirty="0"/>
+          </a:p>
+        </p:txBody>
+      </p:sp>
+      <p:sp>
+        <p:nvSpPr>
+          <p:cNvPr id="20" name="Arrow: Down 19">
+            <a:extLst>
+              <a:ext uri="{FF2B5EF4-FFF2-40B4-BE49-F238E27FC236}">
+                <a16:creationId xmlns:a16="http://schemas.microsoft.com/office/drawing/2014/main" id="{EFC98BFD-16D9-417F-905E-F4BA2AF414FF}"/>
+              </a:ext>
+            </a:extLst>
+          </p:cNvPr>
+          <p:cNvSpPr/>
+          <p:nvPr/>
+        </p:nvSpPr>
+        <p:spPr bwMode="gray">
+          <a:xfrm>
+            <a:off x="2414539" y="2343149"/>
+            <a:ext cx="681086" cy="2495549"/>
+          </a:xfrm>
+          <a:prstGeom prst="downArrow">
+            <a:avLst>
+              <a:gd name="adj1" fmla="val 50000"/>
+              <a:gd name="adj2" fmla="val 56046"/>
+            </a:avLst>
+          </a:prstGeom>
+          <a:solidFill>
+            <a:schemeClr val="accent4">
+              <a:lumMod val="50000"/>
+            </a:schemeClr>
+          </a:solidFill>
+          <a:ln w="6350" algn="ctr">
+            <a:noFill/>
+            <a:miter lim="800000"/>
+            <a:headEnd/>
+            <a:tailEnd/>
+          </a:ln>
+        </p:spPr>
+        <p:txBody>
+          <a:bodyPr vert="vert270" lIns="90000" tIns="72000" rIns="90000" bIns="72000" rtlCol="0" anchor="ctr"/>
+          <a:lstStyle/>
+          <a:p>
+            <a:pPr marR="0" algn="ctr" defTabSz="914400" eaLnBrk="1" fontAlgn="base" latinLnBrk="0" hangingPunct="1">
+              <a:lnSpc>
+                <a:spcPct val="100000"/>
+              </a:lnSpc>
+              <a:spcBef>
+                <a:spcPct val="50000"/>
+              </a:spcBef>
+              <a:spcAft>
+                <a:spcPct val="0"/>
+              </a:spcAft>
+              <a:buClr>
+                <a:srgbClr val="F0AB00"/>
+              </a:buClr>
+              <a:buSzPct val="80000"/>
+              <a:tabLst/>
+            </a:pPr>
+            <a:r>
+              <a:rPr kumimoji="0" lang="en-US" sz="1600" u="none" strike="noStrike" kern="0" cap="none" spc="0" normalizeH="0" baseline="0" noProof="0" dirty="0">
+                <a:ln>
+                  <a:noFill/>
+                </a:ln>
+                <a:solidFill>
+                  <a:schemeClr val="bg1"/>
+                </a:solidFill>
+                <a:effectLst/>
+                <a:uLnTx/>
+                <a:uFillTx/>
+                <a:latin typeface="Courier New" panose="02070309020205020404" pitchFamily="49" charset="0"/>
+                <a:ea typeface="Arial Unicode MS" pitchFamily="34" charset="-128"/>
+                <a:cs typeface="Courier New" panose="02070309020205020404" pitchFamily="49" charset="0"/>
+              </a:rPr>
+              <a:t>write</a:t>
+            </a:r>
+          </a:p>
+        </p:txBody>
+      </p:sp>
+      <p:sp>
+        <p:nvSpPr>
+          <p:cNvPr id="21" name="Arrow: Down 20">
+            <a:extLst>
+              <a:ext uri="{FF2B5EF4-FFF2-40B4-BE49-F238E27FC236}">
+                <a16:creationId xmlns:a16="http://schemas.microsoft.com/office/drawing/2014/main" id="{C762D2E9-8CCC-49DC-A718-3C0FC3CA4A3B}"/>
+              </a:ext>
+            </a:extLst>
+          </p:cNvPr>
+          <p:cNvSpPr/>
+          <p:nvPr/>
+        </p:nvSpPr>
+        <p:spPr bwMode="gray">
+          <a:xfrm>
+            <a:off x="3128889" y="2343147"/>
+            <a:ext cx="681086" cy="2495549"/>
+          </a:xfrm>
+          <a:prstGeom prst="downArrow">
+            <a:avLst>
+              <a:gd name="adj1" fmla="val 50000"/>
+              <a:gd name="adj2" fmla="val 56046"/>
+            </a:avLst>
+          </a:prstGeom>
+          <a:solidFill>
+            <a:schemeClr val="accent4">
+              <a:lumMod val="50000"/>
+            </a:schemeClr>
+          </a:solidFill>
+          <a:ln w="6350" algn="ctr">
+            <a:noFill/>
+            <a:miter lim="800000"/>
+            <a:headEnd/>
+            <a:tailEnd/>
+          </a:ln>
+        </p:spPr>
+        <p:txBody>
+          <a:bodyPr vert="vert270" lIns="90000" tIns="72000" rIns="90000" bIns="72000" rtlCol="0" anchor="ctr"/>
+          <a:lstStyle/>
+          <a:p>
+            <a:pPr marR="0" algn="ctr" defTabSz="914400" eaLnBrk="1" fontAlgn="base" latinLnBrk="0" hangingPunct="1">
+              <a:lnSpc>
+                <a:spcPct val="100000"/>
+              </a:lnSpc>
+              <a:spcBef>
+                <a:spcPct val="50000"/>
+              </a:spcBef>
+              <a:spcAft>
+                <a:spcPct val="0"/>
+              </a:spcAft>
+              <a:buClr>
+                <a:srgbClr val="F0AB00"/>
+              </a:buClr>
+              <a:buSzPct val="80000"/>
+              <a:tabLst/>
+            </a:pPr>
+            <a:r>
+              <a:rPr kumimoji="0" lang="en-US" sz="1600" u="none" strike="noStrike" kern="0" cap="none" spc="0" normalizeH="0" baseline="0" noProof="0" dirty="0">
+                <a:ln>
+                  <a:noFill/>
+                </a:ln>
+                <a:solidFill>
+                  <a:schemeClr val="bg1"/>
+                </a:solidFill>
+                <a:effectLst/>
+                <a:uLnTx/>
+                <a:uFillTx/>
+                <a:latin typeface="Courier New" panose="02070309020205020404" pitchFamily="49" charset="0"/>
+                <a:ea typeface="Arial Unicode MS" pitchFamily="34" charset="-128"/>
+                <a:cs typeface="Courier New" panose="02070309020205020404" pitchFamily="49" charset="0"/>
+              </a:rPr>
+              <a:t>stat</a:t>
+            </a:r>
+          </a:p>
+        </p:txBody>
+      </p:sp>
+      <p:sp>
+        <p:nvSpPr>
+          <p:cNvPr id="22" name="Arrow: Down 21">
+            <a:extLst>
+              <a:ext uri="{FF2B5EF4-FFF2-40B4-BE49-F238E27FC236}">
+                <a16:creationId xmlns:a16="http://schemas.microsoft.com/office/drawing/2014/main" id="{DC7DA7C8-2FBD-4FAF-A215-8EFA6FB4552B}"/>
+              </a:ext>
+            </a:extLst>
+          </p:cNvPr>
+          <p:cNvSpPr/>
+          <p:nvPr/>
+        </p:nvSpPr>
+        <p:spPr bwMode="gray">
+          <a:xfrm>
+            <a:off x="3957540" y="2343147"/>
+            <a:ext cx="681086" cy="2495549"/>
+          </a:xfrm>
+          <a:prstGeom prst="downArrow">
+            <a:avLst>
+              <a:gd name="adj1" fmla="val 50000"/>
+              <a:gd name="adj2" fmla="val 56046"/>
+            </a:avLst>
+          </a:prstGeom>
+          <a:solidFill>
+            <a:srgbClr val="FF0000"/>
+          </a:solidFill>
+          <a:ln w="6350" algn="ctr">
+            <a:noFill/>
+            <a:miter lim="800000"/>
+            <a:headEnd/>
+            <a:tailEnd/>
+          </a:ln>
+        </p:spPr>
+        <p:txBody>
+          <a:bodyPr vert="vert270" lIns="90000" tIns="72000" rIns="90000" bIns="72000" rtlCol="0" anchor="ctr"/>
+          <a:lstStyle/>
+          <a:p>
+            <a:pPr marR="0" algn="ctr" defTabSz="914400" eaLnBrk="1" fontAlgn="base" latinLnBrk="0" hangingPunct="1">
+              <a:lnSpc>
+                <a:spcPct val="100000"/>
+              </a:lnSpc>
+              <a:spcBef>
+                <a:spcPct val="50000"/>
+              </a:spcBef>
+              <a:spcAft>
+                <a:spcPct val="0"/>
+              </a:spcAft>
+              <a:buClr>
+                <a:srgbClr val="F0AB00"/>
+              </a:buClr>
+              <a:buSzPct val="80000"/>
+              <a:tabLst/>
+            </a:pPr>
+            <a:r>
+              <a:rPr kumimoji="0" lang="en-US" sz="1600" u="none" strike="noStrike" kern="0" cap="none" spc="0" normalizeH="0" baseline="0" noProof="0" dirty="0">
+                <a:ln>
+                  <a:noFill/>
+                </a:ln>
+                <a:solidFill>
+                  <a:schemeClr val="bg1"/>
+                </a:solidFill>
+                <a:effectLst/>
+                <a:uLnTx/>
+                <a:uFillTx/>
+                <a:latin typeface="Courier New" panose="02070309020205020404" pitchFamily="49" charset="0"/>
+                <a:ea typeface="Arial Unicode MS" pitchFamily="34" charset="-128"/>
+                <a:cs typeface="Courier New" panose="02070309020205020404" pitchFamily="49" charset="0"/>
+              </a:rPr>
+              <a:t>reboot</a:t>
+            </a:r>
+          </a:p>
+        </p:txBody>
+      </p:sp>
+    </p:spTree>
+    <p:extLst>
+      <p:ext uri="{BB962C8B-B14F-4D97-AF65-F5344CB8AC3E}">
+        <p14:creationId xmlns:p14="http://schemas.microsoft.com/office/powerpoint/2010/main" val="2969143042"/>
+      </p:ext>
+    </p:extLst>
+  </p:cSld>
+  <p:clrMapOvr>
+    <a:masterClrMapping/>
+  </p:clrMapOvr>
+</p:sld>
+</file>
+
+<file path=ppt/slides/slide11.xml><?xml version="1.0" encoding="utf-8"?>
+<p:sld xmlns:a="http://schemas.openxmlformats.org/drawingml/2006/main" xmlns:r="http://schemas.openxmlformats.org/officeDocument/2006/relationships" xmlns:p="http://schemas.openxmlformats.org/presentationml/2006/main">
+  <p:cSld>
+    <p:spTree>
+      <p:nvGrpSpPr>
+        <p:cNvPr id="1" name=""/>
+        <p:cNvGrpSpPr/>
+        <p:nvPr/>
+      </p:nvGrpSpPr>
+      <p:grpSpPr>
+        <a:xfrm>
+          <a:off x="0" y="0"/>
+          <a:ext cx="0" cy="0"/>
+          <a:chOff x="0" y="0"/>
+          <a:chExt cx="0" cy="0"/>
+        </a:xfrm>
+      </p:grpSpPr>
+      <p:sp>
+        <p:nvSpPr>
+          <p:cNvPr id="4" name="Title 3">
+            <a:extLst>
+              <a:ext uri="{FF2B5EF4-FFF2-40B4-BE49-F238E27FC236}">
+                <a16:creationId xmlns:a16="http://schemas.microsoft.com/office/drawing/2014/main" id="{96BEB1A8-C9D3-4723-A64F-42E02E22325A}"/>
+              </a:ext>
+            </a:extLst>
+          </p:cNvPr>
+          <p:cNvSpPr>
+            <a:spLocks noGrp="1"/>
+          </p:cNvSpPr>
+          <p:nvPr>
+            <p:ph type="title"/>
+          </p:nvPr>
+        </p:nvSpPr>
+        <p:spPr/>
+        <p:txBody>
+          <a:bodyPr/>
+          <a:lstStyle/>
+          <a:p>
+            <a:r>
+              <a:rPr lang="en-US" dirty="0"/>
+              <a:t>Demo</a:t>
+            </a:r>
+          </a:p>
+        </p:txBody>
+      </p:sp>
+      <p:pic>
+        <p:nvPicPr>
+          <p:cNvPr id="6" name="Picture 5">
+            <a:extLst>
+              <a:ext uri="{FF2B5EF4-FFF2-40B4-BE49-F238E27FC236}">
+                <a16:creationId xmlns:a16="http://schemas.microsoft.com/office/drawing/2014/main" id="{8D1ACC5F-52FE-4C32-9E61-49F09FCEB59D}"/>
+              </a:ext>
+            </a:extLst>
+          </p:cNvPr>
+          <p:cNvPicPr>
+            <a:picLocks noChangeAspect="1"/>
+          </p:cNvPicPr>
+          <p:nvPr/>
+        </p:nvPicPr>
+        <p:blipFill>
+          <a:blip r:embed="rId3"/>
+          <a:stretch>
+            <a:fillRect/>
+          </a:stretch>
+        </p:blipFill>
+        <p:spPr>
+          <a:xfrm>
+            <a:off x="4521420" y="1853181"/>
+            <a:ext cx="3151638" cy="3151638"/>
+          </a:xfrm>
+          <a:prstGeom prst="rect">
+            <a:avLst/>
+          </a:prstGeom>
+        </p:spPr>
+      </p:pic>
+    </p:spTree>
+    <p:extLst>
+      <p:ext uri="{BB962C8B-B14F-4D97-AF65-F5344CB8AC3E}">
+        <p14:creationId xmlns:p14="http://schemas.microsoft.com/office/powerpoint/2010/main" val="3667640249"/>
+      </p:ext>
+    </p:extLst>
+  </p:cSld>
+  <p:clrMapOvr>
+    <a:masterClrMapping/>
+  </p:clrMapOvr>
+</p:sld>
+</file>
+
+<file path=ppt/slides/slide12.xml><?xml version="1.0" encoding="utf-8"?>
+<p:sld xmlns:a="http://schemas.openxmlformats.org/drawingml/2006/main" xmlns:r="http://schemas.openxmlformats.org/officeDocument/2006/relationships" xmlns:p="http://schemas.openxmlformats.org/presentationml/2006/main">
+  <p:cSld>
+    <p:spTree>
+      <p:nvGrpSpPr>
+        <p:cNvPr id="1" name=""/>
+        <p:cNvGrpSpPr/>
+        <p:nvPr/>
+      </p:nvGrpSpPr>
+      <p:grpSpPr>
+        <a:xfrm>
+          <a:off x="0" y="0"/>
+          <a:ext cx="0" cy="0"/>
+          <a:chOff x="0" y="0"/>
+          <a:chExt cx="0" cy="0"/>
+        </a:xfrm>
+      </p:grpSpPr>
+      <p:sp>
+        <p:nvSpPr>
+          <p:cNvPr id="4" name="Title 3">
+            <a:extLst>
+              <a:ext uri="{FF2B5EF4-FFF2-40B4-BE49-F238E27FC236}">
+                <a16:creationId xmlns:a16="http://schemas.microsoft.com/office/drawing/2014/main" id="{645B76E8-EDF1-4BBF-A073-4675DBA6C45F}"/>
+              </a:ext>
+            </a:extLst>
+          </p:cNvPr>
+          <p:cNvSpPr>
+            <a:spLocks noGrp="1"/>
+          </p:cNvSpPr>
+          <p:nvPr>
+            <p:ph type="title"/>
+          </p:nvPr>
+        </p:nvSpPr>
+        <p:spPr/>
+        <p:txBody>
+          <a:bodyPr/>
+          <a:lstStyle/>
+          <a:p>
+            <a:r>
+              <a:rPr lang="en-US" dirty="0"/>
+              <a:t>Let’s use these features to start our first container…</a:t>
+            </a:r>
+          </a:p>
+        </p:txBody>
+      </p:sp>
+      <p:sp>
+        <p:nvSpPr>
+          <p:cNvPr id="5" name="Rectangle: Rounded Corners 4">
+            <a:extLst>
+              <a:ext uri="{FF2B5EF4-FFF2-40B4-BE49-F238E27FC236}">
+                <a16:creationId xmlns:a16="http://schemas.microsoft.com/office/drawing/2014/main" id="{1A09AC9B-F654-4AFC-A240-22685298511B}"/>
+              </a:ext>
+            </a:extLst>
+          </p:cNvPr>
+          <p:cNvSpPr/>
+          <p:nvPr/>
+        </p:nvSpPr>
+        <p:spPr bwMode="gray">
+          <a:xfrm>
+            <a:off x="596245" y="2015340"/>
+            <a:ext cx="11001988" cy="380726"/>
+          </a:xfrm>
+          <a:prstGeom prst="roundRect">
+            <a:avLst>
+              <a:gd name="adj" fmla="val 8296"/>
+            </a:avLst>
+          </a:prstGeom>
+          <a:pattFill prst="narHorz">
+            <a:fgClr>
+              <a:schemeClr val="tx1"/>
+            </a:fgClr>
+            <a:bgClr>
+              <a:srgbClr val="112806"/>
+            </a:bgClr>
+          </a:pattFill>
+          <a:ln w="6350" algn="ctr">
+            <a:noFill/>
+            <a:miter lim="800000"/>
+            <a:headEnd/>
+            <a:tailEnd/>
+          </a:ln>
+        </p:spPr>
+        <p:txBody>
+          <a:bodyPr lIns="90000" tIns="72000" rIns="90000" bIns="72000" rtlCol="0" anchor="ctr"/>
+          <a:lstStyle/>
+          <a:p>
+            <a:pPr marL="179387" lvl="2" indent="0">
+              <a:buNone/>
+            </a:pPr>
+            <a:r>
+              <a:rPr lang="en-US" sz="1200" b="1" dirty="0">
+                <a:solidFill>
+                  <a:schemeClr val="bg1"/>
+                </a:solidFill>
+                <a:latin typeface="Courier New" panose="02070309020205020404" pitchFamily="49" charset="0"/>
+                <a:cs typeface="Courier New" panose="02070309020205020404" pitchFamily="49" charset="0"/>
+              </a:rPr>
+              <a:t># </a:t>
+            </a:r>
+            <a:r>
+              <a:rPr lang="en-US" sz="1200" b="1" dirty="0" err="1">
+                <a:solidFill>
+                  <a:schemeClr val="accent1">
+                    <a:lumMod val="20000"/>
+                    <a:lumOff val="80000"/>
+                  </a:schemeClr>
+                </a:solidFill>
+                <a:latin typeface="Courier New" panose="02070309020205020404" pitchFamily="49" charset="0"/>
+                <a:cs typeface="Courier New" panose="02070309020205020404" pitchFamily="49" charset="0"/>
+              </a:rPr>
+              <a:t>cgexec</a:t>
+            </a:r>
+            <a:r>
+              <a:rPr lang="en-US" sz="1200" b="1" dirty="0">
+                <a:solidFill>
+                  <a:schemeClr val="accent1">
+                    <a:lumMod val="20000"/>
+                    <a:lumOff val="80000"/>
+                  </a:schemeClr>
+                </a:solidFill>
+                <a:latin typeface="Courier New" panose="02070309020205020404" pitchFamily="49" charset="0"/>
+                <a:cs typeface="Courier New" panose="02070309020205020404" pitchFamily="49" charset="0"/>
+              </a:rPr>
+              <a:t> –r </a:t>
+            </a:r>
+            <a:r>
+              <a:rPr lang="en-US" sz="1200" b="1" dirty="0" err="1">
+                <a:solidFill>
+                  <a:schemeClr val="accent1">
+                    <a:lumMod val="20000"/>
+                    <a:lumOff val="80000"/>
+                  </a:schemeClr>
+                </a:solidFill>
+                <a:latin typeface="Courier New" panose="02070309020205020404" pitchFamily="49" charset="0"/>
+                <a:cs typeface="Courier New" panose="02070309020205020404" pitchFamily="49" charset="0"/>
+              </a:rPr>
+              <a:t>cpu,memory,pids</a:t>
+            </a:r>
+            <a:r>
+              <a:rPr lang="en-US" sz="1200" b="1" dirty="0">
+                <a:solidFill>
+                  <a:schemeClr val="accent1">
+                    <a:lumMod val="20000"/>
+                    <a:lumOff val="80000"/>
+                  </a:schemeClr>
+                </a:solidFill>
+                <a:latin typeface="Courier New" panose="02070309020205020404" pitchFamily="49" charset="0"/>
+                <a:cs typeface="Courier New" panose="02070309020205020404" pitchFamily="49" charset="0"/>
+              </a:rPr>
+              <a:t>:/container </a:t>
+            </a:r>
+            <a:r>
+              <a:rPr lang="en-US" sz="1200" b="1" dirty="0" err="1">
+                <a:solidFill>
+                  <a:schemeClr val="accent3">
+                    <a:lumMod val="20000"/>
+                    <a:lumOff val="80000"/>
+                  </a:schemeClr>
+                </a:solidFill>
+                <a:latin typeface="Courier New" panose="02070309020205020404" pitchFamily="49" charset="0"/>
+                <a:cs typeface="Courier New" panose="02070309020205020404" pitchFamily="49" charset="0"/>
+              </a:rPr>
+              <a:t>unshare</a:t>
+            </a:r>
+            <a:r>
+              <a:rPr lang="en-US" sz="1200" b="1" dirty="0">
+                <a:solidFill>
+                  <a:schemeClr val="accent3">
+                    <a:lumMod val="20000"/>
+                    <a:lumOff val="80000"/>
+                  </a:schemeClr>
+                </a:solidFill>
+                <a:latin typeface="Courier New" panose="02070309020205020404" pitchFamily="49" charset="0"/>
+                <a:cs typeface="Courier New" panose="02070309020205020404" pitchFamily="49" charset="0"/>
+              </a:rPr>
+              <a:t> --</a:t>
+            </a:r>
+            <a:r>
+              <a:rPr lang="en-US" sz="1200" b="1" dirty="0" err="1">
+                <a:solidFill>
+                  <a:schemeClr val="accent3">
+                    <a:lumMod val="20000"/>
+                    <a:lumOff val="80000"/>
+                  </a:schemeClr>
+                </a:solidFill>
+                <a:latin typeface="Courier New" panose="02070309020205020404" pitchFamily="49" charset="0"/>
+                <a:cs typeface="Courier New" panose="02070309020205020404" pitchFamily="49" charset="0"/>
+              </a:rPr>
+              <a:t>pid</a:t>
+            </a:r>
+            <a:r>
+              <a:rPr lang="en-US" sz="1200" b="1" dirty="0">
+                <a:solidFill>
+                  <a:schemeClr val="accent3">
+                    <a:lumMod val="20000"/>
+                    <a:lumOff val="80000"/>
+                  </a:schemeClr>
+                </a:solidFill>
+                <a:latin typeface="Courier New" panose="02070309020205020404" pitchFamily="49" charset="0"/>
+                <a:cs typeface="Courier New" panose="02070309020205020404" pitchFamily="49" charset="0"/>
+              </a:rPr>
+              <a:t> --</a:t>
+            </a:r>
+            <a:r>
+              <a:rPr lang="en-US" sz="1200" b="1" dirty="0" err="1">
+                <a:solidFill>
+                  <a:schemeClr val="accent3">
+                    <a:lumMod val="20000"/>
+                    <a:lumOff val="80000"/>
+                  </a:schemeClr>
+                </a:solidFill>
+                <a:latin typeface="Courier New" panose="02070309020205020404" pitchFamily="49" charset="0"/>
+                <a:cs typeface="Courier New" panose="02070309020205020404" pitchFamily="49" charset="0"/>
+              </a:rPr>
+              <a:t>uts</a:t>
+            </a:r>
+            <a:r>
+              <a:rPr lang="en-US" sz="1200" b="1" dirty="0">
+                <a:solidFill>
+                  <a:schemeClr val="accent3">
+                    <a:lumMod val="20000"/>
+                    <a:lumOff val="80000"/>
+                  </a:schemeClr>
+                </a:solidFill>
+                <a:latin typeface="Courier New" panose="02070309020205020404" pitchFamily="49" charset="0"/>
+                <a:cs typeface="Courier New" panose="02070309020205020404" pitchFamily="49" charset="0"/>
+              </a:rPr>
+              <a:t> --mount --user --fork </a:t>
+            </a:r>
+            <a:r>
+              <a:rPr lang="en-US" sz="1200" b="1" dirty="0">
+                <a:solidFill>
+                  <a:schemeClr val="accent5">
+                    <a:lumMod val="20000"/>
+                    <a:lumOff val="80000"/>
+                  </a:schemeClr>
+                </a:solidFill>
+                <a:latin typeface="Courier New" panose="02070309020205020404" pitchFamily="49" charset="0"/>
+                <a:cs typeface="Courier New" panose="02070309020205020404" pitchFamily="49" charset="0"/>
+              </a:rPr>
+              <a:t>chroot container</a:t>
+            </a:r>
+          </a:p>
+        </p:txBody>
+      </p:sp>
+      <p:sp>
+        <p:nvSpPr>
+          <p:cNvPr id="6" name="Speech Bubble: Rectangle 5">
+            <a:extLst>
+              <a:ext uri="{FF2B5EF4-FFF2-40B4-BE49-F238E27FC236}">
+                <a16:creationId xmlns:a16="http://schemas.microsoft.com/office/drawing/2014/main" id="{C746B67D-41C0-46C3-A8B9-8DC95EF8CDD1}"/>
+              </a:ext>
+            </a:extLst>
+          </p:cNvPr>
+          <p:cNvSpPr/>
+          <p:nvPr/>
+        </p:nvSpPr>
+        <p:spPr bwMode="gray">
+          <a:xfrm>
+            <a:off x="795867" y="3022600"/>
+            <a:ext cx="2345267" cy="829733"/>
+          </a:xfrm>
+          <a:prstGeom prst="wedgeRectCallout">
+            <a:avLst>
+              <a:gd name="adj1" fmla="val -4098"/>
+              <a:gd name="adj2" fmla="val -118895"/>
+            </a:avLst>
+          </a:prstGeom>
+          <a:solidFill>
+            <a:schemeClr val="accent1"/>
+          </a:solidFill>
+          <a:ln w="6350" algn="ctr">
+            <a:solidFill>
+              <a:schemeClr val="tx1"/>
+            </a:solidFill>
+            <a:miter lim="800000"/>
+            <a:headEnd/>
+            <a:tailEnd/>
+          </a:ln>
+        </p:spPr>
+        <p:txBody>
+          <a:bodyPr lIns="90000" tIns="72000" rIns="90000" bIns="72000" rtlCol="0" anchor="ctr"/>
+          <a:lstStyle/>
+          <a:p>
+            <a:pPr marR="0" algn="ctr" defTabSz="914400" eaLnBrk="1" fontAlgn="base" latinLnBrk="0" hangingPunct="1">
+              <a:lnSpc>
+                <a:spcPct val="100000"/>
+              </a:lnSpc>
+              <a:spcBef>
+                <a:spcPct val="50000"/>
+              </a:spcBef>
+              <a:spcAft>
+                <a:spcPct val="0"/>
+              </a:spcAft>
+              <a:buClr>
+                <a:srgbClr val="F0AB00"/>
+              </a:buClr>
+              <a:buSzPct val="80000"/>
+              <a:tabLst/>
+            </a:pPr>
+            <a:r>
+              <a:rPr lang="en-US" sz="1800" b="1" kern="0" dirty="0">
+                <a:ea typeface="Arial Unicode MS" pitchFamily="34" charset="-128"/>
+                <a:cs typeface="Arial Unicode MS" pitchFamily="34" charset="-128"/>
+              </a:rPr>
+              <a:t>cgroups</a:t>
+            </a:r>
+            <a:br>
+              <a:rPr lang="en-US" sz="1800" kern="0" dirty="0">
+                <a:ea typeface="Arial Unicode MS" pitchFamily="34" charset="-128"/>
+                <a:cs typeface="Arial Unicode MS" pitchFamily="34" charset="-128"/>
+              </a:rPr>
+            </a:br>
+            <a:r>
+              <a:rPr kumimoji="0" lang="en-US" sz="1600" b="0" i="1" u="none" strike="noStrike" kern="0" cap="none" spc="0" normalizeH="0" baseline="0" noProof="0" dirty="0">
+                <a:ln>
+                  <a:noFill/>
+                </a:ln>
+                <a:effectLst/>
+                <a:uLnTx/>
+                <a:uFillTx/>
+                <a:ea typeface="Arial Unicode MS" pitchFamily="34" charset="-128"/>
+                <a:cs typeface="Arial Unicode MS" pitchFamily="34" charset="-128"/>
+              </a:rPr>
+              <a:t>resource limitation</a:t>
+            </a:r>
+            <a:endParaRPr kumimoji="0" lang="en-US" sz="1800" b="0" i="1" u="none" strike="noStrike" kern="0" cap="none" spc="0" normalizeH="0" baseline="0" noProof="0" dirty="0">
+              <a:ln>
+                <a:noFill/>
+              </a:ln>
+              <a:effectLst/>
+              <a:uLnTx/>
+              <a:uFillTx/>
+              <a:ea typeface="Arial Unicode MS" pitchFamily="34" charset="-128"/>
+              <a:cs typeface="Arial Unicode MS" pitchFamily="34" charset="-128"/>
+            </a:endParaRPr>
+          </a:p>
+        </p:txBody>
+      </p:sp>
+      <p:sp>
+        <p:nvSpPr>
+          <p:cNvPr id="8" name="Speech Bubble: Rectangle 7">
+            <a:extLst>
+              <a:ext uri="{FF2B5EF4-FFF2-40B4-BE49-F238E27FC236}">
+                <a16:creationId xmlns:a16="http://schemas.microsoft.com/office/drawing/2014/main" id="{E20196A0-740B-486C-AE67-960A26C65EE5}"/>
+              </a:ext>
+            </a:extLst>
+          </p:cNvPr>
+          <p:cNvSpPr/>
+          <p:nvPr/>
+        </p:nvSpPr>
+        <p:spPr bwMode="gray">
+          <a:xfrm>
+            <a:off x="4267200" y="3952940"/>
+            <a:ext cx="2345267" cy="829733"/>
+          </a:xfrm>
+          <a:prstGeom prst="wedgeRectCallout">
+            <a:avLst>
+              <a:gd name="adj1" fmla="val 3123"/>
+              <a:gd name="adj2" fmla="val -230119"/>
+            </a:avLst>
+          </a:prstGeom>
+          <a:solidFill>
+            <a:schemeClr val="accent3">
+              <a:lumMod val="50000"/>
+            </a:schemeClr>
+          </a:solidFill>
+          <a:ln w="6350" algn="ctr">
+            <a:solidFill>
+              <a:schemeClr val="tx1"/>
+            </a:solidFill>
+            <a:miter lim="800000"/>
+            <a:headEnd/>
+            <a:tailEnd/>
+          </a:ln>
+        </p:spPr>
+        <p:txBody>
+          <a:bodyPr lIns="90000" tIns="72000" rIns="90000" bIns="72000" rtlCol="0" anchor="ctr"/>
+          <a:lstStyle/>
+          <a:p>
+            <a:pPr marR="0" algn="ctr" defTabSz="914400" eaLnBrk="1" fontAlgn="base" latinLnBrk="0" hangingPunct="1">
+              <a:lnSpc>
+                <a:spcPct val="100000"/>
+              </a:lnSpc>
+              <a:spcBef>
+                <a:spcPct val="50000"/>
+              </a:spcBef>
+              <a:spcAft>
+                <a:spcPct val="0"/>
+              </a:spcAft>
+              <a:buClr>
+                <a:srgbClr val="F0AB00"/>
+              </a:buClr>
+              <a:buSzPct val="80000"/>
+              <a:tabLst/>
+            </a:pPr>
+            <a:r>
+              <a:rPr lang="en-US" sz="1800" b="1" kern="0" dirty="0">
+                <a:solidFill>
+                  <a:schemeClr val="bg1"/>
+                </a:solidFill>
+                <a:ea typeface="Arial Unicode MS" pitchFamily="34" charset="-128"/>
+                <a:cs typeface="Arial Unicode MS" pitchFamily="34" charset="-128"/>
+              </a:rPr>
+              <a:t>namespaces</a:t>
+            </a:r>
+            <a:br>
+              <a:rPr lang="en-US" sz="1800" kern="0" dirty="0">
+                <a:solidFill>
+                  <a:schemeClr val="bg1"/>
+                </a:solidFill>
+                <a:ea typeface="Arial Unicode MS" pitchFamily="34" charset="-128"/>
+                <a:cs typeface="Arial Unicode MS" pitchFamily="34" charset="-128"/>
+              </a:rPr>
+            </a:br>
+            <a:r>
+              <a:rPr kumimoji="0" lang="en-US" sz="1600" i="1" u="none" strike="noStrike" kern="0" cap="none" spc="0" normalizeH="0" baseline="0" noProof="0" dirty="0">
+                <a:ln>
+                  <a:noFill/>
+                </a:ln>
+                <a:solidFill>
+                  <a:schemeClr val="bg1"/>
+                </a:solidFill>
+                <a:effectLst/>
+                <a:uLnTx/>
+                <a:uFillTx/>
+                <a:ea typeface="Arial Unicode MS" pitchFamily="34" charset="-128"/>
+                <a:cs typeface="Arial Unicode MS" pitchFamily="34" charset="-128"/>
+              </a:rPr>
+              <a:t>process isolation</a:t>
+            </a:r>
+            <a:endParaRPr kumimoji="0" lang="en-US" sz="1800" i="1" u="none" strike="noStrike" kern="0" cap="none" spc="0" normalizeH="0" baseline="0" noProof="0" dirty="0">
+              <a:ln>
+                <a:noFill/>
+              </a:ln>
+              <a:solidFill>
+                <a:schemeClr val="bg1"/>
+              </a:solidFill>
+              <a:effectLst/>
+              <a:uLnTx/>
+              <a:uFillTx/>
+              <a:ea typeface="Arial Unicode MS" pitchFamily="34" charset="-128"/>
+              <a:cs typeface="Arial Unicode MS" pitchFamily="34" charset="-128"/>
+            </a:endParaRPr>
+          </a:p>
+        </p:txBody>
+      </p:sp>
+      <p:sp>
+        <p:nvSpPr>
+          <p:cNvPr id="10" name="Speech Bubble: Rectangle 9">
+            <a:extLst>
+              <a:ext uri="{FF2B5EF4-FFF2-40B4-BE49-F238E27FC236}">
+                <a16:creationId xmlns:a16="http://schemas.microsoft.com/office/drawing/2014/main" id="{C424A9AD-2AA7-4E2A-8798-4805DFD1603A}"/>
+              </a:ext>
+            </a:extLst>
+          </p:cNvPr>
+          <p:cNvSpPr/>
+          <p:nvPr/>
+        </p:nvSpPr>
+        <p:spPr bwMode="gray">
+          <a:xfrm>
+            <a:off x="7899400" y="3437466"/>
+            <a:ext cx="2345267" cy="829733"/>
+          </a:xfrm>
+          <a:prstGeom prst="wedgeRectCallout">
+            <a:avLst>
+              <a:gd name="adj1" fmla="val -17454"/>
+              <a:gd name="adj2" fmla="val -168895"/>
+            </a:avLst>
+          </a:prstGeom>
+          <a:solidFill>
+            <a:schemeClr val="accent5">
+              <a:lumMod val="75000"/>
+            </a:schemeClr>
+          </a:solidFill>
+          <a:ln w="6350" algn="ctr">
+            <a:solidFill>
+              <a:schemeClr val="tx1"/>
+            </a:solidFill>
+            <a:miter lim="800000"/>
+            <a:headEnd/>
+            <a:tailEnd/>
+          </a:ln>
+        </p:spPr>
+        <p:txBody>
+          <a:bodyPr lIns="90000" tIns="72000" rIns="90000" bIns="72000" rtlCol="0" anchor="ctr"/>
+          <a:lstStyle/>
+          <a:p>
+            <a:pPr marR="0" algn="ctr" defTabSz="914400" eaLnBrk="1" fontAlgn="base" latinLnBrk="0" hangingPunct="1">
+              <a:lnSpc>
+                <a:spcPct val="100000"/>
+              </a:lnSpc>
+              <a:spcBef>
+                <a:spcPct val="50000"/>
+              </a:spcBef>
+              <a:spcAft>
+                <a:spcPct val="0"/>
+              </a:spcAft>
+              <a:buClr>
+                <a:srgbClr val="F0AB00"/>
+              </a:buClr>
+              <a:buSzPct val="80000"/>
+              <a:tabLst/>
+            </a:pPr>
+            <a:r>
+              <a:rPr lang="en-US" sz="1800" b="1" kern="0" dirty="0">
+                <a:solidFill>
+                  <a:schemeClr val="bg1"/>
+                </a:solidFill>
+                <a:ea typeface="Arial Unicode MS" pitchFamily="34" charset="-128"/>
+                <a:cs typeface="Arial Unicode MS" pitchFamily="34" charset="-128"/>
+              </a:rPr>
+              <a:t>chroot</a:t>
+            </a:r>
+            <a:br>
+              <a:rPr lang="en-US" sz="1800" kern="0" dirty="0">
+                <a:solidFill>
+                  <a:schemeClr val="bg1"/>
+                </a:solidFill>
+                <a:ea typeface="Arial Unicode MS" pitchFamily="34" charset="-128"/>
+                <a:cs typeface="Arial Unicode MS" pitchFamily="34" charset="-128"/>
+              </a:rPr>
+            </a:br>
+            <a:r>
+              <a:rPr kumimoji="0" lang="en-US" sz="1600" i="1" u="none" strike="noStrike" kern="0" cap="none" spc="0" normalizeH="0" baseline="0" noProof="0" dirty="0">
+                <a:ln>
+                  <a:noFill/>
+                </a:ln>
+                <a:solidFill>
+                  <a:schemeClr val="bg1"/>
+                </a:solidFill>
+                <a:effectLst/>
+                <a:uLnTx/>
+                <a:uFillTx/>
+                <a:ea typeface="Arial Unicode MS" pitchFamily="34" charset="-128"/>
+                <a:cs typeface="Arial Unicode MS" pitchFamily="34" charset="-128"/>
+              </a:rPr>
+              <a:t>filesystem isolation</a:t>
+            </a:r>
+            <a:endParaRPr kumimoji="0" lang="en-US" sz="1800" i="1" u="none" strike="noStrike" kern="0" cap="none" spc="0" normalizeH="0" baseline="0" noProof="0" dirty="0">
+              <a:ln>
+                <a:noFill/>
+              </a:ln>
+              <a:solidFill>
+                <a:schemeClr val="bg1"/>
+              </a:solidFill>
+              <a:effectLst/>
+              <a:uLnTx/>
+              <a:uFillTx/>
+              <a:ea typeface="Arial Unicode MS" pitchFamily="34" charset="-128"/>
+              <a:cs typeface="Arial Unicode MS" pitchFamily="34" charset="-128"/>
+            </a:endParaRPr>
+          </a:p>
+        </p:txBody>
+      </p:sp>
+    </p:spTree>
+    <p:extLst>
+      <p:ext uri="{BB962C8B-B14F-4D97-AF65-F5344CB8AC3E}">
+        <p14:creationId xmlns:p14="http://schemas.microsoft.com/office/powerpoint/2010/main" val="2934415875"/>
+      </p:ext>
+    </p:extLst>
+  </p:cSld>
+  <p:clrMapOvr>
+    <a:masterClrMapping/>
+  </p:clrMapOvr>
+</p:sld>
+</file>
+
+<file path=ppt/slides/slide13.xml><?xml version="1.0" encoding="utf-8"?>
+<p:sld xmlns:a="http://schemas.openxmlformats.org/drawingml/2006/main" xmlns:r="http://schemas.openxmlformats.org/officeDocument/2006/relationships" xmlns:p="http://schemas.openxmlformats.org/presentationml/2006/main">
+  <p:cSld>
+    <p:spTree>
+      <p:nvGrpSpPr>
+        <p:cNvPr id="1" name=""/>
+        <p:cNvGrpSpPr/>
+        <p:nvPr/>
+      </p:nvGrpSpPr>
+      <p:grpSpPr>
+        <a:xfrm>
+          <a:off x="0" y="0"/>
+          <a:ext cx="0" cy="0"/>
+          <a:chOff x="0" y="0"/>
+          <a:chExt cx="0" cy="0"/>
+        </a:xfrm>
+      </p:grpSpPr>
+      <p:sp>
+        <p:nvSpPr>
+          <p:cNvPr id="4" name="Title 3">
+            <a:extLst>
+              <a:ext uri="{FF2B5EF4-FFF2-40B4-BE49-F238E27FC236}">
+                <a16:creationId xmlns:a16="http://schemas.microsoft.com/office/drawing/2014/main" id="{96BEB1A8-C9D3-4723-A64F-42E02E22325A}"/>
+              </a:ext>
+            </a:extLst>
+          </p:cNvPr>
+          <p:cNvSpPr>
+            <a:spLocks noGrp="1"/>
+          </p:cNvSpPr>
+          <p:nvPr>
+            <p:ph type="title"/>
+          </p:nvPr>
+        </p:nvSpPr>
+        <p:spPr/>
+        <p:txBody>
+          <a:bodyPr/>
+          <a:lstStyle/>
+          <a:p>
+            <a:r>
+              <a:rPr lang="en-US" dirty="0"/>
+              <a:t>Exercise #0 – Linux Primitives</a:t>
+            </a:r>
+          </a:p>
+        </p:txBody>
+      </p:sp>
+      <p:pic>
+        <p:nvPicPr>
+          <p:cNvPr id="8" name="Picture 7">
+            <a:extLst>
+              <a:ext uri="{FF2B5EF4-FFF2-40B4-BE49-F238E27FC236}">
+                <a16:creationId xmlns:a16="http://schemas.microsoft.com/office/drawing/2014/main" id="{D6B8C527-073F-471B-A282-22B63876CA6B}"/>
+              </a:ext>
+            </a:extLst>
+          </p:cNvPr>
+          <p:cNvPicPr>
+            <a:picLocks noChangeAspect="1"/>
+          </p:cNvPicPr>
+          <p:nvPr/>
+        </p:nvPicPr>
+        <p:blipFill>
+          <a:blip r:embed="rId3"/>
+          <a:stretch>
+            <a:fillRect/>
+          </a:stretch>
+        </p:blipFill>
+        <p:spPr>
+          <a:xfrm>
+            <a:off x="4571712" y="1903473"/>
+            <a:ext cx="3051054" cy="3051054"/>
+          </a:xfrm>
+          <a:prstGeom prst="rect">
+            <a:avLst/>
+          </a:prstGeom>
+        </p:spPr>
+      </p:pic>
+    </p:spTree>
+    <p:extLst>
+      <p:ext uri="{BB962C8B-B14F-4D97-AF65-F5344CB8AC3E}">
+        <p14:creationId xmlns:p14="http://schemas.microsoft.com/office/powerpoint/2010/main" val="2376440218"/>
+      </p:ext>
+    </p:extLst>
+  </p:cSld>
+  <p:clrMapOvr>
+    <a:masterClrMapping/>
+  </p:clrMapOvr>
+</p:sld>
+</file>
+
+<file path=ppt/slides/slide14.xml><?xml version="1.0" encoding="utf-8"?>
+<p:sld xmlns:a="http://schemas.openxmlformats.org/drawingml/2006/main" xmlns:r="http://schemas.openxmlformats.org/officeDocument/2006/relationships" xmlns:p="http://schemas.openxmlformats.org/presentationml/2006/main">
+  <p:cSld>
+    <p:spTree>
+      <p:nvGrpSpPr>
+        <p:cNvPr id="1" name=""/>
+        <p:cNvGrpSpPr/>
+        <p:nvPr/>
+      </p:nvGrpSpPr>
+      <p:grpSpPr>
+        <a:xfrm>
+          <a:off x="0" y="0"/>
+          <a:ext cx="0" cy="0"/>
+          <a:chOff x="0" y="0"/>
+          <a:chExt cx="0" cy="0"/>
+        </a:xfrm>
+      </p:grpSpPr>
+      <p:sp>
+        <p:nvSpPr>
+          <p:cNvPr id="17" name="Text Placeholder 16"/>
+          <p:cNvSpPr>
+            <a:spLocks noGrp="1"/>
+          </p:cNvSpPr>
+          <p:nvPr>
+            <p:ph type="body" sz="quarter" idx="14"/>
+          </p:nvPr>
+        </p:nvSpPr>
+        <p:spPr/>
+        <p:txBody>
+          <a:bodyPr anchor="ctr"/>
+          <a:lstStyle/>
+          <a:p>
+            <a:r>
+              <a:rPr lang="en-US" dirty="0"/>
+              <a:t>Containers </a:t>
+            </a:r>
+            <a:r>
+              <a:rPr lang="en-US" dirty="0">
+                <a:solidFill>
+                  <a:schemeClr val="accent1"/>
+                </a:solidFill>
+              </a:rPr>
+              <a:t>made easy</a:t>
+            </a:r>
+          </a:p>
+        </p:txBody>
+      </p:sp>
+      <p:pic>
+        <p:nvPicPr>
+          <p:cNvPr id="4" name="Picture 3">
+            <a:extLst>
+              <a:ext uri="{FF2B5EF4-FFF2-40B4-BE49-F238E27FC236}">
+                <a16:creationId xmlns:a16="http://schemas.microsoft.com/office/drawing/2014/main" id="{2E8C9C42-BC03-468E-B04E-6BE203085308}"/>
+              </a:ext>
+            </a:extLst>
+          </p:cNvPr>
+          <p:cNvPicPr>
+            <a:picLocks noChangeAspect="1"/>
+          </p:cNvPicPr>
+          <p:nvPr/>
+        </p:nvPicPr>
+        <p:blipFill>
+          <a:blip r:embed="rId3"/>
+          <a:stretch>
+            <a:fillRect/>
+          </a:stretch>
+        </p:blipFill>
+        <p:spPr>
+          <a:xfrm>
+            <a:off x="6978451" y="1609832"/>
+            <a:ext cx="4262244" cy="3190166"/>
+          </a:xfrm>
+          <a:prstGeom prst="rect">
+            <a:avLst/>
+          </a:prstGeom>
+        </p:spPr>
+      </p:pic>
+    </p:spTree>
+    <p:extLst>
+      <p:ext uri="{BB962C8B-B14F-4D97-AF65-F5344CB8AC3E}">
+        <p14:creationId xmlns:p14="http://schemas.microsoft.com/office/powerpoint/2010/main" val="331263750"/>
+      </p:ext>
+    </p:extLst>
+  </p:cSld>
+  <p:clrMapOvr>
+    <a:masterClrMapping/>
+  </p:clrMapOvr>
+</p:sld>
+</file>
+
+<file path=ppt/slides/slide15.xml><?xml version="1.0" encoding="utf-8"?>
+<p:sld xmlns:a="http://schemas.openxmlformats.org/drawingml/2006/main" xmlns:r="http://schemas.openxmlformats.org/officeDocument/2006/relationships" xmlns:p="http://schemas.openxmlformats.org/presentationml/2006/main">
+  <p:cSld>
+    <p:spTree>
+      <p:nvGrpSpPr>
+        <p:cNvPr id="1" name=""/>
+        <p:cNvGrpSpPr/>
+        <p:nvPr/>
+      </p:nvGrpSpPr>
+      <p:grpSpPr>
+        <a:xfrm>
+          <a:off x="0" y="0"/>
+          <a:ext cx="0" cy="0"/>
+          <a:chOff x="0" y="0"/>
+          <a:chExt cx="0" cy="0"/>
+        </a:xfrm>
+      </p:grpSpPr>
       <p:sp>
         <p:nvSpPr>
           <p:cNvPr id="13" name="Speech Bubble: Rectangle 12">
@@ -16850,7 +19248,7 @@
 </p:sld>
 </file>
 
-<file path=ppt/slides/slide11.xml><?xml version="1.0" encoding="utf-8"?>
+<file path=ppt/slides/slide16.xml><?xml version="1.0" encoding="utf-8"?>
 <p:sld xmlns:a="http://schemas.openxmlformats.org/drawingml/2006/main" xmlns:r="http://schemas.openxmlformats.org/officeDocument/2006/relationships" xmlns:p="http://schemas.openxmlformats.org/presentationml/2006/main">
   <p:cSld>
     <p:spTree>
@@ -16979,7 +19377,7 @@
 </p:sld>
 </file>
 
-<file path=ppt/slides/slide12.xml><?xml version="1.0" encoding="utf-8"?>
+<file path=ppt/slides/slide17.xml><?xml version="1.0" encoding="utf-8"?>
 <p:sld xmlns:a="http://schemas.openxmlformats.org/drawingml/2006/main" xmlns:r="http://schemas.openxmlformats.org/officeDocument/2006/relationships" xmlns:p="http://schemas.openxmlformats.org/presentationml/2006/main">
   <p:cSld>
     <p:spTree>
@@ -17441,7 +19839,7 @@
 </p:sld>
 </file>
 
-<file path=ppt/slides/slide13.xml><?xml version="1.0" encoding="utf-8"?>
+<file path=ppt/slides/slide18.xml><?xml version="1.0" encoding="utf-8"?>
 <p:sld xmlns:a="http://schemas.openxmlformats.org/drawingml/2006/main" xmlns:r="http://schemas.openxmlformats.org/officeDocument/2006/relationships" xmlns:p="http://schemas.openxmlformats.org/presentationml/2006/main">
   <p:cSld>
     <p:spTree>
@@ -18751,7 +21149,7 @@
 </p:sld>
 </file>
 
-<file path=ppt/slides/slide14.xml><?xml version="1.0" encoding="utf-8"?>
+<file path=ppt/slides/slide19.xml><?xml version="1.0" encoding="utf-8"?>
 <p:sld xmlns:a="http://schemas.openxmlformats.org/drawingml/2006/main" xmlns:r="http://schemas.openxmlformats.org/officeDocument/2006/relationships" xmlns:p="http://schemas.openxmlformats.org/presentationml/2006/main">
   <p:cSld>
     <p:spTree>
@@ -18828,7 +21226,1729 @@
 </p:sld>
 </file>
 
-<file path=ppt/slides/slide15.xml><?xml version="1.0" encoding="utf-8"?>
+<file path=ppt/slides/slide2.xml><?xml version="1.0" encoding="utf-8"?>
+<p:sld xmlns:a="http://schemas.openxmlformats.org/drawingml/2006/main" xmlns:r="http://schemas.openxmlformats.org/officeDocument/2006/relationships" xmlns:p="http://schemas.openxmlformats.org/presentationml/2006/main">
+  <p:cSld>
+    <p:spTree>
+      <p:nvGrpSpPr>
+        <p:cNvPr id="1" name=""/>
+        <p:cNvGrpSpPr/>
+        <p:nvPr/>
+      </p:nvGrpSpPr>
+      <p:grpSpPr>
+        <a:xfrm>
+          <a:off x="0" y="0"/>
+          <a:ext cx="0" cy="0"/>
+          <a:chOff x="0" y="0"/>
+          <a:chExt cx="0" cy="0"/>
+        </a:xfrm>
+      </p:grpSpPr>
+      <p:sp>
+        <p:nvSpPr>
+          <p:cNvPr id="3" name="Title 2"/>
+          <p:cNvSpPr>
+            <a:spLocks noGrp="1"/>
+          </p:cNvSpPr>
+          <p:nvPr>
+            <p:ph type="title"/>
+          </p:nvPr>
+        </p:nvSpPr>
+        <p:spPr/>
+        <p:txBody>
+          <a:bodyPr/>
+          <a:lstStyle/>
+          <a:p>
+            <a:r>
+              <a:rPr lang="en-US" dirty="0"/>
+              <a:t>Linux Features</a:t>
+            </a:r>
+          </a:p>
+        </p:txBody>
+      </p:sp>
+      <p:sp>
+        <p:nvSpPr>
+          <p:cNvPr id="5" name="Rectangle 4"/>
+          <p:cNvSpPr/>
+          <p:nvPr/>
+        </p:nvSpPr>
+        <p:spPr bwMode="gray">
+          <a:xfrm>
+            <a:off x="916101" y="3327400"/>
+            <a:ext cx="4426368" cy="2341629"/>
+          </a:xfrm>
+          <a:prstGeom prst="rect">
+            <a:avLst/>
+          </a:prstGeom>
+          <a:solidFill>
+            <a:schemeClr val="tx2">
+              <a:lumMod val="25000"/>
+            </a:schemeClr>
+          </a:solidFill>
+          <a:ln w="6350" algn="ctr">
+            <a:solidFill>
+              <a:schemeClr val="tx1"/>
+            </a:solidFill>
+            <a:miter lim="800000"/>
+            <a:headEnd/>
+            <a:tailEnd/>
+          </a:ln>
+        </p:spPr>
+        <p:txBody>
+          <a:bodyPr lIns="90000" tIns="72000" rIns="90000" bIns="72000" rtlCol="0" anchor="ctr"/>
+          <a:lstStyle/>
+          <a:p>
+            <a:pPr marR="0" algn="ctr" defTabSz="914400" eaLnBrk="1" fontAlgn="base" latinLnBrk="0" hangingPunct="1">
+              <a:lnSpc>
+                <a:spcPct val="100000"/>
+              </a:lnSpc>
+              <a:spcBef>
+                <a:spcPct val="50000"/>
+              </a:spcBef>
+              <a:spcAft>
+                <a:spcPct val="0"/>
+              </a:spcAft>
+              <a:buClr>
+                <a:srgbClr val="F0AB00"/>
+              </a:buClr>
+              <a:buSzPct val="80000"/>
+              <a:tabLst/>
+            </a:pPr>
+            <a:endParaRPr kumimoji="0" lang="en-US" sz="1800" b="0" i="0" u="none" strike="noStrike" kern="0" cap="none" spc="0" normalizeH="0" baseline="0" dirty="0">
+              <a:ln>
+                <a:noFill/>
+              </a:ln>
+              <a:solidFill>
+                <a:schemeClr val="bg1"/>
+              </a:solidFill>
+              <a:effectLst/>
+              <a:uLnTx/>
+              <a:uFillTx/>
+              <a:ea typeface="Arial Unicode MS" pitchFamily="34" charset="-128"/>
+              <a:cs typeface="Arial Unicode MS" pitchFamily="34" charset="-128"/>
+            </a:endParaRPr>
+          </a:p>
+        </p:txBody>
+      </p:sp>
+      <p:sp>
+        <p:nvSpPr>
+          <p:cNvPr id="6" name="Rectangle 5"/>
+          <p:cNvSpPr/>
+          <p:nvPr/>
+        </p:nvSpPr>
+        <p:spPr bwMode="gray">
+          <a:xfrm>
+            <a:off x="994619" y="3395133"/>
+            <a:ext cx="4271648" cy="1787461"/>
+          </a:xfrm>
+          <a:prstGeom prst="rect">
+            <a:avLst/>
+          </a:prstGeom>
+          <a:solidFill>
+            <a:schemeClr val="accent4">
+              <a:lumMod val="75000"/>
+            </a:schemeClr>
+          </a:solidFill>
+          <a:ln w="6350" algn="ctr">
+            <a:solidFill>
+              <a:schemeClr val="tx1"/>
+            </a:solidFill>
+            <a:miter lim="800000"/>
+            <a:headEnd/>
+            <a:tailEnd/>
+          </a:ln>
+        </p:spPr>
+        <p:txBody>
+          <a:bodyPr lIns="90000" tIns="72000" rIns="90000" bIns="72000" rtlCol="0" anchor="t" anchorCtr="0"/>
+          <a:lstStyle/>
+          <a:p>
+            <a:pPr marR="0" algn="ctr" defTabSz="914400" eaLnBrk="1" fontAlgn="base" latinLnBrk="0" hangingPunct="1">
+              <a:lnSpc>
+                <a:spcPct val="100000"/>
+              </a:lnSpc>
+              <a:spcBef>
+                <a:spcPct val="50000"/>
+              </a:spcBef>
+              <a:spcAft>
+                <a:spcPct val="0"/>
+              </a:spcAft>
+              <a:buClr>
+                <a:srgbClr val="F0AB00"/>
+              </a:buClr>
+              <a:buSzPct val="80000"/>
+              <a:tabLst/>
+            </a:pPr>
+            <a:r>
+              <a:rPr kumimoji="0" lang="en-US" sz="1800" b="0" i="0" u="none" strike="noStrike" kern="0" cap="none" spc="0" normalizeH="0" baseline="0" dirty="0">
+                <a:ln>
+                  <a:noFill/>
+                </a:ln>
+                <a:solidFill>
+                  <a:schemeClr val="bg1"/>
+                </a:solidFill>
+                <a:effectLst/>
+                <a:uLnTx/>
+                <a:uFillTx/>
+                <a:ea typeface="Arial Unicode MS" pitchFamily="34" charset="-128"/>
+                <a:cs typeface="Arial Unicode MS" pitchFamily="34" charset="-128"/>
+              </a:rPr>
+              <a:t>Linux</a:t>
+            </a:r>
+          </a:p>
+        </p:txBody>
+      </p:sp>
+      <p:sp>
+        <p:nvSpPr>
+          <p:cNvPr id="7" name="Arrow: Down 6"/>
+          <p:cNvSpPr/>
+          <p:nvPr/>
+        </p:nvSpPr>
+        <p:spPr bwMode="gray">
+          <a:xfrm>
+            <a:off x="1079289" y="3079385"/>
+            <a:ext cx="712104" cy="554913"/>
+          </a:xfrm>
+          <a:prstGeom prst="downArrow">
+            <a:avLst>
+              <a:gd name="adj1" fmla="val 50000"/>
+              <a:gd name="adj2" fmla="val 38537"/>
+            </a:avLst>
+          </a:prstGeom>
+          <a:solidFill>
+            <a:schemeClr val="tx2">
+              <a:lumMod val="50000"/>
+            </a:schemeClr>
+          </a:solidFill>
+          <a:ln w="6350" algn="ctr">
+            <a:solidFill>
+              <a:schemeClr val="tx1"/>
+            </a:solidFill>
+            <a:miter lim="800000"/>
+            <a:headEnd/>
+            <a:tailEnd/>
+          </a:ln>
+        </p:spPr>
+        <p:txBody>
+          <a:bodyPr lIns="90000" tIns="72000" rIns="90000" bIns="72000" rtlCol="0" anchor="ctr"/>
+          <a:lstStyle/>
+          <a:p>
+            <a:pPr marR="0" algn="ctr" defTabSz="914400" eaLnBrk="1" fontAlgn="base" latinLnBrk="0" hangingPunct="1">
+              <a:lnSpc>
+                <a:spcPct val="100000"/>
+              </a:lnSpc>
+              <a:spcBef>
+                <a:spcPct val="50000"/>
+              </a:spcBef>
+              <a:spcAft>
+                <a:spcPct val="0"/>
+              </a:spcAft>
+              <a:buClr>
+                <a:srgbClr val="F0AB00"/>
+              </a:buClr>
+              <a:buSzPct val="80000"/>
+              <a:tabLst/>
+            </a:pPr>
+            <a:endParaRPr kumimoji="0" lang="en-US" sz="1800" b="0" i="0" u="none" strike="noStrike" kern="0" cap="none" spc="0" normalizeH="0" baseline="0" dirty="0">
+              <a:ln>
+                <a:noFill/>
+              </a:ln>
+              <a:solidFill>
+                <a:schemeClr val="bg1"/>
+              </a:solidFill>
+              <a:effectLst/>
+              <a:uLnTx/>
+              <a:uFillTx/>
+              <a:ea typeface="Arial Unicode MS" pitchFamily="34" charset="-128"/>
+              <a:cs typeface="Arial Unicode MS" pitchFamily="34" charset="-128"/>
+            </a:endParaRPr>
+          </a:p>
+        </p:txBody>
+      </p:sp>
+      <p:sp>
+        <p:nvSpPr>
+          <p:cNvPr id="8" name="Arrow: Down 7"/>
+          <p:cNvSpPr/>
+          <p:nvPr/>
+        </p:nvSpPr>
+        <p:spPr bwMode="gray">
+          <a:xfrm>
+            <a:off x="4473888" y="3075040"/>
+            <a:ext cx="712104" cy="554913"/>
+          </a:xfrm>
+          <a:prstGeom prst="downArrow">
+            <a:avLst>
+              <a:gd name="adj1" fmla="val 50000"/>
+              <a:gd name="adj2" fmla="val 38537"/>
+            </a:avLst>
+          </a:prstGeom>
+          <a:solidFill>
+            <a:schemeClr val="tx2">
+              <a:lumMod val="50000"/>
+            </a:schemeClr>
+          </a:solidFill>
+          <a:ln w="6350" algn="ctr">
+            <a:solidFill>
+              <a:schemeClr val="tx1"/>
+            </a:solidFill>
+            <a:miter lim="800000"/>
+            <a:headEnd/>
+            <a:tailEnd/>
+          </a:ln>
+        </p:spPr>
+        <p:txBody>
+          <a:bodyPr lIns="90000" tIns="72000" rIns="90000" bIns="72000" rtlCol="0" anchor="ctr"/>
+          <a:lstStyle/>
+          <a:p>
+            <a:pPr marR="0" algn="ctr" defTabSz="914400" eaLnBrk="1" fontAlgn="base" latinLnBrk="0" hangingPunct="1">
+              <a:lnSpc>
+                <a:spcPct val="100000"/>
+              </a:lnSpc>
+              <a:spcBef>
+                <a:spcPct val="50000"/>
+              </a:spcBef>
+              <a:spcAft>
+                <a:spcPct val="0"/>
+              </a:spcAft>
+              <a:buClr>
+                <a:srgbClr val="F0AB00"/>
+              </a:buClr>
+              <a:buSzPct val="80000"/>
+              <a:tabLst/>
+            </a:pPr>
+            <a:endParaRPr kumimoji="0" lang="en-US" sz="1800" b="0" i="0" u="none" strike="noStrike" kern="0" cap="none" spc="0" normalizeH="0" baseline="0" dirty="0">
+              <a:ln>
+                <a:noFill/>
+              </a:ln>
+              <a:solidFill>
+                <a:schemeClr val="bg1"/>
+              </a:solidFill>
+              <a:effectLst/>
+              <a:uLnTx/>
+              <a:uFillTx/>
+              <a:ea typeface="Arial Unicode MS" pitchFamily="34" charset="-128"/>
+              <a:cs typeface="Arial Unicode MS" pitchFamily="34" charset="-128"/>
+            </a:endParaRPr>
+          </a:p>
+        </p:txBody>
+      </p:sp>
+      <p:grpSp>
+        <p:nvGrpSpPr>
+          <p:cNvPr id="9" name="Group 8"/>
+          <p:cNvGrpSpPr/>
+          <p:nvPr/>
+        </p:nvGrpSpPr>
+        <p:grpSpPr>
+          <a:xfrm>
+            <a:off x="916100" y="2056108"/>
+            <a:ext cx="4426368" cy="1096525"/>
+            <a:chOff x="916099" y="2056108"/>
+            <a:chExt cx="4920343" cy="1096525"/>
+          </a:xfrm>
+        </p:grpSpPr>
+        <p:sp>
+          <p:nvSpPr>
+            <p:cNvPr id="10" name="Rectangle 9"/>
+            <p:cNvSpPr/>
+            <p:nvPr/>
+          </p:nvSpPr>
+          <p:spPr bwMode="gray">
+            <a:xfrm>
+              <a:off x="916099" y="2056108"/>
+              <a:ext cx="4920343" cy="1096525"/>
+            </a:xfrm>
+            <a:prstGeom prst="rect">
+              <a:avLst/>
+            </a:prstGeom>
+            <a:solidFill>
+              <a:schemeClr val="accent2">
+                <a:lumMod val="75000"/>
+              </a:schemeClr>
+            </a:solidFill>
+            <a:ln w="6350" algn="ctr">
+              <a:solidFill>
+                <a:schemeClr val="tx1"/>
+              </a:solidFill>
+              <a:miter lim="800000"/>
+              <a:headEnd/>
+              <a:tailEnd/>
+            </a:ln>
+          </p:spPr>
+          <p:txBody>
+            <a:bodyPr lIns="90000" tIns="72000" rIns="90000" bIns="72000" rtlCol="0" anchor="t" anchorCtr="0"/>
+            <a:lstStyle/>
+            <a:p>
+              <a:pPr marR="0" algn="ctr" defTabSz="914400" eaLnBrk="1" fontAlgn="base" latinLnBrk="0" hangingPunct="1">
+                <a:lnSpc>
+                  <a:spcPct val="100000"/>
+                </a:lnSpc>
+                <a:spcBef>
+                  <a:spcPct val="50000"/>
+                </a:spcBef>
+                <a:spcAft>
+                  <a:spcPct val="0"/>
+                </a:spcAft>
+                <a:buClr>
+                  <a:srgbClr val="F0AB00"/>
+                </a:buClr>
+                <a:buSzPct val="80000"/>
+                <a:tabLst/>
+              </a:pPr>
+              <a:r>
+                <a:rPr kumimoji="0" lang="en-US" sz="1600" b="0" i="0" u="none" strike="noStrike" kern="0" cap="none" spc="0" normalizeH="0" baseline="0" dirty="0">
+                  <a:ln>
+                    <a:noFill/>
+                  </a:ln>
+                  <a:solidFill>
+                    <a:schemeClr val="bg1"/>
+                  </a:solidFill>
+                  <a:effectLst/>
+                  <a:uLnTx/>
+                  <a:uFillTx/>
+                  <a:ea typeface="Arial Unicode MS" pitchFamily="34" charset="-128"/>
+                  <a:cs typeface="Arial Unicode MS" pitchFamily="34" charset="-128"/>
+                </a:rPr>
+                <a:t>Docker Runtime</a:t>
+              </a:r>
+            </a:p>
+          </p:txBody>
+        </p:sp>
+        <p:sp>
+          <p:nvSpPr>
+            <p:cNvPr id="11" name="Rectangle 10"/>
+            <p:cNvSpPr/>
+            <p:nvPr/>
+          </p:nvSpPr>
+          <p:spPr bwMode="gray">
+            <a:xfrm>
+              <a:off x="994619" y="2421820"/>
+              <a:ext cx="774914" cy="668513"/>
+            </a:xfrm>
+            <a:prstGeom prst="rect">
+              <a:avLst/>
+            </a:prstGeom>
+            <a:solidFill>
+              <a:schemeClr val="accent3">
+                <a:lumMod val="50000"/>
+              </a:schemeClr>
+            </a:solidFill>
+            <a:ln w="6350" algn="ctr">
+              <a:solidFill>
+                <a:schemeClr val="tx1"/>
+              </a:solidFill>
+              <a:miter lim="800000"/>
+              <a:headEnd/>
+              <a:tailEnd/>
+            </a:ln>
+          </p:spPr>
+          <p:txBody>
+            <a:bodyPr vert="vert270" lIns="90000" tIns="72000" rIns="90000" bIns="72000" rtlCol="0" anchor="ctr"/>
+            <a:lstStyle/>
+            <a:p>
+              <a:pPr marR="0" algn="ctr" defTabSz="914400" eaLnBrk="1" fontAlgn="base" latinLnBrk="0" hangingPunct="1">
+                <a:lnSpc>
+                  <a:spcPct val="100000"/>
+                </a:lnSpc>
+                <a:spcBef>
+                  <a:spcPct val="50000"/>
+                </a:spcBef>
+                <a:spcAft>
+                  <a:spcPct val="0"/>
+                </a:spcAft>
+                <a:buClr>
+                  <a:srgbClr val="F0AB00"/>
+                </a:buClr>
+                <a:buSzPct val="80000"/>
+                <a:tabLst/>
+              </a:pPr>
+              <a:r>
+                <a:rPr kumimoji="0" lang="en-US" sz="1100" b="0" i="0" u="none" strike="noStrike" kern="0" cap="none" spc="0" normalizeH="0" baseline="0" dirty="0">
+                  <a:ln>
+                    <a:noFill/>
+                  </a:ln>
+                  <a:solidFill>
+                    <a:schemeClr val="bg1"/>
+                  </a:solidFill>
+                  <a:effectLst/>
+                  <a:uLnTx/>
+                  <a:uFillTx/>
+                  <a:ea typeface="Arial Unicode MS" pitchFamily="34" charset="-128"/>
+                  <a:cs typeface="Arial Unicode MS" pitchFamily="34" charset="-128"/>
+                </a:rPr>
+                <a:t>dockerd</a:t>
+              </a:r>
+            </a:p>
+          </p:txBody>
+        </p:sp>
+      </p:grpSp>
+      <p:sp>
+        <p:nvSpPr>
+          <p:cNvPr id="12" name="Rectangle 11"/>
+          <p:cNvSpPr/>
+          <p:nvPr/>
+        </p:nvSpPr>
+        <p:spPr bwMode="gray">
+          <a:xfrm>
+            <a:off x="1889133" y="2421820"/>
+            <a:ext cx="774914" cy="668513"/>
+          </a:xfrm>
+          <a:prstGeom prst="rect">
+            <a:avLst/>
+          </a:prstGeom>
+          <a:solidFill>
+            <a:srgbClr val="F0AB00"/>
+          </a:solidFill>
+          <a:ln w="6350" algn="ctr">
+            <a:solidFill>
+              <a:schemeClr val="tx1"/>
+            </a:solidFill>
+            <a:miter lim="800000"/>
+            <a:headEnd/>
+            <a:tailEnd/>
+          </a:ln>
+        </p:spPr>
+        <p:txBody>
+          <a:bodyPr vert="horz" lIns="90000" tIns="72000" rIns="90000" bIns="72000" rtlCol="0" anchor="ctr"/>
+          <a:lstStyle/>
+          <a:p>
+            <a:pPr marR="0" algn="ctr" defTabSz="914400" eaLnBrk="1" fontAlgn="base" latinLnBrk="0" hangingPunct="1">
+              <a:lnSpc>
+                <a:spcPct val="100000"/>
+              </a:lnSpc>
+              <a:spcBef>
+                <a:spcPct val="50000"/>
+              </a:spcBef>
+              <a:spcAft>
+                <a:spcPct val="0"/>
+              </a:spcAft>
+              <a:buClr>
+                <a:srgbClr val="F0AB00"/>
+              </a:buClr>
+              <a:buSzPct val="80000"/>
+              <a:tabLst/>
+            </a:pPr>
+            <a:r>
+              <a:rPr kumimoji="0" lang="en-US" sz="1050" b="0" i="0" u="none" strike="noStrike" kern="0" cap="none" spc="0" normalizeH="0" baseline="0" dirty="0">
+                <a:ln>
+                  <a:noFill/>
+                </a:ln>
+                <a:solidFill>
+                  <a:schemeClr val="bg1"/>
+                </a:solidFill>
+                <a:effectLst/>
+                <a:uLnTx/>
+                <a:uFillTx/>
+                <a:ea typeface="Arial Unicode MS" pitchFamily="34" charset="-128"/>
+                <a:cs typeface="Arial Unicode MS" pitchFamily="34" charset="-128"/>
+              </a:rPr>
+              <a:t>Container</a:t>
+            </a:r>
+          </a:p>
+        </p:txBody>
+      </p:sp>
+      <p:sp>
+        <p:nvSpPr>
+          <p:cNvPr id="17" name="Rectangle 16"/>
+          <p:cNvSpPr/>
+          <p:nvPr/>
+        </p:nvSpPr>
+        <p:spPr bwMode="gray">
+          <a:xfrm>
+            <a:off x="994619" y="5250328"/>
+            <a:ext cx="4271648" cy="354606"/>
+          </a:xfrm>
+          <a:prstGeom prst="rect">
+            <a:avLst/>
+          </a:prstGeom>
+          <a:solidFill>
+            <a:schemeClr val="accent1">
+              <a:lumMod val="75000"/>
+            </a:schemeClr>
+          </a:solidFill>
+          <a:ln w="6350" algn="ctr">
+            <a:solidFill>
+              <a:schemeClr val="tx1"/>
+            </a:solidFill>
+            <a:miter lim="800000"/>
+            <a:headEnd/>
+            <a:tailEnd/>
+          </a:ln>
+        </p:spPr>
+        <p:txBody>
+          <a:bodyPr lIns="90000" tIns="72000" rIns="90000" bIns="72000" rtlCol="0" anchor="ctr"/>
+          <a:lstStyle/>
+          <a:p>
+            <a:pPr marR="0" algn="ctr" defTabSz="914400" eaLnBrk="1" fontAlgn="base" latinLnBrk="0" hangingPunct="1">
+              <a:lnSpc>
+                <a:spcPct val="100000"/>
+              </a:lnSpc>
+              <a:spcBef>
+                <a:spcPct val="50000"/>
+              </a:spcBef>
+              <a:spcAft>
+                <a:spcPct val="0"/>
+              </a:spcAft>
+              <a:buClr>
+                <a:srgbClr val="F0AB00"/>
+              </a:buClr>
+              <a:buSzPct val="80000"/>
+              <a:tabLst/>
+            </a:pPr>
+            <a:r>
+              <a:rPr kumimoji="0" lang="en-US" sz="1800" b="0" i="0" u="none" strike="noStrike" kern="0" cap="none" spc="0" normalizeH="0" baseline="0" dirty="0">
+                <a:ln>
+                  <a:noFill/>
+                </a:ln>
+                <a:solidFill>
+                  <a:schemeClr val="bg1"/>
+                </a:solidFill>
+                <a:effectLst/>
+                <a:uLnTx/>
+                <a:uFillTx/>
+                <a:ea typeface="Arial Unicode MS" pitchFamily="34" charset="-128"/>
+                <a:cs typeface="Arial Unicode MS" pitchFamily="34" charset="-128"/>
+              </a:rPr>
+              <a:t>Hardware</a:t>
+            </a:r>
+          </a:p>
+        </p:txBody>
+      </p:sp>
+      <p:sp>
+        <p:nvSpPr>
+          <p:cNvPr id="18" name="Rectangle 17"/>
+          <p:cNvSpPr/>
+          <p:nvPr/>
+        </p:nvSpPr>
+        <p:spPr bwMode="gray">
+          <a:xfrm>
+            <a:off x="4491353" y="2421820"/>
+            <a:ext cx="774914" cy="668513"/>
+          </a:xfrm>
+          <a:prstGeom prst="rect">
+            <a:avLst/>
+          </a:prstGeom>
+          <a:solidFill>
+            <a:srgbClr val="F0AB00"/>
+          </a:solidFill>
+          <a:ln w="6350" algn="ctr">
+            <a:solidFill>
+              <a:schemeClr val="tx1"/>
+            </a:solidFill>
+            <a:miter lim="800000"/>
+            <a:headEnd/>
+            <a:tailEnd/>
+          </a:ln>
+        </p:spPr>
+        <p:txBody>
+          <a:bodyPr vert="horz" lIns="90000" tIns="72000" rIns="90000" bIns="72000" rtlCol="0" anchor="ctr"/>
+          <a:lstStyle/>
+          <a:p>
+            <a:pPr marR="0" algn="ctr" defTabSz="914400" eaLnBrk="1" fontAlgn="base" latinLnBrk="0" hangingPunct="1">
+              <a:lnSpc>
+                <a:spcPct val="100000"/>
+              </a:lnSpc>
+              <a:spcBef>
+                <a:spcPct val="50000"/>
+              </a:spcBef>
+              <a:spcAft>
+                <a:spcPct val="0"/>
+              </a:spcAft>
+              <a:buClr>
+                <a:srgbClr val="F0AB00"/>
+              </a:buClr>
+              <a:buSzPct val="80000"/>
+              <a:tabLst/>
+            </a:pPr>
+            <a:r>
+              <a:rPr kumimoji="0" lang="en-US" sz="1050" b="0" i="0" u="none" strike="noStrike" kern="0" cap="none" spc="0" normalizeH="0" baseline="0" dirty="0">
+                <a:ln>
+                  <a:noFill/>
+                </a:ln>
+                <a:solidFill>
+                  <a:schemeClr val="bg1"/>
+                </a:solidFill>
+                <a:effectLst/>
+                <a:uLnTx/>
+                <a:uFillTx/>
+                <a:ea typeface="Arial Unicode MS" pitchFamily="34" charset="-128"/>
+                <a:cs typeface="Arial Unicode MS" pitchFamily="34" charset="-128"/>
+              </a:rPr>
+              <a:t>Container</a:t>
+            </a:r>
+          </a:p>
+        </p:txBody>
+      </p:sp>
+      <p:sp>
+        <p:nvSpPr>
+          <p:cNvPr id="20" name="Rectangle 19"/>
+          <p:cNvSpPr/>
+          <p:nvPr/>
+        </p:nvSpPr>
+        <p:spPr bwMode="gray">
+          <a:xfrm>
+            <a:off x="3618699" y="2421820"/>
+            <a:ext cx="774914" cy="668513"/>
+          </a:xfrm>
+          <a:prstGeom prst="rect">
+            <a:avLst/>
+          </a:prstGeom>
+          <a:solidFill>
+            <a:srgbClr val="F0AB00"/>
+          </a:solidFill>
+          <a:ln w="6350" algn="ctr">
+            <a:solidFill>
+              <a:schemeClr val="tx1"/>
+            </a:solidFill>
+            <a:miter lim="800000"/>
+            <a:headEnd/>
+            <a:tailEnd/>
+          </a:ln>
+        </p:spPr>
+        <p:txBody>
+          <a:bodyPr vert="horz" lIns="90000" tIns="72000" rIns="90000" bIns="72000" rtlCol="0" anchor="ctr"/>
+          <a:lstStyle/>
+          <a:p>
+            <a:pPr marR="0" algn="ctr" defTabSz="914400" eaLnBrk="1" fontAlgn="base" latinLnBrk="0" hangingPunct="1">
+              <a:lnSpc>
+                <a:spcPct val="100000"/>
+              </a:lnSpc>
+              <a:spcBef>
+                <a:spcPct val="50000"/>
+              </a:spcBef>
+              <a:spcAft>
+                <a:spcPct val="0"/>
+              </a:spcAft>
+              <a:buClr>
+                <a:srgbClr val="F0AB00"/>
+              </a:buClr>
+              <a:buSzPct val="80000"/>
+              <a:tabLst/>
+            </a:pPr>
+            <a:r>
+              <a:rPr kumimoji="0" lang="en-US" sz="1050" b="0" i="0" u="none" strike="noStrike" kern="0" cap="none" spc="0" normalizeH="0" baseline="0" dirty="0">
+                <a:ln>
+                  <a:noFill/>
+                </a:ln>
+                <a:solidFill>
+                  <a:schemeClr val="bg1"/>
+                </a:solidFill>
+                <a:effectLst/>
+                <a:uLnTx/>
+                <a:uFillTx/>
+                <a:ea typeface="Arial Unicode MS" pitchFamily="34" charset="-128"/>
+                <a:cs typeface="Arial Unicode MS" pitchFamily="34" charset="-128"/>
+              </a:rPr>
+              <a:t>Container</a:t>
+            </a:r>
+          </a:p>
+        </p:txBody>
+      </p:sp>
+      <p:sp>
+        <p:nvSpPr>
+          <p:cNvPr id="21" name="Rectangle 20"/>
+          <p:cNvSpPr/>
+          <p:nvPr/>
+        </p:nvSpPr>
+        <p:spPr bwMode="gray">
+          <a:xfrm>
+            <a:off x="2747779" y="2421820"/>
+            <a:ext cx="774914" cy="668513"/>
+          </a:xfrm>
+          <a:prstGeom prst="rect">
+            <a:avLst/>
+          </a:prstGeom>
+          <a:solidFill>
+            <a:srgbClr val="F0AB00"/>
+          </a:solidFill>
+          <a:ln w="6350" algn="ctr">
+            <a:solidFill>
+              <a:schemeClr val="tx1"/>
+            </a:solidFill>
+            <a:miter lim="800000"/>
+            <a:headEnd/>
+            <a:tailEnd/>
+          </a:ln>
+        </p:spPr>
+        <p:txBody>
+          <a:bodyPr vert="horz" lIns="90000" tIns="72000" rIns="90000" bIns="72000" rtlCol="0" anchor="ctr"/>
+          <a:lstStyle/>
+          <a:p>
+            <a:pPr marR="0" algn="ctr" defTabSz="914400" eaLnBrk="1" fontAlgn="base" latinLnBrk="0" hangingPunct="1">
+              <a:lnSpc>
+                <a:spcPct val="100000"/>
+              </a:lnSpc>
+              <a:spcBef>
+                <a:spcPct val="50000"/>
+              </a:spcBef>
+              <a:spcAft>
+                <a:spcPct val="0"/>
+              </a:spcAft>
+              <a:buClr>
+                <a:srgbClr val="F0AB00"/>
+              </a:buClr>
+              <a:buSzPct val="80000"/>
+              <a:tabLst/>
+            </a:pPr>
+            <a:r>
+              <a:rPr kumimoji="0" lang="en-US" sz="1050" b="0" i="0" u="none" strike="noStrike" kern="0" cap="none" spc="0" normalizeH="0" baseline="0" dirty="0">
+                <a:ln>
+                  <a:noFill/>
+                </a:ln>
+                <a:solidFill>
+                  <a:schemeClr val="bg1"/>
+                </a:solidFill>
+                <a:effectLst/>
+                <a:uLnTx/>
+                <a:uFillTx/>
+                <a:ea typeface="Arial Unicode MS" pitchFamily="34" charset="-128"/>
+                <a:cs typeface="Arial Unicode MS" pitchFamily="34" charset="-128"/>
+              </a:rPr>
+              <a:t>Container</a:t>
+            </a:r>
+          </a:p>
+        </p:txBody>
+      </p:sp>
+      <p:sp>
+        <p:nvSpPr>
+          <p:cNvPr id="22" name="Rectangle: Rounded Corners 21"/>
+          <p:cNvSpPr/>
+          <p:nvPr/>
+        </p:nvSpPr>
+        <p:spPr bwMode="gray">
+          <a:xfrm>
+            <a:off x="1232914" y="3885603"/>
+            <a:ext cx="1312438" cy="285950"/>
+          </a:xfrm>
+          <a:prstGeom prst="roundRect">
+            <a:avLst/>
+          </a:prstGeom>
+          <a:solidFill>
+            <a:schemeClr val="accent5">
+              <a:lumMod val="40000"/>
+              <a:lumOff val="60000"/>
+            </a:schemeClr>
+          </a:solidFill>
+          <a:ln w="6350" algn="ctr">
+            <a:solidFill>
+              <a:schemeClr val="tx1"/>
+            </a:solidFill>
+            <a:miter lim="800000"/>
+            <a:headEnd/>
+            <a:tailEnd/>
+          </a:ln>
+        </p:spPr>
+        <p:txBody>
+          <a:bodyPr lIns="90000" tIns="72000" rIns="90000" bIns="72000" rtlCol="0" anchor="ctr"/>
+          <a:lstStyle/>
+          <a:p>
+            <a:pPr marR="0" algn="ctr" defTabSz="914400" eaLnBrk="1" fontAlgn="base" latinLnBrk="0" hangingPunct="1">
+              <a:lnSpc>
+                <a:spcPct val="100000"/>
+              </a:lnSpc>
+              <a:spcBef>
+                <a:spcPct val="50000"/>
+              </a:spcBef>
+              <a:spcAft>
+                <a:spcPct val="0"/>
+              </a:spcAft>
+              <a:buClr>
+                <a:srgbClr val="F0AB00"/>
+              </a:buClr>
+              <a:buSzPct val="80000"/>
+              <a:tabLst/>
+            </a:pPr>
+            <a:r>
+              <a:rPr kumimoji="0" lang="en-US" sz="1400" b="0" i="0" u="none" strike="noStrike" kern="0" cap="none" spc="0" normalizeH="0" baseline="0" dirty="0">
+                <a:ln>
+                  <a:noFill/>
+                </a:ln>
+                <a:effectLst/>
+                <a:uLnTx/>
+                <a:uFillTx/>
+                <a:ea typeface="Arial Unicode MS" pitchFamily="34" charset="-128"/>
+                <a:cs typeface="Arial Unicode MS" pitchFamily="34" charset="-128"/>
+              </a:rPr>
+              <a:t>namespaces</a:t>
+            </a:r>
+          </a:p>
+        </p:txBody>
+      </p:sp>
+      <p:sp>
+        <p:nvSpPr>
+          <p:cNvPr id="23" name="Rectangle: Rounded Corners 22"/>
+          <p:cNvSpPr/>
+          <p:nvPr/>
+        </p:nvSpPr>
+        <p:spPr bwMode="gray">
+          <a:xfrm>
+            <a:off x="1079289" y="4314990"/>
+            <a:ext cx="1312438" cy="285950"/>
+          </a:xfrm>
+          <a:prstGeom prst="roundRect">
+            <a:avLst/>
+          </a:prstGeom>
+          <a:solidFill>
+            <a:schemeClr val="accent5">
+              <a:lumMod val="40000"/>
+              <a:lumOff val="60000"/>
+            </a:schemeClr>
+          </a:solidFill>
+          <a:ln w="6350" algn="ctr">
+            <a:solidFill>
+              <a:schemeClr val="tx1"/>
+            </a:solidFill>
+            <a:miter lim="800000"/>
+            <a:headEnd/>
+            <a:tailEnd/>
+          </a:ln>
+        </p:spPr>
+        <p:txBody>
+          <a:bodyPr lIns="90000" tIns="72000" rIns="90000" bIns="72000" rtlCol="0" anchor="ctr"/>
+          <a:lstStyle/>
+          <a:p>
+            <a:pPr marR="0" algn="ctr" defTabSz="914400" eaLnBrk="1" fontAlgn="base" latinLnBrk="0" hangingPunct="1">
+              <a:lnSpc>
+                <a:spcPct val="100000"/>
+              </a:lnSpc>
+              <a:spcBef>
+                <a:spcPct val="50000"/>
+              </a:spcBef>
+              <a:spcAft>
+                <a:spcPct val="0"/>
+              </a:spcAft>
+              <a:buClr>
+                <a:srgbClr val="F0AB00"/>
+              </a:buClr>
+              <a:buSzPct val="80000"/>
+              <a:tabLst/>
+            </a:pPr>
+            <a:r>
+              <a:rPr kumimoji="0" lang="en-US" sz="1400" b="0" i="0" u="none" strike="noStrike" kern="0" cap="none" spc="0" normalizeH="0" baseline="0" dirty="0" err="1">
+                <a:ln>
+                  <a:noFill/>
+                </a:ln>
+                <a:effectLst/>
+                <a:uLnTx/>
+                <a:uFillTx/>
+                <a:ea typeface="Arial Unicode MS" pitchFamily="34" charset="-128"/>
+                <a:cs typeface="Arial Unicode MS" pitchFamily="34" charset="-128"/>
+              </a:rPr>
+              <a:t>netfilter</a:t>
+            </a:r>
+            <a:endParaRPr kumimoji="0" lang="en-US" sz="1400" b="0" i="0" u="none" strike="noStrike" kern="0" cap="none" spc="0" normalizeH="0" baseline="0" dirty="0">
+              <a:ln>
+                <a:noFill/>
+              </a:ln>
+              <a:effectLst/>
+              <a:uLnTx/>
+              <a:uFillTx/>
+              <a:ea typeface="Arial Unicode MS" pitchFamily="34" charset="-128"/>
+              <a:cs typeface="Arial Unicode MS" pitchFamily="34" charset="-128"/>
+            </a:endParaRPr>
+          </a:p>
+        </p:txBody>
+      </p:sp>
+      <p:sp>
+        <p:nvSpPr>
+          <p:cNvPr id="25" name="Rectangle: Rounded Corners 24"/>
+          <p:cNvSpPr/>
+          <p:nvPr/>
+        </p:nvSpPr>
+        <p:spPr bwMode="gray">
+          <a:xfrm>
+            <a:off x="1658305" y="4780963"/>
+            <a:ext cx="1312438" cy="285950"/>
+          </a:xfrm>
+          <a:prstGeom prst="roundRect">
+            <a:avLst/>
+          </a:prstGeom>
+          <a:solidFill>
+            <a:schemeClr val="accent5">
+              <a:lumMod val="40000"/>
+              <a:lumOff val="60000"/>
+            </a:schemeClr>
+          </a:solidFill>
+          <a:ln w="6350" algn="ctr">
+            <a:solidFill>
+              <a:schemeClr val="tx1"/>
+            </a:solidFill>
+            <a:miter lim="800000"/>
+            <a:headEnd/>
+            <a:tailEnd/>
+          </a:ln>
+        </p:spPr>
+        <p:txBody>
+          <a:bodyPr lIns="90000" tIns="72000" rIns="90000" bIns="72000" rtlCol="0" anchor="ctr"/>
+          <a:lstStyle/>
+          <a:p>
+            <a:pPr marR="0" algn="ctr" defTabSz="914400" eaLnBrk="1" fontAlgn="base" latinLnBrk="0" hangingPunct="1">
+              <a:lnSpc>
+                <a:spcPct val="100000"/>
+              </a:lnSpc>
+              <a:spcBef>
+                <a:spcPct val="50000"/>
+              </a:spcBef>
+              <a:spcAft>
+                <a:spcPct val="0"/>
+              </a:spcAft>
+              <a:buClr>
+                <a:srgbClr val="F0AB00"/>
+              </a:buClr>
+              <a:buSzPct val="80000"/>
+              <a:tabLst/>
+            </a:pPr>
+            <a:r>
+              <a:rPr kumimoji="0" lang="en-US" sz="1400" b="0" i="0" u="none" strike="noStrike" kern="0" cap="none" spc="0" normalizeH="0" baseline="0" dirty="0">
+                <a:ln>
+                  <a:noFill/>
+                </a:ln>
+                <a:effectLst/>
+                <a:uLnTx/>
+                <a:uFillTx/>
+                <a:ea typeface="Arial Unicode MS" pitchFamily="34" charset="-128"/>
+                <a:cs typeface="Arial Unicode MS" pitchFamily="34" charset="-128"/>
+              </a:rPr>
+              <a:t>cgroups</a:t>
+            </a:r>
+          </a:p>
+        </p:txBody>
+      </p:sp>
+      <p:sp>
+        <p:nvSpPr>
+          <p:cNvPr id="27" name="Rectangle: Rounded Corners 26"/>
+          <p:cNvSpPr/>
+          <p:nvPr/>
+        </p:nvSpPr>
+        <p:spPr bwMode="gray">
+          <a:xfrm>
+            <a:off x="3737394" y="4310191"/>
+            <a:ext cx="1312438" cy="285950"/>
+          </a:xfrm>
+          <a:prstGeom prst="roundRect">
+            <a:avLst/>
+          </a:prstGeom>
+          <a:solidFill>
+            <a:schemeClr val="accent5">
+              <a:lumMod val="40000"/>
+              <a:lumOff val="60000"/>
+            </a:schemeClr>
+          </a:solidFill>
+          <a:ln w="6350" algn="ctr">
+            <a:solidFill>
+              <a:schemeClr val="tx1"/>
+            </a:solidFill>
+            <a:miter lim="800000"/>
+            <a:headEnd/>
+            <a:tailEnd/>
+          </a:ln>
+        </p:spPr>
+        <p:txBody>
+          <a:bodyPr lIns="90000" tIns="72000" rIns="90000" bIns="72000" rtlCol="0" anchor="ctr"/>
+          <a:lstStyle/>
+          <a:p>
+            <a:pPr marR="0" algn="ctr" defTabSz="914400" eaLnBrk="1" fontAlgn="base" latinLnBrk="0" hangingPunct="1">
+              <a:lnSpc>
+                <a:spcPct val="100000"/>
+              </a:lnSpc>
+              <a:spcBef>
+                <a:spcPct val="50000"/>
+              </a:spcBef>
+              <a:spcAft>
+                <a:spcPct val="0"/>
+              </a:spcAft>
+              <a:buClr>
+                <a:srgbClr val="F0AB00"/>
+              </a:buClr>
+              <a:buSzPct val="80000"/>
+              <a:tabLst/>
+            </a:pPr>
+            <a:r>
+              <a:rPr kumimoji="0" lang="en-US" sz="1400" b="0" i="0" u="none" strike="noStrike" kern="0" cap="none" spc="0" normalizeH="0" baseline="0" dirty="0">
+                <a:ln>
+                  <a:noFill/>
+                </a:ln>
+                <a:effectLst/>
+                <a:uLnTx/>
+                <a:uFillTx/>
+                <a:ea typeface="Arial Unicode MS" pitchFamily="34" charset="-128"/>
+                <a:cs typeface="Arial Unicode MS" pitchFamily="34" charset="-128"/>
+              </a:rPr>
+              <a:t>capabilities</a:t>
+            </a:r>
+          </a:p>
+        </p:txBody>
+      </p:sp>
+      <p:sp>
+        <p:nvSpPr>
+          <p:cNvPr id="28" name="Rectangle: Rounded Corners 27"/>
+          <p:cNvSpPr/>
+          <p:nvPr/>
+        </p:nvSpPr>
+        <p:spPr bwMode="gray">
+          <a:xfrm>
+            <a:off x="3817669" y="3823337"/>
+            <a:ext cx="1312438" cy="285950"/>
+          </a:xfrm>
+          <a:prstGeom prst="roundRect">
+            <a:avLst/>
+          </a:prstGeom>
+          <a:solidFill>
+            <a:schemeClr val="accent5">
+              <a:lumMod val="40000"/>
+              <a:lumOff val="60000"/>
+            </a:schemeClr>
+          </a:solidFill>
+          <a:ln w="6350" algn="ctr">
+            <a:solidFill>
+              <a:schemeClr val="tx1"/>
+            </a:solidFill>
+            <a:miter lim="800000"/>
+            <a:headEnd/>
+            <a:tailEnd/>
+          </a:ln>
+        </p:spPr>
+        <p:txBody>
+          <a:bodyPr lIns="90000" tIns="72000" rIns="90000" bIns="72000" rtlCol="0" anchor="ctr"/>
+          <a:lstStyle/>
+          <a:p>
+            <a:pPr marR="0" algn="ctr" defTabSz="914400" eaLnBrk="1" fontAlgn="base" latinLnBrk="0" hangingPunct="1">
+              <a:lnSpc>
+                <a:spcPct val="100000"/>
+              </a:lnSpc>
+              <a:spcBef>
+                <a:spcPct val="50000"/>
+              </a:spcBef>
+              <a:spcAft>
+                <a:spcPct val="0"/>
+              </a:spcAft>
+              <a:buClr>
+                <a:srgbClr val="F0AB00"/>
+              </a:buClr>
+              <a:buSzPct val="80000"/>
+              <a:tabLst/>
+            </a:pPr>
+            <a:r>
+              <a:rPr kumimoji="0" lang="en-US" sz="1400" b="0" i="0" u="none" strike="noStrike" kern="0" cap="none" spc="0" normalizeH="0" baseline="0" dirty="0" err="1">
+                <a:ln>
+                  <a:noFill/>
+                </a:ln>
+                <a:effectLst/>
+                <a:uLnTx/>
+                <a:uFillTx/>
+                <a:ea typeface="Arial Unicode MS" pitchFamily="34" charset="-128"/>
+                <a:cs typeface="Arial Unicode MS" pitchFamily="34" charset="-128"/>
+              </a:rPr>
+              <a:t>SELinux</a:t>
+            </a:r>
+            <a:endParaRPr kumimoji="0" lang="en-US" sz="1400" b="0" i="0" u="none" strike="noStrike" kern="0" cap="none" spc="0" normalizeH="0" baseline="0" dirty="0">
+              <a:ln>
+                <a:noFill/>
+              </a:ln>
+              <a:effectLst/>
+              <a:uLnTx/>
+              <a:uFillTx/>
+              <a:ea typeface="Arial Unicode MS" pitchFamily="34" charset="-128"/>
+              <a:cs typeface="Arial Unicode MS" pitchFamily="34" charset="-128"/>
+            </a:endParaRPr>
+          </a:p>
+        </p:txBody>
+      </p:sp>
+      <p:sp>
+        <p:nvSpPr>
+          <p:cNvPr id="29" name="Rectangle: Rounded Corners 28"/>
+          <p:cNvSpPr/>
+          <p:nvPr/>
+        </p:nvSpPr>
+        <p:spPr bwMode="gray">
+          <a:xfrm>
+            <a:off x="3436515" y="4780963"/>
+            <a:ext cx="1312438" cy="285950"/>
+          </a:xfrm>
+          <a:prstGeom prst="roundRect">
+            <a:avLst/>
+          </a:prstGeom>
+          <a:solidFill>
+            <a:schemeClr val="accent5">
+              <a:lumMod val="40000"/>
+              <a:lumOff val="60000"/>
+            </a:schemeClr>
+          </a:solidFill>
+          <a:ln w="6350" algn="ctr">
+            <a:solidFill>
+              <a:schemeClr val="tx1"/>
+            </a:solidFill>
+            <a:miter lim="800000"/>
+            <a:headEnd/>
+            <a:tailEnd/>
+          </a:ln>
+        </p:spPr>
+        <p:txBody>
+          <a:bodyPr lIns="90000" tIns="72000" rIns="90000" bIns="72000" rtlCol="0" anchor="ctr"/>
+          <a:lstStyle/>
+          <a:p>
+            <a:pPr marR="0" algn="ctr" defTabSz="914400" eaLnBrk="1" fontAlgn="base" latinLnBrk="0" hangingPunct="1">
+              <a:lnSpc>
+                <a:spcPct val="100000"/>
+              </a:lnSpc>
+              <a:spcBef>
+                <a:spcPct val="50000"/>
+              </a:spcBef>
+              <a:spcAft>
+                <a:spcPct val="0"/>
+              </a:spcAft>
+              <a:buClr>
+                <a:srgbClr val="F0AB00"/>
+              </a:buClr>
+              <a:buSzPct val="80000"/>
+              <a:tabLst/>
+            </a:pPr>
+            <a:r>
+              <a:rPr kumimoji="0" lang="en-US" sz="1400" b="0" i="0" u="none" strike="noStrike" kern="0" cap="none" spc="0" normalizeH="0" baseline="0" dirty="0" err="1">
+                <a:ln>
+                  <a:noFill/>
+                </a:ln>
+                <a:effectLst/>
+                <a:uLnTx/>
+                <a:uFillTx/>
+                <a:ea typeface="Arial Unicode MS" pitchFamily="34" charset="-128"/>
+                <a:cs typeface="Arial Unicode MS" pitchFamily="34" charset="-128"/>
+              </a:rPr>
+              <a:t>AppArmor</a:t>
+            </a:r>
+            <a:endParaRPr kumimoji="0" lang="en-US" sz="1400" b="0" i="0" u="none" strike="noStrike" kern="0" cap="none" spc="0" normalizeH="0" baseline="0" dirty="0">
+              <a:ln>
+                <a:noFill/>
+              </a:ln>
+              <a:effectLst/>
+              <a:uLnTx/>
+              <a:uFillTx/>
+              <a:ea typeface="Arial Unicode MS" pitchFamily="34" charset="-128"/>
+              <a:cs typeface="Arial Unicode MS" pitchFamily="34" charset="-128"/>
+            </a:endParaRPr>
+          </a:p>
+        </p:txBody>
+      </p:sp>
+      <p:sp>
+        <p:nvSpPr>
+          <p:cNvPr id="31" name="Rectangle: Rounded Corners 30"/>
+          <p:cNvSpPr/>
+          <p:nvPr/>
+        </p:nvSpPr>
+        <p:spPr bwMode="gray">
+          <a:xfrm>
+            <a:off x="2681625" y="3802098"/>
+            <a:ext cx="937074" cy="285950"/>
+          </a:xfrm>
+          <a:prstGeom prst="roundRect">
+            <a:avLst/>
+          </a:prstGeom>
+          <a:solidFill>
+            <a:schemeClr val="accent5">
+              <a:lumMod val="40000"/>
+              <a:lumOff val="60000"/>
+            </a:schemeClr>
+          </a:solidFill>
+          <a:ln w="6350" algn="ctr">
+            <a:solidFill>
+              <a:schemeClr val="tx1"/>
+            </a:solidFill>
+            <a:miter lim="800000"/>
+            <a:headEnd/>
+            <a:tailEnd/>
+          </a:ln>
+        </p:spPr>
+        <p:txBody>
+          <a:bodyPr lIns="90000" tIns="72000" rIns="90000" bIns="72000" rtlCol="0" anchor="ctr"/>
+          <a:lstStyle/>
+          <a:p>
+            <a:pPr marR="0" algn="ctr" defTabSz="914400" eaLnBrk="1" fontAlgn="base" latinLnBrk="0" hangingPunct="1">
+              <a:lnSpc>
+                <a:spcPct val="100000"/>
+              </a:lnSpc>
+              <a:spcBef>
+                <a:spcPct val="50000"/>
+              </a:spcBef>
+              <a:spcAft>
+                <a:spcPct val="0"/>
+              </a:spcAft>
+              <a:buClr>
+                <a:srgbClr val="F0AB00"/>
+              </a:buClr>
+              <a:buSzPct val="80000"/>
+              <a:tabLst/>
+            </a:pPr>
+            <a:r>
+              <a:rPr kumimoji="0" lang="en-US" sz="1400" b="0" i="0" u="none" strike="noStrike" kern="0" cap="none" spc="0" normalizeH="0" baseline="0" dirty="0" err="1">
+                <a:ln>
+                  <a:noFill/>
+                </a:ln>
+                <a:effectLst/>
+                <a:uLnTx/>
+                <a:uFillTx/>
+                <a:ea typeface="Arial Unicode MS" pitchFamily="34" charset="-128"/>
+                <a:cs typeface="Arial Unicode MS" pitchFamily="34" charset="-128"/>
+              </a:rPr>
+              <a:t>Netlink</a:t>
+            </a:r>
+            <a:endParaRPr kumimoji="0" lang="en-US" sz="1400" b="0" i="0" u="none" strike="noStrike" kern="0" cap="none" spc="0" normalizeH="0" baseline="0" dirty="0">
+              <a:ln>
+                <a:noFill/>
+              </a:ln>
+              <a:effectLst/>
+              <a:uLnTx/>
+              <a:uFillTx/>
+              <a:ea typeface="Arial Unicode MS" pitchFamily="34" charset="-128"/>
+              <a:cs typeface="Arial Unicode MS" pitchFamily="34" charset="-128"/>
+            </a:endParaRPr>
+          </a:p>
+        </p:txBody>
+      </p:sp>
+      <p:sp>
+        <p:nvSpPr>
+          <p:cNvPr id="32" name="Text Placeholder 10"/>
+          <p:cNvSpPr txBox="1">
+            <a:spLocks/>
+          </p:cNvSpPr>
+          <p:nvPr/>
+        </p:nvSpPr>
+        <p:spPr bwMode="gray">
+          <a:xfrm>
+            <a:off x="6203454" y="1620000"/>
+            <a:ext cx="5487021" cy="4707648"/>
+          </a:xfrm>
+          <a:prstGeom prst="rect">
+            <a:avLst/>
+          </a:prstGeom>
+        </p:spPr>
+        <p:txBody>
+          <a:bodyPr vert="horz" lIns="0" tIns="0" rIns="0" bIns="0" rtlCol="0">
+            <a:noAutofit/>
+          </a:bodyPr>
+          <a:lstStyle>
+            <a:lvl1pPr marL="0" indent="0" algn="l" defTabSz="1088558" rtl="0" eaLnBrk="1" latinLnBrk="0" hangingPunct="1">
+              <a:spcBef>
+                <a:spcPts val="1800"/>
+              </a:spcBef>
+              <a:buClr>
+                <a:schemeClr val="accent1"/>
+              </a:buClr>
+              <a:buSzPct val="80000"/>
+              <a:buFontTx/>
+              <a:buNone/>
+              <a:defRPr sz="2000" b="0" kern="1200">
+                <a:solidFill>
+                  <a:schemeClr val="tx1"/>
+                </a:solidFill>
+                <a:latin typeface="+mn-lt"/>
+                <a:ea typeface="+mn-ea"/>
+                <a:cs typeface="+mn-cs"/>
+              </a:defRPr>
+            </a:lvl1pPr>
+            <a:lvl2pPr marL="179964" indent="-179964" algn="l" defTabSz="1088558" rtl="0" eaLnBrk="1" latinLnBrk="0" hangingPunct="1">
+              <a:spcBef>
+                <a:spcPts val="600"/>
+              </a:spcBef>
+              <a:buClr>
+                <a:schemeClr val="accent1"/>
+              </a:buClr>
+              <a:buSzPct val="100000"/>
+              <a:buFont typeface="Wingdings" pitchFamily="2" charset="2"/>
+              <a:buChar char="§"/>
+              <a:defRPr sz="1800" kern="1200">
+                <a:solidFill>
+                  <a:schemeClr val="tx1"/>
+                </a:solidFill>
+                <a:latin typeface="+mn-lt"/>
+                <a:ea typeface="+mn-ea"/>
+                <a:cs typeface="+mn-cs"/>
+              </a:defRPr>
+            </a:lvl2pPr>
+            <a:lvl3pPr marL="358775" indent="-179388" algn="l" defTabSz="1088558" rtl="0" eaLnBrk="1" latinLnBrk="0" hangingPunct="1">
+              <a:spcBef>
+                <a:spcPts val="300"/>
+              </a:spcBef>
+              <a:buClr>
+                <a:schemeClr val="tx1"/>
+              </a:buClr>
+              <a:buSzPct val="100000"/>
+              <a:buFont typeface="Arial" panose="020B0604020202020204" pitchFamily="34" charset="0"/>
+              <a:buChar char="–"/>
+              <a:defRPr lang="en-US" sz="1800" kern="1200" noProof="0" dirty="0" smtClean="0">
+                <a:solidFill>
+                  <a:schemeClr val="tx1"/>
+                </a:solidFill>
+                <a:latin typeface="+mn-lt"/>
+                <a:ea typeface="+mn-ea"/>
+                <a:cs typeface="+mn-cs"/>
+              </a:defRPr>
+            </a:lvl3pPr>
+            <a:lvl4pPr marL="539892" indent="-179964" algn="l" defTabSz="1088558" rtl="0" eaLnBrk="1" latinLnBrk="0" hangingPunct="1">
+              <a:spcBef>
+                <a:spcPts val="300"/>
+              </a:spcBef>
+              <a:buClr>
+                <a:schemeClr val="tx1"/>
+              </a:buClr>
+              <a:buSzPct val="120000"/>
+              <a:buFont typeface="Arial" pitchFamily="34" charset="0"/>
+              <a:buChar char="▫"/>
+              <a:defRPr sz="1600" kern="1200">
+                <a:solidFill>
+                  <a:schemeClr val="tx1"/>
+                </a:solidFill>
+                <a:latin typeface="+mn-lt"/>
+                <a:ea typeface="+mn-ea"/>
+                <a:cs typeface="+mn-cs"/>
+              </a:defRPr>
+            </a:lvl4pPr>
+            <a:lvl5pPr marL="719856" indent="-179964" algn="l" defTabSz="1088558" rtl="0" eaLnBrk="1" latinLnBrk="0" hangingPunct="1">
+              <a:spcBef>
+                <a:spcPts val="100"/>
+              </a:spcBef>
+              <a:buClr>
+                <a:schemeClr val="tx1"/>
+              </a:buClr>
+              <a:buSzPct val="100000"/>
+              <a:buFont typeface="Symbol" panose="05050102010706020507" pitchFamily="18" charset="2"/>
+              <a:buChar char="-"/>
+              <a:defRPr sz="1400" kern="1200" baseline="0">
+                <a:solidFill>
+                  <a:schemeClr val="tx1"/>
+                </a:solidFill>
+                <a:latin typeface="+mn-lt"/>
+                <a:ea typeface="+mn-ea"/>
+                <a:cs typeface="+mn-cs"/>
+              </a:defRPr>
+            </a:lvl5pPr>
+            <a:lvl6pPr marL="2993535" indent="-272140" algn="l" defTabSz="1088558" rtl="0" eaLnBrk="1" latinLnBrk="0" hangingPunct="1">
+              <a:spcBef>
+                <a:spcPct val="20000"/>
+              </a:spcBef>
+              <a:buFont typeface="Arial" pitchFamily="34" charset="0"/>
+              <a:buChar char="•"/>
+              <a:defRPr sz="2400" kern="1200">
+                <a:solidFill>
+                  <a:schemeClr val="tx1"/>
+                </a:solidFill>
+                <a:latin typeface="+mn-lt"/>
+                <a:ea typeface="+mn-ea"/>
+                <a:cs typeface="+mn-cs"/>
+              </a:defRPr>
+            </a:lvl6pPr>
+            <a:lvl7pPr marL="3537814" indent="-272140" algn="l" defTabSz="1088558" rtl="0" eaLnBrk="1" latinLnBrk="0" hangingPunct="1">
+              <a:spcBef>
+                <a:spcPct val="20000"/>
+              </a:spcBef>
+              <a:buFont typeface="Arial" pitchFamily="34" charset="0"/>
+              <a:buChar char="•"/>
+              <a:defRPr sz="2400" kern="1200">
+                <a:solidFill>
+                  <a:schemeClr val="tx1"/>
+                </a:solidFill>
+                <a:latin typeface="+mn-lt"/>
+                <a:ea typeface="+mn-ea"/>
+                <a:cs typeface="+mn-cs"/>
+              </a:defRPr>
+            </a:lvl7pPr>
+            <a:lvl8pPr marL="4082093" indent="-272140" algn="l" defTabSz="1088558" rtl="0" eaLnBrk="1" latinLnBrk="0" hangingPunct="1">
+              <a:spcBef>
+                <a:spcPct val="20000"/>
+              </a:spcBef>
+              <a:buFont typeface="Arial" pitchFamily="34" charset="0"/>
+              <a:buChar char="•"/>
+              <a:defRPr sz="2400" kern="1200">
+                <a:solidFill>
+                  <a:schemeClr val="tx1"/>
+                </a:solidFill>
+                <a:latin typeface="+mn-lt"/>
+                <a:ea typeface="+mn-ea"/>
+                <a:cs typeface="+mn-cs"/>
+              </a:defRPr>
+            </a:lvl8pPr>
+            <a:lvl9pPr marL="4626373" indent="-272140" algn="l" defTabSz="1088558" rtl="0" eaLnBrk="1" latinLnBrk="0" hangingPunct="1">
+              <a:spcBef>
+                <a:spcPct val="20000"/>
+              </a:spcBef>
+              <a:buFont typeface="Arial" pitchFamily="34" charset="0"/>
+              <a:buChar char="•"/>
+              <a:defRPr sz="2400" kern="1200">
+                <a:solidFill>
+                  <a:schemeClr val="tx1"/>
+                </a:solidFill>
+                <a:latin typeface="+mn-lt"/>
+                <a:ea typeface="+mn-ea"/>
+                <a:cs typeface="+mn-cs"/>
+              </a:defRPr>
+            </a:lvl9pPr>
+          </a:lstStyle>
+          <a:p>
+            <a:pPr>
+              <a:spcBef>
+                <a:spcPts val="1200"/>
+              </a:spcBef>
+            </a:pPr>
+            <a:r>
+              <a:rPr lang="en-US" sz="1400" dirty="0"/>
+              <a:t>Namespaces</a:t>
+            </a:r>
+          </a:p>
+          <a:p>
+            <a:pPr lvl="1">
+              <a:spcBef>
+                <a:spcPts val="300"/>
+              </a:spcBef>
+            </a:pPr>
+            <a:r>
+              <a:rPr lang="en-US" sz="1200" dirty="0"/>
+              <a:t>Isolation of resources per process</a:t>
+            </a:r>
+          </a:p>
+          <a:p>
+            <a:pPr lvl="1">
+              <a:spcBef>
+                <a:spcPts val="300"/>
+              </a:spcBef>
+            </a:pPr>
+            <a:r>
+              <a:rPr lang="en-US" sz="1200" dirty="0"/>
+              <a:t>7 different namespaces</a:t>
+            </a:r>
+          </a:p>
+          <a:p>
+            <a:pPr>
+              <a:spcBef>
+                <a:spcPts val="1200"/>
+              </a:spcBef>
+            </a:pPr>
+            <a:r>
+              <a:rPr lang="en-US" sz="1400" dirty="0" err="1"/>
+              <a:t>netfilter</a:t>
+            </a:r>
+            <a:endParaRPr lang="en-US" sz="1400" dirty="0"/>
+          </a:p>
+          <a:p>
+            <a:pPr lvl="1">
+              <a:spcBef>
+                <a:spcPts val="300"/>
+              </a:spcBef>
+            </a:pPr>
+            <a:r>
+              <a:rPr lang="en-US" sz="1200" dirty="0"/>
+              <a:t>Firewall and packet manipulation</a:t>
+            </a:r>
+          </a:p>
+          <a:p>
+            <a:pPr>
+              <a:spcBef>
+                <a:spcPts val="1200"/>
+              </a:spcBef>
+            </a:pPr>
+            <a:r>
+              <a:rPr lang="en-US" sz="1400" dirty="0"/>
+              <a:t>cgroups</a:t>
+            </a:r>
+          </a:p>
+          <a:p>
+            <a:pPr lvl="1">
+              <a:spcBef>
+                <a:spcPts val="300"/>
+              </a:spcBef>
+            </a:pPr>
+            <a:r>
+              <a:rPr lang="en-US" sz="1200" dirty="0"/>
+              <a:t>Manage resource allocation</a:t>
+            </a:r>
+          </a:p>
+          <a:p>
+            <a:pPr>
+              <a:spcBef>
+                <a:spcPts val="1200"/>
+              </a:spcBef>
+            </a:pPr>
+            <a:r>
+              <a:rPr lang="en-US" sz="1400" dirty="0" err="1"/>
+              <a:t>Netlink</a:t>
+            </a:r>
+            <a:endParaRPr lang="en-US" sz="1400" dirty="0"/>
+          </a:p>
+          <a:p>
+            <a:pPr lvl="1">
+              <a:spcBef>
+                <a:spcPts val="300"/>
+              </a:spcBef>
+            </a:pPr>
+            <a:r>
+              <a:rPr lang="en-US" sz="1200" dirty="0" err="1"/>
+              <a:t>Interprocess</a:t>
+            </a:r>
+            <a:r>
+              <a:rPr lang="en-US" sz="1200" dirty="0"/>
+              <a:t> communication between containers</a:t>
+            </a:r>
+          </a:p>
+          <a:p>
+            <a:pPr>
+              <a:spcBef>
+                <a:spcPts val="1200"/>
+              </a:spcBef>
+            </a:pPr>
+            <a:r>
+              <a:rPr lang="en-US" sz="1400" dirty="0" err="1"/>
+              <a:t>SELinux</a:t>
+            </a:r>
+            <a:r>
+              <a:rPr lang="en-US" sz="1400" dirty="0"/>
+              <a:t>/</a:t>
+            </a:r>
+            <a:r>
+              <a:rPr lang="en-US" sz="1400" dirty="0" err="1"/>
+              <a:t>AppArmor</a:t>
+            </a:r>
+            <a:endParaRPr lang="en-US" sz="1400" dirty="0"/>
+          </a:p>
+          <a:p>
+            <a:pPr lvl="1">
+              <a:spcBef>
+                <a:spcPts val="300"/>
+              </a:spcBef>
+            </a:pPr>
+            <a:r>
+              <a:rPr lang="en-US" sz="1200" dirty="0"/>
+              <a:t>Security profiles to govern access to resources</a:t>
+            </a:r>
+          </a:p>
+          <a:p>
+            <a:pPr>
+              <a:spcBef>
+                <a:spcPts val="1200"/>
+              </a:spcBef>
+            </a:pPr>
+            <a:r>
+              <a:rPr lang="en-US" sz="1400" dirty="0"/>
+              <a:t>capabilities</a:t>
+            </a:r>
+          </a:p>
+          <a:p>
+            <a:pPr lvl="1">
+              <a:spcBef>
+                <a:spcPts val="300"/>
+              </a:spcBef>
+            </a:pPr>
+            <a:r>
+              <a:rPr lang="en-US" sz="1200" dirty="0"/>
+              <a:t>Granular control of privileges</a:t>
+            </a:r>
+          </a:p>
+          <a:p>
+            <a:pPr>
+              <a:spcBef>
+                <a:spcPts val="1200"/>
+              </a:spcBef>
+            </a:pPr>
+            <a:r>
+              <a:rPr lang="en-US" sz="1400" dirty="0" err="1"/>
+              <a:t>seccomp</a:t>
+            </a:r>
+            <a:endParaRPr lang="en-US" sz="1400" dirty="0"/>
+          </a:p>
+          <a:p>
+            <a:pPr lvl="1">
+              <a:spcBef>
+                <a:spcPts val="300"/>
+              </a:spcBef>
+            </a:pPr>
+            <a:r>
+              <a:rPr lang="en-US" sz="1200" dirty="0"/>
+              <a:t>Limitation of </a:t>
+            </a:r>
+            <a:r>
+              <a:rPr lang="en-US" sz="1200" dirty="0" err="1"/>
+              <a:t>syscalls</a:t>
+            </a:r>
+            <a:r>
+              <a:rPr lang="en-US" sz="1200" dirty="0"/>
+              <a:t> to processes</a:t>
+            </a:r>
+          </a:p>
+        </p:txBody>
+      </p:sp>
+      <p:sp>
+        <p:nvSpPr>
+          <p:cNvPr id="24" name="Rectangle: Rounded Corners 23"/>
+          <p:cNvSpPr/>
+          <p:nvPr/>
+        </p:nvSpPr>
+        <p:spPr bwMode="gray">
+          <a:xfrm>
+            <a:off x="2642165" y="4252513"/>
+            <a:ext cx="937074" cy="285950"/>
+          </a:xfrm>
+          <a:prstGeom prst="roundRect">
+            <a:avLst/>
+          </a:prstGeom>
+          <a:solidFill>
+            <a:schemeClr val="accent5">
+              <a:lumMod val="40000"/>
+              <a:lumOff val="60000"/>
+            </a:schemeClr>
+          </a:solidFill>
+          <a:ln w="6350" algn="ctr">
+            <a:solidFill>
+              <a:schemeClr val="tx1"/>
+            </a:solidFill>
+            <a:miter lim="800000"/>
+            <a:headEnd/>
+            <a:tailEnd/>
+          </a:ln>
+        </p:spPr>
+        <p:txBody>
+          <a:bodyPr lIns="90000" tIns="72000" rIns="90000" bIns="72000" rtlCol="0" anchor="ctr"/>
+          <a:lstStyle/>
+          <a:p>
+            <a:pPr marR="0" algn="ctr" defTabSz="914400" eaLnBrk="1" fontAlgn="base" latinLnBrk="0" hangingPunct="1">
+              <a:lnSpc>
+                <a:spcPct val="100000"/>
+              </a:lnSpc>
+              <a:spcBef>
+                <a:spcPct val="50000"/>
+              </a:spcBef>
+              <a:spcAft>
+                <a:spcPct val="0"/>
+              </a:spcAft>
+              <a:buClr>
+                <a:srgbClr val="F0AB00"/>
+              </a:buClr>
+              <a:buSzPct val="80000"/>
+              <a:tabLst/>
+            </a:pPr>
+            <a:r>
+              <a:rPr kumimoji="0" lang="en-US" sz="1400" b="0" i="0" u="none" strike="noStrike" kern="0" cap="none" spc="0" normalizeH="0" baseline="0" dirty="0">
+                <a:ln>
+                  <a:noFill/>
+                </a:ln>
+                <a:effectLst/>
+                <a:uLnTx/>
+                <a:uFillTx/>
+                <a:ea typeface="Arial Unicode MS" pitchFamily="34" charset="-128"/>
+                <a:cs typeface="Arial Unicode MS" pitchFamily="34" charset="-128"/>
+              </a:rPr>
+              <a:t>seccomp</a:t>
+            </a:r>
+          </a:p>
+        </p:txBody>
+      </p:sp>
+    </p:spTree>
+    <p:extLst>
+      <p:ext uri="{BB962C8B-B14F-4D97-AF65-F5344CB8AC3E}">
+        <p14:creationId xmlns:p14="http://schemas.microsoft.com/office/powerpoint/2010/main" val="2524894991"/>
+      </p:ext>
+    </p:extLst>
+  </p:cSld>
+  <p:clrMapOvr>
+    <a:masterClrMapping/>
+  </p:clrMapOvr>
+</p:sld>
+</file>
+
+<file path=ppt/slides/slide20.xml><?xml version="1.0" encoding="utf-8"?>
 <p:sld xmlns:a="http://schemas.openxmlformats.org/drawingml/2006/main" xmlns:r="http://schemas.openxmlformats.org/officeDocument/2006/relationships" xmlns:p="http://schemas.openxmlformats.org/presentationml/2006/main">
   <p:cSld>
     <p:spTree>
@@ -21131,7 +25251,7 @@
 </p:sld>
 </file>
 
-<file path=ppt/slides/slide16.xml><?xml version="1.0" encoding="utf-8"?>
+<file path=ppt/slides/slide21.xml><?xml version="1.0" encoding="utf-8"?>
 <p:sld xmlns:a="http://schemas.openxmlformats.org/drawingml/2006/main" xmlns:r="http://schemas.openxmlformats.org/officeDocument/2006/relationships" xmlns:p="http://schemas.openxmlformats.org/presentationml/2006/main">
   <p:cSld>
     <p:spTree>
@@ -22340,7 +26460,95 @@
 </p:sld>
 </file>
 
-<file path=ppt/slides/slide17.xml><?xml version="1.0" encoding="utf-8"?>
+<file path=ppt/slides/slide22.xml><?xml version="1.0" encoding="utf-8"?>
+<p:sld xmlns:a="http://schemas.openxmlformats.org/drawingml/2006/main" xmlns:r="http://schemas.openxmlformats.org/officeDocument/2006/relationships" xmlns:p="http://schemas.openxmlformats.org/presentationml/2006/main">
+  <p:cSld>
+    <p:spTree>
+      <p:nvGrpSpPr>
+        <p:cNvPr id="1" name=""/>
+        <p:cNvGrpSpPr/>
+        <p:nvPr/>
+      </p:nvGrpSpPr>
+      <p:grpSpPr>
+        <a:xfrm>
+          <a:off x="0" y="0"/>
+          <a:ext cx="0" cy="0"/>
+          <a:chOff x="0" y="0"/>
+          <a:chExt cx="0" cy="0"/>
+        </a:xfrm>
+      </p:grpSpPr>
+      <p:sp>
+        <p:nvSpPr>
+          <p:cNvPr id="4" name="Title 3">
+            <a:extLst>
+              <a:ext uri="{FF2B5EF4-FFF2-40B4-BE49-F238E27FC236}">
+                <a16:creationId xmlns:a16="http://schemas.microsoft.com/office/drawing/2014/main" id="{96BEB1A8-C9D3-4723-A64F-42E02E22325A}"/>
+              </a:ext>
+            </a:extLst>
+          </p:cNvPr>
+          <p:cNvSpPr>
+            <a:spLocks noGrp="1"/>
+          </p:cNvSpPr>
+          <p:nvPr>
+            <p:ph type="title"/>
+          </p:nvPr>
+        </p:nvSpPr>
+        <p:spPr/>
+        <p:txBody>
+          <a:bodyPr/>
+          <a:lstStyle/>
+          <a:p>
+            <a:r>
+              <a:rPr lang="en-US" dirty="0"/>
+              <a:t>Exercise #1 – Setting up Docker </a:t>
+            </a:r>
+          </a:p>
+        </p:txBody>
+      </p:sp>
+      <p:pic>
+        <p:nvPicPr>
+          <p:cNvPr id="8" name="Picture 7">
+            <a:extLst>
+              <a:ext uri="{FF2B5EF4-FFF2-40B4-BE49-F238E27FC236}">
+                <a16:creationId xmlns:a16="http://schemas.microsoft.com/office/drawing/2014/main" id="{D6B8C527-073F-471B-A282-22B63876CA6B}"/>
+              </a:ext>
+            </a:extLst>
+          </p:cNvPr>
+          <p:cNvPicPr>
+            <a:picLocks noChangeAspect="1"/>
+          </p:cNvPicPr>
+          <p:nvPr/>
+        </p:nvPicPr>
+        <p:blipFill>
+          <a:blip r:embed="rId3"/>
+          <a:stretch>
+            <a:fillRect/>
+          </a:stretch>
+        </p:blipFill>
+        <p:spPr>
+          <a:xfrm>
+            <a:off x="4571712" y="1903473"/>
+            <a:ext cx="3051054" cy="3051054"/>
+          </a:xfrm>
+          <a:prstGeom prst="rect">
+            <a:avLst/>
+          </a:prstGeom>
+        </p:spPr>
+      </p:pic>
+    </p:spTree>
+    <p:extLst>
+      <p:ext uri="{BB962C8B-B14F-4D97-AF65-F5344CB8AC3E}">
+        <p14:creationId xmlns:p14="http://schemas.microsoft.com/office/powerpoint/2010/main" val="3505288095"/>
+      </p:ext>
+    </p:extLst>
+  </p:cSld>
+  <p:clrMapOvr>
+    <a:masterClrMapping/>
+  </p:clrMapOvr>
+</p:sld>
+</file>
+
+<file path=ppt/slides/slide23.xml><?xml version="1.0" encoding="utf-8"?>
 <p:sld xmlns:a="http://schemas.openxmlformats.org/drawingml/2006/main" xmlns:r="http://schemas.openxmlformats.org/officeDocument/2006/relationships" xmlns:p="http://schemas.openxmlformats.org/presentationml/2006/main" show="0">
   <p:cSld>
     <p:spTree>
@@ -22363,1728 +26571,6 @@
     <a:masterClrMapping/>
   </p:clrMapOvr>
   <p:transition spd="med"/>
-</p:sld>
-</file>
-
-<file path=ppt/slides/slide2.xml><?xml version="1.0" encoding="utf-8"?>
-<p:sld xmlns:a="http://schemas.openxmlformats.org/drawingml/2006/main" xmlns:r="http://schemas.openxmlformats.org/officeDocument/2006/relationships" xmlns:p="http://schemas.openxmlformats.org/presentationml/2006/main">
-  <p:cSld>
-    <p:spTree>
-      <p:nvGrpSpPr>
-        <p:cNvPr id="1" name=""/>
-        <p:cNvGrpSpPr/>
-        <p:nvPr/>
-      </p:nvGrpSpPr>
-      <p:grpSpPr>
-        <a:xfrm>
-          <a:off x="0" y="0"/>
-          <a:ext cx="0" cy="0"/>
-          <a:chOff x="0" y="0"/>
-          <a:chExt cx="0" cy="0"/>
-        </a:xfrm>
-      </p:grpSpPr>
-      <p:sp>
-        <p:nvSpPr>
-          <p:cNvPr id="3" name="Title 2"/>
-          <p:cNvSpPr>
-            <a:spLocks noGrp="1"/>
-          </p:cNvSpPr>
-          <p:nvPr>
-            <p:ph type="title"/>
-          </p:nvPr>
-        </p:nvSpPr>
-        <p:spPr/>
-        <p:txBody>
-          <a:bodyPr/>
-          <a:lstStyle/>
-          <a:p>
-            <a:r>
-              <a:rPr lang="en-US" dirty="0"/>
-              <a:t>Linux Features</a:t>
-            </a:r>
-          </a:p>
-        </p:txBody>
-      </p:sp>
-      <p:sp>
-        <p:nvSpPr>
-          <p:cNvPr id="5" name="Rectangle 4"/>
-          <p:cNvSpPr/>
-          <p:nvPr/>
-        </p:nvSpPr>
-        <p:spPr bwMode="gray">
-          <a:xfrm>
-            <a:off x="916101" y="3327400"/>
-            <a:ext cx="4426368" cy="2341629"/>
-          </a:xfrm>
-          <a:prstGeom prst="rect">
-            <a:avLst/>
-          </a:prstGeom>
-          <a:solidFill>
-            <a:schemeClr val="tx2">
-              <a:lumMod val="25000"/>
-            </a:schemeClr>
-          </a:solidFill>
-          <a:ln w="6350" algn="ctr">
-            <a:solidFill>
-              <a:schemeClr val="tx1"/>
-            </a:solidFill>
-            <a:miter lim="800000"/>
-            <a:headEnd/>
-            <a:tailEnd/>
-          </a:ln>
-        </p:spPr>
-        <p:txBody>
-          <a:bodyPr lIns="90000" tIns="72000" rIns="90000" bIns="72000" rtlCol="0" anchor="ctr"/>
-          <a:lstStyle/>
-          <a:p>
-            <a:pPr marR="0" algn="ctr" defTabSz="914400" eaLnBrk="1" fontAlgn="base" latinLnBrk="0" hangingPunct="1">
-              <a:lnSpc>
-                <a:spcPct val="100000"/>
-              </a:lnSpc>
-              <a:spcBef>
-                <a:spcPct val="50000"/>
-              </a:spcBef>
-              <a:spcAft>
-                <a:spcPct val="0"/>
-              </a:spcAft>
-              <a:buClr>
-                <a:srgbClr val="F0AB00"/>
-              </a:buClr>
-              <a:buSzPct val="80000"/>
-              <a:tabLst/>
-            </a:pPr>
-            <a:endParaRPr kumimoji="0" lang="en-US" sz="1800" b="0" i="0" u="none" strike="noStrike" kern="0" cap="none" spc="0" normalizeH="0" baseline="0" dirty="0">
-              <a:ln>
-                <a:noFill/>
-              </a:ln>
-              <a:solidFill>
-                <a:schemeClr val="bg1"/>
-              </a:solidFill>
-              <a:effectLst/>
-              <a:uLnTx/>
-              <a:uFillTx/>
-              <a:ea typeface="Arial Unicode MS" pitchFamily="34" charset="-128"/>
-              <a:cs typeface="Arial Unicode MS" pitchFamily="34" charset="-128"/>
-            </a:endParaRPr>
-          </a:p>
-        </p:txBody>
-      </p:sp>
-      <p:sp>
-        <p:nvSpPr>
-          <p:cNvPr id="6" name="Rectangle 5"/>
-          <p:cNvSpPr/>
-          <p:nvPr/>
-        </p:nvSpPr>
-        <p:spPr bwMode="gray">
-          <a:xfrm>
-            <a:off x="994619" y="3395133"/>
-            <a:ext cx="4271648" cy="1787461"/>
-          </a:xfrm>
-          <a:prstGeom prst="rect">
-            <a:avLst/>
-          </a:prstGeom>
-          <a:solidFill>
-            <a:schemeClr val="accent4">
-              <a:lumMod val="75000"/>
-            </a:schemeClr>
-          </a:solidFill>
-          <a:ln w="6350" algn="ctr">
-            <a:solidFill>
-              <a:schemeClr val="tx1"/>
-            </a:solidFill>
-            <a:miter lim="800000"/>
-            <a:headEnd/>
-            <a:tailEnd/>
-          </a:ln>
-        </p:spPr>
-        <p:txBody>
-          <a:bodyPr lIns="90000" tIns="72000" rIns="90000" bIns="72000" rtlCol="0" anchor="t" anchorCtr="0"/>
-          <a:lstStyle/>
-          <a:p>
-            <a:pPr marR="0" algn="ctr" defTabSz="914400" eaLnBrk="1" fontAlgn="base" latinLnBrk="0" hangingPunct="1">
-              <a:lnSpc>
-                <a:spcPct val="100000"/>
-              </a:lnSpc>
-              <a:spcBef>
-                <a:spcPct val="50000"/>
-              </a:spcBef>
-              <a:spcAft>
-                <a:spcPct val="0"/>
-              </a:spcAft>
-              <a:buClr>
-                <a:srgbClr val="F0AB00"/>
-              </a:buClr>
-              <a:buSzPct val="80000"/>
-              <a:tabLst/>
-            </a:pPr>
-            <a:r>
-              <a:rPr kumimoji="0" lang="en-US" sz="1800" b="0" i="0" u="none" strike="noStrike" kern="0" cap="none" spc="0" normalizeH="0" baseline="0" dirty="0">
-                <a:ln>
-                  <a:noFill/>
-                </a:ln>
-                <a:solidFill>
-                  <a:schemeClr val="bg1"/>
-                </a:solidFill>
-                <a:effectLst/>
-                <a:uLnTx/>
-                <a:uFillTx/>
-                <a:ea typeface="Arial Unicode MS" pitchFamily="34" charset="-128"/>
-                <a:cs typeface="Arial Unicode MS" pitchFamily="34" charset="-128"/>
-              </a:rPr>
-              <a:t>Linux</a:t>
-            </a:r>
-          </a:p>
-        </p:txBody>
-      </p:sp>
-      <p:sp>
-        <p:nvSpPr>
-          <p:cNvPr id="7" name="Arrow: Down 6"/>
-          <p:cNvSpPr/>
-          <p:nvPr/>
-        </p:nvSpPr>
-        <p:spPr bwMode="gray">
-          <a:xfrm>
-            <a:off x="1079289" y="3079385"/>
-            <a:ext cx="712104" cy="554913"/>
-          </a:xfrm>
-          <a:prstGeom prst="downArrow">
-            <a:avLst>
-              <a:gd name="adj1" fmla="val 50000"/>
-              <a:gd name="adj2" fmla="val 38537"/>
-            </a:avLst>
-          </a:prstGeom>
-          <a:solidFill>
-            <a:schemeClr val="tx2">
-              <a:lumMod val="50000"/>
-            </a:schemeClr>
-          </a:solidFill>
-          <a:ln w="6350" algn="ctr">
-            <a:solidFill>
-              <a:schemeClr val="tx1"/>
-            </a:solidFill>
-            <a:miter lim="800000"/>
-            <a:headEnd/>
-            <a:tailEnd/>
-          </a:ln>
-        </p:spPr>
-        <p:txBody>
-          <a:bodyPr lIns="90000" tIns="72000" rIns="90000" bIns="72000" rtlCol="0" anchor="ctr"/>
-          <a:lstStyle/>
-          <a:p>
-            <a:pPr marR="0" algn="ctr" defTabSz="914400" eaLnBrk="1" fontAlgn="base" latinLnBrk="0" hangingPunct="1">
-              <a:lnSpc>
-                <a:spcPct val="100000"/>
-              </a:lnSpc>
-              <a:spcBef>
-                <a:spcPct val="50000"/>
-              </a:spcBef>
-              <a:spcAft>
-                <a:spcPct val="0"/>
-              </a:spcAft>
-              <a:buClr>
-                <a:srgbClr val="F0AB00"/>
-              </a:buClr>
-              <a:buSzPct val="80000"/>
-              <a:tabLst/>
-            </a:pPr>
-            <a:endParaRPr kumimoji="0" lang="en-US" sz="1800" b="0" i="0" u="none" strike="noStrike" kern="0" cap="none" spc="0" normalizeH="0" baseline="0" dirty="0">
-              <a:ln>
-                <a:noFill/>
-              </a:ln>
-              <a:solidFill>
-                <a:schemeClr val="bg1"/>
-              </a:solidFill>
-              <a:effectLst/>
-              <a:uLnTx/>
-              <a:uFillTx/>
-              <a:ea typeface="Arial Unicode MS" pitchFamily="34" charset="-128"/>
-              <a:cs typeface="Arial Unicode MS" pitchFamily="34" charset="-128"/>
-            </a:endParaRPr>
-          </a:p>
-        </p:txBody>
-      </p:sp>
-      <p:sp>
-        <p:nvSpPr>
-          <p:cNvPr id="8" name="Arrow: Down 7"/>
-          <p:cNvSpPr/>
-          <p:nvPr/>
-        </p:nvSpPr>
-        <p:spPr bwMode="gray">
-          <a:xfrm>
-            <a:off x="4473888" y="3075040"/>
-            <a:ext cx="712104" cy="554913"/>
-          </a:xfrm>
-          <a:prstGeom prst="downArrow">
-            <a:avLst>
-              <a:gd name="adj1" fmla="val 50000"/>
-              <a:gd name="adj2" fmla="val 38537"/>
-            </a:avLst>
-          </a:prstGeom>
-          <a:solidFill>
-            <a:schemeClr val="tx2">
-              <a:lumMod val="50000"/>
-            </a:schemeClr>
-          </a:solidFill>
-          <a:ln w="6350" algn="ctr">
-            <a:solidFill>
-              <a:schemeClr val="tx1"/>
-            </a:solidFill>
-            <a:miter lim="800000"/>
-            <a:headEnd/>
-            <a:tailEnd/>
-          </a:ln>
-        </p:spPr>
-        <p:txBody>
-          <a:bodyPr lIns="90000" tIns="72000" rIns="90000" bIns="72000" rtlCol="0" anchor="ctr"/>
-          <a:lstStyle/>
-          <a:p>
-            <a:pPr marR="0" algn="ctr" defTabSz="914400" eaLnBrk="1" fontAlgn="base" latinLnBrk="0" hangingPunct="1">
-              <a:lnSpc>
-                <a:spcPct val="100000"/>
-              </a:lnSpc>
-              <a:spcBef>
-                <a:spcPct val="50000"/>
-              </a:spcBef>
-              <a:spcAft>
-                <a:spcPct val="0"/>
-              </a:spcAft>
-              <a:buClr>
-                <a:srgbClr val="F0AB00"/>
-              </a:buClr>
-              <a:buSzPct val="80000"/>
-              <a:tabLst/>
-            </a:pPr>
-            <a:endParaRPr kumimoji="0" lang="en-US" sz="1800" b="0" i="0" u="none" strike="noStrike" kern="0" cap="none" spc="0" normalizeH="0" baseline="0" dirty="0">
-              <a:ln>
-                <a:noFill/>
-              </a:ln>
-              <a:solidFill>
-                <a:schemeClr val="bg1"/>
-              </a:solidFill>
-              <a:effectLst/>
-              <a:uLnTx/>
-              <a:uFillTx/>
-              <a:ea typeface="Arial Unicode MS" pitchFamily="34" charset="-128"/>
-              <a:cs typeface="Arial Unicode MS" pitchFamily="34" charset="-128"/>
-            </a:endParaRPr>
-          </a:p>
-        </p:txBody>
-      </p:sp>
-      <p:grpSp>
-        <p:nvGrpSpPr>
-          <p:cNvPr id="9" name="Group 8"/>
-          <p:cNvGrpSpPr/>
-          <p:nvPr/>
-        </p:nvGrpSpPr>
-        <p:grpSpPr>
-          <a:xfrm>
-            <a:off x="916100" y="2056108"/>
-            <a:ext cx="4426368" cy="1096525"/>
-            <a:chOff x="916099" y="2056108"/>
-            <a:chExt cx="4920343" cy="1096525"/>
-          </a:xfrm>
-        </p:grpSpPr>
-        <p:sp>
-          <p:nvSpPr>
-            <p:cNvPr id="10" name="Rectangle 9"/>
-            <p:cNvSpPr/>
-            <p:nvPr/>
-          </p:nvSpPr>
-          <p:spPr bwMode="gray">
-            <a:xfrm>
-              <a:off x="916099" y="2056108"/>
-              <a:ext cx="4920343" cy="1096525"/>
-            </a:xfrm>
-            <a:prstGeom prst="rect">
-              <a:avLst/>
-            </a:prstGeom>
-            <a:solidFill>
-              <a:schemeClr val="accent2">
-                <a:lumMod val="75000"/>
-              </a:schemeClr>
-            </a:solidFill>
-            <a:ln w="6350" algn="ctr">
-              <a:solidFill>
-                <a:schemeClr val="tx1"/>
-              </a:solidFill>
-              <a:miter lim="800000"/>
-              <a:headEnd/>
-              <a:tailEnd/>
-            </a:ln>
-          </p:spPr>
-          <p:txBody>
-            <a:bodyPr lIns="90000" tIns="72000" rIns="90000" bIns="72000" rtlCol="0" anchor="t" anchorCtr="0"/>
-            <a:lstStyle/>
-            <a:p>
-              <a:pPr marR="0" algn="ctr" defTabSz="914400" eaLnBrk="1" fontAlgn="base" latinLnBrk="0" hangingPunct="1">
-                <a:lnSpc>
-                  <a:spcPct val="100000"/>
-                </a:lnSpc>
-                <a:spcBef>
-                  <a:spcPct val="50000"/>
-                </a:spcBef>
-                <a:spcAft>
-                  <a:spcPct val="0"/>
-                </a:spcAft>
-                <a:buClr>
-                  <a:srgbClr val="F0AB00"/>
-                </a:buClr>
-                <a:buSzPct val="80000"/>
-                <a:tabLst/>
-              </a:pPr>
-              <a:r>
-                <a:rPr kumimoji="0" lang="en-US" sz="1600" b="0" i="0" u="none" strike="noStrike" kern="0" cap="none" spc="0" normalizeH="0" baseline="0" dirty="0">
-                  <a:ln>
-                    <a:noFill/>
-                  </a:ln>
-                  <a:solidFill>
-                    <a:schemeClr val="bg1"/>
-                  </a:solidFill>
-                  <a:effectLst/>
-                  <a:uLnTx/>
-                  <a:uFillTx/>
-                  <a:ea typeface="Arial Unicode MS" pitchFamily="34" charset="-128"/>
-                  <a:cs typeface="Arial Unicode MS" pitchFamily="34" charset="-128"/>
-                </a:rPr>
-                <a:t>Docker Runtime</a:t>
-              </a:r>
-            </a:p>
-          </p:txBody>
-        </p:sp>
-        <p:sp>
-          <p:nvSpPr>
-            <p:cNvPr id="11" name="Rectangle 10"/>
-            <p:cNvSpPr/>
-            <p:nvPr/>
-          </p:nvSpPr>
-          <p:spPr bwMode="gray">
-            <a:xfrm>
-              <a:off x="994619" y="2421820"/>
-              <a:ext cx="774914" cy="668513"/>
-            </a:xfrm>
-            <a:prstGeom prst="rect">
-              <a:avLst/>
-            </a:prstGeom>
-            <a:solidFill>
-              <a:schemeClr val="accent3">
-                <a:lumMod val="50000"/>
-              </a:schemeClr>
-            </a:solidFill>
-            <a:ln w="6350" algn="ctr">
-              <a:solidFill>
-                <a:schemeClr val="tx1"/>
-              </a:solidFill>
-              <a:miter lim="800000"/>
-              <a:headEnd/>
-              <a:tailEnd/>
-            </a:ln>
-          </p:spPr>
-          <p:txBody>
-            <a:bodyPr vert="vert270" lIns="90000" tIns="72000" rIns="90000" bIns="72000" rtlCol="0" anchor="ctr"/>
-            <a:lstStyle/>
-            <a:p>
-              <a:pPr marR="0" algn="ctr" defTabSz="914400" eaLnBrk="1" fontAlgn="base" latinLnBrk="0" hangingPunct="1">
-                <a:lnSpc>
-                  <a:spcPct val="100000"/>
-                </a:lnSpc>
-                <a:spcBef>
-                  <a:spcPct val="50000"/>
-                </a:spcBef>
-                <a:spcAft>
-                  <a:spcPct val="0"/>
-                </a:spcAft>
-                <a:buClr>
-                  <a:srgbClr val="F0AB00"/>
-                </a:buClr>
-                <a:buSzPct val="80000"/>
-                <a:tabLst/>
-              </a:pPr>
-              <a:r>
-                <a:rPr kumimoji="0" lang="en-US" sz="1100" b="0" i="0" u="none" strike="noStrike" kern="0" cap="none" spc="0" normalizeH="0" baseline="0" dirty="0">
-                  <a:ln>
-                    <a:noFill/>
-                  </a:ln>
-                  <a:solidFill>
-                    <a:schemeClr val="bg1"/>
-                  </a:solidFill>
-                  <a:effectLst/>
-                  <a:uLnTx/>
-                  <a:uFillTx/>
-                  <a:ea typeface="Arial Unicode MS" pitchFamily="34" charset="-128"/>
-                  <a:cs typeface="Arial Unicode MS" pitchFamily="34" charset="-128"/>
-                </a:rPr>
-                <a:t>dockerd</a:t>
-              </a:r>
-            </a:p>
-          </p:txBody>
-        </p:sp>
-      </p:grpSp>
-      <p:sp>
-        <p:nvSpPr>
-          <p:cNvPr id="12" name="Rectangle 11"/>
-          <p:cNvSpPr/>
-          <p:nvPr/>
-        </p:nvSpPr>
-        <p:spPr bwMode="gray">
-          <a:xfrm>
-            <a:off x="1889133" y="2421820"/>
-            <a:ext cx="774914" cy="668513"/>
-          </a:xfrm>
-          <a:prstGeom prst="rect">
-            <a:avLst/>
-          </a:prstGeom>
-          <a:solidFill>
-            <a:srgbClr val="F0AB00"/>
-          </a:solidFill>
-          <a:ln w="6350" algn="ctr">
-            <a:solidFill>
-              <a:schemeClr val="tx1"/>
-            </a:solidFill>
-            <a:miter lim="800000"/>
-            <a:headEnd/>
-            <a:tailEnd/>
-          </a:ln>
-        </p:spPr>
-        <p:txBody>
-          <a:bodyPr vert="horz" lIns="90000" tIns="72000" rIns="90000" bIns="72000" rtlCol="0" anchor="ctr"/>
-          <a:lstStyle/>
-          <a:p>
-            <a:pPr marR="0" algn="ctr" defTabSz="914400" eaLnBrk="1" fontAlgn="base" latinLnBrk="0" hangingPunct="1">
-              <a:lnSpc>
-                <a:spcPct val="100000"/>
-              </a:lnSpc>
-              <a:spcBef>
-                <a:spcPct val="50000"/>
-              </a:spcBef>
-              <a:spcAft>
-                <a:spcPct val="0"/>
-              </a:spcAft>
-              <a:buClr>
-                <a:srgbClr val="F0AB00"/>
-              </a:buClr>
-              <a:buSzPct val="80000"/>
-              <a:tabLst/>
-            </a:pPr>
-            <a:r>
-              <a:rPr kumimoji="0" lang="en-US" sz="1050" b="0" i="0" u="none" strike="noStrike" kern="0" cap="none" spc="0" normalizeH="0" baseline="0" dirty="0">
-                <a:ln>
-                  <a:noFill/>
-                </a:ln>
-                <a:solidFill>
-                  <a:schemeClr val="bg1"/>
-                </a:solidFill>
-                <a:effectLst/>
-                <a:uLnTx/>
-                <a:uFillTx/>
-                <a:ea typeface="Arial Unicode MS" pitchFamily="34" charset="-128"/>
-                <a:cs typeface="Arial Unicode MS" pitchFamily="34" charset="-128"/>
-              </a:rPr>
-              <a:t>Container</a:t>
-            </a:r>
-          </a:p>
-        </p:txBody>
-      </p:sp>
-      <p:sp>
-        <p:nvSpPr>
-          <p:cNvPr id="17" name="Rectangle 16"/>
-          <p:cNvSpPr/>
-          <p:nvPr/>
-        </p:nvSpPr>
-        <p:spPr bwMode="gray">
-          <a:xfrm>
-            <a:off x="994619" y="5250328"/>
-            <a:ext cx="4271648" cy="354606"/>
-          </a:xfrm>
-          <a:prstGeom prst="rect">
-            <a:avLst/>
-          </a:prstGeom>
-          <a:solidFill>
-            <a:schemeClr val="accent1">
-              <a:lumMod val="75000"/>
-            </a:schemeClr>
-          </a:solidFill>
-          <a:ln w="6350" algn="ctr">
-            <a:solidFill>
-              <a:schemeClr val="tx1"/>
-            </a:solidFill>
-            <a:miter lim="800000"/>
-            <a:headEnd/>
-            <a:tailEnd/>
-          </a:ln>
-        </p:spPr>
-        <p:txBody>
-          <a:bodyPr lIns="90000" tIns="72000" rIns="90000" bIns="72000" rtlCol="0" anchor="ctr"/>
-          <a:lstStyle/>
-          <a:p>
-            <a:pPr marR="0" algn="ctr" defTabSz="914400" eaLnBrk="1" fontAlgn="base" latinLnBrk="0" hangingPunct="1">
-              <a:lnSpc>
-                <a:spcPct val="100000"/>
-              </a:lnSpc>
-              <a:spcBef>
-                <a:spcPct val="50000"/>
-              </a:spcBef>
-              <a:spcAft>
-                <a:spcPct val="0"/>
-              </a:spcAft>
-              <a:buClr>
-                <a:srgbClr val="F0AB00"/>
-              </a:buClr>
-              <a:buSzPct val="80000"/>
-              <a:tabLst/>
-            </a:pPr>
-            <a:r>
-              <a:rPr kumimoji="0" lang="en-US" sz="1800" b="0" i="0" u="none" strike="noStrike" kern="0" cap="none" spc="0" normalizeH="0" baseline="0" dirty="0">
-                <a:ln>
-                  <a:noFill/>
-                </a:ln>
-                <a:solidFill>
-                  <a:schemeClr val="bg1"/>
-                </a:solidFill>
-                <a:effectLst/>
-                <a:uLnTx/>
-                <a:uFillTx/>
-                <a:ea typeface="Arial Unicode MS" pitchFamily="34" charset="-128"/>
-                <a:cs typeface="Arial Unicode MS" pitchFamily="34" charset="-128"/>
-              </a:rPr>
-              <a:t>Hardware</a:t>
-            </a:r>
-          </a:p>
-        </p:txBody>
-      </p:sp>
-      <p:sp>
-        <p:nvSpPr>
-          <p:cNvPr id="18" name="Rectangle 17"/>
-          <p:cNvSpPr/>
-          <p:nvPr/>
-        </p:nvSpPr>
-        <p:spPr bwMode="gray">
-          <a:xfrm>
-            <a:off x="4491353" y="2421820"/>
-            <a:ext cx="774914" cy="668513"/>
-          </a:xfrm>
-          <a:prstGeom prst="rect">
-            <a:avLst/>
-          </a:prstGeom>
-          <a:solidFill>
-            <a:srgbClr val="F0AB00"/>
-          </a:solidFill>
-          <a:ln w="6350" algn="ctr">
-            <a:solidFill>
-              <a:schemeClr val="tx1"/>
-            </a:solidFill>
-            <a:miter lim="800000"/>
-            <a:headEnd/>
-            <a:tailEnd/>
-          </a:ln>
-        </p:spPr>
-        <p:txBody>
-          <a:bodyPr vert="horz" lIns="90000" tIns="72000" rIns="90000" bIns="72000" rtlCol="0" anchor="ctr"/>
-          <a:lstStyle/>
-          <a:p>
-            <a:pPr marR="0" algn="ctr" defTabSz="914400" eaLnBrk="1" fontAlgn="base" latinLnBrk="0" hangingPunct="1">
-              <a:lnSpc>
-                <a:spcPct val="100000"/>
-              </a:lnSpc>
-              <a:spcBef>
-                <a:spcPct val="50000"/>
-              </a:spcBef>
-              <a:spcAft>
-                <a:spcPct val="0"/>
-              </a:spcAft>
-              <a:buClr>
-                <a:srgbClr val="F0AB00"/>
-              </a:buClr>
-              <a:buSzPct val="80000"/>
-              <a:tabLst/>
-            </a:pPr>
-            <a:r>
-              <a:rPr kumimoji="0" lang="en-US" sz="1050" b="0" i="0" u="none" strike="noStrike" kern="0" cap="none" spc="0" normalizeH="0" baseline="0" dirty="0">
-                <a:ln>
-                  <a:noFill/>
-                </a:ln>
-                <a:solidFill>
-                  <a:schemeClr val="bg1"/>
-                </a:solidFill>
-                <a:effectLst/>
-                <a:uLnTx/>
-                <a:uFillTx/>
-                <a:ea typeface="Arial Unicode MS" pitchFamily="34" charset="-128"/>
-                <a:cs typeface="Arial Unicode MS" pitchFamily="34" charset="-128"/>
-              </a:rPr>
-              <a:t>Container</a:t>
-            </a:r>
-          </a:p>
-        </p:txBody>
-      </p:sp>
-      <p:sp>
-        <p:nvSpPr>
-          <p:cNvPr id="20" name="Rectangle 19"/>
-          <p:cNvSpPr/>
-          <p:nvPr/>
-        </p:nvSpPr>
-        <p:spPr bwMode="gray">
-          <a:xfrm>
-            <a:off x="3618699" y="2421820"/>
-            <a:ext cx="774914" cy="668513"/>
-          </a:xfrm>
-          <a:prstGeom prst="rect">
-            <a:avLst/>
-          </a:prstGeom>
-          <a:solidFill>
-            <a:srgbClr val="F0AB00"/>
-          </a:solidFill>
-          <a:ln w="6350" algn="ctr">
-            <a:solidFill>
-              <a:schemeClr val="tx1"/>
-            </a:solidFill>
-            <a:miter lim="800000"/>
-            <a:headEnd/>
-            <a:tailEnd/>
-          </a:ln>
-        </p:spPr>
-        <p:txBody>
-          <a:bodyPr vert="horz" lIns="90000" tIns="72000" rIns="90000" bIns="72000" rtlCol="0" anchor="ctr"/>
-          <a:lstStyle/>
-          <a:p>
-            <a:pPr marR="0" algn="ctr" defTabSz="914400" eaLnBrk="1" fontAlgn="base" latinLnBrk="0" hangingPunct="1">
-              <a:lnSpc>
-                <a:spcPct val="100000"/>
-              </a:lnSpc>
-              <a:spcBef>
-                <a:spcPct val="50000"/>
-              </a:spcBef>
-              <a:spcAft>
-                <a:spcPct val="0"/>
-              </a:spcAft>
-              <a:buClr>
-                <a:srgbClr val="F0AB00"/>
-              </a:buClr>
-              <a:buSzPct val="80000"/>
-              <a:tabLst/>
-            </a:pPr>
-            <a:r>
-              <a:rPr kumimoji="0" lang="en-US" sz="1050" b="0" i="0" u="none" strike="noStrike" kern="0" cap="none" spc="0" normalizeH="0" baseline="0" dirty="0">
-                <a:ln>
-                  <a:noFill/>
-                </a:ln>
-                <a:solidFill>
-                  <a:schemeClr val="bg1"/>
-                </a:solidFill>
-                <a:effectLst/>
-                <a:uLnTx/>
-                <a:uFillTx/>
-                <a:ea typeface="Arial Unicode MS" pitchFamily="34" charset="-128"/>
-                <a:cs typeface="Arial Unicode MS" pitchFamily="34" charset="-128"/>
-              </a:rPr>
-              <a:t>Container</a:t>
-            </a:r>
-          </a:p>
-        </p:txBody>
-      </p:sp>
-      <p:sp>
-        <p:nvSpPr>
-          <p:cNvPr id="21" name="Rectangle 20"/>
-          <p:cNvSpPr/>
-          <p:nvPr/>
-        </p:nvSpPr>
-        <p:spPr bwMode="gray">
-          <a:xfrm>
-            <a:off x="2747779" y="2421820"/>
-            <a:ext cx="774914" cy="668513"/>
-          </a:xfrm>
-          <a:prstGeom prst="rect">
-            <a:avLst/>
-          </a:prstGeom>
-          <a:solidFill>
-            <a:srgbClr val="F0AB00"/>
-          </a:solidFill>
-          <a:ln w="6350" algn="ctr">
-            <a:solidFill>
-              <a:schemeClr val="tx1"/>
-            </a:solidFill>
-            <a:miter lim="800000"/>
-            <a:headEnd/>
-            <a:tailEnd/>
-          </a:ln>
-        </p:spPr>
-        <p:txBody>
-          <a:bodyPr vert="horz" lIns="90000" tIns="72000" rIns="90000" bIns="72000" rtlCol="0" anchor="ctr"/>
-          <a:lstStyle/>
-          <a:p>
-            <a:pPr marR="0" algn="ctr" defTabSz="914400" eaLnBrk="1" fontAlgn="base" latinLnBrk="0" hangingPunct="1">
-              <a:lnSpc>
-                <a:spcPct val="100000"/>
-              </a:lnSpc>
-              <a:spcBef>
-                <a:spcPct val="50000"/>
-              </a:spcBef>
-              <a:spcAft>
-                <a:spcPct val="0"/>
-              </a:spcAft>
-              <a:buClr>
-                <a:srgbClr val="F0AB00"/>
-              </a:buClr>
-              <a:buSzPct val="80000"/>
-              <a:tabLst/>
-            </a:pPr>
-            <a:r>
-              <a:rPr kumimoji="0" lang="en-US" sz="1050" b="0" i="0" u="none" strike="noStrike" kern="0" cap="none" spc="0" normalizeH="0" baseline="0" dirty="0">
-                <a:ln>
-                  <a:noFill/>
-                </a:ln>
-                <a:solidFill>
-                  <a:schemeClr val="bg1"/>
-                </a:solidFill>
-                <a:effectLst/>
-                <a:uLnTx/>
-                <a:uFillTx/>
-                <a:ea typeface="Arial Unicode MS" pitchFamily="34" charset="-128"/>
-                <a:cs typeface="Arial Unicode MS" pitchFamily="34" charset="-128"/>
-              </a:rPr>
-              <a:t>Container</a:t>
-            </a:r>
-          </a:p>
-        </p:txBody>
-      </p:sp>
-      <p:sp>
-        <p:nvSpPr>
-          <p:cNvPr id="22" name="Rectangle: Rounded Corners 21"/>
-          <p:cNvSpPr/>
-          <p:nvPr/>
-        </p:nvSpPr>
-        <p:spPr bwMode="gray">
-          <a:xfrm>
-            <a:off x="1232914" y="3885603"/>
-            <a:ext cx="1312438" cy="285950"/>
-          </a:xfrm>
-          <a:prstGeom prst="roundRect">
-            <a:avLst/>
-          </a:prstGeom>
-          <a:solidFill>
-            <a:schemeClr val="accent5">
-              <a:lumMod val="40000"/>
-              <a:lumOff val="60000"/>
-            </a:schemeClr>
-          </a:solidFill>
-          <a:ln w="6350" algn="ctr">
-            <a:solidFill>
-              <a:schemeClr val="tx1"/>
-            </a:solidFill>
-            <a:miter lim="800000"/>
-            <a:headEnd/>
-            <a:tailEnd/>
-          </a:ln>
-        </p:spPr>
-        <p:txBody>
-          <a:bodyPr lIns="90000" tIns="72000" rIns="90000" bIns="72000" rtlCol="0" anchor="ctr"/>
-          <a:lstStyle/>
-          <a:p>
-            <a:pPr marR="0" algn="ctr" defTabSz="914400" eaLnBrk="1" fontAlgn="base" latinLnBrk="0" hangingPunct="1">
-              <a:lnSpc>
-                <a:spcPct val="100000"/>
-              </a:lnSpc>
-              <a:spcBef>
-                <a:spcPct val="50000"/>
-              </a:spcBef>
-              <a:spcAft>
-                <a:spcPct val="0"/>
-              </a:spcAft>
-              <a:buClr>
-                <a:srgbClr val="F0AB00"/>
-              </a:buClr>
-              <a:buSzPct val="80000"/>
-              <a:tabLst/>
-            </a:pPr>
-            <a:r>
-              <a:rPr kumimoji="0" lang="en-US" sz="1400" b="0" i="0" u="none" strike="noStrike" kern="0" cap="none" spc="0" normalizeH="0" baseline="0" dirty="0">
-                <a:ln>
-                  <a:noFill/>
-                </a:ln>
-                <a:effectLst/>
-                <a:uLnTx/>
-                <a:uFillTx/>
-                <a:ea typeface="Arial Unicode MS" pitchFamily="34" charset="-128"/>
-                <a:cs typeface="Arial Unicode MS" pitchFamily="34" charset="-128"/>
-              </a:rPr>
-              <a:t>namespaces</a:t>
-            </a:r>
-          </a:p>
-        </p:txBody>
-      </p:sp>
-      <p:sp>
-        <p:nvSpPr>
-          <p:cNvPr id="23" name="Rectangle: Rounded Corners 22"/>
-          <p:cNvSpPr/>
-          <p:nvPr/>
-        </p:nvSpPr>
-        <p:spPr bwMode="gray">
-          <a:xfrm>
-            <a:off x="1079289" y="4314990"/>
-            <a:ext cx="1312438" cy="285950"/>
-          </a:xfrm>
-          <a:prstGeom prst="roundRect">
-            <a:avLst/>
-          </a:prstGeom>
-          <a:solidFill>
-            <a:schemeClr val="accent5">
-              <a:lumMod val="40000"/>
-              <a:lumOff val="60000"/>
-            </a:schemeClr>
-          </a:solidFill>
-          <a:ln w="6350" algn="ctr">
-            <a:solidFill>
-              <a:schemeClr val="tx1"/>
-            </a:solidFill>
-            <a:miter lim="800000"/>
-            <a:headEnd/>
-            <a:tailEnd/>
-          </a:ln>
-        </p:spPr>
-        <p:txBody>
-          <a:bodyPr lIns="90000" tIns="72000" rIns="90000" bIns="72000" rtlCol="0" anchor="ctr"/>
-          <a:lstStyle/>
-          <a:p>
-            <a:pPr marR="0" algn="ctr" defTabSz="914400" eaLnBrk="1" fontAlgn="base" latinLnBrk="0" hangingPunct="1">
-              <a:lnSpc>
-                <a:spcPct val="100000"/>
-              </a:lnSpc>
-              <a:spcBef>
-                <a:spcPct val="50000"/>
-              </a:spcBef>
-              <a:spcAft>
-                <a:spcPct val="0"/>
-              </a:spcAft>
-              <a:buClr>
-                <a:srgbClr val="F0AB00"/>
-              </a:buClr>
-              <a:buSzPct val="80000"/>
-              <a:tabLst/>
-            </a:pPr>
-            <a:r>
-              <a:rPr kumimoji="0" lang="en-US" sz="1400" b="0" i="0" u="none" strike="noStrike" kern="0" cap="none" spc="0" normalizeH="0" baseline="0" dirty="0" err="1">
-                <a:ln>
-                  <a:noFill/>
-                </a:ln>
-                <a:effectLst/>
-                <a:uLnTx/>
-                <a:uFillTx/>
-                <a:ea typeface="Arial Unicode MS" pitchFamily="34" charset="-128"/>
-                <a:cs typeface="Arial Unicode MS" pitchFamily="34" charset="-128"/>
-              </a:rPr>
-              <a:t>netfilter</a:t>
-            </a:r>
-            <a:endParaRPr kumimoji="0" lang="en-US" sz="1400" b="0" i="0" u="none" strike="noStrike" kern="0" cap="none" spc="0" normalizeH="0" baseline="0" dirty="0">
-              <a:ln>
-                <a:noFill/>
-              </a:ln>
-              <a:effectLst/>
-              <a:uLnTx/>
-              <a:uFillTx/>
-              <a:ea typeface="Arial Unicode MS" pitchFamily="34" charset="-128"/>
-              <a:cs typeface="Arial Unicode MS" pitchFamily="34" charset="-128"/>
-            </a:endParaRPr>
-          </a:p>
-        </p:txBody>
-      </p:sp>
-      <p:sp>
-        <p:nvSpPr>
-          <p:cNvPr id="25" name="Rectangle: Rounded Corners 24"/>
-          <p:cNvSpPr/>
-          <p:nvPr/>
-        </p:nvSpPr>
-        <p:spPr bwMode="gray">
-          <a:xfrm>
-            <a:off x="1658305" y="4780963"/>
-            <a:ext cx="1312438" cy="285950"/>
-          </a:xfrm>
-          <a:prstGeom prst="roundRect">
-            <a:avLst/>
-          </a:prstGeom>
-          <a:solidFill>
-            <a:schemeClr val="accent5">
-              <a:lumMod val="40000"/>
-              <a:lumOff val="60000"/>
-            </a:schemeClr>
-          </a:solidFill>
-          <a:ln w="6350" algn="ctr">
-            <a:solidFill>
-              <a:schemeClr val="tx1"/>
-            </a:solidFill>
-            <a:miter lim="800000"/>
-            <a:headEnd/>
-            <a:tailEnd/>
-          </a:ln>
-        </p:spPr>
-        <p:txBody>
-          <a:bodyPr lIns="90000" tIns="72000" rIns="90000" bIns="72000" rtlCol="0" anchor="ctr"/>
-          <a:lstStyle/>
-          <a:p>
-            <a:pPr marR="0" algn="ctr" defTabSz="914400" eaLnBrk="1" fontAlgn="base" latinLnBrk="0" hangingPunct="1">
-              <a:lnSpc>
-                <a:spcPct val="100000"/>
-              </a:lnSpc>
-              <a:spcBef>
-                <a:spcPct val="50000"/>
-              </a:spcBef>
-              <a:spcAft>
-                <a:spcPct val="0"/>
-              </a:spcAft>
-              <a:buClr>
-                <a:srgbClr val="F0AB00"/>
-              </a:buClr>
-              <a:buSzPct val="80000"/>
-              <a:tabLst/>
-            </a:pPr>
-            <a:r>
-              <a:rPr kumimoji="0" lang="en-US" sz="1400" b="0" i="0" u="none" strike="noStrike" kern="0" cap="none" spc="0" normalizeH="0" baseline="0" dirty="0">
-                <a:ln>
-                  <a:noFill/>
-                </a:ln>
-                <a:effectLst/>
-                <a:uLnTx/>
-                <a:uFillTx/>
-                <a:ea typeface="Arial Unicode MS" pitchFamily="34" charset="-128"/>
-                <a:cs typeface="Arial Unicode MS" pitchFamily="34" charset="-128"/>
-              </a:rPr>
-              <a:t>cgroups</a:t>
-            </a:r>
-          </a:p>
-        </p:txBody>
-      </p:sp>
-      <p:sp>
-        <p:nvSpPr>
-          <p:cNvPr id="27" name="Rectangle: Rounded Corners 26"/>
-          <p:cNvSpPr/>
-          <p:nvPr/>
-        </p:nvSpPr>
-        <p:spPr bwMode="gray">
-          <a:xfrm>
-            <a:off x="3737394" y="4310191"/>
-            <a:ext cx="1312438" cy="285950"/>
-          </a:xfrm>
-          <a:prstGeom prst="roundRect">
-            <a:avLst/>
-          </a:prstGeom>
-          <a:solidFill>
-            <a:schemeClr val="accent5">
-              <a:lumMod val="40000"/>
-              <a:lumOff val="60000"/>
-            </a:schemeClr>
-          </a:solidFill>
-          <a:ln w="6350" algn="ctr">
-            <a:solidFill>
-              <a:schemeClr val="tx1"/>
-            </a:solidFill>
-            <a:miter lim="800000"/>
-            <a:headEnd/>
-            <a:tailEnd/>
-          </a:ln>
-        </p:spPr>
-        <p:txBody>
-          <a:bodyPr lIns="90000" tIns="72000" rIns="90000" bIns="72000" rtlCol="0" anchor="ctr"/>
-          <a:lstStyle/>
-          <a:p>
-            <a:pPr marR="0" algn="ctr" defTabSz="914400" eaLnBrk="1" fontAlgn="base" latinLnBrk="0" hangingPunct="1">
-              <a:lnSpc>
-                <a:spcPct val="100000"/>
-              </a:lnSpc>
-              <a:spcBef>
-                <a:spcPct val="50000"/>
-              </a:spcBef>
-              <a:spcAft>
-                <a:spcPct val="0"/>
-              </a:spcAft>
-              <a:buClr>
-                <a:srgbClr val="F0AB00"/>
-              </a:buClr>
-              <a:buSzPct val="80000"/>
-              <a:tabLst/>
-            </a:pPr>
-            <a:r>
-              <a:rPr kumimoji="0" lang="en-US" sz="1400" b="0" i="0" u="none" strike="noStrike" kern="0" cap="none" spc="0" normalizeH="0" baseline="0" dirty="0">
-                <a:ln>
-                  <a:noFill/>
-                </a:ln>
-                <a:effectLst/>
-                <a:uLnTx/>
-                <a:uFillTx/>
-                <a:ea typeface="Arial Unicode MS" pitchFamily="34" charset="-128"/>
-                <a:cs typeface="Arial Unicode MS" pitchFamily="34" charset="-128"/>
-              </a:rPr>
-              <a:t>capabilities</a:t>
-            </a:r>
-          </a:p>
-        </p:txBody>
-      </p:sp>
-      <p:sp>
-        <p:nvSpPr>
-          <p:cNvPr id="28" name="Rectangle: Rounded Corners 27"/>
-          <p:cNvSpPr/>
-          <p:nvPr/>
-        </p:nvSpPr>
-        <p:spPr bwMode="gray">
-          <a:xfrm>
-            <a:off x="3817669" y="3823337"/>
-            <a:ext cx="1312438" cy="285950"/>
-          </a:xfrm>
-          <a:prstGeom prst="roundRect">
-            <a:avLst/>
-          </a:prstGeom>
-          <a:solidFill>
-            <a:schemeClr val="accent5">
-              <a:lumMod val="40000"/>
-              <a:lumOff val="60000"/>
-            </a:schemeClr>
-          </a:solidFill>
-          <a:ln w="6350" algn="ctr">
-            <a:solidFill>
-              <a:schemeClr val="tx1"/>
-            </a:solidFill>
-            <a:miter lim="800000"/>
-            <a:headEnd/>
-            <a:tailEnd/>
-          </a:ln>
-        </p:spPr>
-        <p:txBody>
-          <a:bodyPr lIns="90000" tIns="72000" rIns="90000" bIns="72000" rtlCol="0" anchor="ctr"/>
-          <a:lstStyle/>
-          <a:p>
-            <a:pPr marR="0" algn="ctr" defTabSz="914400" eaLnBrk="1" fontAlgn="base" latinLnBrk="0" hangingPunct="1">
-              <a:lnSpc>
-                <a:spcPct val="100000"/>
-              </a:lnSpc>
-              <a:spcBef>
-                <a:spcPct val="50000"/>
-              </a:spcBef>
-              <a:spcAft>
-                <a:spcPct val="0"/>
-              </a:spcAft>
-              <a:buClr>
-                <a:srgbClr val="F0AB00"/>
-              </a:buClr>
-              <a:buSzPct val="80000"/>
-              <a:tabLst/>
-            </a:pPr>
-            <a:r>
-              <a:rPr kumimoji="0" lang="en-US" sz="1400" b="0" i="0" u="none" strike="noStrike" kern="0" cap="none" spc="0" normalizeH="0" baseline="0" dirty="0" err="1">
-                <a:ln>
-                  <a:noFill/>
-                </a:ln>
-                <a:effectLst/>
-                <a:uLnTx/>
-                <a:uFillTx/>
-                <a:ea typeface="Arial Unicode MS" pitchFamily="34" charset="-128"/>
-                <a:cs typeface="Arial Unicode MS" pitchFamily="34" charset="-128"/>
-              </a:rPr>
-              <a:t>SELinux</a:t>
-            </a:r>
-            <a:endParaRPr kumimoji="0" lang="en-US" sz="1400" b="0" i="0" u="none" strike="noStrike" kern="0" cap="none" spc="0" normalizeH="0" baseline="0" dirty="0">
-              <a:ln>
-                <a:noFill/>
-              </a:ln>
-              <a:effectLst/>
-              <a:uLnTx/>
-              <a:uFillTx/>
-              <a:ea typeface="Arial Unicode MS" pitchFamily="34" charset="-128"/>
-              <a:cs typeface="Arial Unicode MS" pitchFamily="34" charset="-128"/>
-            </a:endParaRPr>
-          </a:p>
-        </p:txBody>
-      </p:sp>
-      <p:sp>
-        <p:nvSpPr>
-          <p:cNvPr id="29" name="Rectangle: Rounded Corners 28"/>
-          <p:cNvSpPr/>
-          <p:nvPr/>
-        </p:nvSpPr>
-        <p:spPr bwMode="gray">
-          <a:xfrm>
-            <a:off x="3436515" y="4780963"/>
-            <a:ext cx="1312438" cy="285950"/>
-          </a:xfrm>
-          <a:prstGeom prst="roundRect">
-            <a:avLst/>
-          </a:prstGeom>
-          <a:solidFill>
-            <a:schemeClr val="accent5">
-              <a:lumMod val="40000"/>
-              <a:lumOff val="60000"/>
-            </a:schemeClr>
-          </a:solidFill>
-          <a:ln w="6350" algn="ctr">
-            <a:solidFill>
-              <a:schemeClr val="tx1"/>
-            </a:solidFill>
-            <a:miter lim="800000"/>
-            <a:headEnd/>
-            <a:tailEnd/>
-          </a:ln>
-        </p:spPr>
-        <p:txBody>
-          <a:bodyPr lIns="90000" tIns="72000" rIns="90000" bIns="72000" rtlCol="0" anchor="ctr"/>
-          <a:lstStyle/>
-          <a:p>
-            <a:pPr marR="0" algn="ctr" defTabSz="914400" eaLnBrk="1" fontAlgn="base" latinLnBrk="0" hangingPunct="1">
-              <a:lnSpc>
-                <a:spcPct val="100000"/>
-              </a:lnSpc>
-              <a:spcBef>
-                <a:spcPct val="50000"/>
-              </a:spcBef>
-              <a:spcAft>
-                <a:spcPct val="0"/>
-              </a:spcAft>
-              <a:buClr>
-                <a:srgbClr val="F0AB00"/>
-              </a:buClr>
-              <a:buSzPct val="80000"/>
-              <a:tabLst/>
-            </a:pPr>
-            <a:r>
-              <a:rPr kumimoji="0" lang="en-US" sz="1400" b="0" i="0" u="none" strike="noStrike" kern="0" cap="none" spc="0" normalizeH="0" baseline="0" dirty="0" err="1">
-                <a:ln>
-                  <a:noFill/>
-                </a:ln>
-                <a:effectLst/>
-                <a:uLnTx/>
-                <a:uFillTx/>
-                <a:ea typeface="Arial Unicode MS" pitchFamily="34" charset="-128"/>
-                <a:cs typeface="Arial Unicode MS" pitchFamily="34" charset="-128"/>
-              </a:rPr>
-              <a:t>AppArmor</a:t>
-            </a:r>
-            <a:endParaRPr kumimoji="0" lang="en-US" sz="1400" b="0" i="0" u="none" strike="noStrike" kern="0" cap="none" spc="0" normalizeH="0" baseline="0" dirty="0">
-              <a:ln>
-                <a:noFill/>
-              </a:ln>
-              <a:effectLst/>
-              <a:uLnTx/>
-              <a:uFillTx/>
-              <a:ea typeface="Arial Unicode MS" pitchFamily="34" charset="-128"/>
-              <a:cs typeface="Arial Unicode MS" pitchFamily="34" charset="-128"/>
-            </a:endParaRPr>
-          </a:p>
-        </p:txBody>
-      </p:sp>
-      <p:sp>
-        <p:nvSpPr>
-          <p:cNvPr id="31" name="Rectangle: Rounded Corners 30"/>
-          <p:cNvSpPr/>
-          <p:nvPr/>
-        </p:nvSpPr>
-        <p:spPr bwMode="gray">
-          <a:xfrm>
-            <a:off x="2681625" y="3802098"/>
-            <a:ext cx="937074" cy="285950"/>
-          </a:xfrm>
-          <a:prstGeom prst="roundRect">
-            <a:avLst/>
-          </a:prstGeom>
-          <a:solidFill>
-            <a:schemeClr val="accent5">
-              <a:lumMod val="40000"/>
-              <a:lumOff val="60000"/>
-            </a:schemeClr>
-          </a:solidFill>
-          <a:ln w="6350" algn="ctr">
-            <a:solidFill>
-              <a:schemeClr val="tx1"/>
-            </a:solidFill>
-            <a:miter lim="800000"/>
-            <a:headEnd/>
-            <a:tailEnd/>
-          </a:ln>
-        </p:spPr>
-        <p:txBody>
-          <a:bodyPr lIns="90000" tIns="72000" rIns="90000" bIns="72000" rtlCol="0" anchor="ctr"/>
-          <a:lstStyle/>
-          <a:p>
-            <a:pPr marR="0" algn="ctr" defTabSz="914400" eaLnBrk="1" fontAlgn="base" latinLnBrk="0" hangingPunct="1">
-              <a:lnSpc>
-                <a:spcPct val="100000"/>
-              </a:lnSpc>
-              <a:spcBef>
-                <a:spcPct val="50000"/>
-              </a:spcBef>
-              <a:spcAft>
-                <a:spcPct val="0"/>
-              </a:spcAft>
-              <a:buClr>
-                <a:srgbClr val="F0AB00"/>
-              </a:buClr>
-              <a:buSzPct val="80000"/>
-              <a:tabLst/>
-            </a:pPr>
-            <a:r>
-              <a:rPr kumimoji="0" lang="en-US" sz="1400" b="0" i="0" u="none" strike="noStrike" kern="0" cap="none" spc="0" normalizeH="0" baseline="0" dirty="0" err="1">
-                <a:ln>
-                  <a:noFill/>
-                </a:ln>
-                <a:effectLst/>
-                <a:uLnTx/>
-                <a:uFillTx/>
-                <a:ea typeface="Arial Unicode MS" pitchFamily="34" charset="-128"/>
-                <a:cs typeface="Arial Unicode MS" pitchFamily="34" charset="-128"/>
-              </a:rPr>
-              <a:t>Netlink</a:t>
-            </a:r>
-            <a:endParaRPr kumimoji="0" lang="en-US" sz="1400" b="0" i="0" u="none" strike="noStrike" kern="0" cap="none" spc="0" normalizeH="0" baseline="0" dirty="0">
-              <a:ln>
-                <a:noFill/>
-              </a:ln>
-              <a:effectLst/>
-              <a:uLnTx/>
-              <a:uFillTx/>
-              <a:ea typeface="Arial Unicode MS" pitchFamily="34" charset="-128"/>
-              <a:cs typeface="Arial Unicode MS" pitchFamily="34" charset="-128"/>
-            </a:endParaRPr>
-          </a:p>
-        </p:txBody>
-      </p:sp>
-      <p:sp>
-        <p:nvSpPr>
-          <p:cNvPr id="32" name="Text Placeholder 10"/>
-          <p:cNvSpPr txBox="1">
-            <a:spLocks/>
-          </p:cNvSpPr>
-          <p:nvPr/>
-        </p:nvSpPr>
-        <p:spPr bwMode="gray">
-          <a:xfrm>
-            <a:off x="6203454" y="1620000"/>
-            <a:ext cx="5487021" cy="4707648"/>
-          </a:xfrm>
-          <a:prstGeom prst="rect">
-            <a:avLst/>
-          </a:prstGeom>
-        </p:spPr>
-        <p:txBody>
-          <a:bodyPr vert="horz" lIns="0" tIns="0" rIns="0" bIns="0" rtlCol="0">
-            <a:noAutofit/>
-          </a:bodyPr>
-          <a:lstStyle>
-            <a:lvl1pPr marL="0" indent="0" algn="l" defTabSz="1088558" rtl="0" eaLnBrk="1" latinLnBrk="0" hangingPunct="1">
-              <a:spcBef>
-                <a:spcPts val="1800"/>
-              </a:spcBef>
-              <a:buClr>
-                <a:schemeClr val="accent1"/>
-              </a:buClr>
-              <a:buSzPct val="80000"/>
-              <a:buFontTx/>
-              <a:buNone/>
-              <a:defRPr sz="2000" b="0" kern="1200">
-                <a:solidFill>
-                  <a:schemeClr val="tx1"/>
-                </a:solidFill>
-                <a:latin typeface="+mn-lt"/>
-                <a:ea typeface="+mn-ea"/>
-                <a:cs typeface="+mn-cs"/>
-              </a:defRPr>
-            </a:lvl1pPr>
-            <a:lvl2pPr marL="179964" indent="-179964" algn="l" defTabSz="1088558" rtl="0" eaLnBrk="1" latinLnBrk="0" hangingPunct="1">
-              <a:spcBef>
-                <a:spcPts val="600"/>
-              </a:spcBef>
-              <a:buClr>
-                <a:schemeClr val="accent1"/>
-              </a:buClr>
-              <a:buSzPct val="100000"/>
-              <a:buFont typeface="Wingdings" pitchFamily="2" charset="2"/>
-              <a:buChar char="§"/>
-              <a:defRPr sz="1800" kern="1200">
-                <a:solidFill>
-                  <a:schemeClr val="tx1"/>
-                </a:solidFill>
-                <a:latin typeface="+mn-lt"/>
-                <a:ea typeface="+mn-ea"/>
-                <a:cs typeface="+mn-cs"/>
-              </a:defRPr>
-            </a:lvl2pPr>
-            <a:lvl3pPr marL="358775" indent="-179388" algn="l" defTabSz="1088558" rtl="0" eaLnBrk="1" latinLnBrk="0" hangingPunct="1">
-              <a:spcBef>
-                <a:spcPts val="300"/>
-              </a:spcBef>
-              <a:buClr>
-                <a:schemeClr val="tx1"/>
-              </a:buClr>
-              <a:buSzPct val="100000"/>
-              <a:buFont typeface="Arial" panose="020B0604020202020204" pitchFamily="34" charset="0"/>
-              <a:buChar char="–"/>
-              <a:defRPr lang="en-US" sz="1800" kern="1200" noProof="0" dirty="0" smtClean="0">
-                <a:solidFill>
-                  <a:schemeClr val="tx1"/>
-                </a:solidFill>
-                <a:latin typeface="+mn-lt"/>
-                <a:ea typeface="+mn-ea"/>
-                <a:cs typeface="+mn-cs"/>
-              </a:defRPr>
-            </a:lvl3pPr>
-            <a:lvl4pPr marL="539892" indent="-179964" algn="l" defTabSz="1088558" rtl="0" eaLnBrk="1" latinLnBrk="0" hangingPunct="1">
-              <a:spcBef>
-                <a:spcPts val="300"/>
-              </a:spcBef>
-              <a:buClr>
-                <a:schemeClr val="tx1"/>
-              </a:buClr>
-              <a:buSzPct val="120000"/>
-              <a:buFont typeface="Arial" pitchFamily="34" charset="0"/>
-              <a:buChar char="▫"/>
-              <a:defRPr sz="1600" kern="1200">
-                <a:solidFill>
-                  <a:schemeClr val="tx1"/>
-                </a:solidFill>
-                <a:latin typeface="+mn-lt"/>
-                <a:ea typeface="+mn-ea"/>
-                <a:cs typeface="+mn-cs"/>
-              </a:defRPr>
-            </a:lvl4pPr>
-            <a:lvl5pPr marL="719856" indent="-179964" algn="l" defTabSz="1088558" rtl="0" eaLnBrk="1" latinLnBrk="0" hangingPunct="1">
-              <a:spcBef>
-                <a:spcPts val="100"/>
-              </a:spcBef>
-              <a:buClr>
-                <a:schemeClr val="tx1"/>
-              </a:buClr>
-              <a:buSzPct val="100000"/>
-              <a:buFont typeface="Symbol" panose="05050102010706020507" pitchFamily="18" charset="2"/>
-              <a:buChar char="-"/>
-              <a:defRPr sz="1400" kern="1200" baseline="0">
-                <a:solidFill>
-                  <a:schemeClr val="tx1"/>
-                </a:solidFill>
-                <a:latin typeface="+mn-lt"/>
-                <a:ea typeface="+mn-ea"/>
-                <a:cs typeface="+mn-cs"/>
-              </a:defRPr>
-            </a:lvl5pPr>
-            <a:lvl6pPr marL="2993535" indent="-272140" algn="l" defTabSz="1088558" rtl="0" eaLnBrk="1" latinLnBrk="0" hangingPunct="1">
-              <a:spcBef>
-                <a:spcPct val="20000"/>
-              </a:spcBef>
-              <a:buFont typeface="Arial" pitchFamily="34" charset="0"/>
-              <a:buChar char="•"/>
-              <a:defRPr sz="2400" kern="1200">
-                <a:solidFill>
-                  <a:schemeClr val="tx1"/>
-                </a:solidFill>
-                <a:latin typeface="+mn-lt"/>
-                <a:ea typeface="+mn-ea"/>
-                <a:cs typeface="+mn-cs"/>
-              </a:defRPr>
-            </a:lvl6pPr>
-            <a:lvl7pPr marL="3537814" indent="-272140" algn="l" defTabSz="1088558" rtl="0" eaLnBrk="1" latinLnBrk="0" hangingPunct="1">
-              <a:spcBef>
-                <a:spcPct val="20000"/>
-              </a:spcBef>
-              <a:buFont typeface="Arial" pitchFamily="34" charset="0"/>
-              <a:buChar char="•"/>
-              <a:defRPr sz="2400" kern="1200">
-                <a:solidFill>
-                  <a:schemeClr val="tx1"/>
-                </a:solidFill>
-                <a:latin typeface="+mn-lt"/>
-                <a:ea typeface="+mn-ea"/>
-                <a:cs typeface="+mn-cs"/>
-              </a:defRPr>
-            </a:lvl7pPr>
-            <a:lvl8pPr marL="4082093" indent="-272140" algn="l" defTabSz="1088558" rtl="0" eaLnBrk="1" latinLnBrk="0" hangingPunct="1">
-              <a:spcBef>
-                <a:spcPct val="20000"/>
-              </a:spcBef>
-              <a:buFont typeface="Arial" pitchFamily="34" charset="0"/>
-              <a:buChar char="•"/>
-              <a:defRPr sz="2400" kern="1200">
-                <a:solidFill>
-                  <a:schemeClr val="tx1"/>
-                </a:solidFill>
-                <a:latin typeface="+mn-lt"/>
-                <a:ea typeface="+mn-ea"/>
-                <a:cs typeface="+mn-cs"/>
-              </a:defRPr>
-            </a:lvl8pPr>
-            <a:lvl9pPr marL="4626373" indent="-272140" algn="l" defTabSz="1088558" rtl="0" eaLnBrk="1" latinLnBrk="0" hangingPunct="1">
-              <a:spcBef>
-                <a:spcPct val="20000"/>
-              </a:spcBef>
-              <a:buFont typeface="Arial" pitchFamily="34" charset="0"/>
-              <a:buChar char="•"/>
-              <a:defRPr sz="2400" kern="1200">
-                <a:solidFill>
-                  <a:schemeClr val="tx1"/>
-                </a:solidFill>
-                <a:latin typeface="+mn-lt"/>
-                <a:ea typeface="+mn-ea"/>
-                <a:cs typeface="+mn-cs"/>
-              </a:defRPr>
-            </a:lvl9pPr>
-          </a:lstStyle>
-          <a:p>
-            <a:pPr>
-              <a:spcBef>
-                <a:spcPts val="1200"/>
-              </a:spcBef>
-            </a:pPr>
-            <a:r>
-              <a:rPr lang="en-US" sz="1400" dirty="0"/>
-              <a:t>Namespaces</a:t>
-            </a:r>
-          </a:p>
-          <a:p>
-            <a:pPr lvl="1">
-              <a:spcBef>
-                <a:spcPts val="300"/>
-              </a:spcBef>
-            </a:pPr>
-            <a:r>
-              <a:rPr lang="en-US" sz="1200" dirty="0"/>
-              <a:t>Isolation of resources per process</a:t>
-            </a:r>
-          </a:p>
-          <a:p>
-            <a:pPr lvl="1">
-              <a:spcBef>
-                <a:spcPts val="300"/>
-              </a:spcBef>
-            </a:pPr>
-            <a:r>
-              <a:rPr lang="en-US" sz="1200" dirty="0"/>
-              <a:t>7 different namespaces</a:t>
-            </a:r>
-          </a:p>
-          <a:p>
-            <a:pPr>
-              <a:spcBef>
-                <a:spcPts val="1200"/>
-              </a:spcBef>
-            </a:pPr>
-            <a:r>
-              <a:rPr lang="en-US" sz="1400" dirty="0" err="1"/>
-              <a:t>netfilter</a:t>
-            </a:r>
-            <a:endParaRPr lang="en-US" sz="1400" dirty="0"/>
-          </a:p>
-          <a:p>
-            <a:pPr lvl="1">
-              <a:spcBef>
-                <a:spcPts val="300"/>
-              </a:spcBef>
-            </a:pPr>
-            <a:r>
-              <a:rPr lang="en-US" sz="1200" dirty="0"/>
-              <a:t>Firewall and packet manipulation</a:t>
-            </a:r>
-          </a:p>
-          <a:p>
-            <a:pPr>
-              <a:spcBef>
-                <a:spcPts val="1200"/>
-              </a:spcBef>
-            </a:pPr>
-            <a:r>
-              <a:rPr lang="en-US" sz="1400" dirty="0"/>
-              <a:t>cgroups</a:t>
-            </a:r>
-          </a:p>
-          <a:p>
-            <a:pPr lvl="1">
-              <a:spcBef>
-                <a:spcPts val="300"/>
-              </a:spcBef>
-            </a:pPr>
-            <a:r>
-              <a:rPr lang="en-US" sz="1200" dirty="0"/>
-              <a:t>Manage resource allocation</a:t>
-            </a:r>
-          </a:p>
-          <a:p>
-            <a:pPr>
-              <a:spcBef>
-                <a:spcPts val="1200"/>
-              </a:spcBef>
-            </a:pPr>
-            <a:r>
-              <a:rPr lang="en-US" sz="1400" dirty="0" err="1"/>
-              <a:t>Netlink</a:t>
-            </a:r>
-            <a:endParaRPr lang="en-US" sz="1400" dirty="0"/>
-          </a:p>
-          <a:p>
-            <a:pPr lvl="1">
-              <a:spcBef>
-                <a:spcPts val="300"/>
-              </a:spcBef>
-            </a:pPr>
-            <a:r>
-              <a:rPr lang="en-US" sz="1200" dirty="0" err="1"/>
-              <a:t>Interprocess</a:t>
-            </a:r>
-            <a:r>
-              <a:rPr lang="en-US" sz="1200" dirty="0"/>
-              <a:t> communication between containers</a:t>
-            </a:r>
-          </a:p>
-          <a:p>
-            <a:pPr>
-              <a:spcBef>
-                <a:spcPts val="1200"/>
-              </a:spcBef>
-            </a:pPr>
-            <a:r>
-              <a:rPr lang="en-US" sz="1400" dirty="0" err="1"/>
-              <a:t>SELinux</a:t>
-            </a:r>
-            <a:r>
-              <a:rPr lang="en-US" sz="1400" dirty="0"/>
-              <a:t>/</a:t>
-            </a:r>
-            <a:r>
-              <a:rPr lang="en-US" sz="1400" dirty="0" err="1"/>
-              <a:t>AppArmor</a:t>
-            </a:r>
-            <a:endParaRPr lang="en-US" sz="1400" dirty="0"/>
-          </a:p>
-          <a:p>
-            <a:pPr lvl="1">
-              <a:spcBef>
-                <a:spcPts val="300"/>
-              </a:spcBef>
-            </a:pPr>
-            <a:r>
-              <a:rPr lang="en-US" sz="1200" dirty="0"/>
-              <a:t>Security profiles to govern access to resources</a:t>
-            </a:r>
-          </a:p>
-          <a:p>
-            <a:pPr>
-              <a:spcBef>
-                <a:spcPts val="1200"/>
-              </a:spcBef>
-            </a:pPr>
-            <a:r>
-              <a:rPr lang="en-US" sz="1400" dirty="0"/>
-              <a:t>capabilities</a:t>
-            </a:r>
-          </a:p>
-          <a:p>
-            <a:pPr lvl="1">
-              <a:spcBef>
-                <a:spcPts val="300"/>
-              </a:spcBef>
-            </a:pPr>
-            <a:r>
-              <a:rPr lang="en-US" sz="1200" dirty="0"/>
-              <a:t>Granular control of privileges</a:t>
-            </a:r>
-          </a:p>
-          <a:p>
-            <a:pPr>
-              <a:spcBef>
-                <a:spcPts val="1200"/>
-              </a:spcBef>
-            </a:pPr>
-            <a:r>
-              <a:rPr lang="en-US" sz="1400" dirty="0" err="1"/>
-              <a:t>seccomp</a:t>
-            </a:r>
-            <a:endParaRPr lang="en-US" sz="1400" dirty="0"/>
-          </a:p>
-          <a:p>
-            <a:pPr lvl="1">
-              <a:spcBef>
-                <a:spcPts val="300"/>
-              </a:spcBef>
-            </a:pPr>
-            <a:r>
-              <a:rPr lang="en-US" sz="1200" dirty="0"/>
-              <a:t>Limitation of </a:t>
-            </a:r>
-            <a:r>
-              <a:rPr lang="en-US" sz="1200" dirty="0" err="1"/>
-              <a:t>syscalls</a:t>
-            </a:r>
-            <a:r>
-              <a:rPr lang="en-US" sz="1200" dirty="0"/>
-              <a:t> to processes</a:t>
-            </a:r>
-          </a:p>
-        </p:txBody>
-      </p:sp>
-      <p:sp>
-        <p:nvSpPr>
-          <p:cNvPr id="24" name="Rectangle: Rounded Corners 23"/>
-          <p:cNvSpPr/>
-          <p:nvPr/>
-        </p:nvSpPr>
-        <p:spPr bwMode="gray">
-          <a:xfrm>
-            <a:off x="2642165" y="4252513"/>
-            <a:ext cx="937074" cy="285950"/>
-          </a:xfrm>
-          <a:prstGeom prst="roundRect">
-            <a:avLst/>
-          </a:prstGeom>
-          <a:solidFill>
-            <a:schemeClr val="accent5">
-              <a:lumMod val="40000"/>
-              <a:lumOff val="60000"/>
-            </a:schemeClr>
-          </a:solidFill>
-          <a:ln w="6350" algn="ctr">
-            <a:solidFill>
-              <a:schemeClr val="tx1"/>
-            </a:solidFill>
-            <a:miter lim="800000"/>
-            <a:headEnd/>
-            <a:tailEnd/>
-          </a:ln>
-        </p:spPr>
-        <p:txBody>
-          <a:bodyPr lIns="90000" tIns="72000" rIns="90000" bIns="72000" rtlCol="0" anchor="ctr"/>
-          <a:lstStyle/>
-          <a:p>
-            <a:pPr marR="0" algn="ctr" defTabSz="914400" eaLnBrk="1" fontAlgn="base" latinLnBrk="0" hangingPunct="1">
-              <a:lnSpc>
-                <a:spcPct val="100000"/>
-              </a:lnSpc>
-              <a:spcBef>
-                <a:spcPct val="50000"/>
-              </a:spcBef>
-              <a:spcAft>
-                <a:spcPct val="0"/>
-              </a:spcAft>
-              <a:buClr>
-                <a:srgbClr val="F0AB00"/>
-              </a:buClr>
-              <a:buSzPct val="80000"/>
-              <a:tabLst/>
-            </a:pPr>
-            <a:r>
-              <a:rPr kumimoji="0" lang="en-US" sz="1400" b="0" i="0" u="none" strike="noStrike" kern="0" cap="none" spc="0" normalizeH="0" baseline="0" dirty="0">
-                <a:ln>
-                  <a:noFill/>
-                </a:ln>
-                <a:effectLst/>
-                <a:uLnTx/>
-                <a:uFillTx/>
-                <a:ea typeface="Arial Unicode MS" pitchFamily="34" charset="-128"/>
-                <a:cs typeface="Arial Unicode MS" pitchFamily="34" charset="-128"/>
-              </a:rPr>
-              <a:t>seccomp</a:t>
-            </a:r>
-          </a:p>
-        </p:txBody>
-      </p:sp>
-    </p:spTree>
-    <p:extLst>
-      <p:ext uri="{BB962C8B-B14F-4D97-AF65-F5344CB8AC3E}">
-        <p14:creationId xmlns:p14="http://schemas.microsoft.com/office/powerpoint/2010/main" val="2524894991"/>
-      </p:ext>
-    </p:extLst>
-  </p:cSld>
-  <p:clrMapOvr>
-    <a:masterClrMapping/>
-  </p:clrMapOvr>
 </p:sld>
 </file>
 
@@ -26458,6 +28944,94 @@
       </p:grpSpPr>
       <p:sp>
         <p:nvSpPr>
+          <p:cNvPr id="4" name="Title 3">
+            <a:extLst>
+              <a:ext uri="{FF2B5EF4-FFF2-40B4-BE49-F238E27FC236}">
+                <a16:creationId xmlns:a16="http://schemas.microsoft.com/office/drawing/2014/main" id="{96BEB1A8-C9D3-4723-A64F-42E02E22325A}"/>
+              </a:ext>
+            </a:extLst>
+          </p:cNvPr>
+          <p:cNvSpPr>
+            <a:spLocks noGrp="1"/>
+          </p:cNvSpPr>
+          <p:nvPr>
+            <p:ph type="title"/>
+          </p:nvPr>
+        </p:nvSpPr>
+        <p:spPr/>
+        <p:txBody>
+          <a:bodyPr/>
+          <a:lstStyle/>
+          <a:p>
+            <a:r>
+              <a:rPr lang="en-US" dirty="0"/>
+              <a:t>Demo</a:t>
+            </a:r>
+          </a:p>
+        </p:txBody>
+      </p:sp>
+      <p:pic>
+        <p:nvPicPr>
+          <p:cNvPr id="6" name="Picture 5">
+            <a:extLst>
+              <a:ext uri="{FF2B5EF4-FFF2-40B4-BE49-F238E27FC236}">
+                <a16:creationId xmlns:a16="http://schemas.microsoft.com/office/drawing/2014/main" id="{8D1ACC5F-52FE-4C32-9E61-49F09FCEB59D}"/>
+              </a:ext>
+            </a:extLst>
+          </p:cNvPr>
+          <p:cNvPicPr>
+            <a:picLocks noChangeAspect="1"/>
+          </p:cNvPicPr>
+          <p:nvPr/>
+        </p:nvPicPr>
+        <p:blipFill>
+          <a:blip r:embed="rId3"/>
+          <a:stretch>
+            <a:fillRect/>
+          </a:stretch>
+        </p:blipFill>
+        <p:spPr>
+          <a:xfrm>
+            <a:off x="4521420" y="1853181"/>
+            <a:ext cx="3151638" cy="3151638"/>
+          </a:xfrm>
+          <a:prstGeom prst="rect">
+            <a:avLst/>
+          </a:prstGeom>
+        </p:spPr>
+      </p:pic>
+    </p:spTree>
+    <p:extLst>
+      <p:ext uri="{BB962C8B-B14F-4D97-AF65-F5344CB8AC3E}">
+        <p14:creationId xmlns:p14="http://schemas.microsoft.com/office/powerpoint/2010/main" val="1772935905"/>
+      </p:ext>
+    </p:extLst>
+  </p:cSld>
+  <p:clrMapOvr>
+    <a:masterClrMapping/>
+  </p:clrMapOvr>
+</p:sld>
+</file>
+
+<file path=ppt/slides/slide6.xml><?xml version="1.0" encoding="utf-8"?>
+<p:sld xmlns:a="http://schemas.openxmlformats.org/drawingml/2006/main" xmlns:r="http://schemas.openxmlformats.org/officeDocument/2006/relationships" xmlns:p="http://schemas.openxmlformats.org/presentationml/2006/main">
+  <p:cSld>
+    <p:spTree>
+      <p:nvGrpSpPr>
+        <p:cNvPr id="1" name=""/>
+        <p:cNvGrpSpPr/>
+        <p:nvPr/>
+      </p:nvGrpSpPr>
+      <p:grpSpPr>
+        <a:xfrm>
+          <a:off x="0" y="0"/>
+          <a:ext cx="0" cy="0"/>
+          <a:chOff x="0" y="0"/>
+          <a:chExt cx="0" cy="0"/>
+        </a:xfrm>
+      </p:grpSpPr>
+      <p:sp>
+        <p:nvSpPr>
           <p:cNvPr id="88" name="Arrow: Pentagon 87">
             <a:extLst>
               <a:ext uri="{FF2B5EF4-FFF2-40B4-BE49-F238E27FC236}">
@@ -28268,7 +30842,95 @@
 </p:sld>
 </file>
 
-<file path=ppt/slides/slide6.xml><?xml version="1.0" encoding="utf-8"?>
+<file path=ppt/slides/slide7.xml><?xml version="1.0" encoding="utf-8"?>
+<p:sld xmlns:a="http://schemas.openxmlformats.org/drawingml/2006/main" xmlns:r="http://schemas.openxmlformats.org/officeDocument/2006/relationships" xmlns:p="http://schemas.openxmlformats.org/presentationml/2006/main">
+  <p:cSld>
+    <p:spTree>
+      <p:nvGrpSpPr>
+        <p:cNvPr id="1" name=""/>
+        <p:cNvGrpSpPr/>
+        <p:nvPr/>
+      </p:nvGrpSpPr>
+      <p:grpSpPr>
+        <a:xfrm>
+          <a:off x="0" y="0"/>
+          <a:ext cx="0" cy="0"/>
+          <a:chOff x="0" y="0"/>
+          <a:chExt cx="0" cy="0"/>
+        </a:xfrm>
+      </p:grpSpPr>
+      <p:sp>
+        <p:nvSpPr>
+          <p:cNvPr id="4" name="Title 3">
+            <a:extLst>
+              <a:ext uri="{FF2B5EF4-FFF2-40B4-BE49-F238E27FC236}">
+                <a16:creationId xmlns:a16="http://schemas.microsoft.com/office/drawing/2014/main" id="{96BEB1A8-C9D3-4723-A64F-42E02E22325A}"/>
+              </a:ext>
+            </a:extLst>
+          </p:cNvPr>
+          <p:cNvSpPr>
+            <a:spLocks noGrp="1"/>
+          </p:cNvSpPr>
+          <p:nvPr>
+            <p:ph type="title"/>
+          </p:nvPr>
+        </p:nvSpPr>
+        <p:spPr/>
+        <p:txBody>
+          <a:bodyPr/>
+          <a:lstStyle/>
+          <a:p>
+            <a:r>
+              <a:rPr lang="en-US" dirty="0"/>
+              <a:t>Demo</a:t>
+            </a:r>
+          </a:p>
+        </p:txBody>
+      </p:sp>
+      <p:pic>
+        <p:nvPicPr>
+          <p:cNvPr id="6" name="Picture 5">
+            <a:extLst>
+              <a:ext uri="{FF2B5EF4-FFF2-40B4-BE49-F238E27FC236}">
+                <a16:creationId xmlns:a16="http://schemas.microsoft.com/office/drawing/2014/main" id="{8D1ACC5F-52FE-4C32-9E61-49F09FCEB59D}"/>
+              </a:ext>
+            </a:extLst>
+          </p:cNvPr>
+          <p:cNvPicPr>
+            <a:picLocks noChangeAspect="1"/>
+          </p:cNvPicPr>
+          <p:nvPr/>
+        </p:nvPicPr>
+        <p:blipFill>
+          <a:blip r:embed="rId3"/>
+          <a:stretch>
+            <a:fillRect/>
+          </a:stretch>
+        </p:blipFill>
+        <p:spPr>
+          <a:xfrm>
+            <a:off x="4521420" y="1853181"/>
+            <a:ext cx="3151638" cy="3151638"/>
+          </a:xfrm>
+          <a:prstGeom prst="rect">
+            <a:avLst/>
+          </a:prstGeom>
+        </p:spPr>
+      </p:pic>
+    </p:spTree>
+    <p:extLst>
+      <p:ext uri="{BB962C8B-B14F-4D97-AF65-F5344CB8AC3E}">
+        <p14:creationId xmlns:p14="http://schemas.microsoft.com/office/powerpoint/2010/main" val="3547303505"/>
+      </p:ext>
+    </p:extLst>
+  </p:cSld>
+  <p:clrMapOvr>
+    <a:masterClrMapping/>
+  </p:clrMapOvr>
+</p:sld>
+</file>
+
+<file path=ppt/slides/slide8.xml><?xml version="1.0" encoding="utf-8"?>
 <p:sld xmlns:a="http://schemas.openxmlformats.org/drawingml/2006/main" xmlns:r="http://schemas.openxmlformats.org/officeDocument/2006/relationships" xmlns:p="http://schemas.openxmlformats.org/presentationml/2006/main">
   <p:cSld>
     <p:spTree>
@@ -29070,816 +31732,7 @@
 </p:sld>
 </file>
 
-<file path=ppt/slides/slide7.xml><?xml version="1.0" encoding="utf-8"?>
-<p:sld xmlns:a="http://schemas.openxmlformats.org/drawingml/2006/main" xmlns:r="http://schemas.openxmlformats.org/officeDocument/2006/relationships" xmlns:p="http://schemas.openxmlformats.org/presentationml/2006/main">
-  <p:cSld>
-    <p:spTree>
-      <p:nvGrpSpPr>
-        <p:cNvPr id="1" name=""/>
-        <p:cNvGrpSpPr/>
-        <p:nvPr/>
-      </p:nvGrpSpPr>
-      <p:grpSpPr>
-        <a:xfrm>
-          <a:off x="0" y="0"/>
-          <a:ext cx="0" cy="0"/>
-          <a:chOff x="0" y="0"/>
-          <a:chExt cx="0" cy="0"/>
-        </a:xfrm>
-      </p:grpSpPr>
-      <p:pic>
-        <p:nvPicPr>
-          <p:cNvPr id="25" name="Picture 24">
-            <a:extLst>
-              <a:ext uri="{FF2B5EF4-FFF2-40B4-BE49-F238E27FC236}">
-                <a16:creationId xmlns:a16="http://schemas.microsoft.com/office/drawing/2014/main" id="{99A87AAD-6E1D-403D-95A3-44EA65D7AC88}"/>
-              </a:ext>
-            </a:extLst>
-          </p:cNvPr>
-          <p:cNvPicPr>
-            <a:picLocks noChangeAspect="1"/>
-          </p:cNvPicPr>
-          <p:nvPr/>
-        </p:nvPicPr>
-        <p:blipFill>
-          <a:blip r:embed="rId3"/>
-          <a:stretch>
-            <a:fillRect/>
-          </a:stretch>
-        </p:blipFill>
-        <p:spPr>
-          <a:xfrm>
-            <a:off x="4403725" y="3161502"/>
-            <a:ext cx="858837" cy="858837"/>
-          </a:xfrm>
-          <a:prstGeom prst="rect">
-            <a:avLst/>
-          </a:prstGeom>
-        </p:spPr>
-      </p:pic>
-      <p:sp>
-        <p:nvSpPr>
-          <p:cNvPr id="18" name="Arrow: Down 17">
-            <a:extLst>
-              <a:ext uri="{FF2B5EF4-FFF2-40B4-BE49-F238E27FC236}">
-                <a16:creationId xmlns:a16="http://schemas.microsoft.com/office/drawing/2014/main" id="{CC11B2ED-3DAC-4BF2-AE25-6BDB2CB265BF}"/>
-              </a:ext>
-            </a:extLst>
-          </p:cNvPr>
-          <p:cNvSpPr/>
-          <p:nvPr/>
-        </p:nvSpPr>
-        <p:spPr bwMode="gray">
-          <a:xfrm>
-            <a:off x="742951" y="2343150"/>
-            <a:ext cx="1543050" cy="2495549"/>
-          </a:xfrm>
-          <a:prstGeom prst="downArrow">
-            <a:avLst/>
-          </a:prstGeom>
-          <a:solidFill>
-            <a:schemeClr val="accent3">
-              <a:lumMod val="50000"/>
-            </a:schemeClr>
-          </a:solidFill>
-          <a:ln w="6350" algn="ctr">
-            <a:noFill/>
-            <a:miter lim="800000"/>
-            <a:headEnd/>
-            <a:tailEnd/>
-          </a:ln>
-        </p:spPr>
-        <p:txBody>
-          <a:bodyPr vert="vert270" lIns="90000" tIns="72000" rIns="90000" bIns="72000" rtlCol="0" anchor="ctr"/>
-          <a:lstStyle/>
-          <a:p>
-            <a:pPr marR="0" algn="ctr" defTabSz="914400" eaLnBrk="1" fontAlgn="base" latinLnBrk="0" hangingPunct="1">
-              <a:lnSpc>
-                <a:spcPct val="100000"/>
-              </a:lnSpc>
-              <a:spcBef>
-                <a:spcPct val="50000"/>
-              </a:spcBef>
-              <a:spcAft>
-                <a:spcPct val="0"/>
-              </a:spcAft>
-              <a:buClr>
-                <a:srgbClr val="F0AB00"/>
-              </a:buClr>
-              <a:buSzPct val="80000"/>
-              <a:tabLst/>
-            </a:pPr>
-            <a:r>
-              <a:rPr kumimoji="0" lang="en-US" sz="1800" b="1" i="1" u="none" strike="noStrike" kern="0" cap="none" spc="0" normalizeH="0" baseline="0" noProof="0" dirty="0">
-                <a:ln>
-                  <a:noFill/>
-                </a:ln>
-                <a:solidFill>
-                  <a:schemeClr val="bg1"/>
-                </a:solidFill>
-                <a:effectLst/>
-                <a:uLnTx/>
-                <a:uFillTx/>
-                <a:ea typeface="Arial Unicode MS" pitchFamily="34" charset="-128"/>
-                <a:cs typeface="Arial Unicode MS" pitchFamily="34" charset="-128"/>
-              </a:rPr>
-              <a:t>system calls</a:t>
-            </a:r>
-          </a:p>
-        </p:txBody>
-      </p:sp>
-      <p:sp>
-        <p:nvSpPr>
-          <p:cNvPr id="4" name="Title 3">
-            <a:extLst>
-              <a:ext uri="{FF2B5EF4-FFF2-40B4-BE49-F238E27FC236}">
-                <a16:creationId xmlns:a16="http://schemas.microsoft.com/office/drawing/2014/main" id="{645B76E8-EDF1-4BBF-A073-4675DBA6C45F}"/>
-              </a:ext>
-            </a:extLst>
-          </p:cNvPr>
-          <p:cNvSpPr>
-            <a:spLocks noGrp="1"/>
-          </p:cNvSpPr>
-          <p:nvPr>
-            <p:ph type="title"/>
-          </p:nvPr>
-        </p:nvSpPr>
-        <p:spPr/>
-        <p:txBody>
-          <a:bodyPr/>
-          <a:lstStyle/>
-          <a:p>
-            <a:r>
-              <a:rPr lang="en-US" dirty="0"/>
-              <a:t>Container security with </a:t>
-            </a:r>
-            <a:r>
-              <a:rPr lang="en-US" i="1" dirty="0"/>
-              <a:t>seccomp</a:t>
-            </a:r>
-          </a:p>
-        </p:txBody>
-      </p:sp>
-      <p:sp>
-        <p:nvSpPr>
-          <p:cNvPr id="2" name="Rectangle 1">
-            <a:extLst>
-              <a:ext uri="{FF2B5EF4-FFF2-40B4-BE49-F238E27FC236}">
-                <a16:creationId xmlns:a16="http://schemas.microsoft.com/office/drawing/2014/main" id="{59BE13B4-5794-4F31-A825-3747FA8625A8}"/>
-              </a:ext>
-            </a:extLst>
-          </p:cNvPr>
-          <p:cNvSpPr/>
-          <p:nvPr/>
-        </p:nvSpPr>
-        <p:spPr bwMode="gray">
-          <a:xfrm>
-            <a:off x="619126" y="4838700"/>
-            <a:ext cx="4572000" cy="647700"/>
-          </a:xfrm>
-          <a:prstGeom prst="rect">
-            <a:avLst/>
-          </a:prstGeom>
-          <a:solidFill>
-            <a:schemeClr val="tx1"/>
-          </a:solidFill>
-          <a:ln w="6350" algn="ctr">
-            <a:noFill/>
-            <a:miter lim="800000"/>
-            <a:headEnd/>
-            <a:tailEnd/>
-          </a:ln>
-        </p:spPr>
-        <p:txBody>
-          <a:bodyPr lIns="90000" tIns="72000" rIns="90000" bIns="72000" rtlCol="0" anchor="ctr"/>
-          <a:lstStyle/>
-          <a:p>
-            <a:pPr marR="0" algn="ctr" defTabSz="914400" eaLnBrk="1" fontAlgn="base" latinLnBrk="0" hangingPunct="1">
-              <a:lnSpc>
-                <a:spcPct val="100000"/>
-              </a:lnSpc>
-              <a:spcBef>
-                <a:spcPct val="50000"/>
-              </a:spcBef>
-              <a:spcAft>
-                <a:spcPct val="0"/>
-              </a:spcAft>
-              <a:buClr>
-                <a:srgbClr val="F0AB00"/>
-              </a:buClr>
-              <a:buSzPct val="80000"/>
-              <a:tabLst/>
-            </a:pPr>
-            <a:r>
-              <a:rPr kumimoji="0" lang="en-US" sz="2800" b="0" i="0" u="none" strike="noStrike" kern="0" cap="none" spc="0" normalizeH="0" baseline="0" noProof="0" dirty="0">
-                <a:ln>
-                  <a:noFill/>
-                </a:ln>
-                <a:solidFill>
-                  <a:schemeClr val="bg1"/>
-                </a:solidFill>
-                <a:effectLst/>
-                <a:uLnTx/>
-                <a:uFillTx/>
-                <a:latin typeface="Arial Black" panose="020B0A04020102020204" pitchFamily="34" charset="0"/>
-                <a:ea typeface="Arial Unicode MS" pitchFamily="34" charset="-128"/>
-                <a:cs typeface="Arial Unicode MS" pitchFamily="34" charset="-128"/>
-              </a:rPr>
-              <a:t>Kernel</a:t>
-            </a:r>
-            <a:endParaRPr kumimoji="0" lang="en-US" sz="1800" b="0" i="0" u="none" strike="noStrike" kern="0" cap="none" spc="0" normalizeH="0" baseline="0" noProof="0" dirty="0">
-              <a:ln>
-                <a:noFill/>
-              </a:ln>
-              <a:solidFill>
-                <a:schemeClr val="bg1"/>
-              </a:solidFill>
-              <a:effectLst/>
-              <a:uLnTx/>
-              <a:uFillTx/>
-              <a:latin typeface="Arial Black" panose="020B0A04020102020204" pitchFamily="34" charset="0"/>
-              <a:ea typeface="Arial Unicode MS" pitchFamily="34" charset="-128"/>
-              <a:cs typeface="Arial Unicode MS" pitchFamily="34" charset="-128"/>
-            </a:endParaRPr>
-          </a:p>
-        </p:txBody>
-      </p:sp>
-      <p:pic>
-        <p:nvPicPr>
-          <p:cNvPr id="16" name="Picture 15">
-            <a:extLst>
-              <a:ext uri="{FF2B5EF4-FFF2-40B4-BE49-F238E27FC236}">
-                <a16:creationId xmlns:a16="http://schemas.microsoft.com/office/drawing/2014/main" id="{12598DB7-6A06-4FF0-BC4E-218B3657467A}"/>
-              </a:ext>
-            </a:extLst>
-          </p:cNvPr>
-          <p:cNvPicPr>
-            <a:picLocks noChangeAspect="1"/>
-          </p:cNvPicPr>
-          <p:nvPr/>
-        </p:nvPicPr>
-        <p:blipFill>
-          <a:blip r:embed="rId4"/>
-          <a:stretch>
-            <a:fillRect/>
-          </a:stretch>
-        </p:blipFill>
-        <p:spPr>
-          <a:xfrm>
-            <a:off x="1392237" y="4868068"/>
-            <a:ext cx="588963" cy="588963"/>
-          </a:xfrm>
-          <a:prstGeom prst="rect">
-            <a:avLst/>
-          </a:prstGeom>
-        </p:spPr>
-      </p:pic>
-      <p:sp>
-        <p:nvSpPr>
-          <p:cNvPr id="17" name="Rectangle: Rounded Corners 16">
-            <a:extLst>
-              <a:ext uri="{FF2B5EF4-FFF2-40B4-BE49-F238E27FC236}">
-                <a16:creationId xmlns:a16="http://schemas.microsoft.com/office/drawing/2014/main" id="{3ABE47BC-35ED-4E9A-8B4E-A9B750CA52F5}"/>
-              </a:ext>
-            </a:extLst>
-          </p:cNvPr>
-          <p:cNvSpPr/>
-          <p:nvPr/>
-        </p:nvSpPr>
-        <p:spPr bwMode="gray">
-          <a:xfrm>
-            <a:off x="619126" y="1724025"/>
-            <a:ext cx="4572000" cy="619125"/>
-          </a:xfrm>
-          <a:prstGeom prst="roundRect">
-            <a:avLst>
-              <a:gd name="adj" fmla="val 50000"/>
-            </a:avLst>
-          </a:prstGeom>
-          <a:solidFill>
-            <a:schemeClr val="accent1"/>
-          </a:solidFill>
-          <a:ln w="6350" algn="ctr">
-            <a:solidFill>
-              <a:schemeClr val="tx1"/>
-            </a:solidFill>
-            <a:miter lim="800000"/>
-            <a:headEnd/>
-            <a:tailEnd/>
-          </a:ln>
-        </p:spPr>
-        <p:txBody>
-          <a:bodyPr lIns="90000" tIns="72000" rIns="90000" bIns="72000" rtlCol="0" anchor="ctr"/>
-          <a:lstStyle/>
-          <a:p>
-            <a:pPr marR="0" algn="ctr" defTabSz="914400" eaLnBrk="1" fontAlgn="base" latinLnBrk="0" hangingPunct="1">
-              <a:lnSpc>
-                <a:spcPct val="100000"/>
-              </a:lnSpc>
-              <a:spcBef>
-                <a:spcPct val="50000"/>
-              </a:spcBef>
-              <a:spcAft>
-                <a:spcPct val="0"/>
-              </a:spcAft>
-              <a:buClr>
-                <a:srgbClr val="F0AB00"/>
-              </a:buClr>
-              <a:buSzPct val="80000"/>
-              <a:tabLst/>
-            </a:pPr>
-            <a:r>
-              <a:rPr kumimoji="0" lang="en-US" sz="1800" b="1" i="0" u="none" strike="noStrike" kern="0" cap="none" spc="0" normalizeH="0" baseline="0" noProof="0" dirty="0">
-                <a:ln>
-                  <a:noFill/>
-                </a:ln>
-                <a:effectLst/>
-                <a:uLnTx/>
-                <a:uFillTx/>
-                <a:ea typeface="Arial Unicode MS" pitchFamily="34" charset="-128"/>
-                <a:cs typeface="Arial Unicode MS" pitchFamily="34" charset="-128"/>
-              </a:rPr>
-              <a:t>Application</a:t>
-            </a:r>
-          </a:p>
-        </p:txBody>
-      </p:sp>
-      <p:sp>
-        <p:nvSpPr>
-          <p:cNvPr id="19" name="Text Placeholder 58">
-            <a:extLst>
-              <a:ext uri="{FF2B5EF4-FFF2-40B4-BE49-F238E27FC236}">
-                <a16:creationId xmlns:a16="http://schemas.microsoft.com/office/drawing/2014/main" id="{AF72BC10-7A25-40C3-928F-41ACE59C030E}"/>
-              </a:ext>
-            </a:extLst>
-          </p:cNvPr>
-          <p:cNvSpPr txBox="1">
-            <a:spLocks/>
-          </p:cNvSpPr>
-          <p:nvPr/>
-        </p:nvSpPr>
-        <p:spPr bwMode="gray">
-          <a:xfrm>
-            <a:off x="6862713" y="1491684"/>
-            <a:ext cx="4827764" cy="4532044"/>
-          </a:xfrm>
-          <a:prstGeom prst="rect">
-            <a:avLst/>
-          </a:prstGeom>
-        </p:spPr>
-        <p:txBody>
-          <a:bodyPr vert="horz" lIns="0" tIns="0" rIns="0" bIns="0" rtlCol="0" anchor="ctr">
-            <a:noAutofit/>
-          </a:bodyPr>
-          <a:lstStyle>
-            <a:lvl1pPr marL="0" indent="0" algn="l" defTabSz="1088558" rtl="0" eaLnBrk="1" latinLnBrk="0" hangingPunct="1">
-              <a:spcBef>
-                <a:spcPts val="1800"/>
-              </a:spcBef>
-              <a:buClr>
-                <a:schemeClr val="accent1"/>
-              </a:buClr>
-              <a:buSzPct val="80000"/>
-              <a:buFontTx/>
-              <a:buNone/>
-              <a:defRPr sz="2000" b="0" kern="1200">
-                <a:solidFill>
-                  <a:schemeClr val="tx1"/>
-                </a:solidFill>
-                <a:latin typeface="+mn-lt"/>
-                <a:ea typeface="+mn-ea"/>
-                <a:cs typeface="+mn-cs"/>
-              </a:defRPr>
-            </a:lvl1pPr>
-            <a:lvl2pPr marL="179964" indent="-179964" algn="l" defTabSz="1088558" rtl="0" eaLnBrk="1" latinLnBrk="0" hangingPunct="1">
-              <a:spcBef>
-                <a:spcPts val="600"/>
-              </a:spcBef>
-              <a:buClr>
-                <a:schemeClr val="accent1"/>
-              </a:buClr>
-              <a:buSzPct val="100000"/>
-              <a:buFont typeface="Wingdings" pitchFamily="2" charset="2"/>
-              <a:buChar char="§"/>
-              <a:defRPr sz="1800" kern="1200">
-                <a:solidFill>
-                  <a:schemeClr val="tx1"/>
-                </a:solidFill>
-                <a:latin typeface="+mn-lt"/>
-                <a:ea typeface="+mn-ea"/>
-                <a:cs typeface="+mn-cs"/>
-              </a:defRPr>
-            </a:lvl2pPr>
-            <a:lvl3pPr marL="358775" indent="-179388" algn="l" defTabSz="1088558" rtl="0" eaLnBrk="1" latinLnBrk="0" hangingPunct="1">
-              <a:spcBef>
-                <a:spcPts val="300"/>
-              </a:spcBef>
-              <a:buClr>
-                <a:schemeClr val="tx1"/>
-              </a:buClr>
-              <a:buSzPct val="100000"/>
-              <a:buFont typeface="Arial" panose="020B0604020202020204" pitchFamily="34" charset="0"/>
-              <a:buChar char="–"/>
-              <a:defRPr lang="en-US" sz="1800" kern="1200" noProof="0" dirty="0" smtClean="0">
-                <a:solidFill>
-                  <a:schemeClr val="tx1"/>
-                </a:solidFill>
-                <a:latin typeface="+mn-lt"/>
-                <a:ea typeface="+mn-ea"/>
-                <a:cs typeface="+mn-cs"/>
-              </a:defRPr>
-            </a:lvl3pPr>
-            <a:lvl4pPr marL="539892" indent="-179964" algn="l" defTabSz="1088558" rtl="0" eaLnBrk="1" latinLnBrk="0" hangingPunct="1">
-              <a:spcBef>
-                <a:spcPts val="300"/>
-              </a:spcBef>
-              <a:buClr>
-                <a:schemeClr val="tx1"/>
-              </a:buClr>
-              <a:buSzPct val="120000"/>
-              <a:buFont typeface="Arial" pitchFamily="34" charset="0"/>
-              <a:buChar char="▫"/>
-              <a:defRPr sz="1600" kern="1200">
-                <a:solidFill>
-                  <a:schemeClr val="tx1"/>
-                </a:solidFill>
-                <a:latin typeface="+mn-lt"/>
-                <a:ea typeface="+mn-ea"/>
-                <a:cs typeface="+mn-cs"/>
-              </a:defRPr>
-            </a:lvl4pPr>
-            <a:lvl5pPr marL="719856" indent="-179964" algn="l" defTabSz="1088558" rtl="0" eaLnBrk="1" latinLnBrk="0" hangingPunct="1">
-              <a:spcBef>
-                <a:spcPts val="100"/>
-              </a:spcBef>
-              <a:buClr>
-                <a:schemeClr val="tx1"/>
-              </a:buClr>
-              <a:buSzPct val="100000"/>
-              <a:buFont typeface="Symbol" panose="05050102010706020507" pitchFamily="18" charset="2"/>
-              <a:buChar char="-"/>
-              <a:defRPr sz="1400" kern="1200" baseline="0">
-                <a:solidFill>
-                  <a:schemeClr val="tx1"/>
-                </a:solidFill>
-                <a:latin typeface="+mn-lt"/>
-                <a:ea typeface="+mn-ea"/>
-                <a:cs typeface="+mn-cs"/>
-              </a:defRPr>
-            </a:lvl5pPr>
-            <a:lvl6pPr marL="2993535" indent="-272140" algn="l" defTabSz="1088558" rtl="0" eaLnBrk="1" latinLnBrk="0" hangingPunct="1">
-              <a:spcBef>
-                <a:spcPct val="20000"/>
-              </a:spcBef>
-              <a:buFont typeface="Arial" pitchFamily="34" charset="0"/>
-              <a:buChar char="•"/>
-              <a:defRPr sz="2400" kern="1200">
-                <a:solidFill>
-                  <a:schemeClr val="tx1"/>
-                </a:solidFill>
-                <a:latin typeface="+mn-lt"/>
-                <a:ea typeface="+mn-ea"/>
-                <a:cs typeface="+mn-cs"/>
-              </a:defRPr>
-            </a:lvl6pPr>
-            <a:lvl7pPr marL="3537814" indent="-272140" algn="l" defTabSz="1088558" rtl="0" eaLnBrk="1" latinLnBrk="0" hangingPunct="1">
-              <a:spcBef>
-                <a:spcPct val="20000"/>
-              </a:spcBef>
-              <a:buFont typeface="Arial" pitchFamily="34" charset="0"/>
-              <a:buChar char="•"/>
-              <a:defRPr sz="2400" kern="1200">
-                <a:solidFill>
-                  <a:schemeClr val="tx1"/>
-                </a:solidFill>
-                <a:latin typeface="+mn-lt"/>
-                <a:ea typeface="+mn-ea"/>
-                <a:cs typeface="+mn-cs"/>
-              </a:defRPr>
-            </a:lvl7pPr>
-            <a:lvl8pPr marL="4082093" indent="-272140" algn="l" defTabSz="1088558" rtl="0" eaLnBrk="1" latinLnBrk="0" hangingPunct="1">
-              <a:spcBef>
-                <a:spcPct val="20000"/>
-              </a:spcBef>
-              <a:buFont typeface="Arial" pitchFamily="34" charset="0"/>
-              <a:buChar char="•"/>
-              <a:defRPr sz="2400" kern="1200">
-                <a:solidFill>
-                  <a:schemeClr val="tx1"/>
-                </a:solidFill>
-                <a:latin typeface="+mn-lt"/>
-                <a:ea typeface="+mn-ea"/>
-                <a:cs typeface="+mn-cs"/>
-              </a:defRPr>
-            </a:lvl8pPr>
-            <a:lvl9pPr marL="4626373" indent="-272140" algn="l" defTabSz="1088558" rtl="0" eaLnBrk="1" latinLnBrk="0" hangingPunct="1">
-              <a:spcBef>
-                <a:spcPct val="20000"/>
-              </a:spcBef>
-              <a:buFont typeface="Arial" pitchFamily="34" charset="0"/>
-              <a:buChar char="•"/>
-              <a:defRPr sz="2400" kern="1200">
-                <a:solidFill>
-                  <a:schemeClr val="tx1"/>
-                </a:solidFill>
-                <a:latin typeface="+mn-lt"/>
-                <a:ea typeface="+mn-ea"/>
-                <a:cs typeface="+mn-cs"/>
-              </a:defRPr>
-            </a:lvl9pPr>
-          </a:lstStyle>
-          <a:p>
-            <a:pPr lvl="1"/>
-            <a:r>
-              <a:rPr lang="en-US" sz="1600" dirty="0"/>
-              <a:t>Every program uses system calls to interact with the operating system</a:t>
-            </a:r>
-          </a:p>
-          <a:p>
-            <a:pPr lvl="1"/>
-            <a:endParaRPr lang="en-US" sz="1600" dirty="0"/>
-          </a:p>
-          <a:p>
-            <a:pPr lvl="1"/>
-            <a:r>
-              <a:rPr lang="en-US" sz="1600" dirty="0" err="1"/>
-              <a:t>seccomp</a:t>
-            </a:r>
-            <a:r>
-              <a:rPr lang="en-US" sz="1600" dirty="0"/>
-              <a:t> can block individual system calls</a:t>
-            </a:r>
-          </a:p>
-          <a:p>
-            <a:pPr lvl="2"/>
-            <a:r>
-              <a:rPr lang="en-US" sz="1600" dirty="0"/>
-              <a:t>whitelisting</a:t>
-            </a:r>
-          </a:p>
-          <a:p>
-            <a:pPr lvl="2"/>
-            <a:r>
-              <a:rPr lang="en-US" sz="1600" dirty="0"/>
-              <a:t>blacklisting</a:t>
-            </a:r>
-          </a:p>
-          <a:p>
-            <a:pPr lvl="2"/>
-            <a:r>
-              <a:rPr lang="en-US" sz="1600" dirty="0" err="1"/>
-              <a:t>systemcall</a:t>
-            </a:r>
-            <a:r>
-              <a:rPr lang="en-US" sz="1600" dirty="0"/>
-              <a:t> trapping</a:t>
-            </a:r>
-          </a:p>
-          <a:p>
-            <a:pPr marL="0" lvl="1" indent="0">
-              <a:buNone/>
-            </a:pPr>
-            <a:endParaRPr lang="en-US" sz="1600" dirty="0"/>
-          </a:p>
-        </p:txBody>
-      </p:sp>
-      <p:sp>
-        <p:nvSpPr>
-          <p:cNvPr id="20" name="Arrow: Down 19">
-            <a:extLst>
-              <a:ext uri="{FF2B5EF4-FFF2-40B4-BE49-F238E27FC236}">
-                <a16:creationId xmlns:a16="http://schemas.microsoft.com/office/drawing/2014/main" id="{EFC98BFD-16D9-417F-905E-F4BA2AF414FF}"/>
-              </a:ext>
-            </a:extLst>
-          </p:cNvPr>
-          <p:cNvSpPr/>
-          <p:nvPr/>
-        </p:nvSpPr>
-        <p:spPr bwMode="gray">
-          <a:xfrm>
-            <a:off x="2414539" y="2343149"/>
-            <a:ext cx="681086" cy="2495549"/>
-          </a:xfrm>
-          <a:prstGeom prst="downArrow">
-            <a:avLst>
-              <a:gd name="adj1" fmla="val 50000"/>
-              <a:gd name="adj2" fmla="val 56046"/>
-            </a:avLst>
-          </a:prstGeom>
-          <a:solidFill>
-            <a:schemeClr val="accent4">
-              <a:lumMod val="50000"/>
-            </a:schemeClr>
-          </a:solidFill>
-          <a:ln w="6350" algn="ctr">
-            <a:noFill/>
-            <a:miter lim="800000"/>
-            <a:headEnd/>
-            <a:tailEnd/>
-          </a:ln>
-        </p:spPr>
-        <p:txBody>
-          <a:bodyPr vert="vert270" lIns="90000" tIns="72000" rIns="90000" bIns="72000" rtlCol="0" anchor="ctr"/>
-          <a:lstStyle/>
-          <a:p>
-            <a:pPr marR="0" algn="ctr" defTabSz="914400" eaLnBrk="1" fontAlgn="base" latinLnBrk="0" hangingPunct="1">
-              <a:lnSpc>
-                <a:spcPct val="100000"/>
-              </a:lnSpc>
-              <a:spcBef>
-                <a:spcPct val="50000"/>
-              </a:spcBef>
-              <a:spcAft>
-                <a:spcPct val="0"/>
-              </a:spcAft>
-              <a:buClr>
-                <a:srgbClr val="F0AB00"/>
-              </a:buClr>
-              <a:buSzPct val="80000"/>
-              <a:tabLst/>
-            </a:pPr>
-            <a:r>
-              <a:rPr kumimoji="0" lang="en-US" sz="1600" u="none" strike="noStrike" kern="0" cap="none" spc="0" normalizeH="0" baseline="0" noProof="0" dirty="0">
-                <a:ln>
-                  <a:noFill/>
-                </a:ln>
-                <a:solidFill>
-                  <a:schemeClr val="bg1"/>
-                </a:solidFill>
-                <a:effectLst/>
-                <a:uLnTx/>
-                <a:uFillTx/>
-                <a:latin typeface="Courier New" panose="02070309020205020404" pitchFamily="49" charset="0"/>
-                <a:ea typeface="Arial Unicode MS" pitchFamily="34" charset="-128"/>
-                <a:cs typeface="Courier New" panose="02070309020205020404" pitchFamily="49" charset="0"/>
-              </a:rPr>
-              <a:t>write</a:t>
-            </a:r>
-          </a:p>
-        </p:txBody>
-      </p:sp>
-      <p:sp>
-        <p:nvSpPr>
-          <p:cNvPr id="21" name="Arrow: Down 20">
-            <a:extLst>
-              <a:ext uri="{FF2B5EF4-FFF2-40B4-BE49-F238E27FC236}">
-                <a16:creationId xmlns:a16="http://schemas.microsoft.com/office/drawing/2014/main" id="{C762D2E9-8CCC-49DC-A718-3C0FC3CA4A3B}"/>
-              </a:ext>
-            </a:extLst>
-          </p:cNvPr>
-          <p:cNvSpPr/>
-          <p:nvPr/>
-        </p:nvSpPr>
-        <p:spPr bwMode="gray">
-          <a:xfrm>
-            <a:off x="3128889" y="2343147"/>
-            <a:ext cx="681086" cy="2495549"/>
-          </a:xfrm>
-          <a:prstGeom prst="downArrow">
-            <a:avLst>
-              <a:gd name="adj1" fmla="val 50000"/>
-              <a:gd name="adj2" fmla="val 56046"/>
-            </a:avLst>
-          </a:prstGeom>
-          <a:solidFill>
-            <a:schemeClr val="accent4">
-              <a:lumMod val="50000"/>
-            </a:schemeClr>
-          </a:solidFill>
-          <a:ln w="6350" algn="ctr">
-            <a:noFill/>
-            <a:miter lim="800000"/>
-            <a:headEnd/>
-            <a:tailEnd/>
-          </a:ln>
-        </p:spPr>
-        <p:txBody>
-          <a:bodyPr vert="vert270" lIns="90000" tIns="72000" rIns="90000" bIns="72000" rtlCol="0" anchor="ctr"/>
-          <a:lstStyle/>
-          <a:p>
-            <a:pPr marR="0" algn="ctr" defTabSz="914400" eaLnBrk="1" fontAlgn="base" latinLnBrk="0" hangingPunct="1">
-              <a:lnSpc>
-                <a:spcPct val="100000"/>
-              </a:lnSpc>
-              <a:spcBef>
-                <a:spcPct val="50000"/>
-              </a:spcBef>
-              <a:spcAft>
-                <a:spcPct val="0"/>
-              </a:spcAft>
-              <a:buClr>
-                <a:srgbClr val="F0AB00"/>
-              </a:buClr>
-              <a:buSzPct val="80000"/>
-              <a:tabLst/>
-            </a:pPr>
-            <a:r>
-              <a:rPr kumimoji="0" lang="en-US" sz="1600" u="none" strike="noStrike" kern="0" cap="none" spc="0" normalizeH="0" baseline="0" noProof="0" dirty="0">
-                <a:ln>
-                  <a:noFill/>
-                </a:ln>
-                <a:solidFill>
-                  <a:schemeClr val="bg1"/>
-                </a:solidFill>
-                <a:effectLst/>
-                <a:uLnTx/>
-                <a:uFillTx/>
-                <a:latin typeface="Courier New" panose="02070309020205020404" pitchFamily="49" charset="0"/>
-                <a:ea typeface="Arial Unicode MS" pitchFamily="34" charset="-128"/>
-                <a:cs typeface="Courier New" panose="02070309020205020404" pitchFamily="49" charset="0"/>
-              </a:rPr>
-              <a:t>stat</a:t>
-            </a:r>
-          </a:p>
-        </p:txBody>
-      </p:sp>
-      <p:sp>
-        <p:nvSpPr>
-          <p:cNvPr id="22" name="Arrow: Down 21">
-            <a:extLst>
-              <a:ext uri="{FF2B5EF4-FFF2-40B4-BE49-F238E27FC236}">
-                <a16:creationId xmlns:a16="http://schemas.microsoft.com/office/drawing/2014/main" id="{DC7DA7C8-2FBD-4FAF-A215-8EFA6FB4552B}"/>
-              </a:ext>
-            </a:extLst>
-          </p:cNvPr>
-          <p:cNvSpPr/>
-          <p:nvPr/>
-        </p:nvSpPr>
-        <p:spPr bwMode="gray">
-          <a:xfrm>
-            <a:off x="3957540" y="2343147"/>
-            <a:ext cx="681086" cy="2495549"/>
-          </a:xfrm>
-          <a:prstGeom prst="downArrow">
-            <a:avLst>
-              <a:gd name="adj1" fmla="val 50000"/>
-              <a:gd name="adj2" fmla="val 56046"/>
-            </a:avLst>
-          </a:prstGeom>
-          <a:solidFill>
-            <a:srgbClr val="FF0000"/>
-          </a:solidFill>
-          <a:ln w="6350" algn="ctr">
-            <a:noFill/>
-            <a:miter lim="800000"/>
-            <a:headEnd/>
-            <a:tailEnd/>
-          </a:ln>
-        </p:spPr>
-        <p:txBody>
-          <a:bodyPr vert="vert270" lIns="90000" tIns="72000" rIns="90000" bIns="72000" rtlCol="0" anchor="ctr"/>
-          <a:lstStyle/>
-          <a:p>
-            <a:pPr marR="0" algn="ctr" defTabSz="914400" eaLnBrk="1" fontAlgn="base" latinLnBrk="0" hangingPunct="1">
-              <a:lnSpc>
-                <a:spcPct val="100000"/>
-              </a:lnSpc>
-              <a:spcBef>
-                <a:spcPct val="50000"/>
-              </a:spcBef>
-              <a:spcAft>
-                <a:spcPct val="0"/>
-              </a:spcAft>
-              <a:buClr>
-                <a:srgbClr val="F0AB00"/>
-              </a:buClr>
-              <a:buSzPct val="80000"/>
-              <a:tabLst/>
-            </a:pPr>
-            <a:r>
-              <a:rPr kumimoji="0" lang="en-US" sz="1600" u="none" strike="noStrike" kern="0" cap="none" spc="0" normalizeH="0" baseline="0" noProof="0" dirty="0">
-                <a:ln>
-                  <a:noFill/>
-                </a:ln>
-                <a:solidFill>
-                  <a:schemeClr val="bg1"/>
-                </a:solidFill>
-                <a:effectLst/>
-                <a:uLnTx/>
-                <a:uFillTx/>
-                <a:latin typeface="Courier New" panose="02070309020205020404" pitchFamily="49" charset="0"/>
-                <a:ea typeface="Arial Unicode MS" pitchFamily="34" charset="-128"/>
-                <a:cs typeface="Courier New" panose="02070309020205020404" pitchFamily="49" charset="0"/>
-              </a:rPr>
-              <a:t>reboot</a:t>
-            </a:r>
-          </a:p>
-        </p:txBody>
-      </p:sp>
-    </p:spTree>
-    <p:extLst>
-      <p:ext uri="{BB962C8B-B14F-4D97-AF65-F5344CB8AC3E}">
-        <p14:creationId xmlns:p14="http://schemas.microsoft.com/office/powerpoint/2010/main" val="2969143042"/>
-      </p:ext>
-    </p:extLst>
-  </p:cSld>
-  <p:clrMapOvr>
-    <a:masterClrMapping/>
-  </p:clrMapOvr>
-</p:sld>
-</file>
-
-<file path=ppt/slides/slide8.xml><?xml version="1.0" encoding="utf-8"?>
+<file path=ppt/slides/slide9.xml><?xml version="1.0" encoding="utf-8"?>
 <p:sld xmlns:a="http://schemas.openxmlformats.org/drawingml/2006/main" xmlns:r="http://schemas.openxmlformats.org/officeDocument/2006/relationships" xmlns:p="http://schemas.openxmlformats.org/presentationml/2006/main">
   <p:cSld>
     <p:spTree>
@@ -29901,7 +31754,7 @@
           <p:cNvPr id="4" name="Title 3">
             <a:extLst>
               <a:ext uri="{FF2B5EF4-FFF2-40B4-BE49-F238E27FC236}">
-                <a16:creationId xmlns:a16="http://schemas.microsoft.com/office/drawing/2014/main" id="{645B76E8-EDF1-4BBF-A073-4675DBA6C45F}"/>
+                <a16:creationId xmlns:a16="http://schemas.microsoft.com/office/drawing/2014/main" id="{96BEB1A8-C9D3-4723-A64F-42E02E22325A}"/>
               </a:ext>
             </a:extLst>
           </p:cNvPr>
@@ -29919,587 +31772,17 @@
           <a:p>
             <a:r>
               <a:rPr lang="en-US" dirty="0"/>
-              <a:t>Let’s use these features to start our first container…</a:t>
-            </a:r>
-          </a:p>
-        </p:txBody>
-      </p:sp>
-      <p:sp>
-        <p:nvSpPr>
-          <p:cNvPr id="5" name="Rectangle: Rounded Corners 4">
-            <a:extLst>
-              <a:ext uri="{FF2B5EF4-FFF2-40B4-BE49-F238E27FC236}">
-                <a16:creationId xmlns:a16="http://schemas.microsoft.com/office/drawing/2014/main" id="{1A09AC9B-F654-4AFC-A240-22685298511B}"/>
-              </a:ext>
-            </a:extLst>
-          </p:cNvPr>
-          <p:cNvSpPr/>
-          <p:nvPr/>
-        </p:nvSpPr>
-        <p:spPr bwMode="gray">
-          <a:xfrm>
-            <a:off x="596245" y="2015340"/>
-            <a:ext cx="11001988" cy="380726"/>
-          </a:xfrm>
-          <a:prstGeom prst="roundRect">
-            <a:avLst>
-              <a:gd name="adj" fmla="val 8296"/>
-            </a:avLst>
-          </a:prstGeom>
-          <a:pattFill prst="narHorz">
-            <a:fgClr>
-              <a:schemeClr val="tx1"/>
-            </a:fgClr>
-            <a:bgClr>
-              <a:srgbClr val="112806"/>
-            </a:bgClr>
-          </a:pattFill>
-          <a:ln w="6350" algn="ctr">
-            <a:noFill/>
-            <a:miter lim="800000"/>
-            <a:headEnd/>
-            <a:tailEnd/>
-          </a:ln>
-        </p:spPr>
-        <p:txBody>
-          <a:bodyPr lIns="90000" tIns="72000" rIns="90000" bIns="72000" rtlCol="0" anchor="ctr"/>
-          <a:lstStyle/>
-          <a:p>
-            <a:pPr marL="179387" lvl="2" indent="0">
-              <a:buNone/>
-            </a:pPr>
-            <a:r>
-              <a:rPr lang="en-US" sz="1200" b="1" dirty="0">
-                <a:solidFill>
-                  <a:schemeClr val="bg1"/>
-                </a:solidFill>
-                <a:latin typeface="Courier New" panose="02070309020205020404" pitchFamily="49" charset="0"/>
-                <a:cs typeface="Courier New" panose="02070309020205020404" pitchFamily="49" charset="0"/>
-              </a:rPr>
-              <a:t># </a:t>
-            </a:r>
-            <a:r>
-              <a:rPr lang="en-US" sz="1200" b="1" dirty="0" err="1">
-                <a:solidFill>
-                  <a:schemeClr val="accent1">
-                    <a:lumMod val="20000"/>
-                    <a:lumOff val="80000"/>
-                  </a:schemeClr>
-                </a:solidFill>
-                <a:latin typeface="Courier New" panose="02070309020205020404" pitchFamily="49" charset="0"/>
-                <a:cs typeface="Courier New" panose="02070309020205020404" pitchFamily="49" charset="0"/>
-              </a:rPr>
-              <a:t>cgexec</a:t>
-            </a:r>
-            <a:r>
-              <a:rPr lang="en-US" sz="1200" b="1" dirty="0">
-                <a:solidFill>
-                  <a:schemeClr val="accent1">
-                    <a:lumMod val="20000"/>
-                    <a:lumOff val="80000"/>
-                  </a:schemeClr>
-                </a:solidFill>
-                <a:latin typeface="Courier New" panose="02070309020205020404" pitchFamily="49" charset="0"/>
-                <a:cs typeface="Courier New" panose="02070309020205020404" pitchFamily="49" charset="0"/>
-              </a:rPr>
-              <a:t> –r </a:t>
-            </a:r>
-            <a:r>
-              <a:rPr lang="en-US" sz="1200" b="1" dirty="0" err="1">
-                <a:solidFill>
-                  <a:schemeClr val="accent1">
-                    <a:lumMod val="20000"/>
-                    <a:lumOff val="80000"/>
-                  </a:schemeClr>
-                </a:solidFill>
-                <a:latin typeface="Courier New" panose="02070309020205020404" pitchFamily="49" charset="0"/>
-                <a:cs typeface="Courier New" panose="02070309020205020404" pitchFamily="49" charset="0"/>
-              </a:rPr>
-              <a:t>cpu,memory,pids</a:t>
-            </a:r>
-            <a:r>
-              <a:rPr lang="en-US" sz="1200" b="1" dirty="0">
-                <a:solidFill>
-                  <a:schemeClr val="accent1">
-                    <a:lumMod val="20000"/>
-                    <a:lumOff val="80000"/>
-                  </a:schemeClr>
-                </a:solidFill>
-                <a:latin typeface="Courier New" panose="02070309020205020404" pitchFamily="49" charset="0"/>
-                <a:cs typeface="Courier New" panose="02070309020205020404" pitchFamily="49" charset="0"/>
-              </a:rPr>
-              <a:t>:/container </a:t>
-            </a:r>
-            <a:r>
-              <a:rPr lang="en-US" sz="1200" b="1" dirty="0" err="1">
-                <a:solidFill>
-                  <a:schemeClr val="accent3">
-                    <a:lumMod val="20000"/>
-                    <a:lumOff val="80000"/>
-                  </a:schemeClr>
-                </a:solidFill>
-                <a:latin typeface="Courier New" panose="02070309020205020404" pitchFamily="49" charset="0"/>
-                <a:cs typeface="Courier New" panose="02070309020205020404" pitchFamily="49" charset="0"/>
-              </a:rPr>
-              <a:t>unshare</a:t>
-            </a:r>
-            <a:r>
-              <a:rPr lang="en-US" sz="1200" b="1" dirty="0">
-                <a:solidFill>
-                  <a:schemeClr val="accent3">
-                    <a:lumMod val="20000"/>
-                    <a:lumOff val="80000"/>
-                  </a:schemeClr>
-                </a:solidFill>
-                <a:latin typeface="Courier New" panose="02070309020205020404" pitchFamily="49" charset="0"/>
-                <a:cs typeface="Courier New" panose="02070309020205020404" pitchFamily="49" charset="0"/>
-              </a:rPr>
-              <a:t> --</a:t>
-            </a:r>
-            <a:r>
-              <a:rPr lang="en-US" sz="1200" b="1" dirty="0" err="1">
-                <a:solidFill>
-                  <a:schemeClr val="accent3">
-                    <a:lumMod val="20000"/>
-                    <a:lumOff val="80000"/>
-                  </a:schemeClr>
-                </a:solidFill>
-                <a:latin typeface="Courier New" panose="02070309020205020404" pitchFamily="49" charset="0"/>
-                <a:cs typeface="Courier New" panose="02070309020205020404" pitchFamily="49" charset="0"/>
-              </a:rPr>
-              <a:t>pid</a:t>
-            </a:r>
-            <a:r>
-              <a:rPr lang="en-US" sz="1200" b="1" dirty="0">
-                <a:solidFill>
-                  <a:schemeClr val="accent3">
-                    <a:lumMod val="20000"/>
-                    <a:lumOff val="80000"/>
-                  </a:schemeClr>
-                </a:solidFill>
-                <a:latin typeface="Courier New" panose="02070309020205020404" pitchFamily="49" charset="0"/>
-                <a:cs typeface="Courier New" panose="02070309020205020404" pitchFamily="49" charset="0"/>
-              </a:rPr>
-              <a:t> --</a:t>
-            </a:r>
-            <a:r>
-              <a:rPr lang="en-US" sz="1200" b="1" dirty="0" err="1">
-                <a:solidFill>
-                  <a:schemeClr val="accent3">
-                    <a:lumMod val="20000"/>
-                    <a:lumOff val="80000"/>
-                  </a:schemeClr>
-                </a:solidFill>
-                <a:latin typeface="Courier New" panose="02070309020205020404" pitchFamily="49" charset="0"/>
-                <a:cs typeface="Courier New" panose="02070309020205020404" pitchFamily="49" charset="0"/>
-              </a:rPr>
-              <a:t>uts</a:t>
-            </a:r>
-            <a:r>
-              <a:rPr lang="en-US" sz="1200" b="1" dirty="0">
-                <a:solidFill>
-                  <a:schemeClr val="accent3">
-                    <a:lumMod val="20000"/>
-                    <a:lumOff val="80000"/>
-                  </a:schemeClr>
-                </a:solidFill>
-                <a:latin typeface="Courier New" panose="02070309020205020404" pitchFamily="49" charset="0"/>
-                <a:cs typeface="Courier New" panose="02070309020205020404" pitchFamily="49" charset="0"/>
-              </a:rPr>
-              <a:t> --mount --user --fork </a:t>
-            </a:r>
-            <a:r>
-              <a:rPr lang="en-US" sz="1200" b="1" dirty="0">
-                <a:solidFill>
-                  <a:schemeClr val="accent5">
-                    <a:lumMod val="20000"/>
-                    <a:lumOff val="80000"/>
-                  </a:schemeClr>
-                </a:solidFill>
-                <a:latin typeface="Courier New" panose="02070309020205020404" pitchFamily="49" charset="0"/>
-                <a:cs typeface="Courier New" panose="02070309020205020404" pitchFamily="49" charset="0"/>
-              </a:rPr>
-              <a:t>chroot container</a:t>
-            </a:r>
-          </a:p>
-        </p:txBody>
-      </p:sp>
-      <p:sp>
-        <p:nvSpPr>
-          <p:cNvPr id="6" name="Speech Bubble: Rectangle 5">
-            <a:extLst>
-              <a:ext uri="{FF2B5EF4-FFF2-40B4-BE49-F238E27FC236}">
-                <a16:creationId xmlns:a16="http://schemas.microsoft.com/office/drawing/2014/main" id="{C746B67D-41C0-46C3-A8B9-8DC95EF8CDD1}"/>
-              </a:ext>
-            </a:extLst>
-          </p:cNvPr>
-          <p:cNvSpPr/>
-          <p:nvPr/>
-        </p:nvSpPr>
-        <p:spPr bwMode="gray">
-          <a:xfrm>
-            <a:off x="795867" y="3022600"/>
-            <a:ext cx="2345267" cy="829733"/>
-          </a:xfrm>
-          <a:prstGeom prst="wedgeRectCallout">
-            <a:avLst>
-              <a:gd name="adj1" fmla="val -4098"/>
-              <a:gd name="adj2" fmla="val -118895"/>
-            </a:avLst>
-          </a:prstGeom>
-          <a:solidFill>
-            <a:schemeClr val="accent1"/>
-          </a:solidFill>
-          <a:ln w="6350" algn="ctr">
-            <a:solidFill>
-              <a:schemeClr val="tx1"/>
-            </a:solidFill>
-            <a:miter lim="800000"/>
-            <a:headEnd/>
-            <a:tailEnd/>
-          </a:ln>
-        </p:spPr>
-        <p:txBody>
-          <a:bodyPr lIns="90000" tIns="72000" rIns="90000" bIns="72000" rtlCol="0" anchor="ctr"/>
-          <a:lstStyle/>
-          <a:p>
-            <a:pPr marR="0" algn="ctr" defTabSz="914400" eaLnBrk="1" fontAlgn="base" latinLnBrk="0" hangingPunct="1">
-              <a:lnSpc>
-                <a:spcPct val="100000"/>
-              </a:lnSpc>
-              <a:spcBef>
-                <a:spcPct val="50000"/>
-              </a:spcBef>
-              <a:spcAft>
-                <a:spcPct val="0"/>
-              </a:spcAft>
-              <a:buClr>
-                <a:srgbClr val="F0AB00"/>
-              </a:buClr>
-              <a:buSzPct val="80000"/>
-              <a:tabLst/>
-            </a:pPr>
-            <a:r>
-              <a:rPr lang="en-US" sz="1800" b="1" kern="0" dirty="0">
-                <a:ea typeface="Arial Unicode MS" pitchFamily="34" charset="-128"/>
-                <a:cs typeface="Arial Unicode MS" pitchFamily="34" charset="-128"/>
-              </a:rPr>
-              <a:t>cgroups</a:t>
-            </a:r>
-            <a:br>
-              <a:rPr lang="en-US" sz="1800" kern="0" dirty="0">
-                <a:ea typeface="Arial Unicode MS" pitchFamily="34" charset="-128"/>
-                <a:cs typeface="Arial Unicode MS" pitchFamily="34" charset="-128"/>
-              </a:rPr>
-            </a:br>
-            <a:r>
-              <a:rPr kumimoji="0" lang="en-US" sz="1600" b="0" i="1" u="none" strike="noStrike" kern="0" cap="none" spc="0" normalizeH="0" baseline="0" noProof="0" dirty="0">
-                <a:ln>
-                  <a:noFill/>
-                </a:ln>
-                <a:effectLst/>
-                <a:uLnTx/>
-                <a:uFillTx/>
-                <a:ea typeface="Arial Unicode MS" pitchFamily="34" charset="-128"/>
-                <a:cs typeface="Arial Unicode MS" pitchFamily="34" charset="-128"/>
-              </a:rPr>
-              <a:t>resource limitation</a:t>
-            </a:r>
-            <a:endParaRPr kumimoji="0" lang="en-US" sz="1800" b="0" i="1" u="none" strike="noStrike" kern="0" cap="none" spc="0" normalizeH="0" baseline="0" noProof="0" dirty="0">
-              <a:ln>
-                <a:noFill/>
-              </a:ln>
-              <a:effectLst/>
-              <a:uLnTx/>
-              <a:uFillTx/>
-              <a:ea typeface="Arial Unicode MS" pitchFamily="34" charset="-128"/>
-              <a:cs typeface="Arial Unicode MS" pitchFamily="34" charset="-128"/>
-            </a:endParaRPr>
-          </a:p>
-        </p:txBody>
-      </p:sp>
-      <p:sp>
-        <p:nvSpPr>
-          <p:cNvPr id="8" name="Speech Bubble: Rectangle 7">
-            <a:extLst>
-              <a:ext uri="{FF2B5EF4-FFF2-40B4-BE49-F238E27FC236}">
-                <a16:creationId xmlns:a16="http://schemas.microsoft.com/office/drawing/2014/main" id="{E20196A0-740B-486C-AE67-960A26C65EE5}"/>
-              </a:ext>
-            </a:extLst>
-          </p:cNvPr>
-          <p:cNvSpPr/>
-          <p:nvPr/>
-        </p:nvSpPr>
-        <p:spPr bwMode="gray">
-          <a:xfrm>
-            <a:off x="4267200" y="3952940"/>
-            <a:ext cx="2345267" cy="829733"/>
-          </a:xfrm>
-          <a:prstGeom prst="wedgeRectCallout">
-            <a:avLst>
-              <a:gd name="adj1" fmla="val 3123"/>
-              <a:gd name="adj2" fmla="val -230119"/>
-            </a:avLst>
-          </a:prstGeom>
-          <a:solidFill>
-            <a:schemeClr val="accent3">
-              <a:lumMod val="50000"/>
-            </a:schemeClr>
-          </a:solidFill>
-          <a:ln w="6350" algn="ctr">
-            <a:solidFill>
-              <a:schemeClr val="tx1"/>
-            </a:solidFill>
-            <a:miter lim="800000"/>
-            <a:headEnd/>
-            <a:tailEnd/>
-          </a:ln>
-        </p:spPr>
-        <p:txBody>
-          <a:bodyPr lIns="90000" tIns="72000" rIns="90000" bIns="72000" rtlCol="0" anchor="ctr"/>
-          <a:lstStyle/>
-          <a:p>
-            <a:pPr marR="0" algn="ctr" defTabSz="914400" eaLnBrk="1" fontAlgn="base" latinLnBrk="0" hangingPunct="1">
-              <a:lnSpc>
-                <a:spcPct val="100000"/>
-              </a:lnSpc>
-              <a:spcBef>
-                <a:spcPct val="50000"/>
-              </a:spcBef>
-              <a:spcAft>
-                <a:spcPct val="0"/>
-              </a:spcAft>
-              <a:buClr>
-                <a:srgbClr val="F0AB00"/>
-              </a:buClr>
-              <a:buSzPct val="80000"/>
-              <a:tabLst/>
-            </a:pPr>
-            <a:r>
-              <a:rPr lang="en-US" sz="1800" b="1" kern="0" dirty="0">
-                <a:solidFill>
-                  <a:schemeClr val="bg1"/>
-                </a:solidFill>
-                <a:ea typeface="Arial Unicode MS" pitchFamily="34" charset="-128"/>
-                <a:cs typeface="Arial Unicode MS" pitchFamily="34" charset="-128"/>
-              </a:rPr>
-              <a:t>namespaces</a:t>
-            </a:r>
-            <a:br>
-              <a:rPr lang="en-US" sz="1800" kern="0" dirty="0">
-                <a:solidFill>
-                  <a:schemeClr val="bg1"/>
-                </a:solidFill>
-                <a:ea typeface="Arial Unicode MS" pitchFamily="34" charset="-128"/>
-                <a:cs typeface="Arial Unicode MS" pitchFamily="34" charset="-128"/>
-              </a:rPr>
-            </a:br>
-            <a:r>
-              <a:rPr kumimoji="0" lang="en-US" sz="1600" i="1" u="none" strike="noStrike" kern="0" cap="none" spc="0" normalizeH="0" baseline="0" noProof="0" dirty="0">
-                <a:ln>
-                  <a:noFill/>
-                </a:ln>
-                <a:solidFill>
-                  <a:schemeClr val="bg1"/>
-                </a:solidFill>
-                <a:effectLst/>
-                <a:uLnTx/>
-                <a:uFillTx/>
-                <a:ea typeface="Arial Unicode MS" pitchFamily="34" charset="-128"/>
-                <a:cs typeface="Arial Unicode MS" pitchFamily="34" charset="-128"/>
-              </a:rPr>
-              <a:t>process isolation</a:t>
-            </a:r>
-            <a:endParaRPr kumimoji="0" lang="en-US" sz="1800" i="1" u="none" strike="noStrike" kern="0" cap="none" spc="0" normalizeH="0" baseline="0" noProof="0" dirty="0">
-              <a:ln>
-                <a:noFill/>
-              </a:ln>
-              <a:solidFill>
-                <a:schemeClr val="bg1"/>
-              </a:solidFill>
-              <a:effectLst/>
-              <a:uLnTx/>
-              <a:uFillTx/>
-              <a:ea typeface="Arial Unicode MS" pitchFamily="34" charset="-128"/>
-              <a:cs typeface="Arial Unicode MS" pitchFamily="34" charset="-128"/>
-            </a:endParaRPr>
-          </a:p>
-        </p:txBody>
-      </p:sp>
-      <p:sp>
-        <p:nvSpPr>
-          <p:cNvPr id="10" name="Speech Bubble: Rectangle 9">
-            <a:extLst>
-              <a:ext uri="{FF2B5EF4-FFF2-40B4-BE49-F238E27FC236}">
-                <a16:creationId xmlns:a16="http://schemas.microsoft.com/office/drawing/2014/main" id="{C424A9AD-2AA7-4E2A-8798-4805DFD1603A}"/>
-              </a:ext>
-            </a:extLst>
-          </p:cNvPr>
-          <p:cNvSpPr/>
-          <p:nvPr/>
-        </p:nvSpPr>
-        <p:spPr bwMode="gray">
-          <a:xfrm>
-            <a:off x="7899400" y="3437466"/>
-            <a:ext cx="2345267" cy="829733"/>
-          </a:xfrm>
-          <a:prstGeom prst="wedgeRectCallout">
-            <a:avLst>
-              <a:gd name="adj1" fmla="val -17454"/>
-              <a:gd name="adj2" fmla="val -168895"/>
-            </a:avLst>
-          </a:prstGeom>
-          <a:solidFill>
-            <a:schemeClr val="accent5">
-              <a:lumMod val="75000"/>
-            </a:schemeClr>
-          </a:solidFill>
-          <a:ln w="6350" algn="ctr">
-            <a:solidFill>
-              <a:schemeClr val="tx1"/>
-            </a:solidFill>
-            <a:miter lim="800000"/>
-            <a:headEnd/>
-            <a:tailEnd/>
-          </a:ln>
-        </p:spPr>
-        <p:txBody>
-          <a:bodyPr lIns="90000" tIns="72000" rIns="90000" bIns="72000" rtlCol="0" anchor="ctr"/>
-          <a:lstStyle/>
-          <a:p>
-            <a:pPr marR="0" algn="ctr" defTabSz="914400" eaLnBrk="1" fontAlgn="base" latinLnBrk="0" hangingPunct="1">
-              <a:lnSpc>
-                <a:spcPct val="100000"/>
-              </a:lnSpc>
-              <a:spcBef>
-                <a:spcPct val="50000"/>
-              </a:spcBef>
-              <a:spcAft>
-                <a:spcPct val="0"/>
-              </a:spcAft>
-              <a:buClr>
-                <a:srgbClr val="F0AB00"/>
-              </a:buClr>
-              <a:buSzPct val="80000"/>
-              <a:tabLst/>
-            </a:pPr>
-            <a:r>
-              <a:rPr lang="en-US" sz="1800" b="1" kern="0" dirty="0">
-                <a:solidFill>
-                  <a:schemeClr val="bg1"/>
-                </a:solidFill>
-                <a:ea typeface="Arial Unicode MS" pitchFamily="34" charset="-128"/>
-                <a:cs typeface="Arial Unicode MS" pitchFamily="34" charset="-128"/>
-              </a:rPr>
-              <a:t>chroot</a:t>
-            </a:r>
-            <a:br>
-              <a:rPr lang="en-US" sz="1800" kern="0" dirty="0">
-                <a:solidFill>
-                  <a:schemeClr val="bg1"/>
-                </a:solidFill>
-                <a:ea typeface="Arial Unicode MS" pitchFamily="34" charset="-128"/>
-                <a:cs typeface="Arial Unicode MS" pitchFamily="34" charset="-128"/>
-              </a:rPr>
-            </a:br>
-            <a:r>
-              <a:rPr kumimoji="0" lang="en-US" sz="1600" i="1" u="none" strike="noStrike" kern="0" cap="none" spc="0" normalizeH="0" baseline="0" noProof="0" dirty="0">
-                <a:ln>
-                  <a:noFill/>
-                </a:ln>
-                <a:solidFill>
-                  <a:schemeClr val="bg1"/>
-                </a:solidFill>
-                <a:effectLst/>
-                <a:uLnTx/>
-                <a:uFillTx/>
-                <a:ea typeface="Arial Unicode MS" pitchFamily="34" charset="-128"/>
-                <a:cs typeface="Arial Unicode MS" pitchFamily="34" charset="-128"/>
-              </a:rPr>
-              <a:t>filesystem isolation</a:t>
-            </a:r>
-            <a:endParaRPr kumimoji="0" lang="en-US" sz="1800" i="1" u="none" strike="noStrike" kern="0" cap="none" spc="0" normalizeH="0" baseline="0" noProof="0" dirty="0">
-              <a:ln>
-                <a:noFill/>
-              </a:ln>
-              <a:solidFill>
-                <a:schemeClr val="bg1"/>
-              </a:solidFill>
-              <a:effectLst/>
-              <a:uLnTx/>
-              <a:uFillTx/>
-              <a:ea typeface="Arial Unicode MS" pitchFamily="34" charset="-128"/>
-              <a:cs typeface="Arial Unicode MS" pitchFamily="34" charset="-128"/>
-            </a:endParaRPr>
-          </a:p>
-        </p:txBody>
-      </p:sp>
-    </p:spTree>
-    <p:extLst>
-      <p:ext uri="{BB962C8B-B14F-4D97-AF65-F5344CB8AC3E}">
-        <p14:creationId xmlns:p14="http://schemas.microsoft.com/office/powerpoint/2010/main" val="2934415875"/>
-      </p:ext>
-    </p:extLst>
-  </p:cSld>
-  <p:clrMapOvr>
-    <a:masterClrMapping/>
-  </p:clrMapOvr>
-</p:sld>
-</file>
-
-<file path=ppt/slides/slide9.xml><?xml version="1.0" encoding="utf-8"?>
-<p:sld xmlns:a="http://schemas.openxmlformats.org/drawingml/2006/main" xmlns:r="http://schemas.openxmlformats.org/officeDocument/2006/relationships" xmlns:p="http://schemas.openxmlformats.org/presentationml/2006/main">
-  <p:cSld>
-    <p:spTree>
-      <p:nvGrpSpPr>
-        <p:cNvPr id="1" name=""/>
-        <p:cNvGrpSpPr/>
-        <p:nvPr/>
-      </p:nvGrpSpPr>
-      <p:grpSpPr>
-        <a:xfrm>
-          <a:off x="0" y="0"/>
-          <a:ext cx="0" cy="0"/>
-          <a:chOff x="0" y="0"/>
-          <a:chExt cx="0" cy="0"/>
-        </a:xfrm>
-      </p:grpSpPr>
-      <p:sp>
-        <p:nvSpPr>
-          <p:cNvPr id="17" name="Text Placeholder 16"/>
-          <p:cNvSpPr>
-            <a:spLocks noGrp="1"/>
-          </p:cNvSpPr>
-          <p:nvPr>
-            <p:ph type="body" sz="quarter" idx="14"/>
-          </p:nvPr>
-        </p:nvSpPr>
-        <p:spPr/>
-        <p:txBody>
-          <a:bodyPr anchor="ctr"/>
-          <a:lstStyle/>
-          <a:p>
-            <a:r>
-              <a:rPr lang="en-US" dirty="0"/>
-              <a:t>Containers </a:t>
-            </a:r>
-            <a:r>
-              <a:rPr lang="en-US" dirty="0">
-                <a:solidFill>
-                  <a:schemeClr val="accent1"/>
-                </a:solidFill>
-              </a:rPr>
-              <a:t>made easy</a:t>
+              <a:t>Demo</a:t>
             </a:r>
           </a:p>
         </p:txBody>
       </p:sp>
       <p:pic>
         <p:nvPicPr>
-          <p:cNvPr id="4" name="Picture 3">
+          <p:cNvPr id="6" name="Picture 5">
             <a:extLst>
               <a:ext uri="{FF2B5EF4-FFF2-40B4-BE49-F238E27FC236}">
-                <a16:creationId xmlns:a16="http://schemas.microsoft.com/office/drawing/2014/main" id="{2E8C9C42-BC03-468E-B04E-6BE203085308}"/>
+                <a16:creationId xmlns:a16="http://schemas.microsoft.com/office/drawing/2014/main" id="{8D1ACC5F-52FE-4C32-9E61-49F09FCEB59D}"/>
               </a:ext>
             </a:extLst>
           </p:cNvPr>
@@ -30516,8 +31799,8 @@
         </p:blipFill>
         <p:spPr>
           <a:xfrm>
-            <a:off x="6978451" y="1609832"/>
-            <a:ext cx="4262244" cy="3190166"/>
+            <a:off x="4521420" y="1853181"/>
+            <a:ext cx="3151638" cy="3151638"/>
           </a:xfrm>
           <a:prstGeom prst="rect">
             <a:avLst/>
@@ -30527,7 +31810,7 @@
     </p:spTree>
     <p:extLst>
       <p:ext uri="{BB962C8B-B14F-4D97-AF65-F5344CB8AC3E}">
-        <p14:creationId xmlns:p14="http://schemas.microsoft.com/office/powerpoint/2010/main" val="331263750"/>
+        <p14:creationId xmlns:p14="http://schemas.microsoft.com/office/powerpoint/2010/main" val="124336596"/>
       </p:ext>
     </p:extLst>
   </p:cSld>

--- a/docker/02_Members_of_docker_universe.pptx
+++ b/docker/02_Members_of_docker_universe.pptx
@@ -5,35 +5,29 @@
     <p:sldMasterId id="2147483733" r:id="rId1"/>
   </p:sldMasterIdLst>
   <p:notesMasterIdLst>
-    <p:notesMasterId r:id="rId25"/>
+    <p:notesMasterId r:id="rId19"/>
   </p:notesMasterIdLst>
   <p:handoutMasterIdLst>
-    <p:handoutMasterId r:id="rId26"/>
+    <p:handoutMasterId r:id="rId20"/>
   </p:handoutMasterIdLst>
   <p:sldIdLst>
     <p:sldId id="434" r:id="rId2"/>
     <p:sldId id="437" r:id="rId3"/>
     <p:sldId id="444" r:id="rId4"/>
     <p:sldId id="449" r:id="rId5"/>
-    <p:sldId id="458" r:id="rId6"/>
-    <p:sldId id="450" r:id="rId7"/>
-    <p:sldId id="460" r:id="rId8"/>
-    <p:sldId id="451" r:id="rId9"/>
-    <p:sldId id="461" r:id="rId10"/>
-    <p:sldId id="455" r:id="rId11"/>
-    <p:sldId id="462" r:id="rId12"/>
-    <p:sldId id="452" r:id="rId13"/>
-    <p:sldId id="459" r:id="rId14"/>
-    <p:sldId id="454" r:id="rId15"/>
-    <p:sldId id="453" r:id="rId16"/>
-    <p:sldId id="382" r:id="rId17"/>
-    <p:sldId id="438" r:id="rId18"/>
-    <p:sldId id="440" r:id="rId19"/>
-    <p:sldId id="456" r:id="rId20"/>
-    <p:sldId id="457" r:id="rId21"/>
-    <p:sldId id="448" r:id="rId22"/>
-    <p:sldId id="463" r:id="rId23"/>
-    <p:sldId id="265" r:id="rId24"/>
+    <p:sldId id="450" r:id="rId6"/>
+    <p:sldId id="451" r:id="rId7"/>
+    <p:sldId id="455" r:id="rId8"/>
+    <p:sldId id="452" r:id="rId9"/>
+    <p:sldId id="454" r:id="rId10"/>
+    <p:sldId id="453" r:id="rId11"/>
+    <p:sldId id="382" r:id="rId12"/>
+    <p:sldId id="438" r:id="rId13"/>
+    <p:sldId id="440" r:id="rId14"/>
+    <p:sldId id="456" r:id="rId15"/>
+    <p:sldId id="457" r:id="rId16"/>
+    <p:sldId id="448" r:id="rId17"/>
+    <p:sldId id="265" r:id="rId18"/>
   </p:sldIdLst>
   <p:sldSz cx="12195175" cy="6858000"/>
   <p:notesSz cx="6858000" cy="9144000"/>
@@ -209,6 +203,61 @@
 </p:presentation>
 </file>
 
+<file path=ppt/commentAuthors.xml><?xml version="1.0" encoding="utf-8"?>
+<p:cmAuthorLst xmlns:a="http://schemas.openxmlformats.org/drawingml/2006/main" xmlns:r="http://schemas.openxmlformats.org/officeDocument/2006/relationships" xmlns:p="http://schemas.openxmlformats.org/presentationml/2006/main">
+  <p:cmAuthor id="1" name="Partsch, Holger" initials="PH" lastIdx="6" clrIdx="0">
+    <p:extLst>
+      <p:ext uri="{19B8F6BF-5375-455C-9EA6-DF929625EA0E}">
+        <p15:presenceInfo xmlns:p15="http://schemas.microsoft.com/office/powerpoint/2012/main" userId="S-1-5-21-74642-3284969411-2123768488-120253" providerId="AD"/>
+      </p:ext>
+    </p:extLst>
+  </p:cmAuthor>
+</p:cmAuthorLst>
+</file>
+
+<file path=ppt/comments/comment1.xml><?xml version="1.0" encoding="utf-8"?>
+<p:cmLst xmlns:a="http://schemas.openxmlformats.org/drawingml/2006/main" xmlns:r="http://schemas.openxmlformats.org/officeDocument/2006/relationships" xmlns:p="http://schemas.openxmlformats.org/presentationml/2006/main">
+  <p:cm authorId="1" dt="2018-06-25T15:54:55.643" idx="1">
+    <p:pos x="4967" y="861"/>
+    <p:text>The first bullet point on this slide talk about namespaces in general.
+What is meant however is only the pid namespace.</p:text>
+    <p:extLst mod="1">
+      <p:ext uri="{C676402C-5697-4E1C-873F-D02D1690AC5C}">
+        <p15:threadingInfo xmlns:p15="http://schemas.microsoft.com/office/powerpoint/2012/main" timeZoneBias="-120"/>
+      </p:ext>
+    </p:extLst>
+  </p:cm>
+</p:cmLst>
+</file>
+
+<file path=ppt/comments/comment2.xml><?xml version="1.0" encoding="utf-8"?>
+<p:cmLst xmlns:a="http://schemas.openxmlformats.org/drawingml/2006/main" xmlns:r="http://schemas.openxmlformats.org/officeDocument/2006/relationships" xmlns:p="http://schemas.openxmlformats.org/presentationml/2006/main">
+  <p:cm authorId="1" dt="2018-06-25T16:01:01.234" idx="3">
+    <p:pos x="10" y="10"/>
+    <p:text>Was the term image even mentioned before we get here?</p:text>
+    <p:extLst>
+      <p:ext uri="{C676402C-5697-4E1C-873F-D02D1690AC5C}">
+        <p15:threadingInfo xmlns:p15="http://schemas.microsoft.com/office/powerpoint/2012/main" timeZoneBias="-120"/>
+      </p:ext>
+    </p:extLst>
+  </p:cm>
+</p:cmLst>
+</file>
+
+<file path=ppt/comments/comment3.xml><?xml version="1.0" encoding="utf-8"?>
+<p:cmLst xmlns:a="http://schemas.openxmlformats.org/drawingml/2006/main" xmlns:r="http://schemas.openxmlformats.org/officeDocument/2006/relationships" xmlns:p="http://schemas.openxmlformats.org/presentationml/2006/main">
+  <p:cm authorId="1" dt="2018-06-25T16:05:50.396" idx="6">
+    <p:pos x="10" y="10"/>
+    <p:text>spinnig</p:text>
+    <p:extLst>
+      <p:ext uri="{C676402C-5697-4E1C-873F-D02D1690AC5C}">
+        <p15:threadingInfo xmlns:p15="http://schemas.microsoft.com/office/powerpoint/2012/main" timeZoneBias="-120"/>
+      </p:ext>
+    </p:extLst>
+  </p:cm>
+</p:cmLst>
+</file>
+
 <file path=ppt/handoutMasters/handoutMaster1.xml><?xml version="1.0" encoding="utf-8"?>
 <p:handoutMaster xmlns:a="http://schemas.openxmlformats.org/drawingml/2006/main" xmlns:r="http://schemas.openxmlformats.org/officeDocument/2006/relationships" xmlns:p="http://schemas.openxmlformats.org/presentationml/2006/main">
   <p:cSld>
@@ -667,61 +716,142 @@
           <a:lstStyle/>
           <a:p>
             <a:r>
-              <a:rPr lang="en-US" dirty="0"/>
-              <a:t>An application will eventually (after doing tons of nested library calls) call the operating system to do things - like reading or writing to files or sending data across the network. Talking to the operating system is done through system calls or </a:t>
-            </a:r>
-            <a:r>
-              <a:rPr lang="en-US" dirty="0" err="1"/>
-              <a:t>syscalls</a:t>
-            </a:r>
-            <a:r>
-              <a:rPr lang="en-US" dirty="0"/>
-              <a:t>. </a:t>
-            </a:r>
-            <a:r>
-              <a:rPr lang="en-US" dirty="0" err="1"/>
-              <a:t>Syscalls</a:t>
-            </a:r>
-            <a:r>
-              <a:rPr lang="en-US" dirty="0"/>
-              <a:t> are the interface between user space (where your application runs in) and kernel space (where the operating system does its job) and there are around 340 of them (</a:t>
-            </a:r>
-            <a:r>
-              <a:rPr lang="en-US" dirty="0" err="1"/>
-              <a:t>syscalls</a:t>
-            </a:r>
-            <a:r>
-              <a:rPr lang="en-US" dirty="0"/>
-              <a:t>).</a:t>
-            </a:r>
-          </a:p>
-          <a:p>
-            <a:r>
-              <a:rPr lang="en-US" dirty="0"/>
-              <a:t>While most system calls are necessary for programs to do their job (e.g. a program cannot even be loaded into memory without the “</a:t>
-            </a:r>
-            <a:r>
-              <a:rPr lang="en-US" dirty="0" err="1"/>
-              <a:t>execve</a:t>
-            </a:r>
-            <a:r>
-              <a:rPr lang="en-US" dirty="0"/>
-              <a:t>” system call) some are potentially dangerous and would allow a process to break free from its container or to cause harm to other containers (such as the reboot system call which would reboot the host terminating all containers on it).</a:t>
-            </a:r>
-          </a:p>
-          <a:p>
-            <a:r>
-              <a:rPr lang="en-US" dirty="0"/>
-              <a:t>With </a:t>
-            </a:r>
-            <a:r>
-              <a:rPr lang="en-US" dirty="0" err="1"/>
-              <a:t>seccomp</a:t>
-            </a:r>
-            <a:r>
-              <a:rPr lang="en-US" dirty="0"/>
-              <a:t>, individual system calls can be blocked to reduce the security risk which is commonly done in container environments (Docker for instance blocks around 40 system calls by default).</a:t>
-            </a:r>
+              <a:rPr lang="de-DE" dirty="0" err="1"/>
+              <a:t>You</a:t>
+            </a:r>
+            <a:r>
+              <a:rPr lang="de-DE" dirty="0"/>
+              <a:t> </a:t>
+            </a:r>
+            <a:r>
+              <a:rPr lang="de-DE" dirty="0" err="1"/>
+              <a:t>actually</a:t>
+            </a:r>
+            <a:r>
+              <a:rPr lang="de-DE" dirty="0"/>
+              <a:t> </a:t>
+            </a:r>
+            <a:r>
+              <a:rPr lang="de-DE" dirty="0" err="1"/>
+              <a:t>specify</a:t>
+            </a:r>
+            <a:r>
+              <a:rPr lang="de-DE" dirty="0"/>
+              <a:t> an </a:t>
+            </a:r>
+            <a:r>
+              <a:rPr lang="de-DE" dirty="0" err="1"/>
+              <a:t>image</a:t>
+            </a:r>
+            <a:r>
+              <a:rPr lang="de-DE" dirty="0"/>
+              <a:t> </a:t>
+            </a:r>
+            <a:r>
+              <a:rPr lang="de-DE" dirty="0" err="1"/>
+              <a:t>name</a:t>
+            </a:r>
+            <a:r>
+              <a:rPr lang="de-DE" dirty="0"/>
+              <a:t> </a:t>
+            </a:r>
+            <a:r>
+              <a:rPr lang="de-DE" dirty="0" err="1"/>
+              <a:t>as</a:t>
+            </a:r>
+            <a:r>
+              <a:rPr lang="de-DE" dirty="0"/>
+              <a:t> </a:t>
+            </a:r>
+            <a:r>
+              <a:rPr lang="de-DE" dirty="0" err="1"/>
+              <a:t>argument</a:t>
+            </a:r>
+            <a:r>
+              <a:rPr lang="de-DE" dirty="0"/>
+              <a:t> </a:t>
+            </a:r>
+            <a:r>
+              <a:rPr lang="de-DE" dirty="0" err="1"/>
+              <a:t>of</a:t>
+            </a:r>
+            <a:r>
+              <a:rPr lang="de-DE" dirty="0"/>
+              <a:t> </a:t>
+            </a:r>
+            <a:r>
+              <a:rPr lang="de-DE" dirty="0" err="1"/>
+              <a:t>the</a:t>
+            </a:r>
+            <a:r>
+              <a:rPr lang="de-DE" dirty="0"/>
+              <a:t> docker </a:t>
+            </a:r>
+            <a:r>
+              <a:rPr lang="de-DE" dirty="0" err="1"/>
+              <a:t>run</a:t>
+            </a:r>
+            <a:r>
+              <a:rPr lang="de-DE" dirty="0"/>
+              <a:t> but </a:t>
+            </a:r>
+            <a:r>
+              <a:rPr lang="de-DE" dirty="0" err="1"/>
+              <a:t>that</a:t>
+            </a:r>
+            <a:r>
+              <a:rPr lang="de-DE" dirty="0"/>
+              <a:t> will </a:t>
+            </a:r>
+            <a:r>
+              <a:rPr lang="de-DE" dirty="0" err="1"/>
+              <a:t>be</a:t>
+            </a:r>
+            <a:r>
+              <a:rPr lang="de-DE" dirty="0"/>
+              <a:t> </a:t>
+            </a:r>
+            <a:r>
+              <a:rPr lang="de-DE" dirty="0" err="1"/>
+              <a:t>explained</a:t>
+            </a:r>
+            <a:r>
+              <a:rPr lang="de-DE" dirty="0"/>
+              <a:t> in </a:t>
+            </a:r>
+            <a:r>
+              <a:rPr lang="de-DE" dirty="0" err="1"/>
+              <a:t>the</a:t>
+            </a:r>
+            <a:r>
+              <a:rPr lang="de-DE" dirty="0"/>
+              <a:t> </a:t>
+            </a:r>
+            <a:r>
+              <a:rPr lang="de-DE" dirty="0" err="1"/>
+              <a:t>next</a:t>
+            </a:r>
+            <a:r>
+              <a:rPr lang="de-DE" dirty="0"/>
+              <a:t> </a:t>
+            </a:r>
+            <a:r>
+              <a:rPr lang="de-DE" dirty="0" err="1"/>
+              <a:t>few</a:t>
+            </a:r>
+            <a:r>
+              <a:rPr lang="de-DE" dirty="0"/>
+              <a:t> </a:t>
+            </a:r>
+            <a:r>
+              <a:rPr lang="de-DE" dirty="0" err="1"/>
+              <a:t>slides</a:t>
+            </a:r>
+            <a:r>
+              <a:rPr lang="de-DE" dirty="0"/>
+              <a:t>.</a:t>
+            </a:r>
+            <a:endParaRPr lang="en-US" dirty="0"/>
           </a:p>
         </p:txBody>
       </p:sp>
@@ -752,7 +882,7 @@
     </p:spTree>
     <p:extLst>
       <p:ext uri="{BB962C8B-B14F-4D97-AF65-F5344CB8AC3E}">
-        <p14:creationId xmlns:p14="http://schemas.microsoft.com/office/powerpoint/2010/main" val="1548338189"/>
+        <p14:creationId xmlns:p14="http://schemas.microsoft.com/office/powerpoint/2010/main" val="638968625"/>
       </p:ext>
     </p:extLst>
   </p:cSld>
@@ -808,83 +938,17 @@
           <a:p>
             <a:r>
               <a:rPr lang="en-US" dirty="0"/>
-              <a:t>Demo for </a:t>
-            </a:r>
-            <a:r>
-              <a:rPr lang="en-US" dirty="0" err="1"/>
-              <a:t>seccomp</a:t>
-            </a:r>
+              <a:t>Docker offers more than “just” running containers. It brings a complete eco-system of building, persisting and sharing containers. </a:t>
+            </a:r>
+          </a:p>
+          <a:p>
+            <a:endParaRPr lang="en-US" dirty="0"/>
+          </a:p>
+          <a:p>
             <a:r>
               <a:rPr lang="en-US" dirty="0"/>
-              <a:t> </a:t>
-            </a:r>
-            <a:r>
-              <a:rPr lang="en-US" b="1" dirty="0"/>
-              <a:t>based on Docker </a:t>
-            </a:r>
-            <a:r>
-              <a:rPr lang="en-US" b="0" dirty="0"/>
-              <a:t>(for convenience)</a:t>
-            </a:r>
-            <a:endParaRPr lang="en-US" b="1" dirty="0"/>
-          </a:p>
-          <a:p>
-            <a:endParaRPr lang="en-US" dirty="0"/>
-          </a:p>
-          <a:p>
-            <a:r>
-              <a:rPr lang="en-US" dirty="0"/>
-              <a:t>Within the repo go to the container-demos folder and run </a:t>
-            </a:r>
-            <a:r>
-              <a:rPr lang="en-US" b="1" dirty="0"/>
-              <a:t>demo-05-seccomp.sh</a:t>
-            </a:r>
-          </a:p>
-          <a:p>
-            <a:endParaRPr lang="en-US" b="0" dirty="0"/>
-          </a:p>
-          <a:p>
-            <a:r>
-              <a:rPr lang="en-US" b="0" dirty="0"/>
-              <a:t>The script will demonstrate how </a:t>
-            </a:r>
-            <a:r>
-              <a:rPr lang="en-US" b="0" dirty="0" err="1"/>
-              <a:t>seccomp</a:t>
-            </a:r>
-            <a:r>
-              <a:rPr lang="en-US" b="0" dirty="0"/>
-              <a:t> profiles can be used to control access to the kernel via </a:t>
-            </a:r>
-            <a:r>
-              <a:rPr lang="en-US" b="0" dirty="0" err="1"/>
-              <a:t>syscalls</a:t>
-            </a:r>
-            <a:r>
-              <a:rPr lang="en-US" b="0" dirty="0"/>
-              <a:t>. To make things easier, this demo  is based on Docker so it might give already an impression on how Docker works.</a:t>
-            </a:r>
-          </a:p>
-          <a:p>
-            <a:endParaRPr lang="en-US" b="0" dirty="0"/>
-          </a:p>
-          <a:p>
-            <a:r>
-              <a:rPr lang="en-US" b="0" dirty="0"/>
-              <a:t>While the </a:t>
-            </a:r>
-            <a:r>
-              <a:rPr lang="en-US" b="0" dirty="0" err="1"/>
-              <a:t>syscalls</a:t>
-            </a:r>
-            <a:r>
-              <a:rPr lang="en-US" b="0" dirty="0"/>
-              <a:t> are blocked in this demo, it is worth to mention, that you can also implement trap wires to inform the underlying platform of what’s going on and potentially invoke countermeasures.</a:t>
-            </a:r>
-          </a:p>
-          <a:p>
-            <a:endParaRPr lang="en-US" b="0" dirty="0"/>
+              <a:t>The client triggers the docker host to execute actions related to container lifecycle, but also building, downloading &amp; sharing images. The Docker Registry concepts allows to store images permanently. The most famous registry is the docker hub. </a:t>
+            </a:r>
           </a:p>
         </p:txBody>
       </p:sp>
@@ -904,18 +968,18 @@
           <a:lstStyle/>
           <a:p>
             <a:fld id="{7D8C2C35-2B8A-446E-BEC0-FD36716C29AC}" type="slidenum">
-              <a:rPr lang="de-DE" smtClean="0"/>
+              <a:rPr lang="en-US" smtClean="0"/>
               <a:pPr/>
               <a:t>11</a:t>
             </a:fld>
-            <a:endParaRPr lang="de-DE" dirty="0"/>
+            <a:endParaRPr lang="en-US" dirty="0"/>
           </a:p>
         </p:txBody>
       </p:sp>
     </p:spTree>
     <p:extLst>
       <p:ext uri="{BB962C8B-B14F-4D97-AF65-F5344CB8AC3E}">
-        <p14:creationId xmlns:p14="http://schemas.microsoft.com/office/powerpoint/2010/main" val="80651963"/>
+        <p14:creationId xmlns:p14="http://schemas.microsoft.com/office/powerpoint/2010/main" val="460007210"/>
       </p:ext>
     </p:extLst>
   </p:cSld>
@@ -969,10 +1033,7 @@
           <a:bodyPr/>
           <a:lstStyle/>
           <a:p>
-            <a:r>
-              <a:rPr lang="en-US" dirty="0"/>
-              <a:t>Optionally – run the command above on the container folder created by the chroot demo script</a:t>
-            </a:r>
+            <a:endParaRPr lang="en-US" dirty="0"/>
           </a:p>
         </p:txBody>
       </p:sp>
@@ -1003,7 +1064,7 @@
     </p:spTree>
     <p:extLst>
       <p:ext uri="{BB962C8B-B14F-4D97-AF65-F5344CB8AC3E}">
-        <p14:creationId xmlns:p14="http://schemas.microsoft.com/office/powerpoint/2010/main" val="2834622086"/>
+        <p14:creationId xmlns:p14="http://schemas.microsoft.com/office/powerpoint/2010/main" val="2984866983"/>
       </p:ext>
     </p:extLst>
   </p:cSld>
@@ -1057,7 +1118,132 @@
           <a:bodyPr/>
           <a:lstStyle/>
           <a:p>
-            <a:endParaRPr lang="en-US" dirty="0"/>
+            <a:r>
+              <a:rPr lang="en-US" noProof="0" dirty="0"/>
+              <a:t>Docker is a client-server architecture. The docker command you use to interact with Docker does nothing but talk to the Docker daemon. All the magic of pinning up containers, downloading images and even building images is done inside the Docker daemon. Communication between the Docker client and the Docker daemon happens through a </a:t>
+            </a:r>
+            <a:r>
+              <a:rPr lang="en-US" noProof="0" dirty="0" err="1"/>
+              <a:t>ReST</a:t>
+            </a:r>
+            <a:r>
+              <a:rPr lang="en-US" noProof="0" dirty="0"/>
+              <a:t> API over http/https.</a:t>
+            </a:r>
+          </a:p>
+          <a:p>
+            <a:r>
+              <a:rPr lang="en-US" noProof="0" dirty="0"/>
+              <a:t>If both, docker client and docker daemon, run on the same host, communication will take place through a socket file (/</a:t>
+            </a:r>
+            <a:r>
+              <a:rPr lang="en-US" noProof="0" dirty="0" err="1"/>
+              <a:t>var</a:t>
+            </a:r>
+            <a:r>
+              <a:rPr lang="en-US" noProof="0" dirty="0"/>
+              <a:t>/run/</a:t>
+            </a:r>
+            <a:r>
+              <a:rPr lang="en-US" noProof="0" dirty="0" err="1"/>
+              <a:t>docker.sock</a:t>
+            </a:r>
+            <a:r>
+              <a:rPr lang="en-US" noProof="0" dirty="0"/>
+              <a:t>). It is however also possible to have the Docker client on your local laptop and the Docker daemon on a computer somewhere totally different. In that case, communication goes through TCP, the target port on the Docker daemon will be 2375 for unencrypted HTTP and 2376 for TLS secured HTTPS.</a:t>
+            </a:r>
+          </a:p>
+          <a:p>
+            <a:endParaRPr lang="de-DE" noProof="0" dirty="0"/>
+          </a:p>
+          <a:p>
+            <a:r>
+              <a:rPr lang="de-DE" noProof="0" dirty="0"/>
+              <a:t>N</a:t>
+            </a:r>
+            <a:r>
+              <a:rPr lang="en-US" noProof="0" dirty="0" err="1"/>
+              <a:t>ote</a:t>
+            </a:r>
+            <a:r>
+              <a:rPr lang="en-US" noProof="0" dirty="0"/>
+              <a:t>:</a:t>
+            </a:r>
+          </a:p>
+          <a:p>
+            <a:pPr lvl="1"/>
+            <a:r>
+              <a:rPr lang="en-US" noProof="0" dirty="0"/>
+              <a:t>If you want to talk to</a:t>
+            </a:r>
+            <a:r>
+              <a:rPr lang="en-US" baseline="0" noProof="0" dirty="0"/>
+              <a:t> dockerd directly, you can do so using curl (you will need curl and </a:t>
+            </a:r>
+            <a:r>
+              <a:rPr lang="en-US" baseline="0" noProof="0" dirty="0" err="1"/>
+              <a:t>libcurl</a:t>
+            </a:r>
+            <a:r>
+              <a:rPr lang="en-US" baseline="0" noProof="0" dirty="0"/>
+              <a:t> &gt;= 7.40): </a:t>
+            </a:r>
+            <a:br>
+              <a:rPr lang="en-US" baseline="0" noProof="0" dirty="0"/>
+            </a:br>
+            <a:r>
+              <a:rPr lang="en-US" baseline="0" noProof="0" dirty="0"/>
+              <a:t>   curl --</a:t>
+            </a:r>
+            <a:r>
+              <a:rPr lang="en-US" baseline="0" noProof="0" dirty="0" err="1"/>
+              <a:t>unix</a:t>
+            </a:r>
+            <a:r>
+              <a:rPr lang="en-US" baseline="0" noProof="0" dirty="0"/>
+              <a:t>-socket /</a:t>
+            </a:r>
+            <a:r>
+              <a:rPr lang="en-US" baseline="0" noProof="0" dirty="0" err="1"/>
+              <a:t>var</a:t>
+            </a:r>
+            <a:r>
+              <a:rPr lang="en-US" baseline="0" noProof="0" dirty="0"/>
+              <a:t>/run/</a:t>
+            </a:r>
+            <a:r>
+              <a:rPr lang="en-US" baseline="0" noProof="0" dirty="0" err="1"/>
+              <a:t>docker.sock</a:t>
+            </a:r>
+            <a:r>
+              <a:rPr lang="en-US" baseline="0" noProof="0" dirty="0"/>
+              <a:t> http://localhost/containers/json</a:t>
+            </a:r>
+          </a:p>
+          <a:p>
+            <a:pPr lvl="1"/>
+            <a:r>
+              <a:rPr lang="en-US" baseline="0" noProof="0" dirty="0"/>
+              <a:t>Or use your web browser if you enabled </a:t>
+            </a:r>
+            <a:r>
+              <a:rPr lang="en-US" baseline="0" noProof="0" dirty="0" err="1"/>
+              <a:t>dockerd‘s</a:t>
+            </a:r>
+            <a:r>
+              <a:rPr lang="en-US" baseline="0" noProof="0" dirty="0"/>
+              <a:t> TCP socket: </a:t>
+            </a:r>
+            <a:br>
+              <a:rPr lang="en-US" baseline="0" noProof="0" dirty="0"/>
+            </a:br>
+            <a:r>
+              <a:rPr lang="en-US" baseline="0" noProof="0" dirty="0"/>
+              <a:t>   http://&lt;hostname&gt;:2375/containers/json</a:t>
+            </a:r>
+          </a:p>
+          <a:p>
+            <a:endParaRPr lang="en-US" noProof="0" dirty="0"/>
           </a:p>
         </p:txBody>
       </p:sp>
@@ -1077,18 +1263,18 @@
           <a:lstStyle/>
           <a:p>
             <a:fld id="{7D8C2C35-2B8A-446E-BEC0-FD36716C29AC}" type="slidenum">
-              <a:rPr lang="de-DE" smtClean="0"/>
+              <a:rPr lang="en-US" smtClean="0"/>
               <a:pPr/>
               <a:t>13</a:t>
             </a:fld>
-            <a:endParaRPr lang="de-DE" dirty="0"/>
+            <a:endParaRPr lang="en-US" dirty="0"/>
           </a:p>
         </p:txBody>
       </p:sp>
     </p:spTree>
     <p:extLst>
       <p:ext uri="{BB962C8B-B14F-4D97-AF65-F5344CB8AC3E}">
-        <p14:creationId xmlns:p14="http://schemas.microsoft.com/office/powerpoint/2010/main" val="3078135584"/>
+        <p14:creationId xmlns:p14="http://schemas.microsoft.com/office/powerpoint/2010/main" val="1009079960"/>
       </p:ext>
     </p:extLst>
   </p:cSld>
@@ -1142,7 +1328,127 @@
           <a:bodyPr/>
           <a:lstStyle/>
           <a:p>
+            <a:r>
+              <a:rPr lang="en-US" dirty="0"/>
+              <a:t>The docker daemon works as central entry point. It receives API requests and is home of docker specific features.</a:t>
+            </a:r>
+          </a:p>
+          <a:p>
             <a:endParaRPr lang="en-US" dirty="0"/>
+          </a:p>
+          <a:p>
+            <a:r>
+              <a:rPr lang="en-US" dirty="0" err="1"/>
+              <a:t>Containerd</a:t>
+            </a:r>
+            <a:r>
+              <a:rPr lang="en-US" dirty="0"/>
+              <a:t> actually is the container runtime. It is a refactored part of the former docker engine and handles the complete lifecycle of a container. It works on the basis of the open container initiative (OCI) specifications for container runtimes. </a:t>
+            </a:r>
+            <a:r>
+              <a:rPr lang="en-US" dirty="0" err="1"/>
+              <a:t>Containerd</a:t>
+            </a:r>
+            <a:r>
+              <a:rPr lang="en-US" dirty="0"/>
+              <a:t> also depends on OCI compatible images (root file system + </a:t>
+            </a:r>
+            <a:r>
+              <a:rPr lang="en-US" dirty="0" err="1"/>
+              <a:t>container.json</a:t>
+            </a:r>
+            <a:r>
+              <a:rPr lang="en-US" dirty="0"/>
+              <a:t>)</a:t>
+            </a:r>
+          </a:p>
+          <a:p>
+            <a:endParaRPr lang="en-US" dirty="0"/>
+          </a:p>
+          <a:p>
+            <a:r>
+              <a:rPr lang="en-US" dirty="0" err="1"/>
+              <a:t>Containerd</a:t>
+            </a:r>
+            <a:r>
+              <a:rPr lang="en-US" dirty="0"/>
+              <a:t> instructs </a:t>
+            </a:r>
+            <a:r>
+              <a:rPr lang="en-US" dirty="0" err="1"/>
+              <a:t>runc</a:t>
+            </a:r>
+            <a:r>
+              <a:rPr lang="en-US" dirty="0"/>
+              <a:t> to start a container. </a:t>
+            </a:r>
+            <a:r>
+              <a:rPr lang="en-US" dirty="0" err="1"/>
+              <a:t>Runc</a:t>
+            </a:r>
+            <a:r>
+              <a:rPr lang="en-US" dirty="0"/>
+              <a:t> sets up all the </a:t>
+            </a:r>
+            <a:r>
+              <a:rPr lang="en-US" dirty="0" err="1"/>
+              <a:t>linux</a:t>
+            </a:r>
+            <a:r>
+              <a:rPr lang="en-US" dirty="0"/>
+              <a:t> magic with </a:t>
+            </a:r>
+            <a:r>
+              <a:rPr lang="en-US" dirty="0" err="1"/>
+              <a:t>cgroups</a:t>
+            </a:r>
+            <a:r>
+              <a:rPr lang="en-US" dirty="0"/>
+              <a:t> </a:t>
+            </a:r>
+            <a:r>
+              <a:rPr lang="en-US" dirty="0" err="1"/>
+              <a:t>etc</a:t>
+            </a:r>
+            <a:r>
+              <a:rPr lang="en-US" dirty="0"/>
+              <a:t> and forks the container’s PID #1. Afterwards it will exit(0) and handover parent ownership of the container to </a:t>
+            </a:r>
+            <a:r>
+              <a:rPr lang="en-US" dirty="0" err="1"/>
+              <a:t>containerd</a:t>
+            </a:r>
+            <a:r>
+              <a:rPr lang="en-US" dirty="0"/>
+              <a:t>-shim. The shim module is there to decouple the daemon and container processes.</a:t>
+            </a:r>
+          </a:p>
+          <a:p>
+            <a:endParaRPr lang="en-US" dirty="0"/>
+          </a:p>
+          <a:p>
+            <a:r>
+              <a:rPr lang="en-US" dirty="0"/>
+              <a:t>Details can be found here:</a:t>
+            </a:r>
+          </a:p>
+          <a:p>
+            <a:r>
+              <a:rPr lang="en-US" dirty="0"/>
+              <a:t>https://containerd.io/</a:t>
+            </a:r>
+          </a:p>
+          <a:p>
+            <a:r>
+              <a:rPr lang="en-US" dirty="0"/>
+              <a:t>https://www.slideshare.net/PhilEstes/diving-through-the-layers-investigating-runc-containerd-and-the-docker-engine-architecture</a:t>
+            </a:r>
+          </a:p>
+          <a:p>
+            <a:r>
+              <a:rPr lang="en-US" dirty="0"/>
+              <a:t>https://hackernoon.com/docker-containerd-standalone-runtimes-heres-what-you-should-know-b834ef155426?gi=c8140ae48de2</a:t>
+            </a:r>
           </a:p>
         </p:txBody>
       </p:sp>
@@ -1162,18 +1468,18 @@
           <a:lstStyle/>
           <a:p>
             <a:fld id="{7D8C2C35-2B8A-446E-BEC0-FD36716C29AC}" type="slidenum">
-              <a:rPr lang="en-US" smtClean="0"/>
+              <a:rPr lang="de-DE" smtClean="0"/>
               <a:pPr/>
-              <a:t>14</a:t>
+              <a:t>15</a:t>
             </a:fld>
-            <a:endParaRPr lang="en-US" dirty="0"/>
+            <a:endParaRPr lang="de-DE" dirty="0"/>
           </a:p>
         </p:txBody>
       </p:sp>
     </p:spTree>
     <p:extLst>
       <p:ext uri="{BB962C8B-B14F-4D97-AF65-F5344CB8AC3E}">
-        <p14:creationId xmlns:p14="http://schemas.microsoft.com/office/powerpoint/2010/main" val="2415921286"/>
+        <p14:creationId xmlns:p14="http://schemas.microsoft.com/office/powerpoint/2010/main" val="3483686948"/>
       </p:ext>
     </p:extLst>
   </p:cSld>
@@ -1227,142 +1533,6 @@
           <a:bodyPr/>
           <a:lstStyle/>
           <a:p>
-            <a:r>
-              <a:rPr lang="de-DE" dirty="0" err="1"/>
-              <a:t>You</a:t>
-            </a:r>
-            <a:r>
-              <a:rPr lang="de-DE" dirty="0"/>
-              <a:t> </a:t>
-            </a:r>
-            <a:r>
-              <a:rPr lang="de-DE" dirty="0" err="1"/>
-              <a:t>actually</a:t>
-            </a:r>
-            <a:r>
-              <a:rPr lang="de-DE" dirty="0"/>
-              <a:t> </a:t>
-            </a:r>
-            <a:r>
-              <a:rPr lang="de-DE" dirty="0" err="1"/>
-              <a:t>specify</a:t>
-            </a:r>
-            <a:r>
-              <a:rPr lang="de-DE" dirty="0"/>
-              <a:t> an </a:t>
-            </a:r>
-            <a:r>
-              <a:rPr lang="de-DE" dirty="0" err="1"/>
-              <a:t>image</a:t>
-            </a:r>
-            <a:r>
-              <a:rPr lang="de-DE" dirty="0"/>
-              <a:t> </a:t>
-            </a:r>
-            <a:r>
-              <a:rPr lang="de-DE" dirty="0" err="1"/>
-              <a:t>name</a:t>
-            </a:r>
-            <a:r>
-              <a:rPr lang="de-DE" dirty="0"/>
-              <a:t> </a:t>
-            </a:r>
-            <a:r>
-              <a:rPr lang="de-DE" dirty="0" err="1"/>
-              <a:t>as</a:t>
-            </a:r>
-            <a:r>
-              <a:rPr lang="de-DE" dirty="0"/>
-              <a:t> </a:t>
-            </a:r>
-            <a:r>
-              <a:rPr lang="de-DE" dirty="0" err="1"/>
-              <a:t>argument</a:t>
-            </a:r>
-            <a:r>
-              <a:rPr lang="de-DE" dirty="0"/>
-              <a:t> </a:t>
-            </a:r>
-            <a:r>
-              <a:rPr lang="de-DE" dirty="0" err="1"/>
-              <a:t>of</a:t>
-            </a:r>
-            <a:r>
-              <a:rPr lang="de-DE" dirty="0"/>
-              <a:t> </a:t>
-            </a:r>
-            <a:r>
-              <a:rPr lang="de-DE" dirty="0" err="1"/>
-              <a:t>the</a:t>
-            </a:r>
-            <a:r>
-              <a:rPr lang="de-DE" dirty="0"/>
-              <a:t> docker </a:t>
-            </a:r>
-            <a:r>
-              <a:rPr lang="de-DE" dirty="0" err="1"/>
-              <a:t>run</a:t>
-            </a:r>
-            <a:r>
-              <a:rPr lang="de-DE" dirty="0"/>
-              <a:t> but </a:t>
-            </a:r>
-            <a:r>
-              <a:rPr lang="de-DE" dirty="0" err="1"/>
-              <a:t>that</a:t>
-            </a:r>
-            <a:r>
-              <a:rPr lang="de-DE" dirty="0"/>
-              <a:t> will </a:t>
-            </a:r>
-            <a:r>
-              <a:rPr lang="de-DE" dirty="0" err="1"/>
-              <a:t>be</a:t>
-            </a:r>
-            <a:r>
-              <a:rPr lang="de-DE" dirty="0"/>
-              <a:t> </a:t>
-            </a:r>
-            <a:r>
-              <a:rPr lang="de-DE" dirty="0" err="1"/>
-              <a:t>explained</a:t>
-            </a:r>
-            <a:r>
-              <a:rPr lang="de-DE" dirty="0"/>
-              <a:t> in </a:t>
-            </a:r>
-            <a:r>
-              <a:rPr lang="de-DE" dirty="0" err="1"/>
-              <a:t>the</a:t>
-            </a:r>
-            <a:r>
-              <a:rPr lang="de-DE" dirty="0"/>
-              <a:t> </a:t>
-            </a:r>
-            <a:r>
-              <a:rPr lang="de-DE" dirty="0" err="1"/>
-              <a:t>next</a:t>
-            </a:r>
-            <a:r>
-              <a:rPr lang="de-DE" dirty="0"/>
-              <a:t> </a:t>
-            </a:r>
-            <a:r>
-              <a:rPr lang="de-DE" dirty="0" err="1"/>
-              <a:t>few</a:t>
-            </a:r>
-            <a:r>
-              <a:rPr lang="de-DE" dirty="0"/>
-              <a:t> </a:t>
-            </a:r>
-            <a:r>
-              <a:rPr lang="de-DE" dirty="0" err="1"/>
-              <a:t>slides</a:t>
-            </a:r>
-            <a:r>
-              <a:rPr lang="de-DE" dirty="0"/>
-              <a:t>.</a:t>
-            </a:r>
             <a:endParaRPr lang="en-US" dirty="0"/>
           </a:p>
         </p:txBody>
@@ -1385,7 +1555,7 @@
             <a:fld id="{7D8C2C35-2B8A-446E-BEC0-FD36716C29AC}" type="slidenum">
               <a:rPr lang="en-US" smtClean="0"/>
               <a:pPr/>
-              <a:t>15</a:t>
+              <a:t>16</a:t>
             </a:fld>
             <a:endParaRPr lang="en-US" dirty="0"/>
           </a:p>
@@ -1394,7 +1564,7 @@
     </p:spTree>
     <p:extLst>
       <p:ext uri="{BB962C8B-B14F-4D97-AF65-F5344CB8AC3E}">
-        <p14:creationId xmlns:p14="http://schemas.microsoft.com/office/powerpoint/2010/main" val="638968625"/>
+        <p14:creationId xmlns:p14="http://schemas.microsoft.com/office/powerpoint/2010/main" val="2814901391"/>
       </p:ext>
     </p:extLst>
   </p:cSld>
@@ -1423,49 +1593,6 @@
       </p:grpSpPr>
       <p:sp>
         <p:nvSpPr>
-          <p:cNvPr id="2" name="Slide Image Placeholder 1"/>
-          <p:cNvSpPr>
-            <a:spLocks noGrp="1" noRot="1" noChangeAspect="1"/>
-          </p:cNvSpPr>
-          <p:nvPr>
-            <p:ph type="sldImg"/>
-          </p:nvPr>
-        </p:nvSpPr>
-        <p:spPr/>
-      </p:sp>
-      <p:sp>
-        <p:nvSpPr>
-          <p:cNvPr id="3" name="Notes Placeholder 2"/>
-          <p:cNvSpPr>
-            <a:spLocks noGrp="1"/>
-          </p:cNvSpPr>
-          <p:nvPr>
-            <p:ph type="body" idx="1"/>
-          </p:nvPr>
-        </p:nvSpPr>
-        <p:spPr/>
-        <p:txBody>
-          <a:bodyPr/>
-          <a:lstStyle/>
-          <a:p>
-            <a:r>
-              <a:rPr lang="en-US" dirty="0"/>
-              <a:t>Docker offers more than “just” running containers. It brings a complete eco-system of building, persisting and sharing containers. </a:t>
-            </a:r>
-          </a:p>
-          <a:p>
-            <a:endParaRPr lang="en-US" dirty="0"/>
-          </a:p>
-          <a:p>
-            <a:r>
-              <a:rPr lang="en-US" dirty="0"/>
-              <a:t>The client triggers the docker host to execute actions related to container lifecycle, but also building, downloading &amp; sharing images. The Docker Registry concepts allows to store images permanently. The most famous registry is the docker hub. </a:t>
-            </a:r>
-          </a:p>
-        </p:txBody>
-      </p:sp>
-      <p:sp>
-        <p:nvSpPr>
           <p:cNvPr id="4" name="Slide Number Placeholder 3"/>
           <p:cNvSpPr>
             <a:spLocks noGrp="1"/>
@@ -1482,45 +1609,15 @@
             <a:fld id="{7D8C2C35-2B8A-446E-BEC0-FD36716C29AC}" type="slidenum">
               <a:rPr lang="en-US" smtClean="0"/>
               <a:pPr/>
-              <a:t>16</a:t>
+              <a:t>17</a:t>
             </a:fld>
             <a:endParaRPr lang="en-US" dirty="0"/>
           </a:p>
         </p:txBody>
       </p:sp>
-    </p:spTree>
-    <p:extLst>
-      <p:ext uri="{BB962C8B-B14F-4D97-AF65-F5344CB8AC3E}">
-        <p14:creationId xmlns:p14="http://schemas.microsoft.com/office/powerpoint/2010/main" val="460007210"/>
-      </p:ext>
-    </p:extLst>
-  </p:cSld>
-  <p:clrMapOvr>
-    <a:masterClrMapping/>
-  </p:clrMapOvr>
-</p:notes>
-</file>
-
-<file path=ppt/notesSlides/notesSlide17.xml><?xml version="1.0" encoding="utf-8"?>
-<p:notes xmlns:a="http://schemas.openxmlformats.org/drawingml/2006/main" xmlns:r="http://schemas.openxmlformats.org/officeDocument/2006/relationships" xmlns:p="http://schemas.openxmlformats.org/presentationml/2006/main">
-  <p:cSld>
-    <p:spTree>
-      <p:nvGrpSpPr>
-        <p:cNvPr id="1" name=""/>
-        <p:cNvGrpSpPr/>
-        <p:nvPr/>
-      </p:nvGrpSpPr>
-      <p:grpSpPr>
-        <a:xfrm>
-          <a:off x="0" y="0"/>
-          <a:ext cx="0" cy="0"/>
-          <a:chOff x="0" y="0"/>
-          <a:chExt cx="0" cy="0"/>
-        </a:xfrm>
-      </p:grpSpPr>
       <p:sp>
         <p:nvSpPr>
-          <p:cNvPr id="2" name="Slide Image Placeholder 1"/>
+          <p:cNvPr id="6" name="Slide Image Placeholder 5"/>
           <p:cNvSpPr>
             <a:spLocks noGrp="1" noRot="1" noChangeAspect="1"/>
           </p:cNvSpPr>
@@ -1528,11 +1625,16 @@
             <p:ph type="sldImg"/>
           </p:nvPr>
         </p:nvSpPr>
-        <p:spPr/>
+        <p:spPr>
+          <a:xfrm>
+            <a:off x="547688" y="612775"/>
+            <a:ext cx="5762625" cy="3241675"/>
+          </a:xfrm>
+        </p:spPr>
       </p:sp>
       <p:sp>
         <p:nvSpPr>
-          <p:cNvPr id="3" name="Notes Placeholder 2"/>
+          <p:cNvPr id="7" name="Notes Placeholder 6"/>
           <p:cNvSpPr>
             <a:spLocks noGrp="1"/>
           </p:cNvSpPr>
@@ -1542,33 +1644,11 @@
         </p:nvSpPr>
         <p:spPr/>
         <p:txBody>
-          <a:bodyPr/>
+          <a:bodyPr>
+            <a:normAutofit/>
+          </a:bodyPr>
           <a:lstStyle/>
           <a:p>
-            <a:endParaRPr lang="en-US" dirty="0"/>
-          </a:p>
-        </p:txBody>
-      </p:sp>
-      <p:sp>
-        <p:nvSpPr>
-          <p:cNvPr id="4" name="Slide Number Placeholder 3"/>
-          <p:cNvSpPr>
-            <a:spLocks noGrp="1"/>
-          </p:cNvSpPr>
-          <p:nvPr>
-            <p:ph type="sldNum" sz="quarter" idx="10"/>
-          </p:nvPr>
-        </p:nvSpPr>
-        <p:spPr/>
-        <p:txBody>
-          <a:bodyPr/>
-          <a:lstStyle/>
-          <a:p>
-            <a:fld id="{7D8C2C35-2B8A-446E-BEC0-FD36716C29AC}" type="slidenum">
-              <a:rPr lang="en-US" smtClean="0"/>
-              <a:pPr/>
-              <a:t>17</a:t>
-            </a:fld>
             <a:endParaRPr lang="en-US" dirty="0"/>
           </a:p>
         </p:txBody>
@@ -1576,430 +1656,7 @@
     </p:spTree>
     <p:extLst>
       <p:ext uri="{BB962C8B-B14F-4D97-AF65-F5344CB8AC3E}">
-        <p14:creationId xmlns:p14="http://schemas.microsoft.com/office/powerpoint/2010/main" val="2984866983"/>
-      </p:ext>
-    </p:extLst>
-  </p:cSld>
-  <p:clrMapOvr>
-    <a:masterClrMapping/>
-  </p:clrMapOvr>
-</p:notes>
-</file>
-
-<file path=ppt/notesSlides/notesSlide18.xml><?xml version="1.0" encoding="utf-8"?>
-<p:notes xmlns:a="http://schemas.openxmlformats.org/drawingml/2006/main" xmlns:r="http://schemas.openxmlformats.org/officeDocument/2006/relationships" xmlns:p="http://schemas.openxmlformats.org/presentationml/2006/main">
-  <p:cSld>
-    <p:spTree>
-      <p:nvGrpSpPr>
-        <p:cNvPr id="1" name=""/>
-        <p:cNvGrpSpPr/>
-        <p:nvPr/>
-      </p:nvGrpSpPr>
-      <p:grpSpPr>
-        <a:xfrm>
-          <a:off x="0" y="0"/>
-          <a:ext cx="0" cy="0"/>
-          <a:chOff x="0" y="0"/>
-          <a:chExt cx="0" cy="0"/>
-        </a:xfrm>
-      </p:grpSpPr>
-      <p:sp>
-        <p:nvSpPr>
-          <p:cNvPr id="2" name="Slide Image Placeholder 1"/>
-          <p:cNvSpPr>
-            <a:spLocks noGrp="1" noRot="1" noChangeAspect="1"/>
-          </p:cNvSpPr>
-          <p:nvPr>
-            <p:ph type="sldImg"/>
-          </p:nvPr>
-        </p:nvSpPr>
-        <p:spPr/>
-      </p:sp>
-      <p:sp>
-        <p:nvSpPr>
-          <p:cNvPr id="3" name="Notes Placeholder 2"/>
-          <p:cNvSpPr>
-            <a:spLocks noGrp="1"/>
-          </p:cNvSpPr>
-          <p:nvPr>
-            <p:ph type="body" idx="1"/>
-          </p:nvPr>
-        </p:nvSpPr>
-        <p:spPr/>
-        <p:txBody>
-          <a:bodyPr/>
-          <a:lstStyle/>
-          <a:p>
-            <a:r>
-              <a:rPr lang="en-US" noProof="0" dirty="0"/>
-              <a:t>Docker is a client-server architecture. The docker command you use to interact with Docker does nothing but talk to the Docker daemon. All the magic of pinning up containers, downloading images and even building images is done inside the Docker daemon. Communication between the Docker client and the Docker daemon happens through a </a:t>
-            </a:r>
-            <a:r>
-              <a:rPr lang="en-US" noProof="0" dirty="0" err="1"/>
-              <a:t>ReST</a:t>
-            </a:r>
-            <a:r>
-              <a:rPr lang="en-US" noProof="0" dirty="0"/>
-              <a:t> API over http/https.</a:t>
-            </a:r>
-          </a:p>
-          <a:p>
-            <a:r>
-              <a:rPr lang="en-US" noProof="0" dirty="0"/>
-              <a:t>If both, docker client and docker daemon, run on the same host, communication will take place through a socket file (/</a:t>
-            </a:r>
-            <a:r>
-              <a:rPr lang="en-US" noProof="0" dirty="0" err="1"/>
-              <a:t>var</a:t>
-            </a:r>
-            <a:r>
-              <a:rPr lang="en-US" noProof="0" dirty="0"/>
-              <a:t>/run/</a:t>
-            </a:r>
-            <a:r>
-              <a:rPr lang="en-US" noProof="0" dirty="0" err="1"/>
-              <a:t>docker.sock</a:t>
-            </a:r>
-            <a:r>
-              <a:rPr lang="en-US" noProof="0" dirty="0"/>
-              <a:t>). It is however also possible to have the Docker client on your local laptop and the Docker daemon on a computer somewhere totally different. In that case, communication goes through TCP, the target port on the Docker daemon will be 2375 for unencrypted HTTP and 2376 for TLS secured HTTPS.</a:t>
-            </a:r>
-          </a:p>
-          <a:p>
-            <a:endParaRPr lang="de-DE" noProof="0" dirty="0"/>
-          </a:p>
-          <a:p>
-            <a:r>
-              <a:rPr lang="de-DE" noProof="0" dirty="0"/>
-              <a:t>N</a:t>
-            </a:r>
-            <a:r>
-              <a:rPr lang="en-US" noProof="0" dirty="0" err="1"/>
-              <a:t>ote</a:t>
-            </a:r>
-            <a:r>
-              <a:rPr lang="en-US" noProof="0" dirty="0"/>
-              <a:t>:</a:t>
-            </a:r>
-          </a:p>
-          <a:p>
-            <a:pPr lvl="1"/>
-            <a:r>
-              <a:rPr lang="en-US" noProof="0" dirty="0"/>
-              <a:t>If you want to talk to</a:t>
-            </a:r>
-            <a:r>
-              <a:rPr lang="en-US" baseline="0" noProof="0" dirty="0"/>
-              <a:t> dockerd directly, you can do so using curl (you will need curl and </a:t>
-            </a:r>
-            <a:r>
-              <a:rPr lang="en-US" baseline="0" noProof="0" dirty="0" err="1"/>
-              <a:t>libcurl</a:t>
-            </a:r>
-            <a:r>
-              <a:rPr lang="en-US" baseline="0" noProof="0" dirty="0"/>
-              <a:t> &gt;= 7.40): </a:t>
-            </a:r>
-            <a:br>
-              <a:rPr lang="en-US" baseline="0" noProof="0" dirty="0"/>
-            </a:br>
-            <a:r>
-              <a:rPr lang="en-US" baseline="0" noProof="0" dirty="0"/>
-              <a:t>   curl --</a:t>
-            </a:r>
-            <a:r>
-              <a:rPr lang="en-US" baseline="0" noProof="0" dirty="0" err="1"/>
-              <a:t>unix</a:t>
-            </a:r>
-            <a:r>
-              <a:rPr lang="en-US" baseline="0" noProof="0" dirty="0"/>
-              <a:t>-socket /</a:t>
-            </a:r>
-            <a:r>
-              <a:rPr lang="en-US" baseline="0" noProof="0" dirty="0" err="1"/>
-              <a:t>var</a:t>
-            </a:r>
-            <a:r>
-              <a:rPr lang="en-US" baseline="0" noProof="0" dirty="0"/>
-              <a:t>/run/</a:t>
-            </a:r>
-            <a:r>
-              <a:rPr lang="en-US" baseline="0" noProof="0" dirty="0" err="1"/>
-              <a:t>docker.sock</a:t>
-            </a:r>
-            <a:r>
-              <a:rPr lang="en-US" baseline="0" noProof="0" dirty="0"/>
-              <a:t> http://localhost/containers/json</a:t>
-            </a:r>
-          </a:p>
-          <a:p>
-            <a:pPr lvl="1"/>
-            <a:r>
-              <a:rPr lang="en-US" baseline="0" noProof="0" dirty="0"/>
-              <a:t>Or use your web browser if you enabled </a:t>
-            </a:r>
-            <a:r>
-              <a:rPr lang="en-US" baseline="0" noProof="0" dirty="0" err="1"/>
-              <a:t>dockerd‘s</a:t>
-            </a:r>
-            <a:r>
-              <a:rPr lang="en-US" baseline="0" noProof="0" dirty="0"/>
-              <a:t> TCP socket</a:t>
-            </a:r>
-            <a:r>
-              <a:rPr lang="en-US" baseline="0" noProof="0"/>
-              <a:t>: </a:t>
-            </a:r>
-            <a:br>
-              <a:rPr lang="en-US" baseline="0" noProof="0"/>
-            </a:br>
-            <a:r>
-              <a:rPr lang="en-US" baseline="0" noProof="0"/>
-              <a:t>   </a:t>
-            </a:r>
-            <a:r>
-              <a:rPr lang="en-US" baseline="0" noProof="0" dirty="0"/>
-              <a:t>http://&lt;hostname&gt;:2375/containers/json</a:t>
-            </a:r>
-          </a:p>
-          <a:p>
-            <a:endParaRPr lang="en-US" noProof="0" dirty="0"/>
-          </a:p>
-        </p:txBody>
-      </p:sp>
-      <p:sp>
-        <p:nvSpPr>
-          <p:cNvPr id="4" name="Slide Number Placeholder 3"/>
-          <p:cNvSpPr>
-            <a:spLocks noGrp="1"/>
-          </p:cNvSpPr>
-          <p:nvPr>
-            <p:ph type="sldNum" sz="quarter" idx="10"/>
-          </p:nvPr>
-        </p:nvSpPr>
-        <p:spPr/>
-        <p:txBody>
-          <a:bodyPr/>
-          <a:lstStyle/>
-          <a:p>
-            <a:fld id="{7D8C2C35-2B8A-446E-BEC0-FD36716C29AC}" type="slidenum">
-              <a:rPr lang="en-US" smtClean="0"/>
-              <a:pPr/>
-              <a:t>18</a:t>
-            </a:fld>
-            <a:endParaRPr lang="en-US" dirty="0"/>
-          </a:p>
-        </p:txBody>
-      </p:sp>
-    </p:spTree>
-    <p:extLst>
-      <p:ext uri="{BB962C8B-B14F-4D97-AF65-F5344CB8AC3E}">
-        <p14:creationId xmlns:p14="http://schemas.microsoft.com/office/powerpoint/2010/main" val="1009079960"/>
-      </p:ext>
-    </p:extLst>
-  </p:cSld>
-  <p:clrMapOvr>
-    <a:masterClrMapping/>
-  </p:clrMapOvr>
-</p:notes>
-</file>
-
-<file path=ppt/notesSlides/notesSlide19.xml><?xml version="1.0" encoding="utf-8"?>
-<p:notes xmlns:a="http://schemas.openxmlformats.org/drawingml/2006/main" xmlns:r="http://schemas.openxmlformats.org/officeDocument/2006/relationships" xmlns:p="http://schemas.openxmlformats.org/presentationml/2006/main">
-  <p:cSld>
-    <p:spTree>
-      <p:nvGrpSpPr>
-        <p:cNvPr id="1" name=""/>
-        <p:cNvGrpSpPr/>
-        <p:nvPr/>
-      </p:nvGrpSpPr>
-      <p:grpSpPr>
-        <a:xfrm>
-          <a:off x="0" y="0"/>
-          <a:ext cx="0" cy="0"/>
-          <a:chOff x="0" y="0"/>
-          <a:chExt cx="0" cy="0"/>
-        </a:xfrm>
-      </p:grpSpPr>
-      <p:sp>
-        <p:nvSpPr>
-          <p:cNvPr id="2" name="Slide Image Placeholder 1"/>
-          <p:cNvSpPr>
-            <a:spLocks noGrp="1" noRot="1" noChangeAspect="1"/>
-          </p:cNvSpPr>
-          <p:nvPr>
-            <p:ph type="sldImg"/>
-          </p:nvPr>
-        </p:nvSpPr>
-        <p:spPr/>
-      </p:sp>
-      <p:sp>
-        <p:nvSpPr>
-          <p:cNvPr id="3" name="Notes Placeholder 2"/>
-          <p:cNvSpPr>
-            <a:spLocks noGrp="1"/>
-          </p:cNvSpPr>
-          <p:nvPr>
-            <p:ph type="body" idx="1"/>
-          </p:nvPr>
-        </p:nvSpPr>
-        <p:spPr/>
-        <p:txBody>
-          <a:bodyPr/>
-          <a:lstStyle/>
-          <a:p>
-            <a:r>
-              <a:rPr lang="en-US" dirty="0"/>
-              <a:t>The docker daemon works as central entry point. It receives API requests and is home of docker specific features.</a:t>
-            </a:r>
-          </a:p>
-          <a:p>
-            <a:endParaRPr lang="en-US" dirty="0"/>
-          </a:p>
-          <a:p>
-            <a:r>
-              <a:rPr lang="en-US" dirty="0" err="1"/>
-              <a:t>Containerd</a:t>
-            </a:r>
-            <a:r>
-              <a:rPr lang="en-US" dirty="0"/>
-              <a:t> actually is the container runtime. It is a refactored part of the former docker engine and handles the complete lifecycle of a container. It works on the basis of the open container initiative (OCI) specifications for container runtimes. </a:t>
-            </a:r>
-            <a:r>
-              <a:rPr lang="en-US" dirty="0" err="1"/>
-              <a:t>Containerd</a:t>
-            </a:r>
-            <a:r>
-              <a:rPr lang="en-US" dirty="0"/>
-              <a:t> also depends on OCI compatible images (root file system + </a:t>
-            </a:r>
-            <a:r>
-              <a:rPr lang="en-US" dirty="0" err="1"/>
-              <a:t>container.json</a:t>
-            </a:r>
-            <a:r>
-              <a:rPr lang="en-US" dirty="0"/>
-              <a:t>)</a:t>
-            </a:r>
-          </a:p>
-          <a:p>
-            <a:endParaRPr lang="en-US" dirty="0"/>
-          </a:p>
-          <a:p>
-            <a:r>
-              <a:rPr lang="en-US" dirty="0" err="1"/>
-              <a:t>Containerd</a:t>
-            </a:r>
-            <a:r>
-              <a:rPr lang="en-US" dirty="0"/>
-              <a:t> instructs </a:t>
-            </a:r>
-            <a:r>
-              <a:rPr lang="en-US" dirty="0" err="1"/>
-              <a:t>runc</a:t>
-            </a:r>
-            <a:r>
-              <a:rPr lang="en-US" dirty="0"/>
-              <a:t> to start a container. </a:t>
-            </a:r>
-            <a:r>
-              <a:rPr lang="en-US" dirty="0" err="1"/>
-              <a:t>Runc</a:t>
-            </a:r>
-            <a:r>
-              <a:rPr lang="en-US" dirty="0"/>
-              <a:t> sets up all the </a:t>
-            </a:r>
-            <a:r>
-              <a:rPr lang="en-US" dirty="0" err="1"/>
-              <a:t>linux</a:t>
-            </a:r>
-            <a:r>
-              <a:rPr lang="en-US" dirty="0"/>
-              <a:t> magic with </a:t>
-            </a:r>
-            <a:r>
-              <a:rPr lang="en-US" dirty="0" err="1"/>
-              <a:t>cgroups</a:t>
-            </a:r>
-            <a:r>
-              <a:rPr lang="en-US" dirty="0"/>
-              <a:t> </a:t>
-            </a:r>
-            <a:r>
-              <a:rPr lang="en-US" dirty="0" err="1"/>
-              <a:t>etc</a:t>
-            </a:r>
-            <a:r>
-              <a:rPr lang="en-US" dirty="0"/>
-              <a:t> and forks the container’s PID #1. Afterwards it will exit(0) and handover parent ownership of the container to </a:t>
-            </a:r>
-            <a:r>
-              <a:rPr lang="en-US" dirty="0" err="1"/>
-              <a:t>containerd</a:t>
-            </a:r>
-            <a:r>
-              <a:rPr lang="en-US" dirty="0"/>
-              <a:t>-shim. The shim module is there to decouple the daemon and container processes.</a:t>
-            </a:r>
-          </a:p>
-          <a:p>
-            <a:endParaRPr lang="en-US" dirty="0"/>
-          </a:p>
-          <a:p>
-            <a:r>
-              <a:rPr lang="en-US" dirty="0"/>
-              <a:t>Details can be found here:</a:t>
-            </a:r>
-          </a:p>
-          <a:p>
-            <a:r>
-              <a:rPr lang="en-US" dirty="0"/>
-              <a:t>https://containerd.io/</a:t>
-            </a:r>
-          </a:p>
-          <a:p>
-            <a:r>
-              <a:rPr lang="en-US" dirty="0"/>
-              <a:t>https://www.slideshare.net/PhilEstes/diving-through-the-layers-investigating-runc-containerd-and-the-docker-engine-architecture</a:t>
-            </a:r>
-          </a:p>
-          <a:p>
-            <a:r>
-              <a:rPr lang="en-US" dirty="0"/>
-              <a:t>https://hackernoon.com/docker-containerd-standalone-runtimes-heres-what-you-should-know-b834ef155426?gi=c8140ae48de2</a:t>
-            </a:r>
-          </a:p>
-        </p:txBody>
-      </p:sp>
-      <p:sp>
-        <p:nvSpPr>
-          <p:cNvPr id="4" name="Slide Number Placeholder 3"/>
-          <p:cNvSpPr>
-            <a:spLocks noGrp="1"/>
-          </p:cNvSpPr>
-          <p:nvPr>
-            <p:ph type="sldNum" sz="quarter" idx="10"/>
-          </p:nvPr>
-        </p:nvSpPr>
-        <p:spPr/>
-        <p:txBody>
-          <a:bodyPr/>
-          <a:lstStyle/>
-          <a:p>
-            <a:fld id="{7D8C2C35-2B8A-446E-BEC0-FD36716C29AC}" type="slidenum">
-              <a:rPr lang="de-DE" smtClean="0"/>
-              <a:pPr/>
-              <a:t>20</a:t>
-            </a:fld>
-            <a:endParaRPr lang="de-DE" dirty="0"/>
-          </a:p>
-        </p:txBody>
-      </p:sp>
-    </p:spTree>
-    <p:extLst>
-      <p:ext uri="{BB962C8B-B14F-4D97-AF65-F5344CB8AC3E}">
-        <p14:creationId xmlns:p14="http://schemas.microsoft.com/office/powerpoint/2010/main" val="3483686948"/>
+        <p14:creationId xmlns:p14="http://schemas.microsoft.com/office/powerpoint/2010/main" val="2544264309"/>
       </p:ext>
     </p:extLst>
   </p:cSld>
@@ -2089,268 +1746,6 @@
     <p:extLst>
       <p:ext uri="{BB962C8B-B14F-4D97-AF65-F5344CB8AC3E}">
         <p14:creationId xmlns:p14="http://schemas.microsoft.com/office/powerpoint/2010/main" val="945922821"/>
-      </p:ext>
-    </p:extLst>
-  </p:cSld>
-  <p:clrMapOvr>
-    <a:masterClrMapping/>
-  </p:clrMapOvr>
-</p:notes>
-</file>
-
-<file path=ppt/notesSlides/notesSlide20.xml><?xml version="1.0" encoding="utf-8"?>
-<p:notes xmlns:a="http://schemas.openxmlformats.org/drawingml/2006/main" xmlns:r="http://schemas.openxmlformats.org/officeDocument/2006/relationships" xmlns:p="http://schemas.openxmlformats.org/presentationml/2006/main">
-  <p:cSld>
-    <p:spTree>
-      <p:nvGrpSpPr>
-        <p:cNvPr id="1" name=""/>
-        <p:cNvGrpSpPr/>
-        <p:nvPr/>
-      </p:nvGrpSpPr>
-      <p:grpSpPr>
-        <a:xfrm>
-          <a:off x="0" y="0"/>
-          <a:ext cx="0" cy="0"/>
-          <a:chOff x="0" y="0"/>
-          <a:chExt cx="0" cy="0"/>
-        </a:xfrm>
-      </p:grpSpPr>
-      <p:sp>
-        <p:nvSpPr>
-          <p:cNvPr id="2" name="Slide Image Placeholder 1"/>
-          <p:cNvSpPr>
-            <a:spLocks noGrp="1" noRot="1" noChangeAspect="1"/>
-          </p:cNvSpPr>
-          <p:nvPr>
-            <p:ph type="sldImg"/>
-          </p:nvPr>
-        </p:nvSpPr>
-        <p:spPr/>
-      </p:sp>
-      <p:sp>
-        <p:nvSpPr>
-          <p:cNvPr id="3" name="Notes Placeholder 2"/>
-          <p:cNvSpPr>
-            <a:spLocks noGrp="1"/>
-          </p:cNvSpPr>
-          <p:nvPr>
-            <p:ph type="body" idx="1"/>
-          </p:nvPr>
-        </p:nvSpPr>
-        <p:spPr/>
-        <p:txBody>
-          <a:bodyPr/>
-          <a:lstStyle/>
-          <a:p>
-            <a:endParaRPr lang="en-US" dirty="0"/>
-          </a:p>
-        </p:txBody>
-      </p:sp>
-      <p:sp>
-        <p:nvSpPr>
-          <p:cNvPr id="4" name="Slide Number Placeholder 3"/>
-          <p:cNvSpPr>
-            <a:spLocks noGrp="1"/>
-          </p:cNvSpPr>
-          <p:nvPr>
-            <p:ph type="sldNum" sz="quarter" idx="10"/>
-          </p:nvPr>
-        </p:nvSpPr>
-        <p:spPr/>
-        <p:txBody>
-          <a:bodyPr/>
-          <a:lstStyle/>
-          <a:p>
-            <a:fld id="{7D8C2C35-2B8A-446E-BEC0-FD36716C29AC}" type="slidenum">
-              <a:rPr lang="en-US" smtClean="0"/>
-              <a:pPr/>
-              <a:t>21</a:t>
-            </a:fld>
-            <a:endParaRPr lang="en-US" dirty="0"/>
-          </a:p>
-        </p:txBody>
-      </p:sp>
-    </p:spTree>
-    <p:extLst>
-      <p:ext uri="{BB962C8B-B14F-4D97-AF65-F5344CB8AC3E}">
-        <p14:creationId xmlns:p14="http://schemas.microsoft.com/office/powerpoint/2010/main" val="2814901391"/>
-      </p:ext>
-    </p:extLst>
-  </p:cSld>
-  <p:clrMapOvr>
-    <a:masterClrMapping/>
-  </p:clrMapOvr>
-</p:notes>
-</file>
-
-<file path=ppt/notesSlides/notesSlide21.xml><?xml version="1.0" encoding="utf-8"?>
-<p:notes xmlns:a="http://schemas.openxmlformats.org/drawingml/2006/main" xmlns:r="http://schemas.openxmlformats.org/officeDocument/2006/relationships" xmlns:p="http://schemas.openxmlformats.org/presentationml/2006/main">
-  <p:cSld>
-    <p:spTree>
-      <p:nvGrpSpPr>
-        <p:cNvPr id="1" name=""/>
-        <p:cNvGrpSpPr/>
-        <p:nvPr/>
-      </p:nvGrpSpPr>
-      <p:grpSpPr>
-        <a:xfrm>
-          <a:off x="0" y="0"/>
-          <a:ext cx="0" cy="0"/>
-          <a:chOff x="0" y="0"/>
-          <a:chExt cx="0" cy="0"/>
-        </a:xfrm>
-      </p:grpSpPr>
-      <p:sp>
-        <p:nvSpPr>
-          <p:cNvPr id="2" name="Slide Image Placeholder 1"/>
-          <p:cNvSpPr>
-            <a:spLocks noGrp="1" noRot="1" noChangeAspect="1"/>
-          </p:cNvSpPr>
-          <p:nvPr>
-            <p:ph type="sldImg"/>
-          </p:nvPr>
-        </p:nvSpPr>
-        <p:spPr/>
-      </p:sp>
-      <p:sp>
-        <p:nvSpPr>
-          <p:cNvPr id="3" name="Notes Placeholder 2"/>
-          <p:cNvSpPr>
-            <a:spLocks noGrp="1"/>
-          </p:cNvSpPr>
-          <p:nvPr>
-            <p:ph type="body" idx="1"/>
-          </p:nvPr>
-        </p:nvSpPr>
-        <p:spPr/>
-        <p:txBody>
-          <a:bodyPr/>
-          <a:lstStyle/>
-          <a:p>
-            <a:endParaRPr lang="en-US" dirty="0"/>
-          </a:p>
-        </p:txBody>
-      </p:sp>
-      <p:sp>
-        <p:nvSpPr>
-          <p:cNvPr id="4" name="Slide Number Placeholder 3"/>
-          <p:cNvSpPr>
-            <a:spLocks noGrp="1"/>
-          </p:cNvSpPr>
-          <p:nvPr>
-            <p:ph type="sldNum" sz="quarter" idx="10"/>
-          </p:nvPr>
-        </p:nvSpPr>
-        <p:spPr/>
-        <p:txBody>
-          <a:bodyPr/>
-          <a:lstStyle/>
-          <a:p>
-            <a:fld id="{7D8C2C35-2B8A-446E-BEC0-FD36716C29AC}" type="slidenum">
-              <a:rPr lang="de-DE" smtClean="0"/>
-              <a:pPr/>
-              <a:t>22</a:t>
-            </a:fld>
-            <a:endParaRPr lang="de-DE" dirty="0"/>
-          </a:p>
-        </p:txBody>
-      </p:sp>
-    </p:spTree>
-    <p:extLst>
-      <p:ext uri="{BB962C8B-B14F-4D97-AF65-F5344CB8AC3E}">
-        <p14:creationId xmlns:p14="http://schemas.microsoft.com/office/powerpoint/2010/main" val="3001578680"/>
-      </p:ext>
-    </p:extLst>
-  </p:cSld>
-  <p:clrMapOvr>
-    <a:masterClrMapping/>
-  </p:clrMapOvr>
-</p:notes>
-</file>
-
-<file path=ppt/notesSlides/notesSlide22.xml><?xml version="1.0" encoding="utf-8"?>
-<p:notes xmlns:a="http://schemas.openxmlformats.org/drawingml/2006/main" xmlns:r="http://schemas.openxmlformats.org/officeDocument/2006/relationships" xmlns:p="http://schemas.openxmlformats.org/presentationml/2006/main">
-  <p:cSld>
-    <p:spTree>
-      <p:nvGrpSpPr>
-        <p:cNvPr id="1" name=""/>
-        <p:cNvGrpSpPr/>
-        <p:nvPr/>
-      </p:nvGrpSpPr>
-      <p:grpSpPr>
-        <a:xfrm>
-          <a:off x="0" y="0"/>
-          <a:ext cx="0" cy="0"/>
-          <a:chOff x="0" y="0"/>
-          <a:chExt cx="0" cy="0"/>
-        </a:xfrm>
-      </p:grpSpPr>
-      <p:sp>
-        <p:nvSpPr>
-          <p:cNvPr id="4" name="Slide Number Placeholder 3"/>
-          <p:cNvSpPr>
-            <a:spLocks noGrp="1"/>
-          </p:cNvSpPr>
-          <p:nvPr>
-            <p:ph type="sldNum" sz="quarter" idx="10"/>
-          </p:nvPr>
-        </p:nvSpPr>
-        <p:spPr/>
-        <p:txBody>
-          <a:bodyPr/>
-          <a:lstStyle/>
-          <a:p>
-            <a:fld id="{7D8C2C35-2B8A-446E-BEC0-FD36716C29AC}" type="slidenum">
-              <a:rPr lang="en-US" smtClean="0"/>
-              <a:pPr/>
-              <a:t>23</a:t>
-            </a:fld>
-            <a:endParaRPr lang="en-US" dirty="0"/>
-          </a:p>
-        </p:txBody>
-      </p:sp>
-      <p:sp>
-        <p:nvSpPr>
-          <p:cNvPr id="6" name="Slide Image Placeholder 5"/>
-          <p:cNvSpPr>
-            <a:spLocks noGrp="1" noRot="1" noChangeAspect="1"/>
-          </p:cNvSpPr>
-          <p:nvPr>
-            <p:ph type="sldImg"/>
-          </p:nvPr>
-        </p:nvSpPr>
-        <p:spPr>
-          <a:xfrm>
-            <a:off x="547688" y="612775"/>
-            <a:ext cx="5762625" cy="3241675"/>
-          </a:xfrm>
-        </p:spPr>
-      </p:sp>
-      <p:sp>
-        <p:nvSpPr>
-          <p:cNvPr id="7" name="Notes Placeholder 6"/>
-          <p:cNvSpPr>
-            <a:spLocks noGrp="1"/>
-          </p:cNvSpPr>
-          <p:nvPr>
-            <p:ph type="body" idx="1"/>
-          </p:nvPr>
-        </p:nvSpPr>
-        <p:spPr/>
-        <p:txBody>
-          <a:bodyPr>
-            <a:normAutofit/>
-          </a:bodyPr>
-          <a:lstStyle/>
-          <a:p>
-            <a:endParaRPr lang="en-US" dirty="0"/>
-          </a:p>
-        </p:txBody>
-      </p:sp>
-    </p:spTree>
-    <p:extLst>
-      <p:ext uri="{BB962C8B-B14F-4D97-AF65-F5344CB8AC3E}">
-        <p14:creationId xmlns:p14="http://schemas.microsoft.com/office/powerpoint/2010/main" val="2544264309"/>
       </p:ext>
     </p:extLst>
   </p:cSld>
@@ -2597,7 +1992,7 @@
           <a:p>
             <a:r>
               <a:rPr lang="en-US" dirty="0"/>
-              <a:t>Demo for chroot</a:t>
+              <a:t>Man-page definition: A namespace wraps a global system resource in an abstraction that makes it appear to the processes within the namespace that they have their own isolated instance of the global resource. Changes to the global resource are visible to other processes that are members of the namespace, but are invisible to other processes [outside of that namespace]. One use of namespaces is to implement containers.</a:t>
             </a:r>
           </a:p>
           <a:p>
@@ -2606,47 +2001,15 @@
           <a:p>
             <a:r>
               <a:rPr lang="en-US" dirty="0"/>
-              <a:t>Within the repo go to the container-demos folder and run </a:t>
-            </a:r>
-            <a:r>
-              <a:rPr lang="en-US" b="1" dirty="0"/>
-              <a:t>demo-01-chroot.sh</a:t>
-            </a:r>
-          </a:p>
-          <a:p>
+              <a:t>Linux offers namespaces for seven different resources: PID table, mount table, user mapping table, IPC, network stack, UTS (host and domain name) and </a:t>
+            </a:r>
+            <a:r>
+              <a:rPr lang="en-US" dirty="0" err="1"/>
+              <a:t>cgroups</a:t>
+            </a:r>
             <a:r>
               <a:rPr lang="en-US" dirty="0"/>
-              <a:t>The script will do the setup of a minimal environment (basically only a bash + libs) and chroot into it.</a:t>
-            </a:r>
-          </a:p>
-          <a:p>
-            <a:endParaRPr lang="en-US" dirty="0"/>
-          </a:p>
-          <a:p>
-            <a:r>
-              <a:rPr lang="en-US" dirty="0"/>
-              <a:t>Explain the importance of libraries to binaries. Without the corresponding libs in their respective directories, no binary will work. And after all, (container) processes are based on binaries.</a:t>
-            </a:r>
-          </a:p>
-          <a:p>
-            <a:endParaRPr lang="en-US" dirty="0"/>
-          </a:p>
-          <a:p>
-            <a:r>
-              <a:rPr lang="en-US" dirty="0"/>
-              <a:t>It is also worth to mention, that the file system you chroot into is the foundation of every container. Luckily in most cases you can rely on others building the base images with all binaries and libs. The only thing you have to do as a developer is move your own stuff into it.</a:t>
-            </a:r>
-          </a:p>
-          <a:p>
-            <a:r>
-              <a:rPr lang="en-US" dirty="0"/>
-              <a:t> </a:t>
-            </a:r>
-          </a:p>
-          <a:p>
-            <a:r>
-              <a:rPr lang="en-US" dirty="0"/>
-              <a:t>So if there is something called centos or ubuntu later, remember that this is no full-fledged OS but only a collection of bins/libs making your life a lot easier.</a:t>
+              <a:t>.</a:t>
             </a:r>
           </a:p>
         </p:txBody>
@@ -2667,18 +2030,18 @@
           <a:lstStyle/>
           <a:p>
             <a:fld id="{7D8C2C35-2B8A-446E-BEC0-FD36716C29AC}" type="slidenum">
-              <a:rPr lang="de-DE" smtClean="0"/>
+              <a:rPr lang="en-US" smtClean="0"/>
               <a:pPr/>
               <a:t>5</a:t>
             </a:fld>
-            <a:endParaRPr lang="de-DE" dirty="0"/>
+            <a:endParaRPr lang="en-US" dirty="0"/>
           </a:p>
         </p:txBody>
       </p:sp>
     </p:spTree>
     <p:extLst>
       <p:ext uri="{BB962C8B-B14F-4D97-AF65-F5344CB8AC3E}">
-        <p14:creationId xmlns:p14="http://schemas.microsoft.com/office/powerpoint/2010/main" val="2879912408"/>
+        <p14:creationId xmlns:p14="http://schemas.microsoft.com/office/powerpoint/2010/main" val="3915859411"/>
       </p:ext>
     </p:extLst>
   </p:cSld>
@@ -2732,18 +2095,37 @@
           <a:bodyPr/>
           <a:lstStyle/>
           <a:p>
+            <a:pPr algn="l"/>
             <a:r>
               <a:rPr lang="en-US" dirty="0"/>
-              <a:t>Man-page definition: A namespace wraps a global system resource in an abstraction that makes it appear to the processes within the namespace that they have their own isolated instance of the global resource. Changes to the global resource are visible to other processes that are members of the namespace, but are invisible to other processes [outside of that namespace]. One use of namespaces is to implement containers.</a:t>
-            </a:r>
-          </a:p>
-          <a:p>
+              <a:t>Wikipedia definition: </a:t>
+            </a:r>
+            <a:r>
+              <a:rPr lang="en-US" b="1" dirty="0" err="1"/>
+              <a:t>cgroups</a:t>
+            </a:r>
+            <a:r>
+              <a:rPr lang="en-US" dirty="0"/>
+              <a:t> (abbreviated from </a:t>
+            </a:r>
+            <a:r>
+              <a:rPr lang="en-US" b="1" dirty="0"/>
+              <a:t>control groups</a:t>
+            </a:r>
+            <a:r>
+              <a:rPr lang="en-US" dirty="0"/>
+              <a:t>) is a Linux kernel feature that limits, accounts for, and isolates the resource usage (CPU, memory, disk I/O, network, etc.) of a collection of processes.</a:t>
+            </a:r>
+          </a:p>
+          <a:p>
+            <a:pPr algn="l"/>
             <a:endParaRPr lang="en-US" dirty="0"/>
           </a:p>
           <a:p>
+            <a:pPr algn="l"/>
             <a:r>
               <a:rPr lang="en-US" dirty="0"/>
-              <a:t>Linux offers namespaces for seven different resources: PID table, mount table, user mapping table, IPC, network stack, UTS (host and domain name) and </a:t>
+              <a:t>With </a:t>
             </a:r>
             <a:r>
               <a:rPr lang="en-US" dirty="0" err="1"/>
@@ -2751,7 +2133,15 @@
             </a:r>
             <a:r>
               <a:rPr lang="en-US" dirty="0"/>
-              <a:t>.</a:t>
+              <a:t>, processes can be kept from eating up all system resources. Multiple processes can be added to one single </a:t>
+            </a:r>
+            <a:r>
+              <a:rPr lang="en-US" dirty="0" err="1"/>
+              <a:t>cgroup</a:t>
+            </a:r>
+            <a:r>
+              <a:rPr lang="en-US" dirty="0"/>
+              <a:t> - they will then all share the resource limits of it.</a:t>
             </a:r>
           </a:p>
         </p:txBody>
@@ -2783,7 +2173,7 @@
     </p:spTree>
     <p:extLst>
       <p:ext uri="{BB962C8B-B14F-4D97-AF65-F5344CB8AC3E}">
-        <p14:creationId xmlns:p14="http://schemas.microsoft.com/office/powerpoint/2010/main" val="3915859411"/>
+        <p14:creationId xmlns:p14="http://schemas.microsoft.com/office/powerpoint/2010/main" val="3983192458"/>
       </p:ext>
     </p:extLst>
   </p:cSld>
@@ -2839,59 +2229,59 @@
           <a:p>
             <a:r>
               <a:rPr lang="en-US" dirty="0"/>
-              <a:t>Demo for namespaces &amp; </a:t>
+              <a:t>An application will eventually (after doing tons of nested library calls) call the operating system to do things - like reading or writing to files or sending data across the network. Talking to the operating system is done through system calls or </a:t>
             </a:r>
             <a:r>
               <a:rPr lang="en-US" dirty="0" err="1"/>
-              <a:t>unshare</a:t>
-            </a:r>
-            <a:endParaRPr lang="en-US" dirty="0"/>
-          </a:p>
-          <a:p>
-            <a:endParaRPr lang="en-US" dirty="0"/>
-          </a:p>
-          <a:p>
+              <a:t>syscalls</a:t>
+            </a:r>
             <a:r>
               <a:rPr lang="en-US" dirty="0"/>
-              <a:t>Within the repo go to the container-demos folder and run </a:t>
-            </a:r>
-            <a:r>
-              <a:rPr lang="en-US" b="1" dirty="0"/>
-              <a:t>demo-02-unshare.sh</a:t>
-            </a:r>
-          </a:p>
-          <a:p>
-            <a:endParaRPr lang="en-US" b="0" dirty="0"/>
-          </a:p>
-          <a:p>
-            <a:r>
-              <a:rPr lang="en-US" b="0" dirty="0"/>
-              <a:t>The script will fork a new process with a separate PID namespace. It’ll also explore the space of the newly created processes. Please note, the demo does </a:t>
-            </a:r>
-            <a:r>
-              <a:rPr lang="en-US" b="1" dirty="0"/>
-              <a:t>not </a:t>
-            </a:r>
-            <a:r>
-              <a:rPr lang="en-US" b="0" dirty="0"/>
-              <a:t>use </a:t>
-            </a:r>
-            <a:r>
-              <a:rPr lang="en-US" b="1" dirty="0"/>
-              <a:t>chroot</a:t>
-            </a:r>
-            <a:r>
-              <a:rPr lang="en-US" b="0" dirty="0"/>
-              <a:t>.</a:t>
-            </a:r>
-          </a:p>
-          <a:p>
-            <a:endParaRPr lang="en-US" b="0" dirty="0"/>
-          </a:p>
-          <a:p>
-            <a:r>
-              <a:rPr lang="en-US" b="0" dirty="0"/>
-              <a:t>With namespaces you can isolate aspects of a processes or process groups (like the process tree or networking stack). As mentioned on the previous slide, this is another building block for Linux containers to work.</a:t>
+              <a:t>. </a:t>
+            </a:r>
+            <a:r>
+              <a:rPr lang="en-US" dirty="0" err="1"/>
+              <a:t>Syscalls</a:t>
+            </a:r>
+            <a:r>
+              <a:rPr lang="en-US" dirty="0"/>
+              <a:t> are the interface between user space (where your application runs in) and kernel space (where the operating system does its job) and there are around 340 of them (</a:t>
+            </a:r>
+            <a:r>
+              <a:rPr lang="en-US" dirty="0" err="1"/>
+              <a:t>syscalls</a:t>
+            </a:r>
+            <a:r>
+              <a:rPr lang="en-US" dirty="0"/>
+              <a:t>).</a:t>
+            </a:r>
+          </a:p>
+          <a:p>
+            <a:r>
+              <a:rPr lang="en-US" dirty="0"/>
+              <a:t>While most system calls are necessary for programs to do their job (e.g. a program cannot even be loaded into memory without the “</a:t>
+            </a:r>
+            <a:r>
+              <a:rPr lang="en-US" dirty="0" err="1"/>
+              <a:t>execve</a:t>
+            </a:r>
+            <a:r>
+              <a:rPr lang="en-US" dirty="0"/>
+              <a:t>” system call) some are potentially dangerous and would allow a process to break free from its container or to cause harm to other containers (such as the reboot system call which would reboot the host terminating all containers on it).</a:t>
+            </a:r>
+          </a:p>
+          <a:p>
+            <a:r>
+              <a:rPr lang="en-US" dirty="0"/>
+              <a:t>With </a:t>
+            </a:r>
+            <a:r>
+              <a:rPr lang="en-US" dirty="0" err="1"/>
+              <a:t>seccomp</a:t>
+            </a:r>
+            <a:r>
+              <a:rPr lang="en-US" dirty="0"/>
+              <a:t>, individual system calls can be blocked to reduce the security risk which is commonly done in container environments (Docker for instance blocks around 40 system calls by default).</a:t>
             </a:r>
           </a:p>
         </p:txBody>
@@ -2912,18 +2302,18 @@
           <a:lstStyle/>
           <a:p>
             <a:fld id="{7D8C2C35-2B8A-446E-BEC0-FD36716C29AC}" type="slidenum">
-              <a:rPr lang="de-DE" smtClean="0"/>
+              <a:rPr lang="en-US" smtClean="0"/>
               <a:pPr/>
               <a:t>7</a:t>
             </a:fld>
-            <a:endParaRPr lang="de-DE" dirty="0"/>
+            <a:endParaRPr lang="en-US" dirty="0"/>
           </a:p>
         </p:txBody>
       </p:sp>
     </p:spTree>
     <p:extLst>
       <p:ext uri="{BB962C8B-B14F-4D97-AF65-F5344CB8AC3E}">
-        <p14:creationId xmlns:p14="http://schemas.microsoft.com/office/powerpoint/2010/main" val="3289413061"/>
+        <p14:creationId xmlns:p14="http://schemas.microsoft.com/office/powerpoint/2010/main" val="1548338189"/>
       </p:ext>
     </p:extLst>
   </p:cSld>
@@ -2977,53 +2367,25 @@
           <a:bodyPr/>
           <a:lstStyle/>
           <a:p>
-            <a:pPr algn="l"/>
             <a:r>
               <a:rPr lang="en-US" dirty="0"/>
-              <a:t>Wikipedia definition: </a:t>
-            </a:r>
-            <a:r>
-              <a:rPr lang="en-US" b="1" dirty="0" err="1"/>
-              <a:t>cgroups</a:t>
+              <a:t>This commands start in fact three different processes: </a:t>
+            </a:r>
+            <a:r>
+              <a:rPr lang="en-US" dirty="0" err="1"/>
+              <a:t>cgexec</a:t>
             </a:r>
             <a:r>
               <a:rPr lang="en-US" dirty="0"/>
-              <a:t> (abbreviated from </a:t>
-            </a:r>
-            <a:r>
-              <a:rPr lang="en-US" b="1" dirty="0"/>
-              <a:t>control groups</a:t>
+              <a:t>, </a:t>
+            </a:r>
+            <a:r>
+              <a:rPr lang="en-US" dirty="0" err="1"/>
+              <a:t>unshare</a:t>
             </a:r>
             <a:r>
               <a:rPr lang="en-US" dirty="0"/>
-              <a:t>) is a Linux kernel feature that limits, accounts for, and isolates the resource usage (CPU, memory, disk I/O, network, etc.) of a collection of processes.</a:t>
-            </a:r>
-          </a:p>
-          <a:p>
-            <a:pPr algn="l"/>
-            <a:endParaRPr lang="en-US" dirty="0"/>
-          </a:p>
-          <a:p>
-            <a:pPr algn="l"/>
-            <a:r>
-              <a:rPr lang="en-US" dirty="0"/>
-              <a:t>With </a:t>
-            </a:r>
-            <a:r>
-              <a:rPr lang="en-US" dirty="0" err="1"/>
-              <a:t>cgroups</a:t>
-            </a:r>
-            <a:r>
-              <a:rPr lang="en-US" dirty="0"/>
-              <a:t>, processes can be kept from eating up all system resources. Multiple processes can be added to one single </a:t>
-            </a:r>
-            <a:r>
-              <a:rPr lang="en-US" dirty="0" err="1"/>
-              <a:t>cgroup</a:t>
-            </a:r>
-            <a:r>
-              <a:rPr lang="en-US" dirty="0"/>
-              <a:t> - they will then all share the resource limits of it.</a:t>
+              <a:t> and chroot</a:t>
             </a:r>
           </a:p>
         </p:txBody>
@@ -3055,7 +2417,7 @@
     </p:spTree>
     <p:extLst>
       <p:ext uri="{BB962C8B-B14F-4D97-AF65-F5344CB8AC3E}">
-        <p14:creationId xmlns:p14="http://schemas.microsoft.com/office/powerpoint/2010/main" val="3983192458"/>
+        <p14:creationId xmlns:p14="http://schemas.microsoft.com/office/powerpoint/2010/main" val="2834622086"/>
       </p:ext>
     </p:extLst>
   </p:cSld>
@@ -3109,62 +2471,7 @@
           <a:bodyPr/>
           <a:lstStyle/>
           <a:p>
-            <a:r>
-              <a:rPr lang="en-US" dirty="0"/>
-              <a:t>Demo for </a:t>
-            </a:r>
-            <a:r>
-              <a:rPr lang="en-US" dirty="0" err="1"/>
-              <a:t>cgroups</a:t>
-            </a:r>
             <a:endParaRPr lang="en-US" dirty="0"/>
-          </a:p>
-          <a:p>
-            <a:endParaRPr lang="en-US" dirty="0"/>
-          </a:p>
-          <a:p>
-            <a:r>
-              <a:rPr lang="en-US" dirty="0"/>
-              <a:t>Within the repo go to the container-demos folder and run </a:t>
-            </a:r>
-            <a:r>
-              <a:rPr lang="en-US" b="1" dirty="0"/>
-              <a:t>demo-03-cgroup.sh</a:t>
-            </a:r>
-          </a:p>
-          <a:p>
-            <a:endParaRPr lang="en-US" b="0" dirty="0"/>
-          </a:p>
-          <a:p>
-            <a:r>
-              <a:rPr lang="en-US" b="0" dirty="0"/>
-              <a:t>The script will demonstrate how </a:t>
-            </a:r>
-            <a:r>
-              <a:rPr lang="en-US" b="0" dirty="0" err="1"/>
-              <a:t>cgroups</a:t>
-            </a:r>
-            <a:r>
-              <a:rPr lang="en-US" b="0" dirty="0"/>
-              <a:t> can be used to control processes. The example is focusing on CPU usage.</a:t>
-            </a:r>
-          </a:p>
-          <a:p>
-            <a:endParaRPr lang="en-US" b="0" dirty="0"/>
-          </a:p>
-          <a:p>
-            <a:r>
-              <a:rPr lang="en-US" b="0" dirty="0"/>
-              <a:t>Docker as well as Kubernetes can make use of </a:t>
-            </a:r>
-            <a:r>
-              <a:rPr lang="en-US" b="0" dirty="0" err="1"/>
-              <a:t>cgroups</a:t>
-            </a:r>
-            <a:r>
-              <a:rPr lang="en-US" b="0" dirty="0"/>
-              <a:t> to manage resources in a container environment.</a:t>
-            </a:r>
           </a:p>
         </p:txBody>
       </p:sp>
@@ -3184,18 +2491,18 @@
           <a:lstStyle/>
           <a:p>
             <a:fld id="{7D8C2C35-2B8A-446E-BEC0-FD36716C29AC}" type="slidenum">
-              <a:rPr lang="de-DE" smtClean="0"/>
+              <a:rPr lang="en-US" smtClean="0"/>
               <a:pPr/>
               <a:t>9</a:t>
             </a:fld>
-            <a:endParaRPr lang="de-DE" dirty="0"/>
+            <a:endParaRPr lang="en-US" dirty="0"/>
           </a:p>
         </p:txBody>
       </p:sp>
     </p:spTree>
     <p:extLst>
       <p:ext uri="{BB962C8B-B14F-4D97-AF65-F5344CB8AC3E}">
-        <p14:creationId xmlns:p14="http://schemas.microsoft.com/office/powerpoint/2010/main" val="2468481318"/>
+        <p14:creationId xmlns:p14="http://schemas.microsoft.com/office/powerpoint/2010/main" val="2415921286"/>
       </p:ext>
     </p:extLst>
   </p:cSld>
@@ -16569,1649 +15876,6 @@
           <a:chExt cx="0" cy="0"/>
         </a:xfrm>
       </p:grpSpPr>
-      <p:pic>
-        <p:nvPicPr>
-          <p:cNvPr id="25" name="Picture 24">
-            <a:extLst>
-              <a:ext uri="{FF2B5EF4-FFF2-40B4-BE49-F238E27FC236}">
-                <a16:creationId xmlns:a16="http://schemas.microsoft.com/office/drawing/2014/main" id="{99A87AAD-6E1D-403D-95A3-44EA65D7AC88}"/>
-              </a:ext>
-            </a:extLst>
-          </p:cNvPr>
-          <p:cNvPicPr>
-            <a:picLocks noChangeAspect="1"/>
-          </p:cNvPicPr>
-          <p:nvPr/>
-        </p:nvPicPr>
-        <p:blipFill>
-          <a:blip r:embed="rId3"/>
-          <a:stretch>
-            <a:fillRect/>
-          </a:stretch>
-        </p:blipFill>
-        <p:spPr>
-          <a:xfrm>
-            <a:off x="4403725" y="3161502"/>
-            <a:ext cx="858837" cy="858837"/>
-          </a:xfrm>
-          <a:prstGeom prst="rect">
-            <a:avLst/>
-          </a:prstGeom>
-        </p:spPr>
-      </p:pic>
-      <p:sp>
-        <p:nvSpPr>
-          <p:cNvPr id="18" name="Arrow: Down 17">
-            <a:extLst>
-              <a:ext uri="{FF2B5EF4-FFF2-40B4-BE49-F238E27FC236}">
-                <a16:creationId xmlns:a16="http://schemas.microsoft.com/office/drawing/2014/main" id="{CC11B2ED-3DAC-4BF2-AE25-6BDB2CB265BF}"/>
-              </a:ext>
-            </a:extLst>
-          </p:cNvPr>
-          <p:cNvSpPr/>
-          <p:nvPr/>
-        </p:nvSpPr>
-        <p:spPr bwMode="gray">
-          <a:xfrm>
-            <a:off x="742951" y="2343150"/>
-            <a:ext cx="1543050" cy="2495549"/>
-          </a:xfrm>
-          <a:prstGeom prst="downArrow">
-            <a:avLst/>
-          </a:prstGeom>
-          <a:solidFill>
-            <a:schemeClr val="accent3">
-              <a:lumMod val="50000"/>
-            </a:schemeClr>
-          </a:solidFill>
-          <a:ln w="6350" algn="ctr">
-            <a:noFill/>
-            <a:miter lim="800000"/>
-            <a:headEnd/>
-            <a:tailEnd/>
-          </a:ln>
-        </p:spPr>
-        <p:txBody>
-          <a:bodyPr vert="vert270" lIns="90000" tIns="72000" rIns="90000" bIns="72000" rtlCol="0" anchor="ctr"/>
-          <a:lstStyle/>
-          <a:p>
-            <a:pPr marR="0" algn="ctr" defTabSz="914400" eaLnBrk="1" fontAlgn="base" latinLnBrk="0" hangingPunct="1">
-              <a:lnSpc>
-                <a:spcPct val="100000"/>
-              </a:lnSpc>
-              <a:spcBef>
-                <a:spcPct val="50000"/>
-              </a:spcBef>
-              <a:spcAft>
-                <a:spcPct val="0"/>
-              </a:spcAft>
-              <a:buClr>
-                <a:srgbClr val="F0AB00"/>
-              </a:buClr>
-              <a:buSzPct val="80000"/>
-              <a:tabLst/>
-            </a:pPr>
-            <a:r>
-              <a:rPr kumimoji="0" lang="en-US" sz="1800" b="1" i="1" u="none" strike="noStrike" kern="0" cap="none" spc="0" normalizeH="0" baseline="0" noProof="0" dirty="0">
-                <a:ln>
-                  <a:noFill/>
-                </a:ln>
-                <a:solidFill>
-                  <a:schemeClr val="bg1"/>
-                </a:solidFill>
-                <a:effectLst/>
-                <a:uLnTx/>
-                <a:uFillTx/>
-                <a:ea typeface="Arial Unicode MS" pitchFamily="34" charset="-128"/>
-                <a:cs typeface="Arial Unicode MS" pitchFamily="34" charset="-128"/>
-              </a:rPr>
-              <a:t>system calls</a:t>
-            </a:r>
-          </a:p>
-        </p:txBody>
-      </p:sp>
-      <p:sp>
-        <p:nvSpPr>
-          <p:cNvPr id="4" name="Title 3">
-            <a:extLst>
-              <a:ext uri="{FF2B5EF4-FFF2-40B4-BE49-F238E27FC236}">
-                <a16:creationId xmlns:a16="http://schemas.microsoft.com/office/drawing/2014/main" id="{645B76E8-EDF1-4BBF-A073-4675DBA6C45F}"/>
-              </a:ext>
-            </a:extLst>
-          </p:cNvPr>
-          <p:cNvSpPr>
-            <a:spLocks noGrp="1"/>
-          </p:cNvSpPr>
-          <p:nvPr>
-            <p:ph type="title"/>
-          </p:nvPr>
-        </p:nvSpPr>
-        <p:spPr/>
-        <p:txBody>
-          <a:bodyPr/>
-          <a:lstStyle/>
-          <a:p>
-            <a:r>
-              <a:rPr lang="en-US" dirty="0"/>
-              <a:t>Container security with </a:t>
-            </a:r>
-            <a:r>
-              <a:rPr lang="en-US" i="1" dirty="0"/>
-              <a:t>seccomp</a:t>
-            </a:r>
-          </a:p>
-        </p:txBody>
-      </p:sp>
-      <p:sp>
-        <p:nvSpPr>
-          <p:cNvPr id="2" name="Rectangle 1">
-            <a:extLst>
-              <a:ext uri="{FF2B5EF4-FFF2-40B4-BE49-F238E27FC236}">
-                <a16:creationId xmlns:a16="http://schemas.microsoft.com/office/drawing/2014/main" id="{59BE13B4-5794-4F31-A825-3747FA8625A8}"/>
-              </a:ext>
-            </a:extLst>
-          </p:cNvPr>
-          <p:cNvSpPr/>
-          <p:nvPr/>
-        </p:nvSpPr>
-        <p:spPr bwMode="gray">
-          <a:xfrm>
-            <a:off x="619126" y="4838700"/>
-            <a:ext cx="4572000" cy="647700"/>
-          </a:xfrm>
-          <a:prstGeom prst="rect">
-            <a:avLst/>
-          </a:prstGeom>
-          <a:solidFill>
-            <a:schemeClr val="tx1"/>
-          </a:solidFill>
-          <a:ln w="6350" algn="ctr">
-            <a:noFill/>
-            <a:miter lim="800000"/>
-            <a:headEnd/>
-            <a:tailEnd/>
-          </a:ln>
-        </p:spPr>
-        <p:txBody>
-          <a:bodyPr lIns="90000" tIns="72000" rIns="90000" bIns="72000" rtlCol="0" anchor="ctr"/>
-          <a:lstStyle/>
-          <a:p>
-            <a:pPr marR="0" algn="ctr" defTabSz="914400" eaLnBrk="1" fontAlgn="base" latinLnBrk="0" hangingPunct="1">
-              <a:lnSpc>
-                <a:spcPct val="100000"/>
-              </a:lnSpc>
-              <a:spcBef>
-                <a:spcPct val="50000"/>
-              </a:spcBef>
-              <a:spcAft>
-                <a:spcPct val="0"/>
-              </a:spcAft>
-              <a:buClr>
-                <a:srgbClr val="F0AB00"/>
-              </a:buClr>
-              <a:buSzPct val="80000"/>
-              <a:tabLst/>
-            </a:pPr>
-            <a:r>
-              <a:rPr kumimoji="0" lang="en-US" sz="2800" b="0" i="0" u="none" strike="noStrike" kern="0" cap="none" spc="0" normalizeH="0" baseline="0" noProof="0" dirty="0">
-                <a:ln>
-                  <a:noFill/>
-                </a:ln>
-                <a:solidFill>
-                  <a:schemeClr val="bg1"/>
-                </a:solidFill>
-                <a:effectLst/>
-                <a:uLnTx/>
-                <a:uFillTx/>
-                <a:latin typeface="Arial Black" panose="020B0A04020102020204" pitchFamily="34" charset="0"/>
-                <a:ea typeface="Arial Unicode MS" pitchFamily="34" charset="-128"/>
-                <a:cs typeface="Arial Unicode MS" pitchFamily="34" charset="-128"/>
-              </a:rPr>
-              <a:t>Kernel</a:t>
-            </a:r>
-            <a:endParaRPr kumimoji="0" lang="en-US" sz="1800" b="0" i="0" u="none" strike="noStrike" kern="0" cap="none" spc="0" normalizeH="0" baseline="0" noProof="0" dirty="0">
-              <a:ln>
-                <a:noFill/>
-              </a:ln>
-              <a:solidFill>
-                <a:schemeClr val="bg1"/>
-              </a:solidFill>
-              <a:effectLst/>
-              <a:uLnTx/>
-              <a:uFillTx/>
-              <a:latin typeface="Arial Black" panose="020B0A04020102020204" pitchFamily="34" charset="0"/>
-              <a:ea typeface="Arial Unicode MS" pitchFamily="34" charset="-128"/>
-              <a:cs typeface="Arial Unicode MS" pitchFamily="34" charset="-128"/>
-            </a:endParaRPr>
-          </a:p>
-        </p:txBody>
-      </p:sp>
-      <p:pic>
-        <p:nvPicPr>
-          <p:cNvPr id="16" name="Picture 15">
-            <a:extLst>
-              <a:ext uri="{FF2B5EF4-FFF2-40B4-BE49-F238E27FC236}">
-                <a16:creationId xmlns:a16="http://schemas.microsoft.com/office/drawing/2014/main" id="{12598DB7-6A06-4FF0-BC4E-218B3657467A}"/>
-              </a:ext>
-            </a:extLst>
-          </p:cNvPr>
-          <p:cNvPicPr>
-            <a:picLocks noChangeAspect="1"/>
-          </p:cNvPicPr>
-          <p:nvPr/>
-        </p:nvPicPr>
-        <p:blipFill>
-          <a:blip r:embed="rId4"/>
-          <a:stretch>
-            <a:fillRect/>
-          </a:stretch>
-        </p:blipFill>
-        <p:spPr>
-          <a:xfrm>
-            <a:off x="1392237" y="4868068"/>
-            <a:ext cx="588963" cy="588963"/>
-          </a:xfrm>
-          <a:prstGeom prst="rect">
-            <a:avLst/>
-          </a:prstGeom>
-        </p:spPr>
-      </p:pic>
-      <p:sp>
-        <p:nvSpPr>
-          <p:cNvPr id="17" name="Rectangle: Rounded Corners 16">
-            <a:extLst>
-              <a:ext uri="{FF2B5EF4-FFF2-40B4-BE49-F238E27FC236}">
-                <a16:creationId xmlns:a16="http://schemas.microsoft.com/office/drawing/2014/main" id="{3ABE47BC-35ED-4E9A-8B4E-A9B750CA52F5}"/>
-              </a:ext>
-            </a:extLst>
-          </p:cNvPr>
-          <p:cNvSpPr/>
-          <p:nvPr/>
-        </p:nvSpPr>
-        <p:spPr bwMode="gray">
-          <a:xfrm>
-            <a:off x="619126" y="1724025"/>
-            <a:ext cx="4572000" cy="619125"/>
-          </a:xfrm>
-          <a:prstGeom prst="roundRect">
-            <a:avLst>
-              <a:gd name="adj" fmla="val 50000"/>
-            </a:avLst>
-          </a:prstGeom>
-          <a:solidFill>
-            <a:schemeClr val="accent1"/>
-          </a:solidFill>
-          <a:ln w="6350" algn="ctr">
-            <a:solidFill>
-              <a:schemeClr val="tx1"/>
-            </a:solidFill>
-            <a:miter lim="800000"/>
-            <a:headEnd/>
-            <a:tailEnd/>
-          </a:ln>
-        </p:spPr>
-        <p:txBody>
-          <a:bodyPr lIns="90000" tIns="72000" rIns="90000" bIns="72000" rtlCol="0" anchor="ctr"/>
-          <a:lstStyle/>
-          <a:p>
-            <a:pPr marR="0" algn="ctr" defTabSz="914400" eaLnBrk="1" fontAlgn="base" latinLnBrk="0" hangingPunct="1">
-              <a:lnSpc>
-                <a:spcPct val="100000"/>
-              </a:lnSpc>
-              <a:spcBef>
-                <a:spcPct val="50000"/>
-              </a:spcBef>
-              <a:spcAft>
-                <a:spcPct val="0"/>
-              </a:spcAft>
-              <a:buClr>
-                <a:srgbClr val="F0AB00"/>
-              </a:buClr>
-              <a:buSzPct val="80000"/>
-              <a:tabLst/>
-            </a:pPr>
-            <a:r>
-              <a:rPr kumimoji="0" lang="en-US" sz="1800" b="1" i="0" u="none" strike="noStrike" kern="0" cap="none" spc="0" normalizeH="0" baseline="0" noProof="0" dirty="0">
-                <a:ln>
-                  <a:noFill/>
-                </a:ln>
-                <a:effectLst/>
-                <a:uLnTx/>
-                <a:uFillTx/>
-                <a:ea typeface="Arial Unicode MS" pitchFamily="34" charset="-128"/>
-                <a:cs typeface="Arial Unicode MS" pitchFamily="34" charset="-128"/>
-              </a:rPr>
-              <a:t>Application</a:t>
-            </a:r>
-          </a:p>
-        </p:txBody>
-      </p:sp>
-      <p:sp>
-        <p:nvSpPr>
-          <p:cNvPr id="19" name="Text Placeholder 58">
-            <a:extLst>
-              <a:ext uri="{FF2B5EF4-FFF2-40B4-BE49-F238E27FC236}">
-                <a16:creationId xmlns:a16="http://schemas.microsoft.com/office/drawing/2014/main" id="{AF72BC10-7A25-40C3-928F-41ACE59C030E}"/>
-              </a:ext>
-            </a:extLst>
-          </p:cNvPr>
-          <p:cNvSpPr txBox="1">
-            <a:spLocks/>
-          </p:cNvSpPr>
-          <p:nvPr/>
-        </p:nvSpPr>
-        <p:spPr bwMode="gray">
-          <a:xfrm>
-            <a:off x="6862713" y="1491684"/>
-            <a:ext cx="4827764" cy="4532044"/>
-          </a:xfrm>
-          <a:prstGeom prst="rect">
-            <a:avLst/>
-          </a:prstGeom>
-        </p:spPr>
-        <p:txBody>
-          <a:bodyPr vert="horz" lIns="0" tIns="0" rIns="0" bIns="0" rtlCol="0" anchor="ctr">
-            <a:noAutofit/>
-          </a:bodyPr>
-          <a:lstStyle>
-            <a:lvl1pPr marL="0" indent="0" algn="l" defTabSz="1088558" rtl="0" eaLnBrk="1" latinLnBrk="0" hangingPunct="1">
-              <a:spcBef>
-                <a:spcPts val="1800"/>
-              </a:spcBef>
-              <a:buClr>
-                <a:schemeClr val="accent1"/>
-              </a:buClr>
-              <a:buSzPct val="80000"/>
-              <a:buFontTx/>
-              <a:buNone/>
-              <a:defRPr sz="2000" b="0" kern="1200">
-                <a:solidFill>
-                  <a:schemeClr val="tx1"/>
-                </a:solidFill>
-                <a:latin typeface="+mn-lt"/>
-                <a:ea typeface="+mn-ea"/>
-                <a:cs typeface="+mn-cs"/>
-              </a:defRPr>
-            </a:lvl1pPr>
-            <a:lvl2pPr marL="179964" indent="-179964" algn="l" defTabSz="1088558" rtl="0" eaLnBrk="1" latinLnBrk="0" hangingPunct="1">
-              <a:spcBef>
-                <a:spcPts val="600"/>
-              </a:spcBef>
-              <a:buClr>
-                <a:schemeClr val="accent1"/>
-              </a:buClr>
-              <a:buSzPct val="100000"/>
-              <a:buFont typeface="Wingdings" pitchFamily="2" charset="2"/>
-              <a:buChar char="§"/>
-              <a:defRPr sz="1800" kern="1200">
-                <a:solidFill>
-                  <a:schemeClr val="tx1"/>
-                </a:solidFill>
-                <a:latin typeface="+mn-lt"/>
-                <a:ea typeface="+mn-ea"/>
-                <a:cs typeface="+mn-cs"/>
-              </a:defRPr>
-            </a:lvl2pPr>
-            <a:lvl3pPr marL="358775" indent="-179388" algn="l" defTabSz="1088558" rtl="0" eaLnBrk="1" latinLnBrk="0" hangingPunct="1">
-              <a:spcBef>
-                <a:spcPts val="300"/>
-              </a:spcBef>
-              <a:buClr>
-                <a:schemeClr val="tx1"/>
-              </a:buClr>
-              <a:buSzPct val="100000"/>
-              <a:buFont typeface="Arial" panose="020B0604020202020204" pitchFamily="34" charset="0"/>
-              <a:buChar char="–"/>
-              <a:defRPr lang="en-US" sz="1800" kern="1200" noProof="0" dirty="0" smtClean="0">
-                <a:solidFill>
-                  <a:schemeClr val="tx1"/>
-                </a:solidFill>
-                <a:latin typeface="+mn-lt"/>
-                <a:ea typeface="+mn-ea"/>
-                <a:cs typeface="+mn-cs"/>
-              </a:defRPr>
-            </a:lvl3pPr>
-            <a:lvl4pPr marL="539892" indent="-179964" algn="l" defTabSz="1088558" rtl="0" eaLnBrk="1" latinLnBrk="0" hangingPunct="1">
-              <a:spcBef>
-                <a:spcPts val="300"/>
-              </a:spcBef>
-              <a:buClr>
-                <a:schemeClr val="tx1"/>
-              </a:buClr>
-              <a:buSzPct val="120000"/>
-              <a:buFont typeface="Arial" pitchFamily="34" charset="0"/>
-              <a:buChar char="▫"/>
-              <a:defRPr sz="1600" kern="1200">
-                <a:solidFill>
-                  <a:schemeClr val="tx1"/>
-                </a:solidFill>
-                <a:latin typeface="+mn-lt"/>
-                <a:ea typeface="+mn-ea"/>
-                <a:cs typeface="+mn-cs"/>
-              </a:defRPr>
-            </a:lvl4pPr>
-            <a:lvl5pPr marL="719856" indent="-179964" algn="l" defTabSz="1088558" rtl="0" eaLnBrk="1" latinLnBrk="0" hangingPunct="1">
-              <a:spcBef>
-                <a:spcPts val="100"/>
-              </a:spcBef>
-              <a:buClr>
-                <a:schemeClr val="tx1"/>
-              </a:buClr>
-              <a:buSzPct val="100000"/>
-              <a:buFont typeface="Symbol" panose="05050102010706020507" pitchFamily="18" charset="2"/>
-              <a:buChar char="-"/>
-              <a:defRPr sz="1400" kern="1200" baseline="0">
-                <a:solidFill>
-                  <a:schemeClr val="tx1"/>
-                </a:solidFill>
-                <a:latin typeface="+mn-lt"/>
-                <a:ea typeface="+mn-ea"/>
-                <a:cs typeface="+mn-cs"/>
-              </a:defRPr>
-            </a:lvl5pPr>
-            <a:lvl6pPr marL="2993535" indent="-272140" algn="l" defTabSz="1088558" rtl="0" eaLnBrk="1" latinLnBrk="0" hangingPunct="1">
-              <a:spcBef>
-                <a:spcPct val="20000"/>
-              </a:spcBef>
-              <a:buFont typeface="Arial" pitchFamily="34" charset="0"/>
-              <a:buChar char="•"/>
-              <a:defRPr sz="2400" kern="1200">
-                <a:solidFill>
-                  <a:schemeClr val="tx1"/>
-                </a:solidFill>
-                <a:latin typeface="+mn-lt"/>
-                <a:ea typeface="+mn-ea"/>
-                <a:cs typeface="+mn-cs"/>
-              </a:defRPr>
-            </a:lvl6pPr>
-            <a:lvl7pPr marL="3537814" indent="-272140" algn="l" defTabSz="1088558" rtl="0" eaLnBrk="1" latinLnBrk="0" hangingPunct="1">
-              <a:spcBef>
-                <a:spcPct val="20000"/>
-              </a:spcBef>
-              <a:buFont typeface="Arial" pitchFamily="34" charset="0"/>
-              <a:buChar char="•"/>
-              <a:defRPr sz="2400" kern="1200">
-                <a:solidFill>
-                  <a:schemeClr val="tx1"/>
-                </a:solidFill>
-                <a:latin typeface="+mn-lt"/>
-                <a:ea typeface="+mn-ea"/>
-                <a:cs typeface="+mn-cs"/>
-              </a:defRPr>
-            </a:lvl7pPr>
-            <a:lvl8pPr marL="4082093" indent="-272140" algn="l" defTabSz="1088558" rtl="0" eaLnBrk="1" latinLnBrk="0" hangingPunct="1">
-              <a:spcBef>
-                <a:spcPct val="20000"/>
-              </a:spcBef>
-              <a:buFont typeface="Arial" pitchFamily="34" charset="0"/>
-              <a:buChar char="•"/>
-              <a:defRPr sz="2400" kern="1200">
-                <a:solidFill>
-                  <a:schemeClr val="tx1"/>
-                </a:solidFill>
-                <a:latin typeface="+mn-lt"/>
-                <a:ea typeface="+mn-ea"/>
-                <a:cs typeface="+mn-cs"/>
-              </a:defRPr>
-            </a:lvl8pPr>
-            <a:lvl9pPr marL="4626373" indent="-272140" algn="l" defTabSz="1088558" rtl="0" eaLnBrk="1" latinLnBrk="0" hangingPunct="1">
-              <a:spcBef>
-                <a:spcPct val="20000"/>
-              </a:spcBef>
-              <a:buFont typeface="Arial" pitchFamily="34" charset="0"/>
-              <a:buChar char="•"/>
-              <a:defRPr sz="2400" kern="1200">
-                <a:solidFill>
-                  <a:schemeClr val="tx1"/>
-                </a:solidFill>
-                <a:latin typeface="+mn-lt"/>
-                <a:ea typeface="+mn-ea"/>
-                <a:cs typeface="+mn-cs"/>
-              </a:defRPr>
-            </a:lvl9pPr>
-          </a:lstStyle>
-          <a:p>
-            <a:pPr lvl="1"/>
-            <a:r>
-              <a:rPr lang="en-US" sz="1600" dirty="0"/>
-              <a:t>Every program uses system calls to interact with the operating system</a:t>
-            </a:r>
-          </a:p>
-          <a:p>
-            <a:pPr lvl="1"/>
-            <a:endParaRPr lang="en-US" sz="1600" dirty="0"/>
-          </a:p>
-          <a:p>
-            <a:pPr lvl="1"/>
-            <a:r>
-              <a:rPr lang="en-US" sz="1600" dirty="0" err="1"/>
-              <a:t>seccomp</a:t>
-            </a:r>
-            <a:r>
-              <a:rPr lang="en-US" sz="1600" dirty="0"/>
-              <a:t> can block individual system calls</a:t>
-            </a:r>
-          </a:p>
-          <a:p>
-            <a:pPr lvl="2"/>
-            <a:r>
-              <a:rPr lang="en-US" sz="1600" dirty="0"/>
-              <a:t>whitelisting</a:t>
-            </a:r>
-          </a:p>
-          <a:p>
-            <a:pPr lvl="2"/>
-            <a:r>
-              <a:rPr lang="en-US" sz="1600" dirty="0"/>
-              <a:t>blacklisting</a:t>
-            </a:r>
-          </a:p>
-          <a:p>
-            <a:pPr lvl="2"/>
-            <a:r>
-              <a:rPr lang="en-US" sz="1600" dirty="0" err="1"/>
-              <a:t>systemcall</a:t>
-            </a:r>
-            <a:r>
-              <a:rPr lang="en-US" sz="1600" dirty="0"/>
-              <a:t> trapping</a:t>
-            </a:r>
-          </a:p>
-          <a:p>
-            <a:pPr marL="0" lvl="1" indent="0">
-              <a:buNone/>
-            </a:pPr>
-            <a:endParaRPr lang="en-US" sz="1600" dirty="0"/>
-          </a:p>
-        </p:txBody>
-      </p:sp>
-      <p:sp>
-        <p:nvSpPr>
-          <p:cNvPr id="20" name="Arrow: Down 19">
-            <a:extLst>
-              <a:ext uri="{FF2B5EF4-FFF2-40B4-BE49-F238E27FC236}">
-                <a16:creationId xmlns:a16="http://schemas.microsoft.com/office/drawing/2014/main" id="{EFC98BFD-16D9-417F-905E-F4BA2AF414FF}"/>
-              </a:ext>
-            </a:extLst>
-          </p:cNvPr>
-          <p:cNvSpPr/>
-          <p:nvPr/>
-        </p:nvSpPr>
-        <p:spPr bwMode="gray">
-          <a:xfrm>
-            <a:off x="2414539" y="2343149"/>
-            <a:ext cx="681086" cy="2495549"/>
-          </a:xfrm>
-          <a:prstGeom prst="downArrow">
-            <a:avLst>
-              <a:gd name="adj1" fmla="val 50000"/>
-              <a:gd name="adj2" fmla="val 56046"/>
-            </a:avLst>
-          </a:prstGeom>
-          <a:solidFill>
-            <a:schemeClr val="accent4">
-              <a:lumMod val="50000"/>
-            </a:schemeClr>
-          </a:solidFill>
-          <a:ln w="6350" algn="ctr">
-            <a:noFill/>
-            <a:miter lim="800000"/>
-            <a:headEnd/>
-            <a:tailEnd/>
-          </a:ln>
-        </p:spPr>
-        <p:txBody>
-          <a:bodyPr vert="vert270" lIns="90000" tIns="72000" rIns="90000" bIns="72000" rtlCol="0" anchor="ctr"/>
-          <a:lstStyle/>
-          <a:p>
-            <a:pPr marR="0" algn="ctr" defTabSz="914400" eaLnBrk="1" fontAlgn="base" latinLnBrk="0" hangingPunct="1">
-              <a:lnSpc>
-                <a:spcPct val="100000"/>
-              </a:lnSpc>
-              <a:spcBef>
-                <a:spcPct val="50000"/>
-              </a:spcBef>
-              <a:spcAft>
-                <a:spcPct val="0"/>
-              </a:spcAft>
-              <a:buClr>
-                <a:srgbClr val="F0AB00"/>
-              </a:buClr>
-              <a:buSzPct val="80000"/>
-              <a:tabLst/>
-            </a:pPr>
-            <a:r>
-              <a:rPr kumimoji="0" lang="en-US" sz="1600" u="none" strike="noStrike" kern="0" cap="none" spc="0" normalizeH="0" baseline="0" noProof="0" dirty="0">
-                <a:ln>
-                  <a:noFill/>
-                </a:ln>
-                <a:solidFill>
-                  <a:schemeClr val="bg1"/>
-                </a:solidFill>
-                <a:effectLst/>
-                <a:uLnTx/>
-                <a:uFillTx/>
-                <a:latin typeface="Courier New" panose="02070309020205020404" pitchFamily="49" charset="0"/>
-                <a:ea typeface="Arial Unicode MS" pitchFamily="34" charset="-128"/>
-                <a:cs typeface="Courier New" panose="02070309020205020404" pitchFamily="49" charset="0"/>
-              </a:rPr>
-              <a:t>write</a:t>
-            </a:r>
-          </a:p>
-        </p:txBody>
-      </p:sp>
-      <p:sp>
-        <p:nvSpPr>
-          <p:cNvPr id="21" name="Arrow: Down 20">
-            <a:extLst>
-              <a:ext uri="{FF2B5EF4-FFF2-40B4-BE49-F238E27FC236}">
-                <a16:creationId xmlns:a16="http://schemas.microsoft.com/office/drawing/2014/main" id="{C762D2E9-8CCC-49DC-A718-3C0FC3CA4A3B}"/>
-              </a:ext>
-            </a:extLst>
-          </p:cNvPr>
-          <p:cNvSpPr/>
-          <p:nvPr/>
-        </p:nvSpPr>
-        <p:spPr bwMode="gray">
-          <a:xfrm>
-            <a:off x="3128889" y="2343147"/>
-            <a:ext cx="681086" cy="2495549"/>
-          </a:xfrm>
-          <a:prstGeom prst="downArrow">
-            <a:avLst>
-              <a:gd name="adj1" fmla="val 50000"/>
-              <a:gd name="adj2" fmla="val 56046"/>
-            </a:avLst>
-          </a:prstGeom>
-          <a:solidFill>
-            <a:schemeClr val="accent4">
-              <a:lumMod val="50000"/>
-            </a:schemeClr>
-          </a:solidFill>
-          <a:ln w="6350" algn="ctr">
-            <a:noFill/>
-            <a:miter lim="800000"/>
-            <a:headEnd/>
-            <a:tailEnd/>
-          </a:ln>
-        </p:spPr>
-        <p:txBody>
-          <a:bodyPr vert="vert270" lIns="90000" tIns="72000" rIns="90000" bIns="72000" rtlCol="0" anchor="ctr"/>
-          <a:lstStyle/>
-          <a:p>
-            <a:pPr marR="0" algn="ctr" defTabSz="914400" eaLnBrk="1" fontAlgn="base" latinLnBrk="0" hangingPunct="1">
-              <a:lnSpc>
-                <a:spcPct val="100000"/>
-              </a:lnSpc>
-              <a:spcBef>
-                <a:spcPct val="50000"/>
-              </a:spcBef>
-              <a:spcAft>
-                <a:spcPct val="0"/>
-              </a:spcAft>
-              <a:buClr>
-                <a:srgbClr val="F0AB00"/>
-              </a:buClr>
-              <a:buSzPct val="80000"/>
-              <a:tabLst/>
-            </a:pPr>
-            <a:r>
-              <a:rPr kumimoji="0" lang="en-US" sz="1600" u="none" strike="noStrike" kern="0" cap="none" spc="0" normalizeH="0" baseline="0" noProof="0" dirty="0">
-                <a:ln>
-                  <a:noFill/>
-                </a:ln>
-                <a:solidFill>
-                  <a:schemeClr val="bg1"/>
-                </a:solidFill>
-                <a:effectLst/>
-                <a:uLnTx/>
-                <a:uFillTx/>
-                <a:latin typeface="Courier New" panose="02070309020205020404" pitchFamily="49" charset="0"/>
-                <a:ea typeface="Arial Unicode MS" pitchFamily="34" charset="-128"/>
-                <a:cs typeface="Courier New" panose="02070309020205020404" pitchFamily="49" charset="0"/>
-              </a:rPr>
-              <a:t>stat</a:t>
-            </a:r>
-          </a:p>
-        </p:txBody>
-      </p:sp>
-      <p:sp>
-        <p:nvSpPr>
-          <p:cNvPr id="22" name="Arrow: Down 21">
-            <a:extLst>
-              <a:ext uri="{FF2B5EF4-FFF2-40B4-BE49-F238E27FC236}">
-                <a16:creationId xmlns:a16="http://schemas.microsoft.com/office/drawing/2014/main" id="{DC7DA7C8-2FBD-4FAF-A215-8EFA6FB4552B}"/>
-              </a:ext>
-            </a:extLst>
-          </p:cNvPr>
-          <p:cNvSpPr/>
-          <p:nvPr/>
-        </p:nvSpPr>
-        <p:spPr bwMode="gray">
-          <a:xfrm>
-            <a:off x="3957540" y="2343147"/>
-            <a:ext cx="681086" cy="2495549"/>
-          </a:xfrm>
-          <a:prstGeom prst="downArrow">
-            <a:avLst>
-              <a:gd name="adj1" fmla="val 50000"/>
-              <a:gd name="adj2" fmla="val 56046"/>
-            </a:avLst>
-          </a:prstGeom>
-          <a:solidFill>
-            <a:srgbClr val="FF0000"/>
-          </a:solidFill>
-          <a:ln w="6350" algn="ctr">
-            <a:noFill/>
-            <a:miter lim="800000"/>
-            <a:headEnd/>
-            <a:tailEnd/>
-          </a:ln>
-        </p:spPr>
-        <p:txBody>
-          <a:bodyPr vert="vert270" lIns="90000" tIns="72000" rIns="90000" bIns="72000" rtlCol="0" anchor="ctr"/>
-          <a:lstStyle/>
-          <a:p>
-            <a:pPr marR="0" algn="ctr" defTabSz="914400" eaLnBrk="1" fontAlgn="base" latinLnBrk="0" hangingPunct="1">
-              <a:lnSpc>
-                <a:spcPct val="100000"/>
-              </a:lnSpc>
-              <a:spcBef>
-                <a:spcPct val="50000"/>
-              </a:spcBef>
-              <a:spcAft>
-                <a:spcPct val="0"/>
-              </a:spcAft>
-              <a:buClr>
-                <a:srgbClr val="F0AB00"/>
-              </a:buClr>
-              <a:buSzPct val="80000"/>
-              <a:tabLst/>
-            </a:pPr>
-            <a:r>
-              <a:rPr kumimoji="0" lang="en-US" sz="1600" u="none" strike="noStrike" kern="0" cap="none" spc="0" normalizeH="0" baseline="0" noProof="0" dirty="0">
-                <a:ln>
-                  <a:noFill/>
-                </a:ln>
-                <a:solidFill>
-                  <a:schemeClr val="bg1"/>
-                </a:solidFill>
-                <a:effectLst/>
-                <a:uLnTx/>
-                <a:uFillTx/>
-                <a:latin typeface="Courier New" panose="02070309020205020404" pitchFamily="49" charset="0"/>
-                <a:ea typeface="Arial Unicode MS" pitchFamily="34" charset="-128"/>
-                <a:cs typeface="Courier New" panose="02070309020205020404" pitchFamily="49" charset="0"/>
-              </a:rPr>
-              <a:t>reboot</a:t>
-            </a:r>
-          </a:p>
-        </p:txBody>
-      </p:sp>
-    </p:spTree>
-    <p:extLst>
-      <p:ext uri="{BB962C8B-B14F-4D97-AF65-F5344CB8AC3E}">
-        <p14:creationId xmlns:p14="http://schemas.microsoft.com/office/powerpoint/2010/main" val="2969143042"/>
-      </p:ext>
-    </p:extLst>
-  </p:cSld>
-  <p:clrMapOvr>
-    <a:masterClrMapping/>
-  </p:clrMapOvr>
-</p:sld>
-</file>
-
-<file path=ppt/slides/slide11.xml><?xml version="1.0" encoding="utf-8"?>
-<p:sld xmlns:a="http://schemas.openxmlformats.org/drawingml/2006/main" xmlns:r="http://schemas.openxmlformats.org/officeDocument/2006/relationships" xmlns:p="http://schemas.openxmlformats.org/presentationml/2006/main">
-  <p:cSld>
-    <p:spTree>
-      <p:nvGrpSpPr>
-        <p:cNvPr id="1" name=""/>
-        <p:cNvGrpSpPr/>
-        <p:nvPr/>
-      </p:nvGrpSpPr>
-      <p:grpSpPr>
-        <a:xfrm>
-          <a:off x="0" y="0"/>
-          <a:ext cx="0" cy="0"/>
-          <a:chOff x="0" y="0"/>
-          <a:chExt cx="0" cy="0"/>
-        </a:xfrm>
-      </p:grpSpPr>
-      <p:sp>
-        <p:nvSpPr>
-          <p:cNvPr id="4" name="Title 3">
-            <a:extLst>
-              <a:ext uri="{FF2B5EF4-FFF2-40B4-BE49-F238E27FC236}">
-                <a16:creationId xmlns:a16="http://schemas.microsoft.com/office/drawing/2014/main" id="{96BEB1A8-C9D3-4723-A64F-42E02E22325A}"/>
-              </a:ext>
-            </a:extLst>
-          </p:cNvPr>
-          <p:cNvSpPr>
-            <a:spLocks noGrp="1"/>
-          </p:cNvSpPr>
-          <p:nvPr>
-            <p:ph type="title"/>
-          </p:nvPr>
-        </p:nvSpPr>
-        <p:spPr/>
-        <p:txBody>
-          <a:bodyPr/>
-          <a:lstStyle/>
-          <a:p>
-            <a:r>
-              <a:rPr lang="en-US" dirty="0"/>
-              <a:t>Demo</a:t>
-            </a:r>
-          </a:p>
-        </p:txBody>
-      </p:sp>
-      <p:pic>
-        <p:nvPicPr>
-          <p:cNvPr id="6" name="Picture 5">
-            <a:extLst>
-              <a:ext uri="{FF2B5EF4-FFF2-40B4-BE49-F238E27FC236}">
-                <a16:creationId xmlns:a16="http://schemas.microsoft.com/office/drawing/2014/main" id="{8D1ACC5F-52FE-4C32-9E61-49F09FCEB59D}"/>
-              </a:ext>
-            </a:extLst>
-          </p:cNvPr>
-          <p:cNvPicPr>
-            <a:picLocks noChangeAspect="1"/>
-          </p:cNvPicPr>
-          <p:nvPr/>
-        </p:nvPicPr>
-        <p:blipFill>
-          <a:blip r:embed="rId3"/>
-          <a:stretch>
-            <a:fillRect/>
-          </a:stretch>
-        </p:blipFill>
-        <p:spPr>
-          <a:xfrm>
-            <a:off x="4521420" y="1853181"/>
-            <a:ext cx="3151638" cy="3151638"/>
-          </a:xfrm>
-          <a:prstGeom prst="rect">
-            <a:avLst/>
-          </a:prstGeom>
-        </p:spPr>
-      </p:pic>
-    </p:spTree>
-    <p:extLst>
-      <p:ext uri="{BB962C8B-B14F-4D97-AF65-F5344CB8AC3E}">
-        <p14:creationId xmlns:p14="http://schemas.microsoft.com/office/powerpoint/2010/main" val="3667640249"/>
-      </p:ext>
-    </p:extLst>
-  </p:cSld>
-  <p:clrMapOvr>
-    <a:masterClrMapping/>
-  </p:clrMapOvr>
-</p:sld>
-</file>
-
-<file path=ppt/slides/slide12.xml><?xml version="1.0" encoding="utf-8"?>
-<p:sld xmlns:a="http://schemas.openxmlformats.org/drawingml/2006/main" xmlns:r="http://schemas.openxmlformats.org/officeDocument/2006/relationships" xmlns:p="http://schemas.openxmlformats.org/presentationml/2006/main">
-  <p:cSld>
-    <p:spTree>
-      <p:nvGrpSpPr>
-        <p:cNvPr id="1" name=""/>
-        <p:cNvGrpSpPr/>
-        <p:nvPr/>
-      </p:nvGrpSpPr>
-      <p:grpSpPr>
-        <a:xfrm>
-          <a:off x="0" y="0"/>
-          <a:ext cx="0" cy="0"/>
-          <a:chOff x="0" y="0"/>
-          <a:chExt cx="0" cy="0"/>
-        </a:xfrm>
-      </p:grpSpPr>
-      <p:sp>
-        <p:nvSpPr>
-          <p:cNvPr id="4" name="Title 3">
-            <a:extLst>
-              <a:ext uri="{FF2B5EF4-FFF2-40B4-BE49-F238E27FC236}">
-                <a16:creationId xmlns:a16="http://schemas.microsoft.com/office/drawing/2014/main" id="{645B76E8-EDF1-4BBF-A073-4675DBA6C45F}"/>
-              </a:ext>
-            </a:extLst>
-          </p:cNvPr>
-          <p:cNvSpPr>
-            <a:spLocks noGrp="1"/>
-          </p:cNvSpPr>
-          <p:nvPr>
-            <p:ph type="title"/>
-          </p:nvPr>
-        </p:nvSpPr>
-        <p:spPr/>
-        <p:txBody>
-          <a:bodyPr/>
-          <a:lstStyle/>
-          <a:p>
-            <a:r>
-              <a:rPr lang="en-US" dirty="0"/>
-              <a:t>Let’s use these features to start our first container…</a:t>
-            </a:r>
-          </a:p>
-        </p:txBody>
-      </p:sp>
-      <p:sp>
-        <p:nvSpPr>
-          <p:cNvPr id="5" name="Rectangle: Rounded Corners 4">
-            <a:extLst>
-              <a:ext uri="{FF2B5EF4-FFF2-40B4-BE49-F238E27FC236}">
-                <a16:creationId xmlns:a16="http://schemas.microsoft.com/office/drawing/2014/main" id="{1A09AC9B-F654-4AFC-A240-22685298511B}"/>
-              </a:ext>
-            </a:extLst>
-          </p:cNvPr>
-          <p:cNvSpPr/>
-          <p:nvPr/>
-        </p:nvSpPr>
-        <p:spPr bwMode="gray">
-          <a:xfrm>
-            <a:off x="596245" y="2015340"/>
-            <a:ext cx="11001988" cy="380726"/>
-          </a:xfrm>
-          <a:prstGeom prst="roundRect">
-            <a:avLst>
-              <a:gd name="adj" fmla="val 8296"/>
-            </a:avLst>
-          </a:prstGeom>
-          <a:pattFill prst="narHorz">
-            <a:fgClr>
-              <a:schemeClr val="tx1"/>
-            </a:fgClr>
-            <a:bgClr>
-              <a:srgbClr val="112806"/>
-            </a:bgClr>
-          </a:pattFill>
-          <a:ln w="6350" algn="ctr">
-            <a:noFill/>
-            <a:miter lim="800000"/>
-            <a:headEnd/>
-            <a:tailEnd/>
-          </a:ln>
-        </p:spPr>
-        <p:txBody>
-          <a:bodyPr lIns="90000" tIns="72000" rIns="90000" bIns="72000" rtlCol="0" anchor="ctr"/>
-          <a:lstStyle/>
-          <a:p>
-            <a:pPr marL="179387" lvl="2" indent="0">
-              <a:buNone/>
-            </a:pPr>
-            <a:r>
-              <a:rPr lang="en-US" sz="1200" b="1" dirty="0">
-                <a:solidFill>
-                  <a:schemeClr val="bg1"/>
-                </a:solidFill>
-                <a:latin typeface="Courier New" panose="02070309020205020404" pitchFamily="49" charset="0"/>
-                <a:cs typeface="Courier New" panose="02070309020205020404" pitchFamily="49" charset="0"/>
-              </a:rPr>
-              <a:t># </a:t>
-            </a:r>
-            <a:r>
-              <a:rPr lang="en-US" sz="1200" b="1" dirty="0" err="1">
-                <a:solidFill>
-                  <a:schemeClr val="accent1">
-                    <a:lumMod val="20000"/>
-                    <a:lumOff val="80000"/>
-                  </a:schemeClr>
-                </a:solidFill>
-                <a:latin typeface="Courier New" panose="02070309020205020404" pitchFamily="49" charset="0"/>
-                <a:cs typeface="Courier New" panose="02070309020205020404" pitchFamily="49" charset="0"/>
-              </a:rPr>
-              <a:t>cgexec</a:t>
-            </a:r>
-            <a:r>
-              <a:rPr lang="en-US" sz="1200" b="1" dirty="0">
-                <a:solidFill>
-                  <a:schemeClr val="accent1">
-                    <a:lumMod val="20000"/>
-                    <a:lumOff val="80000"/>
-                  </a:schemeClr>
-                </a:solidFill>
-                <a:latin typeface="Courier New" panose="02070309020205020404" pitchFamily="49" charset="0"/>
-                <a:cs typeface="Courier New" panose="02070309020205020404" pitchFamily="49" charset="0"/>
-              </a:rPr>
-              <a:t> –r </a:t>
-            </a:r>
-            <a:r>
-              <a:rPr lang="en-US" sz="1200" b="1" dirty="0" err="1">
-                <a:solidFill>
-                  <a:schemeClr val="accent1">
-                    <a:lumMod val="20000"/>
-                    <a:lumOff val="80000"/>
-                  </a:schemeClr>
-                </a:solidFill>
-                <a:latin typeface="Courier New" panose="02070309020205020404" pitchFamily="49" charset="0"/>
-                <a:cs typeface="Courier New" panose="02070309020205020404" pitchFamily="49" charset="0"/>
-              </a:rPr>
-              <a:t>cpu,memory,pids</a:t>
-            </a:r>
-            <a:r>
-              <a:rPr lang="en-US" sz="1200" b="1" dirty="0">
-                <a:solidFill>
-                  <a:schemeClr val="accent1">
-                    <a:lumMod val="20000"/>
-                    <a:lumOff val="80000"/>
-                  </a:schemeClr>
-                </a:solidFill>
-                <a:latin typeface="Courier New" panose="02070309020205020404" pitchFamily="49" charset="0"/>
-                <a:cs typeface="Courier New" panose="02070309020205020404" pitchFamily="49" charset="0"/>
-              </a:rPr>
-              <a:t>:/container </a:t>
-            </a:r>
-            <a:r>
-              <a:rPr lang="en-US" sz="1200" b="1" dirty="0" err="1">
-                <a:solidFill>
-                  <a:schemeClr val="accent3">
-                    <a:lumMod val="20000"/>
-                    <a:lumOff val="80000"/>
-                  </a:schemeClr>
-                </a:solidFill>
-                <a:latin typeface="Courier New" panose="02070309020205020404" pitchFamily="49" charset="0"/>
-                <a:cs typeface="Courier New" panose="02070309020205020404" pitchFamily="49" charset="0"/>
-              </a:rPr>
-              <a:t>unshare</a:t>
-            </a:r>
-            <a:r>
-              <a:rPr lang="en-US" sz="1200" b="1" dirty="0">
-                <a:solidFill>
-                  <a:schemeClr val="accent3">
-                    <a:lumMod val="20000"/>
-                    <a:lumOff val="80000"/>
-                  </a:schemeClr>
-                </a:solidFill>
-                <a:latin typeface="Courier New" panose="02070309020205020404" pitchFamily="49" charset="0"/>
-                <a:cs typeface="Courier New" panose="02070309020205020404" pitchFamily="49" charset="0"/>
-              </a:rPr>
-              <a:t> --</a:t>
-            </a:r>
-            <a:r>
-              <a:rPr lang="en-US" sz="1200" b="1" dirty="0" err="1">
-                <a:solidFill>
-                  <a:schemeClr val="accent3">
-                    <a:lumMod val="20000"/>
-                    <a:lumOff val="80000"/>
-                  </a:schemeClr>
-                </a:solidFill>
-                <a:latin typeface="Courier New" panose="02070309020205020404" pitchFamily="49" charset="0"/>
-                <a:cs typeface="Courier New" panose="02070309020205020404" pitchFamily="49" charset="0"/>
-              </a:rPr>
-              <a:t>pid</a:t>
-            </a:r>
-            <a:r>
-              <a:rPr lang="en-US" sz="1200" b="1" dirty="0">
-                <a:solidFill>
-                  <a:schemeClr val="accent3">
-                    <a:lumMod val="20000"/>
-                    <a:lumOff val="80000"/>
-                  </a:schemeClr>
-                </a:solidFill>
-                <a:latin typeface="Courier New" panose="02070309020205020404" pitchFamily="49" charset="0"/>
-                <a:cs typeface="Courier New" panose="02070309020205020404" pitchFamily="49" charset="0"/>
-              </a:rPr>
-              <a:t> --</a:t>
-            </a:r>
-            <a:r>
-              <a:rPr lang="en-US" sz="1200" b="1" dirty="0" err="1">
-                <a:solidFill>
-                  <a:schemeClr val="accent3">
-                    <a:lumMod val="20000"/>
-                    <a:lumOff val="80000"/>
-                  </a:schemeClr>
-                </a:solidFill>
-                <a:latin typeface="Courier New" panose="02070309020205020404" pitchFamily="49" charset="0"/>
-                <a:cs typeface="Courier New" panose="02070309020205020404" pitchFamily="49" charset="0"/>
-              </a:rPr>
-              <a:t>uts</a:t>
-            </a:r>
-            <a:r>
-              <a:rPr lang="en-US" sz="1200" b="1" dirty="0">
-                <a:solidFill>
-                  <a:schemeClr val="accent3">
-                    <a:lumMod val="20000"/>
-                    <a:lumOff val="80000"/>
-                  </a:schemeClr>
-                </a:solidFill>
-                <a:latin typeface="Courier New" panose="02070309020205020404" pitchFamily="49" charset="0"/>
-                <a:cs typeface="Courier New" panose="02070309020205020404" pitchFamily="49" charset="0"/>
-              </a:rPr>
-              <a:t> --mount --user --fork </a:t>
-            </a:r>
-            <a:r>
-              <a:rPr lang="en-US" sz="1200" b="1" dirty="0">
-                <a:solidFill>
-                  <a:schemeClr val="accent5">
-                    <a:lumMod val="20000"/>
-                    <a:lumOff val="80000"/>
-                  </a:schemeClr>
-                </a:solidFill>
-                <a:latin typeface="Courier New" panose="02070309020205020404" pitchFamily="49" charset="0"/>
-                <a:cs typeface="Courier New" panose="02070309020205020404" pitchFamily="49" charset="0"/>
-              </a:rPr>
-              <a:t>chroot container</a:t>
-            </a:r>
-          </a:p>
-        </p:txBody>
-      </p:sp>
-      <p:sp>
-        <p:nvSpPr>
-          <p:cNvPr id="6" name="Speech Bubble: Rectangle 5">
-            <a:extLst>
-              <a:ext uri="{FF2B5EF4-FFF2-40B4-BE49-F238E27FC236}">
-                <a16:creationId xmlns:a16="http://schemas.microsoft.com/office/drawing/2014/main" id="{C746B67D-41C0-46C3-A8B9-8DC95EF8CDD1}"/>
-              </a:ext>
-            </a:extLst>
-          </p:cNvPr>
-          <p:cNvSpPr/>
-          <p:nvPr/>
-        </p:nvSpPr>
-        <p:spPr bwMode="gray">
-          <a:xfrm>
-            <a:off x="795867" y="3022600"/>
-            <a:ext cx="2345267" cy="829733"/>
-          </a:xfrm>
-          <a:prstGeom prst="wedgeRectCallout">
-            <a:avLst>
-              <a:gd name="adj1" fmla="val -4098"/>
-              <a:gd name="adj2" fmla="val -118895"/>
-            </a:avLst>
-          </a:prstGeom>
-          <a:solidFill>
-            <a:schemeClr val="accent1"/>
-          </a:solidFill>
-          <a:ln w="6350" algn="ctr">
-            <a:solidFill>
-              <a:schemeClr val="tx1"/>
-            </a:solidFill>
-            <a:miter lim="800000"/>
-            <a:headEnd/>
-            <a:tailEnd/>
-          </a:ln>
-        </p:spPr>
-        <p:txBody>
-          <a:bodyPr lIns="90000" tIns="72000" rIns="90000" bIns="72000" rtlCol="0" anchor="ctr"/>
-          <a:lstStyle/>
-          <a:p>
-            <a:pPr marR="0" algn="ctr" defTabSz="914400" eaLnBrk="1" fontAlgn="base" latinLnBrk="0" hangingPunct="1">
-              <a:lnSpc>
-                <a:spcPct val="100000"/>
-              </a:lnSpc>
-              <a:spcBef>
-                <a:spcPct val="50000"/>
-              </a:spcBef>
-              <a:spcAft>
-                <a:spcPct val="0"/>
-              </a:spcAft>
-              <a:buClr>
-                <a:srgbClr val="F0AB00"/>
-              </a:buClr>
-              <a:buSzPct val="80000"/>
-              <a:tabLst/>
-            </a:pPr>
-            <a:r>
-              <a:rPr lang="en-US" sz="1800" b="1" kern="0" dirty="0">
-                <a:ea typeface="Arial Unicode MS" pitchFamily="34" charset="-128"/>
-                <a:cs typeface="Arial Unicode MS" pitchFamily="34" charset="-128"/>
-              </a:rPr>
-              <a:t>cgroups</a:t>
-            </a:r>
-            <a:br>
-              <a:rPr lang="en-US" sz="1800" kern="0" dirty="0">
-                <a:ea typeface="Arial Unicode MS" pitchFamily="34" charset="-128"/>
-                <a:cs typeface="Arial Unicode MS" pitchFamily="34" charset="-128"/>
-              </a:rPr>
-            </a:br>
-            <a:r>
-              <a:rPr kumimoji="0" lang="en-US" sz="1600" b="0" i="1" u="none" strike="noStrike" kern="0" cap="none" spc="0" normalizeH="0" baseline="0" noProof="0" dirty="0">
-                <a:ln>
-                  <a:noFill/>
-                </a:ln>
-                <a:effectLst/>
-                <a:uLnTx/>
-                <a:uFillTx/>
-                <a:ea typeface="Arial Unicode MS" pitchFamily="34" charset="-128"/>
-                <a:cs typeface="Arial Unicode MS" pitchFamily="34" charset="-128"/>
-              </a:rPr>
-              <a:t>resource limitation</a:t>
-            </a:r>
-            <a:endParaRPr kumimoji="0" lang="en-US" sz="1800" b="0" i="1" u="none" strike="noStrike" kern="0" cap="none" spc="0" normalizeH="0" baseline="0" noProof="0" dirty="0">
-              <a:ln>
-                <a:noFill/>
-              </a:ln>
-              <a:effectLst/>
-              <a:uLnTx/>
-              <a:uFillTx/>
-              <a:ea typeface="Arial Unicode MS" pitchFamily="34" charset="-128"/>
-              <a:cs typeface="Arial Unicode MS" pitchFamily="34" charset="-128"/>
-            </a:endParaRPr>
-          </a:p>
-        </p:txBody>
-      </p:sp>
-      <p:sp>
-        <p:nvSpPr>
-          <p:cNvPr id="8" name="Speech Bubble: Rectangle 7">
-            <a:extLst>
-              <a:ext uri="{FF2B5EF4-FFF2-40B4-BE49-F238E27FC236}">
-                <a16:creationId xmlns:a16="http://schemas.microsoft.com/office/drawing/2014/main" id="{E20196A0-740B-486C-AE67-960A26C65EE5}"/>
-              </a:ext>
-            </a:extLst>
-          </p:cNvPr>
-          <p:cNvSpPr/>
-          <p:nvPr/>
-        </p:nvSpPr>
-        <p:spPr bwMode="gray">
-          <a:xfrm>
-            <a:off x="4267200" y="3952940"/>
-            <a:ext cx="2345267" cy="829733"/>
-          </a:xfrm>
-          <a:prstGeom prst="wedgeRectCallout">
-            <a:avLst>
-              <a:gd name="adj1" fmla="val 3123"/>
-              <a:gd name="adj2" fmla="val -230119"/>
-            </a:avLst>
-          </a:prstGeom>
-          <a:solidFill>
-            <a:schemeClr val="accent3">
-              <a:lumMod val="50000"/>
-            </a:schemeClr>
-          </a:solidFill>
-          <a:ln w="6350" algn="ctr">
-            <a:solidFill>
-              <a:schemeClr val="tx1"/>
-            </a:solidFill>
-            <a:miter lim="800000"/>
-            <a:headEnd/>
-            <a:tailEnd/>
-          </a:ln>
-        </p:spPr>
-        <p:txBody>
-          <a:bodyPr lIns="90000" tIns="72000" rIns="90000" bIns="72000" rtlCol="0" anchor="ctr"/>
-          <a:lstStyle/>
-          <a:p>
-            <a:pPr marR="0" algn="ctr" defTabSz="914400" eaLnBrk="1" fontAlgn="base" latinLnBrk="0" hangingPunct="1">
-              <a:lnSpc>
-                <a:spcPct val="100000"/>
-              </a:lnSpc>
-              <a:spcBef>
-                <a:spcPct val="50000"/>
-              </a:spcBef>
-              <a:spcAft>
-                <a:spcPct val="0"/>
-              </a:spcAft>
-              <a:buClr>
-                <a:srgbClr val="F0AB00"/>
-              </a:buClr>
-              <a:buSzPct val="80000"/>
-              <a:tabLst/>
-            </a:pPr>
-            <a:r>
-              <a:rPr lang="en-US" sz="1800" b="1" kern="0" dirty="0">
-                <a:solidFill>
-                  <a:schemeClr val="bg1"/>
-                </a:solidFill>
-                <a:ea typeface="Arial Unicode MS" pitchFamily="34" charset="-128"/>
-                <a:cs typeface="Arial Unicode MS" pitchFamily="34" charset="-128"/>
-              </a:rPr>
-              <a:t>namespaces</a:t>
-            </a:r>
-            <a:br>
-              <a:rPr lang="en-US" sz="1800" kern="0" dirty="0">
-                <a:solidFill>
-                  <a:schemeClr val="bg1"/>
-                </a:solidFill>
-                <a:ea typeface="Arial Unicode MS" pitchFamily="34" charset="-128"/>
-                <a:cs typeface="Arial Unicode MS" pitchFamily="34" charset="-128"/>
-              </a:rPr>
-            </a:br>
-            <a:r>
-              <a:rPr kumimoji="0" lang="en-US" sz="1600" i="1" u="none" strike="noStrike" kern="0" cap="none" spc="0" normalizeH="0" baseline="0" noProof="0" dirty="0">
-                <a:ln>
-                  <a:noFill/>
-                </a:ln>
-                <a:solidFill>
-                  <a:schemeClr val="bg1"/>
-                </a:solidFill>
-                <a:effectLst/>
-                <a:uLnTx/>
-                <a:uFillTx/>
-                <a:ea typeface="Arial Unicode MS" pitchFamily="34" charset="-128"/>
-                <a:cs typeface="Arial Unicode MS" pitchFamily="34" charset="-128"/>
-              </a:rPr>
-              <a:t>process isolation</a:t>
-            </a:r>
-            <a:endParaRPr kumimoji="0" lang="en-US" sz="1800" i="1" u="none" strike="noStrike" kern="0" cap="none" spc="0" normalizeH="0" baseline="0" noProof="0" dirty="0">
-              <a:ln>
-                <a:noFill/>
-              </a:ln>
-              <a:solidFill>
-                <a:schemeClr val="bg1"/>
-              </a:solidFill>
-              <a:effectLst/>
-              <a:uLnTx/>
-              <a:uFillTx/>
-              <a:ea typeface="Arial Unicode MS" pitchFamily="34" charset="-128"/>
-              <a:cs typeface="Arial Unicode MS" pitchFamily="34" charset="-128"/>
-            </a:endParaRPr>
-          </a:p>
-        </p:txBody>
-      </p:sp>
-      <p:sp>
-        <p:nvSpPr>
-          <p:cNvPr id="10" name="Speech Bubble: Rectangle 9">
-            <a:extLst>
-              <a:ext uri="{FF2B5EF4-FFF2-40B4-BE49-F238E27FC236}">
-                <a16:creationId xmlns:a16="http://schemas.microsoft.com/office/drawing/2014/main" id="{C424A9AD-2AA7-4E2A-8798-4805DFD1603A}"/>
-              </a:ext>
-            </a:extLst>
-          </p:cNvPr>
-          <p:cNvSpPr/>
-          <p:nvPr/>
-        </p:nvSpPr>
-        <p:spPr bwMode="gray">
-          <a:xfrm>
-            <a:off x="7899400" y="3437466"/>
-            <a:ext cx="2345267" cy="829733"/>
-          </a:xfrm>
-          <a:prstGeom prst="wedgeRectCallout">
-            <a:avLst>
-              <a:gd name="adj1" fmla="val -17454"/>
-              <a:gd name="adj2" fmla="val -168895"/>
-            </a:avLst>
-          </a:prstGeom>
-          <a:solidFill>
-            <a:schemeClr val="accent5">
-              <a:lumMod val="75000"/>
-            </a:schemeClr>
-          </a:solidFill>
-          <a:ln w="6350" algn="ctr">
-            <a:solidFill>
-              <a:schemeClr val="tx1"/>
-            </a:solidFill>
-            <a:miter lim="800000"/>
-            <a:headEnd/>
-            <a:tailEnd/>
-          </a:ln>
-        </p:spPr>
-        <p:txBody>
-          <a:bodyPr lIns="90000" tIns="72000" rIns="90000" bIns="72000" rtlCol="0" anchor="ctr"/>
-          <a:lstStyle/>
-          <a:p>
-            <a:pPr marR="0" algn="ctr" defTabSz="914400" eaLnBrk="1" fontAlgn="base" latinLnBrk="0" hangingPunct="1">
-              <a:lnSpc>
-                <a:spcPct val="100000"/>
-              </a:lnSpc>
-              <a:spcBef>
-                <a:spcPct val="50000"/>
-              </a:spcBef>
-              <a:spcAft>
-                <a:spcPct val="0"/>
-              </a:spcAft>
-              <a:buClr>
-                <a:srgbClr val="F0AB00"/>
-              </a:buClr>
-              <a:buSzPct val="80000"/>
-              <a:tabLst/>
-            </a:pPr>
-            <a:r>
-              <a:rPr lang="en-US" sz="1800" b="1" kern="0" dirty="0">
-                <a:solidFill>
-                  <a:schemeClr val="bg1"/>
-                </a:solidFill>
-                <a:ea typeface="Arial Unicode MS" pitchFamily="34" charset="-128"/>
-                <a:cs typeface="Arial Unicode MS" pitchFamily="34" charset="-128"/>
-              </a:rPr>
-              <a:t>chroot</a:t>
-            </a:r>
-            <a:br>
-              <a:rPr lang="en-US" sz="1800" kern="0" dirty="0">
-                <a:solidFill>
-                  <a:schemeClr val="bg1"/>
-                </a:solidFill>
-                <a:ea typeface="Arial Unicode MS" pitchFamily="34" charset="-128"/>
-                <a:cs typeface="Arial Unicode MS" pitchFamily="34" charset="-128"/>
-              </a:rPr>
-            </a:br>
-            <a:r>
-              <a:rPr kumimoji="0" lang="en-US" sz="1600" i="1" u="none" strike="noStrike" kern="0" cap="none" spc="0" normalizeH="0" baseline="0" noProof="0" dirty="0">
-                <a:ln>
-                  <a:noFill/>
-                </a:ln>
-                <a:solidFill>
-                  <a:schemeClr val="bg1"/>
-                </a:solidFill>
-                <a:effectLst/>
-                <a:uLnTx/>
-                <a:uFillTx/>
-                <a:ea typeface="Arial Unicode MS" pitchFamily="34" charset="-128"/>
-                <a:cs typeface="Arial Unicode MS" pitchFamily="34" charset="-128"/>
-              </a:rPr>
-              <a:t>filesystem isolation</a:t>
-            </a:r>
-            <a:endParaRPr kumimoji="0" lang="en-US" sz="1800" i="1" u="none" strike="noStrike" kern="0" cap="none" spc="0" normalizeH="0" baseline="0" noProof="0" dirty="0">
-              <a:ln>
-                <a:noFill/>
-              </a:ln>
-              <a:solidFill>
-                <a:schemeClr val="bg1"/>
-              </a:solidFill>
-              <a:effectLst/>
-              <a:uLnTx/>
-              <a:uFillTx/>
-              <a:ea typeface="Arial Unicode MS" pitchFamily="34" charset="-128"/>
-              <a:cs typeface="Arial Unicode MS" pitchFamily="34" charset="-128"/>
-            </a:endParaRPr>
-          </a:p>
-        </p:txBody>
-      </p:sp>
-    </p:spTree>
-    <p:extLst>
-      <p:ext uri="{BB962C8B-B14F-4D97-AF65-F5344CB8AC3E}">
-        <p14:creationId xmlns:p14="http://schemas.microsoft.com/office/powerpoint/2010/main" val="2934415875"/>
-      </p:ext>
-    </p:extLst>
-  </p:cSld>
-  <p:clrMapOvr>
-    <a:masterClrMapping/>
-  </p:clrMapOvr>
-</p:sld>
-</file>
-
-<file path=ppt/slides/slide13.xml><?xml version="1.0" encoding="utf-8"?>
-<p:sld xmlns:a="http://schemas.openxmlformats.org/drawingml/2006/main" xmlns:r="http://schemas.openxmlformats.org/officeDocument/2006/relationships" xmlns:p="http://schemas.openxmlformats.org/presentationml/2006/main">
-  <p:cSld>
-    <p:spTree>
-      <p:nvGrpSpPr>
-        <p:cNvPr id="1" name=""/>
-        <p:cNvGrpSpPr/>
-        <p:nvPr/>
-      </p:nvGrpSpPr>
-      <p:grpSpPr>
-        <a:xfrm>
-          <a:off x="0" y="0"/>
-          <a:ext cx="0" cy="0"/>
-          <a:chOff x="0" y="0"/>
-          <a:chExt cx="0" cy="0"/>
-        </a:xfrm>
-      </p:grpSpPr>
-      <p:sp>
-        <p:nvSpPr>
-          <p:cNvPr id="4" name="Title 3">
-            <a:extLst>
-              <a:ext uri="{FF2B5EF4-FFF2-40B4-BE49-F238E27FC236}">
-                <a16:creationId xmlns:a16="http://schemas.microsoft.com/office/drawing/2014/main" id="{96BEB1A8-C9D3-4723-A64F-42E02E22325A}"/>
-              </a:ext>
-            </a:extLst>
-          </p:cNvPr>
-          <p:cNvSpPr>
-            <a:spLocks noGrp="1"/>
-          </p:cNvSpPr>
-          <p:nvPr>
-            <p:ph type="title"/>
-          </p:nvPr>
-        </p:nvSpPr>
-        <p:spPr/>
-        <p:txBody>
-          <a:bodyPr/>
-          <a:lstStyle/>
-          <a:p>
-            <a:r>
-              <a:rPr lang="en-US" dirty="0"/>
-              <a:t>Exercise #0 – Linux Primitives</a:t>
-            </a:r>
-          </a:p>
-        </p:txBody>
-      </p:sp>
-      <p:pic>
-        <p:nvPicPr>
-          <p:cNvPr id="8" name="Picture 7">
-            <a:extLst>
-              <a:ext uri="{FF2B5EF4-FFF2-40B4-BE49-F238E27FC236}">
-                <a16:creationId xmlns:a16="http://schemas.microsoft.com/office/drawing/2014/main" id="{D6B8C527-073F-471B-A282-22B63876CA6B}"/>
-              </a:ext>
-            </a:extLst>
-          </p:cNvPr>
-          <p:cNvPicPr>
-            <a:picLocks noChangeAspect="1"/>
-          </p:cNvPicPr>
-          <p:nvPr/>
-        </p:nvPicPr>
-        <p:blipFill>
-          <a:blip r:embed="rId3"/>
-          <a:stretch>
-            <a:fillRect/>
-          </a:stretch>
-        </p:blipFill>
-        <p:spPr>
-          <a:xfrm>
-            <a:off x="4571712" y="1903473"/>
-            <a:ext cx="3051054" cy="3051054"/>
-          </a:xfrm>
-          <a:prstGeom prst="rect">
-            <a:avLst/>
-          </a:prstGeom>
-        </p:spPr>
-      </p:pic>
-    </p:spTree>
-    <p:extLst>
-      <p:ext uri="{BB962C8B-B14F-4D97-AF65-F5344CB8AC3E}">
-        <p14:creationId xmlns:p14="http://schemas.microsoft.com/office/powerpoint/2010/main" val="2376440218"/>
-      </p:ext>
-    </p:extLst>
-  </p:cSld>
-  <p:clrMapOvr>
-    <a:masterClrMapping/>
-  </p:clrMapOvr>
-</p:sld>
-</file>
-
-<file path=ppt/slides/slide14.xml><?xml version="1.0" encoding="utf-8"?>
-<p:sld xmlns:a="http://schemas.openxmlformats.org/drawingml/2006/main" xmlns:r="http://schemas.openxmlformats.org/officeDocument/2006/relationships" xmlns:p="http://schemas.openxmlformats.org/presentationml/2006/main">
-  <p:cSld>
-    <p:spTree>
-      <p:nvGrpSpPr>
-        <p:cNvPr id="1" name=""/>
-        <p:cNvGrpSpPr/>
-        <p:nvPr/>
-      </p:nvGrpSpPr>
-      <p:grpSpPr>
-        <a:xfrm>
-          <a:off x="0" y="0"/>
-          <a:ext cx="0" cy="0"/>
-          <a:chOff x="0" y="0"/>
-          <a:chExt cx="0" cy="0"/>
-        </a:xfrm>
-      </p:grpSpPr>
-      <p:sp>
-        <p:nvSpPr>
-          <p:cNvPr id="17" name="Text Placeholder 16"/>
-          <p:cNvSpPr>
-            <a:spLocks noGrp="1"/>
-          </p:cNvSpPr>
-          <p:nvPr>
-            <p:ph type="body" sz="quarter" idx="14"/>
-          </p:nvPr>
-        </p:nvSpPr>
-        <p:spPr/>
-        <p:txBody>
-          <a:bodyPr anchor="ctr"/>
-          <a:lstStyle/>
-          <a:p>
-            <a:r>
-              <a:rPr lang="en-US" dirty="0"/>
-              <a:t>Containers </a:t>
-            </a:r>
-            <a:r>
-              <a:rPr lang="en-US" dirty="0">
-                <a:solidFill>
-                  <a:schemeClr val="accent1"/>
-                </a:solidFill>
-              </a:rPr>
-              <a:t>made easy</a:t>
-            </a:r>
-          </a:p>
-        </p:txBody>
-      </p:sp>
-      <p:pic>
-        <p:nvPicPr>
-          <p:cNvPr id="4" name="Picture 3">
-            <a:extLst>
-              <a:ext uri="{FF2B5EF4-FFF2-40B4-BE49-F238E27FC236}">
-                <a16:creationId xmlns:a16="http://schemas.microsoft.com/office/drawing/2014/main" id="{2E8C9C42-BC03-468E-B04E-6BE203085308}"/>
-              </a:ext>
-            </a:extLst>
-          </p:cNvPr>
-          <p:cNvPicPr>
-            <a:picLocks noChangeAspect="1"/>
-          </p:cNvPicPr>
-          <p:nvPr/>
-        </p:nvPicPr>
-        <p:blipFill>
-          <a:blip r:embed="rId3"/>
-          <a:stretch>
-            <a:fillRect/>
-          </a:stretch>
-        </p:blipFill>
-        <p:spPr>
-          <a:xfrm>
-            <a:off x="6978451" y="1609832"/>
-            <a:ext cx="4262244" cy="3190166"/>
-          </a:xfrm>
-          <a:prstGeom prst="rect">
-            <a:avLst/>
-          </a:prstGeom>
-        </p:spPr>
-      </p:pic>
-    </p:spTree>
-    <p:extLst>
-      <p:ext uri="{BB962C8B-B14F-4D97-AF65-F5344CB8AC3E}">
-        <p14:creationId xmlns:p14="http://schemas.microsoft.com/office/powerpoint/2010/main" val="331263750"/>
-      </p:ext>
-    </p:extLst>
-  </p:cSld>
-  <p:clrMapOvr>
-    <a:masterClrMapping/>
-  </p:clrMapOvr>
-</p:sld>
-</file>
-
-<file path=ppt/slides/slide15.xml><?xml version="1.0" encoding="utf-8"?>
-<p:sld xmlns:a="http://schemas.openxmlformats.org/drawingml/2006/main" xmlns:r="http://schemas.openxmlformats.org/officeDocument/2006/relationships" xmlns:p="http://schemas.openxmlformats.org/presentationml/2006/main">
-  <p:cSld>
-    <p:spTree>
-      <p:nvGrpSpPr>
-        <p:cNvPr id="1" name=""/>
-        <p:cNvGrpSpPr/>
-        <p:nvPr/>
-      </p:nvGrpSpPr>
-      <p:grpSpPr>
-        <a:xfrm>
-          <a:off x="0" y="0"/>
-          <a:ext cx="0" cy="0"/>
-          <a:chOff x="0" y="0"/>
-          <a:chExt cx="0" cy="0"/>
-        </a:xfrm>
-      </p:grpSpPr>
       <p:sp>
         <p:nvSpPr>
           <p:cNvPr id="13" name="Speech Bubble: Rectangle 12">
@@ -19248,7 +16912,7 @@
 </p:sld>
 </file>
 
-<file path=ppt/slides/slide16.xml><?xml version="1.0" encoding="utf-8"?>
+<file path=ppt/slides/slide11.xml><?xml version="1.0" encoding="utf-8"?>
 <p:sld xmlns:a="http://schemas.openxmlformats.org/drawingml/2006/main" xmlns:r="http://schemas.openxmlformats.org/officeDocument/2006/relationships" xmlns:p="http://schemas.openxmlformats.org/presentationml/2006/main">
   <p:cSld>
     <p:spTree>
@@ -19377,7 +17041,7 @@
 </p:sld>
 </file>
 
-<file path=ppt/slides/slide17.xml><?xml version="1.0" encoding="utf-8"?>
+<file path=ppt/slides/slide12.xml><?xml version="1.0" encoding="utf-8"?>
 <p:sld xmlns:a="http://schemas.openxmlformats.org/drawingml/2006/main" xmlns:r="http://schemas.openxmlformats.org/officeDocument/2006/relationships" xmlns:p="http://schemas.openxmlformats.org/presentationml/2006/main">
   <p:cSld>
     <p:spTree>
@@ -19406,8 +17070,8 @@
         </p:nvSpPr>
         <p:spPr>
           <a:xfrm>
-            <a:off x="5629781" y="1273547"/>
-            <a:ext cx="5795865" cy="2228072"/>
+            <a:off x="5629781" y="1273546"/>
+            <a:ext cx="5795865" cy="2673197"/>
           </a:xfrm>
         </p:spPr>
         <p:txBody>
@@ -19427,15 +17091,20 @@
             </a:r>
             <a:r>
               <a:rPr lang="de-DE" dirty="0"/>
-              <a:t> … </a:t>
-            </a:r>
-            <a:endParaRPr lang="en-US" dirty="0"/>
-          </a:p>
-          <a:p>
-            <a:pPr lvl="1"/>
+              <a:t> </a:t>
+            </a:r>
             <a:r>
               <a:rPr lang="en-US" dirty="0"/>
-              <a:t>templates that containers are created from</a:t>
+              <a:t>filesystem snapshots that function as the root filesystem of a container at startup + some metadata.</a:t>
+            </a:r>
+          </a:p>
+          <a:p>
+            <a:pPr marL="0" lvl="1" indent="0">
+              <a:buNone/>
+            </a:pPr>
+            <a:r>
+              <a:rPr lang="en-US" dirty="0"/>
+              <a:t>They can be</a:t>
             </a:r>
           </a:p>
           <a:p>
@@ -19457,21 +17126,16 @@
             </a:r>
             <a:r>
               <a:rPr lang="en-US" dirty="0"/>
-              <a:t> or by committing changes</a:t>
-            </a:r>
-          </a:p>
-          <a:p>
-            <a:pPr lvl="1"/>
+              <a:t> or by committing changes.</a:t>
+            </a:r>
+          </a:p>
+          <a:p>
+            <a:pPr marL="0" lvl="1" indent="0">
+              <a:buNone/>
+            </a:pPr>
             <a:r>
               <a:rPr lang="en-US" dirty="0"/>
-              <a:t>consist of several layers</a:t>
-            </a:r>
-          </a:p>
-          <a:p>
-            <a:pPr lvl="1"/>
-            <a:r>
-              <a:rPr lang="en-US" dirty="0"/>
-              <a:t>can be and actually are stacked upon each other</a:t>
+              <a:t>Images consist of several layers that are stacked upon each other.</a:t>
             </a:r>
           </a:p>
         </p:txBody>
@@ -19839,7 +17503,7 @@
 </p:sld>
 </file>
 
-<file path=ppt/slides/slide18.xml><?xml version="1.0" encoding="utf-8"?>
+<file path=ppt/slides/slide13.xml><?xml version="1.0" encoding="utf-8"?>
 <p:sld xmlns:a="http://schemas.openxmlformats.org/drawingml/2006/main" xmlns:r="http://schemas.openxmlformats.org/officeDocument/2006/relationships" xmlns:p="http://schemas.openxmlformats.org/presentationml/2006/main">
   <p:cSld>
     <p:spTree>
@@ -20959,7 +18623,7 @@
             <a:pPr lvl="1"/>
             <a:r>
               <a:rPr lang="en-US" dirty="0"/>
-              <a:t>Communication through </a:t>
+              <a:t>Communication through HTTP based </a:t>
             </a:r>
             <a:r>
               <a:rPr lang="en-US" dirty="0" err="1"/>
@@ -21013,18 +18677,18 @@
             <a:pPr lvl="2"/>
             <a:r>
               <a:rPr lang="en-US" dirty="0"/>
-              <a:t>when on different hosts: TCP, via port 2375 or 2376</a:t>
+              <a:t>when on different hosts: via port HTTP port 2375 or HTTPS port 2376</a:t>
             </a:r>
           </a:p>
           <a:p>
             <a:pPr lvl="1"/>
-            <a:endParaRPr lang="en-US" dirty="0"/>
-          </a:p>
-          <a:p>
-            <a:pPr lvl="1"/>
+            <a:r>
+              <a:rPr lang="en-US" dirty="0" err="1"/>
+              <a:t>Buildinög</a:t>
+            </a:r>
             <a:r>
               <a:rPr lang="en-US" dirty="0"/>
-              <a:t>Building images: everything is transferred from client to dockerd</a:t>
+              <a:t> images: everything is transferred from client to dockerd</a:t>
             </a:r>
           </a:p>
         </p:txBody>
@@ -21149,7 +18813,7 @@
 </p:sld>
 </file>
 
-<file path=ppt/slides/slide19.xml><?xml version="1.0" encoding="utf-8"?>
+<file path=ppt/slides/slide14.xml><?xml version="1.0" encoding="utf-8"?>
 <p:sld xmlns:a="http://schemas.openxmlformats.org/drawingml/2006/main" xmlns:r="http://schemas.openxmlformats.org/officeDocument/2006/relationships" xmlns:p="http://schemas.openxmlformats.org/presentationml/2006/main">
   <p:cSld>
     <p:spTree>
@@ -21226,1729 +18890,7 @@
 </p:sld>
 </file>
 
-<file path=ppt/slides/slide2.xml><?xml version="1.0" encoding="utf-8"?>
-<p:sld xmlns:a="http://schemas.openxmlformats.org/drawingml/2006/main" xmlns:r="http://schemas.openxmlformats.org/officeDocument/2006/relationships" xmlns:p="http://schemas.openxmlformats.org/presentationml/2006/main">
-  <p:cSld>
-    <p:spTree>
-      <p:nvGrpSpPr>
-        <p:cNvPr id="1" name=""/>
-        <p:cNvGrpSpPr/>
-        <p:nvPr/>
-      </p:nvGrpSpPr>
-      <p:grpSpPr>
-        <a:xfrm>
-          <a:off x="0" y="0"/>
-          <a:ext cx="0" cy="0"/>
-          <a:chOff x="0" y="0"/>
-          <a:chExt cx="0" cy="0"/>
-        </a:xfrm>
-      </p:grpSpPr>
-      <p:sp>
-        <p:nvSpPr>
-          <p:cNvPr id="3" name="Title 2"/>
-          <p:cNvSpPr>
-            <a:spLocks noGrp="1"/>
-          </p:cNvSpPr>
-          <p:nvPr>
-            <p:ph type="title"/>
-          </p:nvPr>
-        </p:nvSpPr>
-        <p:spPr/>
-        <p:txBody>
-          <a:bodyPr/>
-          <a:lstStyle/>
-          <a:p>
-            <a:r>
-              <a:rPr lang="en-US" dirty="0"/>
-              <a:t>Linux Features</a:t>
-            </a:r>
-          </a:p>
-        </p:txBody>
-      </p:sp>
-      <p:sp>
-        <p:nvSpPr>
-          <p:cNvPr id="5" name="Rectangle 4"/>
-          <p:cNvSpPr/>
-          <p:nvPr/>
-        </p:nvSpPr>
-        <p:spPr bwMode="gray">
-          <a:xfrm>
-            <a:off x="916101" y="3327400"/>
-            <a:ext cx="4426368" cy="2341629"/>
-          </a:xfrm>
-          <a:prstGeom prst="rect">
-            <a:avLst/>
-          </a:prstGeom>
-          <a:solidFill>
-            <a:schemeClr val="tx2">
-              <a:lumMod val="25000"/>
-            </a:schemeClr>
-          </a:solidFill>
-          <a:ln w="6350" algn="ctr">
-            <a:solidFill>
-              <a:schemeClr val="tx1"/>
-            </a:solidFill>
-            <a:miter lim="800000"/>
-            <a:headEnd/>
-            <a:tailEnd/>
-          </a:ln>
-        </p:spPr>
-        <p:txBody>
-          <a:bodyPr lIns="90000" tIns="72000" rIns="90000" bIns="72000" rtlCol="0" anchor="ctr"/>
-          <a:lstStyle/>
-          <a:p>
-            <a:pPr marR="0" algn="ctr" defTabSz="914400" eaLnBrk="1" fontAlgn="base" latinLnBrk="0" hangingPunct="1">
-              <a:lnSpc>
-                <a:spcPct val="100000"/>
-              </a:lnSpc>
-              <a:spcBef>
-                <a:spcPct val="50000"/>
-              </a:spcBef>
-              <a:spcAft>
-                <a:spcPct val="0"/>
-              </a:spcAft>
-              <a:buClr>
-                <a:srgbClr val="F0AB00"/>
-              </a:buClr>
-              <a:buSzPct val="80000"/>
-              <a:tabLst/>
-            </a:pPr>
-            <a:endParaRPr kumimoji="0" lang="en-US" sz="1800" b="0" i="0" u="none" strike="noStrike" kern="0" cap="none" spc="0" normalizeH="0" baseline="0" dirty="0">
-              <a:ln>
-                <a:noFill/>
-              </a:ln>
-              <a:solidFill>
-                <a:schemeClr val="bg1"/>
-              </a:solidFill>
-              <a:effectLst/>
-              <a:uLnTx/>
-              <a:uFillTx/>
-              <a:ea typeface="Arial Unicode MS" pitchFamily="34" charset="-128"/>
-              <a:cs typeface="Arial Unicode MS" pitchFamily="34" charset="-128"/>
-            </a:endParaRPr>
-          </a:p>
-        </p:txBody>
-      </p:sp>
-      <p:sp>
-        <p:nvSpPr>
-          <p:cNvPr id="6" name="Rectangle 5"/>
-          <p:cNvSpPr/>
-          <p:nvPr/>
-        </p:nvSpPr>
-        <p:spPr bwMode="gray">
-          <a:xfrm>
-            <a:off x="994619" y="3395133"/>
-            <a:ext cx="4271648" cy="1787461"/>
-          </a:xfrm>
-          <a:prstGeom prst="rect">
-            <a:avLst/>
-          </a:prstGeom>
-          <a:solidFill>
-            <a:schemeClr val="accent4">
-              <a:lumMod val="75000"/>
-            </a:schemeClr>
-          </a:solidFill>
-          <a:ln w="6350" algn="ctr">
-            <a:solidFill>
-              <a:schemeClr val="tx1"/>
-            </a:solidFill>
-            <a:miter lim="800000"/>
-            <a:headEnd/>
-            <a:tailEnd/>
-          </a:ln>
-        </p:spPr>
-        <p:txBody>
-          <a:bodyPr lIns="90000" tIns="72000" rIns="90000" bIns="72000" rtlCol="0" anchor="t" anchorCtr="0"/>
-          <a:lstStyle/>
-          <a:p>
-            <a:pPr marR="0" algn="ctr" defTabSz="914400" eaLnBrk="1" fontAlgn="base" latinLnBrk="0" hangingPunct="1">
-              <a:lnSpc>
-                <a:spcPct val="100000"/>
-              </a:lnSpc>
-              <a:spcBef>
-                <a:spcPct val="50000"/>
-              </a:spcBef>
-              <a:spcAft>
-                <a:spcPct val="0"/>
-              </a:spcAft>
-              <a:buClr>
-                <a:srgbClr val="F0AB00"/>
-              </a:buClr>
-              <a:buSzPct val="80000"/>
-              <a:tabLst/>
-            </a:pPr>
-            <a:r>
-              <a:rPr kumimoji="0" lang="en-US" sz="1800" b="0" i="0" u="none" strike="noStrike" kern="0" cap="none" spc="0" normalizeH="0" baseline="0" dirty="0">
-                <a:ln>
-                  <a:noFill/>
-                </a:ln>
-                <a:solidFill>
-                  <a:schemeClr val="bg1"/>
-                </a:solidFill>
-                <a:effectLst/>
-                <a:uLnTx/>
-                <a:uFillTx/>
-                <a:ea typeface="Arial Unicode MS" pitchFamily="34" charset="-128"/>
-                <a:cs typeface="Arial Unicode MS" pitchFamily="34" charset="-128"/>
-              </a:rPr>
-              <a:t>Linux</a:t>
-            </a:r>
-          </a:p>
-        </p:txBody>
-      </p:sp>
-      <p:sp>
-        <p:nvSpPr>
-          <p:cNvPr id="7" name="Arrow: Down 6"/>
-          <p:cNvSpPr/>
-          <p:nvPr/>
-        </p:nvSpPr>
-        <p:spPr bwMode="gray">
-          <a:xfrm>
-            <a:off x="1079289" y="3079385"/>
-            <a:ext cx="712104" cy="554913"/>
-          </a:xfrm>
-          <a:prstGeom prst="downArrow">
-            <a:avLst>
-              <a:gd name="adj1" fmla="val 50000"/>
-              <a:gd name="adj2" fmla="val 38537"/>
-            </a:avLst>
-          </a:prstGeom>
-          <a:solidFill>
-            <a:schemeClr val="tx2">
-              <a:lumMod val="50000"/>
-            </a:schemeClr>
-          </a:solidFill>
-          <a:ln w="6350" algn="ctr">
-            <a:solidFill>
-              <a:schemeClr val="tx1"/>
-            </a:solidFill>
-            <a:miter lim="800000"/>
-            <a:headEnd/>
-            <a:tailEnd/>
-          </a:ln>
-        </p:spPr>
-        <p:txBody>
-          <a:bodyPr lIns="90000" tIns="72000" rIns="90000" bIns="72000" rtlCol="0" anchor="ctr"/>
-          <a:lstStyle/>
-          <a:p>
-            <a:pPr marR="0" algn="ctr" defTabSz="914400" eaLnBrk="1" fontAlgn="base" latinLnBrk="0" hangingPunct="1">
-              <a:lnSpc>
-                <a:spcPct val="100000"/>
-              </a:lnSpc>
-              <a:spcBef>
-                <a:spcPct val="50000"/>
-              </a:spcBef>
-              <a:spcAft>
-                <a:spcPct val="0"/>
-              </a:spcAft>
-              <a:buClr>
-                <a:srgbClr val="F0AB00"/>
-              </a:buClr>
-              <a:buSzPct val="80000"/>
-              <a:tabLst/>
-            </a:pPr>
-            <a:endParaRPr kumimoji="0" lang="en-US" sz="1800" b="0" i="0" u="none" strike="noStrike" kern="0" cap="none" spc="0" normalizeH="0" baseline="0" dirty="0">
-              <a:ln>
-                <a:noFill/>
-              </a:ln>
-              <a:solidFill>
-                <a:schemeClr val="bg1"/>
-              </a:solidFill>
-              <a:effectLst/>
-              <a:uLnTx/>
-              <a:uFillTx/>
-              <a:ea typeface="Arial Unicode MS" pitchFamily="34" charset="-128"/>
-              <a:cs typeface="Arial Unicode MS" pitchFamily="34" charset="-128"/>
-            </a:endParaRPr>
-          </a:p>
-        </p:txBody>
-      </p:sp>
-      <p:sp>
-        <p:nvSpPr>
-          <p:cNvPr id="8" name="Arrow: Down 7"/>
-          <p:cNvSpPr/>
-          <p:nvPr/>
-        </p:nvSpPr>
-        <p:spPr bwMode="gray">
-          <a:xfrm>
-            <a:off x="4473888" y="3075040"/>
-            <a:ext cx="712104" cy="554913"/>
-          </a:xfrm>
-          <a:prstGeom prst="downArrow">
-            <a:avLst>
-              <a:gd name="adj1" fmla="val 50000"/>
-              <a:gd name="adj2" fmla="val 38537"/>
-            </a:avLst>
-          </a:prstGeom>
-          <a:solidFill>
-            <a:schemeClr val="tx2">
-              <a:lumMod val="50000"/>
-            </a:schemeClr>
-          </a:solidFill>
-          <a:ln w="6350" algn="ctr">
-            <a:solidFill>
-              <a:schemeClr val="tx1"/>
-            </a:solidFill>
-            <a:miter lim="800000"/>
-            <a:headEnd/>
-            <a:tailEnd/>
-          </a:ln>
-        </p:spPr>
-        <p:txBody>
-          <a:bodyPr lIns="90000" tIns="72000" rIns="90000" bIns="72000" rtlCol="0" anchor="ctr"/>
-          <a:lstStyle/>
-          <a:p>
-            <a:pPr marR="0" algn="ctr" defTabSz="914400" eaLnBrk="1" fontAlgn="base" latinLnBrk="0" hangingPunct="1">
-              <a:lnSpc>
-                <a:spcPct val="100000"/>
-              </a:lnSpc>
-              <a:spcBef>
-                <a:spcPct val="50000"/>
-              </a:spcBef>
-              <a:spcAft>
-                <a:spcPct val="0"/>
-              </a:spcAft>
-              <a:buClr>
-                <a:srgbClr val="F0AB00"/>
-              </a:buClr>
-              <a:buSzPct val="80000"/>
-              <a:tabLst/>
-            </a:pPr>
-            <a:endParaRPr kumimoji="0" lang="en-US" sz="1800" b="0" i="0" u="none" strike="noStrike" kern="0" cap="none" spc="0" normalizeH="0" baseline="0" dirty="0">
-              <a:ln>
-                <a:noFill/>
-              </a:ln>
-              <a:solidFill>
-                <a:schemeClr val="bg1"/>
-              </a:solidFill>
-              <a:effectLst/>
-              <a:uLnTx/>
-              <a:uFillTx/>
-              <a:ea typeface="Arial Unicode MS" pitchFamily="34" charset="-128"/>
-              <a:cs typeface="Arial Unicode MS" pitchFamily="34" charset="-128"/>
-            </a:endParaRPr>
-          </a:p>
-        </p:txBody>
-      </p:sp>
-      <p:grpSp>
-        <p:nvGrpSpPr>
-          <p:cNvPr id="9" name="Group 8"/>
-          <p:cNvGrpSpPr/>
-          <p:nvPr/>
-        </p:nvGrpSpPr>
-        <p:grpSpPr>
-          <a:xfrm>
-            <a:off x="916100" y="2056108"/>
-            <a:ext cx="4426368" cy="1096525"/>
-            <a:chOff x="916099" y="2056108"/>
-            <a:chExt cx="4920343" cy="1096525"/>
-          </a:xfrm>
-        </p:grpSpPr>
-        <p:sp>
-          <p:nvSpPr>
-            <p:cNvPr id="10" name="Rectangle 9"/>
-            <p:cNvSpPr/>
-            <p:nvPr/>
-          </p:nvSpPr>
-          <p:spPr bwMode="gray">
-            <a:xfrm>
-              <a:off x="916099" y="2056108"/>
-              <a:ext cx="4920343" cy="1096525"/>
-            </a:xfrm>
-            <a:prstGeom prst="rect">
-              <a:avLst/>
-            </a:prstGeom>
-            <a:solidFill>
-              <a:schemeClr val="accent2">
-                <a:lumMod val="75000"/>
-              </a:schemeClr>
-            </a:solidFill>
-            <a:ln w="6350" algn="ctr">
-              <a:solidFill>
-                <a:schemeClr val="tx1"/>
-              </a:solidFill>
-              <a:miter lim="800000"/>
-              <a:headEnd/>
-              <a:tailEnd/>
-            </a:ln>
-          </p:spPr>
-          <p:txBody>
-            <a:bodyPr lIns="90000" tIns="72000" rIns="90000" bIns="72000" rtlCol="0" anchor="t" anchorCtr="0"/>
-            <a:lstStyle/>
-            <a:p>
-              <a:pPr marR="0" algn="ctr" defTabSz="914400" eaLnBrk="1" fontAlgn="base" latinLnBrk="0" hangingPunct="1">
-                <a:lnSpc>
-                  <a:spcPct val="100000"/>
-                </a:lnSpc>
-                <a:spcBef>
-                  <a:spcPct val="50000"/>
-                </a:spcBef>
-                <a:spcAft>
-                  <a:spcPct val="0"/>
-                </a:spcAft>
-                <a:buClr>
-                  <a:srgbClr val="F0AB00"/>
-                </a:buClr>
-                <a:buSzPct val="80000"/>
-                <a:tabLst/>
-              </a:pPr>
-              <a:r>
-                <a:rPr kumimoji="0" lang="en-US" sz="1600" b="0" i="0" u="none" strike="noStrike" kern="0" cap="none" spc="0" normalizeH="0" baseline="0" dirty="0">
-                  <a:ln>
-                    <a:noFill/>
-                  </a:ln>
-                  <a:solidFill>
-                    <a:schemeClr val="bg1"/>
-                  </a:solidFill>
-                  <a:effectLst/>
-                  <a:uLnTx/>
-                  <a:uFillTx/>
-                  <a:ea typeface="Arial Unicode MS" pitchFamily="34" charset="-128"/>
-                  <a:cs typeface="Arial Unicode MS" pitchFamily="34" charset="-128"/>
-                </a:rPr>
-                <a:t>Docker Runtime</a:t>
-              </a:r>
-            </a:p>
-          </p:txBody>
-        </p:sp>
-        <p:sp>
-          <p:nvSpPr>
-            <p:cNvPr id="11" name="Rectangle 10"/>
-            <p:cNvSpPr/>
-            <p:nvPr/>
-          </p:nvSpPr>
-          <p:spPr bwMode="gray">
-            <a:xfrm>
-              <a:off x="994619" y="2421820"/>
-              <a:ext cx="774914" cy="668513"/>
-            </a:xfrm>
-            <a:prstGeom prst="rect">
-              <a:avLst/>
-            </a:prstGeom>
-            <a:solidFill>
-              <a:schemeClr val="accent3">
-                <a:lumMod val="50000"/>
-              </a:schemeClr>
-            </a:solidFill>
-            <a:ln w="6350" algn="ctr">
-              <a:solidFill>
-                <a:schemeClr val="tx1"/>
-              </a:solidFill>
-              <a:miter lim="800000"/>
-              <a:headEnd/>
-              <a:tailEnd/>
-            </a:ln>
-          </p:spPr>
-          <p:txBody>
-            <a:bodyPr vert="vert270" lIns="90000" tIns="72000" rIns="90000" bIns="72000" rtlCol="0" anchor="ctr"/>
-            <a:lstStyle/>
-            <a:p>
-              <a:pPr marR="0" algn="ctr" defTabSz="914400" eaLnBrk="1" fontAlgn="base" latinLnBrk="0" hangingPunct="1">
-                <a:lnSpc>
-                  <a:spcPct val="100000"/>
-                </a:lnSpc>
-                <a:spcBef>
-                  <a:spcPct val="50000"/>
-                </a:spcBef>
-                <a:spcAft>
-                  <a:spcPct val="0"/>
-                </a:spcAft>
-                <a:buClr>
-                  <a:srgbClr val="F0AB00"/>
-                </a:buClr>
-                <a:buSzPct val="80000"/>
-                <a:tabLst/>
-              </a:pPr>
-              <a:r>
-                <a:rPr kumimoji="0" lang="en-US" sz="1100" b="0" i="0" u="none" strike="noStrike" kern="0" cap="none" spc="0" normalizeH="0" baseline="0" dirty="0">
-                  <a:ln>
-                    <a:noFill/>
-                  </a:ln>
-                  <a:solidFill>
-                    <a:schemeClr val="bg1"/>
-                  </a:solidFill>
-                  <a:effectLst/>
-                  <a:uLnTx/>
-                  <a:uFillTx/>
-                  <a:ea typeface="Arial Unicode MS" pitchFamily="34" charset="-128"/>
-                  <a:cs typeface="Arial Unicode MS" pitchFamily="34" charset="-128"/>
-                </a:rPr>
-                <a:t>dockerd</a:t>
-              </a:r>
-            </a:p>
-          </p:txBody>
-        </p:sp>
-      </p:grpSp>
-      <p:sp>
-        <p:nvSpPr>
-          <p:cNvPr id="12" name="Rectangle 11"/>
-          <p:cNvSpPr/>
-          <p:nvPr/>
-        </p:nvSpPr>
-        <p:spPr bwMode="gray">
-          <a:xfrm>
-            <a:off x="1889133" y="2421820"/>
-            <a:ext cx="774914" cy="668513"/>
-          </a:xfrm>
-          <a:prstGeom prst="rect">
-            <a:avLst/>
-          </a:prstGeom>
-          <a:solidFill>
-            <a:srgbClr val="F0AB00"/>
-          </a:solidFill>
-          <a:ln w="6350" algn="ctr">
-            <a:solidFill>
-              <a:schemeClr val="tx1"/>
-            </a:solidFill>
-            <a:miter lim="800000"/>
-            <a:headEnd/>
-            <a:tailEnd/>
-          </a:ln>
-        </p:spPr>
-        <p:txBody>
-          <a:bodyPr vert="horz" lIns="90000" tIns="72000" rIns="90000" bIns="72000" rtlCol="0" anchor="ctr"/>
-          <a:lstStyle/>
-          <a:p>
-            <a:pPr marR="0" algn="ctr" defTabSz="914400" eaLnBrk="1" fontAlgn="base" latinLnBrk="0" hangingPunct="1">
-              <a:lnSpc>
-                <a:spcPct val="100000"/>
-              </a:lnSpc>
-              <a:spcBef>
-                <a:spcPct val="50000"/>
-              </a:spcBef>
-              <a:spcAft>
-                <a:spcPct val="0"/>
-              </a:spcAft>
-              <a:buClr>
-                <a:srgbClr val="F0AB00"/>
-              </a:buClr>
-              <a:buSzPct val="80000"/>
-              <a:tabLst/>
-            </a:pPr>
-            <a:r>
-              <a:rPr kumimoji="0" lang="en-US" sz="1050" b="0" i="0" u="none" strike="noStrike" kern="0" cap="none" spc="0" normalizeH="0" baseline="0" dirty="0">
-                <a:ln>
-                  <a:noFill/>
-                </a:ln>
-                <a:solidFill>
-                  <a:schemeClr val="bg1"/>
-                </a:solidFill>
-                <a:effectLst/>
-                <a:uLnTx/>
-                <a:uFillTx/>
-                <a:ea typeface="Arial Unicode MS" pitchFamily="34" charset="-128"/>
-                <a:cs typeface="Arial Unicode MS" pitchFamily="34" charset="-128"/>
-              </a:rPr>
-              <a:t>Container</a:t>
-            </a:r>
-          </a:p>
-        </p:txBody>
-      </p:sp>
-      <p:sp>
-        <p:nvSpPr>
-          <p:cNvPr id="17" name="Rectangle 16"/>
-          <p:cNvSpPr/>
-          <p:nvPr/>
-        </p:nvSpPr>
-        <p:spPr bwMode="gray">
-          <a:xfrm>
-            <a:off x="994619" y="5250328"/>
-            <a:ext cx="4271648" cy="354606"/>
-          </a:xfrm>
-          <a:prstGeom prst="rect">
-            <a:avLst/>
-          </a:prstGeom>
-          <a:solidFill>
-            <a:schemeClr val="accent1">
-              <a:lumMod val="75000"/>
-            </a:schemeClr>
-          </a:solidFill>
-          <a:ln w="6350" algn="ctr">
-            <a:solidFill>
-              <a:schemeClr val="tx1"/>
-            </a:solidFill>
-            <a:miter lim="800000"/>
-            <a:headEnd/>
-            <a:tailEnd/>
-          </a:ln>
-        </p:spPr>
-        <p:txBody>
-          <a:bodyPr lIns="90000" tIns="72000" rIns="90000" bIns="72000" rtlCol="0" anchor="ctr"/>
-          <a:lstStyle/>
-          <a:p>
-            <a:pPr marR="0" algn="ctr" defTabSz="914400" eaLnBrk="1" fontAlgn="base" latinLnBrk="0" hangingPunct="1">
-              <a:lnSpc>
-                <a:spcPct val="100000"/>
-              </a:lnSpc>
-              <a:spcBef>
-                <a:spcPct val="50000"/>
-              </a:spcBef>
-              <a:spcAft>
-                <a:spcPct val="0"/>
-              </a:spcAft>
-              <a:buClr>
-                <a:srgbClr val="F0AB00"/>
-              </a:buClr>
-              <a:buSzPct val="80000"/>
-              <a:tabLst/>
-            </a:pPr>
-            <a:r>
-              <a:rPr kumimoji="0" lang="en-US" sz="1800" b="0" i="0" u="none" strike="noStrike" kern="0" cap="none" spc="0" normalizeH="0" baseline="0" dirty="0">
-                <a:ln>
-                  <a:noFill/>
-                </a:ln>
-                <a:solidFill>
-                  <a:schemeClr val="bg1"/>
-                </a:solidFill>
-                <a:effectLst/>
-                <a:uLnTx/>
-                <a:uFillTx/>
-                <a:ea typeface="Arial Unicode MS" pitchFamily="34" charset="-128"/>
-                <a:cs typeface="Arial Unicode MS" pitchFamily="34" charset="-128"/>
-              </a:rPr>
-              <a:t>Hardware</a:t>
-            </a:r>
-          </a:p>
-        </p:txBody>
-      </p:sp>
-      <p:sp>
-        <p:nvSpPr>
-          <p:cNvPr id="18" name="Rectangle 17"/>
-          <p:cNvSpPr/>
-          <p:nvPr/>
-        </p:nvSpPr>
-        <p:spPr bwMode="gray">
-          <a:xfrm>
-            <a:off x="4491353" y="2421820"/>
-            <a:ext cx="774914" cy="668513"/>
-          </a:xfrm>
-          <a:prstGeom prst="rect">
-            <a:avLst/>
-          </a:prstGeom>
-          <a:solidFill>
-            <a:srgbClr val="F0AB00"/>
-          </a:solidFill>
-          <a:ln w="6350" algn="ctr">
-            <a:solidFill>
-              <a:schemeClr val="tx1"/>
-            </a:solidFill>
-            <a:miter lim="800000"/>
-            <a:headEnd/>
-            <a:tailEnd/>
-          </a:ln>
-        </p:spPr>
-        <p:txBody>
-          <a:bodyPr vert="horz" lIns="90000" tIns="72000" rIns="90000" bIns="72000" rtlCol="0" anchor="ctr"/>
-          <a:lstStyle/>
-          <a:p>
-            <a:pPr marR="0" algn="ctr" defTabSz="914400" eaLnBrk="1" fontAlgn="base" latinLnBrk="0" hangingPunct="1">
-              <a:lnSpc>
-                <a:spcPct val="100000"/>
-              </a:lnSpc>
-              <a:spcBef>
-                <a:spcPct val="50000"/>
-              </a:spcBef>
-              <a:spcAft>
-                <a:spcPct val="0"/>
-              </a:spcAft>
-              <a:buClr>
-                <a:srgbClr val="F0AB00"/>
-              </a:buClr>
-              <a:buSzPct val="80000"/>
-              <a:tabLst/>
-            </a:pPr>
-            <a:r>
-              <a:rPr kumimoji="0" lang="en-US" sz="1050" b="0" i="0" u="none" strike="noStrike" kern="0" cap="none" spc="0" normalizeH="0" baseline="0" dirty="0">
-                <a:ln>
-                  <a:noFill/>
-                </a:ln>
-                <a:solidFill>
-                  <a:schemeClr val="bg1"/>
-                </a:solidFill>
-                <a:effectLst/>
-                <a:uLnTx/>
-                <a:uFillTx/>
-                <a:ea typeface="Arial Unicode MS" pitchFamily="34" charset="-128"/>
-                <a:cs typeface="Arial Unicode MS" pitchFamily="34" charset="-128"/>
-              </a:rPr>
-              <a:t>Container</a:t>
-            </a:r>
-          </a:p>
-        </p:txBody>
-      </p:sp>
-      <p:sp>
-        <p:nvSpPr>
-          <p:cNvPr id="20" name="Rectangle 19"/>
-          <p:cNvSpPr/>
-          <p:nvPr/>
-        </p:nvSpPr>
-        <p:spPr bwMode="gray">
-          <a:xfrm>
-            <a:off x="3618699" y="2421820"/>
-            <a:ext cx="774914" cy="668513"/>
-          </a:xfrm>
-          <a:prstGeom prst="rect">
-            <a:avLst/>
-          </a:prstGeom>
-          <a:solidFill>
-            <a:srgbClr val="F0AB00"/>
-          </a:solidFill>
-          <a:ln w="6350" algn="ctr">
-            <a:solidFill>
-              <a:schemeClr val="tx1"/>
-            </a:solidFill>
-            <a:miter lim="800000"/>
-            <a:headEnd/>
-            <a:tailEnd/>
-          </a:ln>
-        </p:spPr>
-        <p:txBody>
-          <a:bodyPr vert="horz" lIns="90000" tIns="72000" rIns="90000" bIns="72000" rtlCol="0" anchor="ctr"/>
-          <a:lstStyle/>
-          <a:p>
-            <a:pPr marR="0" algn="ctr" defTabSz="914400" eaLnBrk="1" fontAlgn="base" latinLnBrk="0" hangingPunct="1">
-              <a:lnSpc>
-                <a:spcPct val="100000"/>
-              </a:lnSpc>
-              <a:spcBef>
-                <a:spcPct val="50000"/>
-              </a:spcBef>
-              <a:spcAft>
-                <a:spcPct val="0"/>
-              </a:spcAft>
-              <a:buClr>
-                <a:srgbClr val="F0AB00"/>
-              </a:buClr>
-              <a:buSzPct val="80000"/>
-              <a:tabLst/>
-            </a:pPr>
-            <a:r>
-              <a:rPr kumimoji="0" lang="en-US" sz="1050" b="0" i="0" u="none" strike="noStrike" kern="0" cap="none" spc="0" normalizeH="0" baseline="0" dirty="0">
-                <a:ln>
-                  <a:noFill/>
-                </a:ln>
-                <a:solidFill>
-                  <a:schemeClr val="bg1"/>
-                </a:solidFill>
-                <a:effectLst/>
-                <a:uLnTx/>
-                <a:uFillTx/>
-                <a:ea typeface="Arial Unicode MS" pitchFamily="34" charset="-128"/>
-                <a:cs typeface="Arial Unicode MS" pitchFamily="34" charset="-128"/>
-              </a:rPr>
-              <a:t>Container</a:t>
-            </a:r>
-          </a:p>
-        </p:txBody>
-      </p:sp>
-      <p:sp>
-        <p:nvSpPr>
-          <p:cNvPr id="21" name="Rectangle 20"/>
-          <p:cNvSpPr/>
-          <p:nvPr/>
-        </p:nvSpPr>
-        <p:spPr bwMode="gray">
-          <a:xfrm>
-            <a:off x="2747779" y="2421820"/>
-            <a:ext cx="774914" cy="668513"/>
-          </a:xfrm>
-          <a:prstGeom prst="rect">
-            <a:avLst/>
-          </a:prstGeom>
-          <a:solidFill>
-            <a:srgbClr val="F0AB00"/>
-          </a:solidFill>
-          <a:ln w="6350" algn="ctr">
-            <a:solidFill>
-              <a:schemeClr val="tx1"/>
-            </a:solidFill>
-            <a:miter lim="800000"/>
-            <a:headEnd/>
-            <a:tailEnd/>
-          </a:ln>
-        </p:spPr>
-        <p:txBody>
-          <a:bodyPr vert="horz" lIns="90000" tIns="72000" rIns="90000" bIns="72000" rtlCol="0" anchor="ctr"/>
-          <a:lstStyle/>
-          <a:p>
-            <a:pPr marR="0" algn="ctr" defTabSz="914400" eaLnBrk="1" fontAlgn="base" latinLnBrk="0" hangingPunct="1">
-              <a:lnSpc>
-                <a:spcPct val="100000"/>
-              </a:lnSpc>
-              <a:spcBef>
-                <a:spcPct val="50000"/>
-              </a:spcBef>
-              <a:spcAft>
-                <a:spcPct val="0"/>
-              </a:spcAft>
-              <a:buClr>
-                <a:srgbClr val="F0AB00"/>
-              </a:buClr>
-              <a:buSzPct val="80000"/>
-              <a:tabLst/>
-            </a:pPr>
-            <a:r>
-              <a:rPr kumimoji="0" lang="en-US" sz="1050" b="0" i="0" u="none" strike="noStrike" kern="0" cap="none" spc="0" normalizeH="0" baseline="0" dirty="0">
-                <a:ln>
-                  <a:noFill/>
-                </a:ln>
-                <a:solidFill>
-                  <a:schemeClr val="bg1"/>
-                </a:solidFill>
-                <a:effectLst/>
-                <a:uLnTx/>
-                <a:uFillTx/>
-                <a:ea typeface="Arial Unicode MS" pitchFamily="34" charset="-128"/>
-                <a:cs typeface="Arial Unicode MS" pitchFamily="34" charset="-128"/>
-              </a:rPr>
-              <a:t>Container</a:t>
-            </a:r>
-          </a:p>
-        </p:txBody>
-      </p:sp>
-      <p:sp>
-        <p:nvSpPr>
-          <p:cNvPr id="22" name="Rectangle: Rounded Corners 21"/>
-          <p:cNvSpPr/>
-          <p:nvPr/>
-        </p:nvSpPr>
-        <p:spPr bwMode="gray">
-          <a:xfrm>
-            <a:off x="1232914" y="3885603"/>
-            <a:ext cx="1312438" cy="285950"/>
-          </a:xfrm>
-          <a:prstGeom prst="roundRect">
-            <a:avLst/>
-          </a:prstGeom>
-          <a:solidFill>
-            <a:schemeClr val="accent5">
-              <a:lumMod val="40000"/>
-              <a:lumOff val="60000"/>
-            </a:schemeClr>
-          </a:solidFill>
-          <a:ln w="6350" algn="ctr">
-            <a:solidFill>
-              <a:schemeClr val="tx1"/>
-            </a:solidFill>
-            <a:miter lim="800000"/>
-            <a:headEnd/>
-            <a:tailEnd/>
-          </a:ln>
-        </p:spPr>
-        <p:txBody>
-          <a:bodyPr lIns="90000" tIns="72000" rIns="90000" bIns="72000" rtlCol="0" anchor="ctr"/>
-          <a:lstStyle/>
-          <a:p>
-            <a:pPr marR="0" algn="ctr" defTabSz="914400" eaLnBrk="1" fontAlgn="base" latinLnBrk="0" hangingPunct="1">
-              <a:lnSpc>
-                <a:spcPct val="100000"/>
-              </a:lnSpc>
-              <a:spcBef>
-                <a:spcPct val="50000"/>
-              </a:spcBef>
-              <a:spcAft>
-                <a:spcPct val="0"/>
-              </a:spcAft>
-              <a:buClr>
-                <a:srgbClr val="F0AB00"/>
-              </a:buClr>
-              <a:buSzPct val="80000"/>
-              <a:tabLst/>
-            </a:pPr>
-            <a:r>
-              <a:rPr kumimoji="0" lang="en-US" sz="1400" b="0" i="0" u="none" strike="noStrike" kern="0" cap="none" spc="0" normalizeH="0" baseline="0" dirty="0">
-                <a:ln>
-                  <a:noFill/>
-                </a:ln>
-                <a:effectLst/>
-                <a:uLnTx/>
-                <a:uFillTx/>
-                <a:ea typeface="Arial Unicode MS" pitchFamily="34" charset="-128"/>
-                <a:cs typeface="Arial Unicode MS" pitchFamily="34" charset="-128"/>
-              </a:rPr>
-              <a:t>namespaces</a:t>
-            </a:r>
-          </a:p>
-        </p:txBody>
-      </p:sp>
-      <p:sp>
-        <p:nvSpPr>
-          <p:cNvPr id="23" name="Rectangle: Rounded Corners 22"/>
-          <p:cNvSpPr/>
-          <p:nvPr/>
-        </p:nvSpPr>
-        <p:spPr bwMode="gray">
-          <a:xfrm>
-            <a:off x="1079289" y="4314990"/>
-            <a:ext cx="1312438" cy="285950"/>
-          </a:xfrm>
-          <a:prstGeom prst="roundRect">
-            <a:avLst/>
-          </a:prstGeom>
-          <a:solidFill>
-            <a:schemeClr val="accent5">
-              <a:lumMod val="40000"/>
-              <a:lumOff val="60000"/>
-            </a:schemeClr>
-          </a:solidFill>
-          <a:ln w="6350" algn="ctr">
-            <a:solidFill>
-              <a:schemeClr val="tx1"/>
-            </a:solidFill>
-            <a:miter lim="800000"/>
-            <a:headEnd/>
-            <a:tailEnd/>
-          </a:ln>
-        </p:spPr>
-        <p:txBody>
-          <a:bodyPr lIns="90000" tIns="72000" rIns="90000" bIns="72000" rtlCol="0" anchor="ctr"/>
-          <a:lstStyle/>
-          <a:p>
-            <a:pPr marR="0" algn="ctr" defTabSz="914400" eaLnBrk="1" fontAlgn="base" latinLnBrk="0" hangingPunct="1">
-              <a:lnSpc>
-                <a:spcPct val="100000"/>
-              </a:lnSpc>
-              <a:spcBef>
-                <a:spcPct val="50000"/>
-              </a:spcBef>
-              <a:spcAft>
-                <a:spcPct val="0"/>
-              </a:spcAft>
-              <a:buClr>
-                <a:srgbClr val="F0AB00"/>
-              </a:buClr>
-              <a:buSzPct val="80000"/>
-              <a:tabLst/>
-            </a:pPr>
-            <a:r>
-              <a:rPr kumimoji="0" lang="en-US" sz="1400" b="0" i="0" u="none" strike="noStrike" kern="0" cap="none" spc="0" normalizeH="0" baseline="0" dirty="0" err="1">
-                <a:ln>
-                  <a:noFill/>
-                </a:ln>
-                <a:effectLst/>
-                <a:uLnTx/>
-                <a:uFillTx/>
-                <a:ea typeface="Arial Unicode MS" pitchFamily="34" charset="-128"/>
-                <a:cs typeface="Arial Unicode MS" pitchFamily="34" charset="-128"/>
-              </a:rPr>
-              <a:t>netfilter</a:t>
-            </a:r>
-            <a:endParaRPr kumimoji="0" lang="en-US" sz="1400" b="0" i="0" u="none" strike="noStrike" kern="0" cap="none" spc="0" normalizeH="0" baseline="0" dirty="0">
-              <a:ln>
-                <a:noFill/>
-              </a:ln>
-              <a:effectLst/>
-              <a:uLnTx/>
-              <a:uFillTx/>
-              <a:ea typeface="Arial Unicode MS" pitchFamily="34" charset="-128"/>
-              <a:cs typeface="Arial Unicode MS" pitchFamily="34" charset="-128"/>
-            </a:endParaRPr>
-          </a:p>
-        </p:txBody>
-      </p:sp>
-      <p:sp>
-        <p:nvSpPr>
-          <p:cNvPr id="25" name="Rectangle: Rounded Corners 24"/>
-          <p:cNvSpPr/>
-          <p:nvPr/>
-        </p:nvSpPr>
-        <p:spPr bwMode="gray">
-          <a:xfrm>
-            <a:off x="1658305" y="4780963"/>
-            <a:ext cx="1312438" cy="285950"/>
-          </a:xfrm>
-          <a:prstGeom prst="roundRect">
-            <a:avLst/>
-          </a:prstGeom>
-          <a:solidFill>
-            <a:schemeClr val="accent5">
-              <a:lumMod val="40000"/>
-              <a:lumOff val="60000"/>
-            </a:schemeClr>
-          </a:solidFill>
-          <a:ln w="6350" algn="ctr">
-            <a:solidFill>
-              <a:schemeClr val="tx1"/>
-            </a:solidFill>
-            <a:miter lim="800000"/>
-            <a:headEnd/>
-            <a:tailEnd/>
-          </a:ln>
-        </p:spPr>
-        <p:txBody>
-          <a:bodyPr lIns="90000" tIns="72000" rIns="90000" bIns="72000" rtlCol="0" anchor="ctr"/>
-          <a:lstStyle/>
-          <a:p>
-            <a:pPr marR="0" algn="ctr" defTabSz="914400" eaLnBrk="1" fontAlgn="base" latinLnBrk="0" hangingPunct="1">
-              <a:lnSpc>
-                <a:spcPct val="100000"/>
-              </a:lnSpc>
-              <a:spcBef>
-                <a:spcPct val="50000"/>
-              </a:spcBef>
-              <a:spcAft>
-                <a:spcPct val="0"/>
-              </a:spcAft>
-              <a:buClr>
-                <a:srgbClr val="F0AB00"/>
-              </a:buClr>
-              <a:buSzPct val="80000"/>
-              <a:tabLst/>
-            </a:pPr>
-            <a:r>
-              <a:rPr kumimoji="0" lang="en-US" sz="1400" b="0" i="0" u="none" strike="noStrike" kern="0" cap="none" spc="0" normalizeH="0" baseline="0" dirty="0">
-                <a:ln>
-                  <a:noFill/>
-                </a:ln>
-                <a:effectLst/>
-                <a:uLnTx/>
-                <a:uFillTx/>
-                <a:ea typeface="Arial Unicode MS" pitchFamily="34" charset="-128"/>
-                <a:cs typeface="Arial Unicode MS" pitchFamily="34" charset="-128"/>
-              </a:rPr>
-              <a:t>cgroups</a:t>
-            </a:r>
-          </a:p>
-        </p:txBody>
-      </p:sp>
-      <p:sp>
-        <p:nvSpPr>
-          <p:cNvPr id="27" name="Rectangle: Rounded Corners 26"/>
-          <p:cNvSpPr/>
-          <p:nvPr/>
-        </p:nvSpPr>
-        <p:spPr bwMode="gray">
-          <a:xfrm>
-            <a:off x="3737394" y="4310191"/>
-            <a:ext cx="1312438" cy="285950"/>
-          </a:xfrm>
-          <a:prstGeom prst="roundRect">
-            <a:avLst/>
-          </a:prstGeom>
-          <a:solidFill>
-            <a:schemeClr val="accent5">
-              <a:lumMod val="40000"/>
-              <a:lumOff val="60000"/>
-            </a:schemeClr>
-          </a:solidFill>
-          <a:ln w="6350" algn="ctr">
-            <a:solidFill>
-              <a:schemeClr val="tx1"/>
-            </a:solidFill>
-            <a:miter lim="800000"/>
-            <a:headEnd/>
-            <a:tailEnd/>
-          </a:ln>
-        </p:spPr>
-        <p:txBody>
-          <a:bodyPr lIns="90000" tIns="72000" rIns="90000" bIns="72000" rtlCol="0" anchor="ctr"/>
-          <a:lstStyle/>
-          <a:p>
-            <a:pPr marR="0" algn="ctr" defTabSz="914400" eaLnBrk="1" fontAlgn="base" latinLnBrk="0" hangingPunct="1">
-              <a:lnSpc>
-                <a:spcPct val="100000"/>
-              </a:lnSpc>
-              <a:spcBef>
-                <a:spcPct val="50000"/>
-              </a:spcBef>
-              <a:spcAft>
-                <a:spcPct val="0"/>
-              </a:spcAft>
-              <a:buClr>
-                <a:srgbClr val="F0AB00"/>
-              </a:buClr>
-              <a:buSzPct val="80000"/>
-              <a:tabLst/>
-            </a:pPr>
-            <a:r>
-              <a:rPr kumimoji="0" lang="en-US" sz="1400" b="0" i="0" u="none" strike="noStrike" kern="0" cap="none" spc="0" normalizeH="0" baseline="0" dirty="0">
-                <a:ln>
-                  <a:noFill/>
-                </a:ln>
-                <a:effectLst/>
-                <a:uLnTx/>
-                <a:uFillTx/>
-                <a:ea typeface="Arial Unicode MS" pitchFamily="34" charset="-128"/>
-                <a:cs typeface="Arial Unicode MS" pitchFamily="34" charset="-128"/>
-              </a:rPr>
-              <a:t>capabilities</a:t>
-            </a:r>
-          </a:p>
-        </p:txBody>
-      </p:sp>
-      <p:sp>
-        <p:nvSpPr>
-          <p:cNvPr id="28" name="Rectangle: Rounded Corners 27"/>
-          <p:cNvSpPr/>
-          <p:nvPr/>
-        </p:nvSpPr>
-        <p:spPr bwMode="gray">
-          <a:xfrm>
-            <a:off x="3817669" y="3823337"/>
-            <a:ext cx="1312438" cy="285950"/>
-          </a:xfrm>
-          <a:prstGeom prst="roundRect">
-            <a:avLst/>
-          </a:prstGeom>
-          <a:solidFill>
-            <a:schemeClr val="accent5">
-              <a:lumMod val="40000"/>
-              <a:lumOff val="60000"/>
-            </a:schemeClr>
-          </a:solidFill>
-          <a:ln w="6350" algn="ctr">
-            <a:solidFill>
-              <a:schemeClr val="tx1"/>
-            </a:solidFill>
-            <a:miter lim="800000"/>
-            <a:headEnd/>
-            <a:tailEnd/>
-          </a:ln>
-        </p:spPr>
-        <p:txBody>
-          <a:bodyPr lIns="90000" tIns="72000" rIns="90000" bIns="72000" rtlCol="0" anchor="ctr"/>
-          <a:lstStyle/>
-          <a:p>
-            <a:pPr marR="0" algn="ctr" defTabSz="914400" eaLnBrk="1" fontAlgn="base" latinLnBrk="0" hangingPunct="1">
-              <a:lnSpc>
-                <a:spcPct val="100000"/>
-              </a:lnSpc>
-              <a:spcBef>
-                <a:spcPct val="50000"/>
-              </a:spcBef>
-              <a:spcAft>
-                <a:spcPct val="0"/>
-              </a:spcAft>
-              <a:buClr>
-                <a:srgbClr val="F0AB00"/>
-              </a:buClr>
-              <a:buSzPct val="80000"/>
-              <a:tabLst/>
-            </a:pPr>
-            <a:r>
-              <a:rPr kumimoji="0" lang="en-US" sz="1400" b="0" i="0" u="none" strike="noStrike" kern="0" cap="none" spc="0" normalizeH="0" baseline="0" dirty="0" err="1">
-                <a:ln>
-                  <a:noFill/>
-                </a:ln>
-                <a:effectLst/>
-                <a:uLnTx/>
-                <a:uFillTx/>
-                <a:ea typeface="Arial Unicode MS" pitchFamily="34" charset="-128"/>
-                <a:cs typeface="Arial Unicode MS" pitchFamily="34" charset="-128"/>
-              </a:rPr>
-              <a:t>SELinux</a:t>
-            </a:r>
-            <a:endParaRPr kumimoji="0" lang="en-US" sz="1400" b="0" i="0" u="none" strike="noStrike" kern="0" cap="none" spc="0" normalizeH="0" baseline="0" dirty="0">
-              <a:ln>
-                <a:noFill/>
-              </a:ln>
-              <a:effectLst/>
-              <a:uLnTx/>
-              <a:uFillTx/>
-              <a:ea typeface="Arial Unicode MS" pitchFamily="34" charset="-128"/>
-              <a:cs typeface="Arial Unicode MS" pitchFamily="34" charset="-128"/>
-            </a:endParaRPr>
-          </a:p>
-        </p:txBody>
-      </p:sp>
-      <p:sp>
-        <p:nvSpPr>
-          <p:cNvPr id="29" name="Rectangle: Rounded Corners 28"/>
-          <p:cNvSpPr/>
-          <p:nvPr/>
-        </p:nvSpPr>
-        <p:spPr bwMode="gray">
-          <a:xfrm>
-            <a:off x="3436515" y="4780963"/>
-            <a:ext cx="1312438" cy="285950"/>
-          </a:xfrm>
-          <a:prstGeom prst="roundRect">
-            <a:avLst/>
-          </a:prstGeom>
-          <a:solidFill>
-            <a:schemeClr val="accent5">
-              <a:lumMod val="40000"/>
-              <a:lumOff val="60000"/>
-            </a:schemeClr>
-          </a:solidFill>
-          <a:ln w="6350" algn="ctr">
-            <a:solidFill>
-              <a:schemeClr val="tx1"/>
-            </a:solidFill>
-            <a:miter lim="800000"/>
-            <a:headEnd/>
-            <a:tailEnd/>
-          </a:ln>
-        </p:spPr>
-        <p:txBody>
-          <a:bodyPr lIns="90000" tIns="72000" rIns="90000" bIns="72000" rtlCol="0" anchor="ctr"/>
-          <a:lstStyle/>
-          <a:p>
-            <a:pPr marR="0" algn="ctr" defTabSz="914400" eaLnBrk="1" fontAlgn="base" latinLnBrk="0" hangingPunct="1">
-              <a:lnSpc>
-                <a:spcPct val="100000"/>
-              </a:lnSpc>
-              <a:spcBef>
-                <a:spcPct val="50000"/>
-              </a:spcBef>
-              <a:spcAft>
-                <a:spcPct val="0"/>
-              </a:spcAft>
-              <a:buClr>
-                <a:srgbClr val="F0AB00"/>
-              </a:buClr>
-              <a:buSzPct val="80000"/>
-              <a:tabLst/>
-            </a:pPr>
-            <a:r>
-              <a:rPr kumimoji="0" lang="en-US" sz="1400" b="0" i="0" u="none" strike="noStrike" kern="0" cap="none" spc="0" normalizeH="0" baseline="0" dirty="0" err="1">
-                <a:ln>
-                  <a:noFill/>
-                </a:ln>
-                <a:effectLst/>
-                <a:uLnTx/>
-                <a:uFillTx/>
-                <a:ea typeface="Arial Unicode MS" pitchFamily="34" charset="-128"/>
-                <a:cs typeface="Arial Unicode MS" pitchFamily="34" charset="-128"/>
-              </a:rPr>
-              <a:t>AppArmor</a:t>
-            </a:r>
-            <a:endParaRPr kumimoji="0" lang="en-US" sz="1400" b="0" i="0" u="none" strike="noStrike" kern="0" cap="none" spc="0" normalizeH="0" baseline="0" dirty="0">
-              <a:ln>
-                <a:noFill/>
-              </a:ln>
-              <a:effectLst/>
-              <a:uLnTx/>
-              <a:uFillTx/>
-              <a:ea typeface="Arial Unicode MS" pitchFamily="34" charset="-128"/>
-              <a:cs typeface="Arial Unicode MS" pitchFamily="34" charset="-128"/>
-            </a:endParaRPr>
-          </a:p>
-        </p:txBody>
-      </p:sp>
-      <p:sp>
-        <p:nvSpPr>
-          <p:cNvPr id="31" name="Rectangle: Rounded Corners 30"/>
-          <p:cNvSpPr/>
-          <p:nvPr/>
-        </p:nvSpPr>
-        <p:spPr bwMode="gray">
-          <a:xfrm>
-            <a:off x="2681625" y="3802098"/>
-            <a:ext cx="937074" cy="285950"/>
-          </a:xfrm>
-          <a:prstGeom prst="roundRect">
-            <a:avLst/>
-          </a:prstGeom>
-          <a:solidFill>
-            <a:schemeClr val="accent5">
-              <a:lumMod val="40000"/>
-              <a:lumOff val="60000"/>
-            </a:schemeClr>
-          </a:solidFill>
-          <a:ln w="6350" algn="ctr">
-            <a:solidFill>
-              <a:schemeClr val="tx1"/>
-            </a:solidFill>
-            <a:miter lim="800000"/>
-            <a:headEnd/>
-            <a:tailEnd/>
-          </a:ln>
-        </p:spPr>
-        <p:txBody>
-          <a:bodyPr lIns="90000" tIns="72000" rIns="90000" bIns="72000" rtlCol="0" anchor="ctr"/>
-          <a:lstStyle/>
-          <a:p>
-            <a:pPr marR="0" algn="ctr" defTabSz="914400" eaLnBrk="1" fontAlgn="base" latinLnBrk="0" hangingPunct="1">
-              <a:lnSpc>
-                <a:spcPct val="100000"/>
-              </a:lnSpc>
-              <a:spcBef>
-                <a:spcPct val="50000"/>
-              </a:spcBef>
-              <a:spcAft>
-                <a:spcPct val="0"/>
-              </a:spcAft>
-              <a:buClr>
-                <a:srgbClr val="F0AB00"/>
-              </a:buClr>
-              <a:buSzPct val="80000"/>
-              <a:tabLst/>
-            </a:pPr>
-            <a:r>
-              <a:rPr kumimoji="0" lang="en-US" sz="1400" b="0" i="0" u="none" strike="noStrike" kern="0" cap="none" spc="0" normalizeH="0" baseline="0" dirty="0" err="1">
-                <a:ln>
-                  <a:noFill/>
-                </a:ln>
-                <a:effectLst/>
-                <a:uLnTx/>
-                <a:uFillTx/>
-                <a:ea typeface="Arial Unicode MS" pitchFamily="34" charset="-128"/>
-                <a:cs typeface="Arial Unicode MS" pitchFamily="34" charset="-128"/>
-              </a:rPr>
-              <a:t>Netlink</a:t>
-            </a:r>
-            <a:endParaRPr kumimoji="0" lang="en-US" sz="1400" b="0" i="0" u="none" strike="noStrike" kern="0" cap="none" spc="0" normalizeH="0" baseline="0" dirty="0">
-              <a:ln>
-                <a:noFill/>
-              </a:ln>
-              <a:effectLst/>
-              <a:uLnTx/>
-              <a:uFillTx/>
-              <a:ea typeface="Arial Unicode MS" pitchFamily="34" charset="-128"/>
-              <a:cs typeface="Arial Unicode MS" pitchFamily="34" charset="-128"/>
-            </a:endParaRPr>
-          </a:p>
-        </p:txBody>
-      </p:sp>
-      <p:sp>
-        <p:nvSpPr>
-          <p:cNvPr id="32" name="Text Placeholder 10"/>
-          <p:cNvSpPr txBox="1">
-            <a:spLocks/>
-          </p:cNvSpPr>
-          <p:nvPr/>
-        </p:nvSpPr>
-        <p:spPr bwMode="gray">
-          <a:xfrm>
-            <a:off x="6203454" y="1620000"/>
-            <a:ext cx="5487021" cy="4707648"/>
-          </a:xfrm>
-          <a:prstGeom prst="rect">
-            <a:avLst/>
-          </a:prstGeom>
-        </p:spPr>
-        <p:txBody>
-          <a:bodyPr vert="horz" lIns="0" tIns="0" rIns="0" bIns="0" rtlCol="0">
-            <a:noAutofit/>
-          </a:bodyPr>
-          <a:lstStyle>
-            <a:lvl1pPr marL="0" indent="0" algn="l" defTabSz="1088558" rtl="0" eaLnBrk="1" latinLnBrk="0" hangingPunct="1">
-              <a:spcBef>
-                <a:spcPts val="1800"/>
-              </a:spcBef>
-              <a:buClr>
-                <a:schemeClr val="accent1"/>
-              </a:buClr>
-              <a:buSzPct val="80000"/>
-              <a:buFontTx/>
-              <a:buNone/>
-              <a:defRPr sz="2000" b="0" kern="1200">
-                <a:solidFill>
-                  <a:schemeClr val="tx1"/>
-                </a:solidFill>
-                <a:latin typeface="+mn-lt"/>
-                <a:ea typeface="+mn-ea"/>
-                <a:cs typeface="+mn-cs"/>
-              </a:defRPr>
-            </a:lvl1pPr>
-            <a:lvl2pPr marL="179964" indent="-179964" algn="l" defTabSz="1088558" rtl="0" eaLnBrk="1" latinLnBrk="0" hangingPunct="1">
-              <a:spcBef>
-                <a:spcPts val="600"/>
-              </a:spcBef>
-              <a:buClr>
-                <a:schemeClr val="accent1"/>
-              </a:buClr>
-              <a:buSzPct val="100000"/>
-              <a:buFont typeface="Wingdings" pitchFamily="2" charset="2"/>
-              <a:buChar char="§"/>
-              <a:defRPr sz="1800" kern="1200">
-                <a:solidFill>
-                  <a:schemeClr val="tx1"/>
-                </a:solidFill>
-                <a:latin typeface="+mn-lt"/>
-                <a:ea typeface="+mn-ea"/>
-                <a:cs typeface="+mn-cs"/>
-              </a:defRPr>
-            </a:lvl2pPr>
-            <a:lvl3pPr marL="358775" indent="-179388" algn="l" defTabSz="1088558" rtl="0" eaLnBrk="1" latinLnBrk="0" hangingPunct="1">
-              <a:spcBef>
-                <a:spcPts val="300"/>
-              </a:spcBef>
-              <a:buClr>
-                <a:schemeClr val="tx1"/>
-              </a:buClr>
-              <a:buSzPct val="100000"/>
-              <a:buFont typeface="Arial" panose="020B0604020202020204" pitchFamily="34" charset="0"/>
-              <a:buChar char="–"/>
-              <a:defRPr lang="en-US" sz="1800" kern="1200" noProof="0" dirty="0" smtClean="0">
-                <a:solidFill>
-                  <a:schemeClr val="tx1"/>
-                </a:solidFill>
-                <a:latin typeface="+mn-lt"/>
-                <a:ea typeface="+mn-ea"/>
-                <a:cs typeface="+mn-cs"/>
-              </a:defRPr>
-            </a:lvl3pPr>
-            <a:lvl4pPr marL="539892" indent="-179964" algn="l" defTabSz="1088558" rtl="0" eaLnBrk="1" latinLnBrk="0" hangingPunct="1">
-              <a:spcBef>
-                <a:spcPts val="300"/>
-              </a:spcBef>
-              <a:buClr>
-                <a:schemeClr val="tx1"/>
-              </a:buClr>
-              <a:buSzPct val="120000"/>
-              <a:buFont typeface="Arial" pitchFamily="34" charset="0"/>
-              <a:buChar char="▫"/>
-              <a:defRPr sz="1600" kern="1200">
-                <a:solidFill>
-                  <a:schemeClr val="tx1"/>
-                </a:solidFill>
-                <a:latin typeface="+mn-lt"/>
-                <a:ea typeface="+mn-ea"/>
-                <a:cs typeface="+mn-cs"/>
-              </a:defRPr>
-            </a:lvl4pPr>
-            <a:lvl5pPr marL="719856" indent="-179964" algn="l" defTabSz="1088558" rtl="0" eaLnBrk="1" latinLnBrk="0" hangingPunct="1">
-              <a:spcBef>
-                <a:spcPts val="100"/>
-              </a:spcBef>
-              <a:buClr>
-                <a:schemeClr val="tx1"/>
-              </a:buClr>
-              <a:buSzPct val="100000"/>
-              <a:buFont typeface="Symbol" panose="05050102010706020507" pitchFamily="18" charset="2"/>
-              <a:buChar char="-"/>
-              <a:defRPr sz="1400" kern="1200" baseline="0">
-                <a:solidFill>
-                  <a:schemeClr val="tx1"/>
-                </a:solidFill>
-                <a:latin typeface="+mn-lt"/>
-                <a:ea typeface="+mn-ea"/>
-                <a:cs typeface="+mn-cs"/>
-              </a:defRPr>
-            </a:lvl5pPr>
-            <a:lvl6pPr marL="2993535" indent="-272140" algn="l" defTabSz="1088558" rtl="0" eaLnBrk="1" latinLnBrk="0" hangingPunct="1">
-              <a:spcBef>
-                <a:spcPct val="20000"/>
-              </a:spcBef>
-              <a:buFont typeface="Arial" pitchFamily="34" charset="0"/>
-              <a:buChar char="•"/>
-              <a:defRPr sz="2400" kern="1200">
-                <a:solidFill>
-                  <a:schemeClr val="tx1"/>
-                </a:solidFill>
-                <a:latin typeface="+mn-lt"/>
-                <a:ea typeface="+mn-ea"/>
-                <a:cs typeface="+mn-cs"/>
-              </a:defRPr>
-            </a:lvl6pPr>
-            <a:lvl7pPr marL="3537814" indent="-272140" algn="l" defTabSz="1088558" rtl="0" eaLnBrk="1" latinLnBrk="0" hangingPunct="1">
-              <a:spcBef>
-                <a:spcPct val="20000"/>
-              </a:spcBef>
-              <a:buFont typeface="Arial" pitchFamily="34" charset="0"/>
-              <a:buChar char="•"/>
-              <a:defRPr sz="2400" kern="1200">
-                <a:solidFill>
-                  <a:schemeClr val="tx1"/>
-                </a:solidFill>
-                <a:latin typeface="+mn-lt"/>
-                <a:ea typeface="+mn-ea"/>
-                <a:cs typeface="+mn-cs"/>
-              </a:defRPr>
-            </a:lvl7pPr>
-            <a:lvl8pPr marL="4082093" indent="-272140" algn="l" defTabSz="1088558" rtl="0" eaLnBrk="1" latinLnBrk="0" hangingPunct="1">
-              <a:spcBef>
-                <a:spcPct val="20000"/>
-              </a:spcBef>
-              <a:buFont typeface="Arial" pitchFamily="34" charset="0"/>
-              <a:buChar char="•"/>
-              <a:defRPr sz="2400" kern="1200">
-                <a:solidFill>
-                  <a:schemeClr val="tx1"/>
-                </a:solidFill>
-                <a:latin typeface="+mn-lt"/>
-                <a:ea typeface="+mn-ea"/>
-                <a:cs typeface="+mn-cs"/>
-              </a:defRPr>
-            </a:lvl8pPr>
-            <a:lvl9pPr marL="4626373" indent="-272140" algn="l" defTabSz="1088558" rtl="0" eaLnBrk="1" latinLnBrk="0" hangingPunct="1">
-              <a:spcBef>
-                <a:spcPct val="20000"/>
-              </a:spcBef>
-              <a:buFont typeface="Arial" pitchFamily="34" charset="0"/>
-              <a:buChar char="•"/>
-              <a:defRPr sz="2400" kern="1200">
-                <a:solidFill>
-                  <a:schemeClr val="tx1"/>
-                </a:solidFill>
-                <a:latin typeface="+mn-lt"/>
-                <a:ea typeface="+mn-ea"/>
-                <a:cs typeface="+mn-cs"/>
-              </a:defRPr>
-            </a:lvl9pPr>
-          </a:lstStyle>
-          <a:p>
-            <a:pPr>
-              <a:spcBef>
-                <a:spcPts val="1200"/>
-              </a:spcBef>
-            </a:pPr>
-            <a:r>
-              <a:rPr lang="en-US" sz="1400" dirty="0"/>
-              <a:t>Namespaces</a:t>
-            </a:r>
-          </a:p>
-          <a:p>
-            <a:pPr lvl="1">
-              <a:spcBef>
-                <a:spcPts val="300"/>
-              </a:spcBef>
-            </a:pPr>
-            <a:r>
-              <a:rPr lang="en-US" sz="1200" dirty="0"/>
-              <a:t>Isolation of resources per process</a:t>
-            </a:r>
-          </a:p>
-          <a:p>
-            <a:pPr lvl="1">
-              <a:spcBef>
-                <a:spcPts val="300"/>
-              </a:spcBef>
-            </a:pPr>
-            <a:r>
-              <a:rPr lang="en-US" sz="1200" dirty="0"/>
-              <a:t>7 different namespaces</a:t>
-            </a:r>
-          </a:p>
-          <a:p>
-            <a:pPr>
-              <a:spcBef>
-                <a:spcPts val="1200"/>
-              </a:spcBef>
-            </a:pPr>
-            <a:r>
-              <a:rPr lang="en-US" sz="1400" dirty="0" err="1"/>
-              <a:t>netfilter</a:t>
-            </a:r>
-            <a:endParaRPr lang="en-US" sz="1400" dirty="0"/>
-          </a:p>
-          <a:p>
-            <a:pPr lvl="1">
-              <a:spcBef>
-                <a:spcPts val="300"/>
-              </a:spcBef>
-            </a:pPr>
-            <a:r>
-              <a:rPr lang="en-US" sz="1200" dirty="0"/>
-              <a:t>Firewall and packet manipulation</a:t>
-            </a:r>
-          </a:p>
-          <a:p>
-            <a:pPr>
-              <a:spcBef>
-                <a:spcPts val="1200"/>
-              </a:spcBef>
-            </a:pPr>
-            <a:r>
-              <a:rPr lang="en-US" sz="1400" dirty="0"/>
-              <a:t>cgroups</a:t>
-            </a:r>
-          </a:p>
-          <a:p>
-            <a:pPr lvl="1">
-              <a:spcBef>
-                <a:spcPts val="300"/>
-              </a:spcBef>
-            </a:pPr>
-            <a:r>
-              <a:rPr lang="en-US" sz="1200" dirty="0"/>
-              <a:t>Manage resource allocation</a:t>
-            </a:r>
-          </a:p>
-          <a:p>
-            <a:pPr>
-              <a:spcBef>
-                <a:spcPts val="1200"/>
-              </a:spcBef>
-            </a:pPr>
-            <a:r>
-              <a:rPr lang="en-US" sz="1400" dirty="0" err="1"/>
-              <a:t>Netlink</a:t>
-            </a:r>
-            <a:endParaRPr lang="en-US" sz="1400" dirty="0"/>
-          </a:p>
-          <a:p>
-            <a:pPr lvl="1">
-              <a:spcBef>
-                <a:spcPts val="300"/>
-              </a:spcBef>
-            </a:pPr>
-            <a:r>
-              <a:rPr lang="en-US" sz="1200" dirty="0" err="1"/>
-              <a:t>Interprocess</a:t>
-            </a:r>
-            <a:r>
-              <a:rPr lang="en-US" sz="1200" dirty="0"/>
-              <a:t> communication between containers</a:t>
-            </a:r>
-          </a:p>
-          <a:p>
-            <a:pPr>
-              <a:spcBef>
-                <a:spcPts val="1200"/>
-              </a:spcBef>
-            </a:pPr>
-            <a:r>
-              <a:rPr lang="en-US" sz="1400" dirty="0" err="1"/>
-              <a:t>SELinux</a:t>
-            </a:r>
-            <a:r>
-              <a:rPr lang="en-US" sz="1400" dirty="0"/>
-              <a:t>/</a:t>
-            </a:r>
-            <a:r>
-              <a:rPr lang="en-US" sz="1400" dirty="0" err="1"/>
-              <a:t>AppArmor</a:t>
-            </a:r>
-            <a:endParaRPr lang="en-US" sz="1400" dirty="0"/>
-          </a:p>
-          <a:p>
-            <a:pPr lvl="1">
-              <a:spcBef>
-                <a:spcPts val="300"/>
-              </a:spcBef>
-            </a:pPr>
-            <a:r>
-              <a:rPr lang="en-US" sz="1200" dirty="0"/>
-              <a:t>Security profiles to govern access to resources</a:t>
-            </a:r>
-          </a:p>
-          <a:p>
-            <a:pPr>
-              <a:spcBef>
-                <a:spcPts val="1200"/>
-              </a:spcBef>
-            </a:pPr>
-            <a:r>
-              <a:rPr lang="en-US" sz="1400" dirty="0"/>
-              <a:t>capabilities</a:t>
-            </a:r>
-          </a:p>
-          <a:p>
-            <a:pPr lvl="1">
-              <a:spcBef>
-                <a:spcPts val="300"/>
-              </a:spcBef>
-            </a:pPr>
-            <a:r>
-              <a:rPr lang="en-US" sz="1200" dirty="0"/>
-              <a:t>Granular control of privileges</a:t>
-            </a:r>
-          </a:p>
-          <a:p>
-            <a:pPr>
-              <a:spcBef>
-                <a:spcPts val="1200"/>
-              </a:spcBef>
-            </a:pPr>
-            <a:r>
-              <a:rPr lang="en-US" sz="1400" dirty="0" err="1"/>
-              <a:t>seccomp</a:t>
-            </a:r>
-            <a:endParaRPr lang="en-US" sz="1400" dirty="0"/>
-          </a:p>
-          <a:p>
-            <a:pPr lvl="1">
-              <a:spcBef>
-                <a:spcPts val="300"/>
-              </a:spcBef>
-            </a:pPr>
-            <a:r>
-              <a:rPr lang="en-US" sz="1200" dirty="0"/>
-              <a:t>Limitation of </a:t>
-            </a:r>
-            <a:r>
-              <a:rPr lang="en-US" sz="1200" dirty="0" err="1"/>
-              <a:t>syscalls</a:t>
-            </a:r>
-            <a:r>
-              <a:rPr lang="en-US" sz="1200" dirty="0"/>
-              <a:t> to processes</a:t>
-            </a:r>
-          </a:p>
-        </p:txBody>
-      </p:sp>
-      <p:sp>
-        <p:nvSpPr>
-          <p:cNvPr id="24" name="Rectangle: Rounded Corners 23"/>
-          <p:cNvSpPr/>
-          <p:nvPr/>
-        </p:nvSpPr>
-        <p:spPr bwMode="gray">
-          <a:xfrm>
-            <a:off x="2642165" y="4252513"/>
-            <a:ext cx="937074" cy="285950"/>
-          </a:xfrm>
-          <a:prstGeom prst="roundRect">
-            <a:avLst/>
-          </a:prstGeom>
-          <a:solidFill>
-            <a:schemeClr val="accent5">
-              <a:lumMod val="40000"/>
-              <a:lumOff val="60000"/>
-            </a:schemeClr>
-          </a:solidFill>
-          <a:ln w="6350" algn="ctr">
-            <a:solidFill>
-              <a:schemeClr val="tx1"/>
-            </a:solidFill>
-            <a:miter lim="800000"/>
-            <a:headEnd/>
-            <a:tailEnd/>
-          </a:ln>
-        </p:spPr>
-        <p:txBody>
-          <a:bodyPr lIns="90000" tIns="72000" rIns="90000" bIns="72000" rtlCol="0" anchor="ctr"/>
-          <a:lstStyle/>
-          <a:p>
-            <a:pPr marR="0" algn="ctr" defTabSz="914400" eaLnBrk="1" fontAlgn="base" latinLnBrk="0" hangingPunct="1">
-              <a:lnSpc>
-                <a:spcPct val="100000"/>
-              </a:lnSpc>
-              <a:spcBef>
-                <a:spcPct val="50000"/>
-              </a:spcBef>
-              <a:spcAft>
-                <a:spcPct val="0"/>
-              </a:spcAft>
-              <a:buClr>
-                <a:srgbClr val="F0AB00"/>
-              </a:buClr>
-              <a:buSzPct val="80000"/>
-              <a:tabLst/>
-            </a:pPr>
-            <a:r>
-              <a:rPr kumimoji="0" lang="en-US" sz="1400" b="0" i="0" u="none" strike="noStrike" kern="0" cap="none" spc="0" normalizeH="0" baseline="0" dirty="0">
-                <a:ln>
-                  <a:noFill/>
-                </a:ln>
-                <a:effectLst/>
-                <a:uLnTx/>
-                <a:uFillTx/>
-                <a:ea typeface="Arial Unicode MS" pitchFamily="34" charset="-128"/>
-                <a:cs typeface="Arial Unicode MS" pitchFamily="34" charset="-128"/>
-              </a:rPr>
-              <a:t>seccomp</a:t>
-            </a:r>
-          </a:p>
-        </p:txBody>
-      </p:sp>
-    </p:spTree>
-    <p:extLst>
-      <p:ext uri="{BB962C8B-B14F-4D97-AF65-F5344CB8AC3E}">
-        <p14:creationId xmlns:p14="http://schemas.microsoft.com/office/powerpoint/2010/main" val="2524894991"/>
-      </p:ext>
-    </p:extLst>
-  </p:cSld>
-  <p:clrMapOvr>
-    <a:masterClrMapping/>
-  </p:clrMapOvr>
-</p:sld>
-</file>
-
-<file path=ppt/slides/slide20.xml><?xml version="1.0" encoding="utf-8"?>
+<file path=ppt/slides/slide15.xml><?xml version="1.0" encoding="utf-8"?>
 <p:sld xmlns:a="http://schemas.openxmlformats.org/drawingml/2006/main" xmlns:r="http://schemas.openxmlformats.org/officeDocument/2006/relationships" xmlns:p="http://schemas.openxmlformats.org/presentationml/2006/main">
   <p:cSld>
     <p:spTree>
@@ -24577,6 +20519,9 @@
                     <p:cTn id="3" fill="hold">
                       <p:stCondLst>
                         <p:cond delay="indefinite"/>
+                        <p:cond evt="onBegin" delay="0">
+                          <p:tn val="2"/>
+                        </p:cond>
                       </p:stCondLst>
                       <p:childTnLst>
                         <p:par>
@@ -24586,7 +20531,7 @@
                             </p:stCondLst>
                             <p:childTnLst>
                               <p:par>
-                                <p:cTn id="5" presetID="1" presetClass="entr" presetSubtype="0" fill="hold" grpId="0" nodeType="clickEffect">
+                                <p:cTn id="5" presetID="10" presetClass="entr" presetSubtype="0" fill="hold" nodeType="withEffect">
                                   <p:stCondLst>
                                     <p:cond delay="0"/>
                                   </p:stCondLst>
@@ -24594,474 +20539,6 @@
                                     <p:set>
                                       <p:cBhvr>
                                         <p:cTn id="6" dur="1" fill="hold">
-                                          <p:stCondLst>
-                                            <p:cond delay="0"/>
-                                          </p:stCondLst>
-                                        </p:cTn>
-                                        <p:tgtEl>
-                                          <p:spTgt spid="4"/>
-                                        </p:tgtEl>
-                                        <p:attrNameLst>
-                                          <p:attrName>style.visibility</p:attrName>
-                                        </p:attrNameLst>
-                                      </p:cBhvr>
-                                      <p:to>
-                                        <p:strVal val="visible"/>
-                                      </p:to>
-                                    </p:set>
-                                  </p:childTnLst>
-                                </p:cTn>
-                              </p:par>
-                              <p:par>
-                                <p:cTn id="7" presetID="1" presetClass="entr" presetSubtype="0" fill="hold" nodeType="withEffect">
-                                  <p:stCondLst>
-                                    <p:cond delay="0"/>
-                                  </p:stCondLst>
-                                  <p:childTnLst>
-                                    <p:set>
-                                      <p:cBhvr>
-                                        <p:cTn id="8" dur="1" fill="hold">
-                                          <p:stCondLst>
-                                            <p:cond delay="0"/>
-                                          </p:stCondLst>
-                                        </p:cTn>
-                                        <p:tgtEl>
-                                          <p:spTgt spid="25"/>
-                                        </p:tgtEl>
-                                        <p:attrNameLst>
-                                          <p:attrName>style.visibility</p:attrName>
-                                        </p:attrNameLst>
-                                      </p:cBhvr>
-                                      <p:to>
-                                        <p:strVal val="visible"/>
-                                      </p:to>
-                                    </p:set>
-                                  </p:childTnLst>
-                                </p:cTn>
-                              </p:par>
-                              <p:par>
-                                <p:cTn id="9" presetID="1" presetClass="entr" presetSubtype="0" fill="hold" grpId="0" nodeType="withEffect">
-                                  <p:stCondLst>
-                                    <p:cond delay="0"/>
-                                  </p:stCondLst>
-                                  <p:childTnLst>
-                                    <p:set>
-                                      <p:cBhvr>
-                                        <p:cTn id="10" dur="1" fill="hold">
-                                          <p:stCondLst>
-                                            <p:cond delay="0"/>
-                                          </p:stCondLst>
-                                        </p:cTn>
-                                        <p:tgtEl>
-                                          <p:spTgt spid="49"/>
-                                        </p:tgtEl>
-                                        <p:attrNameLst>
-                                          <p:attrName>style.visibility</p:attrName>
-                                        </p:attrNameLst>
-                                      </p:cBhvr>
-                                      <p:to>
-                                        <p:strVal val="visible"/>
-                                      </p:to>
-                                    </p:set>
-                                  </p:childTnLst>
-                                </p:cTn>
-                              </p:par>
-                            </p:childTnLst>
-                          </p:cTn>
-                        </p:par>
-                      </p:childTnLst>
-                    </p:cTn>
-                  </p:par>
-                  <p:par>
-                    <p:cTn id="11" fill="hold">
-                      <p:stCondLst>
-                        <p:cond delay="indefinite"/>
-                      </p:stCondLst>
-                      <p:childTnLst>
-                        <p:par>
-                          <p:cTn id="12" fill="hold">
-                            <p:stCondLst>
-                              <p:cond delay="0"/>
-                            </p:stCondLst>
-                            <p:childTnLst>
-                              <p:par>
-                                <p:cTn id="13" presetID="1" presetClass="entr" presetSubtype="0" fill="hold" grpId="0" nodeType="clickEffect">
-                                  <p:stCondLst>
-                                    <p:cond delay="0"/>
-                                  </p:stCondLst>
-                                  <p:childTnLst>
-                                    <p:set>
-                                      <p:cBhvr>
-                                        <p:cTn id="14" dur="1" fill="hold">
-                                          <p:stCondLst>
-                                            <p:cond delay="0"/>
-                                          </p:stCondLst>
-                                        </p:cTn>
-                                        <p:tgtEl>
-                                          <p:spTgt spid="6"/>
-                                        </p:tgtEl>
-                                        <p:attrNameLst>
-                                          <p:attrName>style.visibility</p:attrName>
-                                        </p:attrNameLst>
-                                      </p:cBhvr>
-                                      <p:to>
-                                        <p:strVal val="visible"/>
-                                      </p:to>
-                                    </p:set>
-                                  </p:childTnLst>
-                                </p:cTn>
-                              </p:par>
-                              <p:par>
-                                <p:cTn id="15" presetID="1" presetClass="entr" presetSubtype="0" fill="hold" nodeType="withEffect">
-                                  <p:stCondLst>
-                                    <p:cond delay="0"/>
-                                  </p:stCondLst>
-                                  <p:childTnLst>
-                                    <p:set>
-                                      <p:cBhvr>
-                                        <p:cTn id="16" dur="1" fill="hold">
-                                          <p:stCondLst>
-                                            <p:cond delay="0"/>
-                                          </p:stCondLst>
-                                        </p:cTn>
-                                        <p:tgtEl>
-                                          <p:spTgt spid="29"/>
-                                        </p:tgtEl>
-                                        <p:attrNameLst>
-                                          <p:attrName>style.visibility</p:attrName>
-                                        </p:attrNameLst>
-                                      </p:cBhvr>
-                                      <p:to>
-                                        <p:strVal val="visible"/>
-                                      </p:to>
-                                    </p:set>
-                                  </p:childTnLst>
-                                </p:cTn>
-                              </p:par>
-                              <p:par>
-                                <p:cTn id="17" presetID="1" presetClass="entr" presetSubtype="0" fill="hold" grpId="0" nodeType="withEffect">
-                                  <p:stCondLst>
-                                    <p:cond delay="0"/>
-                                  </p:stCondLst>
-                                  <p:childTnLst>
-                                    <p:set>
-                                      <p:cBhvr>
-                                        <p:cTn id="18" dur="1" fill="hold">
-                                          <p:stCondLst>
-                                            <p:cond delay="0"/>
-                                          </p:stCondLst>
-                                        </p:cTn>
-                                        <p:tgtEl>
-                                          <p:spTgt spid="50"/>
-                                        </p:tgtEl>
-                                        <p:attrNameLst>
-                                          <p:attrName>style.visibility</p:attrName>
-                                        </p:attrNameLst>
-                                      </p:cBhvr>
-                                      <p:to>
-                                        <p:strVal val="visible"/>
-                                      </p:to>
-                                    </p:set>
-                                  </p:childTnLst>
-                                </p:cTn>
-                              </p:par>
-                            </p:childTnLst>
-                          </p:cTn>
-                        </p:par>
-                      </p:childTnLst>
-                    </p:cTn>
-                  </p:par>
-                  <p:par>
-                    <p:cTn id="19" fill="hold">
-                      <p:stCondLst>
-                        <p:cond delay="indefinite"/>
-                      </p:stCondLst>
-                      <p:childTnLst>
-                        <p:par>
-                          <p:cTn id="20" fill="hold">
-                            <p:stCondLst>
-                              <p:cond delay="0"/>
-                            </p:stCondLst>
-                            <p:childTnLst>
-                              <p:par>
-                                <p:cTn id="21" presetID="1" presetClass="entr" presetSubtype="0" fill="hold" nodeType="clickEffect">
-                                  <p:stCondLst>
-                                    <p:cond delay="0"/>
-                                  </p:stCondLst>
-                                  <p:childTnLst>
-                                    <p:set>
-                                      <p:cBhvr>
-                                        <p:cTn id="22" dur="1" fill="hold">
-                                          <p:stCondLst>
-                                            <p:cond delay="0"/>
-                                          </p:stCondLst>
-                                        </p:cTn>
-                                        <p:tgtEl>
-                                          <p:spTgt spid="31"/>
-                                        </p:tgtEl>
-                                        <p:attrNameLst>
-                                          <p:attrName>style.visibility</p:attrName>
-                                        </p:attrNameLst>
-                                      </p:cBhvr>
-                                      <p:to>
-                                        <p:strVal val="visible"/>
-                                      </p:to>
-                                    </p:set>
-                                  </p:childTnLst>
-                                </p:cTn>
-                              </p:par>
-                              <p:par>
-                                <p:cTn id="23" presetID="1" presetClass="entr" presetSubtype="0" fill="hold" nodeType="withEffect">
-                                  <p:stCondLst>
-                                    <p:cond delay="0"/>
-                                  </p:stCondLst>
-                                  <p:childTnLst>
-                                    <p:set>
-                                      <p:cBhvr>
-                                        <p:cTn id="24" dur="1" fill="hold">
-                                          <p:stCondLst>
-                                            <p:cond delay="0"/>
-                                          </p:stCondLst>
-                                        </p:cTn>
-                                        <p:tgtEl>
-                                          <p:spTgt spid="2052"/>
-                                        </p:tgtEl>
-                                        <p:attrNameLst>
-                                          <p:attrName>style.visibility</p:attrName>
-                                        </p:attrNameLst>
-                                      </p:cBhvr>
-                                      <p:to>
-                                        <p:strVal val="visible"/>
-                                      </p:to>
-                                    </p:set>
-                                  </p:childTnLst>
-                                </p:cTn>
-                              </p:par>
-                              <p:par>
-                                <p:cTn id="25" presetID="1" presetClass="entr" presetSubtype="0" fill="hold" nodeType="withEffect">
-                                  <p:stCondLst>
-                                    <p:cond delay="0"/>
-                                  </p:stCondLst>
-                                  <p:childTnLst>
-                                    <p:set>
-                                      <p:cBhvr>
-                                        <p:cTn id="26" dur="1" fill="hold">
-                                          <p:stCondLst>
-                                            <p:cond delay="0"/>
-                                          </p:stCondLst>
-                                        </p:cTn>
-                                        <p:tgtEl>
-                                          <p:spTgt spid="2049"/>
-                                        </p:tgtEl>
-                                        <p:attrNameLst>
-                                          <p:attrName>style.visibility</p:attrName>
-                                        </p:attrNameLst>
-                                      </p:cBhvr>
-                                      <p:to>
-                                        <p:strVal val="visible"/>
-                                      </p:to>
-                                    </p:set>
-                                  </p:childTnLst>
-                                </p:cTn>
-                              </p:par>
-                              <p:par>
-                                <p:cTn id="27" presetID="1" presetClass="entr" presetSubtype="0" fill="hold" grpId="0" nodeType="withEffect">
-                                  <p:stCondLst>
-                                    <p:cond delay="0"/>
-                                  </p:stCondLst>
-                                  <p:childTnLst>
-                                    <p:set>
-                                      <p:cBhvr>
-                                        <p:cTn id="28" dur="1" fill="hold">
-                                          <p:stCondLst>
-                                            <p:cond delay="0"/>
-                                          </p:stCondLst>
-                                        </p:cTn>
-                                        <p:tgtEl>
-                                          <p:spTgt spid="8"/>
-                                        </p:tgtEl>
-                                        <p:attrNameLst>
-                                          <p:attrName>style.visibility</p:attrName>
-                                        </p:attrNameLst>
-                                      </p:cBhvr>
-                                      <p:to>
-                                        <p:strVal val="visible"/>
-                                      </p:to>
-                                    </p:set>
-                                  </p:childTnLst>
-                                </p:cTn>
-                              </p:par>
-                              <p:par>
-                                <p:cTn id="29" presetID="1" presetClass="entr" presetSubtype="0" fill="hold" grpId="0" nodeType="withEffect">
-                                  <p:stCondLst>
-                                    <p:cond delay="0"/>
-                                  </p:stCondLst>
-                                  <p:childTnLst>
-                                    <p:set>
-                                      <p:cBhvr>
-                                        <p:cTn id="30" dur="1" fill="hold">
-                                          <p:stCondLst>
-                                            <p:cond delay="0"/>
-                                          </p:stCondLst>
-                                        </p:cTn>
-                                        <p:tgtEl>
-                                          <p:spTgt spid="16"/>
-                                        </p:tgtEl>
-                                        <p:attrNameLst>
-                                          <p:attrName>style.visibility</p:attrName>
-                                        </p:attrNameLst>
-                                      </p:cBhvr>
-                                      <p:to>
-                                        <p:strVal val="visible"/>
-                                      </p:to>
-                                    </p:set>
-                                  </p:childTnLst>
-                                </p:cTn>
-                              </p:par>
-                              <p:par>
-                                <p:cTn id="31" presetID="1" presetClass="entr" presetSubtype="0" fill="hold" grpId="0" nodeType="withEffect">
-                                  <p:stCondLst>
-                                    <p:cond delay="0"/>
-                                  </p:stCondLst>
-                                  <p:childTnLst>
-                                    <p:set>
-                                      <p:cBhvr>
-                                        <p:cTn id="32" dur="1" fill="hold">
-                                          <p:stCondLst>
-                                            <p:cond delay="0"/>
-                                          </p:stCondLst>
-                                        </p:cTn>
-                                        <p:tgtEl>
-                                          <p:spTgt spid="18"/>
-                                        </p:tgtEl>
-                                        <p:attrNameLst>
-                                          <p:attrName>style.visibility</p:attrName>
-                                        </p:attrNameLst>
-                                      </p:cBhvr>
-                                      <p:to>
-                                        <p:strVal val="visible"/>
-                                      </p:to>
-                                    </p:set>
-                                  </p:childTnLst>
-                                </p:cTn>
-                              </p:par>
-                              <p:par>
-                                <p:cTn id="33" presetID="1" presetClass="entr" presetSubtype="0" fill="hold" nodeType="withEffect">
-                                  <p:stCondLst>
-                                    <p:cond delay="0"/>
-                                  </p:stCondLst>
-                                  <p:childTnLst>
-                                    <p:set>
-                                      <p:cBhvr>
-                                        <p:cTn id="34" dur="1" fill="hold">
-                                          <p:stCondLst>
-                                            <p:cond delay="0"/>
-                                          </p:stCondLst>
-                                        </p:cTn>
-                                        <p:tgtEl>
-                                          <p:spTgt spid="2058"/>
-                                        </p:tgtEl>
-                                        <p:attrNameLst>
-                                          <p:attrName>style.visibility</p:attrName>
-                                        </p:attrNameLst>
-                                      </p:cBhvr>
-                                      <p:to>
-                                        <p:strVal val="visible"/>
-                                      </p:to>
-                                    </p:set>
-                                  </p:childTnLst>
-                                </p:cTn>
-                              </p:par>
-                              <p:par>
-                                <p:cTn id="35" presetID="1" presetClass="entr" presetSubtype="0" fill="hold" nodeType="withEffect">
-                                  <p:stCondLst>
-                                    <p:cond delay="0"/>
-                                  </p:stCondLst>
-                                  <p:childTnLst>
-                                    <p:set>
-                                      <p:cBhvr>
-                                        <p:cTn id="36" dur="1" fill="hold">
-                                          <p:stCondLst>
-                                            <p:cond delay="0"/>
-                                          </p:stCondLst>
-                                        </p:cTn>
-                                        <p:tgtEl>
-                                          <p:spTgt spid="2056"/>
-                                        </p:tgtEl>
-                                        <p:attrNameLst>
-                                          <p:attrName>style.visibility</p:attrName>
-                                        </p:attrNameLst>
-                                      </p:cBhvr>
-                                      <p:to>
-                                        <p:strVal val="visible"/>
-                                      </p:to>
-                                    </p:set>
-                                  </p:childTnLst>
-                                </p:cTn>
-                              </p:par>
-                              <p:par>
-                                <p:cTn id="37" presetID="1" presetClass="entr" presetSubtype="0" fill="hold" nodeType="withEffect">
-                                  <p:stCondLst>
-                                    <p:cond delay="0"/>
-                                  </p:stCondLst>
-                                  <p:childTnLst>
-                                    <p:set>
-                                      <p:cBhvr>
-                                        <p:cTn id="38" dur="1" fill="hold">
-                                          <p:stCondLst>
-                                            <p:cond delay="0"/>
-                                          </p:stCondLst>
-                                        </p:cTn>
-                                        <p:tgtEl>
-                                          <p:spTgt spid="2054"/>
-                                        </p:tgtEl>
-                                        <p:attrNameLst>
-                                          <p:attrName>style.visibility</p:attrName>
-                                        </p:attrNameLst>
-                                      </p:cBhvr>
-                                      <p:to>
-                                        <p:strVal val="visible"/>
-                                      </p:to>
-                                    </p:set>
-                                  </p:childTnLst>
-                                </p:cTn>
-                              </p:par>
-                              <p:par>
-                                <p:cTn id="39" presetID="1" presetClass="entr" presetSubtype="0" fill="hold" grpId="0" nodeType="withEffect">
-                                  <p:stCondLst>
-                                    <p:cond delay="0"/>
-                                  </p:stCondLst>
-                                  <p:childTnLst>
-                                    <p:set>
-                                      <p:cBhvr>
-                                        <p:cTn id="40" dur="1" fill="hold">
-                                          <p:stCondLst>
-                                            <p:cond delay="0"/>
-                                          </p:stCondLst>
-                                        </p:cTn>
-                                        <p:tgtEl>
-                                          <p:spTgt spid="52"/>
-                                        </p:tgtEl>
-                                        <p:attrNameLst>
-                                          <p:attrName>style.visibility</p:attrName>
-                                        </p:attrNameLst>
-                                      </p:cBhvr>
-                                      <p:to>
-                                        <p:strVal val="visible"/>
-                                      </p:to>
-                                    </p:set>
-                                  </p:childTnLst>
-                                </p:cTn>
-                              </p:par>
-                              <p:par>
-                                <p:cTn id="41" presetID="1" presetClass="entr" presetSubtype="0" fill="hold" nodeType="withEffect">
-                                  <p:stCondLst>
-                                    <p:cond delay="0"/>
-                                  </p:stCondLst>
-                                  <p:childTnLst>
-                                    <p:set>
-                                      <p:cBhvr>
-                                        <p:cTn id="42" dur="1" fill="hold">
                                           <p:stCondLst>
                                             <p:cond delay="0"/>
                                           </p:stCondLst>
@@ -25077,132 +20554,14 @@
                                         <p:strVal val="visible"/>
                                       </p:to>
                                     </p:set>
-                                  </p:childTnLst>
-                                </p:cTn>
-                              </p:par>
-                            </p:childTnLst>
-                          </p:cTn>
-                        </p:par>
-                      </p:childTnLst>
-                    </p:cTn>
-                  </p:par>
-                  <p:par>
-                    <p:cTn id="43" fill="hold">
-                      <p:stCondLst>
-                        <p:cond delay="indefinite"/>
-                      </p:stCondLst>
-                      <p:childTnLst>
-                        <p:par>
-                          <p:cTn id="44" fill="hold">
-                            <p:stCondLst>
-                              <p:cond delay="0"/>
-                            </p:stCondLst>
-                            <p:childTnLst>
-                              <p:par>
-                                <p:cTn id="45" presetID="1" presetClass="entr" presetSubtype="0" fill="hold" grpId="0" nodeType="clickEffect">
-                                  <p:stCondLst>
-                                    <p:cond delay="0"/>
-                                  </p:stCondLst>
-                                  <p:childTnLst>
-                                    <p:set>
+                                    <p:animEffect transition="in" filter="fade">
                                       <p:cBhvr>
-                                        <p:cTn id="46" dur="1" fill="hold">
-                                          <p:stCondLst>
-                                            <p:cond delay="0"/>
-                                          </p:stCondLst>
-                                        </p:cTn>
+                                        <p:cTn id="7" dur="500"/>
                                         <p:tgtEl>
-                                          <p:spTgt spid="15"/>
+                                          <p:spTgt spid="27"/>
                                         </p:tgtEl>
-                                        <p:attrNameLst>
-                                          <p:attrName>style.visibility</p:attrName>
-                                        </p:attrNameLst>
                                       </p:cBhvr>
-                                      <p:to>
-                                        <p:strVal val="visible"/>
-                                      </p:to>
-                                    </p:set>
-                                  </p:childTnLst>
-                                </p:cTn>
-                              </p:par>
-                              <p:par>
-                                <p:cTn id="47" presetID="1" presetClass="entr" presetSubtype="0" fill="hold" grpId="0" nodeType="withEffect">
-                                  <p:stCondLst>
-                                    <p:cond delay="0"/>
-                                  </p:stCondLst>
-                                  <p:childTnLst>
-                                    <p:set>
-                                      <p:cBhvr>
-                                        <p:cTn id="48" dur="1" fill="hold">
-                                          <p:stCondLst>
-                                            <p:cond delay="0"/>
-                                          </p:stCondLst>
-                                        </p:cTn>
-                                        <p:tgtEl>
-                                          <p:spTgt spid="17"/>
-                                        </p:tgtEl>
-                                        <p:attrNameLst>
-                                          <p:attrName>style.visibility</p:attrName>
-                                        </p:attrNameLst>
-                                      </p:cBhvr>
-                                      <p:to>
-                                        <p:strVal val="visible"/>
-                                      </p:to>
-                                    </p:set>
-                                  </p:childTnLst>
-                                </p:cTn>
-                              </p:par>
-                              <p:par>
-                                <p:cTn id="49" presetID="1" presetClass="entr" presetSubtype="0" fill="hold" grpId="0" nodeType="withEffect">
-                                  <p:stCondLst>
-                                    <p:cond delay="0"/>
-                                  </p:stCondLst>
-                                  <p:childTnLst>
-                                    <p:set>
-                                      <p:cBhvr>
-                                        <p:cTn id="50" dur="1" fill="hold">
-                                          <p:stCondLst>
-                                            <p:cond delay="0"/>
-                                          </p:stCondLst>
-                                        </p:cTn>
-                                        <p:tgtEl>
-                                          <p:spTgt spid="19"/>
-                                        </p:tgtEl>
-                                        <p:attrNameLst>
-                                          <p:attrName>style.visibility</p:attrName>
-                                        </p:attrNameLst>
-                                      </p:cBhvr>
-                                      <p:to>
-                                        <p:strVal val="visible"/>
-                                      </p:to>
-                                    </p:set>
-                                  </p:childTnLst>
-                                </p:cTn>
-                              </p:par>
-                              <p:par>
-                                <p:cTn id="51" presetID="1" presetClass="entr" presetSubtype="0" fill="hold" grpId="0" nodeType="withEffect">
-                                  <p:stCondLst>
-                                    <p:cond delay="0"/>
-                                  </p:stCondLst>
-                                  <p:childTnLst>
-                                    <p:set>
-                                      <p:cBhvr>
-                                        <p:cTn id="52" dur="1" fill="hold">
-                                          <p:stCondLst>
-                                            <p:cond delay="0"/>
-                                          </p:stCondLst>
-                                        </p:cTn>
-                                        <p:tgtEl>
-                                          <p:spTgt spid="51"/>
-                                        </p:tgtEl>
-                                        <p:attrNameLst>
-                                          <p:attrName>style.visibility</p:attrName>
-                                        </p:attrNameLst>
-                                      </p:cBhvr>
-                                      <p:to>
-                                        <p:strVal val="visible"/>
-                                      </p:to>
-                                    </p:set>
+                                    </p:animEffect>
                                   </p:childTnLst>
                                 </p:cTn>
                               </p:par>
@@ -25233,25 +20592,11 @@
         </p:cTn>
       </p:par>
     </p:tnLst>
-    <p:bldLst>
-      <p:bldP spid="4" grpId="0" animBg="1"/>
-      <p:bldP spid="6" grpId="0" animBg="1"/>
-      <p:bldP spid="8" grpId="0" animBg="1"/>
-      <p:bldP spid="15" grpId="0" animBg="1"/>
-      <p:bldP spid="16" grpId="0" animBg="1"/>
-      <p:bldP spid="17" grpId="0" animBg="1"/>
-      <p:bldP spid="18" grpId="0" animBg="1"/>
-      <p:bldP spid="19" grpId="0" animBg="1"/>
-      <p:bldP spid="49" grpId="0" animBg="1"/>
-      <p:bldP spid="50" grpId="0" animBg="1"/>
-      <p:bldP spid="51" grpId="0" animBg="1"/>
-      <p:bldP spid="52" grpId="0" animBg="1"/>
-    </p:bldLst>
   </p:timing>
 </p:sld>
 </file>
 
-<file path=ppt/slides/slide21.xml><?xml version="1.0" encoding="utf-8"?>
+<file path=ppt/slides/slide16.xml><?xml version="1.0" encoding="utf-8"?>
 <p:sld xmlns:a="http://schemas.openxmlformats.org/drawingml/2006/main" xmlns:r="http://schemas.openxmlformats.org/officeDocument/2006/relationships" xmlns:p="http://schemas.openxmlformats.org/presentationml/2006/main">
   <p:cSld>
     <p:spTree>
@@ -25325,15 +20670,7 @@
             </a:r>
             <a:r>
               <a:rPr lang="en-US" dirty="0"/>
-              <a:t>/</a:t>
-            </a:r>
-            <a:r>
-              <a:rPr lang="en-US" dirty="0" err="1"/>
-              <a:t>docker</a:t>
-            </a:r>
-            <a:r>
-              <a:rPr lang="en-US" dirty="0"/>
-              <a:t> : command options for </a:t>
+              <a:t>/docker : system unit file for </a:t>
             </a:r>
             <a:r>
               <a:rPr lang="en-US" dirty="0" err="1"/>
@@ -26460,95 +21797,7 @@
 </p:sld>
 </file>
 
-<file path=ppt/slides/slide22.xml><?xml version="1.0" encoding="utf-8"?>
-<p:sld xmlns:a="http://schemas.openxmlformats.org/drawingml/2006/main" xmlns:r="http://schemas.openxmlformats.org/officeDocument/2006/relationships" xmlns:p="http://schemas.openxmlformats.org/presentationml/2006/main">
-  <p:cSld>
-    <p:spTree>
-      <p:nvGrpSpPr>
-        <p:cNvPr id="1" name=""/>
-        <p:cNvGrpSpPr/>
-        <p:nvPr/>
-      </p:nvGrpSpPr>
-      <p:grpSpPr>
-        <a:xfrm>
-          <a:off x="0" y="0"/>
-          <a:ext cx="0" cy="0"/>
-          <a:chOff x="0" y="0"/>
-          <a:chExt cx="0" cy="0"/>
-        </a:xfrm>
-      </p:grpSpPr>
-      <p:sp>
-        <p:nvSpPr>
-          <p:cNvPr id="4" name="Title 3">
-            <a:extLst>
-              <a:ext uri="{FF2B5EF4-FFF2-40B4-BE49-F238E27FC236}">
-                <a16:creationId xmlns:a16="http://schemas.microsoft.com/office/drawing/2014/main" id="{96BEB1A8-C9D3-4723-A64F-42E02E22325A}"/>
-              </a:ext>
-            </a:extLst>
-          </p:cNvPr>
-          <p:cNvSpPr>
-            <a:spLocks noGrp="1"/>
-          </p:cNvSpPr>
-          <p:nvPr>
-            <p:ph type="title"/>
-          </p:nvPr>
-        </p:nvSpPr>
-        <p:spPr/>
-        <p:txBody>
-          <a:bodyPr/>
-          <a:lstStyle/>
-          <a:p>
-            <a:r>
-              <a:rPr lang="en-US" dirty="0"/>
-              <a:t>Exercise #1 – Setting up Docker </a:t>
-            </a:r>
-          </a:p>
-        </p:txBody>
-      </p:sp>
-      <p:pic>
-        <p:nvPicPr>
-          <p:cNvPr id="8" name="Picture 7">
-            <a:extLst>
-              <a:ext uri="{FF2B5EF4-FFF2-40B4-BE49-F238E27FC236}">
-                <a16:creationId xmlns:a16="http://schemas.microsoft.com/office/drawing/2014/main" id="{D6B8C527-073F-471B-A282-22B63876CA6B}"/>
-              </a:ext>
-            </a:extLst>
-          </p:cNvPr>
-          <p:cNvPicPr>
-            <a:picLocks noChangeAspect="1"/>
-          </p:cNvPicPr>
-          <p:nvPr/>
-        </p:nvPicPr>
-        <p:blipFill>
-          <a:blip r:embed="rId3"/>
-          <a:stretch>
-            <a:fillRect/>
-          </a:stretch>
-        </p:blipFill>
-        <p:spPr>
-          <a:xfrm>
-            <a:off x="4571712" y="1903473"/>
-            <a:ext cx="3051054" cy="3051054"/>
-          </a:xfrm>
-          <a:prstGeom prst="rect">
-            <a:avLst/>
-          </a:prstGeom>
-        </p:spPr>
-      </p:pic>
-    </p:spTree>
-    <p:extLst>
-      <p:ext uri="{BB962C8B-B14F-4D97-AF65-F5344CB8AC3E}">
-        <p14:creationId xmlns:p14="http://schemas.microsoft.com/office/powerpoint/2010/main" val="3505288095"/>
-      </p:ext>
-    </p:extLst>
-  </p:cSld>
-  <p:clrMapOvr>
-    <a:masterClrMapping/>
-  </p:clrMapOvr>
-</p:sld>
-</file>
-
-<file path=ppt/slides/slide23.xml><?xml version="1.0" encoding="utf-8"?>
+<file path=ppt/slides/slide17.xml><?xml version="1.0" encoding="utf-8"?>
 <p:sld xmlns:a="http://schemas.openxmlformats.org/drawingml/2006/main" xmlns:r="http://schemas.openxmlformats.org/officeDocument/2006/relationships" xmlns:p="http://schemas.openxmlformats.org/presentationml/2006/main" show="0">
   <p:cSld>
     <p:spTree>
@@ -26571,6 +21820,1728 @@
     <a:masterClrMapping/>
   </p:clrMapOvr>
   <p:transition spd="med"/>
+</p:sld>
+</file>
+
+<file path=ppt/slides/slide2.xml><?xml version="1.0" encoding="utf-8"?>
+<p:sld xmlns:a="http://schemas.openxmlformats.org/drawingml/2006/main" xmlns:r="http://schemas.openxmlformats.org/officeDocument/2006/relationships" xmlns:p="http://schemas.openxmlformats.org/presentationml/2006/main">
+  <p:cSld>
+    <p:spTree>
+      <p:nvGrpSpPr>
+        <p:cNvPr id="1" name=""/>
+        <p:cNvGrpSpPr/>
+        <p:nvPr/>
+      </p:nvGrpSpPr>
+      <p:grpSpPr>
+        <a:xfrm>
+          <a:off x="0" y="0"/>
+          <a:ext cx="0" cy="0"/>
+          <a:chOff x="0" y="0"/>
+          <a:chExt cx="0" cy="0"/>
+        </a:xfrm>
+      </p:grpSpPr>
+      <p:sp>
+        <p:nvSpPr>
+          <p:cNvPr id="3" name="Title 2"/>
+          <p:cNvSpPr>
+            <a:spLocks noGrp="1"/>
+          </p:cNvSpPr>
+          <p:nvPr>
+            <p:ph type="title"/>
+          </p:nvPr>
+        </p:nvSpPr>
+        <p:spPr/>
+        <p:txBody>
+          <a:bodyPr/>
+          <a:lstStyle/>
+          <a:p>
+            <a:r>
+              <a:rPr lang="en-US" dirty="0"/>
+              <a:t>Linux Features</a:t>
+            </a:r>
+          </a:p>
+        </p:txBody>
+      </p:sp>
+      <p:sp>
+        <p:nvSpPr>
+          <p:cNvPr id="5" name="Rectangle 4"/>
+          <p:cNvSpPr/>
+          <p:nvPr/>
+        </p:nvSpPr>
+        <p:spPr bwMode="gray">
+          <a:xfrm>
+            <a:off x="916101" y="3327400"/>
+            <a:ext cx="4426368" cy="2341629"/>
+          </a:xfrm>
+          <a:prstGeom prst="rect">
+            <a:avLst/>
+          </a:prstGeom>
+          <a:solidFill>
+            <a:schemeClr val="tx2">
+              <a:lumMod val="25000"/>
+            </a:schemeClr>
+          </a:solidFill>
+          <a:ln w="6350" algn="ctr">
+            <a:solidFill>
+              <a:schemeClr val="tx1"/>
+            </a:solidFill>
+            <a:miter lim="800000"/>
+            <a:headEnd/>
+            <a:tailEnd/>
+          </a:ln>
+        </p:spPr>
+        <p:txBody>
+          <a:bodyPr lIns="90000" tIns="72000" rIns="90000" bIns="72000" rtlCol="0" anchor="ctr"/>
+          <a:lstStyle/>
+          <a:p>
+            <a:pPr marR="0" algn="ctr" defTabSz="914400" eaLnBrk="1" fontAlgn="base" latinLnBrk="0" hangingPunct="1">
+              <a:lnSpc>
+                <a:spcPct val="100000"/>
+              </a:lnSpc>
+              <a:spcBef>
+                <a:spcPct val="50000"/>
+              </a:spcBef>
+              <a:spcAft>
+                <a:spcPct val="0"/>
+              </a:spcAft>
+              <a:buClr>
+                <a:srgbClr val="F0AB00"/>
+              </a:buClr>
+              <a:buSzPct val="80000"/>
+              <a:tabLst/>
+            </a:pPr>
+            <a:endParaRPr kumimoji="0" lang="en-US" sz="1800" b="0" i="0" u="none" strike="noStrike" kern="0" cap="none" spc="0" normalizeH="0" baseline="0" dirty="0">
+              <a:ln>
+                <a:noFill/>
+              </a:ln>
+              <a:solidFill>
+                <a:schemeClr val="bg1"/>
+              </a:solidFill>
+              <a:effectLst/>
+              <a:uLnTx/>
+              <a:uFillTx/>
+              <a:ea typeface="Arial Unicode MS" pitchFamily="34" charset="-128"/>
+              <a:cs typeface="Arial Unicode MS" pitchFamily="34" charset="-128"/>
+            </a:endParaRPr>
+          </a:p>
+        </p:txBody>
+      </p:sp>
+      <p:sp>
+        <p:nvSpPr>
+          <p:cNvPr id="6" name="Rectangle 5"/>
+          <p:cNvSpPr/>
+          <p:nvPr/>
+        </p:nvSpPr>
+        <p:spPr bwMode="gray">
+          <a:xfrm>
+            <a:off x="994619" y="3395133"/>
+            <a:ext cx="4271648" cy="1787461"/>
+          </a:xfrm>
+          <a:prstGeom prst="rect">
+            <a:avLst/>
+          </a:prstGeom>
+          <a:solidFill>
+            <a:schemeClr val="accent4">
+              <a:lumMod val="75000"/>
+            </a:schemeClr>
+          </a:solidFill>
+          <a:ln w="6350" algn="ctr">
+            <a:solidFill>
+              <a:schemeClr val="tx1"/>
+            </a:solidFill>
+            <a:miter lim="800000"/>
+            <a:headEnd/>
+            <a:tailEnd/>
+          </a:ln>
+        </p:spPr>
+        <p:txBody>
+          <a:bodyPr lIns="90000" tIns="72000" rIns="90000" bIns="72000" rtlCol="0" anchor="t" anchorCtr="0"/>
+          <a:lstStyle/>
+          <a:p>
+            <a:pPr marR="0" algn="ctr" defTabSz="914400" eaLnBrk="1" fontAlgn="base" latinLnBrk="0" hangingPunct="1">
+              <a:lnSpc>
+                <a:spcPct val="100000"/>
+              </a:lnSpc>
+              <a:spcBef>
+                <a:spcPct val="50000"/>
+              </a:spcBef>
+              <a:spcAft>
+                <a:spcPct val="0"/>
+              </a:spcAft>
+              <a:buClr>
+                <a:srgbClr val="F0AB00"/>
+              </a:buClr>
+              <a:buSzPct val="80000"/>
+              <a:tabLst/>
+            </a:pPr>
+            <a:r>
+              <a:rPr kumimoji="0" lang="en-US" sz="1800" b="0" i="0" u="none" strike="noStrike" kern="0" cap="none" spc="0" normalizeH="0" baseline="0" dirty="0">
+                <a:ln>
+                  <a:noFill/>
+                </a:ln>
+                <a:solidFill>
+                  <a:schemeClr val="bg1"/>
+                </a:solidFill>
+                <a:effectLst/>
+                <a:uLnTx/>
+                <a:uFillTx/>
+                <a:ea typeface="Arial Unicode MS" pitchFamily="34" charset="-128"/>
+                <a:cs typeface="Arial Unicode MS" pitchFamily="34" charset="-128"/>
+              </a:rPr>
+              <a:t>Linux</a:t>
+            </a:r>
+          </a:p>
+        </p:txBody>
+      </p:sp>
+      <p:sp>
+        <p:nvSpPr>
+          <p:cNvPr id="7" name="Arrow: Down 6"/>
+          <p:cNvSpPr/>
+          <p:nvPr/>
+        </p:nvSpPr>
+        <p:spPr bwMode="gray">
+          <a:xfrm>
+            <a:off x="1079289" y="3079385"/>
+            <a:ext cx="712104" cy="554913"/>
+          </a:xfrm>
+          <a:prstGeom prst="downArrow">
+            <a:avLst>
+              <a:gd name="adj1" fmla="val 50000"/>
+              <a:gd name="adj2" fmla="val 38537"/>
+            </a:avLst>
+          </a:prstGeom>
+          <a:solidFill>
+            <a:schemeClr val="tx2">
+              <a:lumMod val="50000"/>
+            </a:schemeClr>
+          </a:solidFill>
+          <a:ln w="6350" algn="ctr">
+            <a:solidFill>
+              <a:schemeClr val="tx1"/>
+            </a:solidFill>
+            <a:miter lim="800000"/>
+            <a:headEnd/>
+            <a:tailEnd/>
+          </a:ln>
+        </p:spPr>
+        <p:txBody>
+          <a:bodyPr lIns="90000" tIns="72000" rIns="90000" bIns="72000" rtlCol="0" anchor="ctr"/>
+          <a:lstStyle/>
+          <a:p>
+            <a:pPr marR="0" algn="ctr" defTabSz="914400" eaLnBrk="1" fontAlgn="base" latinLnBrk="0" hangingPunct="1">
+              <a:lnSpc>
+                <a:spcPct val="100000"/>
+              </a:lnSpc>
+              <a:spcBef>
+                <a:spcPct val="50000"/>
+              </a:spcBef>
+              <a:spcAft>
+                <a:spcPct val="0"/>
+              </a:spcAft>
+              <a:buClr>
+                <a:srgbClr val="F0AB00"/>
+              </a:buClr>
+              <a:buSzPct val="80000"/>
+              <a:tabLst/>
+            </a:pPr>
+            <a:endParaRPr kumimoji="0" lang="en-US" sz="1800" b="0" i="0" u="none" strike="noStrike" kern="0" cap="none" spc="0" normalizeH="0" baseline="0" dirty="0">
+              <a:ln>
+                <a:noFill/>
+              </a:ln>
+              <a:solidFill>
+                <a:schemeClr val="bg1"/>
+              </a:solidFill>
+              <a:effectLst/>
+              <a:uLnTx/>
+              <a:uFillTx/>
+              <a:ea typeface="Arial Unicode MS" pitchFamily="34" charset="-128"/>
+              <a:cs typeface="Arial Unicode MS" pitchFamily="34" charset="-128"/>
+            </a:endParaRPr>
+          </a:p>
+        </p:txBody>
+      </p:sp>
+      <p:sp>
+        <p:nvSpPr>
+          <p:cNvPr id="8" name="Arrow: Down 7"/>
+          <p:cNvSpPr/>
+          <p:nvPr/>
+        </p:nvSpPr>
+        <p:spPr bwMode="gray">
+          <a:xfrm>
+            <a:off x="4473888" y="3075040"/>
+            <a:ext cx="712104" cy="554913"/>
+          </a:xfrm>
+          <a:prstGeom prst="downArrow">
+            <a:avLst>
+              <a:gd name="adj1" fmla="val 50000"/>
+              <a:gd name="adj2" fmla="val 38537"/>
+            </a:avLst>
+          </a:prstGeom>
+          <a:solidFill>
+            <a:schemeClr val="tx2">
+              <a:lumMod val="50000"/>
+            </a:schemeClr>
+          </a:solidFill>
+          <a:ln w="6350" algn="ctr">
+            <a:solidFill>
+              <a:schemeClr val="tx1"/>
+            </a:solidFill>
+            <a:miter lim="800000"/>
+            <a:headEnd/>
+            <a:tailEnd/>
+          </a:ln>
+        </p:spPr>
+        <p:txBody>
+          <a:bodyPr lIns="90000" tIns="72000" rIns="90000" bIns="72000" rtlCol="0" anchor="ctr"/>
+          <a:lstStyle/>
+          <a:p>
+            <a:pPr marR="0" algn="ctr" defTabSz="914400" eaLnBrk="1" fontAlgn="base" latinLnBrk="0" hangingPunct="1">
+              <a:lnSpc>
+                <a:spcPct val="100000"/>
+              </a:lnSpc>
+              <a:spcBef>
+                <a:spcPct val="50000"/>
+              </a:spcBef>
+              <a:spcAft>
+                <a:spcPct val="0"/>
+              </a:spcAft>
+              <a:buClr>
+                <a:srgbClr val="F0AB00"/>
+              </a:buClr>
+              <a:buSzPct val="80000"/>
+              <a:tabLst/>
+            </a:pPr>
+            <a:endParaRPr kumimoji="0" lang="en-US" sz="1800" b="0" i="0" u="none" strike="noStrike" kern="0" cap="none" spc="0" normalizeH="0" baseline="0" dirty="0">
+              <a:ln>
+                <a:noFill/>
+              </a:ln>
+              <a:solidFill>
+                <a:schemeClr val="bg1"/>
+              </a:solidFill>
+              <a:effectLst/>
+              <a:uLnTx/>
+              <a:uFillTx/>
+              <a:ea typeface="Arial Unicode MS" pitchFamily="34" charset="-128"/>
+              <a:cs typeface="Arial Unicode MS" pitchFamily="34" charset="-128"/>
+            </a:endParaRPr>
+          </a:p>
+        </p:txBody>
+      </p:sp>
+      <p:grpSp>
+        <p:nvGrpSpPr>
+          <p:cNvPr id="9" name="Group 8"/>
+          <p:cNvGrpSpPr/>
+          <p:nvPr/>
+        </p:nvGrpSpPr>
+        <p:grpSpPr>
+          <a:xfrm>
+            <a:off x="916100" y="2056108"/>
+            <a:ext cx="4426368" cy="1096525"/>
+            <a:chOff x="916099" y="2056108"/>
+            <a:chExt cx="4920343" cy="1096525"/>
+          </a:xfrm>
+        </p:grpSpPr>
+        <p:sp>
+          <p:nvSpPr>
+            <p:cNvPr id="10" name="Rectangle 9"/>
+            <p:cNvSpPr/>
+            <p:nvPr/>
+          </p:nvSpPr>
+          <p:spPr bwMode="gray">
+            <a:xfrm>
+              <a:off x="916099" y="2056108"/>
+              <a:ext cx="4920343" cy="1096525"/>
+            </a:xfrm>
+            <a:prstGeom prst="rect">
+              <a:avLst/>
+            </a:prstGeom>
+            <a:solidFill>
+              <a:schemeClr val="accent2">
+                <a:lumMod val="75000"/>
+              </a:schemeClr>
+            </a:solidFill>
+            <a:ln w="6350" algn="ctr">
+              <a:solidFill>
+                <a:schemeClr val="tx1"/>
+              </a:solidFill>
+              <a:miter lim="800000"/>
+              <a:headEnd/>
+              <a:tailEnd/>
+            </a:ln>
+          </p:spPr>
+          <p:txBody>
+            <a:bodyPr lIns="90000" tIns="72000" rIns="90000" bIns="72000" rtlCol="0" anchor="t" anchorCtr="0"/>
+            <a:lstStyle/>
+            <a:p>
+              <a:pPr marR="0" algn="ctr" defTabSz="914400" eaLnBrk="1" fontAlgn="base" latinLnBrk="0" hangingPunct="1">
+                <a:lnSpc>
+                  <a:spcPct val="100000"/>
+                </a:lnSpc>
+                <a:spcBef>
+                  <a:spcPct val="50000"/>
+                </a:spcBef>
+                <a:spcAft>
+                  <a:spcPct val="0"/>
+                </a:spcAft>
+                <a:buClr>
+                  <a:srgbClr val="F0AB00"/>
+                </a:buClr>
+                <a:buSzPct val="80000"/>
+                <a:tabLst/>
+              </a:pPr>
+              <a:r>
+                <a:rPr kumimoji="0" lang="en-US" sz="1600" b="0" i="0" u="none" strike="noStrike" kern="0" cap="none" spc="0" normalizeH="0" baseline="0" dirty="0">
+                  <a:ln>
+                    <a:noFill/>
+                  </a:ln>
+                  <a:solidFill>
+                    <a:schemeClr val="bg1"/>
+                  </a:solidFill>
+                  <a:effectLst/>
+                  <a:uLnTx/>
+                  <a:uFillTx/>
+                  <a:ea typeface="Arial Unicode MS" pitchFamily="34" charset="-128"/>
+                  <a:cs typeface="Arial Unicode MS" pitchFamily="34" charset="-128"/>
+                </a:rPr>
+                <a:t>Docker Runtime</a:t>
+              </a:r>
+            </a:p>
+          </p:txBody>
+        </p:sp>
+        <p:sp>
+          <p:nvSpPr>
+            <p:cNvPr id="11" name="Rectangle 10"/>
+            <p:cNvSpPr/>
+            <p:nvPr/>
+          </p:nvSpPr>
+          <p:spPr bwMode="gray">
+            <a:xfrm>
+              <a:off x="994619" y="2421820"/>
+              <a:ext cx="774914" cy="668513"/>
+            </a:xfrm>
+            <a:prstGeom prst="rect">
+              <a:avLst/>
+            </a:prstGeom>
+            <a:solidFill>
+              <a:schemeClr val="accent3">
+                <a:lumMod val="50000"/>
+              </a:schemeClr>
+            </a:solidFill>
+            <a:ln w="6350" algn="ctr">
+              <a:solidFill>
+                <a:schemeClr val="tx1"/>
+              </a:solidFill>
+              <a:miter lim="800000"/>
+              <a:headEnd/>
+              <a:tailEnd/>
+            </a:ln>
+          </p:spPr>
+          <p:txBody>
+            <a:bodyPr vert="vert270" lIns="90000" tIns="72000" rIns="90000" bIns="72000" rtlCol="0" anchor="ctr"/>
+            <a:lstStyle/>
+            <a:p>
+              <a:pPr marR="0" algn="ctr" defTabSz="914400" eaLnBrk="1" fontAlgn="base" latinLnBrk="0" hangingPunct="1">
+                <a:lnSpc>
+                  <a:spcPct val="100000"/>
+                </a:lnSpc>
+                <a:spcBef>
+                  <a:spcPct val="50000"/>
+                </a:spcBef>
+                <a:spcAft>
+                  <a:spcPct val="0"/>
+                </a:spcAft>
+                <a:buClr>
+                  <a:srgbClr val="F0AB00"/>
+                </a:buClr>
+                <a:buSzPct val="80000"/>
+                <a:tabLst/>
+              </a:pPr>
+              <a:r>
+                <a:rPr kumimoji="0" lang="en-US" sz="1100" b="0" i="0" u="none" strike="noStrike" kern="0" cap="none" spc="0" normalizeH="0" baseline="0" dirty="0">
+                  <a:ln>
+                    <a:noFill/>
+                  </a:ln>
+                  <a:solidFill>
+                    <a:schemeClr val="bg1"/>
+                  </a:solidFill>
+                  <a:effectLst/>
+                  <a:uLnTx/>
+                  <a:uFillTx/>
+                  <a:ea typeface="Arial Unicode MS" pitchFamily="34" charset="-128"/>
+                  <a:cs typeface="Arial Unicode MS" pitchFamily="34" charset="-128"/>
+                </a:rPr>
+                <a:t>dockerd</a:t>
+              </a:r>
+            </a:p>
+          </p:txBody>
+        </p:sp>
+      </p:grpSp>
+      <p:sp>
+        <p:nvSpPr>
+          <p:cNvPr id="12" name="Rectangle 11"/>
+          <p:cNvSpPr/>
+          <p:nvPr/>
+        </p:nvSpPr>
+        <p:spPr bwMode="gray">
+          <a:xfrm>
+            <a:off x="1889133" y="2421820"/>
+            <a:ext cx="774914" cy="668513"/>
+          </a:xfrm>
+          <a:prstGeom prst="rect">
+            <a:avLst/>
+          </a:prstGeom>
+          <a:solidFill>
+            <a:srgbClr val="F0AB00"/>
+          </a:solidFill>
+          <a:ln w="6350" algn="ctr">
+            <a:solidFill>
+              <a:schemeClr val="tx1"/>
+            </a:solidFill>
+            <a:miter lim="800000"/>
+            <a:headEnd/>
+            <a:tailEnd/>
+          </a:ln>
+        </p:spPr>
+        <p:txBody>
+          <a:bodyPr vert="horz" lIns="90000" tIns="72000" rIns="90000" bIns="72000" rtlCol="0" anchor="ctr"/>
+          <a:lstStyle/>
+          <a:p>
+            <a:pPr marR="0" algn="ctr" defTabSz="914400" eaLnBrk="1" fontAlgn="base" latinLnBrk="0" hangingPunct="1">
+              <a:lnSpc>
+                <a:spcPct val="100000"/>
+              </a:lnSpc>
+              <a:spcBef>
+                <a:spcPct val="50000"/>
+              </a:spcBef>
+              <a:spcAft>
+                <a:spcPct val="0"/>
+              </a:spcAft>
+              <a:buClr>
+                <a:srgbClr val="F0AB00"/>
+              </a:buClr>
+              <a:buSzPct val="80000"/>
+              <a:tabLst/>
+            </a:pPr>
+            <a:r>
+              <a:rPr kumimoji="0" lang="en-US" sz="1050" b="0" i="0" u="none" strike="noStrike" kern="0" cap="none" spc="0" normalizeH="0" baseline="0" dirty="0">
+                <a:ln>
+                  <a:noFill/>
+                </a:ln>
+                <a:solidFill>
+                  <a:schemeClr val="bg1"/>
+                </a:solidFill>
+                <a:effectLst/>
+                <a:uLnTx/>
+                <a:uFillTx/>
+                <a:ea typeface="Arial Unicode MS" pitchFamily="34" charset="-128"/>
+                <a:cs typeface="Arial Unicode MS" pitchFamily="34" charset="-128"/>
+              </a:rPr>
+              <a:t>Container</a:t>
+            </a:r>
+          </a:p>
+        </p:txBody>
+      </p:sp>
+      <p:sp>
+        <p:nvSpPr>
+          <p:cNvPr id="17" name="Rectangle 16"/>
+          <p:cNvSpPr/>
+          <p:nvPr/>
+        </p:nvSpPr>
+        <p:spPr bwMode="gray">
+          <a:xfrm>
+            <a:off x="994619" y="5250328"/>
+            <a:ext cx="4271648" cy="354606"/>
+          </a:xfrm>
+          <a:prstGeom prst="rect">
+            <a:avLst/>
+          </a:prstGeom>
+          <a:solidFill>
+            <a:schemeClr val="accent1">
+              <a:lumMod val="75000"/>
+            </a:schemeClr>
+          </a:solidFill>
+          <a:ln w="6350" algn="ctr">
+            <a:solidFill>
+              <a:schemeClr val="tx1"/>
+            </a:solidFill>
+            <a:miter lim="800000"/>
+            <a:headEnd/>
+            <a:tailEnd/>
+          </a:ln>
+        </p:spPr>
+        <p:txBody>
+          <a:bodyPr lIns="90000" tIns="72000" rIns="90000" bIns="72000" rtlCol="0" anchor="ctr"/>
+          <a:lstStyle/>
+          <a:p>
+            <a:pPr marR="0" algn="ctr" defTabSz="914400" eaLnBrk="1" fontAlgn="base" latinLnBrk="0" hangingPunct="1">
+              <a:lnSpc>
+                <a:spcPct val="100000"/>
+              </a:lnSpc>
+              <a:spcBef>
+                <a:spcPct val="50000"/>
+              </a:spcBef>
+              <a:spcAft>
+                <a:spcPct val="0"/>
+              </a:spcAft>
+              <a:buClr>
+                <a:srgbClr val="F0AB00"/>
+              </a:buClr>
+              <a:buSzPct val="80000"/>
+              <a:tabLst/>
+            </a:pPr>
+            <a:r>
+              <a:rPr kumimoji="0" lang="en-US" sz="1800" b="0" i="0" u="none" strike="noStrike" kern="0" cap="none" spc="0" normalizeH="0" baseline="0" dirty="0">
+                <a:ln>
+                  <a:noFill/>
+                </a:ln>
+                <a:solidFill>
+                  <a:schemeClr val="bg1"/>
+                </a:solidFill>
+                <a:effectLst/>
+                <a:uLnTx/>
+                <a:uFillTx/>
+                <a:ea typeface="Arial Unicode MS" pitchFamily="34" charset="-128"/>
+                <a:cs typeface="Arial Unicode MS" pitchFamily="34" charset="-128"/>
+              </a:rPr>
+              <a:t>Hardware</a:t>
+            </a:r>
+          </a:p>
+        </p:txBody>
+      </p:sp>
+      <p:sp>
+        <p:nvSpPr>
+          <p:cNvPr id="18" name="Rectangle 17"/>
+          <p:cNvSpPr/>
+          <p:nvPr/>
+        </p:nvSpPr>
+        <p:spPr bwMode="gray">
+          <a:xfrm>
+            <a:off x="4491353" y="2421820"/>
+            <a:ext cx="774914" cy="668513"/>
+          </a:xfrm>
+          <a:prstGeom prst="rect">
+            <a:avLst/>
+          </a:prstGeom>
+          <a:solidFill>
+            <a:srgbClr val="F0AB00"/>
+          </a:solidFill>
+          <a:ln w="6350" algn="ctr">
+            <a:solidFill>
+              <a:schemeClr val="tx1"/>
+            </a:solidFill>
+            <a:miter lim="800000"/>
+            <a:headEnd/>
+            <a:tailEnd/>
+          </a:ln>
+        </p:spPr>
+        <p:txBody>
+          <a:bodyPr vert="horz" lIns="90000" tIns="72000" rIns="90000" bIns="72000" rtlCol="0" anchor="ctr"/>
+          <a:lstStyle/>
+          <a:p>
+            <a:pPr marR="0" algn="ctr" defTabSz="914400" eaLnBrk="1" fontAlgn="base" latinLnBrk="0" hangingPunct="1">
+              <a:lnSpc>
+                <a:spcPct val="100000"/>
+              </a:lnSpc>
+              <a:spcBef>
+                <a:spcPct val="50000"/>
+              </a:spcBef>
+              <a:spcAft>
+                <a:spcPct val="0"/>
+              </a:spcAft>
+              <a:buClr>
+                <a:srgbClr val="F0AB00"/>
+              </a:buClr>
+              <a:buSzPct val="80000"/>
+              <a:tabLst/>
+            </a:pPr>
+            <a:r>
+              <a:rPr kumimoji="0" lang="en-US" sz="1050" b="0" i="0" u="none" strike="noStrike" kern="0" cap="none" spc="0" normalizeH="0" baseline="0" dirty="0">
+                <a:ln>
+                  <a:noFill/>
+                </a:ln>
+                <a:solidFill>
+                  <a:schemeClr val="bg1"/>
+                </a:solidFill>
+                <a:effectLst/>
+                <a:uLnTx/>
+                <a:uFillTx/>
+                <a:ea typeface="Arial Unicode MS" pitchFamily="34" charset="-128"/>
+                <a:cs typeface="Arial Unicode MS" pitchFamily="34" charset="-128"/>
+              </a:rPr>
+              <a:t>Container</a:t>
+            </a:r>
+          </a:p>
+        </p:txBody>
+      </p:sp>
+      <p:sp>
+        <p:nvSpPr>
+          <p:cNvPr id="20" name="Rectangle 19"/>
+          <p:cNvSpPr/>
+          <p:nvPr/>
+        </p:nvSpPr>
+        <p:spPr bwMode="gray">
+          <a:xfrm>
+            <a:off x="3618699" y="2421820"/>
+            <a:ext cx="774914" cy="668513"/>
+          </a:xfrm>
+          <a:prstGeom prst="rect">
+            <a:avLst/>
+          </a:prstGeom>
+          <a:solidFill>
+            <a:srgbClr val="F0AB00"/>
+          </a:solidFill>
+          <a:ln w="6350" algn="ctr">
+            <a:solidFill>
+              <a:schemeClr val="tx1"/>
+            </a:solidFill>
+            <a:miter lim="800000"/>
+            <a:headEnd/>
+            <a:tailEnd/>
+          </a:ln>
+        </p:spPr>
+        <p:txBody>
+          <a:bodyPr vert="horz" lIns="90000" tIns="72000" rIns="90000" bIns="72000" rtlCol="0" anchor="ctr"/>
+          <a:lstStyle/>
+          <a:p>
+            <a:pPr marR="0" algn="ctr" defTabSz="914400" eaLnBrk="1" fontAlgn="base" latinLnBrk="0" hangingPunct="1">
+              <a:lnSpc>
+                <a:spcPct val="100000"/>
+              </a:lnSpc>
+              <a:spcBef>
+                <a:spcPct val="50000"/>
+              </a:spcBef>
+              <a:spcAft>
+                <a:spcPct val="0"/>
+              </a:spcAft>
+              <a:buClr>
+                <a:srgbClr val="F0AB00"/>
+              </a:buClr>
+              <a:buSzPct val="80000"/>
+              <a:tabLst/>
+            </a:pPr>
+            <a:r>
+              <a:rPr kumimoji="0" lang="en-US" sz="1050" b="0" i="0" u="none" strike="noStrike" kern="0" cap="none" spc="0" normalizeH="0" baseline="0" dirty="0">
+                <a:ln>
+                  <a:noFill/>
+                </a:ln>
+                <a:solidFill>
+                  <a:schemeClr val="bg1"/>
+                </a:solidFill>
+                <a:effectLst/>
+                <a:uLnTx/>
+                <a:uFillTx/>
+                <a:ea typeface="Arial Unicode MS" pitchFamily="34" charset="-128"/>
+                <a:cs typeface="Arial Unicode MS" pitchFamily="34" charset="-128"/>
+              </a:rPr>
+              <a:t>Container</a:t>
+            </a:r>
+          </a:p>
+        </p:txBody>
+      </p:sp>
+      <p:sp>
+        <p:nvSpPr>
+          <p:cNvPr id="21" name="Rectangle 20"/>
+          <p:cNvSpPr/>
+          <p:nvPr/>
+        </p:nvSpPr>
+        <p:spPr bwMode="gray">
+          <a:xfrm>
+            <a:off x="2747779" y="2421820"/>
+            <a:ext cx="774914" cy="668513"/>
+          </a:xfrm>
+          <a:prstGeom prst="rect">
+            <a:avLst/>
+          </a:prstGeom>
+          <a:solidFill>
+            <a:srgbClr val="F0AB00"/>
+          </a:solidFill>
+          <a:ln w="6350" algn="ctr">
+            <a:solidFill>
+              <a:schemeClr val="tx1"/>
+            </a:solidFill>
+            <a:miter lim="800000"/>
+            <a:headEnd/>
+            <a:tailEnd/>
+          </a:ln>
+        </p:spPr>
+        <p:txBody>
+          <a:bodyPr vert="horz" lIns="90000" tIns="72000" rIns="90000" bIns="72000" rtlCol="0" anchor="ctr"/>
+          <a:lstStyle/>
+          <a:p>
+            <a:pPr marR="0" algn="ctr" defTabSz="914400" eaLnBrk="1" fontAlgn="base" latinLnBrk="0" hangingPunct="1">
+              <a:lnSpc>
+                <a:spcPct val="100000"/>
+              </a:lnSpc>
+              <a:spcBef>
+                <a:spcPct val="50000"/>
+              </a:spcBef>
+              <a:spcAft>
+                <a:spcPct val="0"/>
+              </a:spcAft>
+              <a:buClr>
+                <a:srgbClr val="F0AB00"/>
+              </a:buClr>
+              <a:buSzPct val="80000"/>
+              <a:tabLst/>
+            </a:pPr>
+            <a:r>
+              <a:rPr kumimoji="0" lang="en-US" sz="1050" b="0" i="0" u="none" strike="noStrike" kern="0" cap="none" spc="0" normalizeH="0" baseline="0" dirty="0">
+                <a:ln>
+                  <a:noFill/>
+                </a:ln>
+                <a:solidFill>
+                  <a:schemeClr val="bg1"/>
+                </a:solidFill>
+                <a:effectLst/>
+                <a:uLnTx/>
+                <a:uFillTx/>
+                <a:ea typeface="Arial Unicode MS" pitchFamily="34" charset="-128"/>
+                <a:cs typeface="Arial Unicode MS" pitchFamily="34" charset="-128"/>
+              </a:rPr>
+              <a:t>Container</a:t>
+            </a:r>
+          </a:p>
+        </p:txBody>
+      </p:sp>
+      <p:sp>
+        <p:nvSpPr>
+          <p:cNvPr id="22" name="Rectangle: Rounded Corners 21"/>
+          <p:cNvSpPr/>
+          <p:nvPr/>
+        </p:nvSpPr>
+        <p:spPr bwMode="gray">
+          <a:xfrm>
+            <a:off x="1232914" y="3885603"/>
+            <a:ext cx="1312438" cy="285950"/>
+          </a:xfrm>
+          <a:prstGeom prst="roundRect">
+            <a:avLst/>
+          </a:prstGeom>
+          <a:solidFill>
+            <a:schemeClr val="accent5">
+              <a:lumMod val="40000"/>
+              <a:lumOff val="60000"/>
+            </a:schemeClr>
+          </a:solidFill>
+          <a:ln w="6350" algn="ctr">
+            <a:solidFill>
+              <a:schemeClr val="tx1"/>
+            </a:solidFill>
+            <a:miter lim="800000"/>
+            <a:headEnd/>
+            <a:tailEnd/>
+          </a:ln>
+        </p:spPr>
+        <p:txBody>
+          <a:bodyPr lIns="90000" tIns="72000" rIns="90000" bIns="72000" rtlCol="0" anchor="ctr"/>
+          <a:lstStyle/>
+          <a:p>
+            <a:pPr marR="0" algn="ctr" defTabSz="914400" eaLnBrk="1" fontAlgn="base" latinLnBrk="0" hangingPunct="1">
+              <a:lnSpc>
+                <a:spcPct val="100000"/>
+              </a:lnSpc>
+              <a:spcBef>
+                <a:spcPct val="50000"/>
+              </a:spcBef>
+              <a:spcAft>
+                <a:spcPct val="0"/>
+              </a:spcAft>
+              <a:buClr>
+                <a:srgbClr val="F0AB00"/>
+              </a:buClr>
+              <a:buSzPct val="80000"/>
+              <a:tabLst/>
+            </a:pPr>
+            <a:r>
+              <a:rPr kumimoji="0" lang="en-US" sz="1400" b="0" i="0" u="none" strike="noStrike" kern="0" cap="none" spc="0" normalizeH="0" baseline="0" dirty="0">
+                <a:ln>
+                  <a:noFill/>
+                </a:ln>
+                <a:effectLst/>
+                <a:uLnTx/>
+                <a:uFillTx/>
+                <a:ea typeface="Arial Unicode MS" pitchFamily="34" charset="-128"/>
+                <a:cs typeface="Arial Unicode MS" pitchFamily="34" charset="-128"/>
+              </a:rPr>
+              <a:t>namespaces</a:t>
+            </a:r>
+          </a:p>
+        </p:txBody>
+      </p:sp>
+      <p:sp>
+        <p:nvSpPr>
+          <p:cNvPr id="23" name="Rectangle: Rounded Corners 22"/>
+          <p:cNvSpPr/>
+          <p:nvPr/>
+        </p:nvSpPr>
+        <p:spPr bwMode="gray">
+          <a:xfrm>
+            <a:off x="1079289" y="4314990"/>
+            <a:ext cx="1312438" cy="285950"/>
+          </a:xfrm>
+          <a:prstGeom prst="roundRect">
+            <a:avLst/>
+          </a:prstGeom>
+          <a:solidFill>
+            <a:schemeClr val="accent5">
+              <a:lumMod val="40000"/>
+              <a:lumOff val="60000"/>
+            </a:schemeClr>
+          </a:solidFill>
+          <a:ln w="6350" algn="ctr">
+            <a:solidFill>
+              <a:schemeClr val="tx1"/>
+            </a:solidFill>
+            <a:miter lim="800000"/>
+            <a:headEnd/>
+            <a:tailEnd/>
+          </a:ln>
+        </p:spPr>
+        <p:txBody>
+          <a:bodyPr lIns="90000" tIns="72000" rIns="90000" bIns="72000" rtlCol="0" anchor="ctr"/>
+          <a:lstStyle/>
+          <a:p>
+            <a:pPr marR="0" algn="ctr" defTabSz="914400" eaLnBrk="1" fontAlgn="base" latinLnBrk="0" hangingPunct="1">
+              <a:lnSpc>
+                <a:spcPct val="100000"/>
+              </a:lnSpc>
+              <a:spcBef>
+                <a:spcPct val="50000"/>
+              </a:spcBef>
+              <a:spcAft>
+                <a:spcPct val="0"/>
+              </a:spcAft>
+              <a:buClr>
+                <a:srgbClr val="F0AB00"/>
+              </a:buClr>
+              <a:buSzPct val="80000"/>
+              <a:tabLst/>
+            </a:pPr>
+            <a:r>
+              <a:rPr kumimoji="0" lang="en-US" sz="1400" b="0" i="0" u="none" strike="noStrike" kern="0" cap="none" spc="0" normalizeH="0" baseline="0" dirty="0" err="1">
+                <a:ln>
+                  <a:noFill/>
+                </a:ln>
+                <a:effectLst/>
+                <a:uLnTx/>
+                <a:uFillTx/>
+                <a:ea typeface="Arial Unicode MS" pitchFamily="34" charset="-128"/>
+                <a:cs typeface="Arial Unicode MS" pitchFamily="34" charset="-128"/>
+              </a:rPr>
+              <a:t>netfilter</a:t>
+            </a:r>
+            <a:endParaRPr kumimoji="0" lang="en-US" sz="1400" b="0" i="0" u="none" strike="noStrike" kern="0" cap="none" spc="0" normalizeH="0" baseline="0" dirty="0">
+              <a:ln>
+                <a:noFill/>
+              </a:ln>
+              <a:effectLst/>
+              <a:uLnTx/>
+              <a:uFillTx/>
+              <a:ea typeface="Arial Unicode MS" pitchFamily="34" charset="-128"/>
+              <a:cs typeface="Arial Unicode MS" pitchFamily="34" charset="-128"/>
+            </a:endParaRPr>
+          </a:p>
+        </p:txBody>
+      </p:sp>
+      <p:sp>
+        <p:nvSpPr>
+          <p:cNvPr id="25" name="Rectangle: Rounded Corners 24"/>
+          <p:cNvSpPr/>
+          <p:nvPr/>
+        </p:nvSpPr>
+        <p:spPr bwMode="gray">
+          <a:xfrm>
+            <a:off x="1658305" y="4780963"/>
+            <a:ext cx="1312438" cy="285950"/>
+          </a:xfrm>
+          <a:prstGeom prst="roundRect">
+            <a:avLst/>
+          </a:prstGeom>
+          <a:solidFill>
+            <a:schemeClr val="accent5">
+              <a:lumMod val="40000"/>
+              <a:lumOff val="60000"/>
+            </a:schemeClr>
+          </a:solidFill>
+          <a:ln w="6350" algn="ctr">
+            <a:solidFill>
+              <a:schemeClr val="tx1"/>
+            </a:solidFill>
+            <a:miter lim="800000"/>
+            <a:headEnd/>
+            <a:tailEnd/>
+          </a:ln>
+        </p:spPr>
+        <p:txBody>
+          <a:bodyPr lIns="90000" tIns="72000" rIns="90000" bIns="72000" rtlCol="0" anchor="ctr"/>
+          <a:lstStyle/>
+          <a:p>
+            <a:pPr marR="0" algn="ctr" defTabSz="914400" eaLnBrk="1" fontAlgn="base" latinLnBrk="0" hangingPunct="1">
+              <a:lnSpc>
+                <a:spcPct val="100000"/>
+              </a:lnSpc>
+              <a:spcBef>
+                <a:spcPct val="50000"/>
+              </a:spcBef>
+              <a:spcAft>
+                <a:spcPct val="0"/>
+              </a:spcAft>
+              <a:buClr>
+                <a:srgbClr val="F0AB00"/>
+              </a:buClr>
+              <a:buSzPct val="80000"/>
+              <a:tabLst/>
+            </a:pPr>
+            <a:r>
+              <a:rPr kumimoji="0" lang="en-US" sz="1400" b="0" i="0" u="none" strike="noStrike" kern="0" cap="none" spc="0" normalizeH="0" baseline="0" dirty="0">
+                <a:ln>
+                  <a:noFill/>
+                </a:ln>
+                <a:effectLst/>
+                <a:uLnTx/>
+                <a:uFillTx/>
+                <a:ea typeface="Arial Unicode MS" pitchFamily="34" charset="-128"/>
+                <a:cs typeface="Arial Unicode MS" pitchFamily="34" charset="-128"/>
+              </a:rPr>
+              <a:t>cgroups</a:t>
+            </a:r>
+          </a:p>
+        </p:txBody>
+      </p:sp>
+      <p:sp>
+        <p:nvSpPr>
+          <p:cNvPr id="27" name="Rectangle: Rounded Corners 26"/>
+          <p:cNvSpPr/>
+          <p:nvPr/>
+        </p:nvSpPr>
+        <p:spPr bwMode="gray">
+          <a:xfrm>
+            <a:off x="3737394" y="4310191"/>
+            <a:ext cx="1312438" cy="285950"/>
+          </a:xfrm>
+          <a:prstGeom prst="roundRect">
+            <a:avLst/>
+          </a:prstGeom>
+          <a:solidFill>
+            <a:schemeClr val="accent5">
+              <a:lumMod val="40000"/>
+              <a:lumOff val="60000"/>
+            </a:schemeClr>
+          </a:solidFill>
+          <a:ln w="6350" algn="ctr">
+            <a:solidFill>
+              <a:schemeClr val="tx1"/>
+            </a:solidFill>
+            <a:miter lim="800000"/>
+            <a:headEnd/>
+            <a:tailEnd/>
+          </a:ln>
+        </p:spPr>
+        <p:txBody>
+          <a:bodyPr lIns="90000" tIns="72000" rIns="90000" bIns="72000" rtlCol="0" anchor="ctr"/>
+          <a:lstStyle/>
+          <a:p>
+            <a:pPr marR="0" algn="ctr" defTabSz="914400" eaLnBrk="1" fontAlgn="base" latinLnBrk="0" hangingPunct="1">
+              <a:lnSpc>
+                <a:spcPct val="100000"/>
+              </a:lnSpc>
+              <a:spcBef>
+                <a:spcPct val="50000"/>
+              </a:spcBef>
+              <a:spcAft>
+                <a:spcPct val="0"/>
+              </a:spcAft>
+              <a:buClr>
+                <a:srgbClr val="F0AB00"/>
+              </a:buClr>
+              <a:buSzPct val="80000"/>
+              <a:tabLst/>
+            </a:pPr>
+            <a:r>
+              <a:rPr kumimoji="0" lang="en-US" sz="1400" b="0" i="0" u="none" strike="noStrike" kern="0" cap="none" spc="0" normalizeH="0" baseline="0" dirty="0">
+                <a:ln>
+                  <a:noFill/>
+                </a:ln>
+                <a:effectLst/>
+                <a:uLnTx/>
+                <a:uFillTx/>
+                <a:ea typeface="Arial Unicode MS" pitchFamily="34" charset="-128"/>
+                <a:cs typeface="Arial Unicode MS" pitchFamily="34" charset="-128"/>
+              </a:rPr>
+              <a:t>capabilities</a:t>
+            </a:r>
+          </a:p>
+        </p:txBody>
+      </p:sp>
+      <p:sp>
+        <p:nvSpPr>
+          <p:cNvPr id="28" name="Rectangle: Rounded Corners 27"/>
+          <p:cNvSpPr/>
+          <p:nvPr/>
+        </p:nvSpPr>
+        <p:spPr bwMode="gray">
+          <a:xfrm>
+            <a:off x="3817669" y="3823337"/>
+            <a:ext cx="1312438" cy="285950"/>
+          </a:xfrm>
+          <a:prstGeom prst="roundRect">
+            <a:avLst/>
+          </a:prstGeom>
+          <a:solidFill>
+            <a:schemeClr val="accent5">
+              <a:lumMod val="40000"/>
+              <a:lumOff val="60000"/>
+            </a:schemeClr>
+          </a:solidFill>
+          <a:ln w="6350" algn="ctr">
+            <a:solidFill>
+              <a:schemeClr val="tx1"/>
+            </a:solidFill>
+            <a:miter lim="800000"/>
+            <a:headEnd/>
+            <a:tailEnd/>
+          </a:ln>
+        </p:spPr>
+        <p:txBody>
+          <a:bodyPr lIns="90000" tIns="72000" rIns="90000" bIns="72000" rtlCol="0" anchor="ctr"/>
+          <a:lstStyle/>
+          <a:p>
+            <a:pPr marR="0" algn="ctr" defTabSz="914400" eaLnBrk="1" fontAlgn="base" latinLnBrk="0" hangingPunct="1">
+              <a:lnSpc>
+                <a:spcPct val="100000"/>
+              </a:lnSpc>
+              <a:spcBef>
+                <a:spcPct val="50000"/>
+              </a:spcBef>
+              <a:spcAft>
+                <a:spcPct val="0"/>
+              </a:spcAft>
+              <a:buClr>
+                <a:srgbClr val="F0AB00"/>
+              </a:buClr>
+              <a:buSzPct val="80000"/>
+              <a:tabLst/>
+            </a:pPr>
+            <a:r>
+              <a:rPr kumimoji="0" lang="en-US" sz="1400" b="0" i="0" u="none" strike="noStrike" kern="0" cap="none" spc="0" normalizeH="0" baseline="0" dirty="0" err="1">
+                <a:ln>
+                  <a:noFill/>
+                </a:ln>
+                <a:effectLst/>
+                <a:uLnTx/>
+                <a:uFillTx/>
+                <a:ea typeface="Arial Unicode MS" pitchFamily="34" charset="-128"/>
+                <a:cs typeface="Arial Unicode MS" pitchFamily="34" charset="-128"/>
+              </a:rPr>
+              <a:t>SELinux</a:t>
+            </a:r>
+            <a:endParaRPr kumimoji="0" lang="en-US" sz="1400" b="0" i="0" u="none" strike="noStrike" kern="0" cap="none" spc="0" normalizeH="0" baseline="0" dirty="0">
+              <a:ln>
+                <a:noFill/>
+              </a:ln>
+              <a:effectLst/>
+              <a:uLnTx/>
+              <a:uFillTx/>
+              <a:ea typeface="Arial Unicode MS" pitchFamily="34" charset="-128"/>
+              <a:cs typeface="Arial Unicode MS" pitchFamily="34" charset="-128"/>
+            </a:endParaRPr>
+          </a:p>
+        </p:txBody>
+      </p:sp>
+      <p:sp>
+        <p:nvSpPr>
+          <p:cNvPr id="29" name="Rectangle: Rounded Corners 28"/>
+          <p:cNvSpPr/>
+          <p:nvPr/>
+        </p:nvSpPr>
+        <p:spPr bwMode="gray">
+          <a:xfrm>
+            <a:off x="3436515" y="4780963"/>
+            <a:ext cx="1312438" cy="285950"/>
+          </a:xfrm>
+          <a:prstGeom prst="roundRect">
+            <a:avLst/>
+          </a:prstGeom>
+          <a:solidFill>
+            <a:schemeClr val="accent5">
+              <a:lumMod val="40000"/>
+              <a:lumOff val="60000"/>
+            </a:schemeClr>
+          </a:solidFill>
+          <a:ln w="6350" algn="ctr">
+            <a:solidFill>
+              <a:schemeClr val="tx1"/>
+            </a:solidFill>
+            <a:miter lim="800000"/>
+            <a:headEnd/>
+            <a:tailEnd/>
+          </a:ln>
+        </p:spPr>
+        <p:txBody>
+          <a:bodyPr lIns="90000" tIns="72000" rIns="90000" bIns="72000" rtlCol="0" anchor="ctr"/>
+          <a:lstStyle/>
+          <a:p>
+            <a:pPr marR="0" algn="ctr" defTabSz="914400" eaLnBrk="1" fontAlgn="base" latinLnBrk="0" hangingPunct="1">
+              <a:lnSpc>
+                <a:spcPct val="100000"/>
+              </a:lnSpc>
+              <a:spcBef>
+                <a:spcPct val="50000"/>
+              </a:spcBef>
+              <a:spcAft>
+                <a:spcPct val="0"/>
+              </a:spcAft>
+              <a:buClr>
+                <a:srgbClr val="F0AB00"/>
+              </a:buClr>
+              <a:buSzPct val="80000"/>
+              <a:tabLst/>
+            </a:pPr>
+            <a:r>
+              <a:rPr kumimoji="0" lang="en-US" sz="1400" b="0" i="0" u="none" strike="noStrike" kern="0" cap="none" spc="0" normalizeH="0" baseline="0" dirty="0" err="1">
+                <a:ln>
+                  <a:noFill/>
+                </a:ln>
+                <a:effectLst/>
+                <a:uLnTx/>
+                <a:uFillTx/>
+                <a:ea typeface="Arial Unicode MS" pitchFamily="34" charset="-128"/>
+                <a:cs typeface="Arial Unicode MS" pitchFamily="34" charset="-128"/>
+              </a:rPr>
+              <a:t>AppArmor</a:t>
+            </a:r>
+            <a:endParaRPr kumimoji="0" lang="en-US" sz="1400" b="0" i="0" u="none" strike="noStrike" kern="0" cap="none" spc="0" normalizeH="0" baseline="0" dirty="0">
+              <a:ln>
+                <a:noFill/>
+              </a:ln>
+              <a:effectLst/>
+              <a:uLnTx/>
+              <a:uFillTx/>
+              <a:ea typeface="Arial Unicode MS" pitchFamily="34" charset="-128"/>
+              <a:cs typeface="Arial Unicode MS" pitchFamily="34" charset="-128"/>
+            </a:endParaRPr>
+          </a:p>
+        </p:txBody>
+      </p:sp>
+      <p:sp>
+        <p:nvSpPr>
+          <p:cNvPr id="31" name="Rectangle: Rounded Corners 30"/>
+          <p:cNvSpPr/>
+          <p:nvPr/>
+        </p:nvSpPr>
+        <p:spPr bwMode="gray">
+          <a:xfrm>
+            <a:off x="2681625" y="3802098"/>
+            <a:ext cx="937074" cy="285950"/>
+          </a:xfrm>
+          <a:prstGeom prst="roundRect">
+            <a:avLst/>
+          </a:prstGeom>
+          <a:solidFill>
+            <a:schemeClr val="accent5">
+              <a:lumMod val="40000"/>
+              <a:lumOff val="60000"/>
+            </a:schemeClr>
+          </a:solidFill>
+          <a:ln w="6350" algn="ctr">
+            <a:solidFill>
+              <a:schemeClr val="tx1"/>
+            </a:solidFill>
+            <a:miter lim="800000"/>
+            <a:headEnd/>
+            <a:tailEnd/>
+          </a:ln>
+        </p:spPr>
+        <p:txBody>
+          <a:bodyPr lIns="90000" tIns="72000" rIns="90000" bIns="72000" rtlCol="0" anchor="ctr"/>
+          <a:lstStyle/>
+          <a:p>
+            <a:pPr marR="0" algn="ctr" defTabSz="914400" eaLnBrk="1" fontAlgn="base" latinLnBrk="0" hangingPunct="1">
+              <a:lnSpc>
+                <a:spcPct val="100000"/>
+              </a:lnSpc>
+              <a:spcBef>
+                <a:spcPct val="50000"/>
+              </a:spcBef>
+              <a:spcAft>
+                <a:spcPct val="0"/>
+              </a:spcAft>
+              <a:buClr>
+                <a:srgbClr val="F0AB00"/>
+              </a:buClr>
+              <a:buSzPct val="80000"/>
+              <a:tabLst/>
+            </a:pPr>
+            <a:r>
+              <a:rPr kumimoji="0" lang="en-US" sz="1400" b="0" i="0" u="none" strike="noStrike" kern="0" cap="none" spc="0" normalizeH="0" baseline="0" dirty="0" err="1">
+                <a:ln>
+                  <a:noFill/>
+                </a:ln>
+                <a:effectLst/>
+                <a:uLnTx/>
+                <a:uFillTx/>
+                <a:ea typeface="Arial Unicode MS" pitchFamily="34" charset="-128"/>
+                <a:cs typeface="Arial Unicode MS" pitchFamily="34" charset="-128"/>
+              </a:rPr>
+              <a:t>Netlink</a:t>
+            </a:r>
+            <a:endParaRPr kumimoji="0" lang="en-US" sz="1400" b="0" i="0" u="none" strike="noStrike" kern="0" cap="none" spc="0" normalizeH="0" baseline="0" dirty="0">
+              <a:ln>
+                <a:noFill/>
+              </a:ln>
+              <a:effectLst/>
+              <a:uLnTx/>
+              <a:uFillTx/>
+              <a:ea typeface="Arial Unicode MS" pitchFamily="34" charset="-128"/>
+              <a:cs typeface="Arial Unicode MS" pitchFamily="34" charset="-128"/>
+            </a:endParaRPr>
+          </a:p>
+        </p:txBody>
+      </p:sp>
+      <p:sp>
+        <p:nvSpPr>
+          <p:cNvPr id="32" name="Text Placeholder 10"/>
+          <p:cNvSpPr txBox="1">
+            <a:spLocks/>
+          </p:cNvSpPr>
+          <p:nvPr/>
+        </p:nvSpPr>
+        <p:spPr bwMode="gray">
+          <a:xfrm>
+            <a:off x="6203454" y="1620000"/>
+            <a:ext cx="5487021" cy="4707648"/>
+          </a:xfrm>
+          <a:prstGeom prst="rect">
+            <a:avLst/>
+          </a:prstGeom>
+        </p:spPr>
+        <p:txBody>
+          <a:bodyPr vert="horz" lIns="0" tIns="0" rIns="0" bIns="0" rtlCol="0">
+            <a:noAutofit/>
+          </a:bodyPr>
+          <a:lstStyle>
+            <a:lvl1pPr marL="0" indent="0" algn="l" defTabSz="1088558" rtl="0" eaLnBrk="1" latinLnBrk="0" hangingPunct="1">
+              <a:spcBef>
+                <a:spcPts val="1800"/>
+              </a:spcBef>
+              <a:buClr>
+                <a:schemeClr val="accent1"/>
+              </a:buClr>
+              <a:buSzPct val="80000"/>
+              <a:buFontTx/>
+              <a:buNone/>
+              <a:defRPr sz="2000" b="0" kern="1200">
+                <a:solidFill>
+                  <a:schemeClr val="tx1"/>
+                </a:solidFill>
+                <a:latin typeface="+mn-lt"/>
+                <a:ea typeface="+mn-ea"/>
+                <a:cs typeface="+mn-cs"/>
+              </a:defRPr>
+            </a:lvl1pPr>
+            <a:lvl2pPr marL="179964" indent="-179964" algn="l" defTabSz="1088558" rtl="0" eaLnBrk="1" latinLnBrk="0" hangingPunct="1">
+              <a:spcBef>
+                <a:spcPts val="600"/>
+              </a:spcBef>
+              <a:buClr>
+                <a:schemeClr val="accent1"/>
+              </a:buClr>
+              <a:buSzPct val="100000"/>
+              <a:buFont typeface="Wingdings" pitchFamily="2" charset="2"/>
+              <a:buChar char="§"/>
+              <a:defRPr sz="1800" kern="1200">
+                <a:solidFill>
+                  <a:schemeClr val="tx1"/>
+                </a:solidFill>
+                <a:latin typeface="+mn-lt"/>
+                <a:ea typeface="+mn-ea"/>
+                <a:cs typeface="+mn-cs"/>
+              </a:defRPr>
+            </a:lvl2pPr>
+            <a:lvl3pPr marL="358775" indent="-179388" algn="l" defTabSz="1088558" rtl="0" eaLnBrk="1" latinLnBrk="0" hangingPunct="1">
+              <a:spcBef>
+                <a:spcPts val="300"/>
+              </a:spcBef>
+              <a:buClr>
+                <a:schemeClr val="tx1"/>
+              </a:buClr>
+              <a:buSzPct val="100000"/>
+              <a:buFont typeface="Arial" panose="020B0604020202020204" pitchFamily="34" charset="0"/>
+              <a:buChar char="–"/>
+              <a:defRPr lang="en-US" sz="1800" kern="1200" noProof="0" dirty="0" smtClean="0">
+                <a:solidFill>
+                  <a:schemeClr val="tx1"/>
+                </a:solidFill>
+                <a:latin typeface="+mn-lt"/>
+                <a:ea typeface="+mn-ea"/>
+                <a:cs typeface="+mn-cs"/>
+              </a:defRPr>
+            </a:lvl3pPr>
+            <a:lvl4pPr marL="539892" indent="-179964" algn="l" defTabSz="1088558" rtl="0" eaLnBrk="1" latinLnBrk="0" hangingPunct="1">
+              <a:spcBef>
+                <a:spcPts val="300"/>
+              </a:spcBef>
+              <a:buClr>
+                <a:schemeClr val="tx1"/>
+              </a:buClr>
+              <a:buSzPct val="120000"/>
+              <a:buFont typeface="Arial" pitchFamily="34" charset="0"/>
+              <a:buChar char="▫"/>
+              <a:defRPr sz="1600" kern="1200">
+                <a:solidFill>
+                  <a:schemeClr val="tx1"/>
+                </a:solidFill>
+                <a:latin typeface="+mn-lt"/>
+                <a:ea typeface="+mn-ea"/>
+                <a:cs typeface="+mn-cs"/>
+              </a:defRPr>
+            </a:lvl4pPr>
+            <a:lvl5pPr marL="719856" indent="-179964" algn="l" defTabSz="1088558" rtl="0" eaLnBrk="1" latinLnBrk="0" hangingPunct="1">
+              <a:spcBef>
+                <a:spcPts val="100"/>
+              </a:spcBef>
+              <a:buClr>
+                <a:schemeClr val="tx1"/>
+              </a:buClr>
+              <a:buSzPct val="100000"/>
+              <a:buFont typeface="Symbol" panose="05050102010706020507" pitchFamily="18" charset="2"/>
+              <a:buChar char="-"/>
+              <a:defRPr sz="1400" kern="1200" baseline="0">
+                <a:solidFill>
+                  <a:schemeClr val="tx1"/>
+                </a:solidFill>
+                <a:latin typeface="+mn-lt"/>
+                <a:ea typeface="+mn-ea"/>
+                <a:cs typeface="+mn-cs"/>
+              </a:defRPr>
+            </a:lvl5pPr>
+            <a:lvl6pPr marL="2993535" indent="-272140" algn="l" defTabSz="1088558" rtl="0" eaLnBrk="1" latinLnBrk="0" hangingPunct="1">
+              <a:spcBef>
+                <a:spcPct val="20000"/>
+              </a:spcBef>
+              <a:buFont typeface="Arial" pitchFamily="34" charset="0"/>
+              <a:buChar char="•"/>
+              <a:defRPr sz="2400" kern="1200">
+                <a:solidFill>
+                  <a:schemeClr val="tx1"/>
+                </a:solidFill>
+                <a:latin typeface="+mn-lt"/>
+                <a:ea typeface="+mn-ea"/>
+                <a:cs typeface="+mn-cs"/>
+              </a:defRPr>
+            </a:lvl6pPr>
+            <a:lvl7pPr marL="3537814" indent="-272140" algn="l" defTabSz="1088558" rtl="0" eaLnBrk="1" latinLnBrk="0" hangingPunct="1">
+              <a:spcBef>
+                <a:spcPct val="20000"/>
+              </a:spcBef>
+              <a:buFont typeface="Arial" pitchFamily="34" charset="0"/>
+              <a:buChar char="•"/>
+              <a:defRPr sz="2400" kern="1200">
+                <a:solidFill>
+                  <a:schemeClr val="tx1"/>
+                </a:solidFill>
+                <a:latin typeface="+mn-lt"/>
+                <a:ea typeface="+mn-ea"/>
+                <a:cs typeface="+mn-cs"/>
+              </a:defRPr>
+            </a:lvl7pPr>
+            <a:lvl8pPr marL="4082093" indent="-272140" algn="l" defTabSz="1088558" rtl="0" eaLnBrk="1" latinLnBrk="0" hangingPunct="1">
+              <a:spcBef>
+                <a:spcPct val="20000"/>
+              </a:spcBef>
+              <a:buFont typeface="Arial" pitchFamily="34" charset="0"/>
+              <a:buChar char="•"/>
+              <a:defRPr sz="2400" kern="1200">
+                <a:solidFill>
+                  <a:schemeClr val="tx1"/>
+                </a:solidFill>
+                <a:latin typeface="+mn-lt"/>
+                <a:ea typeface="+mn-ea"/>
+                <a:cs typeface="+mn-cs"/>
+              </a:defRPr>
+            </a:lvl8pPr>
+            <a:lvl9pPr marL="4626373" indent="-272140" algn="l" defTabSz="1088558" rtl="0" eaLnBrk="1" latinLnBrk="0" hangingPunct="1">
+              <a:spcBef>
+                <a:spcPct val="20000"/>
+              </a:spcBef>
+              <a:buFont typeface="Arial" pitchFamily="34" charset="0"/>
+              <a:buChar char="•"/>
+              <a:defRPr sz="2400" kern="1200">
+                <a:solidFill>
+                  <a:schemeClr val="tx1"/>
+                </a:solidFill>
+                <a:latin typeface="+mn-lt"/>
+                <a:ea typeface="+mn-ea"/>
+                <a:cs typeface="+mn-cs"/>
+              </a:defRPr>
+            </a:lvl9pPr>
+          </a:lstStyle>
+          <a:p>
+            <a:pPr>
+              <a:spcBef>
+                <a:spcPts val="1200"/>
+              </a:spcBef>
+            </a:pPr>
+            <a:r>
+              <a:rPr lang="en-US" sz="1400" dirty="0"/>
+              <a:t>Namespaces</a:t>
+            </a:r>
+          </a:p>
+          <a:p>
+            <a:pPr lvl="1">
+              <a:spcBef>
+                <a:spcPts val="300"/>
+              </a:spcBef>
+            </a:pPr>
+            <a:r>
+              <a:rPr lang="en-US" sz="1200" dirty="0"/>
+              <a:t>Isolation of resources per process</a:t>
+            </a:r>
+          </a:p>
+          <a:p>
+            <a:pPr lvl="1">
+              <a:spcBef>
+                <a:spcPts val="300"/>
+              </a:spcBef>
+            </a:pPr>
+            <a:r>
+              <a:rPr lang="en-US" sz="1200" dirty="0"/>
+              <a:t>7 different namespaces</a:t>
+            </a:r>
+          </a:p>
+          <a:p>
+            <a:pPr>
+              <a:spcBef>
+                <a:spcPts val="1200"/>
+              </a:spcBef>
+            </a:pPr>
+            <a:r>
+              <a:rPr lang="en-US" sz="1400" dirty="0" err="1"/>
+              <a:t>netfilter</a:t>
+            </a:r>
+            <a:endParaRPr lang="en-US" sz="1400" dirty="0"/>
+          </a:p>
+          <a:p>
+            <a:pPr lvl="1">
+              <a:spcBef>
+                <a:spcPts val="300"/>
+              </a:spcBef>
+            </a:pPr>
+            <a:r>
+              <a:rPr lang="en-US" sz="1200" dirty="0"/>
+              <a:t>Firewall and packet manipulation</a:t>
+            </a:r>
+          </a:p>
+          <a:p>
+            <a:pPr>
+              <a:spcBef>
+                <a:spcPts val="1200"/>
+              </a:spcBef>
+            </a:pPr>
+            <a:r>
+              <a:rPr lang="en-US" sz="1400" dirty="0"/>
+              <a:t>cgroups</a:t>
+            </a:r>
+          </a:p>
+          <a:p>
+            <a:pPr lvl="1">
+              <a:spcBef>
+                <a:spcPts val="300"/>
+              </a:spcBef>
+            </a:pPr>
+            <a:r>
+              <a:rPr lang="en-US" sz="1200" dirty="0"/>
+              <a:t>Manage resource allocation</a:t>
+            </a:r>
+          </a:p>
+          <a:p>
+            <a:pPr>
+              <a:spcBef>
+                <a:spcPts val="1200"/>
+              </a:spcBef>
+            </a:pPr>
+            <a:r>
+              <a:rPr lang="en-US" sz="1400" dirty="0" err="1"/>
+              <a:t>Netlink</a:t>
+            </a:r>
+            <a:endParaRPr lang="en-US" sz="1400" dirty="0"/>
+          </a:p>
+          <a:p>
+            <a:pPr lvl="1">
+              <a:spcBef>
+                <a:spcPts val="300"/>
+              </a:spcBef>
+            </a:pPr>
+            <a:r>
+              <a:rPr lang="en-US" sz="1200" dirty="0" err="1"/>
+              <a:t>Interprocess</a:t>
+            </a:r>
+            <a:r>
+              <a:rPr lang="en-US" sz="1200" dirty="0"/>
+              <a:t> communication between containers</a:t>
+            </a:r>
+          </a:p>
+          <a:p>
+            <a:pPr>
+              <a:spcBef>
+                <a:spcPts val="1200"/>
+              </a:spcBef>
+            </a:pPr>
+            <a:r>
+              <a:rPr lang="en-US" sz="1400" dirty="0" err="1"/>
+              <a:t>SELinux</a:t>
+            </a:r>
+            <a:r>
+              <a:rPr lang="en-US" sz="1400" dirty="0"/>
+              <a:t>/</a:t>
+            </a:r>
+            <a:r>
+              <a:rPr lang="en-US" sz="1400" dirty="0" err="1"/>
+              <a:t>AppArmor</a:t>
+            </a:r>
+            <a:endParaRPr lang="en-US" sz="1400" dirty="0"/>
+          </a:p>
+          <a:p>
+            <a:pPr lvl="1">
+              <a:spcBef>
+                <a:spcPts val="300"/>
+              </a:spcBef>
+            </a:pPr>
+            <a:r>
+              <a:rPr lang="en-US" sz="1200" dirty="0"/>
+              <a:t>Security profiles to govern access to resources</a:t>
+            </a:r>
+          </a:p>
+          <a:p>
+            <a:pPr>
+              <a:spcBef>
+                <a:spcPts val="1200"/>
+              </a:spcBef>
+            </a:pPr>
+            <a:r>
+              <a:rPr lang="en-US" sz="1400" dirty="0"/>
+              <a:t>capabilities</a:t>
+            </a:r>
+          </a:p>
+          <a:p>
+            <a:pPr lvl="1">
+              <a:spcBef>
+                <a:spcPts val="300"/>
+              </a:spcBef>
+            </a:pPr>
+            <a:r>
+              <a:rPr lang="en-US" sz="1200" dirty="0"/>
+              <a:t>Granular control of privileges</a:t>
+            </a:r>
+          </a:p>
+          <a:p>
+            <a:pPr>
+              <a:spcBef>
+                <a:spcPts val="1200"/>
+              </a:spcBef>
+            </a:pPr>
+            <a:r>
+              <a:rPr lang="en-US" sz="1400" dirty="0" err="1"/>
+              <a:t>seccomp</a:t>
+            </a:r>
+            <a:endParaRPr lang="en-US" sz="1400" dirty="0"/>
+          </a:p>
+          <a:p>
+            <a:pPr lvl="1">
+              <a:spcBef>
+                <a:spcPts val="300"/>
+              </a:spcBef>
+            </a:pPr>
+            <a:r>
+              <a:rPr lang="en-US" sz="1200" dirty="0"/>
+              <a:t>Limitation of </a:t>
+            </a:r>
+            <a:r>
+              <a:rPr lang="en-US" sz="1200" dirty="0" err="1"/>
+              <a:t>syscalls</a:t>
+            </a:r>
+            <a:r>
+              <a:rPr lang="en-US" sz="1200" dirty="0"/>
+              <a:t> to processes</a:t>
+            </a:r>
+          </a:p>
+        </p:txBody>
+      </p:sp>
+      <p:sp>
+        <p:nvSpPr>
+          <p:cNvPr id="24" name="Rectangle: Rounded Corners 23"/>
+          <p:cNvSpPr/>
+          <p:nvPr/>
+        </p:nvSpPr>
+        <p:spPr bwMode="gray">
+          <a:xfrm>
+            <a:off x="2642165" y="4252513"/>
+            <a:ext cx="937074" cy="285950"/>
+          </a:xfrm>
+          <a:prstGeom prst="roundRect">
+            <a:avLst/>
+          </a:prstGeom>
+          <a:solidFill>
+            <a:schemeClr val="accent5">
+              <a:lumMod val="40000"/>
+              <a:lumOff val="60000"/>
+            </a:schemeClr>
+          </a:solidFill>
+          <a:ln w="6350" algn="ctr">
+            <a:solidFill>
+              <a:schemeClr val="tx1"/>
+            </a:solidFill>
+            <a:miter lim="800000"/>
+            <a:headEnd/>
+            <a:tailEnd/>
+          </a:ln>
+        </p:spPr>
+        <p:txBody>
+          <a:bodyPr lIns="90000" tIns="72000" rIns="90000" bIns="72000" rtlCol="0" anchor="ctr"/>
+          <a:lstStyle/>
+          <a:p>
+            <a:pPr marR="0" algn="ctr" defTabSz="914400" eaLnBrk="1" fontAlgn="base" latinLnBrk="0" hangingPunct="1">
+              <a:lnSpc>
+                <a:spcPct val="100000"/>
+              </a:lnSpc>
+              <a:spcBef>
+                <a:spcPct val="50000"/>
+              </a:spcBef>
+              <a:spcAft>
+                <a:spcPct val="0"/>
+              </a:spcAft>
+              <a:buClr>
+                <a:srgbClr val="F0AB00"/>
+              </a:buClr>
+              <a:buSzPct val="80000"/>
+              <a:tabLst/>
+            </a:pPr>
+            <a:r>
+              <a:rPr kumimoji="0" lang="en-US" sz="1400" b="0" i="0" u="none" strike="noStrike" kern="0" cap="none" spc="0" normalizeH="0" baseline="0" dirty="0">
+                <a:ln>
+                  <a:noFill/>
+                </a:ln>
+                <a:effectLst/>
+                <a:uLnTx/>
+                <a:uFillTx/>
+                <a:ea typeface="Arial Unicode MS" pitchFamily="34" charset="-128"/>
+                <a:cs typeface="Arial Unicode MS" pitchFamily="34" charset="-128"/>
+              </a:rPr>
+              <a:t>seccomp</a:t>
+            </a:r>
+          </a:p>
+        </p:txBody>
+      </p:sp>
+    </p:spTree>
+    <p:extLst>
+      <p:ext uri="{BB962C8B-B14F-4D97-AF65-F5344CB8AC3E}">
+        <p14:creationId xmlns:p14="http://schemas.microsoft.com/office/powerpoint/2010/main" val="2524894991"/>
+      </p:ext>
+    </p:extLst>
+  </p:cSld>
+  <p:clrMapOvr>
+    <a:masterClrMapping/>
+  </p:clrMapOvr>
 </p:sld>
 </file>
 
@@ -28944,94 +25915,6 @@
       </p:grpSpPr>
       <p:sp>
         <p:nvSpPr>
-          <p:cNvPr id="4" name="Title 3">
-            <a:extLst>
-              <a:ext uri="{FF2B5EF4-FFF2-40B4-BE49-F238E27FC236}">
-                <a16:creationId xmlns:a16="http://schemas.microsoft.com/office/drawing/2014/main" id="{96BEB1A8-C9D3-4723-A64F-42E02E22325A}"/>
-              </a:ext>
-            </a:extLst>
-          </p:cNvPr>
-          <p:cNvSpPr>
-            <a:spLocks noGrp="1"/>
-          </p:cNvSpPr>
-          <p:nvPr>
-            <p:ph type="title"/>
-          </p:nvPr>
-        </p:nvSpPr>
-        <p:spPr/>
-        <p:txBody>
-          <a:bodyPr/>
-          <a:lstStyle/>
-          <a:p>
-            <a:r>
-              <a:rPr lang="en-US" dirty="0"/>
-              <a:t>Demo</a:t>
-            </a:r>
-          </a:p>
-        </p:txBody>
-      </p:sp>
-      <p:pic>
-        <p:nvPicPr>
-          <p:cNvPr id="6" name="Picture 5">
-            <a:extLst>
-              <a:ext uri="{FF2B5EF4-FFF2-40B4-BE49-F238E27FC236}">
-                <a16:creationId xmlns:a16="http://schemas.microsoft.com/office/drawing/2014/main" id="{8D1ACC5F-52FE-4C32-9E61-49F09FCEB59D}"/>
-              </a:ext>
-            </a:extLst>
-          </p:cNvPr>
-          <p:cNvPicPr>
-            <a:picLocks noChangeAspect="1"/>
-          </p:cNvPicPr>
-          <p:nvPr/>
-        </p:nvPicPr>
-        <p:blipFill>
-          <a:blip r:embed="rId3"/>
-          <a:stretch>
-            <a:fillRect/>
-          </a:stretch>
-        </p:blipFill>
-        <p:spPr>
-          <a:xfrm>
-            <a:off x="4521420" y="1853181"/>
-            <a:ext cx="3151638" cy="3151638"/>
-          </a:xfrm>
-          <a:prstGeom prst="rect">
-            <a:avLst/>
-          </a:prstGeom>
-        </p:spPr>
-      </p:pic>
-    </p:spTree>
-    <p:extLst>
-      <p:ext uri="{BB962C8B-B14F-4D97-AF65-F5344CB8AC3E}">
-        <p14:creationId xmlns:p14="http://schemas.microsoft.com/office/powerpoint/2010/main" val="1772935905"/>
-      </p:ext>
-    </p:extLst>
-  </p:cSld>
-  <p:clrMapOvr>
-    <a:masterClrMapping/>
-  </p:clrMapOvr>
-</p:sld>
-</file>
-
-<file path=ppt/slides/slide6.xml><?xml version="1.0" encoding="utf-8"?>
-<p:sld xmlns:a="http://schemas.openxmlformats.org/drawingml/2006/main" xmlns:r="http://schemas.openxmlformats.org/officeDocument/2006/relationships" xmlns:p="http://schemas.openxmlformats.org/presentationml/2006/main">
-  <p:cSld>
-    <p:spTree>
-      <p:nvGrpSpPr>
-        <p:cNvPr id="1" name=""/>
-        <p:cNvGrpSpPr/>
-        <p:nvPr/>
-      </p:nvGrpSpPr>
-      <p:grpSpPr>
-        <a:xfrm>
-          <a:off x="0" y="0"/>
-          <a:ext cx="0" cy="0"/>
-          <a:chOff x="0" y="0"/>
-          <a:chExt cx="0" cy="0"/>
-        </a:xfrm>
-      </p:grpSpPr>
-      <p:sp>
-        <p:nvSpPr>
           <p:cNvPr id="88" name="Arrow: Pentagon 87">
             <a:extLst>
               <a:ext uri="{FF2B5EF4-FFF2-40B4-BE49-F238E27FC236}">
@@ -29179,8 +26062,12 @@
               <a:t>Process (and more) isolation with </a:t>
             </a:r>
             <a:r>
+              <a:rPr lang="en-US" i="1" dirty="0" err="1"/>
+              <a:t>pid</a:t>
+            </a:r>
+            <a:r>
               <a:rPr lang="en-US" i="1" dirty="0"/>
-              <a:t>namespaces</a:t>
+              <a:t> namespaces</a:t>
             </a:r>
           </a:p>
         </p:txBody>
@@ -29213,8 +26100,12 @@
           <a:p>
             <a:pPr lvl="1"/>
             <a:r>
+              <a:rPr lang="en-US" sz="1600" dirty="0" err="1"/>
+              <a:t>pid</a:t>
+            </a:r>
+            <a:r>
               <a:rPr lang="en-US" sz="1600" dirty="0"/>
-              <a:t>Namespaces give a process a limited view on the process table</a:t>
+              <a:t> namespaces give a process a limited view on the process table</a:t>
             </a:r>
           </a:p>
           <a:p>
@@ -29225,7 +26116,15 @@
             <a:pPr lvl="1"/>
             <a:r>
               <a:rPr lang="en-US" sz="1600" dirty="0"/>
-              <a:t>Only processes in the same namespace can see each other</a:t>
+              <a:t>Only processes in the same </a:t>
+            </a:r>
+            <a:r>
+              <a:rPr lang="en-US" sz="1600" dirty="0" err="1"/>
+              <a:t>pid</a:t>
+            </a:r>
+            <a:r>
+              <a:rPr lang="en-US" sz="1600" dirty="0"/>
+              <a:t> namespace can see each other</a:t>
             </a:r>
           </a:p>
           <a:p>
@@ -29236,7 +26135,15 @@
             <a:pPr lvl="1"/>
             <a:r>
               <a:rPr lang="en-US" sz="1600" dirty="0"/>
-              <a:t>Processes get new PIDs in namespace</a:t>
+              <a:t>Processes get new PIDs in their </a:t>
+            </a:r>
+            <a:r>
+              <a:rPr lang="en-US" sz="1600" dirty="0" err="1"/>
+              <a:t>pid</a:t>
+            </a:r>
+            <a:r>
+              <a:rPr lang="en-US" sz="1600" dirty="0"/>
+              <a:t> namespace</a:t>
             </a:r>
           </a:p>
           <a:p>
@@ -30842,95 +27749,7 @@
 </p:sld>
 </file>
 
-<file path=ppt/slides/slide7.xml><?xml version="1.0" encoding="utf-8"?>
-<p:sld xmlns:a="http://schemas.openxmlformats.org/drawingml/2006/main" xmlns:r="http://schemas.openxmlformats.org/officeDocument/2006/relationships" xmlns:p="http://schemas.openxmlformats.org/presentationml/2006/main">
-  <p:cSld>
-    <p:spTree>
-      <p:nvGrpSpPr>
-        <p:cNvPr id="1" name=""/>
-        <p:cNvGrpSpPr/>
-        <p:nvPr/>
-      </p:nvGrpSpPr>
-      <p:grpSpPr>
-        <a:xfrm>
-          <a:off x="0" y="0"/>
-          <a:ext cx="0" cy="0"/>
-          <a:chOff x="0" y="0"/>
-          <a:chExt cx="0" cy="0"/>
-        </a:xfrm>
-      </p:grpSpPr>
-      <p:sp>
-        <p:nvSpPr>
-          <p:cNvPr id="4" name="Title 3">
-            <a:extLst>
-              <a:ext uri="{FF2B5EF4-FFF2-40B4-BE49-F238E27FC236}">
-                <a16:creationId xmlns:a16="http://schemas.microsoft.com/office/drawing/2014/main" id="{96BEB1A8-C9D3-4723-A64F-42E02E22325A}"/>
-              </a:ext>
-            </a:extLst>
-          </p:cNvPr>
-          <p:cNvSpPr>
-            <a:spLocks noGrp="1"/>
-          </p:cNvSpPr>
-          <p:nvPr>
-            <p:ph type="title"/>
-          </p:nvPr>
-        </p:nvSpPr>
-        <p:spPr/>
-        <p:txBody>
-          <a:bodyPr/>
-          <a:lstStyle/>
-          <a:p>
-            <a:r>
-              <a:rPr lang="en-US" dirty="0"/>
-              <a:t>Demo</a:t>
-            </a:r>
-          </a:p>
-        </p:txBody>
-      </p:sp>
-      <p:pic>
-        <p:nvPicPr>
-          <p:cNvPr id="6" name="Picture 5">
-            <a:extLst>
-              <a:ext uri="{FF2B5EF4-FFF2-40B4-BE49-F238E27FC236}">
-                <a16:creationId xmlns:a16="http://schemas.microsoft.com/office/drawing/2014/main" id="{8D1ACC5F-52FE-4C32-9E61-49F09FCEB59D}"/>
-              </a:ext>
-            </a:extLst>
-          </p:cNvPr>
-          <p:cNvPicPr>
-            <a:picLocks noChangeAspect="1"/>
-          </p:cNvPicPr>
-          <p:nvPr/>
-        </p:nvPicPr>
-        <p:blipFill>
-          <a:blip r:embed="rId3"/>
-          <a:stretch>
-            <a:fillRect/>
-          </a:stretch>
-        </p:blipFill>
-        <p:spPr>
-          <a:xfrm>
-            <a:off x="4521420" y="1853181"/>
-            <a:ext cx="3151638" cy="3151638"/>
-          </a:xfrm>
-          <a:prstGeom prst="rect">
-            <a:avLst/>
-          </a:prstGeom>
-        </p:spPr>
-      </p:pic>
-    </p:spTree>
-    <p:extLst>
-      <p:ext uri="{BB962C8B-B14F-4D97-AF65-F5344CB8AC3E}">
-        <p14:creationId xmlns:p14="http://schemas.microsoft.com/office/powerpoint/2010/main" val="3547303505"/>
-      </p:ext>
-    </p:extLst>
-  </p:cSld>
-  <p:clrMapOvr>
-    <a:masterClrMapping/>
-  </p:clrMapOvr>
-</p:sld>
-</file>
-
-<file path=ppt/slides/slide8.xml><?xml version="1.0" encoding="utf-8"?>
+<file path=ppt/slides/slide6.xml><?xml version="1.0" encoding="utf-8"?>
 <p:sld xmlns:a="http://schemas.openxmlformats.org/drawingml/2006/main" xmlns:r="http://schemas.openxmlformats.org/officeDocument/2006/relationships" xmlns:p="http://schemas.openxmlformats.org/presentationml/2006/main">
   <p:cSld>
     <p:spTree>
@@ -31732,7 +28551,816 @@
 </p:sld>
 </file>
 
-<file path=ppt/slides/slide9.xml><?xml version="1.0" encoding="utf-8"?>
+<file path=ppt/slides/slide7.xml><?xml version="1.0" encoding="utf-8"?>
+<p:sld xmlns:a="http://schemas.openxmlformats.org/drawingml/2006/main" xmlns:r="http://schemas.openxmlformats.org/officeDocument/2006/relationships" xmlns:p="http://schemas.openxmlformats.org/presentationml/2006/main">
+  <p:cSld>
+    <p:spTree>
+      <p:nvGrpSpPr>
+        <p:cNvPr id="1" name=""/>
+        <p:cNvGrpSpPr/>
+        <p:nvPr/>
+      </p:nvGrpSpPr>
+      <p:grpSpPr>
+        <a:xfrm>
+          <a:off x="0" y="0"/>
+          <a:ext cx="0" cy="0"/>
+          <a:chOff x="0" y="0"/>
+          <a:chExt cx="0" cy="0"/>
+        </a:xfrm>
+      </p:grpSpPr>
+      <p:pic>
+        <p:nvPicPr>
+          <p:cNvPr id="25" name="Picture 24">
+            <a:extLst>
+              <a:ext uri="{FF2B5EF4-FFF2-40B4-BE49-F238E27FC236}">
+                <a16:creationId xmlns:a16="http://schemas.microsoft.com/office/drawing/2014/main" id="{99A87AAD-6E1D-403D-95A3-44EA65D7AC88}"/>
+              </a:ext>
+            </a:extLst>
+          </p:cNvPr>
+          <p:cNvPicPr>
+            <a:picLocks noChangeAspect="1"/>
+          </p:cNvPicPr>
+          <p:nvPr/>
+        </p:nvPicPr>
+        <p:blipFill>
+          <a:blip r:embed="rId3"/>
+          <a:stretch>
+            <a:fillRect/>
+          </a:stretch>
+        </p:blipFill>
+        <p:spPr>
+          <a:xfrm>
+            <a:off x="4403725" y="3161502"/>
+            <a:ext cx="858837" cy="858837"/>
+          </a:xfrm>
+          <a:prstGeom prst="rect">
+            <a:avLst/>
+          </a:prstGeom>
+        </p:spPr>
+      </p:pic>
+      <p:sp>
+        <p:nvSpPr>
+          <p:cNvPr id="18" name="Arrow: Down 17">
+            <a:extLst>
+              <a:ext uri="{FF2B5EF4-FFF2-40B4-BE49-F238E27FC236}">
+                <a16:creationId xmlns:a16="http://schemas.microsoft.com/office/drawing/2014/main" id="{CC11B2ED-3DAC-4BF2-AE25-6BDB2CB265BF}"/>
+              </a:ext>
+            </a:extLst>
+          </p:cNvPr>
+          <p:cNvSpPr/>
+          <p:nvPr/>
+        </p:nvSpPr>
+        <p:spPr bwMode="gray">
+          <a:xfrm>
+            <a:off x="742951" y="2343150"/>
+            <a:ext cx="1543050" cy="2495549"/>
+          </a:xfrm>
+          <a:prstGeom prst="downArrow">
+            <a:avLst/>
+          </a:prstGeom>
+          <a:solidFill>
+            <a:schemeClr val="accent3">
+              <a:lumMod val="50000"/>
+            </a:schemeClr>
+          </a:solidFill>
+          <a:ln w="6350" algn="ctr">
+            <a:noFill/>
+            <a:miter lim="800000"/>
+            <a:headEnd/>
+            <a:tailEnd/>
+          </a:ln>
+        </p:spPr>
+        <p:txBody>
+          <a:bodyPr vert="vert270" lIns="90000" tIns="72000" rIns="90000" bIns="72000" rtlCol="0" anchor="ctr"/>
+          <a:lstStyle/>
+          <a:p>
+            <a:pPr marR="0" algn="ctr" defTabSz="914400" eaLnBrk="1" fontAlgn="base" latinLnBrk="0" hangingPunct="1">
+              <a:lnSpc>
+                <a:spcPct val="100000"/>
+              </a:lnSpc>
+              <a:spcBef>
+                <a:spcPct val="50000"/>
+              </a:spcBef>
+              <a:spcAft>
+                <a:spcPct val="0"/>
+              </a:spcAft>
+              <a:buClr>
+                <a:srgbClr val="F0AB00"/>
+              </a:buClr>
+              <a:buSzPct val="80000"/>
+              <a:tabLst/>
+            </a:pPr>
+            <a:r>
+              <a:rPr kumimoji="0" lang="en-US" sz="1800" b="1" i="1" u="none" strike="noStrike" kern="0" cap="none" spc="0" normalizeH="0" baseline="0" noProof="0" dirty="0">
+                <a:ln>
+                  <a:noFill/>
+                </a:ln>
+                <a:solidFill>
+                  <a:schemeClr val="bg1"/>
+                </a:solidFill>
+                <a:effectLst/>
+                <a:uLnTx/>
+                <a:uFillTx/>
+                <a:ea typeface="Arial Unicode MS" pitchFamily="34" charset="-128"/>
+                <a:cs typeface="Arial Unicode MS" pitchFamily="34" charset="-128"/>
+              </a:rPr>
+              <a:t>system calls</a:t>
+            </a:r>
+          </a:p>
+        </p:txBody>
+      </p:sp>
+      <p:sp>
+        <p:nvSpPr>
+          <p:cNvPr id="4" name="Title 3">
+            <a:extLst>
+              <a:ext uri="{FF2B5EF4-FFF2-40B4-BE49-F238E27FC236}">
+                <a16:creationId xmlns:a16="http://schemas.microsoft.com/office/drawing/2014/main" id="{645B76E8-EDF1-4BBF-A073-4675DBA6C45F}"/>
+              </a:ext>
+            </a:extLst>
+          </p:cNvPr>
+          <p:cNvSpPr>
+            <a:spLocks noGrp="1"/>
+          </p:cNvSpPr>
+          <p:nvPr>
+            <p:ph type="title"/>
+          </p:nvPr>
+        </p:nvSpPr>
+        <p:spPr/>
+        <p:txBody>
+          <a:bodyPr/>
+          <a:lstStyle/>
+          <a:p>
+            <a:r>
+              <a:rPr lang="en-US" dirty="0"/>
+              <a:t>Container security with </a:t>
+            </a:r>
+            <a:r>
+              <a:rPr lang="en-US" i="1" dirty="0"/>
+              <a:t>seccomp</a:t>
+            </a:r>
+          </a:p>
+        </p:txBody>
+      </p:sp>
+      <p:sp>
+        <p:nvSpPr>
+          <p:cNvPr id="2" name="Rectangle 1">
+            <a:extLst>
+              <a:ext uri="{FF2B5EF4-FFF2-40B4-BE49-F238E27FC236}">
+                <a16:creationId xmlns:a16="http://schemas.microsoft.com/office/drawing/2014/main" id="{59BE13B4-5794-4F31-A825-3747FA8625A8}"/>
+              </a:ext>
+            </a:extLst>
+          </p:cNvPr>
+          <p:cNvSpPr/>
+          <p:nvPr/>
+        </p:nvSpPr>
+        <p:spPr bwMode="gray">
+          <a:xfrm>
+            <a:off x="619126" y="4838700"/>
+            <a:ext cx="4572000" cy="647700"/>
+          </a:xfrm>
+          <a:prstGeom prst="rect">
+            <a:avLst/>
+          </a:prstGeom>
+          <a:solidFill>
+            <a:schemeClr val="tx1"/>
+          </a:solidFill>
+          <a:ln w="6350" algn="ctr">
+            <a:noFill/>
+            <a:miter lim="800000"/>
+            <a:headEnd/>
+            <a:tailEnd/>
+          </a:ln>
+        </p:spPr>
+        <p:txBody>
+          <a:bodyPr lIns="90000" tIns="72000" rIns="90000" bIns="72000" rtlCol="0" anchor="ctr"/>
+          <a:lstStyle/>
+          <a:p>
+            <a:pPr marR="0" algn="ctr" defTabSz="914400" eaLnBrk="1" fontAlgn="base" latinLnBrk="0" hangingPunct="1">
+              <a:lnSpc>
+                <a:spcPct val="100000"/>
+              </a:lnSpc>
+              <a:spcBef>
+                <a:spcPct val="50000"/>
+              </a:spcBef>
+              <a:spcAft>
+                <a:spcPct val="0"/>
+              </a:spcAft>
+              <a:buClr>
+                <a:srgbClr val="F0AB00"/>
+              </a:buClr>
+              <a:buSzPct val="80000"/>
+              <a:tabLst/>
+            </a:pPr>
+            <a:r>
+              <a:rPr kumimoji="0" lang="en-US" sz="2800" b="0" i="0" u="none" strike="noStrike" kern="0" cap="none" spc="0" normalizeH="0" baseline="0" noProof="0" dirty="0">
+                <a:ln>
+                  <a:noFill/>
+                </a:ln>
+                <a:solidFill>
+                  <a:schemeClr val="bg1"/>
+                </a:solidFill>
+                <a:effectLst/>
+                <a:uLnTx/>
+                <a:uFillTx/>
+                <a:latin typeface="Arial Black" panose="020B0A04020102020204" pitchFamily="34" charset="0"/>
+                <a:ea typeface="Arial Unicode MS" pitchFamily="34" charset="-128"/>
+                <a:cs typeface="Arial Unicode MS" pitchFamily="34" charset="-128"/>
+              </a:rPr>
+              <a:t>Kernel</a:t>
+            </a:r>
+            <a:endParaRPr kumimoji="0" lang="en-US" sz="1800" b="0" i="0" u="none" strike="noStrike" kern="0" cap="none" spc="0" normalizeH="0" baseline="0" noProof="0" dirty="0">
+              <a:ln>
+                <a:noFill/>
+              </a:ln>
+              <a:solidFill>
+                <a:schemeClr val="bg1"/>
+              </a:solidFill>
+              <a:effectLst/>
+              <a:uLnTx/>
+              <a:uFillTx/>
+              <a:latin typeface="Arial Black" panose="020B0A04020102020204" pitchFamily="34" charset="0"/>
+              <a:ea typeface="Arial Unicode MS" pitchFamily="34" charset="-128"/>
+              <a:cs typeface="Arial Unicode MS" pitchFamily="34" charset="-128"/>
+            </a:endParaRPr>
+          </a:p>
+        </p:txBody>
+      </p:sp>
+      <p:pic>
+        <p:nvPicPr>
+          <p:cNvPr id="16" name="Picture 15">
+            <a:extLst>
+              <a:ext uri="{FF2B5EF4-FFF2-40B4-BE49-F238E27FC236}">
+                <a16:creationId xmlns:a16="http://schemas.microsoft.com/office/drawing/2014/main" id="{12598DB7-6A06-4FF0-BC4E-218B3657467A}"/>
+              </a:ext>
+            </a:extLst>
+          </p:cNvPr>
+          <p:cNvPicPr>
+            <a:picLocks noChangeAspect="1"/>
+          </p:cNvPicPr>
+          <p:nvPr/>
+        </p:nvPicPr>
+        <p:blipFill>
+          <a:blip r:embed="rId4"/>
+          <a:stretch>
+            <a:fillRect/>
+          </a:stretch>
+        </p:blipFill>
+        <p:spPr>
+          <a:xfrm>
+            <a:off x="1392237" y="4868068"/>
+            <a:ext cx="588963" cy="588963"/>
+          </a:xfrm>
+          <a:prstGeom prst="rect">
+            <a:avLst/>
+          </a:prstGeom>
+        </p:spPr>
+      </p:pic>
+      <p:sp>
+        <p:nvSpPr>
+          <p:cNvPr id="17" name="Rectangle: Rounded Corners 16">
+            <a:extLst>
+              <a:ext uri="{FF2B5EF4-FFF2-40B4-BE49-F238E27FC236}">
+                <a16:creationId xmlns:a16="http://schemas.microsoft.com/office/drawing/2014/main" id="{3ABE47BC-35ED-4E9A-8B4E-A9B750CA52F5}"/>
+              </a:ext>
+            </a:extLst>
+          </p:cNvPr>
+          <p:cNvSpPr/>
+          <p:nvPr/>
+        </p:nvSpPr>
+        <p:spPr bwMode="gray">
+          <a:xfrm>
+            <a:off x="619126" y="1724025"/>
+            <a:ext cx="4572000" cy="619125"/>
+          </a:xfrm>
+          <a:prstGeom prst="roundRect">
+            <a:avLst>
+              <a:gd name="adj" fmla="val 50000"/>
+            </a:avLst>
+          </a:prstGeom>
+          <a:solidFill>
+            <a:schemeClr val="accent1"/>
+          </a:solidFill>
+          <a:ln w="6350" algn="ctr">
+            <a:solidFill>
+              <a:schemeClr val="tx1"/>
+            </a:solidFill>
+            <a:miter lim="800000"/>
+            <a:headEnd/>
+            <a:tailEnd/>
+          </a:ln>
+        </p:spPr>
+        <p:txBody>
+          <a:bodyPr lIns="90000" tIns="72000" rIns="90000" bIns="72000" rtlCol="0" anchor="ctr"/>
+          <a:lstStyle/>
+          <a:p>
+            <a:pPr marR="0" algn="ctr" defTabSz="914400" eaLnBrk="1" fontAlgn="base" latinLnBrk="0" hangingPunct="1">
+              <a:lnSpc>
+                <a:spcPct val="100000"/>
+              </a:lnSpc>
+              <a:spcBef>
+                <a:spcPct val="50000"/>
+              </a:spcBef>
+              <a:spcAft>
+                <a:spcPct val="0"/>
+              </a:spcAft>
+              <a:buClr>
+                <a:srgbClr val="F0AB00"/>
+              </a:buClr>
+              <a:buSzPct val="80000"/>
+              <a:tabLst/>
+            </a:pPr>
+            <a:r>
+              <a:rPr kumimoji="0" lang="en-US" sz="1800" b="1" i="0" u="none" strike="noStrike" kern="0" cap="none" spc="0" normalizeH="0" baseline="0" noProof="0" dirty="0">
+                <a:ln>
+                  <a:noFill/>
+                </a:ln>
+                <a:effectLst/>
+                <a:uLnTx/>
+                <a:uFillTx/>
+                <a:ea typeface="Arial Unicode MS" pitchFamily="34" charset="-128"/>
+                <a:cs typeface="Arial Unicode MS" pitchFamily="34" charset="-128"/>
+              </a:rPr>
+              <a:t>Application</a:t>
+            </a:r>
+          </a:p>
+        </p:txBody>
+      </p:sp>
+      <p:sp>
+        <p:nvSpPr>
+          <p:cNvPr id="19" name="Text Placeholder 58">
+            <a:extLst>
+              <a:ext uri="{FF2B5EF4-FFF2-40B4-BE49-F238E27FC236}">
+                <a16:creationId xmlns:a16="http://schemas.microsoft.com/office/drawing/2014/main" id="{AF72BC10-7A25-40C3-928F-41ACE59C030E}"/>
+              </a:ext>
+            </a:extLst>
+          </p:cNvPr>
+          <p:cNvSpPr txBox="1">
+            <a:spLocks/>
+          </p:cNvSpPr>
+          <p:nvPr/>
+        </p:nvSpPr>
+        <p:spPr bwMode="gray">
+          <a:xfrm>
+            <a:off x="6862713" y="1491684"/>
+            <a:ext cx="4827764" cy="4532044"/>
+          </a:xfrm>
+          <a:prstGeom prst="rect">
+            <a:avLst/>
+          </a:prstGeom>
+        </p:spPr>
+        <p:txBody>
+          <a:bodyPr vert="horz" lIns="0" tIns="0" rIns="0" bIns="0" rtlCol="0" anchor="ctr">
+            <a:noAutofit/>
+          </a:bodyPr>
+          <a:lstStyle>
+            <a:lvl1pPr marL="0" indent="0" algn="l" defTabSz="1088558" rtl="0" eaLnBrk="1" latinLnBrk="0" hangingPunct="1">
+              <a:spcBef>
+                <a:spcPts val="1800"/>
+              </a:spcBef>
+              <a:buClr>
+                <a:schemeClr val="accent1"/>
+              </a:buClr>
+              <a:buSzPct val="80000"/>
+              <a:buFontTx/>
+              <a:buNone/>
+              <a:defRPr sz="2000" b="0" kern="1200">
+                <a:solidFill>
+                  <a:schemeClr val="tx1"/>
+                </a:solidFill>
+                <a:latin typeface="+mn-lt"/>
+                <a:ea typeface="+mn-ea"/>
+                <a:cs typeface="+mn-cs"/>
+              </a:defRPr>
+            </a:lvl1pPr>
+            <a:lvl2pPr marL="179964" indent="-179964" algn="l" defTabSz="1088558" rtl="0" eaLnBrk="1" latinLnBrk="0" hangingPunct="1">
+              <a:spcBef>
+                <a:spcPts val="600"/>
+              </a:spcBef>
+              <a:buClr>
+                <a:schemeClr val="accent1"/>
+              </a:buClr>
+              <a:buSzPct val="100000"/>
+              <a:buFont typeface="Wingdings" pitchFamily="2" charset="2"/>
+              <a:buChar char="§"/>
+              <a:defRPr sz="1800" kern="1200">
+                <a:solidFill>
+                  <a:schemeClr val="tx1"/>
+                </a:solidFill>
+                <a:latin typeface="+mn-lt"/>
+                <a:ea typeface="+mn-ea"/>
+                <a:cs typeface="+mn-cs"/>
+              </a:defRPr>
+            </a:lvl2pPr>
+            <a:lvl3pPr marL="358775" indent="-179388" algn="l" defTabSz="1088558" rtl="0" eaLnBrk="1" latinLnBrk="0" hangingPunct="1">
+              <a:spcBef>
+                <a:spcPts val="300"/>
+              </a:spcBef>
+              <a:buClr>
+                <a:schemeClr val="tx1"/>
+              </a:buClr>
+              <a:buSzPct val="100000"/>
+              <a:buFont typeface="Arial" panose="020B0604020202020204" pitchFamily="34" charset="0"/>
+              <a:buChar char="–"/>
+              <a:defRPr lang="en-US" sz="1800" kern="1200" noProof="0" dirty="0" smtClean="0">
+                <a:solidFill>
+                  <a:schemeClr val="tx1"/>
+                </a:solidFill>
+                <a:latin typeface="+mn-lt"/>
+                <a:ea typeface="+mn-ea"/>
+                <a:cs typeface="+mn-cs"/>
+              </a:defRPr>
+            </a:lvl3pPr>
+            <a:lvl4pPr marL="539892" indent="-179964" algn="l" defTabSz="1088558" rtl="0" eaLnBrk="1" latinLnBrk="0" hangingPunct="1">
+              <a:spcBef>
+                <a:spcPts val="300"/>
+              </a:spcBef>
+              <a:buClr>
+                <a:schemeClr val="tx1"/>
+              </a:buClr>
+              <a:buSzPct val="120000"/>
+              <a:buFont typeface="Arial" pitchFamily="34" charset="0"/>
+              <a:buChar char="▫"/>
+              <a:defRPr sz="1600" kern="1200">
+                <a:solidFill>
+                  <a:schemeClr val="tx1"/>
+                </a:solidFill>
+                <a:latin typeface="+mn-lt"/>
+                <a:ea typeface="+mn-ea"/>
+                <a:cs typeface="+mn-cs"/>
+              </a:defRPr>
+            </a:lvl4pPr>
+            <a:lvl5pPr marL="719856" indent="-179964" algn="l" defTabSz="1088558" rtl="0" eaLnBrk="1" latinLnBrk="0" hangingPunct="1">
+              <a:spcBef>
+                <a:spcPts val="100"/>
+              </a:spcBef>
+              <a:buClr>
+                <a:schemeClr val="tx1"/>
+              </a:buClr>
+              <a:buSzPct val="100000"/>
+              <a:buFont typeface="Symbol" panose="05050102010706020507" pitchFamily="18" charset="2"/>
+              <a:buChar char="-"/>
+              <a:defRPr sz="1400" kern="1200" baseline="0">
+                <a:solidFill>
+                  <a:schemeClr val="tx1"/>
+                </a:solidFill>
+                <a:latin typeface="+mn-lt"/>
+                <a:ea typeface="+mn-ea"/>
+                <a:cs typeface="+mn-cs"/>
+              </a:defRPr>
+            </a:lvl5pPr>
+            <a:lvl6pPr marL="2993535" indent="-272140" algn="l" defTabSz="1088558" rtl="0" eaLnBrk="1" latinLnBrk="0" hangingPunct="1">
+              <a:spcBef>
+                <a:spcPct val="20000"/>
+              </a:spcBef>
+              <a:buFont typeface="Arial" pitchFamily="34" charset="0"/>
+              <a:buChar char="•"/>
+              <a:defRPr sz="2400" kern="1200">
+                <a:solidFill>
+                  <a:schemeClr val="tx1"/>
+                </a:solidFill>
+                <a:latin typeface="+mn-lt"/>
+                <a:ea typeface="+mn-ea"/>
+                <a:cs typeface="+mn-cs"/>
+              </a:defRPr>
+            </a:lvl6pPr>
+            <a:lvl7pPr marL="3537814" indent="-272140" algn="l" defTabSz="1088558" rtl="0" eaLnBrk="1" latinLnBrk="0" hangingPunct="1">
+              <a:spcBef>
+                <a:spcPct val="20000"/>
+              </a:spcBef>
+              <a:buFont typeface="Arial" pitchFamily="34" charset="0"/>
+              <a:buChar char="•"/>
+              <a:defRPr sz="2400" kern="1200">
+                <a:solidFill>
+                  <a:schemeClr val="tx1"/>
+                </a:solidFill>
+                <a:latin typeface="+mn-lt"/>
+                <a:ea typeface="+mn-ea"/>
+                <a:cs typeface="+mn-cs"/>
+              </a:defRPr>
+            </a:lvl7pPr>
+            <a:lvl8pPr marL="4082093" indent="-272140" algn="l" defTabSz="1088558" rtl="0" eaLnBrk="1" latinLnBrk="0" hangingPunct="1">
+              <a:spcBef>
+                <a:spcPct val="20000"/>
+              </a:spcBef>
+              <a:buFont typeface="Arial" pitchFamily="34" charset="0"/>
+              <a:buChar char="•"/>
+              <a:defRPr sz="2400" kern="1200">
+                <a:solidFill>
+                  <a:schemeClr val="tx1"/>
+                </a:solidFill>
+                <a:latin typeface="+mn-lt"/>
+                <a:ea typeface="+mn-ea"/>
+                <a:cs typeface="+mn-cs"/>
+              </a:defRPr>
+            </a:lvl8pPr>
+            <a:lvl9pPr marL="4626373" indent="-272140" algn="l" defTabSz="1088558" rtl="0" eaLnBrk="1" latinLnBrk="0" hangingPunct="1">
+              <a:spcBef>
+                <a:spcPct val="20000"/>
+              </a:spcBef>
+              <a:buFont typeface="Arial" pitchFamily="34" charset="0"/>
+              <a:buChar char="•"/>
+              <a:defRPr sz="2400" kern="1200">
+                <a:solidFill>
+                  <a:schemeClr val="tx1"/>
+                </a:solidFill>
+                <a:latin typeface="+mn-lt"/>
+                <a:ea typeface="+mn-ea"/>
+                <a:cs typeface="+mn-cs"/>
+              </a:defRPr>
+            </a:lvl9pPr>
+          </a:lstStyle>
+          <a:p>
+            <a:pPr lvl="1"/>
+            <a:r>
+              <a:rPr lang="en-US" sz="1600" dirty="0"/>
+              <a:t>Every program uses system calls to interact with the operating system</a:t>
+            </a:r>
+          </a:p>
+          <a:p>
+            <a:pPr lvl="1"/>
+            <a:endParaRPr lang="en-US" sz="1600" dirty="0"/>
+          </a:p>
+          <a:p>
+            <a:pPr lvl="1"/>
+            <a:r>
+              <a:rPr lang="en-US" sz="1600" dirty="0" err="1"/>
+              <a:t>seccomp</a:t>
+            </a:r>
+            <a:r>
+              <a:rPr lang="en-US" sz="1600" dirty="0"/>
+              <a:t> can block individual system calls</a:t>
+            </a:r>
+          </a:p>
+          <a:p>
+            <a:pPr lvl="2"/>
+            <a:r>
+              <a:rPr lang="en-US" sz="1600" dirty="0"/>
+              <a:t>whitelisting</a:t>
+            </a:r>
+          </a:p>
+          <a:p>
+            <a:pPr lvl="2"/>
+            <a:r>
+              <a:rPr lang="en-US" sz="1600" dirty="0"/>
+              <a:t>blacklisting</a:t>
+            </a:r>
+          </a:p>
+          <a:p>
+            <a:pPr lvl="2"/>
+            <a:r>
+              <a:rPr lang="en-US" sz="1600" dirty="0" err="1"/>
+              <a:t>systemcall</a:t>
+            </a:r>
+            <a:r>
+              <a:rPr lang="en-US" sz="1600" dirty="0"/>
+              <a:t> trapping</a:t>
+            </a:r>
+          </a:p>
+          <a:p>
+            <a:pPr marL="0" lvl="1" indent="0">
+              <a:buNone/>
+            </a:pPr>
+            <a:endParaRPr lang="en-US" sz="1600" dirty="0"/>
+          </a:p>
+        </p:txBody>
+      </p:sp>
+      <p:sp>
+        <p:nvSpPr>
+          <p:cNvPr id="20" name="Arrow: Down 19">
+            <a:extLst>
+              <a:ext uri="{FF2B5EF4-FFF2-40B4-BE49-F238E27FC236}">
+                <a16:creationId xmlns:a16="http://schemas.microsoft.com/office/drawing/2014/main" id="{EFC98BFD-16D9-417F-905E-F4BA2AF414FF}"/>
+              </a:ext>
+            </a:extLst>
+          </p:cNvPr>
+          <p:cNvSpPr/>
+          <p:nvPr/>
+        </p:nvSpPr>
+        <p:spPr bwMode="gray">
+          <a:xfrm>
+            <a:off x="2414539" y="2343149"/>
+            <a:ext cx="681086" cy="2495549"/>
+          </a:xfrm>
+          <a:prstGeom prst="downArrow">
+            <a:avLst>
+              <a:gd name="adj1" fmla="val 50000"/>
+              <a:gd name="adj2" fmla="val 56046"/>
+            </a:avLst>
+          </a:prstGeom>
+          <a:solidFill>
+            <a:schemeClr val="accent4">
+              <a:lumMod val="50000"/>
+            </a:schemeClr>
+          </a:solidFill>
+          <a:ln w="6350" algn="ctr">
+            <a:noFill/>
+            <a:miter lim="800000"/>
+            <a:headEnd/>
+            <a:tailEnd/>
+          </a:ln>
+        </p:spPr>
+        <p:txBody>
+          <a:bodyPr vert="vert270" lIns="90000" tIns="72000" rIns="90000" bIns="72000" rtlCol="0" anchor="ctr"/>
+          <a:lstStyle/>
+          <a:p>
+            <a:pPr marR="0" algn="ctr" defTabSz="914400" eaLnBrk="1" fontAlgn="base" latinLnBrk="0" hangingPunct="1">
+              <a:lnSpc>
+                <a:spcPct val="100000"/>
+              </a:lnSpc>
+              <a:spcBef>
+                <a:spcPct val="50000"/>
+              </a:spcBef>
+              <a:spcAft>
+                <a:spcPct val="0"/>
+              </a:spcAft>
+              <a:buClr>
+                <a:srgbClr val="F0AB00"/>
+              </a:buClr>
+              <a:buSzPct val="80000"/>
+              <a:tabLst/>
+            </a:pPr>
+            <a:r>
+              <a:rPr kumimoji="0" lang="en-US" sz="1600" u="none" strike="noStrike" kern="0" cap="none" spc="0" normalizeH="0" baseline="0" noProof="0" dirty="0">
+                <a:ln>
+                  <a:noFill/>
+                </a:ln>
+                <a:solidFill>
+                  <a:schemeClr val="bg1"/>
+                </a:solidFill>
+                <a:effectLst/>
+                <a:uLnTx/>
+                <a:uFillTx/>
+                <a:latin typeface="Courier New" panose="02070309020205020404" pitchFamily="49" charset="0"/>
+                <a:ea typeface="Arial Unicode MS" pitchFamily="34" charset="-128"/>
+                <a:cs typeface="Courier New" panose="02070309020205020404" pitchFamily="49" charset="0"/>
+              </a:rPr>
+              <a:t>write</a:t>
+            </a:r>
+          </a:p>
+        </p:txBody>
+      </p:sp>
+      <p:sp>
+        <p:nvSpPr>
+          <p:cNvPr id="21" name="Arrow: Down 20">
+            <a:extLst>
+              <a:ext uri="{FF2B5EF4-FFF2-40B4-BE49-F238E27FC236}">
+                <a16:creationId xmlns:a16="http://schemas.microsoft.com/office/drawing/2014/main" id="{C762D2E9-8CCC-49DC-A718-3C0FC3CA4A3B}"/>
+              </a:ext>
+            </a:extLst>
+          </p:cNvPr>
+          <p:cNvSpPr/>
+          <p:nvPr/>
+        </p:nvSpPr>
+        <p:spPr bwMode="gray">
+          <a:xfrm>
+            <a:off x="3128889" y="2343147"/>
+            <a:ext cx="681086" cy="2495549"/>
+          </a:xfrm>
+          <a:prstGeom prst="downArrow">
+            <a:avLst>
+              <a:gd name="adj1" fmla="val 50000"/>
+              <a:gd name="adj2" fmla="val 56046"/>
+            </a:avLst>
+          </a:prstGeom>
+          <a:solidFill>
+            <a:schemeClr val="accent4">
+              <a:lumMod val="50000"/>
+            </a:schemeClr>
+          </a:solidFill>
+          <a:ln w="6350" algn="ctr">
+            <a:noFill/>
+            <a:miter lim="800000"/>
+            <a:headEnd/>
+            <a:tailEnd/>
+          </a:ln>
+        </p:spPr>
+        <p:txBody>
+          <a:bodyPr vert="vert270" lIns="90000" tIns="72000" rIns="90000" bIns="72000" rtlCol="0" anchor="ctr"/>
+          <a:lstStyle/>
+          <a:p>
+            <a:pPr marR="0" algn="ctr" defTabSz="914400" eaLnBrk="1" fontAlgn="base" latinLnBrk="0" hangingPunct="1">
+              <a:lnSpc>
+                <a:spcPct val="100000"/>
+              </a:lnSpc>
+              <a:spcBef>
+                <a:spcPct val="50000"/>
+              </a:spcBef>
+              <a:spcAft>
+                <a:spcPct val="0"/>
+              </a:spcAft>
+              <a:buClr>
+                <a:srgbClr val="F0AB00"/>
+              </a:buClr>
+              <a:buSzPct val="80000"/>
+              <a:tabLst/>
+            </a:pPr>
+            <a:r>
+              <a:rPr kumimoji="0" lang="en-US" sz="1600" u="none" strike="noStrike" kern="0" cap="none" spc="0" normalizeH="0" baseline="0" noProof="0" dirty="0">
+                <a:ln>
+                  <a:noFill/>
+                </a:ln>
+                <a:solidFill>
+                  <a:schemeClr val="bg1"/>
+                </a:solidFill>
+                <a:effectLst/>
+                <a:uLnTx/>
+                <a:uFillTx/>
+                <a:latin typeface="Courier New" panose="02070309020205020404" pitchFamily="49" charset="0"/>
+                <a:ea typeface="Arial Unicode MS" pitchFamily="34" charset="-128"/>
+                <a:cs typeface="Courier New" panose="02070309020205020404" pitchFamily="49" charset="0"/>
+              </a:rPr>
+              <a:t>stat</a:t>
+            </a:r>
+          </a:p>
+        </p:txBody>
+      </p:sp>
+      <p:sp>
+        <p:nvSpPr>
+          <p:cNvPr id="22" name="Arrow: Down 21">
+            <a:extLst>
+              <a:ext uri="{FF2B5EF4-FFF2-40B4-BE49-F238E27FC236}">
+                <a16:creationId xmlns:a16="http://schemas.microsoft.com/office/drawing/2014/main" id="{DC7DA7C8-2FBD-4FAF-A215-8EFA6FB4552B}"/>
+              </a:ext>
+            </a:extLst>
+          </p:cNvPr>
+          <p:cNvSpPr/>
+          <p:nvPr/>
+        </p:nvSpPr>
+        <p:spPr bwMode="gray">
+          <a:xfrm>
+            <a:off x="3957540" y="2343147"/>
+            <a:ext cx="681086" cy="2495549"/>
+          </a:xfrm>
+          <a:prstGeom prst="downArrow">
+            <a:avLst>
+              <a:gd name="adj1" fmla="val 50000"/>
+              <a:gd name="adj2" fmla="val 56046"/>
+            </a:avLst>
+          </a:prstGeom>
+          <a:solidFill>
+            <a:srgbClr val="FF0000"/>
+          </a:solidFill>
+          <a:ln w="6350" algn="ctr">
+            <a:noFill/>
+            <a:miter lim="800000"/>
+            <a:headEnd/>
+            <a:tailEnd/>
+          </a:ln>
+        </p:spPr>
+        <p:txBody>
+          <a:bodyPr vert="vert270" lIns="90000" tIns="72000" rIns="90000" bIns="72000" rtlCol="0" anchor="ctr"/>
+          <a:lstStyle/>
+          <a:p>
+            <a:pPr marR="0" algn="ctr" defTabSz="914400" eaLnBrk="1" fontAlgn="base" latinLnBrk="0" hangingPunct="1">
+              <a:lnSpc>
+                <a:spcPct val="100000"/>
+              </a:lnSpc>
+              <a:spcBef>
+                <a:spcPct val="50000"/>
+              </a:spcBef>
+              <a:spcAft>
+                <a:spcPct val="0"/>
+              </a:spcAft>
+              <a:buClr>
+                <a:srgbClr val="F0AB00"/>
+              </a:buClr>
+              <a:buSzPct val="80000"/>
+              <a:tabLst/>
+            </a:pPr>
+            <a:r>
+              <a:rPr kumimoji="0" lang="en-US" sz="1600" u="none" strike="noStrike" kern="0" cap="none" spc="0" normalizeH="0" baseline="0" noProof="0" dirty="0">
+                <a:ln>
+                  <a:noFill/>
+                </a:ln>
+                <a:solidFill>
+                  <a:schemeClr val="bg1"/>
+                </a:solidFill>
+                <a:effectLst/>
+                <a:uLnTx/>
+                <a:uFillTx/>
+                <a:latin typeface="Courier New" panose="02070309020205020404" pitchFamily="49" charset="0"/>
+                <a:ea typeface="Arial Unicode MS" pitchFamily="34" charset="-128"/>
+                <a:cs typeface="Courier New" panose="02070309020205020404" pitchFamily="49" charset="0"/>
+              </a:rPr>
+              <a:t>reboot</a:t>
+            </a:r>
+          </a:p>
+        </p:txBody>
+      </p:sp>
+    </p:spTree>
+    <p:extLst>
+      <p:ext uri="{BB962C8B-B14F-4D97-AF65-F5344CB8AC3E}">
+        <p14:creationId xmlns:p14="http://schemas.microsoft.com/office/powerpoint/2010/main" val="2969143042"/>
+      </p:ext>
+    </p:extLst>
+  </p:cSld>
+  <p:clrMapOvr>
+    <a:masterClrMapping/>
+  </p:clrMapOvr>
+</p:sld>
+</file>
+
+<file path=ppt/slides/slide8.xml><?xml version="1.0" encoding="utf-8"?>
 <p:sld xmlns:a="http://schemas.openxmlformats.org/drawingml/2006/main" xmlns:r="http://schemas.openxmlformats.org/officeDocument/2006/relationships" xmlns:p="http://schemas.openxmlformats.org/presentationml/2006/main">
   <p:cSld>
     <p:spTree>
@@ -31754,7 +29382,7 @@
           <p:cNvPr id="4" name="Title 3">
             <a:extLst>
               <a:ext uri="{FF2B5EF4-FFF2-40B4-BE49-F238E27FC236}">
-                <a16:creationId xmlns:a16="http://schemas.microsoft.com/office/drawing/2014/main" id="{96BEB1A8-C9D3-4723-A64F-42E02E22325A}"/>
+                <a16:creationId xmlns:a16="http://schemas.microsoft.com/office/drawing/2014/main" id="{645B76E8-EDF1-4BBF-A073-4675DBA6C45F}"/>
               </a:ext>
             </a:extLst>
           </p:cNvPr>
@@ -31772,17 +29400,587 @@
           <a:p>
             <a:r>
               <a:rPr lang="en-US" dirty="0"/>
-              <a:t>Demo</a:t>
+              <a:t>Let’s use these features to start our first container…</a:t>
+            </a:r>
+          </a:p>
+        </p:txBody>
+      </p:sp>
+      <p:sp>
+        <p:nvSpPr>
+          <p:cNvPr id="5" name="Rectangle: Rounded Corners 4">
+            <a:extLst>
+              <a:ext uri="{FF2B5EF4-FFF2-40B4-BE49-F238E27FC236}">
+                <a16:creationId xmlns:a16="http://schemas.microsoft.com/office/drawing/2014/main" id="{1A09AC9B-F654-4AFC-A240-22685298511B}"/>
+              </a:ext>
+            </a:extLst>
+          </p:cNvPr>
+          <p:cNvSpPr/>
+          <p:nvPr/>
+        </p:nvSpPr>
+        <p:spPr bwMode="gray">
+          <a:xfrm>
+            <a:off x="596245" y="2015340"/>
+            <a:ext cx="11001988" cy="380726"/>
+          </a:xfrm>
+          <a:prstGeom prst="roundRect">
+            <a:avLst>
+              <a:gd name="adj" fmla="val 8296"/>
+            </a:avLst>
+          </a:prstGeom>
+          <a:pattFill prst="narHorz">
+            <a:fgClr>
+              <a:schemeClr val="tx1"/>
+            </a:fgClr>
+            <a:bgClr>
+              <a:srgbClr val="112806"/>
+            </a:bgClr>
+          </a:pattFill>
+          <a:ln w="6350" algn="ctr">
+            <a:noFill/>
+            <a:miter lim="800000"/>
+            <a:headEnd/>
+            <a:tailEnd/>
+          </a:ln>
+        </p:spPr>
+        <p:txBody>
+          <a:bodyPr lIns="90000" tIns="72000" rIns="90000" bIns="72000" rtlCol="0" anchor="ctr"/>
+          <a:lstStyle/>
+          <a:p>
+            <a:pPr marL="179387" lvl="2" indent="0">
+              <a:buNone/>
+            </a:pPr>
+            <a:r>
+              <a:rPr lang="en-US" sz="1200" b="1" dirty="0">
+                <a:solidFill>
+                  <a:schemeClr val="bg1"/>
+                </a:solidFill>
+                <a:latin typeface="Courier New" panose="02070309020205020404" pitchFamily="49" charset="0"/>
+                <a:cs typeface="Courier New" panose="02070309020205020404" pitchFamily="49" charset="0"/>
+              </a:rPr>
+              <a:t># </a:t>
+            </a:r>
+            <a:r>
+              <a:rPr lang="en-US" sz="1200" b="1" dirty="0" err="1">
+                <a:solidFill>
+                  <a:schemeClr val="accent1">
+                    <a:lumMod val="20000"/>
+                    <a:lumOff val="80000"/>
+                  </a:schemeClr>
+                </a:solidFill>
+                <a:latin typeface="Courier New" panose="02070309020205020404" pitchFamily="49" charset="0"/>
+                <a:cs typeface="Courier New" panose="02070309020205020404" pitchFamily="49" charset="0"/>
+              </a:rPr>
+              <a:t>cgexec</a:t>
+            </a:r>
+            <a:r>
+              <a:rPr lang="en-US" sz="1200" b="1" dirty="0">
+                <a:solidFill>
+                  <a:schemeClr val="accent1">
+                    <a:lumMod val="20000"/>
+                    <a:lumOff val="80000"/>
+                  </a:schemeClr>
+                </a:solidFill>
+                <a:latin typeface="Courier New" panose="02070309020205020404" pitchFamily="49" charset="0"/>
+                <a:cs typeface="Courier New" panose="02070309020205020404" pitchFamily="49" charset="0"/>
+              </a:rPr>
+              <a:t> –r </a:t>
+            </a:r>
+            <a:r>
+              <a:rPr lang="en-US" sz="1200" b="1" dirty="0" err="1">
+                <a:solidFill>
+                  <a:schemeClr val="accent1">
+                    <a:lumMod val="20000"/>
+                    <a:lumOff val="80000"/>
+                  </a:schemeClr>
+                </a:solidFill>
+                <a:latin typeface="Courier New" panose="02070309020205020404" pitchFamily="49" charset="0"/>
+                <a:cs typeface="Courier New" panose="02070309020205020404" pitchFamily="49" charset="0"/>
+              </a:rPr>
+              <a:t>cpu,memory,pids</a:t>
+            </a:r>
+            <a:r>
+              <a:rPr lang="en-US" sz="1200" b="1" dirty="0">
+                <a:solidFill>
+                  <a:schemeClr val="accent1">
+                    <a:lumMod val="20000"/>
+                    <a:lumOff val="80000"/>
+                  </a:schemeClr>
+                </a:solidFill>
+                <a:latin typeface="Courier New" panose="02070309020205020404" pitchFamily="49" charset="0"/>
+                <a:cs typeface="Courier New" panose="02070309020205020404" pitchFamily="49" charset="0"/>
+              </a:rPr>
+              <a:t>:/container </a:t>
+            </a:r>
+            <a:r>
+              <a:rPr lang="en-US" sz="1200" b="1" dirty="0" err="1">
+                <a:solidFill>
+                  <a:schemeClr val="accent3">
+                    <a:lumMod val="20000"/>
+                    <a:lumOff val="80000"/>
+                  </a:schemeClr>
+                </a:solidFill>
+                <a:latin typeface="Courier New" panose="02070309020205020404" pitchFamily="49" charset="0"/>
+                <a:cs typeface="Courier New" panose="02070309020205020404" pitchFamily="49" charset="0"/>
+              </a:rPr>
+              <a:t>unshare</a:t>
+            </a:r>
+            <a:r>
+              <a:rPr lang="en-US" sz="1200" b="1" dirty="0">
+                <a:solidFill>
+                  <a:schemeClr val="accent3">
+                    <a:lumMod val="20000"/>
+                    <a:lumOff val="80000"/>
+                  </a:schemeClr>
+                </a:solidFill>
+                <a:latin typeface="Courier New" panose="02070309020205020404" pitchFamily="49" charset="0"/>
+                <a:cs typeface="Courier New" panose="02070309020205020404" pitchFamily="49" charset="0"/>
+              </a:rPr>
+              <a:t> --</a:t>
+            </a:r>
+            <a:r>
+              <a:rPr lang="en-US" sz="1200" b="1" dirty="0" err="1">
+                <a:solidFill>
+                  <a:schemeClr val="accent3">
+                    <a:lumMod val="20000"/>
+                    <a:lumOff val="80000"/>
+                  </a:schemeClr>
+                </a:solidFill>
+                <a:latin typeface="Courier New" panose="02070309020205020404" pitchFamily="49" charset="0"/>
+                <a:cs typeface="Courier New" panose="02070309020205020404" pitchFamily="49" charset="0"/>
+              </a:rPr>
+              <a:t>pid</a:t>
+            </a:r>
+            <a:r>
+              <a:rPr lang="en-US" sz="1200" b="1" dirty="0">
+                <a:solidFill>
+                  <a:schemeClr val="accent3">
+                    <a:lumMod val="20000"/>
+                    <a:lumOff val="80000"/>
+                  </a:schemeClr>
+                </a:solidFill>
+                <a:latin typeface="Courier New" panose="02070309020205020404" pitchFamily="49" charset="0"/>
+                <a:cs typeface="Courier New" panose="02070309020205020404" pitchFamily="49" charset="0"/>
+              </a:rPr>
+              <a:t> --</a:t>
+            </a:r>
+            <a:r>
+              <a:rPr lang="en-US" sz="1200" b="1" dirty="0" err="1">
+                <a:solidFill>
+                  <a:schemeClr val="accent3">
+                    <a:lumMod val="20000"/>
+                    <a:lumOff val="80000"/>
+                  </a:schemeClr>
+                </a:solidFill>
+                <a:latin typeface="Courier New" panose="02070309020205020404" pitchFamily="49" charset="0"/>
+                <a:cs typeface="Courier New" panose="02070309020205020404" pitchFamily="49" charset="0"/>
+              </a:rPr>
+              <a:t>uts</a:t>
+            </a:r>
+            <a:r>
+              <a:rPr lang="en-US" sz="1200" b="1" dirty="0">
+                <a:solidFill>
+                  <a:schemeClr val="accent3">
+                    <a:lumMod val="20000"/>
+                    <a:lumOff val="80000"/>
+                  </a:schemeClr>
+                </a:solidFill>
+                <a:latin typeface="Courier New" panose="02070309020205020404" pitchFamily="49" charset="0"/>
+                <a:cs typeface="Courier New" panose="02070309020205020404" pitchFamily="49" charset="0"/>
+              </a:rPr>
+              <a:t> --mount --user --fork </a:t>
+            </a:r>
+            <a:r>
+              <a:rPr lang="en-US" sz="1200" b="1" dirty="0">
+                <a:solidFill>
+                  <a:schemeClr val="accent5">
+                    <a:lumMod val="20000"/>
+                    <a:lumOff val="80000"/>
+                  </a:schemeClr>
+                </a:solidFill>
+                <a:latin typeface="Courier New" panose="02070309020205020404" pitchFamily="49" charset="0"/>
+                <a:cs typeface="Courier New" panose="02070309020205020404" pitchFamily="49" charset="0"/>
+              </a:rPr>
+              <a:t>chroot container</a:t>
+            </a:r>
+          </a:p>
+        </p:txBody>
+      </p:sp>
+      <p:sp>
+        <p:nvSpPr>
+          <p:cNvPr id="6" name="Speech Bubble: Rectangle 5">
+            <a:extLst>
+              <a:ext uri="{FF2B5EF4-FFF2-40B4-BE49-F238E27FC236}">
+                <a16:creationId xmlns:a16="http://schemas.microsoft.com/office/drawing/2014/main" id="{C746B67D-41C0-46C3-A8B9-8DC95EF8CDD1}"/>
+              </a:ext>
+            </a:extLst>
+          </p:cNvPr>
+          <p:cNvSpPr/>
+          <p:nvPr/>
+        </p:nvSpPr>
+        <p:spPr bwMode="gray">
+          <a:xfrm>
+            <a:off x="795867" y="3022600"/>
+            <a:ext cx="2345267" cy="829733"/>
+          </a:xfrm>
+          <a:prstGeom prst="wedgeRectCallout">
+            <a:avLst>
+              <a:gd name="adj1" fmla="val -4098"/>
+              <a:gd name="adj2" fmla="val -118895"/>
+            </a:avLst>
+          </a:prstGeom>
+          <a:solidFill>
+            <a:schemeClr val="accent1"/>
+          </a:solidFill>
+          <a:ln w="6350" algn="ctr">
+            <a:solidFill>
+              <a:schemeClr val="tx1"/>
+            </a:solidFill>
+            <a:miter lim="800000"/>
+            <a:headEnd/>
+            <a:tailEnd/>
+          </a:ln>
+        </p:spPr>
+        <p:txBody>
+          <a:bodyPr lIns="90000" tIns="72000" rIns="90000" bIns="72000" rtlCol="0" anchor="ctr"/>
+          <a:lstStyle/>
+          <a:p>
+            <a:pPr marR="0" algn="ctr" defTabSz="914400" eaLnBrk="1" fontAlgn="base" latinLnBrk="0" hangingPunct="1">
+              <a:lnSpc>
+                <a:spcPct val="100000"/>
+              </a:lnSpc>
+              <a:spcBef>
+                <a:spcPct val="50000"/>
+              </a:spcBef>
+              <a:spcAft>
+                <a:spcPct val="0"/>
+              </a:spcAft>
+              <a:buClr>
+                <a:srgbClr val="F0AB00"/>
+              </a:buClr>
+              <a:buSzPct val="80000"/>
+              <a:tabLst/>
+            </a:pPr>
+            <a:r>
+              <a:rPr lang="en-US" sz="1800" b="1" kern="0" dirty="0">
+                <a:ea typeface="Arial Unicode MS" pitchFamily="34" charset="-128"/>
+                <a:cs typeface="Arial Unicode MS" pitchFamily="34" charset="-128"/>
+              </a:rPr>
+              <a:t>cgroups</a:t>
+            </a:r>
+            <a:br>
+              <a:rPr lang="en-US" sz="1800" kern="0" dirty="0">
+                <a:ea typeface="Arial Unicode MS" pitchFamily="34" charset="-128"/>
+                <a:cs typeface="Arial Unicode MS" pitchFamily="34" charset="-128"/>
+              </a:rPr>
+            </a:br>
+            <a:r>
+              <a:rPr kumimoji="0" lang="en-US" sz="1600" b="0" i="1" u="none" strike="noStrike" kern="0" cap="none" spc="0" normalizeH="0" baseline="0" noProof="0" dirty="0">
+                <a:ln>
+                  <a:noFill/>
+                </a:ln>
+                <a:effectLst/>
+                <a:uLnTx/>
+                <a:uFillTx/>
+                <a:ea typeface="Arial Unicode MS" pitchFamily="34" charset="-128"/>
+                <a:cs typeface="Arial Unicode MS" pitchFamily="34" charset="-128"/>
+              </a:rPr>
+              <a:t>resource limitation</a:t>
+            </a:r>
+            <a:endParaRPr kumimoji="0" lang="en-US" sz="1800" b="0" i="1" u="none" strike="noStrike" kern="0" cap="none" spc="0" normalizeH="0" baseline="0" noProof="0" dirty="0">
+              <a:ln>
+                <a:noFill/>
+              </a:ln>
+              <a:effectLst/>
+              <a:uLnTx/>
+              <a:uFillTx/>
+              <a:ea typeface="Arial Unicode MS" pitchFamily="34" charset="-128"/>
+              <a:cs typeface="Arial Unicode MS" pitchFamily="34" charset="-128"/>
+            </a:endParaRPr>
+          </a:p>
+        </p:txBody>
+      </p:sp>
+      <p:sp>
+        <p:nvSpPr>
+          <p:cNvPr id="8" name="Speech Bubble: Rectangle 7">
+            <a:extLst>
+              <a:ext uri="{FF2B5EF4-FFF2-40B4-BE49-F238E27FC236}">
+                <a16:creationId xmlns:a16="http://schemas.microsoft.com/office/drawing/2014/main" id="{E20196A0-740B-486C-AE67-960A26C65EE5}"/>
+              </a:ext>
+            </a:extLst>
+          </p:cNvPr>
+          <p:cNvSpPr/>
+          <p:nvPr/>
+        </p:nvSpPr>
+        <p:spPr bwMode="gray">
+          <a:xfrm>
+            <a:off x="4267200" y="3952940"/>
+            <a:ext cx="2345267" cy="829733"/>
+          </a:xfrm>
+          <a:prstGeom prst="wedgeRectCallout">
+            <a:avLst>
+              <a:gd name="adj1" fmla="val 3123"/>
+              <a:gd name="adj2" fmla="val -230119"/>
+            </a:avLst>
+          </a:prstGeom>
+          <a:solidFill>
+            <a:schemeClr val="accent3">
+              <a:lumMod val="50000"/>
+            </a:schemeClr>
+          </a:solidFill>
+          <a:ln w="6350" algn="ctr">
+            <a:solidFill>
+              <a:schemeClr val="tx1"/>
+            </a:solidFill>
+            <a:miter lim="800000"/>
+            <a:headEnd/>
+            <a:tailEnd/>
+          </a:ln>
+        </p:spPr>
+        <p:txBody>
+          <a:bodyPr lIns="90000" tIns="72000" rIns="90000" bIns="72000" rtlCol="0" anchor="ctr"/>
+          <a:lstStyle/>
+          <a:p>
+            <a:pPr marR="0" algn="ctr" defTabSz="914400" eaLnBrk="1" fontAlgn="base" latinLnBrk="0" hangingPunct="1">
+              <a:lnSpc>
+                <a:spcPct val="100000"/>
+              </a:lnSpc>
+              <a:spcBef>
+                <a:spcPct val="50000"/>
+              </a:spcBef>
+              <a:spcAft>
+                <a:spcPct val="0"/>
+              </a:spcAft>
+              <a:buClr>
+                <a:srgbClr val="F0AB00"/>
+              </a:buClr>
+              <a:buSzPct val="80000"/>
+              <a:tabLst/>
+            </a:pPr>
+            <a:r>
+              <a:rPr lang="en-US" sz="1800" b="1" kern="0" dirty="0">
+                <a:solidFill>
+                  <a:schemeClr val="bg1"/>
+                </a:solidFill>
+                <a:ea typeface="Arial Unicode MS" pitchFamily="34" charset="-128"/>
+                <a:cs typeface="Arial Unicode MS" pitchFamily="34" charset="-128"/>
+              </a:rPr>
+              <a:t>namespaces</a:t>
+            </a:r>
+            <a:br>
+              <a:rPr lang="en-US" sz="1800" kern="0" dirty="0">
+                <a:solidFill>
+                  <a:schemeClr val="bg1"/>
+                </a:solidFill>
+                <a:ea typeface="Arial Unicode MS" pitchFamily="34" charset="-128"/>
+                <a:cs typeface="Arial Unicode MS" pitchFamily="34" charset="-128"/>
+              </a:rPr>
+            </a:br>
+            <a:r>
+              <a:rPr kumimoji="0" lang="en-US" sz="1600" i="1" u="none" strike="noStrike" kern="0" cap="none" spc="0" normalizeH="0" baseline="0" noProof="0" dirty="0">
+                <a:ln>
+                  <a:noFill/>
+                </a:ln>
+                <a:solidFill>
+                  <a:schemeClr val="bg1"/>
+                </a:solidFill>
+                <a:effectLst/>
+                <a:uLnTx/>
+                <a:uFillTx/>
+                <a:ea typeface="Arial Unicode MS" pitchFamily="34" charset="-128"/>
+                <a:cs typeface="Arial Unicode MS" pitchFamily="34" charset="-128"/>
+              </a:rPr>
+              <a:t>process isolation</a:t>
+            </a:r>
+            <a:endParaRPr kumimoji="0" lang="en-US" sz="1800" i="1" u="none" strike="noStrike" kern="0" cap="none" spc="0" normalizeH="0" baseline="0" noProof="0" dirty="0">
+              <a:ln>
+                <a:noFill/>
+              </a:ln>
+              <a:solidFill>
+                <a:schemeClr val="bg1"/>
+              </a:solidFill>
+              <a:effectLst/>
+              <a:uLnTx/>
+              <a:uFillTx/>
+              <a:ea typeface="Arial Unicode MS" pitchFamily="34" charset="-128"/>
+              <a:cs typeface="Arial Unicode MS" pitchFamily="34" charset="-128"/>
+            </a:endParaRPr>
+          </a:p>
+        </p:txBody>
+      </p:sp>
+      <p:sp>
+        <p:nvSpPr>
+          <p:cNvPr id="10" name="Speech Bubble: Rectangle 9">
+            <a:extLst>
+              <a:ext uri="{FF2B5EF4-FFF2-40B4-BE49-F238E27FC236}">
+                <a16:creationId xmlns:a16="http://schemas.microsoft.com/office/drawing/2014/main" id="{C424A9AD-2AA7-4E2A-8798-4805DFD1603A}"/>
+              </a:ext>
+            </a:extLst>
+          </p:cNvPr>
+          <p:cNvSpPr/>
+          <p:nvPr/>
+        </p:nvSpPr>
+        <p:spPr bwMode="gray">
+          <a:xfrm>
+            <a:off x="7899400" y="3437466"/>
+            <a:ext cx="2345267" cy="829733"/>
+          </a:xfrm>
+          <a:prstGeom prst="wedgeRectCallout">
+            <a:avLst>
+              <a:gd name="adj1" fmla="val -17454"/>
+              <a:gd name="adj2" fmla="val -168895"/>
+            </a:avLst>
+          </a:prstGeom>
+          <a:solidFill>
+            <a:schemeClr val="accent5">
+              <a:lumMod val="75000"/>
+            </a:schemeClr>
+          </a:solidFill>
+          <a:ln w="6350" algn="ctr">
+            <a:solidFill>
+              <a:schemeClr val="tx1"/>
+            </a:solidFill>
+            <a:miter lim="800000"/>
+            <a:headEnd/>
+            <a:tailEnd/>
+          </a:ln>
+        </p:spPr>
+        <p:txBody>
+          <a:bodyPr lIns="90000" tIns="72000" rIns="90000" bIns="72000" rtlCol="0" anchor="ctr"/>
+          <a:lstStyle/>
+          <a:p>
+            <a:pPr marR="0" algn="ctr" defTabSz="914400" eaLnBrk="1" fontAlgn="base" latinLnBrk="0" hangingPunct="1">
+              <a:lnSpc>
+                <a:spcPct val="100000"/>
+              </a:lnSpc>
+              <a:spcBef>
+                <a:spcPct val="50000"/>
+              </a:spcBef>
+              <a:spcAft>
+                <a:spcPct val="0"/>
+              </a:spcAft>
+              <a:buClr>
+                <a:srgbClr val="F0AB00"/>
+              </a:buClr>
+              <a:buSzPct val="80000"/>
+              <a:tabLst/>
+            </a:pPr>
+            <a:r>
+              <a:rPr lang="en-US" sz="1800" b="1" kern="0" dirty="0">
+                <a:solidFill>
+                  <a:schemeClr val="bg1"/>
+                </a:solidFill>
+                <a:ea typeface="Arial Unicode MS" pitchFamily="34" charset="-128"/>
+                <a:cs typeface="Arial Unicode MS" pitchFamily="34" charset="-128"/>
+              </a:rPr>
+              <a:t>chroot</a:t>
+            </a:r>
+            <a:br>
+              <a:rPr lang="en-US" sz="1800" kern="0" dirty="0">
+                <a:solidFill>
+                  <a:schemeClr val="bg1"/>
+                </a:solidFill>
+                <a:ea typeface="Arial Unicode MS" pitchFamily="34" charset="-128"/>
+                <a:cs typeface="Arial Unicode MS" pitchFamily="34" charset="-128"/>
+              </a:rPr>
+            </a:br>
+            <a:r>
+              <a:rPr kumimoji="0" lang="en-US" sz="1600" i="1" u="none" strike="noStrike" kern="0" cap="none" spc="0" normalizeH="0" baseline="0" noProof="0" dirty="0">
+                <a:ln>
+                  <a:noFill/>
+                </a:ln>
+                <a:solidFill>
+                  <a:schemeClr val="bg1"/>
+                </a:solidFill>
+                <a:effectLst/>
+                <a:uLnTx/>
+                <a:uFillTx/>
+                <a:ea typeface="Arial Unicode MS" pitchFamily="34" charset="-128"/>
+                <a:cs typeface="Arial Unicode MS" pitchFamily="34" charset="-128"/>
+              </a:rPr>
+              <a:t>filesystem isolation</a:t>
+            </a:r>
+            <a:endParaRPr kumimoji="0" lang="en-US" sz="1800" i="1" u="none" strike="noStrike" kern="0" cap="none" spc="0" normalizeH="0" baseline="0" noProof="0" dirty="0">
+              <a:ln>
+                <a:noFill/>
+              </a:ln>
+              <a:solidFill>
+                <a:schemeClr val="bg1"/>
+              </a:solidFill>
+              <a:effectLst/>
+              <a:uLnTx/>
+              <a:uFillTx/>
+              <a:ea typeface="Arial Unicode MS" pitchFamily="34" charset="-128"/>
+              <a:cs typeface="Arial Unicode MS" pitchFamily="34" charset="-128"/>
+            </a:endParaRPr>
+          </a:p>
+        </p:txBody>
+      </p:sp>
+    </p:spTree>
+    <p:extLst>
+      <p:ext uri="{BB962C8B-B14F-4D97-AF65-F5344CB8AC3E}">
+        <p14:creationId xmlns:p14="http://schemas.microsoft.com/office/powerpoint/2010/main" val="2934415875"/>
+      </p:ext>
+    </p:extLst>
+  </p:cSld>
+  <p:clrMapOvr>
+    <a:masterClrMapping/>
+  </p:clrMapOvr>
+</p:sld>
+</file>
+
+<file path=ppt/slides/slide9.xml><?xml version="1.0" encoding="utf-8"?>
+<p:sld xmlns:a="http://schemas.openxmlformats.org/drawingml/2006/main" xmlns:r="http://schemas.openxmlformats.org/officeDocument/2006/relationships" xmlns:p="http://schemas.openxmlformats.org/presentationml/2006/main">
+  <p:cSld>
+    <p:spTree>
+      <p:nvGrpSpPr>
+        <p:cNvPr id="1" name=""/>
+        <p:cNvGrpSpPr/>
+        <p:nvPr/>
+      </p:nvGrpSpPr>
+      <p:grpSpPr>
+        <a:xfrm>
+          <a:off x="0" y="0"/>
+          <a:ext cx="0" cy="0"/>
+          <a:chOff x="0" y="0"/>
+          <a:chExt cx="0" cy="0"/>
+        </a:xfrm>
+      </p:grpSpPr>
+      <p:sp>
+        <p:nvSpPr>
+          <p:cNvPr id="17" name="Text Placeholder 16"/>
+          <p:cNvSpPr>
+            <a:spLocks noGrp="1"/>
+          </p:cNvSpPr>
+          <p:nvPr>
+            <p:ph type="body" sz="quarter" idx="14"/>
+          </p:nvPr>
+        </p:nvSpPr>
+        <p:spPr/>
+        <p:txBody>
+          <a:bodyPr anchor="ctr"/>
+          <a:lstStyle/>
+          <a:p>
+            <a:r>
+              <a:rPr lang="en-US" dirty="0"/>
+              <a:t>Containers </a:t>
+            </a:r>
+            <a:r>
+              <a:rPr lang="en-US" dirty="0">
+                <a:solidFill>
+                  <a:schemeClr val="accent1"/>
+                </a:solidFill>
+              </a:rPr>
+              <a:t>made easy</a:t>
             </a:r>
           </a:p>
         </p:txBody>
       </p:sp>
       <p:pic>
         <p:nvPicPr>
-          <p:cNvPr id="6" name="Picture 5">
+          <p:cNvPr id="4" name="Picture 3">
             <a:extLst>
               <a:ext uri="{FF2B5EF4-FFF2-40B4-BE49-F238E27FC236}">
-                <a16:creationId xmlns:a16="http://schemas.microsoft.com/office/drawing/2014/main" id="{8D1ACC5F-52FE-4C32-9E61-49F09FCEB59D}"/>
+                <a16:creationId xmlns:a16="http://schemas.microsoft.com/office/drawing/2014/main" id="{2E8C9C42-BC03-468E-B04E-6BE203085308}"/>
               </a:ext>
             </a:extLst>
           </p:cNvPr>
@@ -31799,8 +29997,8 @@
         </p:blipFill>
         <p:spPr>
           <a:xfrm>
-            <a:off x="4521420" y="1853181"/>
-            <a:ext cx="3151638" cy="3151638"/>
+            <a:off x="6978451" y="1609832"/>
+            <a:ext cx="4262244" cy="3190166"/>
           </a:xfrm>
           <a:prstGeom prst="rect">
             <a:avLst/>
@@ -31810,7 +30008,7 @@
     </p:spTree>
     <p:extLst>
       <p:ext uri="{BB962C8B-B14F-4D97-AF65-F5344CB8AC3E}">
-        <p14:creationId xmlns:p14="http://schemas.microsoft.com/office/powerpoint/2010/main" val="124336596"/>
+        <p14:creationId xmlns:p14="http://schemas.microsoft.com/office/powerpoint/2010/main" val="331263750"/>
       </p:ext>
     </p:extLst>
   </p:cSld>

--- a/docker/02_Members_of_docker_universe.pptx
+++ b/docker/02_Members_of_docker_universe.pptx
@@ -5,29 +5,35 @@
     <p:sldMasterId id="2147483733" r:id="rId1"/>
   </p:sldMasterIdLst>
   <p:notesMasterIdLst>
-    <p:notesMasterId r:id="rId19"/>
+    <p:notesMasterId r:id="rId25"/>
   </p:notesMasterIdLst>
   <p:handoutMasterIdLst>
-    <p:handoutMasterId r:id="rId20"/>
+    <p:handoutMasterId r:id="rId26"/>
   </p:handoutMasterIdLst>
   <p:sldIdLst>
     <p:sldId id="434" r:id="rId2"/>
     <p:sldId id="437" r:id="rId3"/>
     <p:sldId id="444" r:id="rId4"/>
     <p:sldId id="449" r:id="rId5"/>
-    <p:sldId id="450" r:id="rId6"/>
-    <p:sldId id="451" r:id="rId7"/>
-    <p:sldId id="455" r:id="rId8"/>
-    <p:sldId id="452" r:id="rId9"/>
-    <p:sldId id="454" r:id="rId10"/>
-    <p:sldId id="453" r:id="rId11"/>
-    <p:sldId id="382" r:id="rId12"/>
-    <p:sldId id="438" r:id="rId13"/>
-    <p:sldId id="440" r:id="rId14"/>
-    <p:sldId id="456" r:id="rId15"/>
-    <p:sldId id="457" r:id="rId16"/>
-    <p:sldId id="448" r:id="rId17"/>
-    <p:sldId id="265" r:id="rId18"/>
+    <p:sldId id="458" r:id="rId6"/>
+    <p:sldId id="450" r:id="rId7"/>
+    <p:sldId id="460" r:id="rId8"/>
+    <p:sldId id="451" r:id="rId9"/>
+    <p:sldId id="461" r:id="rId10"/>
+    <p:sldId id="455" r:id="rId11"/>
+    <p:sldId id="462" r:id="rId12"/>
+    <p:sldId id="452" r:id="rId13"/>
+    <p:sldId id="459" r:id="rId14"/>
+    <p:sldId id="454" r:id="rId15"/>
+    <p:sldId id="453" r:id="rId16"/>
+    <p:sldId id="382" r:id="rId17"/>
+    <p:sldId id="438" r:id="rId18"/>
+    <p:sldId id="440" r:id="rId19"/>
+    <p:sldId id="456" r:id="rId20"/>
+    <p:sldId id="457" r:id="rId21"/>
+    <p:sldId id="448" r:id="rId22"/>
+    <p:sldId id="463" r:id="rId23"/>
+    <p:sldId id="265" r:id="rId24"/>
   </p:sldIdLst>
   <p:sldSz cx="12195175" cy="6858000"/>
   <p:notesSz cx="6858000" cy="9144000"/>
@@ -716,142 +722,61 @@
           <a:lstStyle/>
           <a:p>
             <a:r>
-              <a:rPr lang="de-DE" dirty="0" err="1"/>
-              <a:t>You</a:t>
-            </a:r>
-            <a:r>
-              <a:rPr lang="de-DE" dirty="0"/>
-              <a:t> </a:t>
-            </a:r>
-            <a:r>
-              <a:rPr lang="de-DE" dirty="0" err="1"/>
-              <a:t>actually</a:t>
-            </a:r>
-            <a:r>
-              <a:rPr lang="de-DE" dirty="0"/>
-              <a:t> </a:t>
-            </a:r>
-            <a:r>
-              <a:rPr lang="de-DE" dirty="0" err="1"/>
-              <a:t>specify</a:t>
-            </a:r>
-            <a:r>
-              <a:rPr lang="de-DE" dirty="0"/>
-              <a:t> an </a:t>
-            </a:r>
-            <a:r>
-              <a:rPr lang="de-DE" dirty="0" err="1"/>
-              <a:t>image</a:t>
-            </a:r>
-            <a:r>
-              <a:rPr lang="de-DE" dirty="0"/>
-              <a:t> </a:t>
-            </a:r>
-            <a:r>
-              <a:rPr lang="de-DE" dirty="0" err="1"/>
-              <a:t>name</a:t>
-            </a:r>
-            <a:r>
-              <a:rPr lang="de-DE" dirty="0"/>
-              <a:t> </a:t>
-            </a:r>
-            <a:r>
-              <a:rPr lang="de-DE" dirty="0" err="1"/>
-              <a:t>as</a:t>
-            </a:r>
-            <a:r>
-              <a:rPr lang="de-DE" dirty="0"/>
-              <a:t> </a:t>
-            </a:r>
-            <a:r>
-              <a:rPr lang="de-DE" dirty="0" err="1"/>
-              <a:t>argument</a:t>
-            </a:r>
-            <a:r>
-              <a:rPr lang="de-DE" dirty="0"/>
-              <a:t> </a:t>
-            </a:r>
-            <a:r>
-              <a:rPr lang="de-DE" dirty="0" err="1"/>
-              <a:t>of</a:t>
-            </a:r>
-            <a:r>
-              <a:rPr lang="de-DE" dirty="0"/>
-              <a:t> </a:t>
-            </a:r>
-            <a:r>
-              <a:rPr lang="de-DE" dirty="0" err="1"/>
-              <a:t>the</a:t>
-            </a:r>
-            <a:r>
-              <a:rPr lang="de-DE" dirty="0"/>
-              <a:t> docker </a:t>
-            </a:r>
-            <a:r>
-              <a:rPr lang="de-DE" dirty="0" err="1"/>
-              <a:t>run</a:t>
-            </a:r>
-            <a:r>
-              <a:rPr lang="de-DE" dirty="0"/>
-              <a:t> but </a:t>
-            </a:r>
-            <a:r>
-              <a:rPr lang="de-DE" dirty="0" err="1"/>
-              <a:t>that</a:t>
-            </a:r>
-            <a:r>
-              <a:rPr lang="de-DE" dirty="0"/>
-              <a:t> will </a:t>
-            </a:r>
-            <a:r>
-              <a:rPr lang="de-DE" dirty="0" err="1"/>
-              <a:t>be</a:t>
-            </a:r>
-            <a:r>
-              <a:rPr lang="de-DE" dirty="0"/>
-              <a:t> </a:t>
-            </a:r>
-            <a:r>
-              <a:rPr lang="de-DE" dirty="0" err="1"/>
-              <a:t>explained</a:t>
-            </a:r>
-            <a:r>
-              <a:rPr lang="de-DE" dirty="0"/>
-              <a:t> in </a:t>
-            </a:r>
-            <a:r>
-              <a:rPr lang="de-DE" dirty="0" err="1"/>
-              <a:t>the</a:t>
-            </a:r>
-            <a:r>
-              <a:rPr lang="de-DE" dirty="0"/>
-              <a:t> </a:t>
-            </a:r>
-            <a:r>
-              <a:rPr lang="de-DE" dirty="0" err="1"/>
-              <a:t>next</a:t>
-            </a:r>
-            <a:r>
-              <a:rPr lang="de-DE" dirty="0"/>
-              <a:t> </a:t>
-            </a:r>
-            <a:r>
-              <a:rPr lang="de-DE" dirty="0" err="1"/>
-              <a:t>few</a:t>
-            </a:r>
-            <a:r>
-              <a:rPr lang="de-DE" dirty="0"/>
-              <a:t> </a:t>
-            </a:r>
-            <a:r>
-              <a:rPr lang="de-DE" dirty="0" err="1"/>
-              <a:t>slides</a:t>
-            </a:r>
-            <a:r>
-              <a:rPr lang="de-DE" dirty="0"/>
-              <a:t>.</a:t>
-            </a:r>
-            <a:endParaRPr lang="en-US" dirty="0"/>
+              <a:rPr lang="en-US" dirty="0"/>
+              <a:t>An application will eventually (after doing tons of nested library calls) call the operating system to do things - like reading or writing to files or sending data across the network. Talking to the operating system is done through system calls or </a:t>
+            </a:r>
+            <a:r>
+              <a:rPr lang="en-US" dirty="0" err="1"/>
+              <a:t>syscalls</a:t>
+            </a:r>
+            <a:r>
+              <a:rPr lang="en-US" dirty="0"/>
+              <a:t>. </a:t>
+            </a:r>
+            <a:r>
+              <a:rPr lang="en-US" dirty="0" err="1"/>
+              <a:t>Syscalls</a:t>
+            </a:r>
+            <a:r>
+              <a:rPr lang="en-US" dirty="0"/>
+              <a:t> are the interface between user space (where your application runs in) and kernel space (where the operating system does its job) and there are around 340 of them (</a:t>
+            </a:r>
+            <a:r>
+              <a:rPr lang="en-US" dirty="0" err="1"/>
+              <a:t>syscalls</a:t>
+            </a:r>
+            <a:r>
+              <a:rPr lang="en-US" dirty="0"/>
+              <a:t>).</a:t>
+            </a:r>
+          </a:p>
+          <a:p>
+            <a:r>
+              <a:rPr lang="en-US" dirty="0"/>
+              <a:t>While most system calls are necessary for programs to do their job (e.g. a program cannot even be loaded into memory without the “</a:t>
+            </a:r>
+            <a:r>
+              <a:rPr lang="en-US" dirty="0" err="1"/>
+              <a:t>execve</a:t>
+            </a:r>
+            <a:r>
+              <a:rPr lang="en-US" dirty="0"/>
+              <a:t>” system call) some are potentially dangerous and would allow a process to break free from its container or to cause harm to other containers (such as the reboot system call which would reboot the host terminating all containers on it).</a:t>
+            </a:r>
+          </a:p>
+          <a:p>
+            <a:r>
+              <a:rPr lang="en-US" dirty="0"/>
+              <a:t>With </a:t>
+            </a:r>
+            <a:r>
+              <a:rPr lang="en-US" dirty="0" err="1"/>
+              <a:t>seccomp</a:t>
+            </a:r>
+            <a:r>
+              <a:rPr lang="en-US" dirty="0"/>
+              <a:t>, individual system calls can be blocked to reduce the security risk which is commonly done in container environments (Docker for instance blocks around 40 system calls by default).</a:t>
+            </a:r>
           </a:p>
         </p:txBody>
       </p:sp>
@@ -882,7 +807,7 @@
     </p:spTree>
     <p:extLst>
       <p:ext uri="{BB962C8B-B14F-4D97-AF65-F5344CB8AC3E}">
-        <p14:creationId xmlns:p14="http://schemas.microsoft.com/office/powerpoint/2010/main" val="638968625"/>
+        <p14:creationId xmlns:p14="http://schemas.microsoft.com/office/powerpoint/2010/main" val="1548338189"/>
       </p:ext>
     </p:extLst>
   </p:cSld>
@@ -938,8 +863,25 @@
           <a:p>
             <a:r>
               <a:rPr lang="en-US" dirty="0"/>
-              <a:t>Docker offers more than “just” running containers. It brings a complete eco-system of building, persisting and sharing containers. </a:t>
-            </a:r>
+              <a:t>Demo for </a:t>
+            </a:r>
+            <a:r>
+              <a:rPr lang="en-US" dirty="0" err="1"/>
+              <a:t>seccomp</a:t>
+            </a:r>
+            <a:r>
+              <a:rPr lang="en-US" dirty="0"/>
+              <a:t> </a:t>
+            </a:r>
+            <a:r>
+              <a:rPr lang="en-US" b="1" dirty="0"/>
+              <a:t>based on Docker </a:t>
+            </a:r>
+            <a:r>
+              <a:rPr lang="en-US" b="0" dirty="0"/>
+              <a:t>(for convenience)</a:t>
+            </a:r>
+            <a:endParaRPr lang="en-US" b="1" dirty="0"/>
           </a:p>
           <a:p>
             <a:endParaRPr lang="en-US" dirty="0"/>
@@ -947,8 +889,57 @@
           <a:p>
             <a:r>
               <a:rPr lang="en-US" dirty="0"/>
-              <a:t>The client triggers the docker host to execute actions related to container lifecycle, but also building, downloading &amp; sharing images. The Docker Registry concepts allows to store images permanently. The most famous registry is the docker hub. </a:t>
-            </a:r>
+              <a:t>Within the repo go to the container-demos folder and run </a:t>
+            </a:r>
+            <a:r>
+              <a:rPr lang="en-US" b="1" dirty="0"/>
+              <a:t>demo-05-seccomp.sh</a:t>
+            </a:r>
+          </a:p>
+          <a:p>
+            <a:endParaRPr lang="en-US" b="0" dirty="0"/>
+          </a:p>
+          <a:p>
+            <a:r>
+              <a:rPr lang="en-US" b="0" dirty="0"/>
+              <a:t>The script will demonstrate how </a:t>
+            </a:r>
+            <a:r>
+              <a:rPr lang="en-US" b="0" dirty="0" err="1"/>
+              <a:t>seccomp</a:t>
+            </a:r>
+            <a:r>
+              <a:rPr lang="en-US" b="0" dirty="0"/>
+              <a:t> profiles can be used to control access to the kernel via </a:t>
+            </a:r>
+            <a:r>
+              <a:rPr lang="en-US" b="0" dirty="0" err="1"/>
+              <a:t>syscalls</a:t>
+            </a:r>
+            <a:r>
+              <a:rPr lang="en-US" b="0" dirty="0"/>
+              <a:t>. To make things easier, this demo  is based on Docker so it might give already an impression on how Docker works.</a:t>
+            </a:r>
+          </a:p>
+          <a:p>
+            <a:endParaRPr lang="en-US" b="0" dirty="0"/>
+          </a:p>
+          <a:p>
+            <a:r>
+              <a:rPr lang="en-US" b="0" dirty="0"/>
+              <a:t>While the </a:t>
+            </a:r>
+            <a:r>
+              <a:rPr lang="en-US" b="0" dirty="0" err="1"/>
+              <a:t>syscalls</a:t>
+            </a:r>
+            <a:r>
+              <a:rPr lang="en-US" b="0" dirty="0"/>
+              <a:t> are blocked in this demo, it is worth to mention, that you can also implement trap wires to inform the underlying platform of what’s going on and potentially invoke countermeasures.</a:t>
+            </a:r>
+          </a:p>
+          <a:p>
+            <a:endParaRPr lang="en-US" b="0" dirty="0"/>
           </a:p>
         </p:txBody>
       </p:sp>
@@ -968,18 +959,18 @@
           <a:lstStyle/>
           <a:p>
             <a:fld id="{7D8C2C35-2B8A-446E-BEC0-FD36716C29AC}" type="slidenum">
-              <a:rPr lang="en-US" smtClean="0"/>
+              <a:rPr lang="de-DE" smtClean="0"/>
               <a:pPr/>
               <a:t>11</a:t>
             </a:fld>
-            <a:endParaRPr lang="en-US" dirty="0"/>
+            <a:endParaRPr lang="de-DE" dirty="0"/>
           </a:p>
         </p:txBody>
       </p:sp>
     </p:spTree>
     <p:extLst>
       <p:ext uri="{BB962C8B-B14F-4D97-AF65-F5344CB8AC3E}">
-        <p14:creationId xmlns:p14="http://schemas.microsoft.com/office/powerpoint/2010/main" val="460007210"/>
+        <p14:creationId xmlns:p14="http://schemas.microsoft.com/office/powerpoint/2010/main" val="3189606782"/>
       </p:ext>
     </p:extLst>
   </p:cSld>
@@ -1033,7 +1024,26 @@
           <a:bodyPr/>
           <a:lstStyle/>
           <a:p>
-            <a:endParaRPr lang="en-US" dirty="0"/>
+            <a:r>
+              <a:rPr lang="en-US" dirty="0"/>
+              <a:t>This commands start in fact three different processes: </a:t>
+            </a:r>
+            <a:r>
+              <a:rPr lang="en-US" dirty="0" err="1"/>
+              <a:t>cgexec</a:t>
+            </a:r>
+            <a:r>
+              <a:rPr lang="en-US" dirty="0"/>
+              <a:t>, </a:t>
+            </a:r>
+            <a:r>
+              <a:rPr lang="en-US" dirty="0" err="1"/>
+              <a:t>unshare</a:t>
+            </a:r>
+            <a:r>
+              <a:rPr lang="en-US" dirty="0"/>
+              <a:t> and chroot</a:t>
+            </a:r>
           </a:p>
         </p:txBody>
       </p:sp>
@@ -1064,7 +1074,7 @@
     </p:spTree>
     <p:extLst>
       <p:ext uri="{BB962C8B-B14F-4D97-AF65-F5344CB8AC3E}">
-        <p14:creationId xmlns:p14="http://schemas.microsoft.com/office/powerpoint/2010/main" val="2984866983"/>
+        <p14:creationId xmlns:p14="http://schemas.microsoft.com/office/powerpoint/2010/main" val="2834622086"/>
       </p:ext>
     </p:extLst>
   </p:cSld>
@@ -1118,132 +1128,7 @@
           <a:bodyPr/>
           <a:lstStyle/>
           <a:p>
-            <a:r>
-              <a:rPr lang="en-US" noProof="0" dirty="0"/>
-              <a:t>Docker is a client-server architecture. The docker command you use to interact with Docker does nothing but talk to the Docker daemon. All the magic of pinning up containers, downloading images and even building images is done inside the Docker daemon. Communication between the Docker client and the Docker daemon happens through a </a:t>
-            </a:r>
-            <a:r>
-              <a:rPr lang="en-US" noProof="0" dirty="0" err="1"/>
-              <a:t>ReST</a:t>
-            </a:r>
-            <a:r>
-              <a:rPr lang="en-US" noProof="0" dirty="0"/>
-              <a:t> API over http/https.</a:t>
-            </a:r>
-          </a:p>
-          <a:p>
-            <a:r>
-              <a:rPr lang="en-US" noProof="0" dirty="0"/>
-              <a:t>If both, docker client and docker daemon, run on the same host, communication will take place through a socket file (/</a:t>
-            </a:r>
-            <a:r>
-              <a:rPr lang="en-US" noProof="0" dirty="0" err="1"/>
-              <a:t>var</a:t>
-            </a:r>
-            <a:r>
-              <a:rPr lang="en-US" noProof="0" dirty="0"/>
-              <a:t>/run/</a:t>
-            </a:r>
-            <a:r>
-              <a:rPr lang="en-US" noProof="0" dirty="0" err="1"/>
-              <a:t>docker.sock</a:t>
-            </a:r>
-            <a:r>
-              <a:rPr lang="en-US" noProof="0" dirty="0"/>
-              <a:t>). It is however also possible to have the Docker client on your local laptop and the Docker daemon on a computer somewhere totally different. In that case, communication goes through TCP, the target port on the Docker daemon will be 2375 for unencrypted HTTP and 2376 for TLS secured HTTPS.</a:t>
-            </a:r>
-          </a:p>
-          <a:p>
-            <a:endParaRPr lang="de-DE" noProof="0" dirty="0"/>
-          </a:p>
-          <a:p>
-            <a:r>
-              <a:rPr lang="de-DE" noProof="0" dirty="0"/>
-              <a:t>N</a:t>
-            </a:r>
-            <a:r>
-              <a:rPr lang="en-US" noProof="0" dirty="0" err="1"/>
-              <a:t>ote</a:t>
-            </a:r>
-            <a:r>
-              <a:rPr lang="en-US" noProof="0" dirty="0"/>
-              <a:t>:</a:t>
-            </a:r>
-          </a:p>
-          <a:p>
-            <a:pPr lvl="1"/>
-            <a:r>
-              <a:rPr lang="en-US" noProof="0" dirty="0"/>
-              <a:t>If you want to talk to</a:t>
-            </a:r>
-            <a:r>
-              <a:rPr lang="en-US" baseline="0" noProof="0" dirty="0"/>
-              <a:t> dockerd directly, you can do so using curl (you will need curl and </a:t>
-            </a:r>
-            <a:r>
-              <a:rPr lang="en-US" baseline="0" noProof="0" dirty="0" err="1"/>
-              <a:t>libcurl</a:t>
-            </a:r>
-            <a:r>
-              <a:rPr lang="en-US" baseline="0" noProof="0" dirty="0"/>
-              <a:t> &gt;= 7.40): </a:t>
-            </a:r>
-            <a:br>
-              <a:rPr lang="en-US" baseline="0" noProof="0" dirty="0"/>
-            </a:br>
-            <a:r>
-              <a:rPr lang="en-US" baseline="0" noProof="0" dirty="0"/>
-              <a:t>   curl --</a:t>
-            </a:r>
-            <a:r>
-              <a:rPr lang="en-US" baseline="0" noProof="0" dirty="0" err="1"/>
-              <a:t>unix</a:t>
-            </a:r>
-            <a:r>
-              <a:rPr lang="en-US" baseline="0" noProof="0" dirty="0"/>
-              <a:t>-socket /</a:t>
-            </a:r>
-            <a:r>
-              <a:rPr lang="en-US" baseline="0" noProof="0" dirty="0" err="1"/>
-              <a:t>var</a:t>
-            </a:r>
-            <a:r>
-              <a:rPr lang="en-US" baseline="0" noProof="0" dirty="0"/>
-              <a:t>/run/</a:t>
-            </a:r>
-            <a:r>
-              <a:rPr lang="en-US" baseline="0" noProof="0" dirty="0" err="1"/>
-              <a:t>docker.sock</a:t>
-            </a:r>
-            <a:r>
-              <a:rPr lang="en-US" baseline="0" noProof="0" dirty="0"/>
-              <a:t> http://localhost/containers/json</a:t>
-            </a:r>
-          </a:p>
-          <a:p>
-            <a:pPr lvl="1"/>
-            <a:r>
-              <a:rPr lang="en-US" baseline="0" noProof="0" dirty="0"/>
-              <a:t>Or use your web browser if you enabled </a:t>
-            </a:r>
-            <a:r>
-              <a:rPr lang="en-US" baseline="0" noProof="0" dirty="0" err="1"/>
-              <a:t>dockerd‘s</a:t>
-            </a:r>
-            <a:r>
-              <a:rPr lang="en-US" baseline="0" noProof="0" dirty="0"/>
-              <a:t> TCP socket: </a:t>
-            </a:r>
-            <a:br>
-              <a:rPr lang="en-US" baseline="0" noProof="0" dirty="0"/>
-            </a:br>
-            <a:r>
-              <a:rPr lang="en-US" baseline="0" noProof="0" dirty="0"/>
-              <a:t>   http://&lt;hostname&gt;:2375/containers/json</a:t>
-            </a:r>
-          </a:p>
-          <a:p>
-            <a:endParaRPr lang="en-US" noProof="0" dirty="0"/>
+            <a:endParaRPr lang="en-US" dirty="0"/>
           </a:p>
         </p:txBody>
       </p:sp>
@@ -1263,18 +1148,18 @@
           <a:lstStyle/>
           <a:p>
             <a:fld id="{7D8C2C35-2B8A-446E-BEC0-FD36716C29AC}" type="slidenum">
-              <a:rPr lang="en-US" smtClean="0"/>
+              <a:rPr lang="de-DE" smtClean="0"/>
               <a:pPr/>
               <a:t>13</a:t>
             </a:fld>
-            <a:endParaRPr lang="en-US" dirty="0"/>
+            <a:endParaRPr lang="de-DE" dirty="0"/>
           </a:p>
         </p:txBody>
       </p:sp>
     </p:spTree>
     <p:extLst>
       <p:ext uri="{BB962C8B-B14F-4D97-AF65-F5344CB8AC3E}">
-        <p14:creationId xmlns:p14="http://schemas.microsoft.com/office/powerpoint/2010/main" val="1009079960"/>
+        <p14:creationId xmlns:p14="http://schemas.microsoft.com/office/powerpoint/2010/main" val="105197249"/>
       </p:ext>
     </p:extLst>
   </p:cSld>
@@ -1328,127 +1213,7 @@
           <a:bodyPr/>
           <a:lstStyle/>
           <a:p>
-            <a:r>
-              <a:rPr lang="en-US" dirty="0"/>
-              <a:t>The docker daemon works as central entry point. It receives API requests and is home of docker specific features.</a:t>
-            </a:r>
-          </a:p>
-          <a:p>
             <a:endParaRPr lang="en-US" dirty="0"/>
-          </a:p>
-          <a:p>
-            <a:r>
-              <a:rPr lang="en-US" dirty="0" err="1"/>
-              <a:t>Containerd</a:t>
-            </a:r>
-            <a:r>
-              <a:rPr lang="en-US" dirty="0"/>
-              <a:t> actually is the container runtime. It is a refactored part of the former docker engine and handles the complete lifecycle of a container. It works on the basis of the open container initiative (OCI) specifications for container runtimes. </a:t>
-            </a:r>
-            <a:r>
-              <a:rPr lang="en-US" dirty="0" err="1"/>
-              <a:t>Containerd</a:t>
-            </a:r>
-            <a:r>
-              <a:rPr lang="en-US" dirty="0"/>
-              <a:t> also depends on OCI compatible images (root file system + </a:t>
-            </a:r>
-            <a:r>
-              <a:rPr lang="en-US" dirty="0" err="1"/>
-              <a:t>container.json</a:t>
-            </a:r>
-            <a:r>
-              <a:rPr lang="en-US" dirty="0"/>
-              <a:t>)</a:t>
-            </a:r>
-          </a:p>
-          <a:p>
-            <a:endParaRPr lang="en-US" dirty="0"/>
-          </a:p>
-          <a:p>
-            <a:r>
-              <a:rPr lang="en-US" dirty="0" err="1"/>
-              <a:t>Containerd</a:t>
-            </a:r>
-            <a:r>
-              <a:rPr lang="en-US" dirty="0"/>
-              <a:t> instructs </a:t>
-            </a:r>
-            <a:r>
-              <a:rPr lang="en-US" dirty="0" err="1"/>
-              <a:t>runc</a:t>
-            </a:r>
-            <a:r>
-              <a:rPr lang="en-US" dirty="0"/>
-              <a:t> to start a container. </a:t>
-            </a:r>
-            <a:r>
-              <a:rPr lang="en-US" dirty="0" err="1"/>
-              <a:t>Runc</a:t>
-            </a:r>
-            <a:r>
-              <a:rPr lang="en-US" dirty="0"/>
-              <a:t> sets up all the </a:t>
-            </a:r>
-            <a:r>
-              <a:rPr lang="en-US" dirty="0" err="1"/>
-              <a:t>linux</a:t>
-            </a:r>
-            <a:r>
-              <a:rPr lang="en-US" dirty="0"/>
-              <a:t> magic with </a:t>
-            </a:r>
-            <a:r>
-              <a:rPr lang="en-US" dirty="0" err="1"/>
-              <a:t>cgroups</a:t>
-            </a:r>
-            <a:r>
-              <a:rPr lang="en-US" dirty="0"/>
-              <a:t> </a:t>
-            </a:r>
-            <a:r>
-              <a:rPr lang="en-US" dirty="0" err="1"/>
-              <a:t>etc</a:t>
-            </a:r>
-            <a:r>
-              <a:rPr lang="en-US" dirty="0"/>
-              <a:t> and forks the container’s PID #1. Afterwards it will exit(0) and handover parent ownership of the container to </a:t>
-            </a:r>
-            <a:r>
-              <a:rPr lang="en-US" dirty="0" err="1"/>
-              <a:t>containerd</a:t>
-            </a:r>
-            <a:r>
-              <a:rPr lang="en-US" dirty="0"/>
-              <a:t>-shim. The shim module is there to decouple the daemon and container processes.</a:t>
-            </a:r>
-          </a:p>
-          <a:p>
-            <a:endParaRPr lang="en-US" dirty="0"/>
-          </a:p>
-          <a:p>
-            <a:r>
-              <a:rPr lang="en-US" dirty="0"/>
-              <a:t>Details can be found here:</a:t>
-            </a:r>
-          </a:p>
-          <a:p>
-            <a:r>
-              <a:rPr lang="en-US" dirty="0"/>
-              <a:t>https://containerd.io/</a:t>
-            </a:r>
-          </a:p>
-          <a:p>
-            <a:r>
-              <a:rPr lang="en-US" dirty="0"/>
-              <a:t>https://www.slideshare.net/PhilEstes/diving-through-the-layers-investigating-runc-containerd-and-the-docker-engine-architecture</a:t>
-            </a:r>
-          </a:p>
-          <a:p>
-            <a:r>
-              <a:rPr lang="en-US" dirty="0"/>
-              <a:t>https://hackernoon.com/docker-containerd-standalone-runtimes-heres-what-you-should-know-b834ef155426?gi=c8140ae48de2</a:t>
-            </a:r>
           </a:p>
         </p:txBody>
       </p:sp>
@@ -1468,18 +1233,18 @@
           <a:lstStyle/>
           <a:p>
             <a:fld id="{7D8C2C35-2B8A-446E-BEC0-FD36716C29AC}" type="slidenum">
-              <a:rPr lang="de-DE" smtClean="0"/>
+              <a:rPr lang="en-US" smtClean="0"/>
               <a:pPr/>
-              <a:t>15</a:t>
+              <a:t>14</a:t>
             </a:fld>
-            <a:endParaRPr lang="de-DE" dirty="0"/>
+            <a:endParaRPr lang="en-US" dirty="0"/>
           </a:p>
         </p:txBody>
       </p:sp>
     </p:spTree>
     <p:extLst>
       <p:ext uri="{BB962C8B-B14F-4D97-AF65-F5344CB8AC3E}">
-        <p14:creationId xmlns:p14="http://schemas.microsoft.com/office/powerpoint/2010/main" val="3483686948"/>
+        <p14:creationId xmlns:p14="http://schemas.microsoft.com/office/powerpoint/2010/main" val="2415921286"/>
       </p:ext>
     </p:extLst>
   </p:cSld>
@@ -1533,6 +1298,142 @@
           <a:bodyPr/>
           <a:lstStyle/>
           <a:p>
+            <a:r>
+              <a:rPr lang="de-DE" dirty="0" err="1"/>
+              <a:t>You</a:t>
+            </a:r>
+            <a:r>
+              <a:rPr lang="de-DE" dirty="0"/>
+              <a:t> </a:t>
+            </a:r>
+            <a:r>
+              <a:rPr lang="de-DE" dirty="0" err="1"/>
+              <a:t>actually</a:t>
+            </a:r>
+            <a:r>
+              <a:rPr lang="de-DE" dirty="0"/>
+              <a:t> </a:t>
+            </a:r>
+            <a:r>
+              <a:rPr lang="de-DE" dirty="0" err="1"/>
+              <a:t>specify</a:t>
+            </a:r>
+            <a:r>
+              <a:rPr lang="de-DE" dirty="0"/>
+              <a:t> an </a:t>
+            </a:r>
+            <a:r>
+              <a:rPr lang="de-DE" dirty="0" err="1"/>
+              <a:t>image</a:t>
+            </a:r>
+            <a:r>
+              <a:rPr lang="de-DE" dirty="0"/>
+              <a:t> </a:t>
+            </a:r>
+            <a:r>
+              <a:rPr lang="de-DE" dirty="0" err="1"/>
+              <a:t>name</a:t>
+            </a:r>
+            <a:r>
+              <a:rPr lang="de-DE" dirty="0"/>
+              <a:t> </a:t>
+            </a:r>
+            <a:r>
+              <a:rPr lang="de-DE" dirty="0" err="1"/>
+              <a:t>as</a:t>
+            </a:r>
+            <a:r>
+              <a:rPr lang="de-DE" dirty="0"/>
+              <a:t> </a:t>
+            </a:r>
+            <a:r>
+              <a:rPr lang="de-DE" dirty="0" err="1"/>
+              <a:t>argument</a:t>
+            </a:r>
+            <a:r>
+              <a:rPr lang="de-DE" dirty="0"/>
+              <a:t> </a:t>
+            </a:r>
+            <a:r>
+              <a:rPr lang="de-DE" dirty="0" err="1"/>
+              <a:t>of</a:t>
+            </a:r>
+            <a:r>
+              <a:rPr lang="de-DE" dirty="0"/>
+              <a:t> </a:t>
+            </a:r>
+            <a:r>
+              <a:rPr lang="de-DE" dirty="0" err="1"/>
+              <a:t>the</a:t>
+            </a:r>
+            <a:r>
+              <a:rPr lang="de-DE" dirty="0"/>
+              <a:t> docker </a:t>
+            </a:r>
+            <a:r>
+              <a:rPr lang="de-DE" dirty="0" err="1"/>
+              <a:t>run</a:t>
+            </a:r>
+            <a:r>
+              <a:rPr lang="de-DE" dirty="0"/>
+              <a:t> but </a:t>
+            </a:r>
+            <a:r>
+              <a:rPr lang="de-DE" dirty="0" err="1"/>
+              <a:t>that</a:t>
+            </a:r>
+            <a:r>
+              <a:rPr lang="de-DE" dirty="0"/>
+              <a:t> will </a:t>
+            </a:r>
+            <a:r>
+              <a:rPr lang="de-DE" dirty="0" err="1"/>
+              <a:t>be</a:t>
+            </a:r>
+            <a:r>
+              <a:rPr lang="de-DE" dirty="0"/>
+              <a:t> </a:t>
+            </a:r>
+            <a:r>
+              <a:rPr lang="de-DE" dirty="0" err="1"/>
+              <a:t>explained</a:t>
+            </a:r>
+            <a:r>
+              <a:rPr lang="de-DE" dirty="0"/>
+              <a:t> in </a:t>
+            </a:r>
+            <a:r>
+              <a:rPr lang="de-DE" dirty="0" err="1"/>
+              <a:t>the</a:t>
+            </a:r>
+            <a:r>
+              <a:rPr lang="de-DE" dirty="0"/>
+              <a:t> </a:t>
+            </a:r>
+            <a:r>
+              <a:rPr lang="de-DE" dirty="0" err="1"/>
+              <a:t>next</a:t>
+            </a:r>
+            <a:r>
+              <a:rPr lang="de-DE" dirty="0"/>
+              <a:t> </a:t>
+            </a:r>
+            <a:r>
+              <a:rPr lang="de-DE" dirty="0" err="1"/>
+              <a:t>few</a:t>
+            </a:r>
+            <a:r>
+              <a:rPr lang="de-DE" dirty="0"/>
+              <a:t> </a:t>
+            </a:r>
+            <a:r>
+              <a:rPr lang="de-DE" dirty="0" err="1"/>
+              <a:t>slides</a:t>
+            </a:r>
+            <a:r>
+              <a:rPr lang="de-DE" dirty="0"/>
+              <a:t>.</a:t>
+            </a:r>
             <a:endParaRPr lang="en-US" dirty="0"/>
           </a:p>
         </p:txBody>
@@ -1555,7 +1456,7 @@
             <a:fld id="{7D8C2C35-2B8A-446E-BEC0-FD36716C29AC}" type="slidenum">
               <a:rPr lang="en-US" smtClean="0"/>
               <a:pPr/>
-              <a:t>16</a:t>
+              <a:t>15</a:t>
             </a:fld>
             <a:endParaRPr lang="en-US" dirty="0"/>
           </a:p>
@@ -1564,7 +1465,7 @@
     </p:spTree>
     <p:extLst>
       <p:ext uri="{BB962C8B-B14F-4D97-AF65-F5344CB8AC3E}">
-        <p14:creationId xmlns:p14="http://schemas.microsoft.com/office/powerpoint/2010/main" val="2814901391"/>
+        <p14:creationId xmlns:p14="http://schemas.microsoft.com/office/powerpoint/2010/main" val="638968625"/>
       </p:ext>
     </p:extLst>
   </p:cSld>
@@ -1593,6 +1494,49 @@
       </p:grpSpPr>
       <p:sp>
         <p:nvSpPr>
+          <p:cNvPr id="2" name="Slide Image Placeholder 1"/>
+          <p:cNvSpPr>
+            <a:spLocks noGrp="1" noRot="1" noChangeAspect="1"/>
+          </p:cNvSpPr>
+          <p:nvPr>
+            <p:ph type="sldImg"/>
+          </p:nvPr>
+        </p:nvSpPr>
+        <p:spPr/>
+      </p:sp>
+      <p:sp>
+        <p:nvSpPr>
+          <p:cNvPr id="3" name="Notes Placeholder 2"/>
+          <p:cNvSpPr>
+            <a:spLocks noGrp="1"/>
+          </p:cNvSpPr>
+          <p:nvPr>
+            <p:ph type="body" idx="1"/>
+          </p:nvPr>
+        </p:nvSpPr>
+        <p:spPr/>
+        <p:txBody>
+          <a:bodyPr/>
+          <a:lstStyle/>
+          <a:p>
+            <a:r>
+              <a:rPr lang="en-US" dirty="0"/>
+              <a:t>Docker offers more than “just” running containers. It brings a complete eco-system of building, persisting and sharing containers. </a:t>
+            </a:r>
+          </a:p>
+          <a:p>
+            <a:endParaRPr lang="en-US" dirty="0"/>
+          </a:p>
+          <a:p>
+            <a:r>
+              <a:rPr lang="en-US" dirty="0"/>
+              <a:t>The client triggers the docker host to execute actions related to container lifecycle, but also building, downloading &amp; sharing images. The Docker Registry concepts allows to store images permanently. The most famous registry is the docker hub. </a:t>
+            </a:r>
+          </a:p>
+        </p:txBody>
+      </p:sp>
+      <p:sp>
+        <p:nvSpPr>
           <p:cNvPr id="4" name="Slide Number Placeholder 3"/>
           <p:cNvSpPr>
             <a:spLocks noGrp="1"/>
@@ -1609,15 +1553,45 @@
             <a:fld id="{7D8C2C35-2B8A-446E-BEC0-FD36716C29AC}" type="slidenum">
               <a:rPr lang="en-US" smtClean="0"/>
               <a:pPr/>
-              <a:t>17</a:t>
+              <a:t>16</a:t>
             </a:fld>
             <a:endParaRPr lang="en-US" dirty="0"/>
           </a:p>
         </p:txBody>
       </p:sp>
+    </p:spTree>
+    <p:extLst>
+      <p:ext uri="{BB962C8B-B14F-4D97-AF65-F5344CB8AC3E}">
+        <p14:creationId xmlns:p14="http://schemas.microsoft.com/office/powerpoint/2010/main" val="460007210"/>
+      </p:ext>
+    </p:extLst>
+  </p:cSld>
+  <p:clrMapOvr>
+    <a:masterClrMapping/>
+  </p:clrMapOvr>
+</p:notes>
+</file>
+
+<file path=ppt/notesSlides/notesSlide17.xml><?xml version="1.0" encoding="utf-8"?>
+<p:notes xmlns:a="http://schemas.openxmlformats.org/drawingml/2006/main" xmlns:r="http://schemas.openxmlformats.org/officeDocument/2006/relationships" xmlns:p="http://schemas.openxmlformats.org/presentationml/2006/main">
+  <p:cSld>
+    <p:spTree>
+      <p:nvGrpSpPr>
+        <p:cNvPr id="1" name=""/>
+        <p:cNvGrpSpPr/>
+        <p:nvPr/>
+      </p:nvGrpSpPr>
+      <p:grpSpPr>
+        <a:xfrm>
+          <a:off x="0" y="0"/>
+          <a:ext cx="0" cy="0"/>
+          <a:chOff x="0" y="0"/>
+          <a:chExt cx="0" cy="0"/>
+        </a:xfrm>
+      </p:grpSpPr>
       <p:sp>
         <p:nvSpPr>
-          <p:cNvPr id="6" name="Slide Image Placeholder 5"/>
+          <p:cNvPr id="2" name="Slide Image Placeholder 1"/>
           <p:cNvSpPr>
             <a:spLocks noGrp="1" noRot="1" noChangeAspect="1"/>
           </p:cNvSpPr>
@@ -1625,16 +1599,11 @@
             <p:ph type="sldImg"/>
           </p:nvPr>
         </p:nvSpPr>
-        <p:spPr>
-          <a:xfrm>
-            <a:off x="547688" y="612775"/>
-            <a:ext cx="5762625" cy="3241675"/>
-          </a:xfrm>
-        </p:spPr>
+        <p:spPr/>
       </p:sp>
       <p:sp>
         <p:nvSpPr>
-          <p:cNvPr id="7" name="Notes Placeholder 6"/>
+          <p:cNvPr id="3" name="Notes Placeholder 2"/>
           <p:cNvSpPr>
             <a:spLocks noGrp="1"/>
           </p:cNvSpPr>
@@ -1644,11 +1613,33 @@
         </p:nvSpPr>
         <p:spPr/>
         <p:txBody>
-          <a:bodyPr>
-            <a:normAutofit/>
-          </a:bodyPr>
+          <a:bodyPr/>
           <a:lstStyle/>
           <a:p>
+            <a:endParaRPr lang="en-US" dirty="0"/>
+          </a:p>
+        </p:txBody>
+      </p:sp>
+      <p:sp>
+        <p:nvSpPr>
+          <p:cNvPr id="4" name="Slide Number Placeholder 3"/>
+          <p:cNvSpPr>
+            <a:spLocks noGrp="1"/>
+          </p:cNvSpPr>
+          <p:nvPr>
+            <p:ph type="sldNum" sz="quarter" idx="10"/>
+          </p:nvPr>
+        </p:nvSpPr>
+        <p:spPr/>
+        <p:txBody>
+          <a:bodyPr/>
+          <a:lstStyle/>
+          <a:p>
+            <a:fld id="{7D8C2C35-2B8A-446E-BEC0-FD36716C29AC}" type="slidenum">
+              <a:rPr lang="en-US" smtClean="0"/>
+              <a:pPr/>
+              <a:t>17</a:t>
+            </a:fld>
             <a:endParaRPr lang="en-US" dirty="0"/>
           </a:p>
         </p:txBody>
@@ -1656,7 +1647,422 @@
     </p:spTree>
     <p:extLst>
       <p:ext uri="{BB962C8B-B14F-4D97-AF65-F5344CB8AC3E}">
-        <p14:creationId xmlns:p14="http://schemas.microsoft.com/office/powerpoint/2010/main" val="2544264309"/>
+        <p14:creationId xmlns:p14="http://schemas.microsoft.com/office/powerpoint/2010/main" val="2984866983"/>
+      </p:ext>
+    </p:extLst>
+  </p:cSld>
+  <p:clrMapOvr>
+    <a:masterClrMapping/>
+  </p:clrMapOvr>
+</p:notes>
+</file>
+
+<file path=ppt/notesSlides/notesSlide18.xml><?xml version="1.0" encoding="utf-8"?>
+<p:notes xmlns:a="http://schemas.openxmlformats.org/drawingml/2006/main" xmlns:r="http://schemas.openxmlformats.org/officeDocument/2006/relationships" xmlns:p="http://schemas.openxmlformats.org/presentationml/2006/main">
+  <p:cSld>
+    <p:spTree>
+      <p:nvGrpSpPr>
+        <p:cNvPr id="1" name=""/>
+        <p:cNvGrpSpPr/>
+        <p:nvPr/>
+      </p:nvGrpSpPr>
+      <p:grpSpPr>
+        <a:xfrm>
+          <a:off x="0" y="0"/>
+          <a:ext cx="0" cy="0"/>
+          <a:chOff x="0" y="0"/>
+          <a:chExt cx="0" cy="0"/>
+        </a:xfrm>
+      </p:grpSpPr>
+      <p:sp>
+        <p:nvSpPr>
+          <p:cNvPr id="2" name="Slide Image Placeholder 1"/>
+          <p:cNvSpPr>
+            <a:spLocks noGrp="1" noRot="1" noChangeAspect="1"/>
+          </p:cNvSpPr>
+          <p:nvPr>
+            <p:ph type="sldImg"/>
+          </p:nvPr>
+        </p:nvSpPr>
+        <p:spPr/>
+      </p:sp>
+      <p:sp>
+        <p:nvSpPr>
+          <p:cNvPr id="3" name="Notes Placeholder 2"/>
+          <p:cNvSpPr>
+            <a:spLocks noGrp="1"/>
+          </p:cNvSpPr>
+          <p:nvPr>
+            <p:ph type="body" idx="1"/>
+          </p:nvPr>
+        </p:nvSpPr>
+        <p:spPr/>
+        <p:txBody>
+          <a:bodyPr/>
+          <a:lstStyle/>
+          <a:p>
+            <a:r>
+              <a:rPr lang="en-US" noProof="0" dirty="0"/>
+              <a:t>Docker is a client-server architecture. The docker command you use to interact with Docker does nothing but talk to the Docker daemon. All the magic of pinning up containers, downloading images and even building images is done inside the Docker daemon. Communication between the Docker client and the Docker daemon happens through a </a:t>
+            </a:r>
+            <a:r>
+              <a:rPr lang="en-US" noProof="0" dirty="0" err="1"/>
+              <a:t>ReST</a:t>
+            </a:r>
+            <a:r>
+              <a:rPr lang="en-US" noProof="0" dirty="0"/>
+              <a:t> API over http/https.</a:t>
+            </a:r>
+          </a:p>
+          <a:p>
+            <a:r>
+              <a:rPr lang="en-US" noProof="0" dirty="0"/>
+              <a:t>If both, docker client and docker daemon, run on the same host, communication will take place through a socket file (/</a:t>
+            </a:r>
+            <a:r>
+              <a:rPr lang="en-US" noProof="0" dirty="0" err="1"/>
+              <a:t>var</a:t>
+            </a:r>
+            <a:r>
+              <a:rPr lang="en-US" noProof="0" dirty="0"/>
+              <a:t>/run/</a:t>
+            </a:r>
+            <a:r>
+              <a:rPr lang="en-US" noProof="0" dirty="0" err="1"/>
+              <a:t>docker.sock</a:t>
+            </a:r>
+            <a:r>
+              <a:rPr lang="en-US" noProof="0" dirty="0"/>
+              <a:t>). It is however also possible to have the Docker client on your local laptop and the Docker daemon on a computer somewhere totally different. In that case, communication goes through TCP, the target port on the Docker daemon will be 2375 for unencrypted HTTP and 2376 for TLS secured HTTPS.</a:t>
+            </a:r>
+          </a:p>
+          <a:p>
+            <a:endParaRPr lang="de-DE" noProof="0" dirty="0"/>
+          </a:p>
+          <a:p>
+            <a:r>
+              <a:rPr lang="de-DE" noProof="0" dirty="0"/>
+              <a:t>N</a:t>
+            </a:r>
+            <a:r>
+              <a:rPr lang="en-US" noProof="0" dirty="0" err="1"/>
+              <a:t>ote</a:t>
+            </a:r>
+            <a:r>
+              <a:rPr lang="en-US" noProof="0" dirty="0"/>
+              <a:t>:</a:t>
+            </a:r>
+          </a:p>
+          <a:p>
+            <a:pPr lvl="1"/>
+            <a:r>
+              <a:rPr lang="en-US" noProof="0" dirty="0"/>
+              <a:t>If you want to talk to</a:t>
+            </a:r>
+            <a:r>
+              <a:rPr lang="en-US" baseline="0" noProof="0" dirty="0"/>
+              <a:t> dockerd directly, you can do so using curl (you will need curl and </a:t>
+            </a:r>
+            <a:r>
+              <a:rPr lang="en-US" baseline="0" noProof="0" dirty="0" err="1"/>
+              <a:t>libcurl</a:t>
+            </a:r>
+            <a:r>
+              <a:rPr lang="en-US" baseline="0" noProof="0" dirty="0"/>
+              <a:t> &gt;= 7.40): </a:t>
+            </a:r>
+            <a:br>
+              <a:rPr lang="en-US" baseline="0" noProof="0" dirty="0"/>
+            </a:br>
+            <a:r>
+              <a:rPr lang="en-US" baseline="0" noProof="0" dirty="0"/>
+              <a:t>   curl --</a:t>
+            </a:r>
+            <a:r>
+              <a:rPr lang="en-US" baseline="0" noProof="0" dirty="0" err="1"/>
+              <a:t>unix</a:t>
+            </a:r>
+            <a:r>
+              <a:rPr lang="en-US" baseline="0" noProof="0" dirty="0"/>
+              <a:t>-socket /</a:t>
+            </a:r>
+            <a:r>
+              <a:rPr lang="en-US" baseline="0" noProof="0" dirty="0" err="1"/>
+              <a:t>var</a:t>
+            </a:r>
+            <a:r>
+              <a:rPr lang="en-US" baseline="0" noProof="0" dirty="0"/>
+              <a:t>/run/</a:t>
+            </a:r>
+            <a:r>
+              <a:rPr lang="en-US" baseline="0" noProof="0" dirty="0" err="1"/>
+              <a:t>docker.sock</a:t>
+            </a:r>
+            <a:r>
+              <a:rPr lang="en-US" baseline="0" noProof="0" dirty="0"/>
+              <a:t> http://localhost/containers/json</a:t>
+            </a:r>
+          </a:p>
+          <a:p>
+            <a:pPr lvl="1"/>
+            <a:r>
+              <a:rPr lang="en-US" baseline="0" noProof="0" dirty="0"/>
+              <a:t>Or use your web browser if you enabled </a:t>
+            </a:r>
+            <a:r>
+              <a:rPr lang="en-US" baseline="0" noProof="0" dirty="0" err="1"/>
+              <a:t>dockerd‘s</a:t>
+            </a:r>
+            <a:r>
+              <a:rPr lang="en-US" baseline="0" noProof="0" dirty="0"/>
+              <a:t> TCP socket: </a:t>
+            </a:r>
+            <a:br>
+              <a:rPr lang="en-US" baseline="0" noProof="0" dirty="0"/>
+            </a:br>
+            <a:r>
+              <a:rPr lang="en-US" baseline="0" noProof="0" dirty="0"/>
+              <a:t>   http://&lt;hostname&gt;:2375/containers/json</a:t>
+            </a:r>
+          </a:p>
+          <a:p>
+            <a:endParaRPr lang="en-US" noProof="0" dirty="0"/>
+          </a:p>
+        </p:txBody>
+      </p:sp>
+      <p:sp>
+        <p:nvSpPr>
+          <p:cNvPr id="4" name="Slide Number Placeholder 3"/>
+          <p:cNvSpPr>
+            <a:spLocks noGrp="1"/>
+          </p:cNvSpPr>
+          <p:nvPr>
+            <p:ph type="sldNum" sz="quarter" idx="10"/>
+          </p:nvPr>
+        </p:nvSpPr>
+        <p:spPr/>
+        <p:txBody>
+          <a:bodyPr/>
+          <a:lstStyle/>
+          <a:p>
+            <a:fld id="{7D8C2C35-2B8A-446E-BEC0-FD36716C29AC}" type="slidenum">
+              <a:rPr lang="en-US" smtClean="0"/>
+              <a:pPr/>
+              <a:t>18</a:t>
+            </a:fld>
+            <a:endParaRPr lang="en-US" dirty="0"/>
+          </a:p>
+        </p:txBody>
+      </p:sp>
+    </p:spTree>
+    <p:extLst>
+      <p:ext uri="{BB962C8B-B14F-4D97-AF65-F5344CB8AC3E}">
+        <p14:creationId xmlns:p14="http://schemas.microsoft.com/office/powerpoint/2010/main" val="1009079960"/>
+      </p:ext>
+    </p:extLst>
+  </p:cSld>
+  <p:clrMapOvr>
+    <a:masterClrMapping/>
+  </p:clrMapOvr>
+</p:notes>
+</file>
+
+<file path=ppt/notesSlides/notesSlide19.xml><?xml version="1.0" encoding="utf-8"?>
+<p:notes xmlns:a="http://schemas.openxmlformats.org/drawingml/2006/main" xmlns:r="http://schemas.openxmlformats.org/officeDocument/2006/relationships" xmlns:p="http://schemas.openxmlformats.org/presentationml/2006/main">
+  <p:cSld>
+    <p:spTree>
+      <p:nvGrpSpPr>
+        <p:cNvPr id="1" name=""/>
+        <p:cNvGrpSpPr/>
+        <p:nvPr/>
+      </p:nvGrpSpPr>
+      <p:grpSpPr>
+        <a:xfrm>
+          <a:off x="0" y="0"/>
+          <a:ext cx="0" cy="0"/>
+          <a:chOff x="0" y="0"/>
+          <a:chExt cx="0" cy="0"/>
+        </a:xfrm>
+      </p:grpSpPr>
+      <p:sp>
+        <p:nvSpPr>
+          <p:cNvPr id="2" name="Slide Image Placeholder 1"/>
+          <p:cNvSpPr>
+            <a:spLocks noGrp="1" noRot="1" noChangeAspect="1"/>
+          </p:cNvSpPr>
+          <p:nvPr>
+            <p:ph type="sldImg"/>
+          </p:nvPr>
+        </p:nvSpPr>
+        <p:spPr/>
+      </p:sp>
+      <p:sp>
+        <p:nvSpPr>
+          <p:cNvPr id="3" name="Notes Placeholder 2"/>
+          <p:cNvSpPr>
+            <a:spLocks noGrp="1"/>
+          </p:cNvSpPr>
+          <p:nvPr>
+            <p:ph type="body" idx="1"/>
+          </p:nvPr>
+        </p:nvSpPr>
+        <p:spPr/>
+        <p:txBody>
+          <a:bodyPr/>
+          <a:lstStyle/>
+          <a:p>
+            <a:r>
+              <a:rPr lang="en-US" dirty="0"/>
+              <a:t>The docker daemon works as central entry point. It receives API requests and is home of docker specific features.</a:t>
+            </a:r>
+          </a:p>
+          <a:p>
+            <a:endParaRPr lang="en-US" dirty="0"/>
+          </a:p>
+          <a:p>
+            <a:r>
+              <a:rPr lang="en-US" dirty="0" err="1"/>
+              <a:t>Containerd</a:t>
+            </a:r>
+            <a:r>
+              <a:rPr lang="en-US" dirty="0"/>
+              <a:t> actually is the container runtime. It is a refactored part of the former docker engine and handles the complete lifecycle of a container. It works on the basis of the open container initiative (OCI) specifications for container runtimes. </a:t>
+            </a:r>
+            <a:r>
+              <a:rPr lang="en-US" dirty="0" err="1"/>
+              <a:t>Containerd</a:t>
+            </a:r>
+            <a:r>
+              <a:rPr lang="en-US" dirty="0"/>
+              <a:t> also depends on OCI compatible images (root file system + </a:t>
+            </a:r>
+            <a:r>
+              <a:rPr lang="en-US" dirty="0" err="1"/>
+              <a:t>container.json</a:t>
+            </a:r>
+            <a:r>
+              <a:rPr lang="en-US" dirty="0"/>
+              <a:t>)</a:t>
+            </a:r>
+          </a:p>
+          <a:p>
+            <a:endParaRPr lang="en-US" dirty="0"/>
+          </a:p>
+          <a:p>
+            <a:r>
+              <a:rPr lang="en-US" dirty="0" err="1"/>
+              <a:t>Containerd</a:t>
+            </a:r>
+            <a:r>
+              <a:rPr lang="en-US" dirty="0"/>
+              <a:t> instructs </a:t>
+            </a:r>
+            <a:r>
+              <a:rPr lang="en-US" dirty="0" err="1"/>
+              <a:t>runc</a:t>
+            </a:r>
+            <a:r>
+              <a:rPr lang="en-US" dirty="0"/>
+              <a:t> to start a container. </a:t>
+            </a:r>
+            <a:r>
+              <a:rPr lang="en-US" dirty="0" err="1"/>
+              <a:t>Runc</a:t>
+            </a:r>
+            <a:r>
+              <a:rPr lang="en-US" dirty="0"/>
+              <a:t> sets up all the </a:t>
+            </a:r>
+            <a:r>
+              <a:rPr lang="en-US" dirty="0" err="1"/>
+              <a:t>linux</a:t>
+            </a:r>
+            <a:r>
+              <a:rPr lang="en-US" dirty="0"/>
+              <a:t> magic with </a:t>
+            </a:r>
+            <a:r>
+              <a:rPr lang="en-US" dirty="0" err="1"/>
+              <a:t>cgroups</a:t>
+            </a:r>
+            <a:r>
+              <a:rPr lang="en-US" dirty="0"/>
+              <a:t> </a:t>
+            </a:r>
+            <a:r>
+              <a:rPr lang="en-US" dirty="0" err="1"/>
+              <a:t>etc</a:t>
+            </a:r>
+            <a:r>
+              <a:rPr lang="en-US" dirty="0"/>
+              <a:t> and forks the container’s PID #1. Afterwards it will exit(0) and handover parent ownership of the container to </a:t>
+            </a:r>
+            <a:r>
+              <a:rPr lang="en-US" dirty="0" err="1"/>
+              <a:t>containerd</a:t>
+            </a:r>
+            <a:r>
+              <a:rPr lang="en-US" dirty="0"/>
+              <a:t>-shim. The shim module is there to decouple the daemon and container processes.</a:t>
+            </a:r>
+          </a:p>
+          <a:p>
+            <a:endParaRPr lang="en-US" dirty="0"/>
+          </a:p>
+          <a:p>
+            <a:r>
+              <a:rPr lang="en-US" dirty="0"/>
+              <a:t>Details can be found here:</a:t>
+            </a:r>
+          </a:p>
+          <a:p>
+            <a:r>
+              <a:rPr lang="en-US" dirty="0"/>
+              <a:t>https://containerd.io/</a:t>
+            </a:r>
+          </a:p>
+          <a:p>
+            <a:r>
+              <a:rPr lang="en-US" dirty="0"/>
+              <a:t>https://www.slideshare.net/PhilEstes/diving-through-the-layers-investigating-runc-containerd-and-the-docker-engine-architecture</a:t>
+            </a:r>
+          </a:p>
+          <a:p>
+            <a:r>
+              <a:rPr lang="en-US" dirty="0"/>
+              <a:t>https://hackernoon.com/docker-containerd-standalone-runtimes-heres-what-you-should-know-b834ef155426?gi=c8140ae48de2</a:t>
+            </a:r>
+          </a:p>
+        </p:txBody>
+      </p:sp>
+      <p:sp>
+        <p:nvSpPr>
+          <p:cNvPr id="4" name="Slide Number Placeholder 3"/>
+          <p:cNvSpPr>
+            <a:spLocks noGrp="1"/>
+          </p:cNvSpPr>
+          <p:nvPr>
+            <p:ph type="sldNum" sz="quarter" idx="10"/>
+          </p:nvPr>
+        </p:nvSpPr>
+        <p:spPr/>
+        <p:txBody>
+          <a:bodyPr/>
+          <a:lstStyle/>
+          <a:p>
+            <a:fld id="{7D8C2C35-2B8A-446E-BEC0-FD36716C29AC}" type="slidenum">
+              <a:rPr lang="de-DE" smtClean="0"/>
+              <a:pPr/>
+              <a:t>20</a:t>
+            </a:fld>
+            <a:endParaRPr lang="de-DE" dirty="0"/>
+          </a:p>
+        </p:txBody>
+      </p:sp>
+    </p:spTree>
+    <p:extLst>
+      <p:ext uri="{BB962C8B-B14F-4D97-AF65-F5344CB8AC3E}">
+        <p14:creationId xmlns:p14="http://schemas.microsoft.com/office/powerpoint/2010/main" val="3483686948"/>
       </p:ext>
     </p:extLst>
   </p:cSld>
@@ -1746,6 +2152,268 @@
     <p:extLst>
       <p:ext uri="{BB962C8B-B14F-4D97-AF65-F5344CB8AC3E}">
         <p14:creationId xmlns:p14="http://schemas.microsoft.com/office/powerpoint/2010/main" val="945922821"/>
+      </p:ext>
+    </p:extLst>
+  </p:cSld>
+  <p:clrMapOvr>
+    <a:masterClrMapping/>
+  </p:clrMapOvr>
+</p:notes>
+</file>
+
+<file path=ppt/notesSlides/notesSlide20.xml><?xml version="1.0" encoding="utf-8"?>
+<p:notes xmlns:a="http://schemas.openxmlformats.org/drawingml/2006/main" xmlns:r="http://schemas.openxmlformats.org/officeDocument/2006/relationships" xmlns:p="http://schemas.openxmlformats.org/presentationml/2006/main">
+  <p:cSld>
+    <p:spTree>
+      <p:nvGrpSpPr>
+        <p:cNvPr id="1" name=""/>
+        <p:cNvGrpSpPr/>
+        <p:nvPr/>
+      </p:nvGrpSpPr>
+      <p:grpSpPr>
+        <a:xfrm>
+          <a:off x="0" y="0"/>
+          <a:ext cx="0" cy="0"/>
+          <a:chOff x="0" y="0"/>
+          <a:chExt cx="0" cy="0"/>
+        </a:xfrm>
+      </p:grpSpPr>
+      <p:sp>
+        <p:nvSpPr>
+          <p:cNvPr id="2" name="Slide Image Placeholder 1"/>
+          <p:cNvSpPr>
+            <a:spLocks noGrp="1" noRot="1" noChangeAspect="1"/>
+          </p:cNvSpPr>
+          <p:nvPr>
+            <p:ph type="sldImg"/>
+          </p:nvPr>
+        </p:nvSpPr>
+        <p:spPr/>
+      </p:sp>
+      <p:sp>
+        <p:nvSpPr>
+          <p:cNvPr id="3" name="Notes Placeholder 2"/>
+          <p:cNvSpPr>
+            <a:spLocks noGrp="1"/>
+          </p:cNvSpPr>
+          <p:nvPr>
+            <p:ph type="body" idx="1"/>
+          </p:nvPr>
+        </p:nvSpPr>
+        <p:spPr/>
+        <p:txBody>
+          <a:bodyPr/>
+          <a:lstStyle/>
+          <a:p>
+            <a:endParaRPr lang="en-US" dirty="0"/>
+          </a:p>
+        </p:txBody>
+      </p:sp>
+      <p:sp>
+        <p:nvSpPr>
+          <p:cNvPr id="4" name="Slide Number Placeholder 3"/>
+          <p:cNvSpPr>
+            <a:spLocks noGrp="1"/>
+          </p:cNvSpPr>
+          <p:nvPr>
+            <p:ph type="sldNum" sz="quarter" idx="10"/>
+          </p:nvPr>
+        </p:nvSpPr>
+        <p:spPr/>
+        <p:txBody>
+          <a:bodyPr/>
+          <a:lstStyle/>
+          <a:p>
+            <a:fld id="{7D8C2C35-2B8A-446E-BEC0-FD36716C29AC}" type="slidenum">
+              <a:rPr lang="en-US" smtClean="0"/>
+              <a:pPr/>
+              <a:t>21</a:t>
+            </a:fld>
+            <a:endParaRPr lang="en-US" dirty="0"/>
+          </a:p>
+        </p:txBody>
+      </p:sp>
+    </p:spTree>
+    <p:extLst>
+      <p:ext uri="{BB962C8B-B14F-4D97-AF65-F5344CB8AC3E}">
+        <p14:creationId xmlns:p14="http://schemas.microsoft.com/office/powerpoint/2010/main" val="2814901391"/>
+      </p:ext>
+    </p:extLst>
+  </p:cSld>
+  <p:clrMapOvr>
+    <a:masterClrMapping/>
+  </p:clrMapOvr>
+</p:notes>
+</file>
+
+<file path=ppt/notesSlides/notesSlide21.xml><?xml version="1.0" encoding="utf-8"?>
+<p:notes xmlns:a="http://schemas.openxmlformats.org/drawingml/2006/main" xmlns:r="http://schemas.openxmlformats.org/officeDocument/2006/relationships" xmlns:p="http://schemas.openxmlformats.org/presentationml/2006/main">
+  <p:cSld>
+    <p:spTree>
+      <p:nvGrpSpPr>
+        <p:cNvPr id="1" name=""/>
+        <p:cNvGrpSpPr/>
+        <p:nvPr/>
+      </p:nvGrpSpPr>
+      <p:grpSpPr>
+        <a:xfrm>
+          <a:off x="0" y="0"/>
+          <a:ext cx="0" cy="0"/>
+          <a:chOff x="0" y="0"/>
+          <a:chExt cx="0" cy="0"/>
+        </a:xfrm>
+      </p:grpSpPr>
+      <p:sp>
+        <p:nvSpPr>
+          <p:cNvPr id="2" name="Slide Image Placeholder 1"/>
+          <p:cNvSpPr>
+            <a:spLocks noGrp="1" noRot="1" noChangeAspect="1"/>
+          </p:cNvSpPr>
+          <p:nvPr>
+            <p:ph type="sldImg"/>
+          </p:nvPr>
+        </p:nvSpPr>
+        <p:spPr/>
+      </p:sp>
+      <p:sp>
+        <p:nvSpPr>
+          <p:cNvPr id="3" name="Notes Placeholder 2"/>
+          <p:cNvSpPr>
+            <a:spLocks noGrp="1"/>
+          </p:cNvSpPr>
+          <p:nvPr>
+            <p:ph type="body" idx="1"/>
+          </p:nvPr>
+        </p:nvSpPr>
+        <p:spPr/>
+        <p:txBody>
+          <a:bodyPr/>
+          <a:lstStyle/>
+          <a:p>
+            <a:endParaRPr lang="en-US" dirty="0"/>
+          </a:p>
+        </p:txBody>
+      </p:sp>
+      <p:sp>
+        <p:nvSpPr>
+          <p:cNvPr id="4" name="Slide Number Placeholder 3"/>
+          <p:cNvSpPr>
+            <a:spLocks noGrp="1"/>
+          </p:cNvSpPr>
+          <p:nvPr>
+            <p:ph type="sldNum" sz="quarter" idx="10"/>
+          </p:nvPr>
+        </p:nvSpPr>
+        <p:spPr/>
+        <p:txBody>
+          <a:bodyPr/>
+          <a:lstStyle/>
+          <a:p>
+            <a:fld id="{7D8C2C35-2B8A-446E-BEC0-FD36716C29AC}" type="slidenum">
+              <a:rPr lang="de-DE" smtClean="0"/>
+              <a:pPr/>
+              <a:t>22</a:t>
+            </a:fld>
+            <a:endParaRPr lang="de-DE" dirty="0"/>
+          </a:p>
+        </p:txBody>
+      </p:sp>
+    </p:spTree>
+    <p:extLst>
+      <p:ext uri="{BB962C8B-B14F-4D97-AF65-F5344CB8AC3E}">
+        <p14:creationId xmlns:p14="http://schemas.microsoft.com/office/powerpoint/2010/main" val="1203352888"/>
+      </p:ext>
+    </p:extLst>
+  </p:cSld>
+  <p:clrMapOvr>
+    <a:masterClrMapping/>
+  </p:clrMapOvr>
+</p:notes>
+</file>
+
+<file path=ppt/notesSlides/notesSlide22.xml><?xml version="1.0" encoding="utf-8"?>
+<p:notes xmlns:a="http://schemas.openxmlformats.org/drawingml/2006/main" xmlns:r="http://schemas.openxmlformats.org/officeDocument/2006/relationships" xmlns:p="http://schemas.openxmlformats.org/presentationml/2006/main">
+  <p:cSld>
+    <p:spTree>
+      <p:nvGrpSpPr>
+        <p:cNvPr id="1" name=""/>
+        <p:cNvGrpSpPr/>
+        <p:nvPr/>
+      </p:nvGrpSpPr>
+      <p:grpSpPr>
+        <a:xfrm>
+          <a:off x="0" y="0"/>
+          <a:ext cx="0" cy="0"/>
+          <a:chOff x="0" y="0"/>
+          <a:chExt cx="0" cy="0"/>
+        </a:xfrm>
+      </p:grpSpPr>
+      <p:sp>
+        <p:nvSpPr>
+          <p:cNvPr id="4" name="Slide Number Placeholder 3"/>
+          <p:cNvSpPr>
+            <a:spLocks noGrp="1"/>
+          </p:cNvSpPr>
+          <p:nvPr>
+            <p:ph type="sldNum" sz="quarter" idx="10"/>
+          </p:nvPr>
+        </p:nvSpPr>
+        <p:spPr/>
+        <p:txBody>
+          <a:bodyPr/>
+          <a:lstStyle/>
+          <a:p>
+            <a:fld id="{7D8C2C35-2B8A-446E-BEC0-FD36716C29AC}" type="slidenum">
+              <a:rPr lang="en-US" smtClean="0"/>
+              <a:pPr/>
+              <a:t>23</a:t>
+            </a:fld>
+            <a:endParaRPr lang="en-US" dirty="0"/>
+          </a:p>
+        </p:txBody>
+      </p:sp>
+      <p:sp>
+        <p:nvSpPr>
+          <p:cNvPr id="6" name="Slide Image Placeholder 5"/>
+          <p:cNvSpPr>
+            <a:spLocks noGrp="1" noRot="1" noChangeAspect="1"/>
+          </p:cNvSpPr>
+          <p:nvPr>
+            <p:ph type="sldImg"/>
+          </p:nvPr>
+        </p:nvSpPr>
+        <p:spPr>
+          <a:xfrm>
+            <a:off x="547688" y="612775"/>
+            <a:ext cx="5762625" cy="3241675"/>
+          </a:xfrm>
+        </p:spPr>
+      </p:sp>
+      <p:sp>
+        <p:nvSpPr>
+          <p:cNvPr id="7" name="Notes Placeholder 6"/>
+          <p:cNvSpPr>
+            <a:spLocks noGrp="1"/>
+          </p:cNvSpPr>
+          <p:nvPr>
+            <p:ph type="body" idx="1"/>
+          </p:nvPr>
+        </p:nvSpPr>
+        <p:spPr/>
+        <p:txBody>
+          <a:bodyPr>
+            <a:normAutofit/>
+          </a:bodyPr>
+          <a:lstStyle/>
+          <a:p>
+            <a:endParaRPr lang="en-US" dirty="0"/>
+          </a:p>
+        </p:txBody>
+      </p:sp>
+    </p:spTree>
+    <p:extLst>
+      <p:ext uri="{BB962C8B-B14F-4D97-AF65-F5344CB8AC3E}">
+        <p14:creationId xmlns:p14="http://schemas.microsoft.com/office/powerpoint/2010/main" val="2544264309"/>
       </p:ext>
     </p:extLst>
   </p:cSld>
@@ -1992,7 +2660,7 @@
           <a:p>
             <a:r>
               <a:rPr lang="en-US" dirty="0"/>
-              <a:t>Man-page definition: A namespace wraps a global system resource in an abstraction that makes it appear to the processes within the namespace that they have their own isolated instance of the global resource. Changes to the global resource are visible to other processes that are members of the namespace, but are invisible to other processes [outside of that namespace]. One use of namespaces is to implement containers.</a:t>
+              <a:t>Demo for chroot</a:t>
             </a:r>
           </a:p>
           <a:p>
@@ -2001,15 +2669,47 @@
           <a:p>
             <a:r>
               <a:rPr lang="en-US" dirty="0"/>
-              <a:t>Linux offers namespaces for seven different resources: PID table, mount table, user mapping table, IPC, network stack, UTS (host and domain name) and </a:t>
-            </a:r>
-            <a:r>
-              <a:rPr lang="en-US" dirty="0" err="1"/>
-              <a:t>cgroups</a:t>
-            </a:r>
+              <a:t>Within the repo go to the container-demos folder and run </a:t>
+            </a:r>
+            <a:r>
+              <a:rPr lang="en-US" b="1" dirty="0"/>
+              <a:t>demo-01-chroot.sh</a:t>
+            </a:r>
+          </a:p>
+          <a:p>
             <a:r>
               <a:rPr lang="en-US" dirty="0"/>
-              <a:t>.</a:t>
+              <a:t>The script will do the setup of a minimal environment (basically only a bash + libs) and chroot into it.</a:t>
+            </a:r>
+          </a:p>
+          <a:p>
+            <a:endParaRPr lang="en-US" dirty="0"/>
+          </a:p>
+          <a:p>
+            <a:r>
+              <a:rPr lang="en-US" dirty="0"/>
+              <a:t>Explain the importance of libraries to binaries. Without the corresponding libs in their respective directories, no binary will work. And after all, (container) processes are based on binaries.</a:t>
+            </a:r>
+          </a:p>
+          <a:p>
+            <a:endParaRPr lang="en-US" dirty="0"/>
+          </a:p>
+          <a:p>
+            <a:r>
+              <a:rPr lang="en-US" dirty="0"/>
+              <a:t>It is also worth to mention, that the file system you chroot into is the foundation of every container. Luckily in most cases you can rely on others building the base images with all binaries and libs. The only thing you have to do as a developer is move your own stuff into it.</a:t>
+            </a:r>
+          </a:p>
+          <a:p>
+            <a:r>
+              <a:rPr lang="en-US" dirty="0"/>
+              <a:t> </a:t>
+            </a:r>
+          </a:p>
+          <a:p>
+            <a:r>
+              <a:rPr lang="en-US" dirty="0"/>
+              <a:t>So if there is something called centos or ubuntu later, remember that this is no full-fledged OS but only a collection of bins/libs making your life a lot easier.</a:t>
             </a:r>
           </a:p>
         </p:txBody>
@@ -2030,18 +2730,18 @@
           <a:lstStyle/>
           <a:p>
             <a:fld id="{7D8C2C35-2B8A-446E-BEC0-FD36716C29AC}" type="slidenum">
-              <a:rPr lang="en-US" smtClean="0"/>
+              <a:rPr lang="de-DE" smtClean="0"/>
               <a:pPr/>
               <a:t>5</a:t>
             </a:fld>
-            <a:endParaRPr lang="en-US" dirty="0"/>
+            <a:endParaRPr lang="de-DE" dirty="0"/>
           </a:p>
         </p:txBody>
       </p:sp>
     </p:spTree>
     <p:extLst>
       <p:ext uri="{BB962C8B-B14F-4D97-AF65-F5344CB8AC3E}">
-        <p14:creationId xmlns:p14="http://schemas.microsoft.com/office/powerpoint/2010/main" val="3915859411"/>
+        <p14:creationId xmlns:p14="http://schemas.microsoft.com/office/powerpoint/2010/main" val="1106975596"/>
       </p:ext>
     </p:extLst>
   </p:cSld>
@@ -2095,37 +2795,18 @@
           <a:bodyPr/>
           <a:lstStyle/>
           <a:p>
-            <a:pPr algn="l"/>
             <a:r>
               <a:rPr lang="en-US" dirty="0"/>
-              <a:t>Wikipedia definition: </a:t>
-            </a:r>
-            <a:r>
-              <a:rPr lang="en-US" b="1" dirty="0" err="1"/>
-              <a:t>cgroups</a:t>
-            </a:r>
+              <a:t>Man-page definition: A namespace wraps a global system resource in an abstraction that makes it appear to the processes within the namespace that they have their own isolated instance of the global resource. Changes to the global resource are visible to other processes that are members of the namespace, but are invisible to other processes [outside of that namespace]. One use of namespaces is to implement containers.</a:t>
+            </a:r>
+          </a:p>
+          <a:p>
+            <a:endParaRPr lang="en-US" dirty="0"/>
+          </a:p>
+          <a:p>
             <a:r>
               <a:rPr lang="en-US" dirty="0"/>
-              <a:t> (abbreviated from </a:t>
-            </a:r>
-            <a:r>
-              <a:rPr lang="en-US" b="1" dirty="0"/>
-              <a:t>control groups</a:t>
-            </a:r>
-            <a:r>
-              <a:rPr lang="en-US" dirty="0"/>
-              <a:t>) is a Linux kernel feature that limits, accounts for, and isolates the resource usage (CPU, memory, disk I/O, network, etc.) of a collection of processes.</a:t>
-            </a:r>
-          </a:p>
-          <a:p>
-            <a:pPr algn="l"/>
-            <a:endParaRPr lang="en-US" dirty="0"/>
-          </a:p>
-          <a:p>
-            <a:pPr algn="l"/>
-            <a:r>
-              <a:rPr lang="en-US" dirty="0"/>
-              <a:t>With </a:t>
+              <a:t>Linux offers namespaces for seven different resources: PID table, mount table, user mapping table, IPC, network stack, UTS (host and domain name) and </a:t>
             </a:r>
             <a:r>
               <a:rPr lang="en-US" dirty="0" err="1"/>
@@ -2133,15 +2814,7 @@
             </a:r>
             <a:r>
               <a:rPr lang="en-US" dirty="0"/>
-              <a:t>, processes can be kept from eating up all system resources. Multiple processes can be added to one single </a:t>
-            </a:r>
-            <a:r>
-              <a:rPr lang="en-US" dirty="0" err="1"/>
-              <a:t>cgroup</a:t>
-            </a:r>
-            <a:r>
-              <a:rPr lang="en-US" dirty="0"/>
-              <a:t> - they will then all share the resource limits of it.</a:t>
+              <a:t>.</a:t>
             </a:r>
           </a:p>
         </p:txBody>
@@ -2173,7 +2846,7 @@
     </p:spTree>
     <p:extLst>
       <p:ext uri="{BB962C8B-B14F-4D97-AF65-F5344CB8AC3E}">
-        <p14:creationId xmlns:p14="http://schemas.microsoft.com/office/powerpoint/2010/main" val="3983192458"/>
+        <p14:creationId xmlns:p14="http://schemas.microsoft.com/office/powerpoint/2010/main" val="3915859411"/>
       </p:ext>
     </p:extLst>
   </p:cSld>
@@ -2229,59 +2902,59 @@
           <a:p>
             <a:r>
               <a:rPr lang="en-US" dirty="0"/>
-              <a:t>An application will eventually (after doing tons of nested library calls) call the operating system to do things - like reading or writing to files or sending data across the network. Talking to the operating system is done through system calls or </a:t>
+              <a:t>Demo for namespaces &amp; </a:t>
             </a:r>
             <a:r>
               <a:rPr lang="en-US" dirty="0" err="1"/>
-              <a:t>syscalls</a:t>
-            </a:r>
+              <a:t>unshare</a:t>
+            </a:r>
+            <a:endParaRPr lang="en-US" dirty="0"/>
+          </a:p>
+          <a:p>
+            <a:endParaRPr lang="en-US" dirty="0"/>
+          </a:p>
+          <a:p>
             <a:r>
               <a:rPr lang="en-US" dirty="0"/>
-              <a:t>. </a:t>
-            </a:r>
-            <a:r>
-              <a:rPr lang="en-US" dirty="0" err="1"/>
-              <a:t>Syscalls</a:t>
-            </a:r>
-            <a:r>
-              <a:rPr lang="en-US" dirty="0"/>
-              <a:t> are the interface between user space (where your application runs in) and kernel space (where the operating system does its job) and there are around 340 of them (</a:t>
-            </a:r>
-            <a:r>
-              <a:rPr lang="en-US" dirty="0" err="1"/>
-              <a:t>syscalls</a:t>
-            </a:r>
-            <a:r>
-              <a:rPr lang="en-US" dirty="0"/>
-              <a:t>).</a:t>
-            </a:r>
-          </a:p>
-          <a:p>
-            <a:r>
-              <a:rPr lang="en-US" dirty="0"/>
-              <a:t>While most system calls are necessary for programs to do their job (e.g. a program cannot even be loaded into memory without the “</a:t>
-            </a:r>
-            <a:r>
-              <a:rPr lang="en-US" dirty="0" err="1"/>
-              <a:t>execve</a:t>
-            </a:r>
-            <a:r>
-              <a:rPr lang="en-US" dirty="0"/>
-              <a:t>” system call) some are potentially dangerous and would allow a process to break free from its container or to cause harm to other containers (such as the reboot system call which would reboot the host terminating all containers on it).</a:t>
-            </a:r>
-          </a:p>
-          <a:p>
-            <a:r>
-              <a:rPr lang="en-US" dirty="0"/>
-              <a:t>With </a:t>
-            </a:r>
-            <a:r>
-              <a:rPr lang="en-US" dirty="0" err="1"/>
-              <a:t>seccomp</a:t>
-            </a:r>
-            <a:r>
-              <a:rPr lang="en-US" dirty="0"/>
-              <a:t>, individual system calls can be blocked to reduce the security risk which is commonly done in container environments (Docker for instance blocks around 40 system calls by default).</a:t>
+              <a:t>Within the repo go to the container-demos folder and run </a:t>
+            </a:r>
+            <a:r>
+              <a:rPr lang="en-US" b="1" dirty="0"/>
+              <a:t>demo-02-unshare.sh</a:t>
+            </a:r>
+          </a:p>
+          <a:p>
+            <a:endParaRPr lang="en-US" b="0" dirty="0"/>
+          </a:p>
+          <a:p>
+            <a:r>
+              <a:rPr lang="en-US" b="0" dirty="0"/>
+              <a:t>The script will fork a new process with a separate PID namespace. It’ll also explore the space of the newly created processes. Please note, the demo does </a:t>
+            </a:r>
+            <a:r>
+              <a:rPr lang="en-US" b="1" dirty="0"/>
+              <a:t>not </a:t>
+            </a:r>
+            <a:r>
+              <a:rPr lang="en-US" b="0" dirty="0"/>
+              <a:t>use </a:t>
+            </a:r>
+            <a:r>
+              <a:rPr lang="en-US" b="1" dirty="0"/>
+              <a:t>chroot</a:t>
+            </a:r>
+            <a:r>
+              <a:rPr lang="en-US" b="0" dirty="0"/>
+              <a:t>.</a:t>
+            </a:r>
+          </a:p>
+          <a:p>
+            <a:endParaRPr lang="en-US" b="0" dirty="0"/>
+          </a:p>
+          <a:p>
+            <a:r>
+              <a:rPr lang="en-US" b="0" dirty="0"/>
+              <a:t>With namespaces you can isolate aspects of a processes or process groups (like the process tree or networking stack). As mentioned on the previous slide, this is another building block for Linux containers to work.</a:t>
             </a:r>
           </a:p>
         </p:txBody>
@@ -2302,18 +2975,18 @@
           <a:lstStyle/>
           <a:p>
             <a:fld id="{7D8C2C35-2B8A-446E-BEC0-FD36716C29AC}" type="slidenum">
-              <a:rPr lang="en-US" smtClean="0"/>
+              <a:rPr lang="de-DE" smtClean="0"/>
               <a:pPr/>
               <a:t>7</a:t>
             </a:fld>
-            <a:endParaRPr lang="en-US" dirty="0"/>
+            <a:endParaRPr lang="de-DE" dirty="0"/>
           </a:p>
         </p:txBody>
       </p:sp>
     </p:spTree>
     <p:extLst>
       <p:ext uri="{BB962C8B-B14F-4D97-AF65-F5344CB8AC3E}">
-        <p14:creationId xmlns:p14="http://schemas.microsoft.com/office/powerpoint/2010/main" val="1548338189"/>
+        <p14:creationId xmlns:p14="http://schemas.microsoft.com/office/powerpoint/2010/main" val="2888371220"/>
       </p:ext>
     </p:extLst>
   </p:cSld>
@@ -2367,25 +3040,53 @@
           <a:bodyPr/>
           <a:lstStyle/>
           <a:p>
+            <a:pPr algn="l"/>
             <a:r>
               <a:rPr lang="en-US" dirty="0"/>
-              <a:t>This commands start in fact three different processes: </a:t>
+              <a:t>Wikipedia definition: </a:t>
+            </a:r>
+            <a:r>
+              <a:rPr lang="en-US" b="1" dirty="0" err="1"/>
+              <a:t>cgroups</a:t>
+            </a:r>
+            <a:r>
+              <a:rPr lang="en-US" dirty="0"/>
+              <a:t> (abbreviated from </a:t>
+            </a:r>
+            <a:r>
+              <a:rPr lang="en-US" b="1" dirty="0"/>
+              <a:t>control groups</a:t>
+            </a:r>
+            <a:r>
+              <a:rPr lang="en-US" dirty="0"/>
+              <a:t>) is a Linux kernel feature that limits, accounts for, and isolates the resource usage (CPU, memory, disk I/O, network, etc.) of a collection of processes.</a:t>
+            </a:r>
+          </a:p>
+          <a:p>
+            <a:pPr algn="l"/>
+            <a:endParaRPr lang="en-US" dirty="0"/>
+          </a:p>
+          <a:p>
+            <a:pPr algn="l"/>
+            <a:r>
+              <a:rPr lang="en-US" dirty="0"/>
+              <a:t>With </a:t>
             </a:r>
             <a:r>
               <a:rPr lang="en-US" dirty="0" err="1"/>
-              <a:t>cgexec</a:t>
+              <a:t>cgroups</a:t>
             </a:r>
             <a:r>
               <a:rPr lang="en-US" dirty="0"/>
-              <a:t>, </a:t>
+              <a:t>, processes can be kept from eating up all system resources. Multiple processes can be added to one single </a:t>
             </a:r>
             <a:r>
               <a:rPr lang="en-US" dirty="0" err="1"/>
-              <a:t>unshare</a:t>
+              <a:t>cgroup</a:t>
             </a:r>
             <a:r>
               <a:rPr lang="en-US" dirty="0"/>
-              <a:t> and chroot</a:t>
+              <a:t> - they will then all share the resource limits of it.</a:t>
             </a:r>
           </a:p>
         </p:txBody>
@@ -2417,7 +3118,7 @@
     </p:spTree>
     <p:extLst>
       <p:ext uri="{BB962C8B-B14F-4D97-AF65-F5344CB8AC3E}">
-        <p14:creationId xmlns:p14="http://schemas.microsoft.com/office/powerpoint/2010/main" val="2834622086"/>
+        <p14:creationId xmlns:p14="http://schemas.microsoft.com/office/powerpoint/2010/main" val="3983192458"/>
       </p:ext>
     </p:extLst>
   </p:cSld>
@@ -2471,7 +3172,62 @@
           <a:bodyPr/>
           <a:lstStyle/>
           <a:p>
+            <a:r>
+              <a:rPr lang="en-US" dirty="0"/>
+              <a:t>Demo for </a:t>
+            </a:r>
+            <a:r>
+              <a:rPr lang="en-US" dirty="0" err="1"/>
+              <a:t>cgroups</a:t>
+            </a:r>
             <a:endParaRPr lang="en-US" dirty="0"/>
+          </a:p>
+          <a:p>
+            <a:endParaRPr lang="en-US" dirty="0"/>
+          </a:p>
+          <a:p>
+            <a:r>
+              <a:rPr lang="en-US" dirty="0"/>
+              <a:t>Within the repo go to the container-demos folder and run </a:t>
+            </a:r>
+            <a:r>
+              <a:rPr lang="en-US" b="1" dirty="0"/>
+              <a:t>demo-03-cgroup.sh</a:t>
+            </a:r>
+          </a:p>
+          <a:p>
+            <a:endParaRPr lang="en-US" b="0" dirty="0"/>
+          </a:p>
+          <a:p>
+            <a:r>
+              <a:rPr lang="en-US" b="0" dirty="0"/>
+              <a:t>The script will demonstrate how </a:t>
+            </a:r>
+            <a:r>
+              <a:rPr lang="en-US" b="0" dirty="0" err="1"/>
+              <a:t>cgroups</a:t>
+            </a:r>
+            <a:r>
+              <a:rPr lang="en-US" b="0" dirty="0"/>
+              <a:t> can be used to control processes. The example is focusing on CPU usage.</a:t>
+            </a:r>
+          </a:p>
+          <a:p>
+            <a:endParaRPr lang="en-US" b="0" dirty="0"/>
+          </a:p>
+          <a:p>
+            <a:r>
+              <a:rPr lang="en-US" b="0" dirty="0"/>
+              <a:t>Docker as well as Kubernetes can make use of </a:t>
+            </a:r>
+            <a:r>
+              <a:rPr lang="en-US" b="0" dirty="0" err="1"/>
+              <a:t>cgroups</a:t>
+            </a:r>
+            <a:r>
+              <a:rPr lang="en-US" b="0" dirty="0"/>
+              <a:t> to manage resources in a container environment.</a:t>
+            </a:r>
           </a:p>
         </p:txBody>
       </p:sp>
@@ -2491,18 +3247,18 @@
           <a:lstStyle/>
           <a:p>
             <a:fld id="{7D8C2C35-2B8A-446E-BEC0-FD36716C29AC}" type="slidenum">
-              <a:rPr lang="en-US" smtClean="0"/>
+              <a:rPr lang="de-DE" smtClean="0"/>
               <a:pPr/>
               <a:t>9</a:t>
             </a:fld>
-            <a:endParaRPr lang="en-US" dirty="0"/>
+            <a:endParaRPr lang="de-DE" dirty="0"/>
           </a:p>
         </p:txBody>
       </p:sp>
     </p:spTree>
     <p:extLst>
       <p:ext uri="{BB962C8B-B14F-4D97-AF65-F5344CB8AC3E}">
-        <p14:creationId xmlns:p14="http://schemas.microsoft.com/office/powerpoint/2010/main" val="2415921286"/>
+        <p14:creationId xmlns:p14="http://schemas.microsoft.com/office/powerpoint/2010/main" val="1241107533"/>
       </p:ext>
     </p:extLst>
   </p:cSld>
@@ -15876,6 +16632,1649 @@
           <a:chExt cx="0" cy="0"/>
         </a:xfrm>
       </p:grpSpPr>
+      <p:pic>
+        <p:nvPicPr>
+          <p:cNvPr id="25" name="Picture 24">
+            <a:extLst>
+              <a:ext uri="{FF2B5EF4-FFF2-40B4-BE49-F238E27FC236}">
+                <a16:creationId xmlns:a16="http://schemas.microsoft.com/office/drawing/2014/main" id="{99A87AAD-6E1D-403D-95A3-44EA65D7AC88}"/>
+              </a:ext>
+            </a:extLst>
+          </p:cNvPr>
+          <p:cNvPicPr>
+            <a:picLocks noChangeAspect="1"/>
+          </p:cNvPicPr>
+          <p:nvPr/>
+        </p:nvPicPr>
+        <p:blipFill>
+          <a:blip r:embed="rId3"/>
+          <a:stretch>
+            <a:fillRect/>
+          </a:stretch>
+        </p:blipFill>
+        <p:spPr>
+          <a:xfrm>
+            <a:off x="4403725" y="3161502"/>
+            <a:ext cx="858837" cy="858837"/>
+          </a:xfrm>
+          <a:prstGeom prst="rect">
+            <a:avLst/>
+          </a:prstGeom>
+        </p:spPr>
+      </p:pic>
+      <p:sp>
+        <p:nvSpPr>
+          <p:cNvPr id="18" name="Arrow: Down 17">
+            <a:extLst>
+              <a:ext uri="{FF2B5EF4-FFF2-40B4-BE49-F238E27FC236}">
+                <a16:creationId xmlns:a16="http://schemas.microsoft.com/office/drawing/2014/main" id="{CC11B2ED-3DAC-4BF2-AE25-6BDB2CB265BF}"/>
+              </a:ext>
+            </a:extLst>
+          </p:cNvPr>
+          <p:cNvSpPr/>
+          <p:nvPr/>
+        </p:nvSpPr>
+        <p:spPr bwMode="gray">
+          <a:xfrm>
+            <a:off x="742951" y="2343150"/>
+            <a:ext cx="1543050" cy="2495549"/>
+          </a:xfrm>
+          <a:prstGeom prst="downArrow">
+            <a:avLst/>
+          </a:prstGeom>
+          <a:solidFill>
+            <a:schemeClr val="accent3">
+              <a:lumMod val="50000"/>
+            </a:schemeClr>
+          </a:solidFill>
+          <a:ln w="6350" algn="ctr">
+            <a:noFill/>
+            <a:miter lim="800000"/>
+            <a:headEnd/>
+            <a:tailEnd/>
+          </a:ln>
+        </p:spPr>
+        <p:txBody>
+          <a:bodyPr vert="vert270" lIns="90000" tIns="72000" rIns="90000" bIns="72000" rtlCol="0" anchor="ctr"/>
+          <a:lstStyle/>
+          <a:p>
+            <a:pPr marR="0" algn="ctr" defTabSz="914400" eaLnBrk="1" fontAlgn="base" latinLnBrk="0" hangingPunct="1">
+              <a:lnSpc>
+                <a:spcPct val="100000"/>
+              </a:lnSpc>
+              <a:spcBef>
+                <a:spcPct val="50000"/>
+              </a:spcBef>
+              <a:spcAft>
+                <a:spcPct val="0"/>
+              </a:spcAft>
+              <a:buClr>
+                <a:srgbClr val="F0AB00"/>
+              </a:buClr>
+              <a:buSzPct val="80000"/>
+              <a:tabLst/>
+            </a:pPr>
+            <a:r>
+              <a:rPr kumimoji="0" lang="en-US" sz="1800" b="1" i="1" u="none" strike="noStrike" kern="0" cap="none" spc="0" normalizeH="0" baseline="0" noProof="0" dirty="0">
+                <a:ln>
+                  <a:noFill/>
+                </a:ln>
+                <a:solidFill>
+                  <a:schemeClr val="bg1"/>
+                </a:solidFill>
+                <a:effectLst/>
+                <a:uLnTx/>
+                <a:uFillTx/>
+                <a:ea typeface="Arial Unicode MS" pitchFamily="34" charset="-128"/>
+                <a:cs typeface="Arial Unicode MS" pitchFamily="34" charset="-128"/>
+              </a:rPr>
+              <a:t>system calls</a:t>
+            </a:r>
+          </a:p>
+        </p:txBody>
+      </p:sp>
+      <p:sp>
+        <p:nvSpPr>
+          <p:cNvPr id="4" name="Title 3">
+            <a:extLst>
+              <a:ext uri="{FF2B5EF4-FFF2-40B4-BE49-F238E27FC236}">
+                <a16:creationId xmlns:a16="http://schemas.microsoft.com/office/drawing/2014/main" id="{645B76E8-EDF1-4BBF-A073-4675DBA6C45F}"/>
+              </a:ext>
+            </a:extLst>
+          </p:cNvPr>
+          <p:cNvSpPr>
+            <a:spLocks noGrp="1"/>
+          </p:cNvSpPr>
+          <p:nvPr>
+            <p:ph type="title"/>
+          </p:nvPr>
+        </p:nvSpPr>
+        <p:spPr/>
+        <p:txBody>
+          <a:bodyPr/>
+          <a:lstStyle/>
+          <a:p>
+            <a:r>
+              <a:rPr lang="en-US" dirty="0"/>
+              <a:t>Container security with </a:t>
+            </a:r>
+            <a:r>
+              <a:rPr lang="en-US" i="1" dirty="0"/>
+              <a:t>seccomp</a:t>
+            </a:r>
+          </a:p>
+        </p:txBody>
+      </p:sp>
+      <p:sp>
+        <p:nvSpPr>
+          <p:cNvPr id="2" name="Rectangle 1">
+            <a:extLst>
+              <a:ext uri="{FF2B5EF4-FFF2-40B4-BE49-F238E27FC236}">
+                <a16:creationId xmlns:a16="http://schemas.microsoft.com/office/drawing/2014/main" id="{59BE13B4-5794-4F31-A825-3747FA8625A8}"/>
+              </a:ext>
+            </a:extLst>
+          </p:cNvPr>
+          <p:cNvSpPr/>
+          <p:nvPr/>
+        </p:nvSpPr>
+        <p:spPr bwMode="gray">
+          <a:xfrm>
+            <a:off x="619126" y="4838700"/>
+            <a:ext cx="4572000" cy="647700"/>
+          </a:xfrm>
+          <a:prstGeom prst="rect">
+            <a:avLst/>
+          </a:prstGeom>
+          <a:solidFill>
+            <a:schemeClr val="tx1"/>
+          </a:solidFill>
+          <a:ln w="6350" algn="ctr">
+            <a:noFill/>
+            <a:miter lim="800000"/>
+            <a:headEnd/>
+            <a:tailEnd/>
+          </a:ln>
+        </p:spPr>
+        <p:txBody>
+          <a:bodyPr lIns="90000" tIns="72000" rIns="90000" bIns="72000" rtlCol="0" anchor="ctr"/>
+          <a:lstStyle/>
+          <a:p>
+            <a:pPr marR="0" algn="ctr" defTabSz="914400" eaLnBrk="1" fontAlgn="base" latinLnBrk="0" hangingPunct="1">
+              <a:lnSpc>
+                <a:spcPct val="100000"/>
+              </a:lnSpc>
+              <a:spcBef>
+                <a:spcPct val="50000"/>
+              </a:spcBef>
+              <a:spcAft>
+                <a:spcPct val="0"/>
+              </a:spcAft>
+              <a:buClr>
+                <a:srgbClr val="F0AB00"/>
+              </a:buClr>
+              <a:buSzPct val="80000"/>
+              <a:tabLst/>
+            </a:pPr>
+            <a:r>
+              <a:rPr kumimoji="0" lang="en-US" sz="2800" b="0" i="0" u="none" strike="noStrike" kern="0" cap="none" spc="0" normalizeH="0" baseline="0" noProof="0" dirty="0">
+                <a:ln>
+                  <a:noFill/>
+                </a:ln>
+                <a:solidFill>
+                  <a:schemeClr val="bg1"/>
+                </a:solidFill>
+                <a:effectLst/>
+                <a:uLnTx/>
+                <a:uFillTx/>
+                <a:latin typeface="Arial Black" panose="020B0A04020102020204" pitchFamily="34" charset="0"/>
+                <a:ea typeface="Arial Unicode MS" pitchFamily="34" charset="-128"/>
+                <a:cs typeface="Arial Unicode MS" pitchFamily="34" charset="-128"/>
+              </a:rPr>
+              <a:t>Kernel</a:t>
+            </a:r>
+            <a:endParaRPr kumimoji="0" lang="en-US" sz="1800" b="0" i="0" u="none" strike="noStrike" kern="0" cap="none" spc="0" normalizeH="0" baseline="0" noProof="0" dirty="0">
+              <a:ln>
+                <a:noFill/>
+              </a:ln>
+              <a:solidFill>
+                <a:schemeClr val="bg1"/>
+              </a:solidFill>
+              <a:effectLst/>
+              <a:uLnTx/>
+              <a:uFillTx/>
+              <a:latin typeface="Arial Black" panose="020B0A04020102020204" pitchFamily="34" charset="0"/>
+              <a:ea typeface="Arial Unicode MS" pitchFamily="34" charset="-128"/>
+              <a:cs typeface="Arial Unicode MS" pitchFamily="34" charset="-128"/>
+            </a:endParaRPr>
+          </a:p>
+        </p:txBody>
+      </p:sp>
+      <p:pic>
+        <p:nvPicPr>
+          <p:cNvPr id="16" name="Picture 15">
+            <a:extLst>
+              <a:ext uri="{FF2B5EF4-FFF2-40B4-BE49-F238E27FC236}">
+                <a16:creationId xmlns:a16="http://schemas.microsoft.com/office/drawing/2014/main" id="{12598DB7-6A06-4FF0-BC4E-218B3657467A}"/>
+              </a:ext>
+            </a:extLst>
+          </p:cNvPr>
+          <p:cNvPicPr>
+            <a:picLocks noChangeAspect="1"/>
+          </p:cNvPicPr>
+          <p:nvPr/>
+        </p:nvPicPr>
+        <p:blipFill>
+          <a:blip r:embed="rId4"/>
+          <a:stretch>
+            <a:fillRect/>
+          </a:stretch>
+        </p:blipFill>
+        <p:spPr>
+          <a:xfrm>
+            <a:off x="1392237" y="4868068"/>
+            <a:ext cx="588963" cy="588963"/>
+          </a:xfrm>
+          <a:prstGeom prst="rect">
+            <a:avLst/>
+          </a:prstGeom>
+        </p:spPr>
+      </p:pic>
+      <p:sp>
+        <p:nvSpPr>
+          <p:cNvPr id="17" name="Rectangle: Rounded Corners 16">
+            <a:extLst>
+              <a:ext uri="{FF2B5EF4-FFF2-40B4-BE49-F238E27FC236}">
+                <a16:creationId xmlns:a16="http://schemas.microsoft.com/office/drawing/2014/main" id="{3ABE47BC-35ED-4E9A-8B4E-A9B750CA52F5}"/>
+              </a:ext>
+            </a:extLst>
+          </p:cNvPr>
+          <p:cNvSpPr/>
+          <p:nvPr/>
+        </p:nvSpPr>
+        <p:spPr bwMode="gray">
+          <a:xfrm>
+            <a:off x="619126" y="1724025"/>
+            <a:ext cx="4572000" cy="619125"/>
+          </a:xfrm>
+          <a:prstGeom prst="roundRect">
+            <a:avLst>
+              <a:gd name="adj" fmla="val 50000"/>
+            </a:avLst>
+          </a:prstGeom>
+          <a:solidFill>
+            <a:schemeClr val="accent1"/>
+          </a:solidFill>
+          <a:ln w="6350" algn="ctr">
+            <a:solidFill>
+              <a:schemeClr val="tx1"/>
+            </a:solidFill>
+            <a:miter lim="800000"/>
+            <a:headEnd/>
+            <a:tailEnd/>
+          </a:ln>
+        </p:spPr>
+        <p:txBody>
+          <a:bodyPr lIns="90000" tIns="72000" rIns="90000" bIns="72000" rtlCol="0" anchor="ctr"/>
+          <a:lstStyle/>
+          <a:p>
+            <a:pPr marR="0" algn="ctr" defTabSz="914400" eaLnBrk="1" fontAlgn="base" latinLnBrk="0" hangingPunct="1">
+              <a:lnSpc>
+                <a:spcPct val="100000"/>
+              </a:lnSpc>
+              <a:spcBef>
+                <a:spcPct val="50000"/>
+              </a:spcBef>
+              <a:spcAft>
+                <a:spcPct val="0"/>
+              </a:spcAft>
+              <a:buClr>
+                <a:srgbClr val="F0AB00"/>
+              </a:buClr>
+              <a:buSzPct val="80000"/>
+              <a:tabLst/>
+            </a:pPr>
+            <a:r>
+              <a:rPr kumimoji="0" lang="en-US" sz="1800" b="1" i="0" u="none" strike="noStrike" kern="0" cap="none" spc="0" normalizeH="0" baseline="0" noProof="0" dirty="0">
+                <a:ln>
+                  <a:noFill/>
+                </a:ln>
+                <a:effectLst/>
+                <a:uLnTx/>
+                <a:uFillTx/>
+                <a:ea typeface="Arial Unicode MS" pitchFamily="34" charset="-128"/>
+                <a:cs typeface="Arial Unicode MS" pitchFamily="34" charset="-128"/>
+              </a:rPr>
+              <a:t>Application</a:t>
+            </a:r>
+          </a:p>
+        </p:txBody>
+      </p:sp>
+      <p:sp>
+        <p:nvSpPr>
+          <p:cNvPr id="19" name="Text Placeholder 58">
+            <a:extLst>
+              <a:ext uri="{FF2B5EF4-FFF2-40B4-BE49-F238E27FC236}">
+                <a16:creationId xmlns:a16="http://schemas.microsoft.com/office/drawing/2014/main" id="{AF72BC10-7A25-40C3-928F-41ACE59C030E}"/>
+              </a:ext>
+            </a:extLst>
+          </p:cNvPr>
+          <p:cNvSpPr txBox="1">
+            <a:spLocks/>
+          </p:cNvSpPr>
+          <p:nvPr/>
+        </p:nvSpPr>
+        <p:spPr bwMode="gray">
+          <a:xfrm>
+            <a:off x="6862713" y="1491684"/>
+            <a:ext cx="4827764" cy="4532044"/>
+          </a:xfrm>
+          <a:prstGeom prst="rect">
+            <a:avLst/>
+          </a:prstGeom>
+        </p:spPr>
+        <p:txBody>
+          <a:bodyPr vert="horz" lIns="0" tIns="0" rIns="0" bIns="0" rtlCol="0" anchor="ctr">
+            <a:noAutofit/>
+          </a:bodyPr>
+          <a:lstStyle>
+            <a:lvl1pPr marL="0" indent="0" algn="l" defTabSz="1088558" rtl="0" eaLnBrk="1" latinLnBrk="0" hangingPunct="1">
+              <a:spcBef>
+                <a:spcPts val="1800"/>
+              </a:spcBef>
+              <a:buClr>
+                <a:schemeClr val="accent1"/>
+              </a:buClr>
+              <a:buSzPct val="80000"/>
+              <a:buFontTx/>
+              <a:buNone/>
+              <a:defRPr sz="2000" b="0" kern="1200">
+                <a:solidFill>
+                  <a:schemeClr val="tx1"/>
+                </a:solidFill>
+                <a:latin typeface="+mn-lt"/>
+                <a:ea typeface="+mn-ea"/>
+                <a:cs typeface="+mn-cs"/>
+              </a:defRPr>
+            </a:lvl1pPr>
+            <a:lvl2pPr marL="179964" indent="-179964" algn="l" defTabSz="1088558" rtl="0" eaLnBrk="1" latinLnBrk="0" hangingPunct="1">
+              <a:spcBef>
+                <a:spcPts val="600"/>
+              </a:spcBef>
+              <a:buClr>
+                <a:schemeClr val="accent1"/>
+              </a:buClr>
+              <a:buSzPct val="100000"/>
+              <a:buFont typeface="Wingdings" pitchFamily="2" charset="2"/>
+              <a:buChar char="§"/>
+              <a:defRPr sz="1800" kern="1200">
+                <a:solidFill>
+                  <a:schemeClr val="tx1"/>
+                </a:solidFill>
+                <a:latin typeface="+mn-lt"/>
+                <a:ea typeface="+mn-ea"/>
+                <a:cs typeface="+mn-cs"/>
+              </a:defRPr>
+            </a:lvl2pPr>
+            <a:lvl3pPr marL="358775" indent="-179388" algn="l" defTabSz="1088558" rtl="0" eaLnBrk="1" latinLnBrk="0" hangingPunct="1">
+              <a:spcBef>
+                <a:spcPts val="300"/>
+              </a:spcBef>
+              <a:buClr>
+                <a:schemeClr val="tx1"/>
+              </a:buClr>
+              <a:buSzPct val="100000"/>
+              <a:buFont typeface="Arial" panose="020B0604020202020204" pitchFamily="34" charset="0"/>
+              <a:buChar char="–"/>
+              <a:defRPr lang="en-US" sz="1800" kern="1200" noProof="0" dirty="0" smtClean="0">
+                <a:solidFill>
+                  <a:schemeClr val="tx1"/>
+                </a:solidFill>
+                <a:latin typeface="+mn-lt"/>
+                <a:ea typeface="+mn-ea"/>
+                <a:cs typeface="+mn-cs"/>
+              </a:defRPr>
+            </a:lvl3pPr>
+            <a:lvl4pPr marL="539892" indent="-179964" algn="l" defTabSz="1088558" rtl="0" eaLnBrk="1" latinLnBrk="0" hangingPunct="1">
+              <a:spcBef>
+                <a:spcPts val="300"/>
+              </a:spcBef>
+              <a:buClr>
+                <a:schemeClr val="tx1"/>
+              </a:buClr>
+              <a:buSzPct val="120000"/>
+              <a:buFont typeface="Arial" pitchFamily="34" charset="0"/>
+              <a:buChar char="▫"/>
+              <a:defRPr sz="1600" kern="1200">
+                <a:solidFill>
+                  <a:schemeClr val="tx1"/>
+                </a:solidFill>
+                <a:latin typeface="+mn-lt"/>
+                <a:ea typeface="+mn-ea"/>
+                <a:cs typeface="+mn-cs"/>
+              </a:defRPr>
+            </a:lvl4pPr>
+            <a:lvl5pPr marL="719856" indent="-179964" algn="l" defTabSz="1088558" rtl="0" eaLnBrk="1" latinLnBrk="0" hangingPunct="1">
+              <a:spcBef>
+                <a:spcPts val="100"/>
+              </a:spcBef>
+              <a:buClr>
+                <a:schemeClr val="tx1"/>
+              </a:buClr>
+              <a:buSzPct val="100000"/>
+              <a:buFont typeface="Symbol" panose="05050102010706020507" pitchFamily="18" charset="2"/>
+              <a:buChar char="-"/>
+              <a:defRPr sz="1400" kern="1200" baseline="0">
+                <a:solidFill>
+                  <a:schemeClr val="tx1"/>
+                </a:solidFill>
+                <a:latin typeface="+mn-lt"/>
+                <a:ea typeface="+mn-ea"/>
+                <a:cs typeface="+mn-cs"/>
+              </a:defRPr>
+            </a:lvl5pPr>
+            <a:lvl6pPr marL="2993535" indent="-272140" algn="l" defTabSz="1088558" rtl="0" eaLnBrk="1" latinLnBrk="0" hangingPunct="1">
+              <a:spcBef>
+                <a:spcPct val="20000"/>
+              </a:spcBef>
+              <a:buFont typeface="Arial" pitchFamily="34" charset="0"/>
+              <a:buChar char="•"/>
+              <a:defRPr sz="2400" kern="1200">
+                <a:solidFill>
+                  <a:schemeClr val="tx1"/>
+                </a:solidFill>
+                <a:latin typeface="+mn-lt"/>
+                <a:ea typeface="+mn-ea"/>
+                <a:cs typeface="+mn-cs"/>
+              </a:defRPr>
+            </a:lvl6pPr>
+            <a:lvl7pPr marL="3537814" indent="-272140" algn="l" defTabSz="1088558" rtl="0" eaLnBrk="1" latinLnBrk="0" hangingPunct="1">
+              <a:spcBef>
+                <a:spcPct val="20000"/>
+              </a:spcBef>
+              <a:buFont typeface="Arial" pitchFamily="34" charset="0"/>
+              <a:buChar char="•"/>
+              <a:defRPr sz="2400" kern="1200">
+                <a:solidFill>
+                  <a:schemeClr val="tx1"/>
+                </a:solidFill>
+                <a:latin typeface="+mn-lt"/>
+                <a:ea typeface="+mn-ea"/>
+                <a:cs typeface="+mn-cs"/>
+              </a:defRPr>
+            </a:lvl7pPr>
+            <a:lvl8pPr marL="4082093" indent="-272140" algn="l" defTabSz="1088558" rtl="0" eaLnBrk="1" latinLnBrk="0" hangingPunct="1">
+              <a:spcBef>
+                <a:spcPct val="20000"/>
+              </a:spcBef>
+              <a:buFont typeface="Arial" pitchFamily="34" charset="0"/>
+              <a:buChar char="•"/>
+              <a:defRPr sz="2400" kern="1200">
+                <a:solidFill>
+                  <a:schemeClr val="tx1"/>
+                </a:solidFill>
+                <a:latin typeface="+mn-lt"/>
+                <a:ea typeface="+mn-ea"/>
+                <a:cs typeface="+mn-cs"/>
+              </a:defRPr>
+            </a:lvl8pPr>
+            <a:lvl9pPr marL="4626373" indent="-272140" algn="l" defTabSz="1088558" rtl="0" eaLnBrk="1" latinLnBrk="0" hangingPunct="1">
+              <a:spcBef>
+                <a:spcPct val="20000"/>
+              </a:spcBef>
+              <a:buFont typeface="Arial" pitchFamily="34" charset="0"/>
+              <a:buChar char="•"/>
+              <a:defRPr sz="2400" kern="1200">
+                <a:solidFill>
+                  <a:schemeClr val="tx1"/>
+                </a:solidFill>
+                <a:latin typeface="+mn-lt"/>
+                <a:ea typeface="+mn-ea"/>
+                <a:cs typeface="+mn-cs"/>
+              </a:defRPr>
+            </a:lvl9pPr>
+          </a:lstStyle>
+          <a:p>
+            <a:pPr lvl="1"/>
+            <a:r>
+              <a:rPr lang="en-US" sz="1600" dirty="0"/>
+              <a:t>Every program uses system calls to interact with the operating system</a:t>
+            </a:r>
+          </a:p>
+          <a:p>
+            <a:pPr lvl="1"/>
+            <a:endParaRPr lang="en-US" sz="1600" dirty="0"/>
+          </a:p>
+          <a:p>
+            <a:pPr lvl="1"/>
+            <a:r>
+              <a:rPr lang="en-US" sz="1600" dirty="0" err="1"/>
+              <a:t>seccomp</a:t>
+            </a:r>
+            <a:r>
+              <a:rPr lang="en-US" sz="1600" dirty="0"/>
+              <a:t> can block individual system calls</a:t>
+            </a:r>
+          </a:p>
+          <a:p>
+            <a:pPr lvl="2"/>
+            <a:r>
+              <a:rPr lang="en-US" sz="1600" dirty="0"/>
+              <a:t>whitelisting</a:t>
+            </a:r>
+          </a:p>
+          <a:p>
+            <a:pPr lvl="2"/>
+            <a:r>
+              <a:rPr lang="en-US" sz="1600" dirty="0"/>
+              <a:t>blacklisting</a:t>
+            </a:r>
+          </a:p>
+          <a:p>
+            <a:pPr lvl="2"/>
+            <a:r>
+              <a:rPr lang="en-US" sz="1600" dirty="0" err="1"/>
+              <a:t>systemcall</a:t>
+            </a:r>
+            <a:r>
+              <a:rPr lang="en-US" sz="1600" dirty="0"/>
+              <a:t> trapping</a:t>
+            </a:r>
+          </a:p>
+          <a:p>
+            <a:pPr marL="0" lvl="1" indent="0">
+              <a:buNone/>
+            </a:pPr>
+            <a:endParaRPr lang="en-US" sz="1600" dirty="0"/>
+          </a:p>
+        </p:txBody>
+      </p:sp>
+      <p:sp>
+        <p:nvSpPr>
+          <p:cNvPr id="20" name="Arrow: Down 19">
+            <a:extLst>
+              <a:ext uri="{FF2B5EF4-FFF2-40B4-BE49-F238E27FC236}">
+                <a16:creationId xmlns:a16="http://schemas.microsoft.com/office/drawing/2014/main" id="{EFC98BFD-16D9-417F-905E-F4BA2AF414FF}"/>
+              </a:ext>
+            </a:extLst>
+          </p:cNvPr>
+          <p:cNvSpPr/>
+          <p:nvPr/>
+        </p:nvSpPr>
+        <p:spPr bwMode="gray">
+          <a:xfrm>
+            <a:off x="2414539" y="2343149"/>
+            <a:ext cx="681086" cy="2495549"/>
+          </a:xfrm>
+          <a:prstGeom prst="downArrow">
+            <a:avLst>
+              <a:gd name="adj1" fmla="val 50000"/>
+              <a:gd name="adj2" fmla="val 56046"/>
+            </a:avLst>
+          </a:prstGeom>
+          <a:solidFill>
+            <a:schemeClr val="accent4">
+              <a:lumMod val="50000"/>
+            </a:schemeClr>
+          </a:solidFill>
+          <a:ln w="6350" algn="ctr">
+            <a:noFill/>
+            <a:miter lim="800000"/>
+            <a:headEnd/>
+            <a:tailEnd/>
+          </a:ln>
+        </p:spPr>
+        <p:txBody>
+          <a:bodyPr vert="vert270" lIns="90000" tIns="72000" rIns="90000" bIns="72000" rtlCol="0" anchor="ctr"/>
+          <a:lstStyle/>
+          <a:p>
+            <a:pPr marR="0" algn="ctr" defTabSz="914400" eaLnBrk="1" fontAlgn="base" latinLnBrk="0" hangingPunct="1">
+              <a:lnSpc>
+                <a:spcPct val="100000"/>
+              </a:lnSpc>
+              <a:spcBef>
+                <a:spcPct val="50000"/>
+              </a:spcBef>
+              <a:spcAft>
+                <a:spcPct val="0"/>
+              </a:spcAft>
+              <a:buClr>
+                <a:srgbClr val="F0AB00"/>
+              </a:buClr>
+              <a:buSzPct val="80000"/>
+              <a:tabLst/>
+            </a:pPr>
+            <a:r>
+              <a:rPr kumimoji="0" lang="en-US" sz="1600" u="none" strike="noStrike" kern="0" cap="none" spc="0" normalizeH="0" baseline="0" noProof="0" dirty="0">
+                <a:ln>
+                  <a:noFill/>
+                </a:ln>
+                <a:solidFill>
+                  <a:schemeClr val="bg1"/>
+                </a:solidFill>
+                <a:effectLst/>
+                <a:uLnTx/>
+                <a:uFillTx/>
+                <a:latin typeface="Courier New" panose="02070309020205020404" pitchFamily="49" charset="0"/>
+                <a:ea typeface="Arial Unicode MS" pitchFamily="34" charset="-128"/>
+                <a:cs typeface="Courier New" panose="02070309020205020404" pitchFamily="49" charset="0"/>
+              </a:rPr>
+              <a:t>write</a:t>
+            </a:r>
+          </a:p>
+        </p:txBody>
+      </p:sp>
+      <p:sp>
+        <p:nvSpPr>
+          <p:cNvPr id="21" name="Arrow: Down 20">
+            <a:extLst>
+              <a:ext uri="{FF2B5EF4-FFF2-40B4-BE49-F238E27FC236}">
+                <a16:creationId xmlns:a16="http://schemas.microsoft.com/office/drawing/2014/main" id="{C762D2E9-8CCC-49DC-A718-3C0FC3CA4A3B}"/>
+              </a:ext>
+            </a:extLst>
+          </p:cNvPr>
+          <p:cNvSpPr/>
+          <p:nvPr/>
+        </p:nvSpPr>
+        <p:spPr bwMode="gray">
+          <a:xfrm>
+            <a:off x="3128889" y="2343147"/>
+            <a:ext cx="681086" cy="2495549"/>
+          </a:xfrm>
+          <a:prstGeom prst="downArrow">
+            <a:avLst>
+              <a:gd name="adj1" fmla="val 50000"/>
+              <a:gd name="adj2" fmla="val 56046"/>
+            </a:avLst>
+          </a:prstGeom>
+          <a:solidFill>
+            <a:schemeClr val="accent4">
+              <a:lumMod val="50000"/>
+            </a:schemeClr>
+          </a:solidFill>
+          <a:ln w="6350" algn="ctr">
+            <a:noFill/>
+            <a:miter lim="800000"/>
+            <a:headEnd/>
+            <a:tailEnd/>
+          </a:ln>
+        </p:spPr>
+        <p:txBody>
+          <a:bodyPr vert="vert270" lIns="90000" tIns="72000" rIns="90000" bIns="72000" rtlCol="0" anchor="ctr"/>
+          <a:lstStyle/>
+          <a:p>
+            <a:pPr marR="0" algn="ctr" defTabSz="914400" eaLnBrk="1" fontAlgn="base" latinLnBrk="0" hangingPunct="1">
+              <a:lnSpc>
+                <a:spcPct val="100000"/>
+              </a:lnSpc>
+              <a:spcBef>
+                <a:spcPct val="50000"/>
+              </a:spcBef>
+              <a:spcAft>
+                <a:spcPct val="0"/>
+              </a:spcAft>
+              <a:buClr>
+                <a:srgbClr val="F0AB00"/>
+              </a:buClr>
+              <a:buSzPct val="80000"/>
+              <a:tabLst/>
+            </a:pPr>
+            <a:r>
+              <a:rPr kumimoji="0" lang="en-US" sz="1600" u="none" strike="noStrike" kern="0" cap="none" spc="0" normalizeH="0" baseline="0" noProof="0" dirty="0">
+                <a:ln>
+                  <a:noFill/>
+                </a:ln>
+                <a:solidFill>
+                  <a:schemeClr val="bg1"/>
+                </a:solidFill>
+                <a:effectLst/>
+                <a:uLnTx/>
+                <a:uFillTx/>
+                <a:latin typeface="Courier New" panose="02070309020205020404" pitchFamily="49" charset="0"/>
+                <a:ea typeface="Arial Unicode MS" pitchFamily="34" charset="-128"/>
+                <a:cs typeface="Courier New" panose="02070309020205020404" pitchFamily="49" charset="0"/>
+              </a:rPr>
+              <a:t>stat</a:t>
+            </a:r>
+          </a:p>
+        </p:txBody>
+      </p:sp>
+      <p:sp>
+        <p:nvSpPr>
+          <p:cNvPr id="22" name="Arrow: Down 21">
+            <a:extLst>
+              <a:ext uri="{FF2B5EF4-FFF2-40B4-BE49-F238E27FC236}">
+                <a16:creationId xmlns:a16="http://schemas.microsoft.com/office/drawing/2014/main" id="{DC7DA7C8-2FBD-4FAF-A215-8EFA6FB4552B}"/>
+              </a:ext>
+            </a:extLst>
+          </p:cNvPr>
+          <p:cNvSpPr/>
+          <p:nvPr/>
+        </p:nvSpPr>
+        <p:spPr bwMode="gray">
+          <a:xfrm>
+            <a:off x="3957540" y="2343147"/>
+            <a:ext cx="681086" cy="2495549"/>
+          </a:xfrm>
+          <a:prstGeom prst="downArrow">
+            <a:avLst>
+              <a:gd name="adj1" fmla="val 50000"/>
+              <a:gd name="adj2" fmla="val 56046"/>
+            </a:avLst>
+          </a:prstGeom>
+          <a:solidFill>
+            <a:srgbClr val="FF0000"/>
+          </a:solidFill>
+          <a:ln w="6350" algn="ctr">
+            <a:noFill/>
+            <a:miter lim="800000"/>
+            <a:headEnd/>
+            <a:tailEnd/>
+          </a:ln>
+        </p:spPr>
+        <p:txBody>
+          <a:bodyPr vert="vert270" lIns="90000" tIns="72000" rIns="90000" bIns="72000" rtlCol="0" anchor="ctr"/>
+          <a:lstStyle/>
+          <a:p>
+            <a:pPr marR="0" algn="ctr" defTabSz="914400" eaLnBrk="1" fontAlgn="base" latinLnBrk="0" hangingPunct="1">
+              <a:lnSpc>
+                <a:spcPct val="100000"/>
+              </a:lnSpc>
+              <a:spcBef>
+                <a:spcPct val="50000"/>
+              </a:spcBef>
+              <a:spcAft>
+                <a:spcPct val="0"/>
+              </a:spcAft>
+              <a:buClr>
+                <a:srgbClr val="F0AB00"/>
+              </a:buClr>
+              <a:buSzPct val="80000"/>
+              <a:tabLst/>
+            </a:pPr>
+            <a:r>
+              <a:rPr kumimoji="0" lang="en-US" sz="1600" u="none" strike="noStrike" kern="0" cap="none" spc="0" normalizeH="0" baseline="0" noProof="0" dirty="0">
+                <a:ln>
+                  <a:noFill/>
+                </a:ln>
+                <a:solidFill>
+                  <a:schemeClr val="bg1"/>
+                </a:solidFill>
+                <a:effectLst/>
+                <a:uLnTx/>
+                <a:uFillTx/>
+                <a:latin typeface="Courier New" panose="02070309020205020404" pitchFamily="49" charset="0"/>
+                <a:ea typeface="Arial Unicode MS" pitchFamily="34" charset="-128"/>
+                <a:cs typeface="Courier New" panose="02070309020205020404" pitchFamily="49" charset="0"/>
+              </a:rPr>
+              <a:t>reboot</a:t>
+            </a:r>
+          </a:p>
+        </p:txBody>
+      </p:sp>
+    </p:spTree>
+    <p:extLst>
+      <p:ext uri="{BB962C8B-B14F-4D97-AF65-F5344CB8AC3E}">
+        <p14:creationId xmlns:p14="http://schemas.microsoft.com/office/powerpoint/2010/main" val="2969143042"/>
+      </p:ext>
+    </p:extLst>
+  </p:cSld>
+  <p:clrMapOvr>
+    <a:masterClrMapping/>
+  </p:clrMapOvr>
+</p:sld>
+</file>
+
+<file path=ppt/slides/slide11.xml><?xml version="1.0" encoding="utf-8"?>
+<p:sld xmlns:a="http://schemas.openxmlformats.org/drawingml/2006/main" xmlns:r="http://schemas.openxmlformats.org/officeDocument/2006/relationships" xmlns:p="http://schemas.openxmlformats.org/presentationml/2006/main">
+  <p:cSld>
+    <p:spTree>
+      <p:nvGrpSpPr>
+        <p:cNvPr id="1" name=""/>
+        <p:cNvGrpSpPr/>
+        <p:nvPr/>
+      </p:nvGrpSpPr>
+      <p:grpSpPr>
+        <a:xfrm>
+          <a:off x="0" y="0"/>
+          <a:ext cx="0" cy="0"/>
+          <a:chOff x="0" y="0"/>
+          <a:chExt cx="0" cy="0"/>
+        </a:xfrm>
+      </p:grpSpPr>
+      <p:sp>
+        <p:nvSpPr>
+          <p:cNvPr id="4" name="Title 3">
+            <a:extLst>
+              <a:ext uri="{FF2B5EF4-FFF2-40B4-BE49-F238E27FC236}">
+                <a16:creationId xmlns:a16="http://schemas.microsoft.com/office/drawing/2014/main" id="{96BEB1A8-C9D3-4723-A64F-42E02E22325A}"/>
+              </a:ext>
+            </a:extLst>
+          </p:cNvPr>
+          <p:cNvSpPr>
+            <a:spLocks noGrp="1"/>
+          </p:cNvSpPr>
+          <p:nvPr>
+            <p:ph type="title"/>
+          </p:nvPr>
+        </p:nvSpPr>
+        <p:spPr/>
+        <p:txBody>
+          <a:bodyPr/>
+          <a:lstStyle/>
+          <a:p>
+            <a:r>
+              <a:rPr lang="en-US" dirty="0"/>
+              <a:t>Demo</a:t>
+            </a:r>
+          </a:p>
+        </p:txBody>
+      </p:sp>
+      <p:pic>
+        <p:nvPicPr>
+          <p:cNvPr id="6" name="Picture 5">
+            <a:extLst>
+              <a:ext uri="{FF2B5EF4-FFF2-40B4-BE49-F238E27FC236}">
+                <a16:creationId xmlns:a16="http://schemas.microsoft.com/office/drawing/2014/main" id="{8D1ACC5F-52FE-4C32-9E61-49F09FCEB59D}"/>
+              </a:ext>
+            </a:extLst>
+          </p:cNvPr>
+          <p:cNvPicPr>
+            <a:picLocks noChangeAspect="1"/>
+          </p:cNvPicPr>
+          <p:nvPr/>
+        </p:nvPicPr>
+        <p:blipFill>
+          <a:blip r:embed="rId3"/>
+          <a:stretch>
+            <a:fillRect/>
+          </a:stretch>
+        </p:blipFill>
+        <p:spPr>
+          <a:xfrm>
+            <a:off x="4521420" y="1853181"/>
+            <a:ext cx="3151638" cy="3151638"/>
+          </a:xfrm>
+          <a:prstGeom prst="rect">
+            <a:avLst/>
+          </a:prstGeom>
+        </p:spPr>
+      </p:pic>
+    </p:spTree>
+    <p:extLst>
+      <p:ext uri="{BB962C8B-B14F-4D97-AF65-F5344CB8AC3E}">
+        <p14:creationId xmlns:p14="http://schemas.microsoft.com/office/powerpoint/2010/main" val="3667640249"/>
+      </p:ext>
+    </p:extLst>
+  </p:cSld>
+  <p:clrMapOvr>
+    <a:masterClrMapping/>
+  </p:clrMapOvr>
+</p:sld>
+</file>
+
+<file path=ppt/slides/slide12.xml><?xml version="1.0" encoding="utf-8"?>
+<p:sld xmlns:a="http://schemas.openxmlformats.org/drawingml/2006/main" xmlns:r="http://schemas.openxmlformats.org/officeDocument/2006/relationships" xmlns:p="http://schemas.openxmlformats.org/presentationml/2006/main">
+  <p:cSld>
+    <p:spTree>
+      <p:nvGrpSpPr>
+        <p:cNvPr id="1" name=""/>
+        <p:cNvGrpSpPr/>
+        <p:nvPr/>
+      </p:nvGrpSpPr>
+      <p:grpSpPr>
+        <a:xfrm>
+          <a:off x="0" y="0"/>
+          <a:ext cx="0" cy="0"/>
+          <a:chOff x="0" y="0"/>
+          <a:chExt cx="0" cy="0"/>
+        </a:xfrm>
+      </p:grpSpPr>
+      <p:sp>
+        <p:nvSpPr>
+          <p:cNvPr id="4" name="Title 3">
+            <a:extLst>
+              <a:ext uri="{FF2B5EF4-FFF2-40B4-BE49-F238E27FC236}">
+                <a16:creationId xmlns:a16="http://schemas.microsoft.com/office/drawing/2014/main" id="{645B76E8-EDF1-4BBF-A073-4675DBA6C45F}"/>
+              </a:ext>
+            </a:extLst>
+          </p:cNvPr>
+          <p:cNvSpPr>
+            <a:spLocks noGrp="1"/>
+          </p:cNvSpPr>
+          <p:nvPr>
+            <p:ph type="title"/>
+          </p:nvPr>
+        </p:nvSpPr>
+        <p:spPr/>
+        <p:txBody>
+          <a:bodyPr/>
+          <a:lstStyle/>
+          <a:p>
+            <a:r>
+              <a:rPr lang="en-US" dirty="0"/>
+              <a:t>Let’s use these features to start our first container…</a:t>
+            </a:r>
+          </a:p>
+        </p:txBody>
+      </p:sp>
+      <p:sp>
+        <p:nvSpPr>
+          <p:cNvPr id="5" name="Rectangle: Rounded Corners 4">
+            <a:extLst>
+              <a:ext uri="{FF2B5EF4-FFF2-40B4-BE49-F238E27FC236}">
+                <a16:creationId xmlns:a16="http://schemas.microsoft.com/office/drawing/2014/main" id="{1A09AC9B-F654-4AFC-A240-22685298511B}"/>
+              </a:ext>
+            </a:extLst>
+          </p:cNvPr>
+          <p:cNvSpPr/>
+          <p:nvPr/>
+        </p:nvSpPr>
+        <p:spPr bwMode="gray">
+          <a:xfrm>
+            <a:off x="596245" y="2015340"/>
+            <a:ext cx="11001988" cy="380726"/>
+          </a:xfrm>
+          <a:prstGeom prst="roundRect">
+            <a:avLst>
+              <a:gd name="adj" fmla="val 8296"/>
+            </a:avLst>
+          </a:prstGeom>
+          <a:pattFill prst="narHorz">
+            <a:fgClr>
+              <a:schemeClr val="tx1"/>
+            </a:fgClr>
+            <a:bgClr>
+              <a:srgbClr val="112806"/>
+            </a:bgClr>
+          </a:pattFill>
+          <a:ln w="6350" algn="ctr">
+            <a:noFill/>
+            <a:miter lim="800000"/>
+            <a:headEnd/>
+            <a:tailEnd/>
+          </a:ln>
+        </p:spPr>
+        <p:txBody>
+          <a:bodyPr lIns="90000" tIns="72000" rIns="90000" bIns="72000" rtlCol="0" anchor="ctr"/>
+          <a:lstStyle/>
+          <a:p>
+            <a:pPr marL="179387" lvl="2" indent="0">
+              <a:buNone/>
+            </a:pPr>
+            <a:r>
+              <a:rPr lang="en-US" sz="1200" b="1" dirty="0">
+                <a:solidFill>
+                  <a:schemeClr val="bg1"/>
+                </a:solidFill>
+                <a:latin typeface="Courier New" panose="02070309020205020404" pitchFamily="49" charset="0"/>
+                <a:cs typeface="Courier New" panose="02070309020205020404" pitchFamily="49" charset="0"/>
+              </a:rPr>
+              <a:t># </a:t>
+            </a:r>
+            <a:r>
+              <a:rPr lang="en-US" sz="1200" b="1" dirty="0" err="1">
+                <a:solidFill>
+                  <a:schemeClr val="accent1">
+                    <a:lumMod val="20000"/>
+                    <a:lumOff val="80000"/>
+                  </a:schemeClr>
+                </a:solidFill>
+                <a:latin typeface="Courier New" panose="02070309020205020404" pitchFamily="49" charset="0"/>
+                <a:cs typeface="Courier New" panose="02070309020205020404" pitchFamily="49" charset="0"/>
+              </a:rPr>
+              <a:t>cgexec</a:t>
+            </a:r>
+            <a:r>
+              <a:rPr lang="en-US" sz="1200" b="1" dirty="0">
+                <a:solidFill>
+                  <a:schemeClr val="accent1">
+                    <a:lumMod val="20000"/>
+                    <a:lumOff val="80000"/>
+                  </a:schemeClr>
+                </a:solidFill>
+                <a:latin typeface="Courier New" panose="02070309020205020404" pitchFamily="49" charset="0"/>
+                <a:cs typeface="Courier New" panose="02070309020205020404" pitchFamily="49" charset="0"/>
+              </a:rPr>
+              <a:t> –r </a:t>
+            </a:r>
+            <a:r>
+              <a:rPr lang="en-US" sz="1200" b="1" dirty="0" err="1">
+                <a:solidFill>
+                  <a:schemeClr val="accent1">
+                    <a:lumMod val="20000"/>
+                    <a:lumOff val="80000"/>
+                  </a:schemeClr>
+                </a:solidFill>
+                <a:latin typeface="Courier New" panose="02070309020205020404" pitchFamily="49" charset="0"/>
+                <a:cs typeface="Courier New" panose="02070309020205020404" pitchFamily="49" charset="0"/>
+              </a:rPr>
+              <a:t>cpu,memory,pids</a:t>
+            </a:r>
+            <a:r>
+              <a:rPr lang="en-US" sz="1200" b="1" dirty="0">
+                <a:solidFill>
+                  <a:schemeClr val="accent1">
+                    <a:lumMod val="20000"/>
+                    <a:lumOff val="80000"/>
+                  </a:schemeClr>
+                </a:solidFill>
+                <a:latin typeface="Courier New" panose="02070309020205020404" pitchFamily="49" charset="0"/>
+                <a:cs typeface="Courier New" panose="02070309020205020404" pitchFamily="49" charset="0"/>
+              </a:rPr>
+              <a:t>:/container </a:t>
+            </a:r>
+            <a:r>
+              <a:rPr lang="en-US" sz="1200" b="1" dirty="0" err="1">
+                <a:solidFill>
+                  <a:schemeClr val="accent3">
+                    <a:lumMod val="20000"/>
+                    <a:lumOff val="80000"/>
+                  </a:schemeClr>
+                </a:solidFill>
+                <a:latin typeface="Courier New" panose="02070309020205020404" pitchFamily="49" charset="0"/>
+                <a:cs typeface="Courier New" panose="02070309020205020404" pitchFamily="49" charset="0"/>
+              </a:rPr>
+              <a:t>unshare</a:t>
+            </a:r>
+            <a:r>
+              <a:rPr lang="en-US" sz="1200" b="1" dirty="0">
+                <a:solidFill>
+                  <a:schemeClr val="accent3">
+                    <a:lumMod val="20000"/>
+                    <a:lumOff val="80000"/>
+                  </a:schemeClr>
+                </a:solidFill>
+                <a:latin typeface="Courier New" panose="02070309020205020404" pitchFamily="49" charset="0"/>
+                <a:cs typeface="Courier New" panose="02070309020205020404" pitchFamily="49" charset="0"/>
+              </a:rPr>
+              <a:t> --</a:t>
+            </a:r>
+            <a:r>
+              <a:rPr lang="en-US" sz="1200" b="1" dirty="0" err="1">
+                <a:solidFill>
+                  <a:schemeClr val="accent3">
+                    <a:lumMod val="20000"/>
+                    <a:lumOff val="80000"/>
+                  </a:schemeClr>
+                </a:solidFill>
+                <a:latin typeface="Courier New" panose="02070309020205020404" pitchFamily="49" charset="0"/>
+                <a:cs typeface="Courier New" panose="02070309020205020404" pitchFamily="49" charset="0"/>
+              </a:rPr>
+              <a:t>pid</a:t>
+            </a:r>
+            <a:r>
+              <a:rPr lang="en-US" sz="1200" b="1" dirty="0">
+                <a:solidFill>
+                  <a:schemeClr val="accent3">
+                    <a:lumMod val="20000"/>
+                    <a:lumOff val="80000"/>
+                  </a:schemeClr>
+                </a:solidFill>
+                <a:latin typeface="Courier New" panose="02070309020205020404" pitchFamily="49" charset="0"/>
+                <a:cs typeface="Courier New" panose="02070309020205020404" pitchFamily="49" charset="0"/>
+              </a:rPr>
+              <a:t> --</a:t>
+            </a:r>
+            <a:r>
+              <a:rPr lang="en-US" sz="1200" b="1" dirty="0" err="1">
+                <a:solidFill>
+                  <a:schemeClr val="accent3">
+                    <a:lumMod val="20000"/>
+                    <a:lumOff val="80000"/>
+                  </a:schemeClr>
+                </a:solidFill>
+                <a:latin typeface="Courier New" panose="02070309020205020404" pitchFamily="49" charset="0"/>
+                <a:cs typeface="Courier New" panose="02070309020205020404" pitchFamily="49" charset="0"/>
+              </a:rPr>
+              <a:t>uts</a:t>
+            </a:r>
+            <a:r>
+              <a:rPr lang="en-US" sz="1200" b="1" dirty="0">
+                <a:solidFill>
+                  <a:schemeClr val="accent3">
+                    <a:lumMod val="20000"/>
+                    <a:lumOff val="80000"/>
+                  </a:schemeClr>
+                </a:solidFill>
+                <a:latin typeface="Courier New" panose="02070309020205020404" pitchFamily="49" charset="0"/>
+                <a:cs typeface="Courier New" panose="02070309020205020404" pitchFamily="49" charset="0"/>
+              </a:rPr>
+              <a:t> --mount --user --fork </a:t>
+            </a:r>
+            <a:r>
+              <a:rPr lang="en-US" sz="1200" b="1" dirty="0">
+                <a:solidFill>
+                  <a:schemeClr val="accent5">
+                    <a:lumMod val="20000"/>
+                    <a:lumOff val="80000"/>
+                  </a:schemeClr>
+                </a:solidFill>
+                <a:latin typeface="Courier New" panose="02070309020205020404" pitchFamily="49" charset="0"/>
+                <a:cs typeface="Courier New" panose="02070309020205020404" pitchFamily="49" charset="0"/>
+              </a:rPr>
+              <a:t>chroot container</a:t>
+            </a:r>
+          </a:p>
+        </p:txBody>
+      </p:sp>
+      <p:sp>
+        <p:nvSpPr>
+          <p:cNvPr id="6" name="Speech Bubble: Rectangle 5">
+            <a:extLst>
+              <a:ext uri="{FF2B5EF4-FFF2-40B4-BE49-F238E27FC236}">
+                <a16:creationId xmlns:a16="http://schemas.microsoft.com/office/drawing/2014/main" id="{C746B67D-41C0-46C3-A8B9-8DC95EF8CDD1}"/>
+              </a:ext>
+            </a:extLst>
+          </p:cNvPr>
+          <p:cNvSpPr/>
+          <p:nvPr/>
+        </p:nvSpPr>
+        <p:spPr bwMode="gray">
+          <a:xfrm>
+            <a:off x="795867" y="3022600"/>
+            <a:ext cx="2345267" cy="829733"/>
+          </a:xfrm>
+          <a:prstGeom prst="wedgeRectCallout">
+            <a:avLst>
+              <a:gd name="adj1" fmla="val -4098"/>
+              <a:gd name="adj2" fmla="val -118895"/>
+            </a:avLst>
+          </a:prstGeom>
+          <a:solidFill>
+            <a:schemeClr val="accent1"/>
+          </a:solidFill>
+          <a:ln w="6350" algn="ctr">
+            <a:solidFill>
+              <a:schemeClr val="tx1"/>
+            </a:solidFill>
+            <a:miter lim="800000"/>
+            <a:headEnd/>
+            <a:tailEnd/>
+          </a:ln>
+        </p:spPr>
+        <p:txBody>
+          <a:bodyPr lIns="90000" tIns="72000" rIns="90000" bIns="72000" rtlCol="0" anchor="ctr"/>
+          <a:lstStyle/>
+          <a:p>
+            <a:pPr marR="0" algn="ctr" defTabSz="914400" eaLnBrk="1" fontAlgn="base" latinLnBrk="0" hangingPunct="1">
+              <a:lnSpc>
+                <a:spcPct val="100000"/>
+              </a:lnSpc>
+              <a:spcBef>
+                <a:spcPct val="50000"/>
+              </a:spcBef>
+              <a:spcAft>
+                <a:spcPct val="0"/>
+              </a:spcAft>
+              <a:buClr>
+                <a:srgbClr val="F0AB00"/>
+              </a:buClr>
+              <a:buSzPct val="80000"/>
+              <a:tabLst/>
+            </a:pPr>
+            <a:r>
+              <a:rPr lang="en-US" sz="1800" b="1" kern="0" dirty="0">
+                <a:ea typeface="Arial Unicode MS" pitchFamily="34" charset="-128"/>
+                <a:cs typeface="Arial Unicode MS" pitchFamily="34" charset="-128"/>
+              </a:rPr>
+              <a:t>cgroups</a:t>
+            </a:r>
+            <a:br>
+              <a:rPr lang="en-US" sz="1800" kern="0" dirty="0">
+                <a:ea typeface="Arial Unicode MS" pitchFamily="34" charset="-128"/>
+                <a:cs typeface="Arial Unicode MS" pitchFamily="34" charset="-128"/>
+              </a:rPr>
+            </a:br>
+            <a:r>
+              <a:rPr kumimoji="0" lang="en-US" sz="1600" b="0" i="1" u="none" strike="noStrike" kern="0" cap="none" spc="0" normalizeH="0" baseline="0" noProof="0" dirty="0">
+                <a:ln>
+                  <a:noFill/>
+                </a:ln>
+                <a:effectLst/>
+                <a:uLnTx/>
+                <a:uFillTx/>
+                <a:ea typeface="Arial Unicode MS" pitchFamily="34" charset="-128"/>
+                <a:cs typeface="Arial Unicode MS" pitchFamily="34" charset="-128"/>
+              </a:rPr>
+              <a:t>resource limitation</a:t>
+            </a:r>
+            <a:endParaRPr kumimoji="0" lang="en-US" sz="1800" b="0" i="1" u="none" strike="noStrike" kern="0" cap="none" spc="0" normalizeH="0" baseline="0" noProof="0" dirty="0">
+              <a:ln>
+                <a:noFill/>
+              </a:ln>
+              <a:effectLst/>
+              <a:uLnTx/>
+              <a:uFillTx/>
+              <a:ea typeface="Arial Unicode MS" pitchFamily="34" charset="-128"/>
+              <a:cs typeface="Arial Unicode MS" pitchFamily="34" charset="-128"/>
+            </a:endParaRPr>
+          </a:p>
+        </p:txBody>
+      </p:sp>
+      <p:sp>
+        <p:nvSpPr>
+          <p:cNvPr id="8" name="Speech Bubble: Rectangle 7">
+            <a:extLst>
+              <a:ext uri="{FF2B5EF4-FFF2-40B4-BE49-F238E27FC236}">
+                <a16:creationId xmlns:a16="http://schemas.microsoft.com/office/drawing/2014/main" id="{E20196A0-740B-486C-AE67-960A26C65EE5}"/>
+              </a:ext>
+            </a:extLst>
+          </p:cNvPr>
+          <p:cNvSpPr/>
+          <p:nvPr/>
+        </p:nvSpPr>
+        <p:spPr bwMode="gray">
+          <a:xfrm>
+            <a:off x="4267200" y="3952940"/>
+            <a:ext cx="2345267" cy="829733"/>
+          </a:xfrm>
+          <a:prstGeom prst="wedgeRectCallout">
+            <a:avLst>
+              <a:gd name="adj1" fmla="val 3123"/>
+              <a:gd name="adj2" fmla="val -230119"/>
+            </a:avLst>
+          </a:prstGeom>
+          <a:solidFill>
+            <a:schemeClr val="accent3">
+              <a:lumMod val="50000"/>
+            </a:schemeClr>
+          </a:solidFill>
+          <a:ln w="6350" algn="ctr">
+            <a:solidFill>
+              <a:schemeClr val="tx1"/>
+            </a:solidFill>
+            <a:miter lim="800000"/>
+            <a:headEnd/>
+            <a:tailEnd/>
+          </a:ln>
+        </p:spPr>
+        <p:txBody>
+          <a:bodyPr lIns="90000" tIns="72000" rIns="90000" bIns="72000" rtlCol="0" anchor="ctr"/>
+          <a:lstStyle/>
+          <a:p>
+            <a:pPr marR="0" algn="ctr" defTabSz="914400" eaLnBrk="1" fontAlgn="base" latinLnBrk="0" hangingPunct="1">
+              <a:lnSpc>
+                <a:spcPct val="100000"/>
+              </a:lnSpc>
+              <a:spcBef>
+                <a:spcPct val="50000"/>
+              </a:spcBef>
+              <a:spcAft>
+                <a:spcPct val="0"/>
+              </a:spcAft>
+              <a:buClr>
+                <a:srgbClr val="F0AB00"/>
+              </a:buClr>
+              <a:buSzPct val="80000"/>
+              <a:tabLst/>
+            </a:pPr>
+            <a:r>
+              <a:rPr lang="en-US" sz="1800" b="1" kern="0" dirty="0">
+                <a:solidFill>
+                  <a:schemeClr val="bg1"/>
+                </a:solidFill>
+                <a:ea typeface="Arial Unicode MS" pitchFamily="34" charset="-128"/>
+                <a:cs typeface="Arial Unicode MS" pitchFamily="34" charset="-128"/>
+              </a:rPr>
+              <a:t>namespaces</a:t>
+            </a:r>
+            <a:br>
+              <a:rPr lang="en-US" sz="1800" kern="0" dirty="0">
+                <a:solidFill>
+                  <a:schemeClr val="bg1"/>
+                </a:solidFill>
+                <a:ea typeface="Arial Unicode MS" pitchFamily="34" charset="-128"/>
+                <a:cs typeface="Arial Unicode MS" pitchFamily="34" charset="-128"/>
+              </a:rPr>
+            </a:br>
+            <a:r>
+              <a:rPr kumimoji="0" lang="en-US" sz="1600" i="1" u="none" strike="noStrike" kern="0" cap="none" spc="0" normalizeH="0" baseline="0" noProof="0" dirty="0">
+                <a:ln>
+                  <a:noFill/>
+                </a:ln>
+                <a:solidFill>
+                  <a:schemeClr val="bg1"/>
+                </a:solidFill>
+                <a:effectLst/>
+                <a:uLnTx/>
+                <a:uFillTx/>
+                <a:ea typeface="Arial Unicode MS" pitchFamily="34" charset="-128"/>
+                <a:cs typeface="Arial Unicode MS" pitchFamily="34" charset="-128"/>
+              </a:rPr>
+              <a:t>process isolation</a:t>
+            </a:r>
+            <a:endParaRPr kumimoji="0" lang="en-US" sz="1800" i="1" u="none" strike="noStrike" kern="0" cap="none" spc="0" normalizeH="0" baseline="0" noProof="0" dirty="0">
+              <a:ln>
+                <a:noFill/>
+              </a:ln>
+              <a:solidFill>
+                <a:schemeClr val="bg1"/>
+              </a:solidFill>
+              <a:effectLst/>
+              <a:uLnTx/>
+              <a:uFillTx/>
+              <a:ea typeface="Arial Unicode MS" pitchFamily="34" charset="-128"/>
+              <a:cs typeface="Arial Unicode MS" pitchFamily="34" charset="-128"/>
+            </a:endParaRPr>
+          </a:p>
+        </p:txBody>
+      </p:sp>
+      <p:sp>
+        <p:nvSpPr>
+          <p:cNvPr id="10" name="Speech Bubble: Rectangle 9">
+            <a:extLst>
+              <a:ext uri="{FF2B5EF4-FFF2-40B4-BE49-F238E27FC236}">
+                <a16:creationId xmlns:a16="http://schemas.microsoft.com/office/drawing/2014/main" id="{C424A9AD-2AA7-4E2A-8798-4805DFD1603A}"/>
+              </a:ext>
+            </a:extLst>
+          </p:cNvPr>
+          <p:cNvSpPr/>
+          <p:nvPr/>
+        </p:nvSpPr>
+        <p:spPr bwMode="gray">
+          <a:xfrm>
+            <a:off x="7899400" y="3437466"/>
+            <a:ext cx="2345267" cy="829733"/>
+          </a:xfrm>
+          <a:prstGeom prst="wedgeRectCallout">
+            <a:avLst>
+              <a:gd name="adj1" fmla="val -17454"/>
+              <a:gd name="adj2" fmla="val -168895"/>
+            </a:avLst>
+          </a:prstGeom>
+          <a:solidFill>
+            <a:schemeClr val="accent5">
+              <a:lumMod val="75000"/>
+            </a:schemeClr>
+          </a:solidFill>
+          <a:ln w="6350" algn="ctr">
+            <a:solidFill>
+              <a:schemeClr val="tx1"/>
+            </a:solidFill>
+            <a:miter lim="800000"/>
+            <a:headEnd/>
+            <a:tailEnd/>
+          </a:ln>
+        </p:spPr>
+        <p:txBody>
+          <a:bodyPr lIns="90000" tIns="72000" rIns="90000" bIns="72000" rtlCol="0" anchor="ctr"/>
+          <a:lstStyle/>
+          <a:p>
+            <a:pPr marR="0" algn="ctr" defTabSz="914400" eaLnBrk="1" fontAlgn="base" latinLnBrk="0" hangingPunct="1">
+              <a:lnSpc>
+                <a:spcPct val="100000"/>
+              </a:lnSpc>
+              <a:spcBef>
+                <a:spcPct val="50000"/>
+              </a:spcBef>
+              <a:spcAft>
+                <a:spcPct val="0"/>
+              </a:spcAft>
+              <a:buClr>
+                <a:srgbClr val="F0AB00"/>
+              </a:buClr>
+              <a:buSzPct val="80000"/>
+              <a:tabLst/>
+            </a:pPr>
+            <a:r>
+              <a:rPr lang="en-US" sz="1800" b="1" kern="0" dirty="0">
+                <a:solidFill>
+                  <a:schemeClr val="bg1"/>
+                </a:solidFill>
+                <a:ea typeface="Arial Unicode MS" pitchFamily="34" charset="-128"/>
+                <a:cs typeface="Arial Unicode MS" pitchFamily="34" charset="-128"/>
+              </a:rPr>
+              <a:t>chroot</a:t>
+            </a:r>
+            <a:br>
+              <a:rPr lang="en-US" sz="1800" kern="0" dirty="0">
+                <a:solidFill>
+                  <a:schemeClr val="bg1"/>
+                </a:solidFill>
+                <a:ea typeface="Arial Unicode MS" pitchFamily="34" charset="-128"/>
+                <a:cs typeface="Arial Unicode MS" pitchFamily="34" charset="-128"/>
+              </a:rPr>
+            </a:br>
+            <a:r>
+              <a:rPr kumimoji="0" lang="en-US" sz="1600" i="1" u="none" strike="noStrike" kern="0" cap="none" spc="0" normalizeH="0" baseline="0" noProof="0" dirty="0">
+                <a:ln>
+                  <a:noFill/>
+                </a:ln>
+                <a:solidFill>
+                  <a:schemeClr val="bg1"/>
+                </a:solidFill>
+                <a:effectLst/>
+                <a:uLnTx/>
+                <a:uFillTx/>
+                <a:ea typeface="Arial Unicode MS" pitchFamily="34" charset="-128"/>
+                <a:cs typeface="Arial Unicode MS" pitchFamily="34" charset="-128"/>
+              </a:rPr>
+              <a:t>filesystem isolation</a:t>
+            </a:r>
+            <a:endParaRPr kumimoji="0" lang="en-US" sz="1800" i="1" u="none" strike="noStrike" kern="0" cap="none" spc="0" normalizeH="0" baseline="0" noProof="0" dirty="0">
+              <a:ln>
+                <a:noFill/>
+              </a:ln>
+              <a:solidFill>
+                <a:schemeClr val="bg1"/>
+              </a:solidFill>
+              <a:effectLst/>
+              <a:uLnTx/>
+              <a:uFillTx/>
+              <a:ea typeface="Arial Unicode MS" pitchFamily="34" charset="-128"/>
+              <a:cs typeface="Arial Unicode MS" pitchFamily="34" charset="-128"/>
+            </a:endParaRPr>
+          </a:p>
+        </p:txBody>
+      </p:sp>
+    </p:spTree>
+    <p:extLst>
+      <p:ext uri="{BB962C8B-B14F-4D97-AF65-F5344CB8AC3E}">
+        <p14:creationId xmlns:p14="http://schemas.microsoft.com/office/powerpoint/2010/main" val="2934415875"/>
+      </p:ext>
+    </p:extLst>
+  </p:cSld>
+  <p:clrMapOvr>
+    <a:masterClrMapping/>
+  </p:clrMapOvr>
+</p:sld>
+</file>
+
+<file path=ppt/slides/slide13.xml><?xml version="1.0" encoding="utf-8"?>
+<p:sld xmlns:a="http://schemas.openxmlformats.org/drawingml/2006/main" xmlns:r="http://schemas.openxmlformats.org/officeDocument/2006/relationships" xmlns:p="http://schemas.openxmlformats.org/presentationml/2006/main">
+  <p:cSld>
+    <p:spTree>
+      <p:nvGrpSpPr>
+        <p:cNvPr id="1" name=""/>
+        <p:cNvGrpSpPr/>
+        <p:nvPr/>
+      </p:nvGrpSpPr>
+      <p:grpSpPr>
+        <a:xfrm>
+          <a:off x="0" y="0"/>
+          <a:ext cx="0" cy="0"/>
+          <a:chOff x="0" y="0"/>
+          <a:chExt cx="0" cy="0"/>
+        </a:xfrm>
+      </p:grpSpPr>
+      <p:sp>
+        <p:nvSpPr>
+          <p:cNvPr id="4" name="Title 3">
+            <a:extLst>
+              <a:ext uri="{FF2B5EF4-FFF2-40B4-BE49-F238E27FC236}">
+                <a16:creationId xmlns:a16="http://schemas.microsoft.com/office/drawing/2014/main" id="{96BEB1A8-C9D3-4723-A64F-42E02E22325A}"/>
+              </a:ext>
+            </a:extLst>
+          </p:cNvPr>
+          <p:cNvSpPr>
+            <a:spLocks noGrp="1"/>
+          </p:cNvSpPr>
+          <p:nvPr>
+            <p:ph type="title"/>
+          </p:nvPr>
+        </p:nvSpPr>
+        <p:spPr/>
+        <p:txBody>
+          <a:bodyPr/>
+          <a:lstStyle/>
+          <a:p>
+            <a:r>
+              <a:rPr lang="en-US" dirty="0"/>
+              <a:t>Exercise #0 – Linux Primitives</a:t>
+            </a:r>
+          </a:p>
+        </p:txBody>
+      </p:sp>
+      <p:pic>
+        <p:nvPicPr>
+          <p:cNvPr id="8" name="Picture 7">
+            <a:extLst>
+              <a:ext uri="{FF2B5EF4-FFF2-40B4-BE49-F238E27FC236}">
+                <a16:creationId xmlns:a16="http://schemas.microsoft.com/office/drawing/2014/main" id="{D6B8C527-073F-471B-A282-22B63876CA6B}"/>
+              </a:ext>
+            </a:extLst>
+          </p:cNvPr>
+          <p:cNvPicPr>
+            <a:picLocks noChangeAspect="1"/>
+          </p:cNvPicPr>
+          <p:nvPr/>
+        </p:nvPicPr>
+        <p:blipFill>
+          <a:blip r:embed="rId3"/>
+          <a:stretch>
+            <a:fillRect/>
+          </a:stretch>
+        </p:blipFill>
+        <p:spPr>
+          <a:xfrm>
+            <a:off x="4571712" y="1903473"/>
+            <a:ext cx="3051054" cy="3051054"/>
+          </a:xfrm>
+          <a:prstGeom prst="rect">
+            <a:avLst/>
+          </a:prstGeom>
+        </p:spPr>
+      </p:pic>
+    </p:spTree>
+    <p:extLst>
+      <p:ext uri="{BB962C8B-B14F-4D97-AF65-F5344CB8AC3E}">
+        <p14:creationId xmlns:p14="http://schemas.microsoft.com/office/powerpoint/2010/main" val="2376440218"/>
+      </p:ext>
+    </p:extLst>
+  </p:cSld>
+  <p:clrMapOvr>
+    <a:masterClrMapping/>
+  </p:clrMapOvr>
+</p:sld>
+</file>
+
+<file path=ppt/slides/slide14.xml><?xml version="1.0" encoding="utf-8"?>
+<p:sld xmlns:a="http://schemas.openxmlformats.org/drawingml/2006/main" xmlns:r="http://schemas.openxmlformats.org/officeDocument/2006/relationships" xmlns:p="http://schemas.openxmlformats.org/presentationml/2006/main">
+  <p:cSld>
+    <p:spTree>
+      <p:nvGrpSpPr>
+        <p:cNvPr id="1" name=""/>
+        <p:cNvGrpSpPr/>
+        <p:nvPr/>
+      </p:nvGrpSpPr>
+      <p:grpSpPr>
+        <a:xfrm>
+          <a:off x="0" y="0"/>
+          <a:ext cx="0" cy="0"/>
+          <a:chOff x="0" y="0"/>
+          <a:chExt cx="0" cy="0"/>
+        </a:xfrm>
+      </p:grpSpPr>
+      <p:sp>
+        <p:nvSpPr>
+          <p:cNvPr id="17" name="Text Placeholder 16"/>
+          <p:cNvSpPr>
+            <a:spLocks noGrp="1"/>
+          </p:cNvSpPr>
+          <p:nvPr>
+            <p:ph type="body" sz="quarter" idx="14"/>
+          </p:nvPr>
+        </p:nvSpPr>
+        <p:spPr/>
+        <p:txBody>
+          <a:bodyPr anchor="ctr"/>
+          <a:lstStyle/>
+          <a:p>
+            <a:r>
+              <a:rPr lang="en-US" dirty="0"/>
+              <a:t>Containers </a:t>
+            </a:r>
+            <a:r>
+              <a:rPr lang="en-US" dirty="0">
+                <a:solidFill>
+                  <a:schemeClr val="accent1"/>
+                </a:solidFill>
+              </a:rPr>
+              <a:t>made easy</a:t>
+            </a:r>
+          </a:p>
+        </p:txBody>
+      </p:sp>
+      <p:pic>
+        <p:nvPicPr>
+          <p:cNvPr id="4" name="Picture 3">
+            <a:extLst>
+              <a:ext uri="{FF2B5EF4-FFF2-40B4-BE49-F238E27FC236}">
+                <a16:creationId xmlns:a16="http://schemas.microsoft.com/office/drawing/2014/main" id="{2E8C9C42-BC03-468E-B04E-6BE203085308}"/>
+              </a:ext>
+            </a:extLst>
+          </p:cNvPr>
+          <p:cNvPicPr>
+            <a:picLocks noChangeAspect="1"/>
+          </p:cNvPicPr>
+          <p:nvPr/>
+        </p:nvPicPr>
+        <p:blipFill>
+          <a:blip r:embed="rId3"/>
+          <a:stretch>
+            <a:fillRect/>
+          </a:stretch>
+        </p:blipFill>
+        <p:spPr>
+          <a:xfrm>
+            <a:off x="6978451" y="1609832"/>
+            <a:ext cx="4262244" cy="3190166"/>
+          </a:xfrm>
+          <a:prstGeom prst="rect">
+            <a:avLst/>
+          </a:prstGeom>
+        </p:spPr>
+      </p:pic>
+    </p:spTree>
+    <p:extLst>
+      <p:ext uri="{BB962C8B-B14F-4D97-AF65-F5344CB8AC3E}">
+        <p14:creationId xmlns:p14="http://schemas.microsoft.com/office/powerpoint/2010/main" val="331263750"/>
+      </p:ext>
+    </p:extLst>
+  </p:cSld>
+  <p:clrMapOvr>
+    <a:masterClrMapping/>
+  </p:clrMapOvr>
+</p:sld>
+</file>
+
+<file path=ppt/slides/slide15.xml><?xml version="1.0" encoding="utf-8"?>
+<p:sld xmlns:a="http://schemas.openxmlformats.org/drawingml/2006/main" xmlns:r="http://schemas.openxmlformats.org/officeDocument/2006/relationships" xmlns:p="http://schemas.openxmlformats.org/presentationml/2006/main">
+  <p:cSld>
+    <p:spTree>
+      <p:nvGrpSpPr>
+        <p:cNvPr id="1" name=""/>
+        <p:cNvGrpSpPr/>
+        <p:nvPr/>
+      </p:nvGrpSpPr>
+      <p:grpSpPr>
+        <a:xfrm>
+          <a:off x="0" y="0"/>
+          <a:ext cx="0" cy="0"/>
+          <a:chOff x="0" y="0"/>
+          <a:chExt cx="0" cy="0"/>
+        </a:xfrm>
+      </p:grpSpPr>
       <p:sp>
         <p:nvSpPr>
           <p:cNvPr id="13" name="Speech Bubble: Rectangle 12">
@@ -16912,7 +19311,7 @@
 </p:sld>
 </file>
 
-<file path=ppt/slides/slide11.xml><?xml version="1.0" encoding="utf-8"?>
+<file path=ppt/slides/slide16.xml><?xml version="1.0" encoding="utf-8"?>
 <p:sld xmlns:a="http://schemas.openxmlformats.org/drawingml/2006/main" xmlns:r="http://schemas.openxmlformats.org/officeDocument/2006/relationships" xmlns:p="http://schemas.openxmlformats.org/presentationml/2006/main">
   <p:cSld>
     <p:spTree>
@@ -17041,7 +19440,7 @@
 </p:sld>
 </file>
 
-<file path=ppt/slides/slide12.xml><?xml version="1.0" encoding="utf-8"?>
+<file path=ppt/slides/slide17.xml><?xml version="1.0" encoding="utf-8"?>
 <p:sld xmlns:a="http://schemas.openxmlformats.org/drawingml/2006/main" xmlns:r="http://schemas.openxmlformats.org/officeDocument/2006/relationships" xmlns:p="http://schemas.openxmlformats.org/presentationml/2006/main">
   <p:cSld>
     <p:spTree>
@@ -17503,7 +19902,7 @@
 </p:sld>
 </file>
 
-<file path=ppt/slides/slide13.xml><?xml version="1.0" encoding="utf-8"?>
+<file path=ppt/slides/slide18.xml><?xml version="1.0" encoding="utf-8"?>
 <p:sld xmlns:a="http://schemas.openxmlformats.org/drawingml/2006/main" xmlns:r="http://schemas.openxmlformats.org/officeDocument/2006/relationships" xmlns:p="http://schemas.openxmlformats.org/presentationml/2006/main">
   <p:cSld>
     <p:spTree>
@@ -18813,7 +21212,7 @@
 </p:sld>
 </file>
 
-<file path=ppt/slides/slide14.xml><?xml version="1.0" encoding="utf-8"?>
+<file path=ppt/slides/slide19.xml><?xml version="1.0" encoding="utf-8"?>
 <p:sld xmlns:a="http://schemas.openxmlformats.org/drawingml/2006/main" xmlns:r="http://schemas.openxmlformats.org/officeDocument/2006/relationships" xmlns:p="http://schemas.openxmlformats.org/presentationml/2006/main">
   <p:cSld>
     <p:spTree>
@@ -18890,7 +21289,1729 @@
 </p:sld>
 </file>
 
-<file path=ppt/slides/slide15.xml><?xml version="1.0" encoding="utf-8"?>
+<file path=ppt/slides/slide2.xml><?xml version="1.0" encoding="utf-8"?>
+<p:sld xmlns:a="http://schemas.openxmlformats.org/drawingml/2006/main" xmlns:r="http://schemas.openxmlformats.org/officeDocument/2006/relationships" xmlns:p="http://schemas.openxmlformats.org/presentationml/2006/main">
+  <p:cSld>
+    <p:spTree>
+      <p:nvGrpSpPr>
+        <p:cNvPr id="1" name=""/>
+        <p:cNvGrpSpPr/>
+        <p:nvPr/>
+      </p:nvGrpSpPr>
+      <p:grpSpPr>
+        <a:xfrm>
+          <a:off x="0" y="0"/>
+          <a:ext cx="0" cy="0"/>
+          <a:chOff x="0" y="0"/>
+          <a:chExt cx="0" cy="0"/>
+        </a:xfrm>
+      </p:grpSpPr>
+      <p:sp>
+        <p:nvSpPr>
+          <p:cNvPr id="3" name="Title 2"/>
+          <p:cNvSpPr>
+            <a:spLocks noGrp="1"/>
+          </p:cNvSpPr>
+          <p:nvPr>
+            <p:ph type="title"/>
+          </p:nvPr>
+        </p:nvSpPr>
+        <p:spPr/>
+        <p:txBody>
+          <a:bodyPr/>
+          <a:lstStyle/>
+          <a:p>
+            <a:r>
+              <a:rPr lang="en-US" dirty="0"/>
+              <a:t>Linux Features</a:t>
+            </a:r>
+          </a:p>
+        </p:txBody>
+      </p:sp>
+      <p:sp>
+        <p:nvSpPr>
+          <p:cNvPr id="5" name="Rectangle 4"/>
+          <p:cNvSpPr/>
+          <p:nvPr/>
+        </p:nvSpPr>
+        <p:spPr bwMode="gray">
+          <a:xfrm>
+            <a:off x="916101" y="3327400"/>
+            <a:ext cx="4426368" cy="2341629"/>
+          </a:xfrm>
+          <a:prstGeom prst="rect">
+            <a:avLst/>
+          </a:prstGeom>
+          <a:solidFill>
+            <a:schemeClr val="tx2">
+              <a:lumMod val="25000"/>
+            </a:schemeClr>
+          </a:solidFill>
+          <a:ln w="6350" algn="ctr">
+            <a:solidFill>
+              <a:schemeClr val="tx1"/>
+            </a:solidFill>
+            <a:miter lim="800000"/>
+            <a:headEnd/>
+            <a:tailEnd/>
+          </a:ln>
+        </p:spPr>
+        <p:txBody>
+          <a:bodyPr lIns="90000" tIns="72000" rIns="90000" bIns="72000" rtlCol="0" anchor="ctr"/>
+          <a:lstStyle/>
+          <a:p>
+            <a:pPr marR="0" algn="ctr" defTabSz="914400" eaLnBrk="1" fontAlgn="base" latinLnBrk="0" hangingPunct="1">
+              <a:lnSpc>
+                <a:spcPct val="100000"/>
+              </a:lnSpc>
+              <a:spcBef>
+                <a:spcPct val="50000"/>
+              </a:spcBef>
+              <a:spcAft>
+                <a:spcPct val="0"/>
+              </a:spcAft>
+              <a:buClr>
+                <a:srgbClr val="F0AB00"/>
+              </a:buClr>
+              <a:buSzPct val="80000"/>
+              <a:tabLst/>
+            </a:pPr>
+            <a:endParaRPr kumimoji="0" lang="en-US" sz="1800" b="0" i="0" u="none" strike="noStrike" kern="0" cap="none" spc="0" normalizeH="0" baseline="0" dirty="0">
+              <a:ln>
+                <a:noFill/>
+              </a:ln>
+              <a:solidFill>
+                <a:schemeClr val="bg1"/>
+              </a:solidFill>
+              <a:effectLst/>
+              <a:uLnTx/>
+              <a:uFillTx/>
+              <a:ea typeface="Arial Unicode MS" pitchFamily="34" charset="-128"/>
+              <a:cs typeface="Arial Unicode MS" pitchFamily="34" charset="-128"/>
+            </a:endParaRPr>
+          </a:p>
+        </p:txBody>
+      </p:sp>
+      <p:sp>
+        <p:nvSpPr>
+          <p:cNvPr id="6" name="Rectangle 5"/>
+          <p:cNvSpPr/>
+          <p:nvPr/>
+        </p:nvSpPr>
+        <p:spPr bwMode="gray">
+          <a:xfrm>
+            <a:off x="994619" y="3395133"/>
+            <a:ext cx="4271648" cy="1787461"/>
+          </a:xfrm>
+          <a:prstGeom prst="rect">
+            <a:avLst/>
+          </a:prstGeom>
+          <a:solidFill>
+            <a:schemeClr val="accent4">
+              <a:lumMod val="75000"/>
+            </a:schemeClr>
+          </a:solidFill>
+          <a:ln w="6350" algn="ctr">
+            <a:solidFill>
+              <a:schemeClr val="tx1"/>
+            </a:solidFill>
+            <a:miter lim="800000"/>
+            <a:headEnd/>
+            <a:tailEnd/>
+          </a:ln>
+        </p:spPr>
+        <p:txBody>
+          <a:bodyPr lIns="90000" tIns="72000" rIns="90000" bIns="72000" rtlCol="0" anchor="t" anchorCtr="0"/>
+          <a:lstStyle/>
+          <a:p>
+            <a:pPr marR="0" algn="ctr" defTabSz="914400" eaLnBrk="1" fontAlgn="base" latinLnBrk="0" hangingPunct="1">
+              <a:lnSpc>
+                <a:spcPct val="100000"/>
+              </a:lnSpc>
+              <a:spcBef>
+                <a:spcPct val="50000"/>
+              </a:spcBef>
+              <a:spcAft>
+                <a:spcPct val="0"/>
+              </a:spcAft>
+              <a:buClr>
+                <a:srgbClr val="F0AB00"/>
+              </a:buClr>
+              <a:buSzPct val="80000"/>
+              <a:tabLst/>
+            </a:pPr>
+            <a:r>
+              <a:rPr kumimoji="0" lang="en-US" sz="1800" b="0" i="0" u="none" strike="noStrike" kern="0" cap="none" spc="0" normalizeH="0" baseline="0" dirty="0">
+                <a:ln>
+                  <a:noFill/>
+                </a:ln>
+                <a:solidFill>
+                  <a:schemeClr val="bg1"/>
+                </a:solidFill>
+                <a:effectLst/>
+                <a:uLnTx/>
+                <a:uFillTx/>
+                <a:ea typeface="Arial Unicode MS" pitchFamily="34" charset="-128"/>
+                <a:cs typeface="Arial Unicode MS" pitchFamily="34" charset="-128"/>
+              </a:rPr>
+              <a:t>Linux</a:t>
+            </a:r>
+          </a:p>
+        </p:txBody>
+      </p:sp>
+      <p:sp>
+        <p:nvSpPr>
+          <p:cNvPr id="7" name="Arrow: Down 6"/>
+          <p:cNvSpPr/>
+          <p:nvPr/>
+        </p:nvSpPr>
+        <p:spPr bwMode="gray">
+          <a:xfrm>
+            <a:off x="1079289" y="3079385"/>
+            <a:ext cx="712104" cy="554913"/>
+          </a:xfrm>
+          <a:prstGeom prst="downArrow">
+            <a:avLst>
+              <a:gd name="adj1" fmla="val 50000"/>
+              <a:gd name="adj2" fmla="val 38537"/>
+            </a:avLst>
+          </a:prstGeom>
+          <a:solidFill>
+            <a:schemeClr val="tx2">
+              <a:lumMod val="50000"/>
+            </a:schemeClr>
+          </a:solidFill>
+          <a:ln w="6350" algn="ctr">
+            <a:solidFill>
+              <a:schemeClr val="tx1"/>
+            </a:solidFill>
+            <a:miter lim="800000"/>
+            <a:headEnd/>
+            <a:tailEnd/>
+          </a:ln>
+        </p:spPr>
+        <p:txBody>
+          <a:bodyPr lIns="90000" tIns="72000" rIns="90000" bIns="72000" rtlCol="0" anchor="ctr"/>
+          <a:lstStyle/>
+          <a:p>
+            <a:pPr marR="0" algn="ctr" defTabSz="914400" eaLnBrk="1" fontAlgn="base" latinLnBrk="0" hangingPunct="1">
+              <a:lnSpc>
+                <a:spcPct val="100000"/>
+              </a:lnSpc>
+              <a:spcBef>
+                <a:spcPct val="50000"/>
+              </a:spcBef>
+              <a:spcAft>
+                <a:spcPct val="0"/>
+              </a:spcAft>
+              <a:buClr>
+                <a:srgbClr val="F0AB00"/>
+              </a:buClr>
+              <a:buSzPct val="80000"/>
+              <a:tabLst/>
+            </a:pPr>
+            <a:endParaRPr kumimoji="0" lang="en-US" sz="1800" b="0" i="0" u="none" strike="noStrike" kern="0" cap="none" spc="0" normalizeH="0" baseline="0" dirty="0">
+              <a:ln>
+                <a:noFill/>
+              </a:ln>
+              <a:solidFill>
+                <a:schemeClr val="bg1"/>
+              </a:solidFill>
+              <a:effectLst/>
+              <a:uLnTx/>
+              <a:uFillTx/>
+              <a:ea typeface="Arial Unicode MS" pitchFamily="34" charset="-128"/>
+              <a:cs typeface="Arial Unicode MS" pitchFamily="34" charset="-128"/>
+            </a:endParaRPr>
+          </a:p>
+        </p:txBody>
+      </p:sp>
+      <p:sp>
+        <p:nvSpPr>
+          <p:cNvPr id="8" name="Arrow: Down 7"/>
+          <p:cNvSpPr/>
+          <p:nvPr/>
+        </p:nvSpPr>
+        <p:spPr bwMode="gray">
+          <a:xfrm>
+            <a:off x="4473888" y="3075040"/>
+            <a:ext cx="712104" cy="554913"/>
+          </a:xfrm>
+          <a:prstGeom prst="downArrow">
+            <a:avLst>
+              <a:gd name="adj1" fmla="val 50000"/>
+              <a:gd name="adj2" fmla="val 38537"/>
+            </a:avLst>
+          </a:prstGeom>
+          <a:solidFill>
+            <a:schemeClr val="tx2">
+              <a:lumMod val="50000"/>
+            </a:schemeClr>
+          </a:solidFill>
+          <a:ln w="6350" algn="ctr">
+            <a:solidFill>
+              <a:schemeClr val="tx1"/>
+            </a:solidFill>
+            <a:miter lim="800000"/>
+            <a:headEnd/>
+            <a:tailEnd/>
+          </a:ln>
+        </p:spPr>
+        <p:txBody>
+          <a:bodyPr lIns="90000" tIns="72000" rIns="90000" bIns="72000" rtlCol="0" anchor="ctr"/>
+          <a:lstStyle/>
+          <a:p>
+            <a:pPr marR="0" algn="ctr" defTabSz="914400" eaLnBrk="1" fontAlgn="base" latinLnBrk="0" hangingPunct="1">
+              <a:lnSpc>
+                <a:spcPct val="100000"/>
+              </a:lnSpc>
+              <a:spcBef>
+                <a:spcPct val="50000"/>
+              </a:spcBef>
+              <a:spcAft>
+                <a:spcPct val="0"/>
+              </a:spcAft>
+              <a:buClr>
+                <a:srgbClr val="F0AB00"/>
+              </a:buClr>
+              <a:buSzPct val="80000"/>
+              <a:tabLst/>
+            </a:pPr>
+            <a:endParaRPr kumimoji="0" lang="en-US" sz="1800" b="0" i="0" u="none" strike="noStrike" kern="0" cap="none" spc="0" normalizeH="0" baseline="0" dirty="0">
+              <a:ln>
+                <a:noFill/>
+              </a:ln>
+              <a:solidFill>
+                <a:schemeClr val="bg1"/>
+              </a:solidFill>
+              <a:effectLst/>
+              <a:uLnTx/>
+              <a:uFillTx/>
+              <a:ea typeface="Arial Unicode MS" pitchFamily="34" charset="-128"/>
+              <a:cs typeface="Arial Unicode MS" pitchFamily="34" charset="-128"/>
+            </a:endParaRPr>
+          </a:p>
+        </p:txBody>
+      </p:sp>
+      <p:grpSp>
+        <p:nvGrpSpPr>
+          <p:cNvPr id="9" name="Group 8"/>
+          <p:cNvGrpSpPr/>
+          <p:nvPr/>
+        </p:nvGrpSpPr>
+        <p:grpSpPr>
+          <a:xfrm>
+            <a:off x="916100" y="2056108"/>
+            <a:ext cx="4426368" cy="1096525"/>
+            <a:chOff x="916099" y="2056108"/>
+            <a:chExt cx="4920343" cy="1096525"/>
+          </a:xfrm>
+        </p:grpSpPr>
+        <p:sp>
+          <p:nvSpPr>
+            <p:cNvPr id="10" name="Rectangle 9"/>
+            <p:cNvSpPr/>
+            <p:nvPr/>
+          </p:nvSpPr>
+          <p:spPr bwMode="gray">
+            <a:xfrm>
+              <a:off x="916099" y="2056108"/>
+              <a:ext cx="4920343" cy="1096525"/>
+            </a:xfrm>
+            <a:prstGeom prst="rect">
+              <a:avLst/>
+            </a:prstGeom>
+            <a:solidFill>
+              <a:schemeClr val="accent2">
+                <a:lumMod val="75000"/>
+              </a:schemeClr>
+            </a:solidFill>
+            <a:ln w="6350" algn="ctr">
+              <a:solidFill>
+                <a:schemeClr val="tx1"/>
+              </a:solidFill>
+              <a:miter lim="800000"/>
+              <a:headEnd/>
+              <a:tailEnd/>
+            </a:ln>
+          </p:spPr>
+          <p:txBody>
+            <a:bodyPr lIns="90000" tIns="72000" rIns="90000" bIns="72000" rtlCol="0" anchor="t" anchorCtr="0"/>
+            <a:lstStyle/>
+            <a:p>
+              <a:pPr marR="0" algn="ctr" defTabSz="914400" eaLnBrk="1" fontAlgn="base" latinLnBrk="0" hangingPunct="1">
+                <a:lnSpc>
+                  <a:spcPct val="100000"/>
+                </a:lnSpc>
+                <a:spcBef>
+                  <a:spcPct val="50000"/>
+                </a:spcBef>
+                <a:spcAft>
+                  <a:spcPct val="0"/>
+                </a:spcAft>
+                <a:buClr>
+                  <a:srgbClr val="F0AB00"/>
+                </a:buClr>
+                <a:buSzPct val="80000"/>
+                <a:tabLst/>
+              </a:pPr>
+              <a:r>
+                <a:rPr kumimoji="0" lang="en-US" sz="1600" b="0" i="0" u="none" strike="noStrike" kern="0" cap="none" spc="0" normalizeH="0" baseline="0" dirty="0">
+                  <a:ln>
+                    <a:noFill/>
+                  </a:ln>
+                  <a:solidFill>
+                    <a:schemeClr val="bg1"/>
+                  </a:solidFill>
+                  <a:effectLst/>
+                  <a:uLnTx/>
+                  <a:uFillTx/>
+                  <a:ea typeface="Arial Unicode MS" pitchFamily="34" charset="-128"/>
+                  <a:cs typeface="Arial Unicode MS" pitchFamily="34" charset="-128"/>
+                </a:rPr>
+                <a:t>Docker Runtime</a:t>
+              </a:r>
+            </a:p>
+          </p:txBody>
+        </p:sp>
+        <p:sp>
+          <p:nvSpPr>
+            <p:cNvPr id="11" name="Rectangle 10"/>
+            <p:cNvSpPr/>
+            <p:nvPr/>
+          </p:nvSpPr>
+          <p:spPr bwMode="gray">
+            <a:xfrm>
+              <a:off x="994619" y="2421820"/>
+              <a:ext cx="774914" cy="668513"/>
+            </a:xfrm>
+            <a:prstGeom prst="rect">
+              <a:avLst/>
+            </a:prstGeom>
+            <a:solidFill>
+              <a:schemeClr val="accent3">
+                <a:lumMod val="50000"/>
+              </a:schemeClr>
+            </a:solidFill>
+            <a:ln w="6350" algn="ctr">
+              <a:solidFill>
+                <a:schemeClr val="tx1"/>
+              </a:solidFill>
+              <a:miter lim="800000"/>
+              <a:headEnd/>
+              <a:tailEnd/>
+            </a:ln>
+          </p:spPr>
+          <p:txBody>
+            <a:bodyPr vert="vert270" lIns="90000" tIns="72000" rIns="90000" bIns="72000" rtlCol="0" anchor="ctr"/>
+            <a:lstStyle/>
+            <a:p>
+              <a:pPr marR="0" algn="ctr" defTabSz="914400" eaLnBrk="1" fontAlgn="base" latinLnBrk="0" hangingPunct="1">
+                <a:lnSpc>
+                  <a:spcPct val="100000"/>
+                </a:lnSpc>
+                <a:spcBef>
+                  <a:spcPct val="50000"/>
+                </a:spcBef>
+                <a:spcAft>
+                  <a:spcPct val="0"/>
+                </a:spcAft>
+                <a:buClr>
+                  <a:srgbClr val="F0AB00"/>
+                </a:buClr>
+                <a:buSzPct val="80000"/>
+                <a:tabLst/>
+              </a:pPr>
+              <a:r>
+                <a:rPr kumimoji="0" lang="en-US" sz="1100" b="0" i="0" u="none" strike="noStrike" kern="0" cap="none" spc="0" normalizeH="0" baseline="0" dirty="0">
+                  <a:ln>
+                    <a:noFill/>
+                  </a:ln>
+                  <a:solidFill>
+                    <a:schemeClr val="bg1"/>
+                  </a:solidFill>
+                  <a:effectLst/>
+                  <a:uLnTx/>
+                  <a:uFillTx/>
+                  <a:ea typeface="Arial Unicode MS" pitchFamily="34" charset="-128"/>
+                  <a:cs typeface="Arial Unicode MS" pitchFamily="34" charset="-128"/>
+                </a:rPr>
+                <a:t>dockerd</a:t>
+              </a:r>
+            </a:p>
+          </p:txBody>
+        </p:sp>
+      </p:grpSp>
+      <p:sp>
+        <p:nvSpPr>
+          <p:cNvPr id="12" name="Rectangle 11"/>
+          <p:cNvSpPr/>
+          <p:nvPr/>
+        </p:nvSpPr>
+        <p:spPr bwMode="gray">
+          <a:xfrm>
+            <a:off x="1889133" y="2421820"/>
+            <a:ext cx="774914" cy="668513"/>
+          </a:xfrm>
+          <a:prstGeom prst="rect">
+            <a:avLst/>
+          </a:prstGeom>
+          <a:solidFill>
+            <a:srgbClr val="F0AB00"/>
+          </a:solidFill>
+          <a:ln w="6350" algn="ctr">
+            <a:solidFill>
+              <a:schemeClr val="tx1"/>
+            </a:solidFill>
+            <a:miter lim="800000"/>
+            <a:headEnd/>
+            <a:tailEnd/>
+          </a:ln>
+        </p:spPr>
+        <p:txBody>
+          <a:bodyPr vert="horz" lIns="90000" tIns="72000" rIns="90000" bIns="72000" rtlCol="0" anchor="ctr"/>
+          <a:lstStyle/>
+          <a:p>
+            <a:pPr marR="0" algn="ctr" defTabSz="914400" eaLnBrk="1" fontAlgn="base" latinLnBrk="0" hangingPunct="1">
+              <a:lnSpc>
+                <a:spcPct val="100000"/>
+              </a:lnSpc>
+              <a:spcBef>
+                <a:spcPct val="50000"/>
+              </a:spcBef>
+              <a:spcAft>
+                <a:spcPct val="0"/>
+              </a:spcAft>
+              <a:buClr>
+                <a:srgbClr val="F0AB00"/>
+              </a:buClr>
+              <a:buSzPct val="80000"/>
+              <a:tabLst/>
+            </a:pPr>
+            <a:r>
+              <a:rPr kumimoji="0" lang="en-US" sz="1050" b="0" i="0" u="none" strike="noStrike" kern="0" cap="none" spc="0" normalizeH="0" baseline="0" dirty="0">
+                <a:ln>
+                  <a:noFill/>
+                </a:ln>
+                <a:solidFill>
+                  <a:schemeClr val="bg1"/>
+                </a:solidFill>
+                <a:effectLst/>
+                <a:uLnTx/>
+                <a:uFillTx/>
+                <a:ea typeface="Arial Unicode MS" pitchFamily="34" charset="-128"/>
+                <a:cs typeface="Arial Unicode MS" pitchFamily="34" charset="-128"/>
+              </a:rPr>
+              <a:t>Container</a:t>
+            </a:r>
+          </a:p>
+        </p:txBody>
+      </p:sp>
+      <p:sp>
+        <p:nvSpPr>
+          <p:cNvPr id="17" name="Rectangle 16"/>
+          <p:cNvSpPr/>
+          <p:nvPr/>
+        </p:nvSpPr>
+        <p:spPr bwMode="gray">
+          <a:xfrm>
+            <a:off x="994619" y="5250328"/>
+            <a:ext cx="4271648" cy="354606"/>
+          </a:xfrm>
+          <a:prstGeom prst="rect">
+            <a:avLst/>
+          </a:prstGeom>
+          <a:solidFill>
+            <a:schemeClr val="accent1">
+              <a:lumMod val="75000"/>
+            </a:schemeClr>
+          </a:solidFill>
+          <a:ln w="6350" algn="ctr">
+            <a:solidFill>
+              <a:schemeClr val="tx1"/>
+            </a:solidFill>
+            <a:miter lim="800000"/>
+            <a:headEnd/>
+            <a:tailEnd/>
+          </a:ln>
+        </p:spPr>
+        <p:txBody>
+          <a:bodyPr lIns="90000" tIns="72000" rIns="90000" bIns="72000" rtlCol="0" anchor="ctr"/>
+          <a:lstStyle/>
+          <a:p>
+            <a:pPr marR="0" algn="ctr" defTabSz="914400" eaLnBrk="1" fontAlgn="base" latinLnBrk="0" hangingPunct="1">
+              <a:lnSpc>
+                <a:spcPct val="100000"/>
+              </a:lnSpc>
+              <a:spcBef>
+                <a:spcPct val="50000"/>
+              </a:spcBef>
+              <a:spcAft>
+                <a:spcPct val="0"/>
+              </a:spcAft>
+              <a:buClr>
+                <a:srgbClr val="F0AB00"/>
+              </a:buClr>
+              <a:buSzPct val="80000"/>
+              <a:tabLst/>
+            </a:pPr>
+            <a:r>
+              <a:rPr kumimoji="0" lang="en-US" sz="1800" b="0" i="0" u="none" strike="noStrike" kern="0" cap="none" spc="0" normalizeH="0" baseline="0" dirty="0">
+                <a:ln>
+                  <a:noFill/>
+                </a:ln>
+                <a:solidFill>
+                  <a:schemeClr val="bg1"/>
+                </a:solidFill>
+                <a:effectLst/>
+                <a:uLnTx/>
+                <a:uFillTx/>
+                <a:ea typeface="Arial Unicode MS" pitchFamily="34" charset="-128"/>
+                <a:cs typeface="Arial Unicode MS" pitchFamily="34" charset="-128"/>
+              </a:rPr>
+              <a:t>Hardware</a:t>
+            </a:r>
+          </a:p>
+        </p:txBody>
+      </p:sp>
+      <p:sp>
+        <p:nvSpPr>
+          <p:cNvPr id="18" name="Rectangle 17"/>
+          <p:cNvSpPr/>
+          <p:nvPr/>
+        </p:nvSpPr>
+        <p:spPr bwMode="gray">
+          <a:xfrm>
+            <a:off x="4491353" y="2421820"/>
+            <a:ext cx="774914" cy="668513"/>
+          </a:xfrm>
+          <a:prstGeom prst="rect">
+            <a:avLst/>
+          </a:prstGeom>
+          <a:solidFill>
+            <a:srgbClr val="F0AB00"/>
+          </a:solidFill>
+          <a:ln w="6350" algn="ctr">
+            <a:solidFill>
+              <a:schemeClr val="tx1"/>
+            </a:solidFill>
+            <a:miter lim="800000"/>
+            <a:headEnd/>
+            <a:tailEnd/>
+          </a:ln>
+        </p:spPr>
+        <p:txBody>
+          <a:bodyPr vert="horz" lIns="90000" tIns="72000" rIns="90000" bIns="72000" rtlCol="0" anchor="ctr"/>
+          <a:lstStyle/>
+          <a:p>
+            <a:pPr marR="0" algn="ctr" defTabSz="914400" eaLnBrk="1" fontAlgn="base" latinLnBrk="0" hangingPunct="1">
+              <a:lnSpc>
+                <a:spcPct val="100000"/>
+              </a:lnSpc>
+              <a:spcBef>
+                <a:spcPct val="50000"/>
+              </a:spcBef>
+              <a:spcAft>
+                <a:spcPct val="0"/>
+              </a:spcAft>
+              <a:buClr>
+                <a:srgbClr val="F0AB00"/>
+              </a:buClr>
+              <a:buSzPct val="80000"/>
+              <a:tabLst/>
+            </a:pPr>
+            <a:r>
+              <a:rPr kumimoji="0" lang="en-US" sz="1050" b="0" i="0" u="none" strike="noStrike" kern="0" cap="none" spc="0" normalizeH="0" baseline="0" dirty="0">
+                <a:ln>
+                  <a:noFill/>
+                </a:ln>
+                <a:solidFill>
+                  <a:schemeClr val="bg1"/>
+                </a:solidFill>
+                <a:effectLst/>
+                <a:uLnTx/>
+                <a:uFillTx/>
+                <a:ea typeface="Arial Unicode MS" pitchFamily="34" charset="-128"/>
+                <a:cs typeface="Arial Unicode MS" pitchFamily="34" charset="-128"/>
+              </a:rPr>
+              <a:t>Container</a:t>
+            </a:r>
+          </a:p>
+        </p:txBody>
+      </p:sp>
+      <p:sp>
+        <p:nvSpPr>
+          <p:cNvPr id="20" name="Rectangle 19"/>
+          <p:cNvSpPr/>
+          <p:nvPr/>
+        </p:nvSpPr>
+        <p:spPr bwMode="gray">
+          <a:xfrm>
+            <a:off x="3618699" y="2421820"/>
+            <a:ext cx="774914" cy="668513"/>
+          </a:xfrm>
+          <a:prstGeom prst="rect">
+            <a:avLst/>
+          </a:prstGeom>
+          <a:solidFill>
+            <a:srgbClr val="F0AB00"/>
+          </a:solidFill>
+          <a:ln w="6350" algn="ctr">
+            <a:solidFill>
+              <a:schemeClr val="tx1"/>
+            </a:solidFill>
+            <a:miter lim="800000"/>
+            <a:headEnd/>
+            <a:tailEnd/>
+          </a:ln>
+        </p:spPr>
+        <p:txBody>
+          <a:bodyPr vert="horz" lIns="90000" tIns="72000" rIns="90000" bIns="72000" rtlCol="0" anchor="ctr"/>
+          <a:lstStyle/>
+          <a:p>
+            <a:pPr marR="0" algn="ctr" defTabSz="914400" eaLnBrk="1" fontAlgn="base" latinLnBrk="0" hangingPunct="1">
+              <a:lnSpc>
+                <a:spcPct val="100000"/>
+              </a:lnSpc>
+              <a:spcBef>
+                <a:spcPct val="50000"/>
+              </a:spcBef>
+              <a:spcAft>
+                <a:spcPct val="0"/>
+              </a:spcAft>
+              <a:buClr>
+                <a:srgbClr val="F0AB00"/>
+              </a:buClr>
+              <a:buSzPct val="80000"/>
+              <a:tabLst/>
+            </a:pPr>
+            <a:r>
+              <a:rPr kumimoji="0" lang="en-US" sz="1050" b="0" i="0" u="none" strike="noStrike" kern="0" cap="none" spc="0" normalizeH="0" baseline="0" dirty="0">
+                <a:ln>
+                  <a:noFill/>
+                </a:ln>
+                <a:solidFill>
+                  <a:schemeClr val="bg1"/>
+                </a:solidFill>
+                <a:effectLst/>
+                <a:uLnTx/>
+                <a:uFillTx/>
+                <a:ea typeface="Arial Unicode MS" pitchFamily="34" charset="-128"/>
+                <a:cs typeface="Arial Unicode MS" pitchFamily="34" charset="-128"/>
+              </a:rPr>
+              <a:t>Container</a:t>
+            </a:r>
+          </a:p>
+        </p:txBody>
+      </p:sp>
+      <p:sp>
+        <p:nvSpPr>
+          <p:cNvPr id="21" name="Rectangle 20"/>
+          <p:cNvSpPr/>
+          <p:nvPr/>
+        </p:nvSpPr>
+        <p:spPr bwMode="gray">
+          <a:xfrm>
+            <a:off x="2747779" y="2421820"/>
+            <a:ext cx="774914" cy="668513"/>
+          </a:xfrm>
+          <a:prstGeom prst="rect">
+            <a:avLst/>
+          </a:prstGeom>
+          <a:solidFill>
+            <a:srgbClr val="F0AB00"/>
+          </a:solidFill>
+          <a:ln w="6350" algn="ctr">
+            <a:solidFill>
+              <a:schemeClr val="tx1"/>
+            </a:solidFill>
+            <a:miter lim="800000"/>
+            <a:headEnd/>
+            <a:tailEnd/>
+          </a:ln>
+        </p:spPr>
+        <p:txBody>
+          <a:bodyPr vert="horz" lIns="90000" tIns="72000" rIns="90000" bIns="72000" rtlCol="0" anchor="ctr"/>
+          <a:lstStyle/>
+          <a:p>
+            <a:pPr marR="0" algn="ctr" defTabSz="914400" eaLnBrk="1" fontAlgn="base" latinLnBrk="0" hangingPunct="1">
+              <a:lnSpc>
+                <a:spcPct val="100000"/>
+              </a:lnSpc>
+              <a:spcBef>
+                <a:spcPct val="50000"/>
+              </a:spcBef>
+              <a:spcAft>
+                <a:spcPct val="0"/>
+              </a:spcAft>
+              <a:buClr>
+                <a:srgbClr val="F0AB00"/>
+              </a:buClr>
+              <a:buSzPct val="80000"/>
+              <a:tabLst/>
+            </a:pPr>
+            <a:r>
+              <a:rPr kumimoji="0" lang="en-US" sz="1050" b="0" i="0" u="none" strike="noStrike" kern="0" cap="none" spc="0" normalizeH="0" baseline="0" dirty="0">
+                <a:ln>
+                  <a:noFill/>
+                </a:ln>
+                <a:solidFill>
+                  <a:schemeClr val="bg1"/>
+                </a:solidFill>
+                <a:effectLst/>
+                <a:uLnTx/>
+                <a:uFillTx/>
+                <a:ea typeface="Arial Unicode MS" pitchFamily="34" charset="-128"/>
+                <a:cs typeface="Arial Unicode MS" pitchFamily="34" charset="-128"/>
+              </a:rPr>
+              <a:t>Container</a:t>
+            </a:r>
+          </a:p>
+        </p:txBody>
+      </p:sp>
+      <p:sp>
+        <p:nvSpPr>
+          <p:cNvPr id="22" name="Rectangle: Rounded Corners 21"/>
+          <p:cNvSpPr/>
+          <p:nvPr/>
+        </p:nvSpPr>
+        <p:spPr bwMode="gray">
+          <a:xfrm>
+            <a:off x="1232914" y="3885603"/>
+            <a:ext cx="1312438" cy="285950"/>
+          </a:xfrm>
+          <a:prstGeom prst="roundRect">
+            <a:avLst/>
+          </a:prstGeom>
+          <a:solidFill>
+            <a:schemeClr val="accent5">
+              <a:lumMod val="40000"/>
+              <a:lumOff val="60000"/>
+            </a:schemeClr>
+          </a:solidFill>
+          <a:ln w="6350" algn="ctr">
+            <a:solidFill>
+              <a:schemeClr val="tx1"/>
+            </a:solidFill>
+            <a:miter lim="800000"/>
+            <a:headEnd/>
+            <a:tailEnd/>
+          </a:ln>
+        </p:spPr>
+        <p:txBody>
+          <a:bodyPr lIns="90000" tIns="72000" rIns="90000" bIns="72000" rtlCol="0" anchor="ctr"/>
+          <a:lstStyle/>
+          <a:p>
+            <a:pPr marR="0" algn="ctr" defTabSz="914400" eaLnBrk="1" fontAlgn="base" latinLnBrk="0" hangingPunct="1">
+              <a:lnSpc>
+                <a:spcPct val="100000"/>
+              </a:lnSpc>
+              <a:spcBef>
+                <a:spcPct val="50000"/>
+              </a:spcBef>
+              <a:spcAft>
+                <a:spcPct val="0"/>
+              </a:spcAft>
+              <a:buClr>
+                <a:srgbClr val="F0AB00"/>
+              </a:buClr>
+              <a:buSzPct val="80000"/>
+              <a:tabLst/>
+            </a:pPr>
+            <a:r>
+              <a:rPr kumimoji="0" lang="en-US" sz="1400" b="0" i="0" u="none" strike="noStrike" kern="0" cap="none" spc="0" normalizeH="0" baseline="0" dirty="0">
+                <a:ln>
+                  <a:noFill/>
+                </a:ln>
+                <a:effectLst/>
+                <a:uLnTx/>
+                <a:uFillTx/>
+                <a:ea typeface="Arial Unicode MS" pitchFamily="34" charset="-128"/>
+                <a:cs typeface="Arial Unicode MS" pitchFamily="34" charset="-128"/>
+              </a:rPr>
+              <a:t>namespaces</a:t>
+            </a:r>
+          </a:p>
+        </p:txBody>
+      </p:sp>
+      <p:sp>
+        <p:nvSpPr>
+          <p:cNvPr id="23" name="Rectangle: Rounded Corners 22"/>
+          <p:cNvSpPr/>
+          <p:nvPr/>
+        </p:nvSpPr>
+        <p:spPr bwMode="gray">
+          <a:xfrm>
+            <a:off x="1079289" y="4314990"/>
+            <a:ext cx="1312438" cy="285950"/>
+          </a:xfrm>
+          <a:prstGeom prst="roundRect">
+            <a:avLst/>
+          </a:prstGeom>
+          <a:solidFill>
+            <a:schemeClr val="accent5">
+              <a:lumMod val="40000"/>
+              <a:lumOff val="60000"/>
+            </a:schemeClr>
+          </a:solidFill>
+          <a:ln w="6350" algn="ctr">
+            <a:solidFill>
+              <a:schemeClr val="tx1"/>
+            </a:solidFill>
+            <a:miter lim="800000"/>
+            <a:headEnd/>
+            <a:tailEnd/>
+          </a:ln>
+        </p:spPr>
+        <p:txBody>
+          <a:bodyPr lIns="90000" tIns="72000" rIns="90000" bIns="72000" rtlCol="0" anchor="ctr"/>
+          <a:lstStyle/>
+          <a:p>
+            <a:pPr marR="0" algn="ctr" defTabSz="914400" eaLnBrk="1" fontAlgn="base" latinLnBrk="0" hangingPunct="1">
+              <a:lnSpc>
+                <a:spcPct val="100000"/>
+              </a:lnSpc>
+              <a:spcBef>
+                <a:spcPct val="50000"/>
+              </a:spcBef>
+              <a:spcAft>
+                <a:spcPct val="0"/>
+              </a:spcAft>
+              <a:buClr>
+                <a:srgbClr val="F0AB00"/>
+              </a:buClr>
+              <a:buSzPct val="80000"/>
+              <a:tabLst/>
+            </a:pPr>
+            <a:r>
+              <a:rPr kumimoji="0" lang="en-US" sz="1400" b="0" i="0" u="none" strike="noStrike" kern="0" cap="none" spc="0" normalizeH="0" baseline="0" dirty="0" err="1">
+                <a:ln>
+                  <a:noFill/>
+                </a:ln>
+                <a:effectLst/>
+                <a:uLnTx/>
+                <a:uFillTx/>
+                <a:ea typeface="Arial Unicode MS" pitchFamily="34" charset="-128"/>
+                <a:cs typeface="Arial Unicode MS" pitchFamily="34" charset="-128"/>
+              </a:rPr>
+              <a:t>netfilter</a:t>
+            </a:r>
+            <a:endParaRPr kumimoji="0" lang="en-US" sz="1400" b="0" i="0" u="none" strike="noStrike" kern="0" cap="none" spc="0" normalizeH="0" baseline="0" dirty="0">
+              <a:ln>
+                <a:noFill/>
+              </a:ln>
+              <a:effectLst/>
+              <a:uLnTx/>
+              <a:uFillTx/>
+              <a:ea typeface="Arial Unicode MS" pitchFamily="34" charset="-128"/>
+              <a:cs typeface="Arial Unicode MS" pitchFamily="34" charset="-128"/>
+            </a:endParaRPr>
+          </a:p>
+        </p:txBody>
+      </p:sp>
+      <p:sp>
+        <p:nvSpPr>
+          <p:cNvPr id="25" name="Rectangle: Rounded Corners 24"/>
+          <p:cNvSpPr/>
+          <p:nvPr/>
+        </p:nvSpPr>
+        <p:spPr bwMode="gray">
+          <a:xfrm>
+            <a:off x="1658305" y="4780963"/>
+            <a:ext cx="1312438" cy="285950"/>
+          </a:xfrm>
+          <a:prstGeom prst="roundRect">
+            <a:avLst/>
+          </a:prstGeom>
+          <a:solidFill>
+            <a:schemeClr val="accent5">
+              <a:lumMod val="40000"/>
+              <a:lumOff val="60000"/>
+            </a:schemeClr>
+          </a:solidFill>
+          <a:ln w="6350" algn="ctr">
+            <a:solidFill>
+              <a:schemeClr val="tx1"/>
+            </a:solidFill>
+            <a:miter lim="800000"/>
+            <a:headEnd/>
+            <a:tailEnd/>
+          </a:ln>
+        </p:spPr>
+        <p:txBody>
+          <a:bodyPr lIns="90000" tIns="72000" rIns="90000" bIns="72000" rtlCol="0" anchor="ctr"/>
+          <a:lstStyle/>
+          <a:p>
+            <a:pPr marR="0" algn="ctr" defTabSz="914400" eaLnBrk="1" fontAlgn="base" latinLnBrk="0" hangingPunct="1">
+              <a:lnSpc>
+                <a:spcPct val="100000"/>
+              </a:lnSpc>
+              <a:spcBef>
+                <a:spcPct val="50000"/>
+              </a:spcBef>
+              <a:spcAft>
+                <a:spcPct val="0"/>
+              </a:spcAft>
+              <a:buClr>
+                <a:srgbClr val="F0AB00"/>
+              </a:buClr>
+              <a:buSzPct val="80000"/>
+              <a:tabLst/>
+            </a:pPr>
+            <a:r>
+              <a:rPr kumimoji="0" lang="en-US" sz="1400" b="0" i="0" u="none" strike="noStrike" kern="0" cap="none" spc="0" normalizeH="0" baseline="0" dirty="0">
+                <a:ln>
+                  <a:noFill/>
+                </a:ln>
+                <a:effectLst/>
+                <a:uLnTx/>
+                <a:uFillTx/>
+                <a:ea typeface="Arial Unicode MS" pitchFamily="34" charset="-128"/>
+                <a:cs typeface="Arial Unicode MS" pitchFamily="34" charset="-128"/>
+              </a:rPr>
+              <a:t>cgroups</a:t>
+            </a:r>
+          </a:p>
+        </p:txBody>
+      </p:sp>
+      <p:sp>
+        <p:nvSpPr>
+          <p:cNvPr id="27" name="Rectangle: Rounded Corners 26"/>
+          <p:cNvSpPr/>
+          <p:nvPr/>
+        </p:nvSpPr>
+        <p:spPr bwMode="gray">
+          <a:xfrm>
+            <a:off x="3737394" y="4310191"/>
+            <a:ext cx="1312438" cy="285950"/>
+          </a:xfrm>
+          <a:prstGeom prst="roundRect">
+            <a:avLst/>
+          </a:prstGeom>
+          <a:solidFill>
+            <a:schemeClr val="accent5">
+              <a:lumMod val="40000"/>
+              <a:lumOff val="60000"/>
+            </a:schemeClr>
+          </a:solidFill>
+          <a:ln w="6350" algn="ctr">
+            <a:solidFill>
+              <a:schemeClr val="tx1"/>
+            </a:solidFill>
+            <a:miter lim="800000"/>
+            <a:headEnd/>
+            <a:tailEnd/>
+          </a:ln>
+        </p:spPr>
+        <p:txBody>
+          <a:bodyPr lIns="90000" tIns="72000" rIns="90000" bIns="72000" rtlCol="0" anchor="ctr"/>
+          <a:lstStyle/>
+          <a:p>
+            <a:pPr marR="0" algn="ctr" defTabSz="914400" eaLnBrk="1" fontAlgn="base" latinLnBrk="0" hangingPunct="1">
+              <a:lnSpc>
+                <a:spcPct val="100000"/>
+              </a:lnSpc>
+              <a:spcBef>
+                <a:spcPct val="50000"/>
+              </a:spcBef>
+              <a:spcAft>
+                <a:spcPct val="0"/>
+              </a:spcAft>
+              <a:buClr>
+                <a:srgbClr val="F0AB00"/>
+              </a:buClr>
+              <a:buSzPct val="80000"/>
+              <a:tabLst/>
+            </a:pPr>
+            <a:r>
+              <a:rPr kumimoji="0" lang="en-US" sz="1400" b="0" i="0" u="none" strike="noStrike" kern="0" cap="none" spc="0" normalizeH="0" baseline="0" dirty="0">
+                <a:ln>
+                  <a:noFill/>
+                </a:ln>
+                <a:effectLst/>
+                <a:uLnTx/>
+                <a:uFillTx/>
+                <a:ea typeface="Arial Unicode MS" pitchFamily="34" charset="-128"/>
+                <a:cs typeface="Arial Unicode MS" pitchFamily="34" charset="-128"/>
+              </a:rPr>
+              <a:t>capabilities</a:t>
+            </a:r>
+          </a:p>
+        </p:txBody>
+      </p:sp>
+      <p:sp>
+        <p:nvSpPr>
+          <p:cNvPr id="28" name="Rectangle: Rounded Corners 27"/>
+          <p:cNvSpPr/>
+          <p:nvPr/>
+        </p:nvSpPr>
+        <p:spPr bwMode="gray">
+          <a:xfrm>
+            <a:off x="3817669" y="3823337"/>
+            <a:ext cx="1312438" cy="285950"/>
+          </a:xfrm>
+          <a:prstGeom prst="roundRect">
+            <a:avLst/>
+          </a:prstGeom>
+          <a:solidFill>
+            <a:schemeClr val="accent5">
+              <a:lumMod val="40000"/>
+              <a:lumOff val="60000"/>
+            </a:schemeClr>
+          </a:solidFill>
+          <a:ln w="6350" algn="ctr">
+            <a:solidFill>
+              <a:schemeClr val="tx1"/>
+            </a:solidFill>
+            <a:miter lim="800000"/>
+            <a:headEnd/>
+            <a:tailEnd/>
+          </a:ln>
+        </p:spPr>
+        <p:txBody>
+          <a:bodyPr lIns="90000" tIns="72000" rIns="90000" bIns="72000" rtlCol="0" anchor="ctr"/>
+          <a:lstStyle/>
+          <a:p>
+            <a:pPr marR="0" algn="ctr" defTabSz="914400" eaLnBrk="1" fontAlgn="base" latinLnBrk="0" hangingPunct="1">
+              <a:lnSpc>
+                <a:spcPct val="100000"/>
+              </a:lnSpc>
+              <a:spcBef>
+                <a:spcPct val="50000"/>
+              </a:spcBef>
+              <a:spcAft>
+                <a:spcPct val="0"/>
+              </a:spcAft>
+              <a:buClr>
+                <a:srgbClr val="F0AB00"/>
+              </a:buClr>
+              <a:buSzPct val="80000"/>
+              <a:tabLst/>
+            </a:pPr>
+            <a:r>
+              <a:rPr kumimoji="0" lang="en-US" sz="1400" b="0" i="0" u="none" strike="noStrike" kern="0" cap="none" spc="0" normalizeH="0" baseline="0" dirty="0" err="1">
+                <a:ln>
+                  <a:noFill/>
+                </a:ln>
+                <a:effectLst/>
+                <a:uLnTx/>
+                <a:uFillTx/>
+                <a:ea typeface="Arial Unicode MS" pitchFamily="34" charset="-128"/>
+                <a:cs typeface="Arial Unicode MS" pitchFamily="34" charset="-128"/>
+              </a:rPr>
+              <a:t>SELinux</a:t>
+            </a:r>
+            <a:endParaRPr kumimoji="0" lang="en-US" sz="1400" b="0" i="0" u="none" strike="noStrike" kern="0" cap="none" spc="0" normalizeH="0" baseline="0" dirty="0">
+              <a:ln>
+                <a:noFill/>
+              </a:ln>
+              <a:effectLst/>
+              <a:uLnTx/>
+              <a:uFillTx/>
+              <a:ea typeface="Arial Unicode MS" pitchFamily="34" charset="-128"/>
+              <a:cs typeface="Arial Unicode MS" pitchFamily="34" charset="-128"/>
+            </a:endParaRPr>
+          </a:p>
+        </p:txBody>
+      </p:sp>
+      <p:sp>
+        <p:nvSpPr>
+          <p:cNvPr id="29" name="Rectangle: Rounded Corners 28"/>
+          <p:cNvSpPr/>
+          <p:nvPr/>
+        </p:nvSpPr>
+        <p:spPr bwMode="gray">
+          <a:xfrm>
+            <a:off x="3436515" y="4780963"/>
+            <a:ext cx="1312438" cy="285950"/>
+          </a:xfrm>
+          <a:prstGeom prst="roundRect">
+            <a:avLst/>
+          </a:prstGeom>
+          <a:solidFill>
+            <a:schemeClr val="accent5">
+              <a:lumMod val="40000"/>
+              <a:lumOff val="60000"/>
+            </a:schemeClr>
+          </a:solidFill>
+          <a:ln w="6350" algn="ctr">
+            <a:solidFill>
+              <a:schemeClr val="tx1"/>
+            </a:solidFill>
+            <a:miter lim="800000"/>
+            <a:headEnd/>
+            <a:tailEnd/>
+          </a:ln>
+        </p:spPr>
+        <p:txBody>
+          <a:bodyPr lIns="90000" tIns="72000" rIns="90000" bIns="72000" rtlCol="0" anchor="ctr"/>
+          <a:lstStyle/>
+          <a:p>
+            <a:pPr marR="0" algn="ctr" defTabSz="914400" eaLnBrk="1" fontAlgn="base" latinLnBrk="0" hangingPunct="1">
+              <a:lnSpc>
+                <a:spcPct val="100000"/>
+              </a:lnSpc>
+              <a:spcBef>
+                <a:spcPct val="50000"/>
+              </a:spcBef>
+              <a:spcAft>
+                <a:spcPct val="0"/>
+              </a:spcAft>
+              <a:buClr>
+                <a:srgbClr val="F0AB00"/>
+              </a:buClr>
+              <a:buSzPct val="80000"/>
+              <a:tabLst/>
+            </a:pPr>
+            <a:r>
+              <a:rPr kumimoji="0" lang="en-US" sz="1400" b="0" i="0" u="none" strike="noStrike" kern="0" cap="none" spc="0" normalizeH="0" baseline="0" dirty="0" err="1">
+                <a:ln>
+                  <a:noFill/>
+                </a:ln>
+                <a:effectLst/>
+                <a:uLnTx/>
+                <a:uFillTx/>
+                <a:ea typeface="Arial Unicode MS" pitchFamily="34" charset="-128"/>
+                <a:cs typeface="Arial Unicode MS" pitchFamily="34" charset="-128"/>
+              </a:rPr>
+              <a:t>AppArmor</a:t>
+            </a:r>
+            <a:endParaRPr kumimoji="0" lang="en-US" sz="1400" b="0" i="0" u="none" strike="noStrike" kern="0" cap="none" spc="0" normalizeH="0" baseline="0" dirty="0">
+              <a:ln>
+                <a:noFill/>
+              </a:ln>
+              <a:effectLst/>
+              <a:uLnTx/>
+              <a:uFillTx/>
+              <a:ea typeface="Arial Unicode MS" pitchFamily="34" charset="-128"/>
+              <a:cs typeface="Arial Unicode MS" pitchFamily="34" charset="-128"/>
+            </a:endParaRPr>
+          </a:p>
+        </p:txBody>
+      </p:sp>
+      <p:sp>
+        <p:nvSpPr>
+          <p:cNvPr id="31" name="Rectangle: Rounded Corners 30"/>
+          <p:cNvSpPr/>
+          <p:nvPr/>
+        </p:nvSpPr>
+        <p:spPr bwMode="gray">
+          <a:xfrm>
+            <a:off x="2681625" y="3802098"/>
+            <a:ext cx="937074" cy="285950"/>
+          </a:xfrm>
+          <a:prstGeom prst="roundRect">
+            <a:avLst/>
+          </a:prstGeom>
+          <a:solidFill>
+            <a:schemeClr val="accent5">
+              <a:lumMod val="40000"/>
+              <a:lumOff val="60000"/>
+            </a:schemeClr>
+          </a:solidFill>
+          <a:ln w="6350" algn="ctr">
+            <a:solidFill>
+              <a:schemeClr val="tx1"/>
+            </a:solidFill>
+            <a:miter lim="800000"/>
+            <a:headEnd/>
+            <a:tailEnd/>
+          </a:ln>
+        </p:spPr>
+        <p:txBody>
+          <a:bodyPr lIns="90000" tIns="72000" rIns="90000" bIns="72000" rtlCol="0" anchor="ctr"/>
+          <a:lstStyle/>
+          <a:p>
+            <a:pPr marR="0" algn="ctr" defTabSz="914400" eaLnBrk="1" fontAlgn="base" latinLnBrk="0" hangingPunct="1">
+              <a:lnSpc>
+                <a:spcPct val="100000"/>
+              </a:lnSpc>
+              <a:spcBef>
+                <a:spcPct val="50000"/>
+              </a:spcBef>
+              <a:spcAft>
+                <a:spcPct val="0"/>
+              </a:spcAft>
+              <a:buClr>
+                <a:srgbClr val="F0AB00"/>
+              </a:buClr>
+              <a:buSzPct val="80000"/>
+              <a:tabLst/>
+            </a:pPr>
+            <a:r>
+              <a:rPr kumimoji="0" lang="en-US" sz="1400" b="0" i="0" u="none" strike="noStrike" kern="0" cap="none" spc="0" normalizeH="0" baseline="0" dirty="0" err="1">
+                <a:ln>
+                  <a:noFill/>
+                </a:ln>
+                <a:effectLst/>
+                <a:uLnTx/>
+                <a:uFillTx/>
+                <a:ea typeface="Arial Unicode MS" pitchFamily="34" charset="-128"/>
+                <a:cs typeface="Arial Unicode MS" pitchFamily="34" charset="-128"/>
+              </a:rPr>
+              <a:t>Netlink</a:t>
+            </a:r>
+            <a:endParaRPr kumimoji="0" lang="en-US" sz="1400" b="0" i="0" u="none" strike="noStrike" kern="0" cap="none" spc="0" normalizeH="0" baseline="0" dirty="0">
+              <a:ln>
+                <a:noFill/>
+              </a:ln>
+              <a:effectLst/>
+              <a:uLnTx/>
+              <a:uFillTx/>
+              <a:ea typeface="Arial Unicode MS" pitchFamily="34" charset="-128"/>
+              <a:cs typeface="Arial Unicode MS" pitchFamily="34" charset="-128"/>
+            </a:endParaRPr>
+          </a:p>
+        </p:txBody>
+      </p:sp>
+      <p:sp>
+        <p:nvSpPr>
+          <p:cNvPr id="32" name="Text Placeholder 10"/>
+          <p:cNvSpPr txBox="1">
+            <a:spLocks/>
+          </p:cNvSpPr>
+          <p:nvPr/>
+        </p:nvSpPr>
+        <p:spPr bwMode="gray">
+          <a:xfrm>
+            <a:off x="6203454" y="1620000"/>
+            <a:ext cx="5487021" cy="4707648"/>
+          </a:xfrm>
+          <a:prstGeom prst="rect">
+            <a:avLst/>
+          </a:prstGeom>
+        </p:spPr>
+        <p:txBody>
+          <a:bodyPr vert="horz" lIns="0" tIns="0" rIns="0" bIns="0" rtlCol="0">
+            <a:noAutofit/>
+          </a:bodyPr>
+          <a:lstStyle>
+            <a:lvl1pPr marL="0" indent="0" algn="l" defTabSz="1088558" rtl="0" eaLnBrk="1" latinLnBrk="0" hangingPunct="1">
+              <a:spcBef>
+                <a:spcPts val="1800"/>
+              </a:spcBef>
+              <a:buClr>
+                <a:schemeClr val="accent1"/>
+              </a:buClr>
+              <a:buSzPct val="80000"/>
+              <a:buFontTx/>
+              <a:buNone/>
+              <a:defRPr sz="2000" b="0" kern="1200">
+                <a:solidFill>
+                  <a:schemeClr val="tx1"/>
+                </a:solidFill>
+                <a:latin typeface="+mn-lt"/>
+                <a:ea typeface="+mn-ea"/>
+                <a:cs typeface="+mn-cs"/>
+              </a:defRPr>
+            </a:lvl1pPr>
+            <a:lvl2pPr marL="179964" indent="-179964" algn="l" defTabSz="1088558" rtl="0" eaLnBrk="1" latinLnBrk="0" hangingPunct="1">
+              <a:spcBef>
+                <a:spcPts val="600"/>
+              </a:spcBef>
+              <a:buClr>
+                <a:schemeClr val="accent1"/>
+              </a:buClr>
+              <a:buSzPct val="100000"/>
+              <a:buFont typeface="Wingdings" pitchFamily="2" charset="2"/>
+              <a:buChar char="§"/>
+              <a:defRPr sz="1800" kern="1200">
+                <a:solidFill>
+                  <a:schemeClr val="tx1"/>
+                </a:solidFill>
+                <a:latin typeface="+mn-lt"/>
+                <a:ea typeface="+mn-ea"/>
+                <a:cs typeface="+mn-cs"/>
+              </a:defRPr>
+            </a:lvl2pPr>
+            <a:lvl3pPr marL="358775" indent="-179388" algn="l" defTabSz="1088558" rtl="0" eaLnBrk="1" latinLnBrk="0" hangingPunct="1">
+              <a:spcBef>
+                <a:spcPts val="300"/>
+              </a:spcBef>
+              <a:buClr>
+                <a:schemeClr val="tx1"/>
+              </a:buClr>
+              <a:buSzPct val="100000"/>
+              <a:buFont typeface="Arial" panose="020B0604020202020204" pitchFamily="34" charset="0"/>
+              <a:buChar char="–"/>
+              <a:defRPr lang="en-US" sz="1800" kern="1200" noProof="0" dirty="0" smtClean="0">
+                <a:solidFill>
+                  <a:schemeClr val="tx1"/>
+                </a:solidFill>
+                <a:latin typeface="+mn-lt"/>
+                <a:ea typeface="+mn-ea"/>
+                <a:cs typeface="+mn-cs"/>
+              </a:defRPr>
+            </a:lvl3pPr>
+            <a:lvl4pPr marL="539892" indent="-179964" algn="l" defTabSz="1088558" rtl="0" eaLnBrk="1" latinLnBrk="0" hangingPunct="1">
+              <a:spcBef>
+                <a:spcPts val="300"/>
+              </a:spcBef>
+              <a:buClr>
+                <a:schemeClr val="tx1"/>
+              </a:buClr>
+              <a:buSzPct val="120000"/>
+              <a:buFont typeface="Arial" pitchFamily="34" charset="0"/>
+              <a:buChar char="▫"/>
+              <a:defRPr sz="1600" kern="1200">
+                <a:solidFill>
+                  <a:schemeClr val="tx1"/>
+                </a:solidFill>
+                <a:latin typeface="+mn-lt"/>
+                <a:ea typeface="+mn-ea"/>
+                <a:cs typeface="+mn-cs"/>
+              </a:defRPr>
+            </a:lvl4pPr>
+            <a:lvl5pPr marL="719856" indent="-179964" algn="l" defTabSz="1088558" rtl="0" eaLnBrk="1" latinLnBrk="0" hangingPunct="1">
+              <a:spcBef>
+                <a:spcPts val="100"/>
+              </a:spcBef>
+              <a:buClr>
+                <a:schemeClr val="tx1"/>
+              </a:buClr>
+              <a:buSzPct val="100000"/>
+              <a:buFont typeface="Symbol" panose="05050102010706020507" pitchFamily="18" charset="2"/>
+              <a:buChar char="-"/>
+              <a:defRPr sz="1400" kern="1200" baseline="0">
+                <a:solidFill>
+                  <a:schemeClr val="tx1"/>
+                </a:solidFill>
+                <a:latin typeface="+mn-lt"/>
+                <a:ea typeface="+mn-ea"/>
+                <a:cs typeface="+mn-cs"/>
+              </a:defRPr>
+            </a:lvl5pPr>
+            <a:lvl6pPr marL="2993535" indent="-272140" algn="l" defTabSz="1088558" rtl="0" eaLnBrk="1" latinLnBrk="0" hangingPunct="1">
+              <a:spcBef>
+                <a:spcPct val="20000"/>
+              </a:spcBef>
+              <a:buFont typeface="Arial" pitchFamily="34" charset="0"/>
+              <a:buChar char="•"/>
+              <a:defRPr sz="2400" kern="1200">
+                <a:solidFill>
+                  <a:schemeClr val="tx1"/>
+                </a:solidFill>
+                <a:latin typeface="+mn-lt"/>
+                <a:ea typeface="+mn-ea"/>
+                <a:cs typeface="+mn-cs"/>
+              </a:defRPr>
+            </a:lvl6pPr>
+            <a:lvl7pPr marL="3537814" indent="-272140" algn="l" defTabSz="1088558" rtl="0" eaLnBrk="1" latinLnBrk="0" hangingPunct="1">
+              <a:spcBef>
+                <a:spcPct val="20000"/>
+              </a:spcBef>
+              <a:buFont typeface="Arial" pitchFamily="34" charset="0"/>
+              <a:buChar char="•"/>
+              <a:defRPr sz="2400" kern="1200">
+                <a:solidFill>
+                  <a:schemeClr val="tx1"/>
+                </a:solidFill>
+                <a:latin typeface="+mn-lt"/>
+                <a:ea typeface="+mn-ea"/>
+                <a:cs typeface="+mn-cs"/>
+              </a:defRPr>
+            </a:lvl7pPr>
+            <a:lvl8pPr marL="4082093" indent="-272140" algn="l" defTabSz="1088558" rtl="0" eaLnBrk="1" latinLnBrk="0" hangingPunct="1">
+              <a:spcBef>
+                <a:spcPct val="20000"/>
+              </a:spcBef>
+              <a:buFont typeface="Arial" pitchFamily="34" charset="0"/>
+              <a:buChar char="•"/>
+              <a:defRPr sz="2400" kern="1200">
+                <a:solidFill>
+                  <a:schemeClr val="tx1"/>
+                </a:solidFill>
+                <a:latin typeface="+mn-lt"/>
+                <a:ea typeface="+mn-ea"/>
+                <a:cs typeface="+mn-cs"/>
+              </a:defRPr>
+            </a:lvl8pPr>
+            <a:lvl9pPr marL="4626373" indent="-272140" algn="l" defTabSz="1088558" rtl="0" eaLnBrk="1" latinLnBrk="0" hangingPunct="1">
+              <a:spcBef>
+                <a:spcPct val="20000"/>
+              </a:spcBef>
+              <a:buFont typeface="Arial" pitchFamily="34" charset="0"/>
+              <a:buChar char="•"/>
+              <a:defRPr sz="2400" kern="1200">
+                <a:solidFill>
+                  <a:schemeClr val="tx1"/>
+                </a:solidFill>
+                <a:latin typeface="+mn-lt"/>
+                <a:ea typeface="+mn-ea"/>
+                <a:cs typeface="+mn-cs"/>
+              </a:defRPr>
+            </a:lvl9pPr>
+          </a:lstStyle>
+          <a:p>
+            <a:pPr>
+              <a:spcBef>
+                <a:spcPts val="1200"/>
+              </a:spcBef>
+            </a:pPr>
+            <a:r>
+              <a:rPr lang="en-US" sz="1400" dirty="0"/>
+              <a:t>Namespaces</a:t>
+            </a:r>
+          </a:p>
+          <a:p>
+            <a:pPr lvl="1">
+              <a:spcBef>
+                <a:spcPts val="300"/>
+              </a:spcBef>
+            </a:pPr>
+            <a:r>
+              <a:rPr lang="en-US" sz="1200" dirty="0"/>
+              <a:t>Isolation of resources per process</a:t>
+            </a:r>
+          </a:p>
+          <a:p>
+            <a:pPr lvl="1">
+              <a:spcBef>
+                <a:spcPts val="300"/>
+              </a:spcBef>
+            </a:pPr>
+            <a:r>
+              <a:rPr lang="en-US" sz="1200" dirty="0"/>
+              <a:t>7 different namespaces</a:t>
+            </a:r>
+          </a:p>
+          <a:p>
+            <a:pPr>
+              <a:spcBef>
+                <a:spcPts val="1200"/>
+              </a:spcBef>
+            </a:pPr>
+            <a:r>
+              <a:rPr lang="en-US" sz="1400" dirty="0" err="1"/>
+              <a:t>netfilter</a:t>
+            </a:r>
+            <a:endParaRPr lang="en-US" sz="1400" dirty="0"/>
+          </a:p>
+          <a:p>
+            <a:pPr lvl="1">
+              <a:spcBef>
+                <a:spcPts val="300"/>
+              </a:spcBef>
+            </a:pPr>
+            <a:r>
+              <a:rPr lang="en-US" sz="1200" dirty="0"/>
+              <a:t>Firewall and packet manipulation</a:t>
+            </a:r>
+          </a:p>
+          <a:p>
+            <a:pPr>
+              <a:spcBef>
+                <a:spcPts val="1200"/>
+              </a:spcBef>
+            </a:pPr>
+            <a:r>
+              <a:rPr lang="en-US" sz="1400" dirty="0"/>
+              <a:t>cgroups</a:t>
+            </a:r>
+          </a:p>
+          <a:p>
+            <a:pPr lvl="1">
+              <a:spcBef>
+                <a:spcPts val="300"/>
+              </a:spcBef>
+            </a:pPr>
+            <a:r>
+              <a:rPr lang="en-US" sz="1200" dirty="0"/>
+              <a:t>Manage resource allocation</a:t>
+            </a:r>
+          </a:p>
+          <a:p>
+            <a:pPr>
+              <a:spcBef>
+                <a:spcPts val="1200"/>
+              </a:spcBef>
+            </a:pPr>
+            <a:r>
+              <a:rPr lang="en-US" sz="1400" dirty="0" err="1"/>
+              <a:t>Netlink</a:t>
+            </a:r>
+            <a:endParaRPr lang="en-US" sz="1400" dirty="0"/>
+          </a:p>
+          <a:p>
+            <a:pPr lvl="1">
+              <a:spcBef>
+                <a:spcPts val="300"/>
+              </a:spcBef>
+            </a:pPr>
+            <a:r>
+              <a:rPr lang="en-US" sz="1200" dirty="0" err="1"/>
+              <a:t>Interprocess</a:t>
+            </a:r>
+            <a:r>
+              <a:rPr lang="en-US" sz="1200" dirty="0"/>
+              <a:t> communication between containers</a:t>
+            </a:r>
+          </a:p>
+          <a:p>
+            <a:pPr>
+              <a:spcBef>
+                <a:spcPts val="1200"/>
+              </a:spcBef>
+            </a:pPr>
+            <a:r>
+              <a:rPr lang="en-US" sz="1400" dirty="0" err="1"/>
+              <a:t>SELinux</a:t>
+            </a:r>
+            <a:r>
+              <a:rPr lang="en-US" sz="1400" dirty="0"/>
+              <a:t>/</a:t>
+            </a:r>
+            <a:r>
+              <a:rPr lang="en-US" sz="1400" dirty="0" err="1"/>
+              <a:t>AppArmor</a:t>
+            </a:r>
+            <a:endParaRPr lang="en-US" sz="1400" dirty="0"/>
+          </a:p>
+          <a:p>
+            <a:pPr lvl="1">
+              <a:spcBef>
+                <a:spcPts val="300"/>
+              </a:spcBef>
+            </a:pPr>
+            <a:r>
+              <a:rPr lang="en-US" sz="1200" dirty="0"/>
+              <a:t>Security profiles to govern access to resources</a:t>
+            </a:r>
+          </a:p>
+          <a:p>
+            <a:pPr>
+              <a:spcBef>
+                <a:spcPts val="1200"/>
+              </a:spcBef>
+            </a:pPr>
+            <a:r>
+              <a:rPr lang="en-US" sz="1400" dirty="0"/>
+              <a:t>capabilities</a:t>
+            </a:r>
+          </a:p>
+          <a:p>
+            <a:pPr lvl="1">
+              <a:spcBef>
+                <a:spcPts val="300"/>
+              </a:spcBef>
+            </a:pPr>
+            <a:r>
+              <a:rPr lang="en-US" sz="1200" dirty="0"/>
+              <a:t>Granular control of privileges</a:t>
+            </a:r>
+          </a:p>
+          <a:p>
+            <a:pPr>
+              <a:spcBef>
+                <a:spcPts val="1200"/>
+              </a:spcBef>
+            </a:pPr>
+            <a:r>
+              <a:rPr lang="en-US" sz="1400" dirty="0" err="1"/>
+              <a:t>seccomp</a:t>
+            </a:r>
+            <a:endParaRPr lang="en-US" sz="1400" dirty="0"/>
+          </a:p>
+          <a:p>
+            <a:pPr lvl="1">
+              <a:spcBef>
+                <a:spcPts val="300"/>
+              </a:spcBef>
+            </a:pPr>
+            <a:r>
+              <a:rPr lang="en-US" sz="1200" dirty="0"/>
+              <a:t>Limitation of </a:t>
+            </a:r>
+            <a:r>
+              <a:rPr lang="en-US" sz="1200" dirty="0" err="1"/>
+              <a:t>syscalls</a:t>
+            </a:r>
+            <a:r>
+              <a:rPr lang="en-US" sz="1200" dirty="0"/>
+              <a:t> to processes</a:t>
+            </a:r>
+          </a:p>
+        </p:txBody>
+      </p:sp>
+      <p:sp>
+        <p:nvSpPr>
+          <p:cNvPr id="24" name="Rectangle: Rounded Corners 23"/>
+          <p:cNvSpPr/>
+          <p:nvPr/>
+        </p:nvSpPr>
+        <p:spPr bwMode="gray">
+          <a:xfrm>
+            <a:off x="2642165" y="4252513"/>
+            <a:ext cx="937074" cy="285950"/>
+          </a:xfrm>
+          <a:prstGeom prst="roundRect">
+            <a:avLst/>
+          </a:prstGeom>
+          <a:solidFill>
+            <a:schemeClr val="accent5">
+              <a:lumMod val="40000"/>
+              <a:lumOff val="60000"/>
+            </a:schemeClr>
+          </a:solidFill>
+          <a:ln w="6350" algn="ctr">
+            <a:solidFill>
+              <a:schemeClr val="tx1"/>
+            </a:solidFill>
+            <a:miter lim="800000"/>
+            <a:headEnd/>
+            <a:tailEnd/>
+          </a:ln>
+        </p:spPr>
+        <p:txBody>
+          <a:bodyPr lIns="90000" tIns="72000" rIns="90000" bIns="72000" rtlCol="0" anchor="ctr"/>
+          <a:lstStyle/>
+          <a:p>
+            <a:pPr marR="0" algn="ctr" defTabSz="914400" eaLnBrk="1" fontAlgn="base" latinLnBrk="0" hangingPunct="1">
+              <a:lnSpc>
+                <a:spcPct val="100000"/>
+              </a:lnSpc>
+              <a:spcBef>
+                <a:spcPct val="50000"/>
+              </a:spcBef>
+              <a:spcAft>
+                <a:spcPct val="0"/>
+              </a:spcAft>
+              <a:buClr>
+                <a:srgbClr val="F0AB00"/>
+              </a:buClr>
+              <a:buSzPct val="80000"/>
+              <a:tabLst/>
+            </a:pPr>
+            <a:r>
+              <a:rPr kumimoji="0" lang="en-US" sz="1400" b="0" i="0" u="none" strike="noStrike" kern="0" cap="none" spc="0" normalizeH="0" baseline="0" dirty="0">
+                <a:ln>
+                  <a:noFill/>
+                </a:ln>
+                <a:effectLst/>
+                <a:uLnTx/>
+                <a:uFillTx/>
+                <a:ea typeface="Arial Unicode MS" pitchFamily="34" charset="-128"/>
+                <a:cs typeface="Arial Unicode MS" pitchFamily="34" charset="-128"/>
+              </a:rPr>
+              <a:t>seccomp</a:t>
+            </a:r>
+          </a:p>
+        </p:txBody>
+      </p:sp>
+    </p:spTree>
+    <p:extLst>
+      <p:ext uri="{BB962C8B-B14F-4D97-AF65-F5344CB8AC3E}">
+        <p14:creationId xmlns:p14="http://schemas.microsoft.com/office/powerpoint/2010/main" val="2524894991"/>
+      </p:ext>
+    </p:extLst>
+  </p:cSld>
+  <p:clrMapOvr>
+    <a:masterClrMapping/>
+  </p:clrMapOvr>
+</p:sld>
+</file>
+
+<file path=ppt/slides/slide20.xml><?xml version="1.0" encoding="utf-8"?>
 <p:sld xmlns:a="http://schemas.openxmlformats.org/drawingml/2006/main" xmlns:r="http://schemas.openxmlformats.org/officeDocument/2006/relationships" xmlns:p="http://schemas.openxmlformats.org/presentationml/2006/main">
   <p:cSld>
     <p:spTree>
@@ -20596,7 +24717,7 @@
 </p:sld>
 </file>
 
-<file path=ppt/slides/slide16.xml><?xml version="1.0" encoding="utf-8"?>
+<file path=ppt/slides/slide21.xml><?xml version="1.0" encoding="utf-8"?>
 <p:sld xmlns:a="http://schemas.openxmlformats.org/drawingml/2006/main" xmlns:r="http://schemas.openxmlformats.org/officeDocument/2006/relationships" xmlns:p="http://schemas.openxmlformats.org/presentationml/2006/main">
   <p:cSld>
     <p:spTree>
@@ -21797,7 +25918,95 @@
 </p:sld>
 </file>
 
-<file path=ppt/slides/slide17.xml><?xml version="1.0" encoding="utf-8"?>
+<file path=ppt/slides/slide22.xml><?xml version="1.0" encoding="utf-8"?>
+<p:sld xmlns:a="http://schemas.openxmlformats.org/drawingml/2006/main" xmlns:r="http://schemas.openxmlformats.org/officeDocument/2006/relationships" xmlns:p="http://schemas.openxmlformats.org/presentationml/2006/main">
+  <p:cSld>
+    <p:spTree>
+      <p:nvGrpSpPr>
+        <p:cNvPr id="1" name=""/>
+        <p:cNvGrpSpPr/>
+        <p:nvPr/>
+      </p:nvGrpSpPr>
+      <p:grpSpPr>
+        <a:xfrm>
+          <a:off x="0" y="0"/>
+          <a:ext cx="0" cy="0"/>
+          <a:chOff x="0" y="0"/>
+          <a:chExt cx="0" cy="0"/>
+        </a:xfrm>
+      </p:grpSpPr>
+      <p:sp>
+        <p:nvSpPr>
+          <p:cNvPr id="4" name="Title 3">
+            <a:extLst>
+              <a:ext uri="{FF2B5EF4-FFF2-40B4-BE49-F238E27FC236}">
+                <a16:creationId xmlns:a16="http://schemas.microsoft.com/office/drawing/2014/main" id="{96BEB1A8-C9D3-4723-A64F-42E02E22325A}"/>
+              </a:ext>
+            </a:extLst>
+          </p:cNvPr>
+          <p:cNvSpPr>
+            <a:spLocks noGrp="1"/>
+          </p:cNvSpPr>
+          <p:nvPr>
+            <p:ph type="title"/>
+          </p:nvPr>
+        </p:nvSpPr>
+        <p:spPr/>
+        <p:txBody>
+          <a:bodyPr/>
+          <a:lstStyle/>
+          <a:p>
+            <a:r>
+              <a:rPr lang="en-US" dirty="0"/>
+              <a:t>Exercise #1 – Setting up Docker </a:t>
+            </a:r>
+          </a:p>
+        </p:txBody>
+      </p:sp>
+      <p:pic>
+        <p:nvPicPr>
+          <p:cNvPr id="8" name="Picture 7">
+            <a:extLst>
+              <a:ext uri="{FF2B5EF4-FFF2-40B4-BE49-F238E27FC236}">
+                <a16:creationId xmlns:a16="http://schemas.microsoft.com/office/drawing/2014/main" id="{D6B8C527-073F-471B-A282-22B63876CA6B}"/>
+              </a:ext>
+            </a:extLst>
+          </p:cNvPr>
+          <p:cNvPicPr>
+            <a:picLocks noChangeAspect="1"/>
+          </p:cNvPicPr>
+          <p:nvPr/>
+        </p:nvPicPr>
+        <p:blipFill>
+          <a:blip r:embed="rId3"/>
+          <a:stretch>
+            <a:fillRect/>
+          </a:stretch>
+        </p:blipFill>
+        <p:spPr>
+          <a:xfrm>
+            <a:off x="4571712" y="1903473"/>
+            <a:ext cx="3051054" cy="3051054"/>
+          </a:xfrm>
+          <a:prstGeom prst="rect">
+            <a:avLst/>
+          </a:prstGeom>
+        </p:spPr>
+      </p:pic>
+    </p:spTree>
+    <p:extLst>
+      <p:ext uri="{BB962C8B-B14F-4D97-AF65-F5344CB8AC3E}">
+        <p14:creationId xmlns:p14="http://schemas.microsoft.com/office/powerpoint/2010/main" val="3505288095"/>
+      </p:ext>
+    </p:extLst>
+  </p:cSld>
+  <p:clrMapOvr>
+    <a:masterClrMapping/>
+  </p:clrMapOvr>
+</p:sld>
+</file>
+
+<file path=ppt/slides/slide23.xml><?xml version="1.0" encoding="utf-8"?>
 <p:sld xmlns:a="http://schemas.openxmlformats.org/drawingml/2006/main" xmlns:r="http://schemas.openxmlformats.org/officeDocument/2006/relationships" xmlns:p="http://schemas.openxmlformats.org/presentationml/2006/main" show="0">
   <p:cSld>
     <p:spTree>
@@ -21820,1728 +26029,6 @@
     <a:masterClrMapping/>
   </p:clrMapOvr>
   <p:transition spd="med"/>
-</p:sld>
-</file>
-
-<file path=ppt/slides/slide2.xml><?xml version="1.0" encoding="utf-8"?>
-<p:sld xmlns:a="http://schemas.openxmlformats.org/drawingml/2006/main" xmlns:r="http://schemas.openxmlformats.org/officeDocument/2006/relationships" xmlns:p="http://schemas.openxmlformats.org/presentationml/2006/main">
-  <p:cSld>
-    <p:spTree>
-      <p:nvGrpSpPr>
-        <p:cNvPr id="1" name=""/>
-        <p:cNvGrpSpPr/>
-        <p:nvPr/>
-      </p:nvGrpSpPr>
-      <p:grpSpPr>
-        <a:xfrm>
-          <a:off x="0" y="0"/>
-          <a:ext cx="0" cy="0"/>
-          <a:chOff x="0" y="0"/>
-          <a:chExt cx="0" cy="0"/>
-        </a:xfrm>
-      </p:grpSpPr>
-      <p:sp>
-        <p:nvSpPr>
-          <p:cNvPr id="3" name="Title 2"/>
-          <p:cNvSpPr>
-            <a:spLocks noGrp="1"/>
-          </p:cNvSpPr>
-          <p:nvPr>
-            <p:ph type="title"/>
-          </p:nvPr>
-        </p:nvSpPr>
-        <p:spPr/>
-        <p:txBody>
-          <a:bodyPr/>
-          <a:lstStyle/>
-          <a:p>
-            <a:r>
-              <a:rPr lang="en-US" dirty="0"/>
-              <a:t>Linux Features</a:t>
-            </a:r>
-          </a:p>
-        </p:txBody>
-      </p:sp>
-      <p:sp>
-        <p:nvSpPr>
-          <p:cNvPr id="5" name="Rectangle 4"/>
-          <p:cNvSpPr/>
-          <p:nvPr/>
-        </p:nvSpPr>
-        <p:spPr bwMode="gray">
-          <a:xfrm>
-            <a:off x="916101" y="3327400"/>
-            <a:ext cx="4426368" cy="2341629"/>
-          </a:xfrm>
-          <a:prstGeom prst="rect">
-            <a:avLst/>
-          </a:prstGeom>
-          <a:solidFill>
-            <a:schemeClr val="tx2">
-              <a:lumMod val="25000"/>
-            </a:schemeClr>
-          </a:solidFill>
-          <a:ln w="6350" algn="ctr">
-            <a:solidFill>
-              <a:schemeClr val="tx1"/>
-            </a:solidFill>
-            <a:miter lim="800000"/>
-            <a:headEnd/>
-            <a:tailEnd/>
-          </a:ln>
-        </p:spPr>
-        <p:txBody>
-          <a:bodyPr lIns="90000" tIns="72000" rIns="90000" bIns="72000" rtlCol="0" anchor="ctr"/>
-          <a:lstStyle/>
-          <a:p>
-            <a:pPr marR="0" algn="ctr" defTabSz="914400" eaLnBrk="1" fontAlgn="base" latinLnBrk="0" hangingPunct="1">
-              <a:lnSpc>
-                <a:spcPct val="100000"/>
-              </a:lnSpc>
-              <a:spcBef>
-                <a:spcPct val="50000"/>
-              </a:spcBef>
-              <a:spcAft>
-                <a:spcPct val="0"/>
-              </a:spcAft>
-              <a:buClr>
-                <a:srgbClr val="F0AB00"/>
-              </a:buClr>
-              <a:buSzPct val="80000"/>
-              <a:tabLst/>
-            </a:pPr>
-            <a:endParaRPr kumimoji="0" lang="en-US" sz="1800" b="0" i="0" u="none" strike="noStrike" kern="0" cap="none" spc="0" normalizeH="0" baseline="0" dirty="0">
-              <a:ln>
-                <a:noFill/>
-              </a:ln>
-              <a:solidFill>
-                <a:schemeClr val="bg1"/>
-              </a:solidFill>
-              <a:effectLst/>
-              <a:uLnTx/>
-              <a:uFillTx/>
-              <a:ea typeface="Arial Unicode MS" pitchFamily="34" charset="-128"/>
-              <a:cs typeface="Arial Unicode MS" pitchFamily="34" charset="-128"/>
-            </a:endParaRPr>
-          </a:p>
-        </p:txBody>
-      </p:sp>
-      <p:sp>
-        <p:nvSpPr>
-          <p:cNvPr id="6" name="Rectangle 5"/>
-          <p:cNvSpPr/>
-          <p:nvPr/>
-        </p:nvSpPr>
-        <p:spPr bwMode="gray">
-          <a:xfrm>
-            <a:off x="994619" y="3395133"/>
-            <a:ext cx="4271648" cy="1787461"/>
-          </a:xfrm>
-          <a:prstGeom prst="rect">
-            <a:avLst/>
-          </a:prstGeom>
-          <a:solidFill>
-            <a:schemeClr val="accent4">
-              <a:lumMod val="75000"/>
-            </a:schemeClr>
-          </a:solidFill>
-          <a:ln w="6350" algn="ctr">
-            <a:solidFill>
-              <a:schemeClr val="tx1"/>
-            </a:solidFill>
-            <a:miter lim="800000"/>
-            <a:headEnd/>
-            <a:tailEnd/>
-          </a:ln>
-        </p:spPr>
-        <p:txBody>
-          <a:bodyPr lIns="90000" tIns="72000" rIns="90000" bIns="72000" rtlCol="0" anchor="t" anchorCtr="0"/>
-          <a:lstStyle/>
-          <a:p>
-            <a:pPr marR="0" algn="ctr" defTabSz="914400" eaLnBrk="1" fontAlgn="base" latinLnBrk="0" hangingPunct="1">
-              <a:lnSpc>
-                <a:spcPct val="100000"/>
-              </a:lnSpc>
-              <a:spcBef>
-                <a:spcPct val="50000"/>
-              </a:spcBef>
-              <a:spcAft>
-                <a:spcPct val="0"/>
-              </a:spcAft>
-              <a:buClr>
-                <a:srgbClr val="F0AB00"/>
-              </a:buClr>
-              <a:buSzPct val="80000"/>
-              <a:tabLst/>
-            </a:pPr>
-            <a:r>
-              <a:rPr kumimoji="0" lang="en-US" sz="1800" b="0" i="0" u="none" strike="noStrike" kern="0" cap="none" spc="0" normalizeH="0" baseline="0" dirty="0">
-                <a:ln>
-                  <a:noFill/>
-                </a:ln>
-                <a:solidFill>
-                  <a:schemeClr val="bg1"/>
-                </a:solidFill>
-                <a:effectLst/>
-                <a:uLnTx/>
-                <a:uFillTx/>
-                <a:ea typeface="Arial Unicode MS" pitchFamily="34" charset="-128"/>
-                <a:cs typeface="Arial Unicode MS" pitchFamily="34" charset="-128"/>
-              </a:rPr>
-              <a:t>Linux</a:t>
-            </a:r>
-          </a:p>
-        </p:txBody>
-      </p:sp>
-      <p:sp>
-        <p:nvSpPr>
-          <p:cNvPr id="7" name="Arrow: Down 6"/>
-          <p:cNvSpPr/>
-          <p:nvPr/>
-        </p:nvSpPr>
-        <p:spPr bwMode="gray">
-          <a:xfrm>
-            <a:off x="1079289" y="3079385"/>
-            <a:ext cx="712104" cy="554913"/>
-          </a:xfrm>
-          <a:prstGeom prst="downArrow">
-            <a:avLst>
-              <a:gd name="adj1" fmla="val 50000"/>
-              <a:gd name="adj2" fmla="val 38537"/>
-            </a:avLst>
-          </a:prstGeom>
-          <a:solidFill>
-            <a:schemeClr val="tx2">
-              <a:lumMod val="50000"/>
-            </a:schemeClr>
-          </a:solidFill>
-          <a:ln w="6350" algn="ctr">
-            <a:solidFill>
-              <a:schemeClr val="tx1"/>
-            </a:solidFill>
-            <a:miter lim="800000"/>
-            <a:headEnd/>
-            <a:tailEnd/>
-          </a:ln>
-        </p:spPr>
-        <p:txBody>
-          <a:bodyPr lIns="90000" tIns="72000" rIns="90000" bIns="72000" rtlCol="0" anchor="ctr"/>
-          <a:lstStyle/>
-          <a:p>
-            <a:pPr marR="0" algn="ctr" defTabSz="914400" eaLnBrk="1" fontAlgn="base" latinLnBrk="0" hangingPunct="1">
-              <a:lnSpc>
-                <a:spcPct val="100000"/>
-              </a:lnSpc>
-              <a:spcBef>
-                <a:spcPct val="50000"/>
-              </a:spcBef>
-              <a:spcAft>
-                <a:spcPct val="0"/>
-              </a:spcAft>
-              <a:buClr>
-                <a:srgbClr val="F0AB00"/>
-              </a:buClr>
-              <a:buSzPct val="80000"/>
-              <a:tabLst/>
-            </a:pPr>
-            <a:endParaRPr kumimoji="0" lang="en-US" sz="1800" b="0" i="0" u="none" strike="noStrike" kern="0" cap="none" spc="0" normalizeH="0" baseline="0" dirty="0">
-              <a:ln>
-                <a:noFill/>
-              </a:ln>
-              <a:solidFill>
-                <a:schemeClr val="bg1"/>
-              </a:solidFill>
-              <a:effectLst/>
-              <a:uLnTx/>
-              <a:uFillTx/>
-              <a:ea typeface="Arial Unicode MS" pitchFamily="34" charset="-128"/>
-              <a:cs typeface="Arial Unicode MS" pitchFamily="34" charset="-128"/>
-            </a:endParaRPr>
-          </a:p>
-        </p:txBody>
-      </p:sp>
-      <p:sp>
-        <p:nvSpPr>
-          <p:cNvPr id="8" name="Arrow: Down 7"/>
-          <p:cNvSpPr/>
-          <p:nvPr/>
-        </p:nvSpPr>
-        <p:spPr bwMode="gray">
-          <a:xfrm>
-            <a:off x="4473888" y="3075040"/>
-            <a:ext cx="712104" cy="554913"/>
-          </a:xfrm>
-          <a:prstGeom prst="downArrow">
-            <a:avLst>
-              <a:gd name="adj1" fmla="val 50000"/>
-              <a:gd name="adj2" fmla="val 38537"/>
-            </a:avLst>
-          </a:prstGeom>
-          <a:solidFill>
-            <a:schemeClr val="tx2">
-              <a:lumMod val="50000"/>
-            </a:schemeClr>
-          </a:solidFill>
-          <a:ln w="6350" algn="ctr">
-            <a:solidFill>
-              <a:schemeClr val="tx1"/>
-            </a:solidFill>
-            <a:miter lim="800000"/>
-            <a:headEnd/>
-            <a:tailEnd/>
-          </a:ln>
-        </p:spPr>
-        <p:txBody>
-          <a:bodyPr lIns="90000" tIns="72000" rIns="90000" bIns="72000" rtlCol="0" anchor="ctr"/>
-          <a:lstStyle/>
-          <a:p>
-            <a:pPr marR="0" algn="ctr" defTabSz="914400" eaLnBrk="1" fontAlgn="base" latinLnBrk="0" hangingPunct="1">
-              <a:lnSpc>
-                <a:spcPct val="100000"/>
-              </a:lnSpc>
-              <a:spcBef>
-                <a:spcPct val="50000"/>
-              </a:spcBef>
-              <a:spcAft>
-                <a:spcPct val="0"/>
-              </a:spcAft>
-              <a:buClr>
-                <a:srgbClr val="F0AB00"/>
-              </a:buClr>
-              <a:buSzPct val="80000"/>
-              <a:tabLst/>
-            </a:pPr>
-            <a:endParaRPr kumimoji="0" lang="en-US" sz="1800" b="0" i="0" u="none" strike="noStrike" kern="0" cap="none" spc="0" normalizeH="0" baseline="0" dirty="0">
-              <a:ln>
-                <a:noFill/>
-              </a:ln>
-              <a:solidFill>
-                <a:schemeClr val="bg1"/>
-              </a:solidFill>
-              <a:effectLst/>
-              <a:uLnTx/>
-              <a:uFillTx/>
-              <a:ea typeface="Arial Unicode MS" pitchFamily="34" charset="-128"/>
-              <a:cs typeface="Arial Unicode MS" pitchFamily="34" charset="-128"/>
-            </a:endParaRPr>
-          </a:p>
-        </p:txBody>
-      </p:sp>
-      <p:grpSp>
-        <p:nvGrpSpPr>
-          <p:cNvPr id="9" name="Group 8"/>
-          <p:cNvGrpSpPr/>
-          <p:nvPr/>
-        </p:nvGrpSpPr>
-        <p:grpSpPr>
-          <a:xfrm>
-            <a:off x="916100" y="2056108"/>
-            <a:ext cx="4426368" cy="1096525"/>
-            <a:chOff x="916099" y="2056108"/>
-            <a:chExt cx="4920343" cy="1096525"/>
-          </a:xfrm>
-        </p:grpSpPr>
-        <p:sp>
-          <p:nvSpPr>
-            <p:cNvPr id="10" name="Rectangle 9"/>
-            <p:cNvSpPr/>
-            <p:nvPr/>
-          </p:nvSpPr>
-          <p:spPr bwMode="gray">
-            <a:xfrm>
-              <a:off x="916099" y="2056108"/>
-              <a:ext cx="4920343" cy="1096525"/>
-            </a:xfrm>
-            <a:prstGeom prst="rect">
-              <a:avLst/>
-            </a:prstGeom>
-            <a:solidFill>
-              <a:schemeClr val="accent2">
-                <a:lumMod val="75000"/>
-              </a:schemeClr>
-            </a:solidFill>
-            <a:ln w="6350" algn="ctr">
-              <a:solidFill>
-                <a:schemeClr val="tx1"/>
-              </a:solidFill>
-              <a:miter lim="800000"/>
-              <a:headEnd/>
-              <a:tailEnd/>
-            </a:ln>
-          </p:spPr>
-          <p:txBody>
-            <a:bodyPr lIns="90000" tIns="72000" rIns="90000" bIns="72000" rtlCol="0" anchor="t" anchorCtr="0"/>
-            <a:lstStyle/>
-            <a:p>
-              <a:pPr marR="0" algn="ctr" defTabSz="914400" eaLnBrk="1" fontAlgn="base" latinLnBrk="0" hangingPunct="1">
-                <a:lnSpc>
-                  <a:spcPct val="100000"/>
-                </a:lnSpc>
-                <a:spcBef>
-                  <a:spcPct val="50000"/>
-                </a:spcBef>
-                <a:spcAft>
-                  <a:spcPct val="0"/>
-                </a:spcAft>
-                <a:buClr>
-                  <a:srgbClr val="F0AB00"/>
-                </a:buClr>
-                <a:buSzPct val="80000"/>
-                <a:tabLst/>
-              </a:pPr>
-              <a:r>
-                <a:rPr kumimoji="0" lang="en-US" sz="1600" b="0" i="0" u="none" strike="noStrike" kern="0" cap="none" spc="0" normalizeH="0" baseline="0" dirty="0">
-                  <a:ln>
-                    <a:noFill/>
-                  </a:ln>
-                  <a:solidFill>
-                    <a:schemeClr val="bg1"/>
-                  </a:solidFill>
-                  <a:effectLst/>
-                  <a:uLnTx/>
-                  <a:uFillTx/>
-                  <a:ea typeface="Arial Unicode MS" pitchFamily="34" charset="-128"/>
-                  <a:cs typeface="Arial Unicode MS" pitchFamily="34" charset="-128"/>
-                </a:rPr>
-                <a:t>Docker Runtime</a:t>
-              </a:r>
-            </a:p>
-          </p:txBody>
-        </p:sp>
-        <p:sp>
-          <p:nvSpPr>
-            <p:cNvPr id="11" name="Rectangle 10"/>
-            <p:cNvSpPr/>
-            <p:nvPr/>
-          </p:nvSpPr>
-          <p:spPr bwMode="gray">
-            <a:xfrm>
-              <a:off x="994619" y="2421820"/>
-              <a:ext cx="774914" cy="668513"/>
-            </a:xfrm>
-            <a:prstGeom prst="rect">
-              <a:avLst/>
-            </a:prstGeom>
-            <a:solidFill>
-              <a:schemeClr val="accent3">
-                <a:lumMod val="50000"/>
-              </a:schemeClr>
-            </a:solidFill>
-            <a:ln w="6350" algn="ctr">
-              <a:solidFill>
-                <a:schemeClr val="tx1"/>
-              </a:solidFill>
-              <a:miter lim="800000"/>
-              <a:headEnd/>
-              <a:tailEnd/>
-            </a:ln>
-          </p:spPr>
-          <p:txBody>
-            <a:bodyPr vert="vert270" lIns="90000" tIns="72000" rIns="90000" bIns="72000" rtlCol="0" anchor="ctr"/>
-            <a:lstStyle/>
-            <a:p>
-              <a:pPr marR="0" algn="ctr" defTabSz="914400" eaLnBrk="1" fontAlgn="base" latinLnBrk="0" hangingPunct="1">
-                <a:lnSpc>
-                  <a:spcPct val="100000"/>
-                </a:lnSpc>
-                <a:spcBef>
-                  <a:spcPct val="50000"/>
-                </a:spcBef>
-                <a:spcAft>
-                  <a:spcPct val="0"/>
-                </a:spcAft>
-                <a:buClr>
-                  <a:srgbClr val="F0AB00"/>
-                </a:buClr>
-                <a:buSzPct val="80000"/>
-                <a:tabLst/>
-              </a:pPr>
-              <a:r>
-                <a:rPr kumimoji="0" lang="en-US" sz="1100" b="0" i="0" u="none" strike="noStrike" kern="0" cap="none" spc="0" normalizeH="0" baseline="0" dirty="0">
-                  <a:ln>
-                    <a:noFill/>
-                  </a:ln>
-                  <a:solidFill>
-                    <a:schemeClr val="bg1"/>
-                  </a:solidFill>
-                  <a:effectLst/>
-                  <a:uLnTx/>
-                  <a:uFillTx/>
-                  <a:ea typeface="Arial Unicode MS" pitchFamily="34" charset="-128"/>
-                  <a:cs typeface="Arial Unicode MS" pitchFamily="34" charset="-128"/>
-                </a:rPr>
-                <a:t>dockerd</a:t>
-              </a:r>
-            </a:p>
-          </p:txBody>
-        </p:sp>
-      </p:grpSp>
-      <p:sp>
-        <p:nvSpPr>
-          <p:cNvPr id="12" name="Rectangle 11"/>
-          <p:cNvSpPr/>
-          <p:nvPr/>
-        </p:nvSpPr>
-        <p:spPr bwMode="gray">
-          <a:xfrm>
-            <a:off x="1889133" y="2421820"/>
-            <a:ext cx="774914" cy="668513"/>
-          </a:xfrm>
-          <a:prstGeom prst="rect">
-            <a:avLst/>
-          </a:prstGeom>
-          <a:solidFill>
-            <a:srgbClr val="F0AB00"/>
-          </a:solidFill>
-          <a:ln w="6350" algn="ctr">
-            <a:solidFill>
-              <a:schemeClr val="tx1"/>
-            </a:solidFill>
-            <a:miter lim="800000"/>
-            <a:headEnd/>
-            <a:tailEnd/>
-          </a:ln>
-        </p:spPr>
-        <p:txBody>
-          <a:bodyPr vert="horz" lIns="90000" tIns="72000" rIns="90000" bIns="72000" rtlCol="0" anchor="ctr"/>
-          <a:lstStyle/>
-          <a:p>
-            <a:pPr marR="0" algn="ctr" defTabSz="914400" eaLnBrk="1" fontAlgn="base" latinLnBrk="0" hangingPunct="1">
-              <a:lnSpc>
-                <a:spcPct val="100000"/>
-              </a:lnSpc>
-              <a:spcBef>
-                <a:spcPct val="50000"/>
-              </a:spcBef>
-              <a:spcAft>
-                <a:spcPct val="0"/>
-              </a:spcAft>
-              <a:buClr>
-                <a:srgbClr val="F0AB00"/>
-              </a:buClr>
-              <a:buSzPct val="80000"/>
-              <a:tabLst/>
-            </a:pPr>
-            <a:r>
-              <a:rPr kumimoji="0" lang="en-US" sz="1050" b="0" i="0" u="none" strike="noStrike" kern="0" cap="none" spc="0" normalizeH="0" baseline="0" dirty="0">
-                <a:ln>
-                  <a:noFill/>
-                </a:ln>
-                <a:solidFill>
-                  <a:schemeClr val="bg1"/>
-                </a:solidFill>
-                <a:effectLst/>
-                <a:uLnTx/>
-                <a:uFillTx/>
-                <a:ea typeface="Arial Unicode MS" pitchFamily="34" charset="-128"/>
-                <a:cs typeface="Arial Unicode MS" pitchFamily="34" charset="-128"/>
-              </a:rPr>
-              <a:t>Container</a:t>
-            </a:r>
-          </a:p>
-        </p:txBody>
-      </p:sp>
-      <p:sp>
-        <p:nvSpPr>
-          <p:cNvPr id="17" name="Rectangle 16"/>
-          <p:cNvSpPr/>
-          <p:nvPr/>
-        </p:nvSpPr>
-        <p:spPr bwMode="gray">
-          <a:xfrm>
-            <a:off x="994619" y="5250328"/>
-            <a:ext cx="4271648" cy="354606"/>
-          </a:xfrm>
-          <a:prstGeom prst="rect">
-            <a:avLst/>
-          </a:prstGeom>
-          <a:solidFill>
-            <a:schemeClr val="accent1">
-              <a:lumMod val="75000"/>
-            </a:schemeClr>
-          </a:solidFill>
-          <a:ln w="6350" algn="ctr">
-            <a:solidFill>
-              <a:schemeClr val="tx1"/>
-            </a:solidFill>
-            <a:miter lim="800000"/>
-            <a:headEnd/>
-            <a:tailEnd/>
-          </a:ln>
-        </p:spPr>
-        <p:txBody>
-          <a:bodyPr lIns="90000" tIns="72000" rIns="90000" bIns="72000" rtlCol="0" anchor="ctr"/>
-          <a:lstStyle/>
-          <a:p>
-            <a:pPr marR="0" algn="ctr" defTabSz="914400" eaLnBrk="1" fontAlgn="base" latinLnBrk="0" hangingPunct="1">
-              <a:lnSpc>
-                <a:spcPct val="100000"/>
-              </a:lnSpc>
-              <a:spcBef>
-                <a:spcPct val="50000"/>
-              </a:spcBef>
-              <a:spcAft>
-                <a:spcPct val="0"/>
-              </a:spcAft>
-              <a:buClr>
-                <a:srgbClr val="F0AB00"/>
-              </a:buClr>
-              <a:buSzPct val="80000"/>
-              <a:tabLst/>
-            </a:pPr>
-            <a:r>
-              <a:rPr kumimoji="0" lang="en-US" sz="1800" b="0" i="0" u="none" strike="noStrike" kern="0" cap="none" spc="0" normalizeH="0" baseline="0" dirty="0">
-                <a:ln>
-                  <a:noFill/>
-                </a:ln>
-                <a:solidFill>
-                  <a:schemeClr val="bg1"/>
-                </a:solidFill>
-                <a:effectLst/>
-                <a:uLnTx/>
-                <a:uFillTx/>
-                <a:ea typeface="Arial Unicode MS" pitchFamily="34" charset="-128"/>
-                <a:cs typeface="Arial Unicode MS" pitchFamily="34" charset="-128"/>
-              </a:rPr>
-              <a:t>Hardware</a:t>
-            </a:r>
-          </a:p>
-        </p:txBody>
-      </p:sp>
-      <p:sp>
-        <p:nvSpPr>
-          <p:cNvPr id="18" name="Rectangle 17"/>
-          <p:cNvSpPr/>
-          <p:nvPr/>
-        </p:nvSpPr>
-        <p:spPr bwMode="gray">
-          <a:xfrm>
-            <a:off x="4491353" y="2421820"/>
-            <a:ext cx="774914" cy="668513"/>
-          </a:xfrm>
-          <a:prstGeom prst="rect">
-            <a:avLst/>
-          </a:prstGeom>
-          <a:solidFill>
-            <a:srgbClr val="F0AB00"/>
-          </a:solidFill>
-          <a:ln w="6350" algn="ctr">
-            <a:solidFill>
-              <a:schemeClr val="tx1"/>
-            </a:solidFill>
-            <a:miter lim="800000"/>
-            <a:headEnd/>
-            <a:tailEnd/>
-          </a:ln>
-        </p:spPr>
-        <p:txBody>
-          <a:bodyPr vert="horz" lIns="90000" tIns="72000" rIns="90000" bIns="72000" rtlCol="0" anchor="ctr"/>
-          <a:lstStyle/>
-          <a:p>
-            <a:pPr marR="0" algn="ctr" defTabSz="914400" eaLnBrk="1" fontAlgn="base" latinLnBrk="0" hangingPunct="1">
-              <a:lnSpc>
-                <a:spcPct val="100000"/>
-              </a:lnSpc>
-              <a:spcBef>
-                <a:spcPct val="50000"/>
-              </a:spcBef>
-              <a:spcAft>
-                <a:spcPct val="0"/>
-              </a:spcAft>
-              <a:buClr>
-                <a:srgbClr val="F0AB00"/>
-              </a:buClr>
-              <a:buSzPct val="80000"/>
-              <a:tabLst/>
-            </a:pPr>
-            <a:r>
-              <a:rPr kumimoji="0" lang="en-US" sz="1050" b="0" i="0" u="none" strike="noStrike" kern="0" cap="none" spc="0" normalizeH="0" baseline="0" dirty="0">
-                <a:ln>
-                  <a:noFill/>
-                </a:ln>
-                <a:solidFill>
-                  <a:schemeClr val="bg1"/>
-                </a:solidFill>
-                <a:effectLst/>
-                <a:uLnTx/>
-                <a:uFillTx/>
-                <a:ea typeface="Arial Unicode MS" pitchFamily="34" charset="-128"/>
-                <a:cs typeface="Arial Unicode MS" pitchFamily="34" charset="-128"/>
-              </a:rPr>
-              <a:t>Container</a:t>
-            </a:r>
-          </a:p>
-        </p:txBody>
-      </p:sp>
-      <p:sp>
-        <p:nvSpPr>
-          <p:cNvPr id="20" name="Rectangle 19"/>
-          <p:cNvSpPr/>
-          <p:nvPr/>
-        </p:nvSpPr>
-        <p:spPr bwMode="gray">
-          <a:xfrm>
-            <a:off x="3618699" y="2421820"/>
-            <a:ext cx="774914" cy="668513"/>
-          </a:xfrm>
-          <a:prstGeom prst="rect">
-            <a:avLst/>
-          </a:prstGeom>
-          <a:solidFill>
-            <a:srgbClr val="F0AB00"/>
-          </a:solidFill>
-          <a:ln w="6350" algn="ctr">
-            <a:solidFill>
-              <a:schemeClr val="tx1"/>
-            </a:solidFill>
-            <a:miter lim="800000"/>
-            <a:headEnd/>
-            <a:tailEnd/>
-          </a:ln>
-        </p:spPr>
-        <p:txBody>
-          <a:bodyPr vert="horz" lIns="90000" tIns="72000" rIns="90000" bIns="72000" rtlCol="0" anchor="ctr"/>
-          <a:lstStyle/>
-          <a:p>
-            <a:pPr marR="0" algn="ctr" defTabSz="914400" eaLnBrk="1" fontAlgn="base" latinLnBrk="0" hangingPunct="1">
-              <a:lnSpc>
-                <a:spcPct val="100000"/>
-              </a:lnSpc>
-              <a:spcBef>
-                <a:spcPct val="50000"/>
-              </a:spcBef>
-              <a:spcAft>
-                <a:spcPct val="0"/>
-              </a:spcAft>
-              <a:buClr>
-                <a:srgbClr val="F0AB00"/>
-              </a:buClr>
-              <a:buSzPct val="80000"/>
-              <a:tabLst/>
-            </a:pPr>
-            <a:r>
-              <a:rPr kumimoji="0" lang="en-US" sz="1050" b="0" i="0" u="none" strike="noStrike" kern="0" cap="none" spc="0" normalizeH="0" baseline="0" dirty="0">
-                <a:ln>
-                  <a:noFill/>
-                </a:ln>
-                <a:solidFill>
-                  <a:schemeClr val="bg1"/>
-                </a:solidFill>
-                <a:effectLst/>
-                <a:uLnTx/>
-                <a:uFillTx/>
-                <a:ea typeface="Arial Unicode MS" pitchFamily="34" charset="-128"/>
-                <a:cs typeface="Arial Unicode MS" pitchFamily="34" charset="-128"/>
-              </a:rPr>
-              <a:t>Container</a:t>
-            </a:r>
-          </a:p>
-        </p:txBody>
-      </p:sp>
-      <p:sp>
-        <p:nvSpPr>
-          <p:cNvPr id="21" name="Rectangle 20"/>
-          <p:cNvSpPr/>
-          <p:nvPr/>
-        </p:nvSpPr>
-        <p:spPr bwMode="gray">
-          <a:xfrm>
-            <a:off x="2747779" y="2421820"/>
-            <a:ext cx="774914" cy="668513"/>
-          </a:xfrm>
-          <a:prstGeom prst="rect">
-            <a:avLst/>
-          </a:prstGeom>
-          <a:solidFill>
-            <a:srgbClr val="F0AB00"/>
-          </a:solidFill>
-          <a:ln w="6350" algn="ctr">
-            <a:solidFill>
-              <a:schemeClr val="tx1"/>
-            </a:solidFill>
-            <a:miter lim="800000"/>
-            <a:headEnd/>
-            <a:tailEnd/>
-          </a:ln>
-        </p:spPr>
-        <p:txBody>
-          <a:bodyPr vert="horz" lIns="90000" tIns="72000" rIns="90000" bIns="72000" rtlCol="0" anchor="ctr"/>
-          <a:lstStyle/>
-          <a:p>
-            <a:pPr marR="0" algn="ctr" defTabSz="914400" eaLnBrk="1" fontAlgn="base" latinLnBrk="0" hangingPunct="1">
-              <a:lnSpc>
-                <a:spcPct val="100000"/>
-              </a:lnSpc>
-              <a:spcBef>
-                <a:spcPct val="50000"/>
-              </a:spcBef>
-              <a:spcAft>
-                <a:spcPct val="0"/>
-              </a:spcAft>
-              <a:buClr>
-                <a:srgbClr val="F0AB00"/>
-              </a:buClr>
-              <a:buSzPct val="80000"/>
-              <a:tabLst/>
-            </a:pPr>
-            <a:r>
-              <a:rPr kumimoji="0" lang="en-US" sz="1050" b="0" i="0" u="none" strike="noStrike" kern="0" cap="none" spc="0" normalizeH="0" baseline="0" dirty="0">
-                <a:ln>
-                  <a:noFill/>
-                </a:ln>
-                <a:solidFill>
-                  <a:schemeClr val="bg1"/>
-                </a:solidFill>
-                <a:effectLst/>
-                <a:uLnTx/>
-                <a:uFillTx/>
-                <a:ea typeface="Arial Unicode MS" pitchFamily="34" charset="-128"/>
-                <a:cs typeface="Arial Unicode MS" pitchFamily="34" charset="-128"/>
-              </a:rPr>
-              <a:t>Container</a:t>
-            </a:r>
-          </a:p>
-        </p:txBody>
-      </p:sp>
-      <p:sp>
-        <p:nvSpPr>
-          <p:cNvPr id="22" name="Rectangle: Rounded Corners 21"/>
-          <p:cNvSpPr/>
-          <p:nvPr/>
-        </p:nvSpPr>
-        <p:spPr bwMode="gray">
-          <a:xfrm>
-            <a:off x="1232914" y="3885603"/>
-            <a:ext cx="1312438" cy="285950"/>
-          </a:xfrm>
-          <a:prstGeom prst="roundRect">
-            <a:avLst/>
-          </a:prstGeom>
-          <a:solidFill>
-            <a:schemeClr val="accent5">
-              <a:lumMod val="40000"/>
-              <a:lumOff val="60000"/>
-            </a:schemeClr>
-          </a:solidFill>
-          <a:ln w="6350" algn="ctr">
-            <a:solidFill>
-              <a:schemeClr val="tx1"/>
-            </a:solidFill>
-            <a:miter lim="800000"/>
-            <a:headEnd/>
-            <a:tailEnd/>
-          </a:ln>
-        </p:spPr>
-        <p:txBody>
-          <a:bodyPr lIns="90000" tIns="72000" rIns="90000" bIns="72000" rtlCol="0" anchor="ctr"/>
-          <a:lstStyle/>
-          <a:p>
-            <a:pPr marR="0" algn="ctr" defTabSz="914400" eaLnBrk="1" fontAlgn="base" latinLnBrk="0" hangingPunct="1">
-              <a:lnSpc>
-                <a:spcPct val="100000"/>
-              </a:lnSpc>
-              <a:spcBef>
-                <a:spcPct val="50000"/>
-              </a:spcBef>
-              <a:spcAft>
-                <a:spcPct val="0"/>
-              </a:spcAft>
-              <a:buClr>
-                <a:srgbClr val="F0AB00"/>
-              </a:buClr>
-              <a:buSzPct val="80000"/>
-              <a:tabLst/>
-            </a:pPr>
-            <a:r>
-              <a:rPr kumimoji="0" lang="en-US" sz="1400" b="0" i="0" u="none" strike="noStrike" kern="0" cap="none" spc="0" normalizeH="0" baseline="0" dirty="0">
-                <a:ln>
-                  <a:noFill/>
-                </a:ln>
-                <a:effectLst/>
-                <a:uLnTx/>
-                <a:uFillTx/>
-                <a:ea typeface="Arial Unicode MS" pitchFamily="34" charset="-128"/>
-                <a:cs typeface="Arial Unicode MS" pitchFamily="34" charset="-128"/>
-              </a:rPr>
-              <a:t>namespaces</a:t>
-            </a:r>
-          </a:p>
-        </p:txBody>
-      </p:sp>
-      <p:sp>
-        <p:nvSpPr>
-          <p:cNvPr id="23" name="Rectangle: Rounded Corners 22"/>
-          <p:cNvSpPr/>
-          <p:nvPr/>
-        </p:nvSpPr>
-        <p:spPr bwMode="gray">
-          <a:xfrm>
-            <a:off x="1079289" y="4314990"/>
-            <a:ext cx="1312438" cy="285950"/>
-          </a:xfrm>
-          <a:prstGeom prst="roundRect">
-            <a:avLst/>
-          </a:prstGeom>
-          <a:solidFill>
-            <a:schemeClr val="accent5">
-              <a:lumMod val="40000"/>
-              <a:lumOff val="60000"/>
-            </a:schemeClr>
-          </a:solidFill>
-          <a:ln w="6350" algn="ctr">
-            <a:solidFill>
-              <a:schemeClr val="tx1"/>
-            </a:solidFill>
-            <a:miter lim="800000"/>
-            <a:headEnd/>
-            <a:tailEnd/>
-          </a:ln>
-        </p:spPr>
-        <p:txBody>
-          <a:bodyPr lIns="90000" tIns="72000" rIns="90000" bIns="72000" rtlCol="0" anchor="ctr"/>
-          <a:lstStyle/>
-          <a:p>
-            <a:pPr marR="0" algn="ctr" defTabSz="914400" eaLnBrk="1" fontAlgn="base" latinLnBrk="0" hangingPunct="1">
-              <a:lnSpc>
-                <a:spcPct val="100000"/>
-              </a:lnSpc>
-              <a:spcBef>
-                <a:spcPct val="50000"/>
-              </a:spcBef>
-              <a:spcAft>
-                <a:spcPct val="0"/>
-              </a:spcAft>
-              <a:buClr>
-                <a:srgbClr val="F0AB00"/>
-              </a:buClr>
-              <a:buSzPct val="80000"/>
-              <a:tabLst/>
-            </a:pPr>
-            <a:r>
-              <a:rPr kumimoji="0" lang="en-US" sz="1400" b="0" i="0" u="none" strike="noStrike" kern="0" cap="none" spc="0" normalizeH="0" baseline="0" dirty="0" err="1">
-                <a:ln>
-                  <a:noFill/>
-                </a:ln>
-                <a:effectLst/>
-                <a:uLnTx/>
-                <a:uFillTx/>
-                <a:ea typeface="Arial Unicode MS" pitchFamily="34" charset="-128"/>
-                <a:cs typeface="Arial Unicode MS" pitchFamily="34" charset="-128"/>
-              </a:rPr>
-              <a:t>netfilter</a:t>
-            </a:r>
-            <a:endParaRPr kumimoji="0" lang="en-US" sz="1400" b="0" i="0" u="none" strike="noStrike" kern="0" cap="none" spc="0" normalizeH="0" baseline="0" dirty="0">
-              <a:ln>
-                <a:noFill/>
-              </a:ln>
-              <a:effectLst/>
-              <a:uLnTx/>
-              <a:uFillTx/>
-              <a:ea typeface="Arial Unicode MS" pitchFamily="34" charset="-128"/>
-              <a:cs typeface="Arial Unicode MS" pitchFamily="34" charset="-128"/>
-            </a:endParaRPr>
-          </a:p>
-        </p:txBody>
-      </p:sp>
-      <p:sp>
-        <p:nvSpPr>
-          <p:cNvPr id="25" name="Rectangle: Rounded Corners 24"/>
-          <p:cNvSpPr/>
-          <p:nvPr/>
-        </p:nvSpPr>
-        <p:spPr bwMode="gray">
-          <a:xfrm>
-            <a:off x="1658305" y="4780963"/>
-            <a:ext cx="1312438" cy="285950"/>
-          </a:xfrm>
-          <a:prstGeom prst="roundRect">
-            <a:avLst/>
-          </a:prstGeom>
-          <a:solidFill>
-            <a:schemeClr val="accent5">
-              <a:lumMod val="40000"/>
-              <a:lumOff val="60000"/>
-            </a:schemeClr>
-          </a:solidFill>
-          <a:ln w="6350" algn="ctr">
-            <a:solidFill>
-              <a:schemeClr val="tx1"/>
-            </a:solidFill>
-            <a:miter lim="800000"/>
-            <a:headEnd/>
-            <a:tailEnd/>
-          </a:ln>
-        </p:spPr>
-        <p:txBody>
-          <a:bodyPr lIns="90000" tIns="72000" rIns="90000" bIns="72000" rtlCol="0" anchor="ctr"/>
-          <a:lstStyle/>
-          <a:p>
-            <a:pPr marR="0" algn="ctr" defTabSz="914400" eaLnBrk="1" fontAlgn="base" latinLnBrk="0" hangingPunct="1">
-              <a:lnSpc>
-                <a:spcPct val="100000"/>
-              </a:lnSpc>
-              <a:spcBef>
-                <a:spcPct val="50000"/>
-              </a:spcBef>
-              <a:spcAft>
-                <a:spcPct val="0"/>
-              </a:spcAft>
-              <a:buClr>
-                <a:srgbClr val="F0AB00"/>
-              </a:buClr>
-              <a:buSzPct val="80000"/>
-              <a:tabLst/>
-            </a:pPr>
-            <a:r>
-              <a:rPr kumimoji="0" lang="en-US" sz="1400" b="0" i="0" u="none" strike="noStrike" kern="0" cap="none" spc="0" normalizeH="0" baseline="0" dirty="0">
-                <a:ln>
-                  <a:noFill/>
-                </a:ln>
-                <a:effectLst/>
-                <a:uLnTx/>
-                <a:uFillTx/>
-                <a:ea typeface="Arial Unicode MS" pitchFamily="34" charset="-128"/>
-                <a:cs typeface="Arial Unicode MS" pitchFamily="34" charset="-128"/>
-              </a:rPr>
-              <a:t>cgroups</a:t>
-            </a:r>
-          </a:p>
-        </p:txBody>
-      </p:sp>
-      <p:sp>
-        <p:nvSpPr>
-          <p:cNvPr id="27" name="Rectangle: Rounded Corners 26"/>
-          <p:cNvSpPr/>
-          <p:nvPr/>
-        </p:nvSpPr>
-        <p:spPr bwMode="gray">
-          <a:xfrm>
-            <a:off x="3737394" y="4310191"/>
-            <a:ext cx="1312438" cy="285950"/>
-          </a:xfrm>
-          <a:prstGeom prst="roundRect">
-            <a:avLst/>
-          </a:prstGeom>
-          <a:solidFill>
-            <a:schemeClr val="accent5">
-              <a:lumMod val="40000"/>
-              <a:lumOff val="60000"/>
-            </a:schemeClr>
-          </a:solidFill>
-          <a:ln w="6350" algn="ctr">
-            <a:solidFill>
-              <a:schemeClr val="tx1"/>
-            </a:solidFill>
-            <a:miter lim="800000"/>
-            <a:headEnd/>
-            <a:tailEnd/>
-          </a:ln>
-        </p:spPr>
-        <p:txBody>
-          <a:bodyPr lIns="90000" tIns="72000" rIns="90000" bIns="72000" rtlCol="0" anchor="ctr"/>
-          <a:lstStyle/>
-          <a:p>
-            <a:pPr marR="0" algn="ctr" defTabSz="914400" eaLnBrk="1" fontAlgn="base" latinLnBrk="0" hangingPunct="1">
-              <a:lnSpc>
-                <a:spcPct val="100000"/>
-              </a:lnSpc>
-              <a:spcBef>
-                <a:spcPct val="50000"/>
-              </a:spcBef>
-              <a:spcAft>
-                <a:spcPct val="0"/>
-              </a:spcAft>
-              <a:buClr>
-                <a:srgbClr val="F0AB00"/>
-              </a:buClr>
-              <a:buSzPct val="80000"/>
-              <a:tabLst/>
-            </a:pPr>
-            <a:r>
-              <a:rPr kumimoji="0" lang="en-US" sz="1400" b="0" i="0" u="none" strike="noStrike" kern="0" cap="none" spc="0" normalizeH="0" baseline="0" dirty="0">
-                <a:ln>
-                  <a:noFill/>
-                </a:ln>
-                <a:effectLst/>
-                <a:uLnTx/>
-                <a:uFillTx/>
-                <a:ea typeface="Arial Unicode MS" pitchFamily="34" charset="-128"/>
-                <a:cs typeface="Arial Unicode MS" pitchFamily="34" charset="-128"/>
-              </a:rPr>
-              <a:t>capabilities</a:t>
-            </a:r>
-          </a:p>
-        </p:txBody>
-      </p:sp>
-      <p:sp>
-        <p:nvSpPr>
-          <p:cNvPr id="28" name="Rectangle: Rounded Corners 27"/>
-          <p:cNvSpPr/>
-          <p:nvPr/>
-        </p:nvSpPr>
-        <p:spPr bwMode="gray">
-          <a:xfrm>
-            <a:off x="3817669" y="3823337"/>
-            <a:ext cx="1312438" cy="285950"/>
-          </a:xfrm>
-          <a:prstGeom prst="roundRect">
-            <a:avLst/>
-          </a:prstGeom>
-          <a:solidFill>
-            <a:schemeClr val="accent5">
-              <a:lumMod val="40000"/>
-              <a:lumOff val="60000"/>
-            </a:schemeClr>
-          </a:solidFill>
-          <a:ln w="6350" algn="ctr">
-            <a:solidFill>
-              <a:schemeClr val="tx1"/>
-            </a:solidFill>
-            <a:miter lim="800000"/>
-            <a:headEnd/>
-            <a:tailEnd/>
-          </a:ln>
-        </p:spPr>
-        <p:txBody>
-          <a:bodyPr lIns="90000" tIns="72000" rIns="90000" bIns="72000" rtlCol="0" anchor="ctr"/>
-          <a:lstStyle/>
-          <a:p>
-            <a:pPr marR="0" algn="ctr" defTabSz="914400" eaLnBrk="1" fontAlgn="base" latinLnBrk="0" hangingPunct="1">
-              <a:lnSpc>
-                <a:spcPct val="100000"/>
-              </a:lnSpc>
-              <a:spcBef>
-                <a:spcPct val="50000"/>
-              </a:spcBef>
-              <a:spcAft>
-                <a:spcPct val="0"/>
-              </a:spcAft>
-              <a:buClr>
-                <a:srgbClr val="F0AB00"/>
-              </a:buClr>
-              <a:buSzPct val="80000"/>
-              <a:tabLst/>
-            </a:pPr>
-            <a:r>
-              <a:rPr kumimoji="0" lang="en-US" sz="1400" b="0" i="0" u="none" strike="noStrike" kern="0" cap="none" spc="0" normalizeH="0" baseline="0" dirty="0" err="1">
-                <a:ln>
-                  <a:noFill/>
-                </a:ln>
-                <a:effectLst/>
-                <a:uLnTx/>
-                <a:uFillTx/>
-                <a:ea typeface="Arial Unicode MS" pitchFamily="34" charset="-128"/>
-                <a:cs typeface="Arial Unicode MS" pitchFamily="34" charset="-128"/>
-              </a:rPr>
-              <a:t>SELinux</a:t>
-            </a:r>
-            <a:endParaRPr kumimoji="0" lang="en-US" sz="1400" b="0" i="0" u="none" strike="noStrike" kern="0" cap="none" spc="0" normalizeH="0" baseline="0" dirty="0">
-              <a:ln>
-                <a:noFill/>
-              </a:ln>
-              <a:effectLst/>
-              <a:uLnTx/>
-              <a:uFillTx/>
-              <a:ea typeface="Arial Unicode MS" pitchFamily="34" charset="-128"/>
-              <a:cs typeface="Arial Unicode MS" pitchFamily="34" charset="-128"/>
-            </a:endParaRPr>
-          </a:p>
-        </p:txBody>
-      </p:sp>
-      <p:sp>
-        <p:nvSpPr>
-          <p:cNvPr id="29" name="Rectangle: Rounded Corners 28"/>
-          <p:cNvSpPr/>
-          <p:nvPr/>
-        </p:nvSpPr>
-        <p:spPr bwMode="gray">
-          <a:xfrm>
-            <a:off x="3436515" y="4780963"/>
-            <a:ext cx="1312438" cy="285950"/>
-          </a:xfrm>
-          <a:prstGeom prst="roundRect">
-            <a:avLst/>
-          </a:prstGeom>
-          <a:solidFill>
-            <a:schemeClr val="accent5">
-              <a:lumMod val="40000"/>
-              <a:lumOff val="60000"/>
-            </a:schemeClr>
-          </a:solidFill>
-          <a:ln w="6350" algn="ctr">
-            <a:solidFill>
-              <a:schemeClr val="tx1"/>
-            </a:solidFill>
-            <a:miter lim="800000"/>
-            <a:headEnd/>
-            <a:tailEnd/>
-          </a:ln>
-        </p:spPr>
-        <p:txBody>
-          <a:bodyPr lIns="90000" tIns="72000" rIns="90000" bIns="72000" rtlCol="0" anchor="ctr"/>
-          <a:lstStyle/>
-          <a:p>
-            <a:pPr marR="0" algn="ctr" defTabSz="914400" eaLnBrk="1" fontAlgn="base" latinLnBrk="0" hangingPunct="1">
-              <a:lnSpc>
-                <a:spcPct val="100000"/>
-              </a:lnSpc>
-              <a:spcBef>
-                <a:spcPct val="50000"/>
-              </a:spcBef>
-              <a:spcAft>
-                <a:spcPct val="0"/>
-              </a:spcAft>
-              <a:buClr>
-                <a:srgbClr val="F0AB00"/>
-              </a:buClr>
-              <a:buSzPct val="80000"/>
-              <a:tabLst/>
-            </a:pPr>
-            <a:r>
-              <a:rPr kumimoji="0" lang="en-US" sz="1400" b="0" i="0" u="none" strike="noStrike" kern="0" cap="none" spc="0" normalizeH="0" baseline="0" dirty="0" err="1">
-                <a:ln>
-                  <a:noFill/>
-                </a:ln>
-                <a:effectLst/>
-                <a:uLnTx/>
-                <a:uFillTx/>
-                <a:ea typeface="Arial Unicode MS" pitchFamily="34" charset="-128"/>
-                <a:cs typeface="Arial Unicode MS" pitchFamily="34" charset="-128"/>
-              </a:rPr>
-              <a:t>AppArmor</a:t>
-            </a:r>
-            <a:endParaRPr kumimoji="0" lang="en-US" sz="1400" b="0" i="0" u="none" strike="noStrike" kern="0" cap="none" spc="0" normalizeH="0" baseline="0" dirty="0">
-              <a:ln>
-                <a:noFill/>
-              </a:ln>
-              <a:effectLst/>
-              <a:uLnTx/>
-              <a:uFillTx/>
-              <a:ea typeface="Arial Unicode MS" pitchFamily="34" charset="-128"/>
-              <a:cs typeface="Arial Unicode MS" pitchFamily="34" charset="-128"/>
-            </a:endParaRPr>
-          </a:p>
-        </p:txBody>
-      </p:sp>
-      <p:sp>
-        <p:nvSpPr>
-          <p:cNvPr id="31" name="Rectangle: Rounded Corners 30"/>
-          <p:cNvSpPr/>
-          <p:nvPr/>
-        </p:nvSpPr>
-        <p:spPr bwMode="gray">
-          <a:xfrm>
-            <a:off x="2681625" y="3802098"/>
-            <a:ext cx="937074" cy="285950"/>
-          </a:xfrm>
-          <a:prstGeom prst="roundRect">
-            <a:avLst/>
-          </a:prstGeom>
-          <a:solidFill>
-            <a:schemeClr val="accent5">
-              <a:lumMod val="40000"/>
-              <a:lumOff val="60000"/>
-            </a:schemeClr>
-          </a:solidFill>
-          <a:ln w="6350" algn="ctr">
-            <a:solidFill>
-              <a:schemeClr val="tx1"/>
-            </a:solidFill>
-            <a:miter lim="800000"/>
-            <a:headEnd/>
-            <a:tailEnd/>
-          </a:ln>
-        </p:spPr>
-        <p:txBody>
-          <a:bodyPr lIns="90000" tIns="72000" rIns="90000" bIns="72000" rtlCol="0" anchor="ctr"/>
-          <a:lstStyle/>
-          <a:p>
-            <a:pPr marR="0" algn="ctr" defTabSz="914400" eaLnBrk="1" fontAlgn="base" latinLnBrk="0" hangingPunct="1">
-              <a:lnSpc>
-                <a:spcPct val="100000"/>
-              </a:lnSpc>
-              <a:spcBef>
-                <a:spcPct val="50000"/>
-              </a:spcBef>
-              <a:spcAft>
-                <a:spcPct val="0"/>
-              </a:spcAft>
-              <a:buClr>
-                <a:srgbClr val="F0AB00"/>
-              </a:buClr>
-              <a:buSzPct val="80000"/>
-              <a:tabLst/>
-            </a:pPr>
-            <a:r>
-              <a:rPr kumimoji="0" lang="en-US" sz="1400" b="0" i="0" u="none" strike="noStrike" kern="0" cap="none" spc="0" normalizeH="0" baseline="0" dirty="0" err="1">
-                <a:ln>
-                  <a:noFill/>
-                </a:ln>
-                <a:effectLst/>
-                <a:uLnTx/>
-                <a:uFillTx/>
-                <a:ea typeface="Arial Unicode MS" pitchFamily="34" charset="-128"/>
-                <a:cs typeface="Arial Unicode MS" pitchFamily="34" charset="-128"/>
-              </a:rPr>
-              <a:t>Netlink</a:t>
-            </a:r>
-            <a:endParaRPr kumimoji="0" lang="en-US" sz="1400" b="0" i="0" u="none" strike="noStrike" kern="0" cap="none" spc="0" normalizeH="0" baseline="0" dirty="0">
-              <a:ln>
-                <a:noFill/>
-              </a:ln>
-              <a:effectLst/>
-              <a:uLnTx/>
-              <a:uFillTx/>
-              <a:ea typeface="Arial Unicode MS" pitchFamily="34" charset="-128"/>
-              <a:cs typeface="Arial Unicode MS" pitchFamily="34" charset="-128"/>
-            </a:endParaRPr>
-          </a:p>
-        </p:txBody>
-      </p:sp>
-      <p:sp>
-        <p:nvSpPr>
-          <p:cNvPr id="32" name="Text Placeholder 10"/>
-          <p:cNvSpPr txBox="1">
-            <a:spLocks/>
-          </p:cNvSpPr>
-          <p:nvPr/>
-        </p:nvSpPr>
-        <p:spPr bwMode="gray">
-          <a:xfrm>
-            <a:off x="6203454" y="1620000"/>
-            <a:ext cx="5487021" cy="4707648"/>
-          </a:xfrm>
-          <a:prstGeom prst="rect">
-            <a:avLst/>
-          </a:prstGeom>
-        </p:spPr>
-        <p:txBody>
-          <a:bodyPr vert="horz" lIns="0" tIns="0" rIns="0" bIns="0" rtlCol="0">
-            <a:noAutofit/>
-          </a:bodyPr>
-          <a:lstStyle>
-            <a:lvl1pPr marL="0" indent="0" algn="l" defTabSz="1088558" rtl="0" eaLnBrk="1" latinLnBrk="0" hangingPunct="1">
-              <a:spcBef>
-                <a:spcPts val="1800"/>
-              </a:spcBef>
-              <a:buClr>
-                <a:schemeClr val="accent1"/>
-              </a:buClr>
-              <a:buSzPct val="80000"/>
-              <a:buFontTx/>
-              <a:buNone/>
-              <a:defRPr sz="2000" b="0" kern="1200">
-                <a:solidFill>
-                  <a:schemeClr val="tx1"/>
-                </a:solidFill>
-                <a:latin typeface="+mn-lt"/>
-                <a:ea typeface="+mn-ea"/>
-                <a:cs typeface="+mn-cs"/>
-              </a:defRPr>
-            </a:lvl1pPr>
-            <a:lvl2pPr marL="179964" indent="-179964" algn="l" defTabSz="1088558" rtl="0" eaLnBrk="1" latinLnBrk="0" hangingPunct="1">
-              <a:spcBef>
-                <a:spcPts val="600"/>
-              </a:spcBef>
-              <a:buClr>
-                <a:schemeClr val="accent1"/>
-              </a:buClr>
-              <a:buSzPct val="100000"/>
-              <a:buFont typeface="Wingdings" pitchFamily="2" charset="2"/>
-              <a:buChar char="§"/>
-              <a:defRPr sz="1800" kern="1200">
-                <a:solidFill>
-                  <a:schemeClr val="tx1"/>
-                </a:solidFill>
-                <a:latin typeface="+mn-lt"/>
-                <a:ea typeface="+mn-ea"/>
-                <a:cs typeface="+mn-cs"/>
-              </a:defRPr>
-            </a:lvl2pPr>
-            <a:lvl3pPr marL="358775" indent="-179388" algn="l" defTabSz="1088558" rtl="0" eaLnBrk="1" latinLnBrk="0" hangingPunct="1">
-              <a:spcBef>
-                <a:spcPts val="300"/>
-              </a:spcBef>
-              <a:buClr>
-                <a:schemeClr val="tx1"/>
-              </a:buClr>
-              <a:buSzPct val="100000"/>
-              <a:buFont typeface="Arial" panose="020B0604020202020204" pitchFamily="34" charset="0"/>
-              <a:buChar char="–"/>
-              <a:defRPr lang="en-US" sz="1800" kern="1200" noProof="0" dirty="0" smtClean="0">
-                <a:solidFill>
-                  <a:schemeClr val="tx1"/>
-                </a:solidFill>
-                <a:latin typeface="+mn-lt"/>
-                <a:ea typeface="+mn-ea"/>
-                <a:cs typeface="+mn-cs"/>
-              </a:defRPr>
-            </a:lvl3pPr>
-            <a:lvl4pPr marL="539892" indent="-179964" algn="l" defTabSz="1088558" rtl="0" eaLnBrk="1" latinLnBrk="0" hangingPunct="1">
-              <a:spcBef>
-                <a:spcPts val="300"/>
-              </a:spcBef>
-              <a:buClr>
-                <a:schemeClr val="tx1"/>
-              </a:buClr>
-              <a:buSzPct val="120000"/>
-              <a:buFont typeface="Arial" pitchFamily="34" charset="0"/>
-              <a:buChar char="▫"/>
-              <a:defRPr sz="1600" kern="1200">
-                <a:solidFill>
-                  <a:schemeClr val="tx1"/>
-                </a:solidFill>
-                <a:latin typeface="+mn-lt"/>
-                <a:ea typeface="+mn-ea"/>
-                <a:cs typeface="+mn-cs"/>
-              </a:defRPr>
-            </a:lvl4pPr>
-            <a:lvl5pPr marL="719856" indent="-179964" algn="l" defTabSz="1088558" rtl="0" eaLnBrk="1" latinLnBrk="0" hangingPunct="1">
-              <a:spcBef>
-                <a:spcPts val="100"/>
-              </a:spcBef>
-              <a:buClr>
-                <a:schemeClr val="tx1"/>
-              </a:buClr>
-              <a:buSzPct val="100000"/>
-              <a:buFont typeface="Symbol" panose="05050102010706020507" pitchFamily="18" charset="2"/>
-              <a:buChar char="-"/>
-              <a:defRPr sz="1400" kern="1200" baseline="0">
-                <a:solidFill>
-                  <a:schemeClr val="tx1"/>
-                </a:solidFill>
-                <a:latin typeface="+mn-lt"/>
-                <a:ea typeface="+mn-ea"/>
-                <a:cs typeface="+mn-cs"/>
-              </a:defRPr>
-            </a:lvl5pPr>
-            <a:lvl6pPr marL="2993535" indent="-272140" algn="l" defTabSz="1088558" rtl="0" eaLnBrk="1" latinLnBrk="0" hangingPunct="1">
-              <a:spcBef>
-                <a:spcPct val="20000"/>
-              </a:spcBef>
-              <a:buFont typeface="Arial" pitchFamily="34" charset="0"/>
-              <a:buChar char="•"/>
-              <a:defRPr sz="2400" kern="1200">
-                <a:solidFill>
-                  <a:schemeClr val="tx1"/>
-                </a:solidFill>
-                <a:latin typeface="+mn-lt"/>
-                <a:ea typeface="+mn-ea"/>
-                <a:cs typeface="+mn-cs"/>
-              </a:defRPr>
-            </a:lvl6pPr>
-            <a:lvl7pPr marL="3537814" indent="-272140" algn="l" defTabSz="1088558" rtl="0" eaLnBrk="1" latinLnBrk="0" hangingPunct="1">
-              <a:spcBef>
-                <a:spcPct val="20000"/>
-              </a:spcBef>
-              <a:buFont typeface="Arial" pitchFamily="34" charset="0"/>
-              <a:buChar char="•"/>
-              <a:defRPr sz="2400" kern="1200">
-                <a:solidFill>
-                  <a:schemeClr val="tx1"/>
-                </a:solidFill>
-                <a:latin typeface="+mn-lt"/>
-                <a:ea typeface="+mn-ea"/>
-                <a:cs typeface="+mn-cs"/>
-              </a:defRPr>
-            </a:lvl7pPr>
-            <a:lvl8pPr marL="4082093" indent="-272140" algn="l" defTabSz="1088558" rtl="0" eaLnBrk="1" latinLnBrk="0" hangingPunct="1">
-              <a:spcBef>
-                <a:spcPct val="20000"/>
-              </a:spcBef>
-              <a:buFont typeface="Arial" pitchFamily="34" charset="0"/>
-              <a:buChar char="•"/>
-              <a:defRPr sz="2400" kern="1200">
-                <a:solidFill>
-                  <a:schemeClr val="tx1"/>
-                </a:solidFill>
-                <a:latin typeface="+mn-lt"/>
-                <a:ea typeface="+mn-ea"/>
-                <a:cs typeface="+mn-cs"/>
-              </a:defRPr>
-            </a:lvl8pPr>
-            <a:lvl9pPr marL="4626373" indent="-272140" algn="l" defTabSz="1088558" rtl="0" eaLnBrk="1" latinLnBrk="0" hangingPunct="1">
-              <a:spcBef>
-                <a:spcPct val="20000"/>
-              </a:spcBef>
-              <a:buFont typeface="Arial" pitchFamily="34" charset="0"/>
-              <a:buChar char="•"/>
-              <a:defRPr sz="2400" kern="1200">
-                <a:solidFill>
-                  <a:schemeClr val="tx1"/>
-                </a:solidFill>
-                <a:latin typeface="+mn-lt"/>
-                <a:ea typeface="+mn-ea"/>
-                <a:cs typeface="+mn-cs"/>
-              </a:defRPr>
-            </a:lvl9pPr>
-          </a:lstStyle>
-          <a:p>
-            <a:pPr>
-              <a:spcBef>
-                <a:spcPts val="1200"/>
-              </a:spcBef>
-            </a:pPr>
-            <a:r>
-              <a:rPr lang="en-US" sz="1400" dirty="0"/>
-              <a:t>Namespaces</a:t>
-            </a:r>
-          </a:p>
-          <a:p>
-            <a:pPr lvl="1">
-              <a:spcBef>
-                <a:spcPts val="300"/>
-              </a:spcBef>
-            </a:pPr>
-            <a:r>
-              <a:rPr lang="en-US" sz="1200" dirty="0"/>
-              <a:t>Isolation of resources per process</a:t>
-            </a:r>
-          </a:p>
-          <a:p>
-            <a:pPr lvl="1">
-              <a:spcBef>
-                <a:spcPts val="300"/>
-              </a:spcBef>
-            </a:pPr>
-            <a:r>
-              <a:rPr lang="en-US" sz="1200" dirty="0"/>
-              <a:t>7 different namespaces</a:t>
-            </a:r>
-          </a:p>
-          <a:p>
-            <a:pPr>
-              <a:spcBef>
-                <a:spcPts val="1200"/>
-              </a:spcBef>
-            </a:pPr>
-            <a:r>
-              <a:rPr lang="en-US" sz="1400" dirty="0" err="1"/>
-              <a:t>netfilter</a:t>
-            </a:r>
-            <a:endParaRPr lang="en-US" sz="1400" dirty="0"/>
-          </a:p>
-          <a:p>
-            <a:pPr lvl="1">
-              <a:spcBef>
-                <a:spcPts val="300"/>
-              </a:spcBef>
-            </a:pPr>
-            <a:r>
-              <a:rPr lang="en-US" sz="1200" dirty="0"/>
-              <a:t>Firewall and packet manipulation</a:t>
-            </a:r>
-          </a:p>
-          <a:p>
-            <a:pPr>
-              <a:spcBef>
-                <a:spcPts val="1200"/>
-              </a:spcBef>
-            </a:pPr>
-            <a:r>
-              <a:rPr lang="en-US" sz="1400" dirty="0"/>
-              <a:t>cgroups</a:t>
-            </a:r>
-          </a:p>
-          <a:p>
-            <a:pPr lvl="1">
-              <a:spcBef>
-                <a:spcPts val="300"/>
-              </a:spcBef>
-            </a:pPr>
-            <a:r>
-              <a:rPr lang="en-US" sz="1200" dirty="0"/>
-              <a:t>Manage resource allocation</a:t>
-            </a:r>
-          </a:p>
-          <a:p>
-            <a:pPr>
-              <a:spcBef>
-                <a:spcPts val="1200"/>
-              </a:spcBef>
-            </a:pPr>
-            <a:r>
-              <a:rPr lang="en-US" sz="1400" dirty="0" err="1"/>
-              <a:t>Netlink</a:t>
-            </a:r>
-            <a:endParaRPr lang="en-US" sz="1400" dirty="0"/>
-          </a:p>
-          <a:p>
-            <a:pPr lvl="1">
-              <a:spcBef>
-                <a:spcPts val="300"/>
-              </a:spcBef>
-            </a:pPr>
-            <a:r>
-              <a:rPr lang="en-US" sz="1200" dirty="0" err="1"/>
-              <a:t>Interprocess</a:t>
-            </a:r>
-            <a:r>
-              <a:rPr lang="en-US" sz="1200" dirty="0"/>
-              <a:t> communication between containers</a:t>
-            </a:r>
-          </a:p>
-          <a:p>
-            <a:pPr>
-              <a:spcBef>
-                <a:spcPts val="1200"/>
-              </a:spcBef>
-            </a:pPr>
-            <a:r>
-              <a:rPr lang="en-US" sz="1400" dirty="0" err="1"/>
-              <a:t>SELinux</a:t>
-            </a:r>
-            <a:r>
-              <a:rPr lang="en-US" sz="1400" dirty="0"/>
-              <a:t>/</a:t>
-            </a:r>
-            <a:r>
-              <a:rPr lang="en-US" sz="1400" dirty="0" err="1"/>
-              <a:t>AppArmor</a:t>
-            </a:r>
-            <a:endParaRPr lang="en-US" sz="1400" dirty="0"/>
-          </a:p>
-          <a:p>
-            <a:pPr lvl="1">
-              <a:spcBef>
-                <a:spcPts val="300"/>
-              </a:spcBef>
-            </a:pPr>
-            <a:r>
-              <a:rPr lang="en-US" sz="1200" dirty="0"/>
-              <a:t>Security profiles to govern access to resources</a:t>
-            </a:r>
-          </a:p>
-          <a:p>
-            <a:pPr>
-              <a:spcBef>
-                <a:spcPts val="1200"/>
-              </a:spcBef>
-            </a:pPr>
-            <a:r>
-              <a:rPr lang="en-US" sz="1400" dirty="0"/>
-              <a:t>capabilities</a:t>
-            </a:r>
-          </a:p>
-          <a:p>
-            <a:pPr lvl="1">
-              <a:spcBef>
-                <a:spcPts val="300"/>
-              </a:spcBef>
-            </a:pPr>
-            <a:r>
-              <a:rPr lang="en-US" sz="1200" dirty="0"/>
-              <a:t>Granular control of privileges</a:t>
-            </a:r>
-          </a:p>
-          <a:p>
-            <a:pPr>
-              <a:spcBef>
-                <a:spcPts val="1200"/>
-              </a:spcBef>
-            </a:pPr>
-            <a:r>
-              <a:rPr lang="en-US" sz="1400" dirty="0" err="1"/>
-              <a:t>seccomp</a:t>
-            </a:r>
-            <a:endParaRPr lang="en-US" sz="1400" dirty="0"/>
-          </a:p>
-          <a:p>
-            <a:pPr lvl="1">
-              <a:spcBef>
-                <a:spcPts val="300"/>
-              </a:spcBef>
-            </a:pPr>
-            <a:r>
-              <a:rPr lang="en-US" sz="1200" dirty="0"/>
-              <a:t>Limitation of </a:t>
-            </a:r>
-            <a:r>
-              <a:rPr lang="en-US" sz="1200" dirty="0" err="1"/>
-              <a:t>syscalls</a:t>
-            </a:r>
-            <a:r>
-              <a:rPr lang="en-US" sz="1200" dirty="0"/>
-              <a:t> to processes</a:t>
-            </a:r>
-          </a:p>
-        </p:txBody>
-      </p:sp>
-      <p:sp>
-        <p:nvSpPr>
-          <p:cNvPr id="24" name="Rectangle: Rounded Corners 23"/>
-          <p:cNvSpPr/>
-          <p:nvPr/>
-        </p:nvSpPr>
-        <p:spPr bwMode="gray">
-          <a:xfrm>
-            <a:off x="2642165" y="4252513"/>
-            <a:ext cx="937074" cy="285950"/>
-          </a:xfrm>
-          <a:prstGeom prst="roundRect">
-            <a:avLst/>
-          </a:prstGeom>
-          <a:solidFill>
-            <a:schemeClr val="accent5">
-              <a:lumMod val="40000"/>
-              <a:lumOff val="60000"/>
-            </a:schemeClr>
-          </a:solidFill>
-          <a:ln w="6350" algn="ctr">
-            <a:solidFill>
-              <a:schemeClr val="tx1"/>
-            </a:solidFill>
-            <a:miter lim="800000"/>
-            <a:headEnd/>
-            <a:tailEnd/>
-          </a:ln>
-        </p:spPr>
-        <p:txBody>
-          <a:bodyPr lIns="90000" tIns="72000" rIns="90000" bIns="72000" rtlCol="0" anchor="ctr"/>
-          <a:lstStyle/>
-          <a:p>
-            <a:pPr marR="0" algn="ctr" defTabSz="914400" eaLnBrk="1" fontAlgn="base" latinLnBrk="0" hangingPunct="1">
-              <a:lnSpc>
-                <a:spcPct val="100000"/>
-              </a:lnSpc>
-              <a:spcBef>
-                <a:spcPct val="50000"/>
-              </a:spcBef>
-              <a:spcAft>
-                <a:spcPct val="0"/>
-              </a:spcAft>
-              <a:buClr>
-                <a:srgbClr val="F0AB00"/>
-              </a:buClr>
-              <a:buSzPct val="80000"/>
-              <a:tabLst/>
-            </a:pPr>
-            <a:r>
-              <a:rPr kumimoji="0" lang="en-US" sz="1400" b="0" i="0" u="none" strike="noStrike" kern="0" cap="none" spc="0" normalizeH="0" baseline="0" dirty="0">
-                <a:ln>
-                  <a:noFill/>
-                </a:ln>
-                <a:effectLst/>
-                <a:uLnTx/>
-                <a:uFillTx/>
-                <a:ea typeface="Arial Unicode MS" pitchFamily="34" charset="-128"/>
-                <a:cs typeface="Arial Unicode MS" pitchFamily="34" charset="-128"/>
-              </a:rPr>
-              <a:t>seccomp</a:t>
-            </a:r>
-          </a:p>
-        </p:txBody>
-      </p:sp>
-    </p:spTree>
-    <p:extLst>
-      <p:ext uri="{BB962C8B-B14F-4D97-AF65-F5344CB8AC3E}">
-        <p14:creationId xmlns:p14="http://schemas.microsoft.com/office/powerpoint/2010/main" val="2524894991"/>
-      </p:ext>
-    </p:extLst>
-  </p:cSld>
-  <p:clrMapOvr>
-    <a:masterClrMapping/>
-  </p:clrMapOvr>
 </p:sld>
 </file>
 
@@ -25915,6 +28402,94 @@
       </p:grpSpPr>
       <p:sp>
         <p:nvSpPr>
+          <p:cNvPr id="4" name="Title 3">
+            <a:extLst>
+              <a:ext uri="{FF2B5EF4-FFF2-40B4-BE49-F238E27FC236}">
+                <a16:creationId xmlns:a16="http://schemas.microsoft.com/office/drawing/2014/main" id="{96BEB1A8-C9D3-4723-A64F-42E02E22325A}"/>
+              </a:ext>
+            </a:extLst>
+          </p:cNvPr>
+          <p:cNvSpPr>
+            <a:spLocks noGrp="1"/>
+          </p:cNvSpPr>
+          <p:nvPr>
+            <p:ph type="title"/>
+          </p:nvPr>
+        </p:nvSpPr>
+        <p:spPr/>
+        <p:txBody>
+          <a:bodyPr/>
+          <a:lstStyle/>
+          <a:p>
+            <a:r>
+              <a:rPr lang="en-US" dirty="0"/>
+              <a:t>Demo</a:t>
+            </a:r>
+          </a:p>
+        </p:txBody>
+      </p:sp>
+      <p:pic>
+        <p:nvPicPr>
+          <p:cNvPr id="6" name="Picture 5">
+            <a:extLst>
+              <a:ext uri="{FF2B5EF4-FFF2-40B4-BE49-F238E27FC236}">
+                <a16:creationId xmlns:a16="http://schemas.microsoft.com/office/drawing/2014/main" id="{8D1ACC5F-52FE-4C32-9E61-49F09FCEB59D}"/>
+              </a:ext>
+            </a:extLst>
+          </p:cNvPr>
+          <p:cNvPicPr>
+            <a:picLocks noChangeAspect="1"/>
+          </p:cNvPicPr>
+          <p:nvPr/>
+        </p:nvPicPr>
+        <p:blipFill>
+          <a:blip r:embed="rId3"/>
+          <a:stretch>
+            <a:fillRect/>
+          </a:stretch>
+        </p:blipFill>
+        <p:spPr>
+          <a:xfrm>
+            <a:off x="4521420" y="1853181"/>
+            <a:ext cx="3151638" cy="3151638"/>
+          </a:xfrm>
+          <a:prstGeom prst="rect">
+            <a:avLst/>
+          </a:prstGeom>
+        </p:spPr>
+      </p:pic>
+    </p:spTree>
+    <p:extLst>
+      <p:ext uri="{BB962C8B-B14F-4D97-AF65-F5344CB8AC3E}">
+        <p14:creationId xmlns:p14="http://schemas.microsoft.com/office/powerpoint/2010/main" val="1772935905"/>
+      </p:ext>
+    </p:extLst>
+  </p:cSld>
+  <p:clrMapOvr>
+    <a:masterClrMapping/>
+  </p:clrMapOvr>
+</p:sld>
+</file>
+
+<file path=ppt/slides/slide6.xml><?xml version="1.0" encoding="utf-8"?>
+<p:sld xmlns:a="http://schemas.openxmlformats.org/drawingml/2006/main" xmlns:r="http://schemas.openxmlformats.org/officeDocument/2006/relationships" xmlns:p="http://schemas.openxmlformats.org/presentationml/2006/main">
+  <p:cSld>
+    <p:spTree>
+      <p:nvGrpSpPr>
+        <p:cNvPr id="1" name=""/>
+        <p:cNvGrpSpPr/>
+        <p:nvPr/>
+      </p:nvGrpSpPr>
+      <p:grpSpPr>
+        <a:xfrm>
+          <a:off x="0" y="0"/>
+          <a:ext cx="0" cy="0"/>
+          <a:chOff x="0" y="0"/>
+          <a:chExt cx="0" cy="0"/>
+        </a:xfrm>
+      </p:grpSpPr>
+      <p:sp>
+        <p:nvSpPr>
           <p:cNvPr id="88" name="Arrow: Pentagon 87">
             <a:extLst>
               <a:ext uri="{FF2B5EF4-FFF2-40B4-BE49-F238E27FC236}">
@@ -27749,7 +30324,95 @@
 </p:sld>
 </file>
 
-<file path=ppt/slides/slide6.xml><?xml version="1.0" encoding="utf-8"?>
+<file path=ppt/slides/slide7.xml><?xml version="1.0" encoding="utf-8"?>
+<p:sld xmlns:a="http://schemas.openxmlformats.org/drawingml/2006/main" xmlns:r="http://schemas.openxmlformats.org/officeDocument/2006/relationships" xmlns:p="http://schemas.openxmlformats.org/presentationml/2006/main">
+  <p:cSld>
+    <p:spTree>
+      <p:nvGrpSpPr>
+        <p:cNvPr id="1" name=""/>
+        <p:cNvGrpSpPr/>
+        <p:nvPr/>
+      </p:nvGrpSpPr>
+      <p:grpSpPr>
+        <a:xfrm>
+          <a:off x="0" y="0"/>
+          <a:ext cx="0" cy="0"/>
+          <a:chOff x="0" y="0"/>
+          <a:chExt cx="0" cy="0"/>
+        </a:xfrm>
+      </p:grpSpPr>
+      <p:sp>
+        <p:nvSpPr>
+          <p:cNvPr id="4" name="Title 3">
+            <a:extLst>
+              <a:ext uri="{FF2B5EF4-FFF2-40B4-BE49-F238E27FC236}">
+                <a16:creationId xmlns:a16="http://schemas.microsoft.com/office/drawing/2014/main" id="{96BEB1A8-C9D3-4723-A64F-42E02E22325A}"/>
+              </a:ext>
+            </a:extLst>
+          </p:cNvPr>
+          <p:cNvSpPr>
+            <a:spLocks noGrp="1"/>
+          </p:cNvSpPr>
+          <p:nvPr>
+            <p:ph type="title"/>
+          </p:nvPr>
+        </p:nvSpPr>
+        <p:spPr/>
+        <p:txBody>
+          <a:bodyPr/>
+          <a:lstStyle/>
+          <a:p>
+            <a:r>
+              <a:rPr lang="en-US" dirty="0"/>
+              <a:t>Demo</a:t>
+            </a:r>
+          </a:p>
+        </p:txBody>
+      </p:sp>
+      <p:pic>
+        <p:nvPicPr>
+          <p:cNvPr id="6" name="Picture 5">
+            <a:extLst>
+              <a:ext uri="{FF2B5EF4-FFF2-40B4-BE49-F238E27FC236}">
+                <a16:creationId xmlns:a16="http://schemas.microsoft.com/office/drawing/2014/main" id="{8D1ACC5F-52FE-4C32-9E61-49F09FCEB59D}"/>
+              </a:ext>
+            </a:extLst>
+          </p:cNvPr>
+          <p:cNvPicPr>
+            <a:picLocks noChangeAspect="1"/>
+          </p:cNvPicPr>
+          <p:nvPr/>
+        </p:nvPicPr>
+        <p:blipFill>
+          <a:blip r:embed="rId3"/>
+          <a:stretch>
+            <a:fillRect/>
+          </a:stretch>
+        </p:blipFill>
+        <p:spPr>
+          <a:xfrm>
+            <a:off x="4521420" y="1853181"/>
+            <a:ext cx="3151638" cy="3151638"/>
+          </a:xfrm>
+          <a:prstGeom prst="rect">
+            <a:avLst/>
+          </a:prstGeom>
+        </p:spPr>
+      </p:pic>
+    </p:spTree>
+    <p:extLst>
+      <p:ext uri="{BB962C8B-B14F-4D97-AF65-F5344CB8AC3E}">
+        <p14:creationId xmlns:p14="http://schemas.microsoft.com/office/powerpoint/2010/main" val="3547303505"/>
+      </p:ext>
+    </p:extLst>
+  </p:cSld>
+  <p:clrMapOvr>
+    <a:masterClrMapping/>
+  </p:clrMapOvr>
+</p:sld>
+</file>
+
+<file path=ppt/slides/slide8.xml><?xml version="1.0" encoding="utf-8"?>
 <p:sld xmlns:a="http://schemas.openxmlformats.org/drawingml/2006/main" xmlns:r="http://schemas.openxmlformats.org/officeDocument/2006/relationships" xmlns:p="http://schemas.openxmlformats.org/presentationml/2006/main">
   <p:cSld>
     <p:spTree>
@@ -28551,816 +31214,7 @@
 </p:sld>
 </file>
 
-<file path=ppt/slides/slide7.xml><?xml version="1.0" encoding="utf-8"?>
-<p:sld xmlns:a="http://schemas.openxmlformats.org/drawingml/2006/main" xmlns:r="http://schemas.openxmlformats.org/officeDocument/2006/relationships" xmlns:p="http://schemas.openxmlformats.org/presentationml/2006/main">
-  <p:cSld>
-    <p:spTree>
-      <p:nvGrpSpPr>
-        <p:cNvPr id="1" name=""/>
-        <p:cNvGrpSpPr/>
-        <p:nvPr/>
-      </p:nvGrpSpPr>
-      <p:grpSpPr>
-        <a:xfrm>
-          <a:off x="0" y="0"/>
-          <a:ext cx="0" cy="0"/>
-          <a:chOff x="0" y="0"/>
-          <a:chExt cx="0" cy="0"/>
-        </a:xfrm>
-      </p:grpSpPr>
-      <p:pic>
-        <p:nvPicPr>
-          <p:cNvPr id="25" name="Picture 24">
-            <a:extLst>
-              <a:ext uri="{FF2B5EF4-FFF2-40B4-BE49-F238E27FC236}">
-                <a16:creationId xmlns:a16="http://schemas.microsoft.com/office/drawing/2014/main" id="{99A87AAD-6E1D-403D-95A3-44EA65D7AC88}"/>
-              </a:ext>
-            </a:extLst>
-          </p:cNvPr>
-          <p:cNvPicPr>
-            <a:picLocks noChangeAspect="1"/>
-          </p:cNvPicPr>
-          <p:nvPr/>
-        </p:nvPicPr>
-        <p:blipFill>
-          <a:blip r:embed="rId3"/>
-          <a:stretch>
-            <a:fillRect/>
-          </a:stretch>
-        </p:blipFill>
-        <p:spPr>
-          <a:xfrm>
-            <a:off x="4403725" y="3161502"/>
-            <a:ext cx="858837" cy="858837"/>
-          </a:xfrm>
-          <a:prstGeom prst="rect">
-            <a:avLst/>
-          </a:prstGeom>
-        </p:spPr>
-      </p:pic>
-      <p:sp>
-        <p:nvSpPr>
-          <p:cNvPr id="18" name="Arrow: Down 17">
-            <a:extLst>
-              <a:ext uri="{FF2B5EF4-FFF2-40B4-BE49-F238E27FC236}">
-                <a16:creationId xmlns:a16="http://schemas.microsoft.com/office/drawing/2014/main" id="{CC11B2ED-3DAC-4BF2-AE25-6BDB2CB265BF}"/>
-              </a:ext>
-            </a:extLst>
-          </p:cNvPr>
-          <p:cNvSpPr/>
-          <p:nvPr/>
-        </p:nvSpPr>
-        <p:spPr bwMode="gray">
-          <a:xfrm>
-            <a:off x="742951" y="2343150"/>
-            <a:ext cx="1543050" cy="2495549"/>
-          </a:xfrm>
-          <a:prstGeom prst="downArrow">
-            <a:avLst/>
-          </a:prstGeom>
-          <a:solidFill>
-            <a:schemeClr val="accent3">
-              <a:lumMod val="50000"/>
-            </a:schemeClr>
-          </a:solidFill>
-          <a:ln w="6350" algn="ctr">
-            <a:noFill/>
-            <a:miter lim="800000"/>
-            <a:headEnd/>
-            <a:tailEnd/>
-          </a:ln>
-        </p:spPr>
-        <p:txBody>
-          <a:bodyPr vert="vert270" lIns="90000" tIns="72000" rIns="90000" bIns="72000" rtlCol="0" anchor="ctr"/>
-          <a:lstStyle/>
-          <a:p>
-            <a:pPr marR="0" algn="ctr" defTabSz="914400" eaLnBrk="1" fontAlgn="base" latinLnBrk="0" hangingPunct="1">
-              <a:lnSpc>
-                <a:spcPct val="100000"/>
-              </a:lnSpc>
-              <a:spcBef>
-                <a:spcPct val="50000"/>
-              </a:spcBef>
-              <a:spcAft>
-                <a:spcPct val="0"/>
-              </a:spcAft>
-              <a:buClr>
-                <a:srgbClr val="F0AB00"/>
-              </a:buClr>
-              <a:buSzPct val="80000"/>
-              <a:tabLst/>
-            </a:pPr>
-            <a:r>
-              <a:rPr kumimoji="0" lang="en-US" sz="1800" b="1" i="1" u="none" strike="noStrike" kern="0" cap="none" spc="0" normalizeH="0" baseline="0" noProof="0" dirty="0">
-                <a:ln>
-                  <a:noFill/>
-                </a:ln>
-                <a:solidFill>
-                  <a:schemeClr val="bg1"/>
-                </a:solidFill>
-                <a:effectLst/>
-                <a:uLnTx/>
-                <a:uFillTx/>
-                <a:ea typeface="Arial Unicode MS" pitchFamily="34" charset="-128"/>
-                <a:cs typeface="Arial Unicode MS" pitchFamily="34" charset="-128"/>
-              </a:rPr>
-              <a:t>system calls</a:t>
-            </a:r>
-          </a:p>
-        </p:txBody>
-      </p:sp>
-      <p:sp>
-        <p:nvSpPr>
-          <p:cNvPr id="4" name="Title 3">
-            <a:extLst>
-              <a:ext uri="{FF2B5EF4-FFF2-40B4-BE49-F238E27FC236}">
-                <a16:creationId xmlns:a16="http://schemas.microsoft.com/office/drawing/2014/main" id="{645B76E8-EDF1-4BBF-A073-4675DBA6C45F}"/>
-              </a:ext>
-            </a:extLst>
-          </p:cNvPr>
-          <p:cNvSpPr>
-            <a:spLocks noGrp="1"/>
-          </p:cNvSpPr>
-          <p:nvPr>
-            <p:ph type="title"/>
-          </p:nvPr>
-        </p:nvSpPr>
-        <p:spPr/>
-        <p:txBody>
-          <a:bodyPr/>
-          <a:lstStyle/>
-          <a:p>
-            <a:r>
-              <a:rPr lang="en-US" dirty="0"/>
-              <a:t>Container security with </a:t>
-            </a:r>
-            <a:r>
-              <a:rPr lang="en-US" i="1" dirty="0"/>
-              <a:t>seccomp</a:t>
-            </a:r>
-          </a:p>
-        </p:txBody>
-      </p:sp>
-      <p:sp>
-        <p:nvSpPr>
-          <p:cNvPr id="2" name="Rectangle 1">
-            <a:extLst>
-              <a:ext uri="{FF2B5EF4-FFF2-40B4-BE49-F238E27FC236}">
-                <a16:creationId xmlns:a16="http://schemas.microsoft.com/office/drawing/2014/main" id="{59BE13B4-5794-4F31-A825-3747FA8625A8}"/>
-              </a:ext>
-            </a:extLst>
-          </p:cNvPr>
-          <p:cNvSpPr/>
-          <p:nvPr/>
-        </p:nvSpPr>
-        <p:spPr bwMode="gray">
-          <a:xfrm>
-            <a:off x="619126" y="4838700"/>
-            <a:ext cx="4572000" cy="647700"/>
-          </a:xfrm>
-          <a:prstGeom prst="rect">
-            <a:avLst/>
-          </a:prstGeom>
-          <a:solidFill>
-            <a:schemeClr val="tx1"/>
-          </a:solidFill>
-          <a:ln w="6350" algn="ctr">
-            <a:noFill/>
-            <a:miter lim="800000"/>
-            <a:headEnd/>
-            <a:tailEnd/>
-          </a:ln>
-        </p:spPr>
-        <p:txBody>
-          <a:bodyPr lIns="90000" tIns="72000" rIns="90000" bIns="72000" rtlCol="0" anchor="ctr"/>
-          <a:lstStyle/>
-          <a:p>
-            <a:pPr marR="0" algn="ctr" defTabSz="914400" eaLnBrk="1" fontAlgn="base" latinLnBrk="0" hangingPunct="1">
-              <a:lnSpc>
-                <a:spcPct val="100000"/>
-              </a:lnSpc>
-              <a:spcBef>
-                <a:spcPct val="50000"/>
-              </a:spcBef>
-              <a:spcAft>
-                <a:spcPct val="0"/>
-              </a:spcAft>
-              <a:buClr>
-                <a:srgbClr val="F0AB00"/>
-              </a:buClr>
-              <a:buSzPct val="80000"/>
-              <a:tabLst/>
-            </a:pPr>
-            <a:r>
-              <a:rPr kumimoji="0" lang="en-US" sz="2800" b="0" i="0" u="none" strike="noStrike" kern="0" cap="none" spc="0" normalizeH="0" baseline="0" noProof="0" dirty="0">
-                <a:ln>
-                  <a:noFill/>
-                </a:ln>
-                <a:solidFill>
-                  <a:schemeClr val="bg1"/>
-                </a:solidFill>
-                <a:effectLst/>
-                <a:uLnTx/>
-                <a:uFillTx/>
-                <a:latin typeface="Arial Black" panose="020B0A04020102020204" pitchFamily="34" charset="0"/>
-                <a:ea typeface="Arial Unicode MS" pitchFamily="34" charset="-128"/>
-                <a:cs typeface="Arial Unicode MS" pitchFamily="34" charset="-128"/>
-              </a:rPr>
-              <a:t>Kernel</a:t>
-            </a:r>
-            <a:endParaRPr kumimoji="0" lang="en-US" sz="1800" b="0" i="0" u="none" strike="noStrike" kern="0" cap="none" spc="0" normalizeH="0" baseline="0" noProof="0" dirty="0">
-              <a:ln>
-                <a:noFill/>
-              </a:ln>
-              <a:solidFill>
-                <a:schemeClr val="bg1"/>
-              </a:solidFill>
-              <a:effectLst/>
-              <a:uLnTx/>
-              <a:uFillTx/>
-              <a:latin typeface="Arial Black" panose="020B0A04020102020204" pitchFamily="34" charset="0"/>
-              <a:ea typeface="Arial Unicode MS" pitchFamily="34" charset="-128"/>
-              <a:cs typeface="Arial Unicode MS" pitchFamily="34" charset="-128"/>
-            </a:endParaRPr>
-          </a:p>
-        </p:txBody>
-      </p:sp>
-      <p:pic>
-        <p:nvPicPr>
-          <p:cNvPr id="16" name="Picture 15">
-            <a:extLst>
-              <a:ext uri="{FF2B5EF4-FFF2-40B4-BE49-F238E27FC236}">
-                <a16:creationId xmlns:a16="http://schemas.microsoft.com/office/drawing/2014/main" id="{12598DB7-6A06-4FF0-BC4E-218B3657467A}"/>
-              </a:ext>
-            </a:extLst>
-          </p:cNvPr>
-          <p:cNvPicPr>
-            <a:picLocks noChangeAspect="1"/>
-          </p:cNvPicPr>
-          <p:nvPr/>
-        </p:nvPicPr>
-        <p:blipFill>
-          <a:blip r:embed="rId4"/>
-          <a:stretch>
-            <a:fillRect/>
-          </a:stretch>
-        </p:blipFill>
-        <p:spPr>
-          <a:xfrm>
-            <a:off x="1392237" y="4868068"/>
-            <a:ext cx="588963" cy="588963"/>
-          </a:xfrm>
-          <a:prstGeom prst="rect">
-            <a:avLst/>
-          </a:prstGeom>
-        </p:spPr>
-      </p:pic>
-      <p:sp>
-        <p:nvSpPr>
-          <p:cNvPr id="17" name="Rectangle: Rounded Corners 16">
-            <a:extLst>
-              <a:ext uri="{FF2B5EF4-FFF2-40B4-BE49-F238E27FC236}">
-                <a16:creationId xmlns:a16="http://schemas.microsoft.com/office/drawing/2014/main" id="{3ABE47BC-35ED-4E9A-8B4E-A9B750CA52F5}"/>
-              </a:ext>
-            </a:extLst>
-          </p:cNvPr>
-          <p:cNvSpPr/>
-          <p:nvPr/>
-        </p:nvSpPr>
-        <p:spPr bwMode="gray">
-          <a:xfrm>
-            <a:off x="619126" y="1724025"/>
-            <a:ext cx="4572000" cy="619125"/>
-          </a:xfrm>
-          <a:prstGeom prst="roundRect">
-            <a:avLst>
-              <a:gd name="adj" fmla="val 50000"/>
-            </a:avLst>
-          </a:prstGeom>
-          <a:solidFill>
-            <a:schemeClr val="accent1"/>
-          </a:solidFill>
-          <a:ln w="6350" algn="ctr">
-            <a:solidFill>
-              <a:schemeClr val="tx1"/>
-            </a:solidFill>
-            <a:miter lim="800000"/>
-            <a:headEnd/>
-            <a:tailEnd/>
-          </a:ln>
-        </p:spPr>
-        <p:txBody>
-          <a:bodyPr lIns="90000" tIns="72000" rIns="90000" bIns="72000" rtlCol="0" anchor="ctr"/>
-          <a:lstStyle/>
-          <a:p>
-            <a:pPr marR="0" algn="ctr" defTabSz="914400" eaLnBrk="1" fontAlgn="base" latinLnBrk="0" hangingPunct="1">
-              <a:lnSpc>
-                <a:spcPct val="100000"/>
-              </a:lnSpc>
-              <a:spcBef>
-                <a:spcPct val="50000"/>
-              </a:spcBef>
-              <a:spcAft>
-                <a:spcPct val="0"/>
-              </a:spcAft>
-              <a:buClr>
-                <a:srgbClr val="F0AB00"/>
-              </a:buClr>
-              <a:buSzPct val="80000"/>
-              <a:tabLst/>
-            </a:pPr>
-            <a:r>
-              <a:rPr kumimoji="0" lang="en-US" sz="1800" b="1" i="0" u="none" strike="noStrike" kern="0" cap="none" spc="0" normalizeH="0" baseline="0" noProof="0" dirty="0">
-                <a:ln>
-                  <a:noFill/>
-                </a:ln>
-                <a:effectLst/>
-                <a:uLnTx/>
-                <a:uFillTx/>
-                <a:ea typeface="Arial Unicode MS" pitchFamily="34" charset="-128"/>
-                <a:cs typeface="Arial Unicode MS" pitchFamily="34" charset="-128"/>
-              </a:rPr>
-              <a:t>Application</a:t>
-            </a:r>
-          </a:p>
-        </p:txBody>
-      </p:sp>
-      <p:sp>
-        <p:nvSpPr>
-          <p:cNvPr id="19" name="Text Placeholder 58">
-            <a:extLst>
-              <a:ext uri="{FF2B5EF4-FFF2-40B4-BE49-F238E27FC236}">
-                <a16:creationId xmlns:a16="http://schemas.microsoft.com/office/drawing/2014/main" id="{AF72BC10-7A25-40C3-928F-41ACE59C030E}"/>
-              </a:ext>
-            </a:extLst>
-          </p:cNvPr>
-          <p:cNvSpPr txBox="1">
-            <a:spLocks/>
-          </p:cNvSpPr>
-          <p:nvPr/>
-        </p:nvSpPr>
-        <p:spPr bwMode="gray">
-          <a:xfrm>
-            <a:off x="6862713" y="1491684"/>
-            <a:ext cx="4827764" cy="4532044"/>
-          </a:xfrm>
-          <a:prstGeom prst="rect">
-            <a:avLst/>
-          </a:prstGeom>
-        </p:spPr>
-        <p:txBody>
-          <a:bodyPr vert="horz" lIns="0" tIns="0" rIns="0" bIns="0" rtlCol="0" anchor="ctr">
-            <a:noAutofit/>
-          </a:bodyPr>
-          <a:lstStyle>
-            <a:lvl1pPr marL="0" indent="0" algn="l" defTabSz="1088558" rtl="0" eaLnBrk="1" latinLnBrk="0" hangingPunct="1">
-              <a:spcBef>
-                <a:spcPts val="1800"/>
-              </a:spcBef>
-              <a:buClr>
-                <a:schemeClr val="accent1"/>
-              </a:buClr>
-              <a:buSzPct val="80000"/>
-              <a:buFontTx/>
-              <a:buNone/>
-              <a:defRPr sz="2000" b="0" kern="1200">
-                <a:solidFill>
-                  <a:schemeClr val="tx1"/>
-                </a:solidFill>
-                <a:latin typeface="+mn-lt"/>
-                <a:ea typeface="+mn-ea"/>
-                <a:cs typeface="+mn-cs"/>
-              </a:defRPr>
-            </a:lvl1pPr>
-            <a:lvl2pPr marL="179964" indent="-179964" algn="l" defTabSz="1088558" rtl="0" eaLnBrk="1" latinLnBrk="0" hangingPunct="1">
-              <a:spcBef>
-                <a:spcPts val="600"/>
-              </a:spcBef>
-              <a:buClr>
-                <a:schemeClr val="accent1"/>
-              </a:buClr>
-              <a:buSzPct val="100000"/>
-              <a:buFont typeface="Wingdings" pitchFamily="2" charset="2"/>
-              <a:buChar char="§"/>
-              <a:defRPr sz="1800" kern="1200">
-                <a:solidFill>
-                  <a:schemeClr val="tx1"/>
-                </a:solidFill>
-                <a:latin typeface="+mn-lt"/>
-                <a:ea typeface="+mn-ea"/>
-                <a:cs typeface="+mn-cs"/>
-              </a:defRPr>
-            </a:lvl2pPr>
-            <a:lvl3pPr marL="358775" indent="-179388" algn="l" defTabSz="1088558" rtl="0" eaLnBrk="1" latinLnBrk="0" hangingPunct="1">
-              <a:spcBef>
-                <a:spcPts val="300"/>
-              </a:spcBef>
-              <a:buClr>
-                <a:schemeClr val="tx1"/>
-              </a:buClr>
-              <a:buSzPct val="100000"/>
-              <a:buFont typeface="Arial" panose="020B0604020202020204" pitchFamily="34" charset="0"/>
-              <a:buChar char="–"/>
-              <a:defRPr lang="en-US" sz="1800" kern="1200" noProof="0" dirty="0" smtClean="0">
-                <a:solidFill>
-                  <a:schemeClr val="tx1"/>
-                </a:solidFill>
-                <a:latin typeface="+mn-lt"/>
-                <a:ea typeface="+mn-ea"/>
-                <a:cs typeface="+mn-cs"/>
-              </a:defRPr>
-            </a:lvl3pPr>
-            <a:lvl4pPr marL="539892" indent="-179964" algn="l" defTabSz="1088558" rtl="0" eaLnBrk="1" latinLnBrk="0" hangingPunct="1">
-              <a:spcBef>
-                <a:spcPts val="300"/>
-              </a:spcBef>
-              <a:buClr>
-                <a:schemeClr val="tx1"/>
-              </a:buClr>
-              <a:buSzPct val="120000"/>
-              <a:buFont typeface="Arial" pitchFamily="34" charset="0"/>
-              <a:buChar char="▫"/>
-              <a:defRPr sz="1600" kern="1200">
-                <a:solidFill>
-                  <a:schemeClr val="tx1"/>
-                </a:solidFill>
-                <a:latin typeface="+mn-lt"/>
-                <a:ea typeface="+mn-ea"/>
-                <a:cs typeface="+mn-cs"/>
-              </a:defRPr>
-            </a:lvl4pPr>
-            <a:lvl5pPr marL="719856" indent="-179964" algn="l" defTabSz="1088558" rtl="0" eaLnBrk="1" latinLnBrk="0" hangingPunct="1">
-              <a:spcBef>
-                <a:spcPts val="100"/>
-              </a:spcBef>
-              <a:buClr>
-                <a:schemeClr val="tx1"/>
-              </a:buClr>
-              <a:buSzPct val="100000"/>
-              <a:buFont typeface="Symbol" panose="05050102010706020507" pitchFamily="18" charset="2"/>
-              <a:buChar char="-"/>
-              <a:defRPr sz="1400" kern="1200" baseline="0">
-                <a:solidFill>
-                  <a:schemeClr val="tx1"/>
-                </a:solidFill>
-                <a:latin typeface="+mn-lt"/>
-                <a:ea typeface="+mn-ea"/>
-                <a:cs typeface="+mn-cs"/>
-              </a:defRPr>
-            </a:lvl5pPr>
-            <a:lvl6pPr marL="2993535" indent="-272140" algn="l" defTabSz="1088558" rtl="0" eaLnBrk="1" latinLnBrk="0" hangingPunct="1">
-              <a:spcBef>
-                <a:spcPct val="20000"/>
-              </a:spcBef>
-              <a:buFont typeface="Arial" pitchFamily="34" charset="0"/>
-              <a:buChar char="•"/>
-              <a:defRPr sz="2400" kern="1200">
-                <a:solidFill>
-                  <a:schemeClr val="tx1"/>
-                </a:solidFill>
-                <a:latin typeface="+mn-lt"/>
-                <a:ea typeface="+mn-ea"/>
-                <a:cs typeface="+mn-cs"/>
-              </a:defRPr>
-            </a:lvl6pPr>
-            <a:lvl7pPr marL="3537814" indent="-272140" algn="l" defTabSz="1088558" rtl="0" eaLnBrk="1" latinLnBrk="0" hangingPunct="1">
-              <a:spcBef>
-                <a:spcPct val="20000"/>
-              </a:spcBef>
-              <a:buFont typeface="Arial" pitchFamily="34" charset="0"/>
-              <a:buChar char="•"/>
-              <a:defRPr sz="2400" kern="1200">
-                <a:solidFill>
-                  <a:schemeClr val="tx1"/>
-                </a:solidFill>
-                <a:latin typeface="+mn-lt"/>
-                <a:ea typeface="+mn-ea"/>
-                <a:cs typeface="+mn-cs"/>
-              </a:defRPr>
-            </a:lvl7pPr>
-            <a:lvl8pPr marL="4082093" indent="-272140" algn="l" defTabSz="1088558" rtl="0" eaLnBrk="1" latinLnBrk="0" hangingPunct="1">
-              <a:spcBef>
-                <a:spcPct val="20000"/>
-              </a:spcBef>
-              <a:buFont typeface="Arial" pitchFamily="34" charset="0"/>
-              <a:buChar char="•"/>
-              <a:defRPr sz="2400" kern="1200">
-                <a:solidFill>
-                  <a:schemeClr val="tx1"/>
-                </a:solidFill>
-                <a:latin typeface="+mn-lt"/>
-                <a:ea typeface="+mn-ea"/>
-                <a:cs typeface="+mn-cs"/>
-              </a:defRPr>
-            </a:lvl8pPr>
-            <a:lvl9pPr marL="4626373" indent="-272140" algn="l" defTabSz="1088558" rtl="0" eaLnBrk="1" latinLnBrk="0" hangingPunct="1">
-              <a:spcBef>
-                <a:spcPct val="20000"/>
-              </a:spcBef>
-              <a:buFont typeface="Arial" pitchFamily="34" charset="0"/>
-              <a:buChar char="•"/>
-              <a:defRPr sz="2400" kern="1200">
-                <a:solidFill>
-                  <a:schemeClr val="tx1"/>
-                </a:solidFill>
-                <a:latin typeface="+mn-lt"/>
-                <a:ea typeface="+mn-ea"/>
-                <a:cs typeface="+mn-cs"/>
-              </a:defRPr>
-            </a:lvl9pPr>
-          </a:lstStyle>
-          <a:p>
-            <a:pPr lvl="1"/>
-            <a:r>
-              <a:rPr lang="en-US" sz="1600" dirty="0"/>
-              <a:t>Every program uses system calls to interact with the operating system</a:t>
-            </a:r>
-          </a:p>
-          <a:p>
-            <a:pPr lvl="1"/>
-            <a:endParaRPr lang="en-US" sz="1600" dirty="0"/>
-          </a:p>
-          <a:p>
-            <a:pPr lvl="1"/>
-            <a:r>
-              <a:rPr lang="en-US" sz="1600" dirty="0" err="1"/>
-              <a:t>seccomp</a:t>
-            </a:r>
-            <a:r>
-              <a:rPr lang="en-US" sz="1600" dirty="0"/>
-              <a:t> can block individual system calls</a:t>
-            </a:r>
-          </a:p>
-          <a:p>
-            <a:pPr lvl="2"/>
-            <a:r>
-              <a:rPr lang="en-US" sz="1600" dirty="0"/>
-              <a:t>whitelisting</a:t>
-            </a:r>
-          </a:p>
-          <a:p>
-            <a:pPr lvl="2"/>
-            <a:r>
-              <a:rPr lang="en-US" sz="1600" dirty="0"/>
-              <a:t>blacklisting</a:t>
-            </a:r>
-          </a:p>
-          <a:p>
-            <a:pPr lvl="2"/>
-            <a:r>
-              <a:rPr lang="en-US" sz="1600" dirty="0" err="1"/>
-              <a:t>systemcall</a:t>
-            </a:r>
-            <a:r>
-              <a:rPr lang="en-US" sz="1600" dirty="0"/>
-              <a:t> trapping</a:t>
-            </a:r>
-          </a:p>
-          <a:p>
-            <a:pPr marL="0" lvl="1" indent="0">
-              <a:buNone/>
-            </a:pPr>
-            <a:endParaRPr lang="en-US" sz="1600" dirty="0"/>
-          </a:p>
-        </p:txBody>
-      </p:sp>
-      <p:sp>
-        <p:nvSpPr>
-          <p:cNvPr id="20" name="Arrow: Down 19">
-            <a:extLst>
-              <a:ext uri="{FF2B5EF4-FFF2-40B4-BE49-F238E27FC236}">
-                <a16:creationId xmlns:a16="http://schemas.microsoft.com/office/drawing/2014/main" id="{EFC98BFD-16D9-417F-905E-F4BA2AF414FF}"/>
-              </a:ext>
-            </a:extLst>
-          </p:cNvPr>
-          <p:cNvSpPr/>
-          <p:nvPr/>
-        </p:nvSpPr>
-        <p:spPr bwMode="gray">
-          <a:xfrm>
-            <a:off x="2414539" y="2343149"/>
-            <a:ext cx="681086" cy="2495549"/>
-          </a:xfrm>
-          <a:prstGeom prst="downArrow">
-            <a:avLst>
-              <a:gd name="adj1" fmla="val 50000"/>
-              <a:gd name="adj2" fmla="val 56046"/>
-            </a:avLst>
-          </a:prstGeom>
-          <a:solidFill>
-            <a:schemeClr val="accent4">
-              <a:lumMod val="50000"/>
-            </a:schemeClr>
-          </a:solidFill>
-          <a:ln w="6350" algn="ctr">
-            <a:noFill/>
-            <a:miter lim="800000"/>
-            <a:headEnd/>
-            <a:tailEnd/>
-          </a:ln>
-        </p:spPr>
-        <p:txBody>
-          <a:bodyPr vert="vert270" lIns="90000" tIns="72000" rIns="90000" bIns="72000" rtlCol="0" anchor="ctr"/>
-          <a:lstStyle/>
-          <a:p>
-            <a:pPr marR="0" algn="ctr" defTabSz="914400" eaLnBrk="1" fontAlgn="base" latinLnBrk="0" hangingPunct="1">
-              <a:lnSpc>
-                <a:spcPct val="100000"/>
-              </a:lnSpc>
-              <a:spcBef>
-                <a:spcPct val="50000"/>
-              </a:spcBef>
-              <a:spcAft>
-                <a:spcPct val="0"/>
-              </a:spcAft>
-              <a:buClr>
-                <a:srgbClr val="F0AB00"/>
-              </a:buClr>
-              <a:buSzPct val="80000"/>
-              <a:tabLst/>
-            </a:pPr>
-            <a:r>
-              <a:rPr kumimoji="0" lang="en-US" sz="1600" u="none" strike="noStrike" kern="0" cap="none" spc="0" normalizeH="0" baseline="0" noProof="0" dirty="0">
-                <a:ln>
-                  <a:noFill/>
-                </a:ln>
-                <a:solidFill>
-                  <a:schemeClr val="bg1"/>
-                </a:solidFill>
-                <a:effectLst/>
-                <a:uLnTx/>
-                <a:uFillTx/>
-                <a:latin typeface="Courier New" panose="02070309020205020404" pitchFamily="49" charset="0"/>
-                <a:ea typeface="Arial Unicode MS" pitchFamily="34" charset="-128"/>
-                <a:cs typeface="Courier New" panose="02070309020205020404" pitchFamily="49" charset="0"/>
-              </a:rPr>
-              <a:t>write</a:t>
-            </a:r>
-          </a:p>
-        </p:txBody>
-      </p:sp>
-      <p:sp>
-        <p:nvSpPr>
-          <p:cNvPr id="21" name="Arrow: Down 20">
-            <a:extLst>
-              <a:ext uri="{FF2B5EF4-FFF2-40B4-BE49-F238E27FC236}">
-                <a16:creationId xmlns:a16="http://schemas.microsoft.com/office/drawing/2014/main" id="{C762D2E9-8CCC-49DC-A718-3C0FC3CA4A3B}"/>
-              </a:ext>
-            </a:extLst>
-          </p:cNvPr>
-          <p:cNvSpPr/>
-          <p:nvPr/>
-        </p:nvSpPr>
-        <p:spPr bwMode="gray">
-          <a:xfrm>
-            <a:off x="3128889" y="2343147"/>
-            <a:ext cx="681086" cy="2495549"/>
-          </a:xfrm>
-          <a:prstGeom prst="downArrow">
-            <a:avLst>
-              <a:gd name="adj1" fmla="val 50000"/>
-              <a:gd name="adj2" fmla="val 56046"/>
-            </a:avLst>
-          </a:prstGeom>
-          <a:solidFill>
-            <a:schemeClr val="accent4">
-              <a:lumMod val="50000"/>
-            </a:schemeClr>
-          </a:solidFill>
-          <a:ln w="6350" algn="ctr">
-            <a:noFill/>
-            <a:miter lim="800000"/>
-            <a:headEnd/>
-            <a:tailEnd/>
-          </a:ln>
-        </p:spPr>
-        <p:txBody>
-          <a:bodyPr vert="vert270" lIns="90000" tIns="72000" rIns="90000" bIns="72000" rtlCol="0" anchor="ctr"/>
-          <a:lstStyle/>
-          <a:p>
-            <a:pPr marR="0" algn="ctr" defTabSz="914400" eaLnBrk="1" fontAlgn="base" latinLnBrk="0" hangingPunct="1">
-              <a:lnSpc>
-                <a:spcPct val="100000"/>
-              </a:lnSpc>
-              <a:spcBef>
-                <a:spcPct val="50000"/>
-              </a:spcBef>
-              <a:spcAft>
-                <a:spcPct val="0"/>
-              </a:spcAft>
-              <a:buClr>
-                <a:srgbClr val="F0AB00"/>
-              </a:buClr>
-              <a:buSzPct val="80000"/>
-              <a:tabLst/>
-            </a:pPr>
-            <a:r>
-              <a:rPr kumimoji="0" lang="en-US" sz="1600" u="none" strike="noStrike" kern="0" cap="none" spc="0" normalizeH="0" baseline="0" noProof="0" dirty="0">
-                <a:ln>
-                  <a:noFill/>
-                </a:ln>
-                <a:solidFill>
-                  <a:schemeClr val="bg1"/>
-                </a:solidFill>
-                <a:effectLst/>
-                <a:uLnTx/>
-                <a:uFillTx/>
-                <a:latin typeface="Courier New" panose="02070309020205020404" pitchFamily="49" charset="0"/>
-                <a:ea typeface="Arial Unicode MS" pitchFamily="34" charset="-128"/>
-                <a:cs typeface="Courier New" panose="02070309020205020404" pitchFamily="49" charset="0"/>
-              </a:rPr>
-              <a:t>stat</a:t>
-            </a:r>
-          </a:p>
-        </p:txBody>
-      </p:sp>
-      <p:sp>
-        <p:nvSpPr>
-          <p:cNvPr id="22" name="Arrow: Down 21">
-            <a:extLst>
-              <a:ext uri="{FF2B5EF4-FFF2-40B4-BE49-F238E27FC236}">
-                <a16:creationId xmlns:a16="http://schemas.microsoft.com/office/drawing/2014/main" id="{DC7DA7C8-2FBD-4FAF-A215-8EFA6FB4552B}"/>
-              </a:ext>
-            </a:extLst>
-          </p:cNvPr>
-          <p:cNvSpPr/>
-          <p:nvPr/>
-        </p:nvSpPr>
-        <p:spPr bwMode="gray">
-          <a:xfrm>
-            <a:off x="3957540" y="2343147"/>
-            <a:ext cx="681086" cy="2495549"/>
-          </a:xfrm>
-          <a:prstGeom prst="downArrow">
-            <a:avLst>
-              <a:gd name="adj1" fmla="val 50000"/>
-              <a:gd name="adj2" fmla="val 56046"/>
-            </a:avLst>
-          </a:prstGeom>
-          <a:solidFill>
-            <a:srgbClr val="FF0000"/>
-          </a:solidFill>
-          <a:ln w="6350" algn="ctr">
-            <a:noFill/>
-            <a:miter lim="800000"/>
-            <a:headEnd/>
-            <a:tailEnd/>
-          </a:ln>
-        </p:spPr>
-        <p:txBody>
-          <a:bodyPr vert="vert270" lIns="90000" tIns="72000" rIns="90000" bIns="72000" rtlCol="0" anchor="ctr"/>
-          <a:lstStyle/>
-          <a:p>
-            <a:pPr marR="0" algn="ctr" defTabSz="914400" eaLnBrk="1" fontAlgn="base" latinLnBrk="0" hangingPunct="1">
-              <a:lnSpc>
-                <a:spcPct val="100000"/>
-              </a:lnSpc>
-              <a:spcBef>
-                <a:spcPct val="50000"/>
-              </a:spcBef>
-              <a:spcAft>
-                <a:spcPct val="0"/>
-              </a:spcAft>
-              <a:buClr>
-                <a:srgbClr val="F0AB00"/>
-              </a:buClr>
-              <a:buSzPct val="80000"/>
-              <a:tabLst/>
-            </a:pPr>
-            <a:r>
-              <a:rPr kumimoji="0" lang="en-US" sz="1600" u="none" strike="noStrike" kern="0" cap="none" spc="0" normalizeH="0" baseline="0" noProof="0" dirty="0">
-                <a:ln>
-                  <a:noFill/>
-                </a:ln>
-                <a:solidFill>
-                  <a:schemeClr val="bg1"/>
-                </a:solidFill>
-                <a:effectLst/>
-                <a:uLnTx/>
-                <a:uFillTx/>
-                <a:latin typeface="Courier New" panose="02070309020205020404" pitchFamily="49" charset="0"/>
-                <a:ea typeface="Arial Unicode MS" pitchFamily="34" charset="-128"/>
-                <a:cs typeface="Courier New" panose="02070309020205020404" pitchFamily="49" charset="0"/>
-              </a:rPr>
-              <a:t>reboot</a:t>
-            </a:r>
-          </a:p>
-        </p:txBody>
-      </p:sp>
-    </p:spTree>
-    <p:extLst>
-      <p:ext uri="{BB962C8B-B14F-4D97-AF65-F5344CB8AC3E}">
-        <p14:creationId xmlns:p14="http://schemas.microsoft.com/office/powerpoint/2010/main" val="2969143042"/>
-      </p:ext>
-    </p:extLst>
-  </p:cSld>
-  <p:clrMapOvr>
-    <a:masterClrMapping/>
-  </p:clrMapOvr>
-</p:sld>
-</file>
-
-<file path=ppt/slides/slide8.xml><?xml version="1.0" encoding="utf-8"?>
+<file path=ppt/slides/slide9.xml><?xml version="1.0" encoding="utf-8"?>
 <p:sld xmlns:a="http://schemas.openxmlformats.org/drawingml/2006/main" xmlns:r="http://schemas.openxmlformats.org/officeDocument/2006/relationships" xmlns:p="http://schemas.openxmlformats.org/presentationml/2006/main">
   <p:cSld>
     <p:spTree>
@@ -29382,7 +31236,7 @@
           <p:cNvPr id="4" name="Title 3">
             <a:extLst>
               <a:ext uri="{FF2B5EF4-FFF2-40B4-BE49-F238E27FC236}">
-                <a16:creationId xmlns:a16="http://schemas.microsoft.com/office/drawing/2014/main" id="{645B76E8-EDF1-4BBF-A073-4675DBA6C45F}"/>
+                <a16:creationId xmlns:a16="http://schemas.microsoft.com/office/drawing/2014/main" id="{96BEB1A8-C9D3-4723-A64F-42E02E22325A}"/>
               </a:ext>
             </a:extLst>
           </p:cNvPr>
@@ -29400,587 +31254,17 @@
           <a:p>
             <a:r>
               <a:rPr lang="en-US" dirty="0"/>
-              <a:t>Let’s use these features to start our first container…</a:t>
-            </a:r>
-          </a:p>
-        </p:txBody>
-      </p:sp>
-      <p:sp>
-        <p:nvSpPr>
-          <p:cNvPr id="5" name="Rectangle: Rounded Corners 4">
-            <a:extLst>
-              <a:ext uri="{FF2B5EF4-FFF2-40B4-BE49-F238E27FC236}">
-                <a16:creationId xmlns:a16="http://schemas.microsoft.com/office/drawing/2014/main" id="{1A09AC9B-F654-4AFC-A240-22685298511B}"/>
-              </a:ext>
-            </a:extLst>
-          </p:cNvPr>
-          <p:cNvSpPr/>
-          <p:nvPr/>
-        </p:nvSpPr>
-        <p:spPr bwMode="gray">
-          <a:xfrm>
-            <a:off x="596245" y="2015340"/>
-            <a:ext cx="11001988" cy="380726"/>
-          </a:xfrm>
-          <a:prstGeom prst="roundRect">
-            <a:avLst>
-              <a:gd name="adj" fmla="val 8296"/>
-            </a:avLst>
-          </a:prstGeom>
-          <a:pattFill prst="narHorz">
-            <a:fgClr>
-              <a:schemeClr val="tx1"/>
-            </a:fgClr>
-            <a:bgClr>
-              <a:srgbClr val="112806"/>
-            </a:bgClr>
-          </a:pattFill>
-          <a:ln w="6350" algn="ctr">
-            <a:noFill/>
-            <a:miter lim="800000"/>
-            <a:headEnd/>
-            <a:tailEnd/>
-          </a:ln>
-        </p:spPr>
-        <p:txBody>
-          <a:bodyPr lIns="90000" tIns="72000" rIns="90000" bIns="72000" rtlCol="0" anchor="ctr"/>
-          <a:lstStyle/>
-          <a:p>
-            <a:pPr marL="179387" lvl="2" indent="0">
-              <a:buNone/>
-            </a:pPr>
-            <a:r>
-              <a:rPr lang="en-US" sz="1200" b="1" dirty="0">
-                <a:solidFill>
-                  <a:schemeClr val="bg1"/>
-                </a:solidFill>
-                <a:latin typeface="Courier New" panose="02070309020205020404" pitchFamily="49" charset="0"/>
-                <a:cs typeface="Courier New" panose="02070309020205020404" pitchFamily="49" charset="0"/>
-              </a:rPr>
-              <a:t># </a:t>
-            </a:r>
-            <a:r>
-              <a:rPr lang="en-US" sz="1200" b="1" dirty="0" err="1">
-                <a:solidFill>
-                  <a:schemeClr val="accent1">
-                    <a:lumMod val="20000"/>
-                    <a:lumOff val="80000"/>
-                  </a:schemeClr>
-                </a:solidFill>
-                <a:latin typeface="Courier New" panose="02070309020205020404" pitchFamily="49" charset="0"/>
-                <a:cs typeface="Courier New" panose="02070309020205020404" pitchFamily="49" charset="0"/>
-              </a:rPr>
-              <a:t>cgexec</a:t>
-            </a:r>
-            <a:r>
-              <a:rPr lang="en-US" sz="1200" b="1" dirty="0">
-                <a:solidFill>
-                  <a:schemeClr val="accent1">
-                    <a:lumMod val="20000"/>
-                    <a:lumOff val="80000"/>
-                  </a:schemeClr>
-                </a:solidFill>
-                <a:latin typeface="Courier New" panose="02070309020205020404" pitchFamily="49" charset="0"/>
-                <a:cs typeface="Courier New" panose="02070309020205020404" pitchFamily="49" charset="0"/>
-              </a:rPr>
-              <a:t> –r </a:t>
-            </a:r>
-            <a:r>
-              <a:rPr lang="en-US" sz="1200" b="1" dirty="0" err="1">
-                <a:solidFill>
-                  <a:schemeClr val="accent1">
-                    <a:lumMod val="20000"/>
-                    <a:lumOff val="80000"/>
-                  </a:schemeClr>
-                </a:solidFill>
-                <a:latin typeface="Courier New" panose="02070309020205020404" pitchFamily="49" charset="0"/>
-                <a:cs typeface="Courier New" panose="02070309020205020404" pitchFamily="49" charset="0"/>
-              </a:rPr>
-              <a:t>cpu,memory,pids</a:t>
-            </a:r>
-            <a:r>
-              <a:rPr lang="en-US" sz="1200" b="1" dirty="0">
-                <a:solidFill>
-                  <a:schemeClr val="accent1">
-                    <a:lumMod val="20000"/>
-                    <a:lumOff val="80000"/>
-                  </a:schemeClr>
-                </a:solidFill>
-                <a:latin typeface="Courier New" panose="02070309020205020404" pitchFamily="49" charset="0"/>
-                <a:cs typeface="Courier New" panose="02070309020205020404" pitchFamily="49" charset="0"/>
-              </a:rPr>
-              <a:t>:/container </a:t>
-            </a:r>
-            <a:r>
-              <a:rPr lang="en-US" sz="1200" b="1" dirty="0" err="1">
-                <a:solidFill>
-                  <a:schemeClr val="accent3">
-                    <a:lumMod val="20000"/>
-                    <a:lumOff val="80000"/>
-                  </a:schemeClr>
-                </a:solidFill>
-                <a:latin typeface="Courier New" panose="02070309020205020404" pitchFamily="49" charset="0"/>
-                <a:cs typeface="Courier New" panose="02070309020205020404" pitchFamily="49" charset="0"/>
-              </a:rPr>
-              <a:t>unshare</a:t>
-            </a:r>
-            <a:r>
-              <a:rPr lang="en-US" sz="1200" b="1" dirty="0">
-                <a:solidFill>
-                  <a:schemeClr val="accent3">
-                    <a:lumMod val="20000"/>
-                    <a:lumOff val="80000"/>
-                  </a:schemeClr>
-                </a:solidFill>
-                <a:latin typeface="Courier New" panose="02070309020205020404" pitchFamily="49" charset="0"/>
-                <a:cs typeface="Courier New" panose="02070309020205020404" pitchFamily="49" charset="0"/>
-              </a:rPr>
-              <a:t> --</a:t>
-            </a:r>
-            <a:r>
-              <a:rPr lang="en-US" sz="1200" b="1" dirty="0" err="1">
-                <a:solidFill>
-                  <a:schemeClr val="accent3">
-                    <a:lumMod val="20000"/>
-                    <a:lumOff val="80000"/>
-                  </a:schemeClr>
-                </a:solidFill>
-                <a:latin typeface="Courier New" panose="02070309020205020404" pitchFamily="49" charset="0"/>
-                <a:cs typeface="Courier New" panose="02070309020205020404" pitchFamily="49" charset="0"/>
-              </a:rPr>
-              <a:t>pid</a:t>
-            </a:r>
-            <a:r>
-              <a:rPr lang="en-US" sz="1200" b="1" dirty="0">
-                <a:solidFill>
-                  <a:schemeClr val="accent3">
-                    <a:lumMod val="20000"/>
-                    <a:lumOff val="80000"/>
-                  </a:schemeClr>
-                </a:solidFill>
-                <a:latin typeface="Courier New" panose="02070309020205020404" pitchFamily="49" charset="0"/>
-                <a:cs typeface="Courier New" panose="02070309020205020404" pitchFamily="49" charset="0"/>
-              </a:rPr>
-              <a:t> --</a:t>
-            </a:r>
-            <a:r>
-              <a:rPr lang="en-US" sz="1200" b="1" dirty="0" err="1">
-                <a:solidFill>
-                  <a:schemeClr val="accent3">
-                    <a:lumMod val="20000"/>
-                    <a:lumOff val="80000"/>
-                  </a:schemeClr>
-                </a:solidFill>
-                <a:latin typeface="Courier New" panose="02070309020205020404" pitchFamily="49" charset="0"/>
-                <a:cs typeface="Courier New" panose="02070309020205020404" pitchFamily="49" charset="0"/>
-              </a:rPr>
-              <a:t>uts</a:t>
-            </a:r>
-            <a:r>
-              <a:rPr lang="en-US" sz="1200" b="1" dirty="0">
-                <a:solidFill>
-                  <a:schemeClr val="accent3">
-                    <a:lumMod val="20000"/>
-                    <a:lumOff val="80000"/>
-                  </a:schemeClr>
-                </a:solidFill>
-                <a:latin typeface="Courier New" panose="02070309020205020404" pitchFamily="49" charset="0"/>
-                <a:cs typeface="Courier New" panose="02070309020205020404" pitchFamily="49" charset="0"/>
-              </a:rPr>
-              <a:t> --mount --user --fork </a:t>
-            </a:r>
-            <a:r>
-              <a:rPr lang="en-US" sz="1200" b="1" dirty="0">
-                <a:solidFill>
-                  <a:schemeClr val="accent5">
-                    <a:lumMod val="20000"/>
-                    <a:lumOff val="80000"/>
-                  </a:schemeClr>
-                </a:solidFill>
-                <a:latin typeface="Courier New" panose="02070309020205020404" pitchFamily="49" charset="0"/>
-                <a:cs typeface="Courier New" panose="02070309020205020404" pitchFamily="49" charset="0"/>
-              </a:rPr>
-              <a:t>chroot container</a:t>
-            </a:r>
-          </a:p>
-        </p:txBody>
-      </p:sp>
-      <p:sp>
-        <p:nvSpPr>
-          <p:cNvPr id="6" name="Speech Bubble: Rectangle 5">
-            <a:extLst>
-              <a:ext uri="{FF2B5EF4-FFF2-40B4-BE49-F238E27FC236}">
-                <a16:creationId xmlns:a16="http://schemas.microsoft.com/office/drawing/2014/main" id="{C746B67D-41C0-46C3-A8B9-8DC95EF8CDD1}"/>
-              </a:ext>
-            </a:extLst>
-          </p:cNvPr>
-          <p:cNvSpPr/>
-          <p:nvPr/>
-        </p:nvSpPr>
-        <p:spPr bwMode="gray">
-          <a:xfrm>
-            <a:off x="795867" y="3022600"/>
-            <a:ext cx="2345267" cy="829733"/>
-          </a:xfrm>
-          <a:prstGeom prst="wedgeRectCallout">
-            <a:avLst>
-              <a:gd name="adj1" fmla="val -4098"/>
-              <a:gd name="adj2" fmla="val -118895"/>
-            </a:avLst>
-          </a:prstGeom>
-          <a:solidFill>
-            <a:schemeClr val="accent1"/>
-          </a:solidFill>
-          <a:ln w="6350" algn="ctr">
-            <a:solidFill>
-              <a:schemeClr val="tx1"/>
-            </a:solidFill>
-            <a:miter lim="800000"/>
-            <a:headEnd/>
-            <a:tailEnd/>
-          </a:ln>
-        </p:spPr>
-        <p:txBody>
-          <a:bodyPr lIns="90000" tIns="72000" rIns="90000" bIns="72000" rtlCol="0" anchor="ctr"/>
-          <a:lstStyle/>
-          <a:p>
-            <a:pPr marR="0" algn="ctr" defTabSz="914400" eaLnBrk="1" fontAlgn="base" latinLnBrk="0" hangingPunct="1">
-              <a:lnSpc>
-                <a:spcPct val="100000"/>
-              </a:lnSpc>
-              <a:spcBef>
-                <a:spcPct val="50000"/>
-              </a:spcBef>
-              <a:spcAft>
-                <a:spcPct val="0"/>
-              </a:spcAft>
-              <a:buClr>
-                <a:srgbClr val="F0AB00"/>
-              </a:buClr>
-              <a:buSzPct val="80000"/>
-              <a:tabLst/>
-            </a:pPr>
-            <a:r>
-              <a:rPr lang="en-US" sz="1800" b="1" kern="0" dirty="0">
-                <a:ea typeface="Arial Unicode MS" pitchFamily="34" charset="-128"/>
-                <a:cs typeface="Arial Unicode MS" pitchFamily="34" charset="-128"/>
-              </a:rPr>
-              <a:t>cgroups</a:t>
-            </a:r>
-            <a:br>
-              <a:rPr lang="en-US" sz="1800" kern="0" dirty="0">
-                <a:ea typeface="Arial Unicode MS" pitchFamily="34" charset="-128"/>
-                <a:cs typeface="Arial Unicode MS" pitchFamily="34" charset="-128"/>
-              </a:rPr>
-            </a:br>
-            <a:r>
-              <a:rPr kumimoji="0" lang="en-US" sz="1600" b="0" i="1" u="none" strike="noStrike" kern="0" cap="none" spc="0" normalizeH="0" baseline="0" noProof="0" dirty="0">
-                <a:ln>
-                  <a:noFill/>
-                </a:ln>
-                <a:effectLst/>
-                <a:uLnTx/>
-                <a:uFillTx/>
-                <a:ea typeface="Arial Unicode MS" pitchFamily="34" charset="-128"/>
-                <a:cs typeface="Arial Unicode MS" pitchFamily="34" charset="-128"/>
-              </a:rPr>
-              <a:t>resource limitation</a:t>
-            </a:r>
-            <a:endParaRPr kumimoji="0" lang="en-US" sz="1800" b="0" i="1" u="none" strike="noStrike" kern="0" cap="none" spc="0" normalizeH="0" baseline="0" noProof="0" dirty="0">
-              <a:ln>
-                <a:noFill/>
-              </a:ln>
-              <a:effectLst/>
-              <a:uLnTx/>
-              <a:uFillTx/>
-              <a:ea typeface="Arial Unicode MS" pitchFamily="34" charset="-128"/>
-              <a:cs typeface="Arial Unicode MS" pitchFamily="34" charset="-128"/>
-            </a:endParaRPr>
-          </a:p>
-        </p:txBody>
-      </p:sp>
-      <p:sp>
-        <p:nvSpPr>
-          <p:cNvPr id="8" name="Speech Bubble: Rectangle 7">
-            <a:extLst>
-              <a:ext uri="{FF2B5EF4-FFF2-40B4-BE49-F238E27FC236}">
-                <a16:creationId xmlns:a16="http://schemas.microsoft.com/office/drawing/2014/main" id="{E20196A0-740B-486C-AE67-960A26C65EE5}"/>
-              </a:ext>
-            </a:extLst>
-          </p:cNvPr>
-          <p:cNvSpPr/>
-          <p:nvPr/>
-        </p:nvSpPr>
-        <p:spPr bwMode="gray">
-          <a:xfrm>
-            <a:off x="4267200" y="3952940"/>
-            <a:ext cx="2345267" cy="829733"/>
-          </a:xfrm>
-          <a:prstGeom prst="wedgeRectCallout">
-            <a:avLst>
-              <a:gd name="adj1" fmla="val 3123"/>
-              <a:gd name="adj2" fmla="val -230119"/>
-            </a:avLst>
-          </a:prstGeom>
-          <a:solidFill>
-            <a:schemeClr val="accent3">
-              <a:lumMod val="50000"/>
-            </a:schemeClr>
-          </a:solidFill>
-          <a:ln w="6350" algn="ctr">
-            <a:solidFill>
-              <a:schemeClr val="tx1"/>
-            </a:solidFill>
-            <a:miter lim="800000"/>
-            <a:headEnd/>
-            <a:tailEnd/>
-          </a:ln>
-        </p:spPr>
-        <p:txBody>
-          <a:bodyPr lIns="90000" tIns="72000" rIns="90000" bIns="72000" rtlCol="0" anchor="ctr"/>
-          <a:lstStyle/>
-          <a:p>
-            <a:pPr marR="0" algn="ctr" defTabSz="914400" eaLnBrk="1" fontAlgn="base" latinLnBrk="0" hangingPunct="1">
-              <a:lnSpc>
-                <a:spcPct val="100000"/>
-              </a:lnSpc>
-              <a:spcBef>
-                <a:spcPct val="50000"/>
-              </a:spcBef>
-              <a:spcAft>
-                <a:spcPct val="0"/>
-              </a:spcAft>
-              <a:buClr>
-                <a:srgbClr val="F0AB00"/>
-              </a:buClr>
-              <a:buSzPct val="80000"/>
-              <a:tabLst/>
-            </a:pPr>
-            <a:r>
-              <a:rPr lang="en-US" sz="1800" b="1" kern="0" dirty="0">
-                <a:solidFill>
-                  <a:schemeClr val="bg1"/>
-                </a:solidFill>
-                <a:ea typeface="Arial Unicode MS" pitchFamily="34" charset="-128"/>
-                <a:cs typeface="Arial Unicode MS" pitchFamily="34" charset="-128"/>
-              </a:rPr>
-              <a:t>namespaces</a:t>
-            </a:r>
-            <a:br>
-              <a:rPr lang="en-US" sz="1800" kern="0" dirty="0">
-                <a:solidFill>
-                  <a:schemeClr val="bg1"/>
-                </a:solidFill>
-                <a:ea typeface="Arial Unicode MS" pitchFamily="34" charset="-128"/>
-                <a:cs typeface="Arial Unicode MS" pitchFamily="34" charset="-128"/>
-              </a:rPr>
-            </a:br>
-            <a:r>
-              <a:rPr kumimoji="0" lang="en-US" sz="1600" i="1" u="none" strike="noStrike" kern="0" cap="none" spc="0" normalizeH="0" baseline="0" noProof="0" dirty="0">
-                <a:ln>
-                  <a:noFill/>
-                </a:ln>
-                <a:solidFill>
-                  <a:schemeClr val="bg1"/>
-                </a:solidFill>
-                <a:effectLst/>
-                <a:uLnTx/>
-                <a:uFillTx/>
-                <a:ea typeface="Arial Unicode MS" pitchFamily="34" charset="-128"/>
-                <a:cs typeface="Arial Unicode MS" pitchFamily="34" charset="-128"/>
-              </a:rPr>
-              <a:t>process isolation</a:t>
-            </a:r>
-            <a:endParaRPr kumimoji="0" lang="en-US" sz="1800" i="1" u="none" strike="noStrike" kern="0" cap="none" spc="0" normalizeH="0" baseline="0" noProof="0" dirty="0">
-              <a:ln>
-                <a:noFill/>
-              </a:ln>
-              <a:solidFill>
-                <a:schemeClr val="bg1"/>
-              </a:solidFill>
-              <a:effectLst/>
-              <a:uLnTx/>
-              <a:uFillTx/>
-              <a:ea typeface="Arial Unicode MS" pitchFamily="34" charset="-128"/>
-              <a:cs typeface="Arial Unicode MS" pitchFamily="34" charset="-128"/>
-            </a:endParaRPr>
-          </a:p>
-        </p:txBody>
-      </p:sp>
-      <p:sp>
-        <p:nvSpPr>
-          <p:cNvPr id="10" name="Speech Bubble: Rectangle 9">
-            <a:extLst>
-              <a:ext uri="{FF2B5EF4-FFF2-40B4-BE49-F238E27FC236}">
-                <a16:creationId xmlns:a16="http://schemas.microsoft.com/office/drawing/2014/main" id="{C424A9AD-2AA7-4E2A-8798-4805DFD1603A}"/>
-              </a:ext>
-            </a:extLst>
-          </p:cNvPr>
-          <p:cNvSpPr/>
-          <p:nvPr/>
-        </p:nvSpPr>
-        <p:spPr bwMode="gray">
-          <a:xfrm>
-            <a:off x="7899400" y="3437466"/>
-            <a:ext cx="2345267" cy="829733"/>
-          </a:xfrm>
-          <a:prstGeom prst="wedgeRectCallout">
-            <a:avLst>
-              <a:gd name="adj1" fmla="val -17454"/>
-              <a:gd name="adj2" fmla="val -168895"/>
-            </a:avLst>
-          </a:prstGeom>
-          <a:solidFill>
-            <a:schemeClr val="accent5">
-              <a:lumMod val="75000"/>
-            </a:schemeClr>
-          </a:solidFill>
-          <a:ln w="6350" algn="ctr">
-            <a:solidFill>
-              <a:schemeClr val="tx1"/>
-            </a:solidFill>
-            <a:miter lim="800000"/>
-            <a:headEnd/>
-            <a:tailEnd/>
-          </a:ln>
-        </p:spPr>
-        <p:txBody>
-          <a:bodyPr lIns="90000" tIns="72000" rIns="90000" bIns="72000" rtlCol="0" anchor="ctr"/>
-          <a:lstStyle/>
-          <a:p>
-            <a:pPr marR="0" algn="ctr" defTabSz="914400" eaLnBrk="1" fontAlgn="base" latinLnBrk="0" hangingPunct="1">
-              <a:lnSpc>
-                <a:spcPct val="100000"/>
-              </a:lnSpc>
-              <a:spcBef>
-                <a:spcPct val="50000"/>
-              </a:spcBef>
-              <a:spcAft>
-                <a:spcPct val="0"/>
-              </a:spcAft>
-              <a:buClr>
-                <a:srgbClr val="F0AB00"/>
-              </a:buClr>
-              <a:buSzPct val="80000"/>
-              <a:tabLst/>
-            </a:pPr>
-            <a:r>
-              <a:rPr lang="en-US" sz="1800" b="1" kern="0" dirty="0">
-                <a:solidFill>
-                  <a:schemeClr val="bg1"/>
-                </a:solidFill>
-                <a:ea typeface="Arial Unicode MS" pitchFamily="34" charset="-128"/>
-                <a:cs typeface="Arial Unicode MS" pitchFamily="34" charset="-128"/>
-              </a:rPr>
-              <a:t>chroot</a:t>
-            </a:r>
-            <a:br>
-              <a:rPr lang="en-US" sz="1800" kern="0" dirty="0">
-                <a:solidFill>
-                  <a:schemeClr val="bg1"/>
-                </a:solidFill>
-                <a:ea typeface="Arial Unicode MS" pitchFamily="34" charset="-128"/>
-                <a:cs typeface="Arial Unicode MS" pitchFamily="34" charset="-128"/>
-              </a:rPr>
-            </a:br>
-            <a:r>
-              <a:rPr kumimoji="0" lang="en-US" sz="1600" i="1" u="none" strike="noStrike" kern="0" cap="none" spc="0" normalizeH="0" baseline="0" noProof="0" dirty="0">
-                <a:ln>
-                  <a:noFill/>
-                </a:ln>
-                <a:solidFill>
-                  <a:schemeClr val="bg1"/>
-                </a:solidFill>
-                <a:effectLst/>
-                <a:uLnTx/>
-                <a:uFillTx/>
-                <a:ea typeface="Arial Unicode MS" pitchFamily="34" charset="-128"/>
-                <a:cs typeface="Arial Unicode MS" pitchFamily="34" charset="-128"/>
-              </a:rPr>
-              <a:t>filesystem isolation</a:t>
-            </a:r>
-            <a:endParaRPr kumimoji="0" lang="en-US" sz="1800" i="1" u="none" strike="noStrike" kern="0" cap="none" spc="0" normalizeH="0" baseline="0" noProof="0" dirty="0">
-              <a:ln>
-                <a:noFill/>
-              </a:ln>
-              <a:solidFill>
-                <a:schemeClr val="bg1"/>
-              </a:solidFill>
-              <a:effectLst/>
-              <a:uLnTx/>
-              <a:uFillTx/>
-              <a:ea typeface="Arial Unicode MS" pitchFamily="34" charset="-128"/>
-              <a:cs typeface="Arial Unicode MS" pitchFamily="34" charset="-128"/>
-            </a:endParaRPr>
-          </a:p>
-        </p:txBody>
-      </p:sp>
-    </p:spTree>
-    <p:extLst>
-      <p:ext uri="{BB962C8B-B14F-4D97-AF65-F5344CB8AC3E}">
-        <p14:creationId xmlns:p14="http://schemas.microsoft.com/office/powerpoint/2010/main" val="2934415875"/>
-      </p:ext>
-    </p:extLst>
-  </p:cSld>
-  <p:clrMapOvr>
-    <a:masterClrMapping/>
-  </p:clrMapOvr>
-</p:sld>
-</file>
-
-<file path=ppt/slides/slide9.xml><?xml version="1.0" encoding="utf-8"?>
-<p:sld xmlns:a="http://schemas.openxmlformats.org/drawingml/2006/main" xmlns:r="http://schemas.openxmlformats.org/officeDocument/2006/relationships" xmlns:p="http://schemas.openxmlformats.org/presentationml/2006/main">
-  <p:cSld>
-    <p:spTree>
-      <p:nvGrpSpPr>
-        <p:cNvPr id="1" name=""/>
-        <p:cNvGrpSpPr/>
-        <p:nvPr/>
-      </p:nvGrpSpPr>
-      <p:grpSpPr>
-        <a:xfrm>
-          <a:off x="0" y="0"/>
-          <a:ext cx="0" cy="0"/>
-          <a:chOff x="0" y="0"/>
-          <a:chExt cx="0" cy="0"/>
-        </a:xfrm>
-      </p:grpSpPr>
-      <p:sp>
-        <p:nvSpPr>
-          <p:cNvPr id="17" name="Text Placeholder 16"/>
-          <p:cNvSpPr>
-            <a:spLocks noGrp="1"/>
-          </p:cNvSpPr>
-          <p:nvPr>
-            <p:ph type="body" sz="quarter" idx="14"/>
-          </p:nvPr>
-        </p:nvSpPr>
-        <p:spPr/>
-        <p:txBody>
-          <a:bodyPr anchor="ctr"/>
-          <a:lstStyle/>
-          <a:p>
-            <a:r>
-              <a:rPr lang="en-US" dirty="0"/>
-              <a:t>Containers </a:t>
-            </a:r>
-            <a:r>
-              <a:rPr lang="en-US" dirty="0">
-                <a:solidFill>
-                  <a:schemeClr val="accent1"/>
-                </a:solidFill>
-              </a:rPr>
-              <a:t>made easy</a:t>
+              <a:t>Demo</a:t>
             </a:r>
           </a:p>
         </p:txBody>
       </p:sp>
       <p:pic>
         <p:nvPicPr>
-          <p:cNvPr id="4" name="Picture 3">
+          <p:cNvPr id="6" name="Picture 5">
             <a:extLst>
               <a:ext uri="{FF2B5EF4-FFF2-40B4-BE49-F238E27FC236}">
-                <a16:creationId xmlns:a16="http://schemas.microsoft.com/office/drawing/2014/main" id="{2E8C9C42-BC03-468E-B04E-6BE203085308}"/>
+                <a16:creationId xmlns:a16="http://schemas.microsoft.com/office/drawing/2014/main" id="{8D1ACC5F-52FE-4C32-9E61-49F09FCEB59D}"/>
               </a:ext>
             </a:extLst>
           </p:cNvPr>
@@ -29997,8 +31281,8 @@
         </p:blipFill>
         <p:spPr>
           <a:xfrm>
-            <a:off x="6978451" y="1609832"/>
-            <a:ext cx="4262244" cy="3190166"/>
+            <a:off x="4521420" y="1853181"/>
+            <a:ext cx="3151638" cy="3151638"/>
           </a:xfrm>
           <a:prstGeom prst="rect">
             <a:avLst/>
@@ -30008,7 +31292,7 @@
     </p:spTree>
     <p:extLst>
       <p:ext uri="{BB962C8B-B14F-4D97-AF65-F5344CB8AC3E}">
-        <p14:creationId xmlns:p14="http://schemas.microsoft.com/office/powerpoint/2010/main" val="331263750"/>
+        <p14:creationId xmlns:p14="http://schemas.microsoft.com/office/powerpoint/2010/main" val="124336596"/>
       </p:ext>
     </p:extLst>
   </p:cSld>
